--- a/An easy to use RPC framework implemented by c++11 and c++14 - shorter.pptx
+++ b/An easy to use RPC framework implemented by c++11 and c++14 - shorter.pptx
@@ -5,7 +5,7 @@
     <p:sldMasterId id="2147483660" r:id="rId1"/>
   </p:sldMasterIdLst>
   <p:notesMasterIdLst>
-    <p:notesMasterId r:id="rId55"/>
+    <p:notesMasterId r:id="rId57"/>
   </p:notesMasterIdLst>
   <p:sldIdLst>
     <p:sldId id="256" r:id="rId2"/>
@@ -22,45 +22,47 @@
     <p:sldId id="321" r:id="rId13"/>
     <p:sldId id="363" r:id="rId14"/>
     <p:sldId id="364" r:id="rId15"/>
-    <p:sldId id="323" r:id="rId16"/>
-    <p:sldId id="269" r:id="rId17"/>
-    <p:sldId id="343" r:id="rId18"/>
-    <p:sldId id="357" r:id="rId19"/>
-    <p:sldId id="277" r:id="rId20"/>
-    <p:sldId id="278" r:id="rId21"/>
-    <p:sldId id="350" r:id="rId22"/>
-    <p:sldId id="351" r:id="rId23"/>
-    <p:sldId id="279" r:id="rId24"/>
-    <p:sldId id="280" r:id="rId25"/>
+    <p:sldId id="367" r:id="rId16"/>
+    <p:sldId id="323" r:id="rId17"/>
+    <p:sldId id="269" r:id="rId18"/>
+    <p:sldId id="343" r:id="rId19"/>
+    <p:sldId id="357" r:id="rId20"/>
+    <p:sldId id="277" r:id="rId21"/>
+    <p:sldId id="278" r:id="rId22"/>
+    <p:sldId id="350" r:id="rId23"/>
+    <p:sldId id="351" r:id="rId24"/>
+    <p:sldId id="279" r:id="rId25"/>
     <p:sldId id="352" r:id="rId26"/>
-    <p:sldId id="324" r:id="rId27"/>
-    <p:sldId id="353" r:id="rId28"/>
-    <p:sldId id="281" r:id="rId29"/>
-    <p:sldId id="326" r:id="rId30"/>
-    <p:sldId id="282" r:id="rId31"/>
-    <p:sldId id="328" r:id="rId32"/>
-    <p:sldId id="345" r:id="rId33"/>
-    <p:sldId id="365" r:id="rId34"/>
-    <p:sldId id="332" r:id="rId35"/>
-    <p:sldId id="330" r:id="rId36"/>
-    <p:sldId id="331" r:id="rId37"/>
-    <p:sldId id="358" r:id="rId38"/>
-    <p:sldId id="346" r:id="rId39"/>
-    <p:sldId id="299" r:id="rId40"/>
-    <p:sldId id="333" r:id="rId41"/>
-    <p:sldId id="307" r:id="rId42"/>
-    <p:sldId id="348" r:id="rId43"/>
-    <p:sldId id="308" r:id="rId44"/>
-    <p:sldId id="337" r:id="rId45"/>
-    <p:sldId id="338" r:id="rId46"/>
-    <p:sldId id="349" r:id="rId47"/>
-    <p:sldId id="341" r:id="rId48"/>
-    <p:sldId id="304" r:id="rId49"/>
-    <p:sldId id="347" r:id="rId50"/>
-    <p:sldId id="334" r:id="rId51"/>
-    <p:sldId id="301" r:id="rId52"/>
-    <p:sldId id="263" r:id="rId53"/>
-    <p:sldId id="264" r:id="rId54"/>
+    <p:sldId id="280" r:id="rId27"/>
+    <p:sldId id="324" r:id="rId28"/>
+    <p:sldId id="353" r:id="rId29"/>
+    <p:sldId id="281" r:id="rId30"/>
+    <p:sldId id="326" r:id="rId31"/>
+    <p:sldId id="282" r:id="rId32"/>
+    <p:sldId id="328" r:id="rId33"/>
+    <p:sldId id="345" r:id="rId34"/>
+    <p:sldId id="365" r:id="rId35"/>
+    <p:sldId id="332" r:id="rId36"/>
+    <p:sldId id="330" r:id="rId37"/>
+    <p:sldId id="331" r:id="rId38"/>
+    <p:sldId id="358" r:id="rId39"/>
+    <p:sldId id="347" r:id="rId40"/>
+    <p:sldId id="346" r:id="rId41"/>
+    <p:sldId id="299" r:id="rId42"/>
+    <p:sldId id="333" r:id="rId43"/>
+    <p:sldId id="307" r:id="rId44"/>
+    <p:sldId id="348" r:id="rId45"/>
+    <p:sldId id="308" r:id="rId46"/>
+    <p:sldId id="337" r:id="rId47"/>
+    <p:sldId id="338" r:id="rId48"/>
+    <p:sldId id="366" r:id="rId49"/>
+    <p:sldId id="349" r:id="rId50"/>
+    <p:sldId id="341" r:id="rId51"/>
+    <p:sldId id="304" r:id="rId52"/>
+    <p:sldId id="334" r:id="rId53"/>
+    <p:sldId id="301" r:id="rId54"/>
+    <p:sldId id="263" r:id="rId55"/>
+    <p:sldId id="264" r:id="rId56"/>
   </p:sldIdLst>
   <p:sldSz cx="9144000" cy="6858000" type="screen4x3"/>
   <p:notesSz cx="6858000" cy="9144000"/>
@@ -574,26 +576,6 @@
           <a:bodyPr/>
           <a:lstStyle/>
           <a:p>
-            <a:r>
-              <a:rPr lang="en-US" altLang="zh-CN" dirty="0" smtClean="0"/>
-              <a:t>Hello everyone, </a:t>
-            </a:r>
-            <a:r>
-              <a:rPr lang="en-US" altLang="zh-CN" dirty="0" err="1" smtClean="0"/>
-              <a:t>i'm</a:t>
-            </a:r>
-            <a:r>
-              <a:rPr lang="en-US" altLang="zh-CN" dirty="0" smtClean="0"/>
-              <a:t> </a:t>
-            </a:r>
-            <a:r>
-              <a:rPr lang="en-US" altLang="zh-CN" dirty="0" err="1" smtClean="0"/>
-              <a:t>qiyu</a:t>
-            </a:r>
-            <a:r>
-              <a:rPr lang="en-US" altLang="zh-CN" dirty="0" smtClean="0"/>
-              <a:t> from China and today we're going to talk about an easy to use RPC library implemented by C++11/14.</a:t>
-            </a:r>
             <a:endParaRPr lang="zh-CN" altLang="en-US" dirty="0"/>
           </a:p>
         </p:txBody>
@@ -679,60 +661,6 @@
           <a:bodyPr/>
           <a:lstStyle/>
           <a:p>
-            <a:r>
-              <a:rPr lang="en-US" altLang="zh-CN" dirty="0" smtClean="0"/>
-              <a:t>The sever code is very simple, because you can easily register callable of any signature with a simple interface </a:t>
-            </a:r>
-            <a:r>
-              <a:rPr lang="en-US" altLang="zh-CN" dirty="0" err="1" smtClean="0"/>
-              <a:t>register_handler</a:t>
-            </a:r>
-            <a:r>
-              <a:rPr lang="en-US" altLang="zh-CN" dirty="0" smtClean="0"/>
-              <a:t>. you know there is no such a container which can hold different kinds of signatures in </a:t>
-            </a:r>
-            <a:r>
-              <a:rPr lang="en-US" altLang="zh-CN" dirty="0" err="1" smtClean="0"/>
-              <a:t>c++</a:t>
-            </a:r>
-            <a:r>
-              <a:rPr lang="en-US" altLang="zh-CN" dirty="0" smtClean="0"/>
-              <a:t>.</a:t>
-            </a:r>
-          </a:p>
-          <a:p>
-            <a:r>
-              <a:rPr lang="en-US" altLang="zh-CN" baseline="0" dirty="0" smtClean="0"/>
-              <a:t>So how to </a:t>
-            </a:r>
-            <a:r>
-              <a:rPr lang="en-US" altLang="zh-CN" dirty="0" smtClean="0"/>
-              <a:t>register callable of any signature is the first challenge.</a:t>
-            </a:r>
-          </a:p>
-          <a:p>
-            <a:r>
-              <a:rPr lang="en-US" altLang="zh-CN" dirty="0" smtClean="0"/>
-              <a:t>The second challenge is how to route the correct handler, because the request format from the client is binary data, you need to parse the string and finish a function call. so how to transform string arguments to real arguments?</a:t>
-            </a:r>
-          </a:p>
-          <a:p>
-            <a:r>
-              <a:rPr lang="en-US" altLang="zh-CN" dirty="0" smtClean="0"/>
-              <a:t>The third challenge is simplify the call code, general, simple and powerful user interface is a challenge.</a:t>
-            </a:r>
-          </a:p>
-          <a:p>
-            <a:r>
-              <a:rPr lang="en-US" altLang="zh-CN" dirty="0" smtClean="0"/>
-              <a:t>the last challenge is hide the details of serialization and networking, let users  focus on the business logic.</a:t>
-            </a:r>
-          </a:p>
-          <a:p>
-            <a:r>
-              <a:rPr lang="en-US" altLang="zh-CN" dirty="0" smtClean="0"/>
-              <a:t>ok let’s discuss the challenges now.</a:t>
-            </a:r>
             <a:endParaRPr lang="zh-CN" altLang="en-US" dirty="0"/>
           </a:p>
         </p:txBody>
@@ -755,7 +683,7 @@
             <a:fld id="{D907BE37-B124-4F9F-8F7E-44B90AC375A6}" type="slidenum">
               <a:rPr lang="zh-CN" altLang="en-US" smtClean="0"/>
               <a:pPr/>
-              <a:t>16</a:t>
+              <a:t>17</a:t>
             </a:fld>
             <a:endParaRPr lang="zh-CN" altLang="en-US"/>
           </a:p>
@@ -835,34 +763,11 @@
               <a:tabLst/>
               <a:defRPr/>
             </a:pPr>
-            <a:r>
-              <a:rPr lang="en-US" altLang="zh-CN" dirty="0" smtClean="0"/>
-              <a:t>OK</a:t>
-            </a:r>
-            <a:r>
-              <a:rPr lang="zh-CN" altLang="en-US" baseline="0" dirty="0" smtClean="0"/>
-              <a:t> </a:t>
-            </a:r>
-            <a:r>
-              <a:rPr lang="en-US" altLang="zh-CN" baseline="0" dirty="0" smtClean="0"/>
-              <a:t>I will discuss the </a:t>
-            </a:r>
-            <a:r>
-              <a:rPr lang="en-US" altLang="zh-CN" sz="1200" baseline="0" dirty="0" smtClean="0">
-                <a:solidFill>
-                  <a:schemeClr val="accent5"/>
-                </a:solidFill>
-              </a:rPr>
-              <a:t>c</a:t>
-            </a:r>
-            <a:r>
-              <a:rPr lang="en-US" altLang="zh-CN" sz="1200" dirty="0" smtClean="0">
-                <a:solidFill>
-                  <a:schemeClr val="accent5"/>
-                </a:solidFill>
-              </a:rPr>
-              <a:t>hallenges of easy to use</a:t>
-            </a:r>
+            <a:endParaRPr lang="en-US" altLang="zh-CN" sz="1200" dirty="0" smtClean="0">
+              <a:solidFill>
+                <a:schemeClr val="accent5"/>
+              </a:solidFill>
+            </a:endParaRPr>
           </a:p>
         </p:txBody>
       </p:sp>
@@ -884,7 +789,7 @@
             <a:fld id="{D907BE37-B124-4F9F-8F7E-44B90AC375A6}" type="slidenum">
               <a:rPr lang="zh-CN" altLang="en-US" smtClean="0"/>
               <a:pPr/>
-              <a:t>18</a:t>
+              <a:t>19</a:t>
             </a:fld>
             <a:endParaRPr lang="zh-CN" altLang="en-US"/>
           </a:p>
@@ -947,16 +852,6 @@
           <a:bodyPr/>
           <a:lstStyle/>
           <a:p>
-            <a:r>
-              <a:rPr lang="en-US" altLang="zh-CN" dirty="0" err="1" smtClean="0"/>
-              <a:t>rest_rpc</a:t>
-            </a:r>
-            <a:r>
-              <a:rPr lang="en-US" altLang="zh-CN" dirty="0" smtClean="0"/>
-              <a:t> can register different kinds of callable, no matter different return types and arguments types.</a:t>
-            </a:r>
-          </a:p>
-          <a:p>
             <a:endParaRPr lang="zh-CN" altLang="en-US" dirty="0"/>
           </a:p>
         </p:txBody>
@@ -979,7 +874,7 @@
             <a:fld id="{D907BE37-B124-4F9F-8F7E-44B90AC375A6}" type="slidenum">
               <a:rPr lang="zh-CN" altLang="en-US" smtClean="0"/>
               <a:pPr/>
-              <a:t>19</a:t>
+              <a:t>20</a:t>
             </a:fld>
             <a:endParaRPr lang="zh-CN" altLang="en-US"/>
           </a:p>
@@ -1042,84 +937,7 @@
           <a:bodyPr/>
           <a:lstStyle/>
           <a:p>
-            <a:r>
-              <a:rPr lang="en-US" altLang="zh-CN" dirty="0" smtClean="0"/>
-              <a:t>does someone has some ideas to solve the problem? we can discuss it. let’s go on. indeed we need type erase. how to type erase? </a:t>
-            </a:r>
-            <a:r>
-              <a:rPr lang="en-US" altLang="zh-CN" dirty="0" err="1" smtClean="0"/>
-              <a:t>std</a:t>
-            </a:r>
-            <a:r>
-              <a:rPr lang="en-US" altLang="zh-CN" dirty="0" smtClean="0"/>
-              <a:t>::function? no, because the signature is fixed  at the time of definition.</a:t>
-            </a:r>
-          </a:p>
-          <a:p>
-            <a:r>
-              <a:rPr lang="en-US" altLang="zh-CN" dirty="0" smtClean="0"/>
-              <a:t>how about boost::variant or </a:t>
-            </a:r>
-            <a:r>
-              <a:rPr lang="en-US" altLang="zh-CN" dirty="0" err="1" smtClean="0"/>
-              <a:t>std</a:t>
-            </a:r>
-            <a:r>
-              <a:rPr lang="en-US" altLang="zh-CN" dirty="0" smtClean="0"/>
-              <a:t>::variant from </a:t>
-            </a:r>
-            <a:r>
-              <a:rPr lang="en-US" altLang="zh-CN" dirty="0" err="1" smtClean="0"/>
-              <a:t>c++</a:t>
-            </a:r>
-            <a:r>
-              <a:rPr lang="en-US" altLang="zh-CN" dirty="0" smtClean="0"/>
-              <a:t>17? no, because the variant type is also fixed at the time of definition.</a:t>
-            </a:r>
-          </a:p>
-          <a:p>
-            <a:r>
-              <a:rPr lang="en-US" altLang="zh-CN" dirty="0" smtClean="0"/>
-              <a:t>how about boost::any or </a:t>
-            </a:r>
-            <a:r>
-              <a:rPr lang="en-US" altLang="zh-CN" dirty="0" err="1" smtClean="0"/>
-              <a:t>std</a:t>
-            </a:r>
-            <a:r>
-              <a:rPr lang="en-US" altLang="zh-CN" dirty="0" smtClean="0"/>
-              <a:t>::any from </a:t>
-            </a:r>
-            <a:r>
-              <a:rPr lang="en-US" altLang="zh-CN" dirty="0" err="1" smtClean="0"/>
-              <a:t>c++</a:t>
-            </a:r>
-            <a:r>
-              <a:rPr lang="en-US" altLang="zh-CN" dirty="0" smtClean="0"/>
-              <a:t>17? no, because </a:t>
-            </a:r>
-            <a:r>
-              <a:rPr lang="en-US" altLang="zh-CN" dirty="0" err="1" smtClean="0"/>
-              <a:t>any_cast</a:t>
-            </a:r>
-            <a:r>
-              <a:rPr lang="en-US" altLang="zh-CN" dirty="0" smtClean="0"/>
-              <a:t> need a concrete type to get the value, but the request from the client is binary format and lost the type information, the server has no opportunity to get the concrete type.</a:t>
-            </a:r>
-          </a:p>
-          <a:p>
-            <a:r>
-              <a:rPr lang="en-US" altLang="zh-CN" dirty="0" smtClean="0"/>
-              <a:t>Now let’s look at a special type erase way implemented by modern </a:t>
-            </a:r>
-            <a:r>
-              <a:rPr lang="en-US" altLang="zh-CN" dirty="0" err="1" smtClean="0"/>
-              <a:t>c++</a:t>
-            </a:r>
-            <a:r>
-              <a:rPr lang="en-US" altLang="zh-CN" dirty="0" smtClean="0"/>
-              <a:t>.</a:t>
-            </a:r>
+            <a:endParaRPr lang="en-US" altLang="zh-CN" dirty="0" smtClean="0"/>
           </a:p>
         </p:txBody>
       </p:sp>
@@ -1141,7 +959,7 @@
             <a:fld id="{D907BE37-B124-4F9F-8F7E-44B90AC375A6}" type="slidenum">
               <a:rPr lang="zh-CN" altLang="en-US" smtClean="0"/>
               <a:pPr/>
-              <a:t>20</a:t>
+              <a:t>21</a:t>
             </a:fld>
             <a:endParaRPr lang="zh-CN" altLang="en-US"/>
           </a:p>
@@ -1226,7 +1044,7 @@
             <a:fld id="{D907BE37-B124-4F9F-8F7E-44B90AC375A6}" type="slidenum">
               <a:rPr lang="zh-CN" altLang="en-US" smtClean="0"/>
               <a:pPr/>
-              <a:t>23</a:t>
+              <a:t>24</a:t>
             </a:fld>
             <a:endParaRPr lang="zh-CN" altLang="en-US"/>
           </a:p>
@@ -1289,128 +1107,6 @@
           <a:bodyPr/>
           <a:lstStyle/>
           <a:p>
-            <a:r>
-              <a:rPr lang="en-US" altLang="zh-CN" dirty="0" smtClean="0"/>
-              <a:t>now you</a:t>
-            </a:r>
-            <a:r>
-              <a:rPr lang="en-US" altLang="zh-CN" baseline="0" dirty="0" smtClean="0"/>
-              <a:t> can  register callable of any signature.</a:t>
-            </a:r>
-          </a:p>
-          <a:p>
-            <a:r>
-              <a:rPr lang="en-US" altLang="zh-CN" dirty="0" smtClean="0">
-                <a:solidFill>
-                  <a:srgbClr val="FF0000"/>
-                </a:solidFill>
-              </a:rPr>
-              <a:t>can accept any function</a:t>
-            </a:r>
-          </a:p>
-          <a:p>
-            <a:pPr marL="0" marR="0" indent="0" algn="l" defTabSz="914400" rtl="0" eaLnBrk="1" fontAlgn="auto" latinLnBrk="0" hangingPunct="1">
-              <a:lnSpc>
-                <a:spcPct val="100000"/>
-              </a:lnSpc>
-              <a:spcBef>
-                <a:spcPts val="0"/>
-              </a:spcBef>
-              <a:spcAft>
-                <a:spcPts val="0"/>
-              </a:spcAft>
-              <a:buClrTx/>
-              <a:buSzTx/>
-              <a:buFontTx/>
-              <a:buNone/>
-              <a:tabLst/>
-              <a:defRPr/>
-            </a:pPr>
-            <a:r>
-              <a:rPr lang="en-US" altLang="zh-CN" dirty="0" smtClean="0">
-                <a:solidFill>
-                  <a:srgbClr val="FF0000"/>
-                </a:solidFill>
-              </a:rPr>
-              <a:t>compose wrapper function and real function by </a:t>
-            </a:r>
-            <a:r>
-              <a:rPr lang="en-US" altLang="zh-CN" dirty="0" err="1" smtClean="0">
-                <a:solidFill>
-                  <a:srgbClr val="FF0000"/>
-                </a:solidFill>
-              </a:rPr>
-              <a:t>std</a:t>
-            </a:r>
-            <a:r>
-              <a:rPr lang="en-US" altLang="zh-CN" dirty="0" smtClean="0">
-                <a:solidFill>
-                  <a:srgbClr val="FF0000"/>
-                </a:solidFill>
-              </a:rPr>
-              <a:t>::bind</a:t>
-            </a:r>
-          </a:p>
-          <a:p>
-            <a:pPr marL="0" marR="0" indent="0" algn="l" defTabSz="914400" rtl="0" eaLnBrk="1" fontAlgn="auto" latinLnBrk="0" hangingPunct="1">
-              <a:lnSpc>
-                <a:spcPct val="100000"/>
-              </a:lnSpc>
-              <a:spcBef>
-                <a:spcPts val="0"/>
-              </a:spcBef>
-              <a:spcAft>
-                <a:spcPts val="0"/>
-              </a:spcAft>
-              <a:buClrTx/>
-              <a:buSzTx/>
-              <a:buFontTx/>
-              <a:buNone/>
-              <a:tabLst/>
-              <a:defRPr/>
-            </a:pPr>
-            <a:r>
-              <a:rPr lang="en-US" altLang="zh-CN" dirty="0" smtClean="0">
-                <a:solidFill>
-                  <a:srgbClr val="FF0000"/>
-                </a:solidFill>
-              </a:rPr>
-              <a:t>template class and </a:t>
-            </a:r>
-            <a:r>
-              <a:rPr lang="en-US" altLang="zh-CN" dirty="0" err="1" smtClean="0">
-                <a:solidFill>
-                  <a:srgbClr val="FF0000"/>
-                </a:solidFill>
-              </a:rPr>
-              <a:t>std</a:t>
-            </a:r>
-            <a:r>
-              <a:rPr lang="en-US" altLang="zh-CN" dirty="0" smtClean="0">
-                <a:solidFill>
-                  <a:srgbClr val="FF0000"/>
-                </a:solidFill>
-              </a:rPr>
-              <a:t>::bind</a:t>
-            </a:r>
-            <a:r>
-              <a:rPr lang="zh-CN" altLang="en-US" dirty="0" smtClean="0">
-                <a:solidFill>
-                  <a:srgbClr val="FF0000"/>
-                </a:solidFill>
-              </a:rPr>
-              <a:t> </a:t>
-            </a:r>
-            <a:r>
-              <a:rPr lang="en-US" altLang="zh-CN" dirty="0" smtClean="0">
-                <a:solidFill>
-                  <a:srgbClr val="FF0000"/>
-                </a:solidFill>
-              </a:rPr>
-              <a:t>erase function type</a:t>
-            </a:r>
-          </a:p>
-          <a:p>
             <a:endParaRPr lang="zh-CN" altLang="en-US" dirty="0"/>
           </a:p>
         </p:txBody>
@@ -1433,7 +1129,7 @@
             <a:fld id="{D907BE37-B124-4F9F-8F7E-44B90AC375A6}" type="slidenum">
               <a:rPr lang="zh-CN" altLang="en-US" smtClean="0"/>
               <a:pPr/>
-              <a:t>24</a:t>
+              <a:t>26</a:t>
             </a:fld>
             <a:endParaRPr lang="zh-CN" altLang="en-US"/>
           </a:p>
@@ -1518,7 +1214,7 @@
             <a:fld id="{D907BE37-B124-4F9F-8F7E-44B90AC375A6}" type="slidenum">
               <a:rPr lang="zh-CN" altLang="en-US" smtClean="0"/>
               <a:pPr/>
-              <a:t>26</a:t>
+              <a:t>27</a:t>
             </a:fld>
             <a:endParaRPr lang="zh-CN" altLang="en-US"/>
           </a:p>
@@ -1581,20 +1277,6 @@
           <a:bodyPr/>
           <a:lstStyle/>
           <a:p>
-            <a:r>
-              <a:rPr lang="en-US" altLang="zh-CN" dirty="0" smtClean="0"/>
-              <a:t>the handler</a:t>
-            </a:r>
-            <a:r>
-              <a:rPr lang="en-US" altLang="zh-CN" baseline="0" dirty="0" smtClean="0"/>
-              <a:t> name can be got easily from client request. the route function is very easy, just find the handler and then call it with binary data.</a:t>
-            </a:r>
-          </a:p>
-          <a:p>
-            <a:r>
-              <a:rPr lang="en-US" altLang="zh-CN" dirty="0" smtClean="0"/>
-              <a:t>the key Point is the called handler, let’s look at it.</a:t>
-            </a:r>
             <a:endParaRPr lang="zh-CN" altLang="en-US" dirty="0"/>
           </a:p>
         </p:txBody>
@@ -1617,7 +1299,7 @@
             <a:fld id="{D907BE37-B124-4F9F-8F7E-44B90AC375A6}" type="slidenum">
               <a:rPr lang="zh-CN" altLang="en-US" smtClean="0"/>
               <a:pPr/>
-              <a:t>28</a:t>
+              <a:t>29</a:t>
             </a:fld>
             <a:endParaRPr lang="zh-CN" altLang="en-US"/>
           </a:p>
@@ -1680,119 +1362,6 @@
           <a:bodyPr/>
           <a:lstStyle/>
           <a:p>
-            <a:pPr marL="0" marR="0" indent="0" algn="l" defTabSz="914400" rtl="0" eaLnBrk="1" fontAlgn="auto" latinLnBrk="0" hangingPunct="1">
-              <a:lnSpc>
-                <a:spcPct val="100000"/>
-              </a:lnSpc>
-              <a:spcBef>
-                <a:spcPts val="0"/>
-              </a:spcBef>
-              <a:spcAft>
-                <a:spcPts val="0"/>
-              </a:spcAft>
-              <a:buClrTx/>
-              <a:buSzTx/>
-              <a:buFontTx/>
-              <a:buNone/>
-              <a:tabLst/>
-              <a:defRPr/>
-            </a:pPr>
-            <a:r>
-              <a:rPr lang="en-US" altLang="zh-CN" dirty="0" smtClean="0"/>
-              <a:t>the apply function has three arguments, the first argument is the registered handler, the rest arguments are binary data from client.</a:t>
-            </a:r>
-          </a:p>
-          <a:p>
-            <a:pPr marL="0" marR="0" indent="0" algn="l" defTabSz="914400" rtl="0" eaLnBrk="1" fontAlgn="auto" latinLnBrk="0" hangingPunct="1">
-              <a:lnSpc>
-                <a:spcPct val="100000"/>
-              </a:lnSpc>
-              <a:spcBef>
-                <a:spcPts val="0"/>
-              </a:spcBef>
-              <a:spcAft>
-                <a:spcPts val="0"/>
-              </a:spcAft>
-              <a:buClrTx/>
-              <a:buSzTx/>
-              <a:buFontTx/>
-              <a:buNone/>
-              <a:tabLst/>
-              <a:defRPr/>
-            </a:pPr>
-            <a:r>
-              <a:rPr lang="en-US" altLang="zh-CN" dirty="0" smtClean="0"/>
-              <a:t>the client put the call arguments into a tuple and serialize it into binary data. so at the server side we need to</a:t>
-            </a:r>
-            <a:r>
-              <a:rPr lang="zh-CN" altLang="en-US" baseline="0" dirty="0" smtClean="0"/>
-              <a:t> </a:t>
-            </a:r>
-            <a:r>
-              <a:rPr lang="en-US" altLang="zh-CN" baseline="0" dirty="0" err="1" smtClean="0"/>
-              <a:t>deserialize</a:t>
-            </a:r>
-            <a:r>
-              <a:rPr lang="en-US" altLang="zh-CN" baseline="0" dirty="0" smtClean="0"/>
-              <a:t> it into tuple. I use serialization engine iguana do the work, because of the time limit I don’t want to talk about it this time.</a:t>
-            </a:r>
-          </a:p>
-          <a:p>
-            <a:pPr marL="0" marR="0" indent="0" algn="l" defTabSz="914400" rtl="0" eaLnBrk="1" fontAlgn="auto" latinLnBrk="0" hangingPunct="1">
-              <a:lnSpc>
-                <a:spcPct val="100000"/>
-              </a:lnSpc>
-              <a:spcBef>
-                <a:spcPts val="0"/>
-              </a:spcBef>
-              <a:spcAft>
-                <a:spcPts val="0"/>
-              </a:spcAft>
-              <a:buClrTx/>
-              <a:buSzTx/>
-              <a:buFontTx/>
-              <a:buNone/>
-              <a:tabLst/>
-              <a:defRPr/>
-            </a:pPr>
-            <a:r>
-              <a:rPr lang="en-US" altLang="zh-CN" dirty="0" smtClean="0"/>
-              <a:t>Now you have had the registered handler and the tuple arguments, you just need to call </a:t>
-            </a:r>
-            <a:r>
-              <a:rPr lang="en-US" altLang="zh-CN" dirty="0" err="1" smtClean="0"/>
-              <a:t>std</a:t>
-            </a:r>
-            <a:r>
-              <a:rPr lang="en-US" altLang="zh-CN" dirty="0" smtClean="0"/>
-              <a:t>::apply to </a:t>
-            </a:r>
-            <a:r>
-              <a:rPr lang="en-US" altLang="zh-CN" dirty="0" err="1" smtClean="0"/>
-              <a:t>excecute</a:t>
-            </a:r>
-            <a:r>
-              <a:rPr lang="en-US" altLang="zh-CN" dirty="0" smtClean="0"/>
-              <a:t> the hander in  </a:t>
-            </a:r>
-            <a:r>
-              <a:rPr lang="en-US" altLang="zh-CN" dirty="0" err="1" smtClean="0"/>
-              <a:t>c++</a:t>
-            </a:r>
-            <a:r>
-              <a:rPr lang="en-US" altLang="zh-CN" dirty="0" smtClean="0"/>
-              <a:t>17. But for C++14 you can utilize some new features to implement similar </a:t>
-            </a:r>
-            <a:r>
-              <a:rPr lang="en-US" altLang="zh-CN" dirty="0" err="1" smtClean="0"/>
-              <a:t>std</a:t>
-            </a:r>
-            <a:r>
-              <a:rPr lang="en-US" altLang="zh-CN" dirty="0" smtClean="0"/>
-              <a:t>::apply.</a:t>
-            </a:r>
-          </a:p>
-          <a:p>
             <a:endParaRPr lang="zh-CN" altLang="en-US" dirty="0"/>
           </a:p>
         </p:txBody>
@@ -1815,7 +1384,7 @@
             <a:fld id="{D907BE37-B124-4F9F-8F7E-44B90AC375A6}" type="slidenum">
               <a:rPr lang="zh-CN" altLang="en-US" smtClean="0"/>
               <a:pPr/>
-              <a:t>29</a:t>
+              <a:t>30</a:t>
             </a:fld>
             <a:endParaRPr lang="zh-CN" altLang="en-US"/>
           </a:p>
@@ -1878,94 +1447,6 @@
           <a:bodyPr/>
           <a:lstStyle/>
           <a:p>
-            <a:r>
-              <a:rPr lang="en-US" altLang="zh-CN" dirty="0" smtClean="0"/>
-              <a:t>we can implement </a:t>
-            </a:r>
-            <a:r>
-              <a:rPr lang="en-US" altLang="zh-CN" dirty="0" err="1" smtClean="0"/>
-              <a:t>std</a:t>
-            </a:r>
-            <a:r>
-              <a:rPr lang="en-US" altLang="zh-CN" dirty="0" smtClean="0"/>
-              <a:t>::apply by </a:t>
-            </a:r>
-            <a:r>
-              <a:rPr lang="en-US" altLang="zh-CN" dirty="0" err="1" smtClean="0"/>
-              <a:t>c++</a:t>
-            </a:r>
-            <a:r>
-              <a:rPr lang="en-US" altLang="zh-CN" dirty="0" smtClean="0"/>
-              <a:t>14, we can utilize </a:t>
-            </a:r>
-            <a:r>
-              <a:rPr lang="en-US" altLang="zh-CN" dirty="0" err="1" smtClean="0"/>
-              <a:t>c++</a:t>
-            </a:r>
-            <a:r>
-              <a:rPr lang="en-US" altLang="zh-CN" dirty="0" smtClean="0"/>
-              <a:t>14 feature </a:t>
-            </a:r>
-            <a:r>
-              <a:rPr lang="en-US" altLang="zh-CN" dirty="0" err="1" smtClean="0"/>
-              <a:t>std</a:t>
-            </a:r>
-            <a:r>
-              <a:rPr lang="en-US" altLang="zh-CN" dirty="0" smtClean="0"/>
-              <a:t>::</a:t>
-            </a:r>
-            <a:r>
-              <a:rPr lang="en-US" altLang="zh-CN" dirty="0" err="1" smtClean="0"/>
-              <a:t>index_sequence</a:t>
-            </a:r>
-            <a:r>
-              <a:rPr lang="en-US" altLang="zh-CN" dirty="0" smtClean="0"/>
-              <a:t> to expand </a:t>
-            </a:r>
-            <a:r>
-              <a:rPr lang="en-US" altLang="zh-CN" dirty="0" err="1" smtClean="0"/>
-              <a:t>variadic</a:t>
-            </a:r>
-            <a:r>
-              <a:rPr lang="en-US" altLang="zh-CN" dirty="0" smtClean="0"/>
-              <a:t> template.</a:t>
-            </a:r>
-          </a:p>
-          <a:p>
-            <a:r>
-              <a:rPr lang="en-US" altLang="zh-CN" dirty="0" smtClean="0"/>
-              <a:t>at first make a </a:t>
-            </a:r>
-            <a:r>
-              <a:rPr lang="en-US" altLang="zh-CN" dirty="0" err="1" smtClean="0"/>
-              <a:t>index_sequence</a:t>
-            </a:r>
-            <a:r>
-              <a:rPr lang="en-US" altLang="zh-CN" dirty="0" smtClean="0"/>
-              <a:t> by </a:t>
-            </a:r>
-            <a:r>
-              <a:rPr lang="en-US" altLang="zh-CN" dirty="0" err="1" smtClean="0"/>
-              <a:t>tuple_size</a:t>
-            </a:r>
-            <a:r>
-              <a:rPr lang="en-US" altLang="zh-CN" dirty="0" smtClean="0"/>
-              <a:t>, then get all elements of tuple by expanding </a:t>
-            </a:r>
-            <a:r>
-              <a:rPr lang="en-US" altLang="zh-CN" dirty="0" err="1" smtClean="0"/>
-              <a:t>variadic</a:t>
-            </a:r>
-            <a:r>
-              <a:rPr lang="en-US" altLang="zh-CN" dirty="0" smtClean="0"/>
-              <a:t> template, the got parameters become function arguments and the function call finish.</a:t>
-            </a:r>
-          </a:p>
-          <a:p>
-            <a:r>
-              <a:rPr lang="en-US" altLang="zh-CN" dirty="0" smtClean="0"/>
-              <a:t>ok let’s look back the solution of register and route handler</a:t>
-            </a:r>
             <a:endParaRPr lang="zh-CN" altLang="en-US" dirty="0"/>
           </a:p>
         </p:txBody>
@@ -1988,7 +1469,7 @@
             <a:fld id="{D907BE37-B124-4F9F-8F7E-44B90AC375A6}" type="slidenum">
               <a:rPr lang="zh-CN" altLang="en-US" smtClean="0"/>
               <a:pPr/>
-              <a:t>30</a:t>
+              <a:t>31</a:t>
             </a:fld>
             <a:endParaRPr lang="zh-CN" altLang="en-US"/>
           </a:p>
@@ -2051,26 +1532,6 @@
           <a:bodyPr/>
           <a:lstStyle/>
           <a:p>
-            <a:r>
-              <a:rPr lang="en-US" altLang="zh-CN" dirty="0" smtClean="0"/>
-              <a:t>let's start the introduction. </a:t>
-            </a:r>
-            <a:r>
-              <a:rPr lang="en-US" altLang="zh-CN" dirty="0" err="1" smtClean="0"/>
-              <a:t>i</a:t>
-            </a:r>
-            <a:r>
-              <a:rPr lang="en-US" altLang="zh-CN" dirty="0" smtClean="0"/>
-              <a:t> want to introduce </a:t>
-            </a:r>
-            <a:r>
-              <a:rPr lang="en-US" altLang="zh-CN" dirty="0" err="1" smtClean="0"/>
-              <a:t>rest_rpc</a:t>
-            </a:r>
-            <a:r>
-              <a:rPr lang="en-US" altLang="zh-CN" dirty="0" smtClean="0"/>
-              <a:t>, a new approach to implement RPC library that shows off the power of modern C++. </a:t>
-            </a:r>
             <a:endParaRPr lang="zh-CN" altLang="en-US" dirty="0"/>
           </a:p>
         </p:txBody>
@@ -2156,38 +1617,6 @@
           <a:bodyPr/>
           <a:lstStyle/>
           <a:p>
-            <a:r>
-              <a:rPr lang="en-US" altLang="zh-CN" dirty="0" smtClean="0"/>
-              <a:t>how to parse the string </a:t>
-            </a:r>
-            <a:r>
-              <a:rPr lang="en-US" altLang="zh-CN" dirty="0" err="1" smtClean="0"/>
-              <a:t>url</a:t>
-            </a:r>
-            <a:r>
-              <a:rPr lang="en-US" altLang="zh-CN" dirty="0" smtClean="0"/>
-              <a:t> and call the right handler, this situation is a little different from former situation, because the request is raw string, no serialization. how to route and execute by the string </a:t>
-            </a:r>
-            <a:r>
-              <a:rPr lang="en-US" altLang="zh-CN" dirty="0" err="1" smtClean="0"/>
-              <a:t>url</a:t>
-            </a:r>
-            <a:r>
-              <a:rPr lang="en-US" altLang="zh-CN" dirty="0" smtClean="0"/>
-              <a:t>?</a:t>
-            </a:r>
-          </a:p>
-          <a:p>
-            <a:r>
-              <a:rPr lang="en-US" altLang="zh-CN" dirty="0" smtClean="0"/>
-              <a:t>can anyone give a solution?</a:t>
-            </a:r>
-          </a:p>
-          <a:p>
-            <a:r>
-              <a:rPr lang="en-US" altLang="zh-CN" dirty="0" smtClean="0"/>
-              <a:t>the solution is similar</a:t>
-            </a:r>
             <a:endParaRPr lang="zh-CN" altLang="en-US" dirty="0"/>
           </a:p>
         </p:txBody>
@@ -2210,7 +1639,7 @@
             <a:fld id="{D907BE37-B124-4F9F-8F7E-44B90AC375A6}" type="slidenum">
               <a:rPr lang="zh-CN" altLang="en-US" smtClean="0"/>
               <a:pPr/>
-              <a:t>31</a:t>
+              <a:t>32</a:t>
             </a:fld>
             <a:endParaRPr lang="zh-CN" altLang="en-US"/>
           </a:p>
@@ -2273,95 +1702,6 @@
           <a:bodyPr/>
           <a:lstStyle/>
           <a:p>
-            <a:r>
-              <a:rPr lang="en-US" altLang="zh-CN" dirty="0" smtClean="0"/>
-              <a:t>we</a:t>
-            </a:r>
-            <a:r>
-              <a:rPr lang="en-US" altLang="zh-CN" baseline="0" dirty="0" smtClean="0"/>
-              <a:t> need some helper class, for example </a:t>
-            </a:r>
-            <a:r>
-              <a:rPr lang="en-US" altLang="zh-CN" baseline="0" dirty="0" err="1" smtClean="0"/>
-              <a:t>function_traits</a:t>
-            </a:r>
-            <a:r>
-              <a:rPr lang="en-US" altLang="zh-CN" baseline="0" dirty="0" smtClean="0"/>
-              <a:t>,  it used to trait function return type, arguments types, arguments number and so on.</a:t>
-            </a:r>
-          </a:p>
-          <a:p>
-            <a:pPr marL="0" marR="0" indent="0" algn="l" defTabSz="914400" rtl="0" eaLnBrk="1" fontAlgn="auto" latinLnBrk="0" hangingPunct="1">
-              <a:lnSpc>
-                <a:spcPct val="100000"/>
-              </a:lnSpc>
-              <a:spcBef>
-                <a:spcPts val="0"/>
-              </a:spcBef>
-              <a:spcAft>
-                <a:spcPts val="0"/>
-              </a:spcAft>
-              <a:buClrTx/>
-              <a:buSzTx/>
-              <a:buFontTx/>
-              <a:buNone/>
-              <a:tabLst/>
-              <a:defRPr/>
-            </a:pPr>
-            <a:r>
-              <a:rPr lang="en-US" altLang="zh-CN" dirty="0" smtClean="0"/>
-              <a:t>this is a part of </a:t>
-            </a:r>
-            <a:r>
-              <a:rPr lang="en-US" altLang="zh-CN" dirty="0" err="1" smtClean="0"/>
-              <a:t>function_traits</a:t>
-            </a:r>
-            <a:r>
-              <a:rPr lang="en-US" altLang="zh-CN" dirty="0" smtClean="0"/>
-              <a:t>, more details you can find it here:</a:t>
-            </a:r>
-            <a:r>
-              <a:rPr lang="zh-CN" altLang="en-US" dirty="0" smtClean="0"/>
-              <a:t>https://github.com/topcpporg/rest_rpc/blob/master/rest_rpc/base/function_traits.hpp</a:t>
-            </a:r>
-            <a:r>
-              <a:rPr lang="en-US" altLang="zh-CN" dirty="0" smtClean="0"/>
-              <a:t>.</a:t>
-            </a:r>
-          </a:p>
-          <a:p>
-            <a:pPr marL="0" marR="0" indent="0" algn="l" defTabSz="914400" rtl="0" eaLnBrk="1" fontAlgn="auto" latinLnBrk="0" hangingPunct="1">
-              <a:lnSpc>
-                <a:spcPct val="100000"/>
-              </a:lnSpc>
-              <a:spcBef>
-                <a:spcPts val="0"/>
-              </a:spcBef>
-              <a:spcAft>
-                <a:spcPts val="0"/>
-              </a:spcAft>
-              <a:buClrTx/>
-              <a:buSzTx/>
-              <a:buFontTx/>
-              <a:buNone/>
-              <a:tabLst/>
-              <a:defRPr/>
-            </a:pPr>
-            <a:r>
-              <a:rPr lang="en-US" altLang="zh-CN" dirty="0" smtClean="0"/>
-              <a:t>this </a:t>
-            </a:r>
-            <a:r>
-              <a:rPr lang="en-US" altLang="zh-CN" dirty="0" err="1" smtClean="0"/>
-              <a:t>function_traits</a:t>
-            </a:r>
-            <a:r>
-              <a:rPr lang="en-US" altLang="zh-CN" dirty="0" smtClean="0"/>
-              <a:t> help us a lot, let’s go on.</a:t>
-            </a:r>
-            <a:endParaRPr lang="zh-CN" altLang="en-US" dirty="0" smtClean="0"/>
-          </a:p>
-          <a:p>
             <a:endParaRPr lang="zh-CN" altLang="en-US" dirty="0"/>
           </a:p>
         </p:txBody>
@@ -2384,7 +1724,7 @@
             <a:fld id="{D907BE37-B124-4F9F-8F7E-44B90AC375A6}" type="slidenum">
               <a:rPr lang="zh-CN" altLang="en-US" smtClean="0"/>
               <a:pPr/>
-              <a:t>34</a:t>
+              <a:t>35</a:t>
             </a:fld>
             <a:endParaRPr lang="zh-CN" altLang="en-US"/>
           </a:p>
@@ -2447,10 +1787,7 @@
           <a:bodyPr/>
           <a:lstStyle/>
           <a:p>
-            <a:r>
-              <a:rPr lang="en-US" altLang="zh-CN" dirty="0" smtClean="0"/>
-              <a:t>Pay attention to the bind, this time we also bind static member function of a template class, but the member function is template function, and one argument is a empty tuple. let’s look at the template class. </a:t>
-            </a:r>
+            <a:endParaRPr lang="en-US" altLang="zh-CN" dirty="0" smtClean="0"/>
           </a:p>
         </p:txBody>
       </p:sp>
@@ -2472,7 +1809,7 @@
             <a:fld id="{D907BE37-B124-4F9F-8F7E-44B90AC375A6}" type="slidenum">
               <a:rPr lang="zh-CN" altLang="en-US" smtClean="0"/>
               <a:pPr/>
-              <a:t>35</a:t>
+              <a:t>36</a:t>
             </a:fld>
             <a:endParaRPr lang="zh-CN" altLang="en-US"/>
           </a:p>
@@ -2535,100 +1872,6 @@
           <a:bodyPr/>
           <a:lstStyle/>
           <a:p>
-            <a:r>
-              <a:rPr lang="en-US" altLang="zh-CN" dirty="0" smtClean="0"/>
-              <a:t>the first invoker class is the base case, has three template arguments, the first argument is the type of registered handler,  the second template argument N, every time plus 1 in recursive process, and the third argument is the termination condition. pay attention to the red</a:t>
-            </a:r>
-            <a:r>
-              <a:rPr lang="en-US" altLang="zh-CN" baseline="0" dirty="0" smtClean="0"/>
-              <a:t> color code, Firstly</a:t>
-            </a:r>
-            <a:r>
-              <a:rPr lang="en-US" altLang="zh-CN" dirty="0" smtClean="0"/>
-              <a:t> every time get a string argument</a:t>
-            </a:r>
-            <a:r>
-              <a:rPr lang="en-US" altLang="zh-CN" baseline="0" dirty="0" smtClean="0"/>
-              <a:t> and transform it to corresponding argument in the function. Secondly put the transformed argument into the empty tuple by </a:t>
-            </a:r>
-            <a:r>
-              <a:rPr lang="en-US" altLang="zh-CN" baseline="0" dirty="0" err="1" smtClean="0"/>
-              <a:t>tuple_cat</a:t>
-            </a:r>
-            <a:r>
-              <a:rPr lang="en-US" altLang="zh-CN" baseline="0" dirty="0" smtClean="0"/>
-              <a:t>, because the beginning </a:t>
-            </a:r>
-            <a:r>
-              <a:rPr lang="en-US" altLang="zh-CN" baseline="0" dirty="0" err="1" smtClean="0"/>
-              <a:t>args</a:t>
-            </a:r>
-            <a:r>
-              <a:rPr lang="en-US" altLang="zh-CN" baseline="0" dirty="0" smtClean="0"/>
-              <a:t> is </a:t>
-            </a:r>
-            <a:r>
-              <a:rPr lang="en-US" altLang="zh-CN" baseline="0" dirty="0" err="1" smtClean="0"/>
-              <a:t>std</a:t>
-            </a:r>
-            <a:r>
-              <a:rPr lang="en-US" altLang="zh-CN" baseline="0" dirty="0" smtClean="0"/>
-              <a:t>::tuple&lt;&gt;, so we need </a:t>
-            </a:r>
-            <a:r>
-              <a:rPr lang="en-US" altLang="zh-CN" baseline="0" dirty="0" err="1" smtClean="0"/>
-              <a:t>tuple_cat</a:t>
-            </a:r>
-            <a:r>
-              <a:rPr lang="en-US" altLang="zh-CN" baseline="0" dirty="0" smtClean="0"/>
-              <a:t> argument one by one, at last we get all arguments in a tuple when recursive determined, and we can use </a:t>
-            </a:r>
-            <a:r>
-              <a:rPr lang="en-US" altLang="zh-CN" baseline="0" dirty="0" err="1" smtClean="0"/>
-              <a:t>std</a:t>
-            </a:r>
-            <a:r>
-              <a:rPr lang="en-US" altLang="zh-CN" baseline="0" dirty="0" smtClean="0"/>
-              <a:t>::apply to finish call with tuple.</a:t>
-            </a:r>
-          </a:p>
-          <a:p>
-            <a:r>
-              <a:rPr lang="en-US" altLang="zh-CN" dirty="0" smtClean="0"/>
-              <a:t>the key point is transform string argument one</a:t>
-            </a:r>
-            <a:r>
-              <a:rPr lang="en-US" altLang="zh-CN" baseline="0" dirty="0" smtClean="0"/>
-              <a:t> by one and add it into a tuple, at last apply with registered function and tuple arguments. is that clear?</a:t>
-            </a:r>
-          </a:p>
-          <a:p>
-            <a:r>
-              <a:rPr lang="en-US" altLang="zh-CN" dirty="0" smtClean="0"/>
-              <a:t>I think it’s very difficult to solve the problem by </a:t>
-            </a:r>
-            <a:r>
-              <a:rPr lang="en-US" altLang="zh-CN" dirty="0" err="1" smtClean="0"/>
-              <a:t>c++</a:t>
-            </a:r>
-            <a:r>
-              <a:rPr lang="en-US" altLang="zh-CN" dirty="0" smtClean="0"/>
-              <a:t>03</a:t>
-            </a:r>
-          </a:p>
-          <a:p>
-            <a:r>
-              <a:rPr lang="en-US" altLang="zh-CN" dirty="0" smtClean="0"/>
-              <a:t>but it’s easy for modern </a:t>
-            </a:r>
-            <a:r>
-              <a:rPr lang="en-US" altLang="zh-CN" dirty="0" err="1" smtClean="0"/>
-              <a:t>c++</a:t>
-            </a:r>
-            <a:r>
-              <a:rPr lang="en-US" altLang="zh-CN" dirty="0" smtClean="0"/>
-              <a:t>, because there are so many new features can help us, we just need find the potential of new features and compose them together.</a:t>
-            </a:r>
             <a:endParaRPr lang="zh-CN" altLang="en-US" dirty="0" smtClean="0"/>
           </a:p>
         </p:txBody>
@@ -2651,7 +1894,7 @@
             <a:fld id="{D907BE37-B124-4F9F-8F7E-44B90AC375A6}" type="slidenum">
               <a:rPr lang="zh-CN" altLang="en-US" smtClean="0"/>
               <a:pPr/>
-              <a:t>36</a:t>
+              <a:t>37</a:t>
             </a:fld>
             <a:endParaRPr lang="zh-CN" altLang="en-US"/>
           </a:p>
@@ -2714,58 +1957,6 @@
           <a:bodyPr/>
           <a:lstStyle/>
           <a:p>
-            <a:r>
-              <a:rPr lang="en-US" altLang="zh-CN" dirty="0" smtClean="0"/>
-              <a:t>pay attention to the </a:t>
-            </a:r>
-            <a:r>
-              <a:rPr lang="en-US" altLang="zh-CN" dirty="0" err="1" smtClean="0"/>
-              <a:t>timax</a:t>
-            </a:r>
-            <a:r>
-              <a:rPr lang="en-US" altLang="zh-CN" dirty="0" smtClean="0"/>
-              <a:t> bind, let’s compere it with </a:t>
-            </a:r>
-            <a:r>
-              <a:rPr lang="en-US" altLang="zh-CN" dirty="0" err="1" smtClean="0"/>
-              <a:t>std</a:t>
-            </a:r>
-            <a:r>
-              <a:rPr lang="en-US" altLang="zh-CN" dirty="0" smtClean="0"/>
-              <a:t>::bind.</a:t>
-            </a:r>
-          </a:p>
-          <a:p>
-            <a:r>
-              <a:rPr lang="en-US" altLang="zh-CN" dirty="0" err="1" smtClean="0"/>
-              <a:t>timax</a:t>
-            </a:r>
-            <a:r>
-              <a:rPr lang="en-US" altLang="zh-CN" dirty="0" smtClean="0"/>
-              <a:t>::bind  omits placeholder , it’s  more simple.</a:t>
-            </a:r>
-          </a:p>
-          <a:p>
-            <a:r>
-              <a:rPr lang="en-US" altLang="zh-CN" dirty="0" err="1" smtClean="0"/>
-              <a:t>timax</a:t>
-            </a:r>
-            <a:r>
-              <a:rPr lang="en-US" altLang="zh-CN" dirty="0" smtClean="0"/>
-              <a:t> bind is not</a:t>
-            </a:r>
-            <a:r>
-              <a:rPr lang="en-US" altLang="zh-CN" baseline="0" dirty="0" smtClean="0"/>
-              <a:t> another bind, it’s just a wrapper of </a:t>
-            </a:r>
-            <a:r>
-              <a:rPr lang="en-US" altLang="zh-CN" baseline="0" dirty="0" err="1" smtClean="0"/>
-              <a:t>std</a:t>
-            </a:r>
-            <a:r>
-              <a:rPr lang="en-US" altLang="zh-CN" baseline="0" dirty="0" smtClean="0"/>
-              <a:t>::bind for simplify the usage, let’s look at the implementation.</a:t>
-            </a:r>
             <a:endParaRPr lang="zh-CN" altLang="en-US" dirty="0"/>
           </a:p>
         </p:txBody>
@@ -2788,7 +1979,7 @@
             <a:fld id="{D907BE37-B124-4F9F-8F7E-44B90AC375A6}" type="slidenum">
               <a:rPr lang="zh-CN" altLang="en-US" smtClean="0"/>
               <a:pPr/>
-              <a:t>39</a:t>
+              <a:t>41</a:t>
             </a:fld>
             <a:endParaRPr lang="zh-CN" altLang="en-US"/>
           </a:p>
@@ -2851,32 +2042,6 @@
           <a:bodyPr/>
           <a:lstStyle/>
           <a:p>
-            <a:r>
-              <a:rPr lang="en-US" altLang="zh-CN" baseline="0" dirty="0" smtClean="0"/>
-              <a:t>there are two overload functions, if you bind with parameters, the first function was selected, in the function </a:t>
-            </a:r>
-            <a:r>
-              <a:rPr lang="en-US" altLang="zh-CN" baseline="0" dirty="0" err="1" smtClean="0"/>
-              <a:t>std</a:t>
-            </a:r>
-            <a:r>
-              <a:rPr lang="en-US" altLang="zh-CN" baseline="0" dirty="0" smtClean="0"/>
-              <a:t>::bind is called, if you omit the parameters, the second function will be selected.</a:t>
-            </a:r>
-          </a:p>
-          <a:p>
-            <a:r>
-              <a:rPr lang="en-US" altLang="zh-CN" dirty="0" smtClean="0"/>
-              <a:t>Here we use move capture lambda, and the return type is </a:t>
-            </a:r>
-            <a:r>
-              <a:rPr lang="en-US" altLang="zh-CN" dirty="0" err="1" smtClean="0"/>
-              <a:t>std</a:t>
-            </a:r>
-            <a:r>
-              <a:rPr lang="en-US" altLang="zh-CN" dirty="0" smtClean="0"/>
-              <a:t>::function.</a:t>
-            </a:r>
             <a:endParaRPr lang="zh-CN" altLang="en-US" dirty="0"/>
           </a:p>
         </p:txBody>
@@ -2899,7 +2064,7 @@
             <a:fld id="{D907BE37-B124-4F9F-8F7E-44B90AC375A6}" type="slidenum">
               <a:rPr lang="zh-CN" altLang="en-US" smtClean="0"/>
               <a:pPr/>
-              <a:t>40</a:t>
+              <a:t>42</a:t>
             </a:fld>
             <a:endParaRPr lang="zh-CN" altLang="en-US"/>
           </a:p>
@@ -2979,70 +2144,6 @@
               <a:tabLst/>
               <a:defRPr/>
             </a:pPr>
-            <a:r>
-              <a:rPr lang="en-US" altLang="zh-CN" dirty="0" smtClean="0"/>
-              <a:t>Pay attention to the micro TIMAX_DEFINE_PROTOCOL, it’s a call protocol. You know many kinds of servers use protocol buffer or some other protocol file to define the call protocol. I don’t like the way, I think the protocol file increase learning cost, you have to learning the complicated details and there is no unified protocol. So </a:t>
-            </a:r>
-            <a:r>
-              <a:rPr lang="en-US" altLang="zh-CN" dirty="0" err="1" smtClean="0"/>
-              <a:t>rest_rpc</a:t>
-            </a:r>
-            <a:r>
-              <a:rPr lang="en-US" altLang="zh-CN" dirty="0" smtClean="0"/>
-              <a:t> discards protocol file, </a:t>
-            </a:r>
-            <a:r>
-              <a:rPr lang="en-US" altLang="zh-CN" dirty="0" err="1" smtClean="0"/>
-              <a:t>rest_rpc</a:t>
-            </a:r>
-            <a:r>
-              <a:rPr lang="en-US" altLang="zh-CN" dirty="0" smtClean="0"/>
-              <a:t> want user just need focus on</a:t>
-            </a:r>
-            <a:r>
-              <a:rPr lang="en-US" altLang="zh-CN" baseline="0" dirty="0" smtClean="0"/>
-              <a:t> business and easy to use. So we use a universal micro to define call protocol.  maybe you have lots of reasons and benefits of protocol file, but </a:t>
-            </a:r>
-            <a:r>
-              <a:rPr lang="en-US" altLang="zh-CN" baseline="0" dirty="0" err="1" smtClean="0"/>
-              <a:t>rest_rpc</a:t>
-            </a:r>
-            <a:r>
-              <a:rPr lang="en-US" altLang="zh-CN" baseline="0" dirty="0" smtClean="0"/>
-              <a:t> want to provide a new way, a simple way,  a modern </a:t>
-            </a:r>
-            <a:r>
-              <a:rPr lang="en-US" altLang="zh-CN" baseline="0" dirty="0" err="1" smtClean="0"/>
-              <a:t>c++</a:t>
-            </a:r>
-            <a:r>
-              <a:rPr lang="en-US" altLang="zh-CN" baseline="0" dirty="0" smtClean="0"/>
-              <a:t> way to solve the problem of call protocol. </a:t>
-            </a:r>
-            <a:endParaRPr lang="en-US" altLang="zh-CN" dirty="0" smtClean="0"/>
-          </a:p>
-          <a:p>
-            <a:pPr marL="0" marR="0" indent="0" algn="l" defTabSz="914400" rtl="0" eaLnBrk="1" fontAlgn="auto" latinLnBrk="0" hangingPunct="1">
-              <a:lnSpc>
-                <a:spcPct val="100000"/>
-              </a:lnSpc>
-              <a:spcBef>
-                <a:spcPts val="0"/>
-              </a:spcBef>
-              <a:spcAft>
-                <a:spcPts val="0"/>
-              </a:spcAft>
-              <a:buClrTx/>
-              <a:buSzTx/>
-              <a:buFontTx/>
-              <a:buNone/>
-              <a:tabLst/>
-              <a:defRPr/>
-            </a:pPr>
-            <a:r>
-              <a:rPr lang="en-US" altLang="zh-CN" dirty="0" smtClean="0"/>
-              <a:t>if we check the arguments at server side, it’s too late, so we want to check the arguments as easily as possible, TIMAX_DEFINE_PROTOCOL help us to check arguments at compile time.</a:t>
-            </a:r>
             <a:endParaRPr lang="zh-CN" altLang="en-US" dirty="0"/>
           </a:p>
         </p:txBody>
@@ -3065,7 +2166,7 @@
             <a:fld id="{D907BE37-B124-4F9F-8F7E-44B90AC375A6}" type="slidenum">
               <a:rPr lang="zh-CN" altLang="en-US" smtClean="0"/>
               <a:pPr/>
-              <a:t>41</a:t>
+              <a:t>43</a:t>
             </a:fld>
             <a:endParaRPr lang="zh-CN" altLang="en-US"/>
           </a:p>
@@ -3128,60 +2229,6 @@
           <a:bodyPr/>
           <a:lstStyle/>
           <a:p>
-            <a:r>
-              <a:rPr lang="en-US" altLang="zh-CN" dirty="0" smtClean="0"/>
-              <a:t>if signature and arguments are matching, the </a:t>
-            </a:r>
-            <a:r>
-              <a:rPr lang="en-US" altLang="zh-CN" dirty="0" err="1" smtClean="0"/>
-              <a:t>result_type</a:t>
-            </a:r>
-            <a:r>
-              <a:rPr lang="en-US" altLang="zh-CN" baseline="0" dirty="0" smtClean="0"/>
-              <a:t>  is </a:t>
-            </a:r>
-            <a:r>
-              <a:rPr lang="en-US" altLang="zh-CN" baseline="0" dirty="0" err="1" smtClean="0"/>
-              <a:t>true_type</a:t>
-            </a:r>
-            <a:r>
-              <a:rPr lang="en-US" altLang="zh-CN" baseline="0" dirty="0" smtClean="0"/>
-              <a:t>, other wise </a:t>
-            </a:r>
-            <a:r>
-              <a:rPr lang="en-US" altLang="zh-CN" baseline="0" dirty="0" err="1" smtClean="0"/>
-              <a:t>false_type</a:t>
-            </a:r>
-            <a:r>
-              <a:rPr lang="en-US" altLang="zh-CN" baseline="0" dirty="0" smtClean="0"/>
-              <a:t>.</a:t>
-            </a:r>
-          </a:p>
-          <a:p>
-            <a:r>
-              <a:rPr lang="en-US" altLang="zh-CN" dirty="0" smtClean="0"/>
-              <a:t>I like this way to check if the signature and arguments match</a:t>
-            </a:r>
-            <a:r>
-              <a:rPr lang="en-US" altLang="zh-CN" baseline="0" dirty="0" smtClean="0"/>
-              <a:t> by </a:t>
-            </a:r>
-            <a:r>
-              <a:rPr lang="en-US" altLang="zh-CN" baseline="0" dirty="0" err="1" smtClean="0"/>
-              <a:t>decltype</a:t>
-            </a:r>
-            <a:r>
-              <a:rPr lang="en-US" altLang="zh-CN" baseline="0" dirty="0" smtClean="0"/>
-              <a:t> and </a:t>
-            </a:r>
-            <a:r>
-              <a:rPr lang="en-US" altLang="zh-CN" baseline="0" dirty="0" err="1" smtClean="0"/>
-              <a:t>declval</a:t>
-            </a:r>
-            <a:r>
-              <a:rPr lang="en-US" altLang="zh-CN" baseline="0" dirty="0" smtClean="0"/>
-              <a:t>, sometimes we use this way to check if exist a method in a class. for example we can check a template argument if is a smart pointer</a:t>
-            </a:r>
             <a:endParaRPr lang="zh-CN" altLang="en-US" dirty="0"/>
           </a:p>
         </p:txBody>
@@ -3204,7 +2251,7 @@
             <a:fld id="{D907BE37-B124-4F9F-8F7E-44B90AC375A6}" type="slidenum">
               <a:rPr lang="zh-CN" altLang="en-US" smtClean="0"/>
               <a:pPr/>
-              <a:t>43</a:t>
+              <a:t>45</a:t>
             </a:fld>
             <a:endParaRPr lang="zh-CN" altLang="en-US"/>
           </a:p>
@@ -3267,50 +2314,6 @@
           <a:bodyPr/>
           <a:lstStyle/>
           <a:p>
-            <a:r>
-              <a:rPr lang="en-US" altLang="zh-CN" dirty="0" smtClean="0"/>
-              <a:t>this is the test code to test </a:t>
-            </a:r>
-            <a:r>
-              <a:rPr lang="en-US" altLang="zh-CN" dirty="0" err="1" smtClean="0"/>
-              <a:t>is_smart_pointer</a:t>
-            </a:r>
-            <a:r>
-              <a:rPr lang="en-US" altLang="zh-CN" dirty="0" smtClean="0"/>
-              <a:t>, if the type is not </a:t>
-            </a:r>
-            <a:r>
-              <a:rPr lang="en-US" altLang="zh-CN" dirty="0" err="1" smtClean="0"/>
-              <a:t>std</a:t>
-            </a:r>
-            <a:r>
-              <a:rPr lang="en-US" altLang="zh-CN" dirty="0" smtClean="0"/>
-              <a:t>::</a:t>
-            </a:r>
-            <a:r>
-              <a:rPr lang="en-US" altLang="zh-CN" dirty="0" err="1" smtClean="0"/>
-              <a:t>shared_ptr</a:t>
-            </a:r>
-            <a:r>
-              <a:rPr lang="en-US" altLang="zh-CN" dirty="0" smtClean="0"/>
-              <a:t> or </a:t>
-            </a:r>
-            <a:r>
-              <a:rPr lang="en-US" altLang="zh-CN" dirty="0" err="1" smtClean="0"/>
-              <a:t>std</a:t>
-            </a:r>
-            <a:r>
-              <a:rPr lang="en-US" altLang="zh-CN" dirty="0" smtClean="0"/>
-              <a:t>::</a:t>
-            </a:r>
-            <a:r>
-              <a:rPr lang="en-US" altLang="zh-CN" dirty="0" err="1" smtClean="0"/>
-              <a:t>unique_ptr</a:t>
-            </a:r>
-            <a:r>
-              <a:rPr lang="en-US" altLang="zh-CN" dirty="0" smtClean="0"/>
-              <a:t>, compile error will occur.</a:t>
-            </a:r>
             <a:endParaRPr lang="zh-CN" altLang="en-US" dirty="0"/>
           </a:p>
         </p:txBody>
@@ -3333,7 +2336,7 @@
             <a:fld id="{D907BE37-B124-4F9F-8F7E-44B90AC375A6}" type="slidenum">
               <a:rPr lang="zh-CN" altLang="en-US" smtClean="0"/>
               <a:pPr/>
-              <a:t>44</a:t>
+              <a:t>46</a:t>
             </a:fld>
             <a:endParaRPr lang="zh-CN" altLang="en-US"/>
           </a:p>
@@ -3396,22 +2399,7 @@
           <a:bodyPr/>
           <a:lstStyle/>
           <a:p>
-            <a:r>
-              <a:rPr lang="en-US" altLang="zh-CN" dirty="0" smtClean="0"/>
-              <a:t>if</a:t>
-            </a:r>
-            <a:r>
-              <a:rPr lang="en-US" altLang="zh-CN" baseline="0" dirty="0" smtClean="0"/>
-              <a:t> T have method -&gt; and get,  we  can  think it is  a smart pointer, of course  you can add more methods </a:t>
-            </a:r>
-            <a:r>
-              <a:rPr lang="en-US" altLang="zh-CN" baseline="0" dirty="0" err="1" smtClean="0"/>
-              <a:t>int</a:t>
-            </a:r>
-            <a:r>
-              <a:rPr lang="en-US" altLang="zh-CN" baseline="0" dirty="0" smtClean="0"/>
-              <a:t> coma expression to increase the verification.</a:t>
-            </a:r>
+            <a:endParaRPr lang="en-US" altLang="zh-CN" baseline="0" dirty="0" smtClean="0"/>
           </a:p>
         </p:txBody>
       </p:sp>
@@ -3433,7 +2421,7 @@
             <a:fld id="{D907BE37-B124-4F9F-8F7E-44B90AC375A6}" type="slidenum">
               <a:rPr lang="zh-CN" altLang="en-US" smtClean="0"/>
               <a:pPr/>
-              <a:t>45</a:t>
+              <a:t>47</a:t>
             </a:fld>
             <a:endParaRPr lang="zh-CN" altLang="en-US"/>
           </a:p>
@@ -3496,10 +2484,6 @@
           <a:bodyPr/>
           <a:lstStyle/>
           <a:p>
-            <a:r>
-              <a:rPr lang="en-US" altLang="zh-CN" dirty="0" smtClean="0"/>
-              <a:t>Let’s look at the picture</a:t>
-            </a:r>
             <a:endParaRPr lang="zh-CN" altLang="en-US" dirty="0"/>
           </a:p>
         </p:txBody>
@@ -3585,42 +2569,6 @@
           <a:bodyPr/>
           <a:lstStyle/>
           <a:p>
-            <a:r>
-              <a:rPr lang="en-US" altLang="zh-CN" dirty="0" smtClean="0"/>
-              <a:t>RPC is a special pub/sub, for RPC, the publisher and the subscriber are the same one.</a:t>
-            </a:r>
-          </a:p>
-          <a:p>
-            <a:r>
-              <a:rPr lang="en-US" altLang="zh-CN" dirty="0" smtClean="0"/>
-              <a:t>pub/sub is a special RPC, the requester and the </a:t>
-            </a:r>
-            <a:r>
-              <a:rPr lang="en-US" altLang="zh-CN" dirty="0" err="1" smtClean="0"/>
-              <a:t>responser</a:t>
-            </a:r>
-            <a:r>
-              <a:rPr lang="en-US" altLang="zh-CN" dirty="0" smtClean="0"/>
-              <a:t> are the same one.</a:t>
-            </a:r>
-          </a:p>
-          <a:p>
-            <a:r>
-              <a:rPr lang="en-US" altLang="zh-CN" dirty="0" smtClean="0"/>
-              <a:t>So we not</a:t>
-            </a:r>
-            <a:r>
-              <a:rPr lang="en-US" altLang="zh-CN" baseline="0" dirty="0" smtClean="0"/>
-              <a:t> only support RPC but also support pub/sub. you know the two models are very common, </a:t>
-            </a:r>
-            <a:r>
-              <a:rPr lang="en-US" altLang="zh-CN" baseline="0" dirty="0" err="1" smtClean="0"/>
-              <a:t>rest_rpc</a:t>
-            </a:r>
-            <a:r>
-              <a:rPr lang="en-US" altLang="zh-CN" baseline="0" dirty="0" smtClean="0"/>
-              <a:t> mixed the two models, you can use the two models freely. for example.</a:t>
-            </a:r>
             <a:endParaRPr lang="zh-CN" altLang="en-US" dirty="0"/>
           </a:p>
         </p:txBody>
@@ -3643,7 +2591,7 @@
             <a:fld id="{D907BE37-B124-4F9F-8F7E-44B90AC375A6}" type="slidenum">
               <a:rPr lang="zh-CN" altLang="en-US" smtClean="0"/>
               <a:pPr/>
-              <a:t>47</a:t>
+              <a:t>50</a:t>
             </a:fld>
             <a:endParaRPr lang="zh-CN" altLang="en-US"/>
           </a:p>
@@ -3706,10 +2654,6 @@
           <a:bodyPr/>
           <a:lstStyle/>
           <a:p>
-            <a:r>
-              <a:rPr lang="en-US" altLang="zh-CN" dirty="0" smtClean="0"/>
-              <a:t>you can use the two models at the same time, it’s very convenient and flexible.</a:t>
-            </a:r>
             <a:endParaRPr lang="zh-CN" altLang="en-US" dirty="0"/>
           </a:p>
         </p:txBody>
@@ -3732,7 +2676,7 @@
             <a:fld id="{D907BE37-B124-4F9F-8F7E-44B90AC375A6}" type="slidenum">
               <a:rPr lang="zh-CN" altLang="en-US" smtClean="0"/>
               <a:pPr/>
-              <a:t>48</a:t>
+              <a:t>51</a:t>
             </a:fld>
             <a:endParaRPr lang="zh-CN" altLang="en-US"/>
           </a:p>
@@ -3795,44 +2739,6 @@
           <a:bodyPr/>
           <a:lstStyle/>
           <a:p>
-            <a:r>
-              <a:rPr lang="en-US" altLang="zh-CN" dirty="0" smtClean="0"/>
-              <a:t>This picture shows some details of a complete RPC call</a:t>
-            </a:r>
-            <a:r>
-              <a:rPr lang="en-US" altLang="zh-CN" baseline="0" dirty="0" smtClean="0"/>
-              <a:t> process. Firstly, the client send a RPC request which contains procedure name and arguments to the server. Secondly the server parses the request and routes to the right procedure, and then executes the procedure, at last return the result to the client.</a:t>
-            </a:r>
-          </a:p>
-          <a:p>
-            <a:r>
-              <a:rPr lang="en-US" altLang="zh-CN" dirty="0" smtClean="0"/>
-              <a:t>I think most people got the perceptual knowledge of</a:t>
-            </a:r>
-            <a:r>
-              <a:rPr lang="en-US" altLang="zh-CN" baseline="0" dirty="0" smtClean="0"/>
-              <a:t> RPC. Next </a:t>
-            </a:r>
-            <a:r>
-              <a:rPr lang="en-US" altLang="zh-CN" baseline="0" dirty="0" err="1" smtClean="0"/>
-              <a:t>i</a:t>
-            </a:r>
-            <a:r>
-              <a:rPr lang="en-US" altLang="zh-CN" baseline="0" dirty="0" smtClean="0"/>
-              <a:t> will introduce a concrete RPC library </a:t>
-            </a:r>
-            <a:r>
-              <a:rPr lang="en-US" altLang="zh-CN" baseline="0" dirty="0" err="1" smtClean="0"/>
-              <a:t>rest_rpc</a:t>
-            </a:r>
-            <a:r>
-              <a:rPr lang="en-US" altLang="zh-CN" baseline="0" dirty="0" smtClean="0"/>
-              <a:t>. </a:t>
-            </a:r>
-            <a:r>
-              <a:rPr lang="en-US" altLang="zh-CN" dirty="0" smtClean="0"/>
-              <a:t> I will discuss the challenges and technical details of how to implement an easy to use RPC library.</a:t>
-            </a:r>
             <a:endParaRPr lang="zh-CN" altLang="en-US" dirty="0"/>
           </a:p>
         </p:txBody>
@@ -4003,72 +2909,6 @@
           <a:bodyPr/>
           <a:lstStyle/>
           <a:p>
-            <a:r>
-              <a:rPr lang="en-US" altLang="zh-CN" dirty="0" smtClean="0"/>
-              <a:t>The server side code is also very simple, firstly define the serialization type, for example </a:t>
-            </a:r>
-            <a:r>
-              <a:rPr lang="en-US" altLang="zh-CN" dirty="0" err="1" smtClean="0"/>
-              <a:t>json</a:t>
-            </a:r>
-            <a:r>
-              <a:rPr lang="en-US" altLang="zh-CN" dirty="0" smtClean="0"/>
-              <a:t>, xml, </a:t>
-            </a:r>
-            <a:r>
-              <a:rPr lang="en-US" altLang="zh-CN" dirty="0" err="1" smtClean="0"/>
-              <a:t>msgpack</a:t>
-            </a:r>
-            <a:r>
-              <a:rPr lang="en-US" altLang="zh-CN" dirty="0" smtClean="0"/>
-              <a:t> formats, Secondly register business logic handler, and then you have provided a RPC service-add.</a:t>
-            </a:r>
-          </a:p>
-          <a:p>
-            <a:r>
-              <a:rPr lang="en-US" altLang="zh-CN" dirty="0" smtClean="0"/>
-              <a:t>the </a:t>
-            </a:r>
-            <a:r>
-              <a:rPr lang="en-US" altLang="zh-CN" dirty="0" err="1" smtClean="0"/>
-              <a:t>register_handler</a:t>
-            </a:r>
-            <a:r>
-              <a:rPr lang="en-US" altLang="zh-CN" dirty="0" smtClean="0"/>
-              <a:t> interface is very flexible, support callable, you can register free function, lambda, member</a:t>
-            </a:r>
-            <a:r>
-              <a:rPr lang="en-US" altLang="zh-CN" baseline="0" dirty="0" smtClean="0"/>
-              <a:t> function, function object and so on.</a:t>
-            </a:r>
-          </a:p>
-          <a:p>
-            <a:r>
-              <a:rPr lang="en-US" altLang="zh-CN" dirty="0" smtClean="0"/>
-              <a:t>From the example you can find both the client and the server need do very little things. the server just need register the business logic handler, and the client just need call with arguments.in a word the user just need focus on business, and needn’t care about anything else. So you can rapidly develop your application, this embodies the compelling value proposition of the </a:t>
-            </a:r>
-            <a:r>
-              <a:rPr lang="en-US" altLang="zh-CN" dirty="0" err="1" smtClean="0"/>
-              <a:t>rest_rpc</a:t>
-            </a:r>
-            <a:r>
-              <a:rPr lang="en-US" altLang="zh-CN" dirty="0" smtClean="0"/>
-              <a:t> , focus on business logic and simplifying the calling code.</a:t>
-            </a:r>
-          </a:p>
-          <a:p>
-            <a:r>
-              <a:rPr lang="en-US" altLang="zh-CN" dirty="0" smtClean="0"/>
-              <a:t>Is it easy to use? You have to solve some problems to achieve easy to use goal. I’m glad to</a:t>
-            </a:r>
-            <a:r>
-              <a:rPr lang="zh-CN" altLang="en-US" baseline="0" dirty="0" smtClean="0"/>
-              <a:t> </a:t>
-            </a:r>
-            <a:r>
-              <a:rPr lang="en-US" altLang="zh-CN" baseline="0" dirty="0" smtClean="0"/>
-              <a:t>discuss how to archive the goal.</a:t>
-            </a:r>
             <a:endParaRPr lang="en-US" altLang="zh-CN" dirty="0" smtClean="0"/>
           </a:p>
         </p:txBody>
@@ -4154,46 +2994,6 @@
           <a:bodyPr/>
           <a:lstStyle/>
           <a:p>
-            <a:r>
-              <a:rPr lang="en-US" altLang="zh-CN" dirty="0" smtClean="0"/>
-              <a:t>The compelling value proposition of the </a:t>
-            </a:r>
-            <a:r>
-              <a:rPr lang="en-US" altLang="zh-CN" dirty="0" err="1" smtClean="0"/>
-              <a:t>rest_rpc</a:t>
-            </a:r>
-            <a:r>
-              <a:rPr lang="en-US" altLang="zh-CN" dirty="0" smtClean="0"/>
-              <a:t> library is its focus on business logic and simplifying the calling code. Callers spend no time on networking details or data packing and unpacking. </a:t>
-            </a:r>
-          </a:p>
-          <a:p>
-            <a:r>
-              <a:rPr lang="en-US" altLang="zh-CN" dirty="0" smtClean="0"/>
-              <a:t>Here are features of </a:t>
-            </a:r>
-            <a:r>
-              <a:rPr lang="en-US" altLang="zh-CN" dirty="0" err="1" smtClean="0"/>
-              <a:t>rest_rpc</a:t>
-            </a:r>
-            <a:r>
-              <a:rPr lang="en-US" altLang="zh-CN" dirty="0" smtClean="0"/>
-              <a:t>.</a:t>
-            </a:r>
-          </a:p>
-          <a:p>
-            <a:r>
-              <a:rPr lang="en-US" altLang="zh-CN" dirty="0" smtClean="0"/>
-              <a:t>I’ll show you some examples about </a:t>
-            </a:r>
-            <a:r>
-              <a:rPr lang="en-US" altLang="zh-CN" dirty="0" err="1" smtClean="0"/>
-              <a:t>rest_rpc</a:t>
-            </a:r>
-            <a:r>
-              <a:rPr lang="en-US" altLang="zh-CN" dirty="0" smtClean="0"/>
-              <a:t> include client and server code.</a:t>
-            </a:r>
             <a:endParaRPr lang="zh-CN" altLang="en-US" dirty="0"/>
           </a:p>
         </p:txBody>
@@ -4279,76 +3079,6 @@
           <a:bodyPr/>
           <a:lstStyle/>
           <a:p>
-            <a:r>
-              <a:rPr lang="en-US" altLang="zh-CN" dirty="0" smtClean="0"/>
-              <a:t>Firstly you need define a micro</a:t>
-            </a:r>
-            <a:r>
-              <a:rPr lang="en-US" altLang="zh-CN" baseline="0" dirty="0" smtClean="0"/>
-              <a:t> contains service name, arguments types and return type. Secondly determine the serialization type, contains </a:t>
-            </a:r>
-            <a:r>
-              <a:rPr lang="en-US" altLang="zh-CN" baseline="0" dirty="0" err="1" smtClean="0"/>
-              <a:t>json</a:t>
-            </a:r>
-            <a:r>
-              <a:rPr lang="en-US" altLang="zh-CN" baseline="0" dirty="0" smtClean="0"/>
-              <a:t>, xml and </a:t>
-            </a:r>
-            <a:r>
-              <a:rPr lang="en-US" altLang="zh-CN" baseline="0" dirty="0" err="1" smtClean="0"/>
-              <a:t>msgpack</a:t>
-            </a:r>
-            <a:r>
-              <a:rPr lang="en-US" altLang="zh-CN" baseline="0" dirty="0" smtClean="0"/>
-              <a:t> format. finally call directly just like local call.</a:t>
-            </a:r>
-          </a:p>
-          <a:p>
-            <a:r>
-              <a:rPr lang="en-US" altLang="zh-CN" dirty="0" smtClean="0"/>
-              <a:t>So you just need five lines code to finish the client RPC call. it’s very simple. </a:t>
-            </a:r>
-            <a:r>
-              <a:rPr lang="en-US" altLang="zh-CN" dirty="0" err="1" smtClean="0"/>
-              <a:t>rest_rpc</a:t>
-            </a:r>
-            <a:r>
-              <a:rPr lang="en-US" altLang="zh-CN" dirty="0" smtClean="0"/>
-              <a:t> of course support </a:t>
-            </a:r>
-            <a:r>
-              <a:rPr lang="en-US" altLang="zh-CN" dirty="0" err="1" smtClean="0"/>
-              <a:t>async</a:t>
-            </a:r>
-            <a:r>
-              <a:rPr lang="en-US" altLang="zh-CN" dirty="0" smtClean="0"/>
-              <a:t> call. Let’s look at the server code.</a:t>
-            </a:r>
-          </a:p>
-          <a:p>
-            <a:r>
-              <a:rPr lang="en-US" altLang="zh-CN" dirty="0" smtClean="0"/>
-              <a:t>about the serialization I used a serialization engine iguana which is based on compile time reflection. I won’t talk about it this time, if you have interesting please look at my</a:t>
-            </a:r>
-            <a:r>
-              <a:rPr lang="en-US" altLang="zh-CN" baseline="0" dirty="0" smtClean="0"/>
-              <a:t> </a:t>
-            </a:r>
-            <a:r>
-              <a:rPr lang="en-US" altLang="zh-CN" baseline="0" dirty="0" err="1" smtClean="0"/>
-              <a:t>github</a:t>
-            </a:r>
-            <a:r>
-              <a:rPr lang="en-US" altLang="zh-CN" baseline="0" dirty="0" smtClean="0"/>
-              <a:t>.</a:t>
-            </a:r>
-          </a:p>
-          <a:p>
-            <a:r>
-              <a:rPr lang="en-US" altLang="zh-CN" dirty="0" smtClean="0"/>
-              <a:t>about the micro I will talk about it later.</a:t>
-            </a:r>
             <a:endParaRPr lang="zh-CN" altLang="en-US" dirty="0"/>
           </a:p>
         </p:txBody>
@@ -4451,34 +3181,11 @@
               <a:tabLst/>
               <a:defRPr/>
             </a:pPr>
-            <a:r>
-              <a:rPr lang="en-US" altLang="zh-CN" dirty="0" smtClean="0"/>
-              <a:t>OK</a:t>
-            </a:r>
-            <a:r>
-              <a:rPr lang="zh-CN" altLang="en-US" baseline="0" dirty="0" smtClean="0"/>
-              <a:t> </a:t>
-            </a:r>
-            <a:r>
-              <a:rPr lang="en-US" altLang="zh-CN" baseline="0" dirty="0" smtClean="0"/>
-              <a:t>I will discuss the </a:t>
-            </a:r>
-            <a:r>
-              <a:rPr lang="en-US" altLang="zh-CN" sz="1200" baseline="0" dirty="0" smtClean="0">
-                <a:solidFill>
-                  <a:schemeClr val="accent5"/>
-                </a:solidFill>
-              </a:rPr>
-              <a:t>c</a:t>
-            </a:r>
-            <a:r>
-              <a:rPr lang="en-US" altLang="zh-CN" sz="1200" dirty="0" smtClean="0">
-                <a:solidFill>
-                  <a:schemeClr val="accent5"/>
-                </a:solidFill>
-              </a:rPr>
-              <a:t>hallenges of easy to use</a:t>
-            </a:r>
+            <a:endParaRPr lang="en-US" altLang="zh-CN" sz="1200" dirty="0" smtClean="0">
+              <a:solidFill>
+                <a:schemeClr val="accent5"/>
+              </a:solidFill>
+            </a:endParaRPr>
           </a:p>
         </p:txBody>
       </p:sp>
@@ -4500,7 +3207,7 @@
             <a:fld id="{D907BE37-B124-4F9F-8F7E-44B90AC375A6}" type="slidenum">
               <a:rPr lang="zh-CN" altLang="en-US" smtClean="0"/>
               <a:pPr/>
-              <a:t>15</a:t>
+              <a:t>16</a:t>
             </a:fld>
             <a:endParaRPr lang="zh-CN" altLang="en-US"/>
           </a:p>
@@ -8091,11 +6798,7 @@
             </a:r>
             <a:r>
               <a:rPr lang="en-US" altLang="zh-CN" b="1" dirty="0" smtClean="0"/>
-              <a:t>add); </a:t>
-            </a:r>
-            <a:r>
-              <a:rPr lang="en-US" altLang="zh-CN" b="1" dirty="0" smtClean="0"/>
-              <a:t>   </a:t>
+              <a:t>add);    </a:t>
             </a:r>
             <a:r>
               <a:rPr lang="en-US" altLang="zh-CN" i="1" dirty="0" smtClean="0">
@@ -8105,27 +6808,7 @@
                   </a:schemeClr>
                 </a:solidFill>
               </a:rPr>
-              <a:t>//</a:t>
-            </a:r>
-            <a:r>
-              <a:rPr lang="en-US" altLang="zh-CN" i="1" dirty="0" smtClean="0">
-                <a:solidFill>
-                  <a:schemeClr val="accent1">
-                    <a:lumMod val="75000"/>
-                  </a:schemeClr>
-                </a:solidFill>
-              </a:rPr>
-              <a:t>register business </a:t>
-            </a:r>
-            <a:r>
-              <a:rPr lang="en-US" altLang="zh-CN" i="1" dirty="0" smtClean="0">
-                <a:solidFill>
-                  <a:schemeClr val="accent1">
-                    <a:lumMod val="75000"/>
-                  </a:schemeClr>
-                </a:solidFill>
-              </a:rPr>
-              <a:t>handler</a:t>
+              <a:t>//register business handler</a:t>
             </a:r>
           </a:p>
           <a:p>
@@ -8214,7 +6897,6 @@
               <a:rPr lang="en-US" altLang="zh-CN" dirty="0" smtClean="0"/>
               <a:t>Support many kinds of serialization</a:t>
             </a:r>
-            <a:endParaRPr lang="en-US" altLang="zh-CN" dirty="0" smtClean="0"/>
           </a:p>
         </p:txBody>
       </p:sp>
@@ -8785,8 +7467,8 @@
           </a:p>
           <a:p>
             <a:r>
-              <a:rPr lang="en-US" altLang="zh-CN" dirty="0"/>
-              <a:t>  }</a:t>
+              <a:rPr lang="en-US" altLang="zh-CN" dirty="0" smtClean="0"/>
+              <a:t>}</a:t>
             </a:r>
             <a:endParaRPr lang="zh-CN" altLang="en-US" dirty="0"/>
           </a:p>
@@ -9379,8 +8061,12 @@
           <a:lstStyle/>
           <a:p>
             <a:r>
-              <a:rPr lang="en-US" altLang="zh-CN" dirty="0" smtClean="0"/>
-              <a:t>Outline</a:t>
+              <a:rPr lang="en-US" altLang="zh-CN" dirty="0"/>
+              <a:t>What is </a:t>
+            </a:r>
+            <a:r>
+              <a:rPr lang="en-US" altLang="zh-CN" dirty="0" err="1"/>
+              <a:t>rest_rpc</a:t>
             </a:r>
             <a:endParaRPr lang="zh-CN" altLang="en-US" dirty="0"/>
           </a:p>
@@ -9402,8 +8088,53 @@
           <a:lstStyle/>
           <a:p>
             <a:r>
-              <a:rPr lang="en-US" altLang="zh-CN" dirty="0"/>
-              <a:t>1.Introduction to RPC</a:t>
+              <a:rPr lang="en-US" altLang="zh-CN" b="1" dirty="0" smtClean="0"/>
+              <a:t>Sever core code:</a:t>
+            </a:r>
+          </a:p>
+          <a:p>
+            <a:endParaRPr lang="en-US" altLang="zh-CN" dirty="0" smtClean="0"/>
+          </a:p>
+          <a:p>
+            <a:r>
+              <a:rPr lang="en-US" altLang="zh-CN" dirty="0" err="1" smtClean="0"/>
+              <a:t>int</a:t>
+            </a:r>
+            <a:r>
+              <a:rPr lang="en-US" altLang="zh-CN" dirty="0" smtClean="0"/>
+              <a:t> </a:t>
+            </a:r>
+            <a:r>
+              <a:rPr lang="en-US" altLang="zh-CN" dirty="0"/>
+              <a:t>add(</a:t>
+            </a:r>
+            <a:r>
+              <a:rPr lang="en-US" altLang="zh-CN" dirty="0" err="1"/>
+              <a:t>int</a:t>
+            </a:r>
+            <a:r>
+              <a:rPr lang="en-US" altLang="zh-CN" dirty="0"/>
+              <a:t> a, </a:t>
+            </a:r>
+            <a:r>
+              <a:rPr lang="en-US" altLang="zh-CN" dirty="0" err="1"/>
+              <a:t>int</a:t>
+            </a:r>
+            <a:r>
+              <a:rPr lang="en-US" altLang="zh-CN" dirty="0"/>
+              <a:t> b) { return a + b; </a:t>
+            </a:r>
+            <a:r>
+              <a:rPr lang="en-US" altLang="zh-CN" dirty="0" smtClean="0"/>
+              <a:t>} </a:t>
+            </a:r>
+            <a:r>
+              <a:rPr lang="en-US" altLang="zh-CN" dirty="0"/>
+              <a:t>//business </a:t>
+            </a:r>
+            <a:r>
+              <a:rPr lang="en-US" altLang="zh-CN" dirty="0" smtClean="0"/>
+              <a:t>logic</a:t>
             </a:r>
           </a:p>
           <a:p>
@@ -9412,60 +8143,218 @@
           <a:p>
             <a:r>
               <a:rPr lang="en-US" altLang="zh-CN" dirty="0"/>
-              <a:t>2.What is </a:t>
+              <a:t>using </a:t>
             </a:r>
             <a:r>
               <a:rPr lang="en-US" altLang="zh-CN" dirty="0" err="1"/>
-              <a:t>rest_rpc</a:t>
-            </a:r>
-            <a:endParaRPr lang="en-US" altLang="zh-CN" dirty="0"/>
-          </a:p>
-          <a:p>
-            <a:endParaRPr lang="en-US" altLang="zh-CN" dirty="0"/>
-          </a:p>
-          <a:p>
-            <a:r>
-              <a:rPr lang="en-US" altLang="zh-CN" sz="1800" dirty="0">
+              <a:t>server_t</a:t>
+            </a:r>
+            <a:r>
+              <a:rPr lang="en-US" altLang="zh-CN" dirty="0"/>
+              <a:t> = </a:t>
+            </a:r>
+            <a:r>
+              <a:rPr lang="en-US" altLang="zh-CN" dirty="0" err="1"/>
+              <a:t>rpc</a:t>
+            </a:r>
+            <a:r>
+              <a:rPr lang="en-US" altLang="zh-CN" dirty="0"/>
+              <a:t>::server&lt;</a:t>
+            </a:r>
+            <a:r>
+              <a:rPr lang="en-US" altLang="zh-CN" dirty="0" err="1"/>
+              <a:t>rpc</a:t>
+            </a:r>
+            <a:r>
+              <a:rPr lang="en-US" altLang="zh-CN" dirty="0"/>
+              <a:t>::</a:t>
+            </a:r>
+            <a:r>
+              <a:rPr lang="en-US" altLang="zh-CN" dirty="0" err="1"/>
+              <a:t>msgpack_codec</a:t>
+            </a:r>
+            <a:r>
+              <a:rPr lang="en-US" altLang="zh-CN" dirty="0"/>
+              <a:t>&gt;;   //define serialization policy</a:t>
+            </a:r>
+          </a:p>
+          <a:p>
+            <a:r>
+              <a:rPr lang="en-US" altLang="zh-CN" dirty="0" err="1">
                 <a:solidFill>
-                  <a:schemeClr val="accent5"/>
+                  <a:srgbClr val="FF0000"/>
                 </a:solidFill>
               </a:rPr>
-              <a:t>3.Ease of use challenges</a:t>
-            </a:r>
-          </a:p>
-          <a:p>
-            <a:endParaRPr lang="en-US" altLang="zh-CN" dirty="0"/>
-          </a:p>
-          <a:p>
-            <a:r>
-              <a:rPr lang="en-US" altLang="zh-CN" dirty="0"/>
-              <a:t>4.Key technologies</a:t>
-            </a:r>
-          </a:p>
-          <a:p>
-            <a:endParaRPr lang="en-US" altLang="zh-CN" dirty="0"/>
-          </a:p>
-          <a:p>
-            <a:r>
-              <a:rPr lang="en-US" altLang="zh-CN" dirty="0"/>
-              <a:t>5</a:t>
+              <a:t>server.register_handler</a:t>
+            </a:r>
+            <a:r>
+              <a:rPr lang="en-US" altLang="zh-CN" dirty="0">
+                <a:solidFill>
+                  <a:srgbClr val="FF0000"/>
+                </a:solidFill>
+              </a:rPr>
+              <a:t>("add", add);    </a:t>
+            </a:r>
+            <a:r>
+              <a:rPr lang="en-US" altLang="zh-CN" dirty="0"/>
+              <a:t>//register business </a:t>
             </a:r>
             <a:r>
               <a:rPr lang="en-US" altLang="zh-CN" dirty="0" smtClean="0"/>
-              <a:t>.What </a:t>
-            </a:r>
-            <a:r>
-              <a:rPr lang="en-US" altLang="zh-CN" dirty="0"/>
-              <a:t>you can do with it</a:t>
-            </a:r>
-            <a:endParaRPr lang="zh-CN" altLang="en-US" dirty="0"/>
+              <a:t>handler</a:t>
+            </a:r>
+          </a:p>
+          <a:p>
+            <a:endParaRPr lang="en-US" altLang="zh-CN" dirty="0" smtClean="0"/>
+          </a:p>
+          <a:p>
+            <a:r>
+              <a:rPr lang="en-US" altLang="zh-CN" b="1" dirty="0" smtClean="0"/>
+              <a:t>Client core code:</a:t>
+            </a:r>
+            <a:endParaRPr lang="en-US" altLang="zh-CN" b="1" dirty="0"/>
+          </a:p>
+          <a:p>
+            <a:r>
+              <a:rPr lang="en-US" altLang="zh-CN" dirty="0" smtClean="0"/>
+              <a:t>TIMAX_DEFINE_PROTOCOL(add</a:t>
+            </a:r>
+            <a:r>
+              <a:rPr lang="en-US" altLang="zh-CN" dirty="0"/>
+              <a:t>, </a:t>
+            </a:r>
+            <a:r>
+              <a:rPr lang="en-US" altLang="zh-CN" dirty="0" err="1"/>
+              <a:t>int</a:t>
+            </a:r>
+            <a:r>
+              <a:rPr lang="en-US" altLang="zh-CN" dirty="0"/>
+              <a:t>(</a:t>
+            </a:r>
+            <a:r>
+              <a:rPr lang="en-US" altLang="zh-CN" dirty="0" err="1"/>
+              <a:t>int</a:t>
+            </a:r>
+            <a:r>
+              <a:rPr lang="en-US" altLang="zh-CN" dirty="0"/>
+              <a:t>, </a:t>
+            </a:r>
+            <a:r>
+              <a:rPr lang="en-US" altLang="zh-CN" dirty="0" err="1"/>
+              <a:t>int</a:t>
+            </a:r>
+            <a:r>
+              <a:rPr lang="en-US" altLang="zh-CN" dirty="0"/>
+              <a:t>));</a:t>
+            </a:r>
+          </a:p>
+          <a:p>
+            <a:r>
+              <a:rPr lang="en-US" altLang="zh-CN" dirty="0" err="1"/>
+              <a:t>rpc</a:t>
+            </a:r>
+            <a:r>
+              <a:rPr lang="en-US" altLang="zh-CN" dirty="0"/>
+              <a:t>::</a:t>
+            </a:r>
+            <a:r>
+              <a:rPr lang="en-US" altLang="zh-CN" dirty="0" err="1"/>
+              <a:t>sync_client</a:t>
+            </a:r>
+            <a:r>
+              <a:rPr lang="en-US" altLang="zh-CN" dirty="0"/>
+              <a:t>&lt;</a:t>
+            </a:r>
+            <a:r>
+              <a:rPr lang="en-US" altLang="zh-CN" dirty="0" err="1"/>
+              <a:t>msgpack_codec</a:t>
+            </a:r>
+            <a:r>
+              <a:rPr lang="en-US" altLang="zh-CN" dirty="0"/>
+              <a:t>&gt; client; </a:t>
+            </a:r>
+          </a:p>
+          <a:p>
+            <a:r>
+              <a:rPr lang="en-US" altLang="zh-CN" dirty="0"/>
+              <a:t>auto result = </a:t>
+            </a:r>
+            <a:r>
+              <a:rPr lang="en-US" altLang="zh-CN" dirty="0" err="1">
+                <a:solidFill>
+                  <a:srgbClr val="FF0000"/>
+                </a:solidFill>
+              </a:rPr>
+              <a:t>client.call</a:t>
+            </a:r>
+            <a:r>
+              <a:rPr lang="en-US" altLang="zh-CN" dirty="0">
+                <a:solidFill>
+                  <a:srgbClr val="FF0000"/>
+                </a:solidFill>
+              </a:rPr>
+              <a:t>(endpoint, add, 1, 2); </a:t>
+            </a:r>
+          </a:p>
+        </p:txBody>
+      </p:sp>
+      <p:sp>
+        <p:nvSpPr>
+          <p:cNvPr id="4" name="矩形 3"/>
+          <p:cNvSpPr/>
+          <p:nvPr/>
+        </p:nvSpPr>
+        <p:spPr>
+          <a:xfrm>
+            <a:off x="2962471" y="5153817"/>
+            <a:ext cx="3454151" cy="923330"/>
+          </a:xfrm>
+          <a:prstGeom prst="rect">
+            <a:avLst/>
+          </a:prstGeom>
+        </p:spPr>
+        <p:txBody>
+          <a:bodyPr wrap="none">
+            <a:spAutoFit/>
+          </a:bodyPr>
+          <a:lstStyle/>
+          <a:p>
+            <a:r>
+              <a:rPr lang="en-US" altLang="zh-CN" dirty="0" smtClean="0"/>
+              <a:t>N</a:t>
+            </a:r>
+            <a:r>
+              <a:rPr lang="zh-CN" altLang="en-US" dirty="0" smtClean="0"/>
+              <a:t>o </a:t>
+            </a:r>
+            <a:r>
+              <a:rPr lang="zh-CN" altLang="en-US" dirty="0"/>
+              <a:t>protocal </a:t>
+            </a:r>
+            <a:r>
+              <a:rPr lang="zh-CN" altLang="en-US" dirty="0" smtClean="0"/>
+              <a:t>file</a:t>
+            </a:r>
+            <a:endParaRPr lang="en-US" altLang="zh-CN" dirty="0" smtClean="0"/>
+          </a:p>
+          <a:p>
+            <a:r>
+              <a:rPr lang="en-US" altLang="zh-CN" dirty="0" smtClean="0"/>
+              <a:t>No limitations</a:t>
+            </a:r>
+          </a:p>
+          <a:p>
+            <a:r>
+              <a:rPr lang="en-US" altLang="zh-CN" dirty="0" smtClean="0"/>
+              <a:t>Support many kinds of serialization</a:t>
+            </a:r>
           </a:p>
         </p:txBody>
       </p:sp>
     </p:spTree>
     <p:extLst>
       <p:ext uri="{BB962C8B-B14F-4D97-AF65-F5344CB8AC3E}">
-        <p14:creationId xmlns:p14="http://schemas.microsoft.com/office/powerpoint/2010/main" val="4204417057"/>
+        <p14:creationId xmlns:p14="http://schemas.microsoft.com/office/powerpoint/2010/main" val="914488641"/>
       </p:ext>
     </p:extLst>
   </p:cSld>
@@ -9475,9 +8364,484 @@
   <p:timing>
     <p:tnLst>
       <p:par>
-        <p:cTn id="1" dur="indefinite" restart="never" nodeType="tmRoot"/>
+        <p:cTn id="1" dur="indefinite" restart="never" nodeType="tmRoot">
+          <p:childTnLst>
+            <p:seq concurrent="1" nextAc="seek">
+              <p:cTn id="2" dur="indefinite" nodeType="mainSeq">
+                <p:childTnLst>
+                  <p:par>
+                    <p:cTn id="3" fill="hold">
+                      <p:stCondLst>
+                        <p:cond delay="indefinite"/>
+                      </p:stCondLst>
+                      <p:childTnLst>
+                        <p:par>
+                          <p:cTn id="4" fill="hold">
+                            <p:stCondLst>
+                              <p:cond delay="0"/>
+                            </p:stCondLst>
+                            <p:childTnLst>
+                              <p:par>
+                                <p:cTn id="5" presetID="2" presetClass="entr" presetSubtype="4" fill="hold" nodeType="clickEffect">
+                                  <p:stCondLst>
+                                    <p:cond delay="0"/>
+                                  </p:stCondLst>
+                                  <p:childTnLst>
+                                    <p:set>
+                                      <p:cBhvr>
+                                        <p:cTn id="6" dur="1" fill="hold">
+                                          <p:stCondLst>
+                                            <p:cond delay="0"/>
+                                          </p:stCondLst>
+                                        </p:cTn>
+                                        <p:tgtEl>
+                                          <p:spTgt spid="3">
+                                            <p:txEl>
+                                              <p:pRg st="7" end="7"/>
+                                            </p:txEl>
+                                          </p:spTgt>
+                                        </p:tgtEl>
+                                        <p:attrNameLst>
+                                          <p:attrName>style.visibility</p:attrName>
+                                        </p:attrNameLst>
+                                      </p:cBhvr>
+                                      <p:to>
+                                        <p:strVal val="visible"/>
+                                      </p:to>
+                                    </p:set>
+                                    <p:anim calcmode="lin" valueType="num">
+                                      <p:cBhvr additive="base">
+                                        <p:cTn id="7" dur="500" fill="hold"/>
+                                        <p:tgtEl>
+                                          <p:spTgt spid="3">
+                                            <p:txEl>
+                                              <p:pRg st="7" end="7"/>
+                                            </p:txEl>
+                                          </p:spTgt>
+                                        </p:tgtEl>
+                                        <p:attrNameLst>
+                                          <p:attrName>ppt_x</p:attrName>
+                                        </p:attrNameLst>
+                                      </p:cBhvr>
+                                      <p:tavLst>
+                                        <p:tav tm="0">
+                                          <p:val>
+                                            <p:strVal val="#ppt_x"/>
+                                          </p:val>
+                                        </p:tav>
+                                        <p:tav tm="100000">
+                                          <p:val>
+                                            <p:strVal val="#ppt_x"/>
+                                          </p:val>
+                                        </p:tav>
+                                      </p:tavLst>
+                                    </p:anim>
+                                    <p:anim calcmode="lin" valueType="num">
+                                      <p:cBhvr additive="base">
+                                        <p:cTn id="8" dur="500" fill="hold"/>
+                                        <p:tgtEl>
+                                          <p:spTgt spid="3">
+                                            <p:txEl>
+                                              <p:pRg st="7" end="7"/>
+                                            </p:txEl>
+                                          </p:spTgt>
+                                        </p:tgtEl>
+                                        <p:attrNameLst>
+                                          <p:attrName>ppt_y</p:attrName>
+                                        </p:attrNameLst>
+                                      </p:cBhvr>
+                                      <p:tavLst>
+                                        <p:tav tm="0">
+                                          <p:val>
+                                            <p:strVal val="1+#ppt_h/2"/>
+                                          </p:val>
+                                        </p:tav>
+                                        <p:tav tm="100000">
+                                          <p:val>
+                                            <p:strVal val="#ppt_y"/>
+                                          </p:val>
+                                        </p:tav>
+                                      </p:tavLst>
+                                    </p:anim>
+                                  </p:childTnLst>
+                                </p:cTn>
+                              </p:par>
+                              <p:par>
+                                <p:cTn id="9" presetID="2" presetClass="entr" presetSubtype="4" fill="hold" nodeType="withEffect">
+                                  <p:stCondLst>
+                                    <p:cond delay="0"/>
+                                  </p:stCondLst>
+                                  <p:childTnLst>
+                                    <p:set>
+                                      <p:cBhvr>
+                                        <p:cTn id="10" dur="1" fill="hold">
+                                          <p:stCondLst>
+                                            <p:cond delay="0"/>
+                                          </p:stCondLst>
+                                        </p:cTn>
+                                        <p:tgtEl>
+                                          <p:spTgt spid="3">
+                                            <p:txEl>
+                                              <p:pRg st="8" end="8"/>
+                                            </p:txEl>
+                                          </p:spTgt>
+                                        </p:tgtEl>
+                                        <p:attrNameLst>
+                                          <p:attrName>style.visibility</p:attrName>
+                                        </p:attrNameLst>
+                                      </p:cBhvr>
+                                      <p:to>
+                                        <p:strVal val="visible"/>
+                                      </p:to>
+                                    </p:set>
+                                    <p:anim calcmode="lin" valueType="num">
+                                      <p:cBhvr additive="base">
+                                        <p:cTn id="11" dur="500" fill="hold"/>
+                                        <p:tgtEl>
+                                          <p:spTgt spid="3">
+                                            <p:txEl>
+                                              <p:pRg st="8" end="8"/>
+                                            </p:txEl>
+                                          </p:spTgt>
+                                        </p:tgtEl>
+                                        <p:attrNameLst>
+                                          <p:attrName>ppt_x</p:attrName>
+                                        </p:attrNameLst>
+                                      </p:cBhvr>
+                                      <p:tavLst>
+                                        <p:tav tm="0">
+                                          <p:val>
+                                            <p:strVal val="#ppt_x"/>
+                                          </p:val>
+                                        </p:tav>
+                                        <p:tav tm="100000">
+                                          <p:val>
+                                            <p:strVal val="#ppt_x"/>
+                                          </p:val>
+                                        </p:tav>
+                                      </p:tavLst>
+                                    </p:anim>
+                                    <p:anim calcmode="lin" valueType="num">
+                                      <p:cBhvr additive="base">
+                                        <p:cTn id="12" dur="500" fill="hold"/>
+                                        <p:tgtEl>
+                                          <p:spTgt spid="3">
+                                            <p:txEl>
+                                              <p:pRg st="8" end="8"/>
+                                            </p:txEl>
+                                          </p:spTgt>
+                                        </p:tgtEl>
+                                        <p:attrNameLst>
+                                          <p:attrName>ppt_y</p:attrName>
+                                        </p:attrNameLst>
+                                      </p:cBhvr>
+                                      <p:tavLst>
+                                        <p:tav tm="0">
+                                          <p:val>
+                                            <p:strVal val="1+#ppt_h/2"/>
+                                          </p:val>
+                                        </p:tav>
+                                        <p:tav tm="100000">
+                                          <p:val>
+                                            <p:strVal val="#ppt_y"/>
+                                          </p:val>
+                                        </p:tav>
+                                      </p:tavLst>
+                                    </p:anim>
+                                  </p:childTnLst>
+                                </p:cTn>
+                              </p:par>
+                              <p:par>
+                                <p:cTn id="13" presetID="2" presetClass="entr" presetSubtype="4" fill="hold" nodeType="withEffect">
+                                  <p:stCondLst>
+                                    <p:cond delay="0"/>
+                                  </p:stCondLst>
+                                  <p:childTnLst>
+                                    <p:set>
+                                      <p:cBhvr>
+                                        <p:cTn id="14" dur="1" fill="hold">
+                                          <p:stCondLst>
+                                            <p:cond delay="0"/>
+                                          </p:stCondLst>
+                                        </p:cTn>
+                                        <p:tgtEl>
+                                          <p:spTgt spid="3">
+                                            <p:txEl>
+                                              <p:pRg st="9" end="9"/>
+                                            </p:txEl>
+                                          </p:spTgt>
+                                        </p:tgtEl>
+                                        <p:attrNameLst>
+                                          <p:attrName>style.visibility</p:attrName>
+                                        </p:attrNameLst>
+                                      </p:cBhvr>
+                                      <p:to>
+                                        <p:strVal val="visible"/>
+                                      </p:to>
+                                    </p:set>
+                                    <p:anim calcmode="lin" valueType="num">
+                                      <p:cBhvr additive="base">
+                                        <p:cTn id="15" dur="500" fill="hold"/>
+                                        <p:tgtEl>
+                                          <p:spTgt spid="3">
+                                            <p:txEl>
+                                              <p:pRg st="9" end="9"/>
+                                            </p:txEl>
+                                          </p:spTgt>
+                                        </p:tgtEl>
+                                        <p:attrNameLst>
+                                          <p:attrName>ppt_x</p:attrName>
+                                        </p:attrNameLst>
+                                      </p:cBhvr>
+                                      <p:tavLst>
+                                        <p:tav tm="0">
+                                          <p:val>
+                                            <p:strVal val="#ppt_x"/>
+                                          </p:val>
+                                        </p:tav>
+                                        <p:tav tm="100000">
+                                          <p:val>
+                                            <p:strVal val="#ppt_x"/>
+                                          </p:val>
+                                        </p:tav>
+                                      </p:tavLst>
+                                    </p:anim>
+                                    <p:anim calcmode="lin" valueType="num">
+                                      <p:cBhvr additive="base">
+                                        <p:cTn id="16" dur="500" fill="hold"/>
+                                        <p:tgtEl>
+                                          <p:spTgt spid="3">
+                                            <p:txEl>
+                                              <p:pRg st="9" end="9"/>
+                                            </p:txEl>
+                                          </p:spTgt>
+                                        </p:tgtEl>
+                                        <p:attrNameLst>
+                                          <p:attrName>ppt_y</p:attrName>
+                                        </p:attrNameLst>
+                                      </p:cBhvr>
+                                      <p:tavLst>
+                                        <p:tav tm="0">
+                                          <p:val>
+                                            <p:strVal val="1+#ppt_h/2"/>
+                                          </p:val>
+                                        </p:tav>
+                                        <p:tav tm="100000">
+                                          <p:val>
+                                            <p:strVal val="#ppt_y"/>
+                                          </p:val>
+                                        </p:tav>
+                                      </p:tavLst>
+                                    </p:anim>
+                                  </p:childTnLst>
+                                </p:cTn>
+                              </p:par>
+                              <p:par>
+                                <p:cTn id="17" presetID="2" presetClass="entr" presetSubtype="4" fill="hold" nodeType="withEffect">
+                                  <p:stCondLst>
+                                    <p:cond delay="0"/>
+                                  </p:stCondLst>
+                                  <p:childTnLst>
+                                    <p:set>
+                                      <p:cBhvr>
+                                        <p:cTn id="18" dur="1" fill="hold">
+                                          <p:stCondLst>
+                                            <p:cond delay="0"/>
+                                          </p:stCondLst>
+                                        </p:cTn>
+                                        <p:tgtEl>
+                                          <p:spTgt spid="3">
+                                            <p:txEl>
+                                              <p:pRg st="10" end="10"/>
+                                            </p:txEl>
+                                          </p:spTgt>
+                                        </p:tgtEl>
+                                        <p:attrNameLst>
+                                          <p:attrName>style.visibility</p:attrName>
+                                        </p:attrNameLst>
+                                      </p:cBhvr>
+                                      <p:to>
+                                        <p:strVal val="visible"/>
+                                      </p:to>
+                                    </p:set>
+                                    <p:anim calcmode="lin" valueType="num">
+                                      <p:cBhvr additive="base">
+                                        <p:cTn id="19" dur="500" fill="hold"/>
+                                        <p:tgtEl>
+                                          <p:spTgt spid="3">
+                                            <p:txEl>
+                                              <p:pRg st="10" end="10"/>
+                                            </p:txEl>
+                                          </p:spTgt>
+                                        </p:tgtEl>
+                                        <p:attrNameLst>
+                                          <p:attrName>ppt_x</p:attrName>
+                                        </p:attrNameLst>
+                                      </p:cBhvr>
+                                      <p:tavLst>
+                                        <p:tav tm="0">
+                                          <p:val>
+                                            <p:strVal val="#ppt_x"/>
+                                          </p:val>
+                                        </p:tav>
+                                        <p:tav tm="100000">
+                                          <p:val>
+                                            <p:strVal val="#ppt_x"/>
+                                          </p:val>
+                                        </p:tav>
+                                      </p:tavLst>
+                                    </p:anim>
+                                    <p:anim calcmode="lin" valueType="num">
+                                      <p:cBhvr additive="base">
+                                        <p:cTn id="20" dur="500" fill="hold"/>
+                                        <p:tgtEl>
+                                          <p:spTgt spid="3">
+                                            <p:txEl>
+                                              <p:pRg st="10" end="10"/>
+                                            </p:txEl>
+                                          </p:spTgt>
+                                        </p:tgtEl>
+                                        <p:attrNameLst>
+                                          <p:attrName>ppt_y</p:attrName>
+                                        </p:attrNameLst>
+                                      </p:cBhvr>
+                                      <p:tavLst>
+                                        <p:tav tm="0">
+                                          <p:val>
+                                            <p:strVal val="1+#ppt_h/2"/>
+                                          </p:val>
+                                        </p:tav>
+                                        <p:tav tm="100000">
+                                          <p:val>
+                                            <p:strVal val="#ppt_y"/>
+                                          </p:val>
+                                        </p:tav>
+                                      </p:tavLst>
+                                    </p:anim>
+                                  </p:childTnLst>
+                                </p:cTn>
+                              </p:par>
+                            </p:childTnLst>
+                          </p:cTn>
+                        </p:par>
+                      </p:childTnLst>
+                    </p:cTn>
+                  </p:par>
+                  <p:par>
+                    <p:cTn id="21" fill="hold">
+                      <p:stCondLst>
+                        <p:cond delay="indefinite"/>
+                      </p:stCondLst>
+                      <p:childTnLst>
+                        <p:par>
+                          <p:cTn id="22" fill="hold">
+                            <p:stCondLst>
+                              <p:cond delay="0"/>
+                            </p:stCondLst>
+                            <p:childTnLst>
+                              <p:par>
+                                <p:cTn id="23" presetID="2" presetClass="entr" presetSubtype="4" fill="hold" grpId="0" nodeType="clickEffect">
+                                  <p:stCondLst>
+                                    <p:cond delay="0"/>
+                                  </p:stCondLst>
+                                  <p:childTnLst>
+                                    <p:set>
+                                      <p:cBhvr>
+                                        <p:cTn id="24" dur="1" fill="hold">
+                                          <p:stCondLst>
+                                            <p:cond delay="0"/>
+                                          </p:stCondLst>
+                                        </p:cTn>
+                                        <p:tgtEl>
+                                          <p:spTgt spid="4"/>
+                                        </p:tgtEl>
+                                        <p:attrNameLst>
+                                          <p:attrName>style.visibility</p:attrName>
+                                        </p:attrNameLst>
+                                      </p:cBhvr>
+                                      <p:to>
+                                        <p:strVal val="visible"/>
+                                      </p:to>
+                                    </p:set>
+                                    <p:anim calcmode="lin" valueType="num">
+                                      <p:cBhvr additive="base">
+                                        <p:cTn id="25" dur="500" fill="hold"/>
+                                        <p:tgtEl>
+                                          <p:spTgt spid="4"/>
+                                        </p:tgtEl>
+                                        <p:attrNameLst>
+                                          <p:attrName>ppt_x</p:attrName>
+                                        </p:attrNameLst>
+                                      </p:cBhvr>
+                                      <p:tavLst>
+                                        <p:tav tm="0">
+                                          <p:val>
+                                            <p:strVal val="#ppt_x"/>
+                                          </p:val>
+                                        </p:tav>
+                                        <p:tav tm="100000">
+                                          <p:val>
+                                            <p:strVal val="#ppt_x"/>
+                                          </p:val>
+                                        </p:tav>
+                                      </p:tavLst>
+                                    </p:anim>
+                                    <p:anim calcmode="lin" valueType="num">
+                                      <p:cBhvr additive="base">
+                                        <p:cTn id="26" dur="500" fill="hold"/>
+                                        <p:tgtEl>
+                                          <p:spTgt spid="4"/>
+                                        </p:tgtEl>
+                                        <p:attrNameLst>
+                                          <p:attrName>ppt_y</p:attrName>
+                                        </p:attrNameLst>
+                                      </p:cBhvr>
+                                      <p:tavLst>
+                                        <p:tav tm="0">
+                                          <p:val>
+                                            <p:strVal val="1+#ppt_h/2"/>
+                                          </p:val>
+                                        </p:tav>
+                                        <p:tav tm="100000">
+                                          <p:val>
+                                            <p:strVal val="#ppt_y"/>
+                                          </p:val>
+                                        </p:tav>
+                                      </p:tavLst>
+                                    </p:anim>
+                                  </p:childTnLst>
+                                </p:cTn>
+                              </p:par>
+                            </p:childTnLst>
+                          </p:cTn>
+                        </p:par>
+                      </p:childTnLst>
+                    </p:cTn>
+                  </p:par>
+                </p:childTnLst>
+              </p:cTn>
+              <p:prevCondLst>
+                <p:cond evt="onPrev" delay="0">
+                  <p:tgtEl>
+                    <p:sldTgt/>
+                  </p:tgtEl>
+                </p:cond>
+              </p:prevCondLst>
+              <p:nextCondLst>
+                <p:cond evt="onNext" delay="0">
+                  <p:tgtEl>
+                    <p:sldTgt/>
+                  </p:tgtEl>
+                </p:cond>
+              </p:nextCondLst>
+            </p:seq>
+          </p:childTnLst>
+        </p:cTn>
       </p:par>
     </p:tnLst>
+    <p:bldLst>
+      <p:bldP spid="4" grpId="0"/>
+    </p:bldLst>
   </p:timing>
 </p:sld>
 </file>
@@ -9516,6 +8880,142 @@
           <a:p>
             <a:r>
               <a:rPr lang="en-US" altLang="zh-CN" dirty="0" smtClean="0"/>
+              <a:t>Outline</a:t>
+            </a:r>
+            <a:endParaRPr lang="zh-CN" altLang="en-US" dirty="0"/>
+          </a:p>
+        </p:txBody>
+      </p:sp>
+      <p:sp>
+        <p:nvSpPr>
+          <p:cNvPr id="3" name="文本占位符 2"/>
+          <p:cNvSpPr>
+            <a:spLocks noGrp="1"/>
+          </p:cNvSpPr>
+          <p:nvPr>
+            <p:ph type="body" sz="half" idx="2"/>
+          </p:nvPr>
+        </p:nvSpPr>
+        <p:spPr/>
+        <p:txBody>
+          <a:bodyPr/>
+          <a:lstStyle/>
+          <a:p>
+            <a:r>
+              <a:rPr lang="en-US" altLang="zh-CN" dirty="0"/>
+              <a:t>1.Introduction to RPC</a:t>
+            </a:r>
+          </a:p>
+          <a:p>
+            <a:endParaRPr lang="en-US" altLang="zh-CN" dirty="0"/>
+          </a:p>
+          <a:p>
+            <a:r>
+              <a:rPr lang="en-US" altLang="zh-CN" dirty="0"/>
+              <a:t>2.What is </a:t>
+            </a:r>
+            <a:r>
+              <a:rPr lang="en-US" altLang="zh-CN" dirty="0" err="1"/>
+              <a:t>rest_rpc</a:t>
+            </a:r>
+            <a:endParaRPr lang="en-US" altLang="zh-CN" dirty="0"/>
+          </a:p>
+          <a:p>
+            <a:endParaRPr lang="en-US" altLang="zh-CN" dirty="0"/>
+          </a:p>
+          <a:p>
+            <a:r>
+              <a:rPr lang="en-US" altLang="zh-CN" sz="1800" dirty="0">
+                <a:solidFill>
+                  <a:schemeClr val="accent5"/>
+                </a:solidFill>
+              </a:rPr>
+              <a:t>3.Ease of use challenges</a:t>
+            </a:r>
+          </a:p>
+          <a:p>
+            <a:endParaRPr lang="en-US" altLang="zh-CN" dirty="0"/>
+          </a:p>
+          <a:p>
+            <a:r>
+              <a:rPr lang="en-US" altLang="zh-CN" dirty="0"/>
+              <a:t>4.Key technologies</a:t>
+            </a:r>
+          </a:p>
+          <a:p>
+            <a:endParaRPr lang="en-US" altLang="zh-CN" dirty="0"/>
+          </a:p>
+          <a:p>
+            <a:r>
+              <a:rPr lang="en-US" altLang="zh-CN" dirty="0"/>
+              <a:t>5</a:t>
+            </a:r>
+            <a:r>
+              <a:rPr lang="en-US" altLang="zh-CN" dirty="0" smtClean="0"/>
+              <a:t>.What </a:t>
+            </a:r>
+            <a:r>
+              <a:rPr lang="en-US" altLang="zh-CN" dirty="0"/>
+              <a:t>you can do with it</a:t>
+            </a:r>
+            <a:endParaRPr lang="zh-CN" altLang="en-US" dirty="0"/>
+          </a:p>
+        </p:txBody>
+      </p:sp>
+    </p:spTree>
+    <p:extLst>
+      <p:ext uri="{BB962C8B-B14F-4D97-AF65-F5344CB8AC3E}">
+        <p14:creationId xmlns:p14="http://schemas.microsoft.com/office/powerpoint/2010/main" val="4204417057"/>
+      </p:ext>
+    </p:extLst>
+  </p:cSld>
+  <p:clrMapOvr>
+    <a:masterClrMapping/>
+  </p:clrMapOvr>
+  <p:timing>
+    <p:tnLst>
+      <p:par>
+        <p:cTn id="1" dur="indefinite" restart="never" nodeType="tmRoot"/>
+      </p:par>
+    </p:tnLst>
+  </p:timing>
+</p:sld>
+</file>
+
+<file path=ppt/slides/slide17.xml><?xml version="1.0" encoding="utf-8"?>
+<p:sld xmlns:a="http://schemas.openxmlformats.org/drawingml/2006/main" xmlns:r="http://schemas.openxmlformats.org/officeDocument/2006/relationships" xmlns:p="http://schemas.openxmlformats.org/presentationml/2006/main">
+  <p:cSld>
+    <p:spTree>
+      <p:nvGrpSpPr>
+        <p:cNvPr id="1" name=""/>
+        <p:cNvGrpSpPr/>
+        <p:nvPr/>
+      </p:nvGrpSpPr>
+      <p:grpSpPr>
+        <a:xfrm>
+          <a:off x="0" y="0"/>
+          <a:ext cx="0" cy="0"/>
+          <a:chOff x="0" y="0"/>
+          <a:chExt cx="0" cy="0"/>
+        </a:xfrm>
+      </p:grpSpPr>
+      <p:sp>
+        <p:nvSpPr>
+          <p:cNvPr id="2" name="标题 1"/>
+          <p:cNvSpPr>
+            <a:spLocks noGrp="1"/>
+          </p:cNvSpPr>
+          <p:nvPr>
+            <p:ph type="title"/>
+          </p:nvPr>
+        </p:nvSpPr>
+        <p:spPr/>
+        <p:txBody>
+          <a:bodyPr/>
+          <a:lstStyle/>
+          <a:p>
+            <a:r>
+              <a:rPr lang="en-US" altLang="zh-CN" dirty="0" smtClean="0"/>
               <a:t>Challenges</a:t>
             </a:r>
             <a:endParaRPr lang="zh-CN" altLang="en-US" dirty="0"/>
@@ -9596,7 +9096,7 @@
 </p:sld>
 </file>
 
-<file path=ppt/slides/slide17.xml><?xml version="1.0" encoding="utf-8"?>
+<file path=ppt/slides/slide18.xml><?xml version="1.0" encoding="utf-8"?>
 <p:sld xmlns:a="http://schemas.openxmlformats.org/drawingml/2006/main" xmlns:r="http://schemas.openxmlformats.org/officeDocument/2006/relationships" xmlns:p="http://schemas.openxmlformats.org/presentationml/2006/main">
   <p:cSld>
     <p:spTree>
@@ -9958,7 +9458,7 @@
 </p:sld>
 </file>
 
-<file path=ppt/slides/slide18.xml><?xml version="1.0" encoding="utf-8"?>
+<file path=ppt/slides/slide19.xml><?xml version="1.0" encoding="utf-8"?>
 <p:sld xmlns:a="http://schemas.openxmlformats.org/drawingml/2006/main" xmlns:r="http://schemas.openxmlformats.org/officeDocument/2006/relationships" xmlns:p="http://schemas.openxmlformats.org/presentationml/2006/main">
   <p:cSld>
     <p:spTree>
@@ -10098,7 +9598,150 @@
 </p:sld>
 </file>
 
-<file path=ppt/slides/slide19.xml><?xml version="1.0" encoding="utf-8"?>
+<file path=ppt/slides/slide2.xml><?xml version="1.0" encoding="utf-8"?>
+<p:sld xmlns:a="http://schemas.openxmlformats.org/drawingml/2006/main" xmlns:r="http://schemas.openxmlformats.org/officeDocument/2006/relationships" xmlns:p="http://schemas.openxmlformats.org/presentationml/2006/main">
+  <p:cSld>
+    <p:spTree>
+      <p:nvGrpSpPr>
+        <p:cNvPr id="1" name=""/>
+        <p:cNvGrpSpPr/>
+        <p:nvPr/>
+      </p:nvGrpSpPr>
+      <p:grpSpPr>
+        <a:xfrm>
+          <a:off x="0" y="0"/>
+          <a:ext cx="0" cy="0"/>
+          <a:chOff x="0" y="0"/>
+          <a:chExt cx="0" cy="0"/>
+        </a:xfrm>
+      </p:grpSpPr>
+      <p:sp>
+        <p:nvSpPr>
+          <p:cNvPr id="2" name="标题 1"/>
+          <p:cNvSpPr>
+            <a:spLocks noGrp="1"/>
+          </p:cNvSpPr>
+          <p:nvPr>
+            <p:ph type="title"/>
+          </p:nvPr>
+        </p:nvSpPr>
+        <p:spPr/>
+        <p:txBody>
+          <a:bodyPr/>
+          <a:lstStyle/>
+          <a:p>
+            <a:r>
+              <a:rPr lang="en-US" altLang="zh-CN" dirty="0" smtClean="0"/>
+              <a:t>Outline</a:t>
+            </a:r>
+            <a:endParaRPr lang="zh-CN" altLang="en-US" dirty="0"/>
+          </a:p>
+        </p:txBody>
+      </p:sp>
+      <p:sp>
+        <p:nvSpPr>
+          <p:cNvPr id="3" name="文本占位符 2"/>
+          <p:cNvSpPr>
+            <a:spLocks noGrp="1"/>
+          </p:cNvSpPr>
+          <p:nvPr>
+            <p:ph type="body" sz="half" idx="2"/>
+          </p:nvPr>
+        </p:nvSpPr>
+        <p:spPr/>
+        <p:txBody>
+          <a:bodyPr/>
+          <a:lstStyle/>
+          <a:p>
+            <a:r>
+              <a:rPr lang="en-US" altLang="zh-CN" sz="1800" dirty="0" smtClean="0">
+                <a:solidFill>
+                  <a:schemeClr val="accent5"/>
+                </a:solidFill>
+              </a:rPr>
+              <a:t>1.Introduction to RPC</a:t>
+            </a:r>
+          </a:p>
+          <a:p>
+            <a:endParaRPr lang="en-US" altLang="zh-CN" dirty="0" smtClean="0"/>
+          </a:p>
+          <a:p>
+            <a:r>
+              <a:rPr lang="en-US" altLang="zh-CN" dirty="0" smtClean="0"/>
+              <a:t>2.What is </a:t>
+            </a:r>
+            <a:r>
+              <a:rPr lang="en-US" altLang="zh-CN" dirty="0" err="1" smtClean="0"/>
+              <a:t>rest_rpc</a:t>
+            </a:r>
+            <a:r>
+              <a:rPr lang="en-US" altLang="zh-CN" dirty="0" smtClean="0"/>
+              <a:t>?</a:t>
+            </a:r>
+          </a:p>
+          <a:p>
+            <a:endParaRPr lang="en-US" altLang="zh-CN" dirty="0" smtClean="0"/>
+          </a:p>
+          <a:p>
+            <a:r>
+              <a:rPr lang="en-US" altLang="zh-CN" dirty="0"/>
+              <a:t>3.Ease of use challenges</a:t>
+            </a:r>
+          </a:p>
+          <a:p>
+            <a:endParaRPr lang="en-US" altLang="zh-CN" dirty="0" smtClean="0"/>
+          </a:p>
+          <a:p>
+            <a:r>
+              <a:rPr lang="en-US" altLang="zh-CN" dirty="0" smtClean="0"/>
+              <a:t>4.Key technologies</a:t>
+            </a:r>
+          </a:p>
+          <a:p>
+            <a:endParaRPr lang="en-US" altLang="zh-CN" dirty="0"/>
+          </a:p>
+          <a:p>
+            <a:r>
+              <a:rPr lang="en-US" altLang="zh-CN" dirty="0"/>
+              <a:t>5</a:t>
+            </a:r>
+            <a:r>
+              <a:rPr lang="en-US" altLang="zh-CN" dirty="0" smtClean="0"/>
+              <a:t>.What can you </a:t>
+            </a:r>
+            <a:r>
+              <a:rPr lang="en-US" altLang="zh-CN" dirty="0"/>
+              <a:t>do with </a:t>
+            </a:r>
+            <a:r>
+              <a:rPr lang="en-US" altLang="zh-CN" dirty="0" smtClean="0"/>
+              <a:t>it?</a:t>
+            </a:r>
+            <a:endParaRPr lang="zh-CN" altLang="en-US" dirty="0"/>
+          </a:p>
+        </p:txBody>
+      </p:sp>
+    </p:spTree>
+    <p:extLst>
+      <p:ext uri="{BB962C8B-B14F-4D97-AF65-F5344CB8AC3E}">
+        <p14:creationId xmlns:p14="http://schemas.microsoft.com/office/powerpoint/2010/main" val="1906852034"/>
+      </p:ext>
+    </p:extLst>
+  </p:cSld>
+  <p:clrMapOvr>
+    <a:masterClrMapping/>
+  </p:clrMapOvr>
+  <p:timing>
+    <p:tnLst>
+      <p:par>
+        <p:cTn id="1" dur="indefinite" restart="never" nodeType="tmRoot"/>
+      </p:par>
+    </p:tnLst>
+  </p:timing>
+</p:sld>
+</file>
+
+<file path=ppt/slides/slide20.xml><?xml version="1.0" encoding="utf-8"?>
 <p:sld xmlns:a="http://schemas.openxmlformats.org/drawingml/2006/main" xmlns:r="http://schemas.openxmlformats.org/officeDocument/2006/relationships" xmlns:p="http://schemas.openxmlformats.org/presentationml/2006/main">
   <p:cSld>
     <p:spTree>
@@ -10917,150 +10560,7 @@
 </p:sld>
 </file>
 
-<file path=ppt/slides/slide2.xml><?xml version="1.0" encoding="utf-8"?>
-<p:sld xmlns:a="http://schemas.openxmlformats.org/drawingml/2006/main" xmlns:r="http://schemas.openxmlformats.org/officeDocument/2006/relationships" xmlns:p="http://schemas.openxmlformats.org/presentationml/2006/main">
-  <p:cSld>
-    <p:spTree>
-      <p:nvGrpSpPr>
-        <p:cNvPr id="1" name=""/>
-        <p:cNvGrpSpPr/>
-        <p:nvPr/>
-      </p:nvGrpSpPr>
-      <p:grpSpPr>
-        <a:xfrm>
-          <a:off x="0" y="0"/>
-          <a:ext cx="0" cy="0"/>
-          <a:chOff x="0" y="0"/>
-          <a:chExt cx="0" cy="0"/>
-        </a:xfrm>
-      </p:grpSpPr>
-      <p:sp>
-        <p:nvSpPr>
-          <p:cNvPr id="2" name="标题 1"/>
-          <p:cNvSpPr>
-            <a:spLocks noGrp="1"/>
-          </p:cNvSpPr>
-          <p:nvPr>
-            <p:ph type="title"/>
-          </p:nvPr>
-        </p:nvSpPr>
-        <p:spPr/>
-        <p:txBody>
-          <a:bodyPr/>
-          <a:lstStyle/>
-          <a:p>
-            <a:r>
-              <a:rPr lang="en-US" altLang="zh-CN" dirty="0" smtClean="0"/>
-              <a:t>Outline</a:t>
-            </a:r>
-            <a:endParaRPr lang="zh-CN" altLang="en-US" dirty="0"/>
-          </a:p>
-        </p:txBody>
-      </p:sp>
-      <p:sp>
-        <p:nvSpPr>
-          <p:cNvPr id="3" name="文本占位符 2"/>
-          <p:cNvSpPr>
-            <a:spLocks noGrp="1"/>
-          </p:cNvSpPr>
-          <p:nvPr>
-            <p:ph type="body" sz="half" idx="2"/>
-          </p:nvPr>
-        </p:nvSpPr>
-        <p:spPr/>
-        <p:txBody>
-          <a:bodyPr/>
-          <a:lstStyle/>
-          <a:p>
-            <a:r>
-              <a:rPr lang="en-US" altLang="zh-CN" sz="1800" dirty="0" smtClean="0">
-                <a:solidFill>
-                  <a:schemeClr val="accent5"/>
-                </a:solidFill>
-              </a:rPr>
-              <a:t>1.Introduction to RPC</a:t>
-            </a:r>
-          </a:p>
-          <a:p>
-            <a:endParaRPr lang="en-US" altLang="zh-CN" dirty="0" smtClean="0"/>
-          </a:p>
-          <a:p>
-            <a:r>
-              <a:rPr lang="en-US" altLang="zh-CN" dirty="0" smtClean="0"/>
-              <a:t>2.What is </a:t>
-            </a:r>
-            <a:r>
-              <a:rPr lang="en-US" altLang="zh-CN" dirty="0" err="1" smtClean="0"/>
-              <a:t>rest_rpc</a:t>
-            </a:r>
-            <a:r>
-              <a:rPr lang="en-US" altLang="zh-CN" dirty="0" smtClean="0"/>
-              <a:t>?</a:t>
-            </a:r>
-          </a:p>
-          <a:p>
-            <a:endParaRPr lang="en-US" altLang="zh-CN" dirty="0" smtClean="0"/>
-          </a:p>
-          <a:p>
-            <a:r>
-              <a:rPr lang="en-US" altLang="zh-CN" dirty="0"/>
-              <a:t>3.Ease of use challenges</a:t>
-            </a:r>
-          </a:p>
-          <a:p>
-            <a:endParaRPr lang="en-US" altLang="zh-CN" dirty="0" smtClean="0"/>
-          </a:p>
-          <a:p>
-            <a:r>
-              <a:rPr lang="en-US" altLang="zh-CN" dirty="0" smtClean="0"/>
-              <a:t>4.Key technologies</a:t>
-            </a:r>
-          </a:p>
-          <a:p>
-            <a:endParaRPr lang="en-US" altLang="zh-CN" dirty="0"/>
-          </a:p>
-          <a:p>
-            <a:r>
-              <a:rPr lang="en-US" altLang="zh-CN" dirty="0"/>
-              <a:t>5</a:t>
-            </a:r>
-            <a:r>
-              <a:rPr lang="en-US" altLang="zh-CN" dirty="0" smtClean="0"/>
-              <a:t>.What can you </a:t>
-            </a:r>
-            <a:r>
-              <a:rPr lang="en-US" altLang="zh-CN" dirty="0"/>
-              <a:t>do with </a:t>
-            </a:r>
-            <a:r>
-              <a:rPr lang="en-US" altLang="zh-CN" dirty="0" smtClean="0"/>
-              <a:t>it?</a:t>
-            </a:r>
-            <a:endParaRPr lang="zh-CN" altLang="en-US" dirty="0"/>
-          </a:p>
-        </p:txBody>
-      </p:sp>
-    </p:spTree>
-    <p:extLst>
-      <p:ext uri="{BB962C8B-B14F-4D97-AF65-F5344CB8AC3E}">
-        <p14:creationId xmlns:p14="http://schemas.microsoft.com/office/powerpoint/2010/main" val="1906852034"/>
-      </p:ext>
-    </p:extLst>
-  </p:cSld>
-  <p:clrMapOvr>
-    <a:masterClrMapping/>
-  </p:clrMapOvr>
-  <p:timing>
-    <p:tnLst>
-      <p:par>
-        <p:cTn id="1" dur="indefinite" restart="never" nodeType="tmRoot"/>
-      </p:par>
-    </p:tnLst>
-  </p:timing>
-</p:sld>
-</file>
-
-<file path=ppt/slides/slide20.xml><?xml version="1.0" encoding="utf-8"?>
+<file path=ppt/slides/slide21.xml><?xml version="1.0" encoding="utf-8"?>
 <p:sld xmlns:a="http://schemas.openxmlformats.org/drawingml/2006/main" xmlns:r="http://schemas.openxmlformats.org/officeDocument/2006/relationships" xmlns:p="http://schemas.openxmlformats.org/presentationml/2006/main">
   <p:cSld>
     <p:spTree>
@@ -11294,7 +10794,7 @@
 </p:sld>
 </file>
 
-<file path=ppt/slides/slide21.xml><?xml version="1.0" encoding="utf-8"?>
+<file path=ppt/slides/slide22.xml><?xml version="1.0" encoding="utf-8"?>
 <p:sld xmlns:a="http://schemas.openxmlformats.org/drawingml/2006/main" xmlns:r="http://schemas.openxmlformats.org/officeDocument/2006/relationships" xmlns:p="http://schemas.openxmlformats.org/presentationml/2006/main">
   <p:cSld>
     <p:spTree>
@@ -11803,7 +11303,7 @@
 </p:sld>
 </file>
 
-<file path=ppt/slides/slide22.xml><?xml version="1.0" encoding="utf-8"?>
+<file path=ppt/slides/slide23.xml><?xml version="1.0" encoding="utf-8"?>
 <p:sld xmlns:a="http://schemas.openxmlformats.org/drawingml/2006/main" xmlns:r="http://schemas.openxmlformats.org/officeDocument/2006/relationships" xmlns:p="http://schemas.openxmlformats.org/presentationml/2006/main">
   <p:cSld>
     <p:spTree>
@@ -12632,7 +12132,7 @@
 </p:sld>
 </file>
 
-<file path=ppt/slides/slide23.xml><?xml version="1.0" encoding="utf-8"?>
+<file path=ppt/slides/slide24.xml><?xml version="1.0" encoding="utf-8"?>
 <p:sld xmlns:a="http://schemas.openxmlformats.org/drawingml/2006/main" xmlns:r="http://schemas.openxmlformats.org/officeDocument/2006/relationships" xmlns:p="http://schemas.openxmlformats.org/presentationml/2006/main">
   <p:cSld>
     <p:spTree>
@@ -14048,511 +13548,6 @@
 </p:sld>
 </file>
 
-<file path=ppt/slides/slide24.xml><?xml version="1.0" encoding="utf-8"?>
-<p:sld xmlns:a="http://schemas.openxmlformats.org/drawingml/2006/main" xmlns:r="http://schemas.openxmlformats.org/officeDocument/2006/relationships" xmlns:p="http://schemas.openxmlformats.org/presentationml/2006/main">
-  <p:cSld>
-    <p:spTree>
-      <p:nvGrpSpPr>
-        <p:cNvPr id="1" name=""/>
-        <p:cNvGrpSpPr/>
-        <p:nvPr/>
-      </p:nvGrpSpPr>
-      <p:grpSpPr>
-        <a:xfrm>
-          <a:off x="0" y="0"/>
-          <a:ext cx="0" cy="0"/>
-          <a:chOff x="0" y="0"/>
-          <a:chExt cx="0" cy="0"/>
-        </a:xfrm>
-      </p:grpSpPr>
-      <p:sp>
-        <p:nvSpPr>
-          <p:cNvPr id="2" name="标题 1"/>
-          <p:cNvSpPr>
-            <a:spLocks noGrp="1"/>
-          </p:cNvSpPr>
-          <p:nvPr>
-            <p:ph type="title"/>
-          </p:nvPr>
-        </p:nvSpPr>
-        <p:spPr/>
-        <p:txBody>
-          <a:bodyPr/>
-          <a:lstStyle/>
-          <a:p>
-            <a:r>
-              <a:rPr lang="en-US" altLang="zh-CN" dirty="0"/>
-              <a:t>Register callable of any signature</a:t>
-            </a:r>
-            <a:endParaRPr lang="zh-CN" altLang="en-US" dirty="0"/>
-          </a:p>
-        </p:txBody>
-      </p:sp>
-      <p:sp>
-        <p:nvSpPr>
-          <p:cNvPr id="3" name="文本占位符 2"/>
-          <p:cNvSpPr>
-            <a:spLocks noGrp="1"/>
-          </p:cNvSpPr>
-          <p:nvPr>
-            <p:ph type="body" sz="half" idx="2"/>
-          </p:nvPr>
-        </p:nvSpPr>
-        <p:spPr/>
-        <p:txBody>
-          <a:bodyPr/>
-          <a:lstStyle/>
-          <a:p>
-            <a:r>
-              <a:rPr lang="en-US" altLang="zh-CN" dirty="0" err="1" smtClean="0"/>
-              <a:t>struct</a:t>
-            </a:r>
-            <a:r>
-              <a:rPr lang="en-US" altLang="zh-CN" dirty="0" smtClean="0"/>
-              <a:t> </a:t>
-            </a:r>
-            <a:r>
-              <a:rPr lang="en-US" altLang="zh-CN" dirty="0" err="1" smtClean="0"/>
-              <a:t>server_t</a:t>
-            </a:r>
-            <a:r>
-              <a:rPr lang="en-US" altLang="zh-CN" dirty="0" smtClean="0"/>
-              <a:t>{</a:t>
-            </a:r>
-          </a:p>
-          <a:p>
-            <a:r>
-              <a:rPr lang="en-US" altLang="zh-CN" dirty="0" smtClean="0"/>
-              <a:t>    template&lt;</a:t>
-            </a:r>
-            <a:r>
-              <a:rPr lang="en-US" altLang="zh-CN" dirty="0" err="1" smtClean="0"/>
-              <a:t>typename</a:t>
-            </a:r>
-            <a:r>
-              <a:rPr lang="en-US" altLang="zh-CN" dirty="0" smtClean="0"/>
-              <a:t> Function&gt;</a:t>
-            </a:r>
-          </a:p>
-          <a:p>
-            <a:r>
-              <a:rPr lang="en-US" altLang="zh-CN" dirty="0" smtClean="0"/>
-              <a:t>    void </a:t>
-            </a:r>
-            <a:r>
-              <a:rPr lang="en-US" altLang="zh-CN" dirty="0" err="1"/>
-              <a:t>register_handler</a:t>
-            </a:r>
-            <a:r>
-              <a:rPr lang="en-US" altLang="zh-CN" dirty="0"/>
-              <a:t>(</a:t>
-            </a:r>
-            <a:r>
-              <a:rPr lang="en-US" altLang="zh-CN" dirty="0" err="1"/>
-              <a:t>std</a:t>
-            </a:r>
-            <a:r>
-              <a:rPr lang="en-US" altLang="zh-CN" dirty="0"/>
-              <a:t>::string </a:t>
-            </a:r>
-            <a:r>
-              <a:rPr lang="en-US" altLang="zh-CN" dirty="0" err="1"/>
-              <a:t>const</a:t>
-            </a:r>
-            <a:r>
-              <a:rPr lang="en-US" altLang="zh-CN" dirty="0"/>
-              <a:t> &amp; name, </a:t>
-            </a:r>
-            <a:r>
-              <a:rPr lang="en-US" altLang="zh-CN" dirty="0" err="1"/>
-              <a:t>const</a:t>
-            </a:r>
-            <a:r>
-              <a:rPr lang="en-US" altLang="zh-CN" dirty="0"/>
-              <a:t> Function&amp; f</a:t>
-            </a:r>
-            <a:r>
-              <a:rPr lang="en-US" altLang="zh-CN" dirty="0" smtClean="0"/>
-              <a:t>){</a:t>
-            </a:r>
-          </a:p>
-          <a:p>
-            <a:r>
-              <a:rPr lang="en-US" altLang="zh-CN" dirty="0" smtClean="0"/>
-              <a:t>        using </a:t>
-            </a:r>
-            <a:r>
-              <a:rPr lang="en-US" altLang="zh-CN" dirty="0" err="1"/>
-              <a:t>std</a:t>
-            </a:r>
-            <a:r>
-              <a:rPr lang="en-US" altLang="zh-CN" dirty="0"/>
-              <a:t>::placeholders::_1;</a:t>
-            </a:r>
-          </a:p>
-          <a:p>
-            <a:r>
-              <a:rPr lang="en-US" altLang="zh-CN" dirty="0"/>
-              <a:t> </a:t>
-            </a:r>
-            <a:r>
-              <a:rPr lang="en-US" altLang="zh-CN" dirty="0" smtClean="0"/>
-              <a:t>       using </a:t>
-            </a:r>
-            <a:r>
-              <a:rPr lang="en-US" altLang="zh-CN" dirty="0" err="1"/>
-              <a:t>std</a:t>
-            </a:r>
-            <a:r>
-              <a:rPr lang="en-US" altLang="zh-CN" dirty="0"/>
-              <a:t>::placeholders</a:t>
-            </a:r>
-            <a:r>
-              <a:rPr lang="en-US" altLang="zh-CN" dirty="0" smtClean="0"/>
-              <a:t>::_2;</a:t>
-            </a:r>
-          </a:p>
-          <a:p>
-            <a:r>
-              <a:rPr lang="en-US" altLang="zh-CN" dirty="0" smtClean="0"/>
-              <a:t>        this-&gt;invokers_[name] = { </a:t>
-            </a:r>
-            <a:r>
-              <a:rPr lang="en-US" altLang="zh-CN" dirty="0" err="1" smtClean="0"/>
-              <a:t>std</a:t>
-            </a:r>
-            <a:r>
-              <a:rPr lang="en-US" altLang="zh-CN" dirty="0" smtClean="0">
-                <a:solidFill>
-                  <a:schemeClr val="tx1"/>
-                </a:solidFill>
-              </a:rPr>
-              <a:t>::bind(&amp;invoker&lt;Function&gt;::apply,</a:t>
-            </a:r>
-            <a:r>
-              <a:rPr lang="en-US" altLang="zh-CN" dirty="0" smtClean="0"/>
-              <a:t> f,  _1, _2) </a:t>
-            </a:r>
-          </a:p>
-          <a:p>
-            <a:r>
-              <a:rPr lang="en-US" altLang="zh-CN" dirty="0" smtClean="0"/>
-              <a:t>    };</a:t>
-            </a:r>
-          </a:p>
-          <a:p>
-            <a:r>
-              <a:rPr lang="en-US" altLang="zh-CN" dirty="0" smtClean="0"/>
-              <a:t>private:</a:t>
-            </a:r>
-          </a:p>
-          <a:p>
-            <a:r>
-              <a:rPr lang="en-US" altLang="zh-CN" dirty="0" smtClean="0"/>
-              <a:t>    </a:t>
-            </a:r>
-            <a:r>
-              <a:rPr lang="en-US" altLang="zh-CN" dirty="0" err="1" smtClean="0"/>
-              <a:t>std</a:t>
-            </a:r>
-            <a:r>
-              <a:rPr lang="en-US" altLang="zh-CN" dirty="0"/>
-              <a:t>::map&lt;</a:t>
-            </a:r>
-            <a:r>
-              <a:rPr lang="en-US" altLang="zh-CN" dirty="0" err="1"/>
-              <a:t>std</a:t>
-            </a:r>
-            <a:r>
-              <a:rPr lang="en-US" altLang="zh-CN" dirty="0"/>
-              <a:t>::string, </a:t>
-            </a:r>
-            <a:r>
-              <a:rPr lang="en-US" altLang="zh-CN" dirty="0" err="1"/>
-              <a:t>std</a:t>
-            </a:r>
-            <a:r>
-              <a:rPr lang="en-US" altLang="zh-CN" dirty="0"/>
-              <a:t>::</a:t>
-            </a:r>
-            <a:r>
-              <a:rPr lang="en-US" altLang="zh-CN" dirty="0" smtClean="0"/>
-              <a:t>function&lt;void(</a:t>
-            </a:r>
-            <a:r>
-              <a:rPr lang="en-US" altLang="zh-CN" dirty="0"/>
-              <a:t>char </a:t>
-            </a:r>
-            <a:r>
-              <a:rPr lang="en-US" altLang="zh-CN" dirty="0" err="1"/>
-              <a:t>const</a:t>
-            </a:r>
-            <a:r>
-              <a:rPr lang="en-US" altLang="zh-CN" dirty="0"/>
-              <a:t>*, </a:t>
-            </a:r>
-            <a:r>
-              <a:rPr lang="en-US" altLang="zh-CN" dirty="0" err="1"/>
-              <a:t>size_t</a:t>
-            </a:r>
-            <a:r>
-              <a:rPr lang="en-US" altLang="zh-CN" dirty="0" smtClean="0"/>
-              <a:t>)&gt;&gt; invokers_;</a:t>
-            </a:r>
-          </a:p>
-          <a:p>
-            <a:r>
-              <a:rPr lang="en-US" altLang="zh-CN" dirty="0"/>
-              <a:t>};</a:t>
-            </a:r>
-            <a:r>
-              <a:rPr lang="en-US" altLang="zh-CN" dirty="0" smtClean="0">
-                <a:solidFill>
-                  <a:srgbClr val="FF0000"/>
-                </a:solidFill>
-              </a:rPr>
-              <a:t>		</a:t>
-            </a:r>
-          </a:p>
-          <a:p>
-            <a:r>
-              <a:rPr lang="en-US" altLang="zh-CN" dirty="0">
-                <a:solidFill>
-                  <a:srgbClr val="FF0000"/>
-                </a:solidFill>
-              </a:rPr>
-              <a:t>	</a:t>
-            </a:r>
-            <a:r>
-              <a:rPr lang="en-US" altLang="zh-CN" dirty="0" smtClean="0">
-                <a:solidFill>
-                  <a:srgbClr val="FF0000"/>
-                </a:solidFill>
-              </a:rPr>
-              <a:t>	</a:t>
-            </a:r>
-          </a:p>
-          <a:p>
-            <a:endParaRPr lang="en-US" altLang="zh-CN" dirty="0" smtClean="0"/>
-          </a:p>
-          <a:p>
-            <a:r>
-              <a:rPr lang="en-US" altLang="zh-CN" dirty="0" smtClean="0">
-                <a:solidFill>
-                  <a:srgbClr val="FF0000"/>
-                </a:solidFill>
-              </a:rPr>
-              <a:t> 	</a:t>
-            </a:r>
-            <a:endParaRPr lang="en-US" altLang="zh-CN" dirty="0">
-              <a:solidFill>
-                <a:srgbClr val="FF0000"/>
-              </a:solidFill>
-            </a:endParaRPr>
-          </a:p>
-          <a:p>
-            <a:r>
-              <a:rPr lang="en-US" altLang="zh-CN" dirty="0" smtClean="0">
-                <a:solidFill>
-                  <a:srgbClr val="FF0000"/>
-                </a:solidFill>
-              </a:rPr>
-              <a:t>		</a:t>
-            </a:r>
-            <a:endParaRPr lang="zh-CN" altLang="en-US" dirty="0">
-              <a:solidFill>
-                <a:srgbClr val="FF0000"/>
-              </a:solidFill>
-            </a:endParaRPr>
-          </a:p>
-        </p:txBody>
-      </p:sp>
-      <p:sp>
-        <p:nvSpPr>
-          <p:cNvPr id="9" name="矩形 8"/>
-          <p:cNvSpPr/>
-          <p:nvPr/>
-        </p:nvSpPr>
-        <p:spPr>
-          <a:xfrm>
-            <a:off x="4625664" y="2707933"/>
-            <a:ext cx="2702086" cy="338554"/>
-          </a:xfrm>
-          <a:prstGeom prst="rect">
-            <a:avLst/>
-          </a:prstGeom>
-        </p:spPr>
-        <p:txBody>
-          <a:bodyPr wrap="none">
-            <a:spAutoFit/>
-          </a:bodyPr>
-          <a:lstStyle/>
-          <a:p>
-            <a:r>
-              <a:rPr lang="en-US" altLang="zh-CN" sz="1600" dirty="0">
-                <a:solidFill>
-                  <a:srgbClr val="FF0000"/>
-                </a:solidFill>
-                <a:latin typeface="Microsoft YaHei" panose="020B0503020204020204" pitchFamily="34" charset="-122"/>
-                <a:ea typeface="Microsoft YaHei" panose="020B0503020204020204" pitchFamily="34" charset="-122"/>
-              </a:rPr>
-              <a:t>invoker&lt;Function&gt;::apply</a:t>
-            </a:r>
-            <a:endParaRPr lang="zh-CN" altLang="en-US" sz="1600" dirty="0">
-              <a:solidFill>
-                <a:srgbClr val="FF0000"/>
-              </a:solidFill>
-              <a:latin typeface="Microsoft YaHei" panose="020B0503020204020204" pitchFamily="34" charset="-122"/>
-              <a:ea typeface="Microsoft YaHei" panose="020B0503020204020204" pitchFamily="34" charset="-122"/>
-            </a:endParaRPr>
-          </a:p>
-        </p:txBody>
-      </p:sp>
-    </p:spTree>
-    <p:extLst>
-      <p:ext uri="{BB962C8B-B14F-4D97-AF65-F5344CB8AC3E}">
-        <p14:creationId xmlns:p14="http://schemas.microsoft.com/office/powerpoint/2010/main" val="126712973"/>
-      </p:ext>
-    </p:extLst>
-  </p:cSld>
-  <p:clrMapOvr>
-    <a:masterClrMapping/>
-  </p:clrMapOvr>
-  <p:timing>
-    <p:tnLst>
-      <p:par>
-        <p:cTn id="1" dur="indefinite" restart="never" nodeType="tmRoot">
-          <p:childTnLst>
-            <p:seq concurrent="1" nextAc="seek">
-              <p:cTn id="2" dur="indefinite" nodeType="mainSeq">
-                <p:childTnLst>
-                  <p:par>
-                    <p:cTn id="3" fill="hold">
-                      <p:stCondLst>
-                        <p:cond delay="indefinite"/>
-                      </p:stCondLst>
-                      <p:childTnLst>
-                        <p:par>
-                          <p:cTn id="4" fill="hold">
-                            <p:stCondLst>
-                              <p:cond delay="0"/>
-                            </p:stCondLst>
-                            <p:childTnLst>
-                              <p:par>
-                                <p:cTn id="5" presetID="53" presetClass="entr" presetSubtype="16" fill="hold" grpId="0" nodeType="clickEffect">
-                                  <p:stCondLst>
-                                    <p:cond delay="0"/>
-                                  </p:stCondLst>
-                                  <p:childTnLst>
-                                    <p:set>
-                                      <p:cBhvr>
-                                        <p:cTn id="6" dur="1" fill="hold">
-                                          <p:stCondLst>
-                                            <p:cond delay="0"/>
-                                          </p:stCondLst>
-                                        </p:cTn>
-                                        <p:tgtEl>
-                                          <p:spTgt spid="9"/>
-                                        </p:tgtEl>
-                                        <p:attrNameLst>
-                                          <p:attrName>style.visibility</p:attrName>
-                                        </p:attrNameLst>
-                                      </p:cBhvr>
-                                      <p:to>
-                                        <p:strVal val="visible"/>
-                                      </p:to>
-                                    </p:set>
-                                    <p:anim calcmode="lin" valueType="num">
-                                      <p:cBhvr>
-                                        <p:cTn id="7" dur="500" fill="hold"/>
-                                        <p:tgtEl>
-                                          <p:spTgt spid="9"/>
-                                        </p:tgtEl>
-                                        <p:attrNameLst>
-                                          <p:attrName>ppt_w</p:attrName>
-                                        </p:attrNameLst>
-                                      </p:cBhvr>
-                                      <p:tavLst>
-                                        <p:tav tm="0">
-                                          <p:val>
-                                            <p:fltVal val="0"/>
-                                          </p:val>
-                                        </p:tav>
-                                        <p:tav tm="100000">
-                                          <p:val>
-                                            <p:strVal val="#ppt_w"/>
-                                          </p:val>
-                                        </p:tav>
-                                      </p:tavLst>
-                                    </p:anim>
-                                    <p:anim calcmode="lin" valueType="num">
-                                      <p:cBhvr>
-                                        <p:cTn id="8" dur="500" fill="hold"/>
-                                        <p:tgtEl>
-                                          <p:spTgt spid="9"/>
-                                        </p:tgtEl>
-                                        <p:attrNameLst>
-                                          <p:attrName>ppt_h</p:attrName>
-                                        </p:attrNameLst>
-                                      </p:cBhvr>
-                                      <p:tavLst>
-                                        <p:tav tm="0">
-                                          <p:val>
-                                            <p:fltVal val="0"/>
-                                          </p:val>
-                                        </p:tav>
-                                        <p:tav tm="100000">
-                                          <p:val>
-                                            <p:strVal val="#ppt_h"/>
-                                          </p:val>
-                                        </p:tav>
-                                      </p:tavLst>
-                                    </p:anim>
-                                    <p:animEffect transition="in" filter="fade">
-                                      <p:cBhvr>
-                                        <p:cTn id="9" dur="500"/>
-                                        <p:tgtEl>
-                                          <p:spTgt spid="9"/>
-                                        </p:tgtEl>
-                                      </p:cBhvr>
-                                    </p:animEffect>
-                                  </p:childTnLst>
-                                </p:cTn>
-                              </p:par>
-                            </p:childTnLst>
-                          </p:cTn>
-                        </p:par>
-                      </p:childTnLst>
-                    </p:cTn>
-                  </p:par>
-                </p:childTnLst>
-              </p:cTn>
-              <p:prevCondLst>
-                <p:cond evt="onPrev" delay="0">
-                  <p:tgtEl>
-                    <p:sldTgt/>
-                  </p:tgtEl>
-                </p:cond>
-              </p:prevCondLst>
-              <p:nextCondLst>
-                <p:cond evt="onNext" delay="0">
-                  <p:tgtEl>
-                    <p:sldTgt/>
-                  </p:tgtEl>
-                </p:cond>
-              </p:nextCondLst>
-            </p:seq>
-          </p:childTnLst>
-        </p:cTn>
-      </p:par>
-    </p:tnLst>
-    <p:bldLst>
-      <p:bldP spid="9" grpId="0"/>
-    </p:bldLst>
-  </p:timing>
-</p:sld>
-</file>
-
 <file path=ppt/slides/slide25.xml><?xml version="1.0" encoding="utf-8"?>
 <p:sld xmlns:a="http://schemas.openxmlformats.org/drawingml/2006/main" xmlns:r="http://schemas.openxmlformats.org/officeDocument/2006/relationships" xmlns:p="http://schemas.openxmlformats.org/presentationml/2006/main">
   <p:cSld>
@@ -15746,6 +14741,511 @@
           <a:bodyPr/>
           <a:lstStyle/>
           <a:p>
+            <a:r>
+              <a:rPr lang="en-US" altLang="zh-CN" dirty="0" err="1" smtClean="0"/>
+              <a:t>struct</a:t>
+            </a:r>
+            <a:r>
+              <a:rPr lang="en-US" altLang="zh-CN" dirty="0" smtClean="0"/>
+              <a:t> </a:t>
+            </a:r>
+            <a:r>
+              <a:rPr lang="en-US" altLang="zh-CN" dirty="0" err="1" smtClean="0"/>
+              <a:t>server_t</a:t>
+            </a:r>
+            <a:r>
+              <a:rPr lang="en-US" altLang="zh-CN" dirty="0" smtClean="0"/>
+              <a:t>{</a:t>
+            </a:r>
+          </a:p>
+          <a:p>
+            <a:r>
+              <a:rPr lang="en-US" altLang="zh-CN" dirty="0" smtClean="0"/>
+              <a:t>    template&lt;</a:t>
+            </a:r>
+            <a:r>
+              <a:rPr lang="en-US" altLang="zh-CN" dirty="0" err="1" smtClean="0"/>
+              <a:t>typename</a:t>
+            </a:r>
+            <a:r>
+              <a:rPr lang="en-US" altLang="zh-CN" dirty="0" smtClean="0"/>
+              <a:t> Function&gt;</a:t>
+            </a:r>
+          </a:p>
+          <a:p>
+            <a:r>
+              <a:rPr lang="en-US" altLang="zh-CN" dirty="0" smtClean="0"/>
+              <a:t>    void </a:t>
+            </a:r>
+            <a:r>
+              <a:rPr lang="en-US" altLang="zh-CN" dirty="0" err="1"/>
+              <a:t>register_handler</a:t>
+            </a:r>
+            <a:r>
+              <a:rPr lang="en-US" altLang="zh-CN" dirty="0"/>
+              <a:t>(</a:t>
+            </a:r>
+            <a:r>
+              <a:rPr lang="en-US" altLang="zh-CN" dirty="0" err="1"/>
+              <a:t>std</a:t>
+            </a:r>
+            <a:r>
+              <a:rPr lang="en-US" altLang="zh-CN" dirty="0"/>
+              <a:t>::string </a:t>
+            </a:r>
+            <a:r>
+              <a:rPr lang="en-US" altLang="zh-CN" dirty="0" err="1"/>
+              <a:t>const</a:t>
+            </a:r>
+            <a:r>
+              <a:rPr lang="en-US" altLang="zh-CN" dirty="0"/>
+              <a:t> &amp; name, </a:t>
+            </a:r>
+            <a:r>
+              <a:rPr lang="en-US" altLang="zh-CN" dirty="0" err="1"/>
+              <a:t>const</a:t>
+            </a:r>
+            <a:r>
+              <a:rPr lang="en-US" altLang="zh-CN" dirty="0"/>
+              <a:t> Function&amp; f</a:t>
+            </a:r>
+            <a:r>
+              <a:rPr lang="en-US" altLang="zh-CN" dirty="0" smtClean="0"/>
+              <a:t>){</a:t>
+            </a:r>
+          </a:p>
+          <a:p>
+            <a:r>
+              <a:rPr lang="en-US" altLang="zh-CN" dirty="0" smtClean="0"/>
+              <a:t>        using </a:t>
+            </a:r>
+            <a:r>
+              <a:rPr lang="en-US" altLang="zh-CN" dirty="0" err="1"/>
+              <a:t>std</a:t>
+            </a:r>
+            <a:r>
+              <a:rPr lang="en-US" altLang="zh-CN" dirty="0"/>
+              <a:t>::placeholders::_1;</a:t>
+            </a:r>
+          </a:p>
+          <a:p>
+            <a:r>
+              <a:rPr lang="en-US" altLang="zh-CN" dirty="0"/>
+              <a:t> </a:t>
+            </a:r>
+            <a:r>
+              <a:rPr lang="en-US" altLang="zh-CN" dirty="0" smtClean="0"/>
+              <a:t>       using </a:t>
+            </a:r>
+            <a:r>
+              <a:rPr lang="en-US" altLang="zh-CN" dirty="0" err="1"/>
+              <a:t>std</a:t>
+            </a:r>
+            <a:r>
+              <a:rPr lang="en-US" altLang="zh-CN" dirty="0"/>
+              <a:t>::placeholders</a:t>
+            </a:r>
+            <a:r>
+              <a:rPr lang="en-US" altLang="zh-CN" dirty="0" smtClean="0"/>
+              <a:t>::_2;</a:t>
+            </a:r>
+          </a:p>
+          <a:p>
+            <a:r>
+              <a:rPr lang="en-US" altLang="zh-CN" dirty="0" smtClean="0"/>
+              <a:t>        this-&gt;invokers_[name] = { </a:t>
+            </a:r>
+            <a:r>
+              <a:rPr lang="en-US" altLang="zh-CN" dirty="0" err="1" smtClean="0"/>
+              <a:t>std</a:t>
+            </a:r>
+            <a:r>
+              <a:rPr lang="en-US" altLang="zh-CN" dirty="0" smtClean="0">
+                <a:solidFill>
+                  <a:schemeClr val="tx1"/>
+                </a:solidFill>
+              </a:rPr>
+              <a:t>::bind(&amp;invoker&lt;Function&gt;::apply,</a:t>
+            </a:r>
+            <a:r>
+              <a:rPr lang="en-US" altLang="zh-CN" dirty="0" smtClean="0"/>
+              <a:t> f,  _1, _2) </a:t>
+            </a:r>
+          </a:p>
+          <a:p>
+            <a:r>
+              <a:rPr lang="en-US" altLang="zh-CN" dirty="0" smtClean="0"/>
+              <a:t>    };</a:t>
+            </a:r>
+          </a:p>
+          <a:p>
+            <a:r>
+              <a:rPr lang="en-US" altLang="zh-CN" dirty="0" smtClean="0"/>
+              <a:t>private:</a:t>
+            </a:r>
+          </a:p>
+          <a:p>
+            <a:r>
+              <a:rPr lang="en-US" altLang="zh-CN" dirty="0" smtClean="0"/>
+              <a:t>    </a:t>
+            </a:r>
+            <a:r>
+              <a:rPr lang="en-US" altLang="zh-CN" dirty="0" err="1" smtClean="0"/>
+              <a:t>std</a:t>
+            </a:r>
+            <a:r>
+              <a:rPr lang="en-US" altLang="zh-CN" dirty="0"/>
+              <a:t>::map&lt;</a:t>
+            </a:r>
+            <a:r>
+              <a:rPr lang="en-US" altLang="zh-CN" dirty="0" err="1"/>
+              <a:t>std</a:t>
+            </a:r>
+            <a:r>
+              <a:rPr lang="en-US" altLang="zh-CN" dirty="0"/>
+              <a:t>::string, </a:t>
+            </a:r>
+            <a:r>
+              <a:rPr lang="en-US" altLang="zh-CN" dirty="0" err="1"/>
+              <a:t>std</a:t>
+            </a:r>
+            <a:r>
+              <a:rPr lang="en-US" altLang="zh-CN" dirty="0"/>
+              <a:t>::</a:t>
+            </a:r>
+            <a:r>
+              <a:rPr lang="en-US" altLang="zh-CN" dirty="0" smtClean="0"/>
+              <a:t>function&lt;void(</a:t>
+            </a:r>
+            <a:r>
+              <a:rPr lang="en-US" altLang="zh-CN" dirty="0"/>
+              <a:t>char </a:t>
+            </a:r>
+            <a:r>
+              <a:rPr lang="en-US" altLang="zh-CN" dirty="0" err="1"/>
+              <a:t>const</a:t>
+            </a:r>
+            <a:r>
+              <a:rPr lang="en-US" altLang="zh-CN" dirty="0"/>
+              <a:t>*, </a:t>
+            </a:r>
+            <a:r>
+              <a:rPr lang="en-US" altLang="zh-CN" dirty="0" err="1"/>
+              <a:t>size_t</a:t>
+            </a:r>
+            <a:r>
+              <a:rPr lang="en-US" altLang="zh-CN" dirty="0" smtClean="0"/>
+              <a:t>)&gt;&gt; invokers_;</a:t>
+            </a:r>
+          </a:p>
+          <a:p>
+            <a:r>
+              <a:rPr lang="en-US" altLang="zh-CN" dirty="0"/>
+              <a:t>};</a:t>
+            </a:r>
+            <a:r>
+              <a:rPr lang="en-US" altLang="zh-CN" dirty="0" smtClean="0">
+                <a:solidFill>
+                  <a:srgbClr val="FF0000"/>
+                </a:solidFill>
+              </a:rPr>
+              <a:t>		</a:t>
+            </a:r>
+          </a:p>
+          <a:p>
+            <a:r>
+              <a:rPr lang="en-US" altLang="zh-CN" dirty="0">
+                <a:solidFill>
+                  <a:srgbClr val="FF0000"/>
+                </a:solidFill>
+              </a:rPr>
+              <a:t>	</a:t>
+            </a:r>
+            <a:r>
+              <a:rPr lang="en-US" altLang="zh-CN" dirty="0" smtClean="0">
+                <a:solidFill>
+                  <a:srgbClr val="FF0000"/>
+                </a:solidFill>
+              </a:rPr>
+              <a:t>	</a:t>
+            </a:r>
+          </a:p>
+          <a:p>
+            <a:endParaRPr lang="en-US" altLang="zh-CN" dirty="0" smtClean="0"/>
+          </a:p>
+          <a:p>
+            <a:r>
+              <a:rPr lang="en-US" altLang="zh-CN" dirty="0" smtClean="0">
+                <a:solidFill>
+                  <a:srgbClr val="FF0000"/>
+                </a:solidFill>
+              </a:rPr>
+              <a:t> 	</a:t>
+            </a:r>
+            <a:endParaRPr lang="en-US" altLang="zh-CN" dirty="0">
+              <a:solidFill>
+                <a:srgbClr val="FF0000"/>
+              </a:solidFill>
+            </a:endParaRPr>
+          </a:p>
+          <a:p>
+            <a:r>
+              <a:rPr lang="en-US" altLang="zh-CN" dirty="0" smtClean="0">
+                <a:solidFill>
+                  <a:srgbClr val="FF0000"/>
+                </a:solidFill>
+              </a:rPr>
+              <a:t>		</a:t>
+            </a:r>
+            <a:endParaRPr lang="zh-CN" altLang="en-US" dirty="0">
+              <a:solidFill>
+                <a:srgbClr val="FF0000"/>
+              </a:solidFill>
+            </a:endParaRPr>
+          </a:p>
+        </p:txBody>
+      </p:sp>
+      <p:sp>
+        <p:nvSpPr>
+          <p:cNvPr id="9" name="矩形 8"/>
+          <p:cNvSpPr/>
+          <p:nvPr/>
+        </p:nvSpPr>
+        <p:spPr>
+          <a:xfrm>
+            <a:off x="4625664" y="2707933"/>
+            <a:ext cx="2702086" cy="338554"/>
+          </a:xfrm>
+          <a:prstGeom prst="rect">
+            <a:avLst/>
+          </a:prstGeom>
+        </p:spPr>
+        <p:txBody>
+          <a:bodyPr wrap="none">
+            <a:spAutoFit/>
+          </a:bodyPr>
+          <a:lstStyle/>
+          <a:p>
+            <a:r>
+              <a:rPr lang="en-US" altLang="zh-CN" sz="1600" dirty="0">
+                <a:solidFill>
+                  <a:srgbClr val="FF0000"/>
+                </a:solidFill>
+                <a:latin typeface="Microsoft YaHei" panose="020B0503020204020204" pitchFamily="34" charset="-122"/>
+                <a:ea typeface="Microsoft YaHei" panose="020B0503020204020204" pitchFamily="34" charset="-122"/>
+              </a:rPr>
+              <a:t>invoker&lt;Function&gt;::apply</a:t>
+            </a:r>
+            <a:endParaRPr lang="zh-CN" altLang="en-US" sz="1600" dirty="0">
+              <a:solidFill>
+                <a:srgbClr val="FF0000"/>
+              </a:solidFill>
+              <a:latin typeface="Microsoft YaHei" panose="020B0503020204020204" pitchFamily="34" charset="-122"/>
+              <a:ea typeface="Microsoft YaHei" panose="020B0503020204020204" pitchFamily="34" charset="-122"/>
+            </a:endParaRPr>
+          </a:p>
+        </p:txBody>
+      </p:sp>
+    </p:spTree>
+    <p:extLst>
+      <p:ext uri="{BB962C8B-B14F-4D97-AF65-F5344CB8AC3E}">
+        <p14:creationId xmlns:p14="http://schemas.microsoft.com/office/powerpoint/2010/main" val="126712973"/>
+      </p:ext>
+    </p:extLst>
+  </p:cSld>
+  <p:clrMapOvr>
+    <a:masterClrMapping/>
+  </p:clrMapOvr>
+  <p:timing>
+    <p:tnLst>
+      <p:par>
+        <p:cTn id="1" dur="indefinite" restart="never" nodeType="tmRoot">
+          <p:childTnLst>
+            <p:seq concurrent="1" nextAc="seek">
+              <p:cTn id="2" dur="indefinite" nodeType="mainSeq">
+                <p:childTnLst>
+                  <p:par>
+                    <p:cTn id="3" fill="hold">
+                      <p:stCondLst>
+                        <p:cond delay="indefinite"/>
+                      </p:stCondLst>
+                      <p:childTnLst>
+                        <p:par>
+                          <p:cTn id="4" fill="hold">
+                            <p:stCondLst>
+                              <p:cond delay="0"/>
+                            </p:stCondLst>
+                            <p:childTnLst>
+                              <p:par>
+                                <p:cTn id="5" presetID="53" presetClass="entr" presetSubtype="16" fill="hold" grpId="0" nodeType="clickEffect">
+                                  <p:stCondLst>
+                                    <p:cond delay="0"/>
+                                  </p:stCondLst>
+                                  <p:childTnLst>
+                                    <p:set>
+                                      <p:cBhvr>
+                                        <p:cTn id="6" dur="1" fill="hold">
+                                          <p:stCondLst>
+                                            <p:cond delay="0"/>
+                                          </p:stCondLst>
+                                        </p:cTn>
+                                        <p:tgtEl>
+                                          <p:spTgt spid="9"/>
+                                        </p:tgtEl>
+                                        <p:attrNameLst>
+                                          <p:attrName>style.visibility</p:attrName>
+                                        </p:attrNameLst>
+                                      </p:cBhvr>
+                                      <p:to>
+                                        <p:strVal val="visible"/>
+                                      </p:to>
+                                    </p:set>
+                                    <p:anim calcmode="lin" valueType="num">
+                                      <p:cBhvr>
+                                        <p:cTn id="7" dur="500" fill="hold"/>
+                                        <p:tgtEl>
+                                          <p:spTgt spid="9"/>
+                                        </p:tgtEl>
+                                        <p:attrNameLst>
+                                          <p:attrName>ppt_w</p:attrName>
+                                        </p:attrNameLst>
+                                      </p:cBhvr>
+                                      <p:tavLst>
+                                        <p:tav tm="0">
+                                          <p:val>
+                                            <p:fltVal val="0"/>
+                                          </p:val>
+                                        </p:tav>
+                                        <p:tav tm="100000">
+                                          <p:val>
+                                            <p:strVal val="#ppt_w"/>
+                                          </p:val>
+                                        </p:tav>
+                                      </p:tavLst>
+                                    </p:anim>
+                                    <p:anim calcmode="lin" valueType="num">
+                                      <p:cBhvr>
+                                        <p:cTn id="8" dur="500" fill="hold"/>
+                                        <p:tgtEl>
+                                          <p:spTgt spid="9"/>
+                                        </p:tgtEl>
+                                        <p:attrNameLst>
+                                          <p:attrName>ppt_h</p:attrName>
+                                        </p:attrNameLst>
+                                      </p:cBhvr>
+                                      <p:tavLst>
+                                        <p:tav tm="0">
+                                          <p:val>
+                                            <p:fltVal val="0"/>
+                                          </p:val>
+                                        </p:tav>
+                                        <p:tav tm="100000">
+                                          <p:val>
+                                            <p:strVal val="#ppt_h"/>
+                                          </p:val>
+                                        </p:tav>
+                                      </p:tavLst>
+                                    </p:anim>
+                                    <p:animEffect transition="in" filter="fade">
+                                      <p:cBhvr>
+                                        <p:cTn id="9" dur="500"/>
+                                        <p:tgtEl>
+                                          <p:spTgt spid="9"/>
+                                        </p:tgtEl>
+                                      </p:cBhvr>
+                                    </p:animEffect>
+                                  </p:childTnLst>
+                                </p:cTn>
+                              </p:par>
+                            </p:childTnLst>
+                          </p:cTn>
+                        </p:par>
+                      </p:childTnLst>
+                    </p:cTn>
+                  </p:par>
+                </p:childTnLst>
+              </p:cTn>
+              <p:prevCondLst>
+                <p:cond evt="onPrev" delay="0">
+                  <p:tgtEl>
+                    <p:sldTgt/>
+                  </p:tgtEl>
+                </p:cond>
+              </p:prevCondLst>
+              <p:nextCondLst>
+                <p:cond evt="onNext" delay="0">
+                  <p:tgtEl>
+                    <p:sldTgt/>
+                  </p:tgtEl>
+                </p:cond>
+              </p:nextCondLst>
+            </p:seq>
+          </p:childTnLst>
+        </p:cTn>
+      </p:par>
+    </p:tnLst>
+    <p:bldLst>
+      <p:bldP spid="9" grpId="0"/>
+    </p:bldLst>
+  </p:timing>
+</p:sld>
+</file>
+
+<file path=ppt/slides/slide27.xml><?xml version="1.0" encoding="utf-8"?>
+<p:sld xmlns:a="http://schemas.openxmlformats.org/drawingml/2006/main" xmlns:r="http://schemas.openxmlformats.org/officeDocument/2006/relationships" xmlns:p="http://schemas.openxmlformats.org/presentationml/2006/main">
+  <p:cSld>
+    <p:spTree>
+      <p:nvGrpSpPr>
+        <p:cNvPr id="1" name=""/>
+        <p:cNvGrpSpPr/>
+        <p:nvPr/>
+      </p:nvGrpSpPr>
+      <p:grpSpPr>
+        <a:xfrm>
+          <a:off x="0" y="0"/>
+          <a:ext cx="0" cy="0"/>
+          <a:chOff x="0" y="0"/>
+          <a:chExt cx="0" cy="0"/>
+        </a:xfrm>
+      </p:grpSpPr>
+      <p:sp>
+        <p:nvSpPr>
+          <p:cNvPr id="2" name="标题 1"/>
+          <p:cNvSpPr>
+            <a:spLocks noGrp="1"/>
+          </p:cNvSpPr>
+          <p:nvPr>
+            <p:ph type="title"/>
+          </p:nvPr>
+        </p:nvSpPr>
+        <p:spPr/>
+        <p:txBody>
+          <a:bodyPr/>
+          <a:lstStyle/>
+          <a:p>
+            <a:r>
+              <a:rPr lang="en-US" altLang="zh-CN" dirty="0"/>
+              <a:t>Register callable of any signature</a:t>
+            </a:r>
+            <a:endParaRPr lang="zh-CN" altLang="en-US" dirty="0"/>
+          </a:p>
+        </p:txBody>
+      </p:sp>
+      <p:sp>
+        <p:nvSpPr>
+          <p:cNvPr id="3" name="文本占位符 2"/>
+          <p:cNvSpPr>
+            <a:spLocks noGrp="1"/>
+          </p:cNvSpPr>
+          <p:nvPr>
+            <p:ph type="body" sz="half" idx="2"/>
+          </p:nvPr>
+        </p:nvSpPr>
+        <p:spPr/>
+        <p:txBody>
+          <a:bodyPr/>
+          <a:lstStyle/>
+          <a:p>
             <a:endParaRPr lang="en-US" altLang="zh-CN" dirty="0" smtClean="0"/>
           </a:p>
           <a:p>
@@ -15862,7 +15362,7 @@
 </p:sld>
 </file>
 
-<file path=ppt/slides/slide27.xml><?xml version="1.0" encoding="utf-8"?>
+<file path=ppt/slides/slide28.xml><?xml version="1.0" encoding="utf-8"?>
 <p:sld xmlns:a="http://schemas.openxmlformats.org/drawingml/2006/main" xmlns:r="http://schemas.openxmlformats.org/officeDocument/2006/relationships" xmlns:p="http://schemas.openxmlformats.org/presentationml/2006/main">
   <p:cSld>
     <p:spTree>
@@ -16163,7 +15663,7 @@
 </p:sld>
 </file>
 
-<file path=ppt/slides/slide28.xml><?xml version="1.0" encoding="utf-8"?>
+<file path=ppt/slides/slide29.xml><?xml version="1.0" encoding="utf-8"?>
 <p:sld xmlns:a="http://schemas.openxmlformats.org/drawingml/2006/main" xmlns:r="http://schemas.openxmlformats.org/officeDocument/2006/relationships" xmlns:p="http://schemas.openxmlformats.org/presentationml/2006/main">
   <p:cSld>
     <p:spTree>
@@ -16881,672 +16381,6 @@
     <p:bldLst>
       <p:bldP spid="4" grpId="0"/>
       <p:bldP spid="5" grpId="0"/>
-    </p:bldLst>
-  </p:timing>
-</p:sld>
-</file>
-
-<file path=ppt/slides/slide29.xml><?xml version="1.0" encoding="utf-8"?>
-<p:sld xmlns:a="http://schemas.openxmlformats.org/drawingml/2006/main" xmlns:r="http://schemas.openxmlformats.org/officeDocument/2006/relationships" xmlns:p="http://schemas.openxmlformats.org/presentationml/2006/main">
-  <p:cSld>
-    <p:spTree>
-      <p:nvGrpSpPr>
-        <p:cNvPr id="1" name=""/>
-        <p:cNvGrpSpPr/>
-        <p:nvPr/>
-      </p:nvGrpSpPr>
-      <p:grpSpPr>
-        <a:xfrm>
-          <a:off x="0" y="0"/>
-          <a:ext cx="0" cy="0"/>
-          <a:chOff x="0" y="0"/>
-          <a:chExt cx="0" cy="0"/>
-        </a:xfrm>
-      </p:grpSpPr>
-      <p:sp>
-        <p:nvSpPr>
-          <p:cNvPr id="2" name="标题 1"/>
-          <p:cNvSpPr>
-            <a:spLocks noGrp="1"/>
-          </p:cNvSpPr>
-          <p:nvPr>
-            <p:ph type="title"/>
-          </p:nvPr>
-        </p:nvSpPr>
-        <p:spPr/>
-        <p:txBody>
-          <a:bodyPr/>
-          <a:lstStyle/>
-          <a:p>
-            <a:r>
-              <a:rPr lang="en-US" altLang="zh-CN" dirty="0"/>
-              <a:t>How to </a:t>
-            </a:r>
-            <a:r>
-              <a:rPr lang="en-US" altLang="zh-CN" dirty="0" smtClean="0"/>
-              <a:t>route to </a:t>
-            </a:r>
-            <a:r>
-              <a:rPr lang="en-US" altLang="zh-CN" dirty="0"/>
-              <a:t>the correct handler</a:t>
-            </a:r>
-            <a:endParaRPr lang="zh-CN" altLang="en-US" dirty="0"/>
-          </a:p>
-        </p:txBody>
-      </p:sp>
-      <p:sp>
-        <p:nvSpPr>
-          <p:cNvPr id="3" name="文本占位符 2"/>
-          <p:cNvSpPr>
-            <a:spLocks noGrp="1"/>
-          </p:cNvSpPr>
-          <p:nvPr>
-            <p:ph type="body" sz="half" idx="2"/>
-          </p:nvPr>
-        </p:nvSpPr>
-        <p:spPr/>
-        <p:txBody>
-          <a:bodyPr/>
-          <a:lstStyle/>
-          <a:p>
-            <a:r>
-              <a:rPr lang="en-US" altLang="zh-CN" dirty="0"/>
-              <a:t>template&lt;</a:t>
-            </a:r>
-            <a:r>
-              <a:rPr lang="en-US" altLang="zh-CN" dirty="0" err="1"/>
-              <a:t>typename</a:t>
-            </a:r>
-            <a:r>
-              <a:rPr lang="en-US" altLang="zh-CN" dirty="0"/>
-              <a:t> </a:t>
-            </a:r>
-            <a:r>
-              <a:rPr lang="en-US" altLang="zh-CN" dirty="0" err="1"/>
-              <a:t>CodecPolicy</a:t>
-            </a:r>
-            <a:r>
-              <a:rPr lang="en-US" altLang="zh-CN" dirty="0"/>
-              <a:t>, </a:t>
-            </a:r>
-            <a:r>
-              <a:rPr lang="en-US" altLang="zh-CN" dirty="0" err="1"/>
-              <a:t>typename</a:t>
-            </a:r>
-            <a:r>
-              <a:rPr lang="en-US" altLang="zh-CN" dirty="0"/>
-              <a:t> Function&gt;</a:t>
-            </a:r>
-          </a:p>
-          <a:p>
-            <a:r>
-              <a:rPr lang="en-US" altLang="zh-CN" dirty="0" err="1"/>
-              <a:t>struct</a:t>
-            </a:r>
-            <a:r>
-              <a:rPr lang="en-US" altLang="zh-CN" dirty="0"/>
-              <a:t> </a:t>
-            </a:r>
-            <a:r>
-              <a:rPr lang="en-US" altLang="zh-CN" dirty="0" smtClean="0"/>
-              <a:t>invoker{</a:t>
-            </a:r>
-            <a:endParaRPr lang="en-US" altLang="zh-CN" dirty="0"/>
-          </a:p>
-          <a:p>
-            <a:r>
-              <a:rPr lang="en-US" altLang="zh-CN" dirty="0" smtClean="0"/>
-              <a:t>    static </a:t>
-            </a:r>
-            <a:r>
-              <a:rPr lang="en-US" altLang="zh-CN" dirty="0"/>
-              <a:t>inline void apply(</a:t>
-            </a:r>
-            <a:r>
-              <a:rPr lang="en-US" altLang="zh-CN" dirty="0" err="1"/>
-              <a:t>const</a:t>
-            </a:r>
-            <a:r>
-              <a:rPr lang="en-US" altLang="zh-CN" dirty="0"/>
-              <a:t> Function&amp; </a:t>
-            </a:r>
-            <a:r>
-              <a:rPr lang="en-US" altLang="zh-CN" dirty="0" err="1"/>
-              <a:t>func</a:t>
-            </a:r>
-            <a:r>
-              <a:rPr lang="en-US" altLang="zh-CN" dirty="0"/>
-              <a:t>, char </a:t>
-            </a:r>
-            <a:r>
-              <a:rPr lang="en-US" altLang="zh-CN" dirty="0" err="1"/>
-              <a:t>const</a:t>
-            </a:r>
-            <a:r>
-              <a:rPr lang="en-US" altLang="zh-CN" dirty="0"/>
-              <a:t>* data, </a:t>
-            </a:r>
-            <a:r>
-              <a:rPr lang="en-US" altLang="zh-CN" dirty="0" err="1"/>
-              <a:t>size_t</a:t>
-            </a:r>
-            <a:r>
-              <a:rPr lang="en-US" altLang="zh-CN" dirty="0"/>
-              <a:t> size) </a:t>
-            </a:r>
-            <a:r>
-              <a:rPr lang="en-US" altLang="zh-CN" dirty="0" smtClean="0"/>
-              <a:t>{</a:t>
-            </a:r>
-            <a:endParaRPr lang="en-US" altLang="zh-CN" dirty="0"/>
-          </a:p>
-          <a:p>
-            <a:r>
-              <a:rPr lang="en-US" altLang="zh-CN" dirty="0" smtClean="0"/>
-              <a:t>        </a:t>
-            </a:r>
-            <a:r>
-              <a:rPr lang="en-US" altLang="zh-CN" dirty="0" err="1" smtClean="0"/>
-              <a:t>CodecPolicy</a:t>
-            </a:r>
-            <a:r>
-              <a:rPr lang="en-US" altLang="zh-CN" dirty="0" smtClean="0"/>
-              <a:t> </a:t>
-            </a:r>
-            <a:r>
-              <a:rPr lang="en-US" altLang="zh-CN" dirty="0" err="1"/>
-              <a:t>cp</a:t>
-            </a:r>
-            <a:r>
-              <a:rPr lang="en-US" altLang="zh-CN" dirty="0"/>
-              <a:t>{};</a:t>
-            </a:r>
-          </a:p>
-          <a:p>
-            <a:r>
-              <a:rPr lang="en-US" altLang="zh-CN" dirty="0" smtClean="0"/>
-              <a:t>        auto </a:t>
-            </a:r>
-            <a:r>
-              <a:rPr lang="en-US" altLang="zh-CN" dirty="0" err="1"/>
-              <a:t>args_tuple</a:t>
-            </a:r>
-            <a:r>
-              <a:rPr lang="en-US" altLang="zh-CN" dirty="0"/>
-              <a:t> = </a:t>
-            </a:r>
-            <a:r>
-              <a:rPr lang="en-US" altLang="zh-CN" dirty="0" err="1"/>
-              <a:t>cp.template</a:t>
-            </a:r>
-            <a:r>
-              <a:rPr lang="en-US" altLang="zh-CN" dirty="0"/>
-              <a:t> unpack&lt;</a:t>
-            </a:r>
-            <a:r>
-              <a:rPr lang="en-US" altLang="zh-CN" dirty="0" err="1"/>
-              <a:t>args_tuple_type</a:t>
-            </a:r>
-            <a:r>
-              <a:rPr lang="en-US" altLang="zh-CN" dirty="0"/>
-              <a:t>&gt;(data, size</a:t>
-            </a:r>
-            <a:r>
-              <a:rPr lang="en-US" altLang="zh-CN" dirty="0" smtClean="0"/>
-              <a:t>);</a:t>
-            </a:r>
-            <a:endParaRPr lang="zh-CN" altLang="en-US" dirty="0"/>
-          </a:p>
-          <a:p>
-            <a:r>
-              <a:rPr lang="en-US" altLang="zh-CN" dirty="0" smtClean="0"/>
-              <a:t>        </a:t>
-            </a:r>
-            <a:r>
-              <a:rPr lang="en-US" altLang="zh-CN" b="1" dirty="0" err="1" smtClean="0"/>
-              <a:t>std</a:t>
-            </a:r>
-            <a:r>
-              <a:rPr lang="en-US" altLang="zh-CN" b="1" dirty="0"/>
-              <a:t>::apply</a:t>
-            </a:r>
-            <a:r>
-              <a:rPr lang="en-US" altLang="zh-CN" dirty="0"/>
-              <a:t>(</a:t>
-            </a:r>
-            <a:r>
-              <a:rPr lang="en-US" altLang="zh-CN" dirty="0" err="1"/>
-              <a:t>func</a:t>
-            </a:r>
-            <a:r>
-              <a:rPr lang="en-US" altLang="zh-CN" dirty="0"/>
-              <a:t>, </a:t>
-            </a:r>
-            <a:r>
-              <a:rPr lang="en-US" altLang="zh-CN" dirty="0" err="1"/>
-              <a:t>args_tuple</a:t>
-            </a:r>
-            <a:r>
-              <a:rPr lang="en-US" altLang="zh-CN" dirty="0"/>
-              <a:t>);</a:t>
-            </a:r>
-          </a:p>
-          <a:p>
-            <a:r>
-              <a:rPr lang="en-US" altLang="zh-CN" dirty="0" smtClean="0"/>
-              <a:t>    }</a:t>
-            </a:r>
-            <a:endParaRPr lang="en-US" altLang="zh-CN" dirty="0"/>
-          </a:p>
-          <a:p>
-            <a:r>
-              <a:rPr lang="en-US" altLang="zh-CN" dirty="0" smtClean="0"/>
-              <a:t>};</a:t>
-            </a:r>
-          </a:p>
-        </p:txBody>
-      </p:sp>
-      <p:sp>
-        <p:nvSpPr>
-          <p:cNvPr id="7" name="矩形 6"/>
-          <p:cNvSpPr/>
-          <p:nvPr/>
-        </p:nvSpPr>
-        <p:spPr>
-          <a:xfrm>
-            <a:off x="3768455" y="2677220"/>
-            <a:ext cx="1489510" cy="369332"/>
-          </a:xfrm>
-          <a:prstGeom prst="rect">
-            <a:avLst/>
-          </a:prstGeom>
-        </p:spPr>
-        <p:txBody>
-          <a:bodyPr wrap="none">
-            <a:spAutoFit/>
-          </a:bodyPr>
-          <a:lstStyle/>
-          <a:p>
-            <a:r>
-              <a:rPr lang="en-US" altLang="zh-CN" b="1" dirty="0"/>
-              <a:t>//from C++</a:t>
-            </a:r>
-            <a:r>
-              <a:rPr lang="en-US" altLang="zh-CN" b="1" dirty="0" smtClean="0"/>
-              <a:t>17</a:t>
-            </a:r>
-            <a:endParaRPr lang="zh-CN" altLang="en-US" b="1" dirty="0"/>
-          </a:p>
-        </p:txBody>
-      </p:sp>
-      <p:sp>
-        <p:nvSpPr>
-          <p:cNvPr id="4" name="矩形 3"/>
-          <p:cNvSpPr/>
-          <p:nvPr/>
-        </p:nvSpPr>
-        <p:spPr>
-          <a:xfrm>
-            <a:off x="1975222" y="4048942"/>
-            <a:ext cx="5428649" cy="1477328"/>
-          </a:xfrm>
-          <a:prstGeom prst="rect">
-            <a:avLst/>
-          </a:prstGeom>
-        </p:spPr>
-        <p:txBody>
-          <a:bodyPr wrap="square">
-            <a:spAutoFit/>
-          </a:bodyPr>
-          <a:lstStyle/>
-          <a:p>
-            <a:r>
-              <a:rPr lang="en-US" altLang="zh-CN" dirty="0"/>
-              <a:t>T </a:t>
-            </a:r>
-            <a:r>
-              <a:rPr lang="en-US" altLang="zh-CN" dirty="0" err="1"/>
-              <a:t>t</a:t>
-            </a:r>
-            <a:r>
-              <a:rPr lang="en-US" altLang="zh-CN" dirty="0"/>
-              <a:t>;</a:t>
-            </a:r>
-          </a:p>
-          <a:p>
-            <a:r>
-              <a:rPr lang="en-US" altLang="zh-CN" dirty="0"/>
-              <a:t>iguana::xml::</a:t>
-            </a:r>
-            <a:r>
-              <a:rPr lang="en-US" altLang="zh-CN" dirty="0" err="1"/>
-              <a:t>from_json</a:t>
-            </a:r>
-            <a:r>
-              <a:rPr lang="en-US" altLang="zh-CN" dirty="0"/>
-              <a:t>(t, data, length);</a:t>
-            </a:r>
-          </a:p>
-          <a:p>
-            <a:r>
-              <a:rPr lang="zh-CN" altLang="en-US" dirty="0"/>
-              <a:t>iguana::msgpack::from_msgpack(t, msg_, data, length);</a:t>
-            </a:r>
-            <a:endParaRPr lang="en-US" altLang="zh-CN" dirty="0"/>
-          </a:p>
-          <a:p>
-            <a:r>
-              <a:rPr lang="en-US" altLang="zh-CN" dirty="0"/>
-              <a:t>iguana::xml::</a:t>
-            </a:r>
-            <a:r>
-              <a:rPr lang="en-US" altLang="zh-CN" dirty="0" err="1"/>
-              <a:t>from_xml</a:t>
-            </a:r>
-            <a:r>
-              <a:rPr lang="en-US" altLang="zh-CN" dirty="0"/>
-              <a:t>(t, data, length);</a:t>
-            </a:r>
-            <a:endParaRPr lang="zh-CN" altLang="en-US" dirty="0"/>
-          </a:p>
-          <a:p>
-            <a:r>
-              <a:rPr lang="en-US" altLang="zh-CN" dirty="0"/>
-              <a:t>https://github.com/qicosmos/iguana</a:t>
-            </a:r>
-            <a:endParaRPr lang="zh-CN" altLang="en-US" dirty="0"/>
-          </a:p>
-        </p:txBody>
-      </p:sp>
-    </p:spTree>
-    <p:extLst>
-      <p:ext uri="{BB962C8B-B14F-4D97-AF65-F5344CB8AC3E}">
-        <p14:creationId xmlns:p14="http://schemas.microsoft.com/office/powerpoint/2010/main" val="1911147746"/>
-      </p:ext>
-    </p:extLst>
-  </p:cSld>
-  <p:clrMapOvr>
-    <a:masterClrMapping/>
-  </p:clrMapOvr>
-  <p:timing>
-    <p:tnLst>
-      <p:par>
-        <p:cTn id="1" dur="indefinite" restart="never" nodeType="tmRoot">
-          <p:childTnLst>
-            <p:seq concurrent="1" nextAc="seek">
-              <p:cTn id="2" dur="indefinite" nodeType="mainSeq">
-                <p:childTnLst>
-                  <p:par>
-                    <p:cTn id="3" fill="hold">
-                      <p:stCondLst>
-                        <p:cond delay="indefinite"/>
-                      </p:stCondLst>
-                      <p:childTnLst>
-                        <p:par>
-                          <p:cTn id="4" fill="hold">
-                            <p:stCondLst>
-                              <p:cond delay="0"/>
-                            </p:stCondLst>
-                            <p:childTnLst>
-                              <p:par>
-                                <p:cTn id="5" presetID="2" presetClass="entr" presetSubtype="4" fill="hold" grpId="0" nodeType="clickEffect">
-                                  <p:stCondLst>
-                                    <p:cond delay="0"/>
-                                  </p:stCondLst>
-                                  <p:childTnLst>
-                                    <p:set>
-                                      <p:cBhvr>
-                                        <p:cTn id="6" dur="1" fill="hold">
-                                          <p:stCondLst>
-                                            <p:cond delay="0"/>
-                                          </p:stCondLst>
-                                        </p:cTn>
-                                        <p:tgtEl>
-                                          <p:spTgt spid="4"/>
-                                        </p:tgtEl>
-                                        <p:attrNameLst>
-                                          <p:attrName>style.visibility</p:attrName>
-                                        </p:attrNameLst>
-                                      </p:cBhvr>
-                                      <p:to>
-                                        <p:strVal val="visible"/>
-                                      </p:to>
-                                    </p:set>
-                                    <p:anim calcmode="lin" valueType="num">
-                                      <p:cBhvr additive="base">
-                                        <p:cTn id="7" dur="500" fill="hold"/>
-                                        <p:tgtEl>
-                                          <p:spTgt spid="4"/>
-                                        </p:tgtEl>
-                                        <p:attrNameLst>
-                                          <p:attrName>ppt_x</p:attrName>
-                                        </p:attrNameLst>
-                                      </p:cBhvr>
-                                      <p:tavLst>
-                                        <p:tav tm="0">
-                                          <p:val>
-                                            <p:strVal val="#ppt_x"/>
-                                          </p:val>
-                                        </p:tav>
-                                        <p:tav tm="100000">
-                                          <p:val>
-                                            <p:strVal val="#ppt_x"/>
-                                          </p:val>
-                                        </p:tav>
-                                      </p:tavLst>
-                                    </p:anim>
-                                    <p:anim calcmode="lin" valueType="num">
-                                      <p:cBhvr additive="base">
-                                        <p:cTn id="8" dur="500" fill="hold"/>
-                                        <p:tgtEl>
-                                          <p:spTgt spid="4"/>
-                                        </p:tgtEl>
-                                        <p:attrNameLst>
-                                          <p:attrName>ppt_y</p:attrName>
-                                        </p:attrNameLst>
-                                      </p:cBhvr>
-                                      <p:tavLst>
-                                        <p:tav tm="0">
-                                          <p:val>
-                                            <p:strVal val="1+#ppt_h/2"/>
-                                          </p:val>
-                                        </p:tav>
-                                        <p:tav tm="100000">
-                                          <p:val>
-                                            <p:strVal val="#ppt_y"/>
-                                          </p:val>
-                                        </p:tav>
-                                      </p:tavLst>
-                                    </p:anim>
-                                  </p:childTnLst>
-                                </p:cTn>
-                              </p:par>
-                            </p:childTnLst>
-                          </p:cTn>
-                        </p:par>
-                      </p:childTnLst>
-                    </p:cTn>
-                  </p:par>
-                  <p:par>
-                    <p:cTn id="9" fill="hold">
-                      <p:stCondLst>
-                        <p:cond delay="indefinite"/>
-                      </p:stCondLst>
-                      <p:childTnLst>
-                        <p:par>
-                          <p:cTn id="10" fill="hold">
-                            <p:stCondLst>
-                              <p:cond delay="0"/>
-                            </p:stCondLst>
-                            <p:childTnLst>
-                              <p:par>
-                                <p:cTn id="11" presetID="2" presetClass="entr" presetSubtype="4" fill="hold" nodeType="clickEffect">
-                                  <p:stCondLst>
-                                    <p:cond delay="0"/>
-                                  </p:stCondLst>
-                                  <p:childTnLst>
-                                    <p:set>
-                                      <p:cBhvr>
-                                        <p:cTn id="12" dur="1" fill="hold">
-                                          <p:stCondLst>
-                                            <p:cond delay="0"/>
-                                          </p:stCondLst>
-                                        </p:cTn>
-                                        <p:tgtEl>
-                                          <p:spTgt spid="3">
-                                            <p:txEl>
-                                              <p:pRg st="5" end="5"/>
-                                            </p:txEl>
-                                          </p:spTgt>
-                                        </p:tgtEl>
-                                        <p:attrNameLst>
-                                          <p:attrName>style.visibility</p:attrName>
-                                        </p:attrNameLst>
-                                      </p:cBhvr>
-                                      <p:to>
-                                        <p:strVal val="visible"/>
-                                      </p:to>
-                                    </p:set>
-                                    <p:anim calcmode="lin" valueType="num">
-                                      <p:cBhvr additive="base">
-                                        <p:cTn id="13" dur="500" fill="hold"/>
-                                        <p:tgtEl>
-                                          <p:spTgt spid="3">
-                                            <p:txEl>
-                                              <p:pRg st="5" end="5"/>
-                                            </p:txEl>
-                                          </p:spTgt>
-                                        </p:tgtEl>
-                                        <p:attrNameLst>
-                                          <p:attrName>ppt_x</p:attrName>
-                                        </p:attrNameLst>
-                                      </p:cBhvr>
-                                      <p:tavLst>
-                                        <p:tav tm="0">
-                                          <p:val>
-                                            <p:strVal val="#ppt_x"/>
-                                          </p:val>
-                                        </p:tav>
-                                        <p:tav tm="100000">
-                                          <p:val>
-                                            <p:strVal val="#ppt_x"/>
-                                          </p:val>
-                                        </p:tav>
-                                      </p:tavLst>
-                                    </p:anim>
-                                    <p:anim calcmode="lin" valueType="num">
-                                      <p:cBhvr additive="base">
-                                        <p:cTn id="14" dur="500" fill="hold"/>
-                                        <p:tgtEl>
-                                          <p:spTgt spid="3">
-                                            <p:txEl>
-                                              <p:pRg st="5" end="5"/>
-                                            </p:txEl>
-                                          </p:spTgt>
-                                        </p:tgtEl>
-                                        <p:attrNameLst>
-                                          <p:attrName>ppt_y</p:attrName>
-                                        </p:attrNameLst>
-                                      </p:cBhvr>
-                                      <p:tavLst>
-                                        <p:tav tm="0">
-                                          <p:val>
-                                            <p:strVal val="1+#ppt_h/2"/>
-                                          </p:val>
-                                        </p:tav>
-                                        <p:tav tm="100000">
-                                          <p:val>
-                                            <p:strVal val="#ppt_y"/>
-                                          </p:val>
-                                        </p:tav>
-                                      </p:tavLst>
-                                    </p:anim>
-                                  </p:childTnLst>
-                                </p:cTn>
-                              </p:par>
-                            </p:childTnLst>
-                          </p:cTn>
-                        </p:par>
-                      </p:childTnLst>
-                    </p:cTn>
-                  </p:par>
-                  <p:par>
-                    <p:cTn id="15" fill="hold">
-                      <p:stCondLst>
-                        <p:cond delay="indefinite"/>
-                      </p:stCondLst>
-                      <p:childTnLst>
-                        <p:par>
-                          <p:cTn id="16" fill="hold">
-                            <p:stCondLst>
-                              <p:cond delay="0"/>
-                            </p:stCondLst>
-                            <p:childTnLst>
-                              <p:par>
-                                <p:cTn id="17" presetID="22" presetClass="entr" presetSubtype="8" fill="hold" grpId="0" nodeType="clickEffect">
-                                  <p:stCondLst>
-                                    <p:cond delay="0"/>
-                                  </p:stCondLst>
-                                  <p:childTnLst>
-                                    <p:set>
-                                      <p:cBhvr>
-                                        <p:cTn id="18" dur="1" fill="hold">
-                                          <p:stCondLst>
-                                            <p:cond delay="0"/>
-                                          </p:stCondLst>
-                                        </p:cTn>
-                                        <p:tgtEl>
-                                          <p:spTgt spid="7"/>
-                                        </p:tgtEl>
-                                        <p:attrNameLst>
-                                          <p:attrName>style.visibility</p:attrName>
-                                        </p:attrNameLst>
-                                      </p:cBhvr>
-                                      <p:to>
-                                        <p:strVal val="visible"/>
-                                      </p:to>
-                                    </p:set>
-                                    <p:animEffect transition="in" filter="wipe(left)">
-                                      <p:cBhvr>
-                                        <p:cTn id="19" dur="500"/>
-                                        <p:tgtEl>
-                                          <p:spTgt spid="7"/>
-                                        </p:tgtEl>
-                                      </p:cBhvr>
-                                    </p:animEffect>
-                                  </p:childTnLst>
-                                </p:cTn>
-                              </p:par>
-                            </p:childTnLst>
-                          </p:cTn>
-                        </p:par>
-                      </p:childTnLst>
-                    </p:cTn>
-                  </p:par>
-                </p:childTnLst>
-              </p:cTn>
-              <p:prevCondLst>
-                <p:cond evt="onPrev" delay="0">
-                  <p:tgtEl>
-                    <p:sldTgt/>
-                  </p:tgtEl>
-                </p:cond>
-              </p:prevCondLst>
-              <p:nextCondLst>
-                <p:cond evt="onNext" delay="0">
-                  <p:tgtEl>
-                    <p:sldTgt/>
-                  </p:tgtEl>
-                </p:cond>
-              </p:nextCondLst>
-            </p:seq>
-          </p:childTnLst>
-        </p:cTn>
-      </p:par>
-    </p:tnLst>
-    <p:bldLst>
-      <p:bldP spid="7" grpId="0"/>
-      <p:bldP spid="4" grpId="0"/>
     </p:bldLst>
   </p:timing>
 </p:sld>
@@ -18166,15 +17000,80 @@
           <a:p>
             <a:r>
               <a:rPr lang="en-US" altLang="zh-CN" dirty="0"/>
-              <a:t>template &lt;class F, class Tuple, </a:t>
+              <a:t>template&lt;</a:t>
             </a:r>
             <a:r>
               <a:rPr lang="en-US" altLang="zh-CN" dirty="0" err="1"/>
-              <a:t>std</a:t>
-            </a:r>
-            <a:r>
-              <a:rPr lang="en-US" altLang="zh-CN" dirty="0"/>
-              <a:t>::</a:t>
+              <a:t>typename</a:t>
+            </a:r>
+            <a:r>
+              <a:rPr lang="en-US" altLang="zh-CN" dirty="0"/>
+              <a:t> </a:t>
+            </a:r>
+            <a:r>
+              <a:rPr lang="en-US" altLang="zh-CN" dirty="0" err="1"/>
+              <a:t>CodecPolicy</a:t>
+            </a:r>
+            <a:r>
+              <a:rPr lang="en-US" altLang="zh-CN" dirty="0"/>
+              <a:t>, </a:t>
+            </a:r>
+            <a:r>
+              <a:rPr lang="en-US" altLang="zh-CN" dirty="0" err="1"/>
+              <a:t>typename</a:t>
+            </a:r>
+            <a:r>
+              <a:rPr lang="en-US" altLang="zh-CN" dirty="0"/>
+              <a:t> Function&gt;</a:t>
+            </a:r>
+          </a:p>
+          <a:p>
+            <a:r>
+              <a:rPr lang="en-US" altLang="zh-CN" dirty="0" err="1"/>
+              <a:t>struct</a:t>
+            </a:r>
+            <a:r>
+              <a:rPr lang="en-US" altLang="zh-CN" dirty="0"/>
+              <a:t> </a:t>
+            </a:r>
+            <a:r>
+              <a:rPr lang="en-US" altLang="zh-CN" dirty="0" smtClean="0"/>
+              <a:t>invoker{</a:t>
+            </a:r>
+            <a:endParaRPr lang="en-US" altLang="zh-CN" dirty="0"/>
+          </a:p>
+          <a:p>
+            <a:r>
+              <a:rPr lang="en-US" altLang="zh-CN" dirty="0" smtClean="0"/>
+              <a:t>    static </a:t>
+            </a:r>
+            <a:r>
+              <a:rPr lang="en-US" altLang="zh-CN" dirty="0"/>
+              <a:t>inline void apply(</a:t>
+            </a:r>
+            <a:r>
+              <a:rPr lang="en-US" altLang="zh-CN" dirty="0" err="1"/>
+              <a:t>const</a:t>
+            </a:r>
+            <a:r>
+              <a:rPr lang="en-US" altLang="zh-CN" dirty="0"/>
+              <a:t> Function&amp; </a:t>
+            </a:r>
+            <a:r>
+              <a:rPr lang="en-US" altLang="zh-CN" dirty="0" err="1"/>
+              <a:t>func</a:t>
+            </a:r>
+            <a:r>
+              <a:rPr lang="en-US" altLang="zh-CN" dirty="0"/>
+              <a:t>, char </a:t>
+            </a:r>
+            <a:r>
+              <a:rPr lang="en-US" altLang="zh-CN" dirty="0" err="1"/>
+              <a:t>const</a:t>
+            </a:r>
+            <a:r>
+              <a:rPr lang="en-US" altLang="zh-CN" dirty="0"/>
+              <a:t>* data, </a:t>
             </a:r>
             <a:r>
               <a:rPr lang="en-US" altLang="zh-CN" dirty="0" err="1"/>
@@ -18182,155 +17081,13 @@
             </a:r>
             <a:r>
               <a:rPr lang="en-US" altLang="zh-CN" dirty="0"/>
-              <a:t>... I&gt;</a:t>
-            </a:r>
-          </a:p>
-          <a:p>
-            <a:r>
-              <a:rPr lang="en-US" altLang="zh-CN" dirty="0" err="1"/>
-              <a:t>constexpr</a:t>
-            </a:r>
-            <a:r>
-              <a:rPr lang="en-US" altLang="zh-CN" dirty="0"/>
-              <a:t> </a:t>
-            </a:r>
-            <a:r>
-              <a:rPr lang="en-US" altLang="zh-CN" dirty="0" err="1"/>
-              <a:t>decltype</a:t>
-            </a:r>
-            <a:r>
-              <a:rPr lang="en-US" altLang="zh-CN" dirty="0"/>
-              <a:t>(auto) </a:t>
-            </a:r>
-            <a:r>
-              <a:rPr lang="en-US" altLang="zh-CN" dirty="0" err="1"/>
-              <a:t>apply_impl</a:t>
-            </a:r>
-            <a:r>
-              <a:rPr lang="en-US" altLang="zh-CN" dirty="0"/>
-              <a:t>(F &amp;&amp;f, Tuple &amp;&amp;t, </a:t>
-            </a:r>
-            <a:r>
-              <a:rPr lang="en-US" altLang="zh-CN" dirty="0" err="1"/>
-              <a:t>std</a:t>
-            </a:r>
-            <a:r>
-              <a:rPr lang="en-US" altLang="zh-CN" dirty="0"/>
-              <a:t>::</a:t>
-            </a:r>
-            <a:r>
-              <a:rPr lang="en-US" altLang="zh-CN" dirty="0" err="1"/>
-              <a:t>index_sequence</a:t>
-            </a:r>
-            <a:r>
-              <a:rPr lang="en-US" altLang="zh-CN" dirty="0"/>
-              <a:t>&lt;I...&gt;)</a:t>
-            </a:r>
-          </a:p>
-          <a:p>
-            <a:r>
-              <a:rPr lang="en-US" altLang="zh-CN" dirty="0"/>
+              <a:t> size) </a:t>
+            </a:r>
+            <a:r>
+              <a:rPr lang="en-US" altLang="zh-CN" dirty="0" smtClean="0"/>
               <a:t>{</a:t>
             </a:r>
-          </a:p>
-          <a:p>
-            <a:r>
-              <a:rPr lang="en-US" altLang="zh-CN" dirty="0" smtClean="0"/>
-              <a:t>    return </a:t>
-            </a:r>
-            <a:r>
-              <a:rPr lang="en-US" altLang="zh-CN" dirty="0" err="1"/>
-              <a:t>std</a:t>
-            </a:r>
-            <a:r>
-              <a:rPr lang="en-US" altLang="zh-CN" dirty="0"/>
-              <a:t>::forward&lt;F&gt;(f)(</a:t>
-            </a:r>
-            <a:r>
-              <a:rPr lang="en-US" altLang="zh-CN" dirty="0" err="1"/>
-              <a:t>std</a:t>
-            </a:r>
-            <a:r>
-              <a:rPr lang="en-US" altLang="zh-CN" dirty="0"/>
-              <a:t>::get&lt;I&gt;(</a:t>
-            </a:r>
-            <a:r>
-              <a:rPr lang="en-US" altLang="zh-CN" dirty="0" err="1"/>
-              <a:t>std</a:t>
-            </a:r>
-            <a:r>
-              <a:rPr lang="en-US" altLang="zh-CN" dirty="0"/>
-              <a:t>::forward&lt;Tuple&gt;(t))...);</a:t>
-            </a:r>
-          </a:p>
-          <a:p>
-            <a:r>
-              <a:rPr lang="en-US" altLang="zh-CN" dirty="0"/>
-              <a:t>}</a:t>
-            </a:r>
-          </a:p>
-          <a:p>
-            <a:endParaRPr lang="zh-CN" altLang="en-US" dirty="0"/>
-          </a:p>
-          <a:p>
-            <a:r>
-              <a:rPr lang="en-US" altLang="zh-CN" dirty="0"/>
-              <a:t>template &lt;class F, class Tuple&gt;</a:t>
-            </a:r>
-          </a:p>
-          <a:p>
-            <a:r>
-              <a:rPr lang="en-US" altLang="zh-CN" dirty="0" err="1"/>
-              <a:t>constexpr</a:t>
-            </a:r>
-            <a:r>
-              <a:rPr lang="en-US" altLang="zh-CN" dirty="0"/>
-              <a:t> </a:t>
-            </a:r>
-            <a:r>
-              <a:rPr lang="en-US" altLang="zh-CN" dirty="0" err="1"/>
-              <a:t>decltype</a:t>
-            </a:r>
-            <a:r>
-              <a:rPr lang="en-US" altLang="zh-CN" dirty="0"/>
-              <a:t>(auto) apply(F &amp;&amp;f, Tuple &amp;&amp;t)</a:t>
-            </a:r>
-          </a:p>
-          <a:p>
-            <a:r>
-              <a:rPr lang="en-US" altLang="zh-CN" dirty="0"/>
-              <a:t>{</a:t>
-            </a:r>
-          </a:p>
-          <a:p>
-            <a:r>
-              <a:rPr lang="en-US" altLang="zh-CN" dirty="0" smtClean="0"/>
-              <a:t>    return </a:t>
-            </a:r>
-            <a:r>
-              <a:rPr lang="en-US" altLang="zh-CN" dirty="0" err="1"/>
-              <a:t>apply_impl</a:t>
-            </a:r>
-            <a:r>
-              <a:rPr lang="en-US" altLang="zh-CN" dirty="0"/>
-              <a:t>(</a:t>
-            </a:r>
-            <a:r>
-              <a:rPr lang="en-US" altLang="zh-CN" dirty="0" err="1"/>
-              <a:t>std</a:t>
-            </a:r>
-            <a:r>
-              <a:rPr lang="en-US" altLang="zh-CN" dirty="0"/>
-              <a:t>::forward&lt;F&gt;(f), </a:t>
-            </a:r>
-            <a:r>
-              <a:rPr lang="en-US" altLang="zh-CN" dirty="0" err="1"/>
-              <a:t>std</a:t>
-            </a:r>
-            <a:r>
-              <a:rPr lang="en-US" altLang="zh-CN" dirty="0"/>
-              <a:t>::forward&lt;Tuple&gt;(t),</a:t>
-            </a:r>
+            <a:endParaRPr lang="en-US" altLang="zh-CN" dirty="0"/>
           </a:p>
           <a:p>
             <a:r>
@@ -18339,75 +17096,221 @@
             </a:r>
             <a:r>
               <a:rPr lang="en-US" altLang="zh-CN" dirty="0" err="1" smtClean="0"/>
+              <a:t>CodecPolicy</a:t>
+            </a:r>
+            <a:r>
+              <a:rPr lang="en-US" altLang="zh-CN" dirty="0" smtClean="0"/>
+              <a:t> </a:t>
+            </a:r>
+            <a:r>
+              <a:rPr lang="en-US" altLang="zh-CN" dirty="0" err="1"/>
+              <a:t>cp</a:t>
+            </a:r>
+            <a:r>
+              <a:rPr lang="en-US" altLang="zh-CN" dirty="0"/>
+              <a:t>{};</a:t>
+            </a:r>
+          </a:p>
+          <a:p>
+            <a:r>
+              <a:rPr lang="en-US" altLang="zh-CN" dirty="0" smtClean="0"/>
+              <a:t>        auto </a:t>
+            </a:r>
+            <a:r>
+              <a:rPr lang="en-US" altLang="zh-CN" dirty="0" err="1"/>
+              <a:t>args_tuple</a:t>
+            </a:r>
+            <a:r>
+              <a:rPr lang="en-US" altLang="zh-CN" dirty="0"/>
+              <a:t> = </a:t>
+            </a:r>
+            <a:r>
+              <a:rPr lang="en-US" altLang="zh-CN" dirty="0" err="1"/>
+              <a:t>cp.template</a:t>
+            </a:r>
+            <a:r>
+              <a:rPr lang="en-US" altLang="zh-CN" dirty="0"/>
+              <a:t> unpack&lt;</a:t>
+            </a:r>
+            <a:r>
+              <a:rPr lang="en-US" altLang="zh-CN" dirty="0" err="1"/>
+              <a:t>args_tuple_type</a:t>
+            </a:r>
+            <a:r>
+              <a:rPr lang="en-US" altLang="zh-CN" dirty="0"/>
+              <a:t>&gt;(data, size</a:t>
+            </a:r>
+            <a:r>
+              <a:rPr lang="en-US" altLang="zh-CN" dirty="0" smtClean="0"/>
+              <a:t>);</a:t>
+            </a:r>
+            <a:endParaRPr lang="zh-CN" altLang="en-US" dirty="0"/>
+          </a:p>
+          <a:p>
+            <a:r>
+              <a:rPr lang="en-US" altLang="zh-CN" dirty="0" smtClean="0"/>
+              <a:t>        </a:t>
+            </a:r>
+            <a:r>
+              <a:rPr lang="en-US" altLang="zh-CN" b="1" dirty="0" err="1" smtClean="0"/>
               <a:t>std</a:t>
             </a:r>
             <a:r>
-              <a:rPr lang="en-US" altLang="zh-CN" dirty="0"/>
-              <a:t>::</a:t>
+              <a:rPr lang="en-US" altLang="zh-CN" b="1" dirty="0"/>
+              <a:t>::apply</a:t>
+            </a:r>
+            <a:r>
+              <a:rPr lang="en-US" altLang="zh-CN" dirty="0"/>
+              <a:t>(</a:t>
             </a:r>
             <a:r>
               <a:rPr lang="en-US" altLang="zh-CN" dirty="0" err="1"/>
-              <a:t>make_index_sequence</a:t>
-            </a:r>
-            <a:r>
-              <a:rPr lang="en-US" altLang="zh-CN" dirty="0"/>
-              <a:t>&lt;</a:t>
+              <a:t>func</a:t>
+            </a:r>
+            <a:r>
+              <a:rPr lang="en-US" altLang="zh-CN" dirty="0"/>
+              <a:t>, </a:t>
             </a:r>
             <a:r>
               <a:rPr lang="en-US" altLang="zh-CN" dirty="0" err="1"/>
-              <a:t>std</a:t>
-            </a:r>
-            <a:r>
-              <a:rPr lang="en-US" altLang="zh-CN" dirty="0"/>
-              <a:t>::</a:t>
+              <a:t>args_tuple</a:t>
+            </a:r>
+            <a:r>
+              <a:rPr lang="en-US" altLang="zh-CN" dirty="0"/>
+              <a:t>);</a:t>
+            </a:r>
+          </a:p>
+          <a:p>
+            <a:r>
+              <a:rPr lang="en-US" altLang="zh-CN" dirty="0" smtClean="0"/>
+              <a:t>    }</a:t>
+            </a:r>
+            <a:endParaRPr lang="en-US" altLang="zh-CN" dirty="0"/>
+          </a:p>
+          <a:p>
+            <a:r>
+              <a:rPr lang="en-US" altLang="zh-CN" dirty="0" smtClean="0"/>
+              <a:t>};</a:t>
+            </a:r>
+          </a:p>
+        </p:txBody>
+      </p:sp>
+      <p:sp>
+        <p:nvSpPr>
+          <p:cNvPr id="7" name="矩形 6"/>
+          <p:cNvSpPr/>
+          <p:nvPr/>
+        </p:nvSpPr>
+        <p:spPr>
+          <a:xfrm>
+            <a:off x="3768455" y="2677220"/>
+            <a:ext cx="1489510" cy="369332"/>
+          </a:xfrm>
+          <a:prstGeom prst="rect">
+            <a:avLst/>
+          </a:prstGeom>
+        </p:spPr>
+        <p:txBody>
+          <a:bodyPr wrap="none">
+            <a:spAutoFit/>
+          </a:bodyPr>
+          <a:lstStyle/>
+          <a:p>
+            <a:r>
+              <a:rPr lang="en-US" altLang="zh-CN" b="1" dirty="0"/>
+              <a:t>//from C++</a:t>
+            </a:r>
+            <a:r>
+              <a:rPr lang="en-US" altLang="zh-CN" b="1" dirty="0" smtClean="0"/>
+              <a:t>17</a:t>
+            </a:r>
+            <a:endParaRPr lang="zh-CN" altLang="en-US" b="1" dirty="0"/>
+          </a:p>
+        </p:txBody>
+      </p:sp>
+      <p:sp>
+        <p:nvSpPr>
+          <p:cNvPr id="4" name="矩形 3"/>
+          <p:cNvSpPr/>
+          <p:nvPr/>
+        </p:nvSpPr>
+        <p:spPr>
+          <a:xfrm>
+            <a:off x="1975222" y="4048942"/>
+            <a:ext cx="5428649" cy="1477328"/>
+          </a:xfrm>
+          <a:prstGeom prst="rect">
+            <a:avLst/>
+          </a:prstGeom>
+        </p:spPr>
+        <p:txBody>
+          <a:bodyPr wrap="square">
+            <a:spAutoFit/>
+          </a:bodyPr>
+          <a:lstStyle/>
+          <a:p>
+            <a:r>
+              <a:rPr lang="en-US" altLang="zh-CN" dirty="0"/>
+              <a:t>T </a:t>
             </a:r>
             <a:r>
               <a:rPr lang="en-US" altLang="zh-CN" dirty="0" err="1"/>
-              <a:t>tuple_size</a:t>
-            </a:r>
-            <a:r>
-              <a:rPr lang="en-US" altLang="zh-CN" dirty="0"/>
-              <a:t>&lt;</a:t>
+              <a:t>t</a:t>
+            </a:r>
+            <a:r>
+              <a:rPr lang="en-US" altLang="zh-CN" dirty="0"/>
+              <a:t>;</a:t>
+            </a:r>
+          </a:p>
+          <a:p>
+            <a:r>
+              <a:rPr lang="en-US" altLang="zh-CN" dirty="0"/>
+              <a:t>iguana::xml::</a:t>
             </a:r>
             <a:r>
               <a:rPr lang="en-US" altLang="zh-CN" dirty="0" err="1"/>
-              <a:t>std</a:t>
-            </a:r>
-            <a:r>
-              <a:rPr lang="en-US" altLang="zh-CN" dirty="0"/>
-              <a:t>::</a:t>
+              <a:t>from_json</a:t>
+            </a:r>
+            <a:r>
+              <a:rPr lang="en-US" altLang="zh-CN" dirty="0"/>
+              <a:t>(t, data, length);</a:t>
+            </a:r>
+          </a:p>
+          <a:p>
+            <a:r>
+              <a:rPr lang="zh-CN" altLang="en-US" dirty="0"/>
+              <a:t>iguana::msgpack::from_msgpack(t, msg_, data, length);</a:t>
+            </a:r>
+            <a:endParaRPr lang="en-US" altLang="zh-CN" dirty="0"/>
+          </a:p>
+          <a:p>
+            <a:r>
+              <a:rPr lang="en-US" altLang="zh-CN" dirty="0"/>
+              <a:t>iguana::xml::</a:t>
             </a:r>
             <a:r>
               <a:rPr lang="en-US" altLang="zh-CN" dirty="0" err="1"/>
-              <a:t>decay_t</a:t>
-            </a:r>
-            <a:r>
-              <a:rPr lang="en-US" altLang="zh-CN" dirty="0"/>
-              <a:t>&lt;Tuple&gt;&gt;::value&gt;{});</a:t>
-            </a:r>
-          </a:p>
-          <a:p>
-            <a:r>
-              <a:rPr lang="en-US" altLang="zh-CN" dirty="0" smtClean="0"/>
-              <a:t>}</a:t>
-            </a:r>
-          </a:p>
-          <a:p>
-            <a:endParaRPr lang="en-US" altLang="zh-CN" sz="1400" dirty="0"/>
-          </a:p>
-          <a:p>
-            <a:r>
-              <a:rPr lang="en-US" altLang="zh-CN" sz="1400" dirty="0" smtClean="0"/>
-              <a:t>implemented by C++14</a:t>
-            </a:r>
-            <a:endParaRPr lang="en-US" altLang="zh-CN" sz="1400" dirty="0"/>
+              <a:t>from_xml</a:t>
+            </a:r>
+            <a:r>
+              <a:rPr lang="en-US" altLang="zh-CN" dirty="0"/>
+              <a:t>(t, data, length);</a:t>
+            </a:r>
+            <a:endParaRPr lang="zh-CN" altLang="en-US" dirty="0"/>
+          </a:p>
+          <a:p>
+            <a:r>
+              <a:rPr lang="en-US" altLang="zh-CN" dirty="0"/>
+              <a:t>https://github.com/qicosmos/iguana</a:t>
+            </a:r>
+            <a:endParaRPr lang="zh-CN" altLang="en-US" dirty="0"/>
           </a:p>
         </p:txBody>
       </p:sp>
     </p:spTree>
     <p:extLst>
       <p:ext uri="{BB962C8B-B14F-4D97-AF65-F5344CB8AC3E}">
-        <p14:creationId xmlns:p14="http://schemas.microsoft.com/office/powerpoint/2010/main" val="2831719325"/>
+        <p14:creationId xmlns:p14="http://schemas.microsoft.com/office/powerpoint/2010/main" val="1911147746"/>
       </p:ext>
     </p:extLst>
   </p:cSld>
@@ -18417,9 +17320,283 @@
   <p:timing>
     <p:tnLst>
       <p:par>
-        <p:cTn id="1" dur="indefinite" restart="never" nodeType="tmRoot"/>
+        <p:cTn id="1" dur="indefinite" restart="never" nodeType="tmRoot">
+          <p:childTnLst>
+            <p:seq concurrent="1" nextAc="seek">
+              <p:cTn id="2" dur="indefinite" nodeType="mainSeq">
+                <p:childTnLst>
+                  <p:par>
+                    <p:cTn id="3" fill="hold">
+                      <p:stCondLst>
+                        <p:cond delay="indefinite"/>
+                      </p:stCondLst>
+                      <p:childTnLst>
+                        <p:par>
+                          <p:cTn id="4" fill="hold">
+                            <p:stCondLst>
+                              <p:cond delay="0"/>
+                            </p:stCondLst>
+                            <p:childTnLst>
+                              <p:par>
+                                <p:cTn id="5" presetID="2" presetClass="entr" presetSubtype="4" fill="hold" grpId="0" nodeType="clickEffect">
+                                  <p:stCondLst>
+                                    <p:cond delay="0"/>
+                                  </p:stCondLst>
+                                  <p:childTnLst>
+                                    <p:set>
+                                      <p:cBhvr>
+                                        <p:cTn id="6" dur="1" fill="hold">
+                                          <p:stCondLst>
+                                            <p:cond delay="0"/>
+                                          </p:stCondLst>
+                                        </p:cTn>
+                                        <p:tgtEl>
+                                          <p:spTgt spid="4"/>
+                                        </p:tgtEl>
+                                        <p:attrNameLst>
+                                          <p:attrName>style.visibility</p:attrName>
+                                        </p:attrNameLst>
+                                      </p:cBhvr>
+                                      <p:to>
+                                        <p:strVal val="visible"/>
+                                      </p:to>
+                                    </p:set>
+                                    <p:anim calcmode="lin" valueType="num">
+                                      <p:cBhvr additive="base">
+                                        <p:cTn id="7" dur="500" fill="hold"/>
+                                        <p:tgtEl>
+                                          <p:spTgt spid="4"/>
+                                        </p:tgtEl>
+                                        <p:attrNameLst>
+                                          <p:attrName>ppt_x</p:attrName>
+                                        </p:attrNameLst>
+                                      </p:cBhvr>
+                                      <p:tavLst>
+                                        <p:tav tm="0">
+                                          <p:val>
+                                            <p:strVal val="#ppt_x"/>
+                                          </p:val>
+                                        </p:tav>
+                                        <p:tav tm="100000">
+                                          <p:val>
+                                            <p:strVal val="#ppt_x"/>
+                                          </p:val>
+                                        </p:tav>
+                                      </p:tavLst>
+                                    </p:anim>
+                                    <p:anim calcmode="lin" valueType="num">
+                                      <p:cBhvr additive="base">
+                                        <p:cTn id="8" dur="500" fill="hold"/>
+                                        <p:tgtEl>
+                                          <p:spTgt spid="4"/>
+                                        </p:tgtEl>
+                                        <p:attrNameLst>
+                                          <p:attrName>ppt_y</p:attrName>
+                                        </p:attrNameLst>
+                                      </p:cBhvr>
+                                      <p:tavLst>
+                                        <p:tav tm="0">
+                                          <p:val>
+                                            <p:strVal val="1+#ppt_h/2"/>
+                                          </p:val>
+                                        </p:tav>
+                                        <p:tav tm="100000">
+                                          <p:val>
+                                            <p:strVal val="#ppt_y"/>
+                                          </p:val>
+                                        </p:tav>
+                                      </p:tavLst>
+                                    </p:anim>
+                                  </p:childTnLst>
+                                </p:cTn>
+                              </p:par>
+                            </p:childTnLst>
+                          </p:cTn>
+                        </p:par>
+                      </p:childTnLst>
+                    </p:cTn>
+                  </p:par>
+                  <p:par>
+                    <p:cTn id="9" fill="hold">
+                      <p:stCondLst>
+                        <p:cond delay="indefinite"/>
+                      </p:stCondLst>
+                      <p:childTnLst>
+                        <p:par>
+                          <p:cTn id="10" fill="hold">
+                            <p:stCondLst>
+                              <p:cond delay="0"/>
+                            </p:stCondLst>
+                            <p:childTnLst>
+                              <p:par>
+                                <p:cTn id="11" presetID="2" presetClass="entr" presetSubtype="4" fill="hold" nodeType="clickEffect">
+                                  <p:stCondLst>
+                                    <p:cond delay="0"/>
+                                  </p:stCondLst>
+                                  <p:childTnLst>
+                                    <p:set>
+                                      <p:cBhvr>
+                                        <p:cTn id="12" dur="1" fill="hold">
+                                          <p:stCondLst>
+                                            <p:cond delay="0"/>
+                                          </p:stCondLst>
+                                        </p:cTn>
+                                        <p:tgtEl>
+                                          <p:spTgt spid="3">
+                                            <p:txEl>
+                                              <p:pRg st="5" end="5"/>
+                                            </p:txEl>
+                                          </p:spTgt>
+                                        </p:tgtEl>
+                                        <p:attrNameLst>
+                                          <p:attrName>style.visibility</p:attrName>
+                                        </p:attrNameLst>
+                                      </p:cBhvr>
+                                      <p:to>
+                                        <p:strVal val="visible"/>
+                                      </p:to>
+                                    </p:set>
+                                    <p:anim calcmode="lin" valueType="num">
+                                      <p:cBhvr additive="base">
+                                        <p:cTn id="13" dur="500" fill="hold"/>
+                                        <p:tgtEl>
+                                          <p:spTgt spid="3">
+                                            <p:txEl>
+                                              <p:pRg st="5" end="5"/>
+                                            </p:txEl>
+                                          </p:spTgt>
+                                        </p:tgtEl>
+                                        <p:attrNameLst>
+                                          <p:attrName>ppt_x</p:attrName>
+                                        </p:attrNameLst>
+                                      </p:cBhvr>
+                                      <p:tavLst>
+                                        <p:tav tm="0">
+                                          <p:val>
+                                            <p:strVal val="#ppt_x"/>
+                                          </p:val>
+                                        </p:tav>
+                                        <p:tav tm="100000">
+                                          <p:val>
+                                            <p:strVal val="#ppt_x"/>
+                                          </p:val>
+                                        </p:tav>
+                                      </p:tavLst>
+                                    </p:anim>
+                                    <p:anim calcmode="lin" valueType="num">
+                                      <p:cBhvr additive="base">
+                                        <p:cTn id="14" dur="500" fill="hold"/>
+                                        <p:tgtEl>
+                                          <p:spTgt spid="3">
+                                            <p:txEl>
+                                              <p:pRg st="5" end="5"/>
+                                            </p:txEl>
+                                          </p:spTgt>
+                                        </p:tgtEl>
+                                        <p:attrNameLst>
+                                          <p:attrName>ppt_y</p:attrName>
+                                        </p:attrNameLst>
+                                      </p:cBhvr>
+                                      <p:tavLst>
+                                        <p:tav tm="0">
+                                          <p:val>
+                                            <p:strVal val="1+#ppt_h/2"/>
+                                          </p:val>
+                                        </p:tav>
+                                        <p:tav tm="100000">
+                                          <p:val>
+                                            <p:strVal val="#ppt_y"/>
+                                          </p:val>
+                                        </p:tav>
+                                      </p:tavLst>
+                                    </p:anim>
+                                  </p:childTnLst>
+                                </p:cTn>
+                              </p:par>
+                            </p:childTnLst>
+                          </p:cTn>
+                        </p:par>
+                      </p:childTnLst>
+                    </p:cTn>
+                  </p:par>
+                  <p:par>
+                    <p:cTn id="15" fill="hold">
+                      <p:stCondLst>
+                        <p:cond delay="indefinite"/>
+                      </p:stCondLst>
+                      <p:childTnLst>
+                        <p:par>
+                          <p:cTn id="16" fill="hold">
+                            <p:stCondLst>
+                              <p:cond delay="0"/>
+                            </p:stCondLst>
+                            <p:childTnLst>
+                              <p:par>
+                                <p:cTn id="17" presetID="22" presetClass="entr" presetSubtype="8" fill="hold" grpId="0" nodeType="clickEffect">
+                                  <p:stCondLst>
+                                    <p:cond delay="0"/>
+                                  </p:stCondLst>
+                                  <p:childTnLst>
+                                    <p:set>
+                                      <p:cBhvr>
+                                        <p:cTn id="18" dur="1" fill="hold">
+                                          <p:stCondLst>
+                                            <p:cond delay="0"/>
+                                          </p:stCondLst>
+                                        </p:cTn>
+                                        <p:tgtEl>
+                                          <p:spTgt spid="7"/>
+                                        </p:tgtEl>
+                                        <p:attrNameLst>
+                                          <p:attrName>style.visibility</p:attrName>
+                                        </p:attrNameLst>
+                                      </p:cBhvr>
+                                      <p:to>
+                                        <p:strVal val="visible"/>
+                                      </p:to>
+                                    </p:set>
+                                    <p:animEffect transition="in" filter="wipe(left)">
+                                      <p:cBhvr>
+                                        <p:cTn id="19" dur="500"/>
+                                        <p:tgtEl>
+                                          <p:spTgt spid="7"/>
+                                        </p:tgtEl>
+                                      </p:cBhvr>
+                                    </p:animEffect>
+                                  </p:childTnLst>
+                                </p:cTn>
+                              </p:par>
+                            </p:childTnLst>
+                          </p:cTn>
+                        </p:par>
+                      </p:childTnLst>
+                    </p:cTn>
+                  </p:par>
+                </p:childTnLst>
+              </p:cTn>
+              <p:prevCondLst>
+                <p:cond evt="onPrev" delay="0">
+                  <p:tgtEl>
+                    <p:sldTgt/>
+                  </p:tgtEl>
+                </p:cond>
+              </p:prevCondLst>
+              <p:nextCondLst>
+                <p:cond evt="onNext" delay="0">
+                  <p:tgtEl>
+                    <p:sldTgt/>
+                  </p:tgtEl>
+                </p:cond>
+              </p:nextCondLst>
+            </p:seq>
+          </p:childTnLst>
+        </p:cTn>
       </p:par>
     </p:tnLst>
+    <p:bldLst>
+      <p:bldP spid="7" grpId="0"/>
+      <p:bldP spid="4" grpId="0"/>
+    </p:bldLst>
   </p:timing>
 </p:sld>
 </file>
@@ -18458,6 +17635,329 @@
           <a:p>
             <a:r>
               <a:rPr lang="en-US" altLang="zh-CN" dirty="0"/>
+              <a:t>How to </a:t>
+            </a:r>
+            <a:r>
+              <a:rPr lang="en-US" altLang="zh-CN" dirty="0" smtClean="0"/>
+              <a:t>route to </a:t>
+            </a:r>
+            <a:r>
+              <a:rPr lang="en-US" altLang="zh-CN" dirty="0"/>
+              <a:t>the correct handler</a:t>
+            </a:r>
+            <a:endParaRPr lang="zh-CN" altLang="en-US" dirty="0"/>
+          </a:p>
+        </p:txBody>
+      </p:sp>
+      <p:sp>
+        <p:nvSpPr>
+          <p:cNvPr id="3" name="文本占位符 2"/>
+          <p:cNvSpPr>
+            <a:spLocks noGrp="1"/>
+          </p:cNvSpPr>
+          <p:nvPr>
+            <p:ph type="body" sz="half" idx="2"/>
+          </p:nvPr>
+        </p:nvSpPr>
+        <p:spPr/>
+        <p:txBody>
+          <a:bodyPr/>
+          <a:lstStyle/>
+          <a:p>
+            <a:r>
+              <a:rPr lang="en-US" altLang="zh-CN" dirty="0"/>
+              <a:t>template &lt;class F, class Tuple, </a:t>
+            </a:r>
+            <a:r>
+              <a:rPr lang="en-US" altLang="zh-CN" dirty="0" err="1"/>
+              <a:t>std</a:t>
+            </a:r>
+            <a:r>
+              <a:rPr lang="en-US" altLang="zh-CN" dirty="0"/>
+              <a:t>::</a:t>
+            </a:r>
+            <a:r>
+              <a:rPr lang="en-US" altLang="zh-CN" dirty="0" err="1"/>
+              <a:t>size_t</a:t>
+            </a:r>
+            <a:r>
+              <a:rPr lang="en-US" altLang="zh-CN" dirty="0"/>
+              <a:t>... I&gt;</a:t>
+            </a:r>
+          </a:p>
+          <a:p>
+            <a:r>
+              <a:rPr lang="en-US" altLang="zh-CN" dirty="0" err="1"/>
+              <a:t>constexpr</a:t>
+            </a:r>
+            <a:r>
+              <a:rPr lang="en-US" altLang="zh-CN" dirty="0"/>
+              <a:t> </a:t>
+            </a:r>
+            <a:r>
+              <a:rPr lang="en-US" altLang="zh-CN" dirty="0" err="1"/>
+              <a:t>decltype</a:t>
+            </a:r>
+            <a:r>
+              <a:rPr lang="en-US" altLang="zh-CN" dirty="0"/>
+              <a:t>(auto) </a:t>
+            </a:r>
+            <a:r>
+              <a:rPr lang="en-US" altLang="zh-CN" dirty="0" err="1"/>
+              <a:t>apply_impl</a:t>
+            </a:r>
+            <a:r>
+              <a:rPr lang="en-US" altLang="zh-CN" dirty="0"/>
+              <a:t>(F &amp;&amp;f, Tuple &amp;&amp;t, </a:t>
+            </a:r>
+            <a:r>
+              <a:rPr lang="en-US" altLang="zh-CN" dirty="0" err="1"/>
+              <a:t>std</a:t>
+            </a:r>
+            <a:r>
+              <a:rPr lang="en-US" altLang="zh-CN" dirty="0"/>
+              <a:t>::</a:t>
+            </a:r>
+            <a:r>
+              <a:rPr lang="en-US" altLang="zh-CN" dirty="0" err="1"/>
+              <a:t>index_sequence</a:t>
+            </a:r>
+            <a:r>
+              <a:rPr lang="en-US" altLang="zh-CN" dirty="0"/>
+              <a:t>&lt;I...&gt;)</a:t>
+            </a:r>
+          </a:p>
+          <a:p>
+            <a:r>
+              <a:rPr lang="en-US" altLang="zh-CN" dirty="0"/>
+              <a:t>{</a:t>
+            </a:r>
+          </a:p>
+          <a:p>
+            <a:r>
+              <a:rPr lang="en-US" altLang="zh-CN" dirty="0" smtClean="0"/>
+              <a:t>    return </a:t>
+            </a:r>
+            <a:r>
+              <a:rPr lang="en-US" altLang="zh-CN" dirty="0" err="1"/>
+              <a:t>std</a:t>
+            </a:r>
+            <a:r>
+              <a:rPr lang="en-US" altLang="zh-CN" dirty="0"/>
+              <a:t>::forward&lt;F&gt;(f)(</a:t>
+            </a:r>
+            <a:r>
+              <a:rPr lang="en-US" altLang="zh-CN" dirty="0" err="1"/>
+              <a:t>std</a:t>
+            </a:r>
+            <a:r>
+              <a:rPr lang="en-US" altLang="zh-CN" dirty="0"/>
+              <a:t>::get&lt;I&gt;(</a:t>
+            </a:r>
+            <a:r>
+              <a:rPr lang="en-US" altLang="zh-CN" dirty="0" err="1"/>
+              <a:t>std</a:t>
+            </a:r>
+            <a:r>
+              <a:rPr lang="en-US" altLang="zh-CN" dirty="0"/>
+              <a:t>::forward&lt;Tuple&gt;(t))...);</a:t>
+            </a:r>
+          </a:p>
+          <a:p>
+            <a:r>
+              <a:rPr lang="en-US" altLang="zh-CN" dirty="0"/>
+              <a:t>}</a:t>
+            </a:r>
+          </a:p>
+          <a:p>
+            <a:endParaRPr lang="zh-CN" altLang="en-US" dirty="0"/>
+          </a:p>
+          <a:p>
+            <a:r>
+              <a:rPr lang="en-US" altLang="zh-CN" dirty="0"/>
+              <a:t>template &lt;class F, class Tuple&gt;</a:t>
+            </a:r>
+          </a:p>
+          <a:p>
+            <a:r>
+              <a:rPr lang="en-US" altLang="zh-CN" dirty="0" err="1"/>
+              <a:t>constexpr</a:t>
+            </a:r>
+            <a:r>
+              <a:rPr lang="en-US" altLang="zh-CN" dirty="0"/>
+              <a:t> </a:t>
+            </a:r>
+            <a:r>
+              <a:rPr lang="en-US" altLang="zh-CN" dirty="0" err="1"/>
+              <a:t>decltype</a:t>
+            </a:r>
+            <a:r>
+              <a:rPr lang="en-US" altLang="zh-CN" dirty="0"/>
+              <a:t>(auto) apply(F &amp;&amp;f, Tuple &amp;&amp;t)</a:t>
+            </a:r>
+          </a:p>
+          <a:p>
+            <a:r>
+              <a:rPr lang="en-US" altLang="zh-CN" dirty="0"/>
+              <a:t>{</a:t>
+            </a:r>
+          </a:p>
+          <a:p>
+            <a:r>
+              <a:rPr lang="en-US" altLang="zh-CN" dirty="0" smtClean="0"/>
+              <a:t>    return </a:t>
+            </a:r>
+            <a:r>
+              <a:rPr lang="en-US" altLang="zh-CN" dirty="0" err="1"/>
+              <a:t>apply_impl</a:t>
+            </a:r>
+            <a:r>
+              <a:rPr lang="en-US" altLang="zh-CN" dirty="0"/>
+              <a:t>(</a:t>
+            </a:r>
+            <a:r>
+              <a:rPr lang="en-US" altLang="zh-CN" dirty="0" err="1"/>
+              <a:t>std</a:t>
+            </a:r>
+            <a:r>
+              <a:rPr lang="en-US" altLang="zh-CN" dirty="0"/>
+              <a:t>::forward&lt;F&gt;(f), </a:t>
+            </a:r>
+            <a:r>
+              <a:rPr lang="en-US" altLang="zh-CN" dirty="0" err="1"/>
+              <a:t>std</a:t>
+            </a:r>
+            <a:r>
+              <a:rPr lang="en-US" altLang="zh-CN" dirty="0"/>
+              <a:t>::forward&lt;Tuple&gt;(t),</a:t>
+            </a:r>
+          </a:p>
+          <a:p>
+            <a:r>
+              <a:rPr lang="en-US" altLang="zh-CN" dirty="0" smtClean="0"/>
+              <a:t>        </a:t>
+            </a:r>
+            <a:r>
+              <a:rPr lang="en-US" altLang="zh-CN" dirty="0" err="1" smtClean="0"/>
+              <a:t>std</a:t>
+            </a:r>
+            <a:r>
+              <a:rPr lang="en-US" altLang="zh-CN" dirty="0"/>
+              <a:t>::</a:t>
+            </a:r>
+            <a:r>
+              <a:rPr lang="en-US" altLang="zh-CN" dirty="0" err="1"/>
+              <a:t>make_index_sequence</a:t>
+            </a:r>
+            <a:r>
+              <a:rPr lang="en-US" altLang="zh-CN" dirty="0"/>
+              <a:t>&lt;</a:t>
+            </a:r>
+            <a:r>
+              <a:rPr lang="en-US" altLang="zh-CN" dirty="0" err="1"/>
+              <a:t>std</a:t>
+            </a:r>
+            <a:r>
+              <a:rPr lang="en-US" altLang="zh-CN" dirty="0"/>
+              <a:t>::</a:t>
+            </a:r>
+            <a:r>
+              <a:rPr lang="en-US" altLang="zh-CN" dirty="0" err="1"/>
+              <a:t>tuple_size</a:t>
+            </a:r>
+            <a:r>
+              <a:rPr lang="en-US" altLang="zh-CN" dirty="0"/>
+              <a:t>&lt;</a:t>
+            </a:r>
+            <a:r>
+              <a:rPr lang="en-US" altLang="zh-CN" dirty="0" err="1"/>
+              <a:t>std</a:t>
+            </a:r>
+            <a:r>
+              <a:rPr lang="en-US" altLang="zh-CN" dirty="0"/>
+              <a:t>::</a:t>
+            </a:r>
+            <a:r>
+              <a:rPr lang="en-US" altLang="zh-CN" dirty="0" err="1"/>
+              <a:t>decay_t</a:t>
+            </a:r>
+            <a:r>
+              <a:rPr lang="en-US" altLang="zh-CN" dirty="0"/>
+              <a:t>&lt;Tuple&gt;&gt;::value&gt;{});</a:t>
+            </a:r>
+          </a:p>
+          <a:p>
+            <a:r>
+              <a:rPr lang="en-US" altLang="zh-CN" dirty="0" smtClean="0"/>
+              <a:t>}</a:t>
+            </a:r>
+          </a:p>
+          <a:p>
+            <a:endParaRPr lang="en-US" altLang="zh-CN" sz="1400" dirty="0"/>
+          </a:p>
+          <a:p>
+            <a:r>
+              <a:rPr lang="en-US" altLang="zh-CN" sz="1400" dirty="0" smtClean="0"/>
+              <a:t>implemented by C++14</a:t>
+            </a:r>
+            <a:endParaRPr lang="en-US" altLang="zh-CN" sz="1400" dirty="0"/>
+          </a:p>
+        </p:txBody>
+      </p:sp>
+    </p:spTree>
+    <p:extLst>
+      <p:ext uri="{BB962C8B-B14F-4D97-AF65-F5344CB8AC3E}">
+        <p14:creationId xmlns:p14="http://schemas.microsoft.com/office/powerpoint/2010/main" val="2831719325"/>
+      </p:ext>
+    </p:extLst>
+  </p:cSld>
+  <p:clrMapOvr>
+    <a:masterClrMapping/>
+  </p:clrMapOvr>
+  <p:timing>
+    <p:tnLst>
+      <p:par>
+        <p:cTn id="1" dur="indefinite" restart="never" nodeType="tmRoot"/>
+      </p:par>
+    </p:tnLst>
+  </p:timing>
+</p:sld>
+</file>
+
+<file path=ppt/slides/slide32.xml><?xml version="1.0" encoding="utf-8"?>
+<p:sld xmlns:a="http://schemas.openxmlformats.org/drawingml/2006/main" xmlns:r="http://schemas.openxmlformats.org/officeDocument/2006/relationships" xmlns:p="http://schemas.openxmlformats.org/presentationml/2006/main">
+  <p:cSld>
+    <p:spTree>
+      <p:nvGrpSpPr>
+        <p:cNvPr id="1" name=""/>
+        <p:cNvGrpSpPr/>
+        <p:nvPr/>
+      </p:nvGrpSpPr>
+      <p:grpSpPr>
+        <a:xfrm>
+          <a:off x="0" y="0"/>
+          <a:ext cx="0" cy="0"/>
+          <a:chOff x="0" y="0"/>
+          <a:chExt cx="0" cy="0"/>
+        </a:xfrm>
+      </p:grpSpPr>
+      <p:sp>
+        <p:nvSpPr>
+          <p:cNvPr id="2" name="标题 1"/>
+          <p:cNvSpPr>
+            <a:spLocks noGrp="1"/>
+          </p:cNvSpPr>
+          <p:nvPr>
+            <p:ph type="title"/>
+          </p:nvPr>
+        </p:nvSpPr>
+        <p:spPr/>
+        <p:txBody>
+          <a:bodyPr/>
+          <a:lstStyle/>
+          <a:p>
+            <a:r>
+              <a:rPr lang="en-US" altLang="zh-CN" dirty="0"/>
               <a:t>How to route </a:t>
             </a:r>
             <a:r>
@@ -18749,7 +18249,7 @@
 </p:sld>
 </file>
 
-<file path=ppt/slides/slide32.xml><?xml version="1.0" encoding="utf-8"?>
+<file path=ppt/slides/slide33.xml><?xml version="1.0" encoding="utf-8"?>
 <p:sld xmlns:a="http://schemas.openxmlformats.org/drawingml/2006/main" xmlns:r="http://schemas.openxmlformats.org/officeDocument/2006/relationships" xmlns:p="http://schemas.openxmlformats.org/presentationml/2006/main">
   <p:cSld>
     <p:spTree>
@@ -19638,7 +19138,7 @@
 </p:sld>
 </file>
 
-<file path=ppt/slides/slide33.xml><?xml version="1.0" encoding="utf-8"?>
+<file path=ppt/slides/slide34.xml><?xml version="1.0" encoding="utf-8"?>
 <p:sld xmlns:a="http://schemas.openxmlformats.org/drawingml/2006/main" xmlns:r="http://schemas.openxmlformats.org/officeDocument/2006/relationships" xmlns:p="http://schemas.openxmlformats.org/presentationml/2006/main">
   <p:cSld>
     <p:spTree>
@@ -19706,7 +19206,6 @@
               <a:rPr lang="zh-CN" altLang="en-US" sz="2000" dirty="0" smtClean="0"/>
               <a:t>？</a:t>
             </a:r>
-            <a:endParaRPr lang="zh-CN" altLang="en-US" sz="2000" dirty="0" smtClean="0"/>
           </a:p>
           <a:p>
             <a:pPr marL="1588" indent="-344488" algn="l"/>
@@ -19751,11 +19250,7 @@
             </a:r>
             <a:r>
               <a:rPr lang="zh-CN" altLang="en-US" sz="2000" dirty="0" smtClean="0"/>
-              <a:t>{"</a:t>
-            </a:r>
-            <a:r>
-              <a:rPr lang="zh-CN" altLang="en-US" sz="2000" dirty="0" smtClean="0"/>
-              <a:t>hello", "test", "2"}；</a:t>
+              <a:t>{"hello", "test", "2"}；</a:t>
             </a:r>
           </a:p>
           <a:p>
@@ -19779,7 +19274,6 @@
               <a:rPr lang="zh-CN" altLang="en-US" sz="2000" dirty="0" smtClean="0"/>
               <a:t>；</a:t>
             </a:r>
-            <a:endParaRPr lang="zh-CN" altLang="en-US" sz="2000" dirty="0" smtClean="0"/>
           </a:p>
           <a:p>
             <a:pPr marL="1588" lvl="1" indent="455613" algn="l">
@@ -19811,7 +19305,15 @@
             </a:pPr>
             <a:r>
               <a:rPr lang="en-US" altLang="zh-CN" sz="1700" dirty="0" smtClean="0"/>
-              <a:t>save the real argument into tuple one by one</a:t>
+              <a:t>save the real argument </a:t>
+            </a:r>
+            <a:r>
+              <a:rPr lang="en-US" altLang="zh-CN" sz="1700" dirty="0" smtClean="0"/>
+              <a:t>into a </a:t>
+            </a:r>
+            <a:r>
+              <a:rPr lang="en-US" altLang="zh-CN" sz="1700" dirty="0" smtClean="0"/>
+              <a:t>tuple one by one</a:t>
             </a:r>
             <a:endParaRPr lang="zh-CN" altLang="en-US" sz="1700" dirty="0" smtClean="0"/>
           </a:p>
@@ -20637,7 +20139,7 @@
 </p:sld>
 </file>
 
-<file path=ppt/slides/slide34.xml><?xml version="1.0" encoding="utf-8"?>
+<file path=ppt/slides/slide35.xml><?xml version="1.0" encoding="utf-8"?>
 <p:sld xmlns:a="http://schemas.openxmlformats.org/drawingml/2006/main" xmlns:r="http://schemas.openxmlformats.org/officeDocument/2006/relationships" xmlns:p="http://schemas.openxmlformats.org/presentationml/2006/main">
   <p:cSld>
     <p:spTree>
@@ -21230,364 +20732,6 @@
 </p:sld>
 </file>
 
-<file path=ppt/slides/slide35.xml><?xml version="1.0" encoding="utf-8"?>
-<p:sld xmlns:a="http://schemas.openxmlformats.org/drawingml/2006/main" xmlns:r="http://schemas.openxmlformats.org/officeDocument/2006/relationships" xmlns:p="http://schemas.openxmlformats.org/presentationml/2006/main">
-  <p:cSld>
-    <p:spTree>
-      <p:nvGrpSpPr>
-        <p:cNvPr id="1" name=""/>
-        <p:cNvGrpSpPr/>
-        <p:nvPr/>
-      </p:nvGrpSpPr>
-      <p:grpSpPr>
-        <a:xfrm>
-          <a:off x="0" y="0"/>
-          <a:ext cx="0" cy="0"/>
-          <a:chOff x="0" y="0"/>
-          <a:chExt cx="0" cy="0"/>
-        </a:xfrm>
-      </p:grpSpPr>
-      <p:sp>
-        <p:nvSpPr>
-          <p:cNvPr id="2" name="标题 1"/>
-          <p:cNvSpPr>
-            <a:spLocks noGrp="1"/>
-          </p:cNvSpPr>
-          <p:nvPr>
-            <p:ph type="title"/>
-          </p:nvPr>
-        </p:nvSpPr>
-        <p:spPr/>
-        <p:txBody>
-          <a:bodyPr/>
-          <a:lstStyle/>
-          <a:p>
-            <a:r>
-              <a:rPr lang="en-US" altLang="zh-CN" dirty="0"/>
-              <a:t>How to </a:t>
-            </a:r>
-            <a:r>
-              <a:rPr lang="en-US" altLang="zh-CN" dirty="0" smtClean="0"/>
-              <a:t>route to </a:t>
-            </a:r>
-            <a:r>
-              <a:rPr lang="en-US" altLang="zh-CN" dirty="0"/>
-              <a:t>the correct handler</a:t>
-            </a:r>
-            <a:endParaRPr lang="zh-CN" altLang="en-US" dirty="0"/>
-          </a:p>
-        </p:txBody>
-      </p:sp>
-      <p:sp>
-        <p:nvSpPr>
-          <p:cNvPr id="3" name="文本占位符 2"/>
-          <p:cNvSpPr>
-            <a:spLocks noGrp="1"/>
-          </p:cNvSpPr>
-          <p:nvPr>
-            <p:ph type="body" sz="half" idx="2"/>
-          </p:nvPr>
-        </p:nvSpPr>
-        <p:spPr/>
-        <p:txBody>
-          <a:bodyPr/>
-          <a:lstStyle/>
-          <a:p>
-            <a:r>
-              <a:rPr lang="en-US" altLang="zh-CN" dirty="0" err="1"/>
-              <a:t>struct</a:t>
-            </a:r>
-            <a:r>
-              <a:rPr lang="en-US" altLang="zh-CN" dirty="0"/>
-              <a:t> router</a:t>
-            </a:r>
-          </a:p>
-          <a:p>
-            <a:r>
-              <a:rPr lang="en-US" altLang="zh-CN" dirty="0"/>
-              <a:t>{</a:t>
-            </a:r>
-          </a:p>
-          <a:p>
-            <a:r>
-              <a:rPr lang="en-US" altLang="zh-CN" dirty="0" smtClean="0"/>
-              <a:t>    template&lt;</a:t>
-            </a:r>
-            <a:r>
-              <a:rPr lang="en-US" altLang="zh-CN" dirty="0" err="1" smtClean="0"/>
-              <a:t>typename</a:t>
-            </a:r>
-            <a:r>
-              <a:rPr lang="en-US" altLang="zh-CN" dirty="0" smtClean="0"/>
-              <a:t> </a:t>
-            </a:r>
-            <a:r>
-              <a:rPr lang="en-US" altLang="zh-CN" dirty="0"/>
-              <a:t>Function&gt;</a:t>
-            </a:r>
-          </a:p>
-          <a:p>
-            <a:r>
-              <a:rPr lang="en-US" altLang="zh-CN" dirty="0" smtClean="0"/>
-              <a:t>    void </a:t>
-            </a:r>
-            <a:r>
-              <a:rPr lang="en-US" altLang="zh-CN" dirty="0" err="1"/>
-              <a:t>register_handler</a:t>
-            </a:r>
-            <a:r>
-              <a:rPr lang="en-US" altLang="zh-CN" dirty="0"/>
-              <a:t>(</a:t>
-            </a:r>
-            <a:r>
-              <a:rPr lang="en-US" altLang="zh-CN" dirty="0" err="1"/>
-              <a:t>std</a:t>
-            </a:r>
-            <a:r>
-              <a:rPr lang="en-US" altLang="zh-CN" dirty="0"/>
-              <a:t>::string </a:t>
-            </a:r>
-            <a:r>
-              <a:rPr lang="en-US" altLang="zh-CN" dirty="0" err="1"/>
-              <a:t>const</a:t>
-            </a:r>
-            <a:r>
-              <a:rPr lang="en-US" altLang="zh-CN" dirty="0"/>
-              <a:t> &amp; name, </a:t>
-            </a:r>
-            <a:r>
-              <a:rPr lang="en-US" altLang="zh-CN" dirty="0" err="1"/>
-              <a:t>const</a:t>
-            </a:r>
-            <a:r>
-              <a:rPr lang="en-US" altLang="zh-CN" dirty="0"/>
-              <a:t> Function&amp; f)</a:t>
-            </a:r>
-          </a:p>
-          <a:p>
-            <a:r>
-              <a:rPr lang="en-US" altLang="zh-CN" dirty="0" smtClean="0"/>
-              <a:t>    {</a:t>
-            </a:r>
-          </a:p>
-          <a:p>
-            <a:r>
-              <a:rPr lang="en-US" altLang="zh-CN" dirty="0" smtClean="0"/>
-              <a:t>        </a:t>
-            </a:r>
-            <a:r>
-              <a:rPr lang="en-US" altLang="zh-CN" dirty="0"/>
-              <a:t>using </a:t>
-            </a:r>
-            <a:r>
-              <a:rPr lang="en-US" altLang="zh-CN" dirty="0" err="1"/>
-              <a:t>std</a:t>
-            </a:r>
-            <a:r>
-              <a:rPr lang="en-US" altLang="zh-CN" dirty="0"/>
-              <a:t>::placeholders::_1</a:t>
-            </a:r>
-            <a:r>
-              <a:rPr lang="en-US" altLang="zh-CN" dirty="0" smtClean="0"/>
-              <a:t>;</a:t>
-            </a:r>
-            <a:endParaRPr lang="en-US" altLang="zh-CN" dirty="0"/>
-          </a:p>
-          <a:p>
-            <a:r>
-              <a:rPr lang="en-US" altLang="zh-CN" dirty="0" smtClean="0"/>
-              <a:t>        this-</a:t>
-            </a:r>
-            <a:r>
-              <a:rPr lang="en-US" altLang="zh-CN" dirty="0"/>
-              <a:t>&gt;invokers_[name] = </a:t>
-            </a:r>
-            <a:r>
-              <a:rPr lang="en-US" altLang="zh-CN" dirty="0" err="1">
-                <a:solidFill>
-                  <a:srgbClr val="FF0000"/>
-                </a:solidFill>
-              </a:rPr>
-              <a:t>std</a:t>
-            </a:r>
-            <a:r>
-              <a:rPr lang="en-US" altLang="zh-CN" dirty="0">
-                <a:solidFill>
-                  <a:srgbClr val="FF0000"/>
-                </a:solidFill>
-              </a:rPr>
-              <a:t>::bind(&amp;invoker&lt;Function&gt;::template </a:t>
-            </a:r>
-            <a:r>
-              <a:rPr lang="en-US" altLang="zh-CN" dirty="0" smtClean="0">
-                <a:solidFill>
-                  <a:srgbClr val="FF0000"/>
-                </a:solidFill>
-              </a:rPr>
-              <a:t>                  apply&lt;</a:t>
-            </a:r>
-            <a:r>
-              <a:rPr lang="en-US" altLang="zh-CN" dirty="0" err="1" smtClean="0">
-                <a:solidFill>
-                  <a:srgbClr val="FF0000"/>
-                </a:solidFill>
-              </a:rPr>
-              <a:t>std</a:t>
-            </a:r>
-            <a:r>
-              <a:rPr lang="en-US" altLang="zh-CN" dirty="0">
-                <a:solidFill>
-                  <a:srgbClr val="FF0000"/>
-                </a:solidFill>
-              </a:rPr>
-              <a:t>::tuple&lt;&gt;&gt;, </a:t>
-            </a:r>
-            <a:r>
-              <a:rPr lang="en-US" altLang="zh-CN" dirty="0" smtClean="0">
-                <a:solidFill>
-                  <a:srgbClr val="FF0000"/>
-                </a:solidFill>
-              </a:rPr>
-              <a:t>f, _</a:t>
-            </a:r>
-            <a:r>
-              <a:rPr lang="en-US" altLang="zh-CN" dirty="0">
-                <a:solidFill>
-                  <a:srgbClr val="FF0000"/>
-                </a:solidFill>
-              </a:rPr>
-              <a:t>1, </a:t>
-            </a:r>
-            <a:r>
-              <a:rPr lang="en-US" altLang="zh-CN" dirty="0" err="1">
-                <a:solidFill>
-                  <a:srgbClr val="FF0000"/>
-                </a:solidFill>
-              </a:rPr>
-              <a:t>std</a:t>
-            </a:r>
-            <a:r>
-              <a:rPr lang="en-US" altLang="zh-CN" dirty="0">
-                <a:solidFill>
-                  <a:srgbClr val="FF0000"/>
-                </a:solidFill>
-              </a:rPr>
-              <a:t>::tuple&lt;&gt;());</a:t>
-            </a:r>
-          </a:p>
-          <a:p>
-            <a:r>
-              <a:rPr lang="en-US" altLang="zh-CN" dirty="0" smtClean="0"/>
-              <a:t>    }</a:t>
-            </a:r>
-          </a:p>
-          <a:p>
-            <a:endParaRPr lang="en-US" altLang="zh-CN" dirty="0" smtClean="0"/>
-          </a:p>
-          <a:p>
-            <a:r>
-              <a:rPr lang="en-US" altLang="zh-CN" dirty="0" smtClean="0"/>
-              <a:t>private:</a:t>
-            </a:r>
-          </a:p>
-          <a:p>
-            <a:r>
-              <a:rPr lang="en-US" altLang="zh-CN" dirty="0" smtClean="0"/>
-              <a:t>    </a:t>
-            </a:r>
-            <a:r>
-              <a:rPr lang="en-US" altLang="zh-CN" dirty="0" err="1" smtClean="0"/>
-              <a:t>typedef</a:t>
-            </a:r>
-            <a:r>
-              <a:rPr lang="en-US" altLang="zh-CN" dirty="0" smtClean="0"/>
-              <a:t> </a:t>
-            </a:r>
-            <a:r>
-              <a:rPr lang="en-US" altLang="zh-CN" dirty="0" err="1"/>
-              <a:t>std</a:t>
-            </a:r>
-            <a:r>
-              <a:rPr lang="en-US" altLang="zh-CN" dirty="0"/>
-              <a:t>::function&lt;void(</a:t>
-            </a:r>
-            <a:r>
-              <a:rPr lang="en-US" altLang="zh-CN" dirty="0" err="1"/>
-              <a:t>token_parser</a:t>
-            </a:r>
-            <a:r>
-              <a:rPr lang="en-US" altLang="zh-CN" dirty="0"/>
-              <a:t> &amp;)&gt; </a:t>
-            </a:r>
-            <a:r>
-              <a:rPr lang="en-US" altLang="zh-CN" dirty="0" err="1"/>
-              <a:t>invoker_function</a:t>
-            </a:r>
-            <a:r>
-              <a:rPr lang="en-US" altLang="zh-CN" dirty="0" smtClean="0"/>
-              <a:t>;</a:t>
-            </a:r>
-            <a:endParaRPr lang="zh-CN" altLang="en-US" dirty="0"/>
-          </a:p>
-          <a:p>
-            <a:r>
-              <a:rPr lang="en-US" altLang="zh-CN" dirty="0" smtClean="0"/>
-              <a:t>    </a:t>
-            </a:r>
-            <a:r>
-              <a:rPr lang="en-US" altLang="zh-CN" dirty="0" err="1" smtClean="0"/>
-              <a:t>std</a:t>
-            </a:r>
-            <a:r>
-              <a:rPr lang="en-US" altLang="zh-CN" dirty="0"/>
-              <a:t>::map&lt;</a:t>
-            </a:r>
-            <a:r>
-              <a:rPr lang="en-US" altLang="zh-CN" dirty="0" err="1"/>
-              <a:t>std</a:t>
-            </a:r>
-            <a:r>
-              <a:rPr lang="en-US" altLang="zh-CN" dirty="0"/>
-              <a:t>::string, </a:t>
-            </a:r>
-            <a:r>
-              <a:rPr lang="en-US" altLang="zh-CN" dirty="0" err="1"/>
-              <a:t>invoker_function</a:t>
-            </a:r>
-            <a:r>
-              <a:rPr lang="en-US" altLang="zh-CN" dirty="0"/>
-              <a:t>&gt; invokers_;</a:t>
-            </a:r>
-          </a:p>
-          <a:p>
-            <a:r>
-              <a:rPr lang="en-US" altLang="zh-CN" dirty="0"/>
-              <a:t>};</a:t>
-            </a:r>
-            <a:endParaRPr lang="zh-CN" altLang="en-US" dirty="0"/>
-          </a:p>
-        </p:txBody>
-      </p:sp>
-    </p:spTree>
-    <p:extLst>
-      <p:ext uri="{BB962C8B-B14F-4D97-AF65-F5344CB8AC3E}">
-        <p14:creationId xmlns:p14="http://schemas.microsoft.com/office/powerpoint/2010/main" val="2728434006"/>
-      </p:ext>
-    </p:extLst>
-  </p:cSld>
-  <p:clrMapOvr>
-    <a:masterClrMapping/>
-  </p:clrMapOvr>
-  <p:timing>
-    <p:tnLst>
-      <p:par>
-        <p:cTn id="1" dur="indefinite" restart="never" nodeType="tmRoot"/>
-      </p:par>
-    </p:tnLst>
-  </p:timing>
-</p:sld>
-</file>
-
 <file path=ppt/slides/slide36.xml><?xml version="1.0" encoding="utf-8"?>
 <p:sld xmlns:a="http://schemas.openxmlformats.org/drawingml/2006/main" xmlns:r="http://schemas.openxmlformats.org/officeDocument/2006/relationships" xmlns:p="http://schemas.openxmlformats.org/presentationml/2006/main">
   <p:cSld>
@@ -21652,600 +20796,276 @@
           <a:lstStyle/>
           <a:p>
             <a:r>
-              <a:rPr lang="en-US" altLang="zh-CN" sz="2000" dirty="0" smtClean="0">
-                <a:latin typeface="Shonar Bangla" panose="020B0502040204020203" pitchFamily="34" charset="0"/>
-                <a:cs typeface="Shonar Bangla" panose="020B0502040204020203" pitchFamily="34" charset="0"/>
-              </a:rPr>
-              <a:t>template&lt;</a:t>
-            </a:r>
-            <a:r>
-              <a:rPr lang="en-US" altLang="zh-CN" sz="2000" dirty="0" err="1" smtClean="0">
-                <a:latin typeface="Shonar Bangla" panose="020B0502040204020203" pitchFamily="34" charset="0"/>
-                <a:cs typeface="Shonar Bangla" panose="020B0502040204020203" pitchFamily="34" charset="0"/>
-              </a:rPr>
+              <a:rPr lang="en-US" altLang="zh-CN" dirty="0" err="1"/>
+              <a:t>struct</a:t>
+            </a:r>
+            <a:r>
+              <a:rPr lang="en-US" altLang="zh-CN" dirty="0"/>
+              <a:t> router</a:t>
+            </a:r>
+          </a:p>
+          <a:p>
+            <a:r>
+              <a:rPr lang="en-US" altLang="zh-CN" dirty="0"/>
+              <a:t>{</a:t>
+            </a:r>
+          </a:p>
+          <a:p>
+            <a:r>
+              <a:rPr lang="en-US" altLang="zh-CN" dirty="0" smtClean="0"/>
+              <a:t>    template&lt;</a:t>
+            </a:r>
+            <a:r>
+              <a:rPr lang="en-US" altLang="zh-CN" dirty="0" err="1" smtClean="0"/>
               <a:t>typename</a:t>
             </a:r>
             <a:r>
-              <a:rPr lang="en-US" altLang="zh-CN" sz="2000" dirty="0" smtClean="0">
-                <a:latin typeface="Shonar Bangla" panose="020B0502040204020203" pitchFamily="34" charset="0"/>
-                <a:cs typeface="Shonar Bangla" panose="020B0502040204020203" pitchFamily="34" charset="0"/>
-              </a:rPr>
+              <a:rPr lang="en-US" altLang="zh-CN" dirty="0" smtClean="0"/>
               <a:t> </a:t>
             </a:r>
             <a:r>
-              <a:rPr lang="en-US" altLang="zh-CN" sz="2000" dirty="0">
-                <a:latin typeface="Shonar Bangla" panose="020B0502040204020203" pitchFamily="34" charset="0"/>
-                <a:cs typeface="Shonar Bangla" panose="020B0502040204020203" pitchFamily="34" charset="0"/>
-              </a:rPr>
-              <a:t>Function, </a:t>
-            </a:r>
-            <a:r>
-              <a:rPr lang="en-US" altLang="zh-CN" sz="2000" dirty="0" err="1">
-                <a:latin typeface="Shonar Bangla" panose="020B0502040204020203" pitchFamily="34" charset="0"/>
-                <a:cs typeface="Shonar Bangla" panose="020B0502040204020203" pitchFamily="34" charset="0"/>
-              </a:rPr>
-              <a:t>size_t</a:t>
-            </a:r>
-            <a:r>
-              <a:rPr lang="en-US" altLang="zh-CN" sz="2000" dirty="0">
-                <a:latin typeface="Shonar Bangla" panose="020B0502040204020203" pitchFamily="34" charset="0"/>
-                <a:cs typeface="Shonar Bangla" panose="020B0502040204020203" pitchFamily="34" charset="0"/>
-              </a:rPr>
-              <a:t> N = 0, </a:t>
-            </a:r>
-            <a:r>
-              <a:rPr lang="en-US" altLang="zh-CN" sz="2000" dirty="0" err="1">
-                <a:latin typeface="Shonar Bangla" panose="020B0502040204020203" pitchFamily="34" charset="0"/>
-                <a:cs typeface="Shonar Bangla" panose="020B0502040204020203" pitchFamily="34" charset="0"/>
-              </a:rPr>
-              <a:t>size_t</a:t>
-            </a:r>
-            <a:r>
-              <a:rPr lang="en-US" altLang="zh-CN" sz="2000" dirty="0">
-                <a:latin typeface="Shonar Bangla" panose="020B0502040204020203" pitchFamily="34" charset="0"/>
-                <a:cs typeface="Shonar Bangla" panose="020B0502040204020203" pitchFamily="34" charset="0"/>
-              </a:rPr>
-              <a:t> M </a:t>
-            </a:r>
-            <a:r>
-              <a:rPr lang="en-US" altLang="zh-CN" sz="2000" dirty="0" smtClean="0">
-                <a:latin typeface="Shonar Bangla" panose="020B0502040204020203" pitchFamily="34" charset="0"/>
-                <a:cs typeface="Shonar Bangla" panose="020B0502040204020203" pitchFamily="34" charset="0"/>
-              </a:rPr>
-              <a:t>= </a:t>
-            </a:r>
-            <a:r>
-              <a:rPr lang="en-US" altLang="zh-CN" sz="2000" dirty="0" err="1" smtClean="0">
-                <a:latin typeface="Shonar Bangla" panose="020B0502040204020203" pitchFamily="34" charset="0"/>
-                <a:cs typeface="Shonar Bangla" panose="020B0502040204020203" pitchFamily="34" charset="0"/>
-              </a:rPr>
-              <a:t>function_traits</a:t>
-            </a:r>
-            <a:r>
-              <a:rPr lang="en-US" altLang="zh-CN" sz="2000" dirty="0" smtClean="0">
-                <a:latin typeface="Shonar Bangla" panose="020B0502040204020203" pitchFamily="34" charset="0"/>
-                <a:cs typeface="Shonar Bangla" panose="020B0502040204020203" pitchFamily="34" charset="0"/>
-              </a:rPr>
-              <a:t>&lt;Function</a:t>
-            </a:r>
-            <a:r>
-              <a:rPr lang="en-US" altLang="zh-CN" sz="2000" dirty="0">
-                <a:latin typeface="Shonar Bangla" panose="020B0502040204020203" pitchFamily="34" charset="0"/>
-                <a:cs typeface="Shonar Bangla" panose="020B0502040204020203" pitchFamily="34" charset="0"/>
-              </a:rPr>
-              <a:t>&gt;::arity&gt;</a:t>
-            </a:r>
-          </a:p>
-          <a:p>
-            <a:r>
-              <a:rPr lang="en-US" altLang="zh-CN" sz="2000" dirty="0" err="1">
-                <a:latin typeface="Shonar Bangla" panose="020B0502040204020203" pitchFamily="34" charset="0"/>
-                <a:cs typeface="Shonar Bangla" panose="020B0502040204020203" pitchFamily="34" charset="0"/>
-              </a:rPr>
-              <a:t>struct</a:t>
-            </a:r>
-            <a:r>
-              <a:rPr lang="en-US" altLang="zh-CN" sz="2000" dirty="0">
-                <a:latin typeface="Shonar Bangla" panose="020B0502040204020203" pitchFamily="34" charset="0"/>
-                <a:cs typeface="Shonar Bangla" panose="020B0502040204020203" pitchFamily="34" charset="0"/>
-              </a:rPr>
-              <a:t> </a:t>
-            </a:r>
-            <a:r>
-              <a:rPr lang="en-US" altLang="zh-CN" sz="2000" dirty="0" smtClean="0">
-                <a:latin typeface="Shonar Bangla" panose="020B0502040204020203" pitchFamily="34" charset="0"/>
-                <a:cs typeface="Shonar Bangla" panose="020B0502040204020203" pitchFamily="34" charset="0"/>
-              </a:rPr>
-              <a:t>invoker{</a:t>
-            </a:r>
-            <a:endParaRPr lang="en-US" altLang="zh-CN" sz="2000" dirty="0">
-              <a:latin typeface="Shonar Bangla" panose="020B0502040204020203" pitchFamily="34" charset="0"/>
-              <a:cs typeface="Shonar Bangla" panose="020B0502040204020203" pitchFamily="34" charset="0"/>
-            </a:endParaRPr>
-          </a:p>
-          <a:p>
-            <a:r>
-              <a:rPr lang="en-US" altLang="zh-CN" sz="2000" dirty="0" smtClean="0">
-                <a:latin typeface="Shonar Bangla" panose="020B0502040204020203" pitchFamily="34" charset="0"/>
-                <a:cs typeface="Shonar Bangla" panose="020B0502040204020203" pitchFamily="34" charset="0"/>
-              </a:rPr>
-              <a:t>    template&lt;</a:t>
-            </a:r>
-            <a:r>
-              <a:rPr lang="en-US" altLang="zh-CN" sz="2000" dirty="0" err="1" smtClean="0">
-                <a:latin typeface="Shonar Bangla" panose="020B0502040204020203" pitchFamily="34" charset="0"/>
-                <a:cs typeface="Shonar Bangla" panose="020B0502040204020203" pitchFamily="34" charset="0"/>
-              </a:rPr>
-              <a:t>typename</a:t>
-            </a:r>
-            <a:r>
-              <a:rPr lang="en-US" altLang="zh-CN" sz="2000" dirty="0" smtClean="0">
-                <a:latin typeface="Shonar Bangla" panose="020B0502040204020203" pitchFamily="34" charset="0"/>
-                <a:cs typeface="Shonar Bangla" panose="020B0502040204020203" pitchFamily="34" charset="0"/>
-              </a:rPr>
-              <a:t> </a:t>
-            </a:r>
-            <a:r>
-              <a:rPr lang="en-US" altLang="zh-CN" sz="2000" dirty="0" err="1">
-                <a:latin typeface="Shonar Bangla" panose="020B0502040204020203" pitchFamily="34" charset="0"/>
-                <a:cs typeface="Shonar Bangla" panose="020B0502040204020203" pitchFamily="34" charset="0"/>
-              </a:rPr>
-              <a:t>Args</a:t>
-            </a:r>
-            <a:r>
-              <a:rPr lang="en-US" altLang="zh-CN" sz="2000" dirty="0">
-                <a:latin typeface="Shonar Bangla" panose="020B0502040204020203" pitchFamily="34" charset="0"/>
-                <a:cs typeface="Shonar Bangla" panose="020B0502040204020203" pitchFamily="34" charset="0"/>
-              </a:rPr>
-              <a:t>&gt;</a:t>
-            </a:r>
-          </a:p>
-          <a:p>
-            <a:r>
-              <a:rPr lang="en-US" altLang="zh-CN" sz="2000" dirty="0" smtClean="0">
-                <a:latin typeface="Shonar Bangla" panose="020B0502040204020203" pitchFamily="34" charset="0"/>
-                <a:cs typeface="Shonar Bangla" panose="020B0502040204020203" pitchFamily="34" charset="0"/>
-              </a:rPr>
-              <a:t>    static void </a:t>
-            </a:r>
-            <a:r>
-              <a:rPr lang="en-US" altLang="zh-CN" sz="2000" dirty="0">
-                <a:latin typeface="Shonar Bangla" panose="020B0502040204020203" pitchFamily="34" charset="0"/>
-                <a:cs typeface="Shonar Bangla" panose="020B0502040204020203" pitchFamily="34" charset="0"/>
-              </a:rPr>
-              <a:t>apply(</a:t>
-            </a:r>
-            <a:r>
-              <a:rPr lang="en-US" altLang="zh-CN" sz="2000" dirty="0" err="1">
-                <a:latin typeface="Shonar Bangla" panose="020B0502040204020203" pitchFamily="34" charset="0"/>
-                <a:cs typeface="Shonar Bangla" panose="020B0502040204020203" pitchFamily="34" charset="0"/>
-              </a:rPr>
+              <a:rPr lang="en-US" altLang="zh-CN" dirty="0"/>
+              <a:t>Function&gt;</a:t>
+            </a:r>
+          </a:p>
+          <a:p>
+            <a:r>
+              <a:rPr lang="en-US" altLang="zh-CN" dirty="0" smtClean="0"/>
+              <a:t>    void </a:t>
+            </a:r>
+            <a:r>
+              <a:rPr lang="en-US" altLang="zh-CN" dirty="0" err="1"/>
+              <a:t>register_handler</a:t>
+            </a:r>
+            <a:r>
+              <a:rPr lang="en-US" altLang="zh-CN" dirty="0"/>
+              <a:t>(</a:t>
+            </a:r>
+            <a:r>
+              <a:rPr lang="en-US" altLang="zh-CN" dirty="0" err="1"/>
+              <a:t>std</a:t>
+            </a:r>
+            <a:r>
+              <a:rPr lang="en-US" altLang="zh-CN" dirty="0"/>
+              <a:t>::string </a:t>
+            </a:r>
+            <a:r>
+              <a:rPr lang="en-US" altLang="zh-CN" dirty="0" err="1"/>
               <a:t>const</a:t>
             </a:r>
             <a:r>
-              <a:rPr lang="en-US" altLang="zh-CN" sz="2000" dirty="0">
-                <a:latin typeface="Shonar Bangla" panose="020B0502040204020203" pitchFamily="34" charset="0"/>
-                <a:cs typeface="Shonar Bangla" panose="020B0502040204020203" pitchFamily="34" charset="0"/>
-              </a:rPr>
-              <a:t> Function&amp; </a:t>
-            </a:r>
-            <a:r>
-              <a:rPr lang="en-US" altLang="zh-CN" sz="2000" dirty="0" err="1">
-                <a:latin typeface="Shonar Bangla" panose="020B0502040204020203" pitchFamily="34" charset="0"/>
-                <a:cs typeface="Shonar Bangla" panose="020B0502040204020203" pitchFamily="34" charset="0"/>
-              </a:rPr>
-              <a:t>func</a:t>
-            </a:r>
-            <a:r>
-              <a:rPr lang="en-US" altLang="zh-CN" sz="2000" dirty="0">
-                <a:latin typeface="Shonar Bangla" panose="020B0502040204020203" pitchFamily="34" charset="0"/>
-                <a:cs typeface="Shonar Bangla" panose="020B0502040204020203" pitchFamily="34" charset="0"/>
-              </a:rPr>
-              <a:t>, </a:t>
-            </a:r>
-            <a:r>
-              <a:rPr lang="en-US" altLang="zh-CN" sz="2000" dirty="0" err="1">
-                <a:latin typeface="Shonar Bangla" panose="020B0502040204020203" pitchFamily="34" charset="0"/>
-                <a:cs typeface="Shonar Bangla" panose="020B0502040204020203" pitchFamily="34" charset="0"/>
-              </a:rPr>
-              <a:t>token_parser</a:t>
-            </a:r>
-            <a:r>
-              <a:rPr lang="en-US" altLang="zh-CN" sz="2000" dirty="0">
-                <a:latin typeface="Shonar Bangla" panose="020B0502040204020203" pitchFamily="34" charset="0"/>
-                <a:cs typeface="Shonar Bangla" panose="020B0502040204020203" pitchFamily="34" charset="0"/>
-              </a:rPr>
-              <a:t> </a:t>
-            </a:r>
-            <a:r>
-              <a:rPr lang="en-US" altLang="zh-CN" sz="2000" dirty="0" smtClean="0">
-                <a:latin typeface="Shonar Bangla" panose="020B0502040204020203" pitchFamily="34" charset="0"/>
-                <a:cs typeface="Shonar Bangla" panose="020B0502040204020203" pitchFamily="34" charset="0"/>
-              </a:rPr>
-              <a:t>parser</a:t>
-            </a:r>
-            <a:r>
-              <a:rPr lang="en-US" altLang="zh-CN" sz="2000" dirty="0">
-                <a:latin typeface="Shonar Bangla" panose="020B0502040204020203" pitchFamily="34" charset="0"/>
-                <a:cs typeface="Shonar Bangla" panose="020B0502040204020203" pitchFamily="34" charset="0"/>
-              </a:rPr>
-              <a:t>, </a:t>
-            </a:r>
-            <a:r>
-              <a:rPr lang="en-US" altLang="zh-CN" sz="2000" dirty="0" err="1">
-                <a:latin typeface="Shonar Bangla" panose="020B0502040204020203" pitchFamily="34" charset="0"/>
-                <a:cs typeface="Shonar Bangla" panose="020B0502040204020203" pitchFamily="34" charset="0"/>
-              </a:rPr>
-              <a:t>Args</a:t>
-            </a:r>
-            <a:r>
-              <a:rPr lang="en-US" altLang="zh-CN" sz="2000" dirty="0">
-                <a:latin typeface="Shonar Bangla" panose="020B0502040204020203" pitchFamily="34" charset="0"/>
-                <a:cs typeface="Shonar Bangla" panose="020B0502040204020203" pitchFamily="34" charset="0"/>
-              </a:rPr>
-              <a:t> </a:t>
-            </a:r>
-            <a:r>
-              <a:rPr lang="en-US" altLang="zh-CN" sz="2000" dirty="0" err="1">
-                <a:latin typeface="Shonar Bangla" panose="020B0502040204020203" pitchFamily="34" charset="0"/>
-                <a:cs typeface="Shonar Bangla" panose="020B0502040204020203" pitchFamily="34" charset="0"/>
-              </a:rPr>
+              <a:rPr lang="en-US" altLang="zh-CN" dirty="0"/>
+              <a:t> &amp; name, </a:t>
+            </a:r>
+            <a:r>
+              <a:rPr lang="en-US" altLang="zh-CN" dirty="0" err="1"/>
               <a:t>const</a:t>
             </a:r>
             <a:r>
-              <a:rPr lang="en-US" altLang="zh-CN" sz="2000" dirty="0">
-                <a:latin typeface="Shonar Bangla" panose="020B0502040204020203" pitchFamily="34" charset="0"/>
-                <a:cs typeface="Shonar Bangla" panose="020B0502040204020203" pitchFamily="34" charset="0"/>
-              </a:rPr>
-              <a:t> &amp; </a:t>
-            </a:r>
-            <a:r>
-              <a:rPr lang="en-US" altLang="zh-CN" sz="2000" dirty="0" err="1">
-                <a:latin typeface="Shonar Bangla" panose="020B0502040204020203" pitchFamily="34" charset="0"/>
-                <a:cs typeface="Shonar Bangla" panose="020B0502040204020203" pitchFamily="34" charset="0"/>
-              </a:rPr>
-              <a:t>args</a:t>
-            </a:r>
-            <a:r>
-              <a:rPr lang="en-US" altLang="zh-CN" sz="2000" dirty="0" smtClean="0">
-                <a:latin typeface="Shonar Bangla" panose="020B0502040204020203" pitchFamily="34" charset="0"/>
-                <a:cs typeface="Shonar Bangla" panose="020B0502040204020203" pitchFamily="34" charset="0"/>
-              </a:rPr>
-              <a:t>){</a:t>
-            </a:r>
-          </a:p>
-          <a:p>
-            <a:r>
-              <a:rPr lang="en-US" altLang="zh-CN" sz="2000" dirty="0" smtClean="0">
-                <a:latin typeface="Shonar Bangla" panose="020B0502040204020203" pitchFamily="34" charset="0"/>
-                <a:cs typeface="Shonar Bangla" panose="020B0502040204020203" pitchFamily="34" charset="0"/>
-              </a:rPr>
+              <a:rPr lang="en-US" altLang="zh-CN" dirty="0"/>
+              <a:t> Function&amp; f)</a:t>
+            </a:r>
+          </a:p>
+          <a:p>
+            <a:r>
+              <a:rPr lang="en-US" altLang="zh-CN" dirty="0" smtClean="0"/>
+              <a:t>    {</a:t>
+            </a:r>
+          </a:p>
+          <a:p>
+            <a:r>
+              <a:rPr lang="en-US" altLang="zh-CN" dirty="0" smtClean="0"/>
               <a:t>        </a:t>
             </a:r>
             <a:r>
-              <a:rPr lang="en-US" altLang="zh-CN" sz="2000" dirty="0" err="1" smtClean="0">
+              <a:rPr lang="en-US" altLang="zh-CN" dirty="0"/>
+              <a:t>using </a:t>
+            </a:r>
+            <a:r>
+              <a:rPr lang="en-US" altLang="zh-CN" dirty="0" err="1"/>
+              <a:t>std</a:t>
+            </a:r>
+            <a:r>
+              <a:rPr lang="en-US" altLang="zh-CN" dirty="0"/>
+              <a:t>::placeholders::_1</a:t>
+            </a:r>
+            <a:r>
+              <a:rPr lang="en-US" altLang="zh-CN" dirty="0" smtClean="0"/>
+              <a:t>;</a:t>
+            </a:r>
+            <a:endParaRPr lang="en-US" altLang="zh-CN" dirty="0"/>
+          </a:p>
+          <a:p>
+            <a:r>
+              <a:rPr lang="en-US" altLang="zh-CN" dirty="0" smtClean="0"/>
+              <a:t>        this-</a:t>
+            </a:r>
+            <a:r>
+              <a:rPr lang="en-US" altLang="zh-CN" dirty="0"/>
+              <a:t>&gt;invokers_[name] = </a:t>
+            </a:r>
+            <a:r>
+              <a:rPr lang="en-US" altLang="zh-CN" dirty="0" err="1">
                 <a:solidFill>
                   <a:srgbClr val="FF0000"/>
                 </a:solidFill>
-                <a:latin typeface="Shonar Bangla" panose="020B0502040204020203" pitchFamily="34" charset="0"/>
-                <a:cs typeface="Shonar Bangla" panose="020B0502040204020203" pitchFamily="34" charset="0"/>
               </a:rPr>
-              <a:t>typedef</a:t>
-            </a:r>
-            <a:r>
-              <a:rPr lang="en-US" altLang="zh-CN" sz="2000" dirty="0" smtClean="0">
+              <a:t>std</a:t>
+            </a:r>
+            <a:r>
+              <a:rPr lang="en-US" altLang="zh-CN" dirty="0">
                 <a:solidFill>
                   <a:srgbClr val="FF0000"/>
                 </a:solidFill>
-                <a:latin typeface="Shonar Bangla" panose="020B0502040204020203" pitchFamily="34" charset="0"/>
-                <a:cs typeface="Shonar Bangla" panose="020B0502040204020203" pitchFamily="34" charset="0"/>
               </a:rPr>
-              <a:t> </a:t>
-            </a:r>
-            <a:r>
-              <a:rPr lang="en-US" altLang="zh-CN" sz="2000" dirty="0" err="1">
+              <a:t>::bind(&amp;invoker&lt;Function&gt;::template </a:t>
+            </a:r>
+            <a:r>
+              <a:rPr lang="en-US" altLang="zh-CN" dirty="0" smtClean="0">
                 <a:solidFill>
                   <a:srgbClr val="FF0000"/>
                 </a:solidFill>
-                <a:latin typeface="Shonar Bangla" panose="020B0502040204020203" pitchFamily="34" charset="0"/>
-                <a:cs typeface="Shonar Bangla" panose="020B0502040204020203" pitchFamily="34" charset="0"/>
               </a:rPr>
-              <a:t>typename</a:t>
-            </a:r>
-            <a:r>
-              <a:rPr lang="en-US" altLang="zh-CN" sz="2000" dirty="0">
+              <a:t>                  apply&lt;</a:t>
+            </a:r>
+            <a:r>
+              <a:rPr lang="en-US" altLang="zh-CN" dirty="0" err="1" smtClean="0">
                 <a:solidFill>
                   <a:srgbClr val="FF0000"/>
                 </a:solidFill>
-                <a:latin typeface="Shonar Bangla" panose="020B0502040204020203" pitchFamily="34" charset="0"/>
-                <a:cs typeface="Shonar Bangla" panose="020B0502040204020203" pitchFamily="34" charset="0"/>
               </a:rPr>
-              <a:t> </a:t>
-            </a:r>
-            <a:r>
-              <a:rPr lang="en-US" altLang="zh-CN" sz="2000" dirty="0" err="1">
+              <a:t>std</a:t>
+            </a:r>
+            <a:r>
+              <a:rPr lang="en-US" altLang="zh-CN" dirty="0">
                 <a:solidFill>
                   <a:srgbClr val="FF0000"/>
                 </a:solidFill>
-                <a:latin typeface="Shonar Bangla" panose="020B0502040204020203" pitchFamily="34" charset="0"/>
-                <a:cs typeface="Shonar Bangla" panose="020B0502040204020203" pitchFamily="34" charset="0"/>
               </a:rPr>
-              <a:t>function_traits</a:t>
-            </a:r>
-            <a:r>
-              <a:rPr lang="en-US" altLang="zh-CN" sz="2000" dirty="0">
+              <a:t>::tuple&lt;&gt;&gt;, </a:t>
+            </a:r>
+            <a:r>
+              <a:rPr lang="en-US" altLang="zh-CN" dirty="0" smtClean="0">
                 <a:solidFill>
                   <a:srgbClr val="FF0000"/>
                 </a:solidFill>
-                <a:latin typeface="Shonar Bangla" panose="020B0502040204020203" pitchFamily="34" charset="0"/>
-                <a:cs typeface="Shonar Bangla" panose="020B0502040204020203" pitchFamily="34" charset="0"/>
               </a:rPr>
-              <a:t>&lt;Function&gt;::template </a:t>
-            </a:r>
-            <a:r>
-              <a:rPr lang="en-US" altLang="zh-CN" sz="2000" dirty="0" err="1">
+              <a:t>f, _</a:t>
+            </a:r>
+            <a:r>
+              <a:rPr lang="en-US" altLang="zh-CN" dirty="0">
                 <a:solidFill>
                   <a:srgbClr val="FF0000"/>
                 </a:solidFill>
-                <a:latin typeface="Shonar Bangla" panose="020B0502040204020203" pitchFamily="34" charset="0"/>
-                <a:cs typeface="Shonar Bangla" panose="020B0502040204020203" pitchFamily="34" charset="0"/>
               </a:rPr>
-              <a:t>args</a:t>
-            </a:r>
-            <a:r>
-              <a:rPr lang="en-US" altLang="zh-CN" sz="2000" dirty="0">
+              <a:t>1, </a:t>
+            </a:r>
+            <a:r>
+              <a:rPr lang="en-US" altLang="zh-CN" dirty="0" err="1">
                 <a:solidFill>
                   <a:srgbClr val="FF0000"/>
                 </a:solidFill>
-                <a:latin typeface="Shonar Bangla" panose="020B0502040204020203" pitchFamily="34" charset="0"/>
-                <a:cs typeface="Shonar Bangla" panose="020B0502040204020203" pitchFamily="34" charset="0"/>
               </a:rPr>
-              <a:t>&lt;N&gt;::type </a:t>
-            </a:r>
-            <a:r>
-              <a:rPr lang="en-US" altLang="zh-CN" sz="2000" dirty="0" err="1">
+              <a:t>std</a:t>
+            </a:r>
+            <a:r>
+              <a:rPr lang="en-US" altLang="zh-CN" dirty="0">
                 <a:solidFill>
                   <a:srgbClr val="FF0000"/>
                 </a:solidFill>
-                <a:latin typeface="Shonar Bangla" panose="020B0502040204020203" pitchFamily="34" charset="0"/>
-                <a:cs typeface="Shonar Bangla" panose="020B0502040204020203" pitchFamily="34" charset="0"/>
               </a:rPr>
-              <a:t>arg_type</a:t>
-            </a:r>
-            <a:r>
-              <a:rPr lang="en-US" altLang="zh-CN" sz="2000" dirty="0">
-                <a:solidFill>
-                  <a:srgbClr val="FF0000"/>
-                </a:solidFill>
-                <a:latin typeface="Shonar Bangla" panose="020B0502040204020203" pitchFamily="34" charset="0"/>
-                <a:cs typeface="Shonar Bangla" panose="020B0502040204020203" pitchFamily="34" charset="0"/>
-              </a:rPr>
+              <a:t>::tuple&lt;&gt;());</a:t>
+            </a:r>
+          </a:p>
+          <a:p>
+            <a:r>
+              <a:rPr lang="en-US" altLang="zh-CN" dirty="0" smtClean="0"/>
+              <a:t>    }</a:t>
+            </a:r>
+          </a:p>
+          <a:p>
+            <a:endParaRPr lang="en-US" altLang="zh-CN" dirty="0" smtClean="0"/>
+          </a:p>
+          <a:p>
+            <a:r>
+              <a:rPr lang="en-US" altLang="zh-CN" dirty="0" smtClean="0"/>
+              <a:t>private:</a:t>
+            </a:r>
+          </a:p>
+          <a:p>
+            <a:r>
+              <a:rPr lang="en-US" altLang="zh-CN" dirty="0" smtClean="0"/>
+              <a:t>    </a:t>
+            </a:r>
+            <a:r>
+              <a:rPr lang="en-US" altLang="zh-CN" dirty="0" err="1" smtClean="0"/>
+              <a:t>typedef</a:t>
+            </a:r>
+            <a:r>
+              <a:rPr lang="en-US" altLang="zh-CN" dirty="0" smtClean="0"/>
+              <a:t> </a:t>
+            </a:r>
+            <a:r>
+              <a:rPr lang="en-US" altLang="zh-CN" dirty="0" err="1"/>
+              <a:t>std</a:t>
+            </a:r>
+            <a:r>
+              <a:rPr lang="en-US" altLang="zh-CN" dirty="0"/>
+              <a:t>::function&lt;void(</a:t>
+            </a:r>
+            <a:r>
+              <a:rPr lang="en-US" altLang="zh-CN" dirty="0" err="1"/>
+              <a:t>token_parser</a:t>
+            </a:r>
+            <a:r>
+              <a:rPr lang="en-US" altLang="zh-CN" dirty="0"/>
+              <a:t> &amp;)&gt; </a:t>
+            </a:r>
+            <a:r>
+              <a:rPr lang="en-US" altLang="zh-CN" dirty="0" err="1"/>
+              <a:t>invoker_function</a:t>
+            </a:r>
+            <a:r>
+              <a:rPr lang="en-US" altLang="zh-CN" dirty="0" smtClean="0"/>
               <a:t>;</a:t>
             </a:r>
-          </a:p>
-          <a:p>
-            <a:r>
-              <a:rPr lang="en-US" altLang="zh-CN" sz="2000" dirty="0" smtClean="0">
-                <a:latin typeface="Shonar Bangla" panose="020B0502040204020203" pitchFamily="34" charset="0"/>
-                <a:cs typeface="Shonar Bangla" panose="020B0502040204020203" pitchFamily="34" charset="0"/>
-              </a:rPr>
-              <a:t>        router</a:t>
-            </a:r>
-            <a:r>
-              <a:rPr lang="en-US" altLang="zh-CN" sz="2000" dirty="0">
-                <a:latin typeface="Shonar Bangla" panose="020B0502040204020203" pitchFamily="34" charset="0"/>
-                <a:cs typeface="Shonar Bangla" panose="020B0502040204020203" pitchFamily="34" charset="0"/>
-              </a:rPr>
-              <a:t>::invoker&lt;Function, N + 1, M&gt;::</a:t>
-            </a:r>
-            <a:r>
-              <a:rPr lang="en-US" altLang="zh-CN" sz="2000" b="1" dirty="0">
-                <a:latin typeface="Shonar Bangla" panose="020B0502040204020203" pitchFamily="34" charset="0"/>
-                <a:cs typeface="Shonar Bangla" panose="020B0502040204020203" pitchFamily="34" charset="0"/>
-              </a:rPr>
-              <a:t>apply</a:t>
-            </a:r>
-            <a:r>
-              <a:rPr lang="en-US" altLang="zh-CN" sz="2000" dirty="0">
-                <a:latin typeface="Shonar Bangla" panose="020B0502040204020203" pitchFamily="34" charset="0"/>
-                <a:cs typeface="Shonar Bangla" panose="020B0502040204020203" pitchFamily="34" charset="0"/>
-              </a:rPr>
-              <a:t>(</a:t>
-            </a:r>
-            <a:r>
-              <a:rPr lang="en-US" altLang="zh-CN" sz="2000" dirty="0" err="1">
-                <a:latin typeface="Shonar Bangla" panose="020B0502040204020203" pitchFamily="34" charset="0"/>
-                <a:cs typeface="Shonar Bangla" panose="020B0502040204020203" pitchFamily="34" charset="0"/>
-              </a:rPr>
-              <a:t>func</a:t>
-            </a:r>
-            <a:r>
-              <a:rPr lang="en-US" altLang="zh-CN" sz="2000" dirty="0">
-                <a:latin typeface="Shonar Bangla" panose="020B0502040204020203" pitchFamily="34" charset="0"/>
-                <a:cs typeface="Shonar Bangla" panose="020B0502040204020203" pitchFamily="34" charset="0"/>
-              </a:rPr>
-              <a:t>, parser,</a:t>
-            </a:r>
-          </a:p>
-          <a:p>
-            <a:r>
-              <a:rPr lang="en-US" altLang="zh-CN" sz="2000" dirty="0" smtClean="0">
-                <a:latin typeface="Shonar Bangla" panose="020B0502040204020203" pitchFamily="34" charset="0"/>
-                <a:cs typeface="Shonar Bangla" panose="020B0502040204020203" pitchFamily="34" charset="0"/>
-              </a:rPr>
-              <a:t>            </a:t>
-            </a:r>
-            <a:r>
-              <a:rPr lang="en-US" altLang="zh-CN" sz="2000" dirty="0" err="1" smtClean="0">
-                <a:solidFill>
-                  <a:srgbClr val="FF0000"/>
-                </a:solidFill>
-                <a:latin typeface="Shonar Bangla" panose="020B0502040204020203" pitchFamily="34" charset="0"/>
-                <a:cs typeface="Shonar Bangla" panose="020B0502040204020203" pitchFamily="34" charset="0"/>
-              </a:rPr>
+            <a:endParaRPr lang="zh-CN" altLang="en-US" dirty="0"/>
+          </a:p>
+          <a:p>
+            <a:r>
+              <a:rPr lang="en-US" altLang="zh-CN" dirty="0" smtClean="0"/>
+              <a:t>    </a:t>
+            </a:r>
+            <a:r>
+              <a:rPr lang="en-US" altLang="zh-CN" dirty="0" err="1" smtClean="0"/>
               <a:t>std</a:t>
             </a:r>
             <a:r>
-              <a:rPr lang="en-US" altLang="zh-CN" sz="2000" dirty="0">
-                <a:solidFill>
-                  <a:srgbClr val="FF0000"/>
-                </a:solidFill>
-                <a:latin typeface="Shonar Bangla" panose="020B0502040204020203" pitchFamily="34" charset="0"/>
-                <a:cs typeface="Shonar Bangla" panose="020B0502040204020203" pitchFamily="34" charset="0"/>
-              </a:rPr>
-              <a:t>::</a:t>
-            </a:r>
-            <a:r>
-              <a:rPr lang="en-US" altLang="zh-CN" sz="2000" dirty="0" err="1">
-                <a:solidFill>
-                  <a:srgbClr val="FF0000"/>
-                </a:solidFill>
-                <a:latin typeface="Shonar Bangla" panose="020B0502040204020203" pitchFamily="34" charset="0"/>
-                <a:cs typeface="Shonar Bangla" panose="020B0502040204020203" pitchFamily="34" charset="0"/>
-              </a:rPr>
-              <a:t>tuple_cat</a:t>
-            </a:r>
-            <a:r>
-              <a:rPr lang="en-US" altLang="zh-CN" sz="2000" dirty="0">
-                <a:solidFill>
-                  <a:srgbClr val="FF0000"/>
-                </a:solidFill>
-                <a:latin typeface="Shonar Bangla" panose="020B0502040204020203" pitchFamily="34" charset="0"/>
-                <a:cs typeface="Shonar Bangla" panose="020B0502040204020203" pitchFamily="34" charset="0"/>
-              </a:rPr>
-              <a:t>(</a:t>
-            </a:r>
-            <a:r>
-              <a:rPr lang="en-US" altLang="zh-CN" sz="2000" dirty="0" err="1">
-                <a:solidFill>
-                  <a:srgbClr val="FF0000"/>
-                </a:solidFill>
-                <a:latin typeface="Shonar Bangla" panose="020B0502040204020203" pitchFamily="34" charset="0"/>
-                <a:cs typeface="Shonar Bangla" panose="020B0502040204020203" pitchFamily="34" charset="0"/>
-              </a:rPr>
-              <a:t>args</a:t>
-            </a:r>
-            <a:r>
-              <a:rPr lang="en-US" altLang="zh-CN" sz="2000" dirty="0">
-                <a:solidFill>
-                  <a:srgbClr val="FF0000"/>
-                </a:solidFill>
-                <a:latin typeface="Shonar Bangla" panose="020B0502040204020203" pitchFamily="34" charset="0"/>
-                <a:cs typeface="Shonar Bangla" panose="020B0502040204020203" pitchFamily="34" charset="0"/>
-              </a:rPr>
-              <a:t>, </a:t>
-            </a:r>
-            <a:r>
-              <a:rPr lang="en-US" altLang="zh-CN" sz="2000" dirty="0" err="1">
-                <a:solidFill>
-                  <a:srgbClr val="FF0000"/>
-                </a:solidFill>
-                <a:latin typeface="Shonar Bangla" panose="020B0502040204020203" pitchFamily="34" charset="0"/>
-                <a:cs typeface="Shonar Bangla" panose="020B0502040204020203" pitchFamily="34" charset="0"/>
-              </a:rPr>
+              <a:rPr lang="en-US" altLang="zh-CN" dirty="0"/>
+              <a:t>::map&lt;</a:t>
+            </a:r>
+            <a:r>
+              <a:rPr lang="en-US" altLang="zh-CN" dirty="0" err="1"/>
               <a:t>std</a:t>
             </a:r>
             <a:r>
-              <a:rPr lang="en-US" altLang="zh-CN" sz="2000" dirty="0">
-                <a:solidFill>
-                  <a:srgbClr val="FF0000"/>
-                </a:solidFill>
-                <a:latin typeface="Shonar Bangla" panose="020B0502040204020203" pitchFamily="34" charset="0"/>
-                <a:cs typeface="Shonar Bangla" panose="020B0502040204020203" pitchFamily="34" charset="0"/>
-              </a:rPr>
-              <a:t>::</a:t>
-            </a:r>
-            <a:r>
-              <a:rPr lang="en-US" altLang="zh-CN" sz="2000" dirty="0" err="1">
-                <a:solidFill>
-                  <a:srgbClr val="FF0000"/>
-                </a:solidFill>
-                <a:latin typeface="Shonar Bangla" panose="020B0502040204020203" pitchFamily="34" charset="0"/>
-                <a:cs typeface="Shonar Bangla" panose="020B0502040204020203" pitchFamily="34" charset="0"/>
-              </a:rPr>
-              <a:t>make_tuple</a:t>
-            </a:r>
-            <a:r>
-              <a:rPr lang="en-US" altLang="zh-CN" sz="2000" dirty="0">
-                <a:solidFill>
-                  <a:srgbClr val="FF0000"/>
-                </a:solidFill>
-                <a:latin typeface="Shonar Bangla" panose="020B0502040204020203" pitchFamily="34" charset="0"/>
-                <a:cs typeface="Shonar Bangla" panose="020B0502040204020203" pitchFamily="34" charset="0"/>
-              </a:rPr>
-              <a:t>(</a:t>
-            </a:r>
-            <a:r>
-              <a:rPr lang="en-US" altLang="zh-CN" sz="2000" dirty="0" err="1">
-                <a:solidFill>
-                  <a:srgbClr val="FF0000"/>
-                </a:solidFill>
-                <a:latin typeface="Shonar Bangla" panose="020B0502040204020203" pitchFamily="34" charset="0"/>
-                <a:cs typeface="Shonar Bangla" panose="020B0502040204020203" pitchFamily="34" charset="0"/>
-              </a:rPr>
-              <a:t>parser.get</a:t>
-            </a:r>
-            <a:r>
-              <a:rPr lang="en-US" altLang="zh-CN" sz="2000" dirty="0">
-                <a:solidFill>
-                  <a:srgbClr val="FF0000"/>
-                </a:solidFill>
-                <a:latin typeface="Shonar Bangla" panose="020B0502040204020203" pitchFamily="34" charset="0"/>
-                <a:cs typeface="Shonar Bangla" panose="020B0502040204020203" pitchFamily="34" charset="0"/>
-              </a:rPr>
-              <a:t>&lt;</a:t>
-            </a:r>
-            <a:r>
-              <a:rPr lang="en-US" altLang="zh-CN" sz="2000" dirty="0" err="1">
-                <a:solidFill>
-                  <a:srgbClr val="FF0000"/>
-                </a:solidFill>
-                <a:latin typeface="Shonar Bangla" panose="020B0502040204020203" pitchFamily="34" charset="0"/>
-                <a:cs typeface="Shonar Bangla" panose="020B0502040204020203" pitchFamily="34" charset="0"/>
-              </a:rPr>
-              <a:t>arg_type</a:t>
-            </a:r>
-            <a:r>
-              <a:rPr lang="en-US" altLang="zh-CN" sz="2000" dirty="0">
-                <a:solidFill>
-                  <a:srgbClr val="FF0000"/>
-                </a:solidFill>
-                <a:latin typeface="Shonar Bangla" panose="020B0502040204020203" pitchFamily="34" charset="0"/>
-                <a:cs typeface="Shonar Bangla" panose="020B0502040204020203" pitchFamily="34" charset="0"/>
-              </a:rPr>
-              <a:t>&gt;())</a:t>
-            </a:r>
-            <a:r>
-              <a:rPr lang="en-US" altLang="zh-CN" sz="2000" dirty="0">
-                <a:latin typeface="Shonar Bangla" panose="020B0502040204020203" pitchFamily="34" charset="0"/>
-                <a:cs typeface="Shonar Bangla" panose="020B0502040204020203" pitchFamily="34" charset="0"/>
-              </a:rPr>
-              <a:t>));</a:t>
-            </a:r>
-          </a:p>
-          <a:p>
-            <a:r>
-              <a:rPr lang="en-US" altLang="zh-CN" sz="2000" dirty="0" smtClean="0">
-                <a:latin typeface="Shonar Bangla" panose="020B0502040204020203" pitchFamily="34" charset="0"/>
-                <a:cs typeface="Shonar Bangla" panose="020B0502040204020203" pitchFamily="34" charset="0"/>
-              </a:rPr>
-              <a:t>    }</a:t>
-            </a:r>
-            <a:endParaRPr lang="en-US" altLang="zh-CN" sz="2000" dirty="0">
-              <a:latin typeface="Shonar Bangla" panose="020B0502040204020203" pitchFamily="34" charset="0"/>
-              <a:cs typeface="Shonar Bangla" panose="020B0502040204020203" pitchFamily="34" charset="0"/>
-            </a:endParaRPr>
-          </a:p>
-          <a:p>
-            <a:r>
-              <a:rPr lang="en-US" altLang="zh-CN" sz="2000" dirty="0">
-                <a:latin typeface="Shonar Bangla" panose="020B0502040204020203" pitchFamily="34" charset="0"/>
-                <a:cs typeface="Shonar Bangla" panose="020B0502040204020203" pitchFamily="34" charset="0"/>
-              </a:rPr>
+              <a:rPr lang="en-US" altLang="zh-CN" dirty="0"/>
+              <a:t>::string, </a:t>
+            </a:r>
+            <a:r>
+              <a:rPr lang="en-US" altLang="zh-CN" dirty="0" err="1"/>
+              <a:t>invoker_function</a:t>
+            </a:r>
+            <a:r>
+              <a:rPr lang="en-US" altLang="zh-CN" dirty="0"/>
+              <a:t>&gt; invokers_;</a:t>
+            </a:r>
+          </a:p>
+          <a:p>
+            <a:r>
+              <a:rPr lang="en-US" altLang="zh-CN" dirty="0"/>
               <a:t>};</a:t>
             </a:r>
-          </a:p>
-          <a:p>
             <a:endParaRPr lang="zh-CN" altLang="en-US" dirty="0"/>
           </a:p>
         </p:txBody>
@@ -22253,7 +21073,7 @@
     </p:spTree>
     <p:extLst>
       <p:ext uri="{BB962C8B-B14F-4D97-AF65-F5344CB8AC3E}">
-        <p14:creationId xmlns:p14="http://schemas.microsoft.com/office/powerpoint/2010/main" val="2717181773"/>
+        <p14:creationId xmlns:p14="http://schemas.microsoft.com/office/powerpoint/2010/main" val="2728434006"/>
       </p:ext>
     </p:extLst>
   </p:cSld>
@@ -22302,7 +21122,693 @@
           <a:bodyPr/>
           <a:lstStyle/>
           <a:p>
-            <a:endParaRPr lang="zh-CN" altLang="en-US"/>
+            <a:r>
+              <a:rPr lang="en-US" altLang="zh-CN" dirty="0"/>
+              <a:t>How to </a:t>
+            </a:r>
+            <a:r>
+              <a:rPr lang="en-US" altLang="zh-CN" dirty="0" smtClean="0"/>
+              <a:t>route to </a:t>
+            </a:r>
+            <a:r>
+              <a:rPr lang="en-US" altLang="zh-CN" dirty="0"/>
+              <a:t>the correct handler</a:t>
+            </a:r>
+            <a:endParaRPr lang="zh-CN" altLang="en-US" dirty="0"/>
+          </a:p>
+        </p:txBody>
+      </p:sp>
+      <p:sp>
+        <p:nvSpPr>
+          <p:cNvPr id="3" name="文本占位符 2"/>
+          <p:cNvSpPr>
+            <a:spLocks noGrp="1"/>
+          </p:cNvSpPr>
+          <p:nvPr>
+            <p:ph type="body" sz="half" idx="2"/>
+          </p:nvPr>
+        </p:nvSpPr>
+        <p:spPr/>
+        <p:txBody>
+          <a:bodyPr/>
+          <a:lstStyle/>
+          <a:p>
+            <a:r>
+              <a:rPr lang="en-US" altLang="zh-CN" sz="2000" dirty="0" smtClean="0">
+                <a:latin typeface="Shonar Bangla" panose="020B0502040204020203" pitchFamily="34" charset="0"/>
+                <a:cs typeface="Shonar Bangla" panose="020B0502040204020203" pitchFamily="34" charset="0"/>
+              </a:rPr>
+              <a:t>template&lt;</a:t>
+            </a:r>
+            <a:r>
+              <a:rPr lang="en-US" altLang="zh-CN" sz="2000" dirty="0" err="1" smtClean="0">
+                <a:latin typeface="Shonar Bangla" panose="020B0502040204020203" pitchFamily="34" charset="0"/>
+                <a:cs typeface="Shonar Bangla" panose="020B0502040204020203" pitchFamily="34" charset="0"/>
+              </a:rPr>
+              <a:t>typename</a:t>
+            </a:r>
+            <a:r>
+              <a:rPr lang="en-US" altLang="zh-CN" sz="2000" dirty="0" smtClean="0">
+                <a:latin typeface="Shonar Bangla" panose="020B0502040204020203" pitchFamily="34" charset="0"/>
+                <a:cs typeface="Shonar Bangla" panose="020B0502040204020203" pitchFamily="34" charset="0"/>
+              </a:rPr>
+              <a:t> </a:t>
+            </a:r>
+            <a:r>
+              <a:rPr lang="en-US" altLang="zh-CN" sz="2000" dirty="0">
+                <a:latin typeface="Shonar Bangla" panose="020B0502040204020203" pitchFamily="34" charset="0"/>
+                <a:cs typeface="Shonar Bangla" panose="020B0502040204020203" pitchFamily="34" charset="0"/>
+              </a:rPr>
+              <a:t>Function, </a:t>
+            </a:r>
+            <a:r>
+              <a:rPr lang="en-US" altLang="zh-CN" sz="2000" dirty="0" err="1">
+                <a:latin typeface="Shonar Bangla" panose="020B0502040204020203" pitchFamily="34" charset="0"/>
+                <a:cs typeface="Shonar Bangla" panose="020B0502040204020203" pitchFamily="34" charset="0"/>
+              </a:rPr>
+              <a:t>size_t</a:t>
+            </a:r>
+            <a:r>
+              <a:rPr lang="en-US" altLang="zh-CN" sz="2000" dirty="0">
+                <a:latin typeface="Shonar Bangla" panose="020B0502040204020203" pitchFamily="34" charset="0"/>
+                <a:cs typeface="Shonar Bangla" panose="020B0502040204020203" pitchFamily="34" charset="0"/>
+              </a:rPr>
+              <a:t> N = 0, </a:t>
+            </a:r>
+            <a:r>
+              <a:rPr lang="en-US" altLang="zh-CN" sz="2000" dirty="0" err="1">
+                <a:latin typeface="Shonar Bangla" panose="020B0502040204020203" pitchFamily="34" charset="0"/>
+                <a:cs typeface="Shonar Bangla" panose="020B0502040204020203" pitchFamily="34" charset="0"/>
+              </a:rPr>
+              <a:t>size_t</a:t>
+            </a:r>
+            <a:r>
+              <a:rPr lang="en-US" altLang="zh-CN" sz="2000" dirty="0">
+                <a:latin typeface="Shonar Bangla" panose="020B0502040204020203" pitchFamily="34" charset="0"/>
+                <a:cs typeface="Shonar Bangla" panose="020B0502040204020203" pitchFamily="34" charset="0"/>
+              </a:rPr>
+              <a:t> M </a:t>
+            </a:r>
+            <a:r>
+              <a:rPr lang="en-US" altLang="zh-CN" sz="2000" dirty="0" smtClean="0">
+                <a:latin typeface="Shonar Bangla" panose="020B0502040204020203" pitchFamily="34" charset="0"/>
+                <a:cs typeface="Shonar Bangla" panose="020B0502040204020203" pitchFamily="34" charset="0"/>
+              </a:rPr>
+              <a:t>= </a:t>
+            </a:r>
+            <a:r>
+              <a:rPr lang="en-US" altLang="zh-CN" sz="2000" dirty="0" err="1" smtClean="0">
+                <a:latin typeface="Shonar Bangla" panose="020B0502040204020203" pitchFamily="34" charset="0"/>
+                <a:cs typeface="Shonar Bangla" panose="020B0502040204020203" pitchFamily="34" charset="0"/>
+              </a:rPr>
+              <a:t>function_traits</a:t>
+            </a:r>
+            <a:r>
+              <a:rPr lang="en-US" altLang="zh-CN" sz="2000" dirty="0" smtClean="0">
+                <a:latin typeface="Shonar Bangla" panose="020B0502040204020203" pitchFamily="34" charset="0"/>
+                <a:cs typeface="Shonar Bangla" panose="020B0502040204020203" pitchFamily="34" charset="0"/>
+              </a:rPr>
+              <a:t>&lt;Function</a:t>
+            </a:r>
+            <a:r>
+              <a:rPr lang="en-US" altLang="zh-CN" sz="2000" dirty="0">
+                <a:latin typeface="Shonar Bangla" panose="020B0502040204020203" pitchFamily="34" charset="0"/>
+                <a:cs typeface="Shonar Bangla" panose="020B0502040204020203" pitchFamily="34" charset="0"/>
+              </a:rPr>
+              <a:t>&gt;::arity&gt;</a:t>
+            </a:r>
+          </a:p>
+          <a:p>
+            <a:r>
+              <a:rPr lang="en-US" altLang="zh-CN" sz="2000" dirty="0" err="1">
+                <a:latin typeface="Shonar Bangla" panose="020B0502040204020203" pitchFamily="34" charset="0"/>
+                <a:cs typeface="Shonar Bangla" panose="020B0502040204020203" pitchFamily="34" charset="0"/>
+              </a:rPr>
+              <a:t>struct</a:t>
+            </a:r>
+            <a:r>
+              <a:rPr lang="en-US" altLang="zh-CN" sz="2000" dirty="0">
+                <a:latin typeface="Shonar Bangla" panose="020B0502040204020203" pitchFamily="34" charset="0"/>
+                <a:cs typeface="Shonar Bangla" panose="020B0502040204020203" pitchFamily="34" charset="0"/>
+              </a:rPr>
+              <a:t> </a:t>
+            </a:r>
+            <a:r>
+              <a:rPr lang="en-US" altLang="zh-CN" sz="2000" dirty="0" smtClean="0">
+                <a:latin typeface="Shonar Bangla" panose="020B0502040204020203" pitchFamily="34" charset="0"/>
+                <a:cs typeface="Shonar Bangla" panose="020B0502040204020203" pitchFamily="34" charset="0"/>
+              </a:rPr>
+              <a:t>invoker{</a:t>
+            </a:r>
+            <a:endParaRPr lang="en-US" altLang="zh-CN" sz="2000" dirty="0">
+              <a:latin typeface="Shonar Bangla" panose="020B0502040204020203" pitchFamily="34" charset="0"/>
+              <a:cs typeface="Shonar Bangla" panose="020B0502040204020203" pitchFamily="34" charset="0"/>
+            </a:endParaRPr>
+          </a:p>
+          <a:p>
+            <a:r>
+              <a:rPr lang="en-US" altLang="zh-CN" sz="2000" dirty="0" smtClean="0">
+                <a:latin typeface="Shonar Bangla" panose="020B0502040204020203" pitchFamily="34" charset="0"/>
+                <a:cs typeface="Shonar Bangla" panose="020B0502040204020203" pitchFamily="34" charset="0"/>
+              </a:rPr>
+              <a:t>    template&lt;</a:t>
+            </a:r>
+            <a:r>
+              <a:rPr lang="en-US" altLang="zh-CN" sz="2000" dirty="0" err="1" smtClean="0">
+                <a:latin typeface="Shonar Bangla" panose="020B0502040204020203" pitchFamily="34" charset="0"/>
+                <a:cs typeface="Shonar Bangla" panose="020B0502040204020203" pitchFamily="34" charset="0"/>
+              </a:rPr>
+              <a:t>typename</a:t>
+            </a:r>
+            <a:r>
+              <a:rPr lang="en-US" altLang="zh-CN" sz="2000" dirty="0" smtClean="0">
+                <a:latin typeface="Shonar Bangla" panose="020B0502040204020203" pitchFamily="34" charset="0"/>
+                <a:cs typeface="Shonar Bangla" panose="020B0502040204020203" pitchFamily="34" charset="0"/>
+              </a:rPr>
+              <a:t> </a:t>
+            </a:r>
+            <a:r>
+              <a:rPr lang="en-US" altLang="zh-CN" sz="2000" dirty="0" err="1">
+                <a:latin typeface="Shonar Bangla" panose="020B0502040204020203" pitchFamily="34" charset="0"/>
+                <a:cs typeface="Shonar Bangla" panose="020B0502040204020203" pitchFamily="34" charset="0"/>
+              </a:rPr>
+              <a:t>Args</a:t>
+            </a:r>
+            <a:r>
+              <a:rPr lang="en-US" altLang="zh-CN" sz="2000" dirty="0">
+                <a:latin typeface="Shonar Bangla" panose="020B0502040204020203" pitchFamily="34" charset="0"/>
+                <a:cs typeface="Shonar Bangla" panose="020B0502040204020203" pitchFamily="34" charset="0"/>
+              </a:rPr>
+              <a:t>&gt;</a:t>
+            </a:r>
+          </a:p>
+          <a:p>
+            <a:r>
+              <a:rPr lang="en-US" altLang="zh-CN" sz="2000" dirty="0" smtClean="0">
+                <a:latin typeface="Shonar Bangla" panose="020B0502040204020203" pitchFamily="34" charset="0"/>
+                <a:cs typeface="Shonar Bangla" panose="020B0502040204020203" pitchFamily="34" charset="0"/>
+              </a:rPr>
+              <a:t>    static void </a:t>
+            </a:r>
+            <a:r>
+              <a:rPr lang="en-US" altLang="zh-CN" sz="2000" dirty="0">
+                <a:latin typeface="Shonar Bangla" panose="020B0502040204020203" pitchFamily="34" charset="0"/>
+                <a:cs typeface="Shonar Bangla" panose="020B0502040204020203" pitchFamily="34" charset="0"/>
+              </a:rPr>
+              <a:t>apply(</a:t>
+            </a:r>
+            <a:r>
+              <a:rPr lang="en-US" altLang="zh-CN" sz="2000" dirty="0" err="1">
+                <a:latin typeface="Shonar Bangla" panose="020B0502040204020203" pitchFamily="34" charset="0"/>
+                <a:cs typeface="Shonar Bangla" panose="020B0502040204020203" pitchFamily="34" charset="0"/>
+              </a:rPr>
+              <a:t>const</a:t>
+            </a:r>
+            <a:r>
+              <a:rPr lang="en-US" altLang="zh-CN" sz="2000" dirty="0">
+                <a:latin typeface="Shonar Bangla" panose="020B0502040204020203" pitchFamily="34" charset="0"/>
+                <a:cs typeface="Shonar Bangla" panose="020B0502040204020203" pitchFamily="34" charset="0"/>
+              </a:rPr>
+              <a:t> Function&amp; </a:t>
+            </a:r>
+            <a:r>
+              <a:rPr lang="en-US" altLang="zh-CN" sz="2000" dirty="0" err="1">
+                <a:latin typeface="Shonar Bangla" panose="020B0502040204020203" pitchFamily="34" charset="0"/>
+                <a:cs typeface="Shonar Bangla" panose="020B0502040204020203" pitchFamily="34" charset="0"/>
+              </a:rPr>
+              <a:t>func</a:t>
+            </a:r>
+            <a:r>
+              <a:rPr lang="en-US" altLang="zh-CN" sz="2000" dirty="0">
+                <a:latin typeface="Shonar Bangla" panose="020B0502040204020203" pitchFamily="34" charset="0"/>
+                <a:cs typeface="Shonar Bangla" panose="020B0502040204020203" pitchFamily="34" charset="0"/>
+              </a:rPr>
+              <a:t>, </a:t>
+            </a:r>
+            <a:r>
+              <a:rPr lang="en-US" altLang="zh-CN" sz="2000" dirty="0" err="1">
+                <a:latin typeface="Shonar Bangla" panose="020B0502040204020203" pitchFamily="34" charset="0"/>
+                <a:cs typeface="Shonar Bangla" panose="020B0502040204020203" pitchFamily="34" charset="0"/>
+              </a:rPr>
+              <a:t>token_parser</a:t>
+            </a:r>
+            <a:r>
+              <a:rPr lang="en-US" altLang="zh-CN" sz="2000" dirty="0">
+                <a:latin typeface="Shonar Bangla" panose="020B0502040204020203" pitchFamily="34" charset="0"/>
+                <a:cs typeface="Shonar Bangla" panose="020B0502040204020203" pitchFamily="34" charset="0"/>
+              </a:rPr>
+              <a:t> </a:t>
+            </a:r>
+            <a:r>
+              <a:rPr lang="en-US" altLang="zh-CN" sz="2000" dirty="0" smtClean="0">
+                <a:latin typeface="Shonar Bangla" panose="020B0502040204020203" pitchFamily="34" charset="0"/>
+                <a:cs typeface="Shonar Bangla" panose="020B0502040204020203" pitchFamily="34" charset="0"/>
+              </a:rPr>
+              <a:t>parser</a:t>
+            </a:r>
+            <a:r>
+              <a:rPr lang="en-US" altLang="zh-CN" sz="2000" dirty="0">
+                <a:latin typeface="Shonar Bangla" panose="020B0502040204020203" pitchFamily="34" charset="0"/>
+                <a:cs typeface="Shonar Bangla" panose="020B0502040204020203" pitchFamily="34" charset="0"/>
+              </a:rPr>
+              <a:t>, </a:t>
+            </a:r>
+            <a:r>
+              <a:rPr lang="en-US" altLang="zh-CN" sz="2000" dirty="0" err="1">
+                <a:latin typeface="Shonar Bangla" panose="020B0502040204020203" pitchFamily="34" charset="0"/>
+                <a:cs typeface="Shonar Bangla" panose="020B0502040204020203" pitchFamily="34" charset="0"/>
+              </a:rPr>
+              <a:t>Args</a:t>
+            </a:r>
+            <a:r>
+              <a:rPr lang="en-US" altLang="zh-CN" sz="2000" dirty="0">
+                <a:latin typeface="Shonar Bangla" panose="020B0502040204020203" pitchFamily="34" charset="0"/>
+                <a:cs typeface="Shonar Bangla" panose="020B0502040204020203" pitchFamily="34" charset="0"/>
+              </a:rPr>
+              <a:t> </a:t>
+            </a:r>
+            <a:r>
+              <a:rPr lang="en-US" altLang="zh-CN" sz="2000" dirty="0" err="1">
+                <a:latin typeface="Shonar Bangla" panose="020B0502040204020203" pitchFamily="34" charset="0"/>
+                <a:cs typeface="Shonar Bangla" panose="020B0502040204020203" pitchFamily="34" charset="0"/>
+              </a:rPr>
+              <a:t>const</a:t>
+            </a:r>
+            <a:r>
+              <a:rPr lang="en-US" altLang="zh-CN" sz="2000" dirty="0">
+                <a:latin typeface="Shonar Bangla" panose="020B0502040204020203" pitchFamily="34" charset="0"/>
+                <a:cs typeface="Shonar Bangla" panose="020B0502040204020203" pitchFamily="34" charset="0"/>
+              </a:rPr>
+              <a:t> &amp; </a:t>
+            </a:r>
+            <a:r>
+              <a:rPr lang="en-US" altLang="zh-CN" sz="2000" dirty="0" err="1">
+                <a:latin typeface="Shonar Bangla" panose="020B0502040204020203" pitchFamily="34" charset="0"/>
+                <a:cs typeface="Shonar Bangla" panose="020B0502040204020203" pitchFamily="34" charset="0"/>
+              </a:rPr>
+              <a:t>args</a:t>
+            </a:r>
+            <a:r>
+              <a:rPr lang="en-US" altLang="zh-CN" sz="2000" dirty="0" smtClean="0">
+                <a:latin typeface="Shonar Bangla" panose="020B0502040204020203" pitchFamily="34" charset="0"/>
+                <a:cs typeface="Shonar Bangla" panose="020B0502040204020203" pitchFamily="34" charset="0"/>
+              </a:rPr>
+              <a:t>){</a:t>
+            </a:r>
+          </a:p>
+          <a:p>
+            <a:r>
+              <a:rPr lang="en-US" altLang="zh-CN" sz="2000" dirty="0" smtClean="0">
+                <a:latin typeface="Shonar Bangla" panose="020B0502040204020203" pitchFamily="34" charset="0"/>
+                <a:cs typeface="Shonar Bangla" panose="020B0502040204020203" pitchFamily="34" charset="0"/>
+              </a:rPr>
+              <a:t>        </a:t>
+            </a:r>
+            <a:r>
+              <a:rPr lang="en-US" altLang="zh-CN" sz="2000" dirty="0" err="1" smtClean="0">
+                <a:solidFill>
+                  <a:srgbClr val="FF0000"/>
+                </a:solidFill>
+                <a:latin typeface="Shonar Bangla" panose="020B0502040204020203" pitchFamily="34" charset="0"/>
+                <a:cs typeface="Shonar Bangla" panose="020B0502040204020203" pitchFamily="34" charset="0"/>
+              </a:rPr>
+              <a:t>typedef</a:t>
+            </a:r>
+            <a:r>
+              <a:rPr lang="en-US" altLang="zh-CN" sz="2000" dirty="0" smtClean="0">
+                <a:solidFill>
+                  <a:srgbClr val="FF0000"/>
+                </a:solidFill>
+                <a:latin typeface="Shonar Bangla" panose="020B0502040204020203" pitchFamily="34" charset="0"/>
+                <a:cs typeface="Shonar Bangla" panose="020B0502040204020203" pitchFamily="34" charset="0"/>
+              </a:rPr>
+              <a:t> </a:t>
+            </a:r>
+            <a:r>
+              <a:rPr lang="en-US" altLang="zh-CN" sz="2000" dirty="0" err="1">
+                <a:solidFill>
+                  <a:srgbClr val="FF0000"/>
+                </a:solidFill>
+                <a:latin typeface="Shonar Bangla" panose="020B0502040204020203" pitchFamily="34" charset="0"/>
+                <a:cs typeface="Shonar Bangla" panose="020B0502040204020203" pitchFamily="34" charset="0"/>
+              </a:rPr>
+              <a:t>typename</a:t>
+            </a:r>
+            <a:r>
+              <a:rPr lang="en-US" altLang="zh-CN" sz="2000" dirty="0">
+                <a:solidFill>
+                  <a:srgbClr val="FF0000"/>
+                </a:solidFill>
+                <a:latin typeface="Shonar Bangla" panose="020B0502040204020203" pitchFamily="34" charset="0"/>
+                <a:cs typeface="Shonar Bangla" panose="020B0502040204020203" pitchFamily="34" charset="0"/>
+              </a:rPr>
+              <a:t> </a:t>
+            </a:r>
+            <a:r>
+              <a:rPr lang="en-US" altLang="zh-CN" sz="2000" dirty="0" err="1">
+                <a:solidFill>
+                  <a:srgbClr val="FF0000"/>
+                </a:solidFill>
+                <a:latin typeface="Shonar Bangla" panose="020B0502040204020203" pitchFamily="34" charset="0"/>
+                <a:cs typeface="Shonar Bangla" panose="020B0502040204020203" pitchFamily="34" charset="0"/>
+              </a:rPr>
+              <a:t>function_traits</a:t>
+            </a:r>
+            <a:r>
+              <a:rPr lang="en-US" altLang="zh-CN" sz="2000" dirty="0">
+                <a:solidFill>
+                  <a:srgbClr val="FF0000"/>
+                </a:solidFill>
+                <a:latin typeface="Shonar Bangla" panose="020B0502040204020203" pitchFamily="34" charset="0"/>
+                <a:cs typeface="Shonar Bangla" panose="020B0502040204020203" pitchFamily="34" charset="0"/>
+              </a:rPr>
+              <a:t>&lt;Function&gt;::template </a:t>
+            </a:r>
+            <a:r>
+              <a:rPr lang="en-US" altLang="zh-CN" sz="2000" dirty="0" err="1">
+                <a:solidFill>
+                  <a:srgbClr val="FF0000"/>
+                </a:solidFill>
+                <a:latin typeface="Shonar Bangla" panose="020B0502040204020203" pitchFamily="34" charset="0"/>
+                <a:cs typeface="Shonar Bangla" panose="020B0502040204020203" pitchFamily="34" charset="0"/>
+              </a:rPr>
+              <a:t>args</a:t>
+            </a:r>
+            <a:r>
+              <a:rPr lang="en-US" altLang="zh-CN" sz="2000" dirty="0">
+                <a:solidFill>
+                  <a:srgbClr val="FF0000"/>
+                </a:solidFill>
+                <a:latin typeface="Shonar Bangla" panose="020B0502040204020203" pitchFamily="34" charset="0"/>
+                <a:cs typeface="Shonar Bangla" panose="020B0502040204020203" pitchFamily="34" charset="0"/>
+              </a:rPr>
+              <a:t>&lt;N&gt;::type </a:t>
+            </a:r>
+            <a:r>
+              <a:rPr lang="en-US" altLang="zh-CN" sz="2000" dirty="0" err="1">
+                <a:solidFill>
+                  <a:srgbClr val="FF0000"/>
+                </a:solidFill>
+                <a:latin typeface="Shonar Bangla" panose="020B0502040204020203" pitchFamily="34" charset="0"/>
+                <a:cs typeface="Shonar Bangla" panose="020B0502040204020203" pitchFamily="34" charset="0"/>
+              </a:rPr>
+              <a:t>arg_type</a:t>
+            </a:r>
+            <a:r>
+              <a:rPr lang="en-US" altLang="zh-CN" sz="2000" dirty="0">
+                <a:solidFill>
+                  <a:srgbClr val="FF0000"/>
+                </a:solidFill>
+                <a:latin typeface="Shonar Bangla" panose="020B0502040204020203" pitchFamily="34" charset="0"/>
+                <a:cs typeface="Shonar Bangla" panose="020B0502040204020203" pitchFamily="34" charset="0"/>
+              </a:rPr>
+              <a:t>;</a:t>
+            </a:r>
+          </a:p>
+          <a:p>
+            <a:r>
+              <a:rPr lang="en-US" altLang="zh-CN" sz="2000" dirty="0" smtClean="0">
+                <a:latin typeface="Shonar Bangla" panose="020B0502040204020203" pitchFamily="34" charset="0"/>
+                <a:cs typeface="Shonar Bangla" panose="020B0502040204020203" pitchFamily="34" charset="0"/>
+              </a:rPr>
+              <a:t>        router</a:t>
+            </a:r>
+            <a:r>
+              <a:rPr lang="en-US" altLang="zh-CN" sz="2000" dirty="0">
+                <a:latin typeface="Shonar Bangla" panose="020B0502040204020203" pitchFamily="34" charset="0"/>
+                <a:cs typeface="Shonar Bangla" panose="020B0502040204020203" pitchFamily="34" charset="0"/>
+              </a:rPr>
+              <a:t>::invoker&lt;Function, N + 1, M&gt;::</a:t>
+            </a:r>
+            <a:r>
+              <a:rPr lang="en-US" altLang="zh-CN" sz="2000" b="1" dirty="0">
+                <a:latin typeface="Shonar Bangla" panose="020B0502040204020203" pitchFamily="34" charset="0"/>
+                <a:cs typeface="Shonar Bangla" panose="020B0502040204020203" pitchFamily="34" charset="0"/>
+              </a:rPr>
+              <a:t>apply</a:t>
+            </a:r>
+            <a:r>
+              <a:rPr lang="en-US" altLang="zh-CN" sz="2000" dirty="0">
+                <a:latin typeface="Shonar Bangla" panose="020B0502040204020203" pitchFamily="34" charset="0"/>
+                <a:cs typeface="Shonar Bangla" panose="020B0502040204020203" pitchFamily="34" charset="0"/>
+              </a:rPr>
+              <a:t>(</a:t>
+            </a:r>
+            <a:r>
+              <a:rPr lang="en-US" altLang="zh-CN" sz="2000" dirty="0" err="1">
+                <a:latin typeface="Shonar Bangla" panose="020B0502040204020203" pitchFamily="34" charset="0"/>
+                <a:cs typeface="Shonar Bangla" panose="020B0502040204020203" pitchFamily="34" charset="0"/>
+              </a:rPr>
+              <a:t>func</a:t>
+            </a:r>
+            <a:r>
+              <a:rPr lang="en-US" altLang="zh-CN" sz="2000" dirty="0">
+                <a:latin typeface="Shonar Bangla" panose="020B0502040204020203" pitchFamily="34" charset="0"/>
+                <a:cs typeface="Shonar Bangla" panose="020B0502040204020203" pitchFamily="34" charset="0"/>
+              </a:rPr>
+              <a:t>, parser,</a:t>
+            </a:r>
+          </a:p>
+          <a:p>
+            <a:r>
+              <a:rPr lang="en-US" altLang="zh-CN" sz="2000" dirty="0" smtClean="0">
+                <a:latin typeface="Shonar Bangla" panose="020B0502040204020203" pitchFamily="34" charset="0"/>
+                <a:cs typeface="Shonar Bangla" panose="020B0502040204020203" pitchFamily="34" charset="0"/>
+              </a:rPr>
+              <a:t>            </a:t>
+            </a:r>
+            <a:r>
+              <a:rPr lang="en-US" altLang="zh-CN" sz="2000" dirty="0" err="1" smtClean="0">
+                <a:solidFill>
+                  <a:srgbClr val="FF0000"/>
+                </a:solidFill>
+                <a:latin typeface="Shonar Bangla" panose="020B0502040204020203" pitchFamily="34" charset="0"/>
+                <a:cs typeface="Shonar Bangla" panose="020B0502040204020203" pitchFamily="34" charset="0"/>
+              </a:rPr>
+              <a:t>std</a:t>
+            </a:r>
+            <a:r>
+              <a:rPr lang="en-US" altLang="zh-CN" sz="2000" dirty="0">
+                <a:solidFill>
+                  <a:srgbClr val="FF0000"/>
+                </a:solidFill>
+                <a:latin typeface="Shonar Bangla" panose="020B0502040204020203" pitchFamily="34" charset="0"/>
+                <a:cs typeface="Shonar Bangla" panose="020B0502040204020203" pitchFamily="34" charset="0"/>
+              </a:rPr>
+              <a:t>::</a:t>
+            </a:r>
+            <a:r>
+              <a:rPr lang="en-US" altLang="zh-CN" sz="2000" dirty="0" err="1">
+                <a:solidFill>
+                  <a:srgbClr val="FF0000"/>
+                </a:solidFill>
+                <a:latin typeface="Shonar Bangla" panose="020B0502040204020203" pitchFamily="34" charset="0"/>
+                <a:cs typeface="Shonar Bangla" panose="020B0502040204020203" pitchFamily="34" charset="0"/>
+              </a:rPr>
+              <a:t>tuple_cat</a:t>
+            </a:r>
+            <a:r>
+              <a:rPr lang="en-US" altLang="zh-CN" sz="2000" dirty="0">
+                <a:solidFill>
+                  <a:srgbClr val="FF0000"/>
+                </a:solidFill>
+                <a:latin typeface="Shonar Bangla" panose="020B0502040204020203" pitchFamily="34" charset="0"/>
+                <a:cs typeface="Shonar Bangla" panose="020B0502040204020203" pitchFamily="34" charset="0"/>
+              </a:rPr>
+              <a:t>(</a:t>
+            </a:r>
+            <a:r>
+              <a:rPr lang="en-US" altLang="zh-CN" sz="2000" dirty="0" err="1">
+                <a:solidFill>
+                  <a:srgbClr val="FF0000"/>
+                </a:solidFill>
+                <a:latin typeface="Shonar Bangla" panose="020B0502040204020203" pitchFamily="34" charset="0"/>
+                <a:cs typeface="Shonar Bangla" panose="020B0502040204020203" pitchFamily="34" charset="0"/>
+              </a:rPr>
+              <a:t>args</a:t>
+            </a:r>
+            <a:r>
+              <a:rPr lang="en-US" altLang="zh-CN" sz="2000" dirty="0">
+                <a:solidFill>
+                  <a:srgbClr val="FF0000"/>
+                </a:solidFill>
+                <a:latin typeface="Shonar Bangla" panose="020B0502040204020203" pitchFamily="34" charset="0"/>
+                <a:cs typeface="Shonar Bangla" panose="020B0502040204020203" pitchFamily="34" charset="0"/>
+              </a:rPr>
+              <a:t>, </a:t>
+            </a:r>
+            <a:r>
+              <a:rPr lang="en-US" altLang="zh-CN" sz="2000" dirty="0" err="1">
+                <a:solidFill>
+                  <a:srgbClr val="FF0000"/>
+                </a:solidFill>
+                <a:latin typeface="Shonar Bangla" panose="020B0502040204020203" pitchFamily="34" charset="0"/>
+                <a:cs typeface="Shonar Bangla" panose="020B0502040204020203" pitchFamily="34" charset="0"/>
+              </a:rPr>
+              <a:t>std</a:t>
+            </a:r>
+            <a:r>
+              <a:rPr lang="en-US" altLang="zh-CN" sz="2000" dirty="0">
+                <a:solidFill>
+                  <a:srgbClr val="FF0000"/>
+                </a:solidFill>
+                <a:latin typeface="Shonar Bangla" panose="020B0502040204020203" pitchFamily="34" charset="0"/>
+                <a:cs typeface="Shonar Bangla" panose="020B0502040204020203" pitchFamily="34" charset="0"/>
+              </a:rPr>
+              <a:t>::</a:t>
+            </a:r>
+            <a:r>
+              <a:rPr lang="en-US" altLang="zh-CN" sz="2000" dirty="0" err="1">
+                <a:solidFill>
+                  <a:srgbClr val="FF0000"/>
+                </a:solidFill>
+                <a:latin typeface="Shonar Bangla" panose="020B0502040204020203" pitchFamily="34" charset="0"/>
+                <a:cs typeface="Shonar Bangla" panose="020B0502040204020203" pitchFamily="34" charset="0"/>
+              </a:rPr>
+              <a:t>make_tuple</a:t>
+            </a:r>
+            <a:r>
+              <a:rPr lang="en-US" altLang="zh-CN" sz="2000" dirty="0">
+                <a:solidFill>
+                  <a:srgbClr val="FF0000"/>
+                </a:solidFill>
+                <a:latin typeface="Shonar Bangla" panose="020B0502040204020203" pitchFamily="34" charset="0"/>
+                <a:cs typeface="Shonar Bangla" panose="020B0502040204020203" pitchFamily="34" charset="0"/>
+              </a:rPr>
+              <a:t>(</a:t>
+            </a:r>
+            <a:r>
+              <a:rPr lang="en-US" altLang="zh-CN" sz="2000" dirty="0" err="1">
+                <a:solidFill>
+                  <a:srgbClr val="FF0000"/>
+                </a:solidFill>
+                <a:latin typeface="Shonar Bangla" panose="020B0502040204020203" pitchFamily="34" charset="0"/>
+                <a:cs typeface="Shonar Bangla" panose="020B0502040204020203" pitchFamily="34" charset="0"/>
+              </a:rPr>
+              <a:t>parser.get</a:t>
+            </a:r>
+            <a:r>
+              <a:rPr lang="en-US" altLang="zh-CN" sz="2000" dirty="0">
+                <a:solidFill>
+                  <a:srgbClr val="FF0000"/>
+                </a:solidFill>
+                <a:latin typeface="Shonar Bangla" panose="020B0502040204020203" pitchFamily="34" charset="0"/>
+                <a:cs typeface="Shonar Bangla" panose="020B0502040204020203" pitchFamily="34" charset="0"/>
+              </a:rPr>
+              <a:t>&lt;</a:t>
+            </a:r>
+            <a:r>
+              <a:rPr lang="en-US" altLang="zh-CN" sz="2000" dirty="0" err="1">
+                <a:solidFill>
+                  <a:srgbClr val="FF0000"/>
+                </a:solidFill>
+                <a:latin typeface="Shonar Bangla" panose="020B0502040204020203" pitchFamily="34" charset="0"/>
+                <a:cs typeface="Shonar Bangla" panose="020B0502040204020203" pitchFamily="34" charset="0"/>
+              </a:rPr>
+              <a:t>arg_type</a:t>
+            </a:r>
+            <a:r>
+              <a:rPr lang="en-US" altLang="zh-CN" sz="2000" dirty="0">
+                <a:solidFill>
+                  <a:srgbClr val="FF0000"/>
+                </a:solidFill>
+                <a:latin typeface="Shonar Bangla" panose="020B0502040204020203" pitchFamily="34" charset="0"/>
+                <a:cs typeface="Shonar Bangla" panose="020B0502040204020203" pitchFamily="34" charset="0"/>
+              </a:rPr>
+              <a:t>&gt;())</a:t>
+            </a:r>
+            <a:r>
+              <a:rPr lang="en-US" altLang="zh-CN" sz="2000" dirty="0">
+                <a:latin typeface="Shonar Bangla" panose="020B0502040204020203" pitchFamily="34" charset="0"/>
+                <a:cs typeface="Shonar Bangla" panose="020B0502040204020203" pitchFamily="34" charset="0"/>
+              </a:rPr>
+              <a:t>));</a:t>
+            </a:r>
+          </a:p>
+          <a:p>
+            <a:r>
+              <a:rPr lang="en-US" altLang="zh-CN" sz="2000" dirty="0" smtClean="0">
+                <a:latin typeface="Shonar Bangla" panose="020B0502040204020203" pitchFamily="34" charset="0"/>
+                <a:cs typeface="Shonar Bangla" panose="020B0502040204020203" pitchFamily="34" charset="0"/>
+              </a:rPr>
+              <a:t>    }</a:t>
+            </a:r>
+            <a:endParaRPr lang="en-US" altLang="zh-CN" sz="2000" dirty="0">
+              <a:latin typeface="Shonar Bangla" panose="020B0502040204020203" pitchFamily="34" charset="0"/>
+              <a:cs typeface="Shonar Bangla" panose="020B0502040204020203" pitchFamily="34" charset="0"/>
+            </a:endParaRPr>
+          </a:p>
+          <a:p>
+            <a:r>
+              <a:rPr lang="en-US" altLang="zh-CN" sz="2000" dirty="0">
+                <a:latin typeface="Shonar Bangla" panose="020B0502040204020203" pitchFamily="34" charset="0"/>
+                <a:cs typeface="Shonar Bangla" panose="020B0502040204020203" pitchFamily="34" charset="0"/>
+              </a:rPr>
+              <a:t>};</a:t>
+            </a:r>
+          </a:p>
+          <a:p>
+            <a:endParaRPr lang="zh-CN" altLang="en-US" dirty="0"/>
+          </a:p>
+        </p:txBody>
+      </p:sp>
+    </p:spTree>
+    <p:extLst>
+      <p:ext uri="{BB962C8B-B14F-4D97-AF65-F5344CB8AC3E}">
+        <p14:creationId xmlns:p14="http://schemas.microsoft.com/office/powerpoint/2010/main" val="2717181773"/>
+      </p:ext>
+    </p:extLst>
+  </p:cSld>
+  <p:clrMapOvr>
+    <a:masterClrMapping/>
+  </p:clrMapOvr>
+  <p:timing>
+    <p:tnLst>
+      <p:par>
+        <p:cTn id="1" dur="indefinite" restart="never" nodeType="tmRoot"/>
+      </p:par>
+    </p:tnLst>
+  </p:timing>
+</p:sld>
+</file>
+
+<file path=ppt/slides/slide38.xml><?xml version="1.0" encoding="utf-8"?>
+<p:sld xmlns:a="http://schemas.openxmlformats.org/drawingml/2006/main" xmlns:r="http://schemas.openxmlformats.org/officeDocument/2006/relationships" xmlns:p="http://schemas.openxmlformats.org/presentationml/2006/main">
+  <p:cSld>
+    <p:spTree>
+      <p:nvGrpSpPr>
+        <p:cNvPr id="1" name=""/>
+        <p:cNvGrpSpPr/>
+        <p:nvPr/>
+      </p:nvGrpSpPr>
+      <p:grpSpPr>
+        <a:xfrm>
+          <a:off x="0" y="0"/>
+          <a:ext cx="0" cy="0"/>
+          <a:chOff x="0" y="0"/>
+          <a:chExt cx="0" cy="0"/>
+        </a:xfrm>
+      </p:grpSpPr>
+      <p:sp>
+        <p:nvSpPr>
+          <p:cNvPr id="2" name="标题 1"/>
+          <p:cNvSpPr>
+            <a:spLocks noGrp="1"/>
+          </p:cNvSpPr>
+          <p:nvPr>
+            <p:ph type="title"/>
+          </p:nvPr>
+        </p:nvSpPr>
+        <p:spPr/>
+        <p:txBody>
+          <a:bodyPr/>
+          <a:lstStyle/>
+          <a:p>
+            <a:r>
+              <a:rPr lang="en-US" altLang="zh-CN" dirty="0"/>
+              <a:t>How to route to the correct handler</a:t>
+            </a:r>
+            <a:endParaRPr lang="zh-CN" altLang="en-US" dirty="0"/>
           </a:p>
         </p:txBody>
       </p:sp>
@@ -22718,7 +22224,251 @@
 </p:sld>
 </file>
 
-<file path=ppt/slides/slide38.xml><?xml version="1.0" encoding="utf-8"?>
+<file path=ppt/slides/slide39.xml><?xml version="1.0" encoding="utf-8"?>
+<p:sld xmlns:a="http://schemas.openxmlformats.org/drawingml/2006/main" xmlns:r="http://schemas.openxmlformats.org/officeDocument/2006/relationships" xmlns:p="http://schemas.openxmlformats.org/presentationml/2006/main">
+  <p:cSld>
+    <p:spTree>
+      <p:nvGrpSpPr>
+        <p:cNvPr id="1" name=""/>
+        <p:cNvGrpSpPr/>
+        <p:nvPr/>
+      </p:nvGrpSpPr>
+      <p:grpSpPr>
+        <a:xfrm>
+          <a:off x="0" y="0"/>
+          <a:ext cx="0" cy="0"/>
+          <a:chOff x="0" y="0"/>
+          <a:chExt cx="0" cy="0"/>
+        </a:xfrm>
+      </p:grpSpPr>
+      <p:sp>
+        <p:nvSpPr>
+          <p:cNvPr id="2" name="标题 1"/>
+          <p:cNvSpPr>
+            <a:spLocks noGrp="1"/>
+          </p:cNvSpPr>
+          <p:nvPr>
+            <p:ph type="title"/>
+          </p:nvPr>
+        </p:nvSpPr>
+        <p:spPr/>
+        <p:txBody>
+          <a:bodyPr/>
+          <a:lstStyle/>
+          <a:p>
+            <a:endParaRPr lang="zh-CN" altLang="en-US" dirty="0"/>
+          </a:p>
+        </p:txBody>
+      </p:sp>
+      <p:sp>
+        <p:nvSpPr>
+          <p:cNvPr id="3" name="文本占位符 2"/>
+          <p:cNvSpPr>
+            <a:spLocks noGrp="1"/>
+          </p:cNvSpPr>
+          <p:nvPr>
+            <p:ph type="body" sz="half" idx="2"/>
+          </p:nvPr>
+        </p:nvSpPr>
+        <p:spPr/>
+        <p:txBody>
+          <a:bodyPr/>
+          <a:lstStyle/>
+          <a:p>
+            <a:endParaRPr lang="zh-CN" altLang="en-US" dirty="0"/>
+          </a:p>
+        </p:txBody>
+      </p:sp>
+      <p:pic>
+        <p:nvPicPr>
+          <p:cNvPr id="6" name="图片 5"/>
+          <p:cNvPicPr>
+            <a:picLocks noChangeAspect="1"/>
+          </p:cNvPicPr>
+          <p:nvPr/>
+        </p:nvPicPr>
+        <p:blipFill>
+          <a:blip r:embed="rId2">
+            <a:extLst>
+              <a:ext uri="{28A0092B-C50C-407E-A947-70E740481C1C}">
+                <a14:useLocalDpi xmlns:a14="http://schemas.microsoft.com/office/drawing/2010/main" val="0"/>
+              </a:ext>
+            </a:extLst>
+          </a:blip>
+          <a:stretch>
+            <a:fillRect/>
+          </a:stretch>
+        </p:blipFill>
+        <p:spPr>
+          <a:xfrm>
+            <a:off x="3325905" y="1596837"/>
+            <a:ext cx="2458571" cy="2765892"/>
+          </a:xfrm>
+          <a:prstGeom prst="rect">
+            <a:avLst/>
+          </a:prstGeom>
+        </p:spPr>
+      </p:pic>
+      <p:pic>
+        <p:nvPicPr>
+          <p:cNvPr id="9" name="图片 8"/>
+          <p:cNvPicPr>
+            <a:picLocks noChangeAspect="1"/>
+          </p:cNvPicPr>
+          <p:nvPr/>
+        </p:nvPicPr>
+        <p:blipFill>
+          <a:blip r:embed="rId3">
+            <a:extLst>
+              <a:ext uri="{28A0092B-C50C-407E-A947-70E740481C1C}">
+                <a14:useLocalDpi xmlns:a14="http://schemas.microsoft.com/office/drawing/2010/main" val="0"/>
+              </a:ext>
+            </a:extLst>
+          </a:blip>
+          <a:stretch>
+            <a:fillRect/>
+          </a:stretch>
+        </p:blipFill>
+        <p:spPr>
+          <a:xfrm>
+            <a:off x="2932404" y="4658761"/>
+            <a:ext cx="3514286" cy="666667"/>
+          </a:xfrm>
+          <a:prstGeom prst="rect">
+            <a:avLst/>
+          </a:prstGeom>
+        </p:spPr>
+      </p:pic>
+    </p:spTree>
+    <p:extLst>
+      <p:ext uri="{BB962C8B-B14F-4D97-AF65-F5344CB8AC3E}">
+        <p14:creationId xmlns:p14="http://schemas.microsoft.com/office/powerpoint/2010/main" val="1424536461"/>
+      </p:ext>
+    </p:extLst>
+  </p:cSld>
+  <p:clrMapOvr>
+    <a:masterClrMapping/>
+  </p:clrMapOvr>
+  <p:timing>
+    <p:tnLst>
+      <p:par>
+        <p:cTn id="1" dur="indefinite" restart="never" nodeType="tmRoot"/>
+      </p:par>
+    </p:tnLst>
+  </p:timing>
+</p:sld>
+</file>
+
+<file path=ppt/slides/slide4.xml><?xml version="1.0" encoding="utf-8"?>
+<p:sld xmlns:a="http://schemas.openxmlformats.org/drawingml/2006/main" xmlns:r="http://schemas.openxmlformats.org/officeDocument/2006/relationships" xmlns:p="http://schemas.openxmlformats.org/presentationml/2006/main">
+  <p:cSld>
+    <p:spTree>
+      <p:nvGrpSpPr>
+        <p:cNvPr id="1" name=""/>
+        <p:cNvGrpSpPr/>
+        <p:nvPr/>
+      </p:nvGrpSpPr>
+      <p:grpSpPr>
+        <a:xfrm>
+          <a:off x="0" y="0"/>
+          <a:ext cx="0" cy="0"/>
+          <a:chOff x="0" y="0"/>
+          <a:chExt cx="0" cy="0"/>
+        </a:xfrm>
+      </p:grpSpPr>
+      <p:sp>
+        <p:nvSpPr>
+          <p:cNvPr id="2" name="标题 1"/>
+          <p:cNvSpPr>
+            <a:spLocks noGrp="1"/>
+          </p:cNvSpPr>
+          <p:nvPr>
+            <p:ph type="title"/>
+          </p:nvPr>
+        </p:nvSpPr>
+        <p:spPr/>
+        <p:txBody>
+          <a:bodyPr/>
+          <a:lstStyle/>
+          <a:p>
+            <a:r>
+              <a:rPr lang="en-US" altLang="zh-CN" dirty="0"/>
+              <a:t>Introduction to RPC</a:t>
+            </a:r>
+            <a:endParaRPr lang="zh-CN" altLang="en-US" dirty="0"/>
+          </a:p>
+        </p:txBody>
+      </p:sp>
+      <p:sp>
+        <p:nvSpPr>
+          <p:cNvPr id="3" name="文本占位符 2"/>
+          <p:cNvSpPr>
+            <a:spLocks noGrp="1"/>
+          </p:cNvSpPr>
+          <p:nvPr>
+            <p:ph type="body" sz="half" idx="2"/>
+          </p:nvPr>
+        </p:nvSpPr>
+        <p:spPr/>
+        <p:txBody>
+          <a:bodyPr/>
+          <a:lstStyle/>
+          <a:p>
+            <a:endParaRPr lang="zh-CN" altLang="en-US" dirty="0"/>
+          </a:p>
+        </p:txBody>
+      </p:sp>
+      <p:pic>
+        <p:nvPicPr>
+          <p:cNvPr id="4" name="图片 3"/>
+          <p:cNvPicPr>
+            <a:picLocks noChangeAspect="1"/>
+          </p:cNvPicPr>
+          <p:nvPr/>
+        </p:nvPicPr>
+        <p:blipFill>
+          <a:blip r:embed="rId3">
+            <a:extLst>
+              <a:ext uri="{28A0092B-C50C-407E-A947-70E740481C1C}">
+                <a14:useLocalDpi xmlns:a14="http://schemas.microsoft.com/office/drawing/2010/main" val="0"/>
+              </a:ext>
+            </a:extLst>
+          </a:blip>
+          <a:stretch>
+            <a:fillRect/>
+          </a:stretch>
+        </p:blipFill>
+        <p:spPr>
+          <a:xfrm>
+            <a:off x="600075" y="1543050"/>
+            <a:ext cx="7943850" cy="3771900"/>
+          </a:xfrm>
+          <a:prstGeom prst="rect">
+            <a:avLst/>
+          </a:prstGeom>
+        </p:spPr>
+      </p:pic>
+    </p:spTree>
+    <p:extLst>
+      <p:ext uri="{BB962C8B-B14F-4D97-AF65-F5344CB8AC3E}">
+        <p14:creationId xmlns:p14="http://schemas.microsoft.com/office/powerpoint/2010/main" val="3961719289"/>
+      </p:ext>
+    </p:extLst>
+  </p:cSld>
+  <p:clrMapOvr>
+    <a:masterClrMapping/>
+  </p:clrMapOvr>
+  <p:timing>
+    <p:tnLst>
+      <p:par>
+        <p:cTn id="1" dur="indefinite" restart="never" nodeType="tmRoot"/>
+      </p:par>
+    </p:tnLst>
+  </p:timing>
+</p:sld>
+</file>
+
+<file path=ppt/slides/slide40.xml><?xml version="1.0" encoding="utf-8"?>
 <p:sld xmlns:a="http://schemas.openxmlformats.org/drawingml/2006/main" xmlns:r="http://schemas.openxmlformats.org/officeDocument/2006/relationships" xmlns:p="http://schemas.openxmlformats.org/presentationml/2006/main">
   <p:cSld>
     <p:spTree>
@@ -22827,7 +22577,7 @@
 </p:sld>
 </file>
 
-<file path=ppt/slides/slide39.xml><?xml version="1.0" encoding="utf-8"?>
+<file path=ppt/slides/slide41.xml><?xml version="1.0" encoding="utf-8"?>
 <p:sld xmlns:a="http://schemas.openxmlformats.org/drawingml/2006/main" xmlns:r="http://schemas.openxmlformats.org/officeDocument/2006/relationships" xmlns:p="http://schemas.openxmlformats.org/presentationml/2006/main">
   <p:cSld>
     <p:spTree>
@@ -23256,116 +23006,7 @@
 </p:sld>
 </file>
 
-<file path=ppt/slides/slide4.xml><?xml version="1.0" encoding="utf-8"?>
-<p:sld xmlns:a="http://schemas.openxmlformats.org/drawingml/2006/main" xmlns:r="http://schemas.openxmlformats.org/officeDocument/2006/relationships" xmlns:p="http://schemas.openxmlformats.org/presentationml/2006/main">
-  <p:cSld>
-    <p:spTree>
-      <p:nvGrpSpPr>
-        <p:cNvPr id="1" name=""/>
-        <p:cNvGrpSpPr/>
-        <p:nvPr/>
-      </p:nvGrpSpPr>
-      <p:grpSpPr>
-        <a:xfrm>
-          <a:off x="0" y="0"/>
-          <a:ext cx="0" cy="0"/>
-          <a:chOff x="0" y="0"/>
-          <a:chExt cx="0" cy="0"/>
-        </a:xfrm>
-      </p:grpSpPr>
-      <p:sp>
-        <p:nvSpPr>
-          <p:cNvPr id="2" name="标题 1"/>
-          <p:cNvSpPr>
-            <a:spLocks noGrp="1"/>
-          </p:cNvSpPr>
-          <p:nvPr>
-            <p:ph type="title"/>
-          </p:nvPr>
-        </p:nvSpPr>
-        <p:spPr/>
-        <p:txBody>
-          <a:bodyPr/>
-          <a:lstStyle/>
-          <a:p>
-            <a:r>
-              <a:rPr lang="en-US" altLang="zh-CN" dirty="0"/>
-              <a:t>Introduction to RPC</a:t>
-            </a:r>
-            <a:endParaRPr lang="zh-CN" altLang="en-US" dirty="0"/>
-          </a:p>
-        </p:txBody>
-      </p:sp>
-      <p:sp>
-        <p:nvSpPr>
-          <p:cNvPr id="3" name="文本占位符 2"/>
-          <p:cNvSpPr>
-            <a:spLocks noGrp="1"/>
-          </p:cNvSpPr>
-          <p:nvPr>
-            <p:ph type="body" sz="half" idx="2"/>
-          </p:nvPr>
-        </p:nvSpPr>
-        <p:spPr/>
-        <p:txBody>
-          <a:bodyPr/>
-          <a:lstStyle/>
-          <a:p>
-            <a:endParaRPr lang="zh-CN" altLang="en-US" dirty="0"/>
-          </a:p>
-        </p:txBody>
-      </p:sp>
-      <p:pic>
-        <p:nvPicPr>
-          <p:cNvPr id="4" name="图片 3"/>
-          <p:cNvPicPr>
-            <a:picLocks noChangeAspect="1"/>
-          </p:cNvPicPr>
-          <p:nvPr/>
-        </p:nvPicPr>
-        <p:blipFill>
-          <a:blip r:embed="rId3">
-            <a:extLst>
-              <a:ext uri="{28A0092B-C50C-407E-A947-70E740481C1C}">
-                <a14:useLocalDpi xmlns:a14="http://schemas.microsoft.com/office/drawing/2010/main" val="0"/>
-              </a:ext>
-            </a:extLst>
-          </a:blip>
-          <a:stretch>
-            <a:fillRect/>
-          </a:stretch>
-        </p:blipFill>
-        <p:spPr>
-          <a:xfrm>
-            <a:off x="600075" y="1543050"/>
-            <a:ext cx="7943850" cy="3771900"/>
-          </a:xfrm>
-          <a:prstGeom prst="rect">
-            <a:avLst/>
-          </a:prstGeom>
-        </p:spPr>
-      </p:pic>
-    </p:spTree>
-    <p:extLst>
-      <p:ext uri="{BB962C8B-B14F-4D97-AF65-F5344CB8AC3E}">
-        <p14:creationId xmlns:p14="http://schemas.microsoft.com/office/powerpoint/2010/main" val="3961719289"/>
-      </p:ext>
-    </p:extLst>
-  </p:cSld>
-  <p:clrMapOvr>
-    <a:masterClrMapping/>
-  </p:clrMapOvr>
-  <p:timing>
-    <p:tnLst>
-      <p:par>
-        <p:cTn id="1" dur="indefinite" restart="never" nodeType="tmRoot"/>
-      </p:par>
-    </p:tnLst>
-  </p:timing>
-</p:sld>
-</file>
-
-<file path=ppt/slides/slide40.xml><?xml version="1.0" encoding="utf-8"?>
+<file path=ppt/slides/slide42.xml><?xml version="1.0" encoding="utf-8"?>
 <p:sld xmlns:a="http://schemas.openxmlformats.org/drawingml/2006/main" xmlns:r="http://schemas.openxmlformats.org/officeDocument/2006/relationships" xmlns:p="http://schemas.openxmlformats.org/presentationml/2006/main">
   <p:cSld>
     <p:spTree>
@@ -23774,7 +23415,7 @@
 </p:sld>
 </file>
 
-<file path=ppt/slides/slide41.xml><?xml version="1.0" encoding="utf-8"?>
+<file path=ppt/slides/slide43.xml><?xml version="1.0" encoding="utf-8"?>
 <p:sld xmlns:a="http://schemas.openxmlformats.org/drawingml/2006/main" xmlns:r="http://schemas.openxmlformats.org/officeDocument/2006/relationships" xmlns:p="http://schemas.openxmlformats.org/presentationml/2006/main">
   <p:cSld>
     <p:spTree>
@@ -23944,7 +23585,7 @@
 </p:sld>
 </file>
 
-<file path=ppt/slides/slide42.xml><?xml version="1.0" encoding="utf-8"?>
+<file path=ppt/slides/slide44.xml><?xml version="1.0" encoding="utf-8"?>
 <p:sld xmlns:a="http://schemas.openxmlformats.org/drawingml/2006/main" xmlns:r="http://schemas.openxmlformats.org/officeDocument/2006/relationships" xmlns:p="http://schemas.openxmlformats.org/presentationml/2006/main">
   <p:cSld>
     <p:spTree>
@@ -24193,7 +23834,7 @@
 </p:sld>
 </file>
 
-<file path=ppt/slides/slide43.xml><?xml version="1.0" encoding="utf-8"?>
+<file path=ppt/slides/slide45.xml><?xml version="1.0" encoding="utf-8"?>
 <p:sld xmlns:a="http://schemas.openxmlformats.org/drawingml/2006/main" xmlns:r="http://schemas.openxmlformats.org/officeDocument/2006/relationships" xmlns:p="http://schemas.openxmlformats.org/presentationml/2006/main">
   <p:cSld>
     <p:spTree>
@@ -24295,9 +23936,21 @@
               <a:t>   static </a:t>
             </a:r>
             <a:r>
+              <a:rPr lang="zh-CN" altLang="en-US" b="1" dirty="0"/>
+              <a:t>std::false_type test</a:t>
+            </a:r>
+            <a:r>
               <a:rPr lang="zh-CN" altLang="en-US" dirty="0"/>
-              <a:t>std::false_type test(...);</a:t>
-            </a:r>
+              <a:t>(...)</a:t>
+            </a:r>
+            <a:r>
+              <a:rPr lang="zh-CN" altLang="en-US" dirty="0" smtClean="0"/>
+              <a:t>;</a:t>
+            </a:r>
+            <a:endParaRPr lang="en-US" altLang="zh-CN" dirty="0" smtClean="0"/>
+          </a:p>
+          <a:p>
+            <a:endParaRPr lang="zh-CN" altLang="en-US" dirty="0"/>
           </a:p>
           <a:p>
             <a:r>
@@ -24324,17 +23977,11 @@
             </a:r>
             <a:r>
               <a:rPr lang="zh-CN" altLang="en-US" dirty="0"/>
-              <a:t>(std::declval&lt;T&gt;()(std::declval&lt;Args&gt;()...))&gt;</a:t>
-            </a:r>
-          </a:p>
-          <a:p>
-            <a:r>
-              <a:rPr lang="zh-CN" altLang="en-US" dirty="0"/>
-              <a:t> </a:t>
+              <a:t>(std::declval&lt;T&gt;()(std::declval&lt;Args</a:t>
             </a:r>
             <a:r>
               <a:rPr lang="zh-CN" altLang="en-US" dirty="0" smtClean="0"/>
-              <a:t>   </a:t>
+              <a:t>&gt;()...))&gt;</a:t>
             </a:r>
             <a:endParaRPr lang="en-US" altLang="zh-CN" dirty="0" smtClean="0"/>
           </a:p>
@@ -24352,9 +23999,21 @@
               <a:t>static </a:t>
             </a:r>
             <a:r>
+              <a:rPr lang="zh-CN" altLang="en-US" b="1" dirty="0"/>
+              <a:t>std::true_type test</a:t>
+            </a:r>
+            <a:r>
               <a:rPr lang="zh-CN" altLang="en-US" dirty="0"/>
-              <a:t>std::true_type test(int);</a:t>
-            </a:r>
+              <a:t>(int)</a:t>
+            </a:r>
+            <a:r>
+              <a:rPr lang="zh-CN" altLang="en-US" dirty="0" smtClean="0"/>
+              <a:t>;</a:t>
+            </a:r>
+            <a:endParaRPr lang="en-US" altLang="zh-CN" dirty="0" smtClean="0"/>
+          </a:p>
+          <a:p>
+            <a:endParaRPr lang="zh-CN" altLang="en-US" dirty="0"/>
           </a:p>
           <a:p>
             <a:r>
@@ -24582,7 +24241,7 @@
         </p:nvSpPr>
         <p:spPr>
           <a:xfrm>
-            <a:off x="1421929" y="3405502"/>
+            <a:off x="1410114" y="3744922"/>
             <a:ext cx="5037590" cy="338554"/>
           </a:xfrm>
           <a:prstGeom prst="rect">
@@ -24676,8 +24335,8 @@
         </p:nvSpPr>
         <p:spPr>
           <a:xfrm rot="19318863">
-            <a:off x="4495866" y="2799062"/>
-            <a:ext cx="1160740" cy="192304"/>
+            <a:off x="4366683" y="2867133"/>
+            <a:ext cx="1313374" cy="168738"/>
           </a:xfrm>
           <a:prstGeom prst="rightArrow">
             <a:avLst/>
@@ -25224,7 +24883,7 @@
 </p:sld>
 </file>
 
-<file path=ppt/slides/slide44.xml><?xml version="1.0" encoding="utf-8"?>
+<file path=ppt/slides/slide46.xml><?xml version="1.0" encoding="utf-8"?>
 <p:sld xmlns:a="http://schemas.openxmlformats.org/drawingml/2006/main" xmlns:r="http://schemas.openxmlformats.org/officeDocument/2006/relationships" xmlns:p="http://schemas.openxmlformats.org/presentationml/2006/main">
   <p:cSld>
     <p:spTree>
@@ -25425,7 +25084,7 @@
 </p:sld>
 </file>
 
-<file path=ppt/slides/slide45.xml><?xml version="1.0" encoding="utf-8"?>
+<file path=ppt/slides/slide47.xml><?xml version="1.0" encoding="utf-8"?>
 <p:sld xmlns:a="http://schemas.openxmlformats.org/drawingml/2006/main" xmlns:r="http://schemas.openxmlformats.org/officeDocument/2006/relationships" xmlns:p="http://schemas.openxmlformats.org/presentationml/2006/main">
   <p:cSld>
     <p:spTree>
@@ -25765,7 +25424,261 @@
 </p:sld>
 </file>
 
-<file path=ppt/slides/slide46.xml><?xml version="1.0" encoding="utf-8"?>
+<file path=ppt/slides/slide48.xml><?xml version="1.0" encoding="utf-8"?>
+<p:sld xmlns:a="http://schemas.openxmlformats.org/drawingml/2006/main" xmlns:r="http://schemas.openxmlformats.org/officeDocument/2006/relationships" xmlns:p="http://schemas.openxmlformats.org/presentationml/2006/main">
+  <p:cSld>
+    <p:spTree>
+      <p:nvGrpSpPr>
+        <p:cNvPr id="1" name=""/>
+        <p:cNvGrpSpPr/>
+        <p:nvPr/>
+      </p:nvGrpSpPr>
+      <p:grpSpPr>
+        <a:xfrm>
+          <a:off x="0" y="0"/>
+          <a:ext cx="0" cy="0"/>
+          <a:chOff x="0" y="0"/>
+          <a:chExt cx="0" cy="0"/>
+        </a:xfrm>
+      </p:grpSpPr>
+      <p:sp>
+        <p:nvSpPr>
+          <p:cNvPr id="2" name="标题 1"/>
+          <p:cNvSpPr>
+            <a:spLocks noGrp="1"/>
+          </p:cNvSpPr>
+          <p:nvPr>
+            <p:ph type="title"/>
+          </p:nvPr>
+        </p:nvSpPr>
+        <p:spPr/>
+        <p:txBody>
+          <a:bodyPr/>
+          <a:lstStyle/>
+          <a:p>
+            <a:r>
+              <a:rPr lang="en-US" altLang="zh-CN" dirty="0"/>
+              <a:t>How to simplify the call code</a:t>
+            </a:r>
+            <a:endParaRPr lang="zh-CN" altLang="en-US" dirty="0"/>
+          </a:p>
+        </p:txBody>
+      </p:sp>
+      <p:sp>
+        <p:nvSpPr>
+          <p:cNvPr id="3" name="文本占位符 2"/>
+          <p:cNvSpPr>
+            <a:spLocks noGrp="1"/>
+          </p:cNvSpPr>
+          <p:nvPr>
+            <p:ph type="body" sz="half" idx="2"/>
+          </p:nvPr>
+        </p:nvSpPr>
+        <p:spPr/>
+        <p:txBody>
+          <a:bodyPr/>
+          <a:lstStyle/>
+          <a:p>
+            <a:r>
+              <a:rPr lang="en-US" altLang="zh-CN" dirty="0"/>
+              <a:t>template &lt;</a:t>
+            </a:r>
+            <a:r>
+              <a:rPr lang="en-US" altLang="zh-CN" dirty="0" err="1"/>
+              <a:t>typename</a:t>
+            </a:r>
+            <a:r>
+              <a:rPr lang="en-US" altLang="zh-CN" dirty="0"/>
+              <a:t> ... </a:t>
+            </a:r>
+            <a:r>
+              <a:rPr lang="en-US" altLang="zh-CN" dirty="0" err="1"/>
+              <a:t>Args</a:t>
+            </a:r>
+            <a:r>
+              <a:rPr lang="en-US" altLang="zh-CN" dirty="0"/>
+              <a:t>&gt;</a:t>
+            </a:r>
+          </a:p>
+          <a:p>
+            <a:r>
+              <a:rPr lang="en-US" altLang="zh-CN" dirty="0" err="1"/>
+              <a:t>struct</a:t>
+            </a:r>
+            <a:r>
+              <a:rPr lang="en-US" altLang="zh-CN" dirty="0"/>
+              <a:t> </a:t>
+            </a:r>
+            <a:r>
+              <a:rPr lang="en-US" altLang="zh-CN" dirty="0" err="1"/>
+              <a:t>voider</a:t>
+            </a:r>
+            <a:endParaRPr lang="en-US" altLang="zh-CN" dirty="0"/>
+          </a:p>
+          <a:p>
+            <a:r>
+              <a:rPr lang="en-US" altLang="zh-CN" dirty="0"/>
+              <a:t>{</a:t>
+            </a:r>
+          </a:p>
+          <a:p>
+            <a:r>
+              <a:rPr lang="en-US" altLang="zh-CN" dirty="0"/>
+              <a:t>    using type = void;</a:t>
+            </a:r>
+            <a:br>
+              <a:rPr lang="en-US" altLang="zh-CN" dirty="0"/>
+            </a:br>
+            <a:r>
+              <a:rPr lang="en-US" altLang="zh-CN" dirty="0"/>
+              <a:t>};</a:t>
+            </a:r>
+          </a:p>
+          <a:p>
+            <a:endParaRPr lang="en-US" altLang="zh-CN" dirty="0"/>
+          </a:p>
+          <a:p>
+            <a:r>
+              <a:rPr lang="en-US" altLang="zh-CN" dirty="0"/>
+              <a:t>template &lt;</a:t>
+            </a:r>
+            <a:r>
+              <a:rPr lang="en-US" altLang="zh-CN" dirty="0" err="1"/>
+              <a:t>typename</a:t>
+            </a:r>
+            <a:r>
+              <a:rPr lang="en-US" altLang="zh-CN" dirty="0"/>
+              <a:t> ... </a:t>
+            </a:r>
+            <a:r>
+              <a:rPr lang="en-US" altLang="zh-CN" dirty="0" err="1"/>
+              <a:t>Args</a:t>
+            </a:r>
+            <a:r>
+              <a:rPr lang="en-US" altLang="zh-CN" dirty="0"/>
+              <a:t>&gt;</a:t>
+            </a:r>
+          </a:p>
+          <a:p>
+            <a:r>
+              <a:rPr lang="en-US" altLang="zh-CN" dirty="0"/>
+              <a:t>using </a:t>
+            </a:r>
+            <a:r>
+              <a:rPr lang="en-US" altLang="zh-CN" dirty="0" err="1"/>
+              <a:t>voider_t</a:t>
+            </a:r>
+            <a:r>
+              <a:rPr lang="en-US" altLang="zh-CN" dirty="0"/>
+              <a:t> = </a:t>
+            </a:r>
+            <a:r>
+              <a:rPr lang="en-US" altLang="zh-CN" dirty="0" err="1"/>
+              <a:t>typename</a:t>
+            </a:r>
+            <a:r>
+              <a:rPr lang="en-US" altLang="zh-CN" dirty="0"/>
+              <a:t> </a:t>
+            </a:r>
+            <a:r>
+              <a:rPr lang="en-US" altLang="zh-CN" dirty="0" err="1"/>
+              <a:t>voider</a:t>
+            </a:r>
+            <a:r>
+              <a:rPr lang="en-US" altLang="zh-CN" dirty="0"/>
+              <a:t>&lt;</a:t>
+            </a:r>
+            <a:r>
+              <a:rPr lang="en-US" altLang="zh-CN" dirty="0" err="1"/>
+              <a:t>Args</a:t>
+            </a:r>
+            <a:r>
+              <a:rPr lang="en-US" altLang="zh-CN" dirty="0"/>
+              <a:t>...&gt;::type;</a:t>
+            </a:r>
+          </a:p>
+          <a:p>
+            <a:endParaRPr lang="en-US" altLang="zh-CN" dirty="0"/>
+          </a:p>
+          <a:p>
+            <a:r>
+              <a:rPr lang="en-US" altLang="zh-CN" dirty="0"/>
+              <a:t>C++14 </a:t>
+            </a:r>
+            <a:r>
+              <a:rPr lang="en-US" altLang="zh-CN" dirty="0" err="1"/>
+              <a:t>surpport</a:t>
+            </a:r>
+            <a:r>
+              <a:rPr lang="en-US" altLang="zh-CN" dirty="0"/>
+              <a:t> </a:t>
+            </a:r>
+            <a:r>
+              <a:rPr lang="en-US" altLang="zh-CN" dirty="0" err="1"/>
+              <a:t>void_t</a:t>
+            </a:r>
+            <a:r>
+              <a:rPr lang="en-US" altLang="zh-CN" dirty="0"/>
+              <a:t> now</a:t>
+            </a:r>
+          </a:p>
+          <a:p>
+            <a:r>
+              <a:rPr lang="en-US" altLang="zh-CN" dirty="0"/>
+              <a:t>C++11 do not deduce </a:t>
+            </a:r>
+            <a:r>
+              <a:rPr lang="en-US" altLang="zh-CN" dirty="0" err="1"/>
+              <a:t>Args</a:t>
+            </a:r>
+            <a:r>
+              <a:rPr lang="en-US" altLang="zh-CN" dirty="0"/>
+              <a:t>… </a:t>
+            </a:r>
+            <a:r>
+              <a:rPr lang="en-US" altLang="zh-CN" dirty="0" smtClean="0"/>
+              <a:t>type</a:t>
+            </a:r>
+          </a:p>
+          <a:p>
+            <a:endParaRPr lang="en-US" altLang="zh-CN" dirty="0"/>
+          </a:p>
+          <a:p>
+            <a:r>
+              <a:rPr lang="en-US" altLang="zh-CN" dirty="0"/>
+              <a:t>Until C++14 unused parameters in alias templates were not guaranteed to ensure SFINAE and could be ignored.</a:t>
+            </a:r>
+            <a:endParaRPr lang="zh-CN" altLang="en-US" dirty="0"/>
+          </a:p>
+          <a:p>
+            <a:endParaRPr lang="zh-CN" altLang="en-US" dirty="0"/>
+          </a:p>
+          <a:p>
+            <a:endParaRPr lang="zh-CN" altLang="en-US" dirty="0"/>
+          </a:p>
+        </p:txBody>
+      </p:sp>
+    </p:spTree>
+    <p:extLst>
+      <p:ext uri="{BB962C8B-B14F-4D97-AF65-F5344CB8AC3E}">
+        <p14:creationId xmlns:p14="http://schemas.microsoft.com/office/powerpoint/2010/main" val="2399683238"/>
+      </p:ext>
+    </p:extLst>
+  </p:cSld>
+  <p:clrMapOvr>
+    <a:masterClrMapping/>
+  </p:clrMapOvr>
+  <p:timing>
+    <p:tnLst>
+      <p:par>
+        <p:cTn id="1" dur="indefinite" restart="never" nodeType="tmRoot"/>
+      </p:par>
+    </p:tnLst>
+  </p:timing>
+</p:sld>
+</file>
+
+<file path=ppt/slides/slide49.xml><?xml version="1.0" encoding="utf-8"?>
 <p:sld xmlns:a="http://schemas.openxmlformats.org/drawingml/2006/main" xmlns:r="http://schemas.openxmlformats.org/officeDocument/2006/relationships" xmlns:p="http://schemas.openxmlformats.org/presentationml/2006/main">
   <p:cSld>
     <p:spTree>
@@ -25846,8 +25759,8 @@
         </p:blipFill>
         <p:spPr>
           <a:xfrm>
-            <a:off x="2868705" y="1686595"/>
-            <a:ext cx="3631711" cy="3631711"/>
+            <a:off x="2985247" y="1803137"/>
+            <a:ext cx="3515169" cy="3515169"/>
           </a:xfrm>
           <a:prstGeom prst="rect">
             <a:avLst/>
@@ -25874,7 +25787,167 @@
 </p:sld>
 </file>
 
-<file path=ppt/slides/slide47.xml><?xml version="1.0" encoding="utf-8"?>
+<file path=ppt/slides/slide5.xml><?xml version="1.0" encoding="utf-8"?>
+<p:sld xmlns:a="http://schemas.openxmlformats.org/drawingml/2006/main" xmlns:r="http://schemas.openxmlformats.org/officeDocument/2006/relationships" xmlns:p="http://schemas.openxmlformats.org/presentationml/2006/main">
+  <p:cSld>
+    <p:spTree>
+      <p:nvGrpSpPr>
+        <p:cNvPr id="1" name=""/>
+        <p:cNvGrpSpPr/>
+        <p:nvPr/>
+      </p:nvGrpSpPr>
+      <p:grpSpPr>
+        <a:xfrm>
+          <a:off x="0" y="0"/>
+          <a:ext cx="0" cy="0"/>
+          <a:chOff x="0" y="0"/>
+          <a:chExt cx="0" cy="0"/>
+        </a:xfrm>
+      </p:grpSpPr>
+      <p:sp>
+        <p:nvSpPr>
+          <p:cNvPr id="2" name="标题 1"/>
+          <p:cNvSpPr>
+            <a:spLocks noGrp="1"/>
+          </p:cNvSpPr>
+          <p:nvPr>
+            <p:ph type="title"/>
+          </p:nvPr>
+        </p:nvSpPr>
+        <p:spPr/>
+        <p:txBody>
+          <a:bodyPr/>
+          <a:lstStyle/>
+          <a:p>
+            <a:r>
+              <a:rPr lang="en-US" altLang="zh-CN" dirty="0" smtClean="0"/>
+              <a:t>Outline</a:t>
+            </a:r>
+            <a:endParaRPr lang="zh-CN" altLang="en-US" dirty="0"/>
+          </a:p>
+        </p:txBody>
+      </p:sp>
+      <p:sp>
+        <p:nvSpPr>
+          <p:cNvPr id="3" name="文本占位符 2"/>
+          <p:cNvSpPr>
+            <a:spLocks noGrp="1"/>
+          </p:cNvSpPr>
+          <p:nvPr>
+            <p:ph type="body" sz="half" idx="2"/>
+          </p:nvPr>
+        </p:nvSpPr>
+        <p:spPr/>
+        <p:txBody>
+          <a:bodyPr/>
+          <a:lstStyle/>
+          <a:p>
+            <a:r>
+              <a:rPr lang="en-US" altLang="zh-CN" dirty="0"/>
+              <a:t>1.Introduction to RPC</a:t>
+            </a:r>
+          </a:p>
+          <a:p>
+            <a:endParaRPr lang="en-US" altLang="zh-CN" dirty="0"/>
+          </a:p>
+          <a:p>
+            <a:r>
+              <a:rPr lang="en-US" altLang="zh-CN" sz="1800" dirty="0">
+                <a:solidFill>
+                  <a:schemeClr val="accent5"/>
+                </a:solidFill>
+              </a:rPr>
+              <a:t>2.What is </a:t>
+            </a:r>
+            <a:r>
+              <a:rPr lang="en-US" altLang="zh-CN" sz="1800" dirty="0" err="1" smtClean="0">
+                <a:solidFill>
+                  <a:schemeClr val="accent5"/>
+                </a:solidFill>
+              </a:rPr>
+              <a:t>rest_rpc</a:t>
+            </a:r>
+            <a:r>
+              <a:rPr lang="en-US" altLang="zh-CN" sz="1800" dirty="0" smtClean="0">
+                <a:solidFill>
+                  <a:schemeClr val="accent5"/>
+                </a:solidFill>
+              </a:rPr>
+              <a:t>?</a:t>
+            </a:r>
+            <a:endParaRPr lang="en-US" altLang="zh-CN" sz="1800" dirty="0">
+              <a:solidFill>
+                <a:schemeClr val="accent5"/>
+              </a:solidFill>
+            </a:endParaRPr>
+          </a:p>
+          <a:p>
+            <a:endParaRPr lang="en-US" altLang="zh-CN" dirty="0"/>
+          </a:p>
+          <a:p>
+            <a:r>
+              <a:rPr lang="en-US" altLang="zh-CN" dirty="0" smtClean="0"/>
+              <a:t>3.Ease </a:t>
+            </a:r>
+            <a:r>
+              <a:rPr lang="en-US" altLang="zh-CN" dirty="0"/>
+              <a:t>of use challenges</a:t>
+            </a:r>
+          </a:p>
+          <a:p>
+            <a:endParaRPr lang="en-US" altLang="zh-CN" dirty="0"/>
+          </a:p>
+          <a:p>
+            <a:r>
+              <a:rPr lang="en-US" altLang="zh-CN" dirty="0"/>
+              <a:t>4.Key technologies</a:t>
+            </a:r>
+          </a:p>
+          <a:p>
+            <a:endParaRPr lang="en-US" altLang="zh-CN" dirty="0"/>
+          </a:p>
+          <a:p>
+            <a:r>
+              <a:rPr lang="en-US" altLang="zh-CN" dirty="0"/>
+              <a:t>5</a:t>
+            </a:r>
+            <a:r>
+              <a:rPr lang="en-US" altLang="zh-CN" dirty="0" smtClean="0"/>
+              <a:t>.What can you </a:t>
+            </a:r>
+            <a:r>
+              <a:rPr lang="en-US" altLang="zh-CN" dirty="0"/>
+              <a:t>do with </a:t>
+            </a:r>
+            <a:r>
+              <a:rPr lang="en-US" altLang="zh-CN" dirty="0" smtClean="0"/>
+              <a:t>it?</a:t>
+            </a:r>
+            <a:endParaRPr lang="zh-CN" altLang="en-US" dirty="0"/>
+          </a:p>
+        </p:txBody>
+      </p:sp>
+    </p:spTree>
+    <p:extLst>
+      <p:ext uri="{BB962C8B-B14F-4D97-AF65-F5344CB8AC3E}">
+        <p14:creationId xmlns:p14="http://schemas.microsoft.com/office/powerpoint/2010/main" val="4127644444"/>
+      </p:ext>
+    </p:extLst>
+  </p:cSld>
+  <p:clrMapOvr>
+    <a:masterClrMapping/>
+  </p:clrMapOvr>
+  <p:timing>
+    <p:tnLst>
+      <p:par>
+        <p:cTn id="1" dur="indefinite" restart="never" nodeType="tmRoot"/>
+      </p:par>
+    </p:tnLst>
+  </p:timing>
+</p:sld>
+</file>
+
+<file path=ppt/slides/slide50.xml><?xml version="1.0" encoding="utf-8"?>
 <p:sld xmlns:a="http://schemas.openxmlformats.org/drawingml/2006/main" xmlns:r="http://schemas.openxmlformats.org/officeDocument/2006/relationships" xmlns:p="http://schemas.openxmlformats.org/presentationml/2006/main">
   <p:cSld>
     <p:spTree>
@@ -26344,7 +26417,7 @@
 </p:sld>
 </file>
 
-<file path=ppt/slides/slide48.xml><?xml version="1.0" encoding="utf-8"?>
+<file path=ppt/slides/slide51.xml><?xml version="1.0" encoding="utf-8"?>
 <p:sld xmlns:a="http://schemas.openxmlformats.org/drawingml/2006/main" xmlns:r="http://schemas.openxmlformats.org/officeDocument/2006/relationships" xmlns:p="http://schemas.openxmlformats.org/presentationml/2006/main">
   <p:cSld>
     <p:spTree>
@@ -27129,302 +27202,7 @@
 </p:sld>
 </file>
 
-<file path=ppt/slides/slide49.xml><?xml version="1.0" encoding="utf-8"?>
-<p:sld xmlns:a="http://schemas.openxmlformats.org/drawingml/2006/main" xmlns:r="http://schemas.openxmlformats.org/officeDocument/2006/relationships" xmlns:p="http://schemas.openxmlformats.org/presentationml/2006/main">
-  <p:cSld>
-    <p:spTree>
-      <p:nvGrpSpPr>
-        <p:cNvPr id="1" name=""/>
-        <p:cNvGrpSpPr/>
-        <p:nvPr/>
-      </p:nvGrpSpPr>
-      <p:grpSpPr>
-        <a:xfrm>
-          <a:off x="0" y="0"/>
-          <a:ext cx="0" cy="0"/>
-          <a:chOff x="0" y="0"/>
-          <a:chExt cx="0" cy="0"/>
-        </a:xfrm>
-      </p:grpSpPr>
-      <p:sp>
-        <p:nvSpPr>
-          <p:cNvPr id="2" name="标题 1"/>
-          <p:cNvSpPr>
-            <a:spLocks noGrp="1"/>
-          </p:cNvSpPr>
-          <p:nvPr>
-            <p:ph type="title"/>
-          </p:nvPr>
-        </p:nvSpPr>
-        <p:spPr/>
-        <p:txBody>
-          <a:bodyPr/>
-          <a:lstStyle/>
-          <a:p>
-            <a:endParaRPr lang="zh-CN" altLang="en-US" dirty="0"/>
-          </a:p>
-        </p:txBody>
-      </p:sp>
-      <p:sp>
-        <p:nvSpPr>
-          <p:cNvPr id="3" name="文本占位符 2"/>
-          <p:cNvSpPr>
-            <a:spLocks noGrp="1"/>
-          </p:cNvSpPr>
-          <p:nvPr>
-            <p:ph type="body" sz="half" idx="2"/>
-          </p:nvPr>
-        </p:nvSpPr>
-        <p:spPr/>
-        <p:txBody>
-          <a:bodyPr/>
-          <a:lstStyle/>
-          <a:p>
-            <a:endParaRPr lang="zh-CN" altLang="en-US" dirty="0"/>
-          </a:p>
-        </p:txBody>
-      </p:sp>
-      <p:pic>
-        <p:nvPicPr>
-          <p:cNvPr id="6" name="图片 5"/>
-          <p:cNvPicPr>
-            <a:picLocks noChangeAspect="1"/>
-          </p:cNvPicPr>
-          <p:nvPr/>
-        </p:nvPicPr>
-        <p:blipFill>
-          <a:blip r:embed="rId2">
-            <a:extLst>
-              <a:ext uri="{28A0092B-C50C-407E-A947-70E740481C1C}">
-                <a14:useLocalDpi xmlns:a14="http://schemas.microsoft.com/office/drawing/2010/main" val="0"/>
-              </a:ext>
-            </a:extLst>
-          </a:blip>
-          <a:stretch>
-            <a:fillRect/>
-          </a:stretch>
-        </p:blipFill>
-        <p:spPr>
-          <a:xfrm>
-            <a:off x="3325905" y="1596837"/>
-            <a:ext cx="2458571" cy="2765892"/>
-          </a:xfrm>
-          <a:prstGeom prst="rect">
-            <a:avLst/>
-          </a:prstGeom>
-        </p:spPr>
-      </p:pic>
-      <p:pic>
-        <p:nvPicPr>
-          <p:cNvPr id="9" name="图片 8"/>
-          <p:cNvPicPr>
-            <a:picLocks noChangeAspect="1"/>
-          </p:cNvPicPr>
-          <p:nvPr/>
-        </p:nvPicPr>
-        <p:blipFill>
-          <a:blip r:embed="rId3">
-            <a:extLst>
-              <a:ext uri="{28A0092B-C50C-407E-A947-70E740481C1C}">
-                <a14:useLocalDpi xmlns:a14="http://schemas.microsoft.com/office/drawing/2010/main" val="0"/>
-              </a:ext>
-            </a:extLst>
-          </a:blip>
-          <a:stretch>
-            <a:fillRect/>
-          </a:stretch>
-        </p:blipFill>
-        <p:spPr>
-          <a:xfrm>
-            <a:off x="2932404" y="4658761"/>
-            <a:ext cx="3514286" cy="666667"/>
-          </a:xfrm>
-          <a:prstGeom prst="rect">
-            <a:avLst/>
-          </a:prstGeom>
-        </p:spPr>
-      </p:pic>
-    </p:spTree>
-    <p:extLst>
-      <p:ext uri="{BB962C8B-B14F-4D97-AF65-F5344CB8AC3E}">
-        <p14:creationId xmlns:p14="http://schemas.microsoft.com/office/powerpoint/2010/main" val="1424536461"/>
-      </p:ext>
-    </p:extLst>
-  </p:cSld>
-  <p:clrMapOvr>
-    <a:masterClrMapping/>
-  </p:clrMapOvr>
-  <p:timing>
-    <p:tnLst>
-      <p:par>
-        <p:cTn id="1" dur="indefinite" restart="never" nodeType="tmRoot"/>
-      </p:par>
-    </p:tnLst>
-  </p:timing>
-</p:sld>
-</file>
-
-<file path=ppt/slides/slide5.xml><?xml version="1.0" encoding="utf-8"?>
-<p:sld xmlns:a="http://schemas.openxmlformats.org/drawingml/2006/main" xmlns:r="http://schemas.openxmlformats.org/officeDocument/2006/relationships" xmlns:p="http://schemas.openxmlformats.org/presentationml/2006/main">
-  <p:cSld>
-    <p:spTree>
-      <p:nvGrpSpPr>
-        <p:cNvPr id="1" name=""/>
-        <p:cNvGrpSpPr/>
-        <p:nvPr/>
-      </p:nvGrpSpPr>
-      <p:grpSpPr>
-        <a:xfrm>
-          <a:off x="0" y="0"/>
-          <a:ext cx="0" cy="0"/>
-          <a:chOff x="0" y="0"/>
-          <a:chExt cx="0" cy="0"/>
-        </a:xfrm>
-      </p:grpSpPr>
-      <p:sp>
-        <p:nvSpPr>
-          <p:cNvPr id="2" name="标题 1"/>
-          <p:cNvSpPr>
-            <a:spLocks noGrp="1"/>
-          </p:cNvSpPr>
-          <p:nvPr>
-            <p:ph type="title"/>
-          </p:nvPr>
-        </p:nvSpPr>
-        <p:spPr/>
-        <p:txBody>
-          <a:bodyPr/>
-          <a:lstStyle/>
-          <a:p>
-            <a:r>
-              <a:rPr lang="en-US" altLang="zh-CN" dirty="0" smtClean="0"/>
-              <a:t>Outline</a:t>
-            </a:r>
-            <a:endParaRPr lang="zh-CN" altLang="en-US" dirty="0"/>
-          </a:p>
-        </p:txBody>
-      </p:sp>
-      <p:sp>
-        <p:nvSpPr>
-          <p:cNvPr id="3" name="文本占位符 2"/>
-          <p:cNvSpPr>
-            <a:spLocks noGrp="1"/>
-          </p:cNvSpPr>
-          <p:nvPr>
-            <p:ph type="body" sz="half" idx="2"/>
-          </p:nvPr>
-        </p:nvSpPr>
-        <p:spPr/>
-        <p:txBody>
-          <a:bodyPr/>
-          <a:lstStyle/>
-          <a:p>
-            <a:r>
-              <a:rPr lang="en-US" altLang="zh-CN" dirty="0"/>
-              <a:t>1.Introduction to RPC</a:t>
-            </a:r>
-          </a:p>
-          <a:p>
-            <a:endParaRPr lang="en-US" altLang="zh-CN" dirty="0"/>
-          </a:p>
-          <a:p>
-            <a:r>
-              <a:rPr lang="en-US" altLang="zh-CN" sz="1800" dirty="0">
-                <a:solidFill>
-                  <a:schemeClr val="accent5"/>
-                </a:solidFill>
-              </a:rPr>
-              <a:t>2.What is </a:t>
-            </a:r>
-            <a:r>
-              <a:rPr lang="en-US" altLang="zh-CN" sz="1800" dirty="0" err="1" smtClean="0">
-                <a:solidFill>
-                  <a:schemeClr val="accent5"/>
-                </a:solidFill>
-              </a:rPr>
-              <a:t>rest_rpc</a:t>
-            </a:r>
-            <a:r>
-              <a:rPr lang="en-US" altLang="zh-CN" sz="1800" dirty="0" smtClean="0">
-                <a:solidFill>
-                  <a:schemeClr val="accent5"/>
-                </a:solidFill>
-              </a:rPr>
-              <a:t>?</a:t>
-            </a:r>
-            <a:endParaRPr lang="en-US" altLang="zh-CN" sz="1800" dirty="0">
-              <a:solidFill>
-                <a:schemeClr val="accent5"/>
-              </a:solidFill>
-            </a:endParaRPr>
-          </a:p>
-          <a:p>
-            <a:endParaRPr lang="en-US" altLang="zh-CN" dirty="0"/>
-          </a:p>
-          <a:p>
-            <a:r>
-              <a:rPr lang="en-US" altLang="zh-CN" dirty="0" smtClean="0"/>
-              <a:t>3.Ease </a:t>
-            </a:r>
-            <a:r>
-              <a:rPr lang="en-US" altLang="zh-CN" dirty="0"/>
-              <a:t>of use challenges</a:t>
-            </a:r>
-          </a:p>
-          <a:p>
-            <a:endParaRPr lang="en-US" altLang="zh-CN" dirty="0"/>
-          </a:p>
-          <a:p>
-            <a:r>
-              <a:rPr lang="en-US" altLang="zh-CN" dirty="0"/>
-              <a:t>4.Key technologies</a:t>
-            </a:r>
-          </a:p>
-          <a:p>
-            <a:endParaRPr lang="en-US" altLang="zh-CN" dirty="0"/>
-          </a:p>
-          <a:p>
-            <a:r>
-              <a:rPr lang="en-US" altLang="zh-CN" dirty="0"/>
-              <a:t>5</a:t>
-            </a:r>
-            <a:r>
-              <a:rPr lang="en-US" altLang="zh-CN" dirty="0" smtClean="0"/>
-              <a:t>.What can you </a:t>
-            </a:r>
-            <a:r>
-              <a:rPr lang="en-US" altLang="zh-CN" dirty="0"/>
-              <a:t>do with </a:t>
-            </a:r>
-            <a:r>
-              <a:rPr lang="en-US" altLang="zh-CN" dirty="0" smtClean="0"/>
-              <a:t>it?</a:t>
-            </a:r>
-            <a:endParaRPr lang="zh-CN" altLang="en-US" dirty="0"/>
-          </a:p>
-        </p:txBody>
-      </p:sp>
-    </p:spTree>
-    <p:extLst>
-      <p:ext uri="{BB962C8B-B14F-4D97-AF65-F5344CB8AC3E}">
-        <p14:creationId xmlns:p14="http://schemas.microsoft.com/office/powerpoint/2010/main" val="4127644444"/>
-      </p:ext>
-    </p:extLst>
-  </p:cSld>
-  <p:clrMapOvr>
-    <a:masterClrMapping/>
-  </p:clrMapOvr>
-  <p:timing>
-    <p:tnLst>
-      <p:par>
-        <p:cTn id="1" dur="indefinite" restart="never" nodeType="tmRoot"/>
-      </p:par>
-    </p:tnLst>
-  </p:timing>
-</p:sld>
-</file>
-
-<file path=ppt/slides/slide50.xml><?xml version="1.0" encoding="utf-8"?>
+<file path=ppt/slides/slide52.xml><?xml version="1.0" encoding="utf-8"?>
 <p:sld xmlns:a="http://schemas.openxmlformats.org/drawingml/2006/main" xmlns:r="http://schemas.openxmlformats.org/officeDocument/2006/relationships" xmlns:p="http://schemas.openxmlformats.org/presentationml/2006/main">
   <p:cSld>
     <p:spTree>
@@ -27583,7 +27361,7 @@
 </p:sld>
 </file>
 
-<file path=ppt/slides/slide51.xml><?xml version="1.0" encoding="utf-8"?>
+<file path=ppt/slides/slide53.xml><?xml version="1.0" encoding="utf-8"?>
 <p:sld xmlns:a="http://schemas.openxmlformats.org/drawingml/2006/main" xmlns:r="http://schemas.openxmlformats.org/officeDocument/2006/relationships" xmlns:p="http://schemas.openxmlformats.org/presentationml/2006/main">
   <p:cSld>
     <p:spTree>
@@ -27739,7 +27517,7 @@
 </p:sld>
 </file>
 
-<file path=ppt/slides/slide52.xml><?xml version="1.0" encoding="utf-8"?>
+<file path=ppt/slides/slide54.xml><?xml version="1.0" encoding="utf-8"?>
 <p:sld xmlns:a="http://schemas.openxmlformats.org/drawingml/2006/main" xmlns:r="http://schemas.openxmlformats.org/officeDocument/2006/relationships" xmlns:p="http://schemas.openxmlformats.org/presentationml/2006/main">
   <p:cSld>
     <p:spTree>
@@ -27888,7 +27666,7 @@
 </p:sld>
 </file>
 
-<file path=ppt/slides/slide53.xml><?xml version="1.0" encoding="utf-8"?>
+<file path=ppt/slides/slide55.xml><?xml version="1.0" encoding="utf-8"?>
 <p:sld xmlns:a="http://schemas.openxmlformats.org/drawingml/2006/main" xmlns:r="http://schemas.openxmlformats.org/officeDocument/2006/relationships" xmlns:p="http://schemas.openxmlformats.org/presentationml/2006/main">
   <p:cSld>
     <p:spTree>
@@ -28712,12 +28490,12 @@
           <a:lstStyle/>
           <a:p>
             <a:r>
-              <a:rPr lang="en-US" altLang="zh-CN" b="1" dirty="0"/>
-              <a:t>Problems of some RPC </a:t>
-            </a:r>
-            <a:r>
-              <a:rPr lang="en-US" altLang="zh-CN" b="1" dirty="0" smtClean="0"/>
-              <a:t>library</a:t>
+              <a:rPr lang="en-US" altLang="zh-CN" dirty="0"/>
+              <a:t>Existing RPC </a:t>
+            </a:r>
+            <a:r>
+              <a:rPr lang="en-US" altLang="zh-CN" dirty="0" err="1"/>
+              <a:t>frmework</a:t>
             </a:r>
             <a:endParaRPr lang="zh-CN" altLang="en-US" dirty="0"/>
           </a:p>

--- a/An easy to use RPC framework implemented by c++11 and c++14 - shorter.pptx
+++ b/An easy to use RPC framework implemented by c++11 and c++14 - shorter.pptx
@@ -263,7 +263,7 @@
             <a:fld id="{D3663233-B32B-4AC3-A591-4171AB65348A}" type="datetimeFigureOut">
               <a:rPr lang="zh-CN" altLang="en-US" smtClean="0"/>
               <a:pPr/>
-              <a:t>2017-05-04</a:t>
+              <a:t>2017-05-05</a:t>
             </a:fld>
             <a:endParaRPr lang="zh-CN" altLang="en-US"/>
           </a:p>
@@ -3358,7 +3358,7 @@
             <a:fld id="{12397CA8-2D6B-474E-AD0A-8CF9975324D0}" type="datetimeFigureOut">
               <a:rPr lang="zh-CN" altLang="en-US" smtClean="0"/>
               <a:pPr/>
-              <a:t>2017-05-04</a:t>
+              <a:t>2017-05-05</a:t>
             </a:fld>
             <a:endParaRPr lang="zh-CN" altLang="en-US"/>
           </a:p>
@@ -3649,7 +3649,7 @@
             <a:fld id="{12397CA8-2D6B-474E-AD0A-8CF9975324D0}" type="datetimeFigureOut">
               <a:rPr lang="zh-CN" altLang="en-US" smtClean="0"/>
               <a:pPr/>
-              <a:t>2017-05-04</a:t>
+              <a:t>2017-05-05</a:t>
             </a:fld>
             <a:endParaRPr lang="zh-CN" altLang="en-US"/>
           </a:p>
@@ -3838,7 +3838,7 @@
             <a:fld id="{12397CA8-2D6B-474E-AD0A-8CF9975324D0}" type="datetimeFigureOut">
               <a:rPr lang="zh-CN" altLang="en-US" smtClean="0"/>
               <a:pPr/>
-              <a:t>2017-05-04</a:t>
+              <a:t>2017-05-05</a:t>
             </a:fld>
             <a:endParaRPr lang="zh-CN" altLang="en-US"/>
           </a:p>
@@ -4345,7 +4345,7 @@
             <a:fld id="{12397CA8-2D6B-474E-AD0A-8CF9975324D0}" type="datetimeFigureOut">
               <a:rPr lang="zh-CN" altLang="en-US" smtClean="0"/>
               <a:pPr/>
-              <a:t>2017-05-04</a:t>
+              <a:t>2017-05-05</a:t>
             </a:fld>
             <a:endParaRPr lang="zh-CN" altLang="en-US"/>
           </a:p>
@@ -4586,7 +4586,7 @@
             <a:fld id="{12397CA8-2D6B-474E-AD0A-8CF9975324D0}" type="datetimeFigureOut">
               <a:rPr lang="zh-CN" altLang="en-US" smtClean="0"/>
               <a:pPr/>
-              <a:t>2017-05-04</a:t>
+              <a:t>2017-05-05</a:t>
             </a:fld>
             <a:endParaRPr lang="zh-CN" altLang="en-US"/>
           </a:p>
@@ -4962,7 +4962,7 @@
             <a:fld id="{12397CA8-2D6B-474E-AD0A-8CF9975324D0}" type="datetimeFigureOut">
               <a:rPr lang="zh-CN" altLang="en-US" smtClean="0"/>
               <a:pPr/>
-              <a:t>2017-05-04</a:t>
+              <a:t>2017-05-05</a:t>
             </a:fld>
             <a:endParaRPr lang="zh-CN" altLang="en-US"/>
           </a:p>
@@ -5082,7 +5082,7 @@
             <a:fld id="{12397CA8-2D6B-474E-AD0A-8CF9975324D0}" type="datetimeFigureOut">
               <a:rPr lang="zh-CN" altLang="en-US" smtClean="0"/>
               <a:pPr/>
-              <a:t>2017-05-04</a:t>
+              <a:t>2017-05-05</a:t>
             </a:fld>
             <a:endParaRPr lang="zh-CN" altLang="en-US"/>
           </a:p>
@@ -5179,7 +5179,7 @@
             <a:fld id="{12397CA8-2D6B-474E-AD0A-8CF9975324D0}" type="datetimeFigureOut">
               <a:rPr lang="zh-CN" altLang="en-US" smtClean="0"/>
               <a:pPr/>
-              <a:t>2017-05-04</a:t>
+              <a:t>2017-05-05</a:t>
             </a:fld>
             <a:endParaRPr lang="zh-CN" altLang="en-US"/>
           </a:p>
@@ -5458,7 +5458,7 @@
             <a:fld id="{12397CA8-2D6B-474E-AD0A-8CF9975324D0}" type="datetimeFigureOut">
               <a:rPr lang="zh-CN" altLang="en-US" smtClean="0"/>
               <a:pPr/>
-              <a:t>2017-05-04</a:t>
+              <a:t>2017-05-05</a:t>
             </a:fld>
             <a:endParaRPr lang="zh-CN" altLang="en-US"/>
           </a:p>
@@ -5717,7 +5717,7 @@
             <a:fld id="{12397CA8-2D6B-474E-AD0A-8CF9975324D0}" type="datetimeFigureOut">
               <a:rPr lang="zh-CN" altLang="en-US" smtClean="0"/>
               <a:pPr/>
-              <a:t>2017-05-04</a:t>
+              <a:t>2017-05-05</a:t>
             </a:fld>
             <a:endParaRPr lang="zh-CN" altLang="en-US"/>
           </a:p>
@@ -5939,7 +5939,7 @@
             <a:fld id="{12397CA8-2D6B-474E-AD0A-8CF9975324D0}" type="datetimeFigureOut">
               <a:rPr lang="zh-CN" altLang="en-US" smtClean="0"/>
               <a:pPr/>
-              <a:t>2017-05-04</a:t>
+              <a:t>2017-05-05</a:t>
             </a:fld>
             <a:endParaRPr lang="zh-CN" altLang="en-US"/>
           </a:p>
@@ -19250,7 +19250,23 @@
             </a:r>
             <a:r>
               <a:rPr lang="zh-CN" altLang="en-US" sz="2000" dirty="0" smtClean="0"/>
-              <a:t>{"hello", "test", "2"}；</a:t>
+              <a:t>{"hello", "test", "</a:t>
+            </a:r>
+            <a:r>
+              <a:rPr lang="zh-CN" altLang="en-US" sz="2000" dirty="0" smtClean="0"/>
+              <a:t>2</a:t>
+            </a:r>
+            <a:r>
+              <a:rPr lang="en-US" altLang="zh-CN" sz="2000" dirty="0" smtClean="0"/>
+              <a:t>0</a:t>
+            </a:r>
+            <a:r>
+              <a:rPr lang="zh-CN" altLang="en-US" sz="2000" dirty="0" smtClean="0"/>
+              <a:t>"}</a:t>
+            </a:r>
+            <a:r>
+              <a:rPr lang="zh-CN" altLang="en-US" sz="2000" dirty="0" smtClean="0"/>
+              <a:t>；</a:t>
             </a:r>
           </a:p>
           <a:p>
@@ -19305,15 +19321,7 @@
             </a:pPr>
             <a:r>
               <a:rPr lang="en-US" altLang="zh-CN" sz="1700" dirty="0" smtClean="0"/>
-              <a:t>save the real argument </a:t>
-            </a:r>
-            <a:r>
-              <a:rPr lang="en-US" altLang="zh-CN" sz="1700" dirty="0" smtClean="0"/>
-              <a:t>into a </a:t>
-            </a:r>
-            <a:r>
-              <a:rPr lang="en-US" altLang="zh-CN" sz="1700" dirty="0" smtClean="0"/>
-              <a:t>tuple one by one</a:t>
+              <a:t>save the real argument into a tuple one by one</a:t>
             </a:r>
             <a:endParaRPr lang="zh-CN" altLang="en-US" sz="1700" dirty="0" smtClean="0"/>
           </a:p>
@@ -21070,6 +21078,51 @@
           </a:p>
         </p:txBody>
       </p:sp>
+      <p:sp>
+        <p:nvSpPr>
+          <p:cNvPr id="4" name="矩形 3"/>
+          <p:cNvSpPr/>
+          <p:nvPr/>
+        </p:nvSpPr>
+        <p:spPr>
+          <a:xfrm>
+            <a:off x="561300" y="3935523"/>
+            <a:ext cx="6960088" cy="369332"/>
+          </a:xfrm>
+          <a:prstGeom prst="rect">
+            <a:avLst/>
+          </a:prstGeom>
+        </p:spPr>
+        <p:txBody>
+          <a:bodyPr wrap="square">
+            <a:spAutoFit/>
+          </a:bodyPr>
+          <a:lstStyle/>
+          <a:p>
+            <a:r>
+              <a:rPr lang="en-US" altLang="zh-CN" dirty="0" smtClean="0"/>
+              <a:t>former code: </a:t>
+            </a:r>
+            <a:r>
+              <a:rPr lang="en-US" altLang="zh-CN" dirty="0" err="1" smtClean="0"/>
+              <a:t>std</a:t>
+            </a:r>
+            <a:r>
+              <a:rPr lang="en-US" altLang="zh-CN" dirty="0"/>
+              <a:t>::bind(&amp;invoker&lt;</a:t>
+            </a:r>
+            <a:r>
+              <a:rPr lang="en-US" altLang="zh-CN" dirty="0" err="1"/>
+              <a:t>CodecPolicy</a:t>
+            </a:r>
+            <a:r>
+              <a:rPr lang="en-US" altLang="zh-CN" dirty="0"/>
+              <a:t>, Function&gt;::apply, f, _1, _2) </a:t>
+            </a:r>
+            <a:endParaRPr lang="en-US" altLang="zh-CN" dirty="0"/>
+          </a:p>
+        </p:txBody>
+      </p:sp>
     </p:spTree>
     <p:extLst>
       <p:ext uri="{BB962C8B-B14F-4D97-AF65-F5344CB8AC3E}">
@@ -21083,9 +21136,172 @@
   <p:timing>
     <p:tnLst>
       <p:par>
-        <p:cTn id="1" dur="indefinite" restart="never" nodeType="tmRoot"/>
+        <p:cTn id="1" dur="indefinite" restart="never" nodeType="tmRoot">
+          <p:childTnLst>
+            <p:seq concurrent="1" nextAc="seek">
+              <p:cTn id="2" dur="indefinite" nodeType="mainSeq">
+                <p:childTnLst>
+                  <p:par>
+                    <p:cTn id="3" fill="hold">
+                      <p:stCondLst>
+                        <p:cond delay="indefinite"/>
+                      </p:stCondLst>
+                      <p:childTnLst>
+                        <p:par>
+                          <p:cTn id="4" fill="hold">
+                            <p:stCondLst>
+                              <p:cond delay="0"/>
+                            </p:stCondLst>
+                            <p:childTnLst>
+                              <p:par>
+                                <p:cTn id="5" presetID="2" presetClass="entr" presetSubtype="4" fill="hold" grpId="0" nodeType="clickEffect">
+                                  <p:stCondLst>
+                                    <p:cond delay="0"/>
+                                  </p:stCondLst>
+                                  <p:childTnLst>
+                                    <p:set>
+                                      <p:cBhvr>
+                                        <p:cTn id="6" dur="1" fill="hold">
+                                          <p:stCondLst>
+                                            <p:cond delay="0"/>
+                                          </p:stCondLst>
+                                        </p:cTn>
+                                        <p:tgtEl>
+                                          <p:spTgt spid="4"/>
+                                        </p:tgtEl>
+                                        <p:attrNameLst>
+                                          <p:attrName>style.visibility</p:attrName>
+                                        </p:attrNameLst>
+                                      </p:cBhvr>
+                                      <p:to>
+                                        <p:strVal val="visible"/>
+                                      </p:to>
+                                    </p:set>
+                                    <p:anim calcmode="lin" valueType="num">
+                                      <p:cBhvr additive="base">
+                                        <p:cTn id="7" dur="500" fill="hold"/>
+                                        <p:tgtEl>
+                                          <p:spTgt spid="4"/>
+                                        </p:tgtEl>
+                                        <p:attrNameLst>
+                                          <p:attrName>ppt_x</p:attrName>
+                                        </p:attrNameLst>
+                                      </p:cBhvr>
+                                      <p:tavLst>
+                                        <p:tav tm="0">
+                                          <p:val>
+                                            <p:strVal val="#ppt_x"/>
+                                          </p:val>
+                                        </p:tav>
+                                        <p:tav tm="100000">
+                                          <p:val>
+                                            <p:strVal val="#ppt_x"/>
+                                          </p:val>
+                                        </p:tav>
+                                      </p:tavLst>
+                                    </p:anim>
+                                    <p:anim calcmode="lin" valueType="num">
+                                      <p:cBhvr additive="base">
+                                        <p:cTn id="8" dur="500" fill="hold"/>
+                                        <p:tgtEl>
+                                          <p:spTgt spid="4"/>
+                                        </p:tgtEl>
+                                        <p:attrNameLst>
+                                          <p:attrName>ppt_y</p:attrName>
+                                        </p:attrNameLst>
+                                      </p:cBhvr>
+                                      <p:tavLst>
+                                        <p:tav tm="0">
+                                          <p:val>
+                                            <p:strVal val="1+#ppt_h/2"/>
+                                          </p:val>
+                                        </p:tav>
+                                        <p:tav tm="100000">
+                                          <p:val>
+                                            <p:strVal val="#ppt_y"/>
+                                          </p:val>
+                                        </p:tav>
+                                      </p:tavLst>
+                                    </p:anim>
+                                  </p:childTnLst>
+                                </p:cTn>
+                              </p:par>
+                            </p:childTnLst>
+                          </p:cTn>
+                        </p:par>
+                      </p:childTnLst>
+                    </p:cTn>
+                  </p:par>
+                  <p:par>
+                    <p:cTn id="9" fill="hold">
+                      <p:stCondLst>
+                        <p:cond delay="indefinite"/>
+                      </p:stCondLst>
+                      <p:childTnLst>
+                        <p:par>
+                          <p:cTn id="10" fill="hold">
+                            <p:stCondLst>
+                              <p:cond delay="0"/>
+                            </p:stCondLst>
+                            <p:childTnLst>
+                              <p:par>
+                                <p:cTn id="11" presetID="1" presetClass="exit" presetSubtype="0" fill="hold" grpId="1" nodeType="clickEffect">
+                                  <p:stCondLst>
+                                    <p:cond delay="0"/>
+                                  </p:stCondLst>
+                                  <p:childTnLst>
+                                    <p:set>
+                                      <p:cBhvr>
+                                        <p:cTn id="12" dur="1" fill="hold">
+                                          <p:stCondLst>
+                                            <p:cond delay="0"/>
+                                          </p:stCondLst>
+                                        </p:cTn>
+                                        <p:tgtEl>
+                                          <p:spTgt spid="4"/>
+                                        </p:tgtEl>
+                                        <p:attrNameLst>
+                                          <p:attrName>style.visibility</p:attrName>
+                                        </p:attrNameLst>
+                                      </p:cBhvr>
+                                      <p:to>
+                                        <p:strVal val="hidden"/>
+                                      </p:to>
+                                    </p:set>
+                                  </p:childTnLst>
+                                </p:cTn>
+                              </p:par>
+                            </p:childTnLst>
+                          </p:cTn>
+                        </p:par>
+                      </p:childTnLst>
+                    </p:cTn>
+                  </p:par>
+                </p:childTnLst>
+              </p:cTn>
+              <p:prevCondLst>
+                <p:cond evt="onPrev" delay="0">
+                  <p:tgtEl>
+                    <p:sldTgt/>
+                  </p:tgtEl>
+                </p:cond>
+              </p:prevCondLst>
+              <p:nextCondLst>
+                <p:cond evt="onNext" delay="0">
+                  <p:tgtEl>
+                    <p:sldTgt/>
+                  </p:tgtEl>
+                </p:cond>
+              </p:nextCondLst>
+            </p:seq>
+          </p:childTnLst>
+        </p:cTn>
       </p:par>
     </p:tnLst>
+    <p:bldLst>
+      <p:bldP spid="4" grpId="0"/>
+      <p:bldP spid="4" grpId="1"/>
+    </p:bldLst>
   </p:timing>
 </p:sld>
 </file>
@@ -23304,32 +23520,36 @@
               <a:t>    return </a:t>
             </a:r>
             <a:r>
-              <a:rPr lang="en-US" altLang="zh-CN" dirty="0"/>
+              <a:rPr lang="en-US" altLang="zh-CN" b="1" dirty="0"/>
               <a:t>[</a:t>
             </a:r>
             <a:r>
-              <a:rPr lang="en-US" altLang="zh-CN" dirty="0" err="1"/>
+              <a:rPr lang="en-US" altLang="zh-CN" b="1" dirty="0" err="1"/>
               <a:t>func</a:t>
             </a:r>
             <a:r>
-              <a:rPr lang="en-US" altLang="zh-CN" dirty="0"/>
+              <a:rPr lang="en-US" altLang="zh-CN" b="1" dirty="0"/>
               <a:t> = </a:t>
             </a:r>
             <a:r>
-              <a:rPr lang="en-US" altLang="zh-CN" dirty="0" err="1"/>
+              <a:rPr lang="en-US" altLang="zh-CN" b="1" dirty="0" err="1"/>
               <a:t>std</a:t>
             </a:r>
             <a:r>
-              <a:rPr lang="en-US" altLang="zh-CN" dirty="0"/>
+              <a:rPr lang="en-US" altLang="zh-CN" b="1" dirty="0"/>
               <a:t>::forward&lt;F&gt;(f)](auto&amp;&amp; ... </a:t>
             </a:r>
             <a:r>
-              <a:rPr lang="en-US" altLang="zh-CN" dirty="0" err="1"/>
+              <a:rPr lang="en-US" altLang="zh-CN" b="1" dirty="0" err="1"/>
               <a:t>args</a:t>
             </a:r>
             <a:r>
+              <a:rPr lang="en-US" altLang="zh-CN" b="1" dirty="0" smtClean="0"/>
+              <a:t>)</a:t>
+            </a:r>
+            <a:r>
               <a:rPr lang="en-US" altLang="zh-CN" dirty="0" smtClean="0"/>
-              <a:t>){ </a:t>
+              <a:t>{ </a:t>
             </a:r>
           </a:p>
           <a:p>

--- a/An easy to use RPC framework implemented by c++11 and c++14 - shorter.pptx
+++ b/An easy to use RPC framework implemented by c++11 and c++14 - shorter.pptx
@@ -7097,32 +7097,14 @@
           <a:lstStyle/>
           <a:p>
             <a:r>
+              <a:rPr lang="en-US" altLang="zh-CN" b="1" dirty="0" smtClean="0"/>
+              <a:t>features of </a:t>
+            </a:r>
+            <a:r>
               <a:rPr lang="en-US" altLang="zh-CN" b="1" dirty="0" err="1" smtClean="0"/>
               <a:t>rest_rpc</a:t>
             </a:r>
-            <a:r>
-              <a:rPr lang="en-US" altLang="zh-CN" b="1" dirty="0" smtClean="0"/>
-              <a:t> is an open source RPC library</a:t>
-            </a:r>
-          </a:p>
-          <a:p>
-            <a:r>
-              <a:rPr lang="en-US" altLang="zh-CN" dirty="0"/>
-              <a:t>link: </a:t>
-            </a:r>
-            <a:r>
-              <a:rPr lang="en-US" altLang="zh-CN" dirty="0">
-                <a:hlinkClick r:id="rId3"/>
-              </a:rPr>
-              <a:t>https://</a:t>
-            </a:r>
-            <a:r>
-              <a:rPr lang="en-US" altLang="zh-CN" dirty="0" smtClean="0">
-                <a:hlinkClick r:id="rId3"/>
-              </a:rPr>
-              <a:t>github.com/topcpporg/rest_rpc</a:t>
-            </a:r>
-            <a:endParaRPr lang="en-US" altLang="zh-CN" dirty="0" smtClean="0"/>
+            <a:endParaRPr lang="en-US" altLang="zh-CN" b="1" dirty="0" smtClean="0"/>
           </a:p>
           <a:p>
             <a:endParaRPr lang="en-US" altLang="zh-CN" dirty="0" smtClean="0"/>
@@ -7156,6 +7138,34 @@
               <a:rPr lang="en-US" altLang="zh-CN" dirty="0" smtClean="0"/>
               <a:t>flexible</a:t>
             </a:r>
+          </a:p>
+          <a:p>
+            <a:pPr marL="285750" indent="-285750">
+              <a:buFont typeface="Wingdings" panose="05000000000000000000" pitchFamily="2" charset="2"/>
+              <a:buChar char="Ø"/>
+            </a:pPr>
+            <a:endParaRPr lang="en-US" altLang="zh-CN" dirty="0"/>
+          </a:p>
+          <a:p>
+            <a:r>
+              <a:rPr lang="en-US" altLang="zh-CN" dirty="0" smtClean="0">
+                <a:hlinkClick r:id="rId3"/>
+              </a:rPr>
+              <a:t>https</a:t>
+            </a:r>
+            <a:r>
+              <a:rPr lang="en-US" altLang="zh-CN" dirty="0">
+                <a:hlinkClick r:id="rId3"/>
+              </a:rPr>
+              <a:t>://github.com/topcpporg/rest_rpc</a:t>
+            </a:r>
+            <a:endParaRPr lang="en-US" altLang="zh-CN" dirty="0"/>
+          </a:p>
+          <a:p>
+            <a:pPr marL="285750" indent="-285750">
+              <a:buFont typeface="Wingdings" panose="05000000000000000000" pitchFamily="2" charset="2"/>
+              <a:buChar char="Ø"/>
+            </a:pPr>
             <a:endParaRPr lang="zh-CN" altLang="en-US" dirty="0"/>
           </a:p>
         </p:txBody>
@@ -7173,7 +7183,133 @@
   <p:timing>
     <p:tnLst>
       <p:par>
-        <p:cTn id="1" dur="indefinite" restart="never" nodeType="tmRoot"/>
+        <p:cTn id="1" dur="indefinite" restart="never" nodeType="tmRoot">
+          <p:childTnLst>
+            <p:seq concurrent="1" nextAc="seek">
+              <p:cTn id="2" dur="indefinite" nodeType="mainSeq">
+                <p:childTnLst>
+                  <p:par>
+                    <p:cTn id="3" fill="hold">
+                      <p:stCondLst>
+                        <p:cond delay="indefinite"/>
+                      </p:stCondLst>
+                      <p:childTnLst>
+                        <p:par>
+                          <p:cTn id="4" fill="hold">
+                            <p:stCondLst>
+                              <p:cond delay="0"/>
+                            </p:stCondLst>
+                            <p:childTnLst>
+                              <p:par>
+                                <p:cTn id="5" presetID="2" presetClass="entr" presetSubtype="4" fill="hold" nodeType="clickEffect">
+                                  <p:stCondLst>
+                                    <p:cond delay="0"/>
+                                  </p:stCondLst>
+                                  <p:childTnLst>
+                                    <p:set>
+                                      <p:cBhvr>
+                                        <p:cTn id="6" dur="1" fill="hold">
+                                          <p:stCondLst>
+                                            <p:cond delay="0"/>
+                                          </p:stCondLst>
+                                        </p:cTn>
+                                        <p:tgtEl>
+                                          <p:spTgt spid="3">
+                                            <p:txEl>
+                                              <p:pRg st="6" end="6"/>
+                                            </p:txEl>
+                                          </p:spTgt>
+                                        </p:tgtEl>
+                                        <p:attrNameLst>
+                                          <p:attrName>style.visibility</p:attrName>
+                                        </p:attrNameLst>
+                                      </p:cBhvr>
+                                      <p:to>
+                                        <p:strVal val="visible"/>
+                                      </p:to>
+                                    </p:set>
+                                    <p:anim calcmode="lin" valueType="num">
+                                      <p:cBhvr additive="base">
+                                        <p:cTn id="7" dur="500" fill="hold"/>
+                                        <p:tgtEl>
+                                          <p:spTgt spid="3">
+                                            <p:txEl>
+                                              <p:pRg st="6" end="6"/>
+                                            </p:txEl>
+                                          </p:spTgt>
+                                        </p:tgtEl>
+                                        <p:attrNameLst>
+                                          <p:attrName>ppt_x</p:attrName>
+                                        </p:attrNameLst>
+                                      </p:cBhvr>
+                                      <p:tavLst>
+                                        <p:tav tm="0">
+                                          <p:val>
+                                            <p:strVal val="#ppt_x"/>
+                                          </p:val>
+                                        </p:tav>
+                                        <p:tav tm="100000">
+                                          <p:val>
+                                            <p:strVal val="#ppt_x"/>
+                                          </p:val>
+                                        </p:tav>
+                                      </p:tavLst>
+                                    </p:anim>
+                                    <p:anim calcmode="lin" valueType="num">
+                                      <p:cBhvr additive="base">
+                                        <p:cTn id="8" dur="500" fill="hold"/>
+                                        <p:tgtEl>
+                                          <p:spTgt spid="3">
+                                            <p:txEl>
+                                              <p:pRg st="6" end="6"/>
+                                            </p:txEl>
+                                          </p:spTgt>
+                                        </p:tgtEl>
+                                        <p:attrNameLst>
+                                          <p:attrName>ppt_y</p:attrName>
+                                        </p:attrNameLst>
+                                      </p:cBhvr>
+                                      <p:tavLst>
+                                        <p:tav tm="0">
+                                          <p:val>
+                                            <p:strVal val="1+#ppt_h/2"/>
+                                          </p:val>
+                                        </p:tav>
+                                        <p:tav tm="100000">
+                                          <p:val>
+                                            <p:strVal val="#ppt_y"/>
+                                          </p:val>
+                                        </p:tav>
+                                      </p:tavLst>
+                                    </p:anim>
+                                  </p:childTnLst>
+                                </p:cTn>
+                              </p:par>
+                            </p:childTnLst>
+                          </p:cTn>
+                        </p:par>
+                      </p:childTnLst>
+                    </p:cTn>
+                  </p:par>
+                </p:childTnLst>
+              </p:cTn>
+              <p:prevCondLst>
+                <p:cond evt="onPrev" delay="0">
+                  <p:tgtEl>
+                    <p:sldTgt/>
+                  </p:tgtEl>
+                </p:cond>
+              </p:prevCondLst>
+              <p:nextCondLst>
+                <p:cond evt="onNext" delay="0">
+                  <p:tgtEl>
+                    <p:sldTgt/>
+                  </p:tgtEl>
+                </p:cond>
+              </p:nextCondLst>
+            </p:seq>
+          </p:childTnLst>
+        </p:cTn>
       </p:par>
     </p:tnLst>
   </p:timing>
@@ -10046,7 +10182,15 @@
                   <a:srgbClr val="7030A0"/>
                 </a:solidFill>
               </a:rPr>
-              <a:t>in a same container</a:t>
+              <a:t>in </a:t>
+            </a:r>
+            <a:r>
+              <a:rPr lang="en-US" altLang="zh-CN" sz="2400" dirty="0" smtClean="0">
+                <a:solidFill>
+                  <a:srgbClr val="7030A0"/>
+                </a:solidFill>
+              </a:rPr>
+              <a:t>one container</a:t>
             </a:r>
             <a:endParaRPr lang="zh-CN" altLang="en-US" sz="2400" dirty="0">
               <a:solidFill>
@@ -10617,8 +10761,13 @@
           <a:p>
             <a:r>
               <a:rPr lang="en-US" altLang="zh-CN" dirty="0" smtClean="0"/>
-              <a:t>C++ has no such a container</a:t>
-            </a:r>
+              <a:t>C++ </a:t>
+            </a:r>
+            <a:r>
+              <a:rPr lang="en-US" altLang="zh-CN" dirty="0" smtClean="0"/>
+              <a:t>has  no such container</a:t>
+            </a:r>
+            <a:endParaRPr lang="en-US" altLang="zh-CN" dirty="0" smtClean="0"/>
           </a:p>
           <a:p>
             <a:endParaRPr lang="en-US" altLang="zh-CN" dirty="0" smtClean="0"/>
@@ -11126,30 +11275,21 @@
                             </p:childTnLst>
                           </p:cTn>
                         </p:par>
-                      </p:childTnLst>
-                    </p:cTn>
-                  </p:par>
-                  <p:par>
-                    <p:cTn id="8" fill="hold">
-                      <p:stCondLst>
-                        <p:cond delay="indefinite"/>
-                      </p:stCondLst>
-                      <p:childTnLst>
                         <p:par>
-                          <p:cTn id="9" fill="hold">
+                          <p:cTn id="8" fill="hold">
                             <p:stCondLst>
-                              <p:cond delay="0"/>
+                              <p:cond delay="500"/>
                             </p:stCondLst>
                             <p:childTnLst>
                               <p:par>
-                                <p:cTn id="10" presetID="22" presetClass="entr" presetSubtype="1" fill="hold" grpId="0" nodeType="clickEffect">
+                                <p:cTn id="9" presetID="22" presetClass="entr" presetSubtype="1" fill="hold" grpId="0" nodeType="afterEffect">
                                   <p:stCondLst>
                                     <p:cond delay="0"/>
                                   </p:stCondLst>
                                   <p:childTnLst>
                                     <p:set>
                                       <p:cBhvr>
-                                        <p:cTn id="11" dur="1" fill="hold">
+                                        <p:cTn id="10" dur="1" fill="hold">
                                           <p:stCondLst>
                                             <p:cond delay="0"/>
                                           </p:stCondLst>
@@ -11167,7 +11307,7 @@
                                     </p:set>
                                     <p:animEffect transition="in" filter="wipe(up)">
                                       <p:cBhvr>
-                                        <p:cTn id="12" dur="500"/>
+                                        <p:cTn id="11" dur="500"/>
                                         <p:tgtEl>
                                           <p:spTgt spid="11"/>
                                         </p:tgtEl>
@@ -11183,26 +11323,26 @@
                     </p:cTn>
                   </p:par>
                   <p:par>
-                    <p:cTn id="13" fill="hold">
+                    <p:cTn id="12" fill="hold">
                       <p:stCondLst>
                         <p:cond delay="indefinite"/>
                       </p:stCondLst>
                       <p:childTnLst>
                         <p:par>
-                          <p:cTn id="14" fill="hold">
+                          <p:cTn id="13" fill="hold">
                             <p:stCondLst>
                               <p:cond delay="0"/>
                             </p:stCondLst>
                             <p:childTnLst>
                               <p:par>
-                                <p:cTn id="15" presetID="2" presetClass="entr" presetSubtype="4" fill="hold" grpId="0" nodeType="clickEffect">
+                                <p:cTn id="14" presetID="2" presetClass="entr" presetSubtype="4" fill="hold" grpId="0" nodeType="clickEffect">
                                   <p:stCondLst>
                                     <p:cond delay="0"/>
                                   </p:stCondLst>
                                   <p:childTnLst>
                                     <p:set>
                                       <p:cBhvr>
-                                        <p:cTn id="16" dur="1" fill="hold">
+                                        <p:cTn id="15" dur="1" fill="hold">
                                           <p:stCondLst>
                                             <p:cond delay="0"/>
                                           </p:stCondLst>
@@ -11220,7 +11360,7 @@
                                     </p:set>
                                     <p:anim calcmode="lin" valueType="num">
                                       <p:cBhvr additive="base">
-                                        <p:cTn id="17" dur="500" fill="hold"/>
+                                        <p:cTn id="16" dur="500" fill="hold"/>
                                         <p:tgtEl>
                                           <p:spTgt spid="12"/>
                                         </p:tgtEl>
@@ -11243,7 +11383,7 @@
                                     </p:anim>
                                     <p:anim calcmode="lin" valueType="num">
                                       <p:cBhvr additive="base">
-                                        <p:cTn id="18" dur="500" fill="hold"/>
+                                        <p:cTn id="17" dur="500" fill="hold"/>
                                         <p:tgtEl>
                                           <p:spTgt spid="12"/>
                                         </p:tgtEl>
@@ -11596,6 +11736,125 @@
               <a:rPr lang="zh-CN" altLang="en-US" b="1" dirty="0"/>
               <a:t>modern c++ can solve the problem</a:t>
             </a:r>
+          </a:p>
+        </p:txBody>
+      </p:sp>
+      <p:sp>
+        <p:nvSpPr>
+          <p:cNvPr id="12" name="矩形 11"/>
+          <p:cNvSpPr/>
+          <p:nvPr/>
+        </p:nvSpPr>
+        <p:spPr>
+          <a:xfrm>
+            <a:off x="7729155" y="4336851"/>
+            <a:ext cx="1286728" cy="1477328"/>
+          </a:xfrm>
+          <a:prstGeom prst="rect">
+            <a:avLst/>
+          </a:prstGeom>
+        </p:spPr>
+        <p:txBody>
+          <a:bodyPr wrap="square">
+            <a:spAutoFit/>
+          </a:bodyPr>
+          <a:lstStyle/>
+          <a:p>
+            <a:r>
+              <a:rPr lang="zh-CN" altLang="en-US" dirty="0"/>
+              <a:t>int</a:t>
+            </a:r>
+          </a:p>
+          <a:p>
+            <a:r>
+              <a:rPr lang="zh-CN" altLang="en-US" dirty="0"/>
+              <a:t>int&amp;</a:t>
+            </a:r>
+          </a:p>
+          <a:p>
+            <a:r>
+              <a:rPr lang="zh-CN" altLang="en-US" dirty="0"/>
+              <a:t>int&amp;&amp;</a:t>
+            </a:r>
+          </a:p>
+          <a:p>
+            <a:r>
+              <a:rPr lang="zh-CN" altLang="en-US" dirty="0"/>
+              <a:t>const int</a:t>
+            </a:r>
+            <a:r>
+              <a:rPr lang="zh-CN" altLang="en-US" dirty="0" smtClean="0"/>
+              <a:t>&amp;</a:t>
+            </a:r>
+            <a:endParaRPr lang="en-US" altLang="zh-CN" dirty="0" smtClean="0"/>
+          </a:p>
+          <a:p>
+            <a:r>
+              <a:rPr lang="en-US" altLang="zh-CN" dirty="0" smtClean="0"/>
+              <a:t>……</a:t>
+            </a:r>
+            <a:endParaRPr lang="zh-CN" altLang="en-US" dirty="0"/>
+          </a:p>
+        </p:txBody>
+      </p:sp>
+      <p:sp>
+        <p:nvSpPr>
+          <p:cNvPr id="13" name="矩形 12"/>
+          <p:cNvSpPr/>
+          <p:nvPr/>
+        </p:nvSpPr>
+        <p:spPr>
+          <a:xfrm>
+            <a:off x="6085221" y="4336851"/>
+            <a:ext cx="1698234" cy="1477328"/>
+          </a:xfrm>
+          <a:prstGeom prst="rect">
+            <a:avLst/>
+          </a:prstGeom>
+        </p:spPr>
+        <p:txBody>
+          <a:bodyPr wrap="square">
+            <a:spAutoFit/>
+          </a:bodyPr>
+          <a:lstStyle/>
+          <a:p>
+            <a:r>
+              <a:rPr lang="en-US" altLang="zh-CN" dirty="0" smtClean="0"/>
+              <a:t>return type</a:t>
+            </a:r>
+            <a:endParaRPr lang="zh-CN" altLang="en-US" dirty="0"/>
+          </a:p>
+          <a:p>
+            <a:r>
+              <a:rPr lang="en-US" altLang="zh-CN" dirty="0" smtClean="0"/>
+              <a:t>arguments type</a:t>
+            </a:r>
+            <a:endParaRPr lang="zh-CN" altLang="en-US" dirty="0"/>
+          </a:p>
+          <a:p>
+            <a:r>
+              <a:rPr lang="en-US" altLang="zh-CN" dirty="0" smtClean="0"/>
+              <a:t>reference</a:t>
+            </a:r>
+            <a:endParaRPr lang="zh-CN" altLang="en-US" dirty="0"/>
+          </a:p>
+          <a:p>
+            <a:r>
+              <a:rPr lang="en-US" altLang="zh-CN" dirty="0" err="1" smtClean="0"/>
+              <a:t>const</a:t>
+            </a:r>
+            <a:r>
+              <a:rPr lang="en-US" altLang="zh-CN" dirty="0"/>
+              <a:t> volatile</a:t>
+            </a:r>
+            <a:endParaRPr lang="en-US" altLang="zh-CN" dirty="0" smtClean="0"/>
+          </a:p>
+          <a:p>
+            <a:r>
+              <a:rPr lang="en-US" altLang="zh-CN" dirty="0" smtClean="0"/>
+              <a:t>……</a:t>
+            </a:r>
+            <a:endParaRPr lang="zh-CN" altLang="en-US" dirty="0"/>
           </a:p>
         </p:txBody>
       </p:sp>
@@ -11818,7 +12077,7 @@
                             </p:stCondLst>
                             <p:childTnLst>
                               <p:par>
-                                <p:cTn id="20" presetID="26" presetClass="entr" presetSubtype="0" fill="hold" grpId="0" nodeType="clickEffect">
+                                <p:cTn id="20" presetID="2" presetClass="entr" presetSubtype="4" fill="hold" grpId="0" nodeType="clickEffect">
                                   <p:stCondLst>
                                     <p:cond delay="0"/>
                                   </p:stCondLst>
@@ -11826,6 +12085,170 @@
                                     <p:set>
                                       <p:cBhvr>
                                         <p:cTn id="21" dur="1" fill="hold">
+                                          <p:stCondLst>
+                                            <p:cond delay="0"/>
+                                          </p:stCondLst>
+                                        </p:cTn>
+                                        <p:tgtEl>
+                                          <p:spTgt spid="13"/>
+                                        </p:tgtEl>
+                                        <p:attrNameLst>
+                                          <p:attrName>style.visibility</p:attrName>
+                                        </p:attrNameLst>
+                                      </p:cBhvr>
+                                      <p:to>
+                                        <p:strVal val="visible"/>
+                                      </p:to>
+                                    </p:set>
+                                    <p:anim calcmode="lin" valueType="num">
+                                      <p:cBhvr additive="base">
+                                        <p:cTn id="22" dur="500" fill="hold"/>
+                                        <p:tgtEl>
+                                          <p:spTgt spid="13"/>
+                                        </p:tgtEl>
+                                        <p:attrNameLst>
+                                          <p:attrName>ppt_x</p:attrName>
+                                        </p:attrNameLst>
+                                      </p:cBhvr>
+                                      <p:tavLst>
+                                        <p:tav tm="0">
+                                          <p:val>
+                                            <p:strVal val="#ppt_x"/>
+                                          </p:val>
+                                        </p:tav>
+                                        <p:tav tm="100000">
+                                          <p:val>
+                                            <p:strVal val="#ppt_x"/>
+                                          </p:val>
+                                        </p:tav>
+                                      </p:tavLst>
+                                    </p:anim>
+                                    <p:anim calcmode="lin" valueType="num">
+                                      <p:cBhvr additive="base">
+                                        <p:cTn id="23" dur="500" fill="hold"/>
+                                        <p:tgtEl>
+                                          <p:spTgt spid="13"/>
+                                        </p:tgtEl>
+                                        <p:attrNameLst>
+                                          <p:attrName>ppt_y</p:attrName>
+                                        </p:attrNameLst>
+                                      </p:cBhvr>
+                                      <p:tavLst>
+                                        <p:tav tm="0">
+                                          <p:val>
+                                            <p:strVal val="1+#ppt_h/2"/>
+                                          </p:val>
+                                        </p:tav>
+                                        <p:tav tm="100000">
+                                          <p:val>
+                                            <p:strVal val="#ppt_y"/>
+                                          </p:val>
+                                        </p:tav>
+                                      </p:tavLst>
+                                    </p:anim>
+                                  </p:childTnLst>
+                                </p:cTn>
+                              </p:par>
+                              <p:par>
+                                <p:cTn id="24" presetID="2" presetClass="entr" presetSubtype="4" fill="hold" grpId="0" nodeType="withEffect">
+                                  <p:stCondLst>
+                                    <p:cond delay="0"/>
+                                  </p:stCondLst>
+                                  <p:childTnLst>
+                                    <p:set>
+                                      <p:cBhvr>
+                                        <p:cTn id="25" dur="1" fill="hold">
+                                          <p:stCondLst>
+                                            <p:cond delay="0"/>
+                                          </p:stCondLst>
+                                        </p:cTn>
+                                        <p:tgtEl>
+                                          <p:spTgt spid="12"/>
+                                        </p:tgtEl>
+                                        <p:attrNameLst>
+                                          <p:attrName>style.visibility</p:attrName>
+                                        </p:attrNameLst>
+                                      </p:cBhvr>
+                                      <p:to>
+                                        <p:strVal val="visible"/>
+                                      </p:to>
+                                    </p:set>
+                                    <p:anim calcmode="lin" valueType="num">
+                                      <p:cBhvr additive="base">
+                                        <p:cTn id="26" dur="500" fill="hold"/>
+                                        <p:tgtEl>
+                                          <p:spTgt spid="12"/>
+                                        </p:tgtEl>
+                                        <p:attrNameLst>
+                                          <p:attrName>ppt_x</p:attrName>
+                                        </p:attrNameLst>
+                                      </p:cBhvr>
+                                      <p:tavLst>
+                                        <p:tav tm="0">
+                                          <p:val>
+                                            <p:strVal val="#ppt_x"/>
+                                          </p:val>
+                                        </p:tav>
+                                        <p:tav tm="100000">
+                                          <p:val>
+                                            <p:strVal val="#ppt_x"/>
+                                          </p:val>
+                                        </p:tav>
+                                      </p:tavLst>
+                                    </p:anim>
+                                    <p:anim calcmode="lin" valueType="num">
+                                      <p:cBhvr additive="base">
+                                        <p:cTn id="27" dur="500" fill="hold"/>
+                                        <p:tgtEl>
+                                          <p:spTgt spid="12"/>
+                                        </p:tgtEl>
+                                        <p:attrNameLst>
+                                          <p:attrName>ppt_y</p:attrName>
+                                        </p:attrNameLst>
+                                      </p:cBhvr>
+                                      <p:tavLst>
+                                        <p:tav tm="0">
+                                          <p:val>
+                                            <p:strVal val="1+#ppt_h/2"/>
+                                          </p:val>
+                                        </p:tav>
+                                        <p:tav tm="100000">
+                                          <p:val>
+                                            <p:strVal val="#ppt_y"/>
+                                          </p:val>
+                                        </p:tav>
+                                      </p:tavLst>
+                                    </p:anim>
+                                  </p:childTnLst>
+                                </p:cTn>
+                              </p:par>
+                            </p:childTnLst>
+                          </p:cTn>
+                        </p:par>
+                      </p:childTnLst>
+                    </p:cTn>
+                  </p:par>
+                  <p:par>
+                    <p:cTn id="28" fill="hold">
+                      <p:stCondLst>
+                        <p:cond delay="indefinite"/>
+                      </p:stCondLst>
+                      <p:childTnLst>
+                        <p:par>
+                          <p:cTn id="29" fill="hold">
+                            <p:stCondLst>
+                              <p:cond delay="0"/>
+                            </p:stCondLst>
+                            <p:childTnLst>
+                              <p:par>
+                                <p:cTn id="30" presetID="26" presetClass="entr" presetSubtype="0" fill="hold" grpId="0" nodeType="clickEffect">
+                                  <p:stCondLst>
+                                    <p:cond delay="0"/>
+                                  </p:stCondLst>
+                                  <p:childTnLst>
+                                    <p:set>
+                                      <p:cBhvr>
+                                        <p:cTn id="31" dur="1" fill="hold">
                                           <p:stCondLst>
                                             <p:cond delay="0"/>
                                           </p:stCondLst>
@@ -11843,7 +12266,7 @@
                                     </p:set>
                                     <p:animEffect transition="in" filter="wipe(down)">
                                       <p:cBhvr>
-                                        <p:cTn id="22" dur="580">
+                                        <p:cTn id="32" dur="580">
                                           <p:stCondLst>
                                             <p:cond delay="0"/>
                                           </p:stCondLst>
@@ -11855,7 +12278,7 @@
                                     </p:animEffect>
                                     <p:anim calcmode="lin" valueType="num">
                                       <p:cBhvr>
-                                        <p:cTn id="23" dur="1822" tmFilter="0,0; 0.14,0.36; 0.43,0.73; 0.71,0.91; 1.0,1.0">
+                                        <p:cTn id="33" dur="1822" tmFilter="0,0; 0.14,0.36; 0.43,0.73; 0.71,0.91; 1.0,1.0">
                                           <p:stCondLst>
                                             <p:cond delay="0"/>
                                           </p:stCondLst>
@@ -11882,7 +12305,7 @@
                                     </p:anim>
                                     <p:anim calcmode="lin" valueType="num">
                                       <p:cBhvr>
-                                        <p:cTn id="24" dur="664" tmFilter="0.0,0.0; 0.25,0.07; 0.50,0.2; 0.75,0.467; 1.0,1.0">
+                                        <p:cTn id="34" dur="664" tmFilter="0.0,0.0; 0.25,0.07; 0.50,0.2; 0.75,0.467; 1.0,1.0">
                                           <p:stCondLst>
                                             <p:cond delay="0"/>
                                           </p:stCondLst>
@@ -11909,7 +12332,7 @@
                                     </p:anim>
                                     <p:anim calcmode="lin" valueType="num">
                                       <p:cBhvr>
-                                        <p:cTn id="25" dur="664" tmFilter="0, 0; 0.125,0.2665; 0.25,0.4; 0.375,0.465; 0.5,0.5;  0.625,0.535; 0.75,0.6; 0.875,0.7335; 1,1">
+                                        <p:cTn id="35" dur="664" tmFilter="0, 0; 0.125,0.2665; 0.25,0.4; 0.375,0.465; 0.5,0.5;  0.625,0.535; 0.75,0.6; 0.875,0.7335; 1,1">
                                           <p:stCondLst>
                                             <p:cond delay="664"/>
                                           </p:stCondLst>
@@ -11936,7 +12359,7 @@
                                     </p:anim>
                                     <p:anim calcmode="lin" valueType="num">
                                       <p:cBhvr>
-                                        <p:cTn id="26" dur="332" tmFilter="0, 0; 0.125,0.2665; 0.25,0.4; 0.375,0.465; 0.5,0.5;  0.625,0.535; 0.75,0.6; 0.875,0.7335; 1,1">
+                                        <p:cTn id="36" dur="332" tmFilter="0, 0; 0.125,0.2665; 0.25,0.4; 0.375,0.465; 0.5,0.5;  0.625,0.535; 0.75,0.6; 0.875,0.7335; 1,1">
                                           <p:stCondLst>
                                             <p:cond delay="1324"/>
                                           </p:stCondLst>
@@ -11963,7 +12386,7 @@
                                     </p:anim>
                                     <p:anim calcmode="lin" valueType="num">
                                       <p:cBhvr>
-                                        <p:cTn id="27" dur="164" tmFilter="0, 0; 0.125,0.2665; 0.25,0.4; 0.375,0.465; 0.5,0.5;  0.625,0.535; 0.75,0.6; 0.875,0.7335; 1,1">
+                                        <p:cTn id="37" dur="164" tmFilter="0, 0; 0.125,0.2665; 0.25,0.4; 0.375,0.465; 0.5,0.5;  0.625,0.535; 0.75,0.6; 0.875,0.7335; 1,1">
                                           <p:stCondLst>
                                             <p:cond delay="1656"/>
                                           </p:stCondLst>
@@ -11990,7 +12413,7 @@
                                     </p:anim>
                                     <p:animScale>
                                       <p:cBhvr>
-                                        <p:cTn id="28" dur="26">
+                                        <p:cTn id="38" dur="26">
                                           <p:stCondLst>
                                             <p:cond delay="650"/>
                                           </p:stCondLst>
@@ -12003,7 +12426,7 @@
                                     </p:animScale>
                                     <p:animScale>
                                       <p:cBhvr>
-                                        <p:cTn id="29" dur="166" decel="50000">
+                                        <p:cTn id="39" dur="166" decel="50000">
                                           <p:stCondLst>
                                             <p:cond delay="676"/>
                                           </p:stCondLst>
@@ -12016,7 +12439,7 @@
                                     </p:animScale>
                                     <p:animScale>
                                       <p:cBhvr>
-                                        <p:cTn id="30" dur="26">
+                                        <p:cTn id="40" dur="26">
                                           <p:stCondLst>
                                             <p:cond delay="1312"/>
                                           </p:stCondLst>
@@ -12029,7 +12452,7 @@
                                     </p:animScale>
                                     <p:animScale>
                                       <p:cBhvr>
-                                        <p:cTn id="31" dur="166" decel="50000">
+                                        <p:cTn id="41" dur="166" decel="50000">
                                           <p:stCondLst>
                                             <p:cond delay="1338"/>
                                           </p:stCondLst>
@@ -12042,7 +12465,7 @@
                                     </p:animScale>
                                     <p:animScale>
                                       <p:cBhvr>
-                                        <p:cTn id="32" dur="26">
+                                        <p:cTn id="42" dur="26">
                                           <p:stCondLst>
                                             <p:cond delay="1642"/>
                                           </p:stCondLst>
@@ -12055,7 +12478,7 @@
                                     </p:animScale>
                                     <p:animScale>
                                       <p:cBhvr>
-                                        <p:cTn id="33" dur="166" decel="50000">
+                                        <p:cTn id="43" dur="166" decel="50000">
                                           <p:stCondLst>
                                             <p:cond delay="1668"/>
                                           </p:stCondLst>
@@ -12068,7 +12491,7 @@
                                     </p:animScale>
                                     <p:animScale>
                                       <p:cBhvr>
-                                        <p:cTn id="34" dur="26">
+                                        <p:cTn id="44" dur="26">
                                           <p:stCondLst>
                                             <p:cond delay="1808"/>
                                           </p:stCondLst>
@@ -12081,7 +12504,7 @@
                                     </p:animScale>
                                     <p:animScale>
                                       <p:cBhvr>
-                                        <p:cTn id="35" dur="166" decel="50000">
+                                        <p:cTn id="45" dur="166" decel="50000">
                                           <p:stCondLst>
                                             <p:cond delay="1834"/>
                                           </p:stCondLst>
@@ -12127,6 +12550,8 @@
       <p:bldP spid="9" grpId="0" animBg="1"/>
       <p:bldP spid="10" grpId="0"/>
       <p:bldP spid="11" grpId="0"/>
+      <p:bldP spid="12" grpId="0"/>
+      <p:bldP spid="13" grpId="0"/>
     </p:bldLst>
   </p:timing>
 </p:sld>
@@ -12420,125 +12845,6 @@
               </a:rPr>
               <a:t>function type information</a:t>
             </a:r>
-          </a:p>
-        </p:txBody>
-      </p:sp>
-      <p:sp>
-        <p:nvSpPr>
-          <p:cNvPr id="8" name="矩形 7"/>
-          <p:cNvSpPr/>
-          <p:nvPr/>
-        </p:nvSpPr>
-        <p:spPr>
-          <a:xfrm>
-            <a:off x="4326803" y="3606049"/>
-            <a:ext cx="1286728" cy="1477328"/>
-          </a:xfrm>
-          <a:prstGeom prst="rect">
-            <a:avLst/>
-          </a:prstGeom>
-        </p:spPr>
-        <p:txBody>
-          <a:bodyPr wrap="square">
-            <a:spAutoFit/>
-          </a:bodyPr>
-          <a:lstStyle/>
-          <a:p>
-            <a:r>
-              <a:rPr lang="zh-CN" altLang="en-US" dirty="0"/>
-              <a:t>int</a:t>
-            </a:r>
-          </a:p>
-          <a:p>
-            <a:r>
-              <a:rPr lang="zh-CN" altLang="en-US" dirty="0"/>
-              <a:t>int&amp;</a:t>
-            </a:r>
-          </a:p>
-          <a:p>
-            <a:r>
-              <a:rPr lang="zh-CN" altLang="en-US" dirty="0"/>
-              <a:t>int&amp;&amp;</a:t>
-            </a:r>
-          </a:p>
-          <a:p>
-            <a:r>
-              <a:rPr lang="zh-CN" altLang="en-US" dirty="0"/>
-              <a:t>const int</a:t>
-            </a:r>
-            <a:r>
-              <a:rPr lang="zh-CN" altLang="en-US" dirty="0" smtClean="0"/>
-              <a:t>&amp;</a:t>
-            </a:r>
-            <a:endParaRPr lang="en-US" altLang="zh-CN" dirty="0" smtClean="0"/>
-          </a:p>
-          <a:p>
-            <a:r>
-              <a:rPr lang="en-US" altLang="zh-CN" dirty="0" smtClean="0"/>
-              <a:t>……</a:t>
-            </a:r>
-            <a:endParaRPr lang="zh-CN" altLang="en-US" dirty="0"/>
-          </a:p>
-        </p:txBody>
-      </p:sp>
-      <p:sp>
-        <p:nvSpPr>
-          <p:cNvPr id="9" name="矩形 8"/>
-          <p:cNvSpPr/>
-          <p:nvPr/>
-        </p:nvSpPr>
-        <p:spPr>
-          <a:xfrm>
-            <a:off x="2183484" y="3606049"/>
-            <a:ext cx="1698234" cy="1477328"/>
-          </a:xfrm>
-          <a:prstGeom prst="rect">
-            <a:avLst/>
-          </a:prstGeom>
-        </p:spPr>
-        <p:txBody>
-          <a:bodyPr wrap="square">
-            <a:spAutoFit/>
-          </a:bodyPr>
-          <a:lstStyle/>
-          <a:p>
-            <a:r>
-              <a:rPr lang="en-US" altLang="zh-CN" dirty="0" smtClean="0"/>
-              <a:t>return type</a:t>
-            </a:r>
-            <a:endParaRPr lang="zh-CN" altLang="en-US" dirty="0"/>
-          </a:p>
-          <a:p>
-            <a:r>
-              <a:rPr lang="en-US" altLang="zh-CN" dirty="0" smtClean="0"/>
-              <a:t>arguments type</a:t>
-            </a:r>
-            <a:endParaRPr lang="zh-CN" altLang="en-US" dirty="0"/>
-          </a:p>
-          <a:p>
-            <a:r>
-              <a:rPr lang="en-US" altLang="zh-CN" dirty="0" smtClean="0"/>
-              <a:t>reference</a:t>
-            </a:r>
-            <a:endParaRPr lang="zh-CN" altLang="en-US" dirty="0"/>
-          </a:p>
-          <a:p>
-            <a:r>
-              <a:rPr lang="en-US" altLang="zh-CN" dirty="0" err="1" smtClean="0"/>
-              <a:t>const</a:t>
-            </a:r>
-            <a:r>
-              <a:rPr lang="en-US" altLang="zh-CN" dirty="0"/>
-              <a:t> volatile</a:t>
-            </a:r>
-            <a:endParaRPr lang="en-US" altLang="zh-CN" dirty="0" smtClean="0"/>
-          </a:p>
-          <a:p>
-            <a:r>
-              <a:rPr lang="en-US" altLang="zh-CN" dirty="0" smtClean="0"/>
-              <a:t>……</a:t>
-            </a:r>
-            <a:endParaRPr lang="zh-CN" altLang="en-US" dirty="0"/>
           </a:p>
         </p:txBody>
       </p:sp>
@@ -13259,185 +13565,21 @@
                             </p:childTnLst>
                           </p:cTn>
                         </p:par>
-                      </p:childTnLst>
-                    </p:cTn>
-                  </p:par>
-                  <p:par>
-                    <p:cTn id="39" fill="hold">
-                      <p:stCondLst>
-                        <p:cond delay="indefinite"/>
-                      </p:stCondLst>
-                      <p:childTnLst>
                         <p:par>
-                          <p:cTn id="40" fill="hold">
+                          <p:cTn id="39" fill="hold">
                             <p:stCondLst>
-                              <p:cond delay="0"/>
+                              <p:cond delay="1500"/>
                             </p:stCondLst>
                             <p:childTnLst>
                               <p:par>
-                                <p:cTn id="41" presetID="2" presetClass="entr" presetSubtype="4" fill="hold" grpId="0" nodeType="clickEffect">
+                                <p:cTn id="40" presetID="22" presetClass="entr" presetSubtype="8" fill="hold" grpId="0" nodeType="afterEffect">
                                   <p:stCondLst>
                                     <p:cond delay="0"/>
                                   </p:stCondLst>
                                   <p:childTnLst>
                                     <p:set>
                                       <p:cBhvr>
-                                        <p:cTn id="42" dur="1" fill="hold">
-                                          <p:stCondLst>
-                                            <p:cond delay="0"/>
-                                          </p:stCondLst>
-                                        </p:cTn>
-                                        <p:tgtEl>
-                                          <p:spTgt spid="9"/>
-                                        </p:tgtEl>
-                                        <p:attrNameLst>
-                                          <p:attrName>style.visibility</p:attrName>
-                                        </p:attrNameLst>
-                                      </p:cBhvr>
-                                      <p:to>
-                                        <p:strVal val="visible"/>
-                                      </p:to>
-                                    </p:set>
-                                    <p:anim calcmode="lin" valueType="num">
-                                      <p:cBhvr additive="base">
-                                        <p:cTn id="43" dur="500" fill="hold"/>
-                                        <p:tgtEl>
-                                          <p:spTgt spid="9"/>
-                                        </p:tgtEl>
-                                        <p:attrNameLst>
-                                          <p:attrName>ppt_x</p:attrName>
-                                        </p:attrNameLst>
-                                      </p:cBhvr>
-                                      <p:tavLst>
-                                        <p:tav tm="0">
-                                          <p:val>
-                                            <p:strVal val="#ppt_x"/>
-                                          </p:val>
-                                        </p:tav>
-                                        <p:tav tm="100000">
-                                          <p:val>
-                                            <p:strVal val="#ppt_x"/>
-                                          </p:val>
-                                        </p:tav>
-                                      </p:tavLst>
-                                    </p:anim>
-                                    <p:anim calcmode="lin" valueType="num">
-                                      <p:cBhvr additive="base">
-                                        <p:cTn id="44" dur="500" fill="hold"/>
-                                        <p:tgtEl>
-                                          <p:spTgt spid="9"/>
-                                        </p:tgtEl>
-                                        <p:attrNameLst>
-                                          <p:attrName>ppt_y</p:attrName>
-                                        </p:attrNameLst>
-                                      </p:cBhvr>
-                                      <p:tavLst>
-                                        <p:tav tm="0">
-                                          <p:val>
-                                            <p:strVal val="1+#ppt_h/2"/>
-                                          </p:val>
-                                        </p:tav>
-                                        <p:tav tm="100000">
-                                          <p:val>
-                                            <p:strVal val="#ppt_y"/>
-                                          </p:val>
-                                        </p:tav>
-                                      </p:tavLst>
-                                    </p:anim>
-                                  </p:childTnLst>
-                                </p:cTn>
-                              </p:par>
-                              <p:par>
-                                <p:cTn id="45" presetID="2" presetClass="entr" presetSubtype="4" fill="hold" grpId="0" nodeType="withEffect">
-                                  <p:stCondLst>
-                                    <p:cond delay="0"/>
-                                  </p:stCondLst>
-                                  <p:childTnLst>
-                                    <p:set>
-                                      <p:cBhvr>
-                                        <p:cTn id="46" dur="1" fill="hold">
-                                          <p:stCondLst>
-                                            <p:cond delay="0"/>
-                                          </p:stCondLst>
-                                        </p:cTn>
-                                        <p:tgtEl>
-                                          <p:spTgt spid="8"/>
-                                        </p:tgtEl>
-                                        <p:attrNameLst>
-                                          <p:attrName>style.visibility</p:attrName>
-                                        </p:attrNameLst>
-                                      </p:cBhvr>
-                                      <p:to>
-                                        <p:strVal val="visible"/>
-                                      </p:to>
-                                    </p:set>
-                                    <p:anim calcmode="lin" valueType="num">
-                                      <p:cBhvr additive="base">
-                                        <p:cTn id="47" dur="500" fill="hold"/>
-                                        <p:tgtEl>
-                                          <p:spTgt spid="8"/>
-                                        </p:tgtEl>
-                                        <p:attrNameLst>
-                                          <p:attrName>ppt_x</p:attrName>
-                                        </p:attrNameLst>
-                                      </p:cBhvr>
-                                      <p:tavLst>
-                                        <p:tav tm="0">
-                                          <p:val>
-                                            <p:strVal val="#ppt_x"/>
-                                          </p:val>
-                                        </p:tav>
-                                        <p:tav tm="100000">
-                                          <p:val>
-                                            <p:strVal val="#ppt_x"/>
-                                          </p:val>
-                                        </p:tav>
-                                      </p:tavLst>
-                                    </p:anim>
-                                    <p:anim calcmode="lin" valueType="num">
-                                      <p:cBhvr additive="base">
-                                        <p:cTn id="48" dur="500" fill="hold"/>
-                                        <p:tgtEl>
-                                          <p:spTgt spid="8"/>
-                                        </p:tgtEl>
-                                        <p:attrNameLst>
-                                          <p:attrName>ppt_y</p:attrName>
-                                        </p:attrNameLst>
-                                      </p:cBhvr>
-                                      <p:tavLst>
-                                        <p:tav tm="0">
-                                          <p:val>
-                                            <p:strVal val="1+#ppt_h/2"/>
-                                          </p:val>
-                                        </p:tav>
-                                        <p:tav tm="100000">
-                                          <p:val>
-                                            <p:strVal val="#ppt_y"/>
-                                          </p:val>
-                                        </p:tav>
-                                      </p:tavLst>
-                                    </p:anim>
-                                  </p:childTnLst>
-                                </p:cTn>
-                              </p:par>
-                            </p:childTnLst>
-                          </p:cTn>
-                        </p:par>
-                        <p:par>
-                          <p:cTn id="49" fill="hold">
-                            <p:stCondLst>
-                              <p:cond delay="500"/>
-                            </p:stCondLst>
-                            <p:childTnLst>
-                              <p:par>
-                                <p:cTn id="50" presetID="22" presetClass="entr" presetSubtype="8" fill="hold" grpId="0" nodeType="afterEffect">
-                                  <p:stCondLst>
-                                    <p:cond delay="0"/>
-                                  </p:stCondLst>
-                                  <p:childTnLst>
-                                    <p:set>
-                                      <p:cBhvr>
-                                        <p:cTn id="51" dur="1" fill="hold">
+                                        <p:cTn id="41" dur="1" fill="hold">
                                           <p:stCondLst>
                                             <p:cond delay="0"/>
                                           </p:stCondLst>
@@ -13455,7 +13597,7 @@
                                     </p:set>
                                     <p:animEffect transition="in" filter="wipe(left)">
                                       <p:cBhvr>
-                                        <p:cTn id="52" dur="500"/>
+                                        <p:cTn id="42" dur="500"/>
                                         <p:tgtEl>
                                           <p:spTgt spid="10"/>
                                         </p:tgtEl>
@@ -13468,20 +13610,20 @@
                           </p:cTn>
                         </p:par>
                         <p:par>
-                          <p:cTn id="53" fill="hold">
+                          <p:cTn id="43" fill="hold">
                             <p:stCondLst>
-                              <p:cond delay="1000"/>
+                              <p:cond delay="2000"/>
                             </p:stCondLst>
                             <p:childTnLst>
                               <p:par>
-                                <p:cTn id="54" presetID="22" presetClass="entr" presetSubtype="8" fill="hold" grpId="0" nodeType="afterEffect">
+                                <p:cTn id="44" presetID="22" presetClass="entr" presetSubtype="8" fill="hold" grpId="0" nodeType="afterEffect">
                                   <p:stCondLst>
                                     <p:cond delay="0"/>
                                   </p:stCondLst>
                                   <p:childTnLst>
                                     <p:set>
                                       <p:cBhvr>
-                                        <p:cTn id="55" dur="1" fill="hold">
+                                        <p:cTn id="45" dur="1" fill="hold">
                                           <p:stCondLst>
                                             <p:cond delay="0"/>
                                           </p:stCondLst>
@@ -13499,7 +13641,7 @@
                                     </p:set>
                                     <p:animEffect transition="in" filter="wipe(left)">
                                       <p:cBhvr>
-                                        <p:cTn id="56" dur="500"/>
+                                        <p:cTn id="46" dur="500"/>
                                         <p:tgtEl>
                                           <p:spTgt spid="11"/>
                                         </p:tgtEl>
@@ -13539,8 +13681,6 @@
       <p:bldP spid="5" grpId="0" animBg="1"/>
       <p:bldP spid="6" grpId="0" animBg="1"/>
       <p:bldP spid="7" grpId="0"/>
-      <p:bldP spid="8" grpId="0"/>
-      <p:bldP spid="9" grpId="0"/>
       <p:bldP spid="10" grpId="0" animBg="1"/>
       <p:bldP spid="11" grpId="0"/>
     </p:bldLst>
@@ -14865,11 +15005,19 @@
                   <a:schemeClr val="tx1"/>
                 </a:solidFill>
               </a:rPr>
-              <a:t>::bind(&amp;invoker&lt;Function&gt;::apply,</a:t>
+              <a:t>::bind(&amp;invoker&lt;Function&gt;::apply</a:t>
+            </a:r>
+            <a:r>
+              <a:rPr lang="en-US" altLang="zh-CN" dirty="0" smtClean="0">
+                <a:solidFill>
+                  <a:srgbClr val="FF0000"/>
+                </a:solidFill>
+              </a:rPr>
+              <a:t>, f</a:t>
             </a:r>
             <a:r>
               <a:rPr lang="en-US" altLang="zh-CN" dirty="0" smtClean="0"/>
-              <a:t> f,  _1, _2) </a:t>
+              <a:t>,  _1, _2) </a:t>
             </a:r>
           </a:p>
           <a:p>
@@ -16562,7 +16710,7 @@
                                         <p:tgtEl>
                                           <p:spTgt spid="3">
                                             <p:txEl>
-                                              <p:pRg st="1" end="1"/>
+                                              <p:pRg st="3" end="3"/>
                                             </p:txEl>
                                           </p:spTgt>
                                         </p:tgtEl>
@@ -16577,109 +16725,6 @@
                                     <p:anim calcmode="lin" valueType="num">
                                       <p:cBhvr additive="base">
                                         <p:cTn id="7" dur="500" fill="hold"/>
-                                        <p:tgtEl>
-                                          <p:spTgt spid="3">
-                                            <p:txEl>
-                                              <p:pRg st="1" end="1"/>
-                                            </p:txEl>
-                                          </p:spTgt>
-                                        </p:tgtEl>
-                                        <p:attrNameLst>
-                                          <p:attrName>ppt_x</p:attrName>
-                                        </p:attrNameLst>
-                                      </p:cBhvr>
-                                      <p:tavLst>
-                                        <p:tav tm="0">
-                                          <p:val>
-                                            <p:strVal val="#ppt_x"/>
-                                          </p:val>
-                                        </p:tav>
-                                        <p:tav tm="100000">
-                                          <p:val>
-                                            <p:strVal val="#ppt_x"/>
-                                          </p:val>
-                                        </p:tav>
-                                      </p:tavLst>
-                                    </p:anim>
-                                    <p:anim calcmode="lin" valueType="num">
-                                      <p:cBhvr additive="base">
-                                        <p:cTn id="8" dur="500" fill="hold"/>
-                                        <p:tgtEl>
-                                          <p:spTgt spid="3">
-                                            <p:txEl>
-                                              <p:pRg st="1" end="1"/>
-                                            </p:txEl>
-                                          </p:spTgt>
-                                        </p:tgtEl>
-                                        <p:attrNameLst>
-                                          <p:attrName>ppt_y</p:attrName>
-                                        </p:attrNameLst>
-                                      </p:cBhvr>
-                                      <p:tavLst>
-                                        <p:tav tm="0">
-                                          <p:val>
-                                            <p:strVal val="1+#ppt_h/2"/>
-                                          </p:val>
-                                        </p:tav>
-                                        <p:tav tm="100000">
-                                          <p:val>
-                                            <p:strVal val="#ppt_y"/>
-                                          </p:val>
-                                        </p:tav>
-                                      </p:tavLst>
-                                    </p:anim>
-                                  </p:childTnLst>
-                                </p:cTn>
-                              </p:par>
-                            </p:childTnLst>
-                          </p:cTn>
-                        </p:par>
-                      </p:childTnLst>
-                    </p:cTn>
-                  </p:par>
-                  <p:par>
-                    <p:cTn id="9" fill="hold">
-                      <p:stCondLst>
-                        <p:cond delay="indefinite"/>
-                      </p:stCondLst>
-                      <p:childTnLst>
-                        <p:par>
-                          <p:cTn id="10" fill="hold">
-                            <p:stCondLst>
-                              <p:cond delay="0"/>
-                            </p:stCondLst>
-                            <p:childTnLst>
-                              <p:par>
-                                <p:cTn id="11" presetID="2" presetClass="entr" presetSubtype="4" fill="hold" nodeType="clickEffect">
-                                  <p:stCondLst>
-                                    <p:cond delay="0"/>
-                                  </p:stCondLst>
-                                  <p:childTnLst>
-                                    <p:set>
-                                      <p:cBhvr>
-                                        <p:cTn id="12" dur="1" fill="hold">
-                                          <p:stCondLst>
-                                            <p:cond delay="0"/>
-                                          </p:stCondLst>
-                                        </p:cTn>
-                                        <p:tgtEl>
-                                          <p:spTgt spid="3">
-                                            <p:txEl>
-                                              <p:pRg st="3" end="3"/>
-                                            </p:txEl>
-                                          </p:spTgt>
-                                        </p:tgtEl>
-                                        <p:attrNameLst>
-                                          <p:attrName>style.visibility</p:attrName>
-                                        </p:attrNameLst>
-                                      </p:cBhvr>
-                                      <p:to>
-                                        <p:strVal val="visible"/>
-                                      </p:to>
-                                    </p:set>
-                                    <p:anim calcmode="lin" valueType="num">
-                                      <p:cBhvr additive="base">
-                                        <p:cTn id="13" dur="500" fill="hold"/>
                                         <p:tgtEl>
                                           <p:spTgt spid="3">
                                             <p:txEl>
@@ -16706,7 +16751,7 @@
                                     </p:anim>
                                     <p:anim calcmode="lin" valueType="num">
                                       <p:cBhvr additive="base">
-                                        <p:cTn id="14" dur="500" fill="hold"/>
+                                        <p:cTn id="8" dur="500" fill="hold"/>
                                         <p:tgtEl>
                                           <p:spTgt spid="3">
                                             <p:txEl>
@@ -16735,14 +16780,14 @@
                                 </p:cTn>
                               </p:par>
                               <p:par>
-                                <p:cTn id="15" presetID="2" presetClass="entr" presetSubtype="4" fill="hold" nodeType="withEffect">
+                                <p:cTn id="9" presetID="2" presetClass="entr" presetSubtype="4" fill="hold" nodeType="withEffect">
                                   <p:stCondLst>
                                     <p:cond delay="0"/>
                                   </p:stCondLst>
                                   <p:childTnLst>
                                     <p:set>
                                       <p:cBhvr>
-                                        <p:cTn id="16" dur="1" fill="hold">
+                                        <p:cTn id="10" dur="1" fill="hold">
                                           <p:stCondLst>
                                             <p:cond delay="0"/>
                                           </p:stCondLst>
@@ -16764,7 +16809,7 @@
                                     </p:set>
                                     <p:anim calcmode="lin" valueType="num">
                                       <p:cBhvr additive="base">
-                                        <p:cTn id="17" dur="500" fill="hold"/>
+                                        <p:cTn id="11" dur="500" fill="hold"/>
                                         <p:tgtEl>
                                           <p:spTgt spid="3">
                                             <p:txEl>
@@ -16791,7 +16836,7 @@
                                     </p:anim>
                                     <p:anim calcmode="lin" valueType="num">
                                       <p:cBhvr additive="base">
-                                        <p:cTn id="18" dur="500" fill="hold"/>
+                                        <p:cTn id="12" dur="500" fill="hold"/>
                                         <p:tgtEl>
                                           <p:spTgt spid="3">
                                             <p:txEl>
@@ -16820,14 +16865,14 @@
                                 </p:cTn>
                               </p:par>
                               <p:par>
-                                <p:cTn id="19" presetID="2" presetClass="entr" presetSubtype="4" fill="hold" nodeType="withEffect">
+                                <p:cTn id="13" presetID="2" presetClass="entr" presetSubtype="4" fill="hold" nodeType="withEffect">
                                   <p:stCondLst>
                                     <p:cond delay="0"/>
                                   </p:stCondLst>
                                   <p:childTnLst>
                                     <p:set>
                                       <p:cBhvr>
-                                        <p:cTn id="20" dur="1" fill="hold">
+                                        <p:cTn id="14" dur="1" fill="hold">
                                           <p:stCondLst>
                                             <p:cond delay="0"/>
                                           </p:stCondLst>
@@ -16849,7 +16894,7 @@
                                     </p:set>
                                     <p:anim calcmode="lin" valueType="num">
                                       <p:cBhvr additive="base">
-                                        <p:cTn id="21" dur="500" fill="hold"/>
+                                        <p:cTn id="15" dur="500" fill="hold"/>
                                         <p:tgtEl>
                                           <p:spTgt spid="3">
                                             <p:txEl>
@@ -16876,7 +16921,7 @@
                                     </p:anim>
                                     <p:anim calcmode="lin" valueType="num">
                                       <p:cBhvr additive="base">
-                                        <p:cTn id="22" dur="500" fill="hold"/>
+                                        <p:cTn id="16" dur="500" fill="hold"/>
                                         <p:tgtEl>
                                           <p:spTgt spid="3">
                                             <p:txEl>
@@ -19250,11 +19295,7 @@
             </a:r>
             <a:r>
               <a:rPr lang="zh-CN" altLang="en-US" sz="2000" dirty="0" smtClean="0"/>
-              <a:t>{"hello", "test", "</a:t>
-            </a:r>
-            <a:r>
-              <a:rPr lang="zh-CN" altLang="en-US" sz="2000" dirty="0" smtClean="0"/>
-              <a:t>2</a:t>
+              <a:t>{"hello", "test", "2</a:t>
             </a:r>
             <a:r>
               <a:rPr lang="en-US" altLang="zh-CN" sz="2000" dirty="0" smtClean="0"/>
@@ -19262,11 +19303,7 @@
             </a:r>
             <a:r>
               <a:rPr lang="zh-CN" altLang="en-US" sz="2000" dirty="0" smtClean="0"/>
-              <a:t>"}</a:t>
-            </a:r>
-            <a:r>
-              <a:rPr lang="zh-CN" altLang="en-US" sz="2000" dirty="0" smtClean="0"/>
-              <a:t>；</a:t>
+              <a:t>"}；</a:t>
             </a:r>
           </a:p>
           <a:p>
@@ -21119,7 +21156,6 @@
               <a:rPr lang="en-US" altLang="zh-CN" dirty="0"/>
               <a:t>, Function&gt;::apply, f, _1, _2) </a:t>
             </a:r>
-            <a:endParaRPr lang="en-US" altLang="zh-CN" dirty="0"/>
           </a:p>
         </p:txBody>
       </p:sp>
@@ -28755,7 +28791,11 @@
             </a:r>
             <a:r>
               <a:rPr lang="en-US" altLang="zh-CN" dirty="0"/>
-              <a:t>protocol file, complication and </a:t>
+              <a:t>protocol file, complication </a:t>
+            </a:r>
+            <a:r>
+              <a:rPr lang="en-US" altLang="zh-CN" dirty="0" smtClean="0"/>
+              <a:t>and extra </a:t>
             </a:r>
             <a:r>
               <a:rPr lang="en-US" altLang="zh-CN" dirty="0" smtClean="0"/>
@@ -28779,8 +28819,12 @@
               <a:buChar char="Ø"/>
             </a:pPr>
             <a:r>
-              <a:rPr lang="en-US" altLang="zh-CN" dirty="0"/>
-              <a:t>many restrictions, must inherit, no freedom</a:t>
+              <a:rPr lang="en-US" altLang="zh-CN" dirty="0" smtClean="0"/>
+              <a:t>some </a:t>
+            </a:r>
+            <a:r>
+              <a:rPr lang="en-US" altLang="zh-CN" dirty="0"/>
+              <a:t>restrictions, must inherit, no freedom</a:t>
             </a:r>
           </a:p>
           <a:p>
@@ -28801,7 +28845,7 @@
             </a:r>
             <a:r>
               <a:rPr lang="en-US" altLang="zh-CN" dirty="0" smtClean="0"/>
-              <a:t>protocol, how about </a:t>
+              <a:t>protocol, cannot support </a:t>
             </a:r>
             <a:r>
               <a:rPr lang="en-US" altLang="zh-CN" dirty="0" err="1" smtClean="0"/>
@@ -28809,7 +28853,11 @@
             </a:r>
             <a:r>
               <a:rPr lang="en-US" altLang="zh-CN" dirty="0" smtClean="0"/>
-              <a:t>, xml, custom protocol?</a:t>
+              <a:t>, xml, custom </a:t>
+            </a:r>
+            <a:r>
+              <a:rPr lang="en-US" altLang="zh-CN" dirty="0" smtClean="0"/>
+              <a:t>protocol</a:t>
             </a:r>
             <a:endParaRPr lang="en-US" altLang="zh-CN" dirty="0"/>
           </a:p>

--- a/An easy to use RPC framework implemented by c++11 and c++14 - shorter.pptx
+++ b/An easy to use RPC framework implemented by c++11 and c++14 - shorter.pptx
@@ -5,58 +5,59 @@
     <p:sldMasterId id="2147483648" r:id="rId1"/>
   </p:sldMasterIdLst>
   <p:notesMasterIdLst>
-    <p:notesMasterId r:id="rId48"/>
+    <p:notesMasterId r:id="rId49"/>
   </p:notesMasterIdLst>
   <p:handoutMasterIdLst>
-    <p:handoutMasterId r:id="rId49"/>
+    <p:handoutMasterId r:id="rId50"/>
   </p:handoutMasterIdLst>
   <p:sldIdLst>
     <p:sldId id="256" r:id="rId2"/>
     <p:sldId id="257" r:id="rId3"/>
     <p:sldId id="265" r:id="rId4"/>
     <p:sldId id="320" r:id="rId5"/>
-    <p:sldId id="258" r:id="rId6"/>
-    <p:sldId id="322" r:id="rId7"/>
-    <p:sldId id="268" r:id="rId8"/>
-    <p:sldId id="367" r:id="rId9"/>
-    <p:sldId id="323" r:id="rId10"/>
-    <p:sldId id="269" r:id="rId11"/>
-    <p:sldId id="343" r:id="rId12"/>
-    <p:sldId id="357" r:id="rId13"/>
-    <p:sldId id="277" r:id="rId14"/>
-    <p:sldId id="278" r:id="rId15"/>
-    <p:sldId id="350" r:id="rId16"/>
-    <p:sldId id="351" r:id="rId17"/>
-    <p:sldId id="279" r:id="rId18"/>
-    <p:sldId id="352" r:id="rId19"/>
-    <p:sldId id="280" r:id="rId20"/>
-    <p:sldId id="324" r:id="rId21"/>
-    <p:sldId id="353" r:id="rId22"/>
-    <p:sldId id="281" r:id="rId23"/>
-    <p:sldId id="412" r:id="rId24"/>
-    <p:sldId id="326" r:id="rId25"/>
-    <p:sldId id="282" r:id="rId26"/>
-    <p:sldId id="328" r:id="rId27"/>
-    <p:sldId id="345" r:id="rId28"/>
-    <p:sldId id="365" r:id="rId29"/>
-    <p:sldId id="332" r:id="rId30"/>
-    <p:sldId id="330" r:id="rId31"/>
-    <p:sldId id="331" r:id="rId32"/>
-    <p:sldId id="358" r:id="rId33"/>
-    <p:sldId id="347" r:id="rId34"/>
-    <p:sldId id="346" r:id="rId35"/>
-    <p:sldId id="299" r:id="rId36"/>
-    <p:sldId id="333" r:id="rId37"/>
-    <p:sldId id="307" r:id="rId38"/>
-    <p:sldId id="348" r:id="rId39"/>
-    <p:sldId id="308" r:id="rId40"/>
-    <p:sldId id="411" r:id="rId41"/>
-    <p:sldId id="301" r:id="rId42"/>
-    <p:sldId id="349" r:id="rId43"/>
-    <p:sldId id="341" r:id="rId44"/>
-    <p:sldId id="304" r:id="rId45"/>
-    <p:sldId id="263" r:id="rId46"/>
-    <p:sldId id="264" r:id="rId47"/>
+    <p:sldId id="413" r:id="rId6"/>
+    <p:sldId id="258" r:id="rId7"/>
+    <p:sldId id="322" r:id="rId8"/>
+    <p:sldId id="268" r:id="rId9"/>
+    <p:sldId id="367" r:id="rId10"/>
+    <p:sldId id="323" r:id="rId11"/>
+    <p:sldId id="269" r:id="rId12"/>
+    <p:sldId id="343" r:id="rId13"/>
+    <p:sldId id="357" r:id="rId14"/>
+    <p:sldId id="277" r:id="rId15"/>
+    <p:sldId id="278" r:id="rId16"/>
+    <p:sldId id="350" r:id="rId17"/>
+    <p:sldId id="351" r:id="rId18"/>
+    <p:sldId id="279" r:id="rId19"/>
+    <p:sldId id="352" r:id="rId20"/>
+    <p:sldId id="280" r:id="rId21"/>
+    <p:sldId id="324" r:id="rId22"/>
+    <p:sldId id="353" r:id="rId23"/>
+    <p:sldId id="281" r:id="rId24"/>
+    <p:sldId id="412" r:id="rId25"/>
+    <p:sldId id="326" r:id="rId26"/>
+    <p:sldId id="282" r:id="rId27"/>
+    <p:sldId id="328" r:id="rId28"/>
+    <p:sldId id="345" r:id="rId29"/>
+    <p:sldId id="365" r:id="rId30"/>
+    <p:sldId id="332" r:id="rId31"/>
+    <p:sldId id="330" r:id="rId32"/>
+    <p:sldId id="331" r:id="rId33"/>
+    <p:sldId id="358" r:id="rId34"/>
+    <p:sldId id="347" r:id="rId35"/>
+    <p:sldId id="346" r:id="rId36"/>
+    <p:sldId id="299" r:id="rId37"/>
+    <p:sldId id="333" r:id="rId38"/>
+    <p:sldId id="307" r:id="rId39"/>
+    <p:sldId id="348" r:id="rId40"/>
+    <p:sldId id="308" r:id="rId41"/>
+    <p:sldId id="411" r:id="rId42"/>
+    <p:sldId id="301" r:id="rId43"/>
+    <p:sldId id="349" r:id="rId44"/>
+    <p:sldId id="341" r:id="rId45"/>
+    <p:sldId id="304" r:id="rId46"/>
+    <p:sldId id="263" r:id="rId47"/>
+    <p:sldId id="264" r:id="rId48"/>
   </p:sldIdLst>
   <p:sldSz cx="9144000" cy="6858000" type="screen4x3"/>
   <p:notesSz cx="6858000" cy="9144000"/>
@@ -858,7 +859,7 @@
           <a:p>
             <a:fld id="{D907BE37-B124-4F9F-8F7E-44B90AC375A6}" type="slidenum">
               <a:rPr lang="zh-CN" altLang="en-US" smtClean="0"/>
-              <a:t>12</a:t>
+              <a:t>13</a:t>
             </a:fld>
             <a:endParaRPr lang="zh-CN" altLang="en-US"/>
           </a:p>
@@ -942,7 +943,7 @@
           <a:p>
             <a:fld id="{D907BE37-B124-4F9F-8F7E-44B90AC375A6}" type="slidenum">
               <a:rPr lang="zh-CN" altLang="en-US" smtClean="0"/>
-              <a:t>13</a:t>
+              <a:t>14</a:t>
             </a:fld>
             <a:endParaRPr lang="zh-CN" altLang="en-US"/>
           </a:p>
@@ -1026,7 +1027,7 @@
           <a:p>
             <a:fld id="{D907BE37-B124-4F9F-8F7E-44B90AC375A6}" type="slidenum">
               <a:rPr lang="zh-CN" altLang="en-US" smtClean="0"/>
-              <a:t>14</a:t>
+              <a:t>15</a:t>
             </a:fld>
             <a:endParaRPr lang="zh-CN" altLang="en-US"/>
           </a:p>
@@ -1110,7 +1111,7 @@
           <a:p>
             <a:fld id="{D907BE37-B124-4F9F-8F7E-44B90AC375A6}" type="slidenum">
               <a:rPr lang="zh-CN" altLang="en-US" smtClean="0"/>
-              <a:t>17</a:t>
+              <a:t>18</a:t>
             </a:fld>
             <a:endParaRPr lang="zh-CN" altLang="en-US"/>
           </a:p>
@@ -1194,7 +1195,7 @@
           <a:p>
             <a:fld id="{D907BE37-B124-4F9F-8F7E-44B90AC375A6}" type="slidenum">
               <a:rPr lang="zh-CN" altLang="en-US" smtClean="0"/>
-              <a:t>19</a:t>
+              <a:t>20</a:t>
             </a:fld>
             <a:endParaRPr lang="zh-CN" altLang="en-US"/>
           </a:p>
@@ -1278,7 +1279,7 @@
           <a:p>
             <a:fld id="{D907BE37-B124-4F9F-8F7E-44B90AC375A6}" type="slidenum">
               <a:rPr lang="zh-CN" altLang="en-US" smtClean="0"/>
-              <a:t>20</a:t>
+              <a:t>21</a:t>
             </a:fld>
             <a:endParaRPr lang="zh-CN" altLang="en-US"/>
           </a:p>
@@ -1362,7 +1363,7 @@
           <a:p>
             <a:fld id="{D907BE37-B124-4F9F-8F7E-44B90AC375A6}" type="slidenum">
               <a:rPr lang="zh-CN" altLang="en-US" smtClean="0"/>
-              <a:t>22</a:t>
+              <a:t>23</a:t>
             </a:fld>
             <a:endParaRPr lang="zh-CN" altLang="en-US"/>
           </a:p>
@@ -1446,7 +1447,7 @@
           <a:p>
             <a:fld id="{D907BE37-B124-4F9F-8F7E-44B90AC375A6}" type="slidenum">
               <a:rPr lang="zh-CN" altLang="en-US" smtClean="0"/>
-              <a:t>24</a:t>
+              <a:t>25</a:t>
             </a:fld>
             <a:endParaRPr lang="zh-CN" altLang="en-US"/>
           </a:p>
@@ -1530,7 +1531,7 @@
           <a:p>
             <a:fld id="{D907BE37-B124-4F9F-8F7E-44B90AC375A6}" type="slidenum">
               <a:rPr lang="zh-CN" altLang="en-US" smtClean="0"/>
-              <a:t>25</a:t>
+              <a:t>26</a:t>
             </a:fld>
             <a:endParaRPr lang="zh-CN" altLang="en-US"/>
           </a:p>
@@ -1614,7 +1615,7 @@
           <a:p>
             <a:fld id="{D907BE37-B124-4F9F-8F7E-44B90AC375A6}" type="slidenum">
               <a:rPr lang="zh-CN" altLang="en-US" smtClean="0"/>
-              <a:t>26</a:t>
+              <a:t>27</a:t>
             </a:fld>
             <a:endParaRPr lang="zh-CN" altLang="en-US"/>
           </a:p>
@@ -1782,7 +1783,7 @@
           <a:p>
             <a:fld id="{D907BE37-B124-4F9F-8F7E-44B90AC375A6}" type="slidenum">
               <a:rPr lang="zh-CN" altLang="en-US" smtClean="0"/>
-              <a:t>29</a:t>
+              <a:t>30</a:t>
             </a:fld>
             <a:endParaRPr lang="zh-CN" altLang="en-US"/>
           </a:p>
@@ -1866,7 +1867,7 @@
           <a:p>
             <a:fld id="{D907BE37-B124-4F9F-8F7E-44B90AC375A6}" type="slidenum">
               <a:rPr lang="zh-CN" altLang="en-US" smtClean="0"/>
-              <a:t>30</a:t>
+              <a:t>31</a:t>
             </a:fld>
             <a:endParaRPr lang="zh-CN" altLang="en-US"/>
           </a:p>
@@ -1950,7 +1951,7 @@
           <a:p>
             <a:fld id="{D907BE37-B124-4F9F-8F7E-44B90AC375A6}" type="slidenum">
               <a:rPr lang="zh-CN" altLang="en-US" smtClean="0"/>
-              <a:t>31</a:t>
+              <a:t>32</a:t>
             </a:fld>
             <a:endParaRPr lang="zh-CN" altLang="en-US"/>
           </a:p>
@@ -2034,7 +2035,7 @@
           <a:p>
             <a:fld id="{D907BE37-B124-4F9F-8F7E-44B90AC375A6}" type="slidenum">
               <a:rPr lang="zh-CN" altLang="en-US" smtClean="0"/>
-              <a:t>35</a:t>
+              <a:t>36</a:t>
             </a:fld>
             <a:endParaRPr lang="zh-CN" altLang="en-US"/>
           </a:p>
@@ -2118,7 +2119,7 @@
           <a:p>
             <a:fld id="{D907BE37-B124-4F9F-8F7E-44B90AC375A6}" type="slidenum">
               <a:rPr lang="zh-CN" altLang="en-US" smtClean="0"/>
-              <a:t>36</a:t>
+              <a:t>37</a:t>
             </a:fld>
             <a:endParaRPr lang="zh-CN" altLang="en-US"/>
           </a:p>
@@ -2218,7 +2219,7 @@
           <a:p>
             <a:fld id="{D907BE37-B124-4F9F-8F7E-44B90AC375A6}" type="slidenum">
               <a:rPr lang="zh-CN" altLang="en-US" smtClean="0"/>
-              <a:t>37</a:t>
+              <a:t>38</a:t>
             </a:fld>
             <a:endParaRPr lang="zh-CN" altLang="en-US"/>
           </a:p>
@@ -2363,7 +2364,7 @@
           <a:p>
             <a:fld id="{D907BE37-B124-4F9F-8F7E-44B90AC375A6}" type="slidenum">
               <a:rPr lang="zh-CN" altLang="en-US" smtClean="0"/>
-              <a:t>39</a:t>
+              <a:t>40</a:t>
             </a:fld>
             <a:endParaRPr lang="zh-CN" altLang="en-US"/>
           </a:p>
@@ -2447,7 +2448,7 @@
           <a:p>
             <a:fld id="{D907BE37-B124-4F9F-8F7E-44B90AC375A6}" type="slidenum">
               <a:rPr lang="zh-CN" altLang="en-US" smtClean="0"/>
-              <a:t>43</a:t>
+              <a:t>44</a:t>
             </a:fld>
             <a:endParaRPr lang="zh-CN" altLang="en-US"/>
           </a:p>
@@ -2531,7 +2532,7 @@
           <a:p>
             <a:fld id="{D907BE37-B124-4F9F-8F7E-44B90AC375A6}" type="slidenum">
               <a:rPr lang="zh-CN" altLang="en-US" smtClean="0"/>
-              <a:t>44</a:t>
+              <a:t>45</a:t>
             </a:fld>
             <a:endParaRPr lang="zh-CN" altLang="en-US"/>
           </a:p>
@@ -2783,7 +2784,7 @@
           <a:p>
             <a:fld id="{D907BE37-B124-4F9F-8F7E-44B90AC375A6}" type="slidenum">
               <a:rPr lang="zh-CN" altLang="en-US" smtClean="0"/>
-              <a:t>5</a:t>
+              <a:t>6</a:t>
             </a:fld>
             <a:endParaRPr lang="zh-CN" altLang="en-US"/>
           </a:p>
@@ -2867,7 +2868,7 @@
           <a:p>
             <a:fld id="{D907BE37-B124-4F9F-8F7E-44B90AC375A6}" type="slidenum">
               <a:rPr lang="zh-CN" altLang="en-US" smtClean="0"/>
-              <a:t>6</a:t>
+              <a:t>7</a:t>
             </a:fld>
             <a:endParaRPr lang="zh-CN" altLang="en-US"/>
           </a:p>
@@ -2951,7 +2952,7 @@
           <a:p>
             <a:fld id="{D907BE37-B124-4F9F-8F7E-44B90AC375A6}" type="slidenum">
               <a:rPr lang="zh-CN" altLang="en-US" smtClean="0"/>
-              <a:t>7</a:t>
+              <a:t>8</a:t>
             </a:fld>
             <a:endParaRPr lang="zh-CN" altLang="en-US"/>
           </a:p>
@@ -3055,7 +3056,7 @@
           <a:p>
             <a:fld id="{D907BE37-B124-4F9F-8F7E-44B90AC375A6}" type="slidenum">
               <a:rPr lang="zh-CN" altLang="en-US" smtClean="0"/>
-              <a:t>9</a:t>
+              <a:t>10</a:t>
             </a:fld>
             <a:endParaRPr lang="zh-CN" altLang="en-US"/>
           </a:p>
@@ -3139,7 +3140,7 @@
           <a:p>
             <a:fld id="{D907BE37-B124-4F9F-8F7E-44B90AC375A6}" type="slidenum">
               <a:rPr lang="zh-CN" altLang="en-US" smtClean="0"/>
-              <a:t>10</a:t>
+              <a:t>11</a:t>
             </a:fld>
             <a:endParaRPr lang="zh-CN" altLang="en-US"/>
           </a:p>
@@ -6355,7 +6356,7 @@
           <a:p>
             <a:r>
               <a:rPr lang="en-US" altLang="zh-CN" dirty="0" smtClean="0"/>
-              <a:t>Challenges</a:t>
+              <a:t>Outline</a:t>
             </a:r>
             <a:endParaRPr lang="zh-CN" altLang="en-US" dirty="0"/>
           </a:p>
@@ -6376,42 +6377,52 @@
           <a:bodyPr/>
           <a:lstStyle/>
           <a:p>
-            <a:pPr marL="285750" indent="-285750">
-              <a:buFont typeface="Wingdings" panose="05000000000000000000" pitchFamily="2" charset="2"/>
-              <a:buChar char="Ø"/>
-            </a:pPr>
-            <a:r>
-              <a:rPr lang="en-US" altLang="zh-CN" dirty="0" smtClean="0"/>
-              <a:t>How to register </a:t>
-            </a:r>
-            <a:r>
-              <a:rPr lang="en-US" altLang="zh-CN" dirty="0"/>
-              <a:t>callable of </a:t>
-            </a:r>
-            <a:r>
-              <a:rPr lang="en-US" altLang="zh-CN" dirty="0" smtClean="0"/>
-              <a:t>any signature</a:t>
-            </a:r>
-          </a:p>
-          <a:p>
-            <a:pPr marL="285750" indent="-285750">
-              <a:buFont typeface="Wingdings" panose="05000000000000000000" pitchFamily="2" charset="2"/>
-              <a:buChar char="Ø"/>
-            </a:pPr>
-            <a:r>
-              <a:rPr lang="en-US" altLang="zh-CN" dirty="0" smtClean="0"/>
-              <a:t>How to route to the correct handler</a:t>
-            </a:r>
-          </a:p>
-          <a:p>
-            <a:pPr marL="285750" indent="-285750">
-              <a:buFont typeface="Wingdings" panose="05000000000000000000" pitchFamily="2" charset="2"/>
-              <a:buChar char="Ø"/>
-            </a:pPr>
-            <a:r>
-              <a:rPr lang="en-US" altLang="zh-CN" dirty="0" smtClean="0"/>
-              <a:t>How to simplify the call code</a:t>
-            </a:r>
+            <a:r>
+              <a:rPr lang="en-US" altLang="zh-CN" dirty="0"/>
+              <a:t>1.Introduction to RPC</a:t>
+            </a:r>
+          </a:p>
+          <a:p>
+            <a:endParaRPr lang="en-US" altLang="zh-CN" dirty="0"/>
+          </a:p>
+          <a:p>
+            <a:r>
+              <a:rPr lang="en-US" altLang="zh-CN" dirty="0"/>
+              <a:t>2.What is </a:t>
+            </a:r>
+            <a:r>
+              <a:rPr lang="en-US" altLang="zh-CN" dirty="0" err="1"/>
+              <a:t>rest_rpc</a:t>
+            </a:r>
+            <a:endParaRPr lang="en-US" altLang="zh-CN" dirty="0"/>
+          </a:p>
+          <a:p>
+            <a:endParaRPr lang="en-US" altLang="zh-CN" dirty="0"/>
+          </a:p>
+          <a:p>
+            <a:r>
+              <a:rPr lang="en-US" altLang="zh-CN" sz="1800" dirty="0">
+                <a:solidFill>
+                  <a:schemeClr val="accent5"/>
+                </a:solidFill>
+              </a:rPr>
+              <a:t>3.Ease of use challenges</a:t>
+            </a:r>
+          </a:p>
+          <a:p>
+            <a:endParaRPr lang="en-US" altLang="zh-CN" dirty="0"/>
+          </a:p>
+          <a:p>
+            <a:r>
+              <a:rPr lang="en-US" altLang="zh-CN" dirty="0"/>
+              <a:t>4.Key technologies</a:t>
+            </a:r>
+          </a:p>
+          <a:p>
+            <a:endParaRPr lang="en-US" altLang="zh-CN" dirty="0"/>
+          </a:p>
+          <a:p>
+            <a:endParaRPr lang="zh-CN" altLang="en-US" dirty="0"/>
           </a:p>
         </p:txBody>
       </p:sp>
@@ -6431,6 +6442,115 @@
 </file>
 
 <file path=ppt/slides/slide11.xml><?xml version="1.0" encoding="utf-8"?>
+<p:sld xmlns:a="http://schemas.openxmlformats.org/drawingml/2006/main" xmlns:r="http://schemas.openxmlformats.org/officeDocument/2006/relationships" xmlns:p="http://schemas.openxmlformats.org/presentationml/2006/main">
+  <p:cSld>
+    <p:spTree>
+      <p:nvGrpSpPr>
+        <p:cNvPr id="1" name=""/>
+        <p:cNvGrpSpPr/>
+        <p:nvPr/>
+      </p:nvGrpSpPr>
+      <p:grpSpPr>
+        <a:xfrm>
+          <a:off x="0" y="0"/>
+          <a:ext cx="0" cy="0"/>
+          <a:chOff x="0" y="0"/>
+          <a:chExt cx="0" cy="0"/>
+        </a:xfrm>
+      </p:grpSpPr>
+      <p:sp>
+        <p:nvSpPr>
+          <p:cNvPr id="2" name="标题 1"/>
+          <p:cNvSpPr>
+            <a:spLocks noGrp="1"/>
+          </p:cNvSpPr>
+          <p:nvPr>
+            <p:ph type="title"/>
+          </p:nvPr>
+        </p:nvSpPr>
+        <p:spPr/>
+        <p:txBody>
+          <a:bodyPr/>
+          <a:lstStyle/>
+          <a:p>
+            <a:r>
+              <a:rPr lang="en-US" altLang="zh-CN" dirty="0" smtClean="0"/>
+              <a:t>Challenges</a:t>
+            </a:r>
+            <a:endParaRPr lang="zh-CN" altLang="en-US" dirty="0"/>
+          </a:p>
+        </p:txBody>
+      </p:sp>
+      <p:sp>
+        <p:nvSpPr>
+          <p:cNvPr id="3" name="文本占位符 2"/>
+          <p:cNvSpPr>
+            <a:spLocks noGrp="1"/>
+          </p:cNvSpPr>
+          <p:nvPr>
+            <p:ph type="body" sz="half" idx="2"/>
+          </p:nvPr>
+        </p:nvSpPr>
+        <p:spPr/>
+        <p:txBody>
+          <a:bodyPr/>
+          <a:lstStyle/>
+          <a:p>
+            <a:pPr marL="285750" indent="-285750">
+              <a:buFont typeface="Wingdings" panose="05000000000000000000" pitchFamily="2" charset="2"/>
+              <a:buChar char="Ø"/>
+            </a:pPr>
+            <a:r>
+              <a:rPr lang="en-US" altLang="zh-CN" dirty="0" smtClean="0"/>
+              <a:t>How to register </a:t>
+            </a:r>
+            <a:r>
+              <a:rPr lang="en-US" altLang="zh-CN" dirty="0"/>
+              <a:t>callable of </a:t>
+            </a:r>
+            <a:r>
+              <a:rPr lang="en-US" altLang="zh-CN" dirty="0" smtClean="0"/>
+              <a:t>any signature</a:t>
+            </a:r>
+          </a:p>
+          <a:p>
+            <a:pPr marL="285750" indent="-285750">
+              <a:buFont typeface="Wingdings" panose="05000000000000000000" pitchFamily="2" charset="2"/>
+              <a:buChar char="Ø"/>
+            </a:pPr>
+            <a:r>
+              <a:rPr lang="en-US" altLang="zh-CN" dirty="0" smtClean="0"/>
+              <a:t>How to route to the correct handler</a:t>
+            </a:r>
+          </a:p>
+          <a:p>
+            <a:pPr marL="285750" indent="-285750">
+              <a:buFont typeface="Wingdings" panose="05000000000000000000" pitchFamily="2" charset="2"/>
+              <a:buChar char="Ø"/>
+            </a:pPr>
+            <a:r>
+              <a:rPr lang="en-US" altLang="zh-CN" dirty="0" smtClean="0"/>
+              <a:t>How to simplify the call code</a:t>
+            </a:r>
+          </a:p>
+        </p:txBody>
+      </p:sp>
+    </p:spTree>
+  </p:cSld>
+  <p:clrMapOvr>
+    <a:masterClrMapping/>
+  </p:clrMapOvr>
+  <p:timing>
+    <p:tnLst>
+      <p:par>
+        <p:cTn id="1" dur="indefinite" restart="never" nodeType="tmRoot"/>
+      </p:par>
+    </p:tnLst>
+  </p:timing>
+</p:sld>
+</file>
+
+<file path=ppt/slides/slide12.xml><?xml version="1.0" encoding="utf-8"?>
 <p:sld xmlns:a="http://schemas.openxmlformats.org/drawingml/2006/main" xmlns:r="http://schemas.openxmlformats.org/officeDocument/2006/relationships" xmlns:p="http://schemas.openxmlformats.org/presentationml/2006/main">
   <p:cSld>
     <p:spTree>
@@ -6787,7 +6907,7 @@
 </p:sld>
 </file>
 
-<file path=ppt/slides/slide12.xml><?xml version="1.0" encoding="utf-8"?>
+<file path=ppt/slides/slide13.xml><?xml version="1.0" encoding="utf-8"?>
 <p:sld xmlns:a="http://schemas.openxmlformats.org/drawingml/2006/main" xmlns:r="http://schemas.openxmlformats.org/officeDocument/2006/relationships" xmlns:p="http://schemas.openxmlformats.org/presentationml/2006/main">
   <p:cSld>
     <p:spTree>
@@ -6922,7 +7042,7 @@
 </p:sld>
 </file>
 
-<file path=ppt/slides/slide13.xml><?xml version="1.0" encoding="utf-8"?>
+<file path=ppt/slides/slide14.xml><?xml version="1.0" encoding="utf-8"?>
 <p:sld xmlns:a="http://schemas.openxmlformats.org/drawingml/2006/main" xmlns:r="http://schemas.openxmlformats.org/officeDocument/2006/relationships" xmlns:p="http://schemas.openxmlformats.org/presentationml/2006/main">
   <p:cSld>
     <p:spTree>
@@ -7736,7 +7856,7 @@
 </p:sld>
 </file>
 
-<file path=ppt/slides/slide14.xml><?xml version="1.0" encoding="utf-8"?>
+<file path=ppt/slides/slide15.xml><?xml version="1.0" encoding="utf-8"?>
 <p:sld xmlns:a="http://schemas.openxmlformats.org/drawingml/2006/main" xmlns:r="http://schemas.openxmlformats.org/officeDocument/2006/relationships" xmlns:p="http://schemas.openxmlformats.org/presentationml/2006/main">
   <p:cSld>
     <p:spTree>
@@ -7965,7 +8085,7 @@
 </p:sld>
 </file>
 
-<file path=ppt/slides/slide15.xml><?xml version="1.0" encoding="utf-8"?>
+<file path=ppt/slides/slide16.xml><?xml version="1.0" encoding="utf-8"?>
 <p:sld xmlns:a="http://schemas.openxmlformats.org/drawingml/2006/main" xmlns:r="http://schemas.openxmlformats.org/officeDocument/2006/relationships" xmlns:p="http://schemas.openxmlformats.org/presentationml/2006/main">
   <p:cSld>
     <p:spTree>
@@ -8460,7 +8580,7 @@
 </p:sld>
 </file>
 
-<file path=ppt/slides/slide16.xml><?xml version="1.0" encoding="utf-8"?>
+<file path=ppt/slides/slide17.xml><?xml version="1.0" encoding="utf-8"?>
 <p:sld xmlns:a="http://schemas.openxmlformats.org/drawingml/2006/main" xmlns:r="http://schemas.openxmlformats.org/officeDocument/2006/relationships" xmlns:p="http://schemas.openxmlformats.org/presentationml/2006/main">
   <p:cSld>
     <p:spTree>
@@ -9569,7 +9689,7 @@
 </p:sld>
 </file>
 
-<file path=ppt/slides/slide17.xml><?xml version="1.0" encoding="utf-8"?>
+<file path=ppt/slides/slide18.xml><?xml version="1.0" encoding="utf-8"?>
 <p:sld xmlns:a="http://schemas.openxmlformats.org/drawingml/2006/main" xmlns:r="http://schemas.openxmlformats.org/officeDocument/2006/relationships" xmlns:p="http://schemas.openxmlformats.org/presentationml/2006/main">
   <p:cSld>
     <p:spTree>
@@ -10695,7 +10815,7 @@
 </p:sld>
 </file>
 
-<file path=ppt/slides/slide18.xml><?xml version="1.0" encoding="utf-8"?>
+<file path=ppt/slides/slide19.xml><?xml version="1.0" encoding="utf-8"?>
 <p:sld xmlns:a="http://schemas.openxmlformats.org/drawingml/2006/main" xmlns:r="http://schemas.openxmlformats.org/officeDocument/2006/relationships" xmlns:p="http://schemas.openxmlformats.org/presentationml/2006/main">
   <p:cSld>
     <p:spTree>
@@ -11828,7 +11948,129 @@
 </p:sld>
 </file>
 
-<file path=ppt/slides/slide19.xml><?xml version="1.0" encoding="utf-8"?>
+<file path=ppt/slides/slide2.xml><?xml version="1.0" encoding="utf-8"?>
+<p:sld xmlns:a="http://schemas.openxmlformats.org/drawingml/2006/main" xmlns:r="http://schemas.openxmlformats.org/officeDocument/2006/relationships" xmlns:p="http://schemas.openxmlformats.org/presentationml/2006/main">
+  <p:cSld>
+    <p:spTree>
+      <p:nvGrpSpPr>
+        <p:cNvPr id="1" name=""/>
+        <p:cNvGrpSpPr/>
+        <p:nvPr/>
+      </p:nvGrpSpPr>
+      <p:grpSpPr>
+        <a:xfrm>
+          <a:off x="0" y="0"/>
+          <a:ext cx="0" cy="0"/>
+          <a:chOff x="0" y="0"/>
+          <a:chExt cx="0" cy="0"/>
+        </a:xfrm>
+      </p:grpSpPr>
+      <p:sp>
+        <p:nvSpPr>
+          <p:cNvPr id="2" name="标题 1"/>
+          <p:cNvSpPr>
+            <a:spLocks noGrp="1"/>
+          </p:cNvSpPr>
+          <p:nvPr>
+            <p:ph type="title"/>
+          </p:nvPr>
+        </p:nvSpPr>
+        <p:spPr/>
+        <p:txBody>
+          <a:bodyPr/>
+          <a:lstStyle/>
+          <a:p>
+            <a:r>
+              <a:rPr lang="en-US" altLang="zh-CN" dirty="0" smtClean="0"/>
+              <a:t>Outline</a:t>
+            </a:r>
+            <a:endParaRPr lang="zh-CN" altLang="en-US" dirty="0"/>
+          </a:p>
+        </p:txBody>
+      </p:sp>
+      <p:sp>
+        <p:nvSpPr>
+          <p:cNvPr id="3" name="文本占位符 2"/>
+          <p:cNvSpPr>
+            <a:spLocks noGrp="1"/>
+          </p:cNvSpPr>
+          <p:nvPr>
+            <p:ph type="body" sz="half" idx="2"/>
+          </p:nvPr>
+        </p:nvSpPr>
+        <p:spPr/>
+        <p:txBody>
+          <a:bodyPr/>
+          <a:lstStyle/>
+          <a:p>
+            <a:r>
+              <a:rPr lang="en-US" altLang="zh-CN" sz="1800" dirty="0" smtClean="0">
+                <a:solidFill>
+                  <a:schemeClr val="accent5"/>
+                </a:solidFill>
+              </a:rPr>
+              <a:t>1.Introduction to RPC</a:t>
+            </a:r>
+          </a:p>
+          <a:p>
+            <a:endParaRPr lang="en-US" altLang="zh-CN" dirty="0" smtClean="0"/>
+          </a:p>
+          <a:p>
+            <a:r>
+              <a:rPr lang="en-US" altLang="zh-CN" dirty="0" smtClean="0"/>
+              <a:t>2.What is </a:t>
+            </a:r>
+            <a:r>
+              <a:rPr lang="en-US" altLang="zh-CN" dirty="0" err="1" smtClean="0"/>
+              <a:t>rest_rpc</a:t>
+            </a:r>
+            <a:r>
+              <a:rPr lang="en-US" altLang="zh-CN" dirty="0" smtClean="0"/>
+              <a:t>?</a:t>
+            </a:r>
+          </a:p>
+          <a:p>
+            <a:endParaRPr lang="en-US" altLang="zh-CN" dirty="0" smtClean="0"/>
+          </a:p>
+          <a:p>
+            <a:r>
+              <a:rPr lang="en-US" altLang="zh-CN" dirty="0"/>
+              <a:t>3.Ease of use challenges</a:t>
+            </a:r>
+          </a:p>
+          <a:p>
+            <a:endParaRPr lang="en-US" altLang="zh-CN" dirty="0" smtClean="0"/>
+          </a:p>
+          <a:p>
+            <a:r>
+              <a:rPr lang="en-US" altLang="zh-CN" dirty="0" smtClean="0"/>
+              <a:t>4.Key technologies</a:t>
+            </a:r>
+          </a:p>
+          <a:p>
+            <a:endParaRPr lang="en-US" altLang="zh-CN" dirty="0"/>
+          </a:p>
+          <a:p>
+            <a:endParaRPr lang="zh-CN" altLang="en-US" dirty="0"/>
+          </a:p>
+        </p:txBody>
+      </p:sp>
+    </p:spTree>
+  </p:cSld>
+  <p:clrMapOvr>
+    <a:masterClrMapping/>
+  </p:clrMapOvr>
+  <p:timing>
+    <p:tnLst>
+      <p:par>
+        <p:cTn id="1" dur="indefinite" restart="never" nodeType="tmRoot"/>
+      </p:par>
+    </p:tnLst>
+  </p:timing>
+</p:sld>
+</file>
+
+<file path=ppt/slides/slide20.xml><?xml version="1.0" encoding="utf-8"?>
 <p:sld xmlns:a="http://schemas.openxmlformats.org/drawingml/2006/main" xmlns:r="http://schemas.openxmlformats.org/officeDocument/2006/relationships" xmlns:p="http://schemas.openxmlformats.org/presentationml/2006/main">
   <p:cSld>
     <p:spTree>
@@ -12336,7 +12578,7 @@
 </p:sld>
 </file>
 
-<file path=ppt/slides/slide2.xml><?xml version="1.0" encoding="utf-8"?>
+<file path=ppt/slides/slide21.xml><?xml version="1.0" encoding="utf-8"?>
 <p:sld xmlns:a="http://schemas.openxmlformats.org/drawingml/2006/main" xmlns:r="http://schemas.openxmlformats.org/officeDocument/2006/relationships" xmlns:p="http://schemas.openxmlformats.org/presentationml/2006/main">
   <p:cSld>
     <p:spTree>
@@ -12369,8 +12611,8 @@
           <a:lstStyle/>
           <a:p>
             <a:r>
-              <a:rPr lang="en-US" altLang="zh-CN" dirty="0" smtClean="0"/>
-              <a:t>Outline</a:t>
+              <a:rPr lang="en-US" altLang="zh-CN" dirty="0"/>
+              <a:t>Register callable of any signature</a:t>
             </a:r>
             <a:endParaRPr lang="zh-CN" altLang="en-US" dirty="0"/>
           </a:p>
@@ -12391,54 +12633,98 @@
           <a:bodyPr/>
           <a:lstStyle/>
           <a:p>
-            <a:r>
-              <a:rPr lang="en-US" altLang="zh-CN" sz="1800" dirty="0" smtClean="0">
-                <a:solidFill>
-                  <a:schemeClr val="accent5"/>
-                </a:solidFill>
-              </a:rPr>
-              <a:t>1.Introduction to RPC</a:t>
-            </a:r>
-          </a:p>
-          <a:p>
             <a:endParaRPr lang="en-US" altLang="zh-CN" dirty="0" smtClean="0"/>
           </a:p>
           <a:p>
             <a:r>
+              <a:rPr lang="en-US" altLang="zh-CN" dirty="0" err="1" smtClean="0"/>
+              <a:t>server_t</a:t>
+            </a:r>
+            <a:r>
               <a:rPr lang="en-US" altLang="zh-CN" dirty="0" smtClean="0"/>
-              <a:t>2.What is </a:t>
-            </a:r>
-            <a:r>
-              <a:rPr lang="en-US" altLang="zh-CN" dirty="0" err="1" smtClean="0"/>
-              <a:t>rest_rpc</a:t>
+              <a:t> </a:t>
+            </a:r>
+            <a:r>
+              <a:rPr lang="en-US" altLang="zh-CN" dirty="0"/>
+              <a:t>server</a:t>
             </a:r>
             <a:r>
               <a:rPr lang="en-US" altLang="zh-CN" dirty="0" smtClean="0"/>
-              <a:t>?</a:t>
-            </a:r>
-          </a:p>
-          <a:p>
-            <a:endParaRPr lang="en-US" altLang="zh-CN" dirty="0" smtClean="0"/>
-          </a:p>
-          <a:p>
-            <a:r>
-              <a:rPr lang="en-US" altLang="zh-CN" dirty="0"/>
-              <a:t>3.Ease of use challenges</a:t>
-            </a:r>
-          </a:p>
-          <a:p>
-            <a:endParaRPr lang="en-US" altLang="zh-CN" dirty="0" smtClean="0"/>
-          </a:p>
-          <a:p>
-            <a:r>
-              <a:rPr lang="en-US" altLang="zh-CN" dirty="0" smtClean="0"/>
-              <a:t>4.Key technologies</a:t>
+              <a:t>;</a:t>
             </a:r>
           </a:p>
           <a:p>
             <a:endParaRPr lang="en-US" altLang="zh-CN" dirty="0"/>
           </a:p>
           <a:p>
+            <a:r>
+              <a:rPr lang="en-US" altLang="zh-CN" dirty="0" err="1"/>
+              <a:t>server.register_handler</a:t>
+            </a:r>
+            <a:r>
+              <a:rPr lang="en-US" altLang="zh-CN" dirty="0"/>
+              <a:t>("add", [](</a:t>
+            </a:r>
+            <a:r>
+              <a:rPr lang="en-US" altLang="zh-CN" dirty="0" err="1"/>
+              <a:t>int</a:t>
+            </a:r>
+            <a:r>
+              <a:rPr lang="en-US" altLang="zh-CN" dirty="0"/>
+              <a:t> a, </a:t>
+            </a:r>
+            <a:r>
+              <a:rPr lang="en-US" altLang="zh-CN" dirty="0" err="1"/>
+              <a:t>int</a:t>
+            </a:r>
+            <a:r>
+              <a:rPr lang="en-US" altLang="zh-CN" dirty="0"/>
+              <a:t> b) {return a + b; });</a:t>
+            </a:r>
+          </a:p>
+          <a:p>
+            <a:r>
+              <a:rPr lang="en-US" altLang="zh-CN" dirty="0" err="1"/>
+              <a:t>server.register_handler</a:t>
+            </a:r>
+            <a:r>
+              <a:rPr lang="en-US" altLang="zh-CN" dirty="0"/>
+              <a:t>("dummy", []{ });</a:t>
+            </a:r>
+          </a:p>
+          <a:p>
+            <a:r>
+              <a:rPr lang="en-US" altLang="zh-CN" dirty="0" err="1"/>
+              <a:t>server.register_handler</a:t>
+            </a:r>
+            <a:r>
+              <a:rPr lang="en-US" altLang="zh-CN" dirty="0"/>
+              <a:t>("</a:t>
+            </a:r>
+            <a:r>
+              <a:rPr lang="en-US" altLang="zh-CN" dirty="0" err="1"/>
+              <a:t>get_str</a:t>
+            </a:r>
+            <a:r>
+              <a:rPr lang="en-US" altLang="zh-CN" dirty="0"/>
+              <a:t>", [](double v) { </a:t>
+            </a:r>
+            <a:r>
+              <a:rPr lang="en-US" altLang="zh-CN" dirty="0" err="1"/>
+              <a:t>std</a:t>
+            </a:r>
+            <a:r>
+              <a:rPr lang="en-US" altLang="zh-CN" dirty="0"/>
+              <a:t>::</a:t>
+            </a:r>
+            <a:r>
+              <a:rPr lang="en-US" altLang="zh-CN" dirty="0" err="1"/>
+              <a:t>to_string</a:t>
+            </a:r>
+            <a:r>
+              <a:rPr lang="en-US" altLang="zh-CN" dirty="0"/>
+              <a:t>(v); });</a:t>
+            </a:r>
             <a:endParaRPr lang="zh-CN" altLang="en-US" dirty="0"/>
           </a:p>
         </p:txBody>
@@ -12458,173 +12744,7 @@
 </p:sld>
 </file>
 
-<file path=ppt/slides/slide20.xml><?xml version="1.0" encoding="utf-8"?>
-<p:sld xmlns:a="http://schemas.openxmlformats.org/drawingml/2006/main" xmlns:r="http://schemas.openxmlformats.org/officeDocument/2006/relationships" xmlns:p="http://schemas.openxmlformats.org/presentationml/2006/main">
-  <p:cSld>
-    <p:spTree>
-      <p:nvGrpSpPr>
-        <p:cNvPr id="1" name=""/>
-        <p:cNvGrpSpPr/>
-        <p:nvPr/>
-      </p:nvGrpSpPr>
-      <p:grpSpPr>
-        <a:xfrm>
-          <a:off x="0" y="0"/>
-          <a:ext cx="0" cy="0"/>
-          <a:chOff x="0" y="0"/>
-          <a:chExt cx="0" cy="0"/>
-        </a:xfrm>
-      </p:grpSpPr>
-      <p:sp>
-        <p:nvSpPr>
-          <p:cNvPr id="2" name="标题 1"/>
-          <p:cNvSpPr>
-            <a:spLocks noGrp="1"/>
-          </p:cNvSpPr>
-          <p:nvPr>
-            <p:ph type="title"/>
-          </p:nvPr>
-        </p:nvSpPr>
-        <p:spPr/>
-        <p:txBody>
-          <a:bodyPr/>
-          <a:lstStyle/>
-          <a:p>
-            <a:r>
-              <a:rPr lang="en-US" altLang="zh-CN" dirty="0"/>
-              <a:t>Register callable of any signature</a:t>
-            </a:r>
-            <a:endParaRPr lang="zh-CN" altLang="en-US" dirty="0"/>
-          </a:p>
-        </p:txBody>
-      </p:sp>
-      <p:sp>
-        <p:nvSpPr>
-          <p:cNvPr id="3" name="文本占位符 2"/>
-          <p:cNvSpPr>
-            <a:spLocks noGrp="1"/>
-          </p:cNvSpPr>
-          <p:nvPr>
-            <p:ph type="body" sz="half" idx="2"/>
-          </p:nvPr>
-        </p:nvSpPr>
-        <p:spPr/>
-        <p:txBody>
-          <a:bodyPr/>
-          <a:lstStyle/>
-          <a:p>
-            <a:endParaRPr lang="en-US" altLang="zh-CN" dirty="0" smtClean="0"/>
-          </a:p>
-          <a:p>
-            <a:r>
-              <a:rPr lang="en-US" altLang="zh-CN" dirty="0" err="1" smtClean="0"/>
-              <a:t>server_t</a:t>
-            </a:r>
-            <a:r>
-              <a:rPr lang="en-US" altLang="zh-CN" dirty="0" smtClean="0"/>
-              <a:t> </a:t>
-            </a:r>
-            <a:r>
-              <a:rPr lang="en-US" altLang="zh-CN" dirty="0"/>
-              <a:t>server</a:t>
-            </a:r>
-            <a:r>
-              <a:rPr lang="en-US" altLang="zh-CN" dirty="0" smtClean="0"/>
-              <a:t>;</a:t>
-            </a:r>
-          </a:p>
-          <a:p>
-            <a:endParaRPr lang="en-US" altLang="zh-CN" dirty="0"/>
-          </a:p>
-          <a:p>
-            <a:r>
-              <a:rPr lang="en-US" altLang="zh-CN" dirty="0" err="1"/>
-              <a:t>server.register_handler</a:t>
-            </a:r>
-            <a:r>
-              <a:rPr lang="en-US" altLang="zh-CN" dirty="0"/>
-              <a:t>("add", [](</a:t>
-            </a:r>
-            <a:r>
-              <a:rPr lang="en-US" altLang="zh-CN" dirty="0" err="1"/>
-              <a:t>int</a:t>
-            </a:r>
-            <a:r>
-              <a:rPr lang="en-US" altLang="zh-CN" dirty="0"/>
-              <a:t> a, </a:t>
-            </a:r>
-            <a:r>
-              <a:rPr lang="en-US" altLang="zh-CN" dirty="0" err="1"/>
-              <a:t>int</a:t>
-            </a:r>
-            <a:r>
-              <a:rPr lang="en-US" altLang="zh-CN" dirty="0"/>
-              <a:t> b) {return a + b; });</a:t>
-            </a:r>
-          </a:p>
-          <a:p>
-            <a:r>
-              <a:rPr lang="en-US" altLang="zh-CN" dirty="0" err="1"/>
-              <a:t>server.register_handler</a:t>
-            </a:r>
-            <a:r>
-              <a:rPr lang="en-US" altLang="zh-CN" dirty="0"/>
-              <a:t>("dummy", []{ });</a:t>
-            </a:r>
-          </a:p>
-          <a:p>
-            <a:r>
-              <a:rPr lang="en-US" altLang="zh-CN" dirty="0" err="1"/>
-              <a:t>server.register_handler</a:t>
-            </a:r>
-            <a:r>
-              <a:rPr lang="en-US" altLang="zh-CN" dirty="0"/>
-              <a:t>("</a:t>
-            </a:r>
-            <a:r>
-              <a:rPr lang="en-US" altLang="zh-CN" dirty="0" err="1"/>
-              <a:t>get_str</a:t>
-            </a:r>
-            <a:r>
-              <a:rPr lang="en-US" altLang="zh-CN" dirty="0"/>
-              <a:t>", [](double v) { </a:t>
-            </a:r>
-            <a:r>
-              <a:rPr lang="en-US" altLang="zh-CN" dirty="0" err="1"/>
-              <a:t>std</a:t>
-            </a:r>
-            <a:r>
-              <a:rPr lang="en-US" altLang="zh-CN" dirty="0"/>
-              <a:t>::</a:t>
-            </a:r>
-            <a:r>
-              <a:rPr lang="en-US" altLang="zh-CN" dirty="0" err="1"/>
-              <a:t>to_string</a:t>
-            </a:r>
-            <a:r>
-              <a:rPr lang="en-US" altLang="zh-CN" dirty="0"/>
-              <a:t>(v); });</a:t>
-            </a:r>
-            <a:endParaRPr lang="zh-CN" altLang="en-US" dirty="0"/>
-          </a:p>
-        </p:txBody>
-      </p:sp>
-    </p:spTree>
-  </p:cSld>
-  <p:clrMapOvr>
-    <a:masterClrMapping/>
-  </p:clrMapOvr>
-  <p:timing>
-    <p:tnLst>
-      <p:par>
-        <p:cTn id="1" dur="indefinite" restart="never" nodeType="tmRoot"/>
-      </p:par>
-    </p:tnLst>
-  </p:timing>
-</p:sld>
-</file>
-
-<file path=ppt/slides/slide21.xml><?xml version="1.0" encoding="utf-8"?>
+<file path=ppt/slides/slide22.xml><?xml version="1.0" encoding="utf-8"?>
 <p:sld xmlns:a="http://schemas.openxmlformats.org/drawingml/2006/main" xmlns:r="http://schemas.openxmlformats.org/officeDocument/2006/relationships" xmlns:p="http://schemas.openxmlformats.org/presentationml/2006/main">
   <p:cSld>
     <p:spTree>
@@ -12920,7 +13040,7 @@
 </p:sld>
 </file>
 
-<file path=ppt/slides/slide22.xml><?xml version="1.0" encoding="utf-8"?>
+<file path=ppt/slides/slide23.xml><?xml version="1.0" encoding="utf-8"?>
 <p:sld xmlns:a="http://schemas.openxmlformats.org/drawingml/2006/main" xmlns:r="http://schemas.openxmlformats.org/officeDocument/2006/relationships" xmlns:p="http://schemas.openxmlformats.org/presentationml/2006/main">
   <p:cSld>
     <p:spTree>
@@ -13638,7 +13758,7 @@
 </p:sld>
 </file>
 
-<file path=ppt/slides/slide23.xml><?xml version="1.0" encoding="utf-8"?>
+<file path=ppt/slides/slide24.xml><?xml version="1.0" encoding="utf-8"?>
 <p:sld xmlns:a="http://schemas.openxmlformats.org/drawingml/2006/main" xmlns:r="http://schemas.openxmlformats.org/officeDocument/2006/relationships" xmlns:p="http://schemas.openxmlformats.org/presentationml/2006/main">
   <p:cSld>
     <p:spTree>
@@ -13741,7 +13861,7 @@
 </p:sld>
 </file>
 
-<file path=ppt/slides/slide24.xml><?xml version="1.0" encoding="utf-8"?>
+<file path=ppt/slides/slide25.xml><?xml version="1.0" encoding="utf-8"?>
 <p:sld xmlns:a="http://schemas.openxmlformats.org/drawingml/2006/main" xmlns:r="http://schemas.openxmlformats.org/officeDocument/2006/relationships" xmlns:p="http://schemas.openxmlformats.org/presentationml/2006/main">
   <p:cSld>
     <p:spTree>
@@ -14402,324 +14522,6 @@
 </p:sld>
 </file>
 
-<file path=ppt/slides/slide25.xml><?xml version="1.0" encoding="utf-8"?>
-<p:sld xmlns:a="http://schemas.openxmlformats.org/drawingml/2006/main" xmlns:r="http://schemas.openxmlformats.org/officeDocument/2006/relationships" xmlns:p="http://schemas.openxmlformats.org/presentationml/2006/main">
-  <p:cSld>
-    <p:spTree>
-      <p:nvGrpSpPr>
-        <p:cNvPr id="1" name=""/>
-        <p:cNvGrpSpPr/>
-        <p:nvPr/>
-      </p:nvGrpSpPr>
-      <p:grpSpPr>
-        <a:xfrm>
-          <a:off x="0" y="0"/>
-          <a:ext cx="0" cy="0"/>
-          <a:chOff x="0" y="0"/>
-          <a:chExt cx="0" cy="0"/>
-        </a:xfrm>
-      </p:grpSpPr>
-      <p:sp>
-        <p:nvSpPr>
-          <p:cNvPr id="2" name="标题 1"/>
-          <p:cNvSpPr>
-            <a:spLocks noGrp="1"/>
-          </p:cNvSpPr>
-          <p:nvPr>
-            <p:ph type="title"/>
-          </p:nvPr>
-        </p:nvSpPr>
-        <p:spPr/>
-        <p:txBody>
-          <a:bodyPr/>
-          <a:lstStyle/>
-          <a:p>
-            <a:r>
-              <a:rPr lang="en-US" altLang="zh-CN" dirty="0"/>
-              <a:t>How to </a:t>
-            </a:r>
-            <a:r>
-              <a:rPr lang="en-US" altLang="zh-CN" dirty="0" smtClean="0"/>
-              <a:t>route to </a:t>
-            </a:r>
-            <a:r>
-              <a:rPr lang="en-US" altLang="zh-CN" dirty="0"/>
-              <a:t>the correct handler</a:t>
-            </a:r>
-            <a:endParaRPr lang="zh-CN" altLang="en-US" dirty="0"/>
-          </a:p>
-        </p:txBody>
-      </p:sp>
-      <p:sp>
-        <p:nvSpPr>
-          <p:cNvPr id="3" name="文本占位符 2"/>
-          <p:cNvSpPr>
-            <a:spLocks noGrp="1"/>
-          </p:cNvSpPr>
-          <p:nvPr>
-            <p:ph type="body" sz="half" idx="2"/>
-          </p:nvPr>
-        </p:nvSpPr>
-        <p:spPr/>
-        <p:txBody>
-          <a:bodyPr/>
-          <a:lstStyle/>
-          <a:p>
-            <a:r>
-              <a:rPr lang="en-US" altLang="zh-CN" dirty="0"/>
-              <a:t>template &lt;class F, class Tuple, </a:t>
-            </a:r>
-            <a:r>
-              <a:rPr lang="en-US" altLang="zh-CN" dirty="0" err="1"/>
-              <a:t>std</a:t>
-            </a:r>
-            <a:r>
-              <a:rPr lang="en-US" altLang="zh-CN" dirty="0"/>
-              <a:t>::</a:t>
-            </a:r>
-            <a:r>
-              <a:rPr lang="en-US" altLang="zh-CN" dirty="0" err="1"/>
-              <a:t>size_t</a:t>
-            </a:r>
-            <a:r>
-              <a:rPr lang="en-US" altLang="zh-CN" dirty="0"/>
-              <a:t>... I&gt;</a:t>
-            </a:r>
-          </a:p>
-          <a:p>
-            <a:r>
-              <a:rPr lang="en-US" altLang="zh-CN" dirty="0" err="1"/>
-              <a:t>constexpr</a:t>
-            </a:r>
-            <a:r>
-              <a:rPr lang="en-US" altLang="zh-CN" dirty="0"/>
-              <a:t> </a:t>
-            </a:r>
-            <a:r>
-              <a:rPr lang="en-US" altLang="zh-CN" dirty="0" err="1"/>
-              <a:t>decltype</a:t>
-            </a:r>
-            <a:r>
-              <a:rPr lang="en-US" altLang="zh-CN" dirty="0"/>
-              <a:t>(auto) </a:t>
-            </a:r>
-            <a:r>
-              <a:rPr lang="en-US" altLang="zh-CN" dirty="0" err="1"/>
-              <a:t>apply_impl</a:t>
-            </a:r>
-            <a:r>
-              <a:rPr lang="en-US" altLang="zh-CN" dirty="0"/>
-              <a:t>(F &amp;&amp;f, Tuple &amp;&amp;t, </a:t>
-            </a:r>
-            <a:r>
-              <a:rPr lang="en-US" altLang="zh-CN" dirty="0" err="1"/>
-              <a:t>std</a:t>
-            </a:r>
-            <a:r>
-              <a:rPr lang="en-US" altLang="zh-CN" dirty="0"/>
-              <a:t>::</a:t>
-            </a:r>
-            <a:r>
-              <a:rPr lang="en-US" altLang="zh-CN" dirty="0" err="1"/>
-              <a:t>index_sequence</a:t>
-            </a:r>
-            <a:r>
-              <a:rPr lang="en-US" altLang="zh-CN" dirty="0"/>
-              <a:t>&lt;I...&gt;)</a:t>
-            </a:r>
-          </a:p>
-          <a:p>
-            <a:r>
-              <a:rPr lang="en-US" altLang="zh-CN" dirty="0"/>
-              <a:t>{</a:t>
-            </a:r>
-          </a:p>
-          <a:p>
-            <a:r>
-              <a:rPr lang="en-US" altLang="zh-CN" dirty="0" smtClean="0"/>
-              <a:t>    return </a:t>
-            </a:r>
-            <a:r>
-              <a:rPr lang="en-US" altLang="zh-CN" dirty="0" err="1"/>
-              <a:t>std</a:t>
-            </a:r>
-            <a:r>
-              <a:rPr lang="en-US" altLang="zh-CN" dirty="0"/>
-              <a:t>::forward&lt;F&gt;(f)(</a:t>
-            </a:r>
-            <a:r>
-              <a:rPr lang="en-US" altLang="zh-CN" dirty="0" err="1"/>
-              <a:t>std</a:t>
-            </a:r>
-            <a:r>
-              <a:rPr lang="en-US" altLang="zh-CN" dirty="0"/>
-              <a:t>::get&lt;I&gt;(</a:t>
-            </a:r>
-            <a:r>
-              <a:rPr lang="en-US" altLang="zh-CN" dirty="0" err="1"/>
-              <a:t>std</a:t>
-            </a:r>
-            <a:r>
-              <a:rPr lang="en-US" altLang="zh-CN" dirty="0"/>
-              <a:t>::forward&lt;Tuple&gt;(t))...);</a:t>
-            </a:r>
-          </a:p>
-          <a:p>
-            <a:r>
-              <a:rPr lang="en-US" altLang="zh-CN" dirty="0"/>
-              <a:t>}</a:t>
-            </a:r>
-          </a:p>
-          <a:p>
-            <a:endParaRPr lang="zh-CN" altLang="en-US" dirty="0"/>
-          </a:p>
-          <a:p>
-            <a:r>
-              <a:rPr lang="en-US" altLang="zh-CN" dirty="0"/>
-              <a:t>template &lt;class F, class Tuple&gt;</a:t>
-            </a:r>
-          </a:p>
-          <a:p>
-            <a:r>
-              <a:rPr lang="en-US" altLang="zh-CN" dirty="0" err="1"/>
-              <a:t>constexpr</a:t>
-            </a:r>
-            <a:r>
-              <a:rPr lang="en-US" altLang="zh-CN" dirty="0"/>
-              <a:t> </a:t>
-            </a:r>
-            <a:r>
-              <a:rPr lang="en-US" altLang="zh-CN" dirty="0" err="1"/>
-              <a:t>decltype</a:t>
-            </a:r>
-            <a:r>
-              <a:rPr lang="en-US" altLang="zh-CN" dirty="0"/>
-              <a:t>(auto) apply(F &amp;&amp;f, Tuple &amp;&amp;t)</a:t>
-            </a:r>
-          </a:p>
-          <a:p>
-            <a:r>
-              <a:rPr lang="en-US" altLang="zh-CN" dirty="0"/>
-              <a:t>{</a:t>
-            </a:r>
-          </a:p>
-          <a:p>
-            <a:r>
-              <a:rPr lang="en-US" altLang="zh-CN" dirty="0" smtClean="0"/>
-              <a:t>    return </a:t>
-            </a:r>
-            <a:r>
-              <a:rPr lang="en-US" altLang="zh-CN" dirty="0" err="1"/>
-              <a:t>apply_impl</a:t>
-            </a:r>
-            <a:r>
-              <a:rPr lang="en-US" altLang="zh-CN" dirty="0"/>
-              <a:t>(</a:t>
-            </a:r>
-            <a:r>
-              <a:rPr lang="en-US" altLang="zh-CN" dirty="0" err="1"/>
-              <a:t>std</a:t>
-            </a:r>
-            <a:r>
-              <a:rPr lang="en-US" altLang="zh-CN" dirty="0"/>
-              <a:t>::forward&lt;F&gt;(f), </a:t>
-            </a:r>
-            <a:r>
-              <a:rPr lang="en-US" altLang="zh-CN" dirty="0" err="1"/>
-              <a:t>std</a:t>
-            </a:r>
-            <a:r>
-              <a:rPr lang="en-US" altLang="zh-CN" dirty="0"/>
-              <a:t>::forward&lt;Tuple&gt;(t),</a:t>
-            </a:r>
-          </a:p>
-          <a:p>
-            <a:r>
-              <a:rPr lang="en-US" altLang="zh-CN" dirty="0" smtClean="0"/>
-              <a:t>        </a:t>
-            </a:r>
-            <a:r>
-              <a:rPr lang="en-US" altLang="zh-CN" dirty="0" err="1" smtClean="0"/>
-              <a:t>std</a:t>
-            </a:r>
-            <a:r>
-              <a:rPr lang="en-US" altLang="zh-CN" dirty="0"/>
-              <a:t>::</a:t>
-            </a:r>
-            <a:r>
-              <a:rPr lang="en-US" altLang="zh-CN" dirty="0" err="1"/>
-              <a:t>make_index_sequence</a:t>
-            </a:r>
-            <a:r>
-              <a:rPr lang="en-US" altLang="zh-CN" dirty="0"/>
-              <a:t>&lt;</a:t>
-            </a:r>
-            <a:r>
-              <a:rPr lang="en-US" altLang="zh-CN" dirty="0" err="1"/>
-              <a:t>std</a:t>
-            </a:r>
-            <a:r>
-              <a:rPr lang="en-US" altLang="zh-CN" dirty="0"/>
-              <a:t>::</a:t>
-            </a:r>
-            <a:r>
-              <a:rPr lang="en-US" altLang="zh-CN" dirty="0" err="1"/>
-              <a:t>tuple_size</a:t>
-            </a:r>
-            <a:r>
-              <a:rPr lang="en-US" altLang="zh-CN" dirty="0"/>
-              <a:t>&lt;</a:t>
-            </a:r>
-            <a:r>
-              <a:rPr lang="en-US" altLang="zh-CN" dirty="0" err="1"/>
-              <a:t>std</a:t>
-            </a:r>
-            <a:r>
-              <a:rPr lang="en-US" altLang="zh-CN" dirty="0"/>
-              <a:t>::</a:t>
-            </a:r>
-            <a:r>
-              <a:rPr lang="en-US" altLang="zh-CN" dirty="0" err="1"/>
-              <a:t>decay_t</a:t>
-            </a:r>
-            <a:r>
-              <a:rPr lang="en-US" altLang="zh-CN" dirty="0"/>
-              <a:t>&lt;Tuple&gt;&gt;::value&gt;{});</a:t>
-            </a:r>
-          </a:p>
-          <a:p>
-            <a:r>
-              <a:rPr lang="en-US" altLang="zh-CN" dirty="0" smtClean="0"/>
-              <a:t>}</a:t>
-            </a:r>
-          </a:p>
-          <a:p>
-            <a:endParaRPr lang="en-US" altLang="zh-CN" sz="1400" dirty="0"/>
-          </a:p>
-          <a:p>
-            <a:r>
-              <a:rPr lang="en-US" altLang="zh-CN" sz="1400" dirty="0" smtClean="0"/>
-              <a:t>implemented by C++14</a:t>
-            </a:r>
-            <a:endParaRPr lang="en-US" altLang="zh-CN" sz="1400" dirty="0"/>
-          </a:p>
-        </p:txBody>
-      </p:sp>
-    </p:spTree>
-  </p:cSld>
-  <p:clrMapOvr>
-    <a:masterClrMapping/>
-  </p:clrMapOvr>
-  <p:timing>
-    <p:tnLst>
-      <p:par>
-        <p:cTn id="1" dur="indefinite" restart="never" nodeType="tmRoot"/>
-      </p:par>
-    </p:tnLst>
-  </p:timing>
-</p:sld>
-</file>
-
 <file path=ppt/slides/slide26.xml><?xml version="1.0" encoding="utf-8"?>
 <p:sld xmlns:a="http://schemas.openxmlformats.org/drawingml/2006/main" xmlns:r="http://schemas.openxmlformats.org/officeDocument/2006/relationships" xmlns:p="http://schemas.openxmlformats.org/presentationml/2006/main">
   <p:cSld>
@@ -14754,15 +14556,15 @@
           <a:p>
             <a:r>
               <a:rPr lang="en-US" altLang="zh-CN" dirty="0"/>
-              <a:t>How to route </a:t>
+              <a:t>How to </a:t>
             </a:r>
             <a:r>
               <a:rPr lang="en-US" altLang="zh-CN" dirty="0" smtClean="0"/>
-              <a:t>to the </a:t>
-            </a:r>
-            <a:r>
-              <a:rPr lang="en-US" altLang="zh-CN" dirty="0"/>
-              <a:t>correct handler</a:t>
+              <a:t>route to </a:t>
+            </a:r>
+            <a:r>
+              <a:rPr lang="en-US" altLang="zh-CN" dirty="0"/>
+              <a:t>the correct handler</a:t>
             </a:r>
             <a:endParaRPr lang="zh-CN" altLang="en-US" dirty="0"/>
           </a:p>
@@ -14785,34 +14587,176 @@
           <a:p>
             <a:r>
               <a:rPr lang="en-US" altLang="zh-CN" dirty="0"/>
-              <a:t>void add(</a:t>
+              <a:t>template &lt;class F, class Tuple, </a:t>
             </a:r>
             <a:r>
               <a:rPr lang="en-US" altLang="zh-CN" dirty="0" err="1"/>
-              <a:t>int</a:t>
-            </a:r>
-            <a:r>
-              <a:rPr lang="en-US" altLang="zh-CN" dirty="0"/>
-              <a:t> a, </a:t>
+              <a:t>std</a:t>
+            </a:r>
+            <a:r>
+              <a:rPr lang="en-US" altLang="zh-CN" dirty="0"/>
+              <a:t>::</a:t>
             </a:r>
             <a:r>
               <a:rPr lang="en-US" altLang="zh-CN" dirty="0" err="1"/>
-              <a:t>int</a:t>
-            </a:r>
-            <a:r>
-              <a:rPr lang="en-US" altLang="zh-CN" dirty="0"/>
-              <a:t> b</a:t>
-            </a:r>
+              <a:t>size_t</a:t>
+            </a:r>
+            <a:r>
+              <a:rPr lang="en-US" altLang="zh-CN" dirty="0"/>
+              <a:t>... I&gt;</a:t>
+            </a:r>
+          </a:p>
+          <a:p>
+            <a:r>
+              <a:rPr lang="en-US" altLang="zh-CN" dirty="0" err="1"/>
+              <a:t>constexpr</a:t>
+            </a:r>
+            <a:r>
+              <a:rPr lang="en-US" altLang="zh-CN" dirty="0"/>
+              <a:t> </a:t>
+            </a:r>
+            <a:r>
+              <a:rPr lang="en-US" altLang="zh-CN" dirty="0" err="1"/>
+              <a:t>decltype</a:t>
+            </a:r>
+            <a:r>
+              <a:rPr lang="en-US" altLang="zh-CN" dirty="0"/>
+              <a:t>(auto) </a:t>
+            </a:r>
+            <a:r>
+              <a:rPr lang="en-US" altLang="zh-CN" dirty="0" err="1"/>
+              <a:t>apply_impl</a:t>
+            </a:r>
+            <a:r>
+              <a:rPr lang="en-US" altLang="zh-CN" dirty="0"/>
+              <a:t>(F &amp;&amp;f, Tuple &amp;&amp;t, </a:t>
+            </a:r>
+            <a:r>
+              <a:rPr lang="en-US" altLang="zh-CN" dirty="0" err="1"/>
+              <a:t>std</a:t>
+            </a:r>
+            <a:r>
+              <a:rPr lang="en-US" altLang="zh-CN" dirty="0"/>
+              <a:t>::</a:t>
+            </a:r>
+            <a:r>
+              <a:rPr lang="en-US" altLang="zh-CN" dirty="0" err="1"/>
+              <a:t>index_sequence</a:t>
+            </a:r>
+            <a:r>
+              <a:rPr lang="en-US" altLang="zh-CN" dirty="0"/>
+              <a:t>&lt;I...&gt;)</a:t>
+            </a:r>
+          </a:p>
+          <a:p>
+            <a:r>
+              <a:rPr lang="en-US" altLang="zh-CN" dirty="0"/>
+              <a:t>{</a:t>
+            </a:r>
+          </a:p>
+          <a:p>
             <a:r>
               <a:rPr lang="en-US" altLang="zh-CN" dirty="0" smtClean="0"/>
-              <a:t>){</a:t>
-            </a:r>
-            <a:endParaRPr lang="en-US" altLang="zh-CN" dirty="0"/>
+              <a:t>    return </a:t>
+            </a:r>
+            <a:r>
+              <a:rPr lang="en-US" altLang="zh-CN" dirty="0" err="1"/>
+              <a:t>std</a:t>
+            </a:r>
+            <a:r>
+              <a:rPr lang="en-US" altLang="zh-CN" dirty="0"/>
+              <a:t>::forward&lt;F&gt;(f)(</a:t>
+            </a:r>
+            <a:r>
+              <a:rPr lang="en-US" altLang="zh-CN" dirty="0" err="1"/>
+              <a:t>std</a:t>
+            </a:r>
+            <a:r>
+              <a:rPr lang="en-US" altLang="zh-CN" dirty="0"/>
+              <a:t>::get&lt;I&gt;(</a:t>
+            </a:r>
+            <a:r>
+              <a:rPr lang="en-US" altLang="zh-CN" dirty="0" err="1"/>
+              <a:t>std</a:t>
+            </a:r>
+            <a:r>
+              <a:rPr lang="en-US" altLang="zh-CN" dirty="0"/>
+              <a:t>::forward&lt;Tuple&gt;(t))...);</a:t>
+            </a:r>
+          </a:p>
+          <a:p>
+            <a:r>
+              <a:rPr lang="en-US" altLang="zh-CN" dirty="0"/>
+              <a:t>}</a:t>
+            </a:r>
+          </a:p>
+          <a:p>
+            <a:endParaRPr lang="zh-CN" altLang="en-US" dirty="0"/>
+          </a:p>
+          <a:p>
+            <a:r>
+              <a:rPr lang="en-US" altLang="zh-CN" dirty="0"/>
+              <a:t>template &lt;class F, class Tuple&gt;</a:t>
+            </a:r>
+          </a:p>
+          <a:p>
+            <a:r>
+              <a:rPr lang="en-US" altLang="zh-CN" dirty="0" err="1"/>
+              <a:t>constexpr</a:t>
+            </a:r>
+            <a:r>
+              <a:rPr lang="en-US" altLang="zh-CN" dirty="0"/>
+              <a:t> </a:t>
+            </a:r>
+            <a:r>
+              <a:rPr lang="en-US" altLang="zh-CN" dirty="0" err="1"/>
+              <a:t>decltype</a:t>
+            </a:r>
+            <a:r>
+              <a:rPr lang="en-US" altLang="zh-CN" dirty="0"/>
+              <a:t>(auto) apply(F &amp;&amp;f, Tuple &amp;&amp;t)</a:t>
+            </a:r>
+          </a:p>
+          <a:p>
+            <a:r>
+              <a:rPr lang="en-US" altLang="zh-CN" dirty="0"/>
+              <a:t>{</a:t>
+            </a:r>
           </a:p>
           <a:p>
             <a:r>
               <a:rPr lang="en-US" altLang="zh-CN" dirty="0" smtClean="0"/>
-              <a:t>    </a:t>
+              <a:t>    return </a:t>
+            </a:r>
+            <a:r>
+              <a:rPr lang="en-US" altLang="zh-CN" dirty="0" err="1"/>
+              <a:t>apply_impl</a:t>
+            </a:r>
+            <a:r>
+              <a:rPr lang="en-US" altLang="zh-CN" dirty="0"/>
+              <a:t>(</a:t>
+            </a:r>
+            <a:r>
+              <a:rPr lang="en-US" altLang="zh-CN" dirty="0" err="1"/>
+              <a:t>std</a:t>
+            </a:r>
+            <a:r>
+              <a:rPr lang="en-US" altLang="zh-CN" dirty="0"/>
+              <a:t>::forward&lt;F&gt;(f), </a:t>
+            </a:r>
+            <a:r>
+              <a:rPr lang="en-US" altLang="zh-CN" dirty="0" err="1"/>
+              <a:t>std</a:t>
+            </a:r>
+            <a:r>
+              <a:rPr lang="en-US" altLang="zh-CN" dirty="0"/>
+              <a:t>::forward&lt;Tuple&gt;(t),</a:t>
+            </a:r>
+          </a:p>
+          <a:p>
+            <a:r>
+              <a:rPr lang="en-US" altLang="zh-CN" dirty="0" smtClean="0"/>
+              <a:t>        </a:t>
             </a:r>
             <a:r>
               <a:rPr lang="en-US" altLang="zh-CN" dirty="0" err="1" smtClean="0"/>
@@ -14824,11 +14768,11 @@
             </a:r>
             <a:r>
               <a:rPr lang="en-US" altLang="zh-CN" dirty="0" err="1"/>
-              <a:t>cout</a:t>
-            </a:r>
-            <a:r>
-              <a:rPr lang="en-US" altLang="zh-CN" dirty="0"/>
-              <a:t> &lt;&lt; a + b &lt;&lt; </a:t>
+              <a:t>make_index_sequence</a:t>
+            </a:r>
+            <a:r>
+              <a:rPr lang="en-US" altLang="zh-CN" dirty="0"/>
+              <a:t>&lt;</a:t>
             </a:r>
             <a:r>
               <a:rPr lang="en-US" altLang="zh-CN" dirty="0" err="1"/>
@@ -14840,11 +14784,27 @@
             </a:r>
             <a:r>
               <a:rPr lang="en-US" altLang="zh-CN" dirty="0" err="1"/>
-              <a:t>endl</a:t>
-            </a:r>
-            <a:r>
-              <a:rPr lang="en-US" altLang="zh-CN" dirty="0"/>
-              <a:t>;</a:t>
+              <a:t>tuple_size</a:t>
+            </a:r>
+            <a:r>
+              <a:rPr lang="en-US" altLang="zh-CN" dirty="0"/>
+              <a:t>&lt;</a:t>
+            </a:r>
+            <a:r>
+              <a:rPr lang="en-US" altLang="zh-CN" dirty="0" err="1"/>
+              <a:t>std</a:t>
+            </a:r>
+            <a:r>
+              <a:rPr lang="en-US" altLang="zh-CN" dirty="0"/>
+              <a:t>::</a:t>
+            </a:r>
+            <a:r>
+              <a:rPr lang="en-US" altLang="zh-CN" dirty="0" err="1"/>
+              <a:t>decay_t</a:t>
+            </a:r>
+            <a:r>
+              <a:rPr lang="en-US" altLang="zh-CN" dirty="0"/>
+              <a:t>&lt;Tuple&gt;&gt;::value&gt;{});</a:t>
             </a:r>
           </a:p>
           <a:p>
@@ -14854,174 +14814,14 @@
             </a:r>
           </a:p>
           <a:p>
-            <a:r>
-              <a:rPr lang="en-US" altLang="zh-CN" dirty="0"/>
-              <a:t>void foo(</a:t>
-            </a:r>
-            <a:r>
-              <a:rPr lang="en-US" altLang="zh-CN" dirty="0" err="1"/>
-              <a:t>std</a:t>
-            </a:r>
-            <a:r>
-              <a:rPr lang="en-US" altLang="zh-CN" dirty="0"/>
-              <a:t>::string b, </a:t>
-            </a:r>
-            <a:r>
-              <a:rPr lang="en-US" altLang="zh-CN" dirty="0" err="1"/>
-              <a:t>int</a:t>
-            </a:r>
-            <a:r>
-              <a:rPr lang="en-US" altLang="zh-CN" dirty="0"/>
-              <a:t> a</a:t>
-            </a:r>
-            <a:r>
-              <a:rPr lang="en-US" altLang="zh-CN" dirty="0" smtClean="0"/>
-              <a:t>){</a:t>
-            </a:r>
-            <a:endParaRPr lang="en-US" altLang="zh-CN" dirty="0"/>
-          </a:p>
-          <a:p>
-            <a:r>
-              <a:rPr lang="en-US" altLang="zh-CN" dirty="0" smtClean="0"/>
-              <a:t>    </a:t>
-            </a:r>
-            <a:r>
-              <a:rPr lang="en-US" altLang="zh-CN" dirty="0" err="1" smtClean="0"/>
-              <a:t>std</a:t>
-            </a:r>
-            <a:r>
-              <a:rPr lang="en-US" altLang="zh-CN" dirty="0"/>
-              <a:t>::</a:t>
-            </a:r>
-            <a:r>
-              <a:rPr lang="en-US" altLang="zh-CN" dirty="0" err="1"/>
-              <a:t>cout</a:t>
-            </a:r>
-            <a:r>
-              <a:rPr lang="en-US" altLang="zh-CN" dirty="0"/>
-              <a:t> &lt;&lt; b &lt;&lt; </a:t>
-            </a:r>
-            <a:r>
-              <a:rPr lang="en-US" altLang="zh-CN" dirty="0" err="1"/>
-              <a:t>std</a:t>
-            </a:r>
-            <a:r>
-              <a:rPr lang="en-US" altLang="zh-CN" dirty="0"/>
-              <a:t>::</a:t>
-            </a:r>
-            <a:r>
-              <a:rPr lang="en-US" altLang="zh-CN" dirty="0" err="1"/>
-              <a:t>endl</a:t>
-            </a:r>
-            <a:r>
-              <a:rPr lang="en-US" altLang="zh-CN" dirty="0"/>
-              <a:t>;</a:t>
-            </a:r>
-          </a:p>
-          <a:p>
-            <a:r>
-              <a:rPr lang="en-US" altLang="zh-CN" dirty="0" smtClean="0"/>
-              <a:t>}</a:t>
-            </a:r>
-          </a:p>
-          <a:p>
-            <a:r>
-              <a:rPr lang="en-US" altLang="zh-CN" dirty="0" smtClean="0"/>
-              <a:t>router </a:t>
-            </a:r>
-            <a:r>
-              <a:rPr lang="en-US" altLang="zh-CN" dirty="0"/>
-              <a:t>r;</a:t>
-            </a:r>
-          </a:p>
-          <a:p>
-            <a:r>
-              <a:rPr lang="en-US" altLang="zh-CN" dirty="0" err="1" smtClean="0"/>
-              <a:t>r.register_handler</a:t>
-            </a:r>
-            <a:r>
-              <a:rPr lang="en-US" altLang="zh-CN" dirty="0"/>
-              <a:t>("add", &amp;add);</a:t>
-            </a:r>
-          </a:p>
-          <a:p>
-            <a:r>
-              <a:rPr lang="en-US" altLang="zh-CN" dirty="0" err="1" smtClean="0"/>
-              <a:t>r.register_handler</a:t>
-            </a:r>
-            <a:r>
-              <a:rPr lang="en-US" altLang="zh-CN" dirty="0"/>
-              <a:t>("</a:t>
-            </a:r>
-            <a:r>
-              <a:rPr lang="en-US" altLang="zh-CN" dirty="0" smtClean="0"/>
-              <a:t>fun", </a:t>
-            </a:r>
-            <a:r>
-              <a:rPr lang="en-US" altLang="zh-CN" dirty="0"/>
-              <a:t>&amp;foo</a:t>
-            </a:r>
-            <a:r>
-              <a:rPr lang="en-US" altLang="zh-CN" dirty="0" smtClean="0"/>
-              <a:t>);</a:t>
-            </a:r>
-          </a:p>
-          <a:p>
-            <a:endParaRPr lang="en-US" altLang="zh-CN" dirty="0" smtClean="0"/>
-          </a:p>
-          <a:p>
-            <a:r>
-              <a:rPr lang="en-US" altLang="zh-CN" dirty="0" smtClean="0"/>
-              <a:t>string </a:t>
-            </a:r>
-            <a:r>
-              <a:rPr lang="en-US" altLang="zh-CN" dirty="0"/>
-              <a:t>s1 = "add/1/2</a:t>
-            </a:r>
-            <a:r>
-              <a:rPr lang="en-US" altLang="zh-CN" dirty="0" smtClean="0"/>
-              <a:t>"; //</a:t>
-            </a:r>
-            <a:r>
-              <a:rPr lang="en-US" altLang="zh-CN" dirty="0" err="1" smtClean="0"/>
-              <a:t>url</a:t>
-            </a:r>
-            <a:r>
-              <a:rPr lang="en-US" altLang="zh-CN" dirty="0" smtClean="0"/>
-              <a:t> from client</a:t>
-            </a:r>
-            <a:endParaRPr lang="en-US" altLang="zh-CN" dirty="0"/>
-          </a:p>
-          <a:p>
-            <a:r>
-              <a:rPr lang="en-US" altLang="zh-CN" dirty="0" smtClean="0"/>
-              <a:t>string s2 </a:t>
-            </a:r>
-            <a:r>
-              <a:rPr lang="en-US" altLang="zh-CN" dirty="0"/>
-              <a:t>= "fun/test/1";</a:t>
-            </a:r>
-          </a:p>
-          <a:p>
-            <a:r>
-              <a:rPr lang="en-US" altLang="zh-CN" dirty="0" err="1" smtClean="0"/>
-              <a:t>r.route</a:t>
-            </a:r>
-            <a:r>
-              <a:rPr lang="en-US" altLang="zh-CN" dirty="0" smtClean="0"/>
-              <a:t>(s1);  //route and execute</a:t>
-            </a:r>
-          </a:p>
-          <a:p>
-            <a:r>
-              <a:rPr lang="en-US" altLang="zh-CN" dirty="0" err="1" smtClean="0"/>
-              <a:t>r.route</a:t>
-            </a:r>
-            <a:r>
-              <a:rPr lang="en-US" altLang="zh-CN" dirty="0" smtClean="0"/>
-              <a:t>(s2);  //route and execute</a:t>
-            </a:r>
-            <a:endParaRPr lang="zh-CN" altLang="en-US" dirty="0"/>
+            <a:endParaRPr lang="en-US" altLang="zh-CN" sz="1400" dirty="0"/>
+          </a:p>
+          <a:p>
+            <a:r>
+              <a:rPr lang="en-US" altLang="zh-CN" sz="1400" dirty="0" smtClean="0"/>
+              <a:t>implemented by C++14</a:t>
+            </a:r>
+            <a:endParaRPr lang="en-US" altLang="zh-CN" sz="1400" dirty="0"/>
           </a:p>
         </p:txBody>
       </p:sp>
@@ -15041,6 +14841,326 @@
 </file>
 
 <file path=ppt/slides/slide27.xml><?xml version="1.0" encoding="utf-8"?>
+<p:sld xmlns:a="http://schemas.openxmlformats.org/drawingml/2006/main" xmlns:r="http://schemas.openxmlformats.org/officeDocument/2006/relationships" xmlns:p="http://schemas.openxmlformats.org/presentationml/2006/main">
+  <p:cSld>
+    <p:spTree>
+      <p:nvGrpSpPr>
+        <p:cNvPr id="1" name=""/>
+        <p:cNvGrpSpPr/>
+        <p:nvPr/>
+      </p:nvGrpSpPr>
+      <p:grpSpPr>
+        <a:xfrm>
+          <a:off x="0" y="0"/>
+          <a:ext cx="0" cy="0"/>
+          <a:chOff x="0" y="0"/>
+          <a:chExt cx="0" cy="0"/>
+        </a:xfrm>
+      </p:grpSpPr>
+      <p:sp>
+        <p:nvSpPr>
+          <p:cNvPr id="2" name="标题 1"/>
+          <p:cNvSpPr>
+            <a:spLocks noGrp="1"/>
+          </p:cNvSpPr>
+          <p:nvPr>
+            <p:ph type="title"/>
+          </p:nvPr>
+        </p:nvSpPr>
+        <p:spPr/>
+        <p:txBody>
+          <a:bodyPr/>
+          <a:lstStyle/>
+          <a:p>
+            <a:r>
+              <a:rPr lang="en-US" altLang="zh-CN" dirty="0"/>
+              <a:t>How to route </a:t>
+            </a:r>
+            <a:r>
+              <a:rPr lang="en-US" altLang="zh-CN" dirty="0" smtClean="0"/>
+              <a:t>to the </a:t>
+            </a:r>
+            <a:r>
+              <a:rPr lang="en-US" altLang="zh-CN" dirty="0"/>
+              <a:t>correct handler</a:t>
+            </a:r>
+            <a:endParaRPr lang="zh-CN" altLang="en-US" dirty="0"/>
+          </a:p>
+        </p:txBody>
+      </p:sp>
+      <p:sp>
+        <p:nvSpPr>
+          <p:cNvPr id="3" name="文本占位符 2"/>
+          <p:cNvSpPr>
+            <a:spLocks noGrp="1"/>
+          </p:cNvSpPr>
+          <p:nvPr>
+            <p:ph type="body" sz="half" idx="2"/>
+          </p:nvPr>
+        </p:nvSpPr>
+        <p:spPr/>
+        <p:txBody>
+          <a:bodyPr/>
+          <a:lstStyle/>
+          <a:p>
+            <a:r>
+              <a:rPr lang="en-US" altLang="zh-CN" dirty="0"/>
+              <a:t>void add(</a:t>
+            </a:r>
+            <a:r>
+              <a:rPr lang="en-US" altLang="zh-CN" dirty="0" err="1"/>
+              <a:t>int</a:t>
+            </a:r>
+            <a:r>
+              <a:rPr lang="en-US" altLang="zh-CN" dirty="0"/>
+              <a:t> a, </a:t>
+            </a:r>
+            <a:r>
+              <a:rPr lang="en-US" altLang="zh-CN" dirty="0" err="1"/>
+              <a:t>int</a:t>
+            </a:r>
+            <a:r>
+              <a:rPr lang="en-US" altLang="zh-CN" dirty="0"/>
+              <a:t> b</a:t>
+            </a:r>
+            <a:r>
+              <a:rPr lang="en-US" altLang="zh-CN" dirty="0" smtClean="0"/>
+              <a:t>){</a:t>
+            </a:r>
+            <a:endParaRPr lang="en-US" altLang="zh-CN" dirty="0"/>
+          </a:p>
+          <a:p>
+            <a:r>
+              <a:rPr lang="en-US" altLang="zh-CN" dirty="0" smtClean="0"/>
+              <a:t>    </a:t>
+            </a:r>
+            <a:r>
+              <a:rPr lang="en-US" altLang="zh-CN" dirty="0" err="1" smtClean="0"/>
+              <a:t>std</a:t>
+            </a:r>
+            <a:r>
+              <a:rPr lang="en-US" altLang="zh-CN" dirty="0"/>
+              <a:t>::</a:t>
+            </a:r>
+            <a:r>
+              <a:rPr lang="en-US" altLang="zh-CN" dirty="0" err="1"/>
+              <a:t>cout</a:t>
+            </a:r>
+            <a:r>
+              <a:rPr lang="en-US" altLang="zh-CN" dirty="0"/>
+              <a:t> &lt;&lt; a + b &lt;&lt; </a:t>
+            </a:r>
+            <a:r>
+              <a:rPr lang="en-US" altLang="zh-CN" dirty="0" err="1"/>
+              <a:t>std</a:t>
+            </a:r>
+            <a:r>
+              <a:rPr lang="en-US" altLang="zh-CN" dirty="0"/>
+              <a:t>::</a:t>
+            </a:r>
+            <a:r>
+              <a:rPr lang="en-US" altLang="zh-CN" dirty="0" err="1"/>
+              <a:t>endl</a:t>
+            </a:r>
+            <a:r>
+              <a:rPr lang="en-US" altLang="zh-CN" dirty="0"/>
+              <a:t>;</a:t>
+            </a:r>
+          </a:p>
+          <a:p>
+            <a:r>
+              <a:rPr lang="en-US" altLang="zh-CN" dirty="0" smtClean="0"/>
+              <a:t>}</a:t>
+            </a:r>
+          </a:p>
+          <a:p>
+            <a:r>
+              <a:rPr lang="en-US" altLang="zh-CN" dirty="0"/>
+              <a:t>void foo(</a:t>
+            </a:r>
+            <a:r>
+              <a:rPr lang="en-US" altLang="zh-CN" dirty="0" err="1"/>
+              <a:t>std</a:t>
+            </a:r>
+            <a:r>
+              <a:rPr lang="en-US" altLang="zh-CN" dirty="0"/>
+              <a:t>::string b, </a:t>
+            </a:r>
+            <a:r>
+              <a:rPr lang="en-US" altLang="zh-CN" dirty="0" err="1"/>
+              <a:t>int</a:t>
+            </a:r>
+            <a:r>
+              <a:rPr lang="en-US" altLang="zh-CN" dirty="0"/>
+              <a:t> a</a:t>
+            </a:r>
+            <a:r>
+              <a:rPr lang="en-US" altLang="zh-CN" dirty="0" smtClean="0"/>
+              <a:t>){</a:t>
+            </a:r>
+            <a:endParaRPr lang="en-US" altLang="zh-CN" dirty="0"/>
+          </a:p>
+          <a:p>
+            <a:r>
+              <a:rPr lang="en-US" altLang="zh-CN" dirty="0" smtClean="0"/>
+              <a:t>    </a:t>
+            </a:r>
+            <a:r>
+              <a:rPr lang="en-US" altLang="zh-CN" dirty="0" err="1" smtClean="0"/>
+              <a:t>std</a:t>
+            </a:r>
+            <a:r>
+              <a:rPr lang="en-US" altLang="zh-CN" dirty="0"/>
+              <a:t>::</a:t>
+            </a:r>
+            <a:r>
+              <a:rPr lang="en-US" altLang="zh-CN" dirty="0" err="1"/>
+              <a:t>cout</a:t>
+            </a:r>
+            <a:r>
+              <a:rPr lang="en-US" altLang="zh-CN" dirty="0"/>
+              <a:t> &lt;&lt; b &lt;&lt; </a:t>
+            </a:r>
+            <a:r>
+              <a:rPr lang="en-US" altLang="zh-CN" dirty="0" err="1"/>
+              <a:t>std</a:t>
+            </a:r>
+            <a:r>
+              <a:rPr lang="en-US" altLang="zh-CN" dirty="0"/>
+              <a:t>::</a:t>
+            </a:r>
+            <a:r>
+              <a:rPr lang="en-US" altLang="zh-CN" dirty="0" err="1"/>
+              <a:t>endl</a:t>
+            </a:r>
+            <a:r>
+              <a:rPr lang="en-US" altLang="zh-CN" dirty="0"/>
+              <a:t>;</a:t>
+            </a:r>
+          </a:p>
+          <a:p>
+            <a:r>
+              <a:rPr lang="en-US" altLang="zh-CN" dirty="0" smtClean="0"/>
+              <a:t>}</a:t>
+            </a:r>
+          </a:p>
+          <a:p>
+            <a:r>
+              <a:rPr lang="en-US" altLang="zh-CN" dirty="0" smtClean="0"/>
+              <a:t>router </a:t>
+            </a:r>
+            <a:r>
+              <a:rPr lang="en-US" altLang="zh-CN" dirty="0"/>
+              <a:t>r;</a:t>
+            </a:r>
+          </a:p>
+          <a:p>
+            <a:r>
+              <a:rPr lang="en-US" altLang="zh-CN" dirty="0" err="1" smtClean="0"/>
+              <a:t>r.register_handler</a:t>
+            </a:r>
+            <a:r>
+              <a:rPr lang="en-US" altLang="zh-CN" dirty="0"/>
+              <a:t>("add", &amp;add);</a:t>
+            </a:r>
+          </a:p>
+          <a:p>
+            <a:r>
+              <a:rPr lang="en-US" altLang="zh-CN" dirty="0" err="1" smtClean="0"/>
+              <a:t>r.register_handler</a:t>
+            </a:r>
+            <a:r>
+              <a:rPr lang="en-US" altLang="zh-CN" dirty="0"/>
+              <a:t>("</a:t>
+            </a:r>
+            <a:r>
+              <a:rPr lang="en-US" altLang="zh-CN" dirty="0" smtClean="0"/>
+              <a:t>fun", </a:t>
+            </a:r>
+            <a:r>
+              <a:rPr lang="en-US" altLang="zh-CN" dirty="0"/>
+              <a:t>&amp;foo</a:t>
+            </a:r>
+            <a:r>
+              <a:rPr lang="en-US" altLang="zh-CN" dirty="0" smtClean="0"/>
+              <a:t>);</a:t>
+            </a:r>
+          </a:p>
+          <a:p>
+            <a:endParaRPr lang="en-US" altLang="zh-CN" dirty="0" smtClean="0"/>
+          </a:p>
+          <a:p>
+            <a:r>
+              <a:rPr lang="en-US" altLang="zh-CN" dirty="0" smtClean="0"/>
+              <a:t>string </a:t>
+            </a:r>
+            <a:r>
+              <a:rPr lang="en-US" altLang="zh-CN" dirty="0"/>
+              <a:t>s1 = "add/1/2</a:t>
+            </a:r>
+            <a:r>
+              <a:rPr lang="en-US" altLang="zh-CN" dirty="0" smtClean="0"/>
+              <a:t>"; //</a:t>
+            </a:r>
+            <a:r>
+              <a:rPr lang="en-US" altLang="zh-CN" dirty="0" err="1" smtClean="0"/>
+              <a:t>url</a:t>
+            </a:r>
+            <a:r>
+              <a:rPr lang="en-US" altLang="zh-CN" dirty="0" smtClean="0"/>
+              <a:t> from client</a:t>
+            </a:r>
+            <a:endParaRPr lang="en-US" altLang="zh-CN" dirty="0"/>
+          </a:p>
+          <a:p>
+            <a:r>
+              <a:rPr lang="en-US" altLang="zh-CN" dirty="0" smtClean="0"/>
+              <a:t>string s2 </a:t>
+            </a:r>
+            <a:r>
+              <a:rPr lang="en-US" altLang="zh-CN" dirty="0"/>
+              <a:t>= "fun/test/1";</a:t>
+            </a:r>
+          </a:p>
+          <a:p>
+            <a:r>
+              <a:rPr lang="en-US" altLang="zh-CN" dirty="0" err="1" smtClean="0"/>
+              <a:t>r.route</a:t>
+            </a:r>
+            <a:r>
+              <a:rPr lang="en-US" altLang="zh-CN" dirty="0" smtClean="0"/>
+              <a:t>(s1);  //route and execute</a:t>
+            </a:r>
+          </a:p>
+          <a:p>
+            <a:r>
+              <a:rPr lang="en-US" altLang="zh-CN" dirty="0" err="1" smtClean="0"/>
+              <a:t>r.route</a:t>
+            </a:r>
+            <a:r>
+              <a:rPr lang="en-US" altLang="zh-CN" dirty="0" smtClean="0"/>
+              <a:t>(s2);  //route and execute</a:t>
+            </a:r>
+            <a:endParaRPr lang="zh-CN" altLang="en-US" dirty="0"/>
+          </a:p>
+        </p:txBody>
+      </p:sp>
+    </p:spTree>
+  </p:cSld>
+  <p:clrMapOvr>
+    <a:masterClrMapping/>
+  </p:clrMapOvr>
+  <p:timing>
+    <p:tnLst>
+      <p:par>
+        <p:cTn id="1" dur="indefinite" restart="never" nodeType="tmRoot"/>
+      </p:par>
+    </p:tnLst>
+  </p:timing>
+</p:sld>
+</file>
+
+<file path=ppt/slides/slide28.xml><?xml version="1.0" encoding="utf-8"?>
 <p:sld xmlns:a="http://schemas.openxmlformats.org/drawingml/2006/main" xmlns:r="http://schemas.openxmlformats.org/officeDocument/2006/relationships" xmlns:p="http://schemas.openxmlformats.org/presentationml/2006/main">
   <p:cSld>
     <p:spTree>
@@ -15918,7 +16038,7 @@
 </p:sld>
 </file>
 
-<file path=ppt/slides/slide28.xml><?xml version="1.0" encoding="utf-8"?>
+<file path=ppt/slides/slide29.xml><?xml version="1.0" encoding="utf-8"?>
 <p:sld xmlns:a="http://schemas.openxmlformats.org/drawingml/2006/main" xmlns:r="http://schemas.openxmlformats.org/officeDocument/2006/relationships" xmlns:p="http://schemas.openxmlformats.org/presentationml/2006/main">
   <p:cSld>
     <p:spTree>
@@ -16908,594 +17028,6 @@
 </p:sld>
 </file>
 
-<file path=ppt/slides/slide29.xml><?xml version="1.0" encoding="utf-8"?>
-<p:sld xmlns:a="http://schemas.openxmlformats.org/drawingml/2006/main" xmlns:r="http://schemas.openxmlformats.org/officeDocument/2006/relationships" xmlns:p="http://schemas.openxmlformats.org/presentationml/2006/main">
-  <p:cSld>
-    <p:spTree>
-      <p:nvGrpSpPr>
-        <p:cNvPr id="1" name=""/>
-        <p:cNvGrpSpPr/>
-        <p:nvPr/>
-      </p:nvGrpSpPr>
-      <p:grpSpPr>
-        <a:xfrm>
-          <a:off x="0" y="0"/>
-          <a:ext cx="0" cy="0"/>
-          <a:chOff x="0" y="0"/>
-          <a:chExt cx="0" cy="0"/>
-        </a:xfrm>
-      </p:grpSpPr>
-      <p:sp>
-        <p:nvSpPr>
-          <p:cNvPr id="2" name="标题 1"/>
-          <p:cNvSpPr>
-            <a:spLocks noGrp="1"/>
-          </p:cNvSpPr>
-          <p:nvPr>
-            <p:ph type="title"/>
-          </p:nvPr>
-        </p:nvSpPr>
-        <p:spPr/>
-        <p:txBody>
-          <a:bodyPr/>
-          <a:lstStyle/>
-          <a:p>
-            <a:r>
-              <a:rPr lang="en-US" altLang="zh-CN" dirty="0"/>
-              <a:t>How to </a:t>
-            </a:r>
-            <a:r>
-              <a:rPr lang="en-US" altLang="zh-CN" dirty="0" smtClean="0"/>
-              <a:t>route to </a:t>
-            </a:r>
-            <a:r>
-              <a:rPr lang="en-US" altLang="zh-CN" dirty="0"/>
-              <a:t>the correct handler</a:t>
-            </a:r>
-            <a:endParaRPr lang="zh-CN" altLang="en-US" dirty="0"/>
-          </a:p>
-        </p:txBody>
-      </p:sp>
-      <p:sp>
-        <p:nvSpPr>
-          <p:cNvPr id="3" name="文本占位符 2"/>
-          <p:cNvSpPr>
-            <a:spLocks noGrp="1"/>
-          </p:cNvSpPr>
-          <p:nvPr>
-            <p:ph type="body" sz="half" idx="2"/>
-          </p:nvPr>
-        </p:nvSpPr>
-        <p:spPr/>
-        <p:txBody>
-          <a:bodyPr/>
-          <a:lstStyle/>
-          <a:p>
-            <a:r>
-              <a:rPr lang="en-US" altLang="zh-CN" dirty="0"/>
-              <a:t>template&lt;</a:t>
-            </a:r>
-            <a:r>
-              <a:rPr lang="en-US" altLang="zh-CN" dirty="0" err="1"/>
-              <a:t>typename</a:t>
-            </a:r>
-            <a:r>
-              <a:rPr lang="en-US" altLang="zh-CN" dirty="0"/>
-              <a:t> Ret, </a:t>
-            </a:r>
-            <a:r>
-              <a:rPr lang="en-US" altLang="zh-CN" dirty="0" err="1"/>
-              <a:t>typename</a:t>
-            </a:r>
-            <a:r>
-              <a:rPr lang="en-US" altLang="zh-CN" dirty="0"/>
-              <a:t>... </a:t>
-            </a:r>
-            <a:r>
-              <a:rPr lang="en-US" altLang="zh-CN" dirty="0" err="1"/>
-              <a:t>Args</a:t>
-            </a:r>
-            <a:r>
-              <a:rPr lang="en-US" altLang="zh-CN" dirty="0"/>
-              <a:t>&gt;</a:t>
-            </a:r>
-          </a:p>
-          <a:p>
-            <a:r>
-              <a:rPr lang="en-US" altLang="zh-CN" dirty="0" err="1"/>
-              <a:t>struct</a:t>
-            </a:r>
-            <a:r>
-              <a:rPr lang="en-US" altLang="zh-CN" dirty="0"/>
-              <a:t> </a:t>
-            </a:r>
-            <a:r>
-              <a:rPr lang="en-US" altLang="zh-CN" dirty="0" err="1"/>
-              <a:t>function_traits_impl</a:t>
-            </a:r>
-            <a:r>
-              <a:rPr lang="en-US" altLang="zh-CN" dirty="0"/>
-              <a:t>&lt;Ret(</a:t>
-            </a:r>
-            <a:r>
-              <a:rPr lang="en-US" altLang="zh-CN" dirty="0" err="1"/>
-              <a:t>Args</a:t>
-            </a:r>
-            <a:r>
-              <a:rPr lang="en-US" altLang="zh-CN" dirty="0" smtClean="0"/>
-              <a:t>...)&gt;{</a:t>
-            </a:r>
-            <a:endParaRPr lang="en-US" altLang="zh-CN" dirty="0"/>
-          </a:p>
-          <a:p>
-            <a:r>
-              <a:rPr lang="en-US" altLang="zh-CN" dirty="0" smtClean="0"/>
-              <a:t>    </a:t>
-            </a:r>
-            <a:r>
-              <a:rPr lang="en-US" altLang="zh-CN" dirty="0" err="1" smtClean="0"/>
-              <a:t>enum</a:t>
-            </a:r>
-            <a:r>
-              <a:rPr lang="en-US" altLang="zh-CN" dirty="0" smtClean="0"/>
-              <a:t> </a:t>
-            </a:r>
-            <a:r>
-              <a:rPr lang="en-US" altLang="zh-CN" dirty="0"/>
-              <a:t>{ arity = </a:t>
-            </a:r>
-            <a:r>
-              <a:rPr lang="en-US" altLang="zh-CN" dirty="0" err="1"/>
-              <a:t>sizeof</a:t>
-            </a:r>
-            <a:r>
-              <a:rPr lang="en-US" altLang="zh-CN" dirty="0"/>
-              <a:t>...(</a:t>
-            </a:r>
-            <a:r>
-              <a:rPr lang="en-US" altLang="zh-CN" dirty="0" err="1"/>
-              <a:t>Args</a:t>
-            </a:r>
-            <a:r>
-              <a:rPr lang="en-US" altLang="zh-CN" dirty="0"/>
-              <a:t>) };</a:t>
-            </a:r>
-          </a:p>
-          <a:p>
-            <a:r>
-              <a:rPr lang="en-US" altLang="zh-CN" dirty="0"/>
-              <a:t> </a:t>
-            </a:r>
-            <a:r>
-              <a:rPr lang="en-US" altLang="zh-CN" dirty="0" smtClean="0"/>
-              <a:t>   </a:t>
-            </a:r>
-            <a:r>
-              <a:rPr lang="en-US" altLang="zh-CN" dirty="0" err="1" smtClean="0"/>
-              <a:t>typedef</a:t>
-            </a:r>
-            <a:r>
-              <a:rPr lang="en-US" altLang="zh-CN" dirty="0" smtClean="0"/>
-              <a:t> </a:t>
-            </a:r>
-            <a:r>
-              <a:rPr lang="en-US" altLang="zh-CN" dirty="0"/>
-              <a:t>Ret </a:t>
-            </a:r>
-            <a:r>
-              <a:rPr lang="en-US" altLang="zh-CN" dirty="0" err="1"/>
-              <a:t>result_type</a:t>
-            </a:r>
-            <a:r>
-              <a:rPr lang="en-US" altLang="zh-CN" dirty="0"/>
-              <a:t>;</a:t>
-            </a:r>
-          </a:p>
-          <a:p>
-            <a:r>
-              <a:rPr lang="en-US" altLang="zh-CN" dirty="0" smtClean="0"/>
-              <a:t>    using </a:t>
-            </a:r>
-            <a:r>
-              <a:rPr lang="en-US" altLang="zh-CN" dirty="0" err="1"/>
-              <a:t>stl_function_type</a:t>
-            </a:r>
-            <a:r>
-              <a:rPr lang="en-US" altLang="zh-CN" dirty="0"/>
-              <a:t> = </a:t>
-            </a:r>
-            <a:r>
-              <a:rPr lang="en-US" altLang="zh-CN" dirty="0" err="1"/>
-              <a:t>std</a:t>
-            </a:r>
-            <a:r>
-              <a:rPr lang="en-US" altLang="zh-CN" dirty="0"/>
-              <a:t>::function&lt;</a:t>
-            </a:r>
-            <a:r>
-              <a:rPr lang="en-US" altLang="zh-CN" dirty="0" err="1"/>
-              <a:t>function_type</a:t>
-            </a:r>
-            <a:r>
-              <a:rPr lang="en-US" altLang="zh-CN" dirty="0" smtClean="0"/>
-              <a:t>&gt;;</a:t>
-            </a:r>
-          </a:p>
-          <a:p>
-            <a:endParaRPr lang="zh-CN" altLang="en-US" dirty="0"/>
-          </a:p>
-          <a:p>
-            <a:r>
-              <a:rPr lang="en-US" altLang="zh-CN" dirty="0" smtClean="0"/>
-              <a:t>    template&lt;</a:t>
-            </a:r>
-            <a:r>
-              <a:rPr lang="en-US" altLang="zh-CN" dirty="0" err="1" smtClean="0"/>
-              <a:t>size_t</a:t>
-            </a:r>
-            <a:r>
-              <a:rPr lang="en-US" altLang="zh-CN" dirty="0" smtClean="0"/>
-              <a:t> </a:t>
-            </a:r>
-            <a:r>
-              <a:rPr lang="en-US" altLang="zh-CN" dirty="0"/>
-              <a:t>I&gt;</a:t>
-            </a:r>
-          </a:p>
-          <a:p>
-            <a:r>
-              <a:rPr lang="en-US" altLang="zh-CN" dirty="0" smtClean="0"/>
-              <a:t>    </a:t>
-            </a:r>
-            <a:r>
-              <a:rPr lang="en-US" altLang="zh-CN" dirty="0" err="1" smtClean="0"/>
-              <a:t>struct</a:t>
-            </a:r>
-            <a:r>
-              <a:rPr lang="en-US" altLang="zh-CN" dirty="0" smtClean="0"/>
-              <a:t> </a:t>
-            </a:r>
-            <a:r>
-              <a:rPr lang="en-US" altLang="zh-CN" dirty="0" err="1" smtClean="0"/>
-              <a:t>args</a:t>
-            </a:r>
-            <a:r>
-              <a:rPr lang="en-US" altLang="zh-CN" dirty="0" smtClean="0"/>
-              <a:t>{</a:t>
-            </a:r>
-            <a:endParaRPr lang="en-US" altLang="zh-CN" dirty="0"/>
-          </a:p>
-          <a:p>
-            <a:r>
-              <a:rPr lang="en-US" altLang="zh-CN" dirty="0" smtClean="0"/>
-              <a:t>        </a:t>
-            </a:r>
-            <a:r>
-              <a:rPr lang="en-US" altLang="zh-CN" dirty="0" err="1" smtClean="0"/>
-              <a:t>static_assert</a:t>
-            </a:r>
-            <a:r>
-              <a:rPr lang="en-US" altLang="zh-CN" dirty="0" smtClean="0"/>
-              <a:t>(I </a:t>
-            </a:r>
-            <a:r>
-              <a:rPr lang="en-US" altLang="zh-CN" dirty="0"/>
-              <a:t>&lt; arity, "index is out of </a:t>
-            </a:r>
-            <a:r>
-              <a:rPr lang="en-US" altLang="zh-CN" dirty="0" smtClean="0"/>
-              <a:t>range");</a:t>
-            </a:r>
-            <a:endParaRPr lang="en-US" altLang="zh-CN" dirty="0"/>
-          </a:p>
-          <a:p>
-            <a:r>
-              <a:rPr lang="en-US" altLang="zh-CN" dirty="0" smtClean="0"/>
-              <a:t>        using </a:t>
-            </a:r>
-            <a:r>
-              <a:rPr lang="en-US" altLang="zh-CN" dirty="0"/>
-              <a:t>type = </a:t>
-            </a:r>
-            <a:r>
-              <a:rPr lang="en-US" altLang="zh-CN" dirty="0" err="1"/>
-              <a:t>typename</a:t>
-            </a:r>
-            <a:r>
-              <a:rPr lang="en-US" altLang="zh-CN" dirty="0"/>
-              <a:t> </a:t>
-            </a:r>
-            <a:r>
-              <a:rPr lang="en-US" altLang="zh-CN" dirty="0" err="1"/>
-              <a:t>std</a:t>
-            </a:r>
-            <a:r>
-              <a:rPr lang="en-US" altLang="zh-CN" dirty="0"/>
-              <a:t>::</a:t>
-            </a:r>
-            <a:r>
-              <a:rPr lang="en-US" altLang="zh-CN" dirty="0" err="1"/>
-              <a:t>tuple_element</a:t>
-            </a:r>
-            <a:r>
-              <a:rPr lang="en-US" altLang="zh-CN" dirty="0"/>
-              <a:t>&lt;I, </a:t>
-            </a:r>
-            <a:r>
-              <a:rPr lang="en-US" altLang="zh-CN" dirty="0" err="1"/>
-              <a:t>std</a:t>
-            </a:r>
-            <a:r>
-              <a:rPr lang="en-US" altLang="zh-CN" dirty="0"/>
-              <a:t>::tuple&lt;</a:t>
-            </a:r>
-            <a:r>
-              <a:rPr lang="en-US" altLang="zh-CN" dirty="0" err="1"/>
-              <a:t>Args</a:t>
-            </a:r>
-            <a:r>
-              <a:rPr lang="en-US" altLang="zh-CN" dirty="0"/>
-              <a:t>...&gt;&gt;::type;</a:t>
-            </a:r>
-          </a:p>
-          <a:p>
-            <a:r>
-              <a:rPr lang="en-US" altLang="zh-CN" dirty="0" smtClean="0"/>
-              <a:t>    };</a:t>
-            </a:r>
-            <a:endParaRPr lang="en-US" altLang="zh-CN" dirty="0"/>
-          </a:p>
-          <a:p>
-            <a:r>
-              <a:rPr lang="en-US" altLang="zh-CN" dirty="0" smtClean="0"/>
-              <a:t>};</a:t>
-            </a:r>
-          </a:p>
-          <a:p>
-            <a:r>
-              <a:rPr lang="en-US" altLang="zh-CN" dirty="0" smtClean="0"/>
-              <a:t>template&lt;</a:t>
-            </a:r>
-            <a:r>
-              <a:rPr lang="en-US" altLang="zh-CN" dirty="0" err="1" smtClean="0"/>
-              <a:t>typename</a:t>
-            </a:r>
-            <a:r>
-              <a:rPr lang="en-US" altLang="zh-CN" dirty="0" smtClean="0"/>
-              <a:t> </a:t>
-            </a:r>
-            <a:r>
-              <a:rPr lang="en-US" altLang="zh-CN" dirty="0"/>
-              <a:t>T&gt;</a:t>
-            </a:r>
-          </a:p>
-          <a:p>
-            <a:r>
-              <a:rPr lang="en-US" altLang="zh-CN" dirty="0" err="1"/>
-              <a:t>struct</a:t>
-            </a:r>
-            <a:r>
-              <a:rPr lang="en-US" altLang="zh-CN" dirty="0"/>
-              <a:t> </a:t>
-            </a:r>
-            <a:r>
-              <a:rPr lang="en-US" altLang="zh-CN" dirty="0" err="1"/>
-              <a:t>function_traits</a:t>
-            </a:r>
-            <a:r>
-              <a:rPr lang="en-US" altLang="zh-CN" dirty="0"/>
-              <a:t> : </a:t>
-            </a:r>
-            <a:r>
-              <a:rPr lang="en-US" altLang="zh-CN" dirty="0" err="1"/>
-              <a:t>function_traits_impl</a:t>
-            </a:r>
-            <a:r>
-              <a:rPr lang="en-US" altLang="zh-CN" dirty="0"/>
-              <a:t>&lt;</a:t>
-            </a:r>
-          </a:p>
-          <a:p>
-            <a:r>
-              <a:rPr lang="en-US" altLang="zh-CN" dirty="0" err="1"/>
-              <a:t>std</a:t>
-            </a:r>
-            <a:r>
-              <a:rPr lang="en-US" altLang="zh-CN" dirty="0"/>
-              <a:t>::</a:t>
-            </a:r>
-            <a:r>
-              <a:rPr lang="en-US" altLang="zh-CN" dirty="0" err="1"/>
-              <a:t>remove_cv_t</a:t>
-            </a:r>
-            <a:r>
-              <a:rPr lang="en-US" altLang="zh-CN" dirty="0"/>
-              <a:t>&lt;</a:t>
-            </a:r>
-            <a:r>
-              <a:rPr lang="en-US" altLang="zh-CN" dirty="0" err="1"/>
-              <a:t>std</a:t>
-            </a:r>
-            <a:r>
-              <a:rPr lang="en-US" altLang="zh-CN" dirty="0"/>
-              <a:t>::</a:t>
-            </a:r>
-            <a:r>
-              <a:rPr lang="en-US" altLang="zh-CN" dirty="0" err="1"/>
-              <a:t>remove_reference_t</a:t>
-            </a:r>
-            <a:r>
-              <a:rPr lang="en-US" altLang="zh-CN" dirty="0"/>
-              <a:t>&lt;T</a:t>
-            </a:r>
-            <a:r>
-              <a:rPr lang="en-US" altLang="zh-CN" dirty="0" smtClean="0"/>
-              <a:t>&gt;&gt;&gt;{};</a:t>
-            </a:r>
-            <a:endParaRPr lang="en-US" altLang="zh-CN" dirty="0"/>
-          </a:p>
-        </p:txBody>
-      </p:sp>
-      <p:sp>
-        <p:nvSpPr>
-          <p:cNvPr id="4" name="矩形 3"/>
-          <p:cNvSpPr/>
-          <p:nvPr/>
-        </p:nvSpPr>
-        <p:spPr>
-          <a:xfrm>
-            <a:off x="3451412" y="4567082"/>
-            <a:ext cx="4572000" cy="646331"/>
-          </a:xfrm>
-          <a:prstGeom prst="rect">
-            <a:avLst/>
-          </a:prstGeom>
-        </p:spPr>
-        <p:txBody>
-          <a:bodyPr>
-            <a:spAutoFit/>
-          </a:bodyPr>
-          <a:lstStyle/>
-          <a:p>
-            <a:r>
-              <a:rPr lang="zh-CN" altLang="en-US" dirty="0"/>
-              <a:t>https://github.com/topcpporg/rest_rpc/blob/master/rest_rpc/base/function_traits.hpp</a:t>
-            </a:r>
-          </a:p>
-        </p:txBody>
-      </p:sp>
-    </p:spTree>
-  </p:cSld>
-  <p:clrMapOvr>
-    <a:masterClrMapping/>
-  </p:clrMapOvr>
-  <p:timing>
-    <p:tnLst>
-      <p:par>
-        <p:cTn id="1" dur="indefinite" restart="never" nodeType="tmRoot">
-          <p:childTnLst>
-            <p:seq concurrent="1" nextAc="seek">
-              <p:cTn id="2" dur="indefinite" nodeType="mainSeq">
-                <p:childTnLst>
-                  <p:par>
-                    <p:cTn id="3" fill="hold">
-                      <p:stCondLst>
-                        <p:cond delay="indefinite"/>
-                      </p:stCondLst>
-                      <p:childTnLst>
-                        <p:par>
-                          <p:cTn id="4" fill="hold">
-                            <p:stCondLst>
-                              <p:cond delay="0"/>
-                            </p:stCondLst>
-                            <p:childTnLst>
-                              <p:par>
-                                <p:cTn id="5" presetID="2" presetClass="entr" presetSubtype="4" fill="hold" grpId="0" nodeType="clickEffect">
-                                  <p:stCondLst>
-                                    <p:cond delay="0"/>
-                                  </p:stCondLst>
-                                  <p:childTnLst>
-                                    <p:set>
-                                      <p:cBhvr>
-                                        <p:cTn id="6" dur="1" fill="hold">
-                                          <p:stCondLst>
-                                            <p:cond delay="0"/>
-                                          </p:stCondLst>
-                                        </p:cTn>
-                                        <p:tgtEl>
-                                          <p:spTgt spid="4"/>
-                                        </p:tgtEl>
-                                        <p:attrNameLst>
-                                          <p:attrName>style.visibility</p:attrName>
-                                        </p:attrNameLst>
-                                      </p:cBhvr>
-                                      <p:to>
-                                        <p:strVal val="visible"/>
-                                      </p:to>
-                                    </p:set>
-                                    <p:anim calcmode="lin" valueType="num">
-                                      <p:cBhvr additive="base">
-                                        <p:cTn id="7" dur="500" fill="hold"/>
-                                        <p:tgtEl>
-                                          <p:spTgt spid="4"/>
-                                        </p:tgtEl>
-                                        <p:attrNameLst>
-                                          <p:attrName>ppt_x</p:attrName>
-                                        </p:attrNameLst>
-                                      </p:cBhvr>
-                                      <p:tavLst>
-                                        <p:tav tm="0">
-                                          <p:val>
-                                            <p:strVal val="#ppt_x"/>
-                                          </p:val>
-                                        </p:tav>
-                                        <p:tav tm="100000">
-                                          <p:val>
-                                            <p:strVal val="#ppt_x"/>
-                                          </p:val>
-                                        </p:tav>
-                                      </p:tavLst>
-                                    </p:anim>
-                                    <p:anim calcmode="lin" valueType="num">
-                                      <p:cBhvr additive="base">
-                                        <p:cTn id="8" dur="500" fill="hold"/>
-                                        <p:tgtEl>
-                                          <p:spTgt spid="4"/>
-                                        </p:tgtEl>
-                                        <p:attrNameLst>
-                                          <p:attrName>ppt_y</p:attrName>
-                                        </p:attrNameLst>
-                                      </p:cBhvr>
-                                      <p:tavLst>
-                                        <p:tav tm="0">
-                                          <p:val>
-                                            <p:strVal val="1+#ppt_h/2"/>
-                                          </p:val>
-                                        </p:tav>
-                                        <p:tav tm="100000">
-                                          <p:val>
-                                            <p:strVal val="#ppt_y"/>
-                                          </p:val>
-                                        </p:tav>
-                                      </p:tavLst>
-                                    </p:anim>
-                                  </p:childTnLst>
-                                </p:cTn>
-                              </p:par>
-                            </p:childTnLst>
-                          </p:cTn>
-                        </p:par>
-                      </p:childTnLst>
-                    </p:cTn>
-                  </p:par>
-                </p:childTnLst>
-              </p:cTn>
-              <p:prevCondLst>
-                <p:cond evt="onPrev" delay="0">
-                  <p:tgtEl>
-                    <p:sldTgt/>
-                  </p:tgtEl>
-                </p:cond>
-              </p:prevCondLst>
-              <p:nextCondLst>
-                <p:cond evt="onNext" delay="0">
-                  <p:tgtEl>
-                    <p:sldTgt/>
-                  </p:tgtEl>
-                </p:cond>
-              </p:nextCondLst>
-            </p:seq>
-          </p:childTnLst>
-        </p:cTn>
-      </p:par>
-    </p:tnLst>
-    <p:bldLst>
-      <p:bldP spid="4" grpId="0"/>
-    </p:bldLst>
-  </p:timing>
-</p:sld>
-</file>
-
 <file path=ppt/slides/slide3.xml><?xml version="1.0" encoding="utf-8"?>
 <p:sld xmlns:a="http://schemas.openxmlformats.org/drawingml/2006/main" xmlns:r="http://schemas.openxmlformats.org/officeDocument/2006/relationships" xmlns:p="http://schemas.openxmlformats.org/presentationml/2006/main">
   <p:cSld>
@@ -18001,6 +17533,594 @@
           <a:lstStyle/>
           <a:p>
             <a:r>
+              <a:rPr lang="en-US" altLang="zh-CN" dirty="0"/>
+              <a:t>template&lt;</a:t>
+            </a:r>
+            <a:r>
+              <a:rPr lang="en-US" altLang="zh-CN" dirty="0" err="1"/>
+              <a:t>typename</a:t>
+            </a:r>
+            <a:r>
+              <a:rPr lang="en-US" altLang="zh-CN" dirty="0"/>
+              <a:t> Ret, </a:t>
+            </a:r>
+            <a:r>
+              <a:rPr lang="en-US" altLang="zh-CN" dirty="0" err="1"/>
+              <a:t>typename</a:t>
+            </a:r>
+            <a:r>
+              <a:rPr lang="en-US" altLang="zh-CN" dirty="0"/>
+              <a:t>... </a:t>
+            </a:r>
+            <a:r>
+              <a:rPr lang="en-US" altLang="zh-CN" dirty="0" err="1"/>
+              <a:t>Args</a:t>
+            </a:r>
+            <a:r>
+              <a:rPr lang="en-US" altLang="zh-CN" dirty="0"/>
+              <a:t>&gt;</a:t>
+            </a:r>
+          </a:p>
+          <a:p>
+            <a:r>
+              <a:rPr lang="en-US" altLang="zh-CN" dirty="0" err="1"/>
+              <a:t>struct</a:t>
+            </a:r>
+            <a:r>
+              <a:rPr lang="en-US" altLang="zh-CN" dirty="0"/>
+              <a:t> </a:t>
+            </a:r>
+            <a:r>
+              <a:rPr lang="en-US" altLang="zh-CN" dirty="0" err="1"/>
+              <a:t>function_traits_impl</a:t>
+            </a:r>
+            <a:r>
+              <a:rPr lang="en-US" altLang="zh-CN" dirty="0"/>
+              <a:t>&lt;Ret(</a:t>
+            </a:r>
+            <a:r>
+              <a:rPr lang="en-US" altLang="zh-CN" dirty="0" err="1"/>
+              <a:t>Args</a:t>
+            </a:r>
+            <a:r>
+              <a:rPr lang="en-US" altLang="zh-CN" dirty="0" smtClean="0"/>
+              <a:t>...)&gt;{</a:t>
+            </a:r>
+            <a:endParaRPr lang="en-US" altLang="zh-CN" dirty="0"/>
+          </a:p>
+          <a:p>
+            <a:r>
+              <a:rPr lang="en-US" altLang="zh-CN" dirty="0" smtClean="0"/>
+              <a:t>    </a:t>
+            </a:r>
+            <a:r>
+              <a:rPr lang="en-US" altLang="zh-CN" dirty="0" err="1" smtClean="0"/>
+              <a:t>enum</a:t>
+            </a:r>
+            <a:r>
+              <a:rPr lang="en-US" altLang="zh-CN" dirty="0" smtClean="0"/>
+              <a:t> </a:t>
+            </a:r>
+            <a:r>
+              <a:rPr lang="en-US" altLang="zh-CN" dirty="0"/>
+              <a:t>{ arity = </a:t>
+            </a:r>
+            <a:r>
+              <a:rPr lang="en-US" altLang="zh-CN" dirty="0" err="1"/>
+              <a:t>sizeof</a:t>
+            </a:r>
+            <a:r>
+              <a:rPr lang="en-US" altLang="zh-CN" dirty="0"/>
+              <a:t>...(</a:t>
+            </a:r>
+            <a:r>
+              <a:rPr lang="en-US" altLang="zh-CN" dirty="0" err="1"/>
+              <a:t>Args</a:t>
+            </a:r>
+            <a:r>
+              <a:rPr lang="en-US" altLang="zh-CN" dirty="0"/>
+              <a:t>) };</a:t>
+            </a:r>
+          </a:p>
+          <a:p>
+            <a:r>
+              <a:rPr lang="en-US" altLang="zh-CN" dirty="0"/>
+              <a:t> </a:t>
+            </a:r>
+            <a:r>
+              <a:rPr lang="en-US" altLang="zh-CN" dirty="0" smtClean="0"/>
+              <a:t>   </a:t>
+            </a:r>
+            <a:r>
+              <a:rPr lang="en-US" altLang="zh-CN" dirty="0" err="1" smtClean="0"/>
+              <a:t>typedef</a:t>
+            </a:r>
+            <a:r>
+              <a:rPr lang="en-US" altLang="zh-CN" dirty="0" smtClean="0"/>
+              <a:t> </a:t>
+            </a:r>
+            <a:r>
+              <a:rPr lang="en-US" altLang="zh-CN" dirty="0"/>
+              <a:t>Ret </a:t>
+            </a:r>
+            <a:r>
+              <a:rPr lang="en-US" altLang="zh-CN" dirty="0" err="1"/>
+              <a:t>result_type</a:t>
+            </a:r>
+            <a:r>
+              <a:rPr lang="en-US" altLang="zh-CN" dirty="0"/>
+              <a:t>;</a:t>
+            </a:r>
+          </a:p>
+          <a:p>
+            <a:r>
+              <a:rPr lang="en-US" altLang="zh-CN" dirty="0" smtClean="0"/>
+              <a:t>    using </a:t>
+            </a:r>
+            <a:r>
+              <a:rPr lang="en-US" altLang="zh-CN" dirty="0" err="1"/>
+              <a:t>stl_function_type</a:t>
+            </a:r>
+            <a:r>
+              <a:rPr lang="en-US" altLang="zh-CN" dirty="0"/>
+              <a:t> = </a:t>
+            </a:r>
+            <a:r>
+              <a:rPr lang="en-US" altLang="zh-CN" dirty="0" err="1"/>
+              <a:t>std</a:t>
+            </a:r>
+            <a:r>
+              <a:rPr lang="en-US" altLang="zh-CN" dirty="0"/>
+              <a:t>::function&lt;</a:t>
+            </a:r>
+            <a:r>
+              <a:rPr lang="en-US" altLang="zh-CN" dirty="0" err="1"/>
+              <a:t>function_type</a:t>
+            </a:r>
+            <a:r>
+              <a:rPr lang="en-US" altLang="zh-CN" dirty="0" smtClean="0"/>
+              <a:t>&gt;;</a:t>
+            </a:r>
+          </a:p>
+          <a:p>
+            <a:endParaRPr lang="zh-CN" altLang="en-US" dirty="0"/>
+          </a:p>
+          <a:p>
+            <a:r>
+              <a:rPr lang="en-US" altLang="zh-CN" dirty="0" smtClean="0"/>
+              <a:t>    template&lt;</a:t>
+            </a:r>
+            <a:r>
+              <a:rPr lang="en-US" altLang="zh-CN" dirty="0" err="1" smtClean="0"/>
+              <a:t>size_t</a:t>
+            </a:r>
+            <a:r>
+              <a:rPr lang="en-US" altLang="zh-CN" dirty="0" smtClean="0"/>
+              <a:t> </a:t>
+            </a:r>
+            <a:r>
+              <a:rPr lang="en-US" altLang="zh-CN" dirty="0"/>
+              <a:t>I&gt;</a:t>
+            </a:r>
+          </a:p>
+          <a:p>
+            <a:r>
+              <a:rPr lang="en-US" altLang="zh-CN" dirty="0" smtClean="0"/>
+              <a:t>    </a:t>
+            </a:r>
+            <a:r>
+              <a:rPr lang="en-US" altLang="zh-CN" dirty="0" err="1" smtClean="0"/>
+              <a:t>struct</a:t>
+            </a:r>
+            <a:r>
+              <a:rPr lang="en-US" altLang="zh-CN" dirty="0" smtClean="0"/>
+              <a:t> </a:t>
+            </a:r>
+            <a:r>
+              <a:rPr lang="en-US" altLang="zh-CN" dirty="0" err="1" smtClean="0"/>
+              <a:t>args</a:t>
+            </a:r>
+            <a:r>
+              <a:rPr lang="en-US" altLang="zh-CN" dirty="0" smtClean="0"/>
+              <a:t>{</a:t>
+            </a:r>
+            <a:endParaRPr lang="en-US" altLang="zh-CN" dirty="0"/>
+          </a:p>
+          <a:p>
+            <a:r>
+              <a:rPr lang="en-US" altLang="zh-CN" dirty="0" smtClean="0"/>
+              <a:t>        </a:t>
+            </a:r>
+            <a:r>
+              <a:rPr lang="en-US" altLang="zh-CN" dirty="0" err="1" smtClean="0"/>
+              <a:t>static_assert</a:t>
+            </a:r>
+            <a:r>
+              <a:rPr lang="en-US" altLang="zh-CN" dirty="0" smtClean="0"/>
+              <a:t>(I </a:t>
+            </a:r>
+            <a:r>
+              <a:rPr lang="en-US" altLang="zh-CN" dirty="0"/>
+              <a:t>&lt; arity, "index is out of </a:t>
+            </a:r>
+            <a:r>
+              <a:rPr lang="en-US" altLang="zh-CN" dirty="0" smtClean="0"/>
+              <a:t>range");</a:t>
+            </a:r>
+            <a:endParaRPr lang="en-US" altLang="zh-CN" dirty="0"/>
+          </a:p>
+          <a:p>
+            <a:r>
+              <a:rPr lang="en-US" altLang="zh-CN" dirty="0" smtClean="0"/>
+              <a:t>        using </a:t>
+            </a:r>
+            <a:r>
+              <a:rPr lang="en-US" altLang="zh-CN" dirty="0"/>
+              <a:t>type = </a:t>
+            </a:r>
+            <a:r>
+              <a:rPr lang="en-US" altLang="zh-CN" dirty="0" err="1"/>
+              <a:t>typename</a:t>
+            </a:r>
+            <a:r>
+              <a:rPr lang="en-US" altLang="zh-CN" dirty="0"/>
+              <a:t> </a:t>
+            </a:r>
+            <a:r>
+              <a:rPr lang="en-US" altLang="zh-CN" dirty="0" err="1"/>
+              <a:t>std</a:t>
+            </a:r>
+            <a:r>
+              <a:rPr lang="en-US" altLang="zh-CN" dirty="0"/>
+              <a:t>::</a:t>
+            </a:r>
+            <a:r>
+              <a:rPr lang="en-US" altLang="zh-CN" dirty="0" err="1"/>
+              <a:t>tuple_element</a:t>
+            </a:r>
+            <a:r>
+              <a:rPr lang="en-US" altLang="zh-CN" dirty="0"/>
+              <a:t>&lt;I, </a:t>
+            </a:r>
+            <a:r>
+              <a:rPr lang="en-US" altLang="zh-CN" dirty="0" err="1"/>
+              <a:t>std</a:t>
+            </a:r>
+            <a:r>
+              <a:rPr lang="en-US" altLang="zh-CN" dirty="0"/>
+              <a:t>::tuple&lt;</a:t>
+            </a:r>
+            <a:r>
+              <a:rPr lang="en-US" altLang="zh-CN" dirty="0" err="1"/>
+              <a:t>Args</a:t>
+            </a:r>
+            <a:r>
+              <a:rPr lang="en-US" altLang="zh-CN" dirty="0"/>
+              <a:t>...&gt;&gt;::type;</a:t>
+            </a:r>
+          </a:p>
+          <a:p>
+            <a:r>
+              <a:rPr lang="en-US" altLang="zh-CN" dirty="0" smtClean="0"/>
+              <a:t>    };</a:t>
+            </a:r>
+            <a:endParaRPr lang="en-US" altLang="zh-CN" dirty="0"/>
+          </a:p>
+          <a:p>
+            <a:r>
+              <a:rPr lang="en-US" altLang="zh-CN" dirty="0" smtClean="0"/>
+              <a:t>};</a:t>
+            </a:r>
+          </a:p>
+          <a:p>
+            <a:r>
+              <a:rPr lang="en-US" altLang="zh-CN" dirty="0" smtClean="0"/>
+              <a:t>template&lt;</a:t>
+            </a:r>
+            <a:r>
+              <a:rPr lang="en-US" altLang="zh-CN" dirty="0" err="1" smtClean="0"/>
+              <a:t>typename</a:t>
+            </a:r>
+            <a:r>
+              <a:rPr lang="en-US" altLang="zh-CN" dirty="0" smtClean="0"/>
+              <a:t> </a:t>
+            </a:r>
+            <a:r>
+              <a:rPr lang="en-US" altLang="zh-CN" dirty="0"/>
+              <a:t>T&gt;</a:t>
+            </a:r>
+          </a:p>
+          <a:p>
+            <a:r>
+              <a:rPr lang="en-US" altLang="zh-CN" dirty="0" err="1"/>
+              <a:t>struct</a:t>
+            </a:r>
+            <a:r>
+              <a:rPr lang="en-US" altLang="zh-CN" dirty="0"/>
+              <a:t> </a:t>
+            </a:r>
+            <a:r>
+              <a:rPr lang="en-US" altLang="zh-CN" dirty="0" err="1"/>
+              <a:t>function_traits</a:t>
+            </a:r>
+            <a:r>
+              <a:rPr lang="en-US" altLang="zh-CN" dirty="0"/>
+              <a:t> : </a:t>
+            </a:r>
+            <a:r>
+              <a:rPr lang="en-US" altLang="zh-CN" dirty="0" err="1"/>
+              <a:t>function_traits_impl</a:t>
+            </a:r>
+            <a:r>
+              <a:rPr lang="en-US" altLang="zh-CN" dirty="0"/>
+              <a:t>&lt;</a:t>
+            </a:r>
+          </a:p>
+          <a:p>
+            <a:r>
+              <a:rPr lang="en-US" altLang="zh-CN" dirty="0" err="1"/>
+              <a:t>std</a:t>
+            </a:r>
+            <a:r>
+              <a:rPr lang="en-US" altLang="zh-CN" dirty="0"/>
+              <a:t>::</a:t>
+            </a:r>
+            <a:r>
+              <a:rPr lang="en-US" altLang="zh-CN" dirty="0" err="1"/>
+              <a:t>remove_cv_t</a:t>
+            </a:r>
+            <a:r>
+              <a:rPr lang="en-US" altLang="zh-CN" dirty="0"/>
+              <a:t>&lt;</a:t>
+            </a:r>
+            <a:r>
+              <a:rPr lang="en-US" altLang="zh-CN" dirty="0" err="1"/>
+              <a:t>std</a:t>
+            </a:r>
+            <a:r>
+              <a:rPr lang="en-US" altLang="zh-CN" dirty="0"/>
+              <a:t>::</a:t>
+            </a:r>
+            <a:r>
+              <a:rPr lang="en-US" altLang="zh-CN" dirty="0" err="1"/>
+              <a:t>remove_reference_t</a:t>
+            </a:r>
+            <a:r>
+              <a:rPr lang="en-US" altLang="zh-CN" dirty="0"/>
+              <a:t>&lt;T</a:t>
+            </a:r>
+            <a:r>
+              <a:rPr lang="en-US" altLang="zh-CN" dirty="0" smtClean="0"/>
+              <a:t>&gt;&gt;&gt;{};</a:t>
+            </a:r>
+            <a:endParaRPr lang="en-US" altLang="zh-CN" dirty="0"/>
+          </a:p>
+        </p:txBody>
+      </p:sp>
+      <p:sp>
+        <p:nvSpPr>
+          <p:cNvPr id="4" name="矩形 3"/>
+          <p:cNvSpPr/>
+          <p:nvPr/>
+        </p:nvSpPr>
+        <p:spPr>
+          <a:xfrm>
+            <a:off x="3451412" y="4567082"/>
+            <a:ext cx="4572000" cy="646331"/>
+          </a:xfrm>
+          <a:prstGeom prst="rect">
+            <a:avLst/>
+          </a:prstGeom>
+        </p:spPr>
+        <p:txBody>
+          <a:bodyPr>
+            <a:spAutoFit/>
+          </a:bodyPr>
+          <a:lstStyle/>
+          <a:p>
+            <a:r>
+              <a:rPr lang="zh-CN" altLang="en-US" dirty="0"/>
+              <a:t>https://github.com/topcpporg/rest_rpc/blob/master/rest_rpc/base/function_traits.hpp</a:t>
+            </a:r>
+          </a:p>
+        </p:txBody>
+      </p:sp>
+    </p:spTree>
+  </p:cSld>
+  <p:clrMapOvr>
+    <a:masterClrMapping/>
+  </p:clrMapOvr>
+  <p:timing>
+    <p:tnLst>
+      <p:par>
+        <p:cTn id="1" dur="indefinite" restart="never" nodeType="tmRoot">
+          <p:childTnLst>
+            <p:seq concurrent="1" nextAc="seek">
+              <p:cTn id="2" dur="indefinite" nodeType="mainSeq">
+                <p:childTnLst>
+                  <p:par>
+                    <p:cTn id="3" fill="hold">
+                      <p:stCondLst>
+                        <p:cond delay="indefinite"/>
+                      </p:stCondLst>
+                      <p:childTnLst>
+                        <p:par>
+                          <p:cTn id="4" fill="hold">
+                            <p:stCondLst>
+                              <p:cond delay="0"/>
+                            </p:stCondLst>
+                            <p:childTnLst>
+                              <p:par>
+                                <p:cTn id="5" presetID="2" presetClass="entr" presetSubtype="4" fill="hold" grpId="0" nodeType="clickEffect">
+                                  <p:stCondLst>
+                                    <p:cond delay="0"/>
+                                  </p:stCondLst>
+                                  <p:childTnLst>
+                                    <p:set>
+                                      <p:cBhvr>
+                                        <p:cTn id="6" dur="1" fill="hold">
+                                          <p:stCondLst>
+                                            <p:cond delay="0"/>
+                                          </p:stCondLst>
+                                        </p:cTn>
+                                        <p:tgtEl>
+                                          <p:spTgt spid="4"/>
+                                        </p:tgtEl>
+                                        <p:attrNameLst>
+                                          <p:attrName>style.visibility</p:attrName>
+                                        </p:attrNameLst>
+                                      </p:cBhvr>
+                                      <p:to>
+                                        <p:strVal val="visible"/>
+                                      </p:to>
+                                    </p:set>
+                                    <p:anim calcmode="lin" valueType="num">
+                                      <p:cBhvr additive="base">
+                                        <p:cTn id="7" dur="500" fill="hold"/>
+                                        <p:tgtEl>
+                                          <p:spTgt spid="4"/>
+                                        </p:tgtEl>
+                                        <p:attrNameLst>
+                                          <p:attrName>ppt_x</p:attrName>
+                                        </p:attrNameLst>
+                                      </p:cBhvr>
+                                      <p:tavLst>
+                                        <p:tav tm="0">
+                                          <p:val>
+                                            <p:strVal val="#ppt_x"/>
+                                          </p:val>
+                                        </p:tav>
+                                        <p:tav tm="100000">
+                                          <p:val>
+                                            <p:strVal val="#ppt_x"/>
+                                          </p:val>
+                                        </p:tav>
+                                      </p:tavLst>
+                                    </p:anim>
+                                    <p:anim calcmode="lin" valueType="num">
+                                      <p:cBhvr additive="base">
+                                        <p:cTn id="8" dur="500" fill="hold"/>
+                                        <p:tgtEl>
+                                          <p:spTgt spid="4"/>
+                                        </p:tgtEl>
+                                        <p:attrNameLst>
+                                          <p:attrName>ppt_y</p:attrName>
+                                        </p:attrNameLst>
+                                      </p:cBhvr>
+                                      <p:tavLst>
+                                        <p:tav tm="0">
+                                          <p:val>
+                                            <p:strVal val="1+#ppt_h/2"/>
+                                          </p:val>
+                                        </p:tav>
+                                        <p:tav tm="100000">
+                                          <p:val>
+                                            <p:strVal val="#ppt_y"/>
+                                          </p:val>
+                                        </p:tav>
+                                      </p:tavLst>
+                                    </p:anim>
+                                  </p:childTnLst>
+                                </p:cTn>
+                              </p:par>
+                            </p:childTnLst>
+                          </p:cTn>
+                        </p:par>
+                      </p:childTnLst>
+                    </p:cTn>
+                  </p:par>
+                </p:childTnLst>
+              </p:cTn>
+              <p:prevCondLst>
+                <p:cond evt="onPrev" delay="0">
+                  <p:tgtEl>
+                    <p:sldTgt/>
+                  </p:tgtEl>
+                </p:cond>
+              </p:prevCondLst>
+              <p:nextCondLst>
+                <p:cond evt="onNext" delay="0">
+                  <p:tgtEl>
+                    <p:sldTgt/>
+                  </p:tgtEl>
+                </p:cond>
+              </p:nextCondLst>
+            </p:seq>
+          </p:childTnLst>
+        </p:cTn>
+      </p:par>
+    </p:tnLst>
+    <p:bldLst>
+      <p:bldP spid="4" grpId="0"/>
+    </p:bldLst>
+  </p:timing>
+</p:sld>
+</file>
+
+<file path=ppt/slides/slide31.xml><?xml version="1.0" encoding="utf-8"?>
+<p:sld xmlns:a="http://schemas.openxmlformats.org/drawingml/2006/main" xmlns:r="http://schemas.openxmlformats.org/officeDocument/2006/relationships" xmlns:p="http://schemas.openxmlformats.org/presentationml/2006/main">
+  <p:cSld>
+    <p:spTree>
+      <p:nvGrpSpPr>
+        <p:cNvPr id="1" name=""/>
+        <p:cNvGrpSpPr/>
+        <p:nvPr/>
+      </p:nvGrpSpPr>
+      <p:grpSpPr>
+        <a:xfrm>
+          <a:off x="0" y="0"/>
+          <a:ext cx="0" cy="0"/>
+          <a:chOff x="0" y="0"/>
+          <a:chExt cx="0" cy="0"/>
+        </a:xfrm>
+      </p:grpSpPr>
+      <p:sp>
+        <p:nvSpPr>
+          <p:cNvPr id="2" name="标题 1"/>
+          <p:cNvSpPr>
+            <a:spLocks noGrp="1"/>
+          </p:cNvSpPr>
+          <p:nvPr>
+            <p:ph type="title"/>
+          </p:nvPr>
+        </p:nvSpPr>
+        <p:spPr/>
+        <p:txBody>
+          <a:bodyPr/>
+          <a:lstStyle/>
+          <a:p>
+            <a:r>
+              <a:rPr lang="en-US" altLang="zh-CN" dirty="0"/>
+              <a:t>How to </a:t>
+            </a:r>
+            <a:r>
+              <a:rPr lang="en-US" altLang="zh-CN" dirty="0" smtClean="0"/>
+              <a:t>route to </a:t>
+            </a:r>
+            <a:r>
+              <a:rPr lang="en-US" altLang="zh-CN" dirty="0"/>
+              <a:t>the correct handler</a:t>
+            </a:r>
+            <a:endParaRPr lang="zh-CN" altLang="en-US" dirty="0"/>
+          </a:p>
+        </p:txBody>
+      </p:sp>
+      <p:sp>
+        <p:nvSpPr>
+          <p:cNvPr id="3" name="文本占位符 2"/>
+          <p:cNvSpPr>
+            <a:spLocks noGrp="1"/>
+          </p:cNvSpPr>
+          <p:nvPr>
+            <p:ph type="body" sz="half" idx="2"/>
+          </p:nvPr>
+        </p:nvSpPr>
+        <p:spPr/>
+        <p:txBody>
+          <a:bodyPr/>
+          <a:lstStyle/>
+          <a:p>
+            <a:r>
               <a:rPr lang="en-US" altLang="zh-CN" dirty="0" err="1"/>
               <a:t>struct</a:t>
             </a:r>
@@ -18497,7 +18617,7 @@
 </p:sld>
 </file>
 
-<file path=ppt/slides/slide31.xml><?xml version="1.0" encoding="utf-8"?>
+<file path=ppt/slides/slide32.xml><?xml version="1.0" encoding="utf-8"?>
 <p:sld xmlns:a="http://schemas.openxmlformats.org/drawingml/2006/main" xmlns:r="http://schemas.openxmlformats.org/officeDocument/2006/relationships" xmlns:p="http://schemas.openxmlformats.org/presentationml/2006/main">
   <p:cSld>
     <p:spTree>
@@ -19714,7 +19834,7 @@
 </p:sld>
 </file>
 
-<file path=ppt/slides/slide32.xml><?xml version="1.0" encoding="utf-8"?>
+<file path=ppt/slides/slide33.xml><?xml version="1.0" encoding="utf-8"?>
 <p:sld xmlns:a="http://schemas.openxmlformats.org/drawingml/2006/main" xmlns:r="http://schemas.openxmlformats.org/officeDocument/2006/relationships" xmlns:p="http://schemas.openxmlformats.org/presentationml/2006/main">
   <p:cSld>
     <p:spTree>
@@ -20161,7 +20281,7 @@
 </p:sld>
 </file>
 
-<file path=ppt/slides/slide33.xml><?xml version="1.0" encoding="utf-8"?>
+<file path=ppt/slides/slide34.xml><?xml version="1.0" encoding="utf-8"?>
 <p:sld xmlns:a="http://schemas.openxmlformats.org/drawingml/2006/main" xmlns:r="http://schemas.openxmlformats.org/officeDocument/2006/relationships" xmlns:p="http://schemas.openxmlformats.org/presentationml/2006/main">
   <p:cSld>
     <p:spTree>
@@ -20291,7 +20411,7 @@
 </p:sld>
 </file>
 
-<file path=ppt/slides/slide34.xml><?xml version="1.0" encoding="utf-8"?>
+<file path=ppt/slides/slide35.xml><?xml version="1.0" encoding="utf-8"?>
 <p:sld xmlns:a="http://schemas.openxmlformats.org/drawingml/2006/main" xmlns:r="http://schemas.openxmlformats.org/officeDocument/2006/relationships" xmlns:p="http://schemas.openxmlformats.org/presentationml/2006/main">
   <p:cSld>
     <p:spTree>
@@ -20395,7 +20515,7 @@
 </p:sld>
 </file>
 
-<file path=ppt/slides/slide35.xml><?xml version="1.0" encoding="utf-8"?>
+<file path=ppt/slides/slide36.xml><?xml version="1.0" encoding="utf-8"?>
 <p:sld xmlns:a="http://schemas.openxmlformats.org/drawingml/2006/main" xmlns:r="http://schemas.openxmlformats.org/officeDocument/2006/relationships" xmlns:p="http://schemas.openxmlformats.org/presentationml/2006/main">
   <p:cSld>
     <p:spTree>
@@ -20819,414 +20939,6 @@
 </p:sld>
 </file>
 
-<file path=ppt/slides/slide36.xml><?xml version="1.0" encoding="utf-8"?>
-<p:sld xmlns:a="http://schemas.openxmlformats.org/drawingml/2006/main" xmlns:r="http://schemas.openxmlformats.org/officeDocument/2006/relationships" xmlns:p="http://schemas.openxmlformats.org/presentationml/2006/main">
-  <p:cSld>
-    <p:spTree>
-      <p:nvGrpSpPr>
-        <p:cNvPr id="1" name=""/>
-        <p:cNvGrpSpPr/>
-        <p:nvPr/>
-      </p:nvGrpSpPr>
-      <p:grpSpPr>
-        <a:xfrm>
-          <a:off x="0" y="0"/>
-          <a:ext cx="0" cy="0"/>
-          <a:chOff x="0" y="0"/>
-          <a:chExt cx="0" cy="0"/>
-        </a:xfrm>
-      </p:grpSpPr>
-      <p:sp>
-        <p:nvSpPr>
-          <p:cNvPr id="2" name="标题 1"/>
-          <p:cNvSpPr>
-            <a:spLocks noGrp="1"/>
-          </p:cNvSpPr>
-          <p:nvPr>
-            <p:ph type="title"/>
-          </p:nvPr>
-        </p:nvSpPr>
-        <p:spPr/>
-        <p:txBody>
-          <a:bodyPr/>
-          <a:lstStyle/>
-          <a:p>
-            <a:r>
-              <a:rPr lang="en-US" altLang="zh-CN" dirty="0"/>
-              <a:t>How to simplify the call code</a:t>
-            </a:r>
-            <a:endParaRPr lang="zh-CN" altLang="en-US" dirty="0"/>
-          </a:p>
-        </p:txBody>
-      </p:sp>
-      <p:sp>
-        <p:nvSpPr>
-          <p:cNvPr id="3" name="文本占位符 2"/>
-          <p:cNvSpPr>
-            <a:spLocks noGrp="1"/>
-          </p:cNvSpPr>
-          <p:nvPr>
-            <p:ph type="body" sz="half" idx="2"/>
-          </p:nvPr>
-        </p:nvSpPr>
-        <p:spPr/>
-        <p:txBody>
-          <a:bodyPr/>
-          <a:lstStyle/>
-          <a:p>
-            <a:r>
-              <a:rPr lang="en-US" altLang="zh-CN" dirty="0"/>
-              <a:t>template &lt;</a:t>
-            </a:r>
-            <a:r>
-              <a:rPr lang="en-US" altLang="zh-CN" dirty="0" err="1"/>
-              <a:t>typename</a:t>
-            </a:r>
-            <a:r>
-              <a:rPr lang="en-US" altLang="zh-CN" dirty="0"/>
-              <a:t> F, </a:t>
-            </a:r>
-            <a:r>
-              <a:rPr lang="en-US" altLang="zh-CN" dirty="0" err="1"/>
-              <a:t>typename</a:t>
-            </a:r>
-            <a:r>
-              <a:rPr lang="en-US" altLang="zh-CN" dirty="0"/>
-              <a:t> Arg0, </a:t>
-            </a:r>
-            <a:r>
-              <a:rPr lang="en-US" altLang="zh-CN" dirty="0" err="1"/>
-              <a:t>typename</a:t>
-            </a:r>
-            <a:r>
-              <a:rPr lang="en-US" altLang="zh-CN" dirty="0"/>
-              <a:t> ... </a:t>
-            </a:r>
-            <a:r>
-              <a:rPr lang="en-US" altLang="zh-CN" dirty="0" err="1"/>
-              <a:t>Args</a:t>
-            </a:r>
-            <a:r>
-              <a:rPr lang="en-US" altLang="zh-CN" dirty="0"/>
-              <a:t>&gt;</a:t>
-            </a:r>
-          </a:p>
-          <a:p>
-            <a:r>
-              <a:rPr lang="en-US" altLang="zh-CN" dirty="0"/>
-              <a:t>auto </a:t>
-            </a:r>
-            <a:r>
-              <a:rPr lang="en-US" altLang="zh-CN" dirty="0" err="1" smtClean="0"/>
-              <a:t>bind_impl</a:t>
-            </a:r>
-            <a:r>
-              <a:rPr lang="en-US" altLang="zh-CN" dirty="0" smtClean="0"/>
-              <a:t>(F</a:t>
-            </a:r>
-            <a:r>
-              <a:rPr lang="en-US" altLang="zh-CN" dirty="0"/>
-              <a:t>&amp;&amp; f, Arg0&amp;&amp; arg0, </a:t>
-            </a:r>
-            <a:r>
-              <a:rPr lang="en-US" altLang="zh-CN" dirty="0" err="1"/>
-              <a:t>Args</a:t>
-            </a:r>
-            <a:r>
-              <a:rPr lang="en-US" altLang="zh-CN" dirty="0"/>
-              <a:t>&amp;&amp; ... </a:t>
-            </a:r>
-            <a:r>
-              <a:rPr lang="en-US" altLang="zh-CN" dirty="0" err="1"/>
-              <a:t>args</a:t>
-            </a:r>
-            <a:r>
-              <a:rPr lang="en-US" altLang="zh-CN" dirty="0"/>
-              <a:t>)</a:t>
-            </a:r>
-          </a:p>
-          <a:p>
-            <a:r>
-              <a:rPr lang="en-US" altLang="zh-CN" dirty="0"/>
-              <a:t>-&gt; </a:t>
-            </a:r>
-            <a:r>
-              <a:rPr lang="en-US" altLang="zh-CN" dirty="0" err="1"/>
-              <a:t>typename</a:t>
-            </a:r>
-            <a:r>
-              <a:rPr lang="en-US" altLang="zh-CN" dirty="0"/>
-              <a:t> </a:t>
-            </a:r>
-            <a:r>
-              <a:rPr lang="en-US" altLang="zh-CN" dirty="0" err="1"/>
-              <a:t>bind_to_function</a:t>
-            </a:r>
-            <a:r>
-              <a:rPr lang="en-US" altLang="zh-CN" dirty="0"/>
-              <a:t>&lt;F, Arg0, </a:t>
-            </a:r>
-            <a:r>
-              <a:rPr lang="en-US" altLang="zh-CN" dirty="0" err="1"/>
-              <a:t>Args</a:t>
-            </a:r>
-            <a:r>
-              <a:rPr lang="en-US" altLang="zh-CN" dirty="0"/>
-              <a:t>...&gt;::type</a:t>
-            </a:r>
-          </a:p>
-          <a:p>
-            <a:r>
-              <a:rPr lang="en-US" altLang="zh-CN" dirty="0"/>
-              <a:t>{</a:t>
-            </a:r>
-          </a:p>
-          <a:p>
-            <a:r>
-              <a:rPr lang="en-US" altLang="zh-CN" dirty="0" smtClean="0"/>
-              <a:t>    return </a:t>
-            </a:r>
-            <a:r>
-              <a:rPr lang="en-US" altLang="zh-CN" dirty="0" err="1"/>
-              <a:t>std</a:t>
-            </a:r>
-            <a:r>
-              <a:rPr lang="en-US" altLang="zh-CN" dirty="0"/>
-              <a:t>::bind(</a:t>
-            </a:r>
-            <a:r>
-              <a:rPr lang="en-US" altLang="zh-CN" dirty="0" err="1"/>
-              <a:t>std</a:t>
-            </a:r>
-            <a:r>
-              <a:rPr lang="en-US" altLang="zh-CN" dirty="0"/>
-              <a:t>::forward&lt;F&gt;(f), </a:t>
-            </a:r>
-            <a:r>
-              <a:rPr lang="en-US" altLang="zh-CN" dirty="0" err="1"/>
-              <a:t>std</a:t>
-            </a:r>
-            <a:r>
-              <a:rPr lang="en-US" altLang="zh-CN" dirty="0"/>
-              <a:t>::forward&lt;Arg0&gt;(arg0), </a:t>
-            </a:r>
-            <a:r>
-              <a:rPr lang="en-US" altLang="zh-CN" dirty="0" smtClean="0"/>
-              <a:t>      </a:t>
-            </a:r>
-            <a:r>
-              <a:rPr lang="en-US" altLang="zh-CN" dirty="0" err="1" smtClean="0"/>
-              <a:t>std</a:t>
-            </a:r>
-            <a:r>
-              <a:rPr lang="en-US" altLang="zh-CN" dirty="0"/>
-              <a:t>::forward&lt;</a:t>
-            </a:r>
-            <a:r>
-              <a:rPr lang="en-US" altLang="zh-CN" dirty="0" err="1"/>
-              <a:t>Args</a:t>
-            </a:r>
-            <a:r>
-              <a:rPr lang="en-US" altLang="zh-CN" dirty="0"/>
-              <a:t>&gt;(</a:t>
-            </a:r>
-            <a:r>
-              <a:rPr lang="en-US" altLang="zh-CN" dirty="0" err="1"/>
-              <a:t>args</a:t>
-            </a:r>
-            <a:r>
-              <a:rPr lang="en-US" altLang="zh-CN" dirty="0"/>
-              <a:t>)...);</a:t>
-            </a:r>
-          </a:p>
-          <a:p>
-            <a:r>
-              <a:rPr lang="en-US" altLang="zh-CN" dirty="0"/>
-              <a:t>}</a:t>
-            </a:r>
-          </a:p>
-          <a:p>
-            <a:endParaRPr lang="zh-CN" altLang="en-US" dirty="0"/>
-          </a:p>
-          <a:p>
-            <a:r>
-              <a:rPr lang="en-US" altLang="zh-CN" dirty="0"/>
-              <a:t>template &lt;</a:t>
-            </a:r>
-            <a:r>
-              <a:rPr lang="en-US" altLang="zh-CN" dirty="0" err="1"/>
-              <a:t>typename</a:t>
-            </a:r>
-            <a:r>
-              <a:rPr lang="en-US" altLang="zh-CN" dirty="0"/>
-              <a:t> F&gt;</a:t>
-            </a:r>
-          </a:p>
-          <a:p>
-            <a:r>
-              <a:rPr lang="en-US" altLang="zh-CN" dirty="0"/>
-              <a:t>auto </a:t>
-            </a:r>
-            <a:r>
-              <a:rPr lang="en-US" altLang="zh-CN" dirty="0" err="1" smtClean="0"/>
-              <a:t>bind_impl</a:t>
-            </a:r>
-            <a:r>
-              <a:rPr lang="en-US" altLang="zh-CN" dirty="0" smtClean="0"/>
-              <a:t>(F</a:t>
-            </a:r>
-            <a:r>
-              <a:rPr lang="en-US" altLang="zh-CN" dirty="0"/>
-              <a:t>&amp;&amp; f</a:t>
-            </a:r>
-            <a:r>
-              <a:rPr lang="en-US" altLang="zh-CN" dirty="0" smtClean="0"/>
-              <a:t>) -&gt; </a:t>
-            </a:r>
-            <a:r>
-              <a:rPr lang="en-US" altLang="zh-CN" dirty="0" err="1"/>
-              <a:t>typename</a:t>
-            </a:r>
-            <a:r>
-              <a:rPr lang="en-US" altLang="zh-CN" dirty="0"/>
-              <a:t> </a:t>
-            </a:r>
-            <a:r>
-              <a:rPr lang="en-US" altLang="zh-CN" dirty="0" err="1"/>
-              <a:t>function_traits</a:t>
-            </a:r>
-            <a:r>
-              <a:rPr lang="en-US" altLang="zh-CN" dirty="0"/>
-              <a:t>&lt;F&gt;::</a:t>
-            </a:r>
-            <a:r>
-              <a:rPr lang="en-US" altLang="zh-CN" dirty="0" err="1"/>
-              <a:t>stl_function_type</a:t>
-            </a:r>
-            <a:endParaRPr lang="en-US" altLang="zh-CN" dirty="0"/>
-          </a:p>
-          <a:p>
-            <a:r>
-              <a:rPr lang="en-US" altLang="zh-CN" dirty="0"/>
-              <a:t>{</a:t>
-            </a:r>
-          </a:p>
-          <a:p>
-            <a:r>
-              <a:rPr lang="en-US" altLang="zh-CN" dirty="0" smtClean="0"/>
-              <a:t>    return </a:t>
-            </a:r>
-            <a:r>
-              <a:rPr lang="en-US" altLang="zh-CN" b="1" dirty="0"/>
-              <a:t>[</a:t>
-            </a:r>
-            <a:r>
-              <a:rPr lang="en-US" altLang="zh-CN" b="1" dirty="0" err="1"/>
-              <a:t>func</a:t>
-            </a:r>
-            <a:r>
-              <a:rPr lang="en-US" altLang="zh-CN" b="1" dirty="0"/>
-              <a:t> = </a:t>
-            </a:r>
-            <a:r>
-              <a:rPr lang="en-US" altLang="zh-CN" b="1" dirty="0" err="1"/>
-              <a:t>std</a:t>
-            </a:r>
-            <a:r>
-              <a:rPr lang="en-US" altLang="zh-CN" b="1" dirty="0"/>
-              <a:t>::forward&lt;F&gt;(f)](auto&amp;&amp; ... </a:t>
-            </a:r>
-            <a:r>
-              <a:rPr lang="en-US" altLang="zh-CN" b="1" dirty="0" err="1"/>
-              <a:t>args</a:t>
-            </a:r>
-            <a:r>
-              <a:rPr lang="en-US" altLang="zh-CN" b="1" dirty="0" smtClean="0"/>
-              <a:t>)</a:t>
-            </a:r>
-            <a:r>
-              <a:rPr lang="en-US" altLang="zh-CN" dirty="0" smtClean="0"/>
-              <a:t>{ </a:t>
-            </a:r>
-          </a:p>
-          <a:p>
-            <a:r>
-              <a:rPr lang="en-US" altLang="zh-CN" dirty="0" smtClean="0"/>
-              <a:t>        return </a:t>
-            </a:r>
-            <a:r>
-              <a:rPr lang="en-US" altLang="zh-CN" dirty="0" err="1"/>
-              <a:t>func</a:t>
-            </a:r>
-            <a:r>
-              <a:rPr lang="en-US" altLang="zh-CN" dirty="0"/>
-              <a:t>(</a:t>
-            </a:r>
-            <a:r>
-              <a:rPr lang="en-US" altLang="zh-CN" dirty="0" err="1"/>
-              <a:t>std</a:t>
-            </a:r>
-            <a:r>
-              <a:rPr lang="en-US" altLang="zh-CN" dirty="0"/>
-              <a:t>::forward&lt;</a:t>
-            </a:r>
-            <a:r>
-              <a:rPr lang="en-US" altLang="zh-CN" dirty="0" err="1"/>
-              <a:t>decltype</a:t>
-            </a:r>
-            <a:r>
-              <a:rPr lang="en-US" altLang="zh-CN" dirty="0"/>
-              <a:t>(</a:t>
-            </a:r>
-            <a:r>
-              <a:rPr lang="en-US" altLang="zh-CN" dirty="0" err="1"/>
-              <a:t>args</a:t>
-            </a:r>
-            <a:r>
-              <a:rPr lang="en-US" altLang="zh-CN" dirty="0"/>
-              <a:t>)&gt;(</a:t>
-            </a:r>
-            <a:r>
-              <a:rPr lang="en-US" altLang="zh-CN" dirty="0" err="1"/>
-              <a:t>args</a:t>
-            </a:r>
-            <a:r>
-              <a:rPr lang="en-US" altLang="zh-CN" dirty="0"/>
-              <a:t>)...); </a:t>
-            </a:r>
-            <a:endParaRPr lang="en-US" altLang="zh-CN" dirty="0" smtClean="0"/>
-          </a:p>
-          <a:p>
-            <a:r>
-              <a:rPr lang="en-US" altLang="zh-CN" dirty="0" smtClean="0"/>
-              <a:t>    };</a:t>
-            </a:r>
-            <a:endParaRPr lang="en-US" altLang="zh-CN" dirty="0"/>
-          </a:p>
-          <a:p>
-            <a:r>
-              <a:rPr lang="en-US" altLang="zh-CN" dirty="0"/>
-              <a:t>}</a:t>
-            </a:r>
-            <a:endParaRPr lang="zh-CN" altLang="en-US" dirty="0"/>
-          </a:p>
-        </p:txBody>
-      </p:sp>
-    </p:spTree>
-  </p:cSld>
-  <p:clrMapOvr>
-    <a:masterClrMapping/>
-  </p:clrMapOvr>
-  <p:timing>
-    <p:tnLst>
-      <p:par>
-        <p:cTn id="1" dur="indefinite" restart="never" nodeType="tmRoot"/>
-      </p:par>
-    </p:tnLst>
-  </p:timing>
-</p:sld>
-</file>
-
 <file path=ppt/slides/slide37.xml><?xml version="1.0" encoding="utf-8"?>
 <p:sld xmlns:a="http://schemas.openxmlformats.org/drawingml/2006/main" xmlns:r="http://schemas.openxmlformats.org/officeDocument/2006/relationships" xmlns:p="http://schemas.openxmlformats.org/presentationml/2006/main">
   <p:cSld>
@@ -21283,12 +20995,104 @@
           <a:lstStyle/>
           <a:p>
             <a:r>
+              <a:rPr lang="en-US" altLang="zh-CN" dirty="0"/>
+              <a:t>template &lt;</a:t>
+            </a:r>
+            <a:r>
+              <a:rPr lang="en-US" altLang="zh-CN" dirty="0" err="1"/>
+              <a:t>typename</a:t>
+            </a:r>
+            <a:r>
+              <a:rPr lang="en-US" altLang="zh-CN" dirty="0"/>
+              <a:t> F, </a:t>
+            </a:r>
+            <a:r>
+              <a:rPr lang="en-US" altLang="zh-CN" dirty="0" err="1"/>
+              <a:t>typename</a:t>
+            </a:r>
+            <a:r>
+              <a:rPr lang="en-US" altLang="zh-CN" dirty="0"/>
+              <a:t> Arg0, </a:t>
+            </a:r>
+            <a:r>
+              <a:rPr lang="en-US" altLang="zh-CN" dirty="0" err="1"/>
+              <a:t>typename</a:t>
+            </a:r>
+            <a:r>
+              <a:rPr lang="en-US" altLang="zh-CN" dirty="0"/>
+              <a:t> ... </a:t>
+            </a:r>
+            <a:r>
+              <a:rPr lang="en-US" altLang="zh-CN" dirty="0" err="1"/>
+              <a:t>Args</a:t>
+            </a:r>
+            <a:r>
+              <a:rPr lang="en-US" altLang="zh-CN" dirty="0"/>
+              <a:t>&gt;</a:t>
+            </a:r>
+          </a:p>
+          <a:p>
+            <a:r>
+              <a:rPr lang="en-US" altLang="zh-CN" dirty="0"/>
+              <a:t>auto </a:t>
+            </a:r>
+            <a:r>
+              <a:rPr lang="en-US" altLang="zh-CN" dirty="0" err="1" smtClean="0"/>
+              <a:t>bind_impl</a:t>
+            </a:r>
+            <a:r>
               <a:rPr lang="en-US" altLang="zh-CN" dirty="0" smtClean="0"/>
-              <a:t>namespace </a:t>
-            </a:r>
-            <a:r>
-              <a:rPr lang="en-US" altLang="zh-CN" dirty="0"/>
-              <a:t>client</a:t>
+              <a:t>(F</a:t>
+            </a:r>
+            <a:r>
+              <a:rPr lang="en-US" altLang="zh-CN" dirty="0"/>
+              <a:t>&amp;&amp; f, Arg0&amp;&amp; arg0, </a:t>
+            </a:r>
+            <a:r>
+              <a:rPr lang="en-US" altLang="zh-CN" dirty="0" err="1"/>
+              <a:t>Args</a:t>
+            </a:r>
+            <a:r>
+              <a:rPr lang="en-US" altLang="zh-CN" dirty="0"/>
+              <a:t>&amp;&amp; ... </a:t>
+            </a:r>
+            <a:r>
+              <a:rPr lang="en-US" altLang="zh-CN" dirty="0" err="1"/>
+              <a:t>args</a:t>
+            </a:r>
+            <a:r>
+              <a:rPr lang="en-US" altLang="zh-CN" dirty="0"/>
+              <a:t>)</a:t>
+            </a:r>
+          </a:p>
+          <a:p>
+            <a:r>
+              <a:rPr lang="en-US" altLang="zh-CN" dirty="0"/>
+              <a:t>-&gt; </a:t>
+            </a:r>
+            <a:r>
+              <a:rPr lang="en-US" altLang="zh-CN" dirty="0" err="1"/>
+              <a:t>typename</a:t>
+            </a:r>
+            <a:r>
+              <a:rPr lang="en-US" altLang="zh-CN" dirty="0"/>
+              <a:t> </a:t>
+            </a:r>
+            <a:r>
+              <a:rPr lang="en-US" altLang="zh-CN" dirty="0" err="1"/>
+              <a:t>bind_to_function</a:t>
+            </a:r>
+            <a:r>
+              <a:rPr lang="en-US" altLang="zh-CN" dirty="0"/>
+              <a:t>&lt;F, Arg0, </a:t>
+            </a:r>
+            <a:r>
+              <a:rPr lang="en-US" altLang="zh-CN" dirty="0" err="1"/>
+              <a:t>Args</a:t>
+            </a:r>
+            <a:r>
+              <a:rPr lang="en-US" altLang="zh-CN" dirty="0"/>
+              <a:t>...&gt;::type</a:t>
             </a:r>
           </a:p>
           <a:p>
@@ -21299,20 +21103,180 @@
           </a:p>
           <a:p>
             <a:r>
+              <a:rPr lang="en-US" altLang="zh-CN" dirty="0" smtClean="0"/>
+              <a:t>    return </a:t>
+            </a:r>
+            <a:r>
+              <a:rPr lang="en-US" altLang="zh-CN" dirty="0" err="1"/>
+              <a:t>std</a:t>
+            </a:r>
+            <a:r>
+              <a:rPr lang="en-US" altLang="zh-CN" dirty="0"/>
+              <a:t>::bind(</a:t>
+            </a:r>
+            <a:r>
+              <a:rPr lang="en-US" altLang="zh-CN" dirty="0" err="1"/>
+              <a:t>std</a:t>
+            </a:r>
+            <a:r>
+              <a:rPr lang="en-US" altLang="zh-CN" dirty="0"/>
+              <a:t>::forward&lt;F&gt;(f), </a:t>
+            </a:r>
+            <a:r>
+              <a:rPr lang="en-US" altLang="zh-CN" dirty="0" err="1"/>
+              <a:t>std</a:t>
+            </a:r>
+            <a:r>
+              <a:rPr lang="en-US" altLang="zh-CN" dirty="0"/>
+              <a:t>::forward&lt;Arg0&gt;(arg0), </a:t>
+            </a:r>
+            <a:r>
+              <a:rPr lang="en-US" altLang="zh-CN" dirty="0" smtClean="0"/>
+              <a:t>      </a:t>
+            </a:r>
+            <a:r>
+              <a:rPr lang="en-US" altLang="zh-CN" dirty="0" err="1" smtClean="0"/>
+              <a:t>std</a:t>
+            </a:r>
+            <a:r>
+              <a:rPr lang="en-US" altLang="zh-CN" dirty="0"/>
+              <a:t>::forward&lt;</a:t>
+            </a:r>
+            <a:r>
+              <a:rPr lang="en-US" altLang="zh-CN" dirty="0" err="1"/>
+              <a:t>Args</a:t>
+            </a:r>
+            <a:r>
+              <a:rPr lang="en-US" altLang="zh-CN" dirty="0"/>
+              <a:t>&gt;(</a:t>
+            </a:r>
+            <a:r>
+              <a:rPr lang="en-US" altLang="zh-CN" dirty="0" err="1"/>
+              <a:t>args</a:t>
+            </a:r>
+            <a:r>
+              <a:rPr lang="en-US" altLang="zh-CN" dirty="0"/>
+              <a:t>)...);</a:t>
+            </a:r>
+          </a:p>
+          <a:p>
+            <a:r>
+              <a:rPr lang="en-US" altLang="zh-CN" dirty="0"/>
+              <a:t>}</a:t>
+            </a:r>
+          </a:p>
+          <a:p>
+            <a:endParaRPr lang="zh-CN" altLang="en-US" dirty="0"/>
+          </a:p>
+          <a:p>
+            <a:r>
+              <a:rPr lang="en-US" altLang="zh-CN" dirty="0"/>
+              <a:t>template &lt;</a:t>
+            </a:r>
+            <a:r>
+              <a:rPr lang="en-US" altLang="zh-CN" dirty="0" err="1"/>
+              <a:t>typename</a:t>
+            </a:r>
+            <a:r>
+              <a:rPr lang="en-US" altLang="zh-CN" dirty="0"/>
+              <a:t> F&gt;</a:t>
+            </a:r>
+          </a:p>
+          <a:p>
+            <a:r>
+              <a:rPr lang="en-US" altLang="zh-CN" dirty="0"/>
+              <a:t>auto </a:t>
+            </a:r>
+            <a:r>
+              <a:rPr lang="en-US" altLang="zh-CN" dirty="0" err="1" smtClean="0"/>
+              <a:t>bind_impl</a:t>
+            </a:r>
+            <a:r>
+              <a:rPr lang="en-US" altLang="zh-CN" dirty="0" smtClean="0"/>
+              <a:t>(F</a:t>
+            </a:r>
+            <a:r>
+              <a:rPr lang="en-US" altLang="zh-CN" dirty="0"/>
+              <a:t>&amp;&amp; f</a:t>
+            </a:r>
+            <a:r>
+              <a:rPr lang="en-US" altLang="zh-CN" dirty="0" smtClean="0"/>
+              <a:t>) -&gt; </a:t>
+            </a:r>
+            <a:r>
+              <a:rPr lang="en-US" altLang="zh-CN" dirty="0" err="1"/>
+              <a:t>typename</a:t>
+            </a:r>
+            <a:r>
               <a:rPr lang="en-US" altLang="zh-CN" dirty="0"/>
               <a:t> </a:t>
             </a:r>
             <a:r>
+              <a:rPr lang="en-US" altLang="zh-CN" dirty="0" err="1"/>
+              <a:t>function_traits</a:t>
+            </a:r>
+            <a:r>
+              <a:rPr lang="en-US" altLang="zh-CN" dirty="0"/>
+              <a:t>&lt;F&gt;::</a:t>
+            </a:r>
+            <a:r>
+              <a:rPr lang="en-US" altLang="zh-CN" dirty="0" err="1"/>
+              <a:t>stl_function_type</a:t>
+            </a:r>
+            <a:endParaRPr lang="en-US" altLang="zh-CN" dirty="0"/>
+          </a:p>
+          <a:p>
+            <a:r>
+              <a:rPr lang="en-US" altLang="zh-CN" dirty="0"/>
+              <a:t>{</a:t>
+            </a:r>
+          </a:p>
+          <a:p>
+            <a:r>
               <a:rPr lang="en-US" altLang="zh-CN" dirty="0" smtClean="0"/>
-              <a:t>   TIMAX_DEFINE_PROTOCOL(add</a:t>
-            </a:r>
-            <a:r>
-              <a:rPr lang="en-US" altLang="zh-CN" dirty="0"/>
-              <a:t>, </a:t>
+              <a:t>    return </a:t>
+            </a:r>
+            <a:r>
+              <a:rPr lang="en-US" altLang="zh-CN" b="1" dirty="0"/>
+              <a:t>[</a:t>
+            </a:r>
+            <a:r>
+              <a:rPr lang="en-US" altLang="zh-CN" b="1" dirty="0" err="1"/>
+              <a:t>func</a:t>
+            </a:r>
+            <a:r>
+              <a:rPr lang="en-US" altLang="zh-CN" b="1" dirty="0"/>
+              <a:t> = </a:t>
+            </a:r>
+            <a:r>
+              <a:rPr lang="en-US" altLang="zh-CN" b="1" dirty="0" err="1"/>
+              <a:t>std</a:t>
+            </a:r>
+            <a:r>
+              <a:rPr lang="en-US" altLang="zh-CN" b="1" dirty="0"/>
+              <a:t>::forward&lt;F&gt;(f)](auto&amp;&amp; ... </a:t>
+            </a:r>
+            <a:r>
+              <a:rPr lang="en-US" altLang="zh-CN" b="1" dirty="0" err="1"/>
+              <a:t>args</a:t>
+            </a:r>
+            <a:r>
+              <a:rPr lang="en-US" altLang="zh-CN" b="1" dirty="0" smtClean="0"/>
+              <a:t>)</a:t>
+            </a:r>
+            <a:r>
+              <a:rPr lang="en-US" altLang="zh-CN" dirty="0" smtClean="0"/>
+              <a:t>{ </a:t>
+            </a:r>
+          </a:p>
+          <a:p>
+            <a:r>
+              <a:rPr lang="en-US" altLang="zh-CN" dirty="0" smtClean="0"/>
+              <a:t>        return </a:t>
             </a:r>
             <a:r>
               <a:rPr lang="en-US" altLang="zh-CN" dirty="0" err="1"/>
-              <a:t>int</a:t>
+              <a:t>func</a:t>
             </a:r>
             <a:r>
               <a:rPr lang="en-US" altLang="zh-CN" dirty="0"/>
@@ -21320,64 +21284,50 @@
             </a:r>
             <a:r>
               <a:rPr lang="en-US" altLang="zh-CN" dirty="0" err="1"/>
-              <a:t>int</a:t>
-            </a:r>
-            <a:r>
-              <a:rPr lang="en-US" altLang="zh-CN" dirty="0"/>
-              <a:t>, </a:t>
+              <a:t>std</a:t>
+            </a:r>
+            <a:r>
+              <a:rPr lang="en-US" altLang="zh-CN" dirty="0"/>
+              <a:t>::forward&lt;</a:t>
             </a:r>
             <a:r>
               <a:rPr lang="en-US" altLang="zh-CN" dirty="0" err="1"/>
-              <a:t>int</a:t>
-            </a:r>
-            <a:r>
-              <a:rPr lang="en-US" altLang="zh-CN" dirty="0"/>
-              <a:t>));</a:t>
-            </a:r>
+              <a:t>decltype</a:t>
+            </a:r>
+            <a:r>
+              <a:rPr lang="en-US" altLang="zh-CN" dirty="0"/>
+              <a:t>(</a:t>
+            </a:r>
+            <a:r>
+              <a:rPr lang="en-US" altLang="zh-CN" dirty="0" err="1"/>
+              <a:t>args</a:t>
+            </a:r>
+            <a:r>
+              <a:rPr lang="en-US" altLang="zh-CN" dirty="0"/>
+              <a:t>)&gt;(</a:t>
+            </a:r>
+            <a:r>
+              <a:rPr lang="en-US" altLang="zh-CN" dirty="0" err="1"/>
+              <a:t>args</a:t>
+            </a:r>
+            <a:r>
+              <a:rPr lang="en-US" altLang="zh-CN" dirty="0"/>
+              <a:t>)...); </a:t>
+            </a:r>
+            <a:endParaRPr lang="en-US" altLang="zh-CN" dirty="0" smtClean="0"/>
           </a:p>
           <a:p>
             <a:r>
               <a:rPr lang="en-US" altLang="zh-CN" dirty="0" smtClean="0"/>
+              <a:t>    };</a:t>
+            </a:r>
+            <a:endParaRPr lang="en-US" altLang="zh-CN" dirty="0"/>
+          </a:p>
+          <a:p>
+            <a:r>
+              <a:rPr lang="en-US" altLang="zh-CN" dirty="0"/>
               <a:t>}</a:t>
             </a:r>
-            <a:endParaRPr lang="en-US" altLang="zh-CN" dirty="0"/>
-          </a:p>
-          <a:p>
-            <a:endParaRPr lang="en-US" altLang="zh-CN" dirty="0"/>
-          </a:p>
-          <a:p>
-            <a:r>
-              <a:rPr lang="en-US" altLang="zh-CN" dirty="0" err="1"/>
-              <a:t>asycn_client.call</a:t>
-            </a:r>
-            <a:r>
-              <a:rPr lang="en-US" altLang="zh-CN" dirty="0"/>
-              <a:t>(endpoint, client::add, 3, 5);</a:t>
-            </a:r>
-          </a:p>
-          <a:p>
-            <a:r>
-              <a:rPr lang="en-US" altLang="zh-CN" dirty="0" err="1" smtClean="0"/>
-              <a:t>asycn_client.call</a:t>
-            </a:r>
-            <a:r>
-              <a:rPr lang="en-US" altLang="zh-CN" dirty="0" smtClean="0"/>
-              <a:t>(endpoint</a:t>
-            </a:r>
-            <a:r>
-              <a:rPr lang="en-US" altLang="zh-CN" dirty="0"/>
-              <a:t>, client::add, "test", 5); </a:t>
-            </a:r>
-            <a:r>
-              <a:rPr lang="en-US" altLang="zh-CN" b="1" dirty="0"/>
-              <a:t>//compile error, not matching</a:t>
-            </a:r>
-            <a:endParaRPr lang="en-US" altLang="zh-CN" b="1" dirty="0" smtClean="0"/>
-          </a:p>
-          <a:p>
-            <a:endParaRPr lang="en-US" altLang="zh-CN" dirty="0" smtClean="0"/>
-          </a:p>
-          <a:p>
             <a:endParaRPr lang="zh-CN" altLang="en-US" dirty="0"/>
           </a:p>
         </p:txBody>
@@ -21398,6 +21348,176 @@
 </file>
 
 <file path=ppt/slides/slide38.xml><?xml version="1.0" encoding="utf-8"?>
+<p:sld xmlns:a="http://schemas.openxmlformats.org/drawingml/2006/main" xmlns:r="http://schemas.openxmlformats.org/officeDocument/2006/relationships" xmlns:p="http://schemas.openxmlformats.org/presentationml/2006/main">
+  <p:cSld>
+    <p:spTree>
+      <p:nvGrpSpPr>
+        <p:cNvPr id="1" name=""/>
+        <p:cNvGrpSpPr/>
+        <p:nvPr/>
+      </p:nvGrpSpPr>
+      <p:grpSpPr>
+        <a:xfrm>
+          <a:off x="0" y="0"/>
+          <a:ext cx="0" cy="0"/>
+          <a:chOff x="0" y="0"/>
+          <a:chExt cx="0" cy="0"/>
+        </a:xfrm>
+      </p:grpSpPr>
+      <p:sp>
+        <p:nvSpPr>
+          <p:cNvPr id="2" name="标题 1"/>
+          <p:cNvSpPr>
+            <a:spLocks noGrp="1"/>
+          </p:cNvSpPr>
+          <p:nvPr>
+            <p:ph type="title"/>
+          </p:nvPr>
+        </p:nvSpPr>
+        <p:spPr/>
+        <p:txBody>
+          <a:bodyPr/>
+          <a:lstStyle/>
+          <a:p>
+            <a:r>
+              <a:rPr lang="en-US" altLang="zh-CN" dirty="0"/>
+              <a:t>How to simplify the call code</a:t>
+            </a:r>
+            <a:endParaRPr lang="zh-CN" altLang="en-US" dirty="0"/>
+          </a:p>
+        </p:txBody>
+      </p:sp>
+      <p:sp>
+        <p:nvSpPr>
+          <p:cNvPr id="3" name="文本占位符 2"/>
+          <p:cNvSpPr>
+            <a:spLocks noGrp="1"/>
+          </p:cNvSpPr>
+          <p:nvPr>
+            <p:ph type="body" sz="half" idx="2"/>
+          </p:nvPr>
+        </p:nvSpPr>
+        <p:spPr/>
+        <p:txBody>
+          <a:bodyPr/>
+          <a:lstStyle/>
+          <a:p>
+            <a:r>
+              <a:rPr lang="en-US" altLang="zh-CN" dirty="0" smtClean="0"/>
+              <a:t>namespace </a:t>
+            </a:r>
+            <a:r>
+              <a:rPr lang="en-US" altLang="zh-CN" dirty="0"/>
+              <a:t>client</a:t>
+            </a:r>
+          </a:p>
+          <a:p>
+            <a:r>
+              <a:rPr lang="en-US" altLang="zh-CN" dirty="0"/>
+              <a:t>{</a:t>
+            </a:r>
+          </a:p>
+          <a:p>
+            <a:r>
+              <a:rPr lang="en-US" altLang="zh-CN" dirty="0"/>
+              <a:t> </a:t>
+            </a:r>
+            <a:r>
+              <a:rPr lang="en-US" altLang="zh-CN" dirty="0" smtClean="0"/>
+              <a:t>   TIMAX_DEFINE_PROTOCOL(add</a:t>
+            </a:r>
+            <a:r>
+              <a:rPr lang="en-US" altLang="zh-CN" dirty="0"/>
+              <a:t>, </a:t>
+            </a:r>
+            <a:r>
+              <a:rPr lang="en-US" altLang="zh-CN" dirty="0" err="1"/>
+              <a:t>int</a:t>
+            </a:r>
+            <a:r>
+              <a:rPr lang="en-US" altLang="zh-CN" dirty="0"/>
+              <a:t>(</a:t>
+            </a:r>
+            <a:r>
+              <a:rPr lang="en-US" altLang="zh-CN" dirty="0" err="1"/>
+              <a:t>int</a:t>
+            </a:r>
+            <a:r>
+              <a:rPr lang="en-US" altLang="zh-CN" dirty="0"/>
+              <a:t>, </a:t>
+            </a:r>
+            <a:r>
+              <a:rPr lang="en-US" altLang="zh-CN" dirty="0" err="1"/>
+              <a:t>int</a:t>
+            </a:r>
+            <a:r>
+              <a:rPr lang="en-US" altLang="zh-CN" dirty="0"/>
+              <a:t>));</a:t>
+            </a:r>
+          </a:p>
+          <a:p>
+            <a:r>
+              <a:rPr lang="en-US" altLang="zh-CN" dirty="0" smtClean="0"/>
+              <a:t>}</a:t>
+            </a:r>
+            <a:endParaRPr lang="en-US" altLang="zh-CN" dirty="0"/>
+          </a:p>
+          <a:p>
+            <a:endParaRPr lang="en-US" altLang="zh-CN" dirty="0"/>
+          </a:p>
+          <a:p>
+            <a:r>
+              <a:rPr lang="en-US" altLang="zh-CN" dirty="0" err="1"/>
+              <a:t>asycn_client.call</a:t>
+            </a:r>
+            <a:r>
+              <a:rPr lang="en-US" altLang="zh-CN" dirty="0"/>
+              <a:t>(endpoint, client::add, 3, 5);</a:t>
+            </a:r>
+          </a:p>
+          <a:p>
+            <a:r>
+              <a:rPr lang="en-US" altLang="zh-CN" dirty="0" err="1" smtClean="0"/>
+              <a:t>asycn_client.call</a:t>
+            </a:r>
+            <a:r>
+              <a:rPr lang="en-US" altLang="zh-CN" dirty="0" smtClean="0"/>
+              <a:t>(endpoint</a:t>
+            </a:r>
+            <a:r>
+              <a:rPr lang="en-US" altLang="zh-CN" dirty="0"/>
+              <a:t>, client::add, "test", 5); </a:t>
+            </a:r>
+            <a:r>
+              <a:rPr lang="en-US" altLang="zh-CN" b="1" dirty="0"/>
+              <a:t>//compile error, not matching</a:t>
+            </a:r>
+            <a:endParaRPr lang="en-US" altLang="zh-CN" b="1" dirty="0" smtClean="0"/>
+          </a:p>
+          <a:p>
+            <a:endParaRPr lang="en-US" altLang="zh-CN" dirty="0" smtClean="0"/>
+          </a:p>
+          <a:p>
+            <a:endParaRPr lang="zh-CN" altLang="en-US" dirty="0"/>
+          </a:p>
+        </p:txBody>
+      </p:sp>
+    </p:spTree>
+  </p:cSld>
+  <p:clrMapOvr>
+    <a:masterClrMapping/>
+  </p:clrMapOvr>
+  <p:timing>
+    <p:tnLst>
+      <p:par>
+        <p:cTn id="1" dur="indefinite" restart="never" nodeType="tmRoot"/>
+      </p:par>
+    </p:tnLst>
+  </p:timing>
+</p:sld>
+</file>
+
+<file path=ppt/slides/slide39.xml><?xml version="1.0" encoding="utf-8"?>
 <p:sld xmlns:a="http://schemas.openxmlformats.org/drawingml/2006/main" xmlns:r="http://schemas.openxmlformats.org/officeDocument/2006/relationships" xmlns:p="http://schemas.openxmlformats.org/presentationml/2006/main">
   <p:cSld>
     <p:spTree>
@@ -21530,7 +21650,111 @@
 </p:sld>
 </file>
 
-<file path=ppt/slides/slide39.xml><?xml version="1.0" encoding="utf-8"?>
+<file path=ppt/slides/slide4.xml><?xml version="1.0" encoding="utf-8"?>
+<p:sld xmlns:a="http://schemas.openxmlformats.org/drawingml/2006/main" xmlns:r="http://schemas.openxmlformats.org/officeDocument/2006/relationships" xmlns:p="http://schemas.openxmlformats.org/presentationml/2006/main">
+  <p:cSld>
+    <p:spTree>
+      <p:nvGrpSpPr>
+        <p:cNvPr id="1" name=""/>
+        <p:cNvGrpSpPr/>
+        <p:nvPr/>
+      </p:nvGrpSpPr>
+      <p:grpSpPr>
+        <a:xfrm>
+          <a:off x="0" y="0"/>
+          <a:ext cx="0" cy="0"/>
+          <a:chOff x="0" y="0"/>
+          <a:chExt cx="0" cy="0"/>
+        </a:xfrm>
+      </p:grpSpPr>
+      <p:sp>
+        <p:nvSpPr>
+          <p:cNvPr id="2" name="标题 1"/>
+          <p:cNvSpPr>
+            <a:spLocks noGrp="1"/>
+          </p:cNvSpPr>
+          <p:nvPr>
+            <p:ph type="title"/>
+          </p:nvPr>
+        </p:nvSpPr>
+        <p:spPr/>
+        <p:txBody>
+          <a:bodyPr/>
+          <a:lstStyle/>
+          <a:p>
+            <a:r>
+              <a:rPr lang="en-US" altLang="zh-CN" dirty="0"/>
+              <a:t>Introduction to RPC</a:t>
+            </a:r>
+            <a:endParaRPr lang="zh-CN" altLang="en-US" dirty="0"/>
+          </a:p>
+        </p:txBody>
+      </p:sp>
+      <p:sp>
+        <p:nvSpPr>
+          <p:cNvPr id="3" name="文本占位符 2"/>
+          <p:cNvSpPr>
+            <a:spLocks noGrp="1"/>
+          </p:cNvSpPr>
+          <p:nvPr>
+            <p:ph type="body" sz="half" idx="2"/>
+          </p:nvPr>
+        </p:nvSpPr>
+        <p:spPr/>
+        <p:txBody>
+          <a:bodyPr/>
+          <a:lstStyle/>
+          <a:p>
+            <a:endParaRPr lang="zh-CN" altLang="en-US" dirty="0"/>
+          </a:p>
+        </p:txBody>
+      </p:sp>
+      <p:pic>
+        <p:nvPicPr>
+          <p:cNvPr id="4" name="图片 3"/>
+          <p:cNvPicPr>
+            <a:picLocks noChangeAspect="1"/>
+          </p:cNvPicPr>
+          <p:nvPr/>
+        </p:nvPicPr>
+        <p:blipFill>
+          <a:blip r:embed="rId3">
+            <a:extLst>
+              <a:ext uri="{28A0092B-C50C-407E-A947-70E740481C1C}">
+                <a14:useLocalDpi xmlns:a14="http://schemas.microsoft.com/office/drawing/2010/main" val="0"/>
+              </a:ext>
+            </a:extLst>
+          </a:blip>
+          <a:stretch>
+            <a:fillRect/>
+          </a:stretch>
+        </p:blipFill>
+        <p:spPr>
+          <a:xfrm>
+            <a:off x="600075" y="1543050"/>
+            <a:ext cx="7943850" cy="3771900"/>
+          </a:xfrm>
+          <a:prstGeom prst="rect">
+            <a:avLst/>
+          </a:prstGeom>
+        </p:spPr>
+      </p:pic>
+    </p:spTree>
+  </p:cSld>
+  <p:clrMapOvr>
+    <a:masterClrMapping/>
+  </p:clrMapOvr>
+  <p:timing>
+    <p:tnLst>
+      <p:par>
+        <p:cTn id="1" dur="indefinite" restart="never" nodeType="tmRoot"/>
+      </p:par>
+    </p:tnLst>
+  </p:timing>
+</p:sld>
+</file>
+
+<file path=ppt/slides/slide40.xml><?xml version="1.0" encoding="utf-8"?>
 <p:sld xmlns:a="http://schemas.openxmlformats.org/drawingml/2006/main" xmlns:r="http://schemas.openxmlformats.org/officeDocument/2006/relationships" xmlns:p="http://schemas.openxmlformats.org/presentationml/2006/main">
   <p:cSld>
     <p:spTree>
@@ -22579,234 +22803,6 @@
 </p:sld>
 </file>
 
-<file path=ppt/slides/slide4.xml><?xml version="1.0" encoding="utf-8"?>
-<p:sld xmlns:a="http://schemas.openxmlformats.org/drawingml/2006/main" xmlns:r="http://schemas.openxmlformats.org/officeDocument/2006/relationships" xmlns:p="http://schemas.openxmlformats.org/presentationml/2006/main">
-  <p:cSld>
-    <p:spTree>
-      <p:nvGrpSpPr>
-        <p:cNvPr id="1" name=""/>
-        <p:cNvGrpSpPr/>
-        <p:nvPr/>
-      </p:nvGrpSpPr>
-      <p:grpSpPr>
-        <a:xfrm>
-          <a:off x="0" y="0"/>
-          <a:ext cx="0" cy="0"/>
-          <a:chOff x="0" y="0"/>
-          <a:chExt cx="0" cy="0"/>
-        </a:xfrm>
-      </p:grpSpPr>
-      <p:sp>
-        <p:nvSpPr>
-          <p:cNvPr id="2" name="标题 1"/>
-          <p:cNvSpPr>
-            <a:spLocks noGrp="1"/>
-          </p:cNvSpPr>
-          <p:nvPr>
-            <p:ph type="title"/>
-          </p:nvPr>
-        </p:nvSpPr>
-        <p:spPr/>
-        <p:txBody>
-          <a:bodyPr/>
-          <a:lstStyle/>
-          <a:p>
-            <a:r>
-              <a:rPr lang="en-US" altLang="zh-CN" dirty="0"/>
-              <a:t>Introduction to RPC</a:t>
-            </a:r>
-            <a:endParaRPr lang="zh-CN" altLang="en-US" dirty="0"/>
-          </a:p>
-        </p:txBody>
-      </p:sp>
-      <p:sp>
-        <p:nvSpPr>
-          <p:cNvPr id="3" name="文本占位符 2"/>
-          <p:cNvSpPr>
-            <a:spLocks noGrp="1"/>
-          </p:cNvSpPr>
-          <p:nvPr>
-            <p:ph type="body" sz="half" idx="2"/>
-          </p:nvPr>
-        </p:nvSpPr>
-        <p:spPr/>
-        <p:txBody>
-          <a:bodyPr/>
-          <a:lstStyle/>
-          <a:p>
-            <a:endParaRPr lang="zh-CN" altLang="en-US" dirty="0"/>
-          </a:p>
-        </p:txBody>
-      </p:sp>
-      <p:pic>
-        <p:nvPicPr>
-          <p:cNvPr id="4" name="图片 3"/>
-          <p:cNvPicPr>
-            <a:picLocks noChangeAspect="1"/>
-          </p:cNvPicPr>
-          <p:nvPr/>
-        </p:nvPicPr>
-        <p:blipFill>
-          <a:blip r:embed="rId3">
-            <a:extLst>
-              <a:ext uri="{28A0092B-C50C-407E-A947-70E740481C1C}">
-                <a14:useLocalDpi xmlns:a14="http://schemas.microsoft.com/office/drawing/2010/main" val="0"/>
-              </a:ext>
-            </a:extLst>
-          </a:blip>
-          <a:stretch>
-            <a:fillRect/>
-          </a:stretch>
-        </p:blipFill>
-        <p:spPr>
-          <a:xfrm>
-            <a:off x="600075" y="1543050"/>
-            <a:ext cx="7943850" cy="3771900"/>
-          </a:xfrm>
-          <a:prstGeom prst="rect">
-            <a:avLst/>
-          </a:prstGeom>
-        </p:spPr>
-      </p:pic>
-    </p:spTree>
-  </p:cSld>
-  <p:clrMapOvr>
-    <a:masterClrMapping/>
-  </p:clrMapOvr>
-  <p:timing>
-    <p:tnLst>
-      <p:par>
-        <p:cTn id="1" dur="indefinite" restart="never" nodeType="tmRoot"/>
-      </p:par>
-    </p:tnLst>
-  </p:timing>
-</p:sld>
-</file>
-
-<file path=ppt/slides/slide40.xml><?xml version="1.0" encoding="utf-8"?>
-<p:sld xmlns:a="http://schemas.openxmlformats.org/drawingml/2006/main" xmlns:r="http://schemas.openxmlformats.org/officeDocument/2006/relationships" xmlns:p="http://schemas.openxmlformats.org/presentationml/2006/main">
-  <p:cSld>
-    <p:spTree>
-      <p:nvGrpSpPr>
-        <p:cNvPr id="1" name=""/>
-        <p:cNvGrpSpPr/>
-        <p:nvPr/>
-      </p:nvGrpSpPr>
-      <p:grpSpPr>
-        <a:xfrm>
-          <a:off x="0" y="0"/>
-          <a:ext cx="0" cy="0"/>
-          <a:chOff x="0" y="0"/>
-          <a:chExt cx="0" cy="0"/>
-        </a:xfrm>
-      </p:grpSpPr>
-      <p:sp>
-        <p:nvSpPr>
-          <p:cNvPr id="2" name="标题 1"/>
-          <p:cNvSpPr>
-            <a:spLocks noGrp="1"/>
-          </p:cNvSpPr>
-          <p:nvPr>
-            <p:ph type="title"/>
-          </p:nvPr>
-        </p:nvSpPr>
-        <p:spPr/>
-        <p:txBody>
-          <a:bodyPr/>
-          <a:lstStyle/>
-          <a:p>
-            <a:endParaRPr lang="zh-CN" altLang="en-US"/>
-          </a:p>
-        </p:txBody>
-      </p:sp>
-      <p:sp>
-        <p:nvSpPr>
-          <p:cNvPr id="3" name="文本占位符 2"/>
-          <p:cNvSpPr>
-            <a:spLocks noGrp="1"/>
-          </p:cNvSpPr>
-          <p:nvPr>
-            <p:ph type="body" sz="half" idx="2"/>
-          </p:nvPr>
-        </p:nvSpPr>
-        <p:spPr/>
-        <p:txBody>
-          <a:bodyPr/>
-          <a:lstStyle/>
-          <a:p>
-            <a:endParaRPr lang="zh-CN" altLang="en-US"/>
-          </a:p>
-        </p:txBody>
-      </p:sp>
-      <p:sp>
-        <p:nvSpPr>
-          <p:cNvPr id="4" name="文本框 3"/>
-          <p:cNvSpPr txBox="1"/>
-          <p:nvPr/>
-        </p:nvSpPr>
-        <p:spPr>
-          <a:xfrm>
-            <a:off x="2183130" y="2627630"/>
-            <a:ext cx="4675505" cy="521970"/>
-          </a:xfrm>
-          <a:prstGeom prst="rect">
-            <a:avLst/>
-          </a:prstGeom>
-          <a:noFill/>
-        </p:spPr>
-        <p:txBody>
-          <a:bodyPr wrap="none" rtlCol="0" anchor="t">
-            <a:spAutoFit/>
-          </a:bodyPr>
-          <a:lstStyle/>
-          <a:p>
-            <a:r>
-              <a:rPr lang="en-US" altLang="zh-CN" sz="2800" dirty="0">
-                <a:solidFill>
-                  <a:schemeClr val="accent5"/>
-                </a:solidFill>
-                <a:sym typeface="+mn-ea"/>
-              </a:rPr>
-              <a:t>What </a:t>
-            </a:r>
-            <a:r>
-              <a:rPr lang="en-US" altLang="zh-CN" sz="2800" dirty="0" smtClean="0">
-                <a:solidFill>
-                  <a:schemeClr val="accent5"/>
-                </a:solidFill>
-                <a:sym typeface="+mn-ea"/>
-              </a:rPr>
-              <a:t>can we do </a:t>
-            </a:r>
-            <a:r>
-              <a:rPr lang="en-US" altLang="zh-CN" sz="2800" dirty="0">
-                <a:solidFill>
-                  <a:schemeClr val="accent5"/>
-                </a:solidFill>
-                <a:sym typeface="+mn-ea"/>
-              </a:rPr>
-              <a:t>with </a:t>
-            </a:r>
-            <a:r>
-              <a:rPr lang="en-US" altLang="zh-CN" sz="2800" dirty="0" smtClean="0">
-                <a:solidFill>
-                  <a:schemeClr val="accent5"/>
-                </a:solidFill>
-                <a:sym typeface="+mn-ea"/>
-              </a:rPr>
-              <a:t>rest_rpc?</a:t>
-            </a:r>
-          </a:p>
-        </p:txBody>
-      </p:sp>
-    </p:spTree>
-  </p:cSld>
-  <p:clrMapOvr>
-    <a:masterClrMapping/>
-  </p:clrMapOvr>
-</p:sld>
-</file>
-
 <file path=ppt/slides/slide41.xml><?xml version="1.0" encoding="utf-8"?>
 <p:sld xmlns:a="http://schemas.openxmlformats.org/drawingml/2006/main" xmlns:r="http://schemas.openxmlformats.org/officeDocument/2006/relationships" xmlns:p="http://schemas.openxmlformats.org/presentationml/2006/main">
   <p:cSld>
@@ -22826,6 +22822,130 @@
       </p:grpSpPr>
       <p:sp>
         <p:nvSpPr>
+          <p:cNvPr id="2" name="标题 1"/>
+          <p:cNvSpPr>
+            <a:spLocks noGrp="1"/>
+          </p:cNvSpPr>
+          <p:nvPr>
+            <p:ph type="title"/>
+          </p:nvPr>
+        </p:nvSpPr>
+        <p:spPr/>
+        <p:txBody>
+          <a:bodyPr/>
+          <a:lstStyle/>
+          <a:p>
+            <a:endParaRPr lang="zh-CN" altLang="en-US"/>
+          </a:p>
+        </p:txBody>
+      </p:sp>
+      <p:sp>
+        <p:nvSpPr>
+          <p:cNvPr id="3" name="文本占位符 2"/>
+          <p:cNvSpPr>
+            <a:spLocks noGrp="1"/>
+          </p:cNvSpPr>
+          <p:nvPr>
+            <p:ph type="body" sz="half" idx="2"/>
+          </p:nvPr>
+        </p:nvSpPr>
+        <p:spPr/>
+        <p:txBody>
+          <a:bodyPr/>
+          <a:lstStyle/>
+          <a:p>
+            <a:endParaRPr lang="zh-CN" altLang="en-US"/>
+          </a:p>
+        </p:txBody>
+      </p:sp>
+      <p:sp>
+        <p:nvSpPr>
+          <p:cNvPr id="4" name="文本框 3"/>
+          <p:cNvSpPr txBox="1"/>
+          <p:nvPr/>
+        </p:nvSpPr>
+        <p:spPr>
+          <a:xfrm>
+            <a:off x="2183130" y="2627630"/>
+            <a:ext cx="4675505" cy="521970"/>
+          </a:xfrm>
+          <a:prstGeom prst="rect">
+            <a:avLst/>
+          </a:prstGeom>
+          <a:noFill/>
+        </p:spPr>
+        <p:txBody>
+          <a:bodyPr wrap="none" rtlCol="0" anchor="t">
+            <a:spAutoFit/>
+          </a:bodyPr>
+          <a:lstStyle/>
+          <a:p>
+            <a:r>
+              <a:rPr lang="en-US" altLang="zh-CN" sz="2800" dirty="0">
+                <a:solidFill>
+                  <a:schemeClr val="accent5"/>
+                </a:solidFill>
+                <a:sym typeface="+mn-ea"/>
+              </a:rPr>
+              <a:t>What </a:t>
+            </a:r>
+            <a:r>
+              <a:rPr lang="en-US" altLang="zh-CN" sz="2800" dirty="0" smtClean="0">
+                <a:solidFill>
+                  <a:schemeClr val="accent5"/>
+                </a:solidFill>
+                <a:sym typeface="+mn-ea"/>
+              </a:rPr>
+              <a:t>can we do </a:t>
+            </a:r>
+            <a:r>
+              <a:rPr lang="en-US" altLang="zh-CN" sz="2800" dirty="0">
+                <a:solidFill>
+                  <a:schemeClr val="accent5"/>
+                </a:solidFill>
+                <a:sym typeface="+mn-ea"/>
+              </a:rPr>
+              <a:t>with </a:t>
+            </a:r>
+            <a:r>
+              <a:rPr lang="en-US" altLang="zh-CN" sz="2800" dirty="0" smtClean="0">
+                <a:solidFill>
+                  <a:schemeClr val="accent5"/>
+                </a:solidFill>
+                <a:sym typeface="+mn-ea"/>
+              </a:rPr>
+              <a:t>rest_rpc?</a:t>
+            </a:r>
+          </a:p>
+        </p:txBody>
+      </p:sp>
+    </p:spTree>
+  </p:cSld>
+  <p:clrMapOvr>
+    <a:masterClrMapping/>
+  </p:clrMapOvr>
+</p:sld>
+</file>
+
+<file path=ppt/slides/slide42.xml><?xml version="1.0" encoding="utf-8"?>
+<p:sld xmlns:a="http://schemas.openxmlformats.org/drawingml/2006/main" xmlns:r="http://schemas.openxmlformats.org/officeDocument/2006/relationships" xmlns:p="http://schemas.openxmlformats.org/presentationml/2006/main">
+  <p:cSld>
+    <p:spTree>
+      <p:nvGrpSpPr>
+        <p:cNvPr id="1" name=""/>
+        <p:cNvGrpSpPr/>
+        <p:nvPr/>
+      </p:nvGrpSpPr>
+      <p:grpSpPr>
+        <a:xfrm>
+          <a:off x="0" y="0"/>
+          <a:ext cx="0" cy="0"/>
+          <a:chOff x="0" y="0"/>
+          <a:chExt cx="0" cy="0"/>
+        </a:xfrm>
+      </p:grpSpPr>
+      <p:sp>
+        <p:nvSpPr>
           <p:cNvPr id="2" name="Title 1"/>
           <p:cNvSpPr>
             <a:spLocks noGrp="1"/>
@@ -22969,7 +23089,7 @@
 </p:sld>
 </file>
 
-<file path=ppt/slides/slide42.xml><?xml version="1.0" encoding="utf-8"?>
+<file path=ppt/slides/slide43.xml><?xml version="1.0" encoding="utf-8"?>
 <p:sld xmlns:a="http://schemas.openxmlformats.org/drawingml/2006/main" xmlns:r="http://schemas.openxmlformats.org/officeDocument/2006/relationships" xmlns:p="http://schemas.openxmlformats.org/presentationml/2006/main">
   <p:cSld>
     <p:spTree>
@@ -23073,7 +23193,7 @@
 </p:sld>
 </file>
 
-<file path=ppt/slides/slide43.xml><?xml version="1.0" encoding="utf-8"?>
+<file path=ppt/slides/slide44.xml><?xml version="1.0" encoding="utf-8"?>
 <p:sld xmlns:a="http://schemas.openxmlformats.org/drawingml/2006/main" xmlns:r="http://schemas.openxmlformats.org/officeDocument/2006/relationships" xmlns:p="http://schemas.openxmlformats.org/presentationml/2006/main">
   <p:cSld>
     <p:spTree>
@@ -23545,7 +23665,7 @@
 </p:sld>
 </file>
 
-<file path=ppt/slides/slide44.xml><?xml version="1.0" encoding="utf-8"?>
+<file path=ppt/slides/slide45.xml><?xml version="1.0" encoding="utf-8"?>
 <p:sld xmlns:a="http://schemas.openxmlformats.org/drawingml/2006/main" xmlns:r="http://schemas.openxmlformats.org/officeDocument/2006/relationships" xmlns:p="http://schemas.openxmlformats.org/presentationml/2006/main">
   <p:cSld>
     <p:spTree>
@@ -24333,7 +24453,7 @@
 </p:sld>
 </file>
 
-<file path=ppt/slides/slide45.xml><?xml version="1.0" encoding="utf-8"?>
+<file path=ppt/slides/slide46.xml><?xml version="1.0" encoding="utf-8"?>
 <p:sld xmlns:a="http://schemas.openxmlformats.org/drawingml/2006/main" xmlns:r="http://schemas.openxmlformats.org/officeDocument/2006/relationships" xmlns:p="http://schemas.openxmlformats.org/presentationml/2006/main">
   <p:cSld>
     <p:spTree>
@@ -24477,7 +24597,7 @@
 </p:sld>
 </file>
 
-<file path=ppt/slides/slide46.xml><?xml version="1.0" encoding="utf-8"?>
+<file path=ppt/slides/slide47.xml><?xml version="1.0" encoding="utf-8"?>
 <p:sld xmlns:a="http://schemas.openxmlformats.org/drawingml/2006/main" xmlns:r="http://schemas.openxmlformats.org/officeDocument/2006/relationships" xmlns:p="http://schemas.openxmlformats.org/presentationml/2006/main">
   <p:cSld>
     <p:spTree>
@@ -24609,8 +24729,8 @@
           <a:lstStyle/>
           <a:p>
             <a:r>
-              <a:rPr lang="en-US" altLang="zh-CN" dirty="0" smtClean="0"/>
-              <a:t>Outline</a:t>
+              <a:rPr lang="en-US" altLang="zh-CN" dirty="0"/>
+              <a:t>Introduction to RPC</a:t>
             </a:r>
             <a:endParaRPr lang="zh-CN" altLang="en-US" dirty="0"/>
           </a:p>
@@ -24631,87 +24751,44 @@
           <a:bodyPr/>
           <a:lstStyle/>
           <a:p>
-            <a:r>
-              <a:rPr lang="en-US" altLang="zh-CN" dirty="0"/>
-              <a:t>1.Introduction to RPC</a:t>
-            </a:r>
-          </a:p>
-          <a:p>
-            <a:endParaRPr lang="en-US" altLang="zh-CN" dirty="0"/>
-          </a:p>
-          <a:p>
-            <a:r>
-              <a:rPr lang="en-US" altLang="zh-CN" sz="1800" dirty="0">
-                <a:solidFill>
-                  <a:schemeClr val="accent5"/>
-                </a:solidFill>
-              </a:rPr>
-              <a:t>2.What is </a:t>
-            </a:r>
-            <a:r>
-              <a:rPr lang="en-US" altLang="zh-CN" sz="1800" dirty="0" err="1" smtClean="0">
-                <a:solidFill>
-                  <a:schemeClr val="accent5"/>
-                </a:solidFill>
-              </a:rPr>
-              <a:t>rest_rpc</a:t>
-            </a:r>
-            <a:r>
-              <a:rPr lang="en-US" altLang="zh-CN" sz="1800" dirty="0" smtClean="0">
-                <a:solidFill>
-                  <a:schemeClr val="accent5"/>
-                </a:solidFill>
-              </a:rPr>
-              <a:t>?</a:t>
-            </a:r>
-            <a:endParaRPr lang="en-US" altLang="zh-CN" sz="1800" dirty="0">
-              <a:solidFill>
-                <a:schemeClr val="accent5"/>
-              </a:solidFill>
-            </a:endParaRPr>
-          </a:p>
-          <a:p>
-            <a:endParaRPr lang="en-US" altLang="zh-CN" dirty="0"/>
-          </a:p>
-          <a:p>
-            <a:r>
-              <a:rPr lang="en-US" altLang="zh-CN" dirty="0" smtClean="0"/>
-              <a:t>3.Ease </a:t>
-            </a:r>
-            <a:r>
-              <a:rPr lang="en-US" altLang="zh-CN" dirty="0"/>
-              <a:t>of use challenges</a:t>
-            </a:r>
-          </a:p>
-          <a:p>
-            <a:endParaRPr lang="en-US" altLang="zh-CN" dirty="0"/>
-          </a:p>
-          <a:p>
-            <a:r>
-              <a:rPr lang="en-US" altLang="zh-CN" dirty="0"/>
-              <a:t>4.Key technologies</a:t>
-            </a:r>
-          </a:p>
-          <a:p>
-            <a:endParaRPr lang="en-US" altLang="zh-CN" dirty="0"/>
-          </a:p>
-          <a:p>
-            <a:endParaRPr lang="zh-CN" altLang="en-US" dirty="0"/>
-          </a:p>
-        </p:txBody>
-      </p:sp>
+            <a:endParaRPr lang="zh-CN" altLang="en-US"/>
+          </a:p>
+        </p:txBody>
+      </p:sp>
+      <p:pic>
+        <p:nvPicPr>
+          <p:cNvPr id="4" name="图片 3"/>
+          <p:cNvPicPr>
+            <a:picLocks noChangeAspect="1"/>
+          </p:cNvPicPr>
+          <p:nvPr/>
+        </p:nvPicPr>
+        <p:blipFill>
+          <a:blip r:embed="rId2"/>
+          <a:stretch>
+            <a:fillRect/>
+          </a:stretch>
+        </p:blipFill>
+        <p:spPr>
+          <a:xfrm>
+            <a:off x="1151279" y="2097437"/>
+            <a:ext cx="7076535" cy="3017223"/>
+          </a:xfrm>
+          <a:prstGeom prst="rect">
+            <a:avLst/>
+          </a:prstGeom>
+        </p:spPr>
+      </p:pic>
     </p:spTree>
+    <p:extLst>
+      <p:ext uri="{BB962C8B-B14F-4D97-AF65-F5344CB8AC3E}">
+        <p14:creationId xmlns:p14="http://schemas.microsoft.com/office/powerpoint/2010/main" val="898869425"/>
+      </p:ext>
+    </p:extLst>
   </p:cSld>
   <p:clrMapOvr>
     <a:masterClrMapping/>
   </p:clrMapOvr>
-  <p:timing>
-    <p:tnLst>
-      <p:par>
-        <p:cTn id="1" dur="indefinite" restart="never" nodeType="tmRoot"/>
-      </p:par>
-    </p:tnLst>
-  </p:timing>
 </p:sld>
 </file>
 
@@ -24748,12 +24825,8 @@
           <a:lstStyle/>
           <a:p>
             <a:r>
-              <a:rPr lang="en-US" altLang="zh-CN" dirty="0"/>
-              <a:t>What is </a:t>
-            </a:r>
-            <a:r>
-              <a:rPr lang="en-US" altLang="zh-CN" dirty="0" err="1"/>
-              <a:t>rest_rpc</a:t>
+              <a:rPr lang="en-US" altLang="zh-CN" dirty="0" smtClean="0"/>
+              <a:t>Outline</a:t>
             </a:r>
             <a:endParaRPr lang="zh-CN" altLang="en-US" dirty="0"/>
           </a:p>
@@ -24775,273 +24848,70 @@
           <a:lstStyle/>
           <a:p>
             <a:r>
-              <a:rPr lang="en-US" altLang="zh-CN" b="1" dirty="0" smtClean="0"/>
-              <a:t>server code:</a:t>
-            </a:r>
-          </a:p>
-          <a:p>
-            <a:r>
-              <a:rPr lang="en-US" altLang="zh-CN" i="1" dirty="0" smtClean="0">
+              <a:rPr lang="en-US" altLang="zh-CN" dirty="0"/>
+              <a:t>1.Introduction to RPC</a:t>
+            </a:r>
+          </a:p>
+          <a:p>
+            <a:endParaRPr lang="en-US" altLang="zh-CN" dirty="0"/>
+          </a:p>
+          <a:p>
+            <a:r>
+              <a:rPr lang="en-US" altLang="zh-CN" sz="1800" dirty="0">
                 <a:solidFill>
-                  <a:schemeClr val="accent1">
-                    <a:lumMod val="75000"/>
-                  </a:schemeClr>
+                  <a:schemeClr val="accent5"/>
                 </a:solidFill>
               </a:rPr>
-              <a:t>//business logic</a:t>
-            </a:r>
-          </a:p>
-          <a:p>
-            <a:r>
-              <a:rPr lang="en-US" altLang="zh-CN" dirty="0" err="1"/>
-              <a:t>int</a:t>
-            </a:r>
-            <a:r>
-              <a:rPr lang="en-US" altLang="zh-CN" dirty="0"/>
-              <a:t> add(</a:t>
-            </a:r>
-            <a:r>
-              <a:rPr lang="en-US" altLang="zh-CN" dirty="0" err="1"/>
-              <a:t>int</a:t>
-            </a:r>
-            <a:r>
-              <a:rPr lang="en-US" altLang="zh-CN" dirty="0"/>
-              <a:t> a, </a:t>
-            </a:r>
-            <a:r>
-              <a:rPr lang="en-US" altLang="zh-CN" dirty="0" err="1"/>
-              <a:t>int</a:t>
-            </a:r>
-            <a:r>
-              <a:rPr lang="en-US" altLang="zh-CN" dirty="0"/>
-              <a:t> b</a:t>
-            </a:r>
-            <a:r>
-              <a:rPr lang="en-US" altLang="zh-CN" dirty="0" smtClean="0"/>
-              <a:t>) { return </a:t>
-            </a:r>
-            <a:r>
-              <a:rPr lang="en-US" altLang="zh-CN" dirty="0"/>
-              <a:t>a + b</a:t>
-            </a:r>
-            <a:r>
-              <a:rPr lang="en-US" altLang="zh-CN" dirty="0" smtClean="0"/>
-              <a:t>; }</a:t>
-            </a:r>
-          </a:p>
-          <a:p>
-            <a:endParaRPr lang="en-US" altLang="zh-CN" dirty="0" smtClean="0"/>
-          </a:p>
-          <a:p>
-            <a:r>
-              <a:rPr lang="en-US" altLang="zh-CN" dirty="0" err="1"/>
-              <a:t>int</a:t>
-            </a:r>
-            <a:r>
-              <a:rPr lang="en-US" altLang="zh-CN" dirty="0"/>
-              <a:t> main()</a:t>
-            </a:r>
-          </a:p>
-          <a:p>
-            <a:r>
-              <a:rPr lang="en-US" altLang="zh-CN" dirty="0" smtClean="0"/>
-              <a:t>{</a:t>
-            </a:r>
-          </a:p>
-          <a:p>
-            <a:r>
-              <a:rPr lang="en-US" altLang="zh-CN" dirty="0" smtClean="0"/>
-              <a:t>    using </a:t>
-            </a:r>
-            <a:r>
-              <a:rPr lang="en-US" altLang="zh-CN" dirty="0" err="1"/>
-              <a:t>server_t</a:t>
-            </a:r>
-            <a:r>
-              <a:rPr lang="en-US" altLang="zh-CN" dirty="0"/>
-              <a:t> = </a:t>
-            </a:r>
-            <a:r>
-              <a:rPr lang="en-US" altLang="zh-CN" dirty="0" err="1" smtClean="0"/>
-              <a:t>rpc</a:t>
-            </a:r>
-            <a:r>
-              <a:rPr lang="en-US" altLang="zh-CN" dirty="0"/>
-              <a:t>::</a:t>
-            </a:r>
-            <a:r>
-              <a:rPr lang="en-US" altLang="zh-CN" dirty="0" smtClean="0"/>
-              <a:t>server&lt;</a:t>
-            </a:r>
-            <a:r>
-              <a:rPr lang="en-US" altLang="zh-CN" dirty="0" err="1" smtClean="0"/>
-              <a:t>rpc</a:t>
-            </a:r>
-            <a:r>
-              <a:rPr lang="en-US" altLang="zh-CN" dirty="0"/>
-              <a:t>::</a:t>
-            </a:r>
-            <a:r>
-              <a:rPr lang="en-US" altLang="zh-CN" dirty="0" err="1"/>
-              <a:t>msgpack_codec</a:t>
-            </a:r>
-            <a:r>
-              <a:rPr lang="en-US" altLang="zh-CN" dirty="0" smtClean="0"/>
-              <a:t>&gt;;</a:t>
-            </a:r>
-            <a:r>
-              <a:rPr lang="en-US" altLang="zh-CN" i="1" dirty="0">
+              <a:t>2.What is </a:t>
+            </a:r>
+            <a:r>
+              <a:rPr lang="en-US" altLang="zh-CN" sz="1800" dirty="0" err="1" smtClean="0">
                 <a:solidFill>
-                  <a:schemeClr val="accent1">
-                    <a:lumMod val="75000"/>
-                  </a:schemeClr>
+                  <a:schemeClr val="accent5"/>
                 </a:solidFill>
               </a:rPr>
-              <a:t> </a:t>
-            </a:r>
-            <a:r>
-              <a:rPr lang="en-US" altLang="zh-CN" i="1" dirty="0" smtClean="0">
+              <a:t>rest_rpc</a:t>
+            </a:r>
+            <a:r>
+              <a:rPr lang="en-US" altLang="zh-CN" sz="1800" dirty="0" smtClean="0">
                 <a:solidFill>
-                  <a:schemeClr val="accent1">
-                    <a:lumMod val="75000"/>
-                  </a:schemeClr>
+                  <a:schemeClr val="accent5"/>
                 </a:solidFill>
               </a:rPr>
-              <a:t>  //define </a:t>
-            </a:r>
-            <a:r>
-              <a:rPr lang="en-US" altLang="zh-CN" i="1" dirty="0">
-                <a:solidFill>
-                  <a:schemeClr val="accent1">
-                    <a:lumMod val="75000"/>
-                  </a:schemeClr>
-                </a:solidFill>
-              </a:rPr>
-              <a:t>serialization policy</a:t>
-            </a:r>
-            <a:endParaRPr lang="en-US" altLang="zh-CN" dirty="0"/>
-          </a:p>
-          <a:p>
-            <a:r>
-              <a:rPr lang="en-US" altLang="zh-CN" dirty="0"/>
-              <a:t> </a:t>
-            </a:r>
-            <a:r>
-              <a:rPr lang="en-US" altLang="zh-CN" dirty="0" smtClean="0"/>
-              <a:t>   </a:t>
-            </a:r>
-            <a:r>
-              <a:rPr lang="en-US" altLang="zh-CN" dirty="0" err="1" smtClean="0"/>
-              <a:t>server_t</a:t>
-            </a:r>
-            <a:r>
-              <a:rPr lang="en-US" altLang="zh-CN" dirty="0" smtClean="0"/>
-              <a:t> </a:t>
-            </a:r>
-            <a:r>
-              <a:rPr lang="en-US" altLang="zh-CN" dirty="0"/>
-              <a:t>server{ port, </a:t>
-            </a:r>
-            <a:r>
-              <a:rPr lang="en-US" altLang="zh-CN" dirty="0" err="1"/>
-              <a:t>pool_size</a:t>
-            </a:r>
-            <a:r>
-              <a:rPr lang="en-US" altLang="zh-CN" dirty="0"/>
-              <a:t>, </a:t>
-            </a:r>
-            <a:r>
-              <a:rPr lang="en-US" altLang="zh-CN" dirty="0" err="1"/>
-              <a:t>std</a:t>
-            </a:r>
-            <a:r>
-              <a:rPr lang="en-US" altLang="zh-CN" dirty="0"/>
-              <a:t>::</a:t>
-            </a:r>
-            <a:r>
-              <a:rPr lang="en-US" altLang="zh-CN" dirty="0" err="1"/>
-              <a:t>chrono</a:t>
-            </a:r>
-            <a:r>
-              <a:rPr lang="en-US" altLang="zh-CN" dirty="0"/>
-              <a:t>::seconds{ 2 } </a:t>
-            </a:r>
-            <a:r>
-              <a:rPr lang="en-US" altLang="zh-CN" dirty="0" smtClean="0"/>
-              <a:t>};</a:t>
-            </a:r>
-          </a:p>
-          <a:p>
-            <a:endParaRPr lang="zh-CN" altLang="en-US" dirty="0"/>
-          </a:p>
-          <a:p>
-            <a:r>
-              <a:rPr lang="en-US" altLang="zh-CN" dirty="0"/>
-              <a:t> </a:t>
-            </a:r>
-            <a:r>
-              <a:rPr lang="en-US" altLang="zh-CN" dirty="0" smtClean="0"/>
-              <a:t>   </a:t>
-            </a:r>
-            <a:r>
-              <a:rPr lang="en-US" altLang="zh-CN" b="1" dirty="0" err="1" smtClean="0"/>
-              <a:t>server.register_handler</a:t>
-            </a:r>
-            <a:r>
-              <a:rPr lang="en-US" altLang="zh-CN" b="1" dirty="0" smtClean="0"/>
-              <a:t>("add</a:t>
-            </a:r>
-            <a:r>
-              <a:rPr lang="en-US" altLang="zh-CN" b="1" dirty="0"/>
-              <a:t>", </a:t>
-            </a:r>
-            <a:r>
-              <a:rPr lang="en-US" altLang="zh-CN" b="1" dirty="0" smtClean="0"/>
-              <a:t>add);    </a:t>
-            </a:r>
-            <a:r>
-              <a:rPr lang="en-US" altLang="zh-CN" i="1" dirty="0" smtClean="0">
-                <a:solidFill>
-                  <a:schemeClr val="accent1">
-                    <a:lumMod val="75000"/>
-                  </a:schemeClr>
-                </a:solidFill>
-              </a:rPr>
-              <a:t>//register business handler</a:t>
-            </a:r>
-          </a:p>
-          <a:p>
-            <a:endParaRPr lang="en-US" altLang="zh-CN" i="1" dirty="0" smtClean="0">
+              <a:t>?</a:t>
+            </a:r>
+            <a:endParaRPr lang="en-US" altLang="zh-CN" sz="1800" dirty="0">
               <a:solidFill>
-                <a:schemeClr val="accent1">
-                  <a:lumMod val="75000"/>
-                </a:schemeClr>
+                <a:schemeClr val="accent5"/>
               </a:solidFill>
             </a:endParaRPr>
           </a:p>
           <a:p>
-            <a:r>
-              <a:rPr lang="en-US" altLang="zh-CN" dirty="0"/>
-              <a:t> </a:t>
-            </a:r>
+            <a:endParaRPr lang="en-US" altLang="zh-CN" dirty="0"/>
+          </a:p>
+          <a:p>
             <a:r>
               <a:rPr lang="en-US" altLang="zh-CN" dirty="0" smtClean="0"/>
-              <a:t>   </a:t>
-            </a:r>
-            <a:r>
-              <a:rPr lang="en-US" altLang="zh-CN" dirty="0" err="1" smtClean="0"/>
-              <a:t>server.start</a:t>
-            </a:r>
-            <a:r>
-              <a:rPr lang="en-US" altLang="zh-CN" dirty="0" smtClean="0"/>
-              <a:t>();</a:t>
-            </a:r>
-          </a:p>
-          <a:p>
-            <a:r>
-              <a:rPr lang="en-US" altLang="zh-CN" dirty="0" smtClean="0"/>
-              <a:t>}</a:t>
-            </a:r>
+              <a:t>3.Ease </a:t>
+            </a:r>
+            <a:r>
+              <a:rPr lang="en-US" altLang="zh-CN" dirty="0"/>
+              <a:t>of use challenges</a:t>
+            </a:r>
+          </a:p>
+          <a:p>
+            <a:endParaRPr lang="en-US" altLang="zh-CN" dirty="0"/>
+          </a:p>
+          <a:p>
+            <a:r>
+              <a:rPr lang="en-US" altLang="zh-CN" dirty="0"/>
+              <a:t>4.Key technologies</a:t>
+            </a:r>
+          </a:p>
+          <a:p>
+            <a:endParaRPr lang="en-US" altLang="zh-CN" dirty="0"/>
+          </a:p>
+          <a:p>
             <a:endParaRPr lang="zh-CN" altLang="en-US" dirty="0"/>
           </a:p>
         </p:txBody>
@@ -25062,6 +24932,352 @@
 </file>
 
 <file path=ppt/slides/slide7.xml><?xml version="1.0" encoding="utf-8"?>
+<p:sld xmlns:a="http://schemas.openxmlformats.org/drawingml/2006/main" xmlns:r="http://schemas.openxmlformats.org/officeDocument/2006/relationships" xmlns:p="http://schemas.openxmlformats.org/presentationml/2006/main">
+  <p:cSld>
+    <p:spTree>
+      <p:nvGrpSpPr>
+        <p:cNvPr id="1" name=""/>
+        <p:cNvGrpSpPr/>
+        <p:nvPr/>
+      </p:nvGrpSpPr>
+      <p:grpSpPr>
+        <a:xfrm>
+          <a:off x="0" y="0"/>
+          <a:ext cx="0" cy="0"/>
+          <a:chOff x="0" y="0"/>
+          <a:chExt cx="0" cy="0"/>
+        </a:xfrm>
+      </p:grpSpPr>
+      <p:sp>
+        <p:nvSpPr>
+          <p:cNvPr id="2" name="标题 1"/>
+          <p:cNvSpPr>
+            <a:spLocks noGrp="1"/>
+          </p:cNvSpPr>
+          <p:nvPr>
+            <p:ph type="title"/>
+          </p:nvPr>
+        </p:nvSpPr>
+        <p:spPr/>
+        <p:txBody>
+          <a:bodyPr/>
+          <a:lstStyle/>
+          <a:p>
+            <a:r>
+              <a:rPr lang="en-US" altLang="zh-CN" dirty="0"/>
+              <a:t>What is </a:t>
+            </a:r>
+            <a:r>
+              <a:rPr lang="en-US" altLang="zh-CN" dirty="0" err="1"/>
+              <a:t>rest_rpc</a:t>
+            </a:r>
+            <a:endParaRPr lang="zh-CN" altLang="en-US" dirty="0"/>
+          </a:p>
+        </p:txBody>
+      </p:sp>
+      <p:sp>
+        <p:nvSpPr>
+          <p:cNvPr id="3" name="文本占位符 2"/>
+          <p:cNvSpPr>
+            <a:spLocks noGrp="1"/>
+          </p:cNvSpPr>
+          <p:nvPr>
+            <p:ph type="body" sz="half" idx="2"/>
+          </p:nvPr>
+        </p:nvSpPr>
+        <p:spPr/>
+        <p:txBody>
+          <a:bodyPr/>
+          <a:lstStyle/>
+          <a:p>
+            <a:r>
+              <a:rPr lang="en-US" altLang="zh-CN" b="1" dirty="0" smtClean="0"/>
+              <a:t>server code:</a:t>
+            </a:r>
+          </a:p>
+          <a:p>
+            <a:r>
+              <a:rPr lang="en-US" altLang="zh-CN" i="1" dirty="0" smtClean="0">
+                <a:solidFill>
+                  <a:schemeClr val="accent1">
+                    <a:lumMod val="75000"/>
+                  </a:schemeClr>
+                </a:solidFill>
+              </a:rPr>
+              <a:t>//business logic</a:t>
+            </a:r>
+          </a:p>
+          <a:p>
+            <a:r>
+              <a:rPr lang="en-US" altLang="zh-CN" dirty="0" err="1"/>
+              <a:t>int</a:t>
+            </a:r>
+            <a:r>
+              <a:rPr lang="en-US" altLang="zh-CN" dirty="0"/>
+              <a:t> add(</a:t>
+            </a:r>
+            <a:r>
+              <a:rPr lang="en-US" altLang="zh-CN" dirty="0" err="1"/>
+              <a:t>int</a:t>
+            </a:r>
+            <a:r>
+              <a:rPr lang="en-US" altLang="zh-CN" dirty="0"/>
+              <a:t> a, </a:t>
+            </a:r>
+            <a:r>
+              <a:rPr lang="en-US" altLang="zh-CN" dirty="0" err="1"/>
+              <a:t>int</a:t>
+            </a:r>
+            <a:r>
+              <a:rPr lang="en-US" altLang="zh-CN" dirty="0"/>
+              <a:t> b</a:t>
+            </a:r>
+            <a:r>
+              <a:rPr lang="en-US" altLang="zh-CN" dirty="0" smtClean="0"/>
+              <a:t>) { return </a:t>
+            </a:r>
+            <a:r>
+              <a:rPr lang="en-US" altLang="zh-CN" dirty="0"/>
+              <a:t>a + b</a:t>
+            </a:r>
+            <a:r>
+              <a:rPr lang="en-US" altLang="zh-CN" dirty="0" smtClean="0"/>
+              <a:t>; }</a:t>
+            </a:r>
+          </a:p>
+          <a:p>
+            <a:endParaRPr lang="en-US" altLang="zh-CN" dirty="0" smtClean="0"/>
+          </a:p>
+          <a:p>
+            <a:r>
+              <a:rPr lang="en-US" altLang="zh-CN" dirty="0" err="1"/>
+              <a:t>int</a:t>
+            </a:r>
+            <a:r>
+              <a:rPr lang="en-US" altLang="zh-CN" dirty="0"/>
+              <a:t> main()</a:t>
+            </a:r>
+          </a:p>
+          <a:p>
+            <a:r>
+              <a:rPr lang="en-US" altLang="zh-CN" dirty="0" smtClean="0"/>
+              <a:t>{</a:t>
+            </a:r>
+          </a:p>
+          <a:p>
+            <a:r>
+              <a:rPr lang="en-US" altLang="zh-CN" dirty="0" smtClean="0"/>
+              <a:t>    using </a:t>
+            </a:r>
+            <a:r>
+              <a:rPr lang="en-US" altLang="zh-CN" dirty="0" err="1"/>
+              <a:t>server_t</a:t>
+            </a:r>
+            <a:r>
+              <a:rPr lang="en-US" altLang="zh-CN" dirty="0"/>
+              <a:t> = </a:t>
+            </a:r>
+            <a:r>
+              <a:rPr lang="en-US" altLang="zh-CN" dirty="0" err="1" smtClean="0"/>
+              <a:t>rpc</a:t>
+            </a:r>
+            <a:r>
+              <a:rPr lang="en-US" altLang="zh-CN" dirty="0"/>
+              <a:t>::</a:t>
+            </a:r>
+            <a:r>
+              <a:rPr lang="en-US" altLang="zh-CN" dirty="0" smtClean="0"/>
+              <a:t>server&lt;</a:t>
+            </a:r>
+            <a:r>
+              <a:rPr lang="en-US" altLang="zh-CN" dirty="0" err="1" smtClean="0"/>
+              <a:t>rpc</a:t>
+            </a:r>
+            <a:r>
+              <a:rPr lang="en-US" altLang="zh-CN" dirty="0"/>
+              <a:t>::</a:t>
+            </a:r>
+            <a:r>
+              <a:rPr lang="en-US" altLang="zh-CN" dirty="0" err="1"/>
+              <a:t>msgpack_codec</a:t>
+            </a:r>
+            <a:r>
+              <a:rPr lang="en-US" altLang="zh-CN" dirty="0" smtClean="0"/>
+              <a:t>&gt;;</a:t>
+            </a:r>
+            <a:r>
+              <a:rPr lang="en-US" altLang="zh-CN" i="1" dirty="0">
+                <a:solidFill>
+                  <a:schemeClr val="accent1">
+                    <a:lumMod val="75000"/>
+                  </a:schemeClr>
+                </a:solidFill>
+              </a:rPr>
+              <a:t> </a:t>
+            </a:r>
+            <a:r>
+              <a:rPr lang="en-US" altLang="zh-CN" i="1" dirty="0" smtClean="0">
+                <a:solidFill>
+                  <a:schemeClr val="accent1">
+                    <a:lumMod val="75000"/>
+                  </a:schemeClr>
+                </a:solidFill>
+              </a:rPr>
+              <a:t>  //define </a:t>
+            </a:r>
+            <a:r>
+              <a:rPr lang="en-US" altLang="zh-CN" i="1" dirty="0">
+                <a:solidFill>
+                  <a:schemeClr val="accent1">
+                    <a:lumMod val="75000"/>
+                  </a:schemeClr>
+                </a:solidFill>
+              </a:rPr>
+              <a:t>serialization policy</a:t>
+            </a:r>
+            <a:endParaRPr lang="en-US" altLang="zh-CN" dirty="0"/>
+          </a:p>
+          <a:p>
+            <a:r>
+              <a:rPr lang="en-US" altLang="zh-CN" dirty="0"/>
+              <a:t> </a:t>
+            </a:r>
+            <a:r>
+              <a:rPr lang="en-US" altLang="zh-CN" dirty="0" smtClean="0"/>
+              <a:t>   </a:t>
+            </a:r>
+            <a:r>
+              <a:rPr lang="en-US" altLang="zh-CN" dirty="0" err="1" smtClean="0"/>
+              <a:t>server_t</a:t>
+            </a:r>
+            <a:r>
+              <a:rPr lang="en-US" altLang="zh-CN" dirty="0" smtClean="0"/>
+              <a:t> </a:t>
+            </a:r>
+            <a:r>
+              <a:rPr lang="en-US" altLang="zh-CN" dirty="0"/>
+              <a:t>server{ port, </a:t>
+            </a:r>
+            <a:r>
+              <a:rPr lang="en-US" altLang="zh-CN" dirty="0" err="1"/>
+              <a:t>pool_size</a:t>
+            </a:r>
+            <a:r>
+              <a:rPr lang="en-US" altLang="zh-CN" dirty="0"/>
+              <a:t>, </a:t>
+            </a:r>
+            <a:r>
+              <a:rPr lang="en-US" altLang="zh-CN" dirty="0" err="1"/>
+              <a:t>std</a:t>
+            </a:r>
+            <a:r>
+              <a:rPr lang="en-US" altLang="zh-CN" dirty="0"/>
+              <a:t>::</a:t>
+            </a:r>
+            <a:r>
+              <a:rPr lang="en-US" altLang="zh-CN" dirty="0" err="1"/>
+              <a:t>chrono</a:t>
+            </a:r>
+            <a:r>
+              <a:rPr lang="en-US" altLang="zh-CN" dirty="0"/>
+              <a:t>::seconds{ 2 } </a:t>
+            </a:r>
+            <a:r>
+              <a:rPr lang="en-US" altLang="zh-CN" dirty="0" smtClean="0"/>
+              <a:t>};</a:t>
+            </a:r>
+          </a:p>
+          <a:p>
+            <a:endParaRPr lang="zh-CN" altLang="en-US" dirty="0"/>
+          </a:p>
+          <a:p>
+            <a:r>
+              <a:rPr lang="en-US" altLang="zh-CN" dirty="0"/>
+              <a:t> </a:t>
+            </a:r>
+            <a:r>
+              <a:rPr lang="en-US" altLang="zh-CN" dirty="0" smtClean="0"/>
+              <a:t>   </a:t>
+            </a:r>
+            <a:r>
+              <a:rPr lang="en-US" altLang="zh-CN" b="1" dirty="0" err="1" smtClean="0"/>
+              <a:t>server.register_handler</a:t>
+            </a:r>
+            <a:r>
+              <a:rPr lang="en-US" altLang="zh-CN" b="1" dirty="0" smtClean="0"/>
+              <a:t>("add</a:t>
+            </a:r>
+            <a:r>
+              <a:rPr lang="en-US" altLang="zh-CN" b="1" dirty="0"/>
+              <a:t>", </a:t>
+            </a:r>
+            <a:r>
+              <a:rPr lang="en-US" altLang="zh-CN" b="1" dirty="0" smtClean="0"/>
+              <a:t>add);    </a:t>
+            </a:r>
+            <a:r>
+              <a:rPr lang="en-US" altLang="zh-CN" i="1" dirty="0" smtClean="0">
+                <a:solidFill>
+                  <a:schemeClr val="accent1">
+                    <a:lumMod val="75000"/>
+                  </a:schemeClr>
+                </a:solidFill>
+              </a:rPr>
+              <a:t>//register business handler</a:t>
+            </a:r>
+          </a:p>
+          <a:p>
+            <a:endParaRPr lang="en-US" altLang="zh-CN" i="1" dirty="0" smtClean="0">
+              <a:solidFill>
+                <a:schemeClr val="accent1">
+                  <a:lumMod val="75000"/>
+                </a:schemeClr>
+              </a:solidFill>
+            </a:endParaRPr>
+          </a:p>
+          <a:p>
+            <a:r>
+              <a:rPr lang="en-US" altLang="zh-CN" dirty="0"/>
+              <a:t> </a:t>
+            </a:r>
+            <a:r>
+              <a:rPr lang="en-US" altLang="zh-CN" dirty="0" smtClean="0"/>
+              <a:t>   </a:t>
+            </a:r>
+            <a:r>
+              <a:rPr lang="en-US" altLang="zh-CN" dirty="0" err="1" smtClean="0"/>
+              <a:t>server.start</a:t>
+            </a:r>
+            <a:r>
+              <a:rPr lang="en-US" altLang="zh-CN" dirty="0" smtClean="0"/>
+              <a:t>();</a:t>
+            </a:r>
+          </a:p>
+          <a:p>
+            <a:r>
+              <a:rPr lang="en-US" altLang="zh-CN" dirty="0" smtClean="0"/>
+              <a:t>}</a:t>
+            </a:r>
+            <a:endParaRPr lang="zh-CN" altLang="en-US" dirty="0"/>
+          </a:p>
+        </p:txBody>
+      </p:sp>
+    </p:spTree>
+  </p:cSld>
+  <p:clrMapOvr>
+    <a:masterClrMapping/>
+  </p:clrMapOvr>
+  <p:timing>
+    <p:tnLst>
+      <p:par>
+        <p:cTn id="1" dur="indefinite" restart="never" nodeType="tmRoot"/>
+      </p:par>
+    </p:tnLst>
+  </p:timing>
+</p:sld>
+</file>
+
+<file path=ppt/slides/slide8.xml><?xml version="1.0" encoding="utf-8"?>
 <p:sld xmlns:a="http://schemas.openxmlformats.org/drawingml/2006/main" xmlns:r="http://schemas.openxmlformats.org/officeDocument/2006/relationships" xmlns:p="http://schemas.openxmlformats.org/presentationml/2006/main">
   <p:cSld>
     <p:spTree>
@@ -25335,7 +25551,7 @@
 </p:sld>
 </file>
 
-<file path=ppt/slides/slide8.xml><?xml version="1.0" encoding="utf-8"?>
+<file path=ppt/slides/slide9.xml><?xml version="1.0" encoding="utf-8"?>
 <p:sld xmlns:a="http://schemas.openxmlformats.org/drawingml/2006/main" xmlns:r="http://schemas.openxmlformats.org/officeDocument/2006/relationships" xmlns:p="http://schemas.openxmlformats.org/presentationml/2006/main">
   <p:cSld>
     <p:spTree>
@@ -25995,125 +26211,6 @@
             </p:seq>
           </p:childTnLst>
         </p:cTn>
-      </p:par>
-    </p:tnLst>
-  </p:timing>
-</p:sld>
-</file>
-
-<file path=ppt/slides/slide9.xml><?xml version="1.0" encoding="utf-8"?>
-<p:sld xmlns:a="http://schemas.openxmlformats.org/drawingml/2006/main" xmlns:r="http://schemas.openxmlformats.org/officeDocument/2006/relationships" xmlns:p="http://schemas.openxmlformats.org/presentationml/2006/main">
-  <p:cSld>
-    <p:spTree>
-      <p:nvGrpSpPr>
-        <p:cNvPr id="1" name=""/>
-        <p:cNvGrpSpPr/>
-        <p:nvPr/>
-      </p:nvGrpSpPr>
-      <p:grpSpPr>
-        <a:xfrm>
-          <a:off x="0" y="0"/>
-          <a:ext cx="0" cy="0"/>
-          <a:chOff x="0" y="0"/>
-          <a:chExt cx="0" cy="0"/>
-        </a:xfrm>
-      </p:grpSpPr>
-      <p:sp>
-        <p:nvSpPr>
-          <p:cNvPr id="2" name="标题 1"/>
-          <p:cNvSpPr>
-            <a:spLocks noGrp="1"/>
-          </p:cNvSpPr>
-          <p:nvPr>
-            <p:ph type="title"/>
-          </p:nvPr>
-        </p:nvSpPr>
-        <p:spPr/>
-        <p:txBody>
-          <a:bodyPr/>
-          <a:lstStyle/>
-          <a:p>
-            <a:r>
-              <a:rPr lang="en-US" altLang="zh-CN" dirty="0" smtClean="0"/>
-              <a:t>Outline</a:t>
-            </a:r>
-            <a:endParaRPr lang="zh-CN" altLang="en-US" dirty="0"/>
-          </a:p>
-        </p:txBody>
-      </p:sp>
-      <p:sp>
-        <p:nvSpPr>
-          <p:cNvPr id="3" name="文本占位符 2"/>
-          <p:cNvSpPr>
-            <a:spLocks noGrp="1"/>
-          </p:cNvSpPr>
-          <p:nvPr>
-            <p:ph type="body" sz="half" idx="2"/>
-          </p:nvPr>
-        </p:nvSpPr>
-        <p:spPr/>
-        <p:txBody>
-          <a:bodyPr/>
-          <a:lstStyle/>
-          <a:p>
-            <a:r>
-              <a:rPr lang="en-US" altLang="zh-CN" dirty="0"/>
-              <a:t>1.Introduction to RPC</a:t>
-            </a:r>
-          </a:p>
-          <a:p>
-            <a:endParaRPr lang="en-US" altLang="zh-CN" dirty="0"/>
-          </a:p>
-          <a:p>
-            <a:r>
-              <a:rPr lang="en-US" altLang="zh-CN" dirty="0"/>
-              <a:t>2.What is </a:t>
-            </a:r>
-            <a:r>
-              <a:rPr lang="en-US" altLang="zh-CN" dirty="0" err="1"/>
-              <a:t>rest_rpc</a:t>
-            </a:r>
-            <a:endParaRPr lang="en-US" altLang="zh-CN" dirty="0"/>
-          </a:p>
-          <a:p>
-            <a:endParaRPr lang="en-US" altLang="zh-CN" dirty="0"/>
-          </a:p>
-          <a:p>
-            <a:r>
-              <a:rPr lang="en-US" altLang="zh-CN" sz="1800" dirty="0">
-                <a:solidFill>
-                  <a:schemeClr val="accent5"/>
-                </a:solidFill>
-              </a:rPr>
-              <a:t>3.Ease of use challenges</a:t>
-            </a:r>
-          </a:p>
-          <a:p>
-            <a:endParaRPr lang="en-US" altLang="zh-CN" dirty="0"/>
-          </a:p>
-          <a:p>
-            <a:r>
-              <a:rPr lang="en-US" altLang="zh-CN" dirty="0"/>
-              <a:t>4.Key technologies</a:t>
-            </a:r>
-          </a:p>
-          <a:p>
-            <a:endParaRPr lang="en-US" altLang="zh-CN" dirty="0"/>
-          </a:p>
-          <a:p>
-            <a:endParaRPr lang="zh-CN" altLang="en-US" dirty="0"/>
-          </a:p>
-        </p:txBody>
-      </p:sp>
-    </p:spTree>
-  </p:cSld>
-  <p:clrMapOvr>
-    <a:masterClrMapping/>
-  </p:clrMapOvr>
-  <p:timing>
-    <p:tnLst>
-      <p:par>
-        <p:cTn id="1" dur="indefinite" restart="never" nodeType="tmRoot"/>
       </p:par>
     </p:tnLst>
   </p:timing>

--- a/An easy to use RPC framework implemented by c++11 and c++14 - shorter.pptx
+++ b/An easy to use RPC framework implemented by c++11 and c++14 - shorter.pptx
@@ -22,8 +22,8 @@
     <p:sldId id="367" r:id="rId10"/>
     <p:sldId id="323" r:id="rId11"/>
     <p:sldId id="269" r:id="rId12"/>
-    <p:sldId id="343" r:id="rId13"/>
-    <p:sldId id="357" r:id="rId14"/>
+    <p:sldId id="357" r:id="rId13"/>
+    <p:sldId id="343" r:id="rId14"/>
     <p:sldId id="277" r:id="rId15"/>
     <p:sldId id="278" r:id="rId16"/>
     <p:sldId id="350" r:id="rId17"/>
@@ -859,7 +859,7 @@
           <a:p>
             <a:fld id="{D907BE37-B124-4F9F-8F7E-44B90AC375A6}" type="slidenum">
               <a:rPr lang="zh-CN" altLang="en-US" smtClean="0"/>
-              <a:t>13</a:t>
+              <a:t>12</a:t>
             </a:fld>
             <a:endParaRPr lang="zh-CN" altLang="en-US"/>
           </a:p>
@@ -6583,6 +6583,141 @@
           <a:lstStyle/>
           <a:p>
             <a:r>
+              <a:rPr lang="en-US" altLang="zh-CN" dirty="0" smtClean="0"/>
+              <a:t>Outline</a:t>
+            </a:r>
+            <a:endParaRPr lang="zh-CN" altLang="en-US" dirty="0"/>
+          </a:p>
+        </p:txBody>
+      </p:sp>
+      <p:sp>
+        <p:nvSpPr>
+          <p:cNvPr id="3" name="文本占位符 2"/>
+          <p:cNvSpPr>
+            <a:spLocks noGrp="1"/>
+          </p:cNvSpPr>
+          <p:nvPr>
+            <p:ph type="body" sz="half" idx="2"/>
+          </p:nvPr>
+        </p:nvSpPr>
+        <p:spPr/>
+        <p:txBody>
+          <a:bodyPr/>
+          <a:lstStyle/>
+          <a:p>
+            <a:r>
+              <a:rPr lang="en-US" altLang="zh-CN" dirty="0"/>
+              <a:t>1.Introduction to RPC</a:t>
+            </a:r>
+          </a:p>
+          <a:p>
+            <a:endParaRPr lang="en-US" altLang="zh-CN" dirty="0"/>
+          </a:p>
+          <a:p>
+            <a:r>
+              <a:rPr lang="en-US" altLang="zh-CN" dirty="0"/>
+              <a:t>2.What is </a:t>
+            </a:r>
+            <a:r>
+              <a:rPr lang="en-US" altLang="zh-CN" dirty="0" err="1" smtClean="0"/>
+              <a:t>rest_rpc</a:t>
+            </a:r>
+            <a:r>
+              <a:rPr lang="en-US" altLang="zh-CN" dirty="0" smtClean="0"/>
+              <a:t>?</a:t>
+            </a:r>
+            <a:endParaRPr lang="en-US" altLang="zh-CN" dirty="0"/>
+          </a:p>
+          <a:p>
+            <a:endParaRPr lang="en-US" altLang="zh-CN" dirty="0"/>
+          </a:p>
+          <a:p>
+            <a:r>
+              <a:rPr lang="en-US" altLang="zh-CN" dirty="0"/>
+              <a:t>3.Ease of use challenges</a:t>
+            </a:r>
+          </a:p>
+          <a:p>
+            <a:endParaRPr lang="en-US" altLang="zh-CN" dirty="0"/>
+          </a:p>
+          <a:p>
+            <a:r>
+              <a:rPr lang="en-US" altLang="zh-CN" sz="1800" dirty="0">
+                <a:solidFill>
+                  <a:schemeClr val="accent5"/>
+                </a:solidFill>
+              </a:rPr>
+              <a:t>4.Key technologies</a:t>
+            </a:r>
+          </a:p>
+          <a:p>
+            <a:endParaRPr lang="en-US" altLang="zh-CN" dirty="0"/>
+          </a:p>
+          <a:p>
+            <a:r>
+              <a:rPr lang="en-US" altLang="zh-CN" dirty="0" smtClean="0"/>
+              <a:t>5.What can you </a:t>
+            </a:r>
+            <a:r>
+              <a:rPr lang="en-US" altLang="zh-CN" dirty="0"/>
+              <a:t>do with </a:t>
+            </a:r>
+            <a:r>
+              <a:rPr lang="en-US" altLang="zh-CN" dirty="0" smtClean="0"/>
+              <a:t>it?</a:t>
+            </a:r>
+            <a:endParaRPr lang="zh-CN" altLang="en-US" dirty="0"/>
+          </a:p>
+        </p:txBody>
+      </p:sp>
+    </p:spTree>
+  </p:cSld>
+  <p:clrMapOvr>
+    <a:masterClrMapping/>
+  </p:clrMapOvr>
+  <p:timing>
+    <p:tnLst>
+      <p:par>
+        <p:cTn id="1" dur="indefinite" restart="never" nodeType="tmRoot"/>
+      </p:par>
+    </p:tnLst>
+  </p:timing>
+</p:sld>
+</file>
+
+<file path=ppt/slides/slide13.xml><?xml version="1.0" encoding="utf-8"?>
+<p:sld xmlns:a="http://schemas.openxmlformats.org/drawingml/2006/main" xmlns:r="http://schemas.openxmlformats.org/officeDocument/2006/relationships" xmlns:p="http://schemas.openxmlformats.org/presentationml/2006/main">
+  <p:cSld>
+    <p:spTree>
+      <p:nvGrpSpPr>
+        <p:cNvPr id="1" name=""/>
+        <p:cNvGrpSpPr/>
+        <p:nvPr/>
+      </p:nvGrpSpPr>
+      <p:grpSpPr>
+        <a:xfrm>
+          <a:off x="0" y="0"/>
+          <a:ext cx="0" cy="0"/>
+          <a:chOff x="0" y="0"/>
+          <a:chExt cx="0" cy="0"/>
+        </a:xfrm>
+      </p:grpSpPr>
+      <p:sp>
+        <p:nvSpPr>
+          <p:cNvPr id="2" name="标题 1"/>
+          <p:cNvSpPr>
+            <a:spLocks noGrp="1"/>
+          </p:cNvSpPr>
+          <p:nvPr>
+            <p:ph type="title"/>
+          </p:nvPr>
+        </p:nvSpPr>
+        <p:spPr/>
+        <p:txBody>
+          <a:bodyPr/>
+          <a:lstStyle/>
+          <a:p>
+            <a:r>
               <a:rPr lang="en-US" altLang="zh-CN" dirty="0"/>
               <a:t>Challenges</a:t>
             </a:r>
@@ -6901,141 +7036,6 @@
             </p:seq>
           </p:childTnLst>
         </p:cTn>
-      </p:par>
-    </p:tnLst>
-  </p:timing>
-</p:sld>
-</file>
-
-<file path=ppt/slides/slide13.xml><?xml version="1.0" encoding="utf-8"?>
-<p:sld xmlns:a="http://schemas.openxmlformats.org/drawingml/2006/main" xmlns:r="http://schemas.openxmlformats.org/officeDocument/2006/relationships" xmlns:p="http://schemas.openxmlformats.org/presentationml/2006/main">
-  <p:cSld>
-    <p:spTree>
-      <p:nvGrpSpPr>
-        <p:cNvPr id="1" name=""/>
-        <p:cNvGrpSpPr/>
-        <p:nvPr/>
-      </p:nvGrpSpPr>
-      <p:grpSpPr>
-        <a:xfrm>
-          <a:off x="0" y="0"/>
-          <a:ext cx="0" cy="0"/>
-          <a:chOff x="0" y="0"/>
-          <a:chExt cx="0" cy="0"/>
-        </a:xfrm>
-      </p:grpSpPr>
-      <p:sp>
-        <p:nvSpPr>
-          <p:cNvPr id="2" name="标题 1"/>
-          <p:cNvSpPr>
-            <a:spLocks noGrp="1"/>
-          </p:cNvSpPr>
-          <p:nvPr>
-            <p:ph type="title"/>
-          </p:nvPr>
-        </p:nvSpPr>
-        <p:spPr/>
-        <p:txBody>
-          <a:bodyPr/>
-          <a:lstStyle/>
-          <a:p>
-            <a:r>
-              <a:rPr lang="en-US" altLang="zh-CN" dirty="0" smtClean="0"/>
-              <a:t>Outline</a:t>
-            </a:r>
-            <a:endParaRPr lang="zh-CN" altLang="en-US" dirty="0"/>
-          </a:p>
-        </p:txBody>
-      </p:sp>
-      <p:sp>
-        <p:nvSpPr>
-          <p:cNvPr id="3" name="文本占位符 2"/>
-          <p:cNvSpPr>
-            <a:spLocks noGrp="1"/>
-          </p:cNvSpPr>
-          <p:nvPr>
-            <p:ph type="body" sz="half" idx="2"/>
-          </p:nvPr>
-        </p:nvSpPr>
-        <p:spPr/>
-        <p:txBody>
-          <a:bodyPr/>
-          <a:lstStyle/>
-          <a:p>
-            <a:r>
-              <a:rPr lang="en-US" altLang="zh-CN" dirty="0"/>
-              <a:t>1.Introduction to RPC</a:t>
-            </a:r>
-          </a:p>
-          <a:p>
-            <a:endParaRPr lang="en-US" altLang="zh-CN" dirty="0"/>
-          </a:p>
-          <a:p>
-            <a:r>
-              <a:rPr lang="en-US" altLang="zh-CN" dirty="0"/>
-              <a:t>2.What is </a:t>
-            </a:r>
-            <a:r>
-              <a:rPr lang="en-US" altLang="zh-CN" dirty="0" err="1" smtClean="0"/>
-              <a:t>rest_rpc</a:t>
-            </a:r>
-            <a:r>
-              <a:rPr lang="en-US" altLang="zh-CN" dirty="0" smtClean="0"/>
-              <a:t>?</a:t>
-            </a:r>
-            <a:endParaRPr lang="en-US" altLang="zh-CN" dirty="0"/>
-          </a:p>
-          <a:p>
-            <a:endParaRPr lang="en-US" altLang="zh-CN" dirty="0"/>
-          </a:p>
-          <a:p>
-            <a:r>
-              <a:rPr lang="en-US" altLang="zh-CN" dirty="0"/>
-              <a:t>3.Ease of use challenges</a:t>
-            </a:r>
-          </a:p>
-          <a:p>
-            <a:endParaRPr lang="en-US" altLang="zh-CN" dirty="0"/>
-          </a:p>
-          <a:p>
-            <a:r>
-              <a:rPr lang="en-US" altLang="zh-CN" sz="1800" dirty="0">
-                <a:solidFill>
-                  <a:schemeClr val="accent5"/>
-                </a:solidFill>
-              </a:rPr>
-              <a:t>4.Key technologies</a:t>
-            </a:r>
-          </a:p>
-          <a:p>
-            <a:endParaRPr lang="en-US" altLang="zh-CN" dirty="0"/>
-          </a:p>
-          <a:p>
-            <a:r>
-              <a:rPr lang="en-US" altLang="zh-CN" dirty="0" smtClean="0"/>
-              <a:t>5.What can you </a:t>
-            </a:r>
-            <a:r>
-              <a:rPr lang="en-US" altLang="zh-CN" dirty="0"/>
-              <a:t>do with </a:t>
-            </a:r>
-            <a:r>
-              <a:rPr lang="en-US" altLang="zh-CN" dirty="0" smtClean="0"/>
-              <a:t>it?</a:t>
-            </a:r>
-            <a:endParaRPr lang="zh-CN" altLang="en-US" dirty="0"/>
-          </a:p>
-        </p:txBody>
-      </p:sp>
-    </p:spTree>
-  </p:cSld>
-  <p:clrMapOvr>
-    <a:masterClrMapping/>
-  </p:clrMapOvr>
-  <p:timing>
-    <p:tnLst>
-      <p:par>
-        <p:cTn id="1" dur="indefinite" restart="never" nodeType="tmRoot"/>
       </p:par>
     </p:tnLst>
   </p:timing>

--- a/An easy to use RPC framework implemented by c++11 and c++14 - shorter.pptx
+++ b/An easy to use RPC framework implemented by c++11 and c++14 - shorter.pptx
@@ -14,43 +14,43 @@
     <p:sldId id="256" r:id="rId2"/>
     <p:sldId id="257" r:id="rId3"/>
     <p:sldId id="265" r:id="rId4"/>
-    <p:sldId id="320" r:id="rId5"/>
-    <p:sldId id="413" r:id="rId6"/>
-    <p:sldId id="258" r:id="rId7"/>
-    <p:sldId id="322" r:id="rId8"/>
-    <p:sldId id="268" r:id="rId9"/>
-    <p:sldId id="367" r:id="rId10"/>
-    <p:sldId id="323" r:id="rId11"/>
-    <p:sldId id="269" r:id="rId12"/>
-    <p:sldId id="357" r:id="rId13"/>
-    <p:sldId id="343" r:id="rId14"/>
-    <p:sldId id="277" r:id="rId15"/>
-    <p:sldId id="278" r:id="rId16"/>
-    <p:sldId id="350" r:id="rId17"/>
-    <p:sldId id="351" r:id="rId18"/>
-    <p:sldId id="279" r:id="rId19"/>
-    <p:sldId id="352" r:id="rId20"/>
-    <p:sldId id="280" r:id="rId21"/>
-    <p:sldId id="324" r:id="rId22"/>
-    <p:sldId id="353" r:id="rId23"/>
-    <p:sldId id="281" r:id="rId24"/>
-    <p:sldId id="412" r:id="rId25"/>
-    <p:sldId id="326" r:id="rId26"/>
-    <p:sldId id="282" r:id="rId27"/>
-    <p:sldId id="328" r:id="rId28"/>
-    <p:sldId id="345" r:id="rId29"/>
-    <p:sldId id="365" r:id="rId30"/>
-    <p:sldId id="332" r:id="rId31"/>
-    <p:sldId id="330" r:id="rId32"/>
-    <p:sldId id="331" r:id="rId33"/>
-    <p:sldId id="358" r:id="rId34"/>
-    <p:sldId id="347" r:id="rId35"/>
-    <p:sldId id="346" r:id="rId36"/>
-    <p:sldId id="299" r:id="rId37"/>
-    <p:sldId id="333" r:id="rId38"/>
-    <p:sldId id="307" r:id="rId39"/>
-    <p:sldId id="348" r:id="rId40"/>
-    <p:sldId id="308" r:id="rId41"/>
+    <p:sldId id="413" r:id="rId5"/>
+    <p:sldId id="258" r:id="rId6"/>
+    <p:sldId id="322" r:id="rId7"/>
+    <p:sldId id="268" r:id="rId8"/>
+    <p:sldId id="367" r:id="rId9"/>
+    <p:sldId id="323" r:id="rId10"/>
+    <p:sldId id="269" r:id="rId11"/>
+    <p:sldId id="357" r:id="rId12"/>
+    <p:sldId id="343" r:id="rId13"/>
+    <p:sldId id="277" r:id="rId14"/>
+    <p:sldId id="278" r:id="rId15"/>
+    <p:sldId id="350" r:id="rId16"/>
+    <p:sldId id="351" r:id="rId17"/>
+    <p:sldId id="279" r:id="rId18"/>
+    <p:sldId id="352" r:id="rId19"/>
+    <p:sldId id="280" r:id="rId20"/>
+    <p:sldId id="324" r:id="rId21"/>
+    <p:sldId id="353" r:id="rId22"/>
+    <p:sldId id="281" r:id="rId23"/>
+    <p:sldId id="412" r:id="rId24"/>
+    <p:sldId id="326" r:id="rId25"/>
+    <p:sldId id="282" r:id="rId26"/>
+    <p:sldId id="328" r:id="rId27"/>
+    <p:sldId id="345" r:id="rId28"/>
+    <p:sldId id="365" r:id="rId29"/>
+    <p:sldId id="332" r:id="rId30"/>
+    <p:sldId id="330" r:id="rId31"/>
+    <p:sldId id="331" r:id="rId32"/>
+    <p:sldId id="358" r:id="rId33"/>
+    <p:sldId id="347" r:id="rId34"/>
+    <p:sldId id="346" r:id="rId35"/>
+    <p:sldId id="307" r:id="rId36"/>
+    <p:sldId id="415" r:id="rId37"/>
+    <p:sldId id="348" r:id="rId38"/>
+    <p:sldId id="308" r:id="rId39"/>
+    <p:sldId id="299" r:id="rId40"/>
+    <p:sldId id="333" r:id="rId41"/>
     <p:sldId id="411" r:id="rId42"/>
     <p:sldId id="301" r:id="rId43"/>
     <p:sldId id="349" r:id="rId44"/>
@@ -257,6 +257,7 @@
           <a:p>
             <a:fld id="{0F9B84EA-7D68-4D60-9CB1-D50884785D1C}" type="datetimeFigureOut">
               <a:rPr lang="zh-CN" altLang="en-US" smtClean="0"/>
+              <a:pPr/>
               <a:t>2017-05-09</a:t>
             </a:fld>
             <a:endParaRPr lang="zh-CN" altLang="en-US"/>
@@ -323,6 +324,7 @@
           <a:p>
             <a:fld id="{8D4E0FC9-F1F8-4FAE-9988-3BA365CFD46F}" type="slidenum">
               <a:rPr lang="zh-CN" altLang="en-US" smtClean="0"/>
+              <a:pPr/>
               <a:t>‹#›</a:t>
             </a:fld>
             <a:endParaRPr lang="zh-CN" altLang="en-US"/>
@@ -422,6 +424,7 @@
           <a:p>
             <a:fld id="{D3663233-B32B-4AC3-A591-4171AB65348A}" type="datetimeFigureOut">
               <a:rPr lang="zh-CN" altLang="en-US" smtClean="0"/>
+              <a:pPr/>
               <a:t>2017-05-09</a:t>
             </a:fld>
             <a:endParaRPr lang="zh-CN" altLang="en-US"/>
@@ -581,6 +584,7 @@
           <a:p>
             <a:fld id="{D907BE37-B124-4F9F-8F7E-44B90AC375A6}" type="slidenum">
               <a:rPr lang="zh-CN" altLang="en-US" smtClean="0"/>
+              <a:pPr/>
               <a:t>‹#›</a:t>
             </a:fld>
             <a:endParaRPr lang="zh-CN" altLang="en-US"/>
@@ -755,6 +759,7 @@
           <a:p>
             <a:fld id="{D907BE37-B124-4F9F-8F7E-44B90AC375A6}" type="slidenum">
               <a:rPr lang="zh-CN" altLang="en-US" smtClean="0"/>
+              <a:pPr/>
               <a:t>1</a:t>
             </a:fld>
             <a:endParaRPr lang="zh-CN" altLang="en-US"/>
@@ -818,27 +823,7 @@
           <a:bodyPr/>
           <a:lstStyle/>
           <a:p>
-            <a:pPr marL="0" marR="0" indent="0" algn="l" defTabSz="914400" rtl="0" eaLnBrk="1" fontAlgn="auto" latinLnBrk="0" hangingPunct="1">
-              <a:lnSpc>
-                <a:spcPct val="100000"/>
-              </a:lnSpc>
-              <a:spcBef>
-                <a:spcPts val="0"/>
-              </a:spcBef>
-              <a:spcAft>
-                <a:spcPts val="0"/>
-              </a:spcAft>
-              <a:buClrTx/>
-              <a:buSzTx/>
-              <a:buFontTx/>
-              <a:buNone/>
-              <a:defRPr/>
-            </a:pPr>
-            <a:endParaRPr lang="en-US" altLang="zh-CN" sz="1200" dirty="0" smtClean="0">
-              <a:solidFill>
-                <a:schemeClr val="accent5"/>
-              </a:solidFill>
-            </a:endParaRPr>
+            <a:endParaRPr lang="zh-CN" altLang="en-US" dirty="0"/>
           </a:p>
         </p:txBody>
       </p:sp>
@@ -859,7 +844,8 @@
           <a:p>
             <a:fld id="{D907BE37-B124-4F9F-8F7E-44B90AC375A6}" type="slidenum">
               <a:rPr lang="zh-CN" altLang="en-US" smtClean="0"/>
-              <a:t>12</a:t>
+              <a:pPr/>
+              <a:t>13</a:t>
             </a:fld>
             <a:endParaRPr lang="zh-CN" altLang="en-US"/>
           </a:p>
@@ -868,7 +854,7 @@
     </p:spTree>
     <p:extLst>
       <p:ext uri="{BB962C8B-B14F-4D97-AF65-F5344CB8AC3E}">
-        <p14:creationId xmlns:p14="http://schemas.microsoft.com/office/powerpoint/2010/main" val="3582929935"/>
+        <p14:creationId xmlns:p14="http://schemas.microsoft.com/office/powerpoint/2010/main" val="2190763783"/>
       </p:ext>
     </p:extLst>
   </p:cSld>
@@ -922,7 +908,7 @@
           <a:bodyPr/>
           <a:lstStyle/>
           <a:p>
-            <a:endParaRPr lang="zh-CN" altLang="en-US" dirty="0"/>
+            <a:endParaRPr lang="en-US" altLang="zh-CN" dirty="0" smtClean="0"/>
           </a:p>
         </p:txBody>
       </p:sp>
@@ -943,6 +929,7 @@
           <a:p>
             <a:fld id="{D907BE37-B124-4F9F-8F7E-44B90AC375A6}" type="slidenum">
               <a:rPr lang="zh-CN" altLang="en-US" smtClean="0"/>
+              <a:pPr/>
               <a:t>14</a:t>
             </a:fld>
             <a:endParaRPr lang="zh-CN" altLang="en-US"/>
@@ -952,7 +939,7 @@
     </p:spTree>
     <p:extLst>
       <p:ext uri="{BB962C8B-B14F-4D97-AF65-F5344CB8AC3E}">
-        <p14:creationId xmlns:p14="http://schemas.microsoft.com/office/powerpoint/2010/main" val="2190763783"/>
+        <p14:creationId xmlns:p14="http://schemas.microsoft.com/office/powerpoint/2010/main" val="3105185053"/>
       </p:ext>
     </p:extLst>
   </p:cSld>
@@ -1006,7 +993,7 @@
           <a:bodyPr/>
           <a:lstStyle/>
           <a:p>
-            <a:endParaRPr lang="en-US" altLang="zh-CN" dirty="0" smtClean="0"/>
+            <a:endParaRPr lang="zh-CN" altLang="en-US" dirty="0"/>
           </a:p>
         </p:txBody>
       </p:sp>
@@ -1027,7 +1014,8 @@
           <a:p>
             <a:fld id="{D907BE37-B124-4F9F-8F7E-44B90AC375A6}" type="slidenum">
               <a:rPr lang="zh-CN" altLang="en-US" smtClean="0"/>
-              <a:t>15</a:t>
+              <a:pPr/>
+              <a:t>17</a:t>
             </a:fld>
             <a:endParaRPr lang="zh-CN" altLang="en-US"/>
           </a:p>
@@ -1036,7 +1024,7 @@
     </p:spTree>
     <p:extLst>
       <p:ext uri="{BB962C8B-B14F-4D97-AF65-F5344CB8AC3E}">
-        <p14:creationId xmlns:p14="http://schemas.microsoft.com/office/powerpoint/2010/main" val="3105185053"/>
+        <p14:creationId xmlns:p14="http://schemas.microsoft.com/office/powerpoint/2010/main" val="3590515712"/>
       </p:ext>
     </p:extLst>
   </p:cSld>
@@ -1111,7 +1099,8 @@
           <a:p>
             <a:fld id="{D907BE37-B124-4F9F-8F7E-44B90AC375A6}" type="slidenum">
               <a:rPr lang="zh-CN" altLang="en-US" smtClean="0"/>
-              <a:t>18</a:t>
+              <a:pPr/>
+              <a:t>19</a:t>
             </a:fld>
             <a:endParaRPr lang="zh-CN" altLang="en-US"/>
           </a:p>
@@ -1120,7 +1109,7 @@
     </p:spTree>
     <p:extLst>
       <p:ext uri="{BB962C8B-B14F-4D97-AF65-F5344CB8AC3E}">
-        <p14:creationId xmlns:p14="http://schemas.microsoft.com/office/powerpoint/2010/main" val="3590515712"/>
+        <p14:creationId xmlns:p14="http://schemas.microsoft.com/office/powerpoint/2010/main" val="340329517"/>
       </p:ext>
     </p:extLst>
   </p:cSld>
@@ -1195,6 +1184,7 @@
           <a:p>
             <a:fld id="{D907BE37-B124-4F9F-8F7E-44B90AC375A6}" type="slidenum">
               <a:rPr lang="zh-CN" altLang="en-US" smtClean="0"/>
+              <a:pPr/>
               <a:t>20</a:t>
             </a:fld>
             <a:endParaRPr lang="zh-CN" altLang="en-US"/>
@@ -1204,7 +1194,7 @@
     </p:spTree>
     <p:extLst>
       <p:ext uri="{BB962C8B-B14F-4D97-AF65-F5344CB8AC3E}">
-        <p14:creationId xmlns:p14="http://schemas.microsoft.com/office/powerpoint/2010/main" val="340329517"/>
+        <p14:creationId xmlns:p14="http://schemas.microsoft.com/office/powerpoint/2010/main" val="4033435944"/>
       </p:ext>
     </p:extLst>
   </p:cSld>
@@ -1279,7 +1269,8 @@
           <a:p>
             <a:fld id="{D907BE37-B124-4F9F-8F7E-44B90AC375A6}" type="slidenum">
               <a:rPr lang="zh-CN" altLang="en-US" smtClean="0"/>
-              <a:t>21</a:t>
+              <a:pPr/>
+              <a:t>22</a:t>
             </a:fld>
             <a:endParaRPr lang="zh-CN" altLang="en-US"/>
           </a:p>
@@ -1288,7 +1279,7 @@
     </p:spTree>
     <p:extLst>
       <p:ext uri="{BB962C8B-B14F-4D97-AF65-F5344CB8AC3E}">
-        <p14:creationId xmlns:p14="http://schemas.microsoft.com/office/powerpoint/2010/main" val="4033435944"/>
+        <p14:creationId xmlns:p14="http://schemas.microsoft.com/office/powerpoint/2010/main" val="2271832572"/>
       </p:ext>
     </p:extLst>
   </p:cSld>
@@ -1363,7 +1354,8 @@
           <a:p>
             <a:fld id="{D907BE37-B124-4F9F-8F7E-44B90AC375A6}" type="slidenum">
               <a:rPr lang="zh-CN" altLang="en-US" smtClean="0"/>
-              <a:t>23</a:t>
+              <a:pPr/>
+              <a:t>24</a:t>
             </a:fld>
             <a:endParaRPr lang="zh-CN" altLang="en-US"/>
           </a:p>
@@ -1372,7 +1364,7 @@
     </p:spTree>
     <p:extLst>
       <p:ext uri="{BB962C8B-B14F-4D97-AF65-F5344CB8AC3E}">
-        <p14:creationId xmlns:p14="http://schemas.microsoft.com/office/powerpoint/2010/main" val="2271832572"/>
+        <p14:creationId xmlns:p14="http://schemas.microsoft.com/office/powerpoint/2010/main" val="3825666927"/>
       </p:ext>
     </p:extLst>
   </p:cSld>
@@ -1447,6 +1439,7 @@
           <a:p>
             <a:fld id="{D907BE37-B124-4F9F-8F7E-44B90AC375A6}" type="slidenum">
               <a:rPr lang="zh-CN" altLang="en-US" smtClean="0"/>
+              <a:pPr/>
               <a:t>25</a:t>
             </a:fld>
             <a:endParaRPr lang="zh-CN" altLang="en-US"/>
@@ -1456,7 +1449,7 @@
     </p:spTree>
     <p:extLst>
       <p:ext uri="{BB962C8B-B14F-4D97-AF65-F5344CB8AC3E}">
-        <p14:creationId xmlns:p14="http://schemas.microsoft.com/office/powerpoint/2010/main" val="3825666927"/>
+        <p14:creationId xmlns:p14="http://schemas.microsoft.com/office/powerpoint/2010/main" val="904632225"/>
       </p:ext>
     </p:extLst>
   </p:cSld>
@@ -1531,6 +1524,7 @@
           <a:p>
             <a:fld id="{D907BE37-B124-4F9F-8F7E-44B90AC375A6}" type="slidenum">
               <a:rPr lang="zh-CN" altLang="en-US" smtClean="0"/>
+              <a:pPr/>
               <a:t>26</a:t>
             </a:fld>
             <a:endParaRPr lang="zh-CN" altLang="en-US"/>
@@ -1540,7 +1534,7 @@
     </p:spTree>
     <p:extLst>
       <p:ext uri="{BB962C8B-B14F-4D97-AF65-F5344CB8AC3E}">
-        <p14:creationId xmlns:p14="http://schemas.microsoft.com/office/powerpoint/2010/main" val="904632225"/>
+        <p14:creationId xmlns:p14="http://schemas.microsoft.com/office/powerpoint/2010/main" val="2814906141"/>
       </p:ext>
     </p:extLst>
   </p:cSld>
@@ -1615,7 +1609,8 @@
           <a:p>
             <a:fld id="{D907BE37-B124-4F9F-8F7E-44B90AC375A6}" type="slidenum">
               <a:rPr lang="zh-CN" altLang="en-US" smtClean="0"/>
-              <a:t>27</a:t>
+              <a:pPr/>
+              <a:t>29</a:t>
             </a:fld>
             <a:endParaRPr lang="zh-CN" altLang="en-US"/>
           </a:p>
@@ -1624,7 +1619,7 @@
     </p:spTree>
     <p:extLst>
       <p:ext uri="{BB962C8B-B14F-4D97-AF65-F5344CB8AC3E}">
-        <p14:creationId xmlns:p14="http://schemas.microsoft.com/office/powerpoint/2010/main" val="2814906141"/>
+        <p14:creationId xmlns:p14="http://schemas.microsoft.com/office/powerpoint/2010/main" val="3984221818"/>
       </p:ext>
     </p:extLst>
   </p:cSld>
@@ -1699,6 +1694,7 @@
           <a:p>
             <a:fld id="{D907BE37-B124-4F9F-8F7E-44B90AC375A6}" type="slidenum">
               <a:rPr lang="zh-CN" altLang="en-US" smtClean="0"/>
+              <a:pPr/>
               <a:t>2</a:t>
             </a:fld>
             <a:endParaRPr lang="zh-CN" altLang="en-US"/>
@@ -1762,7 +1758,7 @@
           <a:bodyPr/>
           <a:lstStyle/>
           <a:p>
-            <a:endParaRPr lang="zh-CN" altLang="en-US" dirty="0"/>
+            <a:endParaRPr lang="en-US" altLang="zh-CN" dirty="0" smtClean="0"/>
           </a:p>
         </p:txBody>
       </p:sp>
@@ -1783,6 +1779,7 @@
           <a:p>
             <a:fld id="{D907BE37-B124-4F9F-8F7E-44B90AC375A6}" type="slidenum">
               <a:rPr lang="zh-CN" altLang="en-US" smtClean="0"/>
+              <a:pPr/>
               <a:t>30</a:t>
             </a:fld>
             <a:endParaRPr lang="zh-CN" altLang="en-US"/>
@@ -1792,7 +1789,7 @@
     </p:spTree>
     <p:extLst>
       <p:ext uri="{BB962C8B-B14F-4D97-AF65-F5344CB8AC3E}">
-        <p14:creationId xmlns:p14="http://schemas.microsoft.com/office/powerpoint/2010/main" val="3984221818"/>
+        <p14:creationId xmlns:p14="http://schemas.microsoft.com/office/powerpoint/2010/main" val="920873880"/>
       </p:ext>
     </p:extLst>
   </p:cSld>
@@ -1846,7 +1843,7 @@
           <a:bodyPr/>
           <a:lstStyle/>
           <a:p>
-            <a:endParaRPr lang="en-US" altLang="zh-CN" dirty="0" smtClean="0"/>
+            <a:endParaRPr lang="zh-CN" altLang="en-US" dirty="0" smtClean="0"/>
           </a:p>
         </p:txBody>
       </p:sp>
@@ -1867,6 +1864,7 @@
           <a:p>
             <a:fld id="{D907BE37-B124-4F9F-8F7E-44B90AC375A6}" type="slidenum">
               <a:rPr lang="zh-CN" altLang="en-US" smtClean="0"/>
+              <a:pPr/>
               <a:t>31</a:t>
             </a:fld>
             <a:endParaRPr lang="zh-CN" altLang="en-US"/>
@@ -1876,7 +1874,7 @@
     </p:spTree>
     <p:extLst>
       <p:ext uri="{BB962C8B-B14F-4D97-AF65-F5344CB8AC3E}">
-        <p14:creationId xmlns:p14="http://schemas.microsoft.com/office/powerpoint/2010/main" val="920873880"/>
+        <p14:creationId xmlns:p14="http://schemas.microsoft.com/office/powerpoint/2010/main" val="2121388482"/>
       </p:ext>
     </p:extLst>
   </p:cSld>
@@ -1930,7 +1928,23 @@
           <a:bodyPr/>
           <a:lstStyle/>
           <a:p>
-            <a:endParaRPr lang="zh-CN" altLang="en-US" dirty="0" smtClean="0"/>
+            <a:pPr marL="0" marR="0" indent="0" algn="l" defTabSz="914400" rtl="0" eaLnBrk="1" fontAlgn="auto" latinLnBrk="0" hangingPunct="1">
+              <a:lnSpc>
+                <a:spcPct val="100000"/>
+              </a:lnSpc>
+              <a:spcBef>
+                <a:spcPts val="0"/>
+              </a:spcBef>
+              <a:spcAft>
+                <a:spcPts val="0"/>
+              </a:spcAft>
+              <a:buClrTx/>
+              <a:buSzTx/>
+              <a:buFontTx/>
+              <a:buNone/>
+              <a:defRPr/>
+            </a:pPr>
+            <a:endParaRPr lang="zh-CN" altLang="en-US" dirty="0"/>
           </a:p>
         </p:txBody>
       </p:sp>
@@ -1951,7 +1965,8 @@
           <a:p>
             <a:fld id="{D907BE37-B124-4F9F-8F7E-44B90AC375A6}" type="slidenum">
               <a:rPr lang="zh-CN" altLang="en-US" smtClean="0"/>
-              <a:t>32</a:t>
+              <a:pPr/>
+              <a:t>35</a:t>
             </a:fld>
             <a:endParaRPr lang="zh-CN" altLang="en-US"/>
           </a:p>
@@ -1960,7 +1975,7 @@
     </p:spTree>
     <p:extLst>
       <p:ext uri="{BB962C8B-B14F-4D97-AF65-F5344CB8AC3E}">
-        <p14:creationId xmlns:p14="http://schemas.microsoft.com/office/powerpoint/2010/main" val="2121388482"/>
+        <p14:creationId xmlns:p14="http://schemas.microsoft.com/office/powerpoint/2010/main" val="2596920755"/>
       </p:ext>
     </p:extLst>
   </p:cSld>
@@ -1994,19 +2009,19 @@
             <a:spLocks noGrp="1" noRot="1" noChangeAspect="1"/>
           </p:cNvSpPr>
           <p:nvPr>
-            <p:ph type="sldImg"/>
+            <p:ph type="sldImg" idx="2"/>
           </p:nvPr>
         </p:nvSpPr>
         <p:spPr/>
       </p:sp>
       <p:sp>
         <p:nvSpPr>
-          <p:cNvPr id="3" name="备注占位符 2"/>
+          <p:cNvPr id="3" name="文本占位符 2"/>
           <p:cNvSpPr>
             <a:spLocks noGrp="1"/>
           </p:cNvSpPr>
           <p:nvPr>
-            <p:ph type="body" idx="1"/>
+            <p:ph type="body" idx="3"/>
           </p:nvPr>
         </p:nvSpPr>
         <p:spPr/>
@@ -2014,29 +2029,6 @@
           <a:bodyPr/>
           <a:lstStyle/>
           <a:p>
-            <a:endParaRPr lang="zh-CN" altLang="en-US" dirty="0"/>
-          </a:p>
-        </p:txBody>
-      </p:sp>
-      <p:sp>
-        <p:nvSpPr>
-          <p:cNvPr id="4" name="灯片编号占位符 3"/>
-          <p:cNvSpPr>
-            <a:spLocks noGrp="1"/>
-          </p:cNvSpPr>
-          <p:nvPr>
-            <p:ph type="sldNum" sz="quarter" idx="10"/>
-          </p:nvPr>
-        </p:nvSpPr>
-        <p:spPr/>
-        <p:txBody>
-          <a:bodyPr/>
-          <a:lstStyle/>
-          <a:p>
-            <a:fld id="{D907BE37-B124-4F9F-8F7E-44B90AC375A6}" type="slidenum">
-              <a:rPr lang="zh-CN" altLang="en-US" smtClean="0"/>
-              <a:t>36</a:t>
-            </a:fld>
             <a:endParaRPr lang="zh-CN" altLang="en-US"/>
           </a:p>
         </p:txBody>
@@ -2044,7 +2036,7 @@
     </p:spTree>
     <p:extLst>
       <p:ext uri="{BB962C8B-B14F-4D97-AF65-F5344CB8AC3E}">
-        <p14:creationId xmlns:p14="http://schemas.microsoft.com/office/powerpoint/2010/main" val="1815552788"/>
+        <p14:creationId xmlns:p14="http://schemas.microsoft.com/office/powerpoint/2010/main" val="663596094"/>
       </p:ext>
     </p:extLst>
   </p:cSld>
@@ -2119,7 +2111,8 @@
           <a:p>
             <a:fld id="{D907BE37-B124-4F9F-8F7E-44B90AC375A6}" type="slidenum">
               <a:rPr lang="zh-CN" altLang="en-US" smtClean="0"/>
-              <a:t>37</a:t>
+              <a:pPr/>
+              <a:t>38</a:t>
             </a:fld>
             <a:endParaRPr lang="zh-CN" altLang="en-US"/>
           </a:p>
@@ -2128,7 +2121,7 @@
     </p:spTree>
     <p:extLst>
       <p:ext uri="{BB962C8B-B14F-4D97-AF65-F5344CB8AC3E}">
-        <p14:creationId xmlns:p14="http://schemas.microsoft.com/office/powerpoint/2010/main" val="229759463"/>
+        <p14:creationId xmlns:p14="http://schemas.microsoft.com/office/powerpoint/2010/main" val="2537127361"/>
       </p:ext>
     </p:extLst>
   </p:cSld>
@@ -2182,22 +2175,6 @@
           <a:bodyPr/>
           <a:lstStyle/>
           <a:p>
-            <a:pPr marL="0" marR="0" indent="0" algn="l" defTabSz="914400" rtl="0" eaLnBrk="1" fontAlgn="auto" latinLnBrk="0" hangingPunct="1">
-              <a:lnSpc>
-                <a:spcPct val="100000"/>
-              </a:lnSpc>
-              <a:spcBef>
-                <a:spcPts val="0"/>
-              </a:spcBef>
-              <a:spcAft>
-                <a:spcPts val="0"/>
-              </a:spcAft>
-              <a:buClrTx/>
-              <a:buSzTx/>
-              <a:buFontTx/>
-              <a:buNone/>
-              <a:defRPr/>
-            </a:pPr>
             <a:endParaRPr lang="zh-CN" altLang="en-US" dirty="0"/>
           </a:p>
         </p:txBody>
@@ -2219,7 +2196,8 @@
           <a:p>
             <a:fld id="{D907BE37-B124-4F9F-8F7E-44B90AC375A6}" type="slidenum">
               <a:rPr lang="zh-CN" altLang="en-US" smtClean="0"/>
-              <a:t>38</a:t>
+              <a:pPr/>
+              <a:t>39</a:t>
             </a:fld>
             <a:endParaRPr lang="zh-CN" altLang="en-US"/>
           </a:p>
@@ -2228,7 +2206,7 @@
     </p:spTree>
     <p:extLst>
       <p:ext uri="{BB962C8B-B14F-4D97-AF65-F5344CB8AC3E}">
-        <p14:creationId xmlns:p14="http://schemas.microsoft.com/office/powerpoint/2010/main" val="2596920755"/>
+        <p14:creationId xmlns:p14="http://schemas.microsoft.com/office/powerpoint/2010/main" val="1815552788"/>
       </p:ext>
     </p:extLst>
   </p:cSld>
@@ -2262,19 +2240,19 @@
             <a:spLocks noGrp="1" noRot="1" noChangeAspect="1"/>
           </p:cNvSpPr>
           <p:nvPr>
-            <p:ph type="sldImg" idx="2"/>
+            <p:ph type="sldImg"/>
           </p:nvPr>
         </p:nvSpPr>
         <p:spPr/>
       </p:sp>
       <p:sp>
         <p:nvSpPr>
-          <p:cNvPr id="3" name="文本占位符 2"/>
+          <p:cNvPr id="3" name="备注占位符 2"/>
           <p:cNvSpPr>
             <a:spLocks noGrp="1"/>
           </p:cNvSpPr>
           <p:nvPr>
-            <p:ph type="body" idx="3"/>
+            <p:ph type="body" idx="1"/>
           </p:nvPr>
         </p:nvSpPr>
         <p:spPr/>
@@ -2282,6 +2260,30 @@
           <a:bodyPr/>
           <a:lstStyle/>
           <a:p>
+            <a:endParaRPr lang="zh-CN" altLang="en-US" dirty="0"/>
+          </a:p>
+        </p:txBody>
+      </p:sp>
+      <p:sp>
+        <p:nvSpPr>
+          <p:cNvPr id="4" name="灯片编号占位符 3"/>
+          <p:cNvSpPr>
+            <a:spLocks noGrp="1"/>
+          </p:cNvSpPr>
+          <p:nvPr>
+            <p:ph type="sldNum" sz="quarter" idx="10"/>
+          </p:nvPr>
+        </p:nvSpPr>
+        <p:spPr/>
+        <p:txBody>
+          <a:bodyPr/>
+          <a:lstStyle/>
+          <a:p>
+            <a:fld id="{D907BE37-B124-4F9F-8F7E-44B90AC375A6}" type="slidenum">
+              <a:rPr lang="zh-CN" altLang="en-US" smtClean="0"/>
+              <a:pPr/>
+              <a:t>40</a:t>
+            </a:fld>
             <a:endParaRPr lang="zh-CN" altLang="en-US"/>
           </a:p>
         </p:txBody>
@@ -2289,7 +2291,7 @@
     </p:spTree>
     <p:extLst>
       <p:ext uri="{BB962C8B-B14F-4D97-AF65-F5344CB8AC3E}">
-        <p14:creationId xmlns:p14="http://schemas.microsoft.com/office/powerpoint/2010/main" val="663596094"/>
+        <p14:creationId xmlns:p14="http://schemas.microsoft.com/office/powerpoint/2010/main" val="229759463"/>
       </p:ext>
     </p:extLst>
   </p:cSld>
@@ -2364,7 +2366,8 @@
           <a:p>
             <a:fld id="{D907BE37-B124-4F9F-8F7E-44B90AC375A6}" type="slidenum">
               <a:rPr lang="zh-CN" altLang="en-US" smtClean="0"/>
-              <a:t>40</a:t>
+              <a:pPr/>
+              <a:t>44</a:t>
             </a:fld>
             <a:endParaRPr lang="zh-CN" altLang="en-US"/>
           </a:p>
@@ -2373,7 +2376,7 @@
     </p:spTree>
     <p:extLst>
       <p:ext uri="{BB962C8B-B14F-4D97-AF65-F5344CB8AC3E}">
-        <p14:creationId xmlns:p14="http://schemas.microsoft.com/office/powerpoint/2010/main" val="2537127361"/>
+        <p14:creationId xmlns:p14="http://schemas.microsoft.com/office/powerpoint/2010/main" val="62931002"/>
       </p:ext>
     </p:extLst>
   </p:cSld>
@@ -2448,90 +2451,7 @@
           <a:p>
             <a:fld id="{D907BE37-B124-4F9F-8F7E-44B90AC375A6}" type="slidenum">
               <a:rPr lang="zh-CN" altLang="en-US" smtClean="0"/>
-              <a:t>44</a:t>
-            </a:fld>
-            <a:endParaRPr lang="zh-CN" altLang="en-US"/>
-          </a:p>
-        </p:txBody>
-      </p:sp>
-    </p:spTree>
-    <p:extLst>
-      <p:ext uri="{BB962C8B-B14F-4D97-AF65-F5344CB8AC3E}">
-        <p14:creationId xmlns:p14="http://schemas.microsoft.com/office/powerpoint/2010/main" val="62931002"/>
-      </p:ext>
-    </p:extLst>
-  </p:cSld>
-  <p:clrMapOvr>
-    <a:masterClrMapping/>
-  </p:clrMapOvr>
-</p:notes>
-</file>
-
-<file path=ppt/notesSlides/notesSlide29.xml><?xml version="1.0" encoding="utf-8"?>
-<p:notes xmlns:a="http://schemas.openxmlformats.org/drawingml/2006/main" xmlns:r="http://schemas.openxmlformats.org/officeDocument/2006/relationships" xmlns:p="http://schemas.openxmlformats.org/presentationml/2006/main">
-  <p:cSld>
-    <p:spTree>
-      <p:nvGrpSpPr>
-        <p:cNvPr id="1" name=""/>
-        <p:cNvGrpSpPr/>
-        <p:nvPr/>
-      </p:nvGrpSpPr>
-      <p:grpSpPr>
-        <a:xfrm>
-          <a:off x="0" y="0"/>
-          <a:ext cx="0" cy="0"/>
-          <a:chOff x="0" y="0"/>
-          <a:chExt cx="0" cy="0"/>
-        </a:xfrm>
-      </p:grpSpPr>
-      <p:sp>
-        <p:nvSpPr>
-          <p:cNvPr id="2" name="幻灯片图像占位符 1"/>
-          <p:cNvSpPr>
-            <a:spLocks noGrp="1" noRot="1" noChangeAspect="1"/>
-          </p:cNvSpPr>
-          <p:nvPr>
-            <p:ph type="sldImg"/>
-          </p:nvPr>
-        </p:nvSpPr>
-        <p:spPr/>
-      </p:sp>
-      <p:sp>
-        <p:nvSpPr>
-          <p:cNvPr id="3" name="备注占位符 2"/>
-          <p:cNvSpPr>
-            <a:spLocks noGrp="1"/>
-          </p:cNvSpPr>
-          <p:nvPr>
-            <p:ph type="body" idx="1"/>
-          </p:nvPr>
-        </p:nvSpPr>
-        <p:spPr/>
-        <p:txBody>
-          <a:bodyPr/>
-          <a:lstStyle/>
-          <a:p>
-            <a:endParaRPr lang="zh-CN" altLang="en-US" dirty="0"/>
-          </a:p>
-        </p:txBody>
-      </p:sp>
-      <p:sp>
-        <p:nvSpPr>
-          <p:cNvPr id="4" name="灯片编号占位符 3"/>
-          <p:cNvSpPr>
-            <a:spLocks noGrp="1"/>
-          </p:cNvSpPr>
-          <p:nvPr>
-            <p:ph type="sldNum" sz="quarter" idx="10"/>
-          </p:nvPr>
-        </p:nvSpPr>
-        <p:spPr/>
-        <p:txBody>
-          <a:bodyPr/>
-          <a:lstStyle/>
-          <a:p>
-            <a:fld id="{D907BE37-B124-4F9F-8F7E-44B90AC375A6}" type="slidenum">
-              <a:rPr lang="zh-CN" altLang="en-US" smtClean="0"/>
+              <a:pPr/>
               <a:t>45</a:t>
             </a:fld>
             <a:endParaRPr lang="zh-CN" altLang="en-US"/>
@@ -2616,6 +2536,7 @@
           <a:p>
             <a:fld id="{D907BE37-B124-4F9F-8F7E-44B90AC375A6}" type="slidenum">
               <a:rPr lang="zh-CN" altLang="en-US" smtClean="0"/>
+              <a:pPr/>
               <a:t>3</a:t>
             </a:fld>
             <a:endParaRPr lang="zh-CN" altLang="en-US"/>
@@ -2700,7 +2621,8 @@
           <a:p>
             <a:fld id="{D907BE37-B124-4F9F-8F7E-44B90AC375A6}" type="slidenum">
               <a:rPr lang="zh-CN" altLang="en-US" smtClean="0"/>
-              <a:t>4</a:t>
+              <a:pPr/>
+              <a:t>5</a:t>
             </a:fld>
             <a:endParaRPr lang="zh-CN" altLang="en-US"/>
           </a:p>
@@ -2709,7 +2631,7 @@
     </p:spTree>
     <p:extLst>
       <p:ext uri="{BB962C8B-B14F-4D97-AF65-F5344CB8AC3E}">
-        <p14:creationId xmlns:p14="http://schemas.microsoft.com/office/powerpoint/2010/main" val="3104653265"/>
+        <p14:creationId xmlns:p14="http://schemas.microsoft.com/office/powerpoint/2010/main" val="3183033361"/>
       </p:ext>
     </p:extLst>
   </p:cSld>
@@ -2763,7 +2685,7 @@
           <a:bodyPr/>
           <a:lstStyle/>
           <a:p>
-            <a:endParaRPr lang="zh-CN" altLang="en-US" dirty="0"/>
+            <a:endParaRPr lang="en-US" altLang="zh-CN" dirty="0" smtClean="0"/>
           </a:p>
         </p:txBody>
       </p:sp>
@@ -2784,6 +2706,7 @@
           <a:p>
             <a:fld id="{D907BE37-B124-4F9F-8F7E-44B90AC375A6}" type="slidenum">
               <a:rPr lang="zh-CN" altLang="en-US" smtClean="0"/>
+              <a:pPr/>
               <a:t>6</a:t>
             </a:fld>
             <a:endParaRPr lang="zh-CN" altLang="en-US"/>
@@ -2793,7 +2716,7 @@
     </p:spTree>
     <p:extLst>
       <p:ext uri="{BB962C8B-B14F-4D97-AF65-F5344CB8AC3E}">
-        <p14:creationId xmlns:p14="http://schemas.microsoft.com/office/powerpoint/2010/main" val="3183033361"/>
+        <p14:creationId xmlns:p14="http://schemas.microsoft.com/office/powerpoint/2010/main" val="1293356341"/>
       </p:ext>
     </p:extLst>
   </p:cSld>
@@ -2847,7 +2770,7 @@
           <a:bodyPr/>
           <a:lstStyle/>
           <a:p>
-            <a:endParaRPr lang="en-US" altLang="zh-CN" dirty="0" smtClean="0"/>
+            <a:endParaRPr lang="zh-CN" altLang="en-US" dirty="0"/>
           </a:p>
         </p:txBody>
       </p:sp>
@@ -2868,6 +2791,7 @@
           <a:p>
             <a:fld id="{D907BE37-B124-4F9F-8F7E-44B90AC375A6}" type="slidenum">
               <a:rPr lang="zh-CN" altLang="en-US" smtClean="0"/>
+              <a:pPr/>
               <a:t>7</a:t>
             </a:fld>
             <a:endParaRPr lang="zh-CN" altLang="en-US"/>
@@ -2877,7 +2801,7 @@
     </p:spTree>
     <p:extLst>
       <p:ext uri="{BB962C8B-B14F-4D97-AF65-F5344CB8AC3E}">
-        <p14:creationId xmlns:p14="http://schemas.microsoft.com/office/powerpoint/2010/main" val="1293356341"/>
+        <p14:creationId xmlns:p14="http://schemas.microsoft.com/office/powerpoint/2010/main" val="3330327443"/>
       </p:ext>
     </p:extLst>
   </p:cSld>
@@ -2931,7 +2855,27 @@
           <a:bodyPr/>
           <a:lstStyle/>
           <a:p>
-            <a:endParaRPr lang="zh-CN" altLang="en-US" dirty="0"/>
+            <a:pPr marL="0" marR="0" indent="0" algn="l" defTabSz="914400" rtl="0" eaLnBrk="1" fontAlgn="auto" latinLnBrk="0" hangingPunct="1">
+              <a:lnSpc>
+                <a:spcPct val="100000"/>
+              </a:lnSpc>
+              <a:spcBef>
+                <a:spcPts val="0"/>
+              </a:spcBef>
+              <a:spcAft>
+                <a:spcPts val="0"/>
+              </a:spcAft>
+              <a:buClrTx/>
+              <a:buSzTx/>
+              <a:buFontTx/>
+              <a:buNone/>
+              <a:defRPr/>
+            </a:pPr>
+            <a:endParaRPr lang="en-US" altLang="zh-CN" sz="1200" dirty="0" smtClean="0">
+              <a:solidFill>
+                <a:schemeClr val="accent5"/>
+              </a:solidFill>
+            </a:endParaRPr>
           </a:p>
         </p:txBody>
       </p:sp>
@@ -2952,7 +2896,8 @@
           <a:p>
             <a:fld id="{D907BE37-B124-4F9F-8F7E-44B90AC375A6}" type="slidenum">
               <a:rPr lang="zh-CN" altLang="en-US" smtClean="0"/>
-              <a:t>8</a:t>
+              <a:pPr/>
+              <a:t>9</a:t>
             </a:fld>
             <a:endParaRPr lang="zh-CN" altLang="en-US"/>
           </a:p>
@@ -2961,7 +2906,7 @@
     </p:spTree>
     <p:extLst>
       <p:ext uri="{BB962C8B-B14F-4D97-AF65-F5344CB8AC3E}">
-        <p14:creationId xmlns:p14="http://schemas.microsoft.com/office/powerpoint/2010/main" val="3330327443"/>
+        <p14:creationId xmlns:p14="http://schemas.microsoft.com/office/powerpoint/2010/main" val="108605655"/>
       </p:ext>
     </p:extLst>
   </p:cSld>
@@ -3015,27 +2960,7 @@
           <a:bodyPr/>
           <a:lstStyle/>
           <a:p>
-            <a:pPr marL="0" marR="0" indent="0" algn="l" defTabSz="914400" rtl="0" eaLnBrk="1" fontAlgn="auto" latinLnBrk="0" hangingPunct="1">
-              <a:lnSpc>
-                <a:spcPct val="100000"/>
-              </a:lnSpc>
-              <a:spcBef>
-                <a:spcPts val="0"/>
-              </a:spcBef>
-              <a:spcAft>
-                <a:spcPts val="0"/>
-              </a:spcAft>
-              <a:buClrTx/>
-              <a:buSzTx/>
-              <a:buFontTx/>
-              <a:buNone/>
-              <a:defRPr/>
-            </a:pPr>
-            <a:endParaRPr lang="en-US" altLang="zh-CN" sz="1200" dirty="0" smtClean="0">
-              <a:solidFill>
-                <a:schemeClr val="accent5"/>
-              </a:solidFill>
-            </a:endParaRPr>
+            <a:endParaRPr lang="zh-CN" altLang="en-US" dirty="0"/>
           </a:p>
         </p:txBody>
       </p:sp>
@@ -3056,6 +2981,7 @@
           <a:p>
             <a:fld id="{D907BE37-B124-4F9F-8F7E-44B90AC375A6}" type="slidenum">
               <a:rPr lang="zh-CN" altLang="en-US" smtClean="0"/>
+              <a:pPr/>
               <a:t>10</a:t>
             </a:fld>
             <a:endParaRPr lang="zh-CN" altLang="en-US"/>
@@ -3065,7 +2991,7 @@
     </p:spTree>
     <p:extLst>
       <p:ext uri="{BB962C8B-B14F-4D97-AF65-F5344CB8AC3E}">
-        <p14:creationId xmlns:p14="http://schemas.microsoft.com/office/powerpoint/2010/main" val="108605655"/>
+        <p14:creationId xmlns:p14="http://schemas.microsoft.com/office/powerpoint/2010/main" val="1225368172"/>
       </p:ext>
     </p:extLst>
   </p:cSld>
@@ -3119,7 +3045,27 @@
           <a:bodyPr/>
           <a:lstStyle/>
           <a:p>
-            <a:endParaRPr lang="zh-CN" altLang="en-US" dirty="0"/>
+            <a:pPr marL="0" marR="0" indent="0" algn="l" defTabSz="914400" rtl="0" eaLnBrk="1" fontAlgn="auto" latinLnBrk="0" hangingPunct="1">
+              <a:lnSpc>
+                <a:spcPct val="100000"/>
+              </a:lnSpc>
+              <a:spcBef>
+                <a:spcPts val="0"/>
+              </a:spcBef>
+              <a:spcAft>
+                <a:spcPts val="0"/>
+              </a:spcAft>
+              <a:buClrTx/>
+              <a:buSzTx/>
+              <a:buFontTx/>
+              <a:buNone/>
+              <a:defRPr/>
+            </a:pPr>
+            <a:endParaRPr lang="en-US" altLang="zh-CN" sz="1200" dirty="0" smtClean="0">
+              <a:solidFill>
+                <a:schemeClr val="accent5"/>
+              </a:solidFill>
+            </a:endParaRPr>
           </a:p>
         </p:txBody>
       </p:sp>
@@ -3140,6 +3086,7 @@
           <a:p>
             <a:fld id="{D907BE37-B124-4F9F-8F7E-44B90AC375A6}" type="slidenum">
               <a:rPr lang="zh-CN" altLang="en-US" smtClean="0"/>
+              <a:pPr/>
               <a:t>11</a:t>
             </a:fld>
             <a:endParaRPr lang="zh-CN" altLang="en-US"/>
@@ -3149,7 +3096,7 @@
     </p:spTree>
     <p:extLst>
       <p:ext uri="{BB962C8B-B14F-4D97-AF65-F5344CB8AC3E}">
-        <p14:creationId xmlns:p14="http://schemas.microsoft.com/office/powerpoint/2010/main" val="1225368172"/>
+        <p14:creationId xmlns:p14="http://schemas.microsoft.com/office/powerpoint/2010/main" val="3582929935"/>
       </p:ext>
     </p:extLst>
   </p:cSld>
@@ -3290,6 +3237,7 @@
           <a:p>
             <a:fld id="{12397CA8-2D6B-474E-AD0A-8CF9975324D0}" type="datetimeFigureOut">
               <a:rPr lang="zh-CN" altLang="en-US" smtClean="0"/>
+              <a:pPr/>
               <a:t>2017-05-09</a:t>
             </a:fld>
             <a:endParaRPr lang="zh-CN" altLang="en-US"/>
@@ -3332,6 +3280,7 @@
           <a:p>
             <a:fld id="{D0D8BA0E-4B10-4B75-A54B-2A538962B98D}" type="slidenum">
               <a:rPr lang="zh-CN" altLang="en-US" smtClean="0"/>
+              <a:pPr/>
               <a:t>‹#›</a:t>
             </a:fld>
             <a:endParaRPr lang="zh-CN" altLang="en-US"/>
@@ -3578,6 +3527,7 @@
           <a:p>
             <a:fld id="{12397CA8-2D6B-474E-AD0A-8CF9975324D0}" type="datetimeFigureOut">
               <a:rPr lang="zh-CN" altLang="en-US" smtClean="0"/>
+              <a:pPr/>
               <a:t>2017-05-09</a:t>
             </a:fld>
             <a:endParaRPr lang="zh-CN" altLang="en-US"/>
@@ -3620,6 +3570,7 @@
           <a:p>
             <a:fld id="{D0D8BA0E-4B10-4B75-A54B-2A538962B98D}" type="slidenum">
               <a:rPr lang="zh-CN" altLang="en-US" smtClean="0"/>
+              <a:pPr/>
               <a:t>‹#›</a:t>
             </a:fld>
             <a:endParaRPr lang="zh-CN" altLang="en-US"/>
@@ -3760,6 +3711,7 @@
           <a:p>
             <a:fld id="{12397CA8-2D6B-474E-AD0A-8CF9975324D0}" type="datetimeFigureOut">
               <a:rPr lang="zh-CN" altLang="en-US" smtClean="0"/>
+              <a:pPr/>
               <a:t>2017-05-09</a:t>
             </a:fld>
             <a:endParaRPr lang="zh-CN" altLang="en-US"/>
@@ -3802,6 +3754,7 @@
           <a:p>
             <a:fld id="{D0D8BA0E-4B10-4B75-A54B-2A538962B98D}" type="slidenum">
               <a:rPr lang="zh-CN" altLang="en-US" smtClean="0"/>
+              <a:pPr/>
               <a:t>‹#›</a:t>
             </a:fld>
             <a:endParaRPr lang="zh-CN" altLang="en-US"/>
@@ -4211,6 +4164,7 @@
           <a:p>
             <a:fld id="{12397CA8-2D6B-474E-AD0A-8CF9975324D0}" type="datetimeFigureOut">
               <a:rPr lang="zh-CN" altLang="en-US" smtClean="0"/>
+              <a:pPr/>
               <a:t>2017-05-09</a:t>
             </a:fld>
             <a:endParaRPr lang="zh-CN" altLang="en-US"/>
@@ -4253,6 +4207,7 @@
           <a:p>
             <a:fld id="{D0D8BA0E-4B10-4B75-A54B-2A538962B98D}" type="slidenum">
               <a:rPr lang="zh-CN" altLang="en-US" smtClean="0"/>
+              <a:pPr/>
               <a:t>‹#›</a:t>
             </a:fld>
             <a:endParaRPr lang="zh-CN" altLang="en-US"/>
@@ -4445,6 +4400,7 @@
           <a:p>
             <a:fld id="{12397CA8-2D6B-474E-AD0A-8CF9975324D0}" type="datetimeFigureOut">
               <a:rPr lang="zh-CN" altLang="en-US" smtClean="0"/>
+              <a:pPr/>
               <a:t>2017-05-09</a:t>
             </a:fld>
             <a:endParaRPr lang="zh-CN" altLang="en-US"/>
@@ -4487,6 +4443,7 @@
           <a:p>
             <a:fld id="{D0D8BA0E-4B10-4B75-A54B-2A538962B98D}" type="slidenum">
               <a:rPr lang="zh-CN" altLang="en-US" smtClean="0"/>
+              <a:pPr/>
               <a:t>‹#›</a:t>
             </a:fld>
             <a:endParaRPr lang="zh-CN" altLang="en-US"/>
@@ -4814,6 +4771,7 @@
           <a:p>
             <a:fld id="{12397CA8-2D6B-474E-AD0A-8CF9975324D0}" type="datetimeFigureOut">
               <a:rPr lang="zh-CN" altLang="en-US" smtClean="0"/>
+              <a:pPr/>
               <a:t>2017-05-09</a:t>
             </a:fld>
             <a:endParaRPr lang="zh-CN" altLang="en-US"/>
@@ -4856,6 +4814,7 @@
           <a:p>
             <a:fld id="{D0D8BA0E-4B10-4B75-A54B-2A538962B98D}" type="slidenum">
               <a:rPr lang="zh-CN" altLang="en-US" smtClean="0"/>
+              <a:pPr/>
               <a:t>‹#›</a:t>
             </a:fld>
             <a:endParaRPr lang="zh-CN" altLang="en-US"/>
@@ -4927,6 +4886,7 @@
           <a:p>
             <a:fld id="{12397CA8-2D6B-474E-AD0A-8CF9975324D0}" type="datetimeFigureOut">
               <a:rPr lang="zh-CN" altLang="en-US" smtClean="0"/>
+              <a:pPr/>
               <a:t>2017-05-09</a:t>
             </a:fld>
             <a:endParaRPr lang="zh-CN" altLang="en-US"/>
@@ -4969,6 +4929,7 @@
           <a:p>
             <a:fld id="{D0D8BA0E-4B10-4B75-A54B-2A538962B98D}" type="slidenum">
               <a:rPr lang="zh-CN" altLang="en-US" smtClean="0"/>
+              <a:pPr/>
               <a:t>‹#›</a:t>
             </a:fld>
             <a:endParaRPr lang="zh-CN" altLang="en-US"/>
@@ -5017,6 +4978,7 @@
           <a:p>
             <a:fld id="{12397CA8-2D6B-474E-AD0A-8CF9975324D0}" type="datetimeFigureOut">
               <a:rPr lang="zh-CN" altLang="en-US" smtClean="0"/>
+              <a:pPr/>
               <a:t>2017-05-09</a:t>
             </a:fld>
             <a:endParaRPr lang="zh-CN" altLang="en-US"/>
@@ -5059,6 +5021,7 @@
           <a:p>
             <a:fld id="{D0D8BA0E-4B10-4B75-A54B-2A538962B98D}" type="slidenum">
               <a:rPr lang="zh-CN" altLang="en-US" smtClean="0"/>
+              <a:pPr/>
               <a:t>‹#›</a:t>
             </a:fld>
             <a:endParaRPr lang="zh-CN" altLang="en-US"/>
@@ -5289,6 +5252,7 @@
           <a:p>
             <a:fld id="{12397CA8-2D6B-474E-AD0A-8CF9975324D0}" type="datetimeFigureOut">
               <a:rPr lang="zh-CN" altLang="en-US" smtClean="0"/>
+              <a:pPr/>
               <a:t>2017-05-09</a:t>
             </a:fld>
             <a:endParaRPr lang="zh-CN" altLang="en-US"/>
@@ -5331,6 +5295,7 @@
           <a:p>
             <a:fld id="{D0D8BA0E-4B10-4B75-A54B-2A538962B98D}" type="slidenum">
               <a:rPr lang="zh-CN" altLang="en-US" smtClean="0"/>
+              <a:pPr/>
               <a:t>‹#›</a:t>
             </a:fld>
             <a:endParaRPr lang="zh-CN" altLang="en-US"/>
@@ -5541,6 +5506,7 @@
           <a:p>
             <a:fld id="{12397CA8-2D6B-474E-AD0A-8CF9975324D0}" type="datetimeFigureOut">
               <a:rPr lang="zh-CN" altLang="en-US" smtClean="0"/>
+              <a:pPr/>
               <a:t>2017-05-09</a:t>
             </a:fld>
             <a:endParaRPr lang="zh-CN" altLang="en-US"/>
@@ -5583,6 +5549,7 @@
           <a:p>
             <a:fld id="{D0D8BA0E-4B10-4B75-A54B-2A538962B98D}" type="slidenum">
               <a:rPr lang="zh-CN" altLang="en-US" smtClean="0"/>
+              <a:pPr/>
               <a:t>‹#›</a:t>
             </a:fld>
             <a:endParaRPr lang="zh-CN" altLang="en-US"/>
@@ -5756,6 +5723,7 @@
           <a:p>
             <a:fld id="{12397CA8-2D6B-474E-AD0A-8CF9975324D0}" type="datetimeFigureOut">
               <a:rPr lang="zh-CN" altLang="en-US" smtClean="0"/>
+              <a:pPr/>
               <a:t>2017-05-09</a:t>
             </a:fld>
             <a:endParaRPr lang="zh-CN" altLang="en-US"/>
@@ -5834,6 +5802,7 @@
           <a:p>
             <a:fld id="{D0D8BA0E-4B10-4B75-A54B-2A538962B98D}" type="slidenum">
               <a:rPr lang="zh-CN" altLang="en-US" smtClean="0"/>
+              <a:pPr/>
               <a:t>‹#›</a:t>
             </a:fld>
             <a:endParaRPr lang="zh-CN" altLang="en-US"/>
@@ -6356,7 +6325,7 @@
           <a:p>
             <a:r>
               <a:rPr lang="en-US" altLang="zh-CN" dirty="0" smtClean="0"/>
-              <a:t>Outline</a:t>
+              <a:t>Challenges</a:t>
             </a:r>
             <a:endParaRPr lang="zh-CN" altLang="en-US" dirty="0"/>
           </a:p>
@@ -6377,52 +6346,42 @@
           <a:bodyPr/>
           <a:lstStyle/>
           <a:p>
-            <a:r>
-              <a:rPr lang="en-US" altLang="zh-CN" dirty="0"/>
-              <a:t>1.Introduction to RPC</a:t>
-            </a:r>
-          </a:p>
-          <a:p>
-            <a:endParaRPr lang="en-US" altLang="zh-CN" dirty="0"/>
-          </a:p>
-          <a:p>
-            <a:r>
-              <a:rPr lang="en-US" altLang="zh-CN" dirty="0"/>
-              <a:t>2.What is </a:t>
-            </a:r>
-            <a:r>
-              <a:rPr lang="en-US" altLang="zh-CN" dirty="0" err="1"/>
-              <a:t>rest_rpc</a:t>
-            </a:r>
-            <a:endParaRPr lang="en-US" altLang="zh-CN" dirty="0"/>
-          </a:p>
-          <a:p>
-            <a:endParaRPr lang="en-US" altLang="zh-CN" dirty="0"/>
-          </a:p>
-          <a:p>
-            <a:r>
-              <a:rPr lang="en-US" altLang="zh-CN" sz="1800" dirty="0">
-                <a:solidFill>
-                  <a:schemeClr val="accent5"/>
-                </a:solidFill>
-              </a:rPr>
-              <a:t>3.Ease of use challenges</a:t>
-            </a:r>
-          </a:p>
-          <a:p>
-            <a:endParaRPr lang="en-US" altLang="zh-CN" dirty="0"/>
-          </a:p>
-          <a:p>
-            <a:r>
-              <a:rPr lang="en-US" altLang="zh-CN" dirty="0"/>
-              <a:t>4.Key technologies</a:t>
-            </a:r>
-          </a:p>
-          <a:p>
-            <a:endParaRPr lang="en-US" altLang="zh-CN" dirty="0"/>
-          </a:p>
-          <a:p>
-            <a:endParaRPr lang="zh-CN" altLang="en-US" dirty="0"/>
+            <a:pPr marL="285750" indent="-285750">
+              <a:buFont typeface="Wingdings" panose="05000000000000000000" pitchFamily="2" charset="2"/>
+              <a:buChar char="Ø"/>
+            </a:pPr>
+            <a:r>
+              <a:rPr lang="en-US" altLang="zh-CN" dirty="0" smtClean="0"/>
+              <a:t>How to register </a:t>
+            </a:r>
+            <a:r>
+              <a:rPr lang="en-US" altLang="zh-CN" dirty="0"/>
+              <a:t>callable of </a:t>
+            </a:r>
+            <a:r>
+              <a:rPr lang="en-US" altLang="zh-CN" dirty="0" smtClean="0"/>
+              <a:t>any signature</a:t>
+            </a:r>
+          </a:p>
+          <a:p>
+            <a:pPr marL="285750" indent="-285750">
+              <a:buFont typeface="Wingdings" panose="05000000000000000000" pitchFamily="2" charset="2"/>
+              <a:buChar char="Ø"/>
+            </a:pPr>
+            <a:r>
+              <a:rPr lang="en-US" altLang="zh-CN" dirty="0" smtClean="0"/>
+              <a:t>How to route to the correct handler</a:t>
+            </a:r>
+          </a:p>
+          <a:p>
+            <a:pPr marL="285750" indent="-285750">
+              <a:buFont typeface="Wingdings" panose="05000000000000000000" pitchFamily="2" charset="2"/>
+              <a:buChar char="Ø"/>
+            </a:pPr>
+            <a:r>
+              <a:rPr lang="en-US" altLang="zh-CN" dirty="0" smtClean="0"/>
+              <a:t>How to simplify the RPC call</a:t>
+            </a:r>
           </a:p>
         </p:txBody>
       </p:sp>
@@ -6475,7 +6434,7 @@
           <a:p>
             <a:r>
               <a:rPr lang="en-US" altLang="zh-CN" dirty="0" smtClean="0"/>
-              <a:t>Challenges</a:t>
+              <a:t>Outline</a:t>
             </a:r>
             <a:endParaRPr lang="zh-CN" altLang="en-US" dirty="0"/>
           </a:p>
@@ -6496,42 +6455,53 @@
           <a:bodyPr/>
           <a:lstStyle/>
           <a:p>
-            <a:pPr marL="285750" indent="-285750">
-              <a:buFont typeface="Wingdings" panose="05000000000000000000" pitchFamily="2" charset="2"/>
-              <a:buChar char="Ø"/>
-            </a:pPr>
+            <a:r>
+              <a:rPr lang="en-US" altLang="zh-CN" dirty="0"/>
+              <a:t>1.Introduction to RPC</a:t>
+            </a:r>
+          </a:p>
+          <a:p>
+            <a:endParaRPr lang="en-US" altLang="zh-CN" dirty="0"/>
+          </a:p>
+          <a:p>
+            <a:r>
+              <a:rPr lang="en-US" altLang="zh-CN" dirty="0"/>
+              <a:t>2.What is </a:t>
+            </a:r>
+            <a:r>
+              <a:rPr lang="en-US" altLang="zh-CN" dirty="0" err="1" smtClean="0"/>
+              <a:t>rest_rpc</a:t>
+            </a:r>
             <a:r>
               <a:rPr lang="en-US" altLang="zh-CN" dirty="0" smtClean="0"/>
-              <a:t>How to register </a:t>
-            </a:r>
-            <a:r>
-              <a:rPr lang="en-US" altLang="zh-CN" dirty="0"/>
-              <a:t>callable of </a:t>
-            </a:r>
-            <a:r>
-              <a:rPr lang="en-US" altLang="zh-CN" dirty="0" smtClean="0"/>
-              <a:t>any signature</a:t>
-            </a:r>
-          </a:p>
-          <a:p>
-            <a:pPr marL="285750" indent="-285750">
-              <a:buFont typeface="Wingdings" panose="05000000000000000000" pitchFamily="2" charset="2"/>
-              <a:buChar char="Ø"/>
-            </a:pPr>
-            <a:r>
-              <a:rPr lang="en-US" altLang="zh-CN" dirty="0" smtClean="0"/>
-              <a:t>How to route to the correct handler</a:t>
-            </a:r>
-          </a:p>
-          <a:p>
-            <a:pPr marL="285750" indent="-285750">
-              <a:buFont typeface="Wingdings" panose="05000000000000000000" pitchFamily="2" charset="2"/>
-              <a:buChar char="Ø"/>
-            </a:pPr>
-            <a:r>
-              <a:rPr lang="en-US" altLang="zh-CN" dirty="0" smtClean="0"/>
-              <a:t>How to simplify the call code</a:t>
-            </a:r>
+              <a:t>?</a:t>
+            </a:r>
+            <a:endParaRPr lang="en-US" altLang="zh-CN" dirty="0"/>
+          </a:p>
+          <a:p>
+            <a:endParaRPr lang="en-US" altLang="zh-CN" dirty="0"/>
+          </a:p>
+          <a:p>
+            <a:r>
+              <a:rPr lang="en-US" altLang="zh-CN" dirty="0"/>
+              <a:t>3.Ease of use challenges</a:t>
+            </a:r>
+          </a:p>
+          <a:p>
+            <a:endParaRPr lang="en-US" altLang="zh-CN" dirty="0"/>
+          </a:p>
+          <a:p>
+            <a:r>
+              <a:rPr lang="en-US" altLang="zh-CN" sz="1800" dirty="0">
+                <a:solidFill>
+                  <a:schemeClr val="accent5"/>
+                </a:solidFill>
+              </a:rPr>
+              <a:t>4.Key technologies</a:t>
+            </a:r>
+          </a:p>
+          <a:p>
+            <a:endParaRPr lang="en-US" altLang="zh-CN" dirty="0"/>
           </a:p>
         </p:txBody>
       </p:sp>
@@ -6551,141 +6521,6 @@
 </file>
 
 <file path=ppt/slides/slide12.xml><?xml version="1.0" encoding="utf-8"?>
-<p:sld xmlns:a="http://schemas.openxmlformats.org/drawingml/2006/main" xmlns:r="http://schemas.openxmlformats.org/officeDocument/2006/relationships" xmlns:p="http://schemas.openxmlformats.org/presentationml/2006/main">
-  <p:cSld>
-    <p:spTree>
-      <p:nvGrpSpPr>
-        <p:cNvPr id="1" name=""/>
-        <p:cNvGrpSpPr/>
-        <p:nvPr/>
-      </p:nvGrpSpPr>
-      <p:grpSpPr>
-        <a:xfrm>
-          <a:off x="0" y="0"/>
-          <a:ext cx="0" cy="0"/>
-          <a:chOff x="0" y="0"/>
-          <a:chExt cx="0" cy="0"/>
-        </a:xfrm>
-      </p:grpSpPr>
-      <p:sp>
-        <p:nvSpPr>
-          <p:cNvPr id="2" name="标题 1"/>
-          <p:cNvSpPr>
-            <a:spLocks noGrp="1"/>
-          </p:cNvSpPr>
-          <p:nvPr>
-            <p:ph type="title"/>
-          </p:nvPr>
-        </p:nvSpPr>
-        <p:spPr/>
-        <p:txBody>
-          <a:bodyPr/>
-          <a:lstStyle/>
-          <a:p>
-            <a:r>
-              <a:rPr lang="en-US" altLang="zh-CN" dirty="0" smtClean="0"/>
-              <a:t>Outline</a:t>
-            </a:r>
-            <a:endParaRPr lang="zh-CN" altLang="en-US" dirty="0"/>
-          </a:p>
-        </p:txBody>
-      </p:sp>
-      <p:sp>
-        <p:nvSpPr>
-          <p:cNvPr id="3" name="文本占位符 2"/>
-          <p:cNvSpPr>
-            <a:spLocks noGrp="1"/>
-          </p:cNvSpPr>
-          <p:nvPr>
-            <p:ph type="body" sz="half" idx="2"/>
-          </p:nvPr>
-        </p:nvSpPr>
-        <p:spPr/>
-        <p:txBody>
-          <a:bodyPr/>
-          <a:lstStyle/>
-          <a:p>
-            <a:r>
-              <a:rPr lang="en-US" altLang="zh-CN" dirty="0"/>
-              <a:t>1.Introduction to RPC</a:t>
-            </a:r>
-          </a:p>
-          <a:p>
-            <a:endParaRPr lang="en-US" altLang="zh-CN" dirty="0"/>
-          </a:p>
-          <a:p>
-            <a:r>
-              <a:rPr lang="en-US" altLang="zh-CN" dirty="0"/>
-              <a:t>2.What is </a:t>
-            </a:r>
-            <a:r>
-              <a:rPr lang="en-US" altLang="zh-CN" dirty="0" err="1" smtClean="0"/>
-              <a:t>rest_rpc</a:t>
-            </a:r>
-            <a:r>
-              <a:rPr lang="en-US" altLang="zh-CN" dirty="0" smtClean="0"/>
-              <a:t>?</a:t>
-            </a:r>
-            <a:endParaRPr lang="en-US" altLang="zh-CN" dirty="0"/>
-          </a:p>
-          <a:p>
-            <a:endParaRPr lang="en-US" altLang="zh-CN" dirty="0"/>
-          </a:p>
-          <a:p>
-            <a:r>
-              <a:rPr lang="en-US" altLang="zh-CN" dirty="0"/>
-              <a:t>3.Ease of use challenges</a:t>
-            </a:r>
-          </a:p>
-          <a:p>
-            <a:endParaRPr lang="en-US" altLang="zh-CN" dirty="0"/>
-          </a:p>
-          <a:p>
-            <a:r>
-              <a:rPr lang="en-US" altLang="zh-CN" sz="1800" dirty="0">
-                <a:solidFill>
-                  <a:schemeClr val="accent5"/>
-                </a:solidFill>
-              </a:rPr>
-              <a:t>4.Key technologies</a:t>
-            </a:r>
-          </a:p>
-          <a:p>
-            <a:endParaRPr lang="en-US" altLang="zh-CN" dirty="0"/>
-          </a:p>
-          <a:p>
-            <a:r>
-              <a:rPr lang="en-US" altLang="zh-CN" dirty="0" smtClean="0"/>
-              <a:t>5.What can you </a:t>
-            </a:r>
-            <a:r>
-              <a:rPr lang="en-US" altLang="zh-CN" dirty="0"/>
-              <a:t>do with </a:t>
-            </a:r>
-            <a:r>
-              <a:rPr lang="en-US" altLang="zh-CN" dirty="0" smtClean="0"/>
-              <a:t>it?</a:t>
-            </a:r>
-            <a:endParaRPr lang="zh-CN" altLang="en-US" dirty="0"/>
-          </a:p>
-        </p:txBody>
-      </p:sp>
-    </p:spTree>
-  </p:cSld>
-  <p:clrMapOvr>
-    <a:masterClrMapping/>
-  </p:clrMapOvr>
-  <p:timing>
-    <p:tnLst>
-      <p:par>
-        <p:cTn id="1" dur="indefinite" restart="never" nodeType="tmRoot"/>
-      </p:par>
-    </p:tnLst>
-  </p:timing>
-</p:sld>
-</file>
-
-<file path=ppt/slides/slide13.xml><?xml version="1.0" encoding="utf-8"?>
 <p:sld xmlns:a="http://schemas.openxmlformats.org/drawingml/2006/main" xmlns:r="http://schemas.openxmlformats.org/officeDocument/2006/relationships" xmlns:p="http://schemas.openxmlformats.org/presentationml/2006/main">
   <p:cSld>
     <p:spTree>
@@ -6801,7 +6636,7 @@
           <p:nvPr/>
         </p:nvPicPr>
         <p:blipFill>
-          <a:blip r:embed="rId3"/>
+          <a:blip r:embed="rId4" cstate="print"/>
           <a:stretch>
             <a:fillRect/>
           </a:stretch>
@@ -7042,7 +6877,7 @@
 </p:sld>
 </file>
 
-<file path=ppt/slides/slide14.xml><?xml version="1.0" encoding="utf-8"?>
+<file path=ppt/slides/slide13.xml><?xml version="1.0" encoding="utf-8"?>
 <p:sld xmlns:a="http://schemas.openxmlformats.org/drawingml/2006/main" xmlns:r="http://schemas.openxmlformats.org/officeDocument/2006/relationships" xmlns:p="http://schemas.openxmlformats.org/presentationml/2006/main">
   <p:cSld>
     <p:spTree>
@@ -7856,7 +7691,7 @@
 </p:sld>
 </file>
 
-<file path=ppt/slides/slide15.xml><?xml version="1.0" encoding="utf-8"?>
+<file path=ppt/slides/slide14.xml><?xml version="1.0" encoding="utf-8"?>
 <p:sld xmlns:a="http://schemas.openxmlformats.org/drawingml/2006/main" xmlns:r="http://schemas.openxmlformats.org/officeDocument/2006/relationships" xmlns:p="http://schemas.openxmlformats.org/presentationml/2006/main">
   <p:cSld>
     <p:spTree>
@@ -8085,7 +7920,7 @@
 </p:sld>
 </file>
 
-<file path=ppt/slides/slide16.xml><?xml version="1.0" encoding="utf-8"?>
+<file path=ppt/slides/slide15.xml><?xml version="1.0" encoding="utf-8"?>
 <p:sld xmlns:a="http://schemas.openxmlformats.org/drawingml/2006/main" xmlns:r="http://schemas.openxmlformats.org/officeDocument/2006/relationships" xmlns:p="http://schemas.openxmlformats.org/presentationml/2006/main">
   <p:cSld>
     <p:spTree>
@@ -8580,7 +8415,7 @@
 </p:sld>
 </file>
 
-<file path=ppt/slides/slide17.xml><?xml version="1.0" encoding="utf-8"?>
+<file path=ppt/slides/slide16.xml><?xml version="1.0" encoding="utf-8"?>
 <p:sld xmlns:a="http://schemas.openxmlformats.org/drawingml/2006/main" xmlns:r="http://schemas.openxmlformats.org/officeDocument/2006/relationships" xmlns:p="http://schemas.openxmlformats.org/presentationml/2006/main">
   <p:cSld>
     <p:spTree>
@@ -9689,7 +9524,7 @@
 </p:sld>
 </file>
 
-<file path=ppt/slides/slide18.xml><?xml version="1.0" encoding="utf-8"?>
+<file path=ppt/slides/slide17.xml><?xml version="1.0" encoding="utf-8"?>
 <p:sld xmlns:a="http://schemas.openxmlformats.org/drawingml/2006/main" xmlns:r="http://schemas.openxmlformats.org/officeDocument/2006/relationships" xmlns:p="http://schemas.openxmlformats.org/presentationml/2006/main">
   <p:cSld>
     <p:spTree>
@@ -10815,7 +10650,7 @@
 </p:sld>
 </file>
 
-<file path=ppt/slides/slide19.xml><?xml version="1.0" encoding="utf-8"?>
+<file path=ppt/slides/slide18.xml><?xml version="1.0" encoding="utf-8"?>
 <p:sld xmlns:a="http://schemas.openxmlformats.org/drawingml/2006/main" xmlns:r="http://schemas.openxmlformats.org/officeDocument/2006/relationships" xmlns:p="http://schemas.openxmlformats.org/presentationml/2006/main">
   <p:cSld>
     <p:spTree>
@@ -11948,129 +11783,7 @@
 </p:sld>
 </file>
 
-<file path=ppt/slides/slide2.xml><?xml version="1.0" encoding="utf-8"?>
-<p:sld xmlns:a="http://schemas.openxmlformats.org/drawingml/2006/main" xmlns:r="http://schemas.openxmlformats.org/officeDocument/2006/relationships" xmlns:p="http://schemas.openxmlformats.org/presentationml/2006/main">
-  <p:cSld>
-    <p:spTree>
-      <p:nvGrpSpPr>
-        <p:cNvPr id="1" name=""/>
-        <p:cNvGrpSpPr/>
-        <p:nvPr/>
-      </p:nvGrpSpPr>
-      <p:grpSpPr>
-        <a:xfrm>
-          <a:off x="0" y="0"/>
-          <a:ext cx="0" cy="0"/>
-          <a:chOff x="0" y="0"/>
-          <a:chExt cx="0" cy="0"/>
-        </a:xfrm>
-      </p:grpSpPr>
-      <p:sp>
-        <p:nvSpPr>
-          <p:cNvPr id="2" name="标题 1"/>
-          <p:cNvSpPr>
-            <a:spLocks noGrp="1"/>
-          </p:cNvSpPr>
-          <p:nvPr>
-            <p:ph type="title"/>
-          </p:nvPr>
-        </p:nvSpPr>
-        <p:spPr/>
-        <p:txBody>
-          <a:bodyPr/>
-          <a:lstStyle/>
-          <a:p>
-            <a:r>
-              <a:rPr lang="en-US" altLang="zh-CN" dirty="0" smtClean="0"/>
-              <a:t>Outline</a:t>
-            </a:r>
-            <a:endParaRPr lang="zh-CN" altLang="en-US" dirty="0"/>
-          </a:p>
-        </p:txBody>
-      </p:sp>
-      <p:sp>
-        <p:nvSpPr>
-          <p:cNvPr id="3" name="文本占位符 2"/>
-          <p:cNvSpPr>
-            <a:spLocks noGrp="1"/>
-          </p:cNvSpPr>
-          <p:nvPr>
-            <p:ph type="body" sz="half" idx="2"/>
-          </p:nvPr>
-        </p:nvSpPr>
-        <p:spPr/>
-        <p:txBody>
-          <a:bodyPr/>
-          <a:lstStyle/>
-          <a:p>
-            <a:r>
-              <a:rPr lang="en-US" altLang="zh-CN" sz="1800" dirty="0" smtClean="0">
-                <a:solidFill>
-                  <a:schemeClr val="accent5"/>
-                </a:solidFill>
-              </a:rPr>
-              <a:t>1.Introduction to RPC</a:t>
-            </a:r>
-          </a:p>
-          <a:p>
-            <a:endParaRPr lang="en-US" altLang="zh-CN" dirty="0" smtClean="0"/>
-          </a:p>
-          <a:p>
-            <a:r>
-              <a:rPr lang="en-US" altLang="zh-CN" dirty="0" smtClean="0"/>
-              <a:t>2.What is </a:t>
-            </a:r>
-            <a:r>
-              <a:rPr lang="en-US" altLang="zh-CN" dirty="0" err="1" smtClean="0"/>
-              <a:t>rest_rpc</a:t>
-            </a:r>
-            <a:r>
-              <a:rPr lang="en-US" altLang="zh-CN" dirty="0" smtClean="0"/>
-              <a:t>?</a:t>
-            </a:r>
-          </a:p>
-          <a:p>
-            <a:endParaRPr lang="en-US" altLang="zh-CN" dirty="0" smtClean="0"/>
-          </a:p>
-          <a:p>
-            <a:r>
-              <a:rPr lang="en-US" altLang="zh-CN" dirty="0"/>
-              <a:t>3.Ease of use challenges</a:t>
-            </a:r>
-          </a:p>
-          <a:p>
-            <a:endParaRPr lang="en-US" altLang="zh-CN" dirty="0" smtClean="0"/>
-          </a:p>
-          <a:p>
-            <a:r>
-              <a:rPr lang="en-US" altLang="zh-CN" dirty="0" smtClean="0"/>
-              <a:t>4.Key technologies</a:t>
-            </a:r>
-          </a:p>
-          <a:p>
-            <a:endParaRPr lang="en-US" altLang="zh-CN" dirty="0"/>
-          </a:p>
-          <a:p>
-            <a:endParaRPr lang="zh-CN" altLang="en-US" dirty="0"/>
-          </a:p>
-        </p:txBody>
-      </p:sp>
-    </p:spTree>
-  </p:cSld>
-  <p:clrMapOvr>
-    <a:masterClrMapping/>
-  </p:clrMapOvr>
-  <p:timing>
-    <p:tnLst>
-      <p:par>
-        <p:cTn id="1" dur="indefinite" restart="never" nodeType="tmRoot"/>
-      </p:par>
-    </p:tnLst>
-  </p:timing>
-</p:sld>
-</file>
-
-<file path=ppt/slides/slide20.xml><?xml version="1.0" encoding="utf-8"?>
+<file path=ppt/slides/slide19.xml><?xml version="1.0" encoding="utf-8"?>
 <p:sld xmlns:a="http://schemas.openxmlformats.org/drawingml/2006/main" xmlns:r="http://schemas.openxmlformats.org/officeDocument/2006/relationships" xmlns:p="http://schemas.openxmlformats.org/presentationml/2006/main">
   <p:cSld>
     <p:spTree>
@@ -12578,7 +12291,7 @@
 </p:sld>
 </file>
 
-<file path=ppt/slides/slide21.xml><?xml version="1.0" encoding="utf-8"?>
+<file path=ppt/slides/slide2.xml><?xml version="1.0" encoding="utf-8"?>
 <p:sld xmlns:a="http://schemas.openxmlformats.org/drawingml/2006/main" xmlns:r="http://schemas.openxmlformats.org/officeDocument/2006/relationships" xmlns:p="http://schemas.openxmlformats.org/presentationml/2006/main">
   <p:cSld>
     <p:spTree>
@@ -12611,8 +12324,8 @@
           <a:lstStyle/>
           <a:p>
             <a:r>
-              <a:rPr lang="en-US" altLang="zh-CN" dirty="0"/>
-              <a:t>Register callable of any signature</a:t>
+              <a:rPr lang="en-US" altLang="zh-CN" dirty="0" smtClean="0"/>
+              <a:t>Outline</a:t>
             </a:r>
             <a:endParaRPr lang="zh-CN" altLang="en-US" dirty="0"/>
           </a:p>
@@ -12633,98 +12346,54 @@
           <a:bodyPr/>
           <a:lstStyle/>
           <a:p>
+            <a:r>
+              <a:rPr lang="en-US" altLang="zh-CN" sz="1800" dirty="0" smtClean="0">
+                <a:solidFill>
+                  <a:schemeClr val="accent5"/>
+                </a:solidFill>
+              </a:rPr>
+              <a:t>1.Introduction to RPC</a:t>
+            </a:r>
+          </a:p>
+          <a:p>
             <a:endParaRPr lang="en-US" altLang="zh-CN" dirty="0" smtClean="0"/>
           </a:p>
           <a:p>
             <a:r>
+              <a:rPr lang="en-US" altLang="zh-CN" dirty="0" smtClean="0"/>
+              <a:t>2.What is </a:t>
+            </a:r>
+            <a:r>
               <a:rPr lang="en-US" altLang="zh-CN" dirty="0" err="1" smtClean="0"/>
-              <a:t>server_t</a:t>
+              <a:t>rest_rpc</a:t>
             </a:r>
             <a:r>
               <a:rPr lang="en-US" altLang="zh-CN" dirty="0" smtClean="0"/>
-              <a:t> </a:t>
-            </a:r>
-            <a:r>
-              <a:rPr lang="en-US" altLang="zh-CN" dirty="0"/>
-              <a:t>server</a:t>
-            </a:r>
+              <a:t>?</a:t>
+            </a:r>
+          </a:p>
+          <a:p>
+            <a:endParaRPr lang="en-US" altLang="zh-CN" dirty="0" smtClean="0"/>
+          </a:p>
+          <a:p>
+            <a:r>
+              <a:rPr lang="en-US" altLang="zh-CN" dirty="0"/>
+              <a:t>3.Ease of use challenges</a:t>
+            </a:r>
+          </a:p>
+          <a:p>
+            <a:endParaRPr lang="en-US" altLang="zh-CN" dirty="0" smtClean="0"/>
+          </a:p>
+          <a:p>
             <a:r>
               <a:rPr lang="en-US" altLang="zh-CN" dirty="0" smtClean="0"/>
-              <a:t>;</a:t>
+              <a:t>4.Key technologies</a:t>
             </a:r>
           </a:p>
           <a:p>
             <a:endParaRPr lang="en-US" altLang="zh-CN" dirty="0"/>
           </a:p>
           <a:p>
-            <a:r>
-              <a:rPr lang="en-US" altLang="zh-CN" dirty="0" err="1"/>
-              <a:t>server.register_handler</a:t>
-            </a:r>
-            <a:r>
-              <a:rPr lang="en-US" altLang="zh-CN" dirty="0"/>
-              <a:t>("add", [](</a:t>
-            </a:r>
-            <a:r>
-              <a:rPr lang="en-US" altLang="zh-CN" dirty="0" err="1"/>
-              <a:t>int</a:t>
-            </a:r>
-            <a:r>
-              <a:rPr lang="en-US" altLang="zh-CN" dirty="0"/>
-              <a:t> a, </a:t>
-            </a:r>
-            <a:r>
-              <a:rPr lang="en-US" altLang="zh-CN" dirty="0" err="1"/>
-              <a:t>int</a:t>
-            </a:r>
-            <a:r>
-              <a:rPr lang="en-US" altLang="zh-CN" dirty="0"/>
-              <a:t> b) {return a + b; });</a:t>
-            </a:r>
-          </a:p>
-          <a:p>
-            <a:r>
-              <a:rPr lang="en-US" altLang="zh-CN" dirty="0" err="1"/>
-              <a:t>server.register_handler</a:t>
-            </a:r>
-            <a:r>
-              <a:rPr lang="en-US" altLang="zh-CN" dirty="0"/>
-              <a:t>("dummy", []{ });</a:t>
-            </a:r>
-          </a:p>
-          <a:p>
-            <a:r>
-              <a:rPr lang="en-US" altLang="zh-CN" dirty="0" err="1"/>
-              <a:t>server.register_handler</a:t>
-            </a:r>
-            <a:r>
-              <a:rPr lang="en-US" altLang="zh-CN" dirty="0"/>
-              <a:t>("</a:t>
-            </a:r>
-            <a:r>
-              <a:rPr lang="en-US" altLang="zh-CN" dirty="0" err="1"/>
-              <a:t>get_str</a:t>
-            </a:r>
-            <a:r>
-              <a:rPr lang="en-US" altLang="zh-CN" dirty="0"/>
-              <a:t>", [](double v) { </a:t>
-            </a:r>
-            <a:r>
-              <a:rPr lang="en-US" altLang="zh-CN" dirty="0" err="1"/>
-              <a:t>std</a:t>
-            </a:r>
-            <a:r>
-              <a:rPr lang="en-US" altLang="zh-CN" dirty="0"/>
-              <a:t>::</a:t>
-            </a:r>
-            <a:r>
-              <a:rPr lang="en-US" altLang="zh-CN" dirty="0" err="1"/>
-              <a:t>to_string</a:t>
-            </a:r>
-            <a:r>
-              <a:rPr lang="en-US" altLang="zh-CN" dirty="0"/>
-              <a:t>(v); });</a:t>
-            </a:r>
             <a:endParaRPr lang="zh-CN" altLang="en-US" dirty="0"/>
           </a:p>
         </p:txBody>
@@ -12744,7 +12413,173 @@
 </p:sld>
 </file>
 
-<file path=ppt/slides/slide22.xml><?xml version="1.0" encoding="utf-8"?>
+<file path=ppt/slides/slide20.xml><?xml version="1.0" encoding="utf-8"?>
+<p:sld xmlns:a="http://schemas.openxmlformats.org/drawingml/2006/main" xmlns:r="http://schemas.openxmlformats.org/officeDocument/2006/relationships" xmlns:p="http://schemas.openxmlformats.org/presentationml/2006/main">
+  <p:cSld>
+    <p:spTree>
+      <p:nvGrpSpPr>
+        <p:cNvPr id="1" name=""/>
+        <p:cNvGrpSpPr/>
+        <p:nvPr/>
+      </p:nvGrpSpPr>
+      <p:grpSpPr>
+        <a:xfrm>
+          <a:off x="0" y="0"/>
+          <a:ext cx="0" cy="0"/>
+          <a:chOff x="0" y="0"/>
+          <a:chExt cx="0" cy="0"/>
+        </a:xfrm>
+      </p:grpSpPr>
+      <p:sp>
+        <p:nvSpPr>
+          <p:cNvPr id="2" name="标题 1"/>
+          <p:cNvSpPr>
+            <a:spLocks noGrp="1"/>
+          </p:cNvSpPr>
+          <p:nvPr>
+            <p:ph type="title"/>
+          </p:nvPr>
+        </p:nvSpPr>
+        <p:spPr/>
+        <p:txBody>
+          <a:bodyPr/>
+          <a:lstStyle/>
+          <a:p>
+            <a:r>
+              <a:rPr lang="en-US" altLang="zh-CN" dirty="0"/>
+              <a:t>Register callable of any signature</a:t>
+            </a:r>
+            <a:endParaRPr lang="zh-CN" altLang="en-US" dirty="0"/>
+          </a:p>
+        </p:txBody>
+      </p:sp>
+      <p:sp>
+        <p:nvSpPr>
+          <p:cNvPr id="3" name="文本占位符 2"/>
+          <p:cNvSpPr>
+            <a:spLocks noGrp="1"/>
+          </p:cNvSpPr>
+          <p:nvPr>
+            <p:ph type="body" sz="half" idx="2"/>
+          </p:nvPr>
+        </p:nvSpPr>
+        <p:spPr/>
+        <p:txBody>
+          <a:bodyPr/>
+          <a:lstStyle/>
+          <a:p>
+            <a:endParaRPr lang="en-US" altLang="zh-CN" dirty="0" smtClean="0"/>
+          </a:p>
+          <a:p>
+            <a:r>
+              <a:rPr lang="en-US" altLang="zh-CN" dirty="0" err="1" smtClean="0"/>
+              <a:t>server_t</a:t>
+            </a:r>
+            <a:r>
+              <a:rPr lang="en-US" altLang="zh-CN" dirty="0" smtClean="0"/>
+              <a:t> </a:t>
+            </a:r>
+            <a:r>
+              <a:rPr lang="en-US" altLang="zh-CN" dirty="0"/>
+              <a:t>server</a:t>
+            </a:r>
+            <a:r>
+              <a:rPr lang="en-US" altLang="zh-CN" dirty="0" smtClean="0"/>
+              <a:t>;</a:t>
+            </a:r>
+          </a:p>
+          <a:p>
+            <a:endParaRPr lang="en-US" altLang="zh-CN" dirty="0"/>
+          </a:p>
+          <a:p>
+            <a:r>
+              <a:rPr lang="en-US" altLang="zh-CN" dirty="0" err="1"/>
+              <a:t>server.register_handler</a:t>
+            </a:r>
+            <a:r>
+              <a:rPr lang="en-US" altLang="zh-CN" dirty="0"/>
+              <a:t>("add", [](</a:t>
+            </a:r>
+            <a:r>
+              <a:rPr lang="en-US" altLang="zh-CN" dirty="0" err="1"/>
+              <a:t>int</a:t>
+            </a:r>
+            <a:r>
+              <a:rPr lang="en-US" altLang="zh-CN" dirty="0"/>
+              <a:t> a, </a:t>
+            </a:r>
+            <a:r>
+              <a:rPr lang="en-US" altLang="zh-CN" dirty="0" err="1"/>
+              <a:t>int</a:t>
+            </a:r>
+            <a:r>
+              <a:rPr lang="en-US" altLang="zh-CN" dirty="0"/>
+              <a:t> b) {return a + b; });</a:t>
+            </a:r>
+          </a:p>
+          <a:p>
+            <a:r>
+              <a:rPr lang="en-US" altLang="zh-CN" dirty="0" err="1"/>
+              <a:t>server.register_handler</a:t>
+            </a:r>
+            <a:r>
+              <a:rPr lang="en-US" altLang="zh-CN" dirty="0"/>
+              <a:t>("dummy", []{ });</a:t>
+            </a:r>
+          </a:p>
+          <a:p>
+            <a:r>
+              <a:rPr lang="en-US" altLang="zh-CN" dirty="0" err="1"/>
+              <a:t>server.register_handler</a:t>
+            </a:r>
+            <a:r>
+              <a:rPr lang="en-US" altLang="zh-CN" dirty="0"/>
+              <a:t>("</a:t>
+            </a:r>
+            <a:r>
+              <a:rPr lang="en-US" altLang="zh-CN" dirty="0" err="1"/>
+              <a:t>get_str</a:t>
+            </a:r>
+            <a:r>
+              <a:rPr lang="en-US" altLang="zh-CN" dirty="0"/>
+              <a:t>", [](double v) { </a:t>
+            </a:r>
+            <a:r>
+              <a:rPr lang="en-US" altLang="zh-CN" dirty="0" err="1"/>
+              <a:t>std</a:t>
+            </a:r>
+            <a:r>
+              <a:rPr lang="en-US" altLang="zh-CN" dirty="0"/>
+              <a:t>::</a:t>
+            </a:r>
+            <a:r>
+              <a:rPr lang="en-US" altLang="zh-CN" dirty="0" err="1"/>
+              <a:t>to_string</a:t>
+            </a:r>
+            <a:r>
+              <a:rPr lang="en-US" altLang="zh-CN" dirty="0"/>
+              <a:t>(v); });</a:t>
+            </a:r>
+            <a:endParaRPr lang="zh-CN" altLang="en-US" dirty="0"/>
+          </a:p>
+        </p:txBody>
+      </p:sp>
+    </p:spTree>
+  </p:cSld>
+  <p:clrMapOvr>
+    <a:masterClrMapping/>
+  </p:clrMapOvr>
+  <p:timing>
+    <p:tnLst>
+      <p:par>
+        <p:cTn id="1" dur="indefinite" restart="never" nodeType="tmRoot"/>
+      </p:par>
+    </p:tnLst>
+  </p:timing>
+</p:sld>
+</file>
+
+<file path=ppt/slides/slide21.xml><?xml version="1.0" encoding="utf-8"?>
 <p:sld xmlns:a="http://schemas.openxmlformats.org/drawingml/2006/main" xmlns:r="http://schemas.openxmlformats.org/officeDocument/2006/relationships" xmlns:p="http://schemas.openxmlformats.org/presentationml/2006/main">
   <p:cSld>
     <p:spTree>
@@ -13040,7 +12875,7 @@
 </p:sld>
 </file>
 
-<file path=ppt/slides/slide23.xml><?xml version="1.0" encoding="utf-8"?>
+<file path=ppt/slides/slide22.xml><?xml version="1.0" encoding="utf-8"?>
 <p:sld xmlns:a="http://schemas.openxmlformats.org/drawingml/2006/main" xmlns:r="http://schemas.openxmlformats.org/officeDocument/2006/relationships" xmlns:p="http://schemas.openxmlformats.org/presentationml/2006/main">
   <p:cSld>
     <p:spTree>
@@ -13758,7 +13593,7 @@
 </p:sld>
 </file>
 
-<file path=ppt/slides/slide24.xml><?xml version="1.0" encoding="utf-8"?>
+<file path=ppt/slides/slide23.xml><?xml version="1.0" encoding="utf-8"?>
 <p:sld xmlns:a="http://schemas.openxmlformats.org/drawingml/2006/main" xmlns:r="http://schemas.openxmlformats.org/officeDocument/2006/relationships" xmlns:p="http://schemas.openxmlformats.org/presentationml/2006/main">
   <p:cSld>
     <p:spTree>
@@ -13861,7 +13696,7 @@
 </p:sld>
 </file>
 
-<file path=ppt/slides/slide25.xml><?xml version="1.0" encoding="utf-8"?>
+<file path=ppt/slides/slide24.xml><?xml version="1.0" encoding="utf-8"?>
 <p:sld xmlns:a="http://schemas.openxmlformats.org/drawingml/2006/main" xmlns:r="http://schemas.openxmlformats.org/officeDocument/2006/relationships" xmlns:p="http://schemas.openxmlformats.org/presentationml/2006/main">
   <p:cSld>
     <p:spTree>
@@ -14191,7 +14026,19 @@
           <a:p>
             <a:r>
               <a:rPr lang="en-US" altLang="zh-CN" dirty="0"/>
-              <a:t>iguana::xml::</a:t>
+              <a:t>iguana</a:t>
+            </a:r>
+            <a:r>
+              <a:rPr lang="en-US" altLang="zh-CN" dirty="0" smtClean="0"/>
+              <a:t>::</a:t>
+            </a:r>
+            <a:r>
+              <a:rPr lang="en-US" altLang="zh-CN" dirty="0" err="1" smtClean="0"/>
+              <a:t>json</a:t>
+            </a:r>
+            <a:r>
+              <a:rPr lang="en-US" altLang="zh-CN" dirty="0" smtClean="0"/>
+              <a:t>::</a:t>
             </a:r>
             <a:r>
               <a:rPr lang="en-US" altLang="zh-CN" dirty="0" err="1"/>
@@ -14522,6 +14369,324 @@
 </p:sld>
 </file>
 
+<file path=ppt/slides/slide25.xml><?xml version="1.0" encoding="utf-8"?>
+<p:sld xmlns:a="http://schemas.openxmlformats.org/drawingml/2006/main" xmlns:r="http://schemas.openxmlformats.org/officeDocument/2006/relationships" xmlns:p="http://schemas.openxmlformats.org/presentationml/2006/main">
+  <p:cSld>
+    <p:spTree>
+      <p:nvGrpSpPr>
+        <p:cNvPr id="1" name=""/>
+        <p:cNvGrpSpPr/>
+        <p:nvPr/>
+      </p:nvGrpSpPr>
+      <p:grpSpPr>
+        <a:xfrm>
+          <a:off x="0" y="0"/>
+          <a:ext cx="0" cy="0"/>
+          <a:chOff x="0" y="0"/>
+          <a:chExt cx="0" cy="0"/>
+        </a:xfrm>
+      </p:grpSpPr>
+      <p:sp>
+        <p:nvSpPr>
+          <p:cNvPr id="2" name="标题 1"/>
+          <p:cNvSpPr>
+            <a:spLocks noGrp="1"/>
+          </p:cNvSpPr>
+          <p:nvPr>
+            <p:ph type="title"/>
+          </p:nvPr>
+        </p:nvSpPr>
+        <p:spPr/>
+        <p:txBody>
+          <a:bodyPr/>
+          <a:lstStyle/>
+          <a:p>
+            <a:r>
+              <a:rPr lang="en-US" altLang="zh-CN" dirty="0"/>
+              <a:t>How to </a:t>
+            </a:r>
+            <a:r>
+              <a:rPr lang="en-US" altLang="zh-CN" dirty="0" smtClean="0"/>
+              <a:t>route to </a:t>
+            </a:r>
+            <a:r>
+              <a:rPr lang="en-US" altLang="zh-CN" dirty="0"/>
+              <a:t>the correct handler</a:t>
+            </a:r>
+            <a:endParaRPr lang="zh-CN" altLang="en-US" dirty="0"/>
+          </a:p>
+        </p:txBody>
+      </p:sp>
+      <p:sp>
+        <p:nvSpPr>
+          <p:cNvPr id="3" name="文本占位符 2"/>
+          <p:cNvSpPr>
+            <a:spLocks noGrp="1"/>
+          </p:cNvSpPr>
+          <p:nvPr>
+            <p:ph type="body" sz="half" idx="2"/>
+          </p:nvPr>
+        </p:nvSpPr>
+        <p:spPr/>
+        <p:txBody>
+          <a:bodyPr/>
+          <a:lstStyle/>
+          <a:p>
+            <a:r>
+              <a:rPr lang="en-US" altLang="zh-CN" dirty="0"/>
+              <a:t>template &lt;class F, class Tuple, </a:t>
+            </a:r>
+            <a:r>
+              <a:rPr lang="en-US" altLang="zh-CN" dirty="0" err="1"/>
+              <a:t>std</a:t>
+            </a:r>
+            <a:r>
+              <a:rPr lang="en-US" altLang="zh-CN" dirty="0"/>
+              <a:t>::</a:t>
+            </a:r>
+            <a:r>
+              <a:rPr lang="en-US" altLang="zh-CN" dirty="0" err="1"/>
+              <a:t>size_t</a:t>
+            </a:r>
+            <a:r>
+              <a:rPr lang="en-US" altLang="zh-CN" dirty="0"/>
+              <a:t>... I&gt;</a:t>
+            </a:r>
+          </a:p>
+          <a:p>
+            <a:r>
+              <a:rPr lang="en-US" altLang="zh-CN" dirty="0" err="1"/>
+              <a:t>constexpr</a:t>
+            </a:r>
+            <a:r>
+              <a:rPr lang="en-US" altLang="zh-CN" dirty="0"/>
+              <a:t> </a:t>
+            </a:r>
+            <a:r>
+              <a:rPr lang="en-US" altLang="zh-CN" dirty="0" err="1"/>
+              <a:t>decltype</a:t>
+            </a:r>
+            <a:r>
+              <a:rPr lang="en-US" altLang="zh-CN" dirty="0"/>
+              <a:t>(auto) </a:t>
+            </a:r>
+            <a:r>
+              <a:rPr lang="en-US" altLang="zh-CN" dirty="0" err="1"/>
+              <a:t>apply_impl</a:t>
+            </a:r>
+            <a:r>
+              <a:rPr lang="en-US" altLang="zh-CN" dirty="0"/>
+              <a:t>(F &amp;&amp;f, Tuple &amp;&amp;t, </a:t>
+            </a:r>
+            <a:r>
+              <a:rPr lang="en-US" altLang="zh-CN" dirty="0" err="1"/>
+              <a:t>std</a:t>
+            </a:r>
+            <a:r>
+              <a:rPr lang="en-US" altLang="zh-CN" dirty="0"/>
+              <a:t>::</a:t>
+            </a:r>
+            <a:r>
+              <a:rPr lang="en-US" altLang="zh-CN" dirty="0" err="1"/>
+              <a:t>index_sequence</a:t>
+            </a:r>
+            <a:r>
+              <a:rPr lang="en-US" altLang="zh-CN" dirty="0"/>
+              <a:t>&lt;I...&gt;)</a:t>
+            </a:r>
+          </a:p>
+          <a:p>
+            <a:r>
+              <a:rPr lang="en-US" altLang="zh-CN" dirty="0"/>
+              <a:t>{</a:t>
+            </a:r>
+          </a:p>
+          <a:p>
+            <a:r>
+              <a:rPr lang="en-US" altLang="zh-CN" dirty="0" smtClean="0"/>
+              <a:t>    return </a:t>
+            </a:r>
+            <a:r>
+              <a:rPr lang="en-US" altLang="zh-CN" dirty="0" err="1"/>
+              <a:t>std</a:t>
+            </a:r>
+            <a:r>
+              <a:rPr lang="en-US" altLang="zh-CN" dirty="0"/>
+              <a:t>::forward&lt;F&gt;(f)(</a:t>
+            </a:r>
+            <a:r>
+              <a:rPr lang="en-US" altLang="zh-CN" dirty="0" err="1"/>
+              <a:t>std</a:t>
+            </a:r>
+            <a:r>
+              <a:rPr lang="en-US" altLang="zh-CN" dirty="0"/>
+              <a:t>::get&lt;I&gt;(</a:t>
+            </a:r>
+            <a:r>
+              <a:rPr lang="en-US" altLang="zh-CN" dirty="0" err="1"/>
+              <a:t>std</a:t>
+            </a:r>
+            <a:r>
+              <a:rPr lang="en-US" altLang="zh-CN" dirty="0"/>
+              <a:t>::forward&lt;Tuple&gt;(t))...);</a:t>
+            </a:r>
+          </a:p>
+          <a:p>
+            <a:r>
+              <a:rPr lang="en-US" altLang="zh-CN" dirty="0"/>
+              <a:t>}</a:t>
+            </a:r>
+          </a:p>
+          <a:p>
+            <a:endParaRPr lang="zh-CN" altLang="en-US" dirty="0"/>
+          </a:p>
+          <a:p>
+            <a:r>
+              <a:rPr lang="en-US" altLang="zh-CN" dirty="0"/>
+              <a:t>template &lt;class F, class Tuple&gt;</a:t>
+            </a:r>
+          </a:p>
+          <a:p>
+            <a:r>
+              <a:rPr lang="en-US" altLang="zh-CN" dirty="0" err="1"/>
+              <a:t>constexpr</a:t>
+            </a:r>
+            <a:r>
+              <a:rPr lang="en-US" altLang="zh-CN" dirty="0"/>
+              <a:t> </a:t>
+            </a:r>
+            <a:r>
+              <a:rPr lang="en-US" altLang="zh-CN" dirty="0" err="1"/>
+              <a:t>decltype</a:t>
+            </a:r>
+            <a:r>
+              <a:rPr lang="en-US" altLang="zh-CN" dirty="0"/>
+              <a:t>(auto) apply(F &amp;&amp;f, Tuple &amp;&amp;t)</a:t>
+            </a:r>
+          </a:p>
+          <a:p>
+            <a:r>
+              <a:rPr lang="en-US" altLang="zh-CN" dirty="0"/>
+              <a:t>{</a:t>
+            </a:r>
+          </a:p>
+          <a:p>
+            <a:r>
+              <a:rPr lang="en-US" altLang="zh-CN" dirty="0" smtClean="0"/>
+              <a:t>    return </a:t>
+            </a:r>
+            <a:r>
+              <a:rPr lang="en-US" altLang="zh-CN" dirty="0" err="1"/>
+              <a:t>apply_impl</a:t>
+            </a:r>
+            <a:r>
+              <a:rPr lang="en-US" altLang="zh-CN" dirty="0"/>
+              <a:t>(</a:t>
+            </a:r>
+            <a:r>
+              <a:rPr lang="en-US" altLang="zh-CN" dirty="0" err="1"/>
+              <a:t>std</a:t>
+            </a:r>
+            <a:r>
+              <a:rPr lang="en-US" altLang="zh-CN" dirty="0"/>
+              <a:t>::forward&lt;F&gt;(f), </a:t>
+            </a:r>
+            <a:r>
+              <a:rPr lang="en-US" altLang="zh-CN" dirty="0" err="1"/>
+              <a:t>std</a:t>
+            </a:r>
+            <a:r>
+              <a:rPr lang="en-US" altLang="zh-CN" dirty="0"/>
+              <a:t>::forward&lt;Tuple&gt;(t),</a:t>
+            </a:r>
+          </a:p>
+          <a:p>
+            <a:r>
+              <a:rPr lang="en-US" altLang="zh-CN" dirty="0" smtClean="0"/>
+              <a:t>        </a:t>
+            </a:r>
+            <a:r>
+              <a:rPr lang="en-US" altLang="zh-CN" dirty="0" err="1" smtClean="0"/>
+              <a:t>std</a:t>
+            </a:r>
+            <a:r>
+              <a:rPr lang="en-US" altLang="zh-CN" dirty="0"/>
+              <a:t>::</a:t>
+            </a:r>
+            <a:r>
+              <a:rPr lang="en-US" altLang="zh-CN" dirty="0" err="1"/>
+              <a:t>make_index_sequence</a:t>
+            </a:r>
+            <a:r>
+              <a:rPr lang="en-US" altLang="zh-CN" dirty="0"/>
+              <a:t>&lt;</a:t>
+            </a:r>
+            <a:r>
+              <a:rPr lang="en-US" altLang="zh-CN" dirty="0" err="1"/>
+              <a:t>std</a:t>
+            </a:r>
+            <a:r>
+              <a:rPr lang="en-US" altLang="zh-CN" dirty="0"/>
+              <a:t>::</a:t>
+            </a:r>
+            <a:r>
+              <a:rPr lang="en-US" altLang="zh-CN" dirty="0" err="1"/>
+              <a:t>tuple_size</a:t>
+            </a:r>
+            <a:r>
+              <a:rPr lang="en-US" altLang="zh-CN" dirty="0"/>
+              <a:t>&lt;</a:t>
+            </a:r>
+            <a:r>
+              <a:rPr lang="en-US" altLang="zh-CN" dirty="0" err="1"/>
+              <a:t>std</a:t>
+            </a:r>
+            <a:r>
+              <a:rPr lang="en-US" altLang="zh-CN" dirty="0"/>
+              <a:t>::</a:t>
+            </a:r>
+            <a:r>
+              <a:rPr lang="en-US" altLang="zh-CN" dirty="0" err="1"/>
+              <a:t>decay_t</a:t>
+            </a:r>
+            <a:r>
+              <a:rPr lang="en-US" altLang="zh-CN" dirty="0"/>
+              <a:t>&lt;Tuple&gt;&gt;::value&gt;{});</a:t>
+            </a:r>
+          </a:p>
+          <a:p>
+            <a:r>
+              <a:rPr lang="en-US" altLang="zh-CN" dirty="0" smtClean="0"/>
+              <a:t>}</a:t>
+            </a:r>
+          </a:p>
+          <a:p>
+            <a:endParaRPr lang="en-US" altLang="zh-CN" sz="1400" dirty="0"/>
+          </a:p>
+          <a:p>
+            <a:r>
+              <a:rPr lang="en-US" altLang="zh-CN" sz="1400" dirty="0" smtClean="0"/>
+              <a:t>implemented by C++14</a:t>
+            </a:r>
+            <a:endParaRPr lang="en-US" altLang="zh-CN" sz="1400" dirty="0"/>
+          </a:p>
+        </p:txBody>
+      </p:sp>
+    </p:spTree>
+  </p:cSld>
+  <p:clrMapOvr>
+    <a:masterClrMapping/>
+  </p:clrMapOvr>
+  <p:timing>
+    <p:tnLst>
+      <p:par>
+        <p:cTn id="1" dur="indefinite" restart="never" nodeType="tmRoot"/>
+      </p:par>
+    </p:tnLst>
+  </p:timing>
+</p:sld>
+</file>
+
 <file path=ppt/slides/slide26.xml><?xml version="1.0" encoding="utf-8"?>
 <p:sld xmlns:a="http://schemas.openxmlformats.org/drawingml/2006/main" xmlns:r="http://schemas.openxmlformats.org/officeDocument/2006/relationships" xmlns:p="http://schemas.openxmlformats.org/presentationml/2006/main">
   <p:cSld>
@@ -14556,15 +14721,15 @@
           <a:p>
             <a:r>
               <a:rPr lang="en-US" altLang="zh-CN" dirty="0"/>
-              <a:t>How to </a:t>
+              <a:t>How to route </a:t>
             </a:r>
             <a:r>
               <a:rPr lang="en-US" altLang="zh-CN" dirty="0" smtClean="0"/>
-              <a:t>route to </a:t>
-            </a:r>
-            <a:r>
-              <a:rPr lang="en-US" altLang="zh-CN" dirty="0"/>
-              <a:t>the correct handler</a:t>
+              <a:t>to the </a:t>
+            </a:r>
+            <a:r>
+              <a:rPr lang="en-US" altLang="zh-CN" dirty="0"/>
+              <a:t>correct handler</a:t>
             </a:r>
             <a:endParaRPr lang="zh-CN" altLang="en-US" dirty="0"/>
           </a:p>
@@ -14587,7 +14752,50 @@
           <a:p>
             <a:r>
               <a:rPr lang="en-US" altLang="zh-CN" dirty="0"/>
-              <a:t>template &lt;class F, class Tuple, </a:t>
+              <a:t>void add(</a:t>
+            </a:r>
+            <a:r>
+              <a:rPr lang="en-US" altLang="zh-CN" dirty="0" err="1"/>
+              <a:t>int</a:t>
+            </a:r>
+            <a:r>
+              <a:rPr lang="en-US" altLang="zh-CN" dirty="0"/>
+              <a:t> a, </a:t>
+            </a:r>
+            <a:r>
+              <a:rPr lang="en-US" altLang="zh-CN" dirty="0" err="1"/>
+              <a:t>int</a:t>
+            </a:r>
+            <a:r>
+              <a:rPr lang="en-US" altLang="zh-CN" dirty="0"/>
+              <a:t> b</a:t>
+            </a:r>
+            <a:r>
+              <a:rPr lang="en-US" altLang="zh-CN" dirty="0" smtClean="0"/>
+              <a:t>){</a:t>
+            </a:r>
+            <a:endParaRPr lang="en-US" altLang="zh-CN" dirty="0"/>
+          </a:p>
+          <a:p>
+            <a:r>
+              <a:rPr lang="en-US" altLang="zh-CN" dirty="0" smtClean="0"/>
+              <a:t>    </a:t>
+            </a:r>
+            <a:r>
+              <a:rPr lang="en-US" altLang="zh-CN" dirty="0" err="1" smtClean="0"/>
+              <a:t>std</a:t>
+            </a:r>
+            <a:r>
+              <a:rPr lang="en-US" altLang="zh-CN" dirty="0"/>
+              <a:t>::</a:t>
+            </a:r>
+            <a:r>
+              <a:rPr lang="en-US" altLang="zh-CN" dirty="0" err="1"/>
+              <a:t>cout</a:t>
+            </a:r>
+            <a:r>
+              <a:rPr lang="en-US" altLang="zh-CN" dirty="0"/>
+              <a:t> &lt;&lt; a + b &lt;&lt; </a:t>
             </a:r>
             <a:r>
               <a:rPr lang="en-US" altLang="zh-CN" dirty="0" err="1"/>
@@ -14599,37 +14807,23 @@
             </a:r>
             <a:r>
               <a:rPr lang="en-US" altLang="zh-CN" dirty="0" err="1"/>
-              <a:t>size_t</a:t>
-            </a:r>
-            <a:r>
-              <a:rPr lang="en-US" altLang="zh-CN" dirty="0"/>
-              <a:t>... I&gt;</a:t>
-            </a:r>
-          </a:p>
-          <a:p>
-            <a:r>
-              <a:rPr lang="en-US" altLang="zh-CN" dirty="0" err="1"/>
-              <a:t>constexpr</a:t>
-            </a:r>
-            <a:r>
-              <a:rPr lang="en-US" altLang="zh-CN" dirty="0"/>
-              <a:t> </a:t>
-            </a:r>
-            <a:r>
-              <a:rPr lang="en-US" altLang="zh-CN" dirty="0" err="1"/>
-              <a:t>decltype</a:t>
-            </a:r>
-            <a:r>
-              <a:rPr lang="en-US" altLang="zh-CN" dirty="0"/>
-              <a:t>(auto) </a:t>
-            </a:r>
-            <a:r>
-              <a:rPr lang="en-US" altLang="zh-CN" dirty="0" err="1"/>
-              <a:t>apply_impl</a:t>
-            </a:r>
-            <a:r>
-              <a:rPr lang="en-US" altLang="zh-CN" dirty="0"/>
-              <a:t>(F &amp;&amp;f, Tuple &amp;&amp;t, </a:t>
+              <a:t>endl</a:t>
+            </a:r>
+            <a:r>
+              <a:rPr lang="en-US" altLang="zh-CN" dirty="0"/>
+              <a:t>;</a:t>
+            </a:r>
+          </a:p>
+          <a:p>
+            <a:r>
+              <a:rPr lang="en-US" altLang="zh-CN" dirty="0" smtClean="0"/>
+              <a:t>}</a:t>
+            </a:r>
+          </a:p>
+          <a:p>
+            <a:r>
+              <a:rPr lang="en-US" altLang="zh-CN" dirty="0"/>
+              <a:t>void foo(</a:t>
             </a:r>
             <a:r>
               <a:rPr lang="en-US" altLang="zh-CN" dirty="0" err="1"/>
@@ -14637,27 +14831,42 @@
             </a:r>
             <a:r>
               <a:rPr lang="en-US" altLang="zh-CN" dirty="0"/>
+              <a:t>::string b, </a:t>
+            </a:r>
+            <a:r>
+              <a:rPr lang="en-US" altLang="zh-CN" dirty="0" err="1"/>
+              <a:t>int</a:t>
+            </a:r>
+            <a:r>
+              <a:rPr lang="en-US" altLang="zh-CN" dirty="0"/>
+              <a:t> a</a:t>
+            </a:r>
+            <a:r>
+              <a:rPr lang="en-US" altLang="zh-CN" dirty="0" smtClean="0"/>
+              <a:t>){</a:t>
+            </a:r>
+            <a:endParaRPr lang="en-US" altLang="zh-CN" dirty="0"/>
+          </a:p>
+          <a:p>
+            <a:r>
+              <a:rPr lang="en-US" altLang="zh-CN" dirty="0" smtClean="0"/>
+              <a:t>    </a:t>
+            </a:r>
+            <a:r>
+              <a:rPr lang="en-US" altLang="zh-CN" dirty="0" err="1" smtClean="0"/>
+              <a:t>std</a:t>
+            </a:r>
+            <a:r>
+              <a:rPr lang="en-US" altLang="zh-CN" dirty="0"/>
               <a:t>::</a:t>
             </a:r>
             <a:r>
               <a:rPr lang="en-US" altLang="zh-CN" dirty="0" err="1"/>
-              <a:t>index_sequence</a:t>
-            </a:r>
-            <a:r>
-              <a:rPr lang="en-US" altLang="zh-CN" dirty="0"/>
-              <a:t>&lt;I...&gt;)</a:t>
-            </a:r>
-          </a:p>
-          <a:p>
-            <a:r>
-              <a:rPr lang="en-US" altLang="zh-CN" dirty="0"/>
-              <a:t>{</a:t>
-            </a:r>
-          </a:p>
-          <a:p>
-            <a:r>
-              <a:rPr lang="en-US" altLang="zh-CN" dirty="0" smtClean="0"/>
-              <a:t>    return </a:t>
+              <a:t>cout</a:t>
+            </a:r>
+            <a:r>
+              <a:rPr lang="en-US" altLang="zh-CN" dirty="0"/>
+              <a:t> &lt;&lt; b &lt;&lt; </a:t>
             </a:r>
             <a:r>
               <a:rPr lang="en-US" altLang="zh-CN" dirty="0" err="1"/>
@@ -14665,146 +14874,15 @@
             </a:r>
             <a:r>
               <a:rPr lang="en-US" altLang="zh-CN" dirty="0"/>
-              <a:t>::forward&lt;F&gt;(f)(</a:t>
+              <a:t>::</a:t>
             </a:r>
             <a:r>
               <a:rPr lang="en-US" altLang="zh-CN" dirty="0" err="1"/>
-              <a:t>std</a:t>
-            </a:r>
-            <a:r>
-              <a:rPr lang="en-US" altLang="zh-CN" dirty="0"/>
-              <a:t>::get&lt;I&gt;(</a:t>
-            </a:r>
-            <a:r>
-              <a:rPr lang="en-US" altLang="zh-CN" dirty="0" err="1"/>
-              <a:t>std</a:t>
-            </a:r>
-            <a:r>
-              <a:rPr lang="en-US" altLang="zh-CN" dirty="0"/>
-              <a:t>::forward&lt;Tuple&gt;(t))...);</a:t>
-            </a:r>
-          </a:p>
-          <a:p>
-            <a:r>
-              <a:rPr lang="en-US" altLang="zh-CN" dirty="0"/>
-              <a:t>}</a:t>
-            </a:r>
-          </a:p>
-          <a:p>
-            <a:endParaRPr lang="zh-CN" altLang="en-US" dirty="0"/>
-          </a:p>
-          <a:p>
-            <a:r>
-              <a:rPr lang="en-US" altLang="zh-CN" dirty="0"/>
-              <a:t>template &lt;class F, class Tuple&gt;</a:t>
-            </a:r>
-          </a:p>
-          <a:p>
-            <a:r>
-              <a:rPr lang="en-US" altLang="zh-CN" dirty="0" err="1"/>
-              <a:t>constexpr</a:t>
-            </a:r>
-            <a:r>
-              <a:rPr lang="en-US" altLang="zh-CN" dirty="0"/>
-              <a:t> </a:t>
-            </a:r>
-            <a:r>
-              <a:rPr lang="en-US" altLang="zh-CN" dirty="0" err="1"/>
-              <a:t>decltype</a:t>
-            </a:r>
-            <a:r>
-              <a:rPr lang="en-US" altLang="zh-CN" dirty="0"/>
-              <a:t>(auto) apply(F &amp;&amp;f, Tuple &amp;&amp;t)</a:t>
-            </a:r>
-          </a:p>
-          <a:p>
-            <a:r>
-              <a:rPr lang="en-US" altLang="zh-CN" dirty="0"/>
-              <a:t>{</a:t>
-            </a:r>
-          </a:p>
-          <a:p>
-            <a:r>
-              <a:rPr lang="en-US" altLang="zh-CN" dirty="0" smtClean="0"/>
-              <a:t>    return </a:t>
-            </a:r>
-            <a:r>
-              <a:rPr lang="en-US" altLang="zh-CN" dirty="0" err="1"/>
-              <a:t>apply_impl</a:t>
-            </a:r>
-            <a:r>
-              <a:rPr lang="en-US" altLang="zh-CN" dirty="0"/>
-              <a:t>(</a:t>
-            </a:r>
-            <a:r>
-              <a:rPr lang="en-US" altLang="zh-CN" dirty="0" err="1"/>
-              <a:t>std</a:t>
-            </a:r>
-            <a:r>
-              <a:rPr lang="en-US" altLang="zh-CN" dirty="0"/>
-              <a:t>::forward&lt;F&gt;(f), </a:t>
-            </a:r>
-            <a:r>
-              <a:rPr lang="en-US" altLang="zh-CN" dirty="0" err="1"/>
-              <a:t>std</a:t>
-            </a:r>
-            <a:r>
-              <a:rPr lang="en-US" altLang="zh-CN" dirty="0"/>
-              <a:t>::forward&lt;Tuple&gt;(t),</a:t>
-            </a:r>
-          </a:p>
-          <a:p>
-            <a:r>
-              <a:rPr lang="en-US" altLang="zh-CN" dirty="0" smtClean="0"/>
-              <a:t>        </a:t>
-            </a:r>
-            <a:r>
-              <a:rPr lang="en-US" altLang="zh-CN" dirty="0" err="1" smtClean="0"/>
-              <a:t>std</a:t>
-            </a:r>
-            <a:r>
-              <a:rPr lang="en-US" altLang="zh-CN" dirty="0"/>
-              <a:t>::</a:t>
-            </a:r>
-            <a:r>
-              <a:rPr lang="en-US" altLang="zh-CN" dirty="0" err="1"/>
-              <a:t>make_index_sequence</a:t>
-            </a:r>
-            <a:r>
-              <a:rPr lang="en-US" altLang="zh-CN" dirty="0"/>
-              <a:t>&lt;</a:t>
-            </a:r>
-            <a:r>
-              <a:rPr lang="en-US" altLang="zh-CN" dirty="0" err="1"/>
-              <a:t>std</a:t>
-            </a:r>
-            <a:r>
-              <a:rPr lang="en-US" altLang="zh-CN" dirty="0"/>
-              <a:t>::</a:t>
-            </a:r>
-            <a:r>
-              <a:rPr lang="en-US" altLang="zh-CN" dirty="0" err="1"/>
-              <a:t>tuple_size</a:t>
-            </a:r>
-            <a:r>
-              <a:rPr lang="en-US" altLang="zh-CN" dirty="0"/>
-              <a:t>&lt;</a:t>
-            </a:r>
-            <a:r>
-              <a:rPr lang="en-US" altLang="zh-CN" dirty="0" err="1"/>
-              <a:t>std</a:t>
-            </a:r>
-            <a:r>
-              <a:rPr lang="en-US" altLang="zh-CN" dirty="0"/>
-              <a:t>::</a:t>
-            </a:r>
-            <a:r>
-              <a:rPr lang="en-US" altLang="zh-CN" dirty="0" err="1"/>
-              <a:t>decay_t</a:t>
-            </a:r>
-            <a:r>
-              <a:rPr lang="en-US" altLang="zh-CN" dirty="0"/>
-              <a:t>&lt;Tuple&gt;&gt;::value&gt;{});</a:t>
+              <a:t>endl</a:t>
+            </a:r>
+            <a:r>
+              <a:rPr lang="en-US" altLang="zh-CN" dirty="0"/>
+              <a:t>;</a:t>
             </a:r>
           </a:p>
           <a:p>
@@ -14814,14 +14892,103 @@
             </a:r>
           </a:p>
           <a:p>
-            <a:endParaRPr lang="en-US" altLang="zh-CN" sz="1400" dirty="0"/>
-          </a:p>
-          <a:p>
-            <a:r>
-              <a:rPr lang="en-US" altLang="zh-CN" sz="1400" dirty="0" smtClean="0"/>
-              <a:t>implemented by C++14</a:t>
-            </a:r>
-            <a:endParaRPr lang="en-US" altLang="zh-CN" sz="1400" dirty="0"/>
+            <a:r>
+              <a:rPr lang="en-US" altLang="zh-CN" dirty="0" smtClean="0"/>
+              <a:t>router </a:t>
+            </a:r>
+            <a:r>
+              <a:rPr lang="en-US" altLang="zh-CN" dirty="0"/>
+              <a:t>r;</a:t>
+            </a:r>
+          </a:p>
+          <a:p>
+            <a:r>
+              <a:rPr lang="en-US" altLang="zh-CN" dirty="0" err="1" smtClean="0"/>
+              <a:t>r.register_handler</a:t>
+            </a:r>
+            <a:r>
+              <a:rPr lang="en-US" altLang="zh-CN" dirty="0"/>
+              <a:t>("add", &amp;add);</a:t>
+            </a:r>
+          </a:p>
+          <a:p>
+            <a:r>
+              <a:rPr lang="en-US" altLang="zh-CN" dirty="0" err="1" smtClean="0"/>
+              <a:t>r.register_handler</a:t>
+            </a:r>
+            <a:r>
+              <a:rPr lang="en-US" altLang="zh-CN" dirty="0"/>
+              <a:t>("</a:t>
+            </a:r>
+            <a:r>
+              <a:rPr lang="en-US" altLang="zh-CN" dirty="0" smtClean="0"/>
+              <a:t>fun", </a:t>
+            </a:r>
+            <a:r>
+              <a:rPr lang="en-US" altLang="zh-CN" dirty="0"/>
+              <a:t>&amp;foo</a:t>
+            </a:r>
+            <a:r>
+              <a:rPr lang="en-US" altLang="zh-CN" dirty="0" smtClean="0"/>
+              <a:t>);</a:t>
+            </a:r>
+          </a:p>
+          <a:p>
+            <a:endParaRPr lang="en-US" altLang="zh-CN" dirty="0" smtClean="0"/>
+          </a:p>
+          <a:p>
+            <a:r>
+              <a:rPr lang="en-US" altLang="zh-CN" dirty="0" smtClean="0"/>
+              <a:t>string </a:t>
+            </a:r>
+            <a:r>
+              <a:rPr lang="en-US" altLang="zh-CN" dirty="0"/>
+              <a:t>s1 = "add/1/2</a:t>
+            </a:r>
+            <a:r>
+              <a:rPr lang="en-US" altLang="zh-CN" dirty="0" smtClean="0"/>
+              <a:t>"; //</a:t>
+            </a:r>
+            <a:r>
+              <a:rPr lang="en-US" altLang="zh-CN" dirty="0" err="1" smtClean="0"/>
+              <a:t>url</a:t>
+            </a:r>
+            <a:r>
+              <a:rPr lang="en-US" altLang="zh-CN" dirty="0" smtClean="0"/>
+              <a:t> from client</a:t>
+            </a:r>
+            <a:endParaRPr lang="en-US" altLang="zh-CN" dirty="0"/>
+          </a:p>
+          <a:p>
+            <a:r>
+              <a:rPr lang="en-US" altLang="zh-CN" dirty="0" smtClean="0"/>
+              <a:t>string s2 </a:t>
+            </a:r>
+            <a:r>
+              <a:rPr lang="en-US" altLang="zh-CN" dirty="0"/>
+              <a:t>= "fun/test/1";</a:t>
+            </a:r>
+          </a:p>
+          <a:p>
+            <a:r>
+              <a:rPr lang="en-US" altLang="zh-CN" dirty="0" err="1" smtClean="0"/>
+              <a:t>r.route</a:t>
+            </a:r>
+            <a:r>
+              <a:rPr lang="en-US" altLang="zh-CN" dirty="0" smtClean="0"/>
+              <a:t>(s1);  //route and execute</a:t>
+            </a:r>
+          </a:p>
+          <a:p>
+            <a:r>
+              <a:rPr lang="en-US" altLang="zh-CN" dirty="0" err="1" smtClean="0"/>
+              <a:t>r.route</a:t>
+            </a:r>
+            <a:r>
+              <a:rPr lang="en-US" altLang="zh-CN" dirty="0" smtClean="0"/>
+              <a:t>(s2);  //route and execute</a:t>
+            </a:r>
+            <a:endParaRPr lang="zh-CN" altLang="en-US" dirty="0"/>
           </a:p>
         </p:txBody>
       </p:sp>
@@ -14841,326 +15008,6 @@
 </file>
 
 <file path=ppt/slides/slide27.xml><?xml version="1.0" encoding="utf-8"?>
-<p:sld xmlns:a="http://schemas.openxmlformats.org/drawingml/2006/main" xmlns:r="http://schemas.openxmlformats.org/officeDocument/2006/relationships" xmlns:p="http://schemas.openxmlformats.org/presentationml/2006/main">
-  <p:cSld>
-    <p:spTree>
-      <p:nvGrpSpPr>
-        <p:cNvPr id="1" name=""/>
-        <p:cNvGrpSpPr/>
-        <p:nvPr/>
-      </p:nvGrpSpPr>
-      <p:grpSpPr>
-        <a:xfrm>
-          <a:off x="0" y="0"/>
-          <a:ext cx="0" cy="0"/>
-          <a:chOff x="0" y="0"/>
-          <a:chExt cx="0" cy="0"/>
-        </a:xfrm>
-      </p:grpSpPr>
-      <p:sp>
-        <p:nvSpPr>
-          <p:cNvPr id="2" name="标题 1"/>
-          <p:cNvSpPr>
-            <a:spLocks noGrp="1"/>
-          </p:cNvSpPr>
-          <p:nvPr>
-            <p:ph type="title"/>
-          </p:nvPr>
-        </p:nvSpPr>
-        <p:spPr/>
-        <p:txBody>
-          <a:bodyPr/>
-          <a:lstStyle/>
-          <a:p>
-            <a:r>
-              <a:rPr lang="en-US" altLang="zh-CN" dirty="0"/>
-              <a:t>How to route </a:t>
-            </a:r>
-            <a:r>
-              <a:rPr lang="en-US" altLang="zh-CN" dirty="0" smtClean="0"/>
-              <a:t>to the </a:t>
-            </a:r>
-            <a:r>
-              <a:rPr lang="en-US" altLang="zh-CN" dirty="0"/>
-              <a:t>correct handler</a:t>
-            </a:r>
-            <a:endParaRPr lang="zh-CN" altLang="en-US" dirty="0"/>
-          </a:p>
-        </p:txBody>
-      </p:sp>
-      <p:sp>
-        <p:nvSpPr>
-          <p:cNvPr id="3" name="文本占位符 2"/>
-          <p:cNvSpPr>
-            <a:spLocks noGrp="1"/>
-          </p:cNvSpPr>
-          <p:nvPr>
-            <p:ph type="body" sz="half" idx="2"/>
-          </p:nvPr>
-        </p:nvSpPr>
-        <p:spPr/>
-        <p:txBody>
-          <a:bodyPr/>
-          <a:lstStyle/>
-          <a:p>
-            <a:r>
-              <a:rPr lang="en-US" altLang="zh-CN" dirty="0"/>
-              <a:t>void add(</a:t>
-            </a:r>
-            <a:r>
-              <a:rPr lang="en-US" altLang="zh-CN" dirty="0" err="1"/>
-              <a:t>int</a:t>
-            </a:r>
-            <a:r>
-              <a:rPr lang="en-US" altLang="zh-CN" dirty="0"/>
-              <a:t> a, </a:t>
-            </a:r>
-            <a:r>
-              <a:rPr lang="en-US" altLang="zh-CN" dirty="0" err="1"/>
-              <a:t>int</a:t>
-            </a:r>
-            <a:r>
-              <a:rPr lang="en-US" altLang="zh-CN" dirty="0"/>
-              <a:t> b</a:t>
-            </a:r>
-            <a:r>
-              <a:rPr lang="en-US" altLang="zh-CN" dirty="0" smtClean="0"/>
-              <a:t>){</a:t>
-            </a:r>
-            <a:endParaRPr lang="en-US" altLang="zh-CN" dirty="0"/>
-          </a:p>
-          <a:p>
-            <a:r>
-              <a:rPr lang="en-US" altLang="zh-CN" dirty="0" smtClean="0"/>
-              <a:t>    </a:t>
-            </a:r>
-            <a:r>
-              <a:rPr lang="en-US" altLang="zh-CN" dirty="0" err="1" smtClean="0"/>
-              <a:t>std</a:t>
-            </a:r>
-            <a:r>
-              <a:rPr lang="en-US" altLang="zh-CN" dirty="0"/>
-              <a:t>::</a:t>
-            </a:r>
-            <a:r>
-              <a:rPr lang="en-US" altLang="zh-CN" dirty="0" err="1"/>
-              <a:t>cout</a:t>
-            </a:r>
-            <a:r>
-              <a:rPr lang="en-US" altLang="zh-CN" dirty="0"/>
-              <a:t> &lt;&lt; a + b &lt;&lt; </a:t>
-            </a:r>
-            <a:r>
-              <a:rPr lang="en-US" altLang="zh-CN" dirty="0" err="1"/>
-              <a:t>std</a:t>
-            </a:r>
-            <a:r>
-              <a:rPr lang="en-US" altLang="zh-CN" dirty="0"/>
-              <a:t>::</a:t>
-            </a:r>
-            <a:r>
-              <a:rPr lang="en-US" altLang="zh-CN" dirty="0" err="1"/>
-              <a:t>endl</a:t>
-            </a:r>
-            <a:r>
-              <a:rPr lang="en-US" altLang="zh-CN" dirty="0"/>
-              <a:t>;</a:t>
-            </a:r>
-          </a:p>
-          <a:p>
-            <a:r>
-              <a:rPr lang="en-US" altLang="zh-CN" dirty="0" smtClean="0"/>
-              <a:t>}</a:t>
-            </a:r>
-          </a:p>
-          <a:p>
-            <a:r>
-              <a:rPr lang="en-US" altLang="zh-CN" dirty="0"/>
-              <a:t>void foo(</a:t>
-            </a:r>
-            <a:r>
-              <a:rPr lang="en-US" altLang="zh-CN" dirty="0" err="1"/>
-              <a:t>std</a:t>
-            </a:r>
-            <a:r>
-              <a:rPr lang="en-US" altLang="zh-CN" dirty="0"/>
-              <a:t>::string b, </a:t>
-            </a:r>
-            <a:r>
-              <a:rPr lang="en-US" altLang="zh-CN" dirty="0" err="1"/>
-              <a:t>int</a:t>
-            </a:r>
-            <a:r>
-              <a:rPr lang="en-US" altLang="zh-CN" dirty="0"/>
-              <a:t> a</a:t>
-            </a:r>
-            <a:r>
-              <a:rPr lang="en-US" altLang="zh-CN" dirty="0" smtClean="0"/>
-              <a:t>){</a:t>
-            </a:r>
-            <a:endParaRPr lang="en-US" altLang="zh-CN" dirty="0"/>
-          </a:p>
-          <a:p>
-            <a:r>
-              <a:rPr lang="en-US" altLang="zh-CN" dirty="0" smtClean="0"/>
-              <a:t>    </a:t>
-            </a:r>
-            <a:r>
-              <a:rPr lang="en-US" altLang="zh-CN" dirty="0" err="1" smtClean="0"/>
-              <a:t>std</a:t>
-            </a:r>
-            <a:r>
-              <a:rPr lang="en-US" altLang="zh-CN" dirty="0"/>
-              <a:t>::</a:t>
-            </a:r>
-            <a:r>
-              <a:rPr lang="en-US" altLang="zh-CN" dirty="0" err="1"/>
-              <a:t>cout</a:t>
-            </a:r>
-            <a:r>
-              <a:rPr lang="en-US" altLang="zh-CN" dirty="0"/>
-              <a:t> &lt;&lt; b &lt;&lt; </a:t>
-            </a:r>
-            <a:r>
-              <a:rPr lang="en-US" altLang="zh-CN" dirty="0" err="1"/>
-              <a:t>std</a:t>
-            </a:r>
-            <a:r>
-              <a:rPr lang="en-US" altLang="zh-CN" dirty="0"/>
-              <a:t>::</a:t>
-            </a:r>
-            <a:r>
-              <a:rPr lang="en-US" altLang="zh-CN" dirty="0" err="1"/>
-              <a:t>endl</a:t>
-            </a:r>
-            <a:r>
-              <a:rPr lang="en-US" altLang="zh-CN" dirty="0"/>
-              <a:t>;</a:t>
-            </a:r>
-          </a:p>
-          <a:p>
-            <a:r>
-              <a:rPr lang="en-US" altLang="zh-CN" dirty="0" smtClean="0"/>
-              <a:t>}</a:t>
-            </a:r>
-          </a:p>
-          <a:p>
-            <a:r>
-              <a:rPr lang="en-US" altLang="zh-CN" dirty="0" smtClean="0"/>
-              <a:t>router </a:t>
-            </a:r>
-            <a:r>
-              <a:rPr lang="en-US" altLang="zh-CN" dirty="0"/>
-              <a:t>r;</a:t>
-            </a:r>
-          </a:p>
-          <a:p>
-            <a:r>
-              <a:rPr lang="en-US" altLang="zh-CN" dirty="0" err="1" smtClean="0"/>
-              <a:t>r.register_handler</a:t>
-            </a:r>
-            <a:r>
-              <a:rPr lang="en-US" altLang="zh-CN" dirty="0"/>
-              <a:t>("add", &amp;add);</a:t>
-            </a:r>
-          </a:p>
-          <a:p>
-            <a:r>
-              <a:rPr lang="en-US" altLang="zh-CN" dirty="0" err="1" smtClean="0"/>
-              <a:t>r.register_handler</a:t>
-            </a:r>
-            <a:r>
-              <a:rPr lang="en-US" altLang="zh-CN" dirty="0"/>
-              <a:t>("</a:t>
-            </a:r>
-            <a:r>
-              <a:rPr lang="en-US" altLang="zh-CN" dirty="0" smtClean="0"/>
-              <a:t>fun", </a:t>
-            </a:r>
-            <a:r>
-              <a:rPr lang="en-US" altLang="zh-CN" dirty="0"/>
-              <a:t>&amp;foo</a:t>
-            </a:r>
-            <a:r>
-              <a:rPr lang="en-US" altLang="zh-CN" dirty="0" smtClean="0"/>
-              <a:t>);</a:t>
-            </a:r>
-          </a:p>
-          <a:p>
-            <a:endParaRPr lang="en-US" altLang="zh-CN" dirty="0" smtClean="0"/>
-          </a:p>
-          <a:p>
-            <a:r>
-              <a:rPr lang="en-US" altLang="zh-CN" dirty="0" smtClean="0"/>
-              <a:t>string </a:t>
-            </a:r>
-            <a:r>
-              <a:rPr lang="en-US" altLang="zh-CN" dirty="0"/>
-              <a:t>s1 = "add/1/2</a:t>
-            </a:r>
-            <a:r>
-              <a:rPr lang="en-US" altLang="zh-CN" dirty="0" smtClean="0"/>
-              <a:t>"; //</a:t>
-            </a:r>
-            <a:r>
-              <a:rPr lang="en-US" altLang="zh-CN" dirty="0" err="1" smtClean="0"/>
-              <a:t>url</a:t>
-            </a:r>
-            <a:r>
-              <a:rPr lang="en-US" altLang="zh-CN" dirty="0" smtClean="0"/>
-              <a:t> from client</a:t>
-            </a:r>
-            <a:endParaRPr lang="en-US" altLang="zh-CN" dirty="0"/>
-          </a:p>
-          <a:p>
-            <a:r>
-              <a:rPr lang="en-US" altLang="zh-CN" dirty="0" smtClean="0"/>
-              <a:t>string s2 </a:t>
-            </a:r>
-            <a:r>
-              <a:rPr lang="en-US" altLang="zh-CN" dirty="0"/>
-              <a:t>= "fun/test/1";</a:t>
-            </a:r>
-          </a:p>
-          <a:p>
-            <a:r>
-              <a:rPr lang="en-US" altLang="zh-CN" dirty="0" err="1" smtClean="0"/>
-              <a:t>r.route</a:t>
-            </a:r>
-            <a:r>
-              <a:rPr lang="en-US" altLang="zh-CN" dirty="0" smtClean="0"/>
-              <a:t>(s1);  //route and execute</a:t>
-            </a:r>
-          </a:p>
-          <a:p>
-            <a:r>
-              <a:rPr lang="en-US" altLang="zh-CN" dirty="0" err="1" smtClean="0"/>
-              <a:t>r.route</a:t>
-            </a:r>
-            <a:r>
-              <a:rPr lang="en-US" altLang="zh-CN" dirty="0" smtClean="0"/>
-              <a:t>(s2);  //route and execute</a:t>
-            </a:r>
-            <a:endParaRPr lang="zh-CN" altLang="en-US" dirty="0"/>
-          </a:p>
-        </p:txBody>
-      </p:sp>
-    </p:spTree>
-  </p:cSld>
-  <p:clrMapOvr>
-    <a:masterClrMapping/>
-  </p:clrMapOvr>
-  <p:timing>
-    <p:tnLst>
-      <p:par>
-        <p:cTn id="1" dur="indefinite" restart="never" nodeType="tmRoot"/>
-      </p:par>
-    </p:tnLst>
-  </p:timing>
-</p:sld>
-</file>
-
-<file path=ppt/slides/slide28.xml><?xml version="1.0" encoding="utf-8"?>
 <p:sld xmlns:a="http://schemas.openxmlformats.org/drawingml/2006/main" xmlns:r="http://schemas.openxmlformats.org/officeDocument/2006/relationships" xmlns:p="http://schemas.openxmlformats.org/presentationml/2006/main">
   <p:cSld>
     <p:spTree>
@@ -16038,7 +15885,7 @@
 </p:sld>
 </file>
 
-<file path=ppt/slides/slide29.xml><?xml version="1.0" encoding="utf-8"?>
+<file path=ppt/slides/slide28.xml><?xml version="1.0" encoding="utf-8"?>
 <p:sld xmlns:a="http://schemas.openxmlformats.org/drawingml/2006/main" xmlns:r="http://schemas.openxmlformats.org/officeDocument/2006/relationships" xmlns:p="http://schemas.openxmlformats.org/presentationml/2006/main">
   <p:cSld>
     <p:spTree>
@@ -17028,6 +16875,594 @@
 </p:sld>
 </file>
 
+<file path=ppt/slides/slide29.xml><?xml version="1.0" encoding="utf-8"?>
+<p:sld xmlns:a="http://schemas.openxmlformats.org/drawingml/2006/main" xmlns:r="http://schemas.openxmlformats.org/officeDocument/2006/relationships" xmlns:p="http://schemas.openxmlformats.org/presentationml/2006/main">
+  <p:cSld>
+    <p:spTree>
+      <p:nvGrpSpPr>
+        <p:cNvPr id="1" name=""/>
+        <p:cNvGrpSpPr/>
+        <p:nvPr/>
+      </p:nvGrpSpPr>
+      <p:grpSpPr>
+        <a:xfrm>
+          <a:off x="0" y="0"/>
+          <a:ext cx="0" cy="0"/>
+          <a:chOff x="0" y="0"/>
+          <a:chExt cx="0" cy="0"/>
+        </a:xfrm>
+      </p:grpSpPr>
+      <p:sp>
+        <p:nvSpPr>
+          <p:cNvPr id="2" name="标题 1"/>
+          <p:cNvSpPr>
+            <a:spLocks noGrp="1"/>
+          </p:cNvSpPr>
+          <p:nvPr>
+            <p:ph type="title"/>
+          </p:nvPr>
+        </p:nvSpPr>
+        <p:spPr/>
+        <p:txBody>
+          <a:bodyPr/>
+          <a:lstStyle/>
+          <a:p>
+            <a:r>
+              <a:rPr lang="en-US" altLang="zh-CN" dirty="0"/>
+              <a:t>How to </a:t>
+            </a:r>
+            <a:r>
+              <a:rPr lang="en-US" altLang="zh-CN" dirty="0" smtClean="0"/>
+              <a:t>route to </a:t>
+            </a:r>
+            <a:r>
+              <a:rPr lang="en-US" altLang="zh-CN" dirty="0"/>
+              <a:t>the correct handler</a:t>
+            </a:r>
+            <a:endParaRPr lang="zh-CN" altLang="en-US" dirty="0"/>
+          </a:p>
+        </p:txBody>
+      </p:sp>
+      <p:sp>
+        <p:nvSpPr>
+          <p:cNvPr id="3" name="文本占位符 2"/>
+          <p:cNvSpPr>
+            <a:spLocks noGrp="1"/>
+          </p:cNvSpPr>
+          <p:nvPr>
+            <p:ph type="body" sz="half" idx="2"/>
+          </p:nvPr>
+        </p:nvSpPr>
+        <p:spPr/>
+        <p:txBody>
+          <a:bodyPr/>
+          <a:lstStyle/>
+          <a:p>
+            <a:r>
+              <a:rPr lang="en-US" altLang="zh-CN" dirty="0"/>
+              <a:t>template&lt;</a:t>
+            </a:r>
+            <a:r>
+              <a:rPr lang="en-US" altLang="zh-CN" dirty="0" err="1"/>
+              <a:t>typename</a:t>
+            </a:r>
+            <a:r>
+              <a:rPr lang="en-US" altLang="zh-CN" dirty="0"/>
+              <a:t> Ret, </a:t>
+            </a:r>
+            <a:r>
+              <a:rPr lang="en-US" altLang="zh-CN" dirty="0" err="1"/>
+              <a:t>typename</a:t>
+            </a:r>
+            <a:r>
+              <a:rPr lang="en-US" altLang="zh-CN" dirty="0"/>
+              <a:t>... </a:t>
+            </a:r>
+            <a:r>
+              <a:rPr lang="en-US" altLang="zh-CN" dirty="0" err="1"/>
+              <a:t>Args</a:t>
+            </a:r>
+            <a:r>
+              <a:rPr lang="en-US" altLang="zh-CN" dirty="0"/>
+              <a:t>&gt;</a:t>
+            </a:r>
+          </a:p>
+          <a:p>
+            <a:r>
+              <a:rPr lang="en-US" altLang="zh-CN" dirty="0" err="1"/>
+              <a:t>struct</a:t>
+            </a:r>
+            <a:r>
+              <a:rPr lang="en-US" altLang="zh-CN" dirty="0"/>
+              <a:t> </a:t>
+            </a:r>
+            <a:r>
+              <a:rPr lang="en-US" altLang="zh-CN" dirty="0" err="1"/>
+              <a:t>function_traits_impl</a:t>
+            </a:r>
+            <a:r>
+              <a:rPr lang="en-US" altLang="zh-CN" dirty="0"/>
+              <a:t>&lt;Ret(</a:t>
+            </a:r>
+            <a:r>
+              <a:rPr lang="en-US" altLang="zh-CN" dirty="0" err="1"/>
+              <a:t>Args</a:t>
+            </a:r>
+            <a:r>
+              <a:rPr lang="en-US" altLang="zh-CN" dirty="0" smtClean="0"/>
+              <a:t>...)&gt;{</a:t>
+            </a:r>
+            <a:endParaRPr lang="en-US" altLang="zh-CN" dirty="0"/>
+          </a:p>
+          <a:p>
+            <a:r>
+              <a:rPr lang="en-US" altLang="zh-CN" dirty="0" smtClean="0"/>
+              <a:t>    </a:t>
+            </a:r>
+            <a:r>
+              <a:rPr lang="en-US" altLang="zh-CN" dirty="0" err="1" smtClean="0"/>
+              <a:t>enum</a:t>
+            </a:r>
+            <a:r>
+              <a:rPr lang="en-US" altLang="zh-CN" dirty="0" smtClean="0"/>
+              <a:t> </a:t>
+            </a:r>
+            <a:r>
+              <a:rPr lang="en-US" altLang="zh-CN" dirty="0"/>
+              <a:t>{ arity = </a:t>
+            </a:r>
+            <a:r>
+              <a:rPr lang="en-US" altLang="zh-CN" dirty="0" err="1"/>
+              <a:t>sizeof</a:t>
+            </a:r>
+            <a:r>
+              <a:rPr lang="en-US" altLang="zh-CN" dirty="0"/>
+              <a:t>...(</a:t>
+            </a:r>
+            <a:r>
+              <a:rPr lang="en-US" altLang="zh-CN" dirty="0" err="1"/>
+              <a:t>Args</a:t>
+            </a:r>
+            <a:r>
+              <a:rPr lang="en-US" altLang="zh-CN" dirty="0"/>
+              <a:t>) };</a:t>
+            </a:r>
+          </a:p>
+          <a:p>
+            <a:r>
+              <a:rPr lang="en-US" altLang="zh-CN" dirty="0"/>
+              <a:t> </a:t>
+            </a:r>
+            <a:r>
+              <a:rPr lang="en-US" altLang="zh-CN" dirty="0" smtClean="0"/>
+              <a:t>   </a:t>
+            </a:r>
+            <a:r>
+              <a:rPr lang="en-US" altLang="zh-CN" dirty="0" err="1" smtClean="0"/>
+              <a:t>typedef</a:t>
+            </a:r>
+            <a:r>
+              <a:rPr lang="en-US" altLang="zh-CN" dirty="0" smtClean="0"/>
+              <a:t> </a:t>
+            </a:r>
+            <a:r>
+              <a:rPr lang="en-US" altLang="zh-CN" dirty="0"/>
+              <a:t>Ret </a:t>
+            </a:r>
+            <a:r>
+              <a:rPr lang="en-US" altLang="zh-CN" dirty="0" err="1"/>
+              <a:t>result_type</a:t>
+            </a:r>
+            <a:r>
+              <a:rPr lang="en-US" altLang="zh-CN" dirty="0"/>
+              <a:t>;</a:t>
+            </a:r>
+          </a:p>
+          <a:p>
+            <a:r>
+              <a:rPr lang="en-US" altLang="zh-CN" dirty="0" smtClean="0"/>
+              <a:t>    using </a:t>
+            </a:r>
+            <a:r>
+              <a:rPr lang="en-US" altLang="zh-CN" dirty="0" err="1"/>
+              <a:t>stl_function_type</a:t>
+            </a:r>
+            <a:r>
+              <a:rPr lang="en-US" altLang="zh-CN" dirty="0"/>
+              <a:t> = </a:t>
+            </a:r>
+            <a:r>
+              <a:rPr lang="en-US" altLang="zh-CN" dirty="0" err="1"/>
+              <a:t>std</a:t>
+            </a:r>
+            <a:r>
+              <a:rPr lang="en-US" altLang="zh-CN" dirty="0"/>
+              <a:t>::function&lt;</a:t>
+            </a:r>
+            <a:r>
+              <a:rPr lang="en-US" altLang="zh-CN" dirty="0" err="1"/>
+              <a:t>function_type</a:t>
+            </a:r>
+            <a:r>
+              <a:rPr lang="en-US" altLang="zh-CN" dirty="0" smtClean="0"/>
+              <a:t>&gt;;</a:t>
+            </a:r>
+          </a:p>
+          <a:p>
+            <a:endParaRPr lang="zh-CN" altLang="en-US" dirty="0"/>
+          </a:p>
+          <a:p>
+            <a:r>
+              <a:rPr lang="en-US" altLang="zh-CN" dirty="0" smtClean="0"/>
+              <a:t>    template&lt;</a:t>
+            </a:r>
+            <a:r>
+              <a:rPr lang="en-US" altLang="zh-CN" dirty="0" err="1" smtClean="0"/>
+              <a:t>size_t</a:t>
+            </a:r>
+            <a:r>
+              <a:rPr lang="en-US" altLang="zh-CN" dirty="0" smtClean="0"/>
+              <a:t> </a:t>
+            </a:r>
+            <a:r>
+              <a:rPr lang="en-US" altLang="zh-CN" dirty="0"/>
+              <a:t>I&gt;</a:t>
+            </a:r>
+          </a:p>
+          <a:p>
+            <a:r>
+              <a:rPr lang="en-US" altLang="zh-CN" dirty="0" smtClean="0"/>
+              <a:t>    </a:t>
+            </a:r>
+            <a:r>
+              <a:rPr lang="en-US" altLang="zh-CN" dirty="0" err="1" smtClean="0"/>
+              <a:t>struct</a:t>
+            </a:r>
+            <a:r>
+              <a:rPr lang="en-US" altLang="zh-CN" dirty="0" smtClean="0"/>
+              <a:t> </a:t>
+            </a:r>
+            <a:r>
+              <a:rPr lang="en-US" altLang="zh-CN" dirty="0" err="1" smtClean="0"/>
+              <a:t>args</a:t>
+            </a:r>
+            <a:r>
+              <a:rPr lang="en-US" altLang="zh-CN" dirty="0" smtClean="0"/>
+              <a:t>{</a:t>
+            </a:r>
+            <a:endParaRPr lang="en-US" altLang="zh-CN" dirty="0"/>
+          </a:p>
+          <a:p>
+            <a:r>
+              <a:rPr lang="en-US" altLang="zh-CN" dirty="0" smtClean="0"/>
+              <a:t>        </a:t>
+            </a:r>
+            <a:r>
+              <a:rPr lang="en-US" altLang="zh-CN" dirty="0" err="1" smtClean="0"/>
+              <a:t>static_assert</a:t>
+            </a:r>
+            <a:r>
+              <a:rPr lang="en-US" altLang="zh-CN" dirty="0" smtClean="0"/>
+              <a:t>(I </a:t>
+            </a:r>
+            <a:r>
+              <a:rPr lang="en-US" altLang="zh-CN" dirty="0"/>
+              <a:t>&lt; arity, "index is out of </a:t>
+            </a:r>
+            <a:r>
+              <a:rPr lang="en-US" altLang="zh-CN" dirty="0" smtClean="0"/>
+              <a:t>range");</a:t>
+            </a:r>
+            <a:endParaRPr lang="en-US" altLang="zh-CN" dirty="0"/>
+          </a:p>
+          <a:p>
+            <a:r>
+              <a:rPr lang="en-US" altLang="zh-CN" dirty="0" smtClean="0"/>
+              <a:t>        using </a:t>
+            </a:r>
+            <a:r>
+              <a:rPr lang="en-US" altLang="zh-CN" dirty="0"/>
+              <a:t>type = </a:t>
+            </a:r>
+            <a:r>
+              <a:rPr lang="en-US" altLang="zh-CN" dirty="0" err="1"/>
+              <a:t>typename</a:t>
+            </a:r>
+            <a:r>
+              <a:rPr lang="en-US" altLang="zh-CN" dirty="0"/>
+              <a:t> </a:t>
+            </a:r>
+            <a:r>
+              <a:rPr lang="en-US" altLang="zh-CN" dirty="0" err="1"/>
+              <a:t>std</a:t>
+            </a:r>
+            <a:r>
+              <a:rPr lang="en-US" altLang="zh-CN" dirty="0"/>
+              <a:t>::</a:t>
+            </a:r>
+            <a:r>
+              <a:rPr lang="en-US" altLang="zh-CN" dirty="0" err="1"/>
+              <a:t>tuple_element</a:t>
+            </a:r>
+            <a:r>
+              <a:rPr lang="en-US" altLang="zh-CN" dirty="0"/>
+              <a:t>&lt;I, </a:t>
+            </a:r>
+            <a:r>
+              <a:rPr lang="en-US" altLang="zh-CN" dirty="0" err="1"/>
+              <a:t>std</a:t>
+            </a:r>
+            <a:r>
+              <a:rPr lang="en-US" altLang="zh-CN" dirty="0"/>
+              <a:t>::tuple&lt;</a:t>
+            </a:r>
+            <a:r>
+              <a:rPr lang="en-US" altLang="zh-CN" dirty="0" err="1"/>
+              <a:t>Args</a:t>
+            </a:r>
+            <a:r>
+              <a:rPr lang="en-US" altLang="zh-CN" dirty="0"/>
+              <a:t>...&gt;&gt;::type;</a:t>
+            </a:r>
+          </a:p>
+          <a:p>
+            <a:r>
+              <a:rPr lang="en-US" altLang="zh-CN" dirty="0" smtClean="0"/>
+              <a:t>    };</a:t>
+            </a:r>
+            <a:endParaRPr lang="en-US" altLang="zh-CN" dirty="0"/>
+          </a:p>
+          <a:p>
+            <a:r>
+              <a:rPr lang="en-US" altLang="zh-CN" dirty="0" smtClean="0"/>
+              <a:t>};</a:t>
+            </a:r>
+          </a:p>
+          <a:p>
+            <a:r>
+              <a:rPr lang="en-US" altLang="zh-CN" dirty="0" smtClean="0"/>
+              <a:t>template&lt;</a:t>
+            </a:r>
+            <a:r>
+              <a:rPr lang="en-US" altLang="zh-CN" dirty="0" err="1" smtClean="0"/>
+              <a:t>typename</a:t>
+            </a:r>
+            <a:r>
+              <a:rPr lang="en-US" altLang="zh-CN" dirty="0" smtClean="0"/>
+              <a:t> </a:t>
+            </a:r>
+            <a:r>
+              <a:rPr lang="en-US" altLang="zh-CN" dirty="0"/>
+              <a:t>T&gt;</a:t>
+            </a:r>
+          </a:p>
+          <a:p>
+            <a:r>
+              <a:rPr lang="en-US" altLang="zh-CN" dirty="0" err="1"/>
+              <a:t>struct</a:t>
+            </a:r>
+            <a:r>
+              <a:rPr lang="en-US" altLang="zh-CN" dirty="0"/>
+              <a:t> </a:t>
+            </a:r>
+            <a:r>
+              <a:rPr lang="en-US" altLang="zh-CN" dirty="0" err="1"/>
+              <a:t>function_traits</a:t>
+            </a:r>
+            <a:r>
+              <a:rPr lang="en-US" altLang="zh-CN" dirty="0"/>
+              <a:t> : </a:t>
+            </a:r>
+            <a:r>
+              <a:rPr lang="en-US" altLang="zh-CN" dirty="0" err="1"/>
+              <a:t>function_traits_impl</a:t>
+            </a:r>
+            <a:r>
+              <a:rPr lang="en-US" altLang="zh-CN" dirty="0"/>
+              <a:t>&lt;</a:t>
+            </a:r>
+          </a:p>
+          <a:p>
+            <a:r>
+              <a:rPr lang="en-US" altLang="zh-CN" dirty="0" err="1"/>
+              <a:t>std</a:t>
+            </a:r>
+            <a:r>
+              <a:rPr lang="en-US" altLang="zh-CN" dirty="0"/>
+              <a:t>::</a:t>
+            </a:r>
+            <a:r>
+              <a:rPr lang="en-US" altLang="zh-CN" dirty="0" err="1"/>
+              <a:t>remove_cv_t</a:t>
+            </a:r>
+            <a:r>
+              <a:rPr lang="en-US" altLang="zh-CN" dirty="0"/>
+              <a:t>&lt;</a:t>
+            </a:r>
+            <a:r>
+              <a:rPr lang="en-US" altLang="zh-CN" dirty="0" err="1"/>
+              <a:t>std</a:t>
+            </a:r>
+            <a:r>
+              <a:rPr lang="en-US" altLang="zh-CN" dirty="0"/>
+              <a:t>::</a:t>
+            </a:r>
+            <a:r>
+              <a:rPr lang="en-US" altLang="zh-CN" dirty="0" err="1"/>
+              <a:t>remove_reference_t</a:t>
+            </a:r>
+            <a:r>
+              <a:rPr lang="en-US" altLang="zh-CN" dirty="0"/>
+              <a:t>&lt;T</a:t>
+            </a:r>
+            <a:r>
+              <a:rPr lang="en-US" altLang="zh-CN" dirty="0" smtClean="0"/>
+              <a:t>&gt;&gt;&gt;{};</a:t>
+            </a:r>
+            <a:endParaRPr lang="en-US" altLang="zh-CN" dirty="0"/>
+          </a:p>
+        </p:txBody>
+      </p:sp>
+      <p:sp>
+        <p:nvSpPr>
+          <p:cNvPr id="4" name="矩形 3"/>
+          <p:cNvSpPr/>
+          <p:nvPr/>
+        </p:nvSpPr>
+        <p:spPr>
+          <a:xfrm>
+            <a:off x="3451412" y="4567082"/>
+            <a:ext cx="4572000" cy="646331"/>
+          </a:xfrm>
+          <a:prstGeom prst="rect">
+            <a:avLst/>
+          </a:prstGeom>
+        </p:spPr>
+        <p:txBody>
+          <a:bodyPr>
+            <a:spAutoFit/>
+          </a:bodyPr>
+          <a:lstStyle/>
+          <a:p>
+            <a:r>
+              <a:rPr lang="zh-CN" altLang="en-US" dirty="0"/>
+              <a:t>https://github.com/topcpporg/rest_rpc/blob/master/rest_rpc/base/function_traits.hpp</a:t>
+            </a:r>
+          </a:p>
+        </p:txBody>
+      </p:sp>
+    </p:spTree>
+  </p:cSld>
+  <p:clrMapOvr>
+    <a:masterClrMapping/>
+  </p:clrMapOvr>
+  <p:timing>
+    <p:tnLst>
+      <p:par>
+        <p:cTn id="1" dur="indefinite" restart="never" nodeType="tmRoot">
+          <p:childTnLst>
+            <p:seq concurrent="1" nextAc="seek">
+              <p:cTn id="2" dur="indefinite" nodeType="mainSeq">
+                <p:childTnLst>
+                  <p:par>
+                    <p:cTn id="3" fill="hold">
+                      <p:stCondLst>
+                        <p:cond delay="indefinite"/>
+                      </p:stCondLst>
+                      <p:childTnLst>
+                        <p:par>
+                          <p:cTn id="4" fill="hold">
+                            <p:stCondLst>
+                              <p:cond delay="0"/>
+                            </p:stCondLst>
+                            <p:childTnLst>
+                              <p:par>
+                                <p:cTn id="5" presetID="2" presetClass="entr" presetSubtype="4" fill="hold" grpId="0" nodeType="clickEffect">
+                                  <p:stCondLst>
+                                    <p:cond delay="0"/>
+                                  </p:stCondLst>
+                                  <p:childTnLst>
+                                    <p:set>
+                                      <p:cBhvr>
+                                        <p:cTn id="6" dur="1" fill="hold">
+                                          <p:stCondLst>
+                                            <p:cond delay="0"/>
+                                          </p:stCondLst>
+                                        </p:cTn>
+                                        <p:tgtEl>
+                                          <p:spTgt spid="4"/>
+                                        </p:tgtEl>
+                                        <p:attrNameLst>
+                                          <p:attrName>style.visibility</p:attrName>
+                                        </p:attrNameLst>
+                                      </p:cBhvr>
+                                      <p:to>
+                                        <p:strVal val="visible"/>
+                                      </p:to>
+                                    </p:set>
+                                    <p:anim calcmode="lin" valueType="num">
+                                      <p:cBhvr additive="base">
+                                        <p:cTn id="7" dur="500" fill="hold"/>
+                                        <p:tgtEl>
+                                          <p:spTgt spid="4"/>
+                                        </p:tgtEl>
+                                        <p:attrNameLst>
+                                          <p:attrName>ppt_x</p:attrName>
+                                        </p:attrNameLst>
+                                      </p:cBhvr>
+                                      <p:tavLst>
+                                        <p:tav tm="0">
+                                          <p:val>
+                                            <p:strVal val="#ppt_x"/>
+                                          </p:val>
+                                        </p:tav>
+                                        <p:tav tm="100000">
+                                          <p:val>
+                                            <p:strVal val="#ppt_x"/>
+                                          </p:val>
+                                        </p:tav>
+                                      </p:tavLst>
+                                    </p:anim>
+                                    <p:anim calcmode="lin" valueType="num">
+                                      <p:cBhvr additive="base">
+                                        <p:cTn id="8" dur="500" fill="hold"/>
+                                        <p:tgtEl>
+                                          <p:spTgt spid="4"/>
+                                        </p:tgtEl>
+                                        <p:attrNameLst>
+                                          <p:attrName>ppt_y</p:attrName>
+                                        </p:attrNameLst>
+                                      </p:cBhvr>
+                                      <p:tavLst>
+                                        <p:tav tm="0">
+                                          <p:val>
+                                            <p:strVal val="1+#ppt_h/2"/>
+                                          </p:val>
+                                        </p:tav>
+                                        <p:tav tm="100000">
+                                          <p:val>
+                                            <p:strVal val="#ppt_y"/>
+                                          </p:val>
+                                        </p:tav>
+                                      </p:tavLst>
+                                    </p:anim>
+                                  </p:childTnLst>
+                                </p:cTn>
+                              </p:par>
+                            </p:childTnLst>
+                          </p:cTn>
+                        </p:par>
+                      </p:childTnLst>
+                    </p:cTn>
+                  </p:par>
+                </p:childTnLst>
+              </p:cTn>
+              <p:prevCondLst>
+                <p:cond evt="onPrev" delay="0">
+                  <p:tgtEl>
+                    <p:sldTgt/>
+                  </p:tgtEl>
+                </p:cond>
+              </p:prevCondLst>
+              <p:nextCondLst>
+                <p:cond evt="onNext" delay="0">
+                  <p:tgtEl>
+                    <p:sldTgt/>
+                  </p:tgtEl>
+                </p:cond>
+              </p:nextCondLst>
+            </p:seq>
+          </p:childTnLst>
+        </p:cTn>
+      </p:par>
+    </p:tnLst>
+    <p:bldLst>
+      <p:bldP spid="4" grpId="0"/>
+    </p:bldLst>
+  </p:timing>
+</p:sld>
+</file>
+
 <file path=ppt/slides/slide3.xml><?xml version="1.0" encoding="utf-8"?>
 <p:sld xmlns:a="http://schemas.openxmlformats.org/drawingml/2006/main" xmlns:r="http://schemas.openxmlformats.org/officeDocument/2006/relationships" xmlns:p="http://schemas.openxmlformats.org/presentationml/2006/main">
   <p:cSld>
@@ -17533,594 +17968,6 @@
           <a:lstStyle/>
           <a:p>
             <a:r>
-              <a:rPr lang="en-US" altLang="zh-CN" dirty="0"/>
-              <a:t>template&lt;</a:t>
-            </a:r>
-            <a:r>
-              <a:rPr lang="en-US" altLang="zh-CN" dirty="0" err="1"/>
-              <a:t>typename</a:t>
-            </a:r>
-            <a:r>
-              <a:rPr lang="en-US" altLang="zh-CN" dirty="0"/>
-              <a:t> Ret, </a:t>
-            </a:r>
-            <a:r>
-              <a:rPr lang="en-US" altLang="zh-CN" dirty="0" err="1"/>
-              <a:t>typename</a:t>
-            </a:r>
-            <a:r>
-              <a:rPr lang="en-US" altLang="zh-CN" dirty="0"/>
-              <a:t>... </a:t>
-            </a:r>
-            <a:r>
-              <a:rPr lang="en-US" altLang="zh-CN" dirty="0" err="1"/>
-              <a:t>Args</a:t>
-            </a:r>
-            <a:r>
-              <a:rPr lang="en-US" altLang="zh-CN" dirty="0"/>
-              <a:t>&gt;</a:t>
-            </a:r>
-          </a:p>
-          <a:p>
-            <a:r>
-              <a:rPr lang="en-US" altLang="zh-CN" dirty="0" err="1"/>
-              <a:t>struct</a:t>
-            </a:r>
-            <a:r>
-              <a:rPr lang="en-US" altLang="zh-CN" dirty="0"/>
-              <a:t> </a:t>
-            </a:r>
-            <a:r>
-              <a:rPr lang="en-US" altLang="zh-CN" dirty="0" err="1"/>
-              <a:t>function_traits_impl</a:t>
-            </a:r>
-            <a:r>
-              <a:rPr lang="en-US" altLang="zh-CN" dirty="0"/>
-              <a:t>&lt;Ret(</a:t>
-            </a:r>
-            <a:r>
-              <a:rPr lang="en-US" altLang="zh-CN" dirty="0" err="1"/>
-              <a:t>Args</a:t>
-            </a:r>
-            <a:r>
-              <a:rPr lang="en-US" altLang="zh-CN" dirty="0" smtClean="0"/>
-              <a:t>...)&gt;{</a:t>
-            </a:r>
-            <a:endParaRPr lang="en-US" altLang="zh-CN" dirty="0"/>
-          </a:p>
-          <a:p>
-            <a:r>
-              <a:rPr lang="en-US" altLang="zh-CN" dirty="0" smtClean="0"/>
-              <a:t>    </a:t>
-            </a:r>
-            <a:r>
-              <a:rPr lang="en-US" altLang="zh-CN" dirty="0" err="1" smtClean="0"/>
-              <a:t>enum</a:t>
-            </a:r>
-            <a:r>
-              <a:rPr lang="en-US" altLang="zh-CN" dirty="0" smtClean="0"/>
-              <a:t> </a:t>
-            </a:r>
-            <a:r>
-              <a:rPr lang="en-US" altLang="zh-CN" dirty="0"/>
-              <a:t>{ arity = </a:t>
-            </a:r>
-            <a:r>
-              <a:rPr lang="en-US" altLang="zh-CN" dirty="0" err="1"/>
-              <a:t>sizeof</a:t>
-            </a:r>
-            <a:r>
-              <a:rPr lang="en-US" altLang="zh-CN" dirty="0"/>
-              <a:t>...(</a:t>
-            </a:r>
-            <a:r>
-              <a:rPr lang="en-US" altLang="zh-CN" dirty="0" err="1"/>
-              <a:t>Args</a:t>
-            </a:r>
-            <a:r>
-              <a:rPr lang="en-US" altLang="zh-CN" dirty="0"/>
-              <a:t>) };</a:t>
-            </a:r>
-          </a:p>
-          <a:p>
-            <a:r>
-              <a:rPr lang="en-US" altLang="zh-CN" dirty="0"/>
-              <a:t> </a:t>
-            </a:r>
-            <a:r>
-              <a:rPr lang="en-US" altLang="zh-CN" dirty="0" smtClean="0"/>
-              <a:t>   </a:t>
-            </a:r>
-            <a:r>
-              <a:rPr lang="en-US" altLang="zh-CN" dirty="0" err="1" smtClean="0"/>
-              <a:t>typedef</a:t>
-            </a:r>
-            <a:r>
-              <a:rPr lang="en-US" altLang="zh-CN" dirty="0" smtClean="0"/>
-              <a:t> </a:t>
-            </a:r>
-            <a:r>
-              <a:rPr lang="en-US" altLang="zh-CN" dirty="0"/>
-              <a:t>Ret </a:t>
-            </a:r>
-            <a:r>
-              <a:rPr lang="en-US" altLang="zh-CN" dirty="0" err="1"/>
-              <a:t>result_type</a:t>
-            </a:r>
-            <a:r>
-              <a:rPr lang="en-US" altLang="zh-CN" dirty="0"/>
-              <a:t>;</a:t>
-            </a:r>
-          </a:p>
-          <a:p>
-            <a:r>
-              <a:rPr lang="en-US" altLang="zh-CN" dirty="0" smtClean="0"/>
-              <a:t>    using </a:t>
-            </a:r>
-            <a:r>
-              <a:rPr lang="en-US" altLang="zh-CN" dirty="0" err="1"/>
-              <a:t>stl_function_type</a:t>
-            </a:r>
-            <a:r>
-              <a:rPr lang="en-US" altLang="zh-CN" dirty="0"/>
-              <a:t> = </a:t>
-            </a:r>
-            <a:r>
-              <a:rPr lang="en-US" altLang="zh-CN" dirty="0" err="1"/>
-              <a:t>std</a:t>
-            </a:r>
-            <a:r>
-              <a:rPr lang="en-US" altLang="zh-CN" dirty="0"/>
-              <a:t>::function&lt;</a:t>
-            </a:r>
-            <a:r>
-              <a:rPr lang="en-US" altLang="zh-CN" dirty="0" err="1"/>
-              <a:t>function_type</a:t>
-            </a:r>
-            <a:r>
-              <a:rPr lang="en-US" altLang="zh-CN" dirty="0" smtClean="0"/>
-              <a:t>&gt;;</a:t>
-            </a:r>
-          </a:p>
-          <a:p>
-            <a:endParaRPr lang="zh-CN" altLang="en-US" dirty="0"/>
-          </a:p>
-          <a:p>
-            <a:r>
-              <a:rPr lang="en-US" altLang="zh-CN" dirty="0" smtClean="0"/>
-              <a:t>    template&lt;</a:t>
-            </a:r>
-            <a:r>
-              <a:rPr lang="en-US" altLang="zh-CN" dirty="0" err="1" smtClean="0"/>
-              <a:t>size_t</a:t>
-            </a:r>
-            <a:r>
-              <a:rPr lang="en-US" altLang="zh-CN" dirty="0" smtClean="0"/>
-              <a:t> </a:t>
-            </a:r>
-            <a:r>
-              <a:rPr lang="en-US" altLang="zh-CN" dirty="0"/>
-              <a:t>I&gt;</a:t>
-            </a:r>
-          </a:p>
-          <a:p>
-            <a:r>
-              <a:rPr lang="en-US" altLang="zh-CN" dirty="0" smtClean="0"/>
-              <a:t>    </a:t>
-            </a:r>
-            <a:r>
-              <a:rPr lang="en-US" altLang="zh-CN" dirty="0" err="1" smtClean="0"/>
-              <a:t>struct</a:t>
-            </a:r>
-            <a:r>
-              <a:rPr lang="en-US" altLang="zh-CN" dirty="0" smtClean="0"/>
-              <a:t> </a:t>
-            </a:r>
-            <a:r>
-              <a:rPr lang="en-US" altLang="zh-CN" dirty="0" err="1" smtClean="0"/>
-              <a:t>args</a:t>
-            </a:r>
-            <a:r>
-              <a:rPr lang="en-US" altLang="zh-CN" dirty="0" smtClean="0"/>
-              <a:t>{</a:t>
-            </a:r>
-            <a:endParaRPr lang="en-US" altLang="zh-CN" dirty="0"/>
-          </a:p>
-          <a:p>
-            <a:r>
-              <a:rPr lang="en-US" altLang="zh-CN" dirty="0" smtClean="0"/>
-              <a:t>        </a:t>
-            </a:r>
-            <a:r>
-              <a:rPr lang="en-US" altLang="zh-CN" dirty="0" err="1" smtClean="0"/>
-              <a:t>static_assert</a:t>
-            </a:r>
-            <a:r>
-              <a:rPr lang="en-US" altLang="zh-CN" dirty="0" smtClean="0"/>
-              <a:t>(I </a:t>
-            </a:r>
-            <a:r>
-              <a:rPr lang="en-US" altLang="zh-CN" dirty="0"/>
-              <a:t>&lt; arity, "index is out of </a:t>
-            </a:r>
-            <a:r>
-              <a:rPr lang="en-US" altLang="zh-CN" dirty="0" smtClean="0"/>
-              <a:t>range");</a:t>
-            </a:r>
-            <a:endParaRPr lang="en-US" altLang="zh-CN" dirty="0"/>
-          </a:p>
-          <a:p>
-            <a:r>
-              <a:rPr lang="en-US" altLang="zh-CN" dirty="0" smtClean="0"/>
-              <a:t>        using </a:t>
-            </a:r>
-            <a:r>
-              <a:rPr lang="en-US" altLang="zh-CN" dirty="0"/>
-              <a:t>type = </a:t>
-            </a:r>
-            <a:r>
-              <a:rPr lang="en-US" altLang="zh-CN" dirty="0" err="1"/>
-              <a:t>typename</a:t>
-            </a:r>
-            <a:r>
-              <a:rPr lang="en-US" altLang="zh-CN" dirty="0"/>
-              <a:t> </a:t>
-            </a:r>
-            <a:r>
-              <a:rPr lang="en-US" altLang="zh-CN" dirty="0" err="1"/>
-              <a:t>std</a:t>
-            </a:r>
-            <a:r>
-              <a:rPr lang="en-US" altLang="zh-CN" dirty="0"/>
-              <a:t>::</a:t>
-            </a:r>
-            <a:r>
-              <a:rPr lang="en-US" altLang="zh-CN" dirty="0" err="1"/>
-              <a:t>tuple_element</a:t>
-            </a:r>
-            <a:r>
-              <a:rPr lang="en-US" altLang="zh-CN" dirty="0"/>
-              <a:t>&lt;I, </a:t>
-            </a:r>
-            <a:r>
-              <a:rPr lang="en-US" altLang="zh-CN" dirty="0" err="1"/>
-              <a:t>std</a:t>
-            </a:r>
-            <a:r>
-              <a:rPr lang="en-US" altLang="zh-CN" dirty="0"/>
-              <a:t>::tuple&lt;</a:t>
-            </a:r>
-            <a:r>
-              <a:rPr lang="en-US" altLang="zh-CN" dirty="0" err="1"/>
-              <a:t>Args</a:t>
-            </a:r>
-            <a:r>
-              <a:rPr lang="en-US" altLang="zh-CN" dirty="0"/>
-              <a:t>...&gt;&gt;::type;</a:t>
-            </a:r>
-          </a:p>
-          <a:p>
-            <a:r>
-              <a:rPr lang="en-US" altLang="zh-CN" dirty="0" smtClean="0"/>
-              <a:t>    };</a:t>
-            </a:r>
-            <a:endParaRPr lang="en-US" altLang="zh-CN" dirty="0"/>
-          </a:p>
-          <a:p>
-            <a:r>
-              <a:rPr lang="en-US" altLang="zh-CN" dirty="0" smtClean="0"/>
-              <a:t>};</a:t>
-            </a:r>
-          </a:p>
-          <a:p>
-            <a:r>
-              <a:rPr lang="en-US" altLang="zh-CN" dirty="0" smtClean="0"/>
-              <a:t>template&lt;</a:t>
-            </a:r>
-            <a:r>
-              <a:rPr lang="en-US" altLang="zh-CN" dirty="0" err="1" smtClean="0"/>
-              <a:t>typename</a:t>
-            </a:r>
-            <a:r>
-              <a:rPr lang="en-US" altLang="zh-CN" dirty="0" smtClean="0"/>
-              <a:t> </a:t>
-            </a:r>
-            <a:r>
-              <a:rPr lang="en-US" altLang="zh-CN" dirty="0"/>
-              <a:t>T&gt;</a:t>
-            </a:r>
-          </a:p>
-          <a:p>
-            <a:r>
-              <a:rPr lang="en-US" altLang="zh-CN" dirty="0" err="1"/>
-              <a:t>struct</a:t>
-            </a:r>
-            <a:r>
-              <a:rPr lang="en-US" altLang="zh-CN" dirty="0"/>
-              <a:t> </a:t>
-            </a:r>
-            <a:r>
-              <a:rPr lang="en-US" altLang="zh-CN" dirty="0" err="1"/>
-              <a:t>function_traits</a:t>
-            </a:r>
-            <a:r>
-              <a:rPr lang="en-US" altLang="zh-CN" dirty="0"/>
-              <a:t> : </a:t>
-            </a:r>
-            <a:r>
-              <a:rPr lang="en-US" altLang="zh-CN" dirty="0" err="1"/>
-              <a:t>function_traits_impl</a:t>
-            </a:r>
-            <a:r>
-              <a:rPr lang="en-US" altLang="zh-CN" dirty="0"/>
-              <a:t>&lt;</a:t>
-            </a:r>
-          </a:p>
-          <a:p>
-            <a:r>
-              <a:rPr lang="en-US" altLang="zh-CN" dirty="0" err="1"/>
-              <a:t>std</a:t>
-            </a:r>
-            <a:r>
-              <a:rPr lang="en-US" altLang="zh-CN" dirty="0"/>
-              <a:t>::</a:t>
-            </a:r>
-            <a:r>
-              <a:rPr lang="en-US" altLang="zh-CN" dirty="0" err="1"/>
-              <a:t>remove_cv_t</a:t>
-            </a:r>
-            <a:r>
-              <a:rPr lang="en-US" altLang="zh-CN" dirty="0"/>
-              <a:t>&lt;</a:t>
-            </a:r>
-            <a:r>
-              <a:rPr lang="en-US" altLang="zh-CN" dirty="0" err="1"/>
-              <a:t>std</a:t>
-            </a:r>
-            <a:r>
-              <a:rPr lang="en-US" altLang="zh-CN" dirty="0"/>
-              <a:t>::</a:t>
-            </a:r>
-            <a:r>
-              <a:rPr lang="en-US" altLang="zh-CN" dirty="0" err="1"/>
-              <a:t>remove_reference_t</a:t>
-            </a:r>
-            <a:r>
-              <a:rPr lang="en-US" altLang="zh-CN" dirty="0"/>
-              <a:t>&lt;T</a:t>
-            </a:r>
-            <a:r>
-              <a:rPr lang="en-US" altLang="zh-CN" dirty="0" smtClean="0"/>
-              <a:t>&gt;&gt;&gt;{};</a:t>
-            </a:r>
-            <a:endParaRPr lang="en-US" altLang="zh-CN" dirty="0"/>
-          </a:p>
-        </p:txBody>
-      </p:sp>
-      <p:sp>
-        <p:nvSpPr>
-          <p:cNvPr id="4" name="矩形 3"/>
-          <p:cNvSpPr/>
-          <p:nvPr/>
-        </p:nvSpPr>
-        <p:spPr>
-          <a:xfrm>
-            <a:off x="3451412" y="4567082"/>
-            <a:ext cx="4572000" cy="646331"/>
-          </a:xfrm>
-          <a:prstGeom prst="rect">
-            <a:avLst/>
-          </a:prstGeom>
-        </p:spPr>
-        <p:txBody>
-          <a:bodyPr>
-            <a:spAutoFit/>
-          </a:bodyPr>
-          <a:lstStyle/>
-          <a:p>
-            <a:r>
-              <a:rPr lang="zh-CN" altLang="en-US" dirty="0"/>
-              <a:t>https://github.com/topcpporg/rest_rpc/blob/master/rest_rpc/base/function_traits.hpp</a:t>
-            </a:r>
-          </a:p>
-        </p:txBody>
-      </p:sp>
-    </p:spTree>
-  </p:cSld>
-  <p:clrMapOvr>
-    <a:masterClrMapping/>
-  </p:clrMapOvr>
-  <p:timing>
-    <p:tnLst>
-      <p:par>
-        <p:cTn id="1" dur="indefinite" restart="never" nodeType="tmRoot">
-          <p:childTnLst>
-            <p:seq concurrent="1" nextAc="seek">
-              <p:cTn id="2" dur="indefinite" nodeType="mainSeq">
-                <p:childTnLst>
-                  <p:par>
-                    <p:cTn id="3" fill="hold">
-                      <p:stCondLst>
-                        <p:cond delay="indefinite"/>
-                      </p:stCondLst>
-                      <p:childTnLst>
-                        <p:par>
-                          <p:cTn id="4" fill="hold">
-                            <p:stCondLst>
-                              <p:cond delay="0"/>
-                            </p:stCondLst>
-                            <p:childTnLst>
-                              <p:par>
-                                <p:cTn id="5" presetID="2" presetClass="entr" presetSubtype="4" fill="hold" grpId="0" nodeType="clickEffect">
-                                  <p:stCondLst>
-                                    <p:cond delay="0"/>
-                                  </p:stCondLst>
-                                  <p:childTnLst>
-                                    <p:set>
-                                      <p:cBhvr>
-                                        <p:cTn id="6" dur="1" fill="hold">
-                                          <p:stCondLst>
-                                            <p:cond delay="0"/>
-                                          </p:stCondLst>
-                                        </p:cTn>
-                                        <p:tgtEl>
-                                          <p:spTgt spid="4"/>
-                                        </p:tgtEl>
-                                        <p:attrNameLst>
-                                          <p:attrName>style.visibility</p:attrName>
-                                        </p:attrNameLst>
-                                      </p:cBhvr>
-                                      <p:to>
-                                        <p:strVal val="visible"/>
-                                      </p:to>
-                                    </p:set>
-                                    <p:anim calcmode="lin" valueType="num">
-                                      <p:cBhvr additive="base">
-                                        <p:cTn id="7" dur="500" fill="hold"/>
-                                        <p:tgtEl>
-                                          <p:spTgt spid="4"/>
-                                        </p:tgtEl>
-                                        <p:attrNameLst>
-                                          <p:attrName>ppt_x</p:attrName>
-                                        </p:attrNameLst>
-                                      </p:cBhvr>
-                                      <p:tavLst>
-                                        <p:tav tm="0">
-                                          <p:val>
-                                            <p:strVal val="#ppt_x"/>
-                                          </p:val>
-                                        </p:tav>
-                                        <p:tav tm="100000">
-                                          <p:val>
-                                            <p:strVal val="#ppt_x"/>
-                                          </p:val>
-                                        </p:tav>
-                                      </p:tavLst>
-                                    </p:anim>
-                                    <p:anim calcmode="lin" valueType="num">
-                                      <p:cBhvr additive="base">
-                                        <p:cTn id="8" dur="500" fill="hold"/>
-                                        <p:tgtEl>
-                                          <p:spTgt spid="4"/>
-                                        </p:tgtEl>
-                                        <p:attrNameLst>
-                                          <p:attrName>ppt_y</p:attrName>
-                                        </p:attrNameLst>
-                                      </p:cBhvr>
-                                      <p:tavLst>
-                                        <p:tav tm="0">
-                                          <p:val>
-                                            <p:strVal val="1+#ppt_h/2"/>
-                                          </p:val>
-                                        </p:tav>
-                                        <p:tav tm="100000">
-                                          <p:val>
-                                            <p:strVal val="#ppt_y"/>
-                                          </p:val>
-                                        </p:tav>
-                                      </p:tavLst>
-                                    </p:anim>
-                                  </p:childTnLst>
-                                </p:cTn>
-                              </p:par>
-                            </p:childTnLst>
-                          </p:cTn>
-                        </p:par>
-                      </p:childTnLst>
-                    </p:cTn>
-                  </p:par>
-                </p:childTnLst>
-              </p:cTn>
-              <p:prevCondLst>
-                <p:cond evt="onPrev" delay="0">
-                  <p:tgtEl>
-                    <p:sldTgt/>
-                  </p:tgtEl>
-                </p:cond>
-              </p:prevCondLst>
-              <p:nextCondLst>
-                <p:cond evt="onNext" delay="0">
-                  <p:tgtEl>
-                    <p:sldTgt/>
-                  </p:tgtEl>
-                </p:cond>
-              </p:nextCondLst>
-            </p:seq>
-          </p:childTnLst>
-        </p:cTn>
-      </p:par>
-    </p:tnLst>
-    <p:bldLst>
-      <p:bldP spid="4" grpId="0"/>
-    </p:bldLst>
-  </p:timing>
-</p:sld>
-</file>
-
-<file path=ppt/slides/slide31.xml><?xml version="1.0" encoding="utf-8"?>
-<p:sld xmlns:a="http://schemas.openxmlformats.org/drawingml/2006/main" xmlns:r="http://schemas.openxmlformats.org/officeDocument/2006/relationships" xmlns:p="http://schemas.openxmlformats.org/presentationml/2006/main">
-  <p:cSld>
-    <p:spTree>
-      <p:nvGrpSpPr>
-        <p:cNvPr id="1" name=""/>
-        <p:cNvGrpSpPr/>
-        <p:nvPr/>
-      </p:nvGrpSpPr>
-      <p:grpSpPr>
-        <a:xfrm>
-          <a:off x="0" y="0"/>
-          <a:ext cx="0" cy="0"/>
-          <a:chOff x="0" y="0"/>
-          <a:chExt cx="0" cy="0"/>
-        </a:xfrm>
-      </p:grpSpPr>
-      <p:sp>
-        <p:nvSpPr>
-          <p:cNvPr id="2" name="标题 1"/>
-          <p:cNvSpPr>
-            <a:spLocks noGrp="1"/>
-          </p:cNvSpPr>
-          <p:nvPr>
-            <p:ph type="title"/>
-          </p:nvPr>
-        </p:nvSpPr>
-        <p:spPr/>
-        <p:txBody>
-          <a:bodyPr/>
-          <a:lstStyle/>
-          <a:p>
-            <a:r>
-              <a:rPr lang="en-US" altLang="zh-CN" dirty="0"/>
-              <a:t>How to </a:t>
-            </a:r>
-            <a:r>
-              <a:rPr lang="en-US" altLang="zh-CN" dirty="0" smtClean="0"/>
-              <a:t>route to </a:t>
-            </a:r>
-            <a:r>
-              <a:rPr lang="en-US" altLang="zh-CN" dirty="0"/>
-              <a:t>the correct handler</a:t>
-            </a:r>
-            <a:endParaRPr lang="zh-CN" altLang="en-US" dirty="0"/>
-          </a:p>
-        </p:txBody>
-      </p:sp>
-      <p:sp>
-        <p:nvSpPr>
-          <p:cNvPr id="3" name="文本占位符 2"/>
-          <p:cNvSpPr>
-            <a:spLocks noGrp="1"/>
-          </p:cNvSpPr>
-          <p:nvPr>
-            <p:ph type="body" sz="half" idx="2"/>
-          </p:nvPr>
-        </p:nvSpPr>
-        <p:spPr/>
-        <p:txBody>
-          <a:bodyPr/>
-          <a:lstStyle/>
-          <a:p>
-            <a:r>
               <a:rPr lang="en-US" altLang="zh-CN" dirty="0" err="1"/>
               <a:t>struct</a:t>
             </a:r>
@@ -18617,7 +18464,7 @@
 </p:sld>
 </file>
 
-<file path=ppt/slides/slide32.xml><?xml version="1.0" encoding="utf-8"?>
+<file path=ppt/slides/slide31.xml><?xml version="1.0" encoding="utf-8"?>
 <p:sld xmlns:a="http://schemas.openxmlformats.org/drawingml/2006/main" xmlns:r="http://schemas.openxmlformats.org/officeDocument/2006/relationships" xmlns:p="http://schemas.openxmlformats.org/presentationml/2006/main">
   <p:cSld>
     <p:spTree>
@@ -19577,7 +19424,7 @@
               </a:rPr>
               <a:t>};</a:t>
             </a:r>
-            <a:endParaRPr lang="zh-CN" altLang="en-US"/>
+            <a:endParaRPr lang="zh-CN" altLang="en-US" dirty="0"/>
           </a:p>
         </p:txBody>
       </p:sp>
@@ -19625,6 +19472,34 @@
               </a:solidFill>
               <a:latin typeface="Calibri" panose="020F0502020204030204" charset="0"/>
             </a:endParaRPr>
+          </a:p>
+        </p:txBody>
+      </p:sp>
+      <p:sp>
+        <p:nvSpPr>
+          <p:cNvPr id="6" name="矩形 5"/>
+          <p:cNvSpPr/>
+          <p:nvPr/>
+        </p:nvSpPr>
+        <p:spPr>
+          <a:xfrm>
+            <a:off x="1400175" y="6264536"/>
+            <a:ext cx="6051176" cy="369332"/>
+          </a:xfrm>
+          <a:prstGeom prst="rect">
+            <a:avLst/>
+          </a:prstGeom>
+        </p:spPr>
+        <p:txBody>
+          <a:bodyPr wrap="square">
+            <a:spAutoFit/>
+          </a:bodyPr>
+          <a:lstStyle/>
+          <a:p>
+            <a:r>
+              <a:rPr lang="zh-CN" altLang="en-US" dirty="0"/>
+              <a:t>https://github.com/qicosmos/cosmos/blob/master/router.hpp</a:t>
+            </a:r>
           </a:p>
         </p:txBody>
       </p:sp>
@@ -19805,390 +19680,33 @@
                       </p:childTnLst>
                     </p:cTn>
                   </p:par>
-                </p:childTnLst>
-              </p:cTn>
-              <p:prevCondLst>
-                <p:cond evt="onPrev" delay="0">
-                  <p:tgtEl>
-                    <p:sldTgt/>
-                  </p:tgtEl>
-                </p:cond>
-              </p:prevCondLst>
-              <p:nextCondLst>
-                <p:cond evt="onNext" delay="0">
-                  <p:tgtEl>
-                    <p:sldTgt/>
-                  </p:tgtEl>
-                </p:cond>
-              </p:nextCondLst>
-            </p:seq>
-          </p:childTnLst>
-        </p:cTn>
-      </p:par>
-    </p:tnLst>
-    <p:bldLst>
-      <p:bldP spid="4" grpId="0"/>
-      <p:bldP spid="5" grpId="0" animBg="1"/>
-    </p:bldLst>
-  </p:timing>
-</p:sld>
-</file>
-
-<file path=ppt/slides/slide33.xml><?xml version="1.0" encoding="utf-8"?>
-<p:sld xmlns:a="http://schemas.openxmlformats.org/drawingml/2006/main" xmlns:r="http://schemas.openxmlformats.org/officeDocument/2006/relationships" xmlns:p="http://schemas.openxmlformats.org/presentationml/2006/main">
-  <p:cSld>
-    <p:spTree>
-      <p:nvGrpSpPr>
-        <p:cNvPr id="1" name=""/>
-        <p:cNvGrpSpPr/>
-        <p:nvPr/>
-      </p:nvGrpSpPr>
-      <p:grpSpPr>
-        <a:xfrm>
-          <a:off x="0" y="0"/>
-          <a:ext cx="0" cy="0"/>
-          <a:chOff x="0" y="0"/>
-          <a:chExt cx="0" cy="0"/>
-        </a:xfrm>
-      </p:grpSpPr>
-      <p:sp>
-        <p:nvSpPr>
-          <p:cNvPr id="2" name="标题 1"/>
-          <p:cNvSpPr>
-            <a:spLocks noGrp="1"/>
-          </p:cNvSpPr>
-          <p:nvPr>
-            <p:ph type="title"/>
-          </p:nvPr>
-        </p:nvSpPr>
-        <p:spPr/>
-        <p:txBody>
-          <a:bodyPr/>
-          <a:lstStyle/>
-          <a:p>
-            <a:r>
-              <a:rPr lang="en-US" altLang="zh-CN" dirty="0"/>
-              <a:t>How to route to the correct handler</a:t>
-            </a:r>
-            <a:endParaRPr lang="zh-CN" altLang="en-US" dirty="0"/>
-          </a:p>
-        </p:txBody>
-      </p:sp>
-      <p:sp>
-        <p:nvSpPr>
-          <p:cNvPr id="3" name="文本占位符 2"/>
-          <p:cNvSpPr>
-            <a:spLocks noGrp="1"/>
-          </p:cNvSpPr>
-          <p:nvPr>
-            <p:ph type="body" sz="half" idx="2"/>
-          </p:nvPr>
-        </p:nvSpPr>
-        <p:spPr/>
-        <p:txBody>
-          <a:bodyPr/>
-          <a:lstStyle/>
-          <a:p>
-            <a:r>
-              <a:rPr lang="en-US" altLang="zh-CN" sz="2000" dirty="0">
-                <a:latin typeface="Shonar Bangla" panose="020B0502040204020203" pitchFamily="34" charset="0"/>
-                <a:cs typeface="Shonar Bangla" panose="020B0502040204020203" pitchFamily="34" charset="0"/>
-              </a:rPr>
-              <a:t>template&lt;</a:t>
-            </a:r>
-            <a:r>
-              <a:rPr lang="en-US" altLang="zh-CN" sz="2000" dirty="0" err="1">
-                <a:latin typeface="Shonar Bangla" panose="020B0502040204020203" pitchFamily="34" charset="0"/>
-                <a:cs typeface="Shonar Bangla" panose="020B0502040204020203" pitchFamily="34" charset="0"/>
-              </a:rPr>
-              <a:t>typename</a:t>
-            </a:r>
-            <a:r>
-              <a:rPr lang="en-US" altLang="zh-CN" sz="2000" dirty="0">
-                <a:latin typeface="Shonar Bangla" panose="020B0502040204020203" pitchFamily="34" charset="0"/>
-                <a:cs typeface="Shonar Bangla" panose="020B0502040204020203" pitchFamily="34" charset="0"/>
-              </a:rPr>
-              <a:t> Function, </a:t>
-            </a:r>
-            <a:r>
-              <a:rPr lang="en-US" altLang="zh-CN" sz="2000" dirty="0" err="1">
-                <a:latin typeface="Shonar Bangla" panose="020B0502040204020203" pitchFamily="34" charset="0"/>
-                <a:cs typeface="Shonar Bangla" panose="020B0502040204020203" pitchFamily="34" charset="0"/>
-              </a:rPr>
-              <a:t>size_t</a:t>
-            </a:r>
-            <a:r>
-              <a:rPr lang="en-US" altLang="zh-CN" sz="2000" dirty="0">
-                <a:latin typeface="Shonar Bangla" panose="020B0502040204020203" pitchFamily="34" charset="0"/>
-                <a:cs typeface="Shonar Bangla" panose="020B0502040204020203" pitchFamily="34" charset="0"/>
-              </a:rPr>
-              <a:t> M&gt;</a:t>
-            </a:r>
-          </a:p>
-          <a:p>
-            <a:r>
-              <a:rPr lang="en-US" altLang="zh-CN" sz="2000" dirty="0" err="1">
-                <a:latin typeface="Shonar Bangla" panose="020B0502040204020203" pitchFamily="34" charset="0"/>
-                <a:cs typeface="Shonar Bangla" panose="020B0502040204020203" pitchFamily="34" charset="0"/>
-              </a:rPr>
-              <a:t>struct</a:t>
-            </a:r>
-            <a:r>
-              <a:rPr lang="en-US" altLang="zh-CN" sz="2000" dirty="0">
-                <a:latin typeface="Shonar Bangla" panose="020B0502040204020203" pitchFamily="34" charset="0"/>
-                <a:cs typeface="Shonar Bangla" panose="020B0502040204020203" pitchFamily="34" charset="0"/>
-              </a:rPr>
-              <a:t> invoker&lt;Function, M, M&gt;{</a:t>
-            </a:r>
-          </a:p>
-          <a:p>
-            <a:r>
-              <a:rPr lang="en-US" altLang="zh-CN" sz="2000" dirty="0">
-                <a:latin typeface="Shonar Bangla" panose="020B0502040204020203" pitchFamily="34" charset="0"/>
-                <a:cs typeface="Shonar Bangla" panose="020B0502040204020203" pitchFamily="34" charset="0"/>
-              </a:rPr>
-              <a:t>    template&lt;</a:t>
-            </a:r>
-            <a:r>
-              <a:rPr lang="en-US" altLang="zh-CN" sz="2000" dirty="0" err="1">
-                <a:latin typeface="Shonar Bangla" panose="020B0502040204020203" pitchFamily="34" charset="0"/>
-                <a:cs typeface="Shonar Bangla" panose="020B0502040204020203" pitchFamily="34" charset="0"/>
-              </a:rPr>
-              <a:t>typename</a:t>
-            </a:r>
-            <a:r>
-              <a:rPr lang="en-US" altLang="zh-CN" sz="2000" dirty="0">
-                <a:latin typeface="Shonar Bangla" panose="020B0502040204020203" pitchFamily="34" charset="0"/>
-                <a:cs typeface="Shonar Bangla" panose="020B0502040204020203" pitchFamily="34" charset="0"/>
-              </a:rPr>
-              <a:t> </a:t>
-            </a:r>
-            <a:r>
-              <a:rPr lang="en-US" altLang="zh-CN" sz="2000" dirty="0" err="1">
-                <a:latin typeface="Shonar Bangla" panose="020B0502040204020203" pitchFamily="34" charset="0"/>
-                <a:cs typeface="Shonar Bangla" panose="020B0502040204020203" pitchFamily="34" charset="0"/>
-              </a:rPr>
-              <a:t>Args</a:t>
-            </a:r>
-            <a:r>
-              <a:rPr lang="en-US" altLang="zh-CN" sz="2000" dirty="0">
-                <a:latin typeface="Shonar Bangla" panose="020B0502040204020203" pitchFamily="34" charset="0"/>
-                <a:cs typeface="Shonar Bangla" panose="020B0502040204020203" pitchFamily="34" charset="0"/>
-              </a:rPr>
-              <a:t>&gt;</a:t>
-            </a:r>
-          </a:p>
-          <a:p>
-            <a:r>
-              <a:rPr lang="en-US" altLang="zh-CN" sz="2000" dirty="0">
-                <a:latin typeface="Shonar Bangla" panose="020B0502040204020203" pitchFamily="34" charset="0"/>
-                <a:cs typeface="Shonar Bangla" panose="020B0502040204020203" pitchFamily="34" charset="0"/>
-              </a:rPr>
-              <a:t>    static void apply(</a:t>
-            </a:r>
-            <a:r>
-              <a:rPr lang="en-US" altLang="zh-CN" sz="2000" dirty="0" err="1">
-                <a:latin typeface="Shonar Bangla" panose="020B0502040204020203" pitchFamily="34" charset="0"/>
-                <a:cs typeface="Shonar Bangla" panose="020B0502040204020203" pitchFamily="34" charset="0"/>
-              </a:rPr>
-              <a:t>const</a:t>
-            </a:r>
-            <a:r>
-              <a:rPr lang="en-US" altLang="zh-CN" sz="2000" dirty="0">
-                <a:latin typeface="Shonar Bangla" panose="020B0502040204020203" pitchFamily="34" charset="0"/>
-                <a:cs typeface="Shonar Bangla" panose="020B0502040204020203" pitchFamily="34" charset="0"/>
-              </a:rPr>
-              <a:t> Function&amp; </a:t>
-            </a:r>
-            <a:r>
-              <a:rPr lang="en-US" altLang="zh-CN" sz="2000" dirty="0" err="1">
-                <a:latin typeface="Shonar Bangla" panose="020B0502040204020203" pitchFamily="34" charset="0"/>
-                <a:cs typeface="Shonar Bangla" panose="020B0502040204020203" pitchFamily="34" charset="0"/>
-              </a:rPr>
-              <a:t>func</a:t>
-            </a:r>
-            <a:r>
-              <a:rPr lang="en-US" altLang="zh-CN" sz="2000" dirty="0">
-                <a:latin typeface="Shonar Bangla" panose="020B0502040204020203" pitchFamily="34" charset="0"/>
-                <a:cs typeface="Shonar Bangla" panose="020B0502040204020203" pitchFamily="34" charset="0"/>
-              </a:rPr>
-              <a:t>, </a:t>
-            </a:r>
-            <a:r>
-              <a:rPr lang="en-US" altLang="zh-CN" sz="2000" dirty="0" err="1">
-                <a:latin typeface="Shonar Bangla" panose="020B0502040204020203" pitchFamily="34" charset="0"/>
-                <a:cs typeface="Shonar Bangla" panose="020B0502040204020203" pitchFamily="34" charset="0"/>
-              </a:rPr>
-              <a:t>token_parser</a:t>
-            </a:r>
-            <a:r>
-              <a:rPr lang="en-US" altLang="zh-CN" sz="2000" dirty="0">
-                <a:latin typeface="Shonar Bangla" panose="020B0502040204020203" pitchFamily="34" charset="0"/>
-                <a:cs typeface="Shonar Bangla" panose="020B0502040204020203" pitchFamily="34" charset="0"/>
-              </a:rPr>
-              <a:t> &amp;, </a:t>
-            </a:r>
-            <a:r>
-              <a:rPr lang="en-US" altLang="zh-CN" sz="2000" dirty="0" err="1">
-                <a:latin typeface="Shonar Bangla" panose="020B0502040204020203" pitchFamily="34" charset="0"/>
-                <a:cs typeface="Shonar Bangla" panose="020B0502040204020203" pitchFamily="34" charset="0"/>
-              </a:rPr>
-              <a:t>Args</a:t>
-            </a:r>
-            <a:r>
-              <a:rPr lang="en-US" altLang="zh-CN" sz="2000" dirty="0">
-                <a:latin typeface="Shonar Bangla" panose="020B0502040204020203" pitchFamily="34" charset="0"/>
-                <a:cs typeface="Shonar Bangla" panose="020B0502040204020203" pitchFamily="34" charset="0"/>
-              </a:rPr>
-              <a:t> </a:t>
-            </a:r>
-            <a:r>
-              <a:rPr lang="en-US" altLang="zh-CN" sz="2000" dirty="0" err="1">
-                <a:latin typeface="Shonar Bangla" panose="020B0502040204020203" pitchFamily="34" charset="0"/>
-                <a:cs typeface="Shonar Bangla" panose="020B0502040204020203" pitchFamily="34" charset="0"/>
-              </a:rPr>
-              <a:t>const</a:t>
-            </a:r>
-            <a:r>
-              <a:rPr lang="en-US" altLang="zh-CN" sz="2000" dirty="0">
-                <a:latin typeface="Shonar Bangla" panose="020B0502040204020203" pitchFamily="34" charset="0"/>
-                <a:cs typeface="Shonar Bangla" panose="020B0502040204020203" pitchFamily="34" charset="0"/>
-              </a:rPr>
-              <a:t> &amp; tuple){</a:t>
-            </a:r>
-          </a:p>
-          <a:p>
-            <a:r>
-              <a:rPr lang="en-US" altLang="zh-CN" sz="2000" dirty="0">
-                <a:latin typeface="Shonar Bangla" panose="020B0502040204020203" pitchFamily="34" charset="0"/>
-                <a:cs typeface="Shonar Bangla" panose="020B0502040204020203" pitchFamily="34" charset="0"/>
-              </a:rPr>
-              <a:t>        </a:t>
-            </a:r>
-            <a:r>
-              <a:rPr lang="en-US" altLang="zh-CN" sz="2000" dirty="0" err="1">
-                <a:latin typeface="Shonar Bangla" panose="020B0502040204020203" pitchFamily="34" charset="0"/>
-                <a:cs typeface="Shonar Bangla" panose="020B0502040204020203" pitchFamily="34" charset="0"/>
-              </a:rPr>
-              <a:t>std</a:t>
-            </a:r>
-            <a:r>
-              <a:rPr lang="en-US" altLang="zh-CN" sz="2000" dirty="0">
-                <a:latin typeface="Shonar Bangla" panose="020B0502040204020203" pitchFamily="34" charset="0"/>
-                <a:cs typeface="Shonar Bangla" panose="020B0502040204020203" pitchFamily="34" charset="0"/>
-              </a:rPr>
-              <a:t>::apply(</a:t>
-            </a:r>
-            <a:r>
-              <a:rPr lang="en-US" altLang="zh-CN" sz="2000" dirty="0" err="1">
-                <a:latin typeface="Shonar Bangla" panose="020B0502040204020203" pitchFamily="34" charset="0"/>
-                <a:cs typeface="Shonar Bangla" panose="020B0502040204020203" pitchFamily="34" charset="0"/>
-              </a:rPr>
-              <a:t>func</a:t>
-            </a:r>
-            <a:r>
-              <a:rPr lang="en-US" altLang="zh-CN" sz="2000" dirty="0">
-                <a:latin typeface="Shonar Bangla" panose="020B0502040204020203" pitchFamily="34" charset="0"/>
-                <a:cs typeface="Shonar Bangla" panose="020B0502040204020203" pitchFamily="34" charset="0"/>
-              </a:rPr>
-              <a:t>, tuple);</a:t>
-            </a:r>
-          </a:p>
-          <a:p>
-            <a:r>
-              <a:rPr lang="en-US" altLang="zh-CN" sz="2000" dirty="0">
-                <a:latin typeface="Shonar Bangla" panose="020B0502040204020203" pitchFamily="34" charset="0"/>
-                <a:cs typeface="Shonar Bangla" panose="020B0502040204020203" pitchFamily="34" charset="0"/>
-              </a:rPr>
-              <a:t>    }</a:t>
-            </a:r>
-          </a:p>
-          <a:p>
-            <a:r>
-              <a:rPr lang="en-US" altLang="zh-CN" sz="2000" dirty="0">
-                <a:latin typeface="Shonar Bangla" panose="020B0502040204020203" pitchFamily="34" charset="0"/>
-                <a:cs typeface="Shonar Bangla" panose="020B0502040204020203" pitchFamily="34" charset="0"/>
-              </a:rPr>
-              <a:t>};</a:t>
-            </a:r>
-            <a:endParaRPr lang="zh-CN" altLang="en-US" sz="2000" dirty="0">
-              <a:latin typeface="Shonar Bangla" panose="020B0502040204020203" pitchFamily="34" charset="0"/>
-              <a:cs typeface="Shonar Bangla" panose="020B0502040204020203" pitchFamily="34" charset="0"/>
-            </a:endParaRPr>
-          </a:p>
-          <a:p>
-            <a:endParaRPr lang="zh-CN" altLang="en-US" dirty="0"/>
-          </a:p>
-        </p:txBody>
-      </p:sp>
-      <p:sp>
-        <p:nvSpPr>
-          <p:cNvPr id="4" name="矩形 3"/>
-          <p:cNvSpPr/>
-          <p:nvPr/>
-        </p:nvSpPr>
-        <p:spPr>
-          <a:xfrm>
-            <a:off x="835284" y="4340560"/>
-            <a:ext cx="6051176" cy="369332"/>
-          </a:xfrm>
-          <a:prstGeom prst="rect">
-            <a:avLst/>
-          </a:prstGeom>
-        </p:spPr>
-        <p:txBody>
-          <a:bodyPr wrap="square">
-            <a:spAutoFit/>
-          </a:bodyPr>
-          <a:lstStyle/>
-          <a:p>
-            <a:r>
-              <a:rPr lang="zh-CN" altLang="en-US" dirty="0"/>
-              <a:t>https://github.com/qicosmos/cosmos/blob/master/router.hpp</a:t>
-            </a:r>
-          </a:p>
-        </p:txBody>
-      </p:sp>
-    </p:spTree>
-  </p:cSld>
-  <p:clrMapOvr>
-    <a:masterClrMapping/>
-  </p:clrMapOvr>
-  <p:timing>
-    <p:tnLst>
-      <p:par>
-        <p:cTn id="1" dur="indefinite" restart="never" nodeType="tmRoot">
-          <p:childTnLst>
-            <p:seq concurrent="1" nextAc="seek">
-              <p:cTn id="2" dur="indefinite" nodeType="mainSeq">
-                <p:childTnLst>
                   <p:par>
-                    <p:cTn id="3" fill="hold">
+                    <p:cTn id="13" fill="hold">
                       <p:stCondLst>
                         <p:cond delay="indefinite"/>
                       </p:stCondLst>
                       <p:childTnLst>
                         <p:par>
-                          <p:cTn id="4" fill="hold">
+                          <p:cTn id="14" fill="hold">
                             <p:stCondLst>
                               <p:cond delay="0"/>
                             </p:stCondLst>
                             <p:childTnLst>
                               <p:par>
-                                <p:cTn id="5" presetID="2" presetClass="entr" presetSubtype="4" fill="hold" grpId="0" nodeType="clickEffect">
+                                <p:cTn id="15" presetID="2" presetClass="entr" presetSubtype="4" fill="hold" grpId="0" nodeType="clickEffect">
                                   <p:stCondLst>
                                     <p:cond delay="0"/>
                                   </p:stCondLst>
                                   <p:childTnLst>
                                     <p:set>
                                       <p:cBhvr>
-                                        <p:cTn id="6" dur="1" fill="hold">
+                                        <p:cTn id="16" dur="1" fill="hold">
                                           <p:stCondLst>
                                             <p:cond delay="0"/>
                                           </p:stCondLst>
                                         </p:cTn>
                                         <p:tgtEl>
-                                          <p:spTgt spid="4"/>
+                                          <p:spTgt spid="6"/>
                                         </p:tgtEl>
                                         <p:attrNameLst>
                                           <p:attrName>style.visibility</p:attrName>
@@ -20200,9 +19718,9 @@
                                     </p:set>
                                     <p:anim calcmode="lin" valueType="num">
                                       <p:cBhvr additive="base">
-                                        <p:cTn id="7" dur="500" fill="hold"/>
+                                        <p:cTn id="17" dur="500" fill="hold"/>
                                         <p:tgtEl>
-                                          <p:spTgt spid="4"/>
+                                          <p:spTgt spid="6"/>
                                         </p:tgtEl>
                                         <p:attrNameLst>
                                           <p:attrName>ppt_x</p:attrName>
@@ -20223,9 +19741,9 @@
                                     </p:anim>
                                     <p:anim calcmode="lin" valueType="num">
                                       <p:cBhvr additive="base">
-                                        <p:cTn id="8" dur="500" fill="hold"/>
+                                        <p:cTn id="18" dur="500" fill="hold"/>
                                         <p:tgtEl>
-                                          <p:spTgt spid="4"/>
+                                          <p:spTgt spid="6"/>
                                         </p:tgtEl>
                                         <p:attrNameLst>
                                           <p:attrName>ppt_y</p:attrName>
@@ -20276,12 +19794,316 @@
     </p:tnLst>
     <p:bldLst>
       <p:bldP spid="4" grpId="0"/>
+      <p:bldP spid="5" grpId="0" animBg="1"/>
+      <p:bldP spid="6" grpId="0"/>
     </p:bldLst>
   </p:timing>
 </p:sld>
 </file>
 
-<file path=ppt/slides/slide34.xml><?xml version="1.0" encoding="utf-8"?>
+<file path=ppt/slides/slide32.xml><?xml version="1.0" encoding="utf-8"?>
+<p:sld xmlns:a="http://schemas.openxmlformats.org/drawingml/2006/main" xmlns:r="http://schemas.openxmlformats.org/officeDocument/2006/relationships" xmlns:p="http://schemas.openxmlformats.org/presentationml/2006/main">
+  <p:cSld>
+    <p:spTree>
+      <p:nvGrpSpPr>
+        <p:cNvPr id="1" name=""/>
+        <p:cNvGrpSpPr/>
+        <p:nvPr/>
+      </p:nvGrpSpPr>
+      <p:grpSpPr>
+        <a:xfrm>
+          <a:off x="0" y="0"/>
+          <a:ext cx="0" cy="0"/>
+          <a:chOff x="0" y="0"/>
+          <a:chExt cx="0" cy="0"/>
+        </a:xfrm>
+      </p:grpSpPr>
+      <p:sp>
+        <p:nvSpPr>
+          <p:cNvPr id="2" name="标题 1"/>
+          <p:cNvSpPr>
+            <a:spLocks noGrp="1"/>
+          </p:cNvSpPr>
+          <p:nvPr>
+            <p:ph type="title"/>
+          </p:nvPr>
+        </p:nvSpPr>
+        <p:spPr/>
+        <p:txBody>
+          <a:bodyPr/>
+          <a:lstStyle/>
+          <a:p>
+            <a:r>
+              <a:rPr lang="en-US" altLang="zh-CN" dirty="0"/>
+              <a:t>How to route to the correct handler</a:t>
+            </a:r>
+            <a:endParaRPr lang="zh-CN" altLang="en-US" dirty="0"/>
+          </a:p>
+        </p:txBody>
+      </p:sp>
+      <p:sp>
+        <p:nvSpPr>
+          <p:cNvPr id="3" name="文本占位符 2"/>
+          <p:cNvSpPr>
+            <a:spLocks noGrp="1"/>
+          </p:cNvSpPr>
+          <p:nvPr>
+            <p:ph type="body" sz="half" idx="2"/>
+          </p:nvPr>
+        </p:nvSpPr>
+        <p:spPr/>
+        <p:txBody>
+          <a:bodyPr/>
+          <a:lstStyle/>
+          <a:p>
+            <a:r>
+              <a:rPr lang="en-US" altLang="zh-CN" sz="2000" dirty="0">
+                <a:latin typeface="Shonar Bangla" panose="020B0502040204020203" pitchFamily="34" charset="0"/>
+                <a:cs typeface="Shonar Bangla" panose="020B0502040204020203" pitchFamily="34" charset="0"/>
+              </a:rPr>
+              <a:t>template&lt;</a:t>
+            </a:r>
+            <a:r>
+              <a:rPr lang="en-US" altLang="zh-CN" sz="2000" dirty="0" err="1">
+                <a:latin typeface="Shonar Bangla" panose="020B0502040204020203" pitchFamily="34" charset="0"/>
+                <a:cs typeface="Shonar Bangla" panose="020B0502040204020203" pitchFamily="34" charset="0"/>
+              </a:rPr>
+              <a:t>typename</a:t>
+            </a:r>
+            <a:r>
+              <a:rPr lang="en-US" altLang="zh-CN" sz="2000" dirty="0">
+                <a:latin typeface="Shonar Bangla" panose="020B0502040204020203" pitchFamily="34" charset="0"/>
+                <a:cs typeface="Shonar Bangla" panose="020B0502040204020203" pitchFamily="34" charset="0"/>
+              </a:rPr>
+              <a:t> Function, </a:t>
+            </a:r>
+            <a:r>
+              <a:rPr lang="en-US" altLang="zh-CN" sz="2000" dirty="0" err="1">
+                <a:latin typeface="Shonar Bangla" panose="020B0502040204020203" pitchFamily="34" charset="0"/>
+                <a:cs typeface="Shonar Bangla" panose="020B0502040204020203" pitchFamily="34" charset="0"/>
+              </a:rPr>
+              <a:t>size_t</a:t>
+            </a:r>
+            <a:r>
+              <a:rPr lang="en-US" altLang="zh-CN" sz="2000" dirty="0">
+                <a:latin typeface="Shonar Bangla" panose="020B0502040204020203" pitchFamily="34" charset="0"/>
+                <a:cs typeface="Shonar Bangla" panose="020B0502040204020203" pitchFamily="34" charset="0"/>
+              </a:rPr>
+              <a:t> M&gt;</a:t>
+            </a:r>
+          </a:p>
+          <a:p>
+            <a:r>
+              <a:rPr lang="en-US" altLang="zh-CN" sz="2000" dirty="0" err="1">
+                <a:latin typeface="Shonar Bangla" panose="020B0502040204020203" pitchFamily="34" charset="0"/>
+                <a:cs typeface="Shonar Bangla" panose="020B0502040204020203" pitchFamily="34" charset="0"/>
+              </a:rPr>
+              <a:t>struct</a:t>
+            </a:r>
+            <a:r>
+              <a:rPr lang="en-US" altLang="zh-CN" sz="2000" dirty="0">
+                <a:latin typeface="Shonar Bangla" panose="020B0502040204020203" pitchFamily="34" charset="0"/>
+                <a:cs typeface="Shonar Bangla" panose="020B0502040204020203" pitchFamily="34" charset="0"/>
+              </a:rPr>
+              <a:t> invoker&lt;Function, M, M&gt;{</a:t>
+            </a:r>
+          </a:p>
+          <a:p>
+            <a:r>
+              <a:rPr lang="en-US" altLang="zh-CN" sz="2000" dirty="0">
+                <a:latin typeface="Shonar Bangla" panose="020B0502040204020203" pitchFamily="34" charset="0"/>
+                <a:cs typeface="Shonar Bangla" panose="020B0502040204020203" pitchFamily="34" charset="0"/>
+              </a:rPr>
+              <a:t>    template&lt;</a:t>
+            </a:r>
+            <a:r>
+              <a:rPr lang="en-US" altLang="zh-CN" sz="2000" dirty="0" err="1">
+                <a:latin typeface="Shonar Bangla" panose="020B0502040204020203" pitchFamily="34" charset="0"/>
+                <a:cs typeface="Shonar Bangla" panose="020B0502040204020203" pitchFamily="34" charset="0"/>
+              </a:rPr>
+              <a:t>typename</a:t>
+            </a:r>
+            <a:r>
+              <a:rPr lang="en-US" altLang="zh-CN" sz="2000" dirty="0">
+                <a:latin typeface="Shonar Bangla" panose="020B0502040204020203" pitchFamily="34" charset="0"/>
+                <a:cs typeface="Shonar Bangla" panose="020B0502040204020203" pitchFamily="34" charset="0"/>
+              </a:rPr>
+              <a:t> </a:t>
+            </a:r>
+            <a:r>
+              <a:rPr lang="en-US" altLang="zh-CN" sz="2000" dirty="0" err="1">
+                <a:latin typeface="Shonar Bangla" panose="020B0502040204020203" pitchFamily="34" charset="0"/>
+                <a:cs typeface="Shonar Bangla" panose="020B0502040204020203" pitchFamily="34" charset="0"/>
+              </a:rPr>
+              <a:t>Args</a:t>
+            </a:r>
+            <a:r>
+              <a:rPr lang="en-US" altLang="zh-CN" sz="2000" dirty="0">
+                <a:latin typeface="Shonar Bangla" panose="020B0502040204020203" pitchFamily="34" charset="0"/>
+                <a:cs typeface="Shonar Bangla" panose="020B0502040204020203" pitchFamily="34" charset="0"/>
+              </a:rPr>
+              <a:t>&gt;</a:t>
+            </a:r>
+          </a:p>
+          <a:p>
+            <a:r>
+              <a:rPr lang="en-US" altLang="zh-CN" sz="2000" dirty="0">
+                <a:latin typeface="Shonar Bangla" panose="020B0502040204020203" pitchFamily="34" charset="0"/>
+                <a:cs typeface="Shonar Bangla" panose="020B0502040204020203" pitchFamily="34" charset="0"/>
+              </a:rPr>
+              <a:t>    static void apply(</a:t>
+            </a:r>
+            <a:r>
+              <a:rPr lang="en-US" altLang="zh-CN" sz="2000" dirty="0" err="1">
+                <a:latin typeface="Shonar Bangla" panose="020B0502040204020203" pitchFamily="34" charset="0"/>
+                <a:cs typeface="Shonar Bangla" panose="020B0502040204020203" pitchFamily="34" charset="0"/>
+              </a:rPr>
+              <a:t>const</a:t>
+            </a:r>
+            <a:r>
+              <a:rPr lang="en-US" altLang="zh-CN" sz="2000" dirty="0">
+                <a:latin typeface="Shonar Bangla" panose="020B0502040204020203" pitchFamily="34" charset="0"/>
+                <a:cs typeface="Shonar Bangla" panose="020B0502040204020203" pitchFamily="34" charset="0"/>
+              </a:rPr>
+              <a:t> Function&amp; </a:t>
+            </a:r>
+            <a:r>
+              <a:rPr lang="en-US" altLang="zh-CN" sz="2000" dirty="0" err="1">
+                <a:latin typeface="Shonar Bangla" panose="020B0502040204020203" pitchFamily="34" charset="0"/>
+                <a:cs typeface="Shonar Bangla" panose="020B0502040204020203" pitchFamily="34" charset="0"/>
+              </a:rPr>
+              <a:t>func</a:t>
+            </a:r>
+            <a:r>
+              <a:rPr lang="en-US" altLang="zh-CN" sz="2000" dirty="0">
+                <a:latin typeface="Shonar Bangla" panose="020B0502040204020203" pitchFamily="34" charset="0"/>
+                <a:cs typeface="Shonar Bangla" panose="020B0502040204020203" pitchFamily="34" charset="0"/>
+              </a:rPr>
+              <a:t>, </a:t>
+            </a:r>
+            <a:r>
+              <a:rPr lang="en-US" altLang="zh-CN" sz="2000" dirty="0" err="1">
+                <a:latin typeface="Shonar Bangla" panose="020B0502040204020203" pitchFamily="34" charset="0"/>
+                <a:cs typeface="Shonar Bangla" panose="020B0502040204020203" pitchFamily="34" charset="0"/>
+              </a:rPr>
+              <a:t>token_parser</a:t>
+            </a:r>
+            <a:r>
+              <a:rPr lang="en-US" altLang="zh-CN" sz="2000" dirty="0">
+                <a:latin typeface="Shonar Bangla" panose="020B0502040204020203" pitchFamily="34" charset="0"/>
+                <a:cs typeface="Shonar Bangla" panose="020B0502040204020203" pitchFamily="34" charset="0"/>
+              </a:rPr>
+              <a:t> &amp;, </a:t>
+            </a:r>
+            <a:r>
+              <a:rPr lang="en-US" altLang="zh-CN" sz="2000" dirty="0" err="1">
+                <a:latin typeface="Shonar Bangla" panose="020B0502040204020203" pitchFamily="34" charset="0"/>
+                <a:cs typeface="Shonar Bangla" panose="020B0502040204020203" pitchFamily="34" charset="0"/>
+              </a:rPr>
+              <a:t>Args</a:t>
+            </a:r>
+            <a:r>
+              <a:rPr lang="en-US" altLang="zh-CN" sz="2000" dirty="0">
+                <a:latin typeface="Shonar Bangla" panose="020B0502040204020203" pitchFamily="34" charset="0"/>
+                <a:cs typeface="Shonar Bangla" panose="020B0502040204020203" pitchFamily="34" charset="0"/>
+              </a:rPr>
+              <a:t> </a:t>
+            </a:r>
+            <a:r>
+              <a:rPr lang="en-US" altLang="zh-CN" sz="2000" dirty="0" err="1">
+                <a:latin typeface="Shonar Bangla" panose="020B0502040204020203" pitchFamily="34" charset="0"/>
+                <a:cs typeface="Shonar Bangla" panose="020B0502040204020203" pitchFamily="34" charset="0"/>
+              </a:rPr>
+              <a:t>const</a:t>
+            </a:r>
+            <a:r>
+              <a:rPr lang="en-US" altLang="zh-CN" sz="2000" dirty="0">
+                <a:latin typeface="Shonar Bangla" panose="020B0502040204020203" pitchFamily="34" charset="0"/>
+                <a:cs typeface="Shonar Bangla" panose="020B0502040204020203" pitchFamily="34" charset="0"/>
+              </a:rPr>
+              <a:t> &amp; tuple){</a:t>
+            </a:r>
+          </a:p>
+          <a:p>
+            <a:r>
+              <a:rPr lang="en-US" altLang="zh-CN" sz="2000" dirty="0">
+                <a:latin typeface="Shonar Bangla" panose="020B0502040204020203" pitchFamily="34" charset="0"/>
+                <a:cs typeface="Shonar Bangla" panose="020B0502040204020203" pitchFamily="34" charset="0"/>
+              </a:rPr>
+              <a:t>        </a:t>
+            </a:r>
+            <a:r>
+              <a:rPr lang="en-US" altLang="zh-CN" sz="2000" dirty="0" err="1">
+                <a:latin typeface="Shonar Bangla" panose="020B0502040204020203" pitchFamily="34" charset="0"/>
+                <a:cs typeface="Shonar Bangla" panose="020B0502040204020203" pitchFamily="34" charset="0"/>
+              </a:rPr>
+              <a:t>std</a:t>
+            </a:r>
+            <a:r>
+              <a:rPr lang="en-US" altLang="zh-CN" sz="2000" dirty="0">
+                <a:latin typeface="Shonar Bangla" panose="020B0502040204020203" pitchFamily="34" charset="0"/>
+                <a:cs typeface="Shonar Bangla" panose="020B0502040204020203" pitchFamily="34" charset="0"/>
+              </a:rPr>
+              <a:t>::apply(</a:t>
+            </a:r>
+            <a:r>
+              <a:rPr lang="en-US" altLang="zh-CN" sz="2000" dirty="0" err="1">
+                <a:latin typeface="Shonar Bangla" panose="020B0502040204020203" pitchFamily="34" charset="0"/>
+                <a:cs typeface="Shonar Bangla" panose="020B0502040204020203" pitchFamily="34" charset="0"/>
+              </a:rPr>
+              <a:t>func</a:t>
+            </a:r>
+            <a:r>
+              <a:rPr lang="en-US" altLang="zh-CN" sz="2000" dirty="0">
+                <a:latin typeface="Shonar Bangla" panose="020B0502040204020203" pitchFamily="34" charset="0"/>
+                <a:cs typeface="Shonar Bangla" panose="020B0502040204020203" pitchFamily="34" charset="0"/>
+              </a:rPr>
+              <a:t>, tuple);</a:t>
+            </a:r>
+          </a:p>
+          <a:p>
+            <a:r>
+              <a:rPr lang="en-US" altLang="zh-CN" sz="2000" dirty="0">
+                <a:latin typeface="Shonar Bangla" panose="020B0502040204020203" pitchFamily="34" charset="0"/>
+                <a:cs typeface="Shonar Bangla" panose="020B0502040204020203" pitchFamily="34" charset="0"/>
+              </a:rPr>
+              <a:t>    }</a:t>
+            </a:r>
+          </a:p>
+          <a:p>
+            <a:r>
+              <a:rPr lang="en-US" altLang="zh-CN" sz="2000" dirty="0">
+                <a:latin typeface="Shonar Bangla" panose="020B0502040204020203" pitchFamily="34" charset="0"/>
+                <a:cs typeface="Shonar Bangla" panose="020B0502040204020203" pitchFamily="34" charset="0"/>
+              </a:rPr>
+              <a:t>};</a:t>
+            </a:r>
+            <a:endParaRPr lang="zh-CN" altLang="en-US" sz="2000" dirty="0">
+              <a:latin typeface="Shonar Bangla" panose="020B0502040204020203" pitchFamily="34" charset="0"/>
+              <a:cs typeface="Shonar Bangla" panose="020B0502040204020203" pitchFamily="34" charset="0"/>
+            </a:endParaRPr>
+          </a:p>
+          <a:p>
+            <a:endParaRPr lang="zh-CN" altLang="en-US" dirty="0"/>
+          </a:p>
+        </p:txBody>
+      </p:sp>
+    </p:spTree>
+  </p:cSld>
+  <p:clrMapOvr>
+    <a:masterClrMapping/>
+  </p:clrMapOvr>
+  <p:timing>
+    <p:tnLst>
+      <p:par>
+        <p:cTn id="1" dur="indefinite" restart="never" nodeType="tmRoot"/>
+      </p:par>
+    </p:tnLst>
+  </p:timing>
+</p:sld>
+</file>
+
+<file path=ppt/slides/slide33.xml><?xml version="1.0" encoding="utf-8"?>
 <p:sld xmlns:a="http://schemas.openxmlformats.org/drawingml/2006/main" xmlns:r="http://schemas.openxmlformats.org/officeDocument/2006/relationships" xmlns:p="http://schemas.openxmlformats.org/presentationml/2006/main">
   <p:cSld>
     <p:spTree>
@@ -20411,7 +20233,7 @@
 </p:sld>
 </file>
 
-<file path=ppt/slides/slide35.xml><?xml version="1.0" encoding="utf-8"?>
+<file path=ppt/slides/slide34.xml><?xml version="1.0" encoding="utf-8"?>
 <p:sld xmlns:a="http://schemas.openxmlformats.org/drawingml/2006/main" xmlns:r="http://schemas.openxmlformats.org/officeDocument/2006/relationships" xmlns:p="http://schemas.openxmlformats.org/presentationml/2006/main">
   <p:cSld>
     <p:spTree>
@@ -20515,6 +20337,176 @@
 </p:sld>
 </file>
 
+<file path=ppt/slides/slide35.xml><?xml version="1.0" encoding="utf-8"?>
+<p:sld xmlns:a="http://schemas.openxmlformats.org/drawingml/2006/main" xmlns:r="http://schemas.openxmlformats.org/officeDocument/2006/relationships" xmlns:p="http://schemas.openxmlformats.org/presentationml/2006/main">
+  <p:cSld>
+    <p:spTree>
+      <p:nvGrpSpPr>
+        <p:cNvPr id="1" name=""/>
+        <p:cNvGrpSpPr/>
+        <p:nvPr/>
+      </p:nvGrpSpPr>
+      <p:grpSpPr>
+        <a:xfrm>
+          <a:off x="0" y="0"/>
+          <a:ext cx="0" cy="0"/>
+          <a:chOff x="0" y="0"/>
+          <a:chExt cx="0" cy="0"/>
+        </a:xfrm>
+      </p:grpSpPr>
+      <p:sp>
+        <p:nvSpPr>
+          <p:cNvPr id="2" name="标题 1"/>
+          <p:cNvSpPr>
+            <a:spLocks noGrp="1"/>
+          </p:cNvSpPr>
+          <p:nvPr>
+            <p:ph type="title"/>
+          </p:nvPr>
+        </p:nvSpPr>
+        <p:spPr/>
+        <p:txBody>
+          <a:bodyPr/>
+          <a:lstStyle/>
+          <a:p>
+            <a:r>
+              <a:rPr altLang="zh-CN" dirty="0" smtClean="0"/>
+              <a:t>How to simplify the RPC call</a:t>
+            </a:r>
+            <a:endParaRPr lang="zh-CN" altLang="en-US" dirty="0"/>
+          </a:p>
+        </p:txBody>
+      </p:sp>
+      <p:sp>
+        <p:nvSpPr>
+          <p:cNvPr id="3" name="文本占位符 2"/>
+          <p:cNvSpPr>
+            <a:spLocks noGrp="1"/>
+          </p:cNvSpPr>
+          <p:nvPr>
+            <p:ph type="body" sz="half" idx="2"/>
+          </p:nvPr>
+        </p:nvSpPr>
+        <p:spPr/>
+        <p:txBody>
+          <a:bodyPr/>
+          <a:lstStyle/>
+          <a:p>
+            <a:r>
+              <a:rPr lang="en-US" altLang="zh-CN" dirty="0" smtClean="0"/>
+              <a:t>namespace </a:t>
+            </a:r>
+            <a:r>
+              <a:rPr lang="en-US" altLang="zh-CN" dirty="0"/>
+              <a:t>client</a:t>
+            </a:r>
+          </a:p>
+          <a:p>
+            <a:r>
+              <a:rPr lang="en-US" altLang="zh-CN" dirty="0"/>
+              <a:t>{</a:t>
+            </a:r>
+          </a:p>
+          <a:p>
+            <a:r>
+              <a:rPr lang="en-US" altLang="zh-CN" dirty="0"/>
+              <a:t> </a:t>
+            </a:r>
+            <a:r>
+              <a:rPr lang="en-US" altLang="zh-CN" dirty="0" smtClean="0"/>
+              <a:t>   TIMAX_DEFINE_PROTOCOL(add</a:t>
+            </a:r>
+            <a:r>
+              <a:rPr lang="en-US" altLang="zh-CN" dirty="0"/>
+              <a:t>, </a:t>
+            </a:r>
+            <a:r>
+              <a:rPr lang="en-US" altLang="zh-CN" dirty="0" err="1"/>
+              <a:t>int</a:t>
+            </a:r>
+            <a:r>
+              <a:rPr lang="en-US" altLang="zh-CN" dirty="0"/>
+              <a:t>(</a:t>
+            </a:r>
+            <a:r>
+              <a:rPr lang="en-US" altLang="zh-CN" dirty="0" err="1"/>
+              <a:t>int</a:t>
+            </a:r>
+            <a:r>
+              <a:rPr lang="en-US" altLang="zh-CN" dirty="0"/>
+              <a:t>, </a:t>
+            </a:r>
+            <a:r>
+              <a:rPr lang="en-US" altLang="zh-CN" dirty="0" err="1"/>
+              <a:t>int</a:t>
+            </a:r>
+            <a:r>
+              <a:rPr lang="en-US" altLang="zh-CN" dirty="0"/>
+              <a:t>));</a:t>
+            </a:r>
+          </a:p>
+          <a:p>
+            <a:r>
+              <a:rPr lang="en-US" altLang="zh-CN" dirty="0" smtClean="0"/>
+              <a:t>}</a:t>
+            </a:r>
+            <a:endParaRPr lang="en-US" altLang="zh-CN" dirty="0"/>
+          </a:p>
+          <a:p>
+            <a:endParaRPr lang="en-US" altLang="zh-CN" dirty="0"/>
+          </a:p>
+          <a:p>
+            <a:r>
+              <a:rPr lang="en-US" altLang="zh-CN" dirty="0" err="1"/>
+              <a:t>asycn_client.call</a:t>
+            </a:r>
+            <a:r>
+              <a:rPr lang="en-US" altLang="zh-CN" dirty="0"/>
+              <a:t>(endpoint, client::add, 3, 5);</a:t>
+            </a:r>
+          </a:p>
+          <a:p>
+            <a:r>
+              <a:rPr lang="en-US" altLang="zh-CN" dirty="0" err="1" smtClean="0"/>
+              <a:t>asycn_client.call</a:t>
+            </a:r>
+            <a:r>
+              <a:rPr lang="en-US" altLang="zh-CN" dirty="0" smtClean="0"/>
+              <a:t>(endpoint</a:t>
+            </a:r>
+            <a:r>
+              <a:rPr lang="en-US" altLang="zh-CN" dirty="0"/>
+              <a:t>, client::add, "test", 5); </a:t>
+            </a:r>
+            <a:r>
+              <a:rPr lang="en-US" altLang="zh-CN" b="1" dirty="0"/>
+              <a:t>//compile error, not matching</a:t>
+            </a:r>
+            <a:endParaRPr lang="en-US" altLang="zh-CN" b="1" dirty="0" smtClean="0"/>
+          </a:p>
+          <a:p>
+            <a:endParaRPr lang="en-US" altLang="zh-CN" dirty="0" smtClean="0"/>
+          </a:p>
+          <a:p>
+            <a:endParaRPr lang="zh-CN" altLang="en-US" dirty="0"/>
+          </a:p>
+        </p:txBody>
+      </p:sp>
+    </p:spTree>
+  </p:cSld>
+  <p:clrMapOvr>
+    <a:masterClrMapping/>
+  </p:clrMapOvr>
+  <p:timing>
+    <p:tnLst>
+      <p:par>
+        <p:cTn id="1" dur="indefinite" restart="never" nodeType="tmRoot"/>
+      </p:par>
+    </p:tnLst>
+  </p:timing>
+</p:sld>
+</file>
+
 <file path=ppt/slides/slide36.xml><?xml version="1.0" encoding="utf-8"?>
 <p:sld xmlns:a="http://schemas.openxmlformats.org/drawingml/2006/main" xmlns:r="http://schemas.openxmlformats.org/officeDocument/2006/relationships" xmlns:p="http://schemas.openxmlformats.org/presentationml/2006/main">
   <p:cSld>
@@ -20534,430 +20526,6 @@
       </p:grpSpPr>
       <p:sp>
         <p:nvSpPr>
-          <p:cNvPr id="2" name="Title 1"/>
-          <p:cNvSpPr>
-            <a:spLocks noGrp="1"/>
-          </p:cNvSpPr>
-          <p:nvPr>
-            <p:ph type="title"/>
-          </p:nvPr>
-        </p:nvSpPr>
-        <p:spPr/>
-        <p:txBody>
-          <a:bodyPr/>
-          <a:lstStyle/>
-          <a:p>
-            <a:r>
-              <a:rPr lang="en-US" altLang="zh-CN" dirty="0"/>
-              <a:t>How to simplify the call code</a:t>
-            </a:r>
-          </a:p>
-        </p:txBody>
-      </p:sp>
-      <p:sp>
-        <p:nvSpPr>
-          <p:cNvPr id="3" name="Text Placeholder 2"/>
-          <p:cNvSpPr>
-            <a:spLocks noGrp="1"/>
-          </p:cNvSpPr>
-          <p:nvPr>
-            <p:ph type="body" sz="half" idx="2"/>
-          </p:nvPr>
-        </p:nvSpPr>
-        <p:spPr/>
-        <p:txBody>
-          <a:bodyPr/>
-          <a:lstStyle/>
-          <a:p>
-            <a:r>
-              <a:rPr lang="en-US" altLang="zh-CN" dirty="0" err="1"/>
-              <a:t>struct</a:t>
-            </a:r>
-            <a:r>
-              <a:rPr lang="en-US" altLang="zh-CN" dirty="0"/>
-              <a:t> </a:t>
-            </a:r>
-            <a:r>
-              <a:rPr lang="en-US" altLang="zh-CN" dirty="0" err="1" smtClean="0"/>
-              <a:t>foo_t</a:t>
-            </a:r>
-            <a:r>
-              <a:rPr lang="en-US" altLang="zh-CN" dirty="0" smtClean="0"/>
-              <a:t>{</a:t>
-            </a:r>
-            <a:endParaRPr lang="zh-CN" altLang="en-US" dirty="0"/>
-          </a:p>
-          <a:p>
-            <a:r>
-              <a:rPr lang="en-US" altLang="zh-CN" dirty="0" smtClean="0"/>
-              <a:t>    </a:t>
-            </a:r>
-            <a:r>
-              <a:rPr lang="en-US" altLang="zh-CN" dirty="0" err="1" smtClean="0"/>
-              <a:t>int</a:t>
-            </a:r>
-            <a:r>
-              <a:rPr lang="en-US" altLang="zh-CN" dirty="0" smtClean="0"/>
-              <a:t> </a:t>
-            </a:r>
-            <a:r>
-              <a:rPr lang="en-US" altLang="zh-CN" dirty="0"/>
-              <a:t>add(</a:t>
-            </a:r>
-            <a:r>
-              <a:rPr lang="en-US" altLang="zh-CN" dirty="0" err="1"/>
-              <a:t>int</a:t>
-            </a:r>
-            <a:r>
-              <a:rPr lang="en-US" altLang="zh-CN" dirty="0"/>
-              <a:t> a, </a:t>
-            </a:r>
-            <a:r>
-              <a:rPr lang="en-US" altLang="zh-CN" dirty="0" err="1"/>
-              <a:t>int</a:t>
-            </a:r>
-            <a:r>
-              <a:rPr lang="en-US" altLang="zh-CN" dirty="0"/>
-              <a:t> b</a:t>
-            </a:r>
-            <a:r>
-              <a:rPr lang="en-US" altLang="zh-CN" dirty="0" smtClean="0"/>
-              <a:t>){</a:t>
-            </a:r>
-            <a:endParaRPr lang="en-US" altLang="zh-CN" dirty="0"/>
-          </a:p>
-          <a:p>
-            <a:r>
-              <a:rPr lang="en-US" altLang="zh-CN" dirty="0" smtClean="0"/>
-              <a:t>        return a + b;</a:t>
-            </a:r>
-            <a:endParaRPr lang="en-US" altLang="zh-CN" dirty="0"/>
-          </a:p>
-          <a:p>
-            <a:r>
-              <a:rPr lang="en-US" altLang="zh-CN" dirty="0" smtClean="0"/>
-              <a:t>    }</a:t>
-            </a:r>
-            <a:endParaRPr lang="en-US" altLang="zh-CN" dirty="0"/>
-          </a:p>
-          <a:p>
-            <a:r>
-              <a:rPr lang="en-US" altLang="zh-CN" dirty="0"/>
-              <a:t>};</a:t>
-            </a:r>
-            <a:endParaRPr lang="en-US" altLang="zh-CN" dirty="0" smtClean="0"/>
-          </a:p>
-          <a:p>
-            <a:endParaRPr lang="en-US" altLang="zh-CN" dirty="0" smtClean="0"/>
-          </a:p>
-          <a:p>
-            <a:r>
-              <a:rPr lang="en-US" altLang="zh-CN" dirty="0" err="1" smtClean="0"/>
-              <a:t>foo_t</a:t>
-            </a:r>
-            <a:r>
-              <a:rPr lang="en-US" altLang="zh-CN" dirty="0" smtClean="0"/>
-              <a:t> foo = {};</a:t>
-            </a:r>
-          </a:p>
-          <a:p>
-            <a:r>
-              <a:rPr lang="en-US" altLang="zh-CN" dirty="0" err="1"/>
-              <a:t>server.register_handler</a:t>
-            </a:r>
-            <a:r>
-              <a:rPr lang="en-US" altLang="zh-CN" dirty="0"/>
-              <a:t>("</a:t>
-            </a:r>
-            <a:r>
-              <a:rPr lang="en-US" altLang="zh-CN" dirty="0" err="1"/>
-              <a:t>foo_add</a:t>
-            </a:r>
-            <a:r>
-              <a:rPr lang="en-US" altLang="zh-CN" dirty="0"/>
-              <a:t>", </a:t>
-            </a:r>
-            <a:r>
-              <a:rPr lang="en-US" altLang="zh-CN" dirty="0" err="1"/>
-              <a:t>timax</a:t>
-            </a:r>
-            <a:r>
-              <a:rPr lang="en-US" altLang="zh-CN" dirty="0"/>
-              <a:t>::bind</a:t>
-            </a:r>
-            <a:r>
-              <a:rPr lang="en-US" altLang="zh-CN" dirty="0" smtClean="0"/>
-              <a:t>(&amp;</a:t>
-            </a:r>
-            <a:r>
-              <a:rPr lang="en-US" altLang="zh-CN" dirty="0" err="1" smtClean="0"/>
-              <a:t>foo_t</a:t>
-            </a:r>
-            <a:r>
-              <a:rPr lang="en-US" altLang="zh-CN" dirty="0" smtClean="0"/>
-              <a:t>::</a:t>
-            </a:r>
-            <a:r>
-              <a:rPr lang="en-US" altLang="zh-CN" dirty="0"/>
-              <a:t>add, &amp;foo</a:t>
-            </a:r>
-            <a:r>
-              <a:rPr lang="en-US" altLang="zh-CN" dirty="0" smtClean="0"/>
-              <a:t>));</a:t>
-            </a:r>
-          </a:p>
-          <a:p>
-            <a:endParaRPr lang="en-US" altLang="zh-CN" dirty="0" smtClean="0"/>
-          </a:p>
-          <a:p>
-            <a:r>
-              <a:rPr lang="en-US" altLang="zh-CN" dirty="0" err="1"/>
-              <a:t>timax</a:t>
-            </a:r>
-            <a:r>
-              <a:rPr lang="en-US" altLang="zh-CN" dirty="0"/>
-              <a:t>::bind(&amp;</a:t>
-            </a:r>
-            <a:r>
-              <a:rPr lang="en-US" altLang="zh-CN" dirty="0" err="1"/>
-              <a:t>foo_t</a:t>
-            </a:r>
-            <a:r>
-              <a:rPr lang="en-US" altLang="zh-CN" dirty="0"/>
-              <a:t>::add, &amp;foo</a:t>
-            </a:r>
-            <a:r>
-              <a:rPr lang="en-US" altLang="zh-CN" dirty="0" smtClean="0"/>
-              <a:t>);</a:t>
-            </a:r>
-            <a:r>
-              <a:rPr lang="en-US" altLang="zh-CN" dirty="0"/>
-              <a:t> </a:t>
-            </a:r>
-          </a:p>
-          <a:p>
-            <a:r>
-              <a:rPr lang="en-US" altLang="zh-CN" dirty="0" err="1"/>
-              <a:t>timax</a:t>
-            </a:r>
-            <a:r>
-              <a:rPr lang="en-US" altLang="zh-CN" dirty="0"/>
-              <a:t>::bind</a:t>
-            </a:r>
-            <a:r>
-              <a:rPr lang="en-US" altLang="zh-CN" dirty="0" smtClean="0"/>
-              <a:t>(&amp;</a:t>
-            </a:r>
-            <a:r>
-              <a:rPr lang="en-US" altLang="zh-CN" dirty="0" err="1" smtClean="0"/>
-              <a:t>foo_t</a:t>
-            </a:r>
-            <a:r>
-              <a:rPr lang="en-US" altLang="zh-CN" dirty="0" smtClean="0"/>
-              <a:t>::</a:t>
-            </a:r>
-            <a:r>
-              <a:rPr lang="en-US" altLang="zh-CN" dirty="0"/>
-              <a:t>add, &amp;</a:t>
-            </a:r>
-            <a:r>
-              <a:rPr lang="en-US" altLang="zh-CN" dirty="0" smtClean="0"/>
-              <a:t>foo, </a:t>
-            </a:r>
-            <a:r>
-              <a:rPr lang="en-US" altLang="zh-CN" dirty="0" err="1"/>
-              <a:t>std</a:t>
-            </a:r>
-            <a:r>
-              <a:rPr lang="en-US" altLang="zh-CN" dirty="0"/>
-              <a:t>::placeholders::_</a:t>
-            </a:r>
-            <a:r>
-              <a:rPr lang="en-US" altLang="zh-CN" dirty="0" smtClean="0"/>
-              <a:t>1, </a:t>
-            </a:r>
-            <a:r>
-              <a:rPr lang="en-US" altLang="zh-CN" dirty="0" err="1"/>
-              <a:t>std</a:t>
-            </a:r>
-            <a:r>
-              <a:rPr lang="en-US" altLang="zh-CN" dirty="0"/>
-              <a:t>::placeholders</a:t>
-            </a:r>
-            <a:r>
-              <a:rPr lang="en-US" altLang="zh-CN" dirty="0" smtClean="0"/>
-              <a:t>::_2);</a:t>
-            </a:r>
-            <a:endParaRPr lang="zh-CN" altLang="en-US" dirty="0"/>
-          </a:p>
-        </p:txBody>
-      </p:sp>
-      <p:sp>
-        <p:nvSpPr>
-          <p:cNvPr id="4" name="矩形 3"/>
-          <p:cNvSpPr/>
-          <p:nvPr/>
-        </p:nvSpPr>
-        <p:spPr>
-          <a:xfrm>
-            <a:off x="3658654" y="4078052"/>
-            <a:ext cx="3561296" cy="369332"/>
-          </a:xfrm>
-          <a:prstGeom prst="rect">
-            <a:avLst/>
-          </a:prstGeom>
-        </p:spPr>
-        <p:txBody>
-          <a:bodyPr wrap="none">
-            <a:spAutoFit/>
-          </a:bodyPr>
-          <a:lstStyle/>
-          <a:p>
-            <a:r>
-              <a:rPr lang="en-US" altLang="zh-CN" dirty="0"/>
-              <a:t>//</a:t>
-            </a:r>
-            <a:r>
-              <a:rPr lang="en-US" altLang="zh-CN" dirty="0">
-                <a:solidFill>
-                  <a:srgbClr val="FF0000"/>
-                </a:solidFill>
-              </a:rPr>
-              <a:t>bind</a:t>
-            </a:r>
-            <a:r>
-              <a:rPr lang="zh-CN" altLang="en-US" dirty="0">
-                <a:solidFill>
-                  <a:srgbClr val="FF0000"/>
-                </a:solidFill>
-              </a:rPr>
-              <a:t> </a:t>
-            </a:r>
-            <a:r>
-              <a:rPr lang="en-US" altLang="zh-CN" dirty="0">
-                <a:solidFill>
-                  <a:srgbClr val="FF0000"/>
-                </a:solidFill>
-              </a:rPr>
-              <a:t>without anything, clean code</a:t>
-            </a:r>
-            <a:endParaRPr lang="zh-CN" altLang="en-US" dirty="0"/>
-          </a:p>
-        </p:txBody>
-      </p:sp>
-    </p:spTree>
-  </p:cSld>
-  <p:clrMapOvr>
-    <a:masterClrMapping/>
-  </p:clrMapOvr>
-  <p:timing>
-    <p:tnLst>
-      <p:par>
-        <p:cTn id="1" dur="indefinite" restart="never" nodeType="tmRoot">
-          <p:childTnLst>
-            <p:seq concurrent="1" nextAc="seek">
-              <p:cTn id="2" dur="indefinite" nodeType="mainSeq">
-                <p:childTnLst>
-                  <p:par>
-                    <p:cTn id="3" fill="hold">
-                      <p:stCondLst>
-                        <p:cond delay="indefinite"/>
-                      </p:stCondLst>
-                      <p:childTnLst>
-                        <p:par>
-                          <p:cTn id="4" fill="hold">
-                            <p:stCondLst>
-                              <p:cond delay="0"/>
-                            </p:stCondLst>
-                            <p:childTnLst>
-                              <p:par>
-                                <p:cTn id="5" presetID="22" presetClass="entr" presetSubtype="8" fill="hold" grpId="0" nodeType="clickEffect">
-                                  <p:stCondLst>
-                                    <p:cond delay="0"/>
-                                  </p:stCondLst>
-                                  <p:childTnLst>
-                                    <p:set>
-                                      <p:cBhvr>
-                                        <p:cTn id="6" dur="1" fill="hold">
-                                          <p:stCondLst>
-                                            <p:cond delay="0"/>
-                                          </p:stCondLst>
-                                        </p:cTn>
-                                        <p:tgtEl>
-                                          <p:spTgt spid="4"/>
-                                        </p:tgtEl>
-                                        <p:attrNameLst>
-                                          <p:attrName>style.visibility</p:attrName>
-                                        </p:attrNameLst>
-                                      </p:cBhvr>
-                                      <p:to>
-                                        <p:strVal val="visible"/>
-                                      </p:to>
-                                    </p:set>
-                                    <p:animEffect transition="in" filter="wipe(left)">
-                                      <p:cBhvr>
-                                        <p:cTn id="7" dur="500"/>
-                                        <p:tgtEl>
-                                          <p:spTgt spid="4"/>
-                                        </p:tgtEl>
-                                      </p:cBhvr>
-                                    </p:animEffect>
-                                  </p:childTnLst>
-                                </p:cTn>
-                              </p:par>
-                            </p:childTnLst>
-                          </p:cTn>
-                        </p:par>
-                      </p:childTnLst>
-                    </p:cTn>
-                  </p:par>
-                </p:childTnLst>
-              </p:cTn>
-              <p:prevCondLst>
-                <p:cond evt="onPrev" delay="0">
-                  <p:tgtEl>
-                    <p:sldTgt/>
-                  </p:tgtEl>
-                </p:cond>
-              </p:prevCondLst>
-              <p:nextCondLst>
-                <p:cond evt="onNext" delay="0">
-                  <p:tgtEl>
-                    <p:sldTgt/>
-                  </p:tgtEl>
-                </p:cond>
-              </p:nextCondLst>
-            </p:seq>
-          </p:childTnLst>
-        </p:cTn>
-      </p:par>
-    </p:tnLst>
-    <p:bldLst>
-      <p:bldP spid="4" grpId="0"/>
-    </p:bldLst>
-  </p:timing>
-</p:sld>
-</file>
-
-<file path=ppt/slides/slide37.xml><?xml version="1.0" encoding="utf-8"?>
-<p:sld xmlns:a="http://schemas.openxmlformats.org/drawingml/2006/main" xmlns:r="http://schemas.openxmlformats.org/officeDocument/2006/relationships" xmlns:p="http://schemas.openxmlformats.org/presentationml/2006/main">
-  <p:cSld>
-    <p:spTree>
-      <p:nvGrpSpPr>
-        <p:cNvPr id="1" name=""/>
-        <p:cNvGrpSpPr/>
-        <p:nvPr/>
-      </p:nvGrpSpPr>
-      <p:grpSpPr>
-        <a:xfrm>
-          <a:off x="0" y="0"/>
-          <a:ext cx="0" cy="0"/>
-          <a:chOff x="0" y="0"/>
-          <a:chExt cx="0" cy="0"/>
-        </a:xfrm>
-      </p:grpSpPr>
-      <p:sp>
-        <p:nvSpPr>
           <p:cNvPr id="2" name="标题 1"/>
           <p:cNvSpPr>
             <a:spLocks noGrp="1"/>
@@ -20973,7 +20541,7 @@
           <a:p>
             <a:r>
               <a:rPr lang="en-US" altLang="zh-CN" dirty="0"/>
-              <a:t>How to simplify the call code</a:t>
+              <a:t>How to simplify the RPC call</a:t>
             </a:r>
             <a:endParaRPr lang="zh-CN" altLang="en-US" dirty="0"/>
           </a:p>
@@ -21004,7 +20572,7 @@
             </a:r>
             <a:r>
               <a:rPr lang="en-US" altLang="zh-CN" dirty="0"/>
-              <a:t> F, </a:t>
+              <a:t> Protocol, </a:t>
             </a:r>
             <a:r>
               <a:rPr lang="en-US" altLang="zh-CN" dirty="0" err="1"/>
@@ -21012,7 +20580,143 @@
             </a:r>
             <a:r>
               <a:rPr lang="en-US" altLang="zh-CN" dirty="0"/>
-              <a:t> Arg0, </a:t>
+              <a:t> ... </a:t>
+            </a:r>
+            <a:r>
+              <a:rPr lang="en-US" altLang="zh-CN" dirty="0" err="1"/>
+              <a:t>Args</a:t>
+            </a:r>
+            <a:r>
+              <a:rPr lang="en-US" altLang="zh-CN" dirty="0"/>
+              <a:t>&gt;</a:t>
+            </a:r>
+          </a:p>
+          <a:p>
+            <a:r>
+              <a:rPr lang="en-US" altLang="zh-CN" dirty="0" smtClean="0"/>
+              <a:t>auto </a:t>
+            </a:r>
+            <a:r>
+              <a:rPr lang="en-US" altLang="zh-CN" dirty="0"/>
+              <a:t>call(</a:t>
+            </a:r>
+            <a:r>
+              <a:rPr lang="en-US" altLang="zh-CN" dirty="0" err="1"/>
+              <a:t>tcp</a:t>
+            </a:r>
+            <a:r>
+              <a:rPr lang="en-US" altLang="zh-CN" dirty="0"/>
+              <a:t>::endpoint </a:t>
+            </a:r>
+            <a:r>
+              <a:rPr lang="en-US" altLang="zh-CN" dirty="0" err="1"/>
+              <a:t>endpoint</a:t>
+            </a:r>
+            <a:r>
+              <a:rPr lang="en-US" altLang="zh-CN" dirty="0"/>
+              <a:t>, Protocol </a:t>
+            </a:r>
+            <a:r>
+              <a:rPr lang="en-US" altLang="zh-CN" dirty="0" err="1"/>
+              <a:t>const</a:t>
+            </a:r>
+            <a:r>
+              <a:rPr lang="en-US" altLang="zh-CN" dirty="0"/>
+              <a:t>&amp; protocol, </a:t>
+            </a:r>
+            <a:r>
+              <a:rPr lang="en-US" altLang="zh-CN" dirty="0" err="1"/>
+              <a:t>Args</a:t>
+            </a:r>
+            <a:r>
+              <a:rPr lang="en-US" altLang="zh-CN" dirty="0"/>
+              <a:t>&amp;&amp; ... </a:t>
+            </a:r>
+            <a:r>
+              <a:rPr lang="en-US" altLang="zh-CN" dirty="0" err="1"/>
+              <a:t>args</a:t>
+            </a:r>
+            <a:r>
+              <a:rPr lang="en-US" altLang="zh-CN" dirty="0" smtClean="0"/>
+              <a:t>)</a:t>
+            </a:r>
+          </a:p>
+          <a:p>
+            <a:r>
+              <a:rPr lang="en-US" altLang="zh-CN" dirty="0" smtClean="0"/>
+              <a:t>{</a:t>
+            </a:r>
+            <a:endParaRPr lang="en-US" altLang="zh-CN" dirty="0"/>
+          </a:p>
+          <a:p>
+            <a:r>
+              <a:rPr lang="en-US" altLang="zh-CN" dirty="0" smtClean="0"/>
+              <a:t>    </a:t>
+            </a:r>
+            <a:r>
+              <a:rPr lang="en-US" altLang="zh-CN" dirty="0" err="1" smtClean="0"/>
+              <a:t>static_assert</a:t>
+            </a:r>
+            <a:r>
+              <a:rPr lang="en-US" altLang="zh-CN" dirty="0" smtClean="0"/>
+              <a:t>(</a:t>
+            </a:r>
+            <a:r>
+              <a:rPr lang="en-US" altLang="zh-CN" dirty="0" err="1" smtClean="0"/>
+              <a:t>is_argument_match</a:t>
+            </a:r>
+            <a:r>
+              <a:rPr lang="en-US" altLang="zh-CN" dirty="0" smtClean="0"/>
+              <a:t>&lt;</a:t>
+            </a:r>
+            <a:r>
+              <a:rPr lang="en-US" altLang="zh-CN" dirty="0" err="1" smtClean="0"/>
+              <a:t>typename</a:t>
+            </a:r>
+            <a:r>
+              <a:rPr lang="en-US" altLang="zh-CN" dirty="0" smtClean="0"/>
+              <a:t> </a:t>
+            </a:r>
+            <a:r>
+              <a:rPr lang="en-US" altLang="zh-CN" dirty="0"/>
+              <a:t>Protocol::</a:t>
+            </a:r>
+            <a:r>
+              <a:rPr lang="en-US" altLang="zh-CN" dirty="0" err="1"/>
+              <a:t>signature_type</a:t>
+            </a:r>
+            <a:r>
+              <a:rPr lang="en-US" altLang="zh-CN" dirty="0"/>
+              <a:t>, </a:t>
+            </a:r>
+            <a:r>
+              <a:rPr lang="en-US" altLang="zh-CN" dirty="0" err="1"/>
+              <a:t>Args</a:t>
+            </a:r>
+            <a:r>
+              <a:rPr lang="en-US" altLang="zh-CN" dirty="0"/>
+              <a:t>...&gt;::value, "Arguments` types don`t match the protocol</a:t>
+            </a:r>
+            <a:r>
+              <a:rPr lang="en-US" altLang="zh-CN" dirty="0" smtClean="0"/>
+              <a:t>!");</a:t>
+            </a:r>
+          </a:p>
+          <a:p>
+            <a:endParaRPr lang="en-US" altLang="zh-CN" dirty="0"/>
+          </a:p>
+          <a:p>
+            <a:r>
+              <a:rPr lang="en-US" altLang="zh-CN" dirty="0" smtClean="0"/>
+              <a:t>    using </a:t>
+            </a:r>
+            <a:r>
+              <a:rPr lang="en-US" altLang="zh-CN" dirty="0" err="1"/>
+              <a:t>result_type</a:t>
+            </a:r>
+            <a:r>
+              <a:rPr lang="en-US" altLang="zh-CN" dirty="0"/>
+              <a:t> = </a:t>
             </a:r>
             <a:r>
               <a:rPr lang="en-US" altLang="zh-CN" dirty="0" err="1"/>
@@ -21020,7 +20724,75 @@
             </a:r>
             <a:r>
               <a:rPr lang="en-US" altLang="zh-CN" dirty="0"/>
-              <a:t> ... </a:t>
+              <a:t> Protocol::</a:t>
+            </a:r>
+            <a:r>
+              <a:rPr lang="en-US" altLang="zh-CN" dirty="0" err="1"/>
+              <a:t>result_type</a:t>
+            </a:r>
+            <a:r>
+              <a:rPr lang="en-US" altLang="zh-CN" dirty="0"/>
+              <a:t>;</a:t>
+            </a:r>
+          </a:p>
+          <a:p>
+            <a:r>
+              <a:rPr lang="en-US" altLang="zh-CN" dirty="0" smtClean="0"/>
+              <a:t>    using </a:t>
+            </a:r>
+            <a:r>
+              <a:rPr lang="en-US" altLang="zh-CN" dirty="0" err="1"/>
+              <a:t>rpc_task_t</a:t>
+            </a:r>
+            <a:r>
+              <a:rPr lang="en-US" altLang="zh-CN" dirty="0"/>
+              <a:t> = </a:t>
+            </a:r>
+            <a:r>
+              <a:rPr lang="en-US" altLang="zh-CN" dirty="0" err="1"/>
+              <a:t>rpc_task_alias</a:t>
+            </a:r>
+            <a:r>
+              <a:rPr lang="en-US" altLang="zh-CN" dirty="0"/>
+              <a:t>&lt;</a:t>
+            </a:r>
+            <a:r>
+              <a:rPr lang="en-US" altLang="zh-CN" dirty="0" err="1"/>
+              <a:t>result_type</a:t>
+            </a:r>
+            <a:r>
+              <a:rPr lang="en-US" altLang="zh-CN" dirty="0"/>
+              <a:t>&gt;;</a:t>
+            </a:r>
+          </a:p>
+          <a:p>
+            <a:r>
+              <a:rPr lang="en-US" altLang="zh-CN" dirty="0" smtClean="0"/>
+              <a:t>    auto </a:t>
+            </a:r>
+            <a:r>
+              <a:rPr lang="en-US" altLang="zh-CN" dirty="0" err="1"/>
+              <a:t>ctx</a:t>
+            </a:r>
+            <a:r>
+              <a:rPr lang="en-US" altLang="zh-CN" dirty="0"/>
+              <a:t> = client_private_.</a:t>
+            </a:r>
+            <a:r>
+              <a:rPr lang="en-US" altLang="zh-CN" dirty="0" err="1"/>
+              <a:t>make_rpc_context</a:t>
+            </a:r>
+            <a:r>
+              <a:rPr lang="en-US" altLang="zh-CN" dirty="0"/>
+              <a:t>(endpoint, protocol, </a:t>
+            </a:r>
+            <a:r>
+              <a:rPr lang="en-US" altLang="zh-CN" dirty="0" err="1"/>
+              <a:t>std</a:t>
+            </a:r>
+            <a:r>
+              <a:rPr lang="en-US" altLang="zh-CN" dirty="0"/>
+              <a:t>::forward&lt;</a:t>
             </a:r>
             <a:r>
               <a:rPr lang="en-US" altLang="zh-CN" dirty="0" err="1"/>
@@ -21028,33 +20800,7 @@
             </a:r>
             <a:r>
               <a:rPr lang="en-US" altLang="zh-CN" dirty="0"/>
-              <a:t>&gt;</a:t>
-            </a:r>
-          </a:p>
-          <a:p>
-            <a:r>
-              <a:rPr lang="en-US" altLang="zh-CN" dirty="0"/>
-              <a:t>auto </a:t>
-            </a:r>
-            <a:r>
-              <a:rPr lang="en-US" altLang="zh-CN" dirty="0" err="1" smtClean="0"/>
-              <a:t>bind_impl</a:t>
-            </a:r>
-            <a:r>
-              <a:rPr lang="en-US" altLang="zh-CN" dirty="0" smtClean="0"/>
-              <a:t>(F</a:t>
-            </a:r>
-            <a:r>
-              <a:rPr lang="en-US" altLang="zh-CN" dirty="0"/>
-              <a:t>&amp;&amp; f, Arg0&amp;&amp; arg0, </a:t>
-            </a:r>
-            <a:r>
-              <a:rPr lang="en-US" altLang="zh-CN" dirty="0" err="1"/>
-              <a:t>Args</a:t>
-            </a:r>
-            <a:r>
-              <a:rPr lang="en-US" altLang="zh-CN" dirty="0"/>
-              <a:t>&amp;&amp; ... </a:t>
+              <a:t>&gt;(</a:t>
             </a:r>
             <a:r>
               <a:rPr lang="en-US" altLang="zh-CN" dirty="0" err="1"/>
@@ -21062,43 +20808,7 @@
             </a:r>
             <a:r>
               <a:rPr lang="en-US" altLang="zh-CN" dirty="0"/>
-              <a:t>)</a:t>
-            </a:r>
-          </a:p>
-          <a:p>
-            <a:r>
-              <a:rPr lang="en-US" altLang="zh-CN" dirty="0"/>
-              <a:t>-&gt; </a:t>
-            </a:r>
-            <a:r>
-              <a:rPr lang="en-US" altLang="zh-CN" dirty="0" err="1"/>
-              <a:t>typename</a:t>
-            </a:r>
-            <a:r>
-              <a:rPr lang="en-US" altLang="zh-CN" dirty="0"/>
-              <a:t> </a:t>
-            </a:r>
-            <a:r>
-              <a:rPr lang="en-US" altLang="zh-CN" dirty="0" err="1"/>
-              <a:t>bind_to_function</a:t>
-            </a:r>
-            <a:r>
-              <a:rPr lang="en-US" altLang="zh-CN" dirty="0"/>
-              <a:t>&lt;F, Arg0, </a:t>
-            </a:r>
-            <a:r>
-              <a:rPr lang="en-US" altLang="zh-CN" dirty="0" err="1"/>
-              <a:t>Args</a:t>
-            </a:r>
-            <a:r>
-              <a:rPr lang="en-US" altLang="zh-CN" dirty="0"/>
-              <a:t>...&gt;::type</a:t>
-            </a:r>
-          </a:p>
-          <a:p>
-            <a:r>
-              <a:rPr lang="en-US" altLang="zh-CN" dirty="0"/>
-              <a:t>{</a:t>
+              <a:t>)...);</a:t>
             </a:r>
           </a:p>
           <a:p>
@@ -21108,55 +20818,27 @@
             </a:r>
             <a:r>
               <a:rPr lang="en-US" altLang="zh-CN" dirty="0" err="1"/>
-              <a:t>std</a:t>
-            </a:r>
-            <a:r>
-              <a:rPr lang="en-US" altLang="zh-CN" dirty="0"/>
-              <a:t>::bind(</a:t>
+              <a:t>rpc_task_t</a:t>
+            </a:r>
+            <a:r>
+              <a:rPr lang="en-US" altLang="zh-CN" dirty="0"/>
+              <a:t>{ </a:t>
             </a:r>
             <a:r>
               <a:rPr lang="en-US" altLang="zh-CN" dirty="0" err="1"/>
-              <a:t>std</a:t>
-            </a:r>
-            <a:r>
-              <a:rPr lang="en-US" altLang="zh-CN" dirty="0"/>
-              <a:t>::forward&lt;F&gt;(f), </a:t>
+              <a:t>client_private</a:t>
+            </a:r>
+            <a:r>
+              <a:rPr lang="en-US" altLang="zh-CN" dirty="0"/>
+              <a:t>_, </a:t>
             </a:r>
             <a:r>
               <a:rPr lang="en-US" altLang="zh-CN" dirty="0" err="1"/>
-              <a:t>std</a:t>
-            </a:r>
-            <a:r>
-              <a:rPr lang="en-US" altLang="zh-CN" dirty="0"/>
-              <a:t>::forward&lt;Arg0&gt;(arg0), </a:t>
-            </a:r>
-            <a:r>
-              <a:rPr lang="en-US" altLang="zh-CN" dirty="0" smtClean="0"/>
-              <a:t>      </a:t>
-            </a:r>
-            <a:r>
-              <a:rPr lang="en-US" altLang="zh-CN" dirty="0" err="1" smtClean="0"/>
-              <a:t>std</a:t>
-            </a:r>
-            <a:r>
-              <a:rPr lang="en-US" altLang="zh-CN" dirty="0"/>
-              <a:t>::forward&lt;</a:t>
-            </a:r>
-            <a:r>
-              <a:rPr lang="en-US" altLang="zh-CN" dirty="0" err="1"/>
-              <a:t>Args</a:t>
-            </a:r>
-            <a:r>
-              <a:rPr lang="en-US" altLang="zh-CN" dirty="0"/>
-              <a:t>&gt;(</a:t>
-            </a:r>
-            <a:r>
-              <a:rPr lang="en-US" altLang="zh-CN" dirty="0" err="1"/>
-              <a:t>args</a:t>
-            </a:r>
-            <a:r>
-              <a:rPr lang="en-US" altLang="zh-CN" dirty="0"/>
-              <a:t>)...);</a:t>
+              <a:t>ctx</a:t>
+            </a:r>
+            <a:r>
+              <a:rPr lang="en-US" altLang="zh-CN" dirty="0"/>
+              <a:t> };</a:t>
             </a:r>
           </a:p>
           <a:p>
@@ -21164,175 +20846,16 @@
               <a:rPr lang="en-US" altLang="zh-CN" dirty="0"/>
               <a:t>}</a:t>
             </a:r>
-          </a:p>
-          <a:p>
             <a:endParaRPr lang="zh-CN" altLang="en-US" dirty="0"/>
           </a:p>
-          <a:p>
-            <a:r>
-              <a:rPr lang="en-US" altLang="zh-CN" dirty="0"/>
-              <a:t>template &lt;</a:t>
-            </a:r>
-            <a:r>
-              <a:rPr lang="en-US" altLang="zh-CN" dirty="0" err="1"/>
-              <a:t>typename</a:t>
-            </a:r>
-            <a:r>
-              <a:rPr lang="en-US" altLang="zh-CN" dirty="0"/>
-              <a:t> F&gt;</a:t>
-            </a:r>
-          </a:p>
-          <a:p>
-            <a:r>
-              <a:rPr lang="en-US" altLang="zh-CN" dirty="0"/>
-              <a:t>auto </a:t>
-            </a:r>
-            <a:r>
-              <a:rPr lang="en-US" altLang="zh-CN" dirty="0" err="1" smtClean="0"/>
-              <a:t>bind_impl</a:t>
-            </a:r>
-            <a:r>
-              <a:rPr lang="en-US" altLang="zh-CN" dirty="0" smtClean="0"/>
-              <a:t>(F</a:t>
-            </a:r>
-            <a:r>
-              <a:rPr lang="en-US" altLang="zh-CN" dirty="0"/>
-              <a:t>&amp;&amp; f</a:t>
-            </a:r>
-            <a:r>
-              <a:rPr lang="en-US" altLang="zh-CN" dirty="0" smtClean="0"/>
-              <a:t>) -&gt; </a:t>
-            </a:r>
-            <a:r>
-              <a:rPr lang="en-US" altLang="zh-CN" dirty="0" err="1"/>
-              <a:t>typename</a:t>
-            </a:r>
-            <a:r>
-              <a:rPr lang="en-US" altLang="zh-CN" dirty="0"/>
-              <a:t> </a:t>
-            </a:r>
-            <a:r>
-              <a:rPr lang="en-US" altLang="zh-CN" dirty="0" err="1"/>
-              <a:t>function_traits</a:t>
-            </a:r>
-            <a:r>
-              <a:rPr lang="en-US" altLang="zh-CN" dirty="0"/>
-              <a:t>&lt;F&gt;::</a:t>
-            </a:r>
-            <a:r>
-              <a:rPr lang="en-US" altLang="zh-CN" dirty="0" err="1"/>
-              <a:t>stl_function_type</a:t>
-            </a:r>
-            <a:endParaRPr lang="en-US" altLang="zh-CN" dirty="0"/>
-          </a:p>
-          <a:p>
-            <a:r>
-              <a:rPr lang="en-US" altLang="zh-CN" dirty="0"/>
-              <a:t>{</a:t>
-            </a:r>
-          </a:p>
-          <a:p>
-            <a:r>
-              <a:rPr lang="en-US" altLang="zh-CN" dirty="0" smtClean="0"/>
-              <a:t>    return </a:t>
-            </a:r>
-            <a:r>
-              <a:rPr lang="en-US" altLang="zh-CN" b="1" dirty="0"/>
-              <a:t>[</a:t>
-            </a:r>
-            <a:r>
-              <a:rPr lang="en-US" altLang="zh-CN" b="1" dirty="0" err="1"/>
-              <a:t>func</a:t>
-            </a:r>
-            <a:r>
-              <a:rPr lang="en-US" altLang="zh-CN" b="1" dirty="0"/>
-              <a:t> = </a:t>
-            </a:r>
-            <a:r>
-              <a:rPr lang="en-US" altLang="zh-CN" b="1" dirty="0" err="1"/>
-              <a:t>std</a:t>
-            </a:r>
-            <a:r>
-              <a:rPr lang="en-US" altLang="zh-CN" b="1" dirty="0"/>
-              <a:t>::forward&lt;F&gt;(f)](auto&amp;&amp; ... </a:t>
-            </a:r>
-            <a:r>
-              <a:rPr lang="en-US" altLang="zh-CN" b="1" dirty="0" err="1"/>
-              <a:t>args</a:t>
-            </a:r>
-            <a:r>
-              <a:rPr lang="en-US" altLang="zh-CN" b="1" dirty="0" smtClean="0"/>
-              <a:t>)</a:t>
-            </a:r>
-            <a:r>
-              <a:rPr lang="en-US" altLang="zh-CN" dirty="0" smtClean="0"/>
-              <a:t>{ </a:t>
-            </a:r>
-          </a:p>
-          <a:p>
-            <a:r>
-              <a:rPr lang="en-US" altLang="zh-CN" dirty="0" smtClean="0"/>
-              <a:t>        return </a:t>
-            </a:r>
-            <a:r>
-              <a:rPr lang="en-US" altLang="zh-CN" dirty="0" err="1"/>
-              <a:t>func</a:t>
-            </a:r>
-            <a:r>
-              <a:rPr lang="en-US" altLang="zh-CN" dirty="0"/>
-              <a:t>(</a:t>
-            </a:r>
-            <a:r>
-              <a:rPr lang="en-US" altLang="zh-CN" dirty="0" err="1"/>
-              <a:t>std</a:t>
-            </a:r>
-            <a:r>
-              <a:rPr lang="en-US" altLang="zh-CN" dirty="0"/>
-              <a:t>::forward&lt;</a:t>
-            </a:r>
-            <a:r>
-              <a:rPr lang="en-US" altLang="zh-CN" dirty="0" err="1"/>
-              <a:t>decltype</a:t>
-            </a:r>
-            <a:r>
-              <a:rPr lang="en-US" altLang="zh-CN" dirty="0"/>
-              <a:t>(</a:t>
-            </a:r>
-            <a:r>
-              <a:rPr lang="en-US" altLang="zh-CN" dirty="0" err="1"/>
-              <a:t>args</a:t>
-            </a:r>
-            <a:r>
-              <a:rPr lang="en-US" altLang="zh-CN" dirty="0"/>
-              <a:t>)&gt;(</a:t>
-            </a:r>
-            <a:r>
-              <a:rPr lang="en-US" altLang="zh-CN" dirty="0" err="1"/>
-              <a:t>args</a:t>
-            </a:r>
-            <a:r>
-              <a:rPr lang="en-US" altLang="zh-CN" dirty="0"/>
-              <a:t>)...); </a:t>
-            </a:r>
-            <a:endParaRPr lang="en-US" altLang="zh-CN" dirty="0" smtClean="0"/>
-          </a:p>
-          <a:p>
-            <a:r>
-              <a:rPr lang="en-US" altLang="zh-CN" dirty="0" smtClean="0"/>
-              <a:t>    };</a:t>
-            </a:r>
-            <a:endParaRPr lang="en-US" altLang="zh-CN" dirty="0"/>
-          </a:p>
-          <a:p>
-            <a:r>
-              <a:rPr lang="en-US" altLang="zh-CN" dirty="0"/>
-              <a:t>}</a:t>
-            </a:r>
-            <a:endParaRPr lang="zh-CN" altLang="en-US" dirty="0"/>
-          </a:p>
         </p:txBody>
       </p:sp>
     </p:spTree>
+    <p:extLst>
+      <p:ext uri="{BB962C8B-B14F-4D97-AF65-F5344CB8AC3E}">
+        <p14:creationId xmlns:p14="http://schemas.microsoft.com/office/powerpoint/2010/main" val="2101272631"/>
+      </p:ext>
+    </p:extLst>
   </p:cSld>
   <p:clrMapOvr>
     <a:masterClrMapping/>
@@ -21347,177 +20870,7 @@
 </p:sld>
 </file>
 
-<file path=ppt/slides/slide38.xml><?xml version="1.0" encoding="utf-8"?>
-<p:sld xmlns:a="http://schemas.openxmlformats.org/drawingml/2006/main" xmlns:r="http://schemas.openxmlformats.org/officeDocument/2006/relationships" xmlns:p="http://schemas.openxmlformats.org/presentationml/2006/main">
-  <p:cSld>
-    <p:spTree>
-      <p:nvGrpSpPr>
-        <p:cNvPr id="1" name=""/>
-        <p:cNvGrpSpPr/>
-        <p:nvPr/>
-      </p:nvGrpSpPr>
-      <p:grpSpPr>
-        <a:xfrm>
-          <a:off x="0" y="0"/>
-          <a:ext cx="0" cy="0"/>
-          <a:chOff x="0" y="0"/>
-          <a:chExt cx="0" cy="0"/>
-        </a:xfrm>
-      </p:grpSpPr>
-      <p:sp>
-        <p:nvSpPr>
-          <p:cNvPr id="2" name="标题 1"/>
-          <p:cNvSpPr>
-            <a:spLocks noGrp="1"/>
-          </p:cNvSpPr>
-          <p:nvPr>
-            <p:ph type="title"/>
-          </p:nvPr>
-        </p:nvSpPr>
-        <p:spPr/>
-        <p:txBody>
-          <a:bodyPr/>
-          <a:lstStyle/>
-          <a:p>
-            <a:r>
-              <a:rPr lang="en-US" altLang="zh-CN" dirty="0"/>
-              <a:t>How to simplify the call code</a:t>
-            </a:r>
-            <a:endParaRPr lang="zh-CN" altLang="en-US" dirty="0"/>
-          </a:p>
-        </p:txBody>
-      </p:sp>
-      <p:sp>
-        <p:nvSpPr>
-          <p:cNvPr id="3" name="文本占位符 2"/>
-          <p:cNvSpPr>
-            <a:spLocks noGrp="1"/>
-          </p:cNvSpPr>
-          <p:nvPr>
-            <p:ph type="body" sz="half" idx="2"/>
-          </p:nvPr>
-        </p:nvSpPr>
-        <p:spPr/>
-        <p:txBody>
-          <a:bodyPr/>
-          <a:lstStyle/>
-          <a:p>
-            <a:r>
-              <a:rPr lang="en-US" altLang="zh-CN" dirty="0" smtClean="0"/>
-              <a:t>namespace </a:t>
-            </a:r>
-            <a:r>
-              <a:rPr lang="en-US" altLang="zh-CN" dirty="0"/>
-              <a:t>client</a:t>
-            </a:r>
-          </a:p>
-          <a:p>
-            <a:r>
-              <a:rPr lang="en-US" altLang="zh-CN" dirty="0"/>
-              <a:t>{</a:t>
-            </a:r>
-          </a:p>
-          <a:p>
-            <a:r>
-              <a:rPr lang="en-US" altLang="zh-CN" dirty="0"/>
-              <a:t> </a:t>
-            </a:r>
-            <a:r>
-              <a:rPr lang="en-US" altLang="zh-CN" dirty="0" smtClean="0"/>
-              <a:t>   TIMAX_DEFINE_PROTOCOL(add</a:t>
-            </a:r>
-            <a:r>
-              <a:rPr lang="en-US" altLang="zh-CN" dirty="0"/>
-              <a:t>, </a:t>
-            </a:r>
-            <a:r>
-              <a:rPr lang="en-US" altLang="zh-CN" dirty="0" err="1"/>
-              <a:t>int</a:t>
-            </a:r>
-            <a:r>
-              <a:rPr lang="en-US" altLang="zh-CN" dirty="0"/>
-              <a:t>(</a:t>
-            </a:r>
-            <a:r>
-              <a:rPr lang="en-US" altLang="zh-CN" dirty="0" err="1"/>
-              <a:t>int</a:t>
-            </a:r>
-            <a:r>
-              <a:rPr lang="en-US" altLang="zh-CN" dirty="0"/>
-              <a:t>, </a:t>
-            </a:r>
-            <a:r>
-              <a:rPr lang="en-US" altLang="zh-CN" dirty="0" err="1"/>
-              <a:t>int</a:t>
-            </a:r>
-            <a:r>
-              <a:rPr lang="en-US" altLang="zh-CN" dirty="0"/>
-              <a:t>));</a:t>
-            </a:r>
-          </a:p>
-          <a:p>
-            <a:r>
-              <a:rPr lang="en-US" altLang="zh-CN" dirty="0" smtClean="0"/>
-              <a:t>}</a:t>
-            </a:r>
-            <a:endParaRPr lang="en-US" altLang="zh-CN" dirty="0"/>
-          </a:p>
-          <a:p>
-            <a:endParaRPr lang="en-US" altLang="zh-CN" dirty="0"/>
-          </a:p>
-          <a:p>
-            <a:r>
-              <a:rPr lang="en-US" altLang="zh-CN" dirty="0" err="1"/>
-              <a:t>asycn_client.call</a:t>
-            </a:r>
-            <a:r>
-              <a:rPr lang="en-US" altLang="zh-CN" dirty="0"/>
-              <a:t>(endpoint, client::add, 3, 5);</a:t>
-            </a:r>
-          </a:p>
-          <a:p>
-            <a:r>
-              <a:rPr lang="en-US" altLang="zh-CN" dirty="0" err="1" smtClean="0"/>
-              <a:t>asycn_client.call</a:t>
-            </a:r>
-            <a:r>
-              <a:rPr lang="en-US" altLang="zh-CN" dirty="0" smtClean="0"/>
-              <a:t>(endpoint</a:t>
-            </a:r>
-            <a:r>
-              <a:rPr lang="en-US" altLang="zh-CN" dirty="0"/>
-              <a:t>, client::add, "test", 5); </a:t>
-            </a:r>
-            <a:r>
-              <a:rPr lang="en-US" altLang="zh-CN" b="1" dirty="0"/>
-              <a:t>//compile error, not matching</a:t>
-            </a:r>
-            <a:endParaRPr lang="en-US" altLang="zh-CN" b="1" dirty="0" smtClean="0"/>
-          </a:p>
-          <a:p>
-            <a:endParaRPr lang="en-US" altLang="zh-CN" dirty="0" smtClean="0"/>
-          </a:p>
-          <a:p>
-            <a:endParaRPr lang="zh-CN" altLang="en-US" dirty="0"/>
-          </a:p>
-        </p:txBody>
-      </p:sp>
-    </p:spTree>
-  </p:cSld>
-  <p:clrMapOvr>
-    <a:masterClrMapping/>
-  </p:clrMapOvr>
-  <p:timing>
-    <p:tnLst>
-      <p:par>
-        <p:cTn id="1" dur="indefinite" restart="never" nodeType="tmRoot"/>
-      </p:par>
-    </p:tnLst>
-  </p:timing>
-</p:sld>
-</file>
-
-<file path=ppt/slides/slide39.xml><?xml version="1.0" encoding="utf-8"?>
+<file path=ppt/slides/slide37.xml><?xml version="1.0" encoding="utf-8"?>
 <p:sld xmlns:a="http://schemas.openxmlformats.org/drawingml/2006/main" xmlns:r="http://schemas.openxmlformats.org/officeDocument/2006/relationships" xmlns:p="http://schemas.openxmlformats.org/presentationml/2006/main">
   <p:cSld>
     <p:spTree>
@@ -21650,7 +21003,7 @@
 </p:sld>
 </file>
 
-<file path=ppt/slides/slide4.xml><?xml version="1.0" encoding="utf-8"?>
+<file path=ppt/slides/slide38.xml><?xml version="1.0" encoding="utf-8"?>
 <p:sld xmlns:a="http://schemas.openxmlformats.org/drawingml/2006/main" xmlns:r="http://schemas.openxmlformats.org/officeDocument/2006/relationships" xmlns:p="http://schemas.openxmlformats.org/presentationml/2006/main">
   <p:cSld>
     <p:spTree>
@@ -21683,112 +21036,8 @@
           <a:lstStyle/>
           <a:p>
             <a:r>
-              <a:rPr lang="en-US" altLang="zh-CN" dirty="0"/>
-              <a:t>Introduction to RPC</a:t>
-            </a:r>
-            <a:endParaRPr lang="zh-CN" altLang="en-US" dirty="0"/>
-          </a:p>
-        </p:txBody>
-      </p:sp>
-      <p:sp>
-        <p:nvSpPr>
-          <p:cNvPr id="3" name="文本占位符 2"/>
-          <p:cNvSpPr>
-            <a:spLocks noGrp="1"/>
-          </p:cNvSpPr>
-          <p:nvPr>
-            <p:ph type="body" sz="half" idx="2"/>
-          </p:nvPr>
-        </p:nvSpPr>
-        <p:spPr/>
-        <p:txBody>
-          <a:bodyPr/>
-          <a:lstStyle/>
-          <a:p>
-            <a:endParaRPr lang="zh-CN" altLang="en-US" dirty="0"/>
-          </a:p>
-        </p:txBody>
-      </p:sp>
-      <p:pic>
-        <p:nvPicPr>
-          <p:cNvPr id="4" name="图片 3"/>
-          <p:cNvPicPr>
-            <a:picLocks noChangeAspect="1"/>
-          </p:cNvPicPr>
-          <p:nvPr/>
-        </p:nvPicPr>
-        <p:blipFill>
-          <a:blip r:embed="rId3">
-            <a:extLst>
-              <a:ext uri="{28A0092B-C50C-407E-A947-70E740481C1C}">
-                <a14:useLocalDpi xmlns:a14="http://schemas.microsoft.com/office/drawing/2010/main" val="0"/>
-              </a:ext>
-            </a:extLst>
-          </a:blip>
-          <a:stretch>
-            <a:fillRect/>
-          </a:stretch>
-        </p:blipFill>
-        <p:spPr>
-          <a:xfrm>
-            <a:off x="600075" y="1543050"/>
-            <a:ext cx="7943850" cy="3771900"/>
-          </a:xfrm>
-          <a:prstGeom prst="rect">
-            <a:avLst/>
-          </a:prstGeom>
-        </p:spPr>
-      </p:pic>
-    </p:spTree>
-  </p:cSld>
-  <p:clrMapOvr>
-    <a:masterClrMapping/>
-  </p:clrMapOvr>
-  <p:timing>
-    <p:tnLst>
-      <p:par>
-        <p:cTn id="1" dur="indefinite" restart="never" nodeType="tmRoot"/>
-      </p:par>
-    </p:tnLst>
-  </p:timing>
-</p:sld>
-</file>
-
-<file path=ppt/slides/slide40.xml><?xml version="1.0" encoding="utf-8"?>
-<p:sld xmlns:a="http://schemas.openxmlformats.org/drawingml/2006/main" xmlns:r="http://schemas.openxmlformats.org/officeDocument/2006/relationships" xmlns:p="http://schemas.openxmlformats.org/presentationml/2006/main">
-  <p:cSld>
-    <p:spTree>
-      <p:nvGrpSpPr>
-        <p:cNvPr id="1" name=""/>
-        <p:cNvGrpSpPr/>
-        <p:nvPr/>
-      </p:nvGrpSpPr>
-      <p:grpSpPr>
-        <a:xfrm>
-          <a:off x="0" y="0"/>
-          <a:ext cx="0" cy="0"/>
-          <a:chOff x="0" y="0"/>
-          <a:chExt cx="0" cy="0"/>
-        </a:xfrm>
-      </p:grpSpPr>
-      <p:sp>
-        <p:nvSpPr>
-          <p:cNvPr id="2" name="标题 1"/>
-          <p:cNvSpPr>
-            <a:spLocks noGrp="1"/>
-          </p:cNvSpPr>
-          <p:nvPr>
-            <p:ph type="title"/>
-          </p:nvPr>
-        </p:nvSpPr>
-        <p:spPr/>
-        <p:txBody>
-          <a:bodyPr/>
-          <a:lstStyle/>
-          <a:p>
-            <a:r>
-              <a:rPr lang="en-US" altLang="zh-CN" dirty="0"/>
-              <a:t>How to simplify the call code</a:t>
+              <a:rPr altLang="zh-CN" dirty="0" smtClean="0"/>
+              <a:t>How to simplify the RPC call</a:t>
             </a:r>
             <a:endParaRPr lang="zh-CN" altLang="en-US" dirty="0"/>
           </a:p>
@@ -22803,6 +22052,950 @@
 </p:sld>
 </file>
 
+<file path=ppt/slides/slide39.xml><?xml version="1.0" encoding="utf-8"?>
+<p:sld xmlns:a="http://schemas.openxmlformats.org/drawingml/2006/main" xmlns:r="http://schemas.openxmlformats.org/officeDocument/2006/relationships" xmlns:p="http://schemas.openxmlformats.org/presentationml/2006/main">
+  <p:cSld>
+    <p:spTree>
+      <p:nvGrpSpPr>
+        <p:cNvPr id="1" name=""/>
+        <p:cNvGrpSpPr/>
+        <p:nvPr/>
+      </p:nvGrpSpPr>
+      <p:grpSpPr>
+        <a:xfrm>
+          <a:off x="0" y="0"/>
+          <a:ext cx="0" cy="0"/>
+          <a:chOff x="0" y="0"/>
+          <a:chExt cx="0" cy="0"/>
+        </a:xfrm>
+      </p:grpSpPr>
+      <p:sp>
+        <p:nvSpPr>
+          <p:cNvPr id="2" name="Title 1"/>
+          <p:cNvSpPr>
+            <a:spLocks noGrp="1"/>
+          </p:cNvSpPr>
+          <p:nvPr>
+            <p:ph type="title"/>
+          </p:nvPr>
+        </p:nvSpPr>
+        <p:spPr/>
+        <p:txBody>
+          <a:bodyPr/>
+          <a:lstStyle/>
+          <a:p>
+            <a:r>
+              <a:rPr lang="en-US" altLang="zh-CN" dirty="0"/>
+              <a:t>How to simplify the </a:t>
+            </a:r>
+            <a:r>
+              <a:rPr lang="en-US" altLang="zh-CN" dirty="0" smtClean="0"/>
+              <a:t>RPC call</a:t>
+            </a:r>
+            <a:endParaRPr lang="en-US" altLang="zh-CN" dirty="0"/>
+          </a:p>
+        </p:txBody>
+      </p:sp>
+      <p:sp>
+        <p:nvSpPr>
+          <p:cNvPr id="3" name="Text Placeholder 2"/>
+          <p:cNvSpPr>
+            <a:spLocks noGrp="1"/>
+          </p:cNvSpPr>
+          <p:nvPr>
+            <p:ph type="body" sz="half" idx="2"/>
+          </p:nvPr>
+        </p:nvSpPr>
+        <p:spPr/>
+        <p:txBody>
+          <a:bodyPr/>
+          <a:lstStyle/>
+          <a:p>
+            <a:r>
+              <a:rPr lang="en-US" altLang="zh-CN" dirty="0" err="1"/>
+              <a:t>struct</a:t>
+            </a:r>
+            <a:r>
+              <a:rPr lang="en-US" altLang="zh-CN" dirty="0"/>
+              <a:t> </a:t>
+            </a:r>
+            <a:r>
+              <a:rPr lang="en-US" altLang="zh-CN" dirty="0" err="1" smtClean="0"/>
+              <a:t>foo_t</a:t>
+            </a:r>
+            <a:r>
+              <a:rPr lang="en-US" altLang="zh-CN" dirty="0" smtClean="0"/>
+              <a:t>{</a:t>
+            </a:r>
+            <a:endParaRPr lang="zh-CN" altLang="en-US" dirty="0"/>
+          </a:p>
+          <a:p>
+            <a:r>
+              <a:rPr lang="en-US" altLang="zh-CN" dirty="0" smtClean="0"/>
+              <a:t>    </a:t>
+            </a:r>
+            <a:r>
+              <a:rPr lang="en-US" altLang="zh-CN" dirty="0" err="1" smtClean="0"/>
+              <a:t>int</a:t>
+            </a:r>
+            <a:r>
+              <a:rPr lang="en-US" altLang="zh-CN" dirty="0" smtClean="0"/>
+              <a:t> </a:t>
+            </a:r>
+            <a:r>
+              <a:rPr lang="en-US" altLang="zh-CN" dirty="0"/>
+              <a:t>add(</a:t>
+            </a:r>
+            <a:r>
+              <a:rPr lang="en-US" altLang="zh-CN" dirty="0" err="1"/>
+              <a:t>int</a:t>
+            </a:r>
+            <a:r>
+              <a:rPr lang="en-US" altLang="zh-CN" dirty="0"/>
+              <a:t> a, </a:t>
+            </a:r>
+            <a:r>
+              <a:rPr lang="en-US" altLang="zh-CN" dirty="0" err="1"/>
+              <a:t>int</a:t>
+            </a:r>
+            <a:r>
+              <a:rPr lang="en-US" altLang="zh-CN" dirty="0"/>
+              <a:t> b</a:t>
+            </a:r>
+            <a:r>
+              <a:rPr lang="en-US" altLang="zh-CN" dirty="0" smtClean="0"/>
+              <a:t>){</a:t>
+            </a:r>
+            <a:endParaRPr lang="en-US" altLang="zh-CN" dirty="0"/>
+          </a:p>
+          <a:p>
+            <a:r>
+              <a:rPr lang="en-US" altLang="zh-CN" dirty="0" smtClean="0"/>
+              <a:t>        return a + b;</a:t>
+            </a:r>
+            <a:endParaRPr lang="en-US" altLang="zh-CN" dirty="0"/>
+          </a:p>
+          <a:p>
+            <a:r>
+              <a:rPr lang="en-US" altLang="zh-CN" dirty="0" smtClean="0"/>
+              <a:t>    }</a:t>
+            </a:r>
+            <a:endParaRPr lang="en-US" altLang="zh-CN" dirty="0"/>
+          </a:p>
+          <a:p>
+            <a:r>
+              <a:rPr lang="en-US" altLang="zh-CN" dirty="0"/>
+              <a:t>};</a:t>
+            </a:r>
+            <a:endParaRPr lang="en-US" altLang="zh-CN" dirty="0" smtClean="0"/>
+          </a:p>
+          <a:p>
+            <a:endParaRPr lang="en-US" altLang="zh-CN" dirty="0" smtClean="0"/>
+          </a:p>
+          <a:p>
+            <a:r>
+              <a:rPr lang="en-US" altLang="zh-CN" dirty="0" err="1" smtClean="0"/>
+              <a:t>foo_t</a:t>
+            </a:r>
+            <a:r>
+              <a:rPr lang="en-US" altLang="zh-CN" dirty="0" smtClean="0"/>
+              <a:t> foo = {};</a:t>
+            </a:r>
+          </a:p>
+          <a:p>
+            <a:r>
+              <a:rPr lang="en-US" altLang="zh-CN" dirty="0" err="1"/>
+              <a:t>server.register_handler</a:t>
+            </a:r>
+            <a:r>
+              <a:rPr lang="en-US" altLang="zh-CN" dirty="0"/>
+              <a:t>("</a:t>
+            </a:r>
+            <a:r>
+              <a:rPr lang="en-US" altLang="zh-CN" dirty="0" err="1"/>
+              <a:t>foo_add</a:t>
+            </a:r>
+            <a:r>
+              <a:rPr lang="en-US" altLang="zh-CN" dirty="0"/>
+              <a:t>", </a:t>
+            </a:r>
+            <a:r>
+              <a:rPr lang="en-US" altLang="zh-CN" dirty="0" err="1"/>
+              <a:t>timax</a:t>
+            </a:r>
+            <a:r>
+              <a:rPr lang="en-US" altLang="zh-CN" dirty="0"/>
+              <a:t>::bind</a:t>
+            </a:r>
+            <a:r>
+              <a:rPr lang="en-US" altLang="zh-CN" dirty="0" smtClean="0"/>
+              <a:t>(&amp;</a:t>
+            </a:r>
+            <a:r>
+              <a:rPr lang="en-US" altLang="zh-CN" dirty="0" err="1" smtClean="0"/>
+              <a:t>foo_t</a:t>
+            </a:r>
+            <a:r>
+              <a:rPr lang="en-US" altLang="zh-CN" dirty="0" smtClean="0"/>
+              <a:t>::</a:t>
+            </a:r>
+            <a:r>
+              <a:rPr lang="en-US" altLang="zh-CN" dirty="0"/>
+              <a:t>add, &amp;foo</a:t>
+            </a:r>
+            <a:r>
+              <a:rPr lang="en-US" altLang="zh-CN" dirty="0" smtClean="0"/>
+              <a:t>));</a:t>
+            </a:r>
+          </a:p>
+          <a:p>
+            <a:endParaRPr lang="en-US" altLang="zh-CN" dirty="0" smtClean="0"/>
+          </a:p>
+          <a:p>
+            <a:r>
+              <a:rPr lang="en-US" altLang="zh-CN" dirty="0" err="1"/>
+              <a:t>timax</a:t>
+            </a:r>
+            <a:r>
+              <a:rPr lang="en-US" altLang="zh-CN" dirty="0"/>
+              <a:t>::bind(&amp;</a:t>
+            </a:r>
+            <a:r>
+              <a:rPr lang="en-US" altLang="zh-CN" dirty="0" err="1"/>
+              <a:t>foo_t</a:t>
+            </a:r>
+            <a:r>
+              <a:rPr lang="en-US" altLang="zh-CN" dirty="0"/>
+              <a:t>::add, &amp;foo</a:t>
+            </a:r>
+            <a:r>
+              <a:rPr lang="en-US" altLang="zh-CN" dirty="0" smtClean="0"/>
+              <a:t>);</a:t>
+            </a:r>
+            <a:r>
+              <a:rPr lang="en-US" altLang="zh-CN" dirty="0"/>
+              <a:t> </a:t>
+            </a:r>
+          </a:p>
+          <a:p>
+            <a:r>
+              <a:rPr lang="en-US" altLang="zh-CN" dirty="0" err="1"/>
+              <a:t>timax</a:t>
+            </a:r>
+            <a:r>
+              <a:rPr lang="en-US" altLang="zh-CN" dirty="0"/>
+              <a:t>::bind</a:t>
+            </a:r>
+            <a:r>
+              <a:rPr lang="en-US" altLang="zh-CN" dirty="0" smtClean="0"/>
+              <a:t>(&amp;</a:t>
+            </a:r>
+            <a:r>
+              <a:rPr lang="en-US" altLang="zh-CN" dirty="0" err="1" smtClean="0"/>
+              <a:t>foo_t</a:t>
+            </a:r>
+            <a:r>
+              <a:rPr lang="en-US" altLang="zh-CN" dirty="0" smtClean="0"/>
+              <a:t>::</a:t>
+            </a:r>
+            <a:r>
+              <a:rPr lang="en-US" altLang="zh-CN" dirty="0"/>
+              <a:t>add, &amp;</a:t>
+            </a:r>
+            <a:r>
+              <a:rPr lang="en-US" altLang="zh-CN" dirty="0" smtClean="0"/>
+              <a:t>foo, </a:t>
+            </a:r>
+            <a:r>
+              <a:rPr lang="en-US" altLang="zh-CN" dirty="0" err="1"/>
+              <a:t>std</a:t>
+            </a:r>
+            <a:r>
+              <a:rPr lang="en-US" altLang="zh-CN" dirty="0"/>
+              <a:t>::placeholders::_</a:t>
+            </a:r>
+            <a:r>
+              <a:rPr lang="en-US" altLang="zh-CN" dirty="0" smtClean="0"/>
+              <a:t>1, </a:t>
+            </a:r>
+            <a:r>
+              <a:rPr lang="en-US" altLang="zh-CN" dirty="0" err="1"/>
+              <a:t>std</a:t>
+            </a:r>
+            <a:r>
+              <a:rPr lang="en-US" altLang="zh-CN" dirty="0"/>
+              <a:t>::placeholders</a:t>
+            </a:r>
+            <a:r>
+              <a:rPr lang="en-US" altLang="zh-CN" dirty="0" smtClean="0"/>
+              <a:t>::_2);</a:t>
+            </a:r>
+            <a:endParaRPr lang="zh-CN" altLang="en-US" dirty="0"/>
+          </a:p>
+        </p:txBody>
+      </p:sp>
+      <p:sp>
+        <p:nvSpPr>
+          <p:cNvPr id="4" name="矩形 3"/>
+          <p:cNvSpPr/>
+          <p:nvPr/>
+        </p:nvSpPr>
+        <p:spPr>
+          <a:xfrm>
+            <a:off x="3658654" y="4078052"/>
+            <a:ext cx="3561296" cy="369332"/>
+          </a:xfrm>
+          <a:prstGeom prst="rect">
+            <a:avLst/>
+          </a:prstGeom>
+        </p:spPr>
+        <p:txBody>
+          <a:bodyPr wrap="none">
+            <a:spAutoFit/>
+          </a:bodyPr>
+          <a:lstStyle/>
+          <a:p>
+            <a:r>
+              <a:rPr lang="en-US" altLang="zh-CN" dirty="0"/>
+              <a:t>//</a:t>
+            </a:r>
+            <a:r>
+              <a:rPr lang="en-US" altLang="zh-CN" dirty="0">
+                <a:solidFill>
+                  <a:srgbClr val="FF0000"/>
+                </a:solidFill>
+              </a:rPr>
+              <a:t>bind</a:t>
+            </a:r>
+            <a:r>
+              <a:rPr lang="zh-CN" altLang="en-US" dirty="0">
+                <a:solidFill>
+                  <a:srgbClr val="FF0000"/>
+                </a:solidFill>
+              </a:rPr>
+              <a:t> </a:t>
+            </a:r>
+            <a:r>
+              <a:rPr lang="en-US" altLang="zh-CN" dirty="0">
+                <a:solidFill>
+                  <a:srgbClr val="FF0000"/>
+                </a:solidFill>
+              </a:rPr>
+              <a:t>without anything, clean code</a:t>
+            </a:r>
+            <a:endParaRPr lang="zh-CN" altLang="en-US" dirty="0"/>
+          </a:p>
+        </p:txBody>
+      </p:sp>
+    </p:spTree>
+  </p:cSld>
+  <p:clrMapOvr>
+    <a:masterClrMapping/>
+  </p:clrMapOvr>
+  <p:timing>
+    <p:tnLst>
+      <p:par>
+        <p:cTn id="1" dur="indefinite" restart="never" nodeType="tmRoot">
+          <p:childTnLst>
+            <p:seq concurrent="1" nextAc="seek">
+              <p:cTn id="2" dur="indefinite" nodeType="mainSeq">
+                <p:childTnLst>
+                  <p:par>
+                    <p:cTn id="3" fill="hold">
+                      <p:stCondLst>
+                        <p:cond delay="indefinite"/>
+                      </p:stCondLst>
+                      <p:childTnLst>
+                        <p:par>
+                          <p:cTn id="4" fill="hold">
+                            <p:stCondLst>
+                              <p:cond delay="0"/>
+                            </p:stCondLst>
+                            <p:childTnLst>
+                              <p:par>
+                                <p:cTn id="5" presetID="22" presetClass="entr" presetSubtype="8" fill="hold" grpId="0" nodeType="clickEffect">
+                                  <p:stCondLst>
+                                    <p:cond delay="0"/>
+                                  </p:stCondLst>
+                                  <p:childTnLst>
+                                    <p:set>
+                                      <p:cBhvr>
+                                        <p:cTn id="6" dur="1" fill="hold">
+                                          <p:stCondLst>
+                                            <p:cond delay="0"/>
+                                          </p:stCondLst>
+                                        </p:cTn>
+                                        <p:tgtEl>
+                                          <p:spTgt spid="4"/>
+                                        </p:tgtEl>
+                                        <p:attrNameLst>
+                                          <p:attrName>style.visibility</p:attrName>
+                                        </p:attrNameLst>
+                                      </p:cBhvr>
+                                      <p:to>
+                                        <p:strVal val="visible"/>
+                                      </p:to>
+                                    </p:set>
+                                    <p:animEffect transition="in" filter="wipe(left)">
+                                      <p:cBhvr>
+                                        <p:cTn id="7" dur="500"/>
+                                        <p:tgtEl>
+                                          <p:spTgt spid="4"/>
+                                        </p:tgtEl>
+                                      </p:cBhvr>
+                                    </p:animEffect>
+                                  </p:childTnLst>
+                                </p:cTn>
+                              </p:par>
+                            </p:childTnLst>
+                          </p:cTn>
+                        </p:par>
+                      </p:childTnLst>
+                    </p:cTn>
+                  </p:par>
+                </p:childTnLst>
+              </p:cTn>
+              <p:prevCondLst>
+                <p:cond evt="onPrev" delay="0">
+                  <p:tgtEl>
+                    <p:sldTgt/>
+                  </p:tgtEl>
+                </p:cond>
+              </p:prevCondLst>
+              <p:nextCondLst>
+                <p:cond evt="onNext" delay="0">
+                  <p:tgtEl>
+                    <p:sldTgt/>
+                  </p:tgtEl>
+                </p:cond>
+              </p:nextCondLst>
+            </p:seq>
+          </p:childTnLst>
+        </p:cTn>
+      </p:par>
+    </p:tnLst>
+    <p:bldLst>
+      <p:bldP spid="4" grpId="0"/>
+    </p:bldLst>
+  </p:timing>
+</p:sld>
+</file>
+
+<file path=ppt/slides/slide4.xml><?xml version="1.0" encoding="utf-8"?>
+<p:sld xmlns:a="http://schemas.openxmlformats.org/drawingml/2006/main" xmlns:r="http://schemas.openxmlformats.org/officeDocument/2006/relationships" xmlns:p="http://schemas.openxmlformats.org/presentationml/2006/main">
+  <p:cSld>
+    <p:spTree>
+      <p:nvGrpSpPr>
+        <p:cNvPr id="1" name=""/>
+        <p:cNvGrpSpPr/>
+        <p:nvPr/>
+      </p:nvGrpSpPr>
+      <p:grpSpPr>
+        <a:xfrm>
+          <a:off x="0" y="0"/>
+          <a:ext cx="0" cy="0"/>
+          <a:chOff x="0" y="0"/>
+          <a:chExt cx="0" cy="0"/>
+        </a:xfrm>
+      </p:grpSpPr>
+      <p:sp>
+        <p:nvSpPr>
+          <p:cNvPr id="2" name="标题 1"/>
+          <p:cNvSpPr>
+            <a:spLocks noGrp="1"/>
+          </p:cNvSpPr>
+          <p:nvPr>
+            <p:ph type="title"/>
+          </p:nvPr>
+        </p:nvSpPr>
+        <p:spPr/>
+        <p:txBody>
+          <a:bodyPr/>
+          <a:lstStyle/>
+          <a:p>
+            <a:r>
+              <a:rPr lang="en-US" altLang="zh-CN" dirty="0"/>
+              <a:t>Introduction to RPC</a:t>
+            </a:r>
+            <a:endParaRPr lang="zh-CN" altLang="en-US" dirty="0"/>
+          </a:p>
+        </p:txBody>
+      </p:sp>
+      <p:sp>
+        <p:nvSpPr>
+          <p:cNvPr id="3" name="文本占位符 2"/>
+          <p:cNvSpPr>
+            <a:spLocks noGrp="1"/>
+          </p:cNvSpPr>
+          <p:nvPr>
+            <p:ph type="body" sz="half" idx="2"/>
+          </p:nvPr>
+        </p:nvSpPr>
+        <p:spPr/>
+        <p:txBody>
+          <a:bodyPr/>
+          <a:lstStyle/>
+          <a:p>
+            <a:endParaRPr lang="zh-CN" altLang="en-US"/>
+          </a:p>
+        </p:txBody>
+      </p:sp>
+      <p:pic>
+        <p:nvPicPr>
+          <p:cNvPr id="4" name="图片 3"/>
+          <p:cNvPicPr>
+            <a:picLocks noChangeAspect="1"/>
+          </p:cNvPicPr>
+          <p:nvPr/>
+        </p:nvPicPr>
+        <p:blipFill>
+          <a:blip r:embed="rId2"/>
+          <a:stretch>
+            <a:fillRect/>
+          </a:stretch>
+        </p:blipFill>
+        <p:spPr>
+          <a:xfrm>
+            <a:off x="1151279" y="2097437"/>
+            <a:ext cx="7076535" cy="3017223"/>
+          </a:xfrm>
+          <a:prstGeom prst="rect">
+            <a:avLst/>
+          </a:prstGeom>
+        </p:spPr>
+      </p:pic>
+    </p:spTree>
+    <p:extLst>
+      <p:ext uri="{BB962C8B-B14F-4D97-AF65-F5344CB8AC3E}">
+        <p14:creationId xmlns:p14="http://schemas.microsoft.com/office/powerpoint/2010/main" val="898869425"/>
+      </p:ext>
+    </p:extLst>
+  </p:cSld>
+  <p:clrMapOvr>
+    <a:masterClrMapping/>
+  </p:clrMapOvr>
+  <p:timing>
+    <p:tnLst>
+      <p:par>
+        <p:cTn id="1" dur="indefinite" restart="never" nodeType="tmRoot"/>
+      </p:par>
+    </p:tnLst>
+  </p:timing>
+</p:sld>
+</file>
+
+<file path=ppt/slides/slide40.xml><?xml version="1.0" encoding="utf-8"?>
+<p:sld xmlns:a="http://schemas.openxmlformats.org/drawingml/2006/main" xmlns:r="http://schemas.openxmlformats.org/officeDocument/2006/relationships" xmlns:p="http://schemas.openxmlformats.org/presentationml/2006/main">
+  <p:cSld>
+    <p:spTree>
+      <p:nvGrpSpPr>
+        <p:cNvPr id="1" name=""/>
+        <p:cNvGrpSpPr/>
+        <p:nvPr/>
+      </p:nvGrpSpPr>
+      <p:grpSpPr>
+        <a:xfrm>
+          <a:off x="0" y="0"/>
+          <a:ext cx="0" cy="0"/>
+          <a:chOff x="0" y="0"/>
+          <a:chExt cx="0" cy="0"/>
+        </a:xfrm>
+      </p:grpSpPr>
+      <p:sp>
+        <p:nvSpPr>
+          <p:cNvPr id="2" name="标题 1"/>
+          <p:cNvSpPr>
+            <a:spLocks noGrp="1"/>
+          </p:cNvSpPr>
+          <p:nvPr>
+            <p:ph type="title"/>
+          </p:nvPr>
+        </p:nvSpPr>
+        <p:spPr/>
+        <p:txBody>
+          <a:bodyPr/>
+          <a:lstStyle/>
+          <a:p>
+            <a:r>
+              <a:rPr lang="en-US" altLang="zh-CN" dirty="0"/>
+              <a:t>How to simplify the </a:t>
+            </a:r>
+            <a:r>
+              <a:rPr altLang="zh-CN" dirty="0" smtClean="0"/>
+              <a:t>RPC call</a:t>
+            </a:r>
+            <a:endParaRPr lang="zh-CN" altLang="en-US" dirty="0"/>
+          </a:p>
+        </p:txBody>
+      </p:sp>
+      <p:sp>
+        <p:nvSpPr>
+          <p:cNvPr id="3" name="文本占位符 2"/>
+          <p:cNvSpPr>
+            <a:spLocks noGrp="1"/>
+          </p:cNvSpPr>
+          <p:nvPr>
+            <p:ph type="body" sz="half" idx="2"/>
+          </p:nvPr>
+        </p:nvSpPr>
+        <p:spPr/>
+        <p:txBody>
+          <a:bodyPr/>
+          <a:lstStyle/>
+          <a:p>
+            <a:r>
+              <a:rPr lang="en-US" altLang="zh-CN" dirty="0"/>
+              <a:t>template &lt;</a:t>
+            </a:r>
+            <a:r>
+              <a:rPr lang="en-US" altLang="zh-CN" dirty="0" err="1"/>
+              <a:t>typename</a:t>
+            </a:r>
+            <a:r>
+              <a:rPr lang="en-US" altLang="zh-CN" dirty="0"/>
+              <a:t> F, </a:t>
+            </a:r>
+            <a:r>
+              <a:rPr lang="en-US" altLang="zh-CN" dirty="0" err="1"/>
+              <a:t>typename</a:t>
+            </a:r>
+            <a:r>
+              <a:rPr lang="en-US" altLang="zh-CN" dirty="0"/>
+              <a:t> Arg0, </a:t>
+            </a:r>
+            <a:r>
+              <a:rPr lang="en-US" altLang="zh-CN" dirty="0" err="1"/>
+              <a:t>typename</a:t>
+            </a:r>
+            <a:r>
+              <a:rPr lang="en-US" altLang="zh-CN" dirty="0"/>
+              <a:t> ... </a:t>
+            </a:r>
+            <a:r>
+              <a:rPr lang="en-US" altLang="zh-CN" dirty="0" err="1"/>
+              <a:t>Args</a:t>
+            </a:r>
+            <a:r>
+              <a:rPr lang="en-US" altLang="zh-CN" dirty="0"/>
+              <a:t>&gt;</a:t>
+            </a:r>
+          </a:p>
+          <a:p>
+            <a:r>
+              <a:rPr lang="en-US" altLang="zh-CN" dirty="0"/>
+              <a:t>auto </a:t>
+            </a:r>
+            <a:r>
+              <a:rPr lang="en-US" altLang="zh-CN" dirty="0" err="1" smtClean="0"/>
+              <a:t>bind_impl</a:t>
+            </a:r>
+            <a:r>
+              <a:rPr lang="en-US" altLang="zh-CN" dirty="0" smtClean="0"/>
+              <a:t>(F</a:t>
+            </a:r>
+            <a:r>
+              <a:rPr lang="en-US" altLang="zh-CN" dirty="0"/>
+              <a:t>&amp;&amp; f, Arg0&amp;&amp; arg0, </a:t>
+            </a:r>
+            <a:r>
+              <a:rPr lang="en-US" altLang="zh-CN" dirty="0" err="1"/>
+              <a:t>Args</a:t>
+            </a:r>
+            <a:r>
+              <a:rPr lang="en-US" altLang="zh-CN" dirty="0"/>
+              <a:t>&amp;&amp; ... </a:t>
+            </a:r>
+            <a:r>
+              <a:rPr lang="en-US" altLang="zh-CN" dirty="0" err="1"/>
+              <a:t>args</a:t>
+            </a:r>
+            <a:r>
+              <a:rPr lang="en-US" altLang="zh-CN" dirty="0"/>
+              <a:t>)</a:t>
+            </a:r>
+          </a:p>
+          <a:p>
+            <a:r>
+              <a:rPr lang="en-US" altLang="zh-CN" dirty="0"/>
+              <a:t>-&gt; </a:t>
+            </a:r>
+            <a:r>
+              <a:rPr lang="en-US" altLang="zh-CN" dirty="0" err="1"/>
+              <a:t>typename</a:t>
+            </a:r>
+            <a:r>
+              <a:rPr lang="en-US" altLang="zh-CN" dirty="0"/>
+              <a:t> </a:t>
+            </a:r>
+            <a:r>
+              <a:rPr lang="en-US" altLang="zh-CN" dirty="0" err="1"/>
+              <a:t>bind_to_function</a:t>
+            </a:r>
+            <a:r>
+              <a:rPr lang="en-US" altLang="zh-CN" dirty="0"/>
+              <a:t>&lt;F, Arg0, </a:t>
+            </a:r>
+            <a:r>
+              <a:rPr lang="en-US" altLang="zh-CN" dirty="0" err="1"/>
+              <a:t>Args</a:t>
+            </a:r>
+            <a:r>
+              <a:rPr lang="en-US" altLang="zh-CN" dirty="0"/>
+              <a:t>...&gt;::type</a:t>
+            </a:r>
+          </a:p>
+          <a:p>
+            <a:r>
+              <a:rPr lang="en-US" altLang="zh-CN" dirty="0"/>
+              <a:t>{</a:t>
+            </a:r>
+          </a:p>
+          <a:p>
+            <a:r>
+              <a:rPr lang="en-US" altLang="zh-CN" dirty="0" smtClean="0"/>
+              <a:t>    return </a:t>
+            </a:r>
+            <a:r>
+              <a:rPr lang="en-US" altLang="zh-CN" dirty="0" err="1"/>
+              <a:t>std</a:t>
+            </a:r>
+            <a:r>
+              <a:rPr lang="en-US" altLang="zh-CN" dirty="0"/>
+              <a:t>::bind(</a:t>
+            </a:r>
+            <a:r>
+              <a:rPr lang="en-US" altLang="zh-CN" dirty="0" err="1"/>
+              <a:t>std</a:t>
+            </a:r>
+            <a:r>
+              <a:rPr lang="en-US" altLang="zh-CN" dirty="0"/>
+              <a:t>::forward&lt;F&gt;(f), </a:t>
+            </a:r>
+            <a:r>
+              <a:rPr lang="en-US" altLang="zh-CN" dirty="0" err="1"/>
+              <a:t>std</a:t>
+            </a:r>
+            <a:r>
+              <a:rPr lang="en-US" altLang="zh-CN" dirty="0"/>
+              <a:t>::forward&lt;Arg0&gt;(arg0), </a:t>
+            </a:r>
+            <a:r>
+              <a:rPr lang="en-US" altLang="zh-CN" dirty="0" smtClean="0"/>
+              <a:t>      </a:t>
+            </a:r>
+            <a:r>
+              <a:rPr lang="en-US" altLang="zh-CN" dirty="0" err="1" smtClean="0"/>
+              <a:t>std</a:t>
+            </a:r>
+            <a:r>
+              <a:rPr lang="en-US" altLang="zh-CN" dirty="0"/>
+              <a:t>::forward&lt;</a:t>
+            </a:r>
+            <a:r>
+              <a:rPr lang="en-US" altLang="zh-CN" dirty="0" err="1"/>
+              <a:t>Args</a:t>
+            </a:r>
+            <a:r>
+              <a:rPr lang="en-US" altLang="zh-CN" dirty="0"/>
+              <a:t>&gt;(</a:t>
+            </a:r>
+            <a:r>
+              <a:rPr lang="en-US" altLang="zh-CN" dirty="0" err="1"/>
+              <a:t>args</a:t>
+            </a:r>
+            <a:r>
+              <a:rPr lang="en-US" altLang="zh-CN" dirty="0"/>
+              <a:t>)...);</a:t>
+            </a:r>
+          </a:p>
+          <a:p>
+            <a:r>
+              <a:rPr lang="en-US" altLang="zh-CN" dirty="0"/>
+              <a:t>}</a:t>
+            </a:r>
+          </a:p>
+          <a:p>
+            <a:endParaRPr lang="zh-CN" altLang="en-US" dirty="0"/>
+          </a:p>
+          <a:p>
+            <a:r>
+              <a:rPr lang="en-US" altLang="zh-CN" dirty="0"/>
+              <a:t>template &lt;</a:t>
+            </a:r>
+            <a:r>
+              <a:rPr lang="en-US" altLang="zh-CN" dirty="0" err="1"/>
+              <a:t>typename</a:t>
+            </a:r>
+            <a:r>
+              <a:rPr lang="en-US" altLang="zh-CN" dirty="0"/>
+              <a:t> F&gt;</a:t>
+            </a:r>
+          </a:p>
+          <a:p>
+            <a:r>
+              <a:rPr lang="en-US" altLang="zh-CN" dirty="0"/>
+              <a:t>auto </a:t>
+            </a:r>
+            <a:r>
+              <a:rPr lang="en-US" altLang="zh-CN" dirty="0" err="1" smtClean="0"/>
+              <a:t>bind_impl</a:t>
+            </a:r>
+            <a:r>
+              <a:rPr lang="en-US" altLang="zh-CN" dirty="0" smtClean="0"/>
+              <a:t>(F</a:t>
+            </a:r>
+            <a:r>
+              <a:rPr lang="en-US" altLang="zh-CN" dirty="0"/>
+              <a:t>&amp;&amp; f</a:t>
+            </a:r>
+            <a:r>
+              <a:rPr lang="en-US" altLang="zh-CN" dirty="0" smtClean="0"/>
+              <a:t>) -&gt; </a:t>
+            </a:r>
+            <a:r>
+              <a:rPr lang="en-US" altLang="zh-CN" dirty="0" err="1"/>
+              <a:t>typename</a:t>
+            </a:r>
+            <a:r>
+              <a:rPr lang="en-US" altLang="zh-CN" dirty="0"/>
+              <a:t> </a:t>
+            </a:r>
+            <a:r>
+              <a:rPr lang="en-US" altLang="zh-CN" dirty="0" err="1"/>
+              <a:t>function_traits</a:t>
+            </a:r>
+            <a:r>
+              <a:rPr lang="en-US" altLang="zh-CN" dirty="0"/>
+              <a:t>&lt;F&gt;::</a:t>
+            </a:r>
+            <a:r>
+              <a:rPr lang="en-US" altLang="zh-CN" dirty="0" err="1"/>
+              <a:t>stl_function_type</a:t>
+            </a:r>
+            <a:endParaRPr lang="en-US" altLang="zh-CN" dirty="0"/>
+          </a:p>
+          <a:p>
+            <a:r>
+              <a:rPr lang="en-US" altLang="zh-CN" dirty="0"/>
+              <a:t>{</a:t>
+            </a:r>
+          </a:p>
+          <a:p>
+            <a:r>
+              <a:rPr lang="en-US" altLang="zh-CN" dirty="0" smtClean="0"/>
+              <a:t>    return </a:t>
+            </a:r>
+            <a:r>
+              <a:rPr lang="en-US" altLang="zh-CN" b="1" dirty="0"/>
+              <a:t>[</a:t>
+            </a:r>
+            <a:r>
+              <a:rPr lang="en-US" altLang="zh-CN" b="1" dirty="0" err="1"/>
+              <a:t>func</a:t>
+            </a:r>
+            <a:r>
+              <a:rPr lang="en-US" altLang="zh-CN" b="1" dirty="0"/>
+              <a:t> = </a:t>
+            </a:r>
+            <a:r>
+              <a:rPr lang="en-US" altLang="zh-CN" b="1" dirty="0" err="1"/>
+              <a:t>std</a:t>
+            </a:r>
+            <a:r>
+              <a:rPr lang="en-US" altLang="zh-CN" b="1" dirty="0"/>
+              <a:t>::forward&lt;F&gt;(f)](auto&amp;&amp; ... </a:t>
+            </a:r>
+            <a:r>
+              <a:rPr lang="en-US" altLang="zh-CN" b="1" dirty="0" err="1"/>
+              <a:t>args</a:t>
+            </a:r>
+            <a:r>
+              <a:rPr lang="en-US" altLang="zh-CN" b="1" dirty="0" smtClean="0"/>
+              <a:t>)</a:t>
+            </a:r>
+            <a:r>
+              <a:rPr lang="en-US" altLang="zh-CN" dirty="0" smtClean="0"/>
+              <a:t>{ </a:t>
+            </a:r>
+          </a:p>
+          <a:p>
+            <a:r>
+              <a:rPr lang="en-US" altLang="zh-CN" dirty="0" smtClean="0"/>
+              <a:t>        return </a:t>
+            </a:r>
+            <a:r>
+              <a:rPr lang="en-US" altLang="zh-CN" dirty="0" err="1"/>
+              <a:t>func</a:t>
+            </a:r>
+            <a:r>
+              <a:rPr lang="en-US" altLang="zh-CN" dirty="0"/>
+              <a:t>(</a:t>
+            </a:r>
+            <a:r>
+              <a:rPr lang="en-US" altLang="zh-CN" dirty="0" err="1"/>
+              <a:t>std</a:t>
+            </a:r>
+            <a:r>
+              <a:rPr lang="en-US" altLang="zh-CN" dirty="0"/>
+              <a:t>::forward&lt;</a:t>
+            </a:r>
+            <a:r>
+              <a:rPr lang="en-US" altLang="zh-CN" dirty="0" err="1"/>
+              <a:t>decltype</a:t>
+            </a:r>
+            <a:r>
+              <a:rPr lang="en-US" altLang="zh-CN" dirty="0"/>
+              <a:t>(</a:t>
+            </a:r>
+            <a:r>
+              <a:rPr lang="en-US" altLang="zh-CN" dirty="0" err="1"/>
+              <a:t>args</a:t>
+            </a:r>
+            <a:r>
+              <a:rPr lang="en-US" altLang="zh-CN" dirty="0"/>
+              <a:t>)&gt;(</a:t>
+            </a:r>
+            <a:r>
+              <a:rPr lang="en-US" altLang="zh-CN" dirty="0" err="1"/>
+              <a:t>args</a:t>
+            </a:r>
+            <a:r>
+              <a:rPr lang="en-US" altLang="zh-CN" dirty="0"/>
+              <a:t>)...); </a:t>
+            </a:r>
+            <a:endParaRPr lang="en-US" altLang="zh-CN" dirty="0" smtClean="0"/>
+          </a:p>
+          <a:p>
+            <a:r>
+              <a:rPr lang="en-US" altLang="zh-CN" dirty="0" smtClean="0"/>
+              <a:t>    };</a:t>
+            </a:r>
+            <a:endParaRPr lang="en-US" altLang="zh-CN" dirty="0"/>
+          </a:p>
+          <a:p>
+            <a:r>
+              <a:rPr lang="en-US" altLang="zh-CN" dirty="0"/>
+              <a:t>}</a:t>
+            </a:r>
+            <a:endParaRPr lang="zh-CN" altLang="en-US" dirty="0"/>
+          </a:p>
+        </p:txBody>
+      </p:sp>
+    </p:spTree>
+  </p:cSld>
+  <p:clrMapOvr>
+    <a:masterClrMapping/>
+  </p:clrMapOvr>
+  <p:timing>
+    <p:tnLst>
+      <p:par>
+        <p:cTn id="1" dur="indefinite" restart="never" nodeType="tmRoot"/>
+      </p:par>
+    </p:tnLst>
+  </p:timing>
+</p:sld>
+</file>
+
 <file path=ppt/slides/slide41.xml><?xml version="1.0" encoding="utf-8"?>
 <p:sld xmlns:a="http://schemas.openxmlformats.org/drawingml/2006/main" xmlns:r="http://schemas.openxmlformats.org/officeDocument/2006/relationships" xmlns:p="http://schemas.openxmlformats.org/presentationml/2006/main">
   <p:cSld>
@@ -22924,6 +23117,13 @@
   <p:clrMapOvr>
     <a:masterClrMapping/>
   </p:clrMapOvr>
+  <p:timing>
+    <p:tnLst>
+      <p:par>
+        <p:cTn id="1" dur="indefinite" restart="never" nodeType="tmRoot"/>
+      </p:par>
+    </p:tnLst>
+  </p:timing>
 </p:sld>
 </file>
 
@@ -23144,7 +23344,7 @@
           <a:bodyPr/>
           <a:lstStyle/>
           <a:p>
-            <a:endParaRPr lang="zh-CN" altLang="en-US"/>
+            <a:endParaRPr lang="zh-CN" altLang="en-US" dirty="0"/>
           </a:p>
         </p:txBody>
       </p:sp>
@@ -23157,7 +23357,7 @@
           <p:nvPr/>
         </p:nvPicPr>
         <p:blipFill>
-          <a:blip r:embed="rId2">
+          <a:blip r:embed="rId2" cstate="print">
             <a:extLst>
               <a:ext uri="{28A0092B-C50C-407E-A947-70E740481C1C}">
                 <a14:useLocalDpi xmlns:a14="http://schemas.microsoft.com/office/drawing/2010/main" val="0"/>
@@ -23170,8 +23370,8 @@
         </p:blipFill>
         <p:spPr>
           <a:xfrm>
-            <a:off x="2985247" y="1803137"/>
-            <a:ext cx="3515169" cy="3515169"/>
+            <a:off x="3352800" y="1991396"/>
+            <a:ext cx="3075898" cy="3075898"/>
           </a:xfrm>
           <a:prstGeom prst="rect">
             <a:avLst/>
@@ -24729,8 +24929,8 @@
           <a:lstStyle/>
           <a:p>
             <a:r>
-              <a:rPr lang="en-US" altLang="zh-CN" dirty="0"/>
-              <a:t>Introduction to RPC</a:t>
+              <a:rPr lang="en-US" altLang="zh-CN" dirty="0" smtClean="0"/>
+              <a:t>Outline</a:t>
             </a:r>
             <a:endParaRPr lang="zh-CN" altLang="en-US" dirty="0"/>
           </a:p>
@@ -24751,44 +24951,87 @@
           <a:bodyPr/>
           <a:lstStyle/>
           <a:p>
-            <a:endParaRPr lang="zh-CN" altLang="en-US"/>
-          </a:p>
-        </p:txBody>
-      </p:sp>
-      <p:pic>
-        <p:nvPicPr>
-          <p:cNvPr id="4" name="图片 3"/>
-          <p:cNvPicPr>
-            <a:picLocks noChangeAspect="1"/>
-          </p:cNvPicPr>
-          <p:nvPr/>
-        </p:nvPicPr>
-        <p:blipFill>
-          <a:blip r:embed="rId2"/>
-          <a:stretch>
-            <a:fillRect/>
-          </a:stretch>
-        </p:blipFill>
-        <p:spPr>
-          <a:xfrm>
-            <a:off x="1151279" y="2097437"/>
-            <a:ext cx="7076535" cy="3017223"/>
-          </a:xfrm>
-          <a:prstGeom prst="rect">
-            <a:avLst/>
-          </a:prstGeom>
-        </p:spPr>
-      </p:pic>
+            <a:r>
+              <a:rPr lang="en-US" altLang="zh-CN" dirty="0"/>
+              <a:t>1.Introduction to RPC</a:t>
+            </a:r>
+          </a:p>
+          <a:p>
+            <a:endParaRPr lang="en-US" altLang="zh-CN" dirty="0"/>
+          </a:p>
+          <a:p>
+            <a:r>
+              <a:rPr lang="en-US" altLang="zh-CN" sz="1800" dirty="0">
+                <a:solidFill>
+                  <a:schemeClr val="accent5"/>
+                </a:solidFill>
+              </a:rPr>
+              <a:t>2.What is </a:t>
+            </a:r>
+            <a:r>
+              <a:rPr lang="en-US" altLang="zh-CN" sz="1800" dirty="0" err="1" smtClean="0">
+                <a:solidFill>
+                  <a:schemeClr val="accent5"/>
+                </a:solidFill>
+              </a:rPr>
+              <a:t>rest_rpc</a:t>
+            </a:r>
+            <a:r>
+              <a:rPr lang="en-US" altLang="zh-CN" sz="1800" dirty="0" smtClean="0">
+                <a:solidFill>
+                  <a:schemeClr val="accent5"/>
+                </a:solidFill>
+              </a:rPr>
+              <a:t>?</a:t>
+            </a:r>
+            <a:endParaRPr lang="en-US" altLang="zh-CN" sz="1800" dirty="0">
+              <a:solidFill>
+                <a:schemeClr val="accent5"/>
+              </a:solidFill>
+            </a:endParaRPr>
+          </a:p>
+          <a:p>
+            <a:endParaRPr lang="en-US" altLang="zh-CN" dirty="0"/>
+          </a:p>
+          <a:p>
+            <a:r>
+              <a:rPr lang="en-US" altLang="zh-CN" dirty="0" smtClean="0"/>
+              <a:t>3.Ease </a:t>
+            </a:r>
+            <a:r>
+              <a:rPr lang="en-US" altLang="zh-CN" dirty="0"/>
+              <a:t>of use challenges</a:t>
+            </a:r>
+          </a:p>
+          <a:p>
+            <a:endParaRPr lang="en-US" altLang="zh-CN" dirty="0"/>
+          </a:p>
+          <a:p>
+            <a:r>
+              <a:rPr lang="en-US" altLang="zh-CN" dirty="0"/>
+              <a:t>4.Key technologies</a:t>
+            </a:r>
+          </a:p>
+          <a:p>
+            <a:endParaRPr lang="en-US" altLang="zh-CN" dirty="0"/>
+          </a:p>
+          <a:p>
+            <a:endParaRPr lang="zh-CN" altLang="en-US" dirty="0"/>
+          </a:p>
+        </p:txBody>
+      </p:sp>
     </p:spTree>
-    <p:extLst>
-      <p:ext uri="{BB962C8B-B14F-4D97-AF65-F5344CB8AC3E}">
-        <p14:creationId xmlns:p14="http://schemas.microsoft.com/office/powerpoint/2010/main" val="898869425"/>
-      </p:ext>
-    </p:extLst>
   </p:cSld>
   <p:clrMapOvr>
     <a:masterClrMapping/>
   </p:clrMapOvr>
+  <p:timing>
+    <p:tnLst>
+      <p:par>
+        <p:cTn id="1" dur="indefinite" restart="never" nodeType="tmRoot"/>
+      </p:par>
+    </p:tnLst>
+  </p:timing>
 </p:sld>
 </file>
 
@@ -24825,8 +25068,12 @@
           <a:lstStyle/>
           <a:p>
             <a:r>
-              <a:rPr lang="en-US" altLang="zh-CN" dirty="0" smtClean="0"/>
-              <a:t>Outline</a:t>
+              <a:rPr lang="en-US" altLang="zh-CN" dirty="0"/>
+              <a:t>What is </a:t>
+            </a:r>
+            <a:r>
+              <a:rPr lang="en-US" altLang="zh-CN" dirty="0" err="1"/>
+              <a:t>rest_rpc</a:t>
             </a:r>
             <a:endParaRPr lang="zh-CN" altLang="en-US" dirty="0"/>
           </a:p>
@@ -24848,70 +25095,273 @@
           <a:lstStyle/>
           <a:p>
             <a:r>
-              <a:rPr lang="en-US" altLang="zh-CN" dirty="0"/>
-              <a:t>1.Introduction to RPC</a:t>
-            </a:r>
-          </a:p>
-          <a:p>
-            <a:endParaRPr lang="en-US" altLang="zh-CN" dirty="0"/>
-          </a:p>
-          <a:p>
-            <a:r>
-              <a:rPr lang="en-US" altLang="zh-CN" sz="1800" dirty="0">
+              <a:rPr lang="en-US" altLang="zh-CN" b="1" dirty="0" smtClean="0"/>
+              <a:t>server code:</a:t>
+            </a:r>
+          </a:p>
+          <a:p>
+            <a:r>
+              <a:rPr lang="en-US" altLang="zh-CN" i="1" dirty="0" smtClean="0">
                 <a:solidFill>
-                  <a:schemeClr val="accent5"/>
+                  <a:schemeClr val="accent1">
+                    <a:lumMod val="75000"/>
+                  </a:schemeClr>
                 </a:solidFill>
               </a:rPr>
-              <a:t>2.What is </a:t>
-            </a:r>
-            <a:r>
-              <a:rPr lang="en-US" altLang="zh-CN" sz="1800" dirty="0" err="1" smtClean="0">
+              <a:t>//business logic</a:t>
+            </a:r>
+          </a:p>
+          <a:p>
+            <a:r>
+              <a:rPr lang="en-US" altLang="zh-CN" dirty="0" err="1"/>
+              <a:t>int</a:t>
+            </a:r>
+            <a:r>
+              <a:rPr lang="en-US" altLang="zh-CN" dirty="0"/>
+              <a:t> add(</a:t>
+            </a:r>
+            <a:r>
+              <a:rPr lang="en-US" altLang="zh-CN" dirty="0" err="1"/>
+              <a:t>int</a:t>
+            </a:r>
+            <a:r>
+              <a:rPr lang="en-US" altLang="zh-CN" dirty="0"/>
+              <a:t> a, </a:t>
+            </a:r>
+            <a:r>
+              <a:rPr lang="en-US" altLang="zh-CN" dirty="0" err="1"/>
+              <a:t>int</a:t>
+            </a:r>
+            <a:r>
+              <a:rPr lang="en-US" altLang="zh-CN" dirty="0"/>
+              <a:t> b</a:t>
+            </a:r>
+            <a:r>
+              <a:rPr lang="en-US" altLang="zh-CN" dirty="0" smtClean="0"/>
+              <a:t>) { return </a:t>
+            </a:r>
+            <a:r>
+              <a:rPr lang="en-US" altLang="zh-CN" dirty="0"/>
+              <a:t>a + b</a:t>
+            </a:r>
+            <a:r>
+              <a:rPr lang="en-US" altLang="zh-CN" dirty="0" smtClean="0"/>
+              <a:t>; }</a:t>
+            </a:r>
+          </a:p>
+          <a:p>
+            <a:endParaRPr lang="en-US" altLang="zh-CN" dirty="0" smtClean="0"/>
+          </a:p>
+          <a:p>
+            <a:r>
+              <a:rPr lang="en-US" altLang="zh-CN" dirty="0" err="1"/>
+              <a:t>int</a:t>
+            </a:r>
+            <a:r>
+              <a:rPr lang="en-US" altLang="zh-CN" dirty="0"/>
+              <a:t> main()</a:t>
+            </a:r>
+          </a:p>
+          <a:p>
+            <a:r>
+              <a:rPr lang="en-US" altLang="zh-CN" dirty="0" smtClean="0"/>
+              <a:t>{</a:t>
+            </a:r>
+          </a:p>
+          <a:p>
+            <a:r>
+              <a:rPr lang="en-US" altLang="zh-CN" dirty="0" smtClean="0"/>
+              <a:t>    using </a:t>
+            </a:r>
+            <a:r>
+              <a:rPr lang="en-US" altLang="zh-CN" dirty="0" err="1"/>
+              <a:t>server_t</a:t>
+            </a:r>
+            <a:r>
+              <a:rPr lang="en-US" altLang="zh-CN" dirty="0"/>
+              <a:t> = </a:t>
+            </a:r>
+            <a:r>
+              <a:rPr lang="en-US" altLang="zh-CN" dirty="0" err="1" smtClean="0"/>
+              <a:t>rpc</a:t>
+            </a:r>
+            <a:r>
+              <a:rPr lang="en-US" altLang="zh-CN" dirty="0"/>
+              <a:t>::</a:t>
+            </a:r>
+            <a:r>
+              <a:rPr lang="en-US" altLang="zh-CN" dirty="0" smtClean="0"/>
+              <a:t>server&lt;</a:t>
+            </a:r>
+            <a:r>
+              <a:rPr lang="en-US" altLang="zh-CN" dirty="0" err="1" smtClean="0"/>
+              <a:t>rpc</a:t>
+            </a:r>
+            <a:r>
+              <a:rPr lang="en-US" altLang="zh-CN" dirty="0"/>
+              <a:t>::</a:t>
+            </a:r>
+            <a:r>
+              <a:rPr lang="en-US" altLang="zh-CN" dirty="0" err="1"/>
+              <a:t>msgpack_codec</a:t>
+            </a:r>
+            <a:r>
+              <a:rPr lang="en-US" altLang="zh-CN" dirty="0" smtClean="0"/>
+              <a:t>&gt;;</a:t>
+            </a:r>
+            <a:r>
+              <a:rPr lang="en-US" altLang="zh-CN" i="1" dirty="0">
                 <a:solidFill>
-                  <a:schemeClr val="accent5"/>
+                  <a:schemeClr val="accent1">
+                    <a:lumMod val="75000"/>
+                  </a:schemeClr>
                 </a:solidFill>
               </a:rPr>
-              <a:t>rest_rpc</a:t>
-            </a:r>
-            <a:r>
-              <a:rPr lang="en-US" altLang="zh-CN" sz="1800" dirty="0" smtClean="0">
+              <a:t> </a:t>
+            </a:r>
+            <a:r>
+              <a:rPr lang="en-US" altLang="zh-CN" i="1" dirty="0" smtClean="0">
                 <a:solidFill>
-                  <a:schemeClr val="accent5"/>
+                  <a:schemeClr val="accent1">
+                    <a:lumMod val="75000"/>
+                  </a:schemeClr>
                 </a:solidFill>
               </a:rPr>
-              <a:t>?</a:t>
-            </a:r>
-            <a:endParaRPr lang="en-US" altLang="zh-CN" sz="1800" dirty="0">
+              <a:t>  //define </a:t>
+            </a:r>
+            <a:r>
+              <a:rPr lang="en-US" altLang="zh-CN" i="1" dirty="0">
+                <a:solidFill>
+                  <a:schemeClr val="accent1">
+                    <a:lumMod val="75000"/>
+                  </a:schemeClr>
+                </a:solidFill>
+              </a:rPr>
+              <a:t>serialization policy</a:t>
+            </a:r>
+            <a:endParaRPr lang="en-US" altLang="zh-CN" dirty="0"/>
+          </a:p>
+          <a:p>
+            <a:r>
+              <a:rPr lang="en-US" altLang="zh-CN" dirty="0"/>
+              <a:t> </a:t>
+            </a:r>
+            <a:r>
+              <a:rPr lang="en-US" altLang="zh-CN" dirty="0" smtClean="0"/>
+              <a:t>   </a:t>
+            </a:r>
+            <a:r>
+              <a:rPr lang="en-US" altLang="zh-CN" dirty="0" err="1" smtClean="0"/>
+              <a:t>server_t</a:t>
+            </a:r>
+            <a:r>
+              <a:rPr lang="en-US" altLang="zh-CN" dirty="0" smtClean="0"/>
+              <a:t> </a:t>
+            </a:r>
+            <a:r>
+              <a:rPr lang="en-US" altLang="zh-CN" dirty="0"/>
+              <a:t>server{ port, </a:t>
+            </a:r>
+            <a:r>
+              <a:rPr lang="en-US" altLang="zh-CN" dirty="0" err="1"/>
+              <a:t>pool_size</a:t>
+            </a:r>
+            <a:r>
+              <a:rPr lang="en-US" altLang="zh-CN" dirty="0"/>
+              <a:t>, </a:t>
+            </a:r>
+            <a:r>
+              <a:rPr lang="en-US" altLang="zh-CN" dirty="0" err="1"/>
+              <a:t>std</a:t>
+            </a:r>
+            <a:r>
+              <a:rPr lang="en-US" altLang="zh-CN" dirty="0"/>
+              <a:t>::</a:t>
+            </a:r>
+            <a:r>
+              <a:rPr lang="en-US" altLang="zh-CN" dirty="0" err="1"/>
+              <a:t>chrono</a:t>
+            </a:r>
+            <a:r>
+              <a:rPr lang="en-US" altLang="zh-CN" dirty="0"/>
+              <a:t>::seconds{ 2 } </a:t>
+            </a:r>
+            <a:r>
+              <a:rPr lang="en-US" altLang="zh-CN" dirty="0" smtClean="0"/>
+              <a:t>};</a:t>
+            </a:r>
+          </a:p>
+          <a:p>
+            <a:endParaRPr lang="zh-CN" altLang="en-US" dirty="0"/>
+          </a:p>
+          <a:p>
+            <a:r>
+              <a:rPr lang="en-US" altLang="zh-CN" dirty="0"/>
+              <a:t> </a:t>
+            </a:r>
+            <a:r>
+              <a:rPr lang="en-US" altLang="zh-CN" dirty="0" smtClean="0"/>
+              <a:t>   </a:t>
+            </a:r>
+            <a:r>
+              <a:rPr lang="en-US" altLang="zh-CN" b="1" dirty="0" err="1" smtClean="0"/>
+              <a:t>server.register_handler</a:t>
+            </a:r>
+            <a:r>
+              <a:rPr lang="en-US" altLang="zh-CN" b="1" dirty="0" smtClean="0"/>
+              <a:t>("add</a:t>
+            </a:r>
+            <a:r>
+              <a:rPr lang="en-US" altLang="zh-CN" b="1" dirty="0"/>
+              <a:t>", </a:t>
+            </a:r>
+            <a:r>
+              <a:rPr lang="en-US" altLang="zh-CN" b="1" dirty="0" smtClean="0"/>
+              <a:t>add);    </a:t>
+            </a:r>
+            <a:r>
+              <a:rPr lang="en-US" altLang="zh-CN" i="1" dirty="0" smtClean="0">
+                <a:solidFill>
+                  <a:schemeClr val="accent1">
+                    <a:lumMod val="75000"/>
+                  </a:schemeClr>
+                </a:solidFill>
+              </a:rPr>
+              <a:t>//register business handler</a:t>
+            </a:r>
+          </a:p>
+          <a:p>
+            <a:endParaRPr lang="en-US" altLang="zh-CN" i="1" dirty="0" smtClean="0">
               <a:solidFill>
-                <a:schemeClr val="accent5"/>
+                <a:schemeClr val="accent1">
+                  <a:lumMod val="75000"/>
+                </a:schemeClr>
               </a:solidFill>
             </a:endParaRPr>
           </a:p>
           <a:p>
-            <a:endParaRPr lang="en-US" altLang="zh-CN" dirty="0"/>
-          </a:p>
-          <a:p>
+            <a:r>
+              <a:rPr lang="en-US" altLang="zh-CN" dirty="0"/>
+              <a:t> </a:t>
+            </a:r>
             <a:r>
               <a:rPr lang="en-US" altLang="zh-CN" dirty="0" smtClean="0"/>
-              <a:t>3.Ease </a:t>
-            </a:r>
-            <a:r>
-              <a:rPr lang="en-US" altLang="zh-CN" dirty="0"/>
-              <a:t>of use challenges</a:t>
-            </a:r>
-          </a:p>
-          <a:p>
-            <a:endParaRPr lang="en-US" altLang="zh-CN" dirty="0"/>
-          </a:p>
-          <a:p>
-            <a:r>
-              <a:rPr lang="en-US" altLang="zh-CN" dirty="0"/>
-              <a:t>4.Key technologies</a:t>
-            </a:r>
-          </a:p>
-          <a:p>
-            <a:endParaRPr lang="en-US" altLang="zh-CN" dirty="0"/>
-          </a:p>
-          <a:p>
+              <a:t>   </a:t>
+            </a:r>
+            <a:r>
+              <a:rPr lang="en-US" altLang="zh-CN" dirty="0" err="1" smtClean="0"/>
+              <a:t>server.start</a:t>
+            </a:r>
+            <a:r>
+              <a:rPr lang="en-US" altLang="zh-CN" dirty="0" smtClean="0"/>
+              <a:t>();</a:t>
+            </a:r>
+          </a:p>
+          <a:p>
+            <a:r>
+              <a:rPr lang="en-US" altLang="zh-CN" dirty="0" smtClean="0"/>
+              <a:t>}</a:t>
+            </a:r>
             <a:endParaRPr lang="zh-CN" altLang="en-US" dirty="0"/>
           </a:p>
         </p:txBody>
@@ -24932,352 +25382,6 @@
 </file>
 
 <file path=ppt/slides/slide7.xml><?xml version="1.0" encoding="utf-8"?>
-<p:sld xmlns:a="http://schemas.openxmlformats.org/drawingml/2006/main" xmlns:r="http://schemas.openxmlformats.org/officeDocument/2006/relationships" xmlns:p="http://schemas.openxmlformats.org/presentationml/2006/main">
-  <p:cSld>
-    <p:spTree>
-      <p:nvGrpSpPr>
-        <p:cNvPr id="1" name=""/>
-        <p:cNvGrpSpPr/>
-        <p:nvPr/>
-      </p:nvGrpSpPr>
-      <p:grpSpPr>
-        <a:xfrm>
-          <a:off x="0" y="0"/>
-          <a:ext cx="0" cy="0"/>
-          <a:chOff x="0" y="0"/>
-          <a:chExt cx="0" cy="0"/>
-        </a:xfrm>
-      </p:grpSpPr>
-      <p:sp>
-        <p:nvSpPr>
-          <p:cNvPr id="2" name="标题 1"/>
-          <p:cNvSpPr>
-            <a:spLocks noGrp="1"/>
-          </p:cNvSpPr>
-          <p:nvPr>
-            <p:ph type="title"/>
-          </p:nvPr>
-        </p:nvSpPr>
-        <p:spPr/>
-        <p:txBody>
-          <a:bodyPr/>
-          <a:lstStyle/>
-          <a:p>
-            <a:r>
-              <a:rPr lang="en-US" altLang="zh-CN" dirty="0"/>
-              <a:t>What is </a:t>
-            </a:r>
-            <a:r>
-              <a:rPr lang="en-US" altLang="zh-CN" dirty="0" err="1"/>
-              <a:t>rest_rpc</a:t>
-            </a:r>
-            <a:endParaRPr lang="zh-CN" altLang="en-US" dirty="0"/>
-          </a:p>
-        </p:txBody>
-      </p:sp>
-      <p:sp>
-        <p:nvSpPr>
-          <p:cNvPr id="3" name="文本占位符 2"/>
-          <p:cNvSpPr>
-            <a:spLocks noGrp="1"/>
-          </p:cNvSpPr>
-          <p:nvPr>
-            <p:ph type="body" sz="half" idx="2"/>
-          </p:nvPr>
-        </p:nvSpPr>
-        <p:spPr/>
-        <p:txBody>
-          <a:bodyPr/>
-          <a:lstStyle/>
-          <a:p>
-            <a:r>
-              <a:rPr lang="en-US" altLang="zh-CN" b="1" dirty="0" smtClean="0"/>
-              <a:t>server code:</a:t>
-            </a:r>
-          </a:p>
-          <a:p>
-            <a:r>
-              <a:rPr lang="en-US" altLang="zh-CN" i="1" dirty="0" smtClean="0">
-                <a:solidFill>
-                  <a:schemeClr val="accent1">
-                    <a:lumMod val="75000"/>
-                  </a:schemeClr>
-                </a:solidFill>
-              </a:rPr>
-              <a:t>//business logic</a:t>
-            </a:r>
-          </a:p>
-          <a:p>
-            <a:r>
-              <a:rPr lang="en-US" altLang="zh-CN" dirty="0" err="1"/>
-              <a:t>int</a:t>
-            </a:r>
-            <a:r>
-              <a:rPr lang="en-US" altLang="zh-CN" dirty="0"/>
-              <a:t> add(</a:t>
-            </a:r>
-            <a:r>
-              <a:rPr lang="en-US" altLang="zh-CN" dirty="0" err="1"/>
-              <a:t>int</a:t>
-            </a:r>
-            <a:r>
-              <a:rPr lang="en-US" altLang="zh-CN" dirty="0"/>
-              <a:t> a, </a:t>
-            </a:r>
-            <a:r>
-              <a:rPr lang="en-US" altLang="zh-CN" dirty="0" err="1"/>
-              <a:t>int</a:t>
-            </a:r>
-            <a:r>
-              <a:rPr lang="en-US" altLang="zh-CN" dirty="0"/>
-              <a:t> b</a:t>
-            </a:r>
-            <a:r>
-              <a:rPr lang="en-US" altLang="zh-CN" dirty="0" smtClean="0"/>
-              <a:t>) { return </a:t>
-            </a:r>
-            <a:r>
-              <a:rPr lang="en-US" altLang="zh-CN" dirty="0"/>
-              <a:t>a + b</a:t>
-            </a:r>
-            <a:r>
-              <a:rPr lang="en-US" altLang="zh-CN" dirty="0" smtClean="0"/>
-              <a:t>; }</a:t>
-            </a:r>
-          </a:p>
-          <a:p>
-            <a:endParaRPr lang="en-US" altLang="zh-CN" dirty="0" smtClean="0"/>
-          </a:p>
-          <a:p>
-            <a:r>
-              <a:rPr lang="en-US" altLang="zh-CN" dirty="0" err="1"/>
-              <a:t>int</a:t>
-            </a:r>
-            <a:r>
-              <a:rPr lang="en-US" altLang="zh-CN" dirty="0"/>
-              <a:t> main()</a:t>
-            </a:r>
-          </a:p>
-          <a:p>
-            <a:r>
-              <a:rPr lang="en-US" altLang="zh-CN" dirty="0" smtClean="0"/>
-              <a:t>{</a:t>
-            </a:r>
-          </a:p>
-          <a:p>
-            <a:r>
-              <a:rPr lang="en-US" altLang="zh-CN" dirty="0" smtClean="0"/>
-              <a:t>    using </a:t>
-            </a:r>
-            <a:r>
-              <a:rPr lang="en-US" altLang="zh-CN" dirty="0" err="1"/>
-              <a:t>server_t</a:t>
-            </a:r>
-            <a:r>
-              <a:rPr lang="en-US" altLang="zh-CN" dirty="0"/>
-              <a:t> = </a:t>
-            </a:r>
-            <a:r>
-              <a:rPr lang="en-US" altLang="zh-CN" dirty="0" err="1" smtClean="0"/>
-              <a:t>rpc</a:t>
-            </a:r>
-            <a:r>
-              <a:rPr lang="en-US" altLang="zh-CN" dirty="0"/>
-              <a:t>::</a:t>
-            </a:r>
-            <a:r>
-              <a:rPr lang="en-US" altLang="zh-CN" dirty="0" smtClean="0"/>
-              <a:t>server&lt;</a:t>
-            </a:r>
-            <a:r>
-              <a:rPr lang="en-US" altLang="zh-CN" dirty="0" err="1" smtClean="0"/>
-              <a:t>rpc</a:t>
-            </a:r>
-            <a:r>
-              <a:rPr lang="en-US" altLang="zh-CN" dirty="0"/>
-              <a:t>::</a:t>
-            </a:r>
-            <a:r>
-              <a:rPr lang="en-US" altLang="zh-CN" dirty="0" err="1"/>
-              <a:t>msgpack_codec</a:t>
-            </a:r>
-            <a:r>
-              <a:rPr lang="en-US" altLang="zh-CN" dirty="0" smtClean="0"/>
-              <a:t>&gt;;</a:t>
-            </a:r>
-            <a:r>
-              <a:rPr lang="en-US" altLang="zh-CN" i="1" dirty="0">
-                <a:solidFill>
-                  <a:schemeClr val="accent1">
-                    <a:lumMod val="75000"/>
-                  </a:schemeClr>
-                </a:solidFill>
-              </a:rPr>
-              <a:t> </a:t>
-            </a:r>
-            <a:r>
-              <a:rPr lang="en-US" altLang="zh-CN" i="1" dirty="0" smtClean="0">
-                <a:solidFill>
-                  <a:schemeClr val="accent1">
-                    <a:lumMod val="75000"/>
-                  </a:schemeClr>
-                </a:solidFill>
-              </a:rPr>
-              <a:t>  //define </a:t>
-            </a:r>
-            <a:r>
-              <a:rPr lang="en-US" altLang="zh-CN" i="1" dirty="0">
-                <a:solidFill>
-                  <a:schemeClr val="accent1">
-                    <a:lumMod val="75000"/>
-                  </a:schemeClr>
-                </a:solidFill>
-              </a:rPr>
-              <a:t>serialization policy</a:t>
-            </a:r>
-            <a:endParaRPr lang="en-US" altLang="zh-CN" dirty="0"/>
-          </a:p>
-          <a:p>
-            <a:r>
-              <a:rPr lang="en-US" altLang="zh-CN" dirty="0"/>
-              <a:t> </a:t>
-            </a:r>
-            <a:r>
-              <a:rPr lang="en-US" altLang="zh-CN" dirty="0" smtClean="0"/>
-              <a:t>   </a:t>
-            </a:r>
-            <a:r>
-              <a:rPr lang="en-US" altLang="zh-CN" dirty="0" err="1" smtClean="0"/>
-              <a:t>server_t</a:t>
-            </a:r>
-            <a:r>
-              <a:rPr lang="en-US" altLang="zh-CN" dirty="0" smtClean="0"/>
-              <a:t> </a:t>
-            </a:r>
-            <a:r>
-              <a:rPr lang="en-US" altLang="zh-CN" dirty="0"/>
-              <a:t>server{ port, </a:t>
-            </a:r>
-            <a:r>
-              <a:rPr lang="en-US" altLang="zh-CN" dirty="0" err="1"/>
-              <a:t>pool_size</a:t>
-            </a:r>
-            <a:r>
-              <a:rPr lang="en-US" altLang="zh-CN" dirty="0"/>
-              <a:t>, </a:t>
-            </a:r>
-            <a:r>
-              <a:rPr lang="en-US" altLang="zh-CN" dirty="0" err="1"/>
-              <a:t>std</a:t>
-            </a:r>
-            <a:r>
-              <a:rPr lang="en-US" altLang="zh-CN" dirty="0"/>
-              <a:t>::</a:t>
-            </a:r>
-            <a:r>
-              <a:rPr lang="en-US" altLang="zh-CN" dirty="0" err="1"/>
-              <a:t>chrono</a:t>
-            </a:r>
-            <a:r>
-              <a:rPr lang="en-US" altLang="zh-CN" dirty="0"/>
-              <a:t>::seconds{ 2 } </a:t>
-            </a:r>
-            <a:r>
-              <a:rPr lang="en-US" altLang="zh-CN" dirty="0" smtClean="0"/>
-              <a:t>};</a:t>
-            </a:r>
-          </a:p>
-          <a:p>
-            <a:endParaRPr lang="zh-CN" altLang="en-US" dirty="0"/>
-          </a:p>
-          <a:p>
-            <a:r>
-              <a:rPr lang="en-US" altLang="zh-CN" dirty="0"/>
-              <a:t> </a:t>
-            </a:r>
-            <a:r>
-              <a:rPr lang="en-US" altLang="zh-CN" dirty="0" smtClean="0"/>
-              <a:t>   </a:t>
-            </a:r>
-            <a:r>
-              <a:rPr lang="en-US" altLang="zh-CN" b="1" dirty="0" err="1" smtClean="0"/>
-              <a:t>server.register_handler</a:t>
-            </a:r>
-            <a:r>
-              <a:rPr lang="en-US" altLang="zh-CN" b="1" dirty="0" smtClean="0"/>
-              <a:t>("add</a:t>
-            </a:r>
-            <a:r>
-              <a:rPr lang="en-US" altLang="zh-CN" b="1" dirty="0"/>
-              <a:t>", </a:t>
-            </a:r>
-            <a:r>
-              <a:rPr lang="en-US" altLang="zh-CN" b="1" dirty="0" smtClean="0"/>
-              <a:t>add);    </a:t>
-            </a:r>
-            <a:r>
-              <a:rPr lang="en-US" altLang="zh-CN" i="1" dirty="0" smtClean="0">
-                <a:solidFill>
-                  <a:schemeClr val="accent1">
-                    <a:lumMod val="75000"/>
-                  </a:schemeClr>
-                </a:solidFill>
-              </a:rPr>
-              <a:t>//register business handler</a:t>
-            </a:r>
-          </a:p>
-          <a:p>
-            <a:endParaRPr lang="en-US" altLang="zh-CN" i="1" dirty="0" smtClean="0">
-              <a:solidFill>
-                <a:schemeClr val="accent1">
-                  <a:lumMod val="75000"/>
-                </a:schemeClr>
-              </a:solidFill>
-            </a:endParaRPr>
-          </a:p>
-          <a:p>
-            <a:r>
-              <a:rPr lang="en-US" altLang="zh-CN" dirty="0"/>
-              <a:t> </a:t>
-            </a:r>
-            <a:r>
-              <a:rPr lang="en-US" altLang="zh-CN" dirty="0" smtClean="0"/>
-              <a:t>   </a:t>
-            </a:r>
-            <a:r>
-              <a:rPr lang="en-US" altLang="zh-CN" dirty="0" err="1" smtClean="0"/>
-              <a:t>server.start</a:t>
-            </a:r>
-            <a:r>
-              <a:rPr lang="en-US" altLang="zh-CN" dirty="0" smtClean="0"/>
-              <a:t>();</a:t>
-            </a:r>
-          </a:p>
-          <a:p>
-            <a:r>
-              <a:rPr lang="en-US" altLang="zh-CN" dirty="0" smtClean="0"/>
-              <a:t>}</a:t>
-            </a:r>
-            <a:endParaRPr lang="zh-CN" altLang="en-US" dirty="0"/>
-          </a:p>
-        </p:txBody>
-      </p:sp>
-    </p:spTree>
-  </p:cSld>
-  <p:clrMapOvr>
-    <a:masterClrMapping/>
-  </p:clrMapOvr>
-  <p:timing>
-    <p:tnLst>
-      <p:par>
-        <p:cTn id="1" dur="indefinite" restart="never" nodeType="tmRoot"/>
-      </p:par>
-    </p:tnLst>
-  </p:timing>
-</p:sld>
-</file>
-
-<file path=ppt/slides/slide8.xml><?xml version="1.0" encoding="utf-8"?>
 <p:sld xmlns:a="http://schemas.openxmlformats.org/drawingml/2006/main" xmlns:r="http://schemas.openxmlformats.org/officeDocument/2006/relationships" xmlns:p="http://schemas.openxmlformats.org/presentationml/2006/main">
   <p:cSld>
     <p:spTree>
@@ -25551,7 +25655,7 @@
 </p:sld>
 </file>
 
-<file path=ppt/slides/slide9.xml><?xml version="1.0" encoding="utf-8"?>
+<file path=ppt/slides/slide8.xml><?xml version="1.0" encoding="utf-8"?>
 <p:sld xmlns:a="http://schemas.openxmlformats.org/drawingml/2006/main" xmlns:r="http://schemas.openxmlformats.org/officeDocument/2006/relationships" xmlns:p="http://schemas.openxmlformats.org/presentationml/2006/main">
   <p:cSld>
     <p:spTree>
@@ -25818,6 +25922,47 @@
               </a:rPr>
               <a:t>(endpoint, add, 1, 2); </a:t>
             </a:r>
+          </a:p>
+        </p:txBody>
+      </p:sp>
+      <p:sp>
+        <p:nvSpPr>
+          <p:cNvPr id="4" name="矩形 3"/>
+          <p:cNvSpPr/>
+          <p:nvPr/>
+        </p:nvSpPr>
+        <p:spPr>
+          <a:xfrm>
+            <a:off x="3827930" y="5047147"/>
+            <a:ext cx="2707341" cy="923330"/>
+          </a:xfrm>
+          <a:prstGeom prst="rect">
+            <a:avLst/>
+          </a:prstGeom>
+        </p:spPr>
+        <p:txBody>
+          <a:bodyPr wrap="square">
+            <a:spAutoFit/>
+          </a:bodyPr>
+          <a:lstStyle/>
+          <a:p>
+            <a:r>
+              <a:rPr lang="en-US" altLang="zh-CN" dirty="0" smtClean="0"/>
+              <a:t>focus on business</a:t>
+            </a:r>
+          </a:p>
+          <a:p>
+            <a:r>
+              <a:rPr lang="en-US" altLang="zh-CN" dirty="0" smtClean="0"/>
+              <a:t>easy to use</a:t>
+            </a:r>
+          </a:p>
+          <a:p>
+            <a:r>
+              <a:rPr lang="en-US" altLang="zh-CN" dirty="0" smtClean="0"/>
+              <a:t>rapid development</a:t>
+            </a:r>
+            <a:endParaRPr lang="zh-CN" altLang="en-US" dirty="0"/>
           </a:p>
         </p:txBody>
       </p:sp>
@@ -26192,6 +26337,97 @@
                       </p:childTnLst>
                     </p:cTn>
                   </p:par>
+                  <p:par>
+                    <p:cTn id="21" fill="hold">
+                      <p:stCondLst>
+                        <p:cond delay="indefinite"/>
+                      </p:stCondLst>
+                      <p:childTnLst>
+                        <p:par>
+                          <p:cTn id="22" fill="hold">
+                            <p:stCondLst>
+                              <p:cond delay="0"/>
+                            </p:stCondLst>
+                            <p:childTnLst>
+                              <p:par>
+                                <p:cTn id="23" presetID="2" presetClass="entr" presetSubtype="4" fill="hold" grpId="0" nodeType="clickEffect">
+                                  <p:stCondLst>
+                                    <p:cond delay="0"/>
+                                  </p:stCondLst>
+                                  <p:childTnLst>
+                                    <p:set>
+                                      <p:cBhvr>
+                                        <p:cTn id="24" dur="1" fill="hold">
+                                          <p:stCondLst>
+                                            <p:cond delay="0"/>
+                                          </p:stCondLst>
+                                        </p:cTn>
+                                        <p:tgtEl>
+                                          <p:spTgt spid="4"/>
+                                        </p:tgtEl>
+                                        <p:attrNameLst>
+                                          <p:attrName>style.visibility</p:attrName>
+                                        </p:attrNameLst>
+                                      </p:cBhvr>
+                                      <p:to>
+                                        <p:strVal val="visible"/>
+                                      </p:to>
+                                    </p:set>
+                                    <p:anim calcmode="lin" valueType="num">
+                                      <p:cBhvr additive="base">
+                                        <p:cTn id="25" dur="500" fill="hold"/>
+                                        <p:tgtEl>
+                                          <p:spTgt spid="4"/>
+                                        </p:tgtEl>
+                                        <p:attrNameLst>
+                                          <p:attrName>ppt_x</p:attrName>
+                                        </p:attrNameLst>
+                                      </p:cBhvr>
+                                      <p:tavLst>
+                                        <p:tav tm="0">
+                                          <p:val>
+                                            <p:strVal val="#ppt_x"/>
+                                          </p:val>
+                                        </p:tav>
+                                        <p:tav tm="100000">
+                                          <p:val>
+                                            <p:strVal val="#ppt_x"/>
+                                          </p:val>
+                                        </p:tav>
+                                      </p:tavLst>
+                                    </p:anim>
+                                    <p:anim calcmode="lin" valueType="num">
+                                      <p:cBhvr additive="base">
+                                        <p:cTn id="26" dur="500" fill="hold"/>
+                                        <p:tgtEl>
+                                          <p:spTgt spid="4"/>
+                                        </p:tgtEl>
+                                        <p:attrNameLst>
+                                          <p:attrName>ppt_y</p:attrName>
+                                        </p:attrNameLst>
+                                      </p:cBhvr>
+                                      <p:tavLst>
+                                        <p:tav tm="0">
+                                          <p:val>
+                                            <p:strVal val="1+#ppt_h/2"/>
+                                          </p:val>
+                                        </p:tav>
+                                        <p:tav tm="100000">
+                                          <p:val>
+                                            <p:strVal val="#ppt_y"/>
+                                          </p:val>
+                                        </p:tav>
+                                      </p:tavLst>
+                                    </p:anim>
+                                  </p:childTnLst>
+                                </p:cTn>
+                              </p:par>
+                            </p:childTnLst>
+                          </p:cTn>
+                        </p:par>
+                      </p:childTnLst>
+                    </p:cTn>
+                  </p:par>
                 </p:childTnLst>
               </p:cTn>
               <p:prevCondLst>
@@ -26211,6 +26447,128 @@
             </p:seq>
           </p:childTnLst>
         </p:cTn>
+      </p:par>
+    </p:tnLst>
+    <p:bldLst>
+      <p:bldP spid="4" grpId="0"/>
+    </p:bldLst>
+  </p:timing>
+</p:sld>
+</file>
+
+<file path=ppt/slides/slide9.xml><?xml version="1.0" encoding="utf-8"?>
+<p:sld xmlns:a="http://schemas.openxmlformats.org/drawingml/2006/main" xmlns:r="http://schemas.openxmlformats.org/officeDocument/2006/relationships" xmlns:p="http://schemas.openxmlformats.org/presentationml/2006/main">
+  <p:cSld>
+    <p:spTree>
+      <p:nvGrpSpPr>
+        <p:cNvPr id="1" name=""/>
+        <p:cNvGrpSpPr/>
+        <p:nvPr/>
+      </p:nvGrpSpPr>
+      <p:grpSpPr>
+        <a:xfrm>
+          <a:off x="0" y="0"/>
+          <a:ext cx="0" cy="0"/>
+          <a:chOff x="0" y="0"/>
+          <a:chExt cx="0" cy="0"/>
+        </a:xfrm>
+      </p:grpSpPr>
+      <p:sp>
+        <p:nvSpPr>
+          <p:cNvPr id="2" name="标题 1"/>
+          <p:cNvSpPr>
+            <a:spLocks noGrp="1"/>
+          </p:cNvSpPr>
+          <p:nvPr>
+            <p:ph type="title"/>
+          </p:nvPr>
+        </p:nvSpPr>
+        <p:spPr/>
+        <p:txBody>
+          <a:bodyPr/>
+          <a:lstStyle/>
+          <a:p>
+            <a:r>
+              <a:rPr lang="en-US" altLang="zh-CN" dirty="0" smtClean="0"/>
+              <a:t>Outline</a:t>
+            </a:r>
+            <a:endParaRPr lang="zh-CN" altLang="en-US" dirty="0"/>
+          </a:p>
+        </p:txBody>
+      </p:sp>
+      <p:sp>
+        <p:nvSpPr>
+          <p:cNvPr id="3" name="文本占位符 2"/>
+          <p:cNvSpPr>
+            <a:spLocks noGrp="1"/>
+          </p:cNvSpPr>
+          <p:nvPr>
+            <p:ph type="body" sz="half" idx="2"/>
+          </p:nvPr>
+        </p:nvSpPr>
+        <p:spPr/>
+        <p:txBody>
+          <a:bodyPr/>
+          <a:lstStyle/>
+          <a:p>
+            <a:r>
+              <a:rPr lang="en-US" altLang="zh-CN" dirty="0"/>
+              <a:t>1.Introduction to RPC</a:t>
+            </a:r>
+          </a:p>
+          <a:p>
+            <a:endParaRPr lang="en-US" altLang="zh-CN" dirty="0"/>
+          </a:p>
+          <a:p>
+            <a:r>
+              <a:rPr lang="en-US" altLang="zh-CN" dirty="0"/>
+              <a:t>2.What is </a:t>
+            </a:r>
+            <a:r>
+              <a:rPr lang="en-US" altLang="zh-CN" dirty="0" err="1"/>
+              <a:t>rest_rpc</a:t>
+            </a:r>
+            <a:endParaRPr lang="en-US" altLang="zh-CN" dirty="0"/>
+          </a:p>
+          <a:p>
+            <a:endParaRPr lang="en-US" altLang="zh-CN" dirty="0"/>
+          </a:p>
+          <a:p>
+            <a:r>
+              <a:rPr lang="en-US" altLang="zh-CN" sz="1800" dirty="0">
+                <a:solidFill>
+                  <a:schemeClr val="accent5"/>
+                </a:solidFill>
+              </a:rPr>
+              <a:t>3.Ease of use challenges</a:t>
+            </a:r>
+          </a:p>
+          <a:p>
+            <a:endParaRPr lang="en-US" altLang="zh-CN" dirty="0"/>
+          </a:p>
+          <a:p>
+            <a:r>
+              <a:rPr lang="en-US" altLang="zh-CN" dirty="0"/>
+              <a:t>4.Key technologies</a:t>
+            </a:r>
+          </a:p>
+          <a:p>
+            <a:endParaRPr lang="en-US" altLang="zh-CN" dirty="0"/>
+          </a:p>
+          <a:p>
+            <a:endParaRPr lang="zh-CN" altLang="en-US" dirty="0"/>
+          </a:p>
+        </p:txBody>
+      </p:sp>
+    </p:spTree>
+  </p:cSld>
+  <p:clrMapOvr>
+    <a:masterClrMapping/>
+  </p:clrMapOvr>
+  <p:timing>
+    <p:tnLst>
+      <p:par>
+        <p:cTn id="1" dur="indefinite" restart="never" nodeType="tmRoot"/>
       </p:par>
     </p:tnLst>
   </p:timing>

--- a/An easy to use RPC framework implemented by c++11 and c++14 - shorter.pptx
+++ b/An easy to use RPC framework implemented by c++11 and c++14 - shorter.pptx
@@ -14751,8 +14751,20 @@
           <a:lstStyle/>
           <a:p>
             <a:r>
-              <a:rPr lang="en-US" altLang="zh-CN" dirty="0"/>
-              <a:t>void add(</a:t>
+              <a:rPr lang="en-US" altLang="zh-CN" dirty="0" smtClean="0"/>
+              <a:t>void </a:t>
+            </a:r>
+            <a:r>
+              <a:rPr lang="en-US" altLang="zh-CN" dirty="0"/>
+              <a:t>foo(</a:t>
+            </a:r>
+            <a:r>
+              <a:rPr lang="en-US" altLang="zh-CN" dirty="0" err="1"/>
+              <a:t>std</a:t>
+            </a:r>
+            <a:r>
+              <a:rPr lang="en-US" altLang="zh-CN" dirty="0"/>
+              <a:t>::string b, </a:t>
             </a:r>
             <a:r>
               <a:rPr lang="en-US" altLang="zh-CN" dirty="0" err="1"/>
@@ -14760,15 +14772,7 @@
             </a:r>
             <a:r>
               <a:rPr lang="en-US" altLang="zh-CN" dirty="0"/>
-              <a:t> a, </a:t>
-            </a:r>
-            <a:r>
-              <a:rPr lang="en-US" altLang="zh-CN" dirty="0" err="1"/>
-              <a:t>int</a:t>
-            </a:r>
-            <a:r>
-              <a:rPr lang="en-US" altLang="zh-CN" dirty="0"/>
-              <a:t> b</a:t>
+              <a:t> a</a:t>
             </a:r>
             <a:r>
               <a:rPr lang="en-US" altLang="zh-CN" dirty="0" smtClean="0"/>
@@ -14795,7 +14799,7 @@
             </a:r>
             <a:r>
               <a:rPr lang="en-US" altLang="zh-CN" dirty="0"/>
-              <a:t> &lt;&lt; a + b &lt;&lt; </a:t>
+              <a:t> &lt;&lt; b &lt;&lt; </a:t>
             </a:r>
             <a:r>
               <a:rPr lang="en-US" altLang="zh-CN" dirty="0" err="1"/>
@@ -14821,75 +14825,7 @@
             </a:r>
           </a:p>
           <a:p>
-            <a:r>
-              <a:rPr lang="en-US" altLang="zh-CN" dirty="0"/>
-              <a:t>void foo(</a:t>
-            </a:r>
-            <a:r>
-              <a:rPr lang="en-US" altLang="zh-CN" dirty="0" err="1"/>
-              <a:t>std</a:t>
-            </a:r>
-            <a:r>
-              <a:rPr lang="en-US" altLang="zh-CN" dirty="0"/>
-              <a:t>::string b, </a:t>
-            </a:r>
-            <a:r>
-              <a:rPr lang="en-US" altLang="zh-CN" dirty="0" err="1"/>
-              <a:t>int</a:t>
-            </a:r>
-            <a:r>
-              <a:rPr lang="en-US" altLang="zh-CN" dirty="0"/>
-              <a:t> a</a:t>
-            </a:r>
-            <a:r>
-              <a:rPr lang="en-US" altLang="zh-CN" dirty="0" smtClean="0"/>
-              <a:t>){</a:t>
-            </a:r>
-            <a:endParaRPr lang="en-US" altLang="zh-CN" dirty="0"/>
-          </a:p>
-          <a:p>
-            <a:r>
-              <a:rPr lang="en-US" altLang="zh-CN" dirty="0" smtClean="0"/>
-              <a:t>    </a:t>
-            </a:r>
-            <a:r>
-              <a:rPr lang="en-US" altLang="zh-CN" dirty="0" err="1" smtClean="0"/>
-              <a:t>std</a:t>
-            </a:r>
-            <a:r>
-              <a:rPr lang="en-US" altLang="zh-CN" dirty="0"/>
-              <a:t>::</a:t>
-            </a:r>
-            <a:r>
-              <a:rPr lang="en-US" altLang="zh-CN" dirty="0" err="1"/>
-              <a:t>cout</a:t>
-            </a:r>
-            <a:r>
-              <a:rPr lang="en-US" altLang="zh-CN" dirty="0"/>
-              <a:t> &lt;&lt; b &lt;&lt; </a:t>
-            </a:r>
-            <a:r>
-              <a:rPr lang="en-US" altLang="zh-CN" dirty="0" err="1"/>
-              <a:t>std</a:t>
-            </a:r>
-            <a:r>
-              <a:rPr lang="en-US" altLang="zh-CN" dirty="0"/>
-              <a:t>::</a:t>
-            </a:r>
-            <a:r>
-              <a:rPr lang="en-US" altLang="zh-CN" dirty="0" err="1"/>
-              <a:t>endl</a:t>
-            </a:r>
-            <a:r>
-              <a:rPr lang="en-US" altLang="zh-CN" dirty="0"/>
-              <a:t>;</a:t>
-            </a:r>
-          </a:p>
-          <a:p>
-            <a:r>
-              <a:rPr lang="en-US" altLang="zh-CN" dirty="0" smtClean="0"/>
-              <a:t>}</a:t>
-            </a:r>
+            <a:endParaRPr lang="en-US" altLang="zh-CN" dirty="0" smtClean="0"/>
           </a:p>
           <a:p>
             <a:r>
@@ -14908,16 +14844,6 @@
             </a:r>
             <a:r>
               <a:rPr lang="en-US" altLang="zh-CN" dirty="0"/>
-              <a:t>("add", &amp;add);</a:t>
-            </a:r>
-          </a:p>
-          <a:p>
-            <a:r>
-              <a:rPr lang="en-US" altLang="zh-CN" dirty="0" err="1" smtClean="0"/>
-              <a:t>r.register_handler</a:t>
-            </a:r>
-            <a:r>
-              <a:rPr lang="en-US" altLang="zh-CN" dirty="0"/>
               <a:t>("</a:t>
             </a:r>
             <a:r>
@@ -14939,35 +14865,25 @@
           <a:p>
             <a:r>
               <a:rPr lang="en-US" altLang="zh-CN" dirty="0" smtClean="0"/>
-              <a:t>string </a:t>
-            </a:r>
-            <a:r>
-              <a:rPr lang="en-US" altLang="zh-CN" dirty="0"/>
-              <a:t>s1 = "add/1/2</a:t>
-            </a:r>
-            <a:r>
-              <a:rPr lang="en-US" altLang="zh-CN" dirty="0" smtClean="0"/>
+              <a:t>string s </a:t>
+            </a:r>
+            <a:r>
+              <a:rPr lang="en-US" altLang="zh-CN" dirty="0"/>
+              <a:t>= "fun/test/1</a:t>
+            </a:r>
+            <a:r>
+              <a:rPr lang="en-US" altLang="zh-CN" dirty="0"/>
               <a:t>"; //</a:t>
             </a:r>
             <a:r>
-              <a:rPr lang="en-US" altLang="zh-CN" dirty="0" err="1" smtClean="0"/>
+              <a:rPr lang="en-US" altLang="zh-CN" dirty="0" err="1"/>
               <a:t>url</a:t>
             </a:r>
             <a:r>
-              <a:rPr lang="en-US" altLang="zh-CN" dirty="0" smtClean="0"/>
+              <a:rPr lang="en-US" altLang="zh-CN" dirty="0"/>
               <a:t> from client</a:t>
             </a:r>
             <a:endParaRPr lang="en-US" altLang="zh-CN" dirty="0"/>
-          </a:p>
-          <a:p>
-            <a:r>
-              <a:rPr lang="en-US" altLang="zh-CN" dirty="0" smtClean="0"/>
-              <a:t>string s2 </a:t>
-            </a:r>
-            <a:r>
-              <a:rPr lang="en-US" altLang="zh-CN" dirty="0"/>
-              <a:t>= "fun/test/1";</a:t>
-            </a:r>
           </a:p>
           <a:p>
             <a:r>
@@ -14976,19 +14892,17 @@
             </a:r>
             <a:r>
               <a:rPr lang="en-US" altLang="zh-CN" dirty="0" smtClean="0"/>
-              <a:t>(s1);  //route and execute</a:t>
-            </a:r>
-          </a:p>
-          <a:p>
-            <a:r>
-              <a:rPr lang="en-US" altLang="zh-CN" dirty="0" err="1" smtClean="0"/>
-              <a:t>r.route</a:t>
+              <a:t>(s);  </a:t>
             </a:r>
             <a:r>
               <a:rPr lang="en-US" altLang="zh-CN" dirty="0" smtClean="0"/>
-              <a:t>(s2);  //route and execute</a:t>
-            </a:r>
-            <a:endParaRPr lang="zh-CN" altLang="en-US" dirty="0"/>
+              <a:t>//route and </a:t>
+            </a:r>
+            <a:r>
+              <a:rPr lang="en-US" altLang="zh-CN" dirty="0" smtClean="0"/>
+              <a:t>execute</a:t>
+            </a:r>
+            <a:endParaRPr lang="en-US" altLang="zh-CN" dirty="0" smtClean="0"/>
           </a:p>
         </p:txBody>
       </p:sp>
@@ -15068,47 +14982,6 @@
       </p:sp>
       <p:sp>
         <p:nvSpPr>
-          <p:cNvPr id="4" name="矩形 3"/>
-          <p:cNvSpPr/>
-          <p:nvPr/>
-        </p:nvSpPr>
-        <p:spPr>
-          <a:xfrm>
-            <a:off x="2907586" y="1423221"/>
-            <a:ext cx="2763898" cy="584775"/>
-          </a:xfrm>
-          <a:prstGeom prst="rect">
-            <a:avLst/>
-          </a:prstGeom>
-        </p:spPr>
-        <p:txBody>
-          <a:bodyPr wrap="none">
-            <a:spAutoFit/>
-          </a:bodyPr>
-          <a:lstStyle/>
-          <a:p>
-            <a:r>
-              <a:rPr lang="en-US" altLang="zh-CN" sz="3200" dirty="0" smtClean="0"/>
-              <a:t>How </a:t>
-            </a:r>
-            <a:r>
-              <a:rPr lang="en-US" altLang="zh-CN" sz="3200" dirty="0"/>
-              <a:t>about </a:t>
-            </a:r>
-            <a:r>
-              <a:rPr lang="en-US" altLang="zh-CN" sz="3200" dirty="0" err="1" smtClean="0"/>
-              <a:t>url</a:t>
-            </a:r>
-            <a:r>
-              <a:rPr lang="en-US" altLang="zh-CN" sz="3200" dirty="0" smtClean="0"/>
-              <a:t>?</a:t>
-            </a:r>
-            <a:endParaRPr lang="zh-CN" altLang="en-US" sz="3200" dirty="0"/>
-          </a:p>
-        </p:txBody>
-      </p:sp>
-      <p:sp>
-        <p:nvSpPr>
           <p:cNvPr id="5" name="文本框 4"/>
           <p:cNvSpPr txBox="1">
             <a:spLocks noChangeArrowheads="1"/>
@@ -15117,7 +14990,7 @@
         </p:nvSpPr>
         <p:spPr bwMode="auto">
           <a:xfrm>
-            <a:off x="2907586" y="2624792"/>
+            <a:off x="2907586" y="2203451"/>
             <a:ext cx="1973361" cy="369332"/>
           </a:xfrm>
           <a:prstGeom prst="rect">
@@ -15174,7 +15047,7 @@
         </p:nvSpPr>
         <p:spPr bwMode="auto">
           <a:xfrm>
-            <a:off x="2193544" y="3800597"/>
+            <a:off x="2193544" y="3379256"/>
             <a:ext cx="3027624" cy="369332"/>
           </a:xfrm>
           <a:prstGeom prst="rect">
@@ -15231,7 +15104,7 @@
         </p:nvSpPr>
         <p:spPr bwMode="auto">
           <a:xfrm rot="5362104">
-            <a:off x="3309452" y="3292736"/>
+            <a:off x="3309452" y="2871395"/>
             <a:ext cx="795809" cy="225425"/>
           </a:xfrm>
           <a:prstGeom prst="rightArrow">
@@ -15268,7 +15141,7 @@
         </p:nvSpPr>
         <p:spPr bwMode="auto">
           <a:xfrm rot="22104">
-            <a:off x="4040646" y="3269197"/>
+            <a:off x="4040646" y="2847856"/>
             <a:ext cx="1081088" cy="231894"/>
           </a:xfrm>
           <a:prstGeom prst="rightArrow">
@@ -15305,7 +15178,7 @@
         </p:nvSpPr>
         <p:spPr bwMode="auto">
           <a:xfrm>
-            <a:off x="5456332" y="3198379"/>
+            <a:off x="5456332" y="2777038"/>
             <a:ext cx="2360892" cy="369332"/>
           </a:xfrm>
           <a:prstGeom prst="rect">
@@ -15363,7 +15236,7 @@
         </p:nvSpPr>
         <p:spPr bwMode="auto">
           <a:xfrm>
-            <a:off x="5456333" y="3216309"/>
+            <a:off x="5456333" y="2794968"/>
             <a:ext cx="2163668" cy="329286"/>
           </a:xfrm>
           <a:prstGeom prst="rect">
@@ -15410,7 +15283,7 @@
         </p:nvSpPr>
         <p:spPr bwMode="auto">
           <a:xfrm>
-            <a:off x="3424309" y="4465961"/>
+            <a:off x="3424309" y="4044620"/>
             <a:ext cx="1265238" cy="579438"/>
           </a:xfrm>
           <a:prstGeom prst="rect">
@@ -20662,7 +20535,11 @@
               <a:t>(</a:t>
             </a:r>
             <a:r>
-              <a:rPr lang="en-US" altLang="zh-CN" dirty="0" err="1" smtClean="0"/>
+              <a:rPr lang="en-US" altLang="zh-CN" dirty="0" err="1" smtClean="0">
+                <a:solidFill>
+                  <a:srgbClr val="FF0000"/>
+                </a:solidFill>
+              </a:rPr>
               <a:t>is_argument_match</a:t>
             </a:r>
             <a:r>

--- a/An easy to use RPC framework implemented by c++11 and c++14 - shorter.pptx
+++ b/An easy to use RPC framework implemented by c++11 and c++14 - shorter.pptx
@@ -5,10 +5,10 @@
     <p:sldMasterId id="2147483648" r:id="rId1"/>
   </p:sldMasterIdLst>
   <p:notesMasterIdLst>
-    <p:notesMasterId r:id="rId49"/>
+    <p:notesMasterId r:id="rId48"/>
   </p:notesMasterIdLst>
   <p:handoutMasterIdLst>
-    <p:handoutMasterId r:id="rId50"/>
+    <p:handoutMasterId r:id="rId49"/>
   </p:handoutMasterIdLst>
   <p:sldIdLst>
     <p:sldId id="256" r:id="rId2"/>
@@ -17,47 +17,46 @@
     <p:sldId id="413" r:id="rId5"/>
     <p:sldId id="258" r:id="rId6"/>
     <p:sldId id="322" r:id="rId7"/>
-    <p:sldId id="268" r:id="rId8"/>
-    <p:sldId id="367" r:id="rId9"/>
-    <p:sldId id="323" r:id="rId10"/>
-    <p:sldId id="269" r:id="rId11"/>
-    <p:sldId id="357" r:id="rId12"/>
-    <p:sldId id="343" r:id="rId13"/>
-    <p:sldId id="277" r:id="rId14"/>
-    <p:sldId id="278" r:id="rId15"/>
-    <p:sldId id="350" r:id="rId16"/>
-    <p:sldId id="351" r:id="rId17"/>
-    <p:sldId id="279" r:id="rId18"/>
-    <p:sldId id="352" r:id="rId19"/>
-    <p:sldId id="280" r:id="rId20"/>
-    <p:sldId id="324" r:id="rId21"/>
-    <p:sldId id="353" r:id="rId22"/>
-    <p:sldId id="281" r:id="rId23"/>
-    <p:sldId id="412" r:id="rId24"/>
-    <p:sldId id="326" r:id="rId25"/>
-    <p:sldId id="282" r:id="rId26"/>
-    <p:sldId id="328" r:id="rId27"/>
-    <p:sldId id="345" r:id="rId28"/>
-    <p:sldId id="365" r:id="rId29"/>
-    <p:sldId id="332" r:id="rId30"/>
-    <p:sldId id="330" r:id="rId31"/>
-    <p:sldId id="331" r:id="rId32"/>
-    <p:sldId id="358" r:id="rId33"/>
-    <p:sldId id="347" r:id="rId34"/>
-    <p:sldId id="346" r:id="rId35"/>
-    <p:sldId id="307" r:id="rId36"/>
-    <p:sldId id="415" r:id="rId37"/>
-    <p:sldId id="348" r:id="rId38"/>
-    <p:sldId id="308" r:id="rId39"/>
-    <p:sldId id="299" r:id="rId40"/>
-    <p:sldId id="333" r:id="rId41"/>
-    <p:sldId id="411" r:id="rId42"/>
-    <p:sldId id="301" r:id="rId43"/>
-    <p:sldId id="349" r:id="rId44"/>
-    <p:sldId id="341" r:id="rId45"/>
-    <p:sldId id="304" r:id="rId46"/>
-    <p:sldId id="263" r:id="rId47"/>
-    <p:sldId id="264" r:id="rId48"/>
+    <p:sldId id="367" r:id="rId8"/>
+    <p:sldId id="323" r:id="rId9"/>
+    <p:sldId id="269" r:id="rId10"/>
+    <p:sldId id="357" r:id="rId11"/>
+    <p:sldId id="343" r:id="rId12"/>
+    <p:sldId id="277" r:id="rId13"/>
+    <p:sldId id="278" r:id="rId14"/>
+    <p:sldId id="350" r:id="rId15"/>
+    <p:sldId id="351" r:id="rId16"/>
+    <p:sldId id="279" r:id="rId17"/>
+    <p:sldId id="352" r:id="rId18"/>
+    <p:sldId id="280" r:id="rId19"/>
+    <p:sldId id="324" r:id="rId20"/>
+    <p:sldId id="353" r:id="rId21"/>
+    <p:sldId id="281" r:id="rId22"/>
+    <p:sldId id="412" r:id="rId23"/>
+    <p:sldId id="326" r:id="rId24"/>
+    <p:sldId id="282" r:id="rId25"/>
+    <p:sldId id="328" r:id="rId26"/>
+    <p:sldId id="345" r:id="rId27"/>
+    <p:sldId id="365" r:id="rId28"/>
+    <p:sldId id="332" r:id="rId29"/>
+    <p:sldId id="330" r:id="rId30"/>
+    <p:sldId id="331" r:id="rId31"/>
+    <p:sldId id="358" r:id="rId32"/>
+    <p:sldId id="347" r:id="rId33"/>
+    <p:sldId id="346" r:id="rId34"/>
+    <p:sldId id="307" r:id="rId35"/>
+    <p:sldId id="415" r:id="rId36"/>
+    <p:sldId id="348" r:id="rId37"/>
+    <p:sldId id="308" r:id="rId38"/>
+    <p:sldId id="299" r:id="rId39"/>
+    <p:sldId id="333" r:id="rId40"/>
+    <p:sldId id="411" r:id="rId41"/>
+    <p:sldId id="301" r:id="rId42"/>
+    <p:sldId id="349" r:id="rId43"/>
+    <p:sldId id="341" r:id="rId44"/>
+    <p:sldId id="304" r:id="rId45"/>
+    <p:sldId id="263" r:id="rId46"/>
+    <p:sldId id="264" r:id="rId47"/>
   </p:sldIdLst>
   <p:sldSz cx="9144000" cy="6858000" type="screen4x3"/>
   <p:notesSz cx="6858000" cy="9144000"/>
@@ -258,7 +257,7 @@
             <a:fld id="{0F9B84EA-7D68-4D60-9CB1-D50884785D1C}" type="datetimeFigureOut">
               <a:rPr lang="zh-CN" altLang="en-US" smtClean="0"/>
               <a:pPr/>
-              <a:t>2017-05-09</a:t>
+              <a:t>2017-05-10</a:t>
             </a:fld>
             <a:endParaRPr lang="zh-CN" altLang="en-US"/>
           </a:p>
@@ -425,7 +424,7 @@
             <a:fld id="{D3663233-B32B-4AC3-A591-4171AB65348A}" type="datetimeFigureOut">
               <a:rPr lang="zh-CN" altLang="en-US" smtClean="0"/>
               <a:pPr/>
-              <a:t>2017-05-09</a:t>
+              <a:t>2017-05-10</a:t>
             </a:fld>
             <a:endParaRPr lang="zh-CN" altLang="en-US"/>
           </a:p>
@@ -823,7 +822,7 @@
           <a:bodyPr/>
           <a:lstStyle/>
           <a:p>
-            <a:endParaRPr lang="zh-CN" altLang="en-US" dirty="0"/>
+            <a:endParaRPr lang="en-US" altLang="zh-CN" dirty="0" smtClean="0"/>
           </a:p>
         </p:txBody>
       </p:sp>
@@ -854,7 +853,7 @@
     </p:spTree>
     <p:extLst>
       <p:ext uri="{BB962C8B-B14F-4D97-AF65-F5344CB8AC3E}">
-        <p14:creationId xmlns:p14="http://schemas.microsoft.com/office/powerpoint/2010/main" val="2190763783"/>
+        <p14:creationId xmlns:p14="http://schemas.microsoft.com/office/powerpoint/2010/main" val="3105185053"/>
       </p:ext>
     </p:extLst>
   </p:cSld>
@@ -908,7 +907,7 @@
           <a:bodyPr/>
           <a:lstStyle/>
           <a:p>
-            <a:endParaRPr lang="en-US" altLang="zh-CN" dirty="0" smtClean="0"/>
+            <a:endParaRPr lang="zh-CN" altLang="en-US" dirty="0"/>
           </a:p>
         </p:txBody>
       </p:sp>
@@ -930,7 +929,7 @@
             <a:fld id="{D907BE37-B124-4F9F-8F7E-44B90AC375A6}" type="slidenum">
               <a:rPr lang="zh-CN" altLang="en-US" smtClean="0"/>
               <a:pPr/>
-              <a:t>14</a:t>
+              <a:t>16</a:t>
             </a:fld>
             <a:endParaRPr lang="zh-CN" altLang="en-US"/>
           </a:p>
@@ -939,7 +938,7 @@
     </p:spTree>
     <p:extLst>
       <p:ext uri="{BB962C8B-B14F-4D97-AF65-F5344CB8AC3E}">
-        <p14:creationId xmlns:p14="http://schemas.microsoft.com/office/powerpoint/2010/main" val="3105185053"/>
+        <p14:creationId xmlns:p14="http://schemas.microsoft.com/office/powerpoint/2010/main" val="3590515712"/>
       </p:ext>
     </p:extLst>
   </p:cSld>
@@ -1015,7 +1014,7 @@
             <a:fld id="{D907BE37-B124-4F9F-8F7E-44B90AC375A6}" type="slidenum">
               <a:rPr lang="zh-CN" altLang="en-US" smtClean="0"/>
               <a:pPr/>
-              <a:t>17</a:t>
+              <a:t>18</a:t>
             </a:fld>
             <a:endParaRPr lang="zh-CN" altLang="en-US"/>
           </a:p>
@@ -1024,7 +1023,7 @@
     </p:spTree>
     <p:extLst>
       <p:ext uri="{BB962C8B-B14F-4D97-AF65-F5344CB8AC3E}">
-        <p14:creationId xmlns:p14="http://schemas.microsoft.com/office/powerpoint/2010/main" val="3590515712"/>
+        <p14:creationId xmlns:p14="http://schemas.microsoft.com/office/powerpoint/2010/main" val="340329517"/>
       </p:ext>
     </p:extLst>
   </p:cSld>
@@ -1109,7 +1108,7 @@
     </p:spTree>
     <p:extLst>
       <p:ext uri="{BB962C8B-B14F-4D97-AF65-F5344CB8AC3E}">
-        <p14:creationId xmlns:p14="http://schemas.microsoft.com/office/powerpoint/2010/main" val="340329517"/>
+        <p14:creationId xmlns:p14="http://schemas.microsoft.com/office/powerpoint/2010/main" val="4033435944"/>
       </p:ext>
     </p:extLst>
   </p:cSld>
@@ -1185,7 +1184,7 @@
             <a:fld id="{D907BE37-B124-4F9F-8F7E-44B90AC375A6}" type="slidenum">
               <a:rPr lang="zh-CN" altLang="en-US" smtClean="0"/>
               <a:pPr/>
-              <a:t>20</a:t>
+              <a:t>21</a:t>
             </a:fld>
             <a:endParaRPr lang="zh-CN" altLang="en-US"/>
           </a:p>
@@ -1194,7 +1193,7 @@
     </p:spTree>
     <p:extLst>
       <p:ext uri="{BB962C8B-B14F-4D97-AF65-F5344CB8AC3E}">
-        <p14:creationId xmlns:p14="http://schemas.microsoft.com/office/powerpoint/2010/main" val="4033435944"/>
+        <p14:creationId xmlns:p14="http://schemas.microsoft.com/office/powerpoint/2010/main" val="2271832572"/>
       </p:ext>
     </p:extLst>
   </p:cSld>
@@ -1270,7 +1269,7 @@
             <a:fld id="{D907BE37-B124-4F9F-8F7E-44B90AC375A6}" type="slidenum">
               <a:rPr lang="zh-CN" altLang="en-US" smtClean="0"/>
               <a:pPr/>
-              <a:t>22</a:t>
+              <a:t>23</a:t>
             </a:fld>
             <a:endParaRPr lang="zh-CN" altLang="en-US"/>
           </a:p>
@@ -1279,7 +1278,7 @@
     </p:spTree>
     <p:extLst>
       <p:ext uri="{BB962C8B-B14F-4D97-AF65-F5344CB8AC3E}">
-        <p14:creationId xmlns:p14="http://schemas.microsoft.com/office/powerpoint/2010/main" val="2271832572"/>
+        <p14:creationId xmlns:p14="http://schemas.microsoft.com/office/powerpoint/2010/main" val="3825666927"/>
       </p:ext>
     </p:extLst>
   </p:cSld>
@@ -1364,7 +1363,7 @@
     </p:spTree>
     <p:extLst>
       <p:ext uri="{BB962C8B-B14F-4D97-AF65-F5344CB8AC3E}">
-        <p14:creationId xmlns:p14="http://schemas.microsoft.com/office/powerpoint/2010/main" val="3825666927"/>
+        <p14:creationId xmlns:p14="http://schemas.microsoft.com/office/powerpoint/2010/main" val="904632225"/>
       </p:ext>
     </p:extLst>
   </p:cSld>
@@ -1449,7 +1448,7 @@
     </p:spTree>
     <p:extLst>
       <p:ext uri="{BB962C8B-B14F-4D97-AF65-F5344CB8AC3E}">
-        <p14:creationId xmlns:p14="http://schemas.microsoft.com/office/powerpoint/2010/main" val="904632225"/>
+        <p14:creationId xmlns:p14="http://schemas.microsoft.com/office/powerpoint/2010/main" val="2814906141"/>
       </p:ext>
     </p:extLst>
   </p:cSld>
@@ -1525,7 +1524,7 @@
             <a:fld id="{D907BE37-B124-4F9F-8F7E-44B90AC375A6}" type="slidenum">
               <a:rPr lang="zh-CN" altLang="en-US" smtClean="0"/>
               <a:pPr/>
-              <a:t>26</a:t>
+              <a:t>28</a:t>
             </a:fld>
             <a:endParaRPr lang="zh-CN" altLang="en-US"/>
           </a:p>
@@ -1534,7 +1533,7 @@
     </p:spTree>
     <p:extLst>
       <p:ext uri="{BB962C8B-B14F-4D97-AF65-F5344CB8AC3E}">
-        <p14:creationId xmlns:p14="http://schemas.microsoft.com/office/powerpoint/2010/main" val="2814906141"/>
+        <p14:creationId xmlns:p14="http://schemas.microsoft.com/office/powerpoint/2010/main" val="3984221818"/>
       </p:ext>
     </p:extLst>
   </p:cSld>
@@ -1588,7 +1587,7 @@
           <a:bodyPr/>
           <a:lstStyle/>
           <a:p>
-            <a:endParaRPr lang="zh-CN" altLang="en-US" dirty="0"/>
+            <a:endParaRPr lang="en-US" altLang="zh-CN" dirty="0" smtClean="0"/>
           </a:p>
         </p:txBody>
       </p:sp>
@@ -1619,7 +1618,7 @@
     </p:spTree>
     <p:extLst>
       <p:ext uri="{BB962C8B-B14F-4D97-AF65-F5344CB8AC3E}">
-        <p14:creationId xmlns:p14="http://schemas.microsoft.com/office/powerpoint/2010/main" val="3984221818"/>
+        <p14:creationId xmlns:p14="http://schemas.microsoft.com/office/powerpoint/2010/main" val="920873880"/>
       </p:ext>
     </p:extLst>
   </p:cSld>
@@ -1758,7 +1757,7 @@
           <a:bodyPr/>
           <a:lstStyle/>
           <a:p>
-            <a:endParaRPr lang="en-US" altLang="zh-CN" dirty="0" smtClean="0"/>
+            <a:endParaRPr lang="zh-CN" altLang="en-US" dirty="0" smtClean="0"/>
           </a:p>
         </p:txBody>
       </p:sp>
@@ -1789,7 +1788,7 @@
     </p:spTree>
     <p:extLst>
       <p:ext uri="{BB962C8B-B14F-4D97-AF65-F5344CB8AC3E}">
-        <p14:creationId xmlns:p14="http://schemas.microsoft.com/office/powerpoint/2010/main" val="920873880"/>
+        <p14:creationId xmlns:p14="http://schemas.microsoft.com/office/powerpoint/2010/main" val="2121388482"/>
       </p:ext>
     </p:extLst>
   </p:cSld>
@@ -1843,7 +1842,23 @@
           <a:bodyPr/>
           <a:lstStyle/>
           <a:p>
-            <a:endParaRPr lang="zh-CN" altLang="en-US" dirty="0" smtClean="0"/>
+            <a:pPr marL="0" marR="0" indent="0" algn="l" defTabSz="914400" rtl="0" eaLnBrk="1" fontAlgn="auto" latinLnBrk="0" hangingPunct="1">
+              <a:lnSpc>
+                <a:spcPct val="100000"/>
+              </a:lnSpc>
+              <a:spcBef>
+                <a:spcPts val="0"/>
+              </a:spcBef>
+              <a:spcAft>
+                <a:spcPts val="0"/>
+              </a:spcAft>
+              <a:buClrTx/>
+              <a:buSzTx/>
+              <a:buFontTx/>
+              <a:buNone/>
+              <a:defRPr/>
+            </a:pPr>
+            <a:endParaRPr lang="zh-CN" altLang="en-US" dirty="0"/>
           </a:p>
         </p:txBody>
       </p:sp>
@@ -1865,7 +1880,7 @@
             <a:fld id="{D907BE37-B124-4F9F-8F7E-44B90AC375A6}" type="slidenum">
               <a:rPr lang="zh-CN" altLang="en-US" smtClean="0"/>
               <a:pPr/>
-              <a:t>31</a:t>
+              <a:t>34</a:t>
             </a:fld>
             <a:endParaRPr lang="zh-CN" altLang="en-US"/>
           </a:p>
@@ -1874,7 +1889,7 @@
     </p:spTree>
     <p:extLst>
       <p:ext uri="{BB962C8B-B14F-4D97-AF65-F5344CB8AC3E}">
-        <p14:creationId xmlns:p14="http://schemas.microsoft.com/office/powerpoint/2010/main" val="2121388482"/>
+        <p14:creationId xmlns:p14="http://schemas.microsoft.com/office/powerpoint/2010/main" val="2596920755"/>
       </p:ext>
     </p:extLst>
   </p:cSld>
@@ -1908,19 +1923,19 @@
             <a:spLocks noGrp="1" noRot="1" noChangeAspect="1"/>
           </p:cNvSpPr>
           <p:nvPr>
-            <p:ph type="sldImg"/>
+            <p:ph type="sldImg" idx="2"/>
           </p:nvPr>
         </p:nvSpPr>
         <p:spPr/>
       </p:sp>
       <p:sp>
         <p:nvSpPr>
-          <p:cNvPr id="3" name="备注占位符 2"/>
+          <p:cNvPr id="3" name="文本占位符 2"/>
           <p:cNvSpPr>
             <a:spLocks noGrp="1"/>
           </p:cNvSpPr>
           <p:nvPr>
-            <p:ph type="body" idx="1"/>
+            <p:ph type="body" idx="3"/>
           </p:nvPr>
         </p:nvSpPr>
         <p:spPr/>
@@ -1928,46 +1943,6 @@
           <a:bodyPr/>
           <a:lstStyle/>
           <a:p>
-            <a:pPr marL="0" marR="0" indent="0" algn="l" defTabSz="914400" rtl="0" eaLnBrk="1" fontAlgn="auto" latinLnBrk="0" hangingPunct="1">
-              <a:lnSpc>
-                <a:spcPct val="100000"/>
-              </a:lnSpc>
-              <a:spcBef>
-                <a:spcPts val="0"/>
-              </a:spcBef>
-              <a:spcAft>
-                <a:spcPts val="0"/>
-              </a:spcAft>
-              <a:buClrTx/>
-              <a:buSzTx/>
-              <a:buFontTx/>
-              <a:buNone/>
-              <a:defRPr/>
-            </a:pPr>
-            <a:endParaRPr lang="zh-CN" altLang="en-US" dirty="0"/>
-          </a:p>
-        </p:txBody>
-      </p:sp>
-      <p:sp>
-        <p:nvSpPr>
-          <p:cNvPr id="4" name="灯片编号占位符 3"/>
-          <p:cNvSpPr>
-            <a:spLocks noGrp="1"/>
-          </p:cNvSpPr>
-          <p:nvPr>
-            <p:ph type="sldNum" sz="quarter" idx="10"/>
-          </p:nvPr>
-        </p:nvSpPr>
-        <p:spPr/>
-        <p:txBody>
-          <a:bodyPr/>
-          <a:lstStyle/>
-          <a:p>
-            <a:fld id="{D907BE37-B124-4F9F-8F7E-44B90AC375A6}" type="slidenum">
-              <a:rPr lang="zh-CN" altLang="en-US" smtClean="0"/>
-              <a:pPr/>
-              <a:t>35</a:t>
-            </a:fld>
             <a:endParaRPr lang="zh-CN" altLang="en-US"/>
           </a:p>
         </p:txBody>
@@ -1975,7 +1950,7 @@
     </p:spTree>
     <p:extLst>
       <p:ext uri="{BB962C8B-B14F-4D97-AF65-F5344CB8AC3E}">
-        <p14:creationId xmlns:p14="http://schemas.microsoft.com/office/powerpoint/2010/main" val="2596920755"/>
+        <p14:creationId xmlns:p14="http://schemas.microsoft.com/office/powerpoint/2010/main" val="663596094"/>
       </p:ext>
     </p:extLst>
   </p:cSld>
@@ -2009,19 +1984,19 @@
             <a:spLocks noGrp="1" noRot="1" noChangeAspect="1"/>
           </p:cNvSpPr>
           <p:nvPr>
-            <p:ph type="sldImg" idx="2"/>
+            <p:ph type="sldImg"/>
           </p:nvPr>
         </p:nvSpPr>
         <p:spPr/>
       </p:sp>
       <p:sp>
         <p:nvSpPr>
-          <p:cNvPr id="3" name="文本占位符 2"/>
+          <p:cNvPr id="3" name="备注占位符 2"/>
           <p:cNvSpPr>
             <a:spLocks noGrp="1"/>
           </p:cNvSpPr>
           <p:nvPr>
-            <p:ph type="body" idx="3"/>
+            <p:ph type="body" idx="1"/>
           </p:nvPr>
         </p:nvSpPr>
         <p:spPr/>
@@ -2029,6 +2004,30 @@
           <a:bodyPr/>
           <a:lstStyle/>
           <a:p>
+            <a:endParaRPr lang="zh-CN" altLang="en-US" dirty="0"/>
+          </a:p>
+        </p:txBody>
+      </p:sp>
+      <p:sp>
+        <p:nvSpPr>
+          <p:cNvPr id="4" name="灯片编号占位符 3"/>
+          <p:cNvSpPr>
+            <a:spLocks noGrp="1"/>
+          </p:cNvSpPr>
+          <p:nvPr>
+            <p:ph type="sldNum" sz="quarter" idx="10"/>
+          </p:nvPr>
+        </p:nvSpPr>
+        <p:spPr/>
+        <p:txBody>
+          <a:bodyPr/>
+          <a:lstStyle/>
+          <a:p>
+            <a:fld id="{D907BE37-B124-4F9F-8F7E-44B90AC375A6}" type="slidenum">
+              <a:rPr lang="zh-CN" altLang="en-US" smtClean="0"/>
+              <a:pPr/>
+              <a:t>37</a:t>
+            </a:fld>
             <a:endParaRPr lang="zh-CN" altLang="en-US"/>
           </a:p>
         </p:txBody>
@@ -2036,7 +2035,7 @@
     </p:spTree>
     <p:extLst>
       <p:ext uri="{BB962C8B-B14F-4D97-AF65-F5344CB8AC3E}">
-        <p14:creationId xmlns:p14="http://schemas.microsoft.com/office/powerpoint/2010/main" val="663596094"/>
+        <p14:creationId xmlns:p14="http://schemas.microsoft.com/office/powerpoint/2010/main" val="2537127361"/>
       </p:ext>
     </p:extLst>
   </p:cSld>
@@ -2121,7 +2120,7 @@
     </p:spTree>
     <p:extLst>
       <p:ext uri="{BB962C8B-B14F-4D97-AF65-F5344CB8AC3E}">
-        <p14:creationId xmlns:p14="http://schemas.microsoft.com/office/powerpoint/2010/main" val="2537127361"/>
+        <p14:creationId xmlns:p14="http://schemas.microsoft.com/office/powerpoint/2010/main" val="1815552788"/>
       </p:ext>
     </p:extLst>
   </p:cSld>
@@ -2206,7 +2205,7 @@
     </p:spTree>
     <p:extLst>
       <p:ext uri="{BB962C8B-B14F-4D97-AF65-F5344CB8AC3E}">
-        <p14:creationId xmlns:p14="http://schemas.microsoft.com/office/powerpoint/2010/main" val="1815552788"/>
+        <p14:creationId xmlns:p14="http://schemas.microsoft.com/office/powerpoint/2010/main" val="229759463"/>
       </p:ext>
     </p:extLst>
   </p:cSld>
@@ -2282,7 +2281,7 @@
             <a:fld id="{D907BE37-B124-4F9F-8F7E-44B90AC375A6}" type="slidenum">
               <a:rPr lang="zh-CN" altLang="en-US" smtClean="0"/>
               <a:pPr/>
-              <a:t>40</a:t>
+              <a:t>43</a:t>
             </a:fld>
             <a:endParaRPr lang="zh-CN" altLang="en-US"/>
           </a:p>
@@ -2291,7 +2290,7 @@
     </p:spTree>
     <p:extLst>
       <p:ext uri="{BB962C8B-B14F-4D97-AF65-F5344CB8AC3E}">
-        <p14:creationId xmlns:p14="http://schemas.microsoft.com/office/powerpoint/2010/main" val="229759463"/>
+        <p14:creationId xmlns:p14="http://schemas.microsoft.com/office/powerpoint/2010/main" val="62931002"/>
       </p:ext>
     </p:extLst>
   </p:cSld>
@@ -2368,91 +2367,6 @@
               <a:rPr lang="zh-CN" altLang="en-US" smtClean="0"/>
               <a:pPr/>
               <a:t>44</a:t>
-            </a:fld>
-            <a:endParaRPr lang="zh-CN" altLang="en-US"/>
-          </a:p>
-        </p:txBody>
-      </p:sp>
-    </p:spTree>
-    <p:extLst>
-      <p:ext uri="{BB962C8B-B14F-4D97-AF65-F5344CB8AC3E}">
-        <p14:creationId xmlns:p14="http://schemas.microsoft.com/office/powerpoint/2010/main" val="62931002"/>
-      </p:ext>
-    </p:extLst>
-  </p:cSld>
-  <p:clrMapOvr>
-    <a:masterClrMapping/>
-  </p:clrMapOvr>
-</p:notes>
-</file>
-
-<file path=ppt/notesSlides/notesSlide28.xml><?xml version="1.0" encoding="utf-8"?>
-<p:notes xmlns:a="http://schemas.openxmlformats.org/drawingml/2006/main" xmlns:r="http://schemas.openxmlformats.org/officeDocument/2006/relationships" xmlns:p="http://schemas.openxmlformats.org/presentationml/2006/main">
-  <p:cSld>
-    <p:spTree>
-      <p:nvGrpSpPr>
-        <p:cNvPr id="1" name=""/>
-        <p:cNvGrpSpPr/>
-        <p:nvPr/>
-      </p:nvGrpSpPr>
-      <p:grpSpPr>
-        <a:xfrm>
-          <a:off x="0" y="0"/>
-          <a:ext cx="0" cy="0"/>
-          <a:chOff x="0" y="0"/>
-          <a:chExt cx="0" cy="0"/>
-        </a:xfrm>
-      </p:grpSpPr>
-      <p:sp>
-        <p:nvSpPr>
-          <p:cNvPr id="2" name="幻灯片图像占位符 1"/>
-          <p:cNvSpPr>
-            <a:spLocks noGrp="1" noRot="1" noChangeAspect="1"/>
-          </p:cNvSpPr>
-          <p:nvPr>
-            <p:ph type="sldImg"/>
-          </p:nvPr>
-        </p:nvSpPr>
-        <p:spPr/>
-      </p:sp>
-      <p:sp>
-        <p:nvSpPr>
-          <p:cNvPr id="3" name="备注占位符 2"/>
-          <p:cNvSpPr>
-            <a:spLocks noGrp="1"/>
-          </p:cNvSpPr>
-          <p:nvPr>
-            <p:ph type="body" idx="1"/>
-          </p:nvPr>
-        </p:nvSpPr>
-        <p:spPr/>
-        <p:txBody>
-          <a:bodyPr/>
-          <a:lstStyle/>
-          <a:p>
-            <a:endParaRPr lang="zh-CN" altLang="en-US" dirty="0"/>
-          </a:p>
-        </p:txBody>
-      </p:sp>
-      <p:sp>
-        <p:nvSpPr>
-          <p:cNvPr id="4" name="灯片编号占位符 3"/>
-          <p:cNvSpPr>
-            <a:spLocks noGrp="1"/>
-          </p:cNvSpPr>
-          <p:nvPr>
-            <p:ph type="sldNum" sz="quarter" idx="10"/>
-          </p:nvPr>
-        </p:nvSpPr>
-        <p:spPr/>
-        <p:txBody>
-          <a:bodyPr/>
-          <a:lstStyle/>
-          <a:p>
-            <a:fld id="{D907BE37-B124-4F9F-8F7E-44B90AC375A6}" type="slidenum">
-              <a:rPr lang="zh-CN" altLang="en-US" smtClean="0"/>
-              <a:pPr/>
-              <a:t>45</a:t>
             </a:fld>
             <a:endParaRPr lang="zh-CN" altLang="en-US"/>
           </a:p>
@@ -2770,7 +2684,27 @@
           <a:bodyPr/>
           <a:lstStyle/>
           <a:p>
-            <a:endParaRPr lang="zh-CN" altLang="en-US" dirty="0"/>
+            <a:pPr marL="0" marR="0" indent="0" algn="l" defTabSz="914400" rtl="0" eaLnBrk="1" fontAlgn="auto" latinLnBrk="0" hangingPunct="1">
+              <a:lnSpc>
+                <a:spcPct val="100000"/>
+              </a:lnSpc>
+              <a:spcBef>
+                <a:spcPts val="0"/>
+              </a:spcBef>
+              <a:spcAft>
+                <a:spcPts val="0"/>
+              </a:spcAft>
+              <a:buClrTx/>
+              <a:buSzTx/>
+              <a:buFontTx/>
+              <a:buNone/>
+              <a:defRPr/>
+            </a:pPr>
+            <a:endParaRPr lang="en-US" altLang="zh-CN" sz="1200" dirty="0" smtClean="0">
+              <a:solidFill>
+                <a:schemeClr val="accent5"/>
+              </a:solidFill>
+            </a:endParaRPr>
           </a:p>
         </p:txBody>
       </p:sp>
@@ -2792,7 +2726,7 @@
             <a:fld id="{D907BE37-B124-4F9F-8F7E-44B90AC375A6}" type="slidenum">
               <a:rPr lang="zh-CN" altLang="en-US" smtClean="0"/>
               <a:pPr/>
-              <a:t>7</a:t>
+              <a:t>8</a:t>
             </a:fld>
             <a:endParaRPr lang="zh-CN" altLang="en-US"/>
           </a:p>
@@ -2801,7 +2735,7 @@
     </p:spTree>
     <p:extLst>
       <p:ext uri="{BB962C8B-B14F-4D97-AF65-F5344CB8AC3E}">
-        <p14:creationId xmlns:p14="http://schemas.microsoft.com/office/powerpoint/2010/main" val="3330327443"/>
+        <p14:creationId xmlns:p14="http://schemas.microsoft.com/office/powerpoint/2010/main" val="108605655"/>
       </p:ext>
     </p:extLst>
   </p:cSld>
@@ -2855,27 +2789,7 @@
           <a:bodyPr/>
           <a:lstStyle/>
           <a:p>
-            <a:pPr marL="0" marR="0" indent="0" algn="l" defTabSz="914400" rtl="0" eaLnBrk="1" fontAlgn="auto" latinLnBrk="0" hangingPunct="1">
-              <a:lnSpc>
-                <a:spcPct val="100000"/>
-              </a:lnSpc>
-              <a:spcBef>
-                <a:spcPts val="0"/>
-              </a:spcBef>
-              <a:spcAft>
-                <a:spcPts val="0"/>
-              </a:spcAft>
-              <a:buClrTx/>
-              <a:buSzTx/>
-              <a:buFontTx/>
-              <a:buNone/>
-              <a:defRPr/>
-            </a:pPr>
-            <a:endParaRPr lang="en-US" altLang="zh-CN" sz="1200" dirty="0" smtClean="0">
-              <a:solidFill>
-                <a:schemeClr val="accent5"/>
-              </a:solidFill>
-            </a:endParaRPr>
+            <a:endParaRPr lang="zh-CN" altLang="en-US" dirty="0"/>
           </a:p>
         </p:txBody>
       </p:sp>
@@ -2906,7 +2820,7 @@
     </p:spTree>
     <p:extLst>
       <p:ext uri="{BB962C8B-B14F-4D97-AF65-F5344CB8AC3E}">
-        <p14:creationId xmlns:p14="http://schemas.microsoft.com/office/powerpoint/2010/main" val="108605655"/>
+        <p14:creationId xmlns:p14="http://schemas.microsoft.com/office/powerpoint/2010/main" val="1225368172"/>
       </p:ext>
     </p:extLst>
   </p:cSld>
@@ -2960,7 +2874,27 @@
           <a:bodyPr/>
           <a:lstStyle/>
           <a:p>
-            <a:endParaRPr lang="zh-CN" altLang="en-US" dirty="0"/>
+            <a:pPr marL="0" marR="0" indent="0" algn="l" defTabSz="914400" rtl="0" eaLnBrk="1" fontAlgn="auto" latinLnBrk="0" hangingPunct="1">
+              <a:lnSpc>
+                <a:spcPct val="100000"/>
+              </a:lnSpc>
+              <a:spcBef>
+                <a:spcPts val="0"/>
+              </a:spcBef>
+              <a:spcAft>
+                <a:spcPts val="0"/>
+              </a:spcAft>
+              <a:buClrTx/>
+              <a:buSzTx/>
+              <a:buFontTx/>
+              <a:buNone/>
+              <a:defRPr/>
+            </a:pPr>
+            <a:endParaRPr lang="en-US" altLang="zh-CN" sz="1200" dirty="0" smtClean="0">
+              <a:solidFill>
+                <a:schemeClr val="accent5"/>
+              </a:solidFill>
+            </a:endParaRPr>
           </a:p>
         </p:txBody>
       </p:sp>
@@ -2991,7 +2925,7 @@
     </p:spTree>
     <p:extLst>
       <p:ext uri="{BB962C8B-B14F-4D97-AF65-F5344CB8AC3E}">
-        <p14:creationId xmlns:p14="http://schemas.microsoft.com/office/powerpoint/2010/main" val="1225368172"/>
+        <p14:creationId xmlns:p14="http://schemas.microsoft.com/office/powerpoint/2010/main" val="3582929935"/>
       </p:ext>
     </p:extLst>
   </p:cSld>
@@ -3045,27 +2979,7 @@
           <a:bodyPr/>
           <a:lstStyle/>
           <a:p>
-            <a:pPr marL="0" marR="0" indent="0" algn="l" defTabSz="914400" rtl="0" eaLnBrk="1" fontAlgn="auto" latinLnBrk="0" hangingPunct="1">
-              <a:lnSpc>
-                <a:spcPct val="100000"/>
-              </a:lnSpc>
-              <a:spcBef>
-                <a:spcPts val="0"/>
-              </a:spcBef>
-              <a:spcAft>
-                <a:spcPts val="0"/>
-              </a:spcAft>
-              <a:buClrTx/>
-              <a:buSzTx/>
-              <a:buFontTx/>
-              <a:buNone/>
-              <a:defRPr/>
-            </a:pPr>
-            <a:endParaRPr lang="en-US" altLang="zh-CN" sz="1200" dirty="0" smtClean="0">
-              <a:solidFill>
-                <a:schemeClr val="accent5"/>
-              </a:solidFill>
-            </a:endParaRPr>
+            <a:endParaRPr lang="zh-CN" altLang="en-US" dirty="0"/>
           </a:p>
         </p:txBody>
       </p:sp>
@@ -3087,7 +3001,7 @@
             <a:fld id="{D907BE37-B124-4F9F-8F7E-44B90AC375A6}" type="slidenum">
               <a:rPr lang="zh-CN" altLang="en-US" smtClean="0"/>
               <a:pPr/>
-              <a:t>11</a:t>
+              <a:t>12</a:t>
             </a:fld>
             <a:endParaRPr lang="zh-CN" altLang="en-US"/>
           </a:p>
@@ -3096,7 +3010,7 @@
     </p:spTree>
     <p:extLst>
       <p:ext uri="{BB962C8B-B14F-4D97-AF65-F5344CB8AC3E}">
-        <p14:creationId xmlns:p14="http://schemas.microsoft.com/office/powerpoint/2010/main" val="3582929935"/>
+        <p14:creationId xmlns:p14="http://schemas.microsoft.com/office/powerpoint/2010/main" val="2190763783"/>
       </p:ext>
     </p:extLst>
   </p:cSld>
@@ -3238,7 +3152,7 @@
             <a:fld id="{12397CA8-2D6B-474E-AD0A-8CF9975324D0}" type="datetimeFigureOut">
               <a:rPr lang="zh-CN" altLang="en-US" smtClean="0"/>
               <a:pPr/>
-              <a:t>2017-05-09</a:t>
+              <a:t>2017-05-10</a:t>
             </a:fld>
             <a:endParaRPr lang="zh-CN" altLang="en-US"/>
           </a:p>
@@ -3528,7 +3442,7 @@
             <a:fld id="{12397CA8-2D6B-474E-AD0A-8CF9975324D0}" type="datetimeFigureOut">
               <a:rPr lang="zh-CN" altLang="en-US" smtClean="0"/>
               <a:pPr/>
-              <a:t>2017-05-09</a:t>
+              <a:t>2017-05-10</a:t>
             </a:fld>
             <a:endParaRPr lang="zh-CN" altLang="en-US"/>
           </a:p>
@@ -3712,7 +3626,7 @@
             <a:fld id="{12397CA8-2D6B-474E-AD0A-8CF9975324D0}" type="datetimeFigureOut">
               <a:rPr lang="zh-CN" altLang="en-US" smtClean="0"/>
               <a:pPr/>
-              <a:t>2017-05-09</a:t>
+              <a:t>2017-05-10</a:t>
             </a:fld>
             <a:endParaRPr lang="zh-CN" altLang="en-US"/>
           </a:p>
@@ -4165,7 +4079,7 @@
             <a:fld id="{12397CA8-2D6B-474E-AD0A-8CF9975324D0}" type="datetimeFigureOut">
               <a:rPr lang="zh-CN" altLang="en-US" smtClean="0"/>
               <a:pPr/>
-              <a:t>2017-05-09</a:t>
+              <a:t>2017-05-10</a:t>
             </a:fld>
             <a:endParaRPr lang="zh-CN" altLang="en-US"/>
           </a:p>
@@ -4401,7 +4315,7 @@
             <a:fld id="{12397CA8-2D6B-474E-AD0A-8CF9975324D0}" type="datetimeFigureOut">
               <a:rPr lang="zh-CN" altLang="en-US" smtClean="0"/>
               <a:pPr/>
-              <a:t>2017-05-09</a:t>
+              <a:t>2017-05-10</a:t>
             </a:fld>
             <a:endParaRPr lang="zh-CN" altLang="en-US"/>
           </a:p>
@@ -4772,7 +4686,7 @@
             <a:fld id="{12397CA8-2D6B-474E-AD0A-8CF9975324D0}" type="datetimeFigureOut">
               <a:rPr lang="zh-CN" altLang="en-US" smtClean="0"/>
               <a:pPr/>
-              <a:t>2017-05-09</a:t>
+              <a:t>2017-05-10</a:t>
             </a:fld>
             <a:endParaRPr lang="zh-CN" altLang="en-US"/>
           </a:p>
@@ -4887,7 +4801,7 @@
             <a:fld id="{12397CA8-2D6B-474E-AD0A-8CF9975324D0}" type="datetimeFigureOut">
               <a:rPr lang="zh-CN" altLang="en-US" smtClean="0"/>
               <a:pPr/>
-              <a:t>2017-05-09</a:t>
+              <a:t>2017-05-10</a:t>
             </a:fld>
             <a:endParaRPr lang="zh-CN" altLang="en-US"/>
           </a:p>
@@ -4979,7 +4893,7 @@
             <a:fld id="{12397CA8-2D6B-474E-AD0A-8CF9975324D0}" type="datetimeFigureOut">
               <a:rPr lang="zh-CN" altLang="en-US" smtClean="0"/>
               <a:pPr/>
-              <a:t>2017-05-09</a:t>
+              <a:t>2017-05-10</a:t>
             </a:fld>
             <a:endParaRPr lang="zh-CN" altLang="en-US"/>
           </a:p>
@@ -5253,7 +5167,7 @@
             <a:fld id="{12397CA8-2D6B-474E-AD0A-8CF9975324D0}" type="datetimeFigureOut">
               <a:rPr lang="zh-CN" altLang="en-US" smtClean="0"/>
               <a:pPr/>
-              <a:t>2017-05-09</a:t>
+              <a:t>2017-05-10</a:t>
             </a:fld>
             <a:endParaRPr lang="zh-CN" altLang="en-US"/>
           </a:p>
@@ -5507,7 +5421,7 @@
             <a:fld id="{12397CA8-2D6B-474E-AD0A-8CF9975324D0}" type="datetimeFigureOut">
               <a:rPr lang="zh-CN" altLang="en-US" smtClean="0"/>
               <a:pPr/>
-              <a:t>2017-05-09</a:t>
+              <a:t>2017-05-10</a:t>
             </a:fld>
             <a:endParaRPr lang="zh-CN" altLang="en-US"/>
           </a:p>
@@ -5724,7 +5638,7 @@
             <a:fld id="{12397CA8-2D6B-474E-AD0A-8CF9975324D0}" type="datetimeFigureOut">
               <a:rPr lang="zh-CN" altLang="en-US" smtClean="0"/>
               <a:pPr/>
-              <a:t>2017-05-09</a:t>
+              <a:t>2017-05-10</a:t>
             </a:fld>
             <a:endParaRPr lang="zh-CN" altLang="en-US"/>
           </a:p>
@@ -6325,7 +6239,7 @@
           <a:p>
             <a:r>
               <a:rPr lang="en-US" altLang="zh-CN" dirty="0" smtClean="0"/>
-              <a:t>Challenges</a:t>
+              <a:t>Outline</a:t>
             </a:r>
             <a:endParaRPr lang="zh-CN" altLang="en-US" dirty="0"/>
           </a:p>
@@ -6346,42 +6260,53 @@
           <a:bodyPr/>
           <a:lstStyle/>
           <a:p>
-            <a:pPr marL="285750" indent="-285750">
-              <a:buFont typeface="Wingdings" panose="05000000000000000000" pitchFamily="2" charset="2"/>
-              <a:buChar char="Ø"/>
-            </a:pPr>
+            <a:r>
+              <a:rPr lang="en-US" altLang="zh-CN" dirty="0"/>
+              <a:t>1.Introduction to RPC</a:t>
+            </a:r>
+          </a:p>
+          <a:p>
+            <a:endParaRPr lang="en-US" altLang="zh-CN" dirty="0"/>
+          </a:p>
+          <a:p>
+            <a:r>
+              <a:rPr lang="en-US" altLang="zh-CN" dirty="0"/>
+              <a:t>2.What is </a:t>
+            </a:r>
+            <a:r>
+              <a:rPr lang="en-US" altLang="zh-CN" dirty="0" err="1" smtClean="0"/>
+              <a:t>rest_rpc</a:t>
+            </a:r>
             <a:r>
               <a:rPr lang="en-US" altLang="zh-CN" dirty="0" smtClean="0"/>
-              <a:t>How to register </a:t>
-            </a:r>
-            <a:r>
-              <a:rPr lang="en-US" altLang="zh-CN" dirty="0"/>
-              <a:t>callable of </a:t>
-            </a:r>
-            <a:r>
-              <a:rPr lang="en-US" altLang="zh-CN" dirty="0" smtClean="0"/>
-              <a:t>any signature</a:t>
-            </a:r>
-          </a:p>
-          <a:p>
-            <a:pPr marL="285750" indent="-285750">
-              <a:buFont typeface="Wingdings" panose="05000000000000000000" pitchFamily="2" charset="2"/>
-              <a:buChar char="Ø"/>
-            </a:pPr>
-            <a:r>
-              <a:rPr lang="en-US" altLang="zh-CN" dirty="0" smtClean="0"/>
-              <a:t>How to route to the correct handler</a:t>
-            </a:r>
-          </a:p>
-          <a:p>
-            <a:pPr marL="285750" indent="-285750">
-              <a:buFont typeface="Wingdings" panose="05000000000000000000" pitchFamily="2" charset="2"/>
-              <a:buChar char="Ø"/>
-            </a:pPr>
-            <a:r>
-              <a:rPr lang="en-US" altLang="zh-CN" dirty="0" smtClean="0"/>
-              <a:t>How to simplify the RPC call</a:t>
-            </a:r>
+              <a:t>?</a:t>
+            </a:r>
+            <a:endParaRPr lang="en-US" altLang="zh-CN" dirty="0"/>
+          </a:p>
+          <a:p>
+            <a:endParaRPr lang="en-US" altLang="zh-CN" dirty="0"/>
+          </a:p>
+          <a:p>
+            <a:r>
+              <a:rPr lang="en-US" altLang="zh-CN" dirty="0"/>
+              <a:t>3.Ease of use challenges</a:t>
+            </a:r>
+          </a:p>
+          <a:p>
+            <a:endParaRPr lang="en-US" altLang="zh-CN" dirty="0"/>
+          </a:p>
+          <a:p>
+            <a:r>
+              <a:rPr lang="en-US" altLang="zh-CN" sz="1800" dirty="0">
+                <a:solidFill>
+                  <a:schemeClr val="accent5"/>
+                </a:solidFill>
+              </a:rPr>
+              <a:t>4.Key technologies</a:t>
+            </a:r>
+          </a:p>
+          <a:p>
+            <a:endParaRPr lang="en-US" altLang="zh-CN" dirty="0"/>
           </a:p>
         </p:txBody>
       </p:sp>
@@ -6401,126 +6326,6 @@
 </file>
 
 <file path=ppt/slides/slide11.xml><?xml version="1.0" encoding="utf-8"?>
-<p:sld xmlns:a="http://schemas.openxmlformats.org/drawingml/2006/main" xmlns:r="http://schemas.openxmlformats.org/officeDocument/2006/relationships" xmlns:p="http://schemas.openxmlformats.org/presentationml/2006/main">
-  <p:cSld>
-    <p:spTree>
-      <p:nvGrpSpPr>
-        <p:cNvPr id="1" name=""/>
-        <p:cNvGrpSpPr/>
-        <p:nvPr/>
-      </p:nvGrpSpPr>
-      <p:grpSpPr>
-        <a:xfrm>
-          <a:off x="0" y="0"/>
-          <a:ext cx="0" cy="0"/>
-          <a:chOff x="0" y="0"/>
-          <a:chExt cx="0" cy="0"/>
-        </a:xfrm>
-      </p:grpSpPr>
-      <p:sp>
-        <p:nvSpPr>
-          <p:cNvPr id="2" name="标题 1"/>
-          <p:cNvSpPr>
-            <a:spLocks noGrp="1"/>
-          </p:cNvSpPr>
-          <p:nvPr>
-            <p:ph type="title"/>
-          </p:nvPr>
-        </p:nvSpPr>
-        <p:spPr/>
-        <p:txBody>
-          <a:bodyPr/>
-          <a:lstStyle/>
-          <a:p>
-            <a:r>
-              <a:rPr lang="en-US" altLang="zh-CN" dirty="0" smtClean="0"/>
-              <a:t>Outline</a:t>
-            </a:r>
-            <a:endParaRPr lang="zh-CN" altLang="en-US" dirty="0"/>
-          </a:p>
-        </p:txBody>
-      </p:sp>
-      <p:sp>
-        <p:nvSpPr>
-          <p:cNvPr id="3" name="文本占位符 2"/>
-          <p:cNvSpPr>
-            <a:spLocks noGrp="1"/>
-          </p:cNvSpPr>
-          <p:nvPr>
-            <p:ph type="body" sz="half" idx="2"/>
-          </p:nvPr>
-        </p:nvSpPr>
-        <p:spPr/>
-        <p:txBody>
-          <a:bodyPr/>
-          <a:lstStyle/>
-          <a:p>
-            <a:r>
-              <a:rPr lang="en-US" altLang="zh-CN" dirty="0"/>
-              <a:t>1.Introduction to RPC</a:t>
-            </a:r>
-          </a:p>
-          <a:p>
-            <a:endParaRPr lang="en-US" altLang="zh-CN" dirty="0"/>
-          </a:p>
-          <a:p>
-            <a:r>
-              <a:rPr lang="en-US" altLang="zh-CN" dirty="0"/>
-              <a:t>2.What is </a:t>
-            </a:r>
-            <a:r>
-              <a:rPr lang="en-US" altLang="zh-CN" dirty="0" err="1" smtClean="0"/>
-              <a:t>rest_rpc</a:t>
-            </a:r>
-            <a:r>
-              <a:rPr lang="en-US" altLang="zh-CN" dirty="0" smtClean="0"/>
-              <a:t>?</a:t>
-            </a:r>
-            <a:endParaRPr lang="en-US" altLang="zh-CN" dirty="0"/>
-          </a:p>
-          <a:p>
-            <a:endParaRPr lang="en-US" altLang="zh-CN" dirty="0"/>
-          </a:p>
-          <a:p>
-            <a:r>
-              <a:rPr lang="en-US" altLang="zh-CN" dirty="0"/>
-              <a:t>3.Ease of use challenges</a:t>
-            </a:r>
-          </a:p>
-          <a:p>
-            <a:endParaRPr lang="en-US" altLang="zh-CN" dirty="0"/>
-          </a:p>
-          <a:p>
-            <a:r>
-              <a:rPr lang="en-US" altLang="zh-CN" sz="1800" dirty="0">
-                <a:solidFill>
-                  <a:schemeClr val="accent5"/>
-                </a:solidFill>
-              </a:rPr>
-              <a:t>4.Key technologies</a:t>
-            </a:r>
-          </a:p>
-          <a:p>
-            <a:endParaRPr lang="en-US" altLang="zh-CN" dirty="0"/>
-          </a:p>
-        </p:txBody>
-      </p:sp>
-    </p:spTree>
-  </p:cSld>
-  <p:clrMapOvr>
-    <a:masterClrMapping/>
-  </p:clrMapOvr>
-  <p:timing>
-    <p:tnLst>
-      <p:par>
-        <p:cTn id="1" dur="indefinite" restart="never" nodeType="tmRoot"/>
-      </p:par>
-    </p:tnLst>
-  </p:timing>
-</p:sld>
-</file>
-
-<file path=ppt/slides/slide12.xml><?xml version="1.0" encoding="utf-8"?>
 <p:sld xmlns:a="http://schemas.openxmlformats.org/drawingml/2006/main" xmlns:r="http://schemas.openxmlformats.org/officeDocument/2006/relationships" xmlns:p="http://schemas.openxmlformats.org/presentationml/2006/main">
   <p:cSld>
     <p:spTree>
@@ -6877,7 +6682,7 @@
 </p:sld>
 </file>
 
-<file path=ppt/slides/slide13.xml><?xml version="1.0" encoding="utf-8"?>
+<file path=ppt/slides/slide12.xml><?xml version="1.0" encoding="utf-8"?>
 <p:sld xmlns:a="http://schemas.openxmlformats.org/drawingml/2006/main" xmlns:r="http://schemas.openxmlformats.org/officeDocument/2006/relationships" xmlns:p="http://schemas.openxmlformats.org/presentationml/2006/main">
   <p:cSld>
     <p:spTree>
@@ -7691,7 +7496,7 @@
 </p:sld>
 </file>
 
-<file path=ppt/slides/slide14.xml><?xml version="1.0" encoding="utf-8"?>
+<file path=ppt/slides/slide13.xml><?xml version="1.0" encoding="utf-8"?>
 <p:sld xmlns:a="http://schemas.openxmlformats.org/drawingml/2006/main" xmlns:r="http://schemas.openxmlformats.org/officeDocument/2006/relationships" xmlns:p="http://schemas.openxmlformats.org/presentationml/2006/main">
   <p:cSld>
     <p:spTree>
@@ -7920,7 +7725,7 @@
 </p:sld>
 </file>
 
-<file path=ppt/slides/slide15.xml><?xml version="1.0" encoding="utf-8"?>
+<file path=ppt/slides/slide14.xml><?xml version="1.0" encoding="utf-8"?>
 <p:sld xmlns:a="http://schemas.openxmlformats.org/drawingml/2006/main" xmlns:r="http://schemas.openxmlformats.org/officeDocument/2006/relationships" xmlns:p="http://schemas.openxmlformats.org/presentationml/2006/main">
   <p:cSld>
     <p:spTree>
@@ -8415,7 +8220,7 @@
 </p:sld>
 </file>
 
-<file path=ppt/slides/slide16.xml><?xml version="1.0" encoding="utf-8"?>
+<file path=ppt/slides/slide15.xml><?xml version="1.0" encoding="utf-8"?>
 <p:sld xmlns:a="http://schemas.openxmlformats.org/drawingml/2006/main" xmlns:r="http://schemas.openxmlformats.org/officeDocument/2006/relationships" xmlns:p="http://schemas.openxmlformats.org/presentationml/2006/main">
   <p:cSld>
     <p:spTree>
@@ -9524,7 +9329,7 @@
 </p:sld>
 </file>
 
-<file path=ppt/slides/slide17.xml><?xml version="1.0" encoding="utf-8"?>
+<file path=ppt/slides/slide16.xml><?xml version="1.0" encoding="utf-8"?>
 <p:sld xmlns:a="http://schemas.openxmlformats.org/drawingml/2006/main" xmlns:r="http://schemas.openxmlformats.org/officeDocument/2006/relationships" xmlns:p="http://schemas.openxmlformats.org/presentationml/2006/main">
   <p:cSld>
     <p:spTree>
@@ -10650,7 +10455,7 @@
 </p:sld>
 </file>
 
-<file path=ppt/slides/slide18.xml><?xml version="1.0" encoding="utf-8"?>
+<file path=ppt/slides/slide17.xml><?xml version="1.0" encoding="utf-8"?>
 <p:sld xmlns:a="http://schemas.openxmlformats.org/drawingml/2006/main" xmlns:r="http://schemas.openxmlformats.org/officeDocument/2006/relationships" xmlns:p="http://schemas.openxmlformats.org/presentationml/2006/main">
   <p:cSld>
     <p:spTree>
@@ -11783,7 +11588,7 @@
 </p:sld>
 </file>
 
-<file path=ppt/slides/slide19.xml><?xml version="1.0" encoding="utf-8"?>
+<file path=ppt/slides/slide18.xml><?xml version="1.0" encoding="utf-8"?>
 <p:sld xmlns:a="http://schemas.openxmlformats.org/drawingml/2006/main" xmlns:r="http://schemas.openxmlformats.org/officeDocument/2006/relationships" xmlns:p="http://schemas.openxmlformats.org/presentationml/2006/main">
   <p:cSld>
     <p:spTree>
@@ -12291,6 +12096,172 @@
 </p:sld>
 </file>
 
+<file path=ppt/slides/slide19.xml><?xml version="1.0" encoding="utf-8"?>
+<p:sld xmlns:a="http://schemas.openxmlformats.org/drawingml/2006/main" xmlns:r="http://schemas.openxmlformats.org/officeDocument/2006/relationships" xmlns:p="http://schemas.openxmlformats.org/presentationml/2006/main">
+  <p:cSld>
+    <p:spTree>
+      <p:nvGrpSpPr>
+        <p:cNvPr id="1" name=""/>
+        <p:cNvGrpSpPr/>
+        <p:nvPr/>
+      </p:nvGrpSpPr>
+      <p:grpSpPr>
+        <a:xfrm>
+          <a:off x="0" y="0"/>
+          <a:ext cx="0" cy="0"/>
+          <a:chOff x="0" y="0"/>
+          <a:chExt cx="0" cy="0"/>
+        </a:xfrm>
+      </p:grpSpPr>
+      <p:sp>
+        <p:nvSpPr>
+          <p:cNvPr id="2" name="标题 1"/>
+          <p:cNvSpPr>
+            <a:spLocks noGrp="1"/>
+          </p:cNvSpPr>
+          <p:nvPr>
+            <p:ph type="title"/>
+          </p:nvPr>
+        </p:nvSpPr>
+        <p:spPr/>
+        <p:txBody>
+          <a:bodyPr/>
+          <a:lstStyle/>
+          <a:p>
+            <a:r>
+              <a:rPr lang="en-US" altLang="zh-CN" dirty="0"/>
+              <a:t>Register callable of any signature</a:t>
+            </a:r>
+            <a:endParaRPr lang="zh-CN" altLang="en-US" dirty="0"/>
+          </a:p>
+        </p:txBody>
+      </p:sp>
+      <p:sp>
+        <p:nvSpPr>
+          <p:cNvPr id="3" name="文本占位符 2"/>
+          <p:cNvSpPr>
+            <a:spLocks noGrp="1"/>
+          </p:cNvSpPr>
+          <p:nvPr>
+            <p:ph type="body" sz="half" idx="2"/>
+          </p:nvPr>
+        </p:nvSpPr>
+        <p:spPr/>
+        <p:txBody>
+          <a:bodyPr/>
+          <a:lstStyle/>
+          <a:p>
+            <a:endParaRPr lang="en-US" altLang="zh-CN" dirty="0" smtClean="0"/>
+          </a:p>
+          <a:p>
+            <a:r>
+              <a:rPr lang="en-US" altLang="zh-CN" dirty="0" err="1" smtClean="0"/>
+              <a:t>server_t</a:t>
+            </a:r>
+            <a:r>
+              <a:rPr lang="en-US" altLang="zh-CN" dirty="0" smtClean="0"/>
+              <a:t> </a:t>
+            </a:r>
+            <a:r>
+              <a:rPr lang="en-US" altLang="zh-CN" dirty="0"/>
+              <a:t>server</a:t>
+            </a:r>
+            <a:r>
+              <a:rPr lang="en-US" altLang="zh-CN" dirty="0" smtClean="0"/>
+              <a:t>;</a:t>
+            </a:r>
+          </a:p>
+          <a:p>
+            <a:endParaRPr lang="en-US" altLang="zh-CN" dirty="0"/>
+          </a:p>
+          <a:p>
+            <a:r>
+              <a:rPr lang="en-US" altLang="zh-CN" dirty="0" err="1"/>
+              <a:t>server.register_handler</a:t>
+            </a:r>
+            <a:r>
+              <a:rPr lang="en-US" altLang="zh-CN" dirty="0"/>
+              <a:t>("add", [](</a:t>
+            </a:r>
+            <a:r>
+              <a:rPr lang="en-US" altLang="zh-CN" dirty="0" err="1"/>
+              <a:t>int</a:t>
+            </a:r>
+            <a:r>
+              <a:rPr lang="en-US" altLang="zh-CN" dirty="0"/>
+              <a:t> a, </a:t>
+            </a:r>
+            <a:r>
+              <a:rPr lang="en-US" altLang="zh-CN" dirty="0" err="1"/>
+              <a:t>int</a:t>
+            </a:r>
+            <a:r>
+              <a:rPr lang="en-US" altLang="zh-CN" dirty="0"/>
+              <a:t> b) {return a + b; });</a:t>
+            </a:r>
+          </a:p>
+          <a:p>
+            <a:r>
+              <a:rPr lang="en-US" altLang="zh-CN" dirty="0" err="1"/>
+              <a:t>server.register_handler</a:t>
+            </a:r>
+            <a:r>
+              <a:rPr lang="en-US" altLang="zh-CN" dirty="0"/>
+              <a:t>("dummy", []{ });</a:t>
+            </a:r>
+          </a:p>
+          <a:p>
+            <a:r>
+              <a:rPr lang="en-US" altLang="zh-CN" dirty="0" err="1"/>
+              <a:t>server.register_handler</a:t>
+            </a:r>
+            <a:r>
+              <a:rPr lang="en-US" altLang="zh-CN" dirty="0"/>
+              <a:t>("</a:t>
+            </a:r>
+            <a:r>
+              <a:rPr lang="en-US" altLang="zh-CN" dirty="0" err="1"/>
+              <a:t>get_str</a:t>
+            </a:r>
+            <a:r>
+              <a:rPr lang="en-US" altLang="zh-CN" dirty="0"/>
+              <a:t>", [](double v) { </a:t>
+            </a:r>
+            <a:r>
+              <a:rPr lang="en-US" altLang="zh-CN" dirty="0" err="1"/>
+              <a:t>std</a:t>
+            </a:r>
+            <a:r>
+              <a:rPr lang="en-US" altLang="zh-CN" dirty="0"/>
+              <a:t>::</a:t>
+            </a:r>
+            <a:r>
+              <a:rPr lang="en-US" altLang="zh-CN" dirty="0" err="1"/>
+              <a:t>to_string</a:t>
+            </a:r>
+            <a:r>
+              <a:rPr lang="en-US" altLang="zh-CN" dirty="0"/>
+              <a:t>(v); });</a:t>
+            </a:r>
+            <a:endParaRPr lang="zh-CN" altLang="en-US" dirty="0"/>
+          </a:p>
+        </p:txBody>
+      </p:sp>
+    </p:spTree>
+  </p:cSld>
+  <p:clrMapOvr>
+    <a:masterClrMapping/>
+  </p:clrMapOvr>
+  <p:timing>
+    <p:tnLst>
+      <p:par>
+        <p:cTn id="1" dur="indefinite" restart="never" nodeType="tmRoot"/>
+      </p:par>
+    </p:tnLst>
+  </p:timing>
+</p:sld>
+</file>
+
 <file path=ppt/slides/slide2.xml><?xml version="1.0" encoding="utf-8"?>
 <p:sld xmlns:a="http://schemas.openxmlformats.org/drawingml/2006/main" xmlns:r="http://schemas.openxmlformats.org/officeDocument/2006/relationships" xmlns:p="http://schemas.openxmlformats.org/presentationml/2006/main">
   <p:cSld>
@@ -12414,172 +12385,6 @@
 </file>
 
 <file path=ppt/slides/slide20.xml><?xml version="1.0" encoding="utf-8"?>
-<p:sld xmlns:a="http://schemas.openxmlformats.org/drawingml/2006/main" xmlns:r="http://schemas.openxmlformats.org/officeDocument/2006/relationships" xmlns:p="http://schemas.openxmlformats.org/presentationml/2006/main">
-  <p:cSld>
-    <p:spTree>
-      <p:nvGrpSpPr>
-        <p:cNvPr id="1" name=""/>
-        <p:cNvGrpSpPr/>
-        <p:nvPr/>
-      </p:nvGrpSpPr>
-      <p:grpSpPr>
-        <a:xfrm>
-          <a:off x="0" y="0"/>
-          <a:ext cx="0" cy="0"/>
-          <a:chOff x="0" y="0"/>
-          <a:chExt cx="0" cy="0"/>
-        </a:xfrm>
-      </p:grpSpPr>
-      <p:sp>
-        <p:nvSpPr>
-          <p:cNvPr id="2" name="标题 1"/>
-          <p:cNvSpPr>
-            <a:spLocks noGrp="1"/>
-          </p:cNvSpPr>
-          <p:nvPr>
-            <p:ph type="title"/>
-          </p:nvPr>
-        </p:nvSpPr>
-        <p:spPr/>
-        <p:txBody>
-          <a:bodyPr/>
-          <a:lstStyle/>
-          <a:p>
-            <a:r>
-              <a:rPr lang="en-US" altLang="zh-CN" dirty="0"/>
-              <a:t>Register callable of any signature</a:t>
-            </a:r>
-            <a:endParaRPr lang="zh-CN" altLang="en-US" dirty="0"/>
-          </a:p>
-        </p:txBody>
-      </p:sp>
-      <p:sp>
-        <p:nvSpPr>
-          <p:cNvPr id="3" name="文本占位符 2"/>
-          <p:cNvSpPr>
-            <a:spLocks noGrp="1"/>
-          </p:cNvSpPr>
-          <p:nvPr>
-            <p:ph type="body" sz="half" idx="2"/>
-          </p:nvPr>
-        </p:nvSpPr>
-        <p:spPr/>
-        <p:txBody>
-          <a:bodyPr/>
-          <a:lstStyle/>
-          <a:p>
-            <a:endParaRPr lang="en-US" altLang="zh-CN" dirty="0" smtClean="0"/>
-          </a:p>
-          <a:p>
-            <a:r>
-              <a:rPr lang="en-US" altLang="zh-CN" dirty="0" err="1" smtClean="0"/>
-              <a:t>server_t</a:t>
-            </a:r>
-            <a:r>
-              <a:rPr lang="en-US" altLang="zh-CN" dirty="0" smtClean="0"/>
-              <a:t> </a:t>
-            </a:r>
-            <a:r>
-              <a:rPr lang="en-US" altLang="zh-CN" dirty="0"/>
-              <a:t>server</a:t>
-            </a:r>
-            <a:r>
-              <a:rPr lang="en-US" altLang="zh-CN" dirty="0" smtClean="0"/>
-              <a:t>;</a:t>
-            </a:r>
-          </a:p>
-          <a:p>
-            <a:endParaRPr lang="en-US" altLang="zh-CN" dirty="0"/>
-          </a:p>
-          <a:p>
-            <a:r>
-              <a:rPr lang="en-US" altLang="zh-CN" dirty="0" err="1"/>
-              <a:t>server.register_handler</a:t>
-            </a:r>
-            <a:r>
-              <a:rPr lang="en-US" altLang="zh-CN" dirty="0"/>
-              <a:t>("add", [](</a:t>
-            </a:r>
-            <a:r>
-              <a:rPr lang="en-US" altLang="zh-CN" dirty="0" err="1"/>
-              <a:t>int</a:t>
-            </a:r>
-            <a:r>
-              <a:rPr lang="en-US" altLang="zh-CN" dirty="0"/>
-              <a:t> a, </a:t>
-            </a:r>
-            <a:r>
-              <a:rPr lang="en-US" altLang="zh-CN" dirty="0" err="1"/>
-              <a:t>int</a:t>
-            </a:r>
-            <a:r>
-              <a:rPr lang="en-US" altLang="zh-CN" dirty="0"/>
-              <a:t> b) {return a + b; });</a:t>
-            </a:r>
-          </a:p>
-          <a:p>
-            <a:r>
-              <a:rPr lang="en-US" altLang="zh-CN" dirty="0" err="1"/>
-              <a:t>server.register_handler</a:t>
-            </a:r>
-            <a:r>
-              <a:rPr lang="en-US" altLang="zh-CN" dirty="0"/>
-              <a:t>("dummy", []{ });</a:t>
-            </a:r>
-          </a:p>
-          <a:p>
-            <a:r>
-              <a:rPr lang="en-US" altLang="zh-CN" dirty="0" err="1"/>
-              <a:t>server.register_handler</a:t>
-            </a:r>
-            <a:r>
-              <a:rPr lang="en-US" altLang="zh-CN" dirty="0"/>
-              <a:t>("</a:t>
-            </a:r>
-            <a:r>
-              <a:rPr lang="en-US" altLang="zh-CN" dirty="0" err="1"/>
-              <a:t>get_str</a:t>
-            </a:r>
-            <a:r>
-              <a:rPr lang="en-US" altLang="zh-CN" dirty="0"/>
-              <a:t>", [](double v) { </a:t>
-            </a:r>
-            <a:r>
-              <a:rPr lang="en-US" altLang="zh-CN" dirty="0" err="1"/>
-              <a:t>std</a:t>
-            </a:r>
-            <a:r>
-              <a:rPr lang="en-US" altLang="zh-CN" dirty="0"/>
-              <a:t>::</a:t>
-            </a:r>
-            <a:r>
-              <a:rPr lang="en-US" altLang="zh-CN" dirty="0" err="1"/>
-              <a:t>to_string</a:t>
-            </a:r>
-            <a:r>
-              <a:rPr lang="en-US" altLang="zh-CN" dirty="0"/>
-              <a:t>(v); });</a:t>
-            </a:r>
-            <a:endParaRPr lang="zh-CN" altLang="en-US" dirty="0"/>
-          </a:p>
-        </p:txBody>
-      </p:sp>
-    </p:spTree>
-  </p:cSld>
-  <p:clrMapOvr>
-    <a:masterClrMapping/>
-  </p:clrMapOvr>
-  <p:timing>
-    <p:tnLst>
-      <p:par>
-        <p:cTn id="1" dur="indefinite" restart="never" nodeType="tmRoot"/>
-      </p:par>
-    </p:tnLst>
-  </p:timing>
-</p:sld>
-</file>
-
-<file path=ppt/slides/slide21.xml><?xml version="1.0" encoding="utf-8"?>
 <p:sld xmlns:a="http://schemas.openxmlformats.org/drawingml/2006/main" xmlns:r="http://schemas.openxmlformats.org/officeDocument/2006/relationships" xmlns:p="http://schemas.openxmlformats.org/presentationml/2006/main">
   <p:cSld>
     <p:spTree>
@@ -12875,7 +12680,7 @@
 </p:sld>
 </file>
 
-<file path=ppt/slides/slide22.xml><?xml version="1.0" encoding="utf-8"?>
+<file path=ppt/slides/slide21.xml><?xml version="1.0" encoding="utf-8"?>
 <p:sld xmlns:a="http://schemas.openxmlformats.org/drawingml/2006/main" xmlns:r="http://schemas.openxmlformats.org/officeDocument/2006/relationships" xmlns:p="http://schemas.openxmlformats.org/presentationml/2006/main">
   <p:cSld>
     <p:spTree>
@@ -13593,7 +13398,7 @@
 </p:sld>
 </file>
 
-<file path=ppt/slides/slide23.xml><?xml version="1.0" encoding="utf-8"?>
+<file path=ppt/slides/slide22.xml><?xml version="1.0" encoding="utf-8"?>
 <p:sld xmlns:a="http://schemas.openxmlformats.org/drawingml/2006/main" xmlns:r="http://schemas.openxmlformats.org/officeDocument/2006/relationships" xmlns:p="http://schemas.openxmlformats.org/presentationml/2006/main">
   <p:cSld>
     <p:spTree>
@@ -13696,7 +13501,7 @@
 </p:sld>
 </file>
 
-<file path=ppt/slides/slide24.xml><?xml version="1.0" encoding="utf-8"?>
+<file path=ppt/slides/slide23.xml><?xml version="1.0" encoding="utf-8"?>
 <p:sld xmlns:a="http://schemas.openxmlformats.org/drawingml/2006/main" xmlns:r="http://schemas.openxmlformats.org/officeDocument/2006/relationships" xmlns:p="http://schemas.openxmlformats.org/presentationml/2006/main">
   <p:cSld>
     <p:spTree>
@@ -14369,6 +14174,324 @@
 </p:sld>
 </file>
 
+<file path=ppt/slides/slide24.xml><?xml version="1.0" encoding="utf-8"?>
+<p:sld xmlns:a="http://schemas.openxmlformats.org/drawingml/2006/main" xmlns:r="http://schemas.openxmlformats.org/officeDocument/2006/relationships" xmlns:p="http://schemas.openxmlformats.org/presentationml/2006/main">
+  <p:cSld>
+    <p:spTree>
+      <p:nvGrpSpPr>
+        <p:cNvPr id="1" name=""/>
+        <p:cNvGrpSpPr/>
+        <p:nvPr/>
+      </p:nvGrpSpPr>
+      <p:grpSpPr>
+        <a:xfrm>
+          <a:off x="0" y="0"/>
+          <a:ext cx="0" cy="0"/>
+          <a:chOff x="0" y="0"/>
+          <a:chExt cx="0" cy="0"/>
+        </a:xfrm>
+      </p:grpSpPr>
+      <p:sp>
+        <p:nvSpPr>
+          <p:cNvPr id="2" name="标题 1"/>
+          <p:cNvSpPr>
+            <a:spLocks noGrp="1"/>
+          </p:cNvSpPr>
+          <p:nvPr>
+            <p:ph type="title"/>
+          </p:nvPr>
+        </p:nvSpPr>
+        <p:spPr/>
+        <p:txBody>
+          <a:bodyPr/>
+          <a:lstStyle/>
+          <a:p>
+            <a:r>
+              <a:rPr lang="en-US" altLang="zh-CN" dirty="0"/>
+              <a:t>How to </a:t>
+            </a:r>
+            <a:r>
+              <a:rPr lang="en-US" altLang="zh-CN" dirty="0" smtClean="0"/>
+              <a:t>route to </a:t>
+            </a:r>
+            <a:r>
+              <a:rPr lang="en-US" altLang="zh-CN" dirty="0"/>
+              <a:t>the correct handler</a:t>
+            </a:r>
+            <a:endParaRPr lang="zh-CN" altLang="en-US" dirty="0"/>
+          </a:p>
+        </p:txBody>
+      </p:sp>
+      <p:sp>
+        <p:nvSpPr>
+          <p:cNvPr id="3" name="文本占位符 2"/>
+          <p:cNvSpPr>
+            <a:spLocks noGrp="1"/>
+          </p:cNvSpPr>
+          <p:nvPr>
+            <p:ph type="body" sz="half" idx="2"/>
+          </p:nvPr>
+        </p:nvSpPr>
+        <p:spPr/>
+        <p:txBody>
+          <a:bodyPr/>
+          <a:lstStyle/>
+          <a:p>
+            <a:r>
+              <a:rPr lang="en-US" altLang="zh-CN" dirty="0"/>
+              <a:t>template &lt;class F, class Tuple, </a:t>
+            </a:r>
+            <a:r>
+              <a:rPr lang="en-US" altLang="zh-CN" dirty="0" err="1"/>
+              <a:t>std</a:t>
+            </a:r>
+            <a:r>
+              <a:rPr lang="en-US" altLang="zh-CN" dirty="0"/>
+              <a:t>::</a:t>
+            </a:r>
+            <a:r>
+              <a:rPr lang="en-US" altLang="zh-CN" dirty="0" err="1"/>
+              <a:t>size_t</a:t>
+            </a:r>
+            <a:r>
+              <a:rPr lang="en-US" altLang="zh-CN" dirty="0"/>
+              <a:t>... I&gt;</a:t>
+            </a:r>
+          </a:p>
+          <a:p>
+            <a:r>
+              <a:rPr lang="en-US" altLang="zh-CN" dirty="0" err="1"/>
+              <a:t>constexpr</a:t>
+            </a:r>
+            <a:r>
+              <a:rPr lang="en-US" altLang="zh-CN" dirty="0"/>
+              <a:t> </a:t>
+            </a:r>
+            <a:r>
+              <a:rPr lang="en-US" altLang="zh-CN" dirty="0" err="1"/>
+              <a:t>decltype</a:t>
+            </a:r>
+            <a:r>
+              <a:rPr lang="en-US" altLang="zh-CN" dirty="0"/>
+              <a:t>(auto) </a:t>
+            </a:r>
+            <a:r>
+              <a:rPr lang="en-US" altLang="zh-CN" dirty="0" err="1"/>
+              <a:t>apply_impl</a:t>
+            </a:r>
+            <a:r>
+              <a:rPr lang="en-US" altLang="zh-CN" dirty="0"/>
+              <a:t>(F &amp;&amp;f, Tuple &amp;&amp;t, </a:t>
+            </a:r>
+            <a:r>
+              <a:rPr lang="en-US" altLang="zh-CN" dirty="0" err="1"/>
+              <a:t>std</a:t>
+            </a:r>
+            <a:r>
+              <a:rPr lang="en-US" altLang="zh-CN" dirty="0"/>
+              <a:t>::</a:t>
+            </a:r>
+            <a:r>
+              <a:rPr lang="en-US" altLang="zh-CN" dirty="0" err="1"/>
+              <a:t>index_sequence</a:t>
+            </a:r>
+            <a:r>
+              <a:rPr lang="en-US" altLang="zh-CN" dirty="0"/>
+              <a:t>&lt;I...&gt;)</a:t>
+            </a:r>
+          </a:p>
+          <a:p>
+            <a:r>
+              <a:rPr lang="en-US" altLang="zh-CN" dirty="0"/>
+              <a:t>{</a:t>
+            </a:r>
+          </a:p>
+          <a:p>
+            <a:r>
+              <a:rPr lang="en-US" altLang="zh-CN" dirty="0" smtClean="0"/>
+              <a:t>    return </a:t>
+            </a:r>
+            <a:r>
+              <a:rPr lang="en-US" altLang="zh-CN" dirty="0" err="1"/>
+              <a:t>std</a:t>
+            </a:r>
+            <a:r>
+              <a:rPr lang="en-US" altLang="zh-CN" dirty="0"/>
+              <a:t>::forward&lt;F&gt;(f)(</a:t>
+            </a:r>
+            <a:r>
+              <a:rPr lang="en-US" altLang="zh-CN" dirty="0" err="1"/>
+              <a:t>std</a:t>
+            </a:r>
+            <a:r>
+              <a:rPr lang="en-US" altLang="zh-CN" dirty="0"/>
+              <a:t>::get&lt;I&gt;(</a:t>
+            </a:r>
+            <a:r>
+              <a:rPr lang="en-US" altLang="zh-CN" dirty="0" err="1"/>
+              <a:t>std</a:t>
+            </a:r>
+            <a:r>
+              <a:rPr lang="en-US" altLang="zh-CN" dirty="0"/>
+              <a:t>::forward&lt;Tuple&gt;(t))...);</a:t>
+            </a:r>
+          </a:p>
+          <a:p>
+            <a:r>
+              <a:rPr lang="en-US" altLang="zh-CN" dirty="0"/>
+              <a:t>}</a:t>
+            </a:r>
+          </a:p>
+          <a:p>
+            <a:endParaRPr lang="zh-CN" altLang="en-US" dirty="0"/>
+          </a:p>
+          <a:p>
+            <a:r>
+              <a:rPr lang="en-US" altLang="zh-CN" dirty="0"/>
+              <a:t>template &lt;class F, class Tuple&gt;</a:t>
+            </a:r>
+          </a:p>
+          <a:p>
+            <a:r>
+              <a:rPr lang="en-US" altLang="zh-CN" dirty="0" err="1"/>
+              <a:t>constexpr</a:t>
+            </a:r>
+            <a:r>
+              <a:rPr lang="en-US" altLang="zh-CN" dirty="0"/>
+              <a:t> </a:t>
+            </a:r>
+            <a:r>
+              <a:rPr lang="en-US" altLang="zh-CN" dirty="0" err="1"/>
+              <a:t>decltype</a:t>
+            </a:r>
+            <a:r>
+              <a:rPr lang="en-US" altLang="zh-CN" dirty="0"/>
+              <a:t>(auto) apply(F &amp;&amp;f, Tuple &amp;&amp;t)</a:t>
+            </a:r>
+          </a:p>
+          <a:p>
+            <a:r>
+              <a:rPr lang="en-US" altLang="zh-CN" dirty="0"/>
+              <a:t>{</a:t>
+            </a:r>
+          </a:p>
+          <a:p>
+            <a:r>
+              <a:rPr lang="en-US" altLang="zh-CN" dirty="0" smtClean="0"/>
+              <a:t>    return </a:t>
+            </a:r>
+            <a:r>
+              <a:rPr lang="en-US" altLang="zh-CN" dirty="0" err="1"/>
+              <a:t>apply_impl</a:t>
+            </a:r>
+            <a:r>
+              <a:rPr lang="en-US" altLang="zh-CN" dirty="0"/>
+              <a:t>(</a:t>
+            </a:r>
+            <a:r>
+              <a:rPr lang="en-US" altLang="zh-CN" dirty="0" err="1"/>
+              <a:t>std</a:t>
+            </a:r>
+            <a:r>
+              <a:rPr lang="en-US" altLang="zh-CN" dirty="0"/>
+              <a:t>::forward&lt;F&gt;(f), </a:t>
+            </a:r>
+            <a:r>
+              <a:rPr lang="en-US" altLang="zh-CN" dirty="0" err="1"/>
+              <a:t>std</a:t>
+            </a:r>
+            <a:r>
+              <a:rPr lang="en-US" altLang="zh-CN" dirty="0"/>
+              <a:t>::forward&lt;Tuple&gt;(t),</a:t>
+            </a:r>
+          </a:p>
+          <a:p>
+            <a:r>
+              <a:rPr lang="en-US" altLang="zh-CN" dirty="0" smtClean="0"/>
+              <a:t>        </a:t>
+            </a:r>
+            <a:r>
+              <a:rPr lang="en-US" altLang="zh-CN" dirty="0" err="1" smtClean="0"/>
+              <a:t>std</a:t>
+            </a:r>
+            <a:r>
+              <a:rPr lang="en-US" altLang="zh-CN" dirty="0"/>
+              <a:t>::</a:t>
+            </a:r>
+            <a:r>
+              <a:rPr lang="en-US" altLang="zh-CN" dirty="0" err="1"/>
+              <a:t>make_index_sequence</a:t>
+            </a:r>
+            <a:r>
+              <a:rPr lang="en-US" altLang="zh-CN" dirty="0"/>
+              <a:t>&lt;</a:t>
+            </a:r>
+            <a:r>
+              <a:rPr lang="en-US" altLang="zh-CN" dirty="0" err="1"/>
+              <a:t>std</a:t>
+            </a:r>
+            <a:r>
+              <a:rPr lang="en-US" altLang="zh-CN" dirty="0"/>
+              <a:t>::</a:t>
+            </a:r>
+            <a:r>
+              <a:rPr lang="en-US" altLang="zh-CN" dirty="0" err="1"/>
+              <a:t>tuple_size</a:t>
+            </a:r>
+            <a:r>
+              <a:rPr lang="en-US" altLang="zh-CN" dirty="0"/>
+              <a:t>&lt;</a:t>
+            </a:r>
+            <a:r>
+              <a:rPr lang="en-US" altLang="zh-CN" dirty="0" err="1"/>
+              <a:t>std</a:t>
+            </a:r>
+            <a:r>
+              <a:rPr lang="en-US" altLang="zh-CN" dirty="0"/>
+              <a:t>::</a:t>
+            </a:r>
+            <a:r>
+              <a:rPr lang="en-US" altLang="zh-CN" dirty="0" err="1"/>
+              <a:t>decay_t</a:t>
+            </a:r>
+            <a:r>
+              <a:rPr lang="en-US" altLang="zh-CN" dirty="0"/>
+              <a:t>&lt;Tuple&gt;&gt;::value&gt;{});</a:t>
+            </a:r>
+          </a:p>
+          <a:p>
+            <a:r>
+              <a:rPr lang="en-US" altLang="zh-CN" dirty="0" smtClean="0"/>
+              <a:t>}</a:t>
+            </a:r>
+          </a:p>
+          <a:p>
+            <a:endParaRPr lang="en-US" altLang="zh-CN" sz="1400" dirty="0"/>
+          </a:p>
+          <a:p>
+            <a:r>
+              <a:rPr lang="en-US" altLang="zh-CN" sz="1400" dirty="0" smtClean="0"/>
+              <a:t>implemented by C++14</a:t>
+            </a:r>
+            <a:endParaRPr lang="en-US" altLang="zh-CN" sz="1400" dirty="0"/>
+          </a:p>
+        </p:txBody>
+      </p:sp>
+    </p:spTree>
+  </p:cSld>
+  <p:clrMapOvr>
+    <a:masterClrMapping/>
+  </p:clrMapOvr>
+  <p:timing>
+    <p:tnLst>
+      <p:par>
+        <p:cTn id="1" dur="indefinite" restart="never" nodeType="tmRoot"/>
+      </p:par>
+    </p:tnLst>
+  </p:timing>
+</p:sld>
+</file>
+
 <file path=ppt/slides/slide25.xml><?xml version="1.0" encoding="utf-8"?>
 <p:sld xmlns:a="http://schemas.openxmlformats.org/drawingml/2006/main" xmlns:r="http://schemas.openxmlformats.org/officeDocument/2006/relationships" xmlns:p="http://schemas.openxmlformats.org/presentationml/2006/main">
   <p:cSld>
@@ -14403,15 +14526,15 @@
           <a:p>
             <a:r>
               <a:rPr lang="en-US" altLang="zh-CN" dirty="0"/>
-              <a:t>How to </a:t>
+              <a:t>How to route </a:t>
             </a:r>
             <a:r>
               <a:rPr lang="en-US" altLang="zh-CN" dirty="0" smtClean="0"/>
-              <a:t>route to </a:t>
-            </a:r>
-            <a:r>
-              <a:rPr lang="en-US" altLang="zh-CN" dirty="0"/>
-              <a:t>the correct handler</a:t>
+              <a:t>to the </a:t>
+            </a:r>
+            <a:r>
+              <a:rPr lang="en-US" altLang="zh-CN" dirty="0"/>
+              <a:t>correct handler</a:t>
             </a:r>
             <a:endParaRPr lang="zh-CN" altLang="en-US" dirty="0"/>
           </a:p>
@@ -14433,8 +14556,12 @@
           <a:lstStyle/>
           <a:p>
             <a:r>
-              <a:rPr lang="en-US" altLang="zh-CN" dirty="0"/>
-              <a:t>template &lt;class F, class Tuple, </a:t>
+              <a:rPr lang="en-US" altLang="zh-CN" dirty="0" smtClean="0"/>
+              <a:t>void </a:t>
+            </a:r>
+            <a:r>
+              <a:rPr lang="en-US" altLang="zh-CN" dirty="0"/>
+              <a:t>foo(</a:t>
             </a:r>
             <a:r>
               <a:rPr lang="en-US" altLang="zh-CN" dirty="0" err="1"/>
@@ -14442,41 +14569,42 @@
             </a:r>
             <a:r>
               <a:rPr lang="en-US" altLang="zh-CN" dirty="0"/>
+              <a:t>::string b, </a:t>
+            </a:r>
+            <a:r>
+              <a:rPr lang="en-US" altLang="zh-CN" dirty="0" err="1"/>
+              <a:t>int</a:t>
+            </a:r>
+            <a:r>
+              <a:rPr lang="en-US" altLang="zh-CN" dirty="0"/>
+              <a:t> a</a:t>
+            </a:r>
+            <a:r>
+              <a:rPr lang="en-US" altLang="zh-CN" dirty="0" smtClean="0"/>
+              <a:t>){</a:t>
+            </a:r>
+            <a:endParaRPr lang="en-US" altLang="zh-CN" dirty="0"/>
+          </a:p>
+          <a:p>
+            <a:r>
+              <a:rPr lang="en-US" altLang="zh-CN" dirty="0" smtClean="0"/>
+              <a:t>    </a:t>
+            </a:r>
+            <a:r>
+              <a:rPr lang="en-US" altLang="zh-CN" dirty="0" err="1" smtClean="0"/>
+              <a:t>std</a:t>
+            </a:r>
+            <a:r>
+              <a:rPr lang="en-US" altLang="zh-CN" dirty="0"/>
               <a:t>::</a:t>
             </a:r>
             <a:r>
               <a:rPr lang="en-US" altLang="zh-CN" dirty="0" err="1"/>
-              <a:t>size_t</a:t>
-            </a:r>
-            <a:r>
-              <a:rPr lang="en-US" altLang="zh-CN" dirty="0"/>
-              <a:t>... I&gt;</a:t>
-            </a:r>
-          </a:p>
-          <a:p>
-            <a:r>
-              <a:rPr lang="en-US" altLang="zh-CN" dirty="0" err="1"/>
-              <a:t>constexpr</a:t>
-            </a:r>
-            <a:r>
-              <a:rPr lang="en-US" altLang="zh-CN" dirty="0"/>
-              <a:t> </a:t>
-            </a:r>
-            <a:r>
-              <a:rPr lang="en-US" altLang="zh-CN" dirty="0" err="1"/>
-              <a:t>decltype</a:t>
-            </a:r>
-            <a:r>
-              <a:rPr lang="en-US" altLang="zh-CN" dirty="0"/>
-              <a:t>(auto) </a:t>
-            </a:r>
-            <a:r>
-              <a:rPr lang="en-US" altLang="zh-CN" dirty="0" err="1"/>
-              <a:t>apply_impl</a:t>
-            </a:r>
-            <a:r>
-              <a:rPr lang="en-US" altLang="zh-CN" dirty="0"/>
-              <a:t>(F &amp;&amp;f, Tuple &amp;&amp;t, </a:t>
+              <a:t>cout</a:t>
+            </a:r>
+            <a:r>
+              <a:rPr lang="en-US" altLang="zh-CN" dirty="0"/>
+              <a:t> &lt;&lt; b &lt;&lt; </a:t>
             </a:r>
             <a:r>
               <a:rPr lang="en-US" altLang="zh-CN" dirty="0" err="1"/>
@@ -14488,170 +14616,11 @@
             </a:r>
             <a:r>
               <a:rPr lang="en-US" altLang="zh-CN" dirty="0" err="1"/>
-              <a:t>index_sequence</a:t>
-            </a:r>
-            <a:r>
-              <a:rPr lang="en-US" altLang="zh-CN" dirty="0"/>
-              <a:t>&lt;I...&gt;)</a:t>
-            </a:r>
-          </a:p>
-          <a:p>
-            <a:r>
-              <a:rPr lang="en-US" altLang="zh-CN" dirty="0"/>
-              <a:t>{</a:t>
-            </a:r>
-          </a:p>
-          <a:p>
-            <a:r>
-              <a:rPr lang="en-US" altLang="zh-CN" dirty="0" smtClean="0"/>
-              <a:t>    return </a:t>
-            </a:r>
-            <a:r>
-              <a:rPr lang="en-US" altLang="zh-CN" dirty="0" err="1"/>
-              <a:t>std</a:t>
-            </a:r>
-            <a:r>
-              <a:rPr lang="en-US" altLang="zh-CN" dirty="0"/>
-              <a:t>::forward&lt;F&gt;(f)(</a:t>
-            </a:r>
-            <a:r>
-              <a:rPr lang="en-US" altLang="zh-CN" dirty="0" err="1"/>
-              <a:t>std</a:t>
-            </a:r>
-            <a:r>
-              <a:rPr lang="en-US" altLang="zh-CN" dirty="0"/>
-              <a:t>::get&lt;I&gt;(</a:t>
-            </a:r>
-            <a:r>
-              <a:rPr lang="en-US" altLang="zh-CN" dirty="0" err="1"/>
-              <a:t>std</a:t>
-            </a:r>
-            <a:r>
-              <a:rPr lang="en-US" altLang="zh-CN" dirty="0"/>
-              <a:t>::forward&lt;Tuple&gt;(t))...);</a:t>
-            </a:r>
-          </a:p>
-          <a:p>
-            <a:r>
-              <a:rPr lang="en-US" altLang="zh-CN" dirty="0"/>
-              <a:t>}</a:t>
-            </a:r>
-          </a:p>
-          <a:p>
-            <a:endParaRPr lang="zh-CN" altLang="en-US" dirty="0"/>
-          </a:p>
-          <a:p>
-            <a:r>
-              <a:rPr lang="en-US" altLang="zh-CN" dirty="0"/>
-              <a:t>template &lt;class F, class Tuple&gt;</a:t>
-            </a:r>
-          </a:p>
-          <a:p>
-            <a:r>
-              <a:rPr lang="en-US" altLang="zh-CN" dirty="0" err="1"/>
-              <a:t>constexpr</a:t>
-            </a:r>
-            <a:r>
-              <a:rPr lang="en-US" altLang="zh-CN" dirty="0"/>
-              <a:t> </a:t>
-            </a:r>
-            <a:r>
-              <a:rPr lang="en-US" altLang="zh-CN" dirty="0" err="1"/>
-              <a:t>decltype</a:t>
-            </a:r>
-            <a:r>
-              <a:rPr lang="en-US" altLang="zh-CN" dirty="0"/>
-              <a:t>(auto) apply(F &amp;&amp;f, Tuple &amp;&amp;t)</a:t>
-            </a:r>
-          </a:p>
-          <a:p>
-            <a:r>
-              <a:rPr lang="en-US" altLang="zh-CN" dirty="0"/>
-              <a:t>{</a:t>
-            </a:r>
-          </a:p>
-          <a:p>
-            <a:r>
-              <a:rPr lang="en-US" altLang="zh-CN" dirty="0" smtClean="0"/>
-              <a:t>    return </a:t>
-            </a:r>
-            <a:r>
-              <a:rPr lang="en-US" altLang="zh-CN" dirty="0" err="1"/>
-              <a:t>apply_impl</a:t>
-            </a:r>
-            <a:r>
-              <a:rPr lang="en-US" altLang="zh-CN" dirty="0"/>
-              <a:t>(</a:t>
-            </a:r>
-            <a:r>
-              <a:rPr lang="en-US" altLang="zh-CN" dirty="0" err="1"/>
-              <a:t>std</a:t>
-            </a:r>
-            <a:r>
-              <a:rPr lang="en-US" altLang="zh-CN" dirty="0"/>
-              <a:t>::forward&lt;F&gt;(f), </a:t>
-            </a:r>
-            <a:r>
-              <a:rPr lang="en-US" altLang="zh-CN" dirty="0" err="1"/>
-              <a:t>std</a:t>
-            </a:r>
-            <a:r>
-              <a:rPr lang="en-US" altLang="zh-CN" dirty="0"/>
-              <a:t>::forward&lt;Tuple&gt;(t),</a:t>
-            </a:r>
-          </a:p>
-          <a:p>
-            <a:r>
-              <a:rPr lang="en-US" altLang="zh-CN" dirty="0" smtClean="0"/>
-              <a:t>        </a:t>
-            </a:r>
-            <a:r>
-              <a:rPr lang="en-US" altLang="zh-CN" dirty="0" err="1" smtClean="0"/>
-              <a:t>std</a:t>
-            </a:r>
-            <a:r>
-              <a:rPr lang="en-US" altLang="zh-CN" dirty="0"/>
-              <a:t>::</a:t>
-            </a:r>
-            <a:r>
-              <a:rPr lang="en-US" altLang="zh-CN" dirty="0" err="1"/>
-              <a:t>make_index_sequence</a:t>
-            </a:r>
-            <a:r>
-              <a:rPr lang="en-US" altLang="zh-CN" dirty="0"/>
-              <a:t>&lt;</a:t>
-            </a:r>
-            <a:r>
-              <a:rPr lang="en-US" altLang="zh-CN" dirty="0" err="1"/>
-              <a:t>std</a:t>
-            </a:r>
-            <a:r>
-              <a:rPr lang="en-US" altLang="zh-CN" dirty="0"/>
-              <a:t>::</a:t>
-            </a:r>
-            <a:r>
-              <a:rPr lang="en-US" altLang="zh-CN" dirty="0" err="1"/>
-              <a:t>tuple_size</a:t>
-            </a:r>
-            <a:r>
-              <a:rPr lang="en-US" altLang="zh-CN" dirty="0"/>
-              <a:t>&lt;</a:t>
-            </a:r>
-            <a:r>
-              <a:rPr lang="en-US" altLang="zh-CN" dirty="0" err="1"/>
-              <a:t>std</a:t>
-            </a:r>
-            <a:r>
-              <a:rPr lang="en-US" altLang="zh-CN" dirty="0"/>
-              <a:t>::</a:t>
-            </a:r>
-            <a:r>
-              <a:rPr lang="en-US" altLang="zh-CN" dirty="0" err="1"/>
-              <a:t>decay_t</a:t>
-            </a:r>
-            <a:r>
-              <a:rPr lang="en-US" altLang="zh-CN" dirty="0"/>
-              <a:t>&lt;Tuple&gt;&gt;::value&gt;{});</a:t>
+              <a:t>endl</a:t>
+            </a:r>
+            <a:r>
+              <a:rPr lang="en-US" altLang="zh-CN" dirty="0"/>
+              <a:t>;</a:t>
             </a:r>
           </a:p>
           <a:p>
@@ -14661,14 +14630,70 @@
             </a:r>
           </a:p>
           <a:p>
-            <a:endParaRPr lang="en-US" altLang="zh-CN" sz="1400" dirty="0"/>
-          </a:p>
-          <a:p>
-            <a:r>
-              <a:rPr lang="en-US" altLang="zh-CN" sz="1400" dirty="0" smtClean="0"/>
-              <a:t>implemented by C++14</a:t>
-            </a:r>
-            <a:endParaRPr lang="en-US" altLang="zh-CN" sz="1400" dirty="0"/>
+            <a:endParaRPr lang="en-US" altLang="zh-CN" dirty="0" smtClean="0"/>
+          </a:p>
+          <a:p>
+            <a:r>
+              <a:rPr lang="en-US" altLang="zh-CN" dirty="0" smtClean="0"/>
+              <a:t>router </a:t>
+            </a:r>
+            <a:r>
+              <a:rPr lang="en-US" altLang="zh-CN" dirty="0"/>
+              <a:t>r;</a:t>
+            </a:r>
+          </a:p>
+          <a:p>
+            <a:r>
+              <a:rPr lang="en-US" altLang="zh-CN" dirty="0" err="1" smtClean="0"/>
+              <a:t>r.register_handler</a:t>
+            </a:r>
+            <a:r>
+              <a:rPr lang="en-US" altLang="zh-CN" dirty="0"/>
+              <a:t>("</a:t>
+            </a:r>
+            <a:r>
+              <a:rPr lang="en-US" altLang="zh-CN" dirty="0" smtClean="0"/>
+              <a:t>fun", </a:t>
+            </a:r>
+            <a:r>
+              <a:rPr lang="en-US" altLang="zh-CN" dirty="0"/>
+              <a:t>&amp;foo</a:t>
+            </a:r>
+            <a:r>
+              <a:rPr lang="en-US" altLang="zh-CN" dirty="0" smtClean="0"/>
+              <a:t>);</a:t>
+            </a:r>
+          </a:p>
+          <a:p>
+            <a:endParaRPr lang="en-US" altLang="zh-CN" dirty="0" smtClean="0"/>
+          </a:p>
+          <a:p>
+            <a:r>
+              <a:rPr lang="en-US" altLang="zh-CN" dirty="0" smtClean="0"/>
+              <a:t>string s </a:t>
+            </a:r>
+            <a:r>
+              <a:rPr lang="en-US" altLang="zh-CN" dirty="0"/>
+              <a:t>= "fun/test/1"; //</a:t>
+            </a:r>
+            <a:r>
+              <a:rPr lang="en-US" altLang="zh-CN" dirty="0" err="1"/>
+              <a:t>url</a:t>
+            </a:r>
+            <a:r>
+              <a:rPr lang="en-US" altLang="zh-CN" dirty="0"/>
+              <a:t> from client</a:t>
+            </a:r>
+          </a:p>
+          <a:p>
+            <a:r>
+              <a:rPr lang="en-US" altLang="zh-CN" dirty="0" err="1" smtClean="0"/>
+              <a:t>r.route</a:t>
+            </a:r>
+            <a:r>
+              <a:rPr lang="en-US" altLang="zh-CN" dirty="0" smtClean="0"/>
+              <a:t>(s);  //route and execute</a:t>
+            </a:r>
           </a:p>
         </p:txBody>
       </p:sp>
@@ -14688,240 +14713,6 @@
 </file>
 
 <file path=ppt/slides/slide26.xml><?xml version="1.0" encoding="utf-8"?>
-<p:sld xmlns:a="http://schemas.openxmlformats.org/drawingml/2006/main" xmlns:r="http://schemas.openxmlformats.org/officeDocument/2006/relationships" xmlns:p="http://schemas.openxmlformats.org/presentationml/2006/main">
-  <p:cSld>
-    <p:spTree>
-      <p:nvGrpSpPr>
-        <p:cNvPr id="1" name=""/>
-        <p:cNvGrpSpPr/>
-        <p:nvPr/>
-      </p:nvGrpSpPr>
-      <p:grpSpPr>
-        <a:xfrm>
-          <a:off x="0" y="0"/>
-          <a:ext cx="0" cy="0"/>
-          <a:chOff x="0" y="0"/>
-          <a:chExt cx="0" cy="0"/>
-        </a:xfrm>
-      </p:grpSpPr>
-      <p:sp>
-        <p:nvSpPr>
-          <p:cNvPr id="2" name="标题 1"/>
-          <p:cNvSpPr>
-            <a:spLocks noGrp="1"/>
-          </p:cNvSpPr>
-          <p:nvPr>
-            <p:ph type="title"/>
-          </p:nvPr>
-        </p:nvSpPr>
-        <p:spPr/>
-        <p:txBody>
-          <a:bodyPr/>
-          <a:lstStyle/>
-          <a:p>
-            <a:r>
-              <a:rPr lang="en-US" altLang="zh-CN" dirty="0"/>
-              <a:t>How to route </a:t>
-            </a:r>
-            <a:r>
-              <a:rPr lang="en-US" altLang="zh-CN" dirty="0" smtClean="0"/>
-              <a:t>to the </a:t>
-            </a:r>
-            <a:r>
-              <a:rPr lang="en-US" altLang="zh-CN" dirty="0"/>
-              <a:t>correct handler</a:t>
-            </a:r>
-            <a:endParaRPr lang="zh-CN" altLang="en-US" dirty="0"/>
-          </a:p>
-        </p:txBody>
-      </p:sp>
-      <p:sp>
-        <p:nvSpPr>
-          <p:cNvPr id="3" name="文本占位符 2"/>
-          <p:cNvSpPr>
-            <a:spLocks noGrp="1"/>
-          </p:cNvSpPr>
-          <p:nvPr>
-            <p:ph type="body" sz="half" idx="2"/>
-          </p:nvPr>
-        </p:nvSpPr>
-        <p:spPr/>
-        <p:txBody>
-          <a:bodyPr/>
-          <a:lstStyle/>
-          <a:p>
-            <a:r>
-              <a:rPr lang="en-US" altLang="zh-CN" dirty="0" smtClean="0"/>
-              <a:t>void </a:t>
-            </a:r>
-            <a:r>
-              <a:rPr lang="en-US" altLang="zh-CN" dirty="0"/>
-              <a:t>foo(</a:t>
-            </a:r>
-            <a:r>
-              <a:rPr lang="en-US" altLang="zh-CN" dirty="0" err="1"/>
-              <a:t>std</a:t>
-            </a:r>
-            <a:r>
-              <a:rPr lang="en-US" altLang="zh-CN" dirty="0"/>
-              <a:t>::string b, </a:t>
-            </a:r>
-            <a:r>
-              <a:rPr lang="en-US" altLang="zh-CN" dirty="0" err="1"/>
-              <a:t>int</a:t>
-            </a:r>
-            <a:r>
-              <a:rPr lang="en-US" altLang="zh-CN" dirty="0"/>
-              <a:t> a</a:t>
-            </a:r>
-            <a:r>
-              <a:rPr lang="en-US" altLang="zh-CN" dirty="0" smtClean="0"/>
-              <a:t>){</a:t>
-            </a:r>
-            <a:endParaRPr lang="en-US" altLang="zh-CN" dirty="0"/>
-          </a:p>
-          <a:p>
-            <a:r>
-              <a:rPr lang="en-US" altLang="zh-CN" dirty="0" smtClean="0"/>
-              <a:t>    </a:t>
-            </a:r>
-            <a:r>
-              <a:rPr lang="en-US" altLang="zh-CN" dirty="0" err="1" smtClean="0"/>
-              <a:t>std</a:t>
-            </a:r>
-            <a:r>
-              <a:rPr lang="en-US" altLang="zh-CN" dirty="0"/>
-              <a:t>::</a:t>
-            </a:r>
-            <a:r>
-              <a:rPr lang="en-US" altLang="zh-CN" dirty="0" err="1"/>
-              <a:t>cout</a:t>
-            </a:r>
-            <a:r>
-              <a:rPr lang="en-US" altLang="zh-CN" dirty="0"/>
-              <a:t> &lt;&lt; b &lt;&lt; </a:t>
-            </a:r>
-            <a:r>
-              <a:rPr lang="en-US" altLang="zh-CN" dirty="0" err="1"/>
-              <a:t>std</a:t>
-            </a:r>
-            <a:r>
-              <a:rPr lang="en-US" altLang="zh-CN" dirty="0"/>
-              <a:t>::</a:t>
-            </a:r>
-            <a:r>
-              <a:rPr lang="en-US" altLang="zh-CN" dirty="0" err="1"/>
-              <a:t>endl</a:t>
-            </a:r>
-            <a:r>
-              <a:rPr lang="en-US" altLang="zh-CN" dirty="0"/>
-              <a:t>;</a:t>
-            </a:r>
-          </a:p>
-          <a:p>
-            <a:r>
-              <a:rPr lang="en-US" altLang="zh-CN" dirty="0" smtClean="0"/>
-              <a:t>}</a:t>
-            </a:r>
-          </a:p>
-          <a:p>
-            <a:endParaRPr lang="en-US" altLang="zh-CN" dirty="0" smtClean="0"/>
-          </a:p>
-          <a:p>
-            <a:r>
-              <a:rPr lang="en-US" altLang="zh-CN" dirty="0" smtClean="0"/>
-              <a:t>router </a:t>
-            </a:r>
-            <a:r>
-              <a:rPr lang="en-US" altLang="zh-CN" dirty="0"/>
-              <a:t>r;</a:t>
-            </a:r>
-          </a:p>
-          <a:p>
-            <a:r>
-              <a:rPr lang="en-US" altLang="zh-CN" dirty="0" err="1" smtClean="0"/>
-              <a:t>r.register_handler</a:t>
-            </a:r>
-            <a:r>
-              <a:rPr lang="en-US" altLang="zh-CN" dirty="0"/>
-              <a:t>("</a:t>
-            </a:r>
-            <a:r>
-              <a:rPr lang="en-US" altLang="zh-CN" dirty="0" smtClean="0"/>
-              <a:t>fun", </a:t>
-            </a:r>
-            <a:r>
-              <a:rPr lang="en-US" altLang="zh-CN" dirty="0"/>
-              <a:t>&amp;foo</a:t>
-            </a:r>
-            <a:r>
-              <a:rPr lang="en-US" altLang="zh-CN" dirty="0" smtClean="0"/>
-              <a:t>);</a:t>
-            </a:r>
-          </a:p>
-          <a:p>
-            <a:endParaRPr lang="en-US" altLang="zh-CN" dirty="0" smtClean="0"/>
-          </a:p>
-          <a:p>
-            <a:r>
-              <a:rPr lang="en-US" altLang="zh-CN" dirty="0" smtClean="0"/>
-              <a:t>string s </a:t>
-            </a:r>
-            <a:r>
-              <a:rPr lang="en-US" altLang="zh-CN" dirty="0"/>
-              <a:t>= "fun/test/1</a:t>
-            </a:r>
-            <a:r>
-              <a:rPr lang="en-US" altLang="zh-CN" dirty="0"/>
-              <a:t>"; //</a:t>
-            </a:r>
-            <a:r>
-              <a:rPr lang="en-US" altLang="zh-CN" dirty="0" err="1"/>
-              <a:t>url</a:t>
-            </a:r>
-            <a:r>
-              <a:rPr lang="en-US" altLang="zh-CN" dirty="0"/>
-              <a:t> from client</a:t>
-            </a:r>
-            <a:endParaRPr lang="en-US" altLang="zh-CN" dirty="0"/>
-          </a:p>
-          <a:p>
-            <a:r>
-              <a:rPr lang="en-US" altLang="zh-CN" dirty="0" err="1" smtClean="0"/>
-              <a:t>r.route</a:t>
-            </a:r>
-            <a:r>
-              <a:rPr lang="en-US" altLang="zh-CN" dirty="0" smtClean="0"/>
-              <a:t>(s);  </a:t>
-            </a:r>
-            <a:r>
-              <a:rPr lang="en-US" altLang="zh-CN" dirty="0" smtClean="0"/>
-              <a:t>//route and </a:t>
-            </a:r>
-            <a:r>
-              <a:rPr lang="en-US" altLang="zh-CN" dirty="0" smtClean="0"/>
-              <a:t>execute</a:t>
-            </a:r>
-            <a:endParaRPr lang="en-US" altLang="zh-CN" dirty="0" smtClean="0"/>
-          </a:p>
-        </p:txBody>
-      </p:sp>
-    </p:spTree>
-  </p:cSld>
-  <p:clrMapOvr>
-    <a:masterClrMapping/>
-  </p:clrMapOvr>
-  <p:timing>
-    <p:tnLst>
-      <p:par>
-        <p:cTn id="1" dur="indefinite" restart="never" nodeType="tmRoot"/>
-      </p:par>
-    </p:tnLst>
-  </p:timing>
-</p:sld>
-</file>
-
-<file path=ppt/slides/slide27.xml><?xml version="1.0" encoding="utf-8"?>
 <p:sld xmlns:a="http://schemas.openxmlformats.org/drawingml/2006/main" xmlns:r="http://schemas.openxmlformats.org/officeDocument/2006/relationships" xmlns:p="http://schemas.openxmlformats.org/presentationml/2006/main">
   <p:cSld>
     <p:spTree>
@@ -15758,7 +15549,7 @@
 </p:sld>
 </file>
 
-<file path=ppt/slides/slide28.xml><?xml version="1.0" encoding="utf-8"?>
+<file path=ppt/slides/slide27.xml><?xml version="1.0" encoding="utf-8"?>
 <p:sld xmlns:a="http://schemas.openxmlformats.org/drawingml/2006/main" xmlns:r="http://schemas.openxmlformats.org/officeDocument/2006/relationships" xmlns:p="http://schemas.openxmlformats.org/presentationml/2006/main">
   <p:cSld>
     <p:spTree>
@@ -16748,7 +16539,7 @@
 </p:sld>
 </file>
 
-<file path=ppt/slides/slide29.xml><?xml version="1.0" encoding="utf-8"?>
+<file path=ppt/slides/slide28.xml><?xml version="1.0" encoding="utf-8"?>
 <p:sld xmlns:a="http://schemas.openxmlformats.org/drawingml/2006/main" xmlns:r="http://schemas.openxmlformats.org/officeDocument/2006/relationships" xmlns:p="http://schemas.openxmlformats.org/presentationml/2006/main">
   <p:cSld>
     <p:spTree>
@@ -17331,6 +17122,566 @@
     </p:tnLst>
     <p:bldLst>
       <p:bldP spid="4" grpId="0"/>
+    </p:bldLst>
+  </p:timing>
+</p:sld>
+</file>
+
+<file path=ppt/slides/slide29.xml><?xml version="1.0" encoding="utf-8"?>
+<p:sld xmlns:a="http://schemas.openxmlformats.org/drawingml/2006/main" xmlns:r="http://schemas.openxmlformats.org/officeDocument/2006/relationships" xmlns:p="http://schemas.openxmlformats.org/presentationml/2006/main">
+  <p:cSld>
+    <p:spTree>
+      <p:nvGrpSpPr>
+        <p:cNvPr id="1" name=""/>
+        <p:cNvGrpSpPr/>
+        <p:nvPr/>
+      </p:nvGrpSpPr>
+      <p:grpSpPr>
+        <a:xfrm>
+          <a:off x="0" y="0"/>
+          <a:ext cx="0" cy="0"/>
+          <a:chOff x="0" y="0"/>
+          <a:chExt cx="0" cy="0"/>
+        </a:xfrm>
+      </p:grpSpPr>
+      <p:sp>
+        <p:nvSpPr>
+          <p:cNvPr id="2" name="标题 1"/>
+          <p:cNvSpPr>
+            <a:spLocks noGrp="1"/>
+          </p:cNvSpPr>
+          <p:nvPr>
+            <p:ph type="title"/>
+          </p:nvPr>
+        </p:nvSpPr>
+        <p:spPr/>
+        <p:txBody>
+          <a:bodyPr/>
+          <a:lstStyle/>
+          <a:p>
+            <a:r>
+              <a:rPr lang="en-US" altLang="zh-CN" dirty="0"/>
+              <a:t>How to </a:t>
+            </a:r>
+            <a:r>
+              <a:rPr lang="en-US" altLang="zh-CN" dirty="0" smtClean="0"/>
+              <a:t>route to </a:t>
+            </a:r>
+            <a:r>
+              <a:rPr lang="en-US" altLang="zh-CN" dirty="0"/>
+              <a:t>the correct handler</a:t>
+            </a:r>
+            <a:endParaRPr lang="zh-CN" altLang="en-US" dirty="0"/>
+          </a:p>
+        </p:txBody>
+      </p:sp>
+      <p:sp>
+        <p:nvSpPr>
+          <p:cNvPr id="3" name="文本占位符 2"/>
+          <p:cNvSpPr>
+            <a:spLocks noGrp="1"/>
+          </p:cNvSpPr>
+          <p:nvPr>
+            <p:ph type="body" sz="half" idx="2"/>
+          </p:nvPr>
+        </p:nvSpPr>
+        <p:spPr/>
+        <p:txBody>
+          <a:bodyPr/>
+          <a:lstStyle/>
+          <a:p>
+            <a:r>
+              <a:rPr lang="en-US" altLang="zh-CN" dirty="0" err="1"/>
+              <a:t>struct</a:t>
+            </a:r>
+            <a:r>
+              <a:rPr lang="en-US" altLang="zh-CN" dirty="0"/>
+              <a:t> router</a:t>
+            </a:r>
+          </a:p>
+          <a:p>
+            <a:r>
+              <a:rPr lang="en-US" altLang="zh-CN" dirty="0"/>
+              <a:t>{</a:t>
+            </a:r>
+          </a:p>
+          <a:p>
+            <a:r>
+              <a:rPr lang="en-US" altLang="zh-CN" dirty="0" smtClean="0"/>
+              <a:t>    template&lt;</a:t>
+            </a:r>
+            <a:r>
+              <a:rPr lang="en-US" altLang="zh-CN" dirty="0" err="1" smtClean="0"/>
+              <a:t>typename</a:t>
+            </a:r>
+            <a:r>
+              <a:rPr lang="en-US" altLang="zh-CN" dirty="0" smtClean="0"/>
+              <a:t> </a:t>
+            </a:r>
+            <a:r>
+              <a:rPr lang="en-US" altLang="zh-CN" dirty="0"/>
+              <a:t>Function&gt;</a:t>
+            </a:r>
+          </a:p>
+          <a:p>
+            <a:r>
+              <a:rPr lang="en-US" altLang="zh-CN" dirty="0" smtClean="0"/>
+              <a:t>    void </a:t>
+            </a:r>
+            <a:r>
+              <a:rPr lang="en-US" altLang="zh-CN" dirty="0" err="1"/>
+              <a:t>register_handler</a:t>
+            </a:r>
+            <a:r>
+              <a:rPr lang="en-US" altLang="zh-CN" dirty="0"/>
+              <a:t>(</a:t>
+            </a:r>
+            <a:r>
+              <a:rPr lang="en-US" altLang="zh-CN" dirty="0" err="1"/>
+              <a:t>std</a:t>
+            </a:r>
+            <a:r>
+              <a:rPr lang="en-US" altLang="zh-CN" dirty="0"/>
+              <a:t>::string </a:t>
+            </a:r>
+            <a:r>
+              <a:rPr lang="en-US" altLang="zh-CN" dirty="0" err="1"/>
+              <a:t>const</a:t>
+            </a:r>
+            <a:r>
+              <a:rPr lang="en-US" altLang="zh-CN" dirty="0"/>
+              <a:t> &amp; name, </a:t>
+            </a:r>
+            <a:r>
+              <a:rPr lang="en-US" altLang="zh-CN" dirty="0" err="1"/>
+              <a:t>const</a:t>
+            </a:r>
+            <a:r>
+              <a:rPr lang="en-US" altLang="zh-CN" dirty="0"/>
+              <a:t> Function&amp; f)</a:t>
+            </a:r>
+          </a:p>
+          <a:p>
+            <a:r>
+              <a:rPr lang="en-US" altLang="zh-CN" dirty="0" smtClean="0"/>
+              <a:t>    {</a:t>
+            </a:r>
+          </a:p>
+          <a:p>
+            <a:r>
+              <a:rPr lang="en-US" altLang="zh-CN" dirty="0" smtClean="0"/>
+              <a:t>        </a:t>
+            </a:r>
+            <a:r>
+              <a:rPr lang="en-US" altLang="zh-CN" dirty="0"/>
+              <a:t>using </a:t>
+            </a:r>
+            <a:r>
+              <a:rPr lang="en-US" altLang="zh-CN" dirty="0" err="1"/>
+              <a:t>std</a:t>
+            </a:r>
+            <a:r>
+              <a:rPr lang="en-US" altLang="zh-CN" dirty="0"/>
+              <a:t>::placeholders::_1</a:t>
+            </a:r>
+            <a:r>
+              <a:rPr lang="en-US" altLang="zh-CN" dirty="0" smtClean="0"/>
+              <a:t>;</a:t>
+            </a:r>
+            <a:endParaRPr lang="en-US" altLang="zh-CN" dirty="0"/>
+          </a:p>
+          <a:p>
+            <a:r>
+              <a:rPr lang="en-US" altLang="zh-CN" dirty="0" smtClean="0"/>
+              <a:t>        this-</a:t>
+            </a:r>
+            <a:r>
+              <a:rPr lang="en-US" altLang="zh-CN" dirty="0"/>
+              <a:t>&gt;invokers_[name] = </a:t>
+            </a:r>
+            <a:r>
+              <a:rPr lang="en-US" altLang="zh-CN" dirty="0" err="1">
+                <a:solidFill>
+                  <a:srgbClr val="FF0000"/>
+                </a:solidFill>
+              </a:rPr>
+              <a:t>std</a:t>
+            </a:r>
+            <a:r>
+              <a:rPr lang="en-US" altLang="zh-CN" dirty="0">
+                <a:solidFill>
+                  <a:srgbClr val="FF0000"/>
+                </a:solidFill>
+              </a:rPr>
+              <a:t>::bind(&amp;invoker&lt;Function&gt;::template </a:t>
+            </a:r>
+            <a:r>
+              <a:rPr lang="en-US" altLang="zh-CN" dirty="0" smtClean="0">
+                <a:solidFill>
+                  <a:srgbClr val="FF0000"/>
+                </a:solidFill>
+              </a:rPr>
+              <a:t>                  apply&lt;</a:t>
+            </a:r>
+            <a:r>
+              <a:rPr lang="en-US" altLang="zh-CN" dirty="0" err="1" smtClean="0">
+                <a:solidFill>
+                  <a:srgbClr val="FF0000"/>
+                </a:solidFill>
+              </a:rPr>
+              <a:t>std</a:t>
+            </a:r>
+            <a:r>
+              <a:rPr lang="en-US" altLang="zh-CN" dirty="0">
+                <a:solidFill>
+                  <a:srgbClr val="FF0000"/>
+                </a:solidFill>
+              </a:rPr>
+              <a:t>::tuple&lt;&gt;&gt;, </a:t>
+            </a:r>
+            <a:r>
+              <a:rPr lang="en-US" altLang="zh-CN" dirty="0" smtClean="0">
+                <a:solidFill>
+                  <a:srgbClr val="FF0000"/>
+                </a:solidFill>
+              </a:rPr>
+              <a:t>f, _</a:t>
+            </a:r>
+            <a:r>
+              <a:rPr lang="en-US" altLang="zh-CN" dirty="0">
+                <a:solidFill>
+                  <a:srgbClr val="FF0000"/>
+                </a:solidFill>
+              </a:rPr>
+              <a:t>1, </a:t>
+            </a:r>
+            <a:r>
+              <a:rPr lang="en-US" altLang="zh-CN" dirty="0" err="1">
+                <a:solidFill>
+                  <a:srgbClr val="FF0000"/>
+                </a:solidFill>
+              </a:rPr>
+              <a:t>std</a:t>
+            </a:r>
+            <a:r>
+              <a:rPr lang="en-US" altLang="zh-CN" dirty="0">
+                <a:solidFill>
+                  <a:srgbClr val="FF0000"/>
+                </a:solidFill>
+              </a:rPr>
+              <a:t>::tuple&lt;&gt;());</a:t>
+            </a:r>
+          </a:p>
+          <a:p>
+            <a:r>
+              <a:rPr lang="en-US" altLang="zh-CN" dirty="0" smtClean="0"/>
+              <a:t>    }</a:t>
+            </a:r>
+          </a:p>
+          <a:p>
+            <a:endParaRPr lang="en-US" altLang="zh-CN" dirty="0" smtClean="0"/>
+          </a:p>
+          <a:p>
+            <a:r>
+              <a:rPr lang="en-US" altLang="zh-CN" dirty="0" smtClean="0"/>
+              <a:t>private:</a:t>
+            </a:r>
+          </a:p>
+          <a:p>
+            <a:r>
+              <a:rPr lang="en-US" altLang="zh-CN" dirty="0" smtClean="0"/>
+              <a:t>    </a:t>
+            </a:r>
+            <a:r>
+              <a:rPr lang="en-US" altLang="zh-CN" dirty="0" err="1" smtClean="0"/>
+              <a:t>typedef</a:t>
+            </a:r>
+            <a:r>
+              <a:rPr lang="en-US" altLang="zh-CN" dirty="0" smtClean="0"/>
+              <a:t> </a:t>
+            </a:r>
+            <a:r>
+              <a:rPr lang="en-US" altLang="zh-CN" dirty="0" err="1"/>
+              <a:t>std</a:t>
+            </a:r>
+            <a:r>
+              <a:rPr lang="en-US" altLang="zh-CN" dirty="0"/>
+              <a:t>::function&lt;void(</a:t>
+            </a:r>
+            <a:r>
+              <a:rPr lang="en-US" altLang="zh-CN" dirty="0" err="1"/>
+              <a:t>token_parser</a:t>
+            </a:r>
+            <a:r>
+              <a:rPr lang="en-US" altLang="zh-CN" dirty="0"/>
+              <a:t> &amp;)&gt; </a:t>
+            </a:r>
+            <a:r>
+              <a:rPr lang="en-US" altLang="zh-CN" dirty="0" err="1"/>
+              <a:t>invoker_function</a:t>
+            </a:r>
+            <a:r>
+              <a:rPr lang="en-US" altLang="zh-CN" dirty="0" smtClean="0"/>
+              <a:t>;</a:t>
+            </a:r>
+            <a:endParaRPr lang="zh-CN" altLang="en-US" dirty="0"/>
+          </a:p>
+          <a:p>
+            <a:r>
+              <a:rPr lang="en-US" altLang="zh-CN" dirty="0" smtClean="0"/>
+              <a:t>    </a:t>
+            </a:r>
+            <a:r>
+              <a:rPr lang="en-US" altLang="zh-CN" dirty="0" err="1" smtClean="0"/>
+              <a:t>std</a:t>
+            </a:r>
+            <a:r>
+              <a:rPr lang="en-US" altLang="zh-CN" dirty="0"/>
+              <a:t>::map&lt;</a:t>
+            </a:r>
+            <a:r>
+              <a:rPr lang="en-US" altLang="zh-CN" dirty="0" err="1"/>
+              <a:t>std</a:t>
+            </a:r>
+            <a:r>
+              <a:rPr lang="en-US" altLang="zh-CN" dirty="0"/>
+              <a:t>::string, </a:t>
+            </a:r>
+            <a:r>
+              <a:rPr lang="en-US" altLang="zh-CN" dirty="0" err="1"/>
+              <a:t>invoker_function</a:t>
+            </a:r>
+            <a:r>
+              <a:rPr lang="en-US" altLang="zh-CN" dirty="0"/>
+              <a:t>&gt; invokers_;</a:t>
+            </a:r>
+          </a:p>
+          <a:p>
+            <a:r>
+              <a:rPr lang="en-US" altLang="zh-CN" dirty="0"/>
+              <a:t>};</a:t>
+            </a:r>
+            <a:endParaRPr lang="zh-CN" altLang="en-US" dirty="0"/>
+          </a:p>
+        </p:txBody>
+      </p:sp>
+      <p:sp>
+        <p:nvSpPr>
+          <p:cNvPr id="4" name="矩形 3"/>
+          <p:cNvSpPr/>
+          <p:nvPr/>
+        </p:nvSpPr>
+        <p:spPr>
+          <a:xfrm>
+            <a:off x="561300" y="3935523"/>
+            <a:ext cx="6960088" cy="369332"/>
+          </a:xfrm>
+          <a:prstGeom prst="rect">
+            <a:avLst/>
+          </a:prstGeom>
+        </p:spPr>
+        <p:txBody>
+          <a:bodyPr wrap="square">
+            <a:spAutoFit/>
+          </a:bodyPr>
+          <a:lstStyle/>
+          <a:p>
+            <a:r>
+              <a:rPr lang="en-US" altLang="zh-CN" dirty="0" smtClean="0"/>
+              <a:t>former code: </a:t>
+            </a:r>
+            <a:r>
+              <a:rPr lang="en-US" altLang="zh-CN" dirty="0" err="1" smtClean="0"/>
+              <a:t>std</a:t>
+            </a:r>
+            <a:r>
+              <a:rPr lang="en-US" altLang="zh-CN" dirty="0"/>
+              <a:t>::bind(&amp;invoker&lt;</a:t>
+            </a:r>
+            <a:r>
+              <a:rPr lang="en-US" altLang="zh-CN" dirty="0" err="1"/>
+              <a:t>CodecPolicy</a:t>
+            </a:r>
+            <a:r>
+              <a:rPr lang="en-US" altLang="zh-CN" dirty="0"/>
+              <a:t>, Function&gt;::apply, f, _1, _2) </a:t>
+            </a:r>
+          </a:p>
+        </p:txBody>
+      </p:sp>
+    </p:spTree>
+  </p:cSld>
+  <p:clrMapOvr>
+    <a:masterClrMapping/>
+  </p:clrMapOvr>
+  <p:timing>
+    <p:tnLst>
+      <p:par>
+        <p:cTn id="1" dur="indefinite" restart="never" nodeType="tmRoot">
+          <p:childTnLst>
+            <p:seq concurrent="1" nextAc="seek">
+              <p:cTn id="2" dur="indefinite" nodeType="mainSeq">
+                <p:childTnLst>
+                  <p:par>
+                    <p:cTn id="3" fill="hold">
+                      <p:stCondLst>
+                        <p:cond delay="indefinite"/>
+                      </p:stCondLst>
+                      <p:childTnLst>
+                        <p:par>
+                          <p:cTn id="4" fill="hold">
+                            <p:stCondLst>
+                              <p:cond delay="0"/>
+                            </p:stCondLst>
+                            <p:childTnLst>
+                              <p:par>
+                                <p:cTn id="5" presetID="2" presetClass="entr" presetSubtype="4" fill="hold" grpId="0" nodeType="clickEffect">
+                                  <p:stCondLst>
+                                    <p:cond delay="0"/>
+                                  </p:stCondLst>
+                                  <p:childTnLst>
+                                    <p:set>
+                                      <p:cBhvr>
+                                        <p:cTn id="6" dur="1" fill="hold">
+                                          <p:stCondLst>
+                                            <p:cond delay="0"/>
+                                          </p:stCondLst>
+                                        </p:cTn>
+                                        <p:tgtEl>
+                                          <p:spTgt spid="4"/>
+                                        </p:tgtEl>
+                                        <p:attrNameLst>
+                                          <p:attrName>style.visibility</p:attrName>
+                                        </p:attrNameLst>
+                                      </p:cBhvr>
+                                      <p:to>
+                                        <p:strVal val="visible"/>
+                                      </p:to>
+                                    </p:set>
+                                    <p:anim calcmode="lin" valueType="num">
+                                      <p:cBhvr additive="base">
+                                        <p:cTn id="7" dur="500" fill="hold"/>
+                                        <p:tgtEl>
+                                          <p:spTgt spid="4"/>
+                                        </p:tgtEl>
+                                        <p:attrNameLst>
+                                          <p:attrName>ppt_x</p:attrName>
+                                        </p:attrNameLst>
+                                      </p:cBhvr>
+                                      <p:tavLst>
+                                        <p:tav tm="0">
+                                          <p:val>
+                                            <p:strVal val="#ppt_x"/>
+                                          </p:val>
+                                        </p:tav>
+                                        <p:tav tm="100000">
+                                          <p:val>
+                                            <p:strVal val="#ppt_x"/>
+                                          </p:val>
+                                        </p:tav>
+                                      </p:tavLst>
+                                    </p:anim>
+                                    <p:anim calcmode="lin" valueType="num">
+                                      <p:cBhvr additive="base">
+                                        <p:cTn id="8" dur="500" fill="hold"/>
+                                        <p:tgtEl>
+                                          <p:spTgt spid="4"/>
+                                        </p:tgtEl>
+                                        <p:attrNameLst>
+                                          <p:attrName>ppt_y</p:attrName>
+                                        </p:attrNameLst>
+                                      </p:cBhvr>
+                                      <p:tavLst>
+                                        <p:tav tm="0">
+                                          <p:val>
+                                            <p:strVal val="1+#ppt_h/2"/>
+                                          </p:val>
+                                        </p:tav>
+                                        <p:tav tm="100000">
+                                          <p:val>
+                                            <p:strVal val="#ppt_y"/>
+                                          </p:val>
+                                        </p:tav>
+                                      </p:tavLst>
+                                    </p:anim>
+                                  </p:childTnLst>
+                                </p:cTn>
+                              </p:par>
+                            </p:childTnLst>
+                          </p:cTn>
+                        </p:par>
+                      </p:childTnLst>
+                    </p:cTn>
+                  </p:par>
+                  <p:par>
+                    <p:cTn id="9" fill="hold">
+                      <p:stCondLst>
+                        <p:cond delay="indefinite"/>
+                      </p:stCondLst>
+                      <p:childTnLst>
+                        <p:par>
+                          <p:cTn id="10" fill="hold">
+                            <p:stCondLst>
+                              <p:cond delay="0"/>
+                            </p:stCondLst>
+                            <p:childTnLst>
+                              <p:par>
+                                <p:cTn id="11" presetID="1" presetClass="exit" presetSubtype="0" fill="hold" grpId="1" nodeType="clickEffect">
+                                  <p:stCondLst>
+                                    <p:cond delay="0"/>
+                                  </p:stCondLst>
+                                  <p:childTnLst>
+                                    <p:set>
+                                      <p:cBhvr>
+                                        <p:cTn id="12" dur="1" fill="hold">
+                                          <p:stCondLst>
+                                            <p:cond delay="0"/>
+                                          </p:stCondLst>
+                                        </p:cTn>
+                                        <p:tgtEl>
+                                          <p:spTgt spid="4"/>
+                                        </p:tgtEl>
+                                        <p:attrNameLst>
+                                          <p:attrName>style.visibility</p:attrName>
+                                        </p:attrNameLst>
+                                      </p:cBhvr>
+                                      <p:to>
+                                        <p:strVal val="hidden"/>
+                                      </p:to>
+                                    </p:set>
+                                  </p:childTnLst>
+                                </p:cTn>
+                              </p:par>
+                            </p:childTnLst>
+                          </p:cTn>
+                        </p:par>
+                      </p:childTnLst>
+                    </p:cTn>
+                  </p:par>
+                </p:childTnLst>
+              </p:cTn>
+              <p:prevCondLst>
+                <p:cond evt="onPrev" delay="0">
+                  <p:tgtEl>
+                    <p:sldTgt/>
+                  </p:tgtEl>
+                </p:cond>
+              </p:prevCondLst>
+              <p:nextCondLst>
+                <p:cond evt="onNext" delay="0">
+                  <p:tgtEl>
+                    <p:sldTgt/>
+                  </p:tgtEl>
+                </p:cond>
+              </p:nextCondLst>
+            </p:seq>
+          </p:childTnLst>
+        </p:cTn>
+      </p:par>
+    </p:tnLst>
+    <p:bldLst>
+      <p:bldP spid="4" grpId="0"/>
+      <p:bldP spid="4" grpId="1"/>
     </p:bldLst>
   </p:timing>
 </p:sld>
@@ -17841,566 +18192,6 @@
           <a:lstStyle/>
           <a:p>
             <a:r>
-              <a:rPr lang="en-US" altLang="zh-CN" dirty="0" err="1"/>
-              <a:t>struct</a:t>
-            </a:r>
-            <a:r>
-              <a:rPr lang="en-US" altLang="zh-CN" dirty="0"/>
-              <a:t> router</a:t>
-            </a:r>
-          </a:p>
-          <a:p>
-            <a:r>
-              <a:rPr lang="en-US" altLang="zh-CN" dirty="0"/>
-              <a:t>{</a:t>
-            </a:r>
-          </a:p>
-          <a:p>
-            <a:r>
-              <a:rPr lang="en-US" altLang="zh-CN" dirty="0" smtClean="0"/>
-              <a:t>    template&lt;</a:t>
-            </a:r>
-            <a:r>
-              <a:rPr lang="en-US" altLang="zh-CN" dirty="0" err="1" smtClean="0"/>
-              <a:t>typename</a:t>
-            </a:r>
-            <a:r>
-              <a:rPr lang="en-US" altLang="zh-CN" dirty="0" smtClean="0"/>
-              <a:t> </a:t>
-            </a:r>
-            <a:r>
-              <a:rPr lang="en-US" altLang="zh-CN" dirty="0"/>
-              <a:t>Function&gt;</a:t>
-            </a:r>
-          </a:p>
-          <a:p>
-            <a:r>
-              <a:rPr lang="en-US" altLang="zh-CN" dirty="0" smtClean="0"/>
-              <a:t>    void </a:t>
-            </a:r>
-            <a:r>
-              <a:rPr lang="en-US" altLang="zh-CN" dirty="0" err="1"/>
-              <a:t>register_handler</a:t>
-            </a:r>
-            <a:r>
-              <a:rPr lang="en-US" altLang="zh-CN" dirty="0"/>
-              <a:t>(</a:t>
-            </a:r>
-            <a:r>
-              <a:rPr lang="en-US" altLang="zh-CN" dirty="0" err="1"/>
-              <a:t>std</a:t>
-            </a:r>
-            <a:r>
-              <a:rPr lang="en-US" altLang="zh-CN" dirty="0"/>
-              <a:t>::string </a:t>
-            </a:r>
-            <a:r>
-              <a:rPr lang="en-US" altLang="zh-CN" dirty="0" err="1"/>
-              <a:t>const</a:t>
-            </a:r>
-            <a:r>
-              <a:rPr lang="en-US" altLang="zh-CN" dirty="0"/>
-              <a:t> &amp; name, </a:t>
-            </a:r>
-            <a:r>
-              <a:rPr lang="en-US" altLang="zh-CN" dirty="0" err="1"/>
-              <a:t>const</a:t>
-            </a:r>
-            <a:r>
-              <a:rPr lang="en-US" altLang="zh-CN" dirty="0"/>
-              <a:t> Function&amp; f)</a:t>
-            </a:r>
-          </a:p>
-          <a:p>
-            <a:r>
-              <a:rPr lang="en-US" altLang="zh-CN" dirty="0" smtClean="0"/>
-              <a:t>    {</a:t>
-            </a:r>
-          </a:p>
-          <a:p>
-            <a:r>
-              <a:rPr lang="en-US" altLang="zh-CN" dirty="0" smtClean="0"/>
-              <a:t>        </a:t>
-            </a:r>
-            <a:r>
-              <a:rPr lang="en-US" altLang="zh-CN" dirty="0"/>
-              <a:t>using </a:t>
-            </a:r>
-            <a:r>
-              <a:rPr lang="en-US" altLang="zh-CN" dirty="0" err="1"/>
-              <a:t>std</a:t>
-            </a:r>
-            <a:r>
-              <a:rPr lang="en-US" altLang="zh-CN" dirty="0"/>
-              <a:t>::placeholders::_1</a:t>
-            </a:r>
-            <a:r>
-              <a:rPr lang="en-US" altLang="zh-CN" dirty="0" smtClean="0"/>
-              <a:t>;</a:t>
-            </a:r>
-            <a:endParaRPr lang="en-US" altLang="zh-CN" dirty="0"/>
-          </a:p>
-          <a:p>
-            <a:r>
-              <a:rPr lang="en-US" altLang="zh-CN" dirty="0" smtClean="0"/>
-              <a:t>        this-</a:t>
-            </a:r>
-            <a:r>
-              <a:rPr lang="en-US" altLang="zh-CN" dirty="0"/>
-              <a:t>&gt;invokers_[name] = </a:t>
-            </a:r>
-            <a:r>
-              <a:rPr lang="en-US" altLang="zh-CN" dirty="0" err="1">
-                <a:solidFill>
-                  <a:srgbClr val="FF0000"/>
-                </a:solidFill>
-              </a:rPr>
-              <a:t>std</a:t>
-            </a:r>
-            <a:r>
-              <a:rPr lang="en-US" altLang="zh-CN" dirty="0">
-                <a:solidFill>
-                  <a:srgbClr val="FF0000"/>
-                </a:solidFill>
-              </a:rPr>
-              <a:t>::bind(&amp;invoker&lt;Function&gt;::template </a:t>
-            </a:r>
-            <a:r>
-              <a:rPr lang="en-US" altLang="zh-CN" dirty="0" smtClean="0">
-                <a:solidFill>
-                  <a:srgbClr val="FF0000"/>
-                </a:solidFill>
-              </a:rPr>
-              <a:t>                  apply&lt;</a:t>
-            </a:r>
-            <a:r>
-              <a:rPr lang="en-US" altLang="zh-CN" dirty="0" err="1" smtClean="0">
-                <a:solidFill>
-                  <a:srgbClr val="FF0000"/>
-                </a:solidFill>
-              </a:rPr>
-              <a:t>std</a:t>
-            </a:r>
-            <a:r>
-              <a:rPr lang="en-US" altLang="zh-CN" dirty="0">
-                <a:solidFill>
-                  <a:srgbClr val="FF0000"/>
-                </a:solidFill>
-              </a:rPr>
-              <a:t>::tuple&lt;&gt;&gt;, </a:t>
-            </a:r>
-            <a:r>
-              <a:rPr lang="en-US" altLang="zh-CN" dirty="0" smtClean="0">
-                <a:solidFill>
-                  <a:srgbClr val="FF0000"/>
-                </a:solidFill>
-              </a:rPr>
-              <a:t>f, _</a:t>
-            </a:r>
-            <a:r>
-              <a:rPr lang="en-US" altLang="zh-CN" dirty="0">
-                <a:solidFill>
-                  <a:srgbClr val="FF0000"/>
-                </a:solidFill>
-              </a:rPr>
-              <a:t>1, </a:t>
-            </a:r>
-            <a:r>
-              <a:rPr lang="en-US" altLang="zh-CN" dirty="0" err="1">
-                <a:solidFill>
-                  <a:srgbClr val="FF0000"/>
-                </a:solidFill>
-              </a:rPr>
-              <a:t>std</a:t>
-            </a:r>
-            <a:r>
-              <a:rPr lang="en-US" altLang="zh-CN" dirty="0">
-                <a:solidFill>
-                  <a:srgbClr val="FF0000"/>
-                </a:solidFill>
-              </a:rPr>
-              <a:t>::tuple&lt;&gt;());</a:t>
-            </a:r>
-          </a:p>
-          <a:p>
-            <a:r>
-              <a:rPr lang="en-US" altLang="zh-CN" dirty="0" smtClean="0"/>
-              <a:t>    }</a:t>
-            </a:r>
-          </a:p>
-          <a:p>
-            <a:endParaRPr lang="en-US" altLang="zh-CN" dirty="0" smtClean="0"/>
-          </a:p>
-          <a:p>
-            <a:r>
-              <a:rPr lang="en-US" altLang="zh-CN" dirty="0" smtClean="0"/>
-              <a:t>private:</a:t>
-            </a:r>
-          </a:p>
-          <a:p>
-            <a:r>
-              <a:rPr lang="en-US" altLang="zh-CN" dirty="0" smtClean="0"/>
-              <a:t>    </a:t>
-            </a:r>
-            <a:r>
-              <a:rPr lang="en-US" altLang="zh-CN" dirty="0" err="1" smtClean="0"/>
-              <a:t>typedef</a:t>
-            </a:r>
-            <a:r>
-              <a:rPr lang="en-US" altLang="zh-CN" dirty="0" smtClean="0"/>
-              <a:t> </a:t>
-            </a:r>
-            <a:r>
-              <a:rPr lang="en-US" altLang="zh-CN" dirty="0" err="1"/>
-              <a:t>std</a:t>
-            </a:r>
-            <a:r>
-              <a:rPr lang="en-US" altLang="zh-CN" dirty="0"/>
-              <a:t>::function&lt;void(</a:t>
-            </a:r>
-            <a:r>
-              <a:rPr lang="en-US" altLang="zh-CN" dirty="0" err="1"/>
-              <a:t>token_parser</a:t>
-            </a:r>
-            <a:r>
-              <a:rPr lang="en-US" altLang="zh-CN" dirty="0"/>
-              <a:t> &amp;)&gt; </a:t>
-            </a:r>
-            <a:r>
-              <a:rPr lang="en-US" altLang="zh-CN" dirty="0" err="1"/>
-              <a:t>invoker_function</a:t>
-            </a:r>
-            <a:r>
-              <a:rPr lang="en-US" altLang="zh-CN" dirty="0" smtClean="0"/>
-              <a:t>;</a:t>
-            </a:r>
-            <a:endParaRPr lang="zh-CN" altLang="en-US" dirty="0"/>
-          </a:p>
-          <a:p>
-            <a:r>
-              <a:rPr lang="en-US" altLang="zh-CN" dirty="0" smtClean="0"/>
-              <a:t>    </a:t>
-            </a:r>
-            <a:r>
-              <a:rPr lang="en-US" altLang="zh-CN" dirty="0" err="1" smtClean="0"/>
-              <a:t>std</a:t>
-            </a:r>
-            <a:r>
-              <a:rPr lang="en-US" altLang="zh-CN" dirty="0"/>
-              <a:t>::map&lt;</a:t>
-            </a:r>
-            <a:r>
-              <a:rPr lang="en-US" altLang="zh-CN" dirty="0" err="1"/>
-              <a:t>std</a:t>
-            </a:r>
-            <a:r>
-              <a:rPr lang="en-US" altLang="zh-CN" dirty="0"/>
-              <a:t>::string, </a:t>
-            </a:r>
-            <a:r>
-              <a:rPr lang="en-US" altLang="zh-CN" dirty="0" err="1"/>
-              <a:t>invoker_function</a:t>
-            </a:r>
-            <a:r>
-              <a:rPr lang="en-US" altLang="zh-CN" dirty="0"/>
-              <a:t>&gt; invokers_;</a:t>
-            </a:r>
-          </a:p>
-          <a:p>
-            <a:r>
-              <a:rPr lang="en-US" altLang="zh-CN" dirty="0"/>
-              <a:t>};</a:t>
-            </a:r>
-            <a:endParaRPr lang="zh-CN" altLang="en-US" dirty="0"/>
-          </a:p>
-        </p:txBody>
-      </p:sp>
-      <p:sp>
-        <p:nvSpPr>
-          <p:cNvPr id="4" name="矩形 3"/>
-          <p:cNvSpPr/>
-          <p:nvPr/>
-        </p:nvSpPr>
-        <p:spPr>
-          <a:xfrm>
-            <a:off x="561300" y="3935523"/>
-            <a:ext cx="6960088" cy="369332"/>
-          </a:xfrm>
-          <a:prstGeom prst="rect">
-            <a:avLst/>
-          </a:prstGeom>
-        </p:spPr>
-        <p:txBody>
-          <a:bodyPr wrap="square">
-            <a:spAutoFit/>
-          </a:bodyPr>
-          <a:lstStyle/>
-          <a:p>
-            <a:r>
-              <a:rPr lang="en-US" altLang="zh-CN" dirty="0" smtClean="0"/>
-              <a:t>former code: </a:t>
-            </a:r>
-            <a:r>
-              <a:rPr lang="en-US" altLang="zh-CN" dirty="0" err="1" smtClean="0"/>
-              <a:t>std</a:t>
-            </a:r>
-            <a:r>
-              <a:rPr lang="en-US" altLang="zh-CN" dirty="0"/>
-              <a:t>::bind(&amp;invoker&lt;</a:t>
-            </a:r>
-            <a:r>
-              <a:rPr lang="en-US" altLang="zh-CN" dirty="0" err="1"/>
-              <a:t>CodecPolicy</a:t>
-            </a:r>
-            <a:r>
-              <a:rPr lang="en-US" altLang="zh-CN" dirty="0"/>
-              <a:t>, Function&gt;::apply, f, _1, _2) </a:t>
-            </a:r>
-          </a:p>
-        </p:txBody>
-      </p:sp>
-    </p:spTree>
-  </p:cSld>
-  <p:clrMapOvr>
-    <a:masterClrMapping/>
-  </p:clrMapOvr>
-  <p:timing>
-    <p:tnLst>
-      <p:par>
-        <p:cTn id="1" dur="indefinite" restart="never" nodeType="tmRoot">
-          <p:childTnLst>
-            <p:seq concurrent="1" nextAc="seek">
-              <p:cTn id="2" dur="indefinite" nodeType="mainSeq">
-                <p:childTnLst>
-                  <p:par>
-                    <p:cTn id="3" fill="hold">
-                      <p:stCondLst>
-                        <p:cond delay="indefinite"/>
-                      </p:stCondLst>
-                      <p:childTnLst>
-                        <p:par>
-                          <p:cTn id="4" fill="hold">
-                            <p:stCondLst>
-                              <p:cond delay="0"/>
-                            </p:stCondLst>
-                            <p:childTnLst>
-                              <p:par>
-                                <p:cTn id="5" presetID="2" presetClass="entr" presetSubtype="4" fill="hold" grpId="0" nodeType="clickEffect">
-                                  <p:stCondLst>
-                                    <p:cond delay="0"/>
-                                  </p:stCondLst>
-                                  <p:childTnLst>
-                                    <p:set>
-                                      <p:cBhvr>
-                                        <p:cTn id="6" dur="1" fill="hold">
-                                          <p:stCondLst>
-                                            <p:cond delay="0"/>
-                                          </p:stCondLst>
-                                        </p:cTn>
-                                        <p:tgtEl>
-                                          <p:spTgt spid="4"/>
-                                        </p:tgtEl>
-                                        <p:attrNameLst>
-                                          <p:attrName>style.visibility</p:attrName>
-                                        </p:attrNameLst>
-                                      </p:cBhvr>
-                                      <p:to>
-                                        <p:strVal val="visible"/>
-                                      </p:to>
-                                    </p:set>
-                                    <p:anim calcmode="lin" valueType="num">
-                                      <p:cBhvr additive="base">
-                                        <p:cTn id="7" dur="500" fill="hold"/>
-                                        <p:tgtEl>
-                                          <p:spTgt spid="4"/>
-                                        </p:tgtEl>
-                                        <p:attrNameLst>
-                                          <p:attrName>ppt_x</p:attrName>
-                                        </p:attrNameLst>
-                                      </p:cBhvr>
-                                      <p:tavLst>
-                                        <p:tav tm="0">
-                                          <p:val>
-                                            <p:strVal val="#ppt_x"/>
-                                          </p:val>
-                                        </p:tav>
-                                        <p:tav tm="100000">
-                                          <p:val>
-                                            <p:strVal val="#ppt_x"/>
-                                          </p:val>
-                                        </p:tav>
-                                      </p:tavLst>
-                                    </p:anim>
-                                    <p:anim calcmode="lin" valueType="num">
-                                      <p:cBhvr additive="base">
-                                        <p:cTn id="8" dur="500" fill="hold"/>
-                                        <p:tgtEl>
-                                          <p:spTgt spid="4"/>
-                                        </p:tgtEl>
-                                        <p:attrNameLst>
-                                          <p:attrName>ppt_y</p:attrName>
-                                        </p:attrNameLst>
-                                      </p:cBhvr>
-                                      <p:tavLst>
-                                        <p:tav tm="0">
-                                          <p:val>
-                                            <p:strVal val="1+#ppt_h/2"/>
-                                          </p:val>
-                                        </p:tav>
-                                        <p:tav tm="100000">
-                                          <p:val>
-                                            <p:strVal val="#ppt_y"/>
-                                          </p:val>
-                                        </p:tav>
-                                      </p:tavLst>
-                                    </p:anim>
-                                  </p:childTnLst>
-                                </p:cTn>
-                              </p:par>
-                            </p:childTnLst>
-                          </p:cTn>
-                        </p:par>
-                      </p:childTnLst>
-                    </p:cTn>
-                  </p:par>
-                  <p:par>
-                    <p:cTn id="9" fill="hold">
-                      <p:stCondLst>
-                        <p:cond delay="indefinite"/>
-                      </p:stCondLst>
-                      <p:childTnLst>
-                        <p:par>
-                          <p:cTn id="10" fill="hold">
-                            <p:stCondLst>
-                              <p:cond delay="0"/>
-                            </p:stCondLst>
-                            <p:childTnLst>
-                              <p:par>
-                                <p:cTn id="11" presetID="1" presetClass="exit" presetSubtype="0" fill="hold" grpId="1" nodeType="clickEffect">
-                                  <p:stCondLst>
-                                    <p:cond delay="0"/>
-                                  </p:stCondLst>
-                                  <p:childTnLst>
-                                    <p:set>
-                                      <p:cBhvr>
-                                        <p:cTn id="12" dur="1" fill="hold">
-                                          <p:stCondLst>
-                                            <p:cond delay="0"/>
-                                          </p:stCondLst>
-                                        </p:cTn>
-                                        <p:tgtEl>
-                                          <p:spTgt spid="4"/>
-                                        </p:tgtEl>
-                                        <p:attrNameLst>
-                                          <p:attrName>style.visibility</p:attrName>
-                                        </p:attrNameLst>
-                                      </p:cBhvr>
-                                      <p:to>
-                                        <p:strVal val="hidden"/>
-                                      </p:to>
-                                    </p:set>
-                                  </p:childTnLst>
-                                </p:cTn>
-                              </p:par>
-                            </p:childTnLst>
-                          </p:cTn>
-                        </p:par>
-                      </p:childTnLst>
-                    </p:cTn>
-                  </p:par>
-                </p:childTnLst>
-              </p:cTn>
-              <p:prevCondLst>
-                <p:cond evt="onPrev" delay="0">
-                  <p:tgtEl>
-                    <p:sldTgt/>
-                  </p:tgtEl>
-                </p:cond>
-              </p:prevCondLst>
-              <p:nextCondLst>
-                <p:cond evt="onNext" delay="0">
-                  <p:tgtEl>
-                    <p:sldTgt/>
-                  </p:tgtEl>
-                </p:cond>
-              </p:nextCondLst>
-            </p:seq>
-          </p:childTnLst>
-        </p:cTn>
-      </p:par>
-    </p:tnLst>
-    <p:bldLst>
-      <p:bldP spid="4" grpId="0"/>
-      <p:bldP spid="4" grpId="1"/>
-    </p:bldLst>
-  </p:timing>
-</p:sld>
-</file>
-
-<file path=ppt/slides/slide31.xml><?xml version="1.0" encoding="utf-8"?>
-<p:sld xmlns:a="http://schemas.openxmlformats.org/drawingml/2006/main" xmlns:r="http://schemas.openxmlformats.org/officeDocument/2006/relationships" xmlns:p="http://schemas.openxmlformats.org/presentationml/2006/main">
-  <p:cSld>
-    <p:spTree>
-      <p:nvGrpSpPr>
-        <p:cNvPr id="1" name=""/>
-        <p:cNvGrpSpPr/>
-        <p:nvPr/>
-      </p:nvGrpSpPr>
-      <p:grpSpPr>
-        <a:xfrm>
-          <a:off x="0" y="0"/>
-          <a:ext cx="0" cy="0"/>
-          <a:chOff x="0" y="0"/>
-          <a:chExt cx="0" cy="0"/>
-        </a:xfrm>
-      </p:grpSpPr>
-      <p:sp>
-        <p:nvSpPr>
-          <p:cNvPr id="2" name="标题 1"/>
-          <p:cNvSpPr>
-            <a:spLocks noGrp="1"/>
-          </p:cNvSpPr>
-          <p:nvPr>
-            <p:ph type="title"/>
-          </p:nvPr>
-        </p:nvSpPr>
-        <p:spPr/>
-        <p:txBody>
-          <a:bodyPr/>
-          <a:lstStyle/>
-          <a:p>
-            <a:r>
-              <a:rPr lang="en-US" altLang="zh-CN" dirty="0"/>
-              <a:t>How to </a:t>
-            </a:r>
-            <a:r>
-              <a:rPr lang="en-US" altLang="zh-CN" dirty="0" smtClean="0"/>
-              <a:t>route to </a:t>
-            </a:r>
-            <a:r>
-              <a:rPr lang="en-US" altLang="zh-CN" dirty="0"/>
-              <a:t>the correct handler</a:t>
-            </a:r>
-            <a:endParaRPr lang="zh-CN" altLang="en-US" dirty="0"/>
-          </a:p>
-        </p:txBody>
-      </p:sp>
-      <p:sp>
-        <p:nvSpPr>
-          <p:cNvPr id="3" name="文本占位符 2"/>
-          <p:cNvSpPr>
-            <a:spLocks noGrp="1"/>
-          </p:cNvSpPr>
-          <p:nvPr>
-            <p:ph type="body" sz="half" idx="2"/>
-          </p:nvPr>
-        </p:nvSpPr>
-        <p:spPr/>
-        <p:txBody>
-          <a:bodyPr/>
-          <a:lstStyle/>
-          <a:p>
-            <a:r>
               <a:rPr lang="en-US" altLang="zh-CN" sz="2000" dirty="0" smtClean="0">
                 <a:latin typeface="Shonar Bangla" panose="020B0502040204020203" pitchFamily="34" charset="0"/>
                 <a:cs typeface="Shonar Bangla" panose="020B0502040204020203" pitchFamily="34" charset="0"/>
@@ -19674,7 +19465,7 @@
 </p:sld>
 </file>
 
-<file path=ppt/slides/slide32.xml><?xml version="1.0" encoding="utf-8"?>
+<file path=ppt/slides/slide31.xml><?xml version="1.0" encoding="utf-8"?>
 <p:sld xmlns:a="http://schemas.openxmlformats.org/drawingml/2006/main" xmlns:r="http://schemas.openxmlformats.org/officeDocument/2006/relationships" xmlns:p="http://schemas.openxmlformats.org/presentationml/2006/main">
   <p:cSld>
     <p:spTree>
@@ -19976,7 +19767,7 @@
 </p:sld>
 </file>
 
-<file path=ppt/slides/slide33.xml><?xml version="1.0" encoding="utf-8"?>
+<file path=ppt/slides/slide32.xml><?xml version="1.0" encoding="utf-8"?>
 <p:sld xmlns:a="http://schemas.openxmlformats.org/drawingml/2006/main" xmlns:r="http://schemas.openxmlformats.org/officeDocument/2006/relationships" xmlns:p="http://schemas.openxmlformats.org/presentationml/2006/main">
   <p:cSld>
     <p:spTree>
@@ -20106,7 +19897,7 @@
 </p:sld>
 </file>
 
-<file path=ppt/slides/slide34.xml><?xml version="1.0" encoding="utf-8"?>
+<file path=ppt/slides/slide33.xml><?xml version="1.0" encoding="utf-8"?>
 <p:sld xmlns:a="http://schemas.openxmlformats.org/drawingml/2006/main" xmlns:r="http://schemas.openxmlformats.org/officeDocument/2006/relationships" xmlns:p="http://schemas.openxmlformats.org/presentationml/2006/main">
   <p:cSld>
     <p:spTree>
@@ -20210,7 +20001,7 @@
 </p:sld>
 </file>
 
-<file path=ppt/slides/slide35.xml><?xml version="1.0" encoding="utf-8"?>
+<file path=ppt/slides/slide34.xml><?xml version="1.0" encoding="utf-8"?>
 <p:sld xmlns:a="http://schemas.openxmlformats.org/drawingml/2006/main" xmlns:r="http://schemas.openxmlformats.org/officeDocument/2006/relationships" xmlns:p="http://schemas.openxmlformats.org/presentationml/2006/main">
   <p:cSld>
     <p:spTree>
@@ -20380,7 +20171,7 @@
 </p:sld>
 </file>
 
-<file path=ppt/slides/slide36.xml><?xml version="1.0" encoding="utf-8"?>
+<file path=ppt/slides/slide35.xml><?xml version="1.0" encoding="utf-8"?>
 <p:sld xmlns:a="http://schemas.openxmlformats.org/drawingml/2006/main" xmlns:r="http://schemas.openxmlformats.org/officeDocument/2006/relationships" xmlns:p="http://schemas.openxmlformats.org/presentationml/2006/main">
   <p:cSld>
     <p:spTree>
@@ -20747,7 +20538,7 @@
 </p:sld>
 </file>
 
-<file path=ppt/slides/slide37.xml><?xml version="1.0" encoding="utf-8"?>
+<file path=ppt/slides/slide36.xml><?xml version="1.0" encoding="utf-8"?>
 <p:sld xmlns:a="http://schemas.openxmlformats.org/drawingml/2006/main" xmlns:r="http://schemas.openxmlformats.org/officeDocument/2006/relationships" xmlns:p="http://schemas.openxmlformats.org/presentationml/2006/main">
   <p:cSld>
     <p:spTree>
@@ -20880,7 +20671,7 @@
 </p:sld>
 </file>
 
-<file path=ppt/slides/slide38.xml><?xml version="1.0" encoding="utf-8"?>
+<file path=ppt/slides/slide37.xml><?xml version="1.0" encoding="utf-8"?>
 <p:sld xmlns:a="http://schemas.openxmlformats.org/drawingml/2006/main" xmlns:r="http://schemas.openxmlformats.org/officeDocument/2006/relationships" xmlns:p="http://schemas.openxmlformats.org/presentationml/2006/main">
   <p:cSld>
     <p:spTree>
@@ -21929,7 +21720,7 @@
 </p:sld>
 </file>
 
-<file path=ppt/slides/slide39.xml><?xml version="1.0" encoding="utf-8"?>
+<file path=ppt/slides/slide38.xml><?xml version="1.0" encoding="utf-8"?>
 <p:sld xmlns:a="http://schemas.openxmlformats.org/drawingml/2006/main" xmlns:r="http://schemas.openxmlformats.org/officeDocument/2006/relationships" xmlns:p="http://schemas.openxmlformats.org/presentationml/2006/main">
   <p:cSld>
     <p:spTree>
@@ -22358,6 +22149,418 @@
 </p:sld>
 </file>
 
+<file path=ppt/slides/slide39.xml><?xml version="1.0" encoding="utf-8"?>
+<p:sld xmlns:a="http://schemas.openxmlformats.org/drawingml/2006/main" xmlns:r="http://schemas.openxmlformats.org/officeDocument/2006/relationships" xmlns:p="http://schemas.openxmlformats.org/presentationml/2006/main">
+  <p:cSld>
+    <p:spTree>
+      <p:nvGrpSpPr>
+        <p:cNvPr id="1" name=""/>
+        <p:cNvGrpSpPr/>
+        <p:nvPr/>
+      </p:nvGrpSpPr>
+      <p:grpSpPr>
+        <a:xfrm>
+          <a:off x="0" y="0"/>
+          <a:ext cx="0" cy="0"/>
+          <a:chOff x="0" y="0"/>
+          <a:chExt cx="0" cy="0"/>
+        </a:xfrm>
+      </p:grpSpPr>
+      <p:sp>
+        <p:nvSpPr>
+          <p:cNvPr id="2" name="标题 1"/>
+          <p:cNvSpPr>
+            <a:spLocks noGrp="1"/>
+          </p:cNvSpPr>
+          <p:nvPr>
+            <p:ph type="title"/>
+          </p:nvPr>
+        </p:nvSpPr>
+        <p:spPr/>
+        <p:txBody>
+          <a:bodyPr/>
+          <a:lstStyle/>
+          <a:p>
+            <a:r>
+              <a:rPr lang="en-US" altLang="zh-CN" dirty="0"/>
+              <a:t>How to simplify the </a:t>
+            </a:r>
+            <a:r>
+              <a:rPr altLang="zh-CN" dirty="0" smtClean="0"/>
+              <a:t>RPC call</a:t>
+            </a:r>
+            <a:endParaRPr lang="zh-CN" altLang="en-US" dirty="0"/>
+          </a:p>
+        </p:txBody>
+      </p:sp>
+      <p:sp>
+        <p:nvSpPr>
+          <p:cNvPr id="3" name="文本占位符 2"/>
+          <p:cNvSpPr>
+            <a:spLocks noGrp="1"/>
+          </p:cNvSpPr>
+          <p:nvPr>
+            <p:ph type="body" sz="half" idx="2"/>
+          </p:nvPr>
+        </p:nvSpPr>
+        <p:spPr/>
+        <p:txBody>
+          <a:bodyPr/>
+          <a:lstStyle/>
+          <a:p>
+            <a:r>
+              <a:rPr lang="en-US" altLang="zh-CN" dirty="0"/>
+              <a:t>template &lt;</a:t>
+            </a:r>
+            <a:r>
+              <a:rPr lang="en-US" altLang="zh-CN" dirty="0" err="1"/>
+              <a:t>typename</a:t>
+            </a:r>
+            <a:r>
+              <a:rPr lang="en-US" altLang="zh-CN" dirty="0"/>
+              <a:t> F, </a:t>
+            </a:r>
+            <a:r>
+              <a:rPr lang="en-US" altLang="zh-CN" dirty="0" err="1"/>
+              <a:t>typename</a:t>
+            </a:r>
+            <a:r>
+              <a:rPr lang="en-US" altLang="zh-CN" dirty="0"/>
+              <a:t> Arg0, </a:t>
+            </a:r>
+            <a:r>
+              <a:rPr lang="en-US" altLang="zh-CN" dirty="0" err="1"/>
+              <a:t>typename</a:t>
+            </a:r>
+            <a:r>
+              <a:rPr lang="en-US" altLang="zh-CN" dirty="0"/>
+              <a:t> ... </a:t>
+            </a:r>
+            <a:r>
+              <a:rPr lang="en-US" altLang="zh-CN" dirty="0" err="1"/>
+              <a:t>Args</a:t>
+            </a:r>
+            <a:r>
+              <a:rPr lang="en-US" altLang="zh-CN" dirty="0"/>
+              <a:t>&gt;</a:t>
+            </a:r>
+          </a:p>
+          <a:p>
+            <a:r>
+              <a:rPr lang="en-US" altLang="zh-CN" dirty="0"/>
+              <a:t>auto </a:t>
+            </a:r>
+            <a:r>
+              <a:rPr lang="en-US" altLang="zh-CN" dirty="0" err="1" smtClean="0"/>
+              <a:t>bind_impl</a:t>
+            </a:r>
+            <a:r>
+              <a:rPr lang="en-US" altLang="zh-CN" dirty="0" smtClean="0"/>
+              <a:t>(F</a:t>
+            </a:r>
+            <a:r>
+              <a:rPr lang="en-US" altLang="zh-CN" dirty="0"/>
+              <a:t>&amp;&amp; f, Arg0&amp;&amp; arg0, </a:t>
+            </a:r>
+            <a:r>
+              <a:rPr lang="en-US" altLang="zh-CN" dirty="0" err="1"/>
+              <a:t>Args</a:t>
+            </a:r>
+            <a:r>
+              <a:rPr lang="en-US" altLang="zh-CN" dirty="0"/>
+              <a:t>&amp;&amp; ... </a:t>
+            </a:r>
+            <a:r>
+              <a:rPr lang="en-US" altLang="zh-CN" dirty="0" err="1"/>
+              <a:t>args</a:t>
+            </a:r>
+            <a:r>
+              <a:rPr lang="en-US" altLang="zh-CN" dirty="0"/>
+              <a:t>)</a:t>
+            </a:r>
+          </a:p>
+          <a:p>
+            <a:r>
+              <a:rPr lang="en-US" altLang="zh-CN" dirty="0"/>
+              <a:t>-&gt; </a:t>
+            </a:r>
+            <a:r>
+              <a:rPr lang="en-US" altLang="zh-CN" dirty="0" err="1"/>
+              <a:t>typename</a:t>
+            </a:r>
+            <a:r>
+              <a:rPr lang="en-US" altLang="zh-CN" dirty="0"/>
+              <a:t> </a:t>
+            </a:r>
+            <a:r>
+              <a:rPr lang="en-US" altLang="zh-CN" dirty="0" err="1"/>
+              <a:t>bind_to_function</a:t>
+            </a:r>
+            <a:r>
+              <a:rPr lang="en-US" altLang="zh-CN" dirty="0"/>
+              <a:t>&lt;F, Arg0, </a:t>
+            </a:r>
+            <a:r>
+              <a:rPr lang="en-US" altLang="zh-CN" dirty="0" err="1"/>
+              <a:t>Args</a:t>
+            </a:r>
+            <a:r>
+              <a:rPr lang="en-US" altLang="zh-CN" dirty="0"/>
+              <a:t>...&gt;::type</a:t>
+            </a:r>
+          </a:p>
+          <a:p>
+            <a:r>
+              <a:rPr lang="en-US" altLang="zh-CN" dirty="0"/>
+              <a:t>{</a:t>
+            </a:r>
+          </a:p>
+          <a:p>
+            <a:r>
+              <a:rPr lang="en-US" altLang="zh-CN" dirty="0" smtClean="0"/>
+              <a:t>    return </a:t>
+            </a:r>
+            <a:r>
+              <a:rPr lang="en-US" altLang="zh-CN" dirty="0" err="1"/>
+              <a:t>std</a:t>
+            </a:r>
+            <a:r>
+              <a:rPr lang="en-US" altLang="zh-CN" dirty="0"/>
+              <a:t>::bind(</a:t>
+            </a:r>
+            <a:r>
+              <a:rPr lang="en-US" altLang="zh-CN" dirty="0" err="1"/>
+              <a:t>std</a:t>
+            </a:r>
+            <a:r>
+              <a:rPr lang="en-US" altLang="zh-CN" dirty="0"/>
+              <a:t>::forward&lt;F&gt;(f), </a:t>
+            </a:r>
+            <a:r>
+              <a:rPr lang="en-US" altLang="zh-CN" dirty="0" err="1"/>
+              <a:t>std</a:t>
+            </a:r>
+            <a:r>
+              <a:rPr lang="en-US" altLang="zh-CN" dirty="0"/>
+              <a:t>::forward&lt;Arg0&gt;(arg0), </a:t>
+            </a:r>
+            <a:r>
+              <a:rPr lang="en-US" altLang="zh-CN" dirty="0" smtClean="0"/>
+              <a:t>      </a:t>
+            </a:r>
+            <a:r>
+              <a:rPr lang="en-US" altLang="zh-CN" dirty="0" err="1" smtClean="0"/>
+              <a:t>std</a:t>
+            </a:r>
+            <a:r>
+              <a:rPr lang="en-US" altLang="zh-CN" dirty="0"/>
+              <a:t>::forward&lt;</a:t>
+            </a:r>
+            <a:r>
+              <a:rPr lang="en-US" altLang="zh-CN" dirty="0" err="1"/>
+              <a:t>Args</a:t>
+            </a:r>
+            <a:r>
+              <a:rPr lang="en-US" altLang="zh-CN" dirty="0"/>
+              <a:t>&gt;(</a:t>
+            </a:r>
+            <a:r>
+              <a:rPr lang="en-US" altLang="zh-CN" dirty="0" err="1"/>
+              <a:t>args</a:t>
+            </a:r>
+            <a:r>
+              <a:rPr lang="en-US" altLang="zh-CN" dirty="0"/>
+              <a:t>)...);</a:t>
+            </a:r>
+          </a:p>
+          <a:p>
+            <a:r>
+              <a:rPr lang="en-US" altLang="zh-CN" dirty="0"/>
+              <a:t>}</a:t>
+            </a:r>
+          </a:p>
+          <a:p>
+            <a:endParaRPr lang="zh-CN" altLang="en-US" dirty="0"/>
+          </a:p>
+          <a:p>
+            <a:r>
+              <a:rPr lang="en-US" altLang="zh-CN" dirty="0"/>
+              <a:t>template &lt;</a:t>
+            </a:r>
+            <a:r>
+              <a:rPr lang="en-US" altLang="zh-CN" dirty="0" err="1"/>
+              <a:t>typename</a:t>
+            </a:r>
+            <a:r>
+              <a:rPr lang="en-US" altLang="zh-CN" dirty="0"/>
+              <a:t> F&gt;</a:t>
+            </a:r>
+          </a:p>
+          <a:p>
+            <a:r>
+              <a:rPr lang="en-US" altLang="zh-CN" dirty="0"/>
+              <a:t>auto </a:t>
+            </a:r>
+            <a:r>
+              <a:rPr lang="en-US" altLang="zh-CN" dirty="0" err="1" smtClean="0"/>
+              <a:t>bind_impl</a:t>
+            </a:r>
+            <a:r>
+              <a:rPr lang="en-US" altLang="zh-CN" dirty="0" smtClean="0"/>
+              <a:t>(F</a:t>
+            </a:r>
+            <a:r>
+              <a:rPr lang="en-US" altLang="zh-CN" dirty="0"/>
+              <a:t>&amp;&amp; f</a:t>
+            </a:r>
+            <a:r>
+              <a:rPr lang="en-US" altLang="zh-CN" dirty="0" smtClean="0"/>
+              <a:t>) -&gt; </a:t>
+            </a:r>
+            <a:r>
+              <a:rPr lang="en-US" altLang="zh-CN" dirty="0" err="1"/>
+              <a:t>typename</a:t>
+            </a:r>
+            <a:r>
+              <a:rPr lang="en-US" altLang="zh-CN" dirty="0"/>
+              <a:t> </a:t>
+            </a:r>
+            <a:r>
+              <a:rPr lang="en-US" altLang="zh-CN" dirty="0" err="1"/>
+              <a:t>function_traits</a:t>
+            </a:r>
+            <a:r>
+              <a:rPr lang="en-US" altLang="zh-CN" dirty="0"/>
+              <a:t>&lt;F&gt;::</a:t>
+            </a:r>
+            <a:r>
+              <a:rPr lang="en-US" altLang="zh-CN" dirty="0" err="1"/>
+              <a:t>stl_function_type</a:t>
+            </a:r>
+            <a:endParaRPr lang="en-US" altLang="zh-CN" dirty="0"/>
+          </a:p>
+          <a:p>
+            <a:r>
+              <a:rPr lang="en-US" altLang="zh-CN" dirty="0"/>
+              <a:t>{</a:t>
+            </a:r>
+          </a:p>
+          <a:p>
+            <a:r>
+              <a:rPr lang="en-US" altLang="zh-CN" dirty="0" smtClean="0"/>
+              <a:t>    return </a:t>
+            </a:r>
+            <a:r>
+              <a:rPr lang="en-US" altLang="zh-CN" b="1" dirty="0"/>
+              <a:t>[</a:t>
+            </a:r>
+            <a:r>
+              <a:rPr lang="en-US" altLang="zh-CN" b="1" dirty="0" err="1"/>
+              <a:t>func</a:t>
+            </a:r>
+            <a:r>
+              <a:rPr lang="en-US" altLang="zh-CN" b="1" dirty="0"/>
+              <a:t> = </a:t>
+            </a:r>
+            <a:r>
+              <a:rPr lang="en-US" altLang="zh-CN" b="1" dirty="0" err="1"/>
+              <a:t>std</a:t>
+            </a:r>
+            <a:r>
+              <a:rPr lang="en-US" altLang="zh-CN" b="1" dirty="0"/>
+              <a:t>::forward&lt;F&gt;(f)](auto&amp;&amp; ... </a:t>
+            </a:r>
+            <a:r>
+              <a:rPr lang="en-US" altLang="zh-CN" b="1" dirty="0" err="1"/>
+              <a:t>args</a:t>
+            </a:r>
+            <a:r>
+              <a:rPr lang="en-US" altLang="zh-CN" b="1" dirty="0" smtClean="0"/>
+              <a:t>)</a:t>
+            </a:r>
+            <a:r>
+              <a:rPr lang="en-US" altLang="zh-CN" dirty="0" smtClean="0"/>
+              <a:t>{ </a:t>
+            </a:r>
+          </a:p>
+          <a:p>
+            <a:r>
+              <a:rPr lang="en-US" altLang="zh-CN" dirty="0" smtClean="0"/>
+              <a:t>        return </a:t>
+            </a:r>
+            <a:r>
+              <a:rPr lang="en-US" altLang="zh-CN" dirty="0" err="1"/>
+              <a:t>func</a:t>
+            </a:r>
+            <a:r>
+              <a:rPr lang="en-US" altLang="zh-CN" dirty="0"/>
+              <a:t>(</a:t>
+            </a:r>
+            <a:r>
+              <a:rPr lang="en-US" altLang="zh-CN" dirty="0" err="1"/>
+              <a:t>std</a:t>
+            </a:r>
+            <a:r>
+              <a:rPr lang="en-US" altLang="zh-CN" dirty="0"/>
+              <a:t>::forward&lt;</a:t>
+            </a:r>
+            <a:r>
+              <a:rPr lang="en-US" altLang="zh-CN" dirty="0" err="1"/>
+              <a:t>decltype</a:t>
+            </a:r>
+            <a:r>
+              <a:rPr lang="en-US" altLang="zh-CN" dirty="0"/>
+              <a:t>(</a:t>
+            </a:r>
+            <a:r>
+              <a:rPr lang="en-US" altLang="zh-CN" dirty="0" err="1"/>
+              <a:t>args</a:t>
+            </a:r>
+            <a:r>
+              <a:rPr lang="en-US" altLang="zh-CN" dirty="0"/>
+              <a:t>)&gt;(</a:t>
+            </a:r>
+            <a:r>
+              <a:rPr lang="en-US" altLang="zh-CN" dirty="0" err="1"/>
+              <a:t>args</a:t>
+            </a:r>
+            <a:r>
+              <a:rPr lang="en-US" altLang="zh-CN" dirty="0"/>
+              <a:t>)...); </a:t>
+            </a:r>
+            <a:endParaRPr lang="en-US" altLang="zh-CN" dirty="0" smtClean="0"/>
+          </a:p>
+          <a:p>
+            <a:r>
+              <a:rPr lang="en-US" altLang="zh-CN" dirty="0" smtClean="0"/>
+              <a:t>    };</a:t>
+            </a:r>
+            <a:endParaRPr lang="en-US" altLang="zh-CN" dirty="0"/>
+          </a:p>
+          <a:p>
+            <a:r>
+              <a:rPr lang="en-US" altLang="zh-CN" dirty="0"/>
+              <a:t>}</a:t>
+            </a:r>
+            <a:endParaRPr lang="zh-CN" altLang="en-US" dirty="0"/>
+          </a:p>
+        </p:txBody>
+      </p:sp>
+    </p:spTree>
+  </p:cSld>
+  <p:clrMapOvr>
+    <a:masterClrMapping/>
+  </p:clrMapOvr>
+  <p:timing>
+    <p:tnLst>
+      <p:par>
+        <p:cTn id="1" dur="indefinite" restart="never" nodeType="tmRoot"/>
+      </p:par>
+    </p:tnLst>
+  </p:timing>
+</p:sld>
+</file>
+
 <file path=ppt/slides/slide4.xml><?xml version="1.0" encoding="utf-8"?>
 <p:sld xmlns:a="http://schemas.openxmlformats.org/drawingml/2006/main" xmlns:r="http://schemas.openxmlformats.org/officeDocument/2006/relationships" xmlns:p="http://schemas.openxmlformats.org/presentationml/2006/main">
   <p:cSld>
@@ -22493,15 +22696,7 @@
           <a:bodyPr/>
           <a:lstStyle/>
           <a:p>
-            <a:r>
-              <a:rPr lang="en-US" altLang="zh-CN" dirty="0"/>
-              <a:t>How to simplify the </a:t>
-            </a:r>
-            <a:r>
-              <a:rPr altLang="zh-CN" dirty="0" smtClean="0"/>
-              <a:t>RPC call</a:t>
-            </a:r>
-            <a:endParaRPr lang="zh-CN" altLang="en-US" dirty="0"/>
+            <a:endParaRPr lang="zh-CN" altLang="en-US"/>
           </a:p>
         </p:txBody>
       </p:sp>
@@ -22520,341 +22715,68 @@
           <a:bodyPr/>
           <a:lstStyle/>
           <a:p>
-            <a:r>
-              <a:rPr lang="en-US" altLang="zh-CN" dirty="0"/>
-              <a:t>template &lt;</a:t>
-            </a:r>
-            <a:r>
-              <a:rPr lang="en-US" altLang="zh-CN" dirty="0" err="1"/>
-              <a:t>typename</a:t>
-            </a:r>
-            <a:r>
-              <a:rPr lang="en-US" altLang="zh-CN" dirty="0"/>
-              <a:t> F, </a:t>
-            </a:r>
-            <a:r>
-              <a:rPr lang="en-US" altLang="zh-CN" dirty="0" err="1"/>
-              <a:t>typename</a:t>
-            </a:r>
-            <a:r>
-              <a:rPr lang="en-US" altLang="zh-CN" dirty="0"/>
-              <a:t> Arg0, </a:t>
-            </a:r>
-            <a:r>
-              <a:rPr lang="en-US" altLang="zh-CN" dirty="0" err="1"/>
-              <a:t>typename</a:t>
-            </a:r>
-            <a:r>
-              <a:rPr lang="en-US" altLang="zh-CN" dirty="0"/>
-              <a:t> ... </a:t>
-            </a:r>
-            <a:r>
-              <a:rPr lang="en-US" altLang="zh-CN" dirty="0" err="1"/>
-              <a:t>Args</a:t>
-            </a:r>
-            <a:r>
-              <a:rPr lang="en-US" altLang="zh-CN" dirty="0"/>
-              <a:t>&gt;</a:t>
-            </a:r>
-          </a:p>
-          <a:p>
-            <a:r>
-              <a:rPr lang="en-US" altLang="zh-CN" dirty="0"/>
-              <a:t>auto </a:t>
-            </a:r>
-            <a:r>
-              <a:rPr lang="en-US" altLang="zh-CN" dirty="0" err="1" smtClean="0"/>
-              <a:t>bind_impl</a:t>
-            </a:r>
-            <a:r>
-              <a:rPr lang="en-US" altLang="zh-CN" dirty="0" smtClean="0"/>
-              <a:t>(F</a:t>
-            </a:r>
-            <a:r>
-              <a:rPr lang="en-US" altLang="zh-CN" dirty="0"/>
-              <a:t>&amp;&amp; f, Arg0&amp;&amp; arg0, </a:t>
-            </a:r>
-            <a:r>
-              <a:rPr lang="en-US" altLang="zh-CN" dirty="0" err="1"/>
-              <a:t>Args</a:t>
-            </a:r>
-            <a:r>
-              <a:rPr lang="en-US" altLang="zh-CN" dirty="0"/>
-              <a:t>&amp;&amp; ... </a:t>
-            </a:r>
-            <a:r>
-              <a:rPr lang="en-US" altLang="zh-CN" dirty="0" err="1"/>
-              <a:t>args</a:t>
-            </a:r>
-            <a:r>
-              <a:rPr lang="en-US" altLang="zh-CN" dirty="0"/>
-              <a:t>)</a:t>
-            </a:r>
-          </a:p>
-          <a:p>
-            <a:r>
-              <a:rPr lang="en-US" altLang="zh-CN" dirty="0"/>
-              <a:t>-&gt; </a:t>
-            </a:r>
-            <a:r>
-              <a:rPr lang="en-US" altLang="zh-CN" dirty="0" err="1"/>
-              <a:t>typename</a:t>
-            </a:r>
-            <a:r>
-              <a:rPr lang="en-US" altLang="zh-CN" dirty="0"/>
-              <a:t> </a:t>
-            </a:r>
-            <a:r>
-              <a:rPr lang="en-US" altLang="zh-CN" dirty="0" err="1"/>
-              <a:t>bind_to_function</a:t>
-            </a:r>
-            <a:r>
-              <a:rPr lang="en-US" altLang="zh-CN" dirty="0"/>
-              <a:t>&lt;F, Arg0, </a:t>
-            </a:r>
-            <a:r>
-              <a:rPr lang="en-US" altLang="zh-CN" dirty="0" err="1"/>
-              <a:t>Args</a:t>
-            </a:r>
-            <a:r>
-              <a:rPr lang="en-US" altLang="zh-CN" dirty="0"/>
-              <a:t>...&gt;::type</a:t>
-            </a:r>
-          </a:p>
-          <a:p>
-            <a:r>
-              <a:rPr lang="en-US" altLang="zh-CN" dirty="0"/>
-              <a:t>{</a:t>
-            </a:r>
-          </a:p>
-          <a:p>
-            <a:r>
-              <a:rPr lang="en-US" altLang="zh-CN" dirty="0" smtClean="0"/>
-              <a:t>    return </a:t>
-            </a:r>
-            <a:r>
-              <a:rPr lang="en-US" altLang="zh-CN" dirty="0" err="1"/>
-              <a:t>std</a:t>
-            </a:r>
-            <a:r>
-              <a:rPr lang="en-US" altLang="zh-CN" dirty="0"/>
-              <a:t>::bind(</a:t>
-            </a:r>
-            <a:r>
-              <a:rPr lang="en-US" altLang="zh-CN" dirty="0" err="1"/>
-              <a:t>std</a:t>
-            </a:r>
-            <a:r>
-              <a:rPr lang="en-US" altLang="zh-CN" dirty="0"/>
-              <a:t>::forward&lt;F&gt;(f), </a:t>
-            </a:r>
-            <a:r>
-              <a:rPr lang="en-US" altLang="zh-CN" dirty="0" err="1"/>
-              <a:t>std</a:t>
-            </a:r>
-            <a:r>
-              <a:rPr lang="en-US" altLang="zh-CN" dirty="0"/>
-              <a:t>::forward&lt;Arg0&gt;(arg0), </a:t>
-            </a:r>
-            <a:r>
-              <a:rPr lang="en-US" altLang="zh-CN" dirty="0" smtClean="0"/>
-              <a:t>      </a:t>
-            </a:r>
-            <a:r>
-              <a:rPr lang="en-US" altLang="zh-CN" dirty="0" err="1" smtClean="0"/>
-              <a:t>std</a:t>
-            </a:r>
-            <a:r>
-              <a:rPr lang="en-US" altLang="zh-CN" dirty="0"/>
-              <a:t>::forward&lt;</a:t>
-            </a:r>
-            <a:r>
-              <a:rPr lang="en-US" altLang="zh-CN" dirty="0" err="1"/>
-              <a:t>Args</a:t>
-            </a:r>
-            <a:r>
-              <a:rPr lang="en-US" altLang="zh-CN" dirty="0"/>
-              <a:t>&gt;(</a:t>
-            </a:r>
-            <a:r>
-              <a:rPr lang="en-US" altLang="zh-CN" dirty="0" err="1"/>
-              <a:t>args</a:t>
-            </a:r>
-            <a:r>
-              <a:rPr lang="en-US" altLang="zh-CN" dirty="0"/>
-              <a:t>)...);</a:t>
-            </a:r>
-          </a:p>
-          <a:p>
-            <a:r>
-              <a:rPr lang="en-US" altLang="zh-CN" dirty="0"/>
-              <a:t>}</a:t>
-            </a:r>
-          </a:p>
-          <a:p>
-            <a:endParaRPr lang="zh-CN" altLang="en-US" dirty="0"/>
-          </a:p>
-          <a:p>
-            <a:r>
-              <a:rPr lang="en-US" altLang="zh-CN" dirty="0"/>
-              <a:t>template &lt;</a:t>
-            </a:r>
-            <a:r>
-              <a:rPr lang="en-US" altLang="zh-CN" dirty="0" err="1"/>
-              <a:t>typename</a:t>
-            </a:r>
-            <a:r>
-              <a:rPr lang="en-US" altLang="zh-CN" dirty="0"/>
-              <a:t> F&gt;</a:t>
-            </a:r>
-          </a:p>
-          <a:p>
-            <a:r>
-              <a:rPr lang="en-US" altLang="zh-CN" dirty="0"/>
-              <a:t>auto </a:t>
-            </a:r>
-            <a:r>
-              <a:rPr lang="en-US" altLang="zh-CN" dirty="0" err="1" smtClean="0"/>
-              <a:t>bind_impl</a:t>
-            </a:r>
-            <a:r>
-              <a:rPr lang="en-US" altLang="zh-CN" dirty="0" smtClean="0"/>
-              <a:t>(F</a:t>
-            </a:r>
-            <a:r>
-              <a:rPr lang="en-US" altLang="zh-CN" dirty="0"/>
-              <a:t>&amp;&amp; f</a:t>
-            </a:r>
-            <a:r>
-              <a:rPr lang="en-US" altLang="zh-CN" dirty="0" smtClean="0"/>
-              <a:t>) -&gt; </a:t>
-            </a:r>
-            <a:r>
-              <a:rPr lang="en-US" altLang="zh-CN" dirty="0" err="1"/>
-              <a:t>typename</a:t>
-            </a:r>
-            <a:r>
-              <a:rPr lang="en-US" altLang="zh-CN" dirty="0"/>
-              <a:t> </a:t>
-            </a:r>
-            <a:r>
-              <a:rPr lang="en-US" altLang="zh-CN" dirty="0" err="1"/>
-              <a:t>function_traits</a:t>
-            </a:r>
-            <a:r>
-              <a:rPr lang="en-US" altLang="zh-CN" dirty="0"/>
-              <a:t>&lt;F&gt;::</a:t>
-            </a:r>
-            <a:r>
-              <a:rPr lang="en-US" altLang="zh-CN" dirty="0" err="1"/>
-              <a:t>stl_function_type</a:t>
-            </a:r>
-            <a:endParaRPr lang="en-US" altLang="zh-CN" dirty="0"/>
-          </a:p>
-          <a:p>
-            <a:r>
-              <a:rPr lang="en-US" altLang="zh-CN" dirty="0"/>
-              <a:t>{</a:t>
-            </a:r>
-          </a:p>
-          <a:p>
-            <a:r>
-              <a:rPr lang="en-US" altLang="zh-CN" dirty="0" smtClean="0"/>
-              <a:t>    return </a:t>
-            </a:r>
-            <a:r>
-              <a:rPr lang="en-US" altLang="zh-CN" b="1" dirty="0"/>
-              <a:t>[</a:t>
-            </a:r>
-            <a:r>
-              <a:rPr lang="en-US" altLang="zh-CN" b="1" dirty="0" err="1"/>
-              <a:t>func</a:t>
-            </a:r>
-            <a:r>
-              <a:rPr lang="en-US" altLang="zh-CN" b="1" dirty="0"/>
-              <a:t> = </a:t>
-            </a:r>
-            <a:r>
-              <a:rPr lang="en-US" altLang="zh-CN" b="1" dirty="0" err="1"/>
-              <a:t>std</a:t>
-            </a:r>
-            <a:r>
-              <a:rPr lang="en-US" altLang="zh-CN" b="1" dirty="0"/>
-              <a:t>::forward&lt;F&gt;(f)](auto&amp;&amp; ... </a:t>
-            </a:r>
-            <a:r>
-              <a:rPr lang="en-US" altLang="zh-CN" b="1" dirty="0" err="1"/>
-              <a:t>args</a:t>
-            </a:r>
-            <a:r>
-              <a:rPr lang="en-US" altLang="zh-CN" b="1" dirty="0" smtClean="0"/>
-              <a:t>)</a:t>
-            </a:r>
-            <a:r>
-              <a:rPr lang="en-US" altLang="zh-CN" dirty="0" smtClean="0"/>
-              <a:t>{ </a:t>
-            </a:r>
-          </a:p>
-          <a:p>
-            <a:r>
-              <a:rPr lang="en-US" altLang="zh-CN" dirty="0" smtClean="0"/>
-              <a:t>        return </a:t>
-            </a:r>
-            <a:r>
-              <a:rPr lang="en-US" altLang="zh-CN" dirty="0" err="1"/>
-              <a:t>func</a:t>
-            </a:r>
-            <a:r>
-              <a:rPr lang="en-US" altLang="zh-CN" dirty="0"/>
-              <a:t>(</a:t>
-            </a:r>
-            <a:r>
-              <a:rPr lang="en-US" altLang="zh-CN" dirty="0" err="1"/>
-              <a:t>std</a:t>
-            </a:r>
-            <a:r>
-              <a:rPr lang="en-US" altLang="zh-CN" dirty="0"/>
-              <a:t>::forward&lt;</a:t>
-            </a:r>
-            <a:r>
-              <a:rPr lang="en-US" altLang="zh-CN" dirty="0" err="1"/>
-              <a:t>decltype</a:t>
-            </a:r>
-            <a:r>
-              <a:rPr lang="en-US" altLang="zh-CN" dirty="0"/>
-              <a:t>(</a:t>
-            </a:r>
-            <a:r>
-              <a:rPr lang="en-US" altLang="zh-CN" dirty="0" err="1"/>
-              <a:t>args</a:t>
-            </a:r>
-            <a:r>
-              <a:rPr lang="en-US" altLang="zh-CN" dirty="0"/>
-              <a:t>)&gt;(</a:t>
-            </a:r>
-            <a:r>
-              <a:rPr lang="en-US" altLang="zh-CN" dirty="0" err="1"/>
-              <a:t>args</a:t>
-            </a:r>
-            <a:r>
-              <a:rPr lang="en-US" altLang="zh-CN" dirty="0"/>
-              <a:t>)...); </a:t>
-            </a:r>
-            <a:endParaRPr lang="en-US" altLang="zh-CN" dirty="0" smtClean="0"/>
-          </a:p>
-          <a:p>
-            <a:r>
-              <a:rPr lang="en-US" altLang="zh-CN" dirty="0" smtClean="0"/>
-              <a:t>    };</a:t>
-            </a:r>
-            <a:endParaRPr lang="en-US" altLang="zh-CN" dirty="0"/>
-          </a:p>
-          <a:p>
-            <a:r>
-              <a:rPr lang="en-US" altLang="zh-CN" dirty="0"/>
-              <a:t>}</a:t>
-            </a:r>
-            <a:endParaRPr lang="zh-CN" altLang="en-US" dirty="0"/>
+            <a:endParaRPr lang="zh-CN" altLang="en-US"/>
+          </a:p>
+        </p:txBody>
+      </p:sp>
+      <p:sp>
+        <p:nvSpPr>
+          <p:cNvPr id="4" name="文本框 3"/>
+          <p:cNvSpPr txBox="1"/>
+          <p:nvPr/>
+        </p:nvSpPr>
+        <p:spPr>
+          <a:xfrm>
+            <a:off x="2183130" y="2627630"/>
+            <a:ext cx="4675505" cy="521970"/>
+          </a:xfrm>
+          <a:prstGeom prst="rect">
+            <a:avLst/>
+          </a:prstGeom>
+          <a:noFill/>
+        </p:spPr>
+        <p:txBody>
+          <a:bodyPr wrap="none" rtlCol="0" anchor="t">
+            <a:spAutoFit/>
+          </a:bodyPr>
+          <a:lstStyle/>
+          <a:p>
+            <a:r>
+              <a:rPr lang="en-US" altLang="zh-CN" sz="2800" dirty="0">
+                <a:solidFill>
+                  <a:schemeClr val="accent5"/>
+                </a:solidFill>
+                <a:sym typeface="+mn-ea"/>
+              </a:rPr>
+              <a:t>What </a:t>
+            </a:r>
+            <a:r>
+              <a:rPr lang="en-US" altLang="zh-CN" sz="2800" dirty="0" smtClean="0">
+                <a:solidFill>
+                  <a:schemeClr val="accent5"/>
+                </a:solidFill>
+                <a:sym typeface="+mn-ea"/>
+              </a:rPr>
+              <a:t>can we do </a:t>
+            </a:r>
+            <a:r>
+              <a:rPr lang="en-US" altLang="zh-CN" sz="2800" dirty="0">
+                <a:solidFill>
+                  <a:schemeClr val="accent5"/>
+                </a:solidFill>
+                <a:sym typeface="+mn-ea"/>
+              </a:rPr>
+              <a:t>with </a:t>
+            </a:r>
+            <a:r>
+              <a:rPr lang="en-US" altLang="zh-CN" sz="2800" dirty="0" smtClean="0">
+                <a:solidFill>
+                  <a:schemeClr val="accent5"/>
+                </a:solidFill>
+                <a:sym typeface="+mn-ea"/>
+              </a:rPr>
+              <a:t>rest_rpc?</a:t>
+            </a:r>
           </a:p>
         </p:txBody>
       </p:sp>
@@ -22892,7 +22814,7 @@
       </p:grpSpPr>
       <p:sp>
         <p:nvSpPr>
-          <p:cNvPr id="2" name="标题 1"/>
+          <p:cNvPr id="2" name="Title 1"/>
           <p:cNvSpPr>
             <a:spLocks noGrp="1"/>
           </p:cNvSpPr>
@@ -22900,18 +22822,37 @@
             <p:ph type="title"/>
           </p:nvPr>
         </p:nvSpPr>
-        <p:spPr/>
+        <p:spPr>
+          <a:xfrm>
+            <a:off x="501794" y="260039"/>
+            <a:ext cx="6718156" cy="476885"/>
+          </a:xfrm>
+        </p:spPr>
         <p:txBody>
           <a:bodyPr/>
           <a:lstStyle/>
           <a:p>
-            <a:endParaRPr lang="zh-CN" altLang="en-US"/>
-          </a:p>
-        </p:txBody>
-      </p:sp>
-      <p:sp>
-        <p:nvSpPr>
-          <p:cNvPr id="3" name="文本占位符 2"/>
+            <a:r>
+              <a:rPr altLang="zh-CN" smtClean="0">
+                <a:sym typeface="+mn-ea"/>
+              </a:rPr>
+              <a:t>what can </a:t>
+            </a:r>
+            <a:r>
+              <a:rPr lang="en-US" altLang="zh-CN" dirty="0" err="1" smtClean="0"/>
+              <a:t>rest_rpc</a:t>
+            </a:r>
+            <a:r>
+              <a:rPr lang="en-US" altLang="zh-CN" dirty="0" smtClean="0"/>
+              <a:t> be used to do </a:t>
+            </a:r>
+            <a:endParaRPr lang="zh-CN" altLang="en-US" dirty="0"/>
+          </a:p>
+        </p:txBody>
+      </p:sp>
+      <p:sp>
+        <p:nvSpPr>
+          <p:cNvPr id="3" name="Text Placeholder 2"/>
           <p:cNvSpPr>
             <a:spLocks noGrp="1"/>
           </p:cNvSpPr>
@@ -22924,68 +22865,80 @@
           <a:bodyPr/>
           <a:lstStyle/>
           <a:p>
-            <a:endParaRPr lang="zh-CN" altLang="en-US"/>
-          </a:p>
-        </p:txBody>
-      </p:sp>
-      <p:sp>
-        <p:nvSpPr>
-          <p:cNvPr id="4" name="文本框 3"/>
-          <p:cNvSpPr txBox="1"/>
-          <p:nvPr/>
-        </p:nvSpPr>
-        <p:spPr>
-          <a:xfrm>
-            <a:off x="2183130" y="2627630"/>
-            <a:ext cx="4675505" cy="521970"/>
-          </a:xfrm>
-          <a:prstGeom prst="rect">
-            <a:avLst/>
-          </a:prstGeom>
-          <a:noFill/>
-        </p:spPr>
-        <p:txBody>
-          <a:bodyPr wrap="none" rtlCol="0" anchor="t">
-            <a:spAutoFit/>
-          </a:bodyPr>
-          <a:lstStyle/>
-          <a:p>
-            <a:r>
-              <a:rPr lang="en-US" altLang="zh-CN" sz="2800" dirty="0">
-                <a:solidFill>
-                  <a:schemeClr val="accent5"/>
-                </a:solidFill>
-                <a:sym typeface="+mn-ea"/>
-              </a:rPr>
-              <a:t>What </a:t>
-            </a:r>
-            <a:r>
-              <a:rPr lang="en-US" altLang="zh-CN" sz="2800" dirty="0" smtClean="0">
-                <a:solidFill>
-                  <a:schemeClr val="accent5"/>
-                </a:solidFill>
-                <a:sym typeface="+mn-ea"/>
-              </a:rPr>
-              <a:t>can we do </a:t>
-            </a:r>
-            <a:r>
-              <a:rPr lang="en-US" altLang="zh-CN" sz="2800" dirty="0">
-                <a:solidFill>
-                  <a:schemeClr val="accent5"/>
-                </a:solidFill>
-                <a:sym typeface="+mn-ea"/>
-              </a:rPr>
-              <a:t>with </a:t>
-            </a:r>
-            <a:r>
-              <a:rPr lang="en-US" altLang="zh-CN" sz="2800" dirty="0" smtClean="0">
-                <a:solidFill>
-                  <a:schemeClr val="accent5"/>
-                </a:solidFill>
-                <a:sym typeface="+mn-ea"/>
-              </a:rPr>
-              <a:t>rest_rpc?</a:t>
-            </a:r>
+            <a:r>
+              <a:rPr lang="en-US" altLang="zh-CN" b="1" dirty="0" err="1"/>
+              <a:t>Interprocess</a:t>
+            </a:r>
+            <a:r>
+              <a:rPr lang="en-US" altLang="zh-CN" b="1" dirty="0"/>
+              <a:t> </a:t>
+            </a:r>
+            <a:r>
+              <a:rPr lang="en-US" altLang="zh-CN" b="1" dirty="0" smtClean="0"/>
+              <a:t>communication</a:t>
+            </a:r>
+          </a:p>
+          <a:p>
+            <a:endParaRPr lang="en-US" altLang="zh-CN" b="1" dirty="0" smtClean="0"/>
+          </a:p>
+          <a:p>
+            <a:r>
+              <a:rPr lang="en-US" altLang="zh-CN" b="1" dirty="0" smtClean="0"/>
+              <a:t>Distribute system</a:t>
+            </a:r>
+          </a:p>
+          <a:p>
+            <a:pPr marL="285750" indent="-285750">
+              <a:buFont typeface="Arial" panose="020B0604020202020204" pitchFamily="34" charset="0"/>
+              <a:buChar char="•"/>
+            </a:pPr>
+            <a:r>
+              <a:rPr lang="en-US" altLang="zh-CN" dirty="0" smtClean="0"/>
+              <a:t>HA(binary star, raft)</a:t>
+            </a:r>
+          </a:p>
+          <a:p>
+            <a:pPr marL="285750" indent="-285750">
+              <a:buFont typeface="Arial" panose="020B0604020202020204" pitchFamily="34" charset="0"/>
+              <a:buChar char="•"/>
+            </a:pPr>
+            <a:r>
+              <a:rPr lang="en-US" altLang="zh-CN" dirty="0" smtClean="0"/>
+              <a:t>Service discovery</a:t>
+            </a:r>
+          </a:p>
+          <a:p>
+            <a:pPr marL="285750" indent="-285750">
+              <a:buFont typeface="Arial" panose="020B0604020202020204" pitchFamily="34" charset="0"/>
+              <a:buChar char="•"/>
+            </a:pPr>
+            <a:r>
+              <a:rPr lang="en-US" altLang="zh-CN" dirty="0" smtClean="0"/>
+              <a:t>Message queue</a:t>
+            </a:r>
+          </a:p>
+          <a:p>
+            <a:pPr marL="285750" indent="-285750">
+              <a:buFont typeface="Arial" panose="020B0604020202020204" pitchFamily="34" charset="0"/>
+              <a:buChar char="•"/>
+            </a:pPr>
+            <a:r>
+              <a:rPr lang="en-US" altLang="zh-CN" dirty="0" smtClean="0"/>
+              <a:t>Distribute compute</a:t>
+            </a:r>
+          </a:p>
+          <a:p>
+            <a:pPr marL="285750" indent="-285750">
+              <a:buFont typeface="Arial" panose="020B0604020202020204" pitchFamily="34" charset="0"/>
+              <a:buChar char="•"/>
+            </a:pPr>
+            <a:r>
+              <a:rPr lang="en-US" altLang="zh-CN" dirty="0" smtClean="0"/>
+              <a:t>Distribute storage</a:t>
+            </a:r>
+          </a:p>
+          <a:p>
+            <a:endParaRPr lang="zh-CN" altLang="en-US" b="1" dirty="0"/>
           </a:p>
         </p:txBody>
       </p:sp>
@@ -23005,168 +22958,6 @@
 </file>
 
 <file path=ppt/slides/slide42.xml><?xml version="1.0" encoding="utf-8"?>
-<p:sld xmlns:a="http://schemas.openxmlformats.org/drawingml/2006/main" xmlns:r="http://schemas.openxmlformats.org/officeDocument/2006/relationships" xmlns:p="http://schemas.openxmlformats.org/presentationml/2006/main">
-  <p:cSld>
-    <p:spTree>
-      <p:nvGrpSpPr>
-        <p:cNvPr id="1" name=""/>
-        <p:cNvGrpSpPr/>
-        <p:nvPr/>
-      </p:nvGrpSpPr>
-      <p:grpSpPr>
-        <a:xfrm>
-          <a:off x="0" y="0"/>
-          <a:ext cx="0" cy="0"/>
-          <a:chOff x="0" y="0"/>
-          <a:chExt cx="0" cy="0"/>
-        </a:xfrm>
-      </p:grpSpPr>
-      <p:sp>
-        <p:nvSpPr>
-          <p:cNvPr id="2" name="Title 1"/>
-          <p:cNvSpPr>
-            <a:spLocks noGrp="1"/>
-          </p:cNvSpPr>
-          <p:nvPr>
-            <p:ph type="title"/>
-          </p:nvPr>
-        </p:nvSpPr>
-        <p:spPr>
-          <a:xfrm>
-            <a:off x="501794" y="260039"/>
-            <a:ext cx="6718156" cy="476885"/>
-          </a:xfrm>
-        </p:spPr>
-        <p:txBody>
-          <a:bodyPr/>
-          <a:lstStyle/>
-          <a:p>
-            <a:r>
-              <a:rPr altLang="zh-CN" smtClean="0">
-                <a:sym typeface="+mn-ea"/>
-              </a:rPr>
-              <a:t>what can </a:t>
-            </a:r>
-            <a:r>
-              <a:rPr lang="en-US" altLang="zh-CN" dirty="0" err="1" smtClean="0"/>
-              <a:t>rest_rpc</a:t>
-            </a:r>
-            <a:r>
-              <a:rPr lang="en-US" altLang="zh-CN" dirty="0" smtClean="0"/>
-              <a:t> be used to do </a:t>
-            </a:r>
-            <a:endParaRPr lang="zh-CN" altLang="en-US" dirty="0"/>
-          </a:p>
-        </p:txBody>
-      </p:sp>
-      <p:sp>
-        <p:nvSpPr>
-          <p:cNvPr id="3" name="Text Placeholder 2"/>
-          <p:cNvSpPr>
-            <a:spLocks noGrp="1"/>
-          </p:cNvSpPr>
-          <p:nvPr>
-            <p:ph type="body" sz="half" idx="2"/>
-          </p:nvPr>
-        </p:nvSpPr>
-        <p:spPr/>
-        <p:txBody>
-          <a:bodyPr/>
-          <a:lstStyle/>
-          <a:p>
-            <a:r>
-              <a:rPr lang="en-US" altLang="zh-CN" b="1" dirty="0" err="1"/>
-              <a:t>Interprocess</a:t>
-            </a:r>
-            <a:r>
-              <a:rPr lang="en-US" altLang="zh-CN" b="1" dirty="0"/>
-              <a:t> </a:t>
-            </a:r>
-            <a:r>
-              <a:rPr lang="en-US" altLang="zh-CN" b="1" dirty="0" smtClean="0"/>
-              <a:t>communication</a:t>
-            </a:r>
-          </a:p>
-          <a:p>
-            <a:endParaRPr lang="en-US" altLang="zh-CN" b="1" dirty="0" smtClean="0"/>
-          </a:p>
-          <a:p>
-            <a:r>
-              <a:rPr lang="en-US" altLang="zh-CN" b="1" dirty="0" smtClean="0"/>
-              <a:t>Distribute system</a:t>
-            </a:r>
-          </a:p>
-          <a:p>
-            <a:pPr marL="285750" indent="-285750">
-              <a:buFont typeface="Arial" panose="020B0604020202020204" pitchFamily="34" charset="0"/>
-              <a:buChar char="•"/>
-            </a:pPr>
-            <a:r>
-              <a:rPr lang="en-US" altLang="zh-CN" dirty="0" smtClean="0"/>
-              <a:t>HA(binary star, raft)</a:t>
-            </a:r>
-          </a:p>
-          <a:p>
-            <a:pPr marL="285750" indent="-285750">
-              <a:buFont typeface="Arial" panose="020B0604020202020204" pitchFamily="34" charset="0"/>
-              <a:buChar char="•"/>
-            </a:pPr>
-            <a:r>
-              <a:rPr lang="en-US" altLang="zh-CN" dirty="0" smtClean="0"/>
-              <a:t>Service discovery</a:t>
-            </a:r>
-          </a:p>
-          <a:p>
-            <a:pPr marL="285750" indent="-285750">
-              <a:buFont typeface="Arial" panose="020B0604020202020204" pitchFamily="34" charset="0"/>
-              <a:buChar char="•"/>
-            </a:pPr>
-            <a:r>
-              <a:rPr lang="en-US" altLang="zh-CN" dirty="0" smtClean="0"/>
-              <a:t>Message queue</a:t>
-            </a:r>
-          </a:p>
-          <a:p>
-            <a:pPr marL="285750" indent="-285750">
-              <a:buFont typeface="Arial" panose="020B0604020202020204" pitchFamily="34" charset="0"/>
-              <a:buChar char="•"/>
-            </a:pPr>
-            <a:r>
-              <a:rPr lang="en-US" altLang="zh-CN" dirty="0" smtClean="0"/>
-              <a:t>Distribute compute</a:t>
-            </a:r>
-          </a:p>
-          <a:p>
-            <a:pPr marL="285750" indent="-285750">
-              <a:buFont typeface="Arial" panose="020B0604020202020204" pitchFamily="34" charset="0"/>
-              <a:buChar char="•"/>
-            </a:pPr>
-            <a:r>
-              <a:rPr lang="en-US" altLang="zh-CN" dirty="0" smtClean="0"/>
-              <a:t>Distribute storage</a:t>
-            </a:r>
-          </a:p>
-          <a:p>
-            <a:endParaRPr lang="zh-CN" altLang="en-US" b="1" dirty="0"/>
-          </a:p>
-        </p:txBody>
-      </p:sp>
-    </p:spTree>
-  </p:cSld>
-  <p:clrMapOvr>
-    <a:masterClrMapping/>
-  </p:clrMapOvr>
-  <p:timing>
-    <p:tnLst>
-      <p:par>
-        <p:cTn id="1" dur="indefinite" restart="never" nodeType="tmRoot"/>
-      </p:par>
-    </p:tnLst>
-  </p:timing>
-</p:sld>
-</file>
-
-<file path=ppt/slides/slide43.xml><?xml version="1.0" encoding="utf-8"?>
 <p:sld xmlns:a="http://schemas.openxmlformats.org/drawingml/2006/main" xmlns:r="http://schemas.openxmlformats.org/officeDocument/2006/relationships" xmlns:p="http://schemas.openxmlformats.org/presentationml/2006/main">
   <p:cSld>
     <p:spTree>
@@ -23270,7 +23061,7 @@
 </p:sld>
 </file>
 
-<file path=ppt/slides/slide44.xml><?xml version="1.0" encoding="utf-8"?>
+<file path=ppt/slides/slide43.xml><?xml version="1.0" encoding="utf-8"?>
 <p:sld xmlns:a="http://schemas.openxmlformats.org/drawingml/2006/main" xmlns:r="http://schemas.openxmlformats.org/officeDocument/2006/relationships" xmlns:p="http://schemas.openxmlformats.org/presentationml/2006/main">
   <p:cSld>
     <p:spTree>
@@ -23742,7 +23533,7 @@
 </p:sld>
 </file>
 
-<file path=ppt/slides/slide45.xml><?xml version="1.0" encoding="utf-8"?>
+<file path=ppt/slides/slide44.xml><?xml version="1.0" encoding="utf-8"?>
 <p:sld xmlns:a="http://schemas.openxmlformats.org/drawingml/2006/main" xmlns:r="http://schemas.openxmlformats.org/officeDocument/2006/relationships" xmlns:p="http://schemas.openxmlformats.org/presentationml/2006/main">
   <p:cSld>
     <p:spTree>
@@ -24530,7 +24321,7 @@
 </p:sld>
 </file>
 
-<file path=ppt/slides/slide46.xml><?xml version="1.0" encoding="utf-8"?>
+<file path=ppt/slides/slide45.xml><?xml version="1.0" encoding="utf-8"?>
 <p:sld xmlns:a="http://schemas.openxmlformats.org/drawingml/2006/main" xmlns:r="http://schemas.openxmlformats.org/officeDocument/2006/relationships" xmlns:p="http://schemas.openxmlformats.org/presentationml/2006/main">
   <p:cSld>
     <p:spTree>
@@ -24674,7 +24465,7 @@
 </p:sld>
 </file>
 
-<file path=ppt/slides/slide47.xml><?xml version="1.0" encoding="utf-8"?>
+<file path=ppt/slides/slide46.xml><?xml version="1.0" encoding="utf-8"?>
 <p:sld xmlns:a="http://schemas.openxmlformats.org/drawingml/2006/main" xmlns:r="http://schemas.openxmlformats.org/officeDocument/2006/relationships" xmlns:p="http://schemas.openxmlformats.org/presentationml/2006/main">
   <p:cSld>
     <p:spTree>
@@ -25243,6 +25034,37 @@
           </a:p>
         </p:txBody>
       </p:sp>
+      <p:sp>
+        <p:nvSpPr>
+          <p:cNvPr id="4" name="矩形 3"/>
+          <p:cNvSpPr/>
+          <p:nvPr/>
+        </p:nvSpPr>
+        <p:spPr>
+          <a:xfrm>
+            <a:off x="2212198" y="5530334"/>
+            <a:ext cx="3894849" cy="369332"/>
+          </a:xfrm>
+          <a:prstGeom prst="rect">
+            <a:avLst/>
+          </a:prstGeom>
+        </p:spPr>
+        <p:txBody>
+          <a:bodyPr wrap="none">
+            <a:spAutoFit/>
+          </a:bodyPr>
+          <a:lstStyle/>
+          <a:p>
+            <a:r>
+              <a:rPr lang="en-US" altLang="zh-CN" dirty="0">
+                <a:hlinkClick r:id="rId3"/>
+              </a:rPr>
+              <a:t>https://github.com/topcpporg/rest_rpc</a:t>
+            </a:r>
+            <a:endParaRPr lang="en-US" altLang="zh-CN" dirty="0"/>
+          </a:p>
+        </p:txBody>
+      </p:sp>
     </p:spTree>
   </p:cSld>
   <p:clrMapOvr>
@@ -25259,280 +25081,6 @@
 </file>
 
 <file path=ppt/slides/slide7.xml><?xml version="1.0" encoding="utf-8"?>
-<p:sld xmlns:a="http://schemas.openxmlformats.org/drawingml/2006/main" xmlns:r="http://schemas.openxmlformats.org/officeDocument/2006/relationships" xmlns:p="http://schemas.openxmlformats.org/presentationml/2006/main">
-  <p:cSld>
-    <p:spTree>
-      <p:nvGrpSpPr>
-        <p:cNvPr id="1" name=""/>
-        <p:cNvGrpSpPr/>
-        <p:nvPr/>
-      </p:nvGrpSpPr>
-      <p:grpSpPr>
-        <a:xfrm>
-          <a:off x="0" y="0"/>
-          <a:ext cx="0" cy="0"/>
-          <a:chOff x="0" y="0"/>
-          <a:chExt cx="0" cy="0"/>
-        </a:xfrm>
-      </p:grpSpPr>
-      <p:sp>
-        <p:nvSpPr>
-          <p:cNvPr id="2" name="标题 1"/>
-          <p:cNvSpPr>
-            <a:spLocks noGrp="1"/>
-          </p:cNvSpPr>
-          <p:nvPr>
-            <p:ph type="title"/>
-          </p:nvPr>
-        </p:nvSpPr>
-        <p:spPr/>
-        <p:txBody>
-          <a:bodyPr/>
-          <a:lstStyle/>
-          <a:p>
-            <a:r>
-              <a:rPr lang="en-US" altLang="zh-CN" dirty="0"/>
-              <a:t>What is </a:t>
-            </a:r>
-            <a:r>
-              <a:rPr lang="en-US" altLang="zh-CN" dirty="0" err="1"/>
-              <a:t>rest_rpc</a:t>
-            </a:r>
-            <a:endParaRPr lang="zh-CN" altLang="en-US" dirty="0"/>
-          </a:p>
-        </p:txBody>
-      </p:sp>
-      <p:sp>
-        <p:nvSpPr>
-          <p:cNvPr id="3" name="文本占位符 2"/>
-          <p:cNvSpPr>
-            <a:spLocks noGrp="1"/>
-          </p:cNvSpPr>
-          <p:nvPr>
-            <p:ph type="body" sz="half" idx="2"/>
-          </p:nvPr>
-        </p:nvSpPr>
-        <p:spPr/>
-        <p:txBody>
-          <a:bodyPr/>
-          <a:lstStyle/>
-          <a:p>
-            <a:r>
-              <a:rPr lang="en-US" altLang="zh-CN" b="1" dirty="0" smtClean="0"/>
-              <a:t>features of </a:t>
-            </a:r>
-            <a:r>
-              <a:rPr lang="en-US" altLang="zh-CN" b="1" dirty="0" err="1" smtClean="0"/>
-              <a:t>rest_rpc</a:t>
-            </a:r>
-            <a:endParaRPr lang="en-US" altLang="zh-CN" b="1" dirty="0" smtClean="0"/>
-          </a:p>
-          <a:p>
-            <a:endParaRPr lang="en-US" altLang="zh-CN" dirty="0" smtClean="0"/>
-          </a:p>
-          <a:p>
-            <a:pPr marL="285750" indent="-285750">
-              <a:buFont typeface="Wingdings" panose="05000000000000000000" pitchFamily="2" charset="2"/>
-              <a:buChar char="Ø"/>
-            </a:pPr>
-            <a:r>
-              <a:rPr lang="en-US" altLang="zh-CN" dirty="0" smtClean="0"/>
-              <a:t>easy to use</a:t>
-            </a:r>
-          </a:p>
-          <a:p>
-            <a:pPr marL="285750" indent="-285750">
-              <a:buFont typeface="Wingdings" panose="05000000000000000000" pitchFamily="2" charset="2"/>
-              <a:buChar char="Ø"/>
-            </a:pPr>
-            <a:r>
-              <a:rPr lang="en-US" altLang="zh-CN" dirty="0" smtClean="0"/>
-              <a:t>rapid development</a:t>
-            </a:r>
-          </a:p>
-          <a:p>
-            <a:pPr marL="285750" indent="-285750">
-              <a:buFont typeface="Wingdings" panose="05000000000000000000" pitchFamily="2" charset="2"/>
-              <a:buChar char="Ø"/>
-            </a:pPr>
-            <a:r>
-              <a:rPr lang="en-US" altLang="zh-CN" dirty="0" smtClean="0"/>
-              <a:t>flexible</a:t>
-            </a:r>
-          </a:p>
-          <a:p>
-            <a:pPr marL="285750" indent="-285750">
-              <a:buFont typeface="Wingdings" panose="05000000000000000000" pitchFamily="2" charset="2"/>
-              <a:buChar char="Ø"/>
-            </a:pPr>
-            <a:endParaRPr lang="en-US" altLang="zh-CN" dirty="0"/>
-          </a:p>
-          <a:p>
-            <a:r>
-              <a:rPr lang="en-US" altLang="zh-CN" dirty="0" smtClean="0">
-                <a:hlinkClick r:id="rId3"/>
-              </a:rPr>
-              <a:t>https</a:t>
-            </a:r>
-            <a:r>
-              <a:rPr lang="en-US" altLang="zh-CN" dirty="0">
-                <a:hlinkClick r:id="rId3"/>
-              </a:rPr>
-              <a:t>://github.com/topcpporg/rest_rpc</a:t>
-            </a:r>
-            <a:endParaRPr lang="en-US" altLang="zh-CN" dirty="0"/>
-          </a:p>
-          <a:p>
-            <a:pPr marL="285750" indent="-285750">
-              <a:buFont typeface="Wingdings" panose="05000000000000000000" pitchFamily="2" charset="2"/>
-              <a:buChar char="Ø"/>
-            </a:pPr>
-            <a:endParaRPr lang="zh-CN" altLang="en-US" dirty="0"/>
-          </a:p>
-        </p:txBody>
-      </p:sp>
-    </p:spTree>
-  </p:cSld>
-  <p:clrMapOvr>
-    <a:masterClrMapping/>
-  </p:clrMapOvr>
-  <p:timing>
-    <p:tnLst>
-      <p:par>
-        <p:cTn id="1" dur="indefinite" restart="never" nodeType="tmRoot">
-          <p:childTnLst>
-            <p:seq concurrent="1" nextAc="seek">
-              <p:cTn id="2" dur="indefinite" nodeType="mainSeq">
-                <p:childTnLst>
-                  <p:par>
-                    <p:cTn id="3" fill="hold">
-                      <p:stCondLst>
-                        <p:cond delay="indefinite"/>
-                      </p:stCondLst>
-                      <p:childTnLst>
-                        <p:par>
-                          <p:cTn id="4" fill="hold">
-                            <p:stCondLst>
-                              <p:cond delay="0"/>
-                            </p:stCondLst>
-                            <p:childTnLst>
-                              <p:par>
-                                <p:cTn id="5" presetID="2" presetClass="entr" presetSubtype="4" fill="hold" nodeType="clickEffect">
-                                  <p:stCondLst>
-                                    <p:cond delay="0"/>
-                                  </p:stCondLst>
-                                  <p:childTnLst>
-                                    <p:set>
-                                      <p:cBhvr>
-                                        <p:cTn id="6" dur="1" fill="hold">
-                                          <p:stCondLst>
-                                            <p:cond delay="0"/>
-                                          </p:stCondLst>
-                                        </p:cTn>
-                                        <p:tgtEl>
-                                          <p:spTgt spid="3">
-                                            <p:txEl>
-                                              <p:pRg st="6" end="6"/>
-                                            </p:txEl>
-                                          </p:spTgt>
-                                        </p:tgtEl>
-                                        <p:attrNameLst>
-                                          <p:attrName>style.visibility</p:attrName>
-                                        </p:attrNameLst>
-                                      </p:cBhvr>
-                                      <p:to>
-                                        <p:strVal val="visible"/>
-                                      </p:to>
-                                    </p:set>
-                                    <p:anim calcmode="lin" valueType="num">
-                                      <p:cBhvr additive="base">
-                                        <p:cTn id="7" dur="500" fill="hold"/>
-                                        <p:tgtEl>
-                                          <p:spTgt spid="3">
-                                            <p:txEl>
-                                              <p:pRg st="6" end="6"/>
-                                            </p:txEl>
-                                          </p:spTgt>
-                                        </p:tgtEl>
-                                        <p:attrNameLst>
-                                          <p:attrName>ppt_x</p:attrName>
-                                        </p:attrNameLst>
-                                      </p:cBhvr>
-                                      <p:tavLst>
-                                        <p:tav tm="0">
-                                          <p:val>
-                                            <p:strVal val="#ppt_x"/>
-                                          </p:val>
-                                        </p:tav>
-                                        <p:tav tm="100000">
-                                          <p:val>
-                                            <p:strVal val="#ppt_x"/>
-                                          </p:val>
-                                        </p:tav>
-                                      </p:tavLst>
-                                    </p:anim>
-                                    <p:anim calcmode="lin" valueType="num">
-                                      <p:cBhvr additive="base">
-                                        <p:cTn id="8" dur="500" fill="hold"/>
-                                        <p:tgtEl>
-                                          <p:spTgt spid="3">
-                                            <p:txEl>
-                                              <p:pRg st="6" end="6"/>
-                                            </p:txEl>
-                                          </p:spTgt>
-                                        </p:tgtEl>
-                                        <p:attrNameLst>
-                                          <p:attrName>ppt_y</p:attrName>
-                                        </p:attrNameLst>
-                                      </p:cBhvr>
-                                      <p:tavLst>
-                                        <p:tav tm="0">
-                                          <p:val>
-                                            <p:strVal val="1+#ppt_h/2"/>
-                                          </p:val>
-                                        </p:tav>
-                                        <p:tav tm="100000">
-                                          <p:val>
-                                            <p:strVal val="#ppt_y"/>
-                                          </p:val>
-                                        </p:tav>
-                                      </p:tavLst>
-                                    </p:anim>
-                                  </p:childTnLst>
-                                </p:cTn>
-                              </p:par>
-                            </p:childTnLst>
-                          </p:cTn>
-                        </p:par>
-                      </p:childTnLst>
-                    </p:cTn>
-                  </p:par>
-                </p:childTnLst>
-              </p:cTn>
-              <p:prevCondLst>
-                <p:cond evt="onPrev" delay="0">
-                  <p:tgtEl>
-                    <p:sldTgt/>
-                  </p:tgtEl>
-                </p:cond>
-              </p:prevCondLst>
-              <p:nextCondLst>
-                <p:cond evt="onNext" delay="0">
-                  <p:tgtEl>
-                    <p:sldTgt/>
-                  </p:tgtEl>
-                </p:cond>
-              </p:nextCondLst>
-            </p:seq>
-          </p:childTnLst>
-        </p:cTn>
-      </p:par>
-    </p:tnLst>
-  </p:timing>
-</p:sld>
-</file>
-
-<file path=ppt/slides/slide8.xml><?xml version="1.0" encoding="utf-8"?>
 <p:sld xmlns:a="http://schemas.openxmlformats.org/drawingml/2006/main" xmlns:r="http://schemas.openxmlformats.org/officeDocument/2006/relationships" xmlns:p="http://schemas.openxmlformats.org/presentationml/2006/main">
   <p:cSld>
     <p:spTree>
@@ -26333,6 +25881,125 @@
 </p:sld>
 </file>
 
+<file path=ppt/slides/slide8.xml><?xml version="1.0" encoding="utf-8"?>
+<p:sld xmlns:a="http://schemas.openxmlformats.org/drawingml/2006/main" xmlns:r="http://schemas.openxmlformats.org/officeDocument/2006/relationships" xmlns:p="http://schemas.openxmlformats.org/presentationml/2006/main">
+  <p:cSld>
+    <p:spTree>
+      <p:nvGrpSpPr>
+        <p:cNvPr id="1" name=""/>
+        <p:cNvGrpSpPr/>
+        <p:nvPr/>
+      </p:nvGrpSpPr>
+      <p:grpSpPr>
+        <a:xfrm>
+          <a:off x="0" y="0"/>
+          <a:ext cx="0" cy="0"/>
+          <a:chOff x="0" y="0"/>
+          <a:chExt cx="0" cy="0"/>
+        </a:xfrm>
+      </p:grpSpPr>
+      <p:sp>
+        <p:nvSpPr>
+          <p:cNvPr id="2" name="标题 1"/>
+          <p:cNvSpPr>
+            <a:spLocks noGrp="1"/>
+          </p:cNvSpPr>
+          <p:nvPr>
+            <p:ph type="title"/>
+          </p:nvPr>
+        </p:nvSpPr>
+        <p:spPr/>
+        <p:txBody>
+          <a:bodyPr/>
+          <a:lstStyle/>
+          <a:p>
+            <a:r>
+              <a:rPr lang="en-US" altLang="zh-CN" dirty="0" smtClean="0"/>
+              <a:t>Outline</a:t>
+            </a:r>
+            <a:endParaRPr lang="zh-CN" altLang="en-US" dirty="0"/>
+          </a:p>
+        </p:txBody>
+      </p:sp>
+      <p:sp>
+        <p:nvSpPr>
+          <p:cNvPr id="3" name="文本占位符 2"/>
+          <p:cNvSpPr>
+            <a:spLocks noGrp="1"/>
+          </p:cNvSpPr>
+          <p:nvPr>
+            <p:ph type="body" sz="half" idx="2"/>
+          </p:nvPr>
+        </p:nvSpPr>
+        <p:spPr/>
+        <p:txBody>
+          <a:bodyPr/>
+          <a:lstStyle/>
+          <a:p>
+            <a:r>
+              <a:rPr lang="en-US" altLang="zh-CN" dirty="0"/>
+              <a:t>1.Introduction to RPC</a:t>
+            </a:r>
+          </a:p>
+          <a:p>
+            <a:endParaRPr lang="en-US" altLang="zh-CN" dirty="0"/>
+          </a:p>
+          <a:p>
+            <a:r>
+              <a:rPr lang="en-US" altLang="zh-CN" dirty="0"/>
+              <a:t>2.What is </a:t>
+            </a:r>
+            <a:r>
+              <a:rPr lang="en-US" altLang="zh-CN" dirty="0" err="1"/>
+              <a:t>rest_rpc</a:t>
+            </a:r>
+            <a:endParaRPr lang="en-US" altLang="zh-CN" dirty="0"/>
+          </a:p>
+          <a:p>
+            <a:endParaRPr lang="en-US" altLang="zh-CN" dirty="0"/>
+          </a:p>
+          <a:p>
+            <a:r>
+              <a:rPr lang="en-US" altLang="zh-CN" sz="1800" dirty="0">
+                <a:solidFill>
+                  <a:schemeClr val="accent5"/>
+                </a:solidFill>
+              </a:rPr>
+              <a:t>3.Ease of use challenges</a:t>
+            </a:r>
+          </a:p>
+          <a:p>
+            <a:endParaRPr lang="en-US" altLang="zh-CN" dirty="0"/>
+          </a:p>
+          <a:p>
+            <a:r>
+              <a:rPr lang="en-US" altLang="zh-CN" dirty="0"/>
+              <a:t>4.Key technologies</a:t>
+            </a:r>
+          </a:p>
+          <a:p>
+            <a:endParaRPr lang="en-US" altLang="zh-CN" dirty="0"/>
+          </a:p>
+          <a:p>
+            <a:endParaRPr lang="zh-CN" altLang="en-US" dirty="0"/>
+          </a:p>
+        </p:txBody>
+      </p:sp>
+    </p:spTree>
+  </p:cSld>
+  <p:clrMapOvr>
+    <a:masterClrMapping/>
+  </p:clrMapOvr>
+  <p:timing>
+    <p:tnLst>
+      <p:par>
+        <p:cTn id="1" dur="indefinite" restart="never" nodeType="tmRoot"/>
+      </p:par>
+    </p:tnLst>
+  </p:timing>
+</p:sld>
+</file>
+
 <file path=ppt/slides/slide9.xml><?xml version="1.0" encoding="utf-8"?>
 <p:sld xmlns:a="http://schemas.openxmlformats.org/drawingml/2006/main" xmlns:r="http://schemas.openxmlformats.org/officeDocument/2006/relationships" xmlns:p="http://schemas.openxmlformats.org/presentationml/2006/main">
   <p:cSld>
@@ -26367,7 +26034,7 @@
           <a:p>
             <a:r>
               <a:rPr lang="en-US" altLang="zh-CN" dirty="0" smtClean="0"/>
-              <a:t>Outline</a:t>
+              <a:t>Challenges</a:t>
             </a:r>
             <a:endParaRPr lang="zh-CN" altLang="en-US" dirty="0"/>
           </a:p>
@@ -26388,52 +26055,42 @@
           <a:bodyPr/>
           <a:lstStyle/>
           <a:p>
-            <a:r>
-              <a:rPr lang="en-US" altLang="zh-CN" dirty="0"/>
-              <a:t>1.Introduction to RPC</a:t>
-            </a:r>
-          </a:p>
-          <a:p>
-            <a:endParaRPr lang="en-US" altLang="zh-CN" dirty="0"/>
-          </a:p>
-          <a:p>
-            <a:r>
-              <a:rPr lang="en-US" altLang="zh-CN" dirty="0"/>
-              <a:t>2.What is </a:t>
-            </a:r>
-            <a:r>
-              <a:rPr lang="en-US" altLang="zh-CN" dirty="0" err="1"/>
-              <a:t>rest_rpc</a:t>
-            </a:r>
-            <a:endParaRPr lang="en-US" altLang="zh-CN" dirty="0"/>
-          </a:p>
-          <a:p>
-            <a:endParaRPr lang="en-US" altLang="zh-CN" dirty="0"/>
-          </a:p>
-          <a:p>
-            <a:r>
-              <a:rPr lang="en-US" altLang="zh-CN" sz="1800" dirty="0">
-                <a:solidFill>
-                  <a:schemeClr val="accent5"/>
-                </a:solidFill>
-              </a:rPr>
-              <a:t>3.Ease of use challenges</a:t>
-            </a:r>
-          </a:p>
-          <a:p>
-            <a:endParaRPr lang="en-US" altLang="zh-CN" dirty="0"/>
-          </a:p>
-          <a:p>
-            <a:r>
-              <a:rPr lang="en-US" altLang="zh-CN" dirty="0"/>
-              <a:t>4.Key technologies</a:t>
-            </a:r>
-          </a:p>
-          <a:p>
-            <a:endParaRPr lang="en-US" altLang="zh-CN" dirty="0"/>
-          </a:p>
-          <a:p>
-            <a:endParaRPr lang="zh-CN" altLang="en-US" dirty="0"/>
+            <a:pPr marL="285750" indent="-285750">
+              <a:buFont typeface="Wingdings" panose="05000000000000000000" pitchFamily="2" charset="2"/>
+              <a:buChar char="Ø"/>
+            </a:pPr>
+            <a:r>
+              <a:rPr lang="en-US" altLang="zh-CN" dirty="0" smtClean="0"/>
+              <a:t>How to register </a:t>
+            </a:r>
+            <a:r>
+              <a:rPr lang="en-US" altLang="zh-CN" dirty="0"/>
+              <a:t>callable of </a:t>
+            </a:r>
+            <a:r>
+              <a:rPr lang="en-US" altLang="zh-CN" dirty="0" smtClean="0"/>
+              <a:t>any signature</a:t>
+            </a:r>
+          </a:p>
+          <a:p>
+            <a:pPr marL="285750" indent="-285750">
+              <a:buFont typeface="Wingdings" panose="05000000000000000000" pitchFamily="2" charset="2"/>
+              <a:buChar char="Ø"/>
+            </a:pPr>
+            <a:r>
+              <a:rPr lang="en-US" altLang="zh-CN" dirty="0" smtClean="0"/>
+              <a:t>How to route to the correct handler</a:t>
+            </a:r>
+          </a:p>
+          <a:p>
+            <a:pPr marL="285750" indent="-285750">
+              <a:buFont typeface="Wingdings" panose="05000000000000000000" pitchFamily="2" charset="2"/>
+              <a:buChar char="Ø"/>
+            </a:pPr>
+            <a:r>
+              <a:rPr lang="en-US" altLang="zh-CN" dirty="0" smtClean="0"/>
+              <a:t>How to simplify the RPC call</a:t>
+            </a:r>
           </a:p>
         </p:txBody>
       </p:sp>

--- a/An easy to use RPC framework implemented by c++11 and c++14 - shorter.pptx
+++ b/An easy to use RPC framework implemented by c++11 and c++14 - shorter.pptx
@@ -5,10 +5,10 @@
     <p:sldMasterId id="2147483648" r:id="rId1"/>
   </p:sldMasterIdLst>
   <p:notesMasterIdLst>
-    <p:notesMasterId r:id="rId48"/>
+    <p:notesMasterId r:id="rId47"/>
   </p:notesMasterIdLst>
   <p:handoutMasterIdLst>
-    <p:handoutMasterId r:id="rId49"/>
+    <p:handoutMasterId r:id="rId48"/>
   </p:handoutMasterIdLst>
   <p:sldIdLst>
     <p:sldId id="256" r:id="rId2"/>
@@ -31,32 +31,31 @@
     <p:sldId id="280" r:id="rId19"/>
     <p:sldId id="324" r:id="rId20"/>
     <p:sldId id="353" r:id="rId21"/>
-    <p:sldId id="281" r:id="rId22"/>
-    <p:sldId id="412" r:id="rId23"/>
-    <p:sldId id="326" r:id="rId24"/>
-    <p:sldId id="282" r:id="rId25"/>
-    <p:sldId id="328" r:id="rId26"/>
-    <p:sldId id="345" r:id="rId27"/>
-    <p:sldId id="365" r:id="rId28"/>
-    <p:sldId id="332" r:id="rId29"/>
-    <p:sldId id="330" r:id="rId30"/>
-    <p:sldId id="331" r:id="rId31"/>
-    <p:sldId id="358" r:id="rId32"/>
-    <p:sldId id="347" r:id="rId33"/>
-    <p:sldId id="346" r:id="rId34"/>
-    <p:sldId id="307" r:id="rId35"/>
-    <p:sldId id="415" r:id="rId36"/>
-    <p:sldId id="348" r:id="rId37"/>
-    <p:sldId id="308" r:id="rId38"/>
-    <p:sldId id="299" r:id="rId39"/>
-    <p:sldId id="333" r:id="rId40"/>
-    <p:sldId id="411" r:id="rId41"/>
-    <p:sldId id="301" r:id="rId42"/>
-    <p:sldId id="349" r:id="rId43"/>
-    <p:sldId id="341" r:id="rId44"/>
-    <p:sldId id="304" r:id="rId45"/>
-    <p:sldId id="263" r:id="rId46"/>
-    <p:sldId id="264" r:id="rId47"/>
+    <p:sldId id="412" r:id="rId22"/>
+    <p:sldId id="326" r:id="rId23"/>
+    <p:sldId id="282" r:id="rId24"/>
+    <p:sldId id="328" r:id="rId25"/>
+    <p:sldId id="345" r:id="rId26"/>
+    <p:sldId id="365" r:id="rId27"/>
+    <p:sldId id="332" r:id="rId28"/>
+    <p:sldId id="330" r:id="rId29"/>
+    <p:sldId id="331" r:id="rId30"/>
+    <p:sldId id="358" r:id="rId31"/>
+    <p:sldId id="347" r:id="rId32"/>
+    <p:sldId id="346" r:id="rId33"/>
+    <p:sldId id="307" r:id="rId34"/>
+    <p:sldId id="415" r:id="rId35"/>
+    <p:sldId id="348" r:id="rId36"/>
+    <p:sldId id="308" r:id="rId37"/>
+    <p:sldId id="299" r:id="rId38"/>
+    <p:sldId id="333" r:id="rId39"/>
+    <p:sldId id="411" r:id="rId40"/>
+    <p:sldId id="301" r:id="rId41"/>
+    <p:sldId id="349" r:id="rId42"/>
+    <p:sldId id="341" r:id="rId43"/>
+    <p:sldId id="304" r:id="rId44"/>
+    <p:sldId id="263" r:id="rId45"/>
+    <p:sldId id="264" r:id="rId46"/>
   </p:sldIdLst>
   <p:sldSz cx="9144000" cy="6858000" type="screen4x3"/>
   <p:notesSz cx="6858000" cy="9144000"/>
@@ -1184,7 +1183,7 @@
             <a:fld id="{D907BE37-B124-4F9F-8F7E-44B90AC375A6}" type="slidenum">
               <a:rPr lang="zh-CN" altLang="en-US" smtClean="0"/>
               <a:pPr/>
-              <a:t>21</a:t>
+              <a:t>22</a:t>
             </a:fld>
             <a:endParaRPr lang="zh-CN" altLang="en-US"/>
           </a:p>
@@ -1193,7 +1192,7 @@
     </p:spTree>
     <p:extLst>
       <p:ext uri="{BB962C8B-B14F-4D97-AF65-F5344CB8AC3E}">
-        <p14:creationId xmlns:p14="http://schemas.microsoft.com/office/powerpoint/2010/main" val="2271832572"/>
+        <p14:creationId xmlns:p14="http://schemas.microsoft.com/office/powerpoint/2010/main" val="3825666927"/>
       </p:ext>
     </p:extLst>
   </p:cSld>
@@ -1278,7 +1277,7 @@
     </p:spTree>
     <p:extLst>
       <p:ext uri="{BB962C8B-B14F-4D97-AF65-F5344CB8AC3E}">
-        <p14:creationId xmlns:p14="http://schemas.microsoft.com/office/powerpoint/2010/main" val="3825666927"/>
+        <p14:creationId xmlns:p14="http://schemas.microsoft.com/office/powerpoint/2010/main" val="904632225"/>
       </p:ext>
     </p:extLst>
   </p:cSld>
@@ -1363,7 +1362,7 @@
     </p:spTree>
     <p:extLst>
       <p:ext uri="{BB962C8B-B14F-4D97-AF65-F5344CB8AC3E}">
-        <p14:creationId xmlns:p14="http://schemas.microsoft.com/office/powerpoint/2010/main" val="904632225"/>
+        <p14:creationId xmlns:p14="http://schemas.microsoft.com/office/powerpoint/2010/main" val="2814906141"/>
       </p:ext>
     </p:extLst>
   </p:cSld>
@@ -1439,7 +1438,7 @@
             <a:fld id="{D907BE37-B124-4F9F-8F7E-44B90AC375A6}" type="slidenum">
               <a:rPr lang="zh-CN" altLang="en-US" smtClean="0"/>
               <a:pPr/>
-              <a:t>25</a:t>
+              <a:t>27</a:t>
             </a:fld>
             <a:endParaRPr lang="zh-CN" altLang="en-US"/>
           </a:p>
@@ -1448,7 +1447,7 @@
     </p:spTree>
     <p:extLst>
       <p:ext uri="{BB962C8B-B14F-4D97-AF65-F5344CB8AC3E}">
-        <p14:creationId xmlns:p14="http://schemas.microsoft.com/office/powerpoint/2010/main" val="2814906141"/>
+        <p14:creationId xmlns:p14="http://schemas.microsoft.com/office/powerpoint/2010/main" val="3984221818"/>
       </p:ext>
     </p:extLst>
   </p:cSld>
@@ -1502,7 +1501,7 @@
           <a:bodyPr/>
           <a:lstStyle/>
           <a:p>
-            <a:endParaRPr lang="zh-CN" altLang="en-US" dirty="0"/>
+            <a:endParaRPr lang="en-US" altLang="zh-CN" dirty="0" smtClean="0"/>
           </a:p>
         </p:txBody>
       </p:sp>
@@ -1533,7 +1532,7 @@
     </p:spTree>
     <p:extLst>
       <p:ext uri="{BB962C8B-B14F-4D97-AF65-F5344CB8AC3E}">
-        <p14:creationId xmlns:p14="http://schemas.microsoft.com/office/powerpoint/2010/main" val="3984221818"/>
+        <p14:creationId xmlns:p14="http://schemas.microsoft.com/office/powerpoint/2010/main" val="920873880"/>
       </p:ext>
     </p:extLst>
   </p:cSld>
@@ -1587,7 +1586,7 @@
           <a:bodyPr/>
           <a:lstStyle/>
           <a:p>
-            <a:endParaRPr lang="en-US" altLang="zh-CN" dirty="0" smtClean="0"/>
+            <a:endParaRPr lang="zh-CN" altLang="en-US" dirty="0" smtClean="0"/>
           </a:p>
         </p:txBody>
       </p:sp>
@@ -1618,7 +1617,7 @@
     </p:spTree>
     <p:extLst>
       <p:ext uri="{BB962C8B-B14F-4D97-AF65-F5344CB8AC3E}">
-        <p14:creationId xmlns:p14="http://schemas.microsoft.com/office/powerpoint/2010/main" val="920873880"/>
+        <p14:creationId xmlns:p14="http://schemas.microsoft.com/office/powerpoint/2010/main" val="2121388482"/>
       </p:ext>
     </p:extLst>
   </p:cSld>
@@ -1757,7 +1756,23 @@
           <a:bodyPr/>
           <a:lstStyle/>
           <a:p>
-            <a:endParaRPr lang="zh-CN" altLang="en-US" dirty="0" smtClean="0"/>
+            <a:pPr marL="0" marR="0" indent="0" algn="l" defTabSz="914400" rtl="0" eaLnBrk="1" fontAlgn="auto" latinLnBrk="0" hangingPunct="1">
+              <a:lnSpc>
+                <a:spcPct val="100000"/>
+              </a:lnSpc>
+              <a:spcBef>
+                <a:spcPts val="0"/>
+              </a:spcBef>
+              <a:spcAft>
+                <a:spcPts val="0"/>
+              </a:spcAft>
+              <a:buClrTx/>
+              <a:buSzTx/>
+              <a:buFontTx/>
+              <a:buNone/>
+              <a:defRPr/>
+            </a:pPr>
+            <a:endParaRPr lang="zh-CN" altLang="en-US" dirty="0"/>
           </a:p>
         </p:txBody>
       </p:sp>
@@ -1779,7 +1794,7 @@
             <a:fld id="{D907BE37-B124-4F9F-8F7E-44B90AC375A6}" type="slidenum">
               <a:rPr lang="zh-CN" altLang="en-US" smtClean="0"/>
               <a:pPr/>
-              <a:t>30</a:t>
+              <a:t>33</a:t>
             </a:fld>
             <a:endParaRPr lang="zh-CN" altLang="en-US"/>
           </a:p>
@@ -1788,7 +1803,7 @@
     </p:spTree>
     <p:extLst>
       <p:ext uri="{BB962C8B-B14F-4D97-AF65-F5344CB8AC3E}">
-        <p14:creationId xmlns:p14="http://schemas.microsoft.com/office/powerpoint/2010/main" val="2121388482"/>
+        <p14:creationId xmlns:p14="http://schemas.microsoft.com/office/powerpoint/2010/main" val="2596920755"/>
       </p:ext>
     </p:extLst>
   </p:cSld>
@@ -1822,19 +1837,19 @@
             <a:spLocks noGrp="1" noRot="1" noChangeAspect="1"/>
           </p:cNvSpPr>
           <p:nvPr>
-            <p:ph type="sldImg"/>
+            <p:ph type="sldImg" idx="2"/>
           </p:nvPr>
         </p:nvSpPr>
         <p:spPr/>
       </p:sp>
       <p:sp>
         <p:nvSpPr>
-          <p:cNvPr id="3" name="备注占位符 2"/>
+          <p:cNvPr id="3" name="文本占位符 2"/>
           <p:cNvSpPr>
             <a:spLocks noGrp="1"/>
           </p:cNvSpPr>
           <p:nvPr>
-            <p:ph type="body" idx="1"/>
+            <p:ph type="body" idx="3"/>
           </p:nvPr>
         </p:nvSpPr>
         <p:spPr/>
@@ -1842,46 +1857,6 @@
           <a:bodyPr/>
           <a:lstStyle/>
           <a:p>
-            <a:pPr marL="0" marR="0" indent="0" algn="l" defTabSz="914400" rtl="0" eaLnBrk="1" fontAlgn="auto" latinLnBrk="0" hangingPunct="1">
-              <a:lnSpc>
-                <a:spcPct val="100000"/>
-              </a:lnSpc>
-              <a:spcBef>
-                <a:spcPts val="0"/>
-              </a:spcBef>
-              <a:spcAft>
-                <a:spcPts val="0"/>
-              </a:spcAft>
-              <a:buClrTx/>
-              <a:buSzTx/>
-              <a:buFontTx/>
-              <a:buNone/>
-              <a:defRPr/>
-            </a:pPr>
-            <a:endParaRPr lang="zh-CN" altLang="en-US" dirty="0"/>
-          </a:p>
-        </p:txBody>
-      </p:sp>
-      <p:sp>
-        <p:nvSpPr>
-          <p:cNvPr id="4" name="灯片编号占位符 3"/>
-          <p:cNvSpPr>
-            <a:spLocks noGrp="1"/>
-          </p:cNvSpPr>
-          <p:nvPr>
-            <p:ph type="sldNum" sz="quarter" idx="10"/>
-          </p:nvPr>
-        </p:nvSpPr>
-        <p:spPr/>
-        <p:txBody>
-          <a:bodyPr/>
-          <a:lstStyle/>
-          <a:p>
-            <a:fld id="{D907BE37-B124-4F9F-8F7E-44B90AC375A6}" type="slidenum">
-              <a:rPr lang="zh-CN" altLang="en-US" smtClean="0"/>
-              <a:pPr/>
-              <a:t>34</a:t>
-            </a:fld>
             <a:endParaRPr lang="zh-CN" altLang="en-US"/>
           </a:p>
         </p:txBody>
@@ -1889,7 +1864,7 @@
     </p:spTree>
     <p:extLst>
       <p:ext uri="{BB962C8B-B14F-4D97-AF65-F5344CB8AC3E}">
-        <p14:creationId xmlns:p14="http://schemas.microsoft.com/office/powerpoint/2010/main" val="2596920755"/>
+        <p14:creationId xmlns:p14="http://schemas.microsoft.com/office/powerpoint/2010/main" val="663596094"/>
       </p:ext>
     </p:extLst>
   </p:cSld>
@@ -1923,19 +1898,19 @@
             <a:spLocks noGrp="1" noRot="1" noChangeAspect="1"/>
           </p:cNvSpPr>
           <p:nvPr>
-            <p:ph type="sldImg" idx="2"/>
+            <p:ph type="sldImg"/>
           </p:nvPr>
         </p:nvSpPr>
         <p:spPr/>
       </p:sp>
       <p:sp>
         <p:nvSpPr>
-          <p:cNvPr id="3" name="文本占位符 2"/>
+          <p:cNvPr id="3" name="备注占位符 2"/>
           <p:cNvSpPr>
             <a:spLocks noGrp="1"/>
           </p:cNvSpPr>
           <p:nvPr>
-            <p:ph type="body" idx="3"/>
+            <p:ph type="body" idx="1"/>
           </p:nvPr>
         </p:nvSpPr>
         <p:spPr/>
@@ -1943,6 +1918,30 @@
           <a:bodyPr/>
           <a:lstStyle/>
           <a:p>
+            <a:endParaRPr lang="zh-CN" altLang="en-US" dirty="0"/>
+          </a:p>
+        </p:txBody>
+      </p:sp>
+      <p:sp>
+        <p:nvSpPr>
+          <p:cNvPr id="4" name="灯片编号占位符 3"/>
+          <p:cNvSpPr>
+            <a:spLocks noGrp="1"/>
+          </p:cNvSpPr>
+          <p:nvPr>
+            <p:ph type="sldNum" sz="quarter" idx="10"/>
+          </p:nvPr>
+        </p:nvSpPr>
+        <p:spPr/>
+        <p:txBody>
+          <a:bodyPr/>
+          <a:lstStyle/>
+          <a:p>
+            <a:fld id="{D907BE37-B124-4F9F-8F7E-44B90AC375A6}" type="slidenum">
+              <a:rPr lang="zh-CN" altLang="en-US" smtClean="0"/>
+              <a:pPr/>
+              <a:t>36</a:t>
+            </a:fld>
             <a:endParaRPr lang="zh-CN" altLang="en-US"/>
           </a:p>
         </p:txBody>
@@ -1950,7 +1949,7 @@
     </p:spTree>
     <p:extLst>
       <p:ext uri="{BB962C8B-B14F-4D97-AF65-F5344CB8AC3E}">
-        <p14:creationId xmlns:p14="http://schemas.microsoft.com/office/powerpoint/2010/main" val="663596094"/>
+        <p14:creationId xmlns:p14="http://schemas.microsoft.com/office/powerpoint/2010/main" val="2537127361"/>
       </p:ext>
     </p:extLst>
   </p:cSld>
@@ -2035,7 +2034,7 @@
     </p:spTree>
     <p:extLst>
       <p:ext uri="{BB962C8B-B14F-4D97-AF65-F5344CB8AC3E}">
-        <p14:creationId xmlns:p14="http://schemas.microsoft.com/office/powerpoint/2010/main" val="2537127361"/>
+        <p14:creationId xmlns:p14="http://schemas.microsoft.com/office/powerpoint/2010/main" val="1815552788"/>
       </p:ext>
     </p:extLst>
   </p:cSld>
@@ -2120,7 +2119,7 @@
     </p:spTree>
     <p:extLst>
       <p:ext uri="{BB962C8B-B14F-4D97-AF65-F5344CB8AC3E}">
-        <p14:creationId xmlns:p14="http://schemas.microsoft.com/office/powerpoint/2010/main" val="1815552788"/>
+        <p14:creationId xmlns:p14="http://schemas.microsoft.com/office/powerpoint/2010/main" val="229759463"/>
       </p:ext>
     </p:extLst>
   </p:cSld>
@@ -2196,7 +2195,7 @@
             <a:fld id="{D907BE37-B124-4F9F-8F7E-44B90AC375A6}" type="slidenum">
               <a:rPr lang="zh-CN" altLang="en-US" smtClean="0"/>
               <a:pPr/>
-              <a:t>39</a:t>
+              <a:t>42</a:t>
             </a:fld>
             <a:endParaRPr lang="zh-CN" altLang="en-US"/>
           </a:p>
@@ -2205,7 +2204,7 @@
     </p:spTree>
     <p:extLst>
       <p:ext uri="{BB962C8B-B14F-4D97-AF65-F5344CB8AC3E}">
-        <p14:creationId xmlns:p14="http://schemas.microsoft.com/office/powerpoint/2010/main" val="229759463"/>
+        <p14:creationId xmlns:p14="http://schemas.microsoft.com/office/powerpoint/2010/main" val="62931002"/>
       </p:ext>
     </p:extLst>
   </p:cSld>
@@ -2282,91 +2281,6 @@
               <a:rPr lang="zh-CN" altLang="en-US" smtClean="0"/>
               <a:pPr/>
               <a:t>43</a:t>
-            </a:fld>
-            <a:endParaRPr lang="zh-CN" altLang="en-US"/>
-          </a:p>
-        </p:txBody>
-      </p:sp>
-    </p:spTree>
-    <p:extLst>
-      <p:ext uri="{BB962C8B-B14F-4D97-AF65-F5344CB8AC3E}">
-        <p14:creationId xmlns:p14="http://schemas.microsoft.com/office/powerpoint/2010/main" val="62931002"/>
-      </p:ext>
-    </p:extLst>
-  </p:cSld>
-  <p:clrMapOvr>
-    <a:masterClrMapping/>
-  </p:clrMapOvr>
-</p:notes>
-</file>
-
-<file path=ppt/notesSlides/notesSlide27.xml><?xml version="1.0" encoding="utf-8"?>
-<p:notes xmlns:a="http://schemas.openxmlformats.org/drawingml/2006/main" xmlns:r="http://schemas.openxmlformats.org/officeDocument/2006/relationships" xmlns:p="http://schemas.openxmlformats.org/presentationml/2006/main">
-  <p:cSld>
-    <p:spTree>
-      <p:nvGrpSpPr>
-        <p:cNvPr id="1" name=""/>
-        <p:cNvGrpSpPr/>
-        <p:nvPr/>
-      </p:nvGrpSpPr>
-      <p:grpSpPr>
-        <a:xfrm>
-          <a:off x="0" y="0"/>
-          <a:ext cx="0" cy="0"/>
-          <a:chOff x="0" y="0"/>
-          <a:chExt cx="0" cy="0"/>
-        </a:xfrm>
-      </p:grpSpPr>
-      <p:sp>
-        <p:nvSpPr>
-          <p:cNvPr id="2" name="幻灯片图像占位符 1"/>
-          <p:cNvSpPr>
-            <a:spLocks noGrp="1" noRot="1" noChangeAspect="1"/>
-          </p:cNvSpPr>
-          <p:nvPr>
-            <p:ph type="sldImg"/>
-          </p:nvPr>
-        </p:nvSpPr>
-        <p:spPr/>
-      </p:sp>
-      <p:sp>
-        <p:nvSpPr>
-          <p:cNvPr id="3" name="备注占位符 2"/>
-          <p:cNvSpPr>
-            <a:spLocks noGrp="1"/>
-          </p:cNvSpPr>
-          <p:nvPr>
-            <p:ph type="body" idx="1"/>
-          </p:nvPr>
-        </p:nvSpPr>
-        <p:spPr/>
-        <p:txBody>
-          <a:bodyPr/>
-          <a:lstStyle/>
-          <a:p>
-            <a:endParaRPr lang="zh-CN" altLang="en-US" dirty="0"/>
-          </a:p>
-        </p:txBody>
-      </p:sp>
-      <p:sp>
-        <p:nvSpPr>
-          <p:cNvPr id="4" name="灯片编号占位符 3"/>
-          <p:cNvSpPr>
-            <a:spLocks noGrp="1"/>
-          </p:cNvSpPr>
-          <p:nvPr>
-            <p:ph type="sldNum" sz="quarter" idx="10"/>
-          </p:nvPr>
-        </p:nvSpPr>
-        <p:spPr/>
-        <p:txBody>
-          <a:bodyPr/>
-          <a:lstStyle/>
-          <a:p>
-            <a:fld id="{D907BE37-B124-4F9F-8F7E-44B90AC375A6}" type="slidenum">
-              <a:rPr lang="zh-CN" altLang="en-US" smtClean="0"/>
-              <a:pPr/>
-              <a:t>44</a:t>
             </a:fld>
             <a:endParaRPr lang="zh-CN" altLang="en-US"/>
           </a:p>
@@ -12714,724 +12628,6 @@
           <a:p>
             <a:r>
               <a:rPr lang="en-US" altLang="zh-CN" dirty="0"/>
-              <a:t>How to </a:t>
-            </a:r>
-            <a:r>
-              <a:rPr lang="en-US" altLang="zh-CN" dirty="0" smtClean="0"/>
-              <a:t>route to </a:t>
-            </a:r>
-            <a:r>
-              <a:rPr lang="en-US" altLang="zh-CN" dirty="0"/>
-              <a:t>the correct handler</a:t>
-            </a:r>
-          </a:p>
-        </p:txBody>
-      </p:sp>
-      <p:sp>
-        <p:nvSpPr>
-          <p:cNvPr id="3" name="文本占位符 2"/>
-          <p:cNvSpPr>
-            <a:spLocks noGrp="1"/>
-          </p:cNvSpPr>
-          <p:nvPr>
-            <p:ph type="body" sz="half" idx="2"/>
-          </p:nvPr>
-        </p:nvSpPr>
-        <p:spPr/>
-        <p:txBody>
-          <a:bodyPr/>
-          <a:lstStyle/>
-          <a:p>
-            <a:r>
-              <a:rPr lang="en-US" altLang="zh-CN" sz="1400" dirty="0"/>
-              <a:t>template &lt;</a:t>
-            </a:r>
-            <a:r>
-              <a:rPr lang="en-US" altLang="zh-CN" sz="1400" dirty="0" err="1"/>
-              <a:t>typename</a:t>
-            </a:r>
-            <a:r>
-              <a:rPr lang="en-US" altLang="zh-CN" sz="1400" dirty="0"/>
-              <a:t> </a:t>
-            </a:r>
-            <a:r>
-              <a:rPr lang="en-US" altLang="zh-CN" sz="1400" dirty="0" err="1"/>
-              <a:t>CodecPolicy</a:t>
-            </a:r>
-            <a:r>
-              <a:rPr lang="en-US" altLang="zh-CN" sz="1400" dirty="0"/>
-              <a:t>&gt;</a:t>
-            </a:r>
-          </a:p>
-          <a:p>
-            <a:r>
-              <a:rPr lang="en-US" altLang="zh-CN" sz="1400" dirty="0" err="1"/>
-              <a:t>struct</a:t>
-            </a:r>
-            <a:r>
-              <a:rPr lang="en-US" altLang="zh-CN" sz="1400" dirty="0"/>
-              <a:t> </a:t>
-            </a:r>
-            <a:r>
-              <a:rPr lang="en-US" altLang="zh-CN" sz="1400" dirty="0" err="1" smtClean="0"/>
-              <a:t>server_t</a:t>
-            </a:r>
-            <a:r>
-              <a:rPr lang="en-US" altLang="zh-CN" sz="1400" dirty="0" smtClean="0"/>
-              <a:t>{</a:t>
-            </a:r>
-            <a:endParaRPr lang="en-US" altLang="zh-CN" sz="1400" dirty="0"/>
-          </a:p>
-          <a:p>
-            <a:r>
-              <a:rPr lang="en-US" altLang="zh-CN" sz="1400" dirty="0" smtClean="0"/>
-              <a:t>    template&lt;</a:t>
-            </a:r>
-            <a:r>
-              <a:rPr lang="en-US" altLang="zh-CN" sz="1400" dirty="0" err="1" smtClean="0"/>
-              <a:t>typename</a:t>
-            </a:r>
-            <a:r>
-              <a:rPr lang="en-US" altLang="zh-CN" sz="1400" dirty="0" smtClean="0"/>
-              <a:t> </a:t>
-            </a:r>
-            <a:r>
-              <a:rPr lang="en-US" altLang="zh-CN" sz="1400" dirty="0"/>
-              <a:t>Function&gt;</a:t>
-            </a:r>
-          </a:p>
-          <a:p>
-            <a:r>
-              <a:rPr lang="en-US" altLang="zh-CN" sz="1400" dirty="0" smtClean="0"/>
-              <a:t>    void </a:t>
-            </a:r>
-            <a:r>
-              <a:rPr lang="en-US" altLang="zh-CN" sz="1400" dirty="0" err="1"/>
-              <a:t>register_handler</a:t>
-            </a:r>
-            <a:r>
-              <a:rPr lang="en-US" altLang="zh-CN" sz="1400" dirty="0"/>
-              <a:t>(</a:t>
-            </a:r>
-            <a:r>
-              <a:rPr lang="en-US" altLang="zh-CN" sz="1400" dirty="0" err="1"/>
-              <a:t>std</a:t>
-            </a:r>
-            <a:r>
-              <a:rPr lang="en-US" altLang="zh-CN" sz="1400" dirty="0"/>
-              <a:t>::string </a:t>
-            </a:r>
-            <a:r>
-              <a:rPr lang="en-US" altLang="zh-CN" sz="1400" dirty="0" err="1"/>
-              <a:t>const</a:t>
-            </a:r>
-            <a:r>
-              <a:rPr lang="en-US" altLang="zh-CN" sz="1400" dirty="0"/>
-              <a:t> &amp; name, </a:t>
-            </a:r>
-            <a:r>
-              <a:rPr lang="en-US" altLang="zh-CN" sz="1400" dirty="0" err="1"/>
-              <a:t>const</a:t>
-            </a:r>
-            <a:r>
-              <a:rPr lang="en-US" altLang="zh-CN" sz="1400" dirty="0"/>
-              <a:t> Function&amp; f</a:t>
-            </a:r>
-            <a:r>
-              <a:rPr lang="en-US" altLang="zh-CN" sz="1400" dirty="0" smtClean="0"/>
-              <a:t>){</a:t>
-            </a:r>
-            <a:endParaRPr lang="en-US" altLang="zh-CN" sz="1400" dirty="0"/>
-          </a:p>
-          <a:p>
-            <a:r>
-              <a:rPr lang="en-US" altLang="zh-CN" sz="1400" dirty="0" smtClean="0"/>
-              <a:t>        using </a:t>
-            </a:r>
-            <a:r>
-              <a:rPr lang="en-US" altLang="zh-CN" sz="1400" dirty="0" err="1"/>
-              <a:t>std</a:t>
-            </a:r>
-            <a:r>
-              <a:rPr lang="en-US" altLang="zh-CN" sz="1400" dirty="0"/>
-              <a:t>::placeholders::_1;</a:t>
-            </a:r>
-          </a:p>
-          <a:p>
-            <a:r>
-              <a:rPr lang="en-US" altLang="zh-CN" sz="1400" dirty="0" smtClean="0"/>
-              <a:t>        using </a:t>
-            </a:r>
-            <a:r>
-              <a:rPr lang="en-US" altLang="zh-CN" sz="1400" dirty="0" err="1"/>
-              <a:t>std</a:t>
-            </a:r>
-            <a:r>
-              <a:rPr lang="en-US" altLang="zh-CN" sz="1400" dirty="0"/>
-              <a:t>::placeholders::_2</a:t>
-            </a:r>
-            <a:r>
-              <a:rPr lang="en-US" altLang="zh-CN" sz="1400" dirty="0" smtClean="0"/>
-              <a:t>;</a:t>
-            </a:r>
-            <a:endParaRPr lang="zh-CN" altLang="en-US" sz="1400" dirty="0"/>
-          </a:p>
-          <a:p>
-            <a:r>
-              <a:rPr lang="en-US" altLang="zh-CN" sz="1400" dirty="0" smtClean="0"/>
-              <a:t>        this-</a:t>
-            </a:r>
-            <a:r>
-              <a:rPr lang="en-US" altLang="zh-CN" sz="1400" dirty="0"/>
-              <a:t>&gt;invokers_[name] = { </a:t>
-            </a:r>
-            <a:r>
-              <a:rPr lang="en-US" altLang="zh-CN" sz="1400" dirty="0" err="1"/>
-              <a:t>std</a:t>
-            </a:r>
-            <a:r>
-              <a:rPr lang="en-US" altLang="zh-CN" sz="1400" dirty="0"/>
-              <a:t>::bind(&amp;invoker&lt;</a:t>
-            </a:r>
-            <a:r>
-              <a:rPr lang="en-US" altLang="zh-CN" sz="1400" dirty="0" err="1"/>
-              <a:t>CodecPolicy</a:t>
-            </a:r>
-            <a:r>
-              <a:rPr lang="en-US" altLang="zh-CN" sz="1400" dirty="0"/>
-              <a:t>, Function&gt;::apply, f, _1, _2) };</a:t>
-            </a:r>
-          </a:p>
-          <a:p>
-            <a:r>
-              <a:rPr lang="en-US" altLang="zh-CN" sz="1400" dirty="0" smtClean="0"/>
-              <a:t>    }</a:t>
-            </a:r>
-            <a:endParaRPr lang="en-US" altLang="zh-CN" sz="1400" dirty="0"/>
-          </a:p>
-          <a:p>
-            <a:endParaRPr lang="zh-CN" altLang="en-US" sz="1400" dirty="0"/>
-          </a:p>
-          <a:p>
-            <a:r>
-              <a:rPr lang="en-US" altLang="zh-CN" sz="1400" dirty="0" smtClean="0"/>
-              <a:t>    void </a:t>
-            </a:r>
-            <a:r>
-              <a:rPr lang="en-US" altLang="zh-CN" sz="1400" dirty="0"/>
-              <a:t>route(</a:t>
-            </a:r>
-            <a:r>
-              <a:rPr lang="en-US" altLang="zh-CN" sz="1400" dirty="0" err="1"/>
-              <a:t>const</a:t>
-            </a:r>
-            <a:r>
-              <a:rPr lang="en-US" altLang="zh-CN" sz="1400" dirty="0"/>
-              <a:t> </a:t>
-            </a:r>
-            <a:r>
-              <a:rPr lang="en-US" altLang="zh-CN" sz="1400" dirty="0" err="1"/>
-              <a:t>std</a:t>
-            </a:r>
-            <a:r>
-              <a:rPr lang="en-US" altLang="zh-CN" sz="1400" dirty="0"/>
-              <a:t>::string </a:t>
-            </a:r>
-            <a:r>
-              <a:rPr lang="en-US" altLang="zh-CN" sz="1400" dirty="0" err="1"/>
-              <a:t>handler_name</a:t>
-            </a:r>
-            <a:r>
-              <a:rPr lang="en-US" altLang="zh-CN" sz="1400" dirty="0"/>
-              <a:t>, char </a:t>
-            </a:r>
-            <a:r>
-              <a:rPr lang="en-US" altLang="zh-CN" sz="1400" dirty="0" err="1"/>
-              <a:t>const</a:t>
-            </a:r>
-            <a:r>
-              <a:rPr lang="en-US" altLang="zh-CN" sz="1400" dirty="0"/>
-              <a:t>* data, </a:t>
-            </a:r>
-            <a:r>
-              <a:rPr lang="en-US" altLang="zh-CN" sz="1400" dirty="0" err="1"/>
-              <a:t>size_t</a:t>
-            </a:r>
-            <a:r>
-              <a:rPr lang="en-US" altLang="zh-CN" sz="1400" dirty="0"/>
-              <a:t> size) </a:t>
-            </a:r>
-            <a:r>
-              <a:rPr lang="en-US" altLang="zh-CN" sz="1400" dirty="0" err="1" smtClean="0"/>
-              <a:t>const</a:t>
-            </a:r>
-            <a:r>
-              <a:rPr lang="en-US" altLang="zh-CN" sz="1400" dirty="0" smtClean="0"/>
-              <a:t>{</a:t>
-            </a:r>
-            <a:endParaRPr lang="en-US" altLang="zh-CN" sz="1400" dirty="0"/>
-          </a:p>
-          <a:p>
-            <a:r>
-              <a:rPr lang="en-US" altLang="zh-CN" sz="1400" dirty="0" smtClean="0"/>
-              <a:t>        auto </a:t>
-            </a:r>
-            <a:r>
-              <a:rPr lang="en-US" altLang="zh-CN" sz="1400" dirty="0"/>
-              <a:t>it = </a:t>
-            </a:r>
-            <a:r>
-              <a:rPr lang="en-US" altLang="zh-CN" sz="1400" dirty="0" err="1"/>
-              <a:t>invokers_.find</a:t>
-            </a:r>
-            <a:r>
-              <a:rPr lang="en-US" altLang="zh-CN" sz="1400" dirty="0"/>
-              <a:t>(</a:t>
-            </a:r>
-            <a:r>
-              <a:rPr lang="en-US" altLang="zh-CN" sz="1400" dirty="0" err="1"/>
-              <a:t>handler_name</a:t>
-            </a:r>
-            <a:r>
-              <a:rPr lang="en-US" altLang="zh-CN" sz="1400" dirty="0" smtClean="0"/>
-              <a:t>);</a:t>
-            </a:r>
-            <a:endParaRPr lang="zh-CN" altLang="en-US" sz="1400" dirty="0"/>
-          </a:p>
-          <a:p>
-            <a:r>
-              <a:rPr lang="en-US" altLang="zh-CN" sz="1400" dirty="0" smtClean="0"/>
-              <a:t>        it-</a:t>
-            </a:r>
-            <a:r>
-              <a:rPr lang="en-US" altLang="zh-CN" sz="1400" dirty="0"/>
-              <a:t>&gt;second(data, size);</a:t>
-            </a:r>
-          </a:p>
-          <a:p>
-            <a:r>
-              <a:rPr lang="en-US" altLang="zh-CN" sz="1400" dirty="0" smtClean="0"/>
-              <a:t>    }</a:t>
-            </a:r>
-            <a:endParaRPr lang="zh-CN" altLang="en-US" sz="1400" dirty="0"/>
-          </a:p>
-          <a:p>
-            <a:r>
-              <a:rPr lang="en-US" altLang="zh-CN" sz="1400" dirty="0"/>
-              <a:t>private:</a:t>
-            </a:r>
-          </a:p>
-          <a:p>
-            <a:r>
-              <a:rPr lang="en-US" altLang="zh-CN" sz="1400" dirty="0" smtClean="0"/>
-              <a:t>    </a:t>
-            </a:r>
-            <a:r>
-              <a:rPr lang="en-US" altLang="zh-CN" sz="1400" dirty="0" err="1" smtClean="0"/>
-              <a:t>std</a:t>
-            </a:r>
-            <a:r>
-              <a:rPr lang="en-US" altLang="zh-CN" sz="1400" dirty="0"/>
-              <a:t>::map&lt;</a:t>
-            </a:r>
-            <a:r>
-              <a:rPr lang="en-US" altLang="zh-CN" sz="1400" dirty="0" err="1"/>
-              <a:t>std</a:t>
-            </a:r>
-            <a:r>
-              <a:rPr lang="en-US" altLang="zh-CN" sz="1400" dirty="0"/>
-              <a:t>::string, </a:t>
-            </a:r>
-            <a:r>
-              <a:rPr lang="en-US" altLang="zh-CN" sz="1400" dirty="0" err="1"/>
-              <a:t>std</a:t>
-            </a:r>
-            <a:r>
-              <a:rPr lang="en-US" altLang="zh-CN" sz="1400" dirty="0"/>
-              <a:t>::function&lt;void(char </a:t>
-            </a:r>
-            <a:r>
-              <a:rPr lang="en-US" altLang="zh-CN" sz="1400" dirty="0" err="1"/>
-              <a:t>const</a:t>
-            </a:r>
-            <a:r>
-              <a:rPr lang="en-US" altLang="zh-CN" sz="1400" dirty="0"/>
-              <a:t>*, </a:t>
-            </a:r>
-            <a:r>
-              <a:rPr lang="en-US" altLang="zh-CN" sz="1400" dirty="0" err="1"/>
-              <a:t>size_t</a:t>
-            </a:r>
-            <a:r>
-              <a:rPr lang="en-US" altLang="zh-CN" sz="1400" dirty="0"/>
-              <a:t>)&gt;&gt; invokers_;</a:t>
-            </a:r>
-          </a:p>
-          <a:p>
-            <a:r>
-              <a:rPr lang="en-US" altLang="zh-CN" sz="1400" dirty="0"/>
-              <a:t>};</a:t>
-            </a:r>
-            <a:endParaRPr lang="zh-CN" altLang="en-US" sz="1400" dirty="0"/>
-          </a:p>
-        </p:txBody>
-      </p:sp>
-      <p:sp>
-        <p:nvSpPr>
-          <p:cNvPr id="4" name="矩形 3"/>
-          <p:cNvSpPr/>
-          <p:nvPr/>
-        </p:nvSpPr>
-        <p:spPr>
-          <a:xfrm>
-            <a:off x="1122005" y="1926524"/>
-            <a:ext cx="1573636" cy="307777"/>
-          </a:xfrm>
-          <a:prstGeom prst="rect">
-            <a:avLst/>
-          </a:prstGeom>
-        </p:spPr>
-        <p:txBody>
-          <a:bodyPr wrap="none">
-            <a:spAutoFit/>
-          </a:bodyPr>
-          <a:lstStyle/>
-          <a:p>
-            <a:r>
-              <a:rPr lang="en-US" altLang="zh-CN" sz="1400" dirty="0" err="1">
-                <a:solidFill>
-                  <a:srgbClr val="FF0000"/>
-                </a:solidFill>
-                <a:latin typeface="微软雅黑" panose="020B0503020204020204" pitchFamily="34" charset="-122"/>
-                <a:ea typeface="微软雅黑" panose="020B0503020204020204" pitchFamily="34" charset="-122"/>
-              </a:rPr>
-              <a:t>register_handler</a:t>
-            </a:r>
-            <a:endParaRPr lang="zh-CN" altLang="en-US" sz="1400" dirty="0">
-              <a:solidFill>
-                <a:srgbClr val="FF0000"/>
-              </a:solidFill>
-              <a:latin typeface="微软雅黑" panose="020B0503020204020204" pitchFamily="34" charset="-122"/>
-              <a:ea typeface="微软雅黑" panose="020B0503020204020204" pitchFamily="34" charset="-122"/>
-            </a:endParaRPr>
-          </a:p>
-        </p:txBody>
-      </p:sp>
-      <p:sp>
-        <p:nvSpPr>
-          <p:cNvPr id="5" name="矩形 4"/>
-          <p:cNvSpPr/>
-          <p:nvPr/>
-        </p:nvSpPr>
-        <p:spPr>
-          <a:xfrm>
-            <a:off x="1122005" y="3855572"/>
-            <a:ext cx="643894" cy="307777"/>
-          </a:xfrm>
-          <a:prstGeom prst="rect">
-            <a:avLst/>
-          </a:prstGeom>
-        </p:spPr>
-        <p:txBody>
-          <a:bodyPr wrap="none">
-            <a:spAutoFit/>
-          </a:bodyPr>
-          <a:lstStyle/>
-          <a:p>
-            <a:r>
-              <a:rPr lang="en-US" altLang="zh-CN" sz="1400" dirty="0" smtClean="0">
-                <a:solidFill>
-                  <a:srgbClr val="FF0000"/>
-                </a:solidFill>
-                <a:latin typeface="微软雅黑" panose="020B0503020204020204" pitchFamily="34" charset="-122"/>
-                <a:ea typeface="微软雅黑" panose="020B0503020204020204" pitchFamily="34" charset="-122"/>
-              </a:rPr>
-              <a:t>route</a:t>
-            </a:r>
-            <a:endParaRPr lang="zh-CN" altLang="en-US" sz="1400" dirty="0">
-              <a:solidFill>
-                <a:srgbClr val="FF0000"/>
-              </a:solidFill>
-              <a:latin typeface="微软雅黑" panose="020B0503020204020204" pitchFamily="34" charset="-122"/>
-              <a:ea typeface="微软雅黑" panose="020B0503020204020204" pitchFamily="34" charset="-122"/>
-            </a:endParaRPr>
-          </a:p>
-        </p:txBody>
-      </p:sp>
-    </p:spTree>
-  </p:cSld>
-  <p:clrMapOvr>
-    <a:masterClrMapping/>
-  </p:clrMapOvr>
-  <p:timing>
-    <p:tnLst>
-      <p:par>
-        <p:cTn id="1" dur="indefinite" restart="never" nodeType="tmRoot">
-          <p:childTnLst>
-            <p:seq concurrent="1" nextAc="seek">
-              <p:cTn id="2" dur="indefinite" nodeType="mainSeq">
-                <p:childTnLst>
-                  <p:par>
-                    <p:cTn id="3" fill="hold">
-                      <p:stCondLst>
-                        <p:cond delay="indefinite"/>
-                      </p:stCondLst>
-                      <p:childTnLst>
-                        <p:par>
-                          <p:cTn id="4" fill="hold">
-                            <p:stCondLst>
-                              <p:cond delay="0"/>
-                            </p:stCondLst>
-                            <p:childTnLst>
-                              <p:par>
-                                <p:cTn id="5" presetID="53" presetClass="entr" presetSubtype="16" fill="hold" grpId="0" nodeType="clickEffect">
-                                  <p:stCondLst>
-                                    <p:cond delay="0"/>
-                                  </p:stCondLst>
-                                  <p:childTnLst>
-                                    <p:set>
-                                      <p:cBhvr>
-                                        <p:cTn id="6" dur="1" fill="hold">
-                                          <p:stCondLst>
-                                            <p:cond delay="0"/>
-                                          </p:stCondLst>
-                                        </p:cTn>
-                                        <p:tgtEl>
-                                          <p:spTgt spid="4"/>
-                                        </p:tgtEl>
-                                        <p:attrNameLst>
-                                          <p:attrName>style.visibility</p:attrName>
-                                        </p:attrNameLst>
-                                      </p:cBhvr>
-                                      <p:to>
-                                        <p:strVal val="visible"/>
-                                      </p:to>
-                                    </p:set>
-                                    <p:anim calcmode="lin" valueType="num">
-                                      <p:cBhvr>
-                                        <p:cTn id="7" dur="500" fill="hold"/>
-                                        <p:tgtEl>
-                                          <p:spTgt spid="4"/>
-                                        </p:tgtEl>
-                                        <p:attrNameLst>
-                                          <p:attrName>ppt_w</p:attrName>
-                                        </p:attrNameLst>
-                                      </p:cBhvr>
-                                      <p:tavLst>
-                                        <p:tav tm="0">
-                                          <p:val>
-                                            <p:fltVal val="0"/>
-                                          </p:val>
-                                        </p:tav>
-                                        <p:tav tm="100000">
-                                          <p:val>
-                                            <p:strVal val="#ppt_w"/>
-                                          </p:val>
-                                        </p:tav>
-                                      </p:tavLst>
-                                    </p:anim>
-                                    <p:anim calcmode="lin" valueType="num">
-                                      <p:cBhvr>
-                                        <p:cTn id="8" dur="500" fill="hold"/>
-                                        <p:tgtEl>
-                                          <p:spTgt spid="4"/>
-                                        </p:tgtEl>
-                                        <p:attrNameLst>
-                                          <p:attrName>ppt_h</p:attrName>
-                                        </p:attrNameLst>
-                                      </p:cBhvr>
-                                      <p:tavLst>
-                                        <p:tav tm="0">
-                                          <p:val>
-                                            <p:fltVal val="0"/>
-                                          </p:val>
-                                        </p:tav>
-                                        <p:tav tm="100000">
-                                          <p:val>
-                                            <p:strVal val="#ppt_h"/>
-                                          </p:val>
-                                        </p:tav>
-                                      </p:tavLst>
-                                    </p:anim>
-                                    <p:animEffect transition="in" filter="fade">
-                                      <p:cBhvr>
-                                        <p:cTn id="9" dur="500"/>
-                                        <p:tgtEl>
-                                          <p:spTgt spid="4"/>
-                                        </p:tgtEl>
-                                      </p:cBhvr>
-                                    </p:animEffect>
-                                  </p:childTnLst>
-                                </p:cTn>
-                              </p:par>
-                            </p:childTnLst>
-                          </p:cTn>
-                        </p:par>
-                      </p:childTnLst>
-                    </p:cTn>
-                  </p:par>
-                  <p:par>
-                    <p:cTn id="10" fill="hold">
-                      <p:stCondLst>
-                        <p:cond delay="indefinite"/>
-                      </p:stCondLst>
-                      <p:childTnLst>
-                        <p:par>
-                          <p:cTn id="11" fill="hold">
-                            <p:stCondLst>
-                              <p:cond delay="0"/>
-                            </p:stCondLst>
-                            <p:childTnLst>
-                              <p:par>
-                                <p:cTn id="12" presetID="53" presetClass="entr" presetSubtype="16" fill="hold" grpId="0" nodeType="clickEffect">
-                                  <p:stCondLst>
-                                    <p:cond delay="0"/>
-                                  </p:stCondLst>
-                                  <p:childTnLst>
-                                    <p:set>
-                                      <p:cBhvr>
-                                        <p:cTn id="13" dur="1" fill="hold">
-                                          <p:stCondLst>
-                                            <p:cond delay="0"/>
-                                          </p:stCondLst>
-                                        </p:cTn>
-                                        <p:tgtEl>
-                                          <p:spTgt spid="5"/>
-                                        </p:tgtEl>
-                                        <p:attrNameLst>
-                                          <p:attrName>style.visibility</p:attrName>
-                                        </p:attrNameLst>
-                                      </p:cBhvr>
-                                      <p:to>
-                                        <p:strVal val="visible"/>
-                                      </p:to>
-                                    </p:set>
-                                    <p:anim calcmode="lin" valueType="num">
-                                      <p:cBhvr>
-                                        <p:cTn id="14" dur="500" fill="hold"/>
-                                        <p:tgtEl>
-                                          <p:spTgt spid="5"/>
-                                        </p:tgtEl>
-                                        <p:attrNameLst>
-                                          <p:attrName>ppt_w</p:attrName>
-                                        </p:attrNameLst>
-                                      </p:cBhvr>
-                                      <p:tavLst>
-                                        <p:tav tm="0">
-                                          <p:val>
-                                            <p:fltVal val="0"/>
-                                          </p:val>
-                                        </p:tav>
-                                        <p:tav tm="100000">
-                                          <p:val>
-                                            <p:strVal val="#ppt_w"/>
-                                          </p:val>
-                                        </p:tav>
-                                      </p:tavLst>
-                                    </p:anim>
-                                    <p:anim calcmode="lin" valueType="num">
-                                      <p:cBhvr>
-                                        <p:cTn id="15" dur="500" fill="hold"/>
-                                        <p:tgtEl>
-                                          <p:spTgt spid="5"/>
-                                        </p:tgtEl>
-                                        <p:attrNameLst>
-                                          <p:attrName>ppt_h</p:attrName>
-                                        </p:attrNameLst>
-                                      </p:cBhvr>
-                                      <p:tavLst>
-                                        <p:tav tm="0">
-                                          <p:val>
-                                            <p:fltVal val="0"/>
-                                          </p:val>
-                                        </p:tav>
-                                        <p:tav tm="100000">
-                                          <p:val>
-                                            <p:strVal val="#ppt_h"/>
-                                          </p:val>
-                                        </p:tav>
-                                      </p:tavLst>
-                                    </p:anim>
-                                    <p:animEffect transition="in" filter="fade">
-                                      <p:cBhvr>
-                                        <p:cTn id="16" dur="500"/>
-                                        <p:tgtEl>
-                                          <p:spTgt spid="5"/>
-                                        </p:tgtEl>
-                                      </p:cBhvr>
-                                    </p:animEffect>
-                                  </p:childTnLst>
-                                </p:cTn>
-                              </p:par>
-                            </p:childTnLst>
-                          </p:cTn>
-                        </p:par>
-                      </p:childTnLst>
-                    </p:cTn>
-                  </p:par>
-                </p:childTnLst>
-              </p:cTn>
-              <p:prevCondLst>
-                <p:cond evt="onPrev" delay="0">
-                  <p:tgtEl>
-                    <p:sldTgt/>
-                  </p:tgtEl>
-                </p:cond>
-              </p:prevCondLst>
-              <p:nextCondLst>
-                <p:cond evt="onNext" delay="0">
-                  <p:tgtEl>
-                    <p:sldTgt/>
-                  </p:tgtEl>
-                </p:cond>
-              </p:nextCondLst>
-            </p:seq>
-          </p:childTnLst>
-        </p:cTn>
-      </p:par>
-    </p:tnLst>
-    <p:bldLst>
-      <p:bldP spid="4" grpId="0"/>
-      <p:bldP spid="5" grpId="0"/>
-    </p:bldLst>
-  </p:timing>
-</p:sld>
-</file>
-
-<file path=ppt/slides/slide22.xml><?xml version="1.0" encoding="utf-8"?>
-<p:sld xmlns:a="http://schemas.openxmlformats.org/drawingml/2006/main" xmlns:r="http://schemas.openxmlformats.org/officeDocument/2006/relationships" xmlns:p="http://schemas.openxmlformats.org/presentationml/2006/main">
-  <p:cSld>
-    <p:spTree>
-      <p:nvGrpSpPr>
-        <p:cNvPr id="1" name=""/>
-        <p:cNvGrpSpPr/>
-        <p:nvPr/>
-      </p:nvGrpSpPr>
-      <p:grpSpPr>
-        <a:xfrm>
-          <a:off x="0" y="0"/>
-          <a:ext cx="0" cy="0"/>
-          <a:chOff x="0" y="0"/>
-          <a:chExt cx="0" cy="0"/>
-        </a:xfrm>
-      </p:grpSpPr>
-      <p:sp>
-        <p:nvSpPr>
-          <p:cNvPr id="2" name="标题 1"/>
-          <p:cNvSpPr>
-            <a:spLocks noGrp="1"/>
-          </p:cNvSpPr>
-          <p:nvPr>
-            <p:ph type="title"/>
-          </p:nvPr>
-        </p:nvSpPr>
-        <p:spPr/>
-        <p:txBody>
-          <a:bodyPr/>
-          <a:lstStyle/>
-          <a:p>
-            <a:r>
-              <a:rPr lang="en-US" altLang="zh-CN" dirty="0"/>
               <a:t>How to route to the correct handler</a:t>
             </a:r>
             <a:endParaRPr lang="zh-CN" altLang="en-US" dirty="0"/>
@@ -13481,6 +12677,34 @@
           </a:prstGeom>
         </p:spPr>
       </p:pic>
+      <p:sp>
+        <p:nvSpPr>
+          <p:cNvPr id="5" name="矩形 4"/>
+          <p:cNvSpPr/>
+          <p:nvPr/>
+        </p:nvSpPr>
+        <p:spPr>
+          <a:xfrm>
+            <a:off x="6738173" y="3254647"/>
+            <a:ext cx="694614" cy="369332"/>
+          </a:xfrm>
+          <a:prstGeom prst="rect">
+            <a:avLst/>
+          </a:prstGeom>
+        </p:spPr>
+        <p:txBody>
+          <a:bodyPr wrap="none">
+            <a:spAutoFit/>
+          </a:bodyPr>
+          <a:lstStyle/>
+          <a:p>
+            <a:r>
+              <a:rPr lang="zh-CN" altLang="en-US" dirty="0"/>
+              <a:t>route</a:t>
+            </a:r>
+          </a:p>
+        </p:txBody>
+      </p:sp>
     </p:spTree>
     <p:extLst>
       <p:ext uri="{BB962C8B-B14F-4D97-AF65-F5344CB8AC3E}">
@@ -13501,7 +12725,7 @@
 </p:sld>
 </file>
 
-<file path=ppt/slides/slide23.xml><?xml version="1.0" encoding="utf-8"?>
+<file path=ppt/slides/slide22.xml><?xml version="1.0" encoding="utf-8"?>
 <p:sld xmlns:a="http://schemas.openxmlformats.org/drawingml/2006/main" xmlns:r="http://schemas.openxmlformats.org/officeDocument/2006/relationships" xmlns:p="http://schemas.openxmlformats.org/presentationml/2006/main">
   <p:cSld>
     <p:spTree>
@@ -14174,6 +13398,324 @@
 </p:sld>
 </file>
 
+<file path=ppt/slides/slide23.xml><?xml version="1.0" encoding="utf-8"?>
+<p:sld xmlns:a="http://schemas.openxmlformats.org/drawingml/2006/main" xmlns:r="http://schemas.openxmlformats.org/officeDocument/2006/relationships" xmlns:p="http://schemas.openxmlformats.org/presentationml/2006/main">
+  <p:cSld>
+    <p:spTree>
+      <p:nvGrpSpPr>
+        <p:cNvPr id="1" name=""/>
+        <p:cNvGrpSpPr/>
+        <p:nvPr/>
+      </p:nvGrpSpPr>
+      <p:grpSpPr>
+        <a:xfrm>
+          <a:off x="0" y="0"/>
+          <a:ext cx="0" cy="0"/>
+          <a:chOff x="0" y="0"/>
+          <a:chExt cx="0" cy="0"/>
+        </a:xfrm>
+      </p:grpSpPr>
+      <p:sp>
+        <p:nvSpPr>
+          <p:cNvPr id="2" name="标题 1"/>
+          <p:cNvSpPr>
+            <a:spLocks noGrp="1"/>
+          </p:cNvSpPr>
+          <p:nvPr>
+            <p:ph type="title"/>
+          </p:nvPr>
+        </p:nvSpPr>
+        <p:spPr/>
+        <p:txBody>
+          <a:bodyPr/>
+          <a:lstStyle/>
+          <a:p>
+            <a:r>
+              <a:rPr lang="en-US" altLang="zh-CN" dirty="0"/>
+              <a:t>How to </a:t>
+            </a:r>
+            <a:r>
+              <a:rPr lang="en-US" altLang="zh-CN" dirty="0" smtClean="0"/>
+              <a:t>route to </a:t>
+            </a:r>
+            <a:r>
+              <a:rPr lang="en-US" altLang="zh-CN" dirty="0"/>
+              <a:t>the correct handler</a:t>
+            </a:r>
+            <a:endParaRPr lang="zh-CN" altLang="en-US" dirty="0"/>
+          </a:p>
+        </p:txBody>
+      </p:sp>
+      <p:sp>
+        <p:nvSpPr>
+          <p:cNvPr id="3" name="文本占位符 2"/>
+          <p:cNvSpPr>
+            <a:spLocks noGrp="1"/>
+          </p:cNvSpPr>
+          <p:nvPr>
+            <p:ph type="body" sz="half" idx="2"/>
+          </p:nvPr>
+        </p:nvSpPr>
+        <p:spPr/>
+        <p:txBody>
+          <a:bodyPr/>
+          <a:lstStyle/>
+          <a:p>
+            <a:r>
+              <a:rPr lang="en-US" altLang="zh-CN" dirty="0"/>
+              <a:t>template &lt;class F, class Tuple, </a:t>
+            </a:r>
+            <a:r>
+              <a:rPr lang="en-US" altLang="zh-CN" dirty="0" err="1"/>
+              <a:t>std</a:t>
+            </a:r>
+            <a:r>
+              <a:rPr lang="en-US" altLang="zh-CN" dirty="0"/>
+              <a:t>::</a:t>
+            </a:r>
+            <a:r>
+              <a:rPr lang="en-US" altLang="zh-CN" dirty="0" err="1"/>
+              <a:t>size_t</a:t>
+            </a:r>
+            <a:r>
+              <a:rPr lang="en-US" altLang="zh-CN" dirty="0"/>
+              <a:t>... I&gt;</a:t>
+            </a:r>
+          </a:p>
+          <a:p>
+            <a:r>
+              <a:rPr lang="en-US" altLang="zh-CN" dirty="0" err="1"/>
+              <a:t>constexpr</a:t>
+            </a:r>
+            <a:r>
+              <a:rPr lang="en-US" altLang="zh-CN" dirty="0"/>
+              <a:t> </a:t>
+            </a:r>
+            <a:r>
+              <a:rPr lang="en-US" altLang="zh-CN" dirty="0" err="1"/>
+              <a:t>decltype</a:t>
+            </a:r>
+            <a:r>
+              <a:rPr lang="en-US" altLang="zh-CN" dirty="0"/>
+              <a:t>(auto) </a:t>
+            </a:r>
+            <a:r>
+              <a:rPr lang="en-US" altLang="zh-CN" dirty="0" err="1"/>
+              <a:t>apply_impl</a:t>
+            </a:r>
+            <a:r>
+              <a:rPr lang="en-US" altLang="zh-CN" dirty="0"/>
+              <a:t>(F &amp;&amp;f, Tuple &amp;&amp;t, </a:t>
+            </a:r>
+            <a:r>
+              <a:rPr lang="en-US" altLang="zh-CN" dirty="0" err="1"/>
+              <a:t>std</a:t>
+            </a:r>
+            <a:r>
+              <a:rPr lang="en-US" altLang="zh-CN" dirty="0"/>
+              <a:t>::</a:t>
+            </a:r>
+            <a:r>
+              <a:rPr lang="en-US" altLang="zh-CN" dirty="0" err="1"/>
+              <a:t>index_sequence</a:t>
+            </a:r>
+            <a:r>
+              <a:rPr lang="en-US" altLang="zh-CN" dirty="0"/>
+              <a:t>&lt;I...&gt;)</a:t>
+            </a:r>
+          </a:p>
+          <a:p>
+            <a:r>
+              <a:rPr lang="en-US" altLang="zh-CN" dirty="0"/>
+              <a:t>{</a:t>
+            </a:r>
+          </a:p>
+          <a:p>
+            <a:r>
+              <a:rPr lang="en-US" altLang="zh-CN" dirty="0" smtClean="0"/>
+              <a:t>    return </a:t>
+            </a:r>
+            <a:r>
+              <a:rPr lang="en-US" altLang="zh-CN" dirty="0" err="1"/>
+              <a:t>std</a:t>
+            </a:r>
+            <a:r>
+              <a:rPr lang="en-US" altLang="zh-CN" dirty="0"/>
+              <a:t>::forward&lt;F&gt;(f)(</a:t>
+            </a:r>
+            <a:r>
+              <a:rPr lang="en-US" altLang="zh-CN" dirty="0" err="1"/>
+              <a:t>std</a:t>
+            </a:r>
+            <a:r>
+              <a:rPr lang="en-US" altLang="zh-CN" dirty="0"/>
+              <a:t>::get&lt;I&gt;(</a:t>
+            </a:r>
+            <a:r>
+              <a:rPr lang="en-US" altLang="zh-CN" dirty="0" err="1"/>
+              <a:t>std</a:t>
+            </a:r>
+            <a:r>
+              <a:rPr lang="en-US" altLang="zh-CN" dirty="0"/>
+              <a:t>::forward&lt;Tuple&gt;(t))...);</a:t>
+            </a:r>
+          </a:p>
+          <a:p>
+            <a:r>
+              <a:rPr lang="en-US" altLang="zh-CN" dirty="0"/>
+              <a:t>}</a:t>
+            </a:r>
+          </a:p>
+          <a:p>
+            <a:endParaRPr lang="zh-CN" altLang="en-US" dirty="0"/>
+          </a:p>
+          <a:p>
+            <a:r>
+              <a:rPr lang="en-US" altLang="zh-CN" dirty="0"/>
+              <a:t>template &lt;class F, class Tuple&gt;</a:t>
+            </a:r>
+          </a:p>
+          <a:p>
+            <a:r>
+              <a:rPr lang="en-US" altLang="zh-CN" dirty="0" err="1"/>
+              <a:t>constexpr</a:t>
+            </a:r>
+            <a:r>
+              <a:rPr lang="en-US" altLang="zh-CN" dirty="0"/>
+              <a:t> </a:t>
+            </a:r>
+            <a:r>
+              <a:rPr lang="en-US" altLang="zh-CN" dirty="0" err="1"/>
+              <a:t>decltype</a:t>
+            </a:r>
+            <a:r>
+              <a:rPr lang="en-US" altLang="zh-CN" dirty="0"/>
+              <a:t>(auto) apply(F &amp;&amp;f, Tuple &amp;&amp;t)</a:t>
+            </a:r>
+          </a:p>
+          <a:p>
+            <a:r>
+              <a:rPr lang="en-US" altLang="zh-CN" dirty="0"/>
+              <a:t>{</a:t>
+            </a:r>
+          </a:p>
+          <a:p>
+            <a:r>
+              <a:rPr lang="en-US" altLang="zh-CN" dirty="0" smtClean="0"/>
+              <a:t>    return </a:t>
+            </a:r>
+            <a:r>
+              <a:rPr lang="en-US" altLang="zh-CN" dirty="0" err="1"/>
+              <a:t>apply_impl</a:t>
+            </a:r>
+            <a:r>
+              <a:rPr lang="en-US" altLang="zh-CN" dirty="0"/>
+              <a:t>(</a:t>
+            </a:r>
+            <a:r>
+              <a:rPr lang="en-US" altLang="zh-CN" dirty="0" err="1"/>
+              <a:t>std</a:t>
+            </a:r>
+            <a:r>
+              <a:rPr lang="en-US" altLang="zh-CN" dirty="0"/>
+              <a:t>::forward&lt;F&gt;(f), </a:t>
+            </a:r>
+            <a:r>
+              <a:rPr lang="en-US" altLang="zh-CN" dirty="0" err="1"/>
+              <a:t>std</a:t>
+            </a:r>
+            <a:r>
+              <a:rPr lang="en-US" altLang="zh-CN" dirty="0"/>
+              <a:t>::forward&lt;Tuple&gt;(t),</a:t>
+            </a:r>
+          </a:p>
+          <a:p>
+            <a:r>
+              <a:rPr lang="en-US" altLang="zh-CN" dirty="0" smtClean="0"/>
+              <a:t>        </a:t>
+            </a:r>
+            <a:r>
+              <a:rPr lang="en-US" altLang="zh-CN" dirty="0" err="1" smtClean="0"/>
+              <a:t>std</a:t>
+            </a:r>
+            <a:r>
+              <a:rPr lang="en-US" altLang="zh-CN" dirty="0"/>
+              <a:t>::</a:t>
+            </a:r>
+            <a:r>
+              <a:rPr lang="en-US" altLang="zh-CN" dirty="0" err="1"/>
+              <a:t>make_index_sequence</a:t>
+            </a:r>
+            <a:r>
+              <a:rPr lang="en-US" altLang="zh-CN" dirty="0"/>
+              <a:t>&lt;</a:t>
+            </a:r>
+            <a:r>
+              <a:rPr lang="en-US" altLang="zh-CN" dirty="0" err="1"/>
+              <a:t>std</a:t>
+            </a:r>
+            <a:r>
+              <a:rPr lang="en-US" altLang="zh-CN" dirty="0"/>
+              <a:t>::</a:t>
+            </a:r>
+            <a:r>
+              <a:rPr lang="en-US" altLang="zh-CN" dirty="0" err="1"/>
+              <a:t>tuple_size</a:t>
+            </a:r>
+            <a:r>
+              <a:rPr lang="en-US" altLang="zh-CN" dirty="0"/>
+              <a:t>&lt;</a:t>
+            </a:r>
+            <a:r>
+              <a:rPr lang="en-US" altLang="zh-CN" dirty="0" err="1"/>
+              <a:t>std</a:t>
+            </a:r>
+            <a:r>
+              <a:rPr lang="en-US" altLang="zh-CN" dirty="0"/>
+              <a:t>::</a:t>
+            </a:r>
+            <a:r>
+              <a:rPr lang="en-US" altLang="zh-CN" dirty="0" err="1"/>
+              <a:t>decay_t</a:t>
+            </a:r>
+            <a:r>
+              <a:rPr lang="en-US" altLang="zh-CN" dirty="0"/>
+              <a:t>&lt;Tuple&gt;&gt;::value&gt;{});</a:t>
+            </a:r>
+          </a:p>
+          <a:p>
+            <a:r>
+              <a:rPr lang="en-US" altLang="zh-CN" dirty="0" smtClean="0"/>
+              <a:t>}</a:t>
+            </a:r>
+          </a:p>
+          <a:p>
+            <a:endParaRPr lang="en-US" altLang="zh-CN" sz="1400" dirty="0"/>
+          </a:p>
+          <a:p>
+            <a:r>
+              <a:rPr lang="en-US" altLang="zh-CN" sz="1400" dirty="0" smtClean="0"/>
+              <a:t>implemented by C++14</a:t>
+            </a:r>
+            <a:endParaRPr lang="en-US" altLang="zh-CN" sz="1400" dirty="0"/>
+          </a:p>
+        </p:txBody>
+      </p:sp>
+    </p:spTree>
+  </p:cSld>
+  <p:clrMapOvr>
+    <a:masterClrMapping/>
+  </p:clrMapOvr>
+  <p:timing>
+    <p:tnLst>
+      <p:par>
+        <p:cTn id="1" dur="indefinite" restart="never" nodeType="tmRoot"/>
+      </p:par>
+    </p:tnLst>
+  </p:timing>
+</p:sld>
+</file>
+
 <file path=ppt/slides/slide24.xml><?xml version="1.0" encoding="utf-8"?>
 <p:sld xmlns:a="http://schemas.openxmlformats.org/drawingml/2006/main" xmlns:r="http://schemas.openxmlformats.org/officeDocument/2006/relationships" xmlns:p="http://schemas.openxmlformats.org/presentationml/2006/main">
   <p:cSld>
@@ -14208,15 +13750,15 @@
           <a:p>
             <a:r>
               <a:rPr lang="en-US" altLang="zh-CN" dirty="0"/>
-              <a:t>How to </a:t>
+              <a:t>How to route </a:t>
             </a:r>
             <a:r>
               <a:rPr lang="en-US" altLang="zh-CN" dirty="0" smtClean="0"/>
-              <a:t>route to </a:t>
-            </a:r>
-            <a:r>
-              <a:rPr lang="en-US" altLang="zh-CN" dirty="0"/>
-              <a:t>the correct handler</a:t>
+              <a:t>to the </a:t>
+            </a:r>
+            <a:r>
+              <a:rPr lang="en-US" altLang="zh-CN" dirty="0"/>
+              <a:t>correct handler</a:t>
             </a:r>
             <a:endParaRPr lang="zh-CN" altLang="en-US" dirty="0"/>
           </a:p>
@@ -14238,8 +13780,12 @@
           <a:lstStyle/>
           <a:p>
             <a:r>
-              <a:rPr lang="en-US" altLang="zh-CN" dirty="0"/>
-              <a:t>template &lt;class F, class Tuple, </a:t>
+              <a:rPr lang="en-US" altLang="zh-CN" dirty="0" smtClean="0"/>
+              <a:t>void </a:t>
+            </a:r>
+            <a:r>
+              <a:rPr lang="en-US" altLang="zh-CN" dirty="0"/>
+              <a:t>foo(</a:t>
             </a:r>
             <a:r>
               <a:rPr lang="en-US" altLang="zh-CN" dirty="0" err="1"/>
@@ -14247,41 +13793,42 @@
             </a:r>
             <a:r>
               <a:rPr lang="en-US" altLang="zh-CN" dirty="0"/>
+              <a:t>::string b, </a:t>
+            </a:r>
+            <a:r>
+              <a:rPr lang="en-US" altLang="zh-CN" dirty="0" err="1"/>
+              <a:t>int</a:t>
+            </a:r>
+            <a:r>
+              <a:rPr lang="en-US" altLang="zh-CN" dirty="0"/>
+              <a:t> a</a:t>
+            </a:r>
+            <a:r>
+              <a:rPr lang="en-US" altLang="zh-CN" dirty="0" smtClean="0"/>
+              <a:t>){</a:t>
+            </a:r>
+            <a:endParaRPr lang="en-US" altLang="zh-CN" dirty="0"/>
+          </a:p>
+          <a:p>
+            <a:r>
+              <a:rPr lang="en-US" altLang="zh-CN" dirty="0" smtClean="0"/>
+              <a:t>    </a:t>
+            </a:r>
+            <a:r>
+              <a:rPr lang="en-US" altLang="zh-CN" dirty="0" err="1" smtClean="0"/>
+              <a:t>std</a:t>
+            </a:r>
+            <a:r>
+              <a:rPr lang="en-US" altLang="zh-CN" dirty="0"/>
               <a:t>::</a:t>
             </a:r>
             <a:r>
               <a:rPr lang="en-US" altLang="zh-CN" dirty="0" err="1"/>
-              <a:t>size_t</a:t>
-            </a:r>
-            <a:r>
-              <a:rPr lang="en-US" altLang="zh-CN" dirty="0"/>
-              <a:t>... I&gt;</a:t>
-            </a:r>
-          </a:p>
-          <a:p>
-            <a:r>
-              <a:rPr lang="en-US" altLang="zh-CN" dirty="0" err="1"/>
-              <a:t>constexpr</a:t>
-            </a:r>
-            <a:r>
-              <a:rPr lang="en-US" altLang="zh-CN" dirty="0"/>
-              <a:t> </a:t>
-            </a:r>
-            <a:r>
-              <a:rPr lang="en-US" altLang="zh-CN" dirty="0" err="1"/>
-              <a:t>decltype</a:t>
-            </a:r>
-            <a:r>
-              <a:rPr lang="en-US" altLang="zh-CN" dirty="0"/>
-              <a:t>(auto) </a:t>
-            </a:r>
-            <a:r>
-              <a:rPr lang="en-US" altLang="zh-CN" dirty="0" err="1"/>
-              <a:t>apply_impl</a:t>
-            </a:r>
-            <a:r>
-              <a:rPr lang="en-US" altLang="zh-CN" dirty="0"/>
-              <a:t>(F &amp;&amp;f, Tuple &amp;&amp;t, </a:t>
+              <a:t>cout</a:t>
+            </a:r>
+            <a:r>
+              <a:rPr lang="en-US" altLang="zh-CN" dirty="0"/>
+              <a:t> &lt;&lt; b &lt;&lt; </a:t>
             </a:r>
             <a:r>
               <a:rPr lang="en-US" altLang="zh-CN" dirty="0" err="1"/>
@@ -14293,170 +13840,11 @@
             </a:r>
             <a:r>
               <a:rPr lang="en-US" altLang="zh-CN" dirty="0" err="1"/>
-              <a:t>index_sequence</a:t>
-            </a:r>
-            <a:r>
-              <a:rPr lang="en-US" altLang="zh-CN" dirty="0"/>
-              <a:t>&lt;I...&gt;)</a:t>
-            </a:r>
-          </a:p>
-          <a:p>
-            <a:r>
-              <a:rPr lang="en-US" altLang="zh-CN" dirty="0"/>
-              <a:t>{</a:t>
-            </a:r>
-          </a:p>
-          <a:p>
-            <a:r>
-              <a:rPr lang="en-US" altLang="zh-CN" dirty="0" smtClean="0"/>
-              <a:t>    return </a:t>
-            </a:r>
-            <a:r>
-              <a:rPr lang="en-US" altLang="zh-CN" dirty="0" err="1"/>
-              <a:t>std</a:t>
-            </a:r>
-            <a:r>
-              <a:rPr lang="en-US" altLang="zh-CN" dirty="0"/>
-              <a:t>::forward&lt;F&gt;(f)(</a:t>
-            </a:r>
-            <a:r>
-              <a:rPr lang="en-US" altLang="zh-CN" dirty="0" err="1"/>
-              <a:t>std</a:t>
-            </a:r>
-            <a:r>
-              <a:rPr lang="en-US" altLang="zh-CN" dirty="0"/>
-              <a:t>::get&lt;I&gt;(</a:t>
-            </a:r>
-            <a:r>
-              <a:rPr lang="en-US" altLang="zh-CN" dirty="0" err="1"/>
-              <a:t>std</a:t>
-            </a:r>
-            <a:r>
-              <a:rPr lang="en-US" altLang="zh-CN" dirty="0"/>
-              <a:t>::forward&lt;Tuple&gt;(t))...);</a:t>
-            </a:r>
-          </a:p>
-          <a:p>
-            <a:r>
-              <a:rPr lang="en-US" altLang="zh-CN" dirty="0"/>
-              <a:t>}</a:t>
-            </a:r>
-          </a:p>
-          <a:p>
-            <a:endParaRPr lang="zh-CN" altLang="en-US" dirty="0"/>
-          </a:p>
-          <a:p>
-            <a:r>
-              <a:rPr lang="en-US" altLang="zh-CN" dirty="0"/>
-              <a:t>template &lt;class F, class Tuple&gt;</a:t>
-            </a:r>
-          </a:p>
-          <a:p>
-            <a:r>
-              <a:rPr lang="en-US" altLang="zh-CN" dirty="0" err="1"/>
-              <a:t>constexpr</a:t>
-            </a:r>
-            <a:r>
-              <a:rPr lang="en-US" altLang="zh-CN" dirty="0"/>
-              <a:t> </a:t>
-            </a:r>
-            <a:r>
-              <a:rPr lang="en-US" altLang="zh-CN" dirty="0" err="1"/>
-              <a:t>decltype</a:t>
-            </a:r>
-            <a:r>
-              <a:rPr lang="en-US" altLang="zh-CN" dirty="0"/>
-              <a:t>(auto) apply(F &amp;&amp;f, Tuple &amp;&amp;t)</a:t>
-            </a:r>
-          </a:p>
-          <a:p>
-            <a:r>
-              <a:rPr lang="en-US" altLang="zh-CN" dirty="0"/>
-              <a:t>{</a:t>
-            </a:r>
-          </a:p>
-          <a:p>
-            <a:r>
-              <a:rPr lang="en-US" altLang="zh-CN" dirty="0" smtClean="0"/>
-              <a:t>    return </a:t>
-            </a:r>
-            <a:r>
-              <a:rPr lang="en-US" altLang="zh-CN" dirty="0" err="1"/>
-              <a:t>apply_impl</a:t>
-            </a:r>
-            <a:r>
-              <a:rPr lang="en-US" altLang="zh-CN" dirty="0"/>
-              <a:t>(</a:t>
-            </a:r>
-            <a:r>
-              <a:rPr lang="en-US" altLang="zh-CN" dirty="0" err="1"/>
-              <a:t>std</a:t>
-            </a:r>
-            <a:r>
-              <a:rPr lang="en-US" altLang="zh-CN" dirty="0"/>
-              <a:t>::forward&lt;F&gt;(f), </a:t>
-            </a:r>
-            <a:r>
-              <a:rPr lang="en-US" altLang="zh-CN" dirty="0" err="1"/>
-              <a:t>std</a:t>
-            </a:r>
-            <a:r>
-              <a:rPr lang="en-US" altLang="zh-CN" dirty="0"/>
-              <a:t>::forward&lt;Tuple&gt;(t),</a:t>
-            </a:r>
-          </a:p>
-          <a:p>
-            <a:r>
-              <a:rPr lang="en-US" altLang="zh-CN" dirty="0" smtClean="0"/>
-              <a:t>        </a:t>
-            </a:r>
-            <a:r>
-              <a:rPr lang="en-US" altLang="zh-CN" dirty="0" err="1" smtClean="0"/>
-              <a:t>std</a:t>
-            </a:r>
-            <a:r>
-              <a:rPr lang="en-US" altLang="zh-CN" dirty="0"/>
-              <a:t>::</a:t>
-            </a:r>
-            <a:r>
-              <a:rPr lang="en-US" altLang="zh-CN" dirty="0" err="1"/>
-              <a:t>make_index_sequence</a:t>
-            </a:r>
-            <a:r>
-              <a:rPr lang="en-US" altLang="zh-CN" dirty="0"/>
-              <a:t>&lt;</a:t>
-            </a:r>
-            <a:r>
-              <a:rPr lang="en-US" altLang="zh-CN" dirty="0" err="1"/>
-              <a:t>std</a:t>
-            </a:r>
-            <a:r>
-              <a:rPr lang="en-US" altLang="zh-CN" dirty="0"/>
-              <a:t>::</a:t>
-            </a:r>
-            <a:r>
-              <a:rPr lang="en-US" altLang="zh-CN" dirty="0" err="1"/>
-              <a:t>tuple_size</a:t>
-            </a:r>
-            <a:r>
-              <a:rPr lang="en-US" altLang="zh-CN" dirty="0"/>
-              <a:t>&lt;</a:t>
-            </a:r>
-            <a:r>
-              <a:rPr lang="en-US" altLang="zh-CN" dirty="0" err="1"/>
-              <a:t>std</a:t>
-            </a:r>
-            <a:r>
-              <a:rPr lang="en-US" altLang="zh-CN" dirty="0"/>
-              <a:t>::</a:t>
-            </a:r>
-            <a:r>
-              <a:rPr lang="en-US" altLang="zh-CN" dirty="0" err="1"/>
-              <a:t>decay_t</a:t>
-            </a:r>
-            <a:r>
-              <a:rPr lang="en-US" altLang="zh-CN" dirty="0"/>
-              <a:t>&lt;Tuple&gt;&gt;::value&gt;{});</a:t>
+              <a:t>endl</a:t>
+            </a:r>
+            <a:r>
+              <a:rPr lang="en-US" altLang="zh-CN" dirty="0"/>
+              <a:t>;</a:t>
             </a:r>
           </a:p>
           <a:p>
@@ -14466,14 +13854,70 @@
             </a:r>
           </a:p>
           <a:p>
-            <a:endParaRPr lang="en-US" altLang="zh-CN" sz="1400" dirty="0"/>
-          </a:p>
-          <a:p>
-            <a:r>
-              <a:rPr lang="en-US" altLang="zh-CN" sz="1400" dirty="0" smtClean="0"/>
-              <a:t>implemented by C++14</a:t>
-            </a:r>
-            <a:endParaRPr lang="en-US" altLang="zh-CN" sz="1400" dirty="0"/>
+            <a:endParaRPr lang="en-US" altLang="zh-CN" dirty="0" smtClean="0"/>
+          </a:p>
+          <a:p>
+            <a:r>
+              <a:rPr lang="en-US" altLang="zh-CN" dirty="0" smtClean="0"/>
+              <a:t>router </a:t>
+            </a:r>
+            <a:r>
+              <a:rPr lang="en-US" altLang="zh-CN" dirty="0"/>
+              <a:t>r;</a:t>
+            </a:r>
+          </a:p>
+          <a:p>
+            <a:r>
+              <a:rPr lang="en-US" altLang="zh-CN" dirty="0" err="1" smtClean="0"/>
+              <a:t>r.register_handler</a:t>
+            </a:r>
+            <a:r>
+              <a:rPr lang="en-US" altLang="zh-CN" dirty="0"/>
+              <a:t>("</a:t>
+            </a:r>
+            <a:r>
+              <a:rPr lang="en-US" altLang="zh-CN" dirty="0" smtClean="0"/>
+              <a:t>fun", </a:t>
+            </a:r>
+            <a:r>
+              <a:rPr lang="en-US" altLang="zh-CN" dirty="0"/>
+              <a:t>&amp;foo</a:t>
+            </a:r>
+            <a:r>
+              <a:rPr lang="en-US" altLang="zh-CN" dirty="0" smtClean="0"/>
+              <a:t>);</a:t>
+            </a:r>
+          </a:p>
+          <a:p>
+            <a:endParaRPr lang="en-US" altLang="zh-CN" dirty="0" smtClean="0"/>
+          </a:p>
+          <a:p>
+            <a:r>
+              <a:rPr lang="en-US" altLang="zh-CN" dirty="0" smtClean="0"/>
+              <a:t>string s </a:t>
+            </a:r>
+            <a:r>
+              <a:rPr lang="en-US" altLang="zh-CN" dirty="0"/>
+              <a:t>= "fun/test/1"; //</a:t>
+            </a:r>
+            <a:r>
+              <a:rPr lang="en-US" altLang="zh-CN" dirty="0" err="1"/>
+              <a:t>url</a:t>
+            </a:r>
+            <a:r>
+              <a:rPr lang="en-US" altLang="zh-CN" dirty="0"/>
+              <a:t> from client</a:t>
+            </a:r>
+          </a:p>
+          <a:p>
+            <a:r>
+              <a:rPr lang="en-US" altLang="zh-CN" dirty="0" err="1" smtClean="0"/>
+              <a:t>r.route</a:t>
+            </a:r>
+            <a:r>
+              <a:rPr lang="en-US" altLang="zh-CN" dirty="0" smtClean="0"/>
+              <a:t>(s);  //route and execute</a:t>
+            </a:r>
           </a:p>
         </p:txBody>
       </p:sp>
@@ -14493,226 +13937,6 @@
 </file>
 
 <file path=ppt/slides/slide25.xml><?xml version="1.0" encoding="utf-8"?>
-<p:sld xmlns:a="http://schemas.openxmlformats.org/drawingml/2006/main" xmlns:r="http://schemas.openxmlformats.org/officeDocument/2006/relationships" xmlns:p="http://schemas.openxmlformats.org/presentationml/2006/main">
-  <p:cSld>
-    <p:spTree>
-      <p:nvGrpSpPr>
-        <p:cNvPr id="1" name=""/>
-        <p:cNvGrpSpPr/>
-        <p:nvPr/>
-      </p:nvGrpSpPr>
-      <p:grpSpPr>
-        <a:xfrm>
-          <a:off x="0" y="0"/>
-          <a:ext cx="0" cy="0"/>
-          <a:chOff x="0" y="0"/>
-          <a:chExt cx="0" cy="0"/>
-        </a:xfrm>
-      </p:grpSpPr>
-      <p:sp>
-        <p:nvSpPr>
-          <p:cNvPr id="2" name="标题 1"/>
-          <p:cNvSpPr>
-            <a:spLocks noGrp="1"/>
-          </p:cNvSpPr>
-          <p:nvPr>
-            <p:ph type="title"/>
-          </p:nvPr>
-        </p:nvSpPr>
-        <p:spPr/>
-        <p:txBody>
-          <a:bodyPr/>
-          <a:lstStyle/>
-          <a:p>
-            <a:r>
-              <a:rPr lang="en-US" altLang="zh-CN" dirty="0"/>
-              <a:t>How to route </a:t>
-            </a:r>
-            <a:r>
-              <a:rPr lang="en-US" altLang="zh-CN" dirty="0" smtClean="0"/>
-              <a:t>to the </a:t>
-            </a:r>
-            <a:r>
-              <a:rPr lang="en-US" altLang="zh-CN" dirty="0"/>
-              <a:t>correct handler</a:t>
-            </a:r>
-            <a:endParaRPr lang="zh-CN" altLang="en-US" dirty="0"/>
-          </a:p>
-        </p:txBody>
-      </p:sp>
-      <p:sp>
-        <p:nvSpPr>
-          <p:cNvPr id="3" name="文本占位符 2"/>
-          <p:cNvSpPr>
-            <a:spLocks noGrp="1"/>
-          </p:cNvSpPr>
-          <p:nvPr>
-            <p:ph type="body" sz="half" idx="2"/>
-          </p:nvPr>
-        </p:nvSpPr>
-        <p:spPr/>
-        <p:txBody>
-          <a:bodyPr/>
-          <a:lstStyle/>
-          <a:p>
-            <a:r>
-              <a:rPr lang="en-US" altLang="zh-CN" dirty="0" smtClean="0"/>
-              <a:t>void </a:t>
-            </a:r>
-            <a:r>
-              <a:rPr lang="en-US" altLang="zh-CN" dirty="0"/>
-              <a:t>foo(</a:t>
-            </a:r>
-            <a:r>
-              <a:rPr lang="en-US" altLang="zh-CN" dirty="0" err="1"/>
-              <a:t>std</a:t>
-            </a:r>
-            <a:r>
-              <a:rPr lang="en-US" altLang="zh-CN" dirty="0"/>
-              <a:t>::string b, </a:t>
-            </a:r>
-            <a:r>
-              <a:rPr lang="en-US" altLang="zh-CN" dirty="0" err="1"/>
-              <a:t>int</a:t>
-            </a:r>
-            <a:r>
-              <a:rPr lang="en-US" altLang="zh-CN" dirty="0"/>
-              <a:t> a</a:t>
-            </a:r>
-            <a:r>
-              <a:rPr lang="en-US" altLang="zh-CN" dirty="0" smtClean="0"/>
-              <a:t>){</a:t>
-            </a:r>
-            <a:endParaRPr lang="en-US" altLang="zh-CN" dirty="0"/>
-          </a:p>
-          <a:p>
-            <a:r>
-              <a:rPr lang="en-US" altLang="zh-CN" dirty="0" smtClean="0"/>
-              <a:t>    </a:t>
-            </a:r>
-            <a:r>
-              <a:rPr lang="en-US" altLang="zh-CN" dirty="0" err="1" smtClean="0"/>
-              <a:t>std</a:t>
-            </a:r>
-            <a:r>
-              <a:rPr lang="en-US" altLang="zh-CN" dirty="0"/>
-              <a:t>::</a:t>
-            </a:r>
-            <a:r>
-              <a:rPr lang="en-US" altLang="zh-CN" dirty="0" err="1"/>
-              <a:t>cout</a:t>
-            </a:r>
-            <a:r>
-              <a:rPr lang="en-US" altLang="zh-CN" dirty="0"/>
-              <a:t> &lt;&lt; b &lt;&lt; </a:t>
-            </a:r>
-            <a:r>
-              <a:rPr lang="en-US" altLang="zh-CN" dirty="0" err="1"/>
-              <a:t>std</a:t>
-            </a:r>
-            <a:r>
-              <a:rPr lang="en-US" altLang="zh-CN" dirty="0"/>
-              <a:t>::</a:t>
-            </a:r>
-            <a:r>
-              <a:rPr lang="en-US" altLang="zh-CN" dirty="0" err="1"/>
-              <a:t>endl</a:t>
-            </a:r>
-            <a:r>
-              <a:rPr lang="en-US" altLang="zh-CN" dirty="0"/>
-              <a:t>;</a:t>
-            </a:r>
-          </a:p>
-          <a:p>
-            <a:r>
-              <a:rPr lang="en-US" altLang="zh-CN" dirty="0" smtClean="0"/>
-              <a:t>}</a:t>
-            </a:r>
-          </a:p>
-          <a:p>
-            <a:endParaRPr lang="en-US" altLang="zh-CN" dirty="0" smtClean="0"/>
-          </a:p>
-          <a:p>
-            <a:r>
-              <a:rPr lang="en-US" altLang="zh-CN" dirty="0" smtClean="0"/>
-              <a:t>router </a:t>
-            </a:r>
-            <a:r>
-              <a:rPr lang="en-US" altLang="zh-CN" dirty="0"/>
-              <a:t>r;</a:t>
-            </a:r>
-          </a:p>
-          <a:p>
-            <a:r>
-              <a:rPr lang="en-US" altLang="zh-CN" dirty="0" err="1" smtClean="0"/>
-              <a:t>r.register_handler</a:t>
-            </a:r>
-            <a:r>
-              <a:rPr lang="en-US" altLang="zh-CN" dirty="0"/>
-              <a:t>("</a:t>
-            </a:r>
-            <a:r>
-              <a:rPr lang="en-US" altLang="zh-CN" dirty="0" smtClean="0"/>
-              <a:t>fun", </a:t>
-            </a:r>
-            <a:r>
-              <a:rPr lang="en-US" altLang="zh-CN" dirty="0"/>
-              <a:t>&amp;foo</a:t>
-            </a:r>
-            <a:r>
-              <a:rPr lang="en-US" altLang="zh-CN" dirty="0" smtClean="0"/>
-              <a:t>);</a:t>
-            </a:r>
-          </a:p>
-          <a:p>
-            <a:endParaRPr lang="en-US" altLang="zh-CN" dirty="0" smtClean="0"/>
-          </a:p>
-          <a:p>
-            <a:r>
-              <a:rPr lang="en-US" altLang="zh-CN" dirty="0" smtClean="0"/>
-              <a:t>string s </a:t>
-            </a:r>
-            <a:r>
-              <a:rPr lang="en-US" altLang="zh-CN" dirty="0"/>
-              <a:t>= "fun/test/1"; //</a:t>
-            </a:r>
-            <a:r>
-              <a:rPr lang="en-US" altLang="zh-CN" dirty="0" err="1"/>
-              <a:t>url</a:t>
-            </a:r>
-            <a:r>
-              <a:rPr lang="en-US" altLang="zh-CN" dirty="0"/>
-              <a:t> from client</a:t>
-            </a:r>
-          </a:p>
-          <a:p>
-            <a:r>
-              <a:rPr lang="en-US" altLang="zh-CN" dirty="0" err="1" smtClean="0"/>
-              <a:t>r.route</a:t>
-            </a:r>
-            <a:r>
-              <a:rPr lang="en-US" altLang="zh-CN" dirty="0" smtClean="0"/>
-              <a:t>(s);  //route and execute</a:t>
-            </a:r>
-          </a:p>
-        </p:txBody>
-      </p:sp>
-    </p:spTree>
-  </p:cSld>
-  <p:clrMapOvr>
-    <a:masterClrMapping/>
-  </p:clrMapOvr>
-  <p:timing>
-    <p:tnLst>
-      <p:par>
-        <p:cTn id="1" dur="indefinite" restart="never" nodeType="tmRoot"/>
-      </p:par>
-    </p:tnLst>
-  </p:timing>
-</p:sld>
-</file>
-
-<file path=ppt/slides/slide26.xml><?xml version="1.0" encoding="utf-8"?>
 <p:sld xmlns:a="http://schemas.openxmlformats.org/drawingml/2006/main" xmlns:r="http://schemas.openxmlformats.org/officeDocument/2006/relationships" xmlns:p="http://schemas.openxmlformats.org/presentationml/2006/main">
   <p:cSld>
     <p:spTree>
@@ -15549,7 +14773,7 @@
 </p:sld>
 </file>
 
-<file path=ppt/slides/slide27.xml><?xml version="1.0" encoding="utf-8"?>
+<file path=ppt/slides/slide26.xml><?xml version="1.0" encoding="utf-8"?>
 <p:sld xmlns:a="http://schemas.openxmlformats.org/drawingml/2006/main" xmlns:r="http://schemas.openxmlformats.org/officeDocument/2006/relationships" xmlns:p="http://schemas.openxmlformats.org/presentationml/2006/main">
   <p:cSld>
     <p:spTree>
@@ -16539,7 +15763,7 @@
 </p:sld>
 </file>
 
-<file path=ppt/slides/slide28.xml><?xml version="1.0" encoding="utf-8"?>
+<file path=ppt/slides/slide27.xml><?xml version="1.0" encoding="utf-8"?>
 <p:sld xmlns:a="http://schemas.openxmlformats.org/drawingml/2006/main" xmlns:r="http://schemas.openxmlformats.org/officeDocument/2006/relationships" xmlns:p="http://schemas.openxmlformats.org/presentationml/2006/main">
   <p:cSld>
     <p:spTree>
@@ -17127,7 +16351,7 @@
 </p:sld>
 </file>
 
-<file path=ppt/slides/slide29.xml><?xml version="1.0" encoding="utf-8"?>
+<file path=ppt/slides/slide28.xml><?xml version="1.0" encoding="utf-8"?>
 <p:sld xmlns:a="http://schemas.openxmlformats.org/drawingml/2006/main" xmlns:r="http://schemas.openxmlformats.org/officeDocument/2006/relationships" xmlns:p="http://schemas.openxmlformats.org/presentationml/2006/main">
   <p:cSld>
     <p:spTree>
@@ -17682,6 +16906,1343 @@
     <p:bldLst>
       <p:bldP spid="4" grpId="0"/>
       <p:bldP spid="4" grpId="1"/>
+    </p:bldLst>
+  </p:timing>
+</p:sld>
+</file>
+
+<file path=ppt/slides/slide29.xml><?xml version="1.0" encoding="utf-8"?>
+<p:sld xmlns:a="http://schemas.openxmlformats.org/drawingml/2006/main" xmlns:r="http://schemas.openxmlformats.org/officeDocument/2006/relationships" xmlns:p="http://schemas.openxmlformats.org/presentationml/2006/main">
+  <p:cSld>
+    <p:spTree>
+      <p:nvGrpSpPr>
+        <p:cNvPr id="1" name=""/>
+        <p:cNvGrpSpPr/>
+        <p:nvPr/>
+      </p:nvGrpSpPr>
+      <p:grpSpPr>
+        <a:xfrm>
+          <a:off x="0" y="0"/>
+          <a:ext cx="0" cy="0"/>
+          <a:chOff x="0" y="0"/>
+          <a:chExt cx="0" cy="0"/>
+        </a:xfrm>
+      </p:grpSpPr>
+      <p:sp>
+        <p:nvSpPr>
+          <p:cNvPr id="2" name="标题 1"/>
+          <p:cNvSpPr>
+            <a:spLocks noGrp="1"/>
+          </p:cNvSpPr>
+          <p:nvPr>
+            <p:ph type="title"/>
+          </p:nvPr>
+        </p:nvSpPr>
+        <p:spPr/>
+        <p:txBody>
+          <a:bodyPr/>
+          <a:lstStyle/>
+          <a:p>
+            <a:r>
+              <a:rPr lang="en-US" altLang="zh-CN" dirty="0"/>
+              <a:t>How to </a:t>
+            </a:r>
+            <a:r>
+              <a:rPr lang="en-US" altLang="zh-CN" dirty="0" smtClean="0"/>
+              <a:t>route to </a:t>
+            </a:r>
+            <a:r>
+              <a:rPr lang="en-US" altLang="zh-CN" dirty="0"/>
+              <a:t>the correct handler</a:t>
+            </a:r>
+            <a:endParaRPr lang="zh-CN" altLang="en-US" dirty="0"/>
+          </a:p>
+        </p:txBody>
+      </p:sp>
+      <p:sp>
+        <p:nvSpPr>
+          <p:cNvPr id="3" name="文本占位符 2"/>
+          <p:cNvSpPr>
+            <a:spLocks noGrp="1"/>
+          </p:cNvSpPr>
+          <p:nvPr>
+            <p:ph type="body" sz="half" idx="2"/>
+          </p:nvPr>
+        </p:nvSpPr>
+        <p:spPr/>
+        <p:txBody>
+          <a:bodyPr/>
+          <a:lstStyle/>
+          <a:p>
+            <a:r>
+              <a:rPr lang="en-US" altLang="zh-CN" sz="2000" dirty="0" smtClean="0">
+                <a:latin typeface="Shonar Bangla" panose="020B0502040204020203" pitchFamily="34" charset="0"/>
+                <a:cs typeface="Shonar Bangla" panose="020B0502040204020203" pitchFamily="34" charset="0"/>
+              </a:rPr>
+              <a:t>template&lt;</a:t>
+            </a:r>
+            <a:r>
+              <a:rPr lang="en-US" altLang="zh-CN" sz="2000" dirty="0" err="1" smtClean="0">
+                <a:latin typeface="Shonar Bangla" panose="020B0502040204020203" pitchFamily="34" charset="0"/>
+                <a:cs typeface="Shonar Bangla" panose="020B0502040204020203" pitchFamily="34" charset="0"/>
+              </a:rPr>
+              <a:t>typename</a:t>
+            </a:r>
+            <a:r>
+              <a:rPr lang="en-US" altLang="zh-CN" sz="2000" dirty="0" smtClean="0">
+                <a:latin typeface="Shonar Bangla" panose="020B0502040204020203" pitchFamily="34" charset="0"/>
+                <a:cs typeface="Shonar Bangla" panose="020B0502040204020203" pitchFamily="34" charset="0"/>
+              </a:rPr>
+              <a:t> </a:t>
+            </a:r>
+            <a:r>
+              <a:rPr lang="en-US" altLang="zh-CN" sz="2000" dirty="0">
+                <a:latin typeface="Shonar Bangla" panose="020B0502040204020203" pitchFamily="34" charset="0"/>
+                <a:cs typeface="Shonar Bangla" panose="020B0502040204020203" pitchFamily="34" charset="0"/>
+              </a:rPr>
+              <a:t>Function, </a:t>
+            </a:r>
+            <a:r>
+              <a:rPr lang="en-US" altLang="zh-CN" sz="2000" dirty="0" err="1">
+                <a:latin typeface="Shonar Bangla" panose="020B0502040204020203" pitchFamily="34" charset="0"/>
+                <a:cs typeface="Shonar Bangla" panose="020B0502040204020203" pitchFamily="34" charset="0"/>
+              </a:rPr>
+              <a:t>size_t</a:t>
+            </a:r>
+            <a:r>
+              <a:rPr lang="en-US" altLang="zh-CN" sz="2000" dirty="0">
+                <a:latin typeface="Shonar Bangla" panose="020B0502040204020203" pitchFamily="34" charset="0"/>
+                <a:cs typeface="Shonar Bangla" panose="020B0502040204020203" pitchFamily="34" charset="0"/>
+              </a:rPr>
+              <a:t> N = 0, </a:t>
+            </a:r>
+            <a:r>
+              <a:rPr lang="en-US" altLang="zh-CN" sz="2000" dirty="0" err="1">
+                <a:latin typeface="Shonar Bangla" panose="020B0502040204020203" pitchFamily="34" charset="0"/>
+                <a:cs typeface="Shonar Bangla" panose="020B0502040204020203" pitchFamily="34" charset="0"/>
+              </a:rPr>
+              <a:t>size_t</a:t>
+            </a:r>
+            <a:r>
+              <a:rPr lang="en-US" altLang="zh-CN" sz="2000" dirty="0">
+                <a:latin typeface="Shonar Bangla" panose="020B0502040204020203" pitchFamily="34" charset="0"/>
+                <a:cs typeface="Shonar Bangla" panose="020B0502040204020203" pitchFamily="34" charset="0"/>
+              </a:rPr>
+              <a:t> M </a:t>
+            </a:r>
+            <a:r>
+              <a:rPr lang="en-US" altLang="zh-CN" sz="2000" dirty="0" smtClean="0">
+                <a:latin typeface="Shonar Bangla" panose="020B0502040204020203" pitchFamily="34" charset="0"/>
+                <a:cs typeface="Shonar Bangla" panose="020B0502040204020203" pitchFamily="34" charset="0"/>
+              </a:rPr>
+              <a:t>= </a:t>
+            </a:r>
+            <a:r>
+              <a:rPr lang="en-US" altLang="zh-CN" sz="2000" dirty="0" err="1" smtClean="0">
+                <a:latin typeface="Shonar Bangla" panose="020B0502040204020203" pitchFamily="34" charset="0"/>
+                <a:cs typeface="Shonar Bangla" panose="020B0502040204020203" pitchFamily="34" charset="0"/>
+              </a:rPr>
+              <a:t>function_traits</a:t>
+            </a:r>
+            <a:r>
+              <a:rPr lang="en-US" altLang="zh-CN" sz="2000" dirty="0" smtClean="0">
+                <a:latin typeface="Shonar Bangla" panose="020B0502040204020203" pitchFamily="34" charset="0"/>
+                <a:cs typeface="Shonar Bangla" panose="020B0502040204020203" pitchFamily="34" charset="0"/>
+              </a:rPr>
+              <a:t>&lt;Function</a:t>
+            </a:r>
+            <a:r>
+              <a:rPr lang="en-US" altLang="zh-CN" sz="2000" dirty="0">
+                <a:latin typeface="Shonar Bangla" panose="020B0502040204020203" pitchFamily="34" charset="0"/>
+                <a:cs typeface="Shonar Bangla" panose="020B0502040204020203" pitchFamily="34" charset="0"/>
+              </a:rPr>
+              <a:t>&gt;::arity&gt;</a:t>
+            </a:r>
+          </a:p>
+          <a:p>
+            <a:r>
+              <a:rPr lang="en-US" altLang="zh-CN" sz="2000" dirty="0" err="1">
+                <a:latin typeface="Shonar Bangla" panose="020B0502040204020203" pitchFamily="34" charset="0"/>
+                <a:cs typeface="Shonar Bangla" panose="020B0502040204020203" pitchFamily="34" charset="0"/>
+              </a:rPr>
+              <a:t>struct</a:t>
+            </a:r>
+            <a:r>
+              <a:rPr lang="en-US" altLang="zh-CN" sz="2000" dirty="0">
+                <a:latin typeface="Shonar Bangla" panose="020B0502040204020203" pitchFamily="34" charset="0"/>
+                <a:cs typeface="Shonar Bangla" panose="020B0502040204020203" pitchFamily="34" charset="0"/>
+              </a:rPr>
+              <a:t> </a:t>
+            </a:r>
+            <a:r>
+              <a:rPr lang="en-US" altLang="zh-CN" sz="2000" dirty="0" smtClean="0">
+                <a:latin typeface="Shonar Bangla" panose="020B0502040204020203" pitchFamily="34" charset="0"/>
+                <a:cs typeface="Shonar Bangla" panose="020B0502040204020203" pitchFamily="34" charset="0"/>
+              </a:rPr>
+              <a:t>invoker{</a:t>
+            </a:r>
+            <a:endParaRPr lang="en-US" altLang="zh-CN" sz="2000" dirty="0">
+              <a:latin typeface="Shonar Bangla" panose="020B0502040204020203" pitchFamily="34" charset="0"/>
+              <a:cs typeface="Shonar Bangla" panose="020B0502040204020203" pitchFamily="34" charset="0"/>
+            </a:endParaRPr>
+          </a:p>
+          <a:p>
+            <a:r>
+              <a:rPr lang="en-US" altLang="zh-CN" sz="2000" dirty="0" smtClean="0">
+                <a:latin typeface="Shonar Bangla" panose="020B0502040204020203" pitchFamily="34" charset="0"/>
+                <a:cs typeface="Shonar Bangla" panose="020B0502040204020203" pitchFamily="34" charset="0"/>
+              </a:rPr>
+              <a:t>    template&lt;</a:t>
+            </a:r>
+            <a:r>
+              <a:rPr lang="en-US" altLang="zh-CN" sz="2000" dirty="0" err="1" smtClean="0">
+                <a:latin typeface="Shonar Bangla" panose="020B0502040204020203" pitchFamily="34" charset="0"/>
+                <a:cs typeface="Shonar Bangla" panose="020B0502040204020203" pitchFamily="34" charset="0"/>
+              </a:rPr>
+              <a:t>typename</a:t>
+            </a:r>
+            <a:r>
+              <a:rPr lang="en-US" altLang="zh-CN" sz="2000" dirty="0" smtClean="0">
+                <a:latin typeface="Shonar Bangla" panose="020B0502040204020203" pitchFamily="34" charset="0"/>
+                <a:cs typeface="Shonar Bangla" panose="020B0502040204020203" pitchFamily="34" charset="0"/>
+              </a:rPr>
+              <a:t> </a:t>
+            </a:r>
+            <a:r>
+              <a:rPr lang="en-US" altLang="zh-CN" sz="2000" dirty="0" err="1">
+                <a:latin typeface="Shonar Bangla" panose="020B0502040204020203" pitchFamily="34" charset="0"/>
+                <a:cs typeface="Shonar Bangla" panose="020B0502040204020203" pitchFamily="34" charset="0"/>
+              </a:rPr>
+              <a:t>Args</a:t>
+            </a:r>
+            <a:r>
+              <a:rPr lang="en-US" altLang="zh-CN" sz="2000" dirty="0">
+                <a:latin typeface="Shonar Bangla" panose="020B0502040204020203" pitchFamily="34" charset="0"/>
+                <a:cs typeface="Shonar Bangla" panose="020B0502040204020203" pitchFamily="34" charset="0"/>
+              </a:rPr>
+              <a:t>&gt;</a:t>
+            </a:r>
+          </a:p>
+          <a:p>
+            <a:r>
+              <a:rPr lang="en-US" altLang="zh-CN" sz="2000" dirty="0" smtClean="0">
+                <a:latin typeface="Shonar Bangla" panose="020B0502040204020203" pitchFamily="34" charset="0"/>
+                <a:cs typeface="Shonar Bangla" panose="020B0502040204020203" pitchFamily="34" charset="0"/>
+              </a:rPr>
+              <a:t>    static void </a:t>
+            </a:r>
+            <a:r>
+              <a:rPr lang="en-US" altLang="zh-CN" sz="2000" dirty="0">
+                <a:latin typeface="Shonar Bangla" panose="020B0502040204020203" pitchFamily="34" charset="0"/>
+                <a:cs typeface="Shonar Bangla" panose="020B0502040204020203" pitchFamily="34" charset="0"/>
+              </a:rPr>
+              <a:t>apply(</a:t>
+            </a:r>
+            <a:r>
+              <a:rPr lang="en-US" altLang="zh-CN" sz="2000" dirty="0" err="1">
+                <a:latin typeface="Shonar Bangla" panose="020B0502040204020203" pitchFamily="34" charset="0"/>
+                <a:cs typeface="Shonar Bangla" panose="020B0502040204020203" pitchFamily="34" charset="0"/>
+              </a:rPr>
+              <a:t>const</a:t>
+            </a:r>
+            <a:r>
+              <a:rPr lang="en-US" altLang="zh-CN" sz="2000" dirty="0">
+                <a:latin typeface="Shonar Bangla" panose="020B0502040204020203" pitchFamily="34" charset="0"/>
+                <a:cs typeface="Shonar Bangla" panose="020B0502040204020203" pitchFamily="34" charset="0"/>
+              </a:rPr>
+              <a:t> Function&amp; </a:t>
+            </a:r>
+            <a:r>
+              <a:rPr lang="en-US" altLang="zh-CN" sz="2000" dirty="0" err="1">
+                <a:latin typeface="Shonar Bangla" panose="020B0502040204020203" pitchFamily="34" charset="0"/>
+                <a:cs typeface="Shonar Bangla" panose="020B0502040204020203" pitchFamily="34" charset="0"/>
+              </a:rPr>
+              <a:t>func</a:t>
+            </a:r>
+            <a:r>
+              <a:rPr lang="en-US" altLang="zh-CN" sz="2000" dirty="0">
+                <a:latin typeface="Shonar Bangla" panose="020B0502040204020203" pitchFamily="34" charset="0"/>
+                <a:cs typeface="Shonar Bangla" panose="020B0502040204020203" pitchFamily="34" charset="0"/>
+              </a:rPr>
+              <a:t>, </a:t>
+            </a:r>
+            <a:r>
+              <a:rPr lang="en-US" altLang="zh-CN" sz="2000" dirty="0" err="1">
+                <a:latin typeface="Shonar Bangla" panose="020B0502040204020203" pitchFamily="34" charset="0"/>
+                <a:cs typeface="Shonar Bangla" panose="020B0502040204020203" pitchFamily="34" charset="0"/>
+              </a:rPr>
+              <a:t>token_parser</a:t>
+            </a:r>
+            <a:r>
+              <a:rPr lang="en-US" altLang="zh-CN" sz="2000" dirty="0">
+                <a:latin typeface="Shonar Bangla" panose="020B0502040204020203" pitchFamily="34" charset="0"/>
+                <a:cs typeface="Shonar Bangla" panose="020B0502040204020203" pitchFamily="34" charset="0"/>
+              </a:rPr>
+              <a:t> </a:t>
+            </a:r>
+            <a:r>
+              <a:rPr lang="en-US" altLang="zh-CN" sz="2000" dirty="0" smtClean="0">
+                <a:latin typeface="Shonar Bangla" panose="020B0502040204020203" pitchFamily="34" charset="0"/>
+                <a:cs typeface="Shonar Bangla" panose="020B0502040204020203" pitchFamily="34" charset="0"/>
+              </a:rPr>
+              <a:t>parser</a:t>
+            </a:r>
+            <a:r>
+              <a:rPr lang="en-US" altLang="zh-CN" sz="2000" dirty="0">
+                <a:latin typeface="Shonar Bangla" panose="020B0502040204020203" pitchFamily="34" charset="0"/>
+                <a:cs typeface="Shonar Bangla" panose="020B0502040204020203" pitchFamily="34" charset="0"/>
+              </a:rPr>
+              <a:t>, </a:t>
+            </a:r>
+            <a:r>
+              <a:rPr lang="en-US" altLang="zh-CN" sz="2000" dirty="0" err="1">
+                <a:latin typeface="Shonar Bangla" panose="020B0502040204020203" pitchFamily="34" charset="0"/>
+                <a:cs typeface="Shonar Bangla" panose="020B0502040204020203" pitchFamily="34" charset="0"/>
+              </a:rPr>
+              <a:t>Args</a:t>
+            </a:r>
+            <a:r>
+              <a:rPr lang="en-US" altLang="zh-CN" sz="2000" dirty="0">
+                <a:latin typeface="Shonar Bangla" panose="020B0502040204020203" pitchFamily="34" charset="0"/>
+                <a:cs typeface="Shonar Bangla" panose="020B0502040204020203" pitchFamily="34" charset="0"/>
+              </a:rPr>
+              <a:t> </a:t>
+            </a:r>
+            <a:r>
+              <a:rPr lang="en-US" altLang="zh-CN" sz="2000" dirty="0" err="1">
+                <a:latin typeface="Shonar Bangla" panose="020B0502040204020203" pitchFamily="34" charset="0"/>
+                <a:cs typeface="Shonar Bangla" panose="020B0502040204020203" pitchFamily="34" charset="0"/>
+              </a:rPr>
+              <a:t>const</a:t>
+            </a:r>
+            <a:r>
+              <a:rPr lang="en-US" altLang="zh-CN" sz="2000" dirty="0">
+                <a:latin typeface="Shonar Bangla" panose="020B0502040204020203" pitchFamily="34" charset="0"/>
+                <a:cs typeface="Shonar Bangla" panose="020B0502040204020203" pitchFamily="34" charset="0"/>
+              </a:rPr>
+              <a:t> &amp; </a:t>
+            </a:r>
+            <a:r>
+              <a:rPr lang="en-US" altLang="zh-CN" sz="2000" dirty="0" err="1">
+                <a:latin typeface="Shonar Bangla" panose="020B0502040204020203" pitchFamily="34" charset="0"/>
+                <a:cs typeface="Shonar Bangla" panose="020B0502040204020203" pitchFamily="34" charset="0"/>
+              </a:rPr>
+              <a:t>args</a:t>
+            </a:r>
+            <a:r>
+              <a:rPr lang="en-US" altLang="zh-CN" sz="2000" dirty="0" smtClean="0">
+                <a:latin typeface="Shonar Bangla" panose="020B0502040204020203" pitchFamily="34" charset="0"/>
+                <a:cs typeface="Shonar Bangla" panose="020B0502040204020203" pitchFamily="34" charset="0"/>
+              </a:rPr>
+              <a:t>){</a:t>
+            </a:r>
+          </a:p>
+          <a:p>
+            <a:r>
+              <a:rPr lang="en-US" altLang="zh-CN" sz="2000" dirty="0" smtClean="0">
+                <a:latin typeface="Shonar Bangla" panose="020B0502040204020203" pitchFamily="34" charset="0"/>
+                <a:cs typeface="Shonar Bangla" panose="020B0502040204020203" pitchFamily="34" charset="0"/>
+              </a:rPr>
+              <a:t>        </a:t>
+            </a:r>
+            <a:r>
+              <a:rPr lang="en-US" altLang="zh-CN" sz="2000" dirty="0" err="1" smtClean="0">
+                <a:solidFill>
+                  <a:srgbClr val="FF0000"/>
+                </a:solidFill>
+                <a:latin typeface="Shonar Bangla" panose="020B0502040204020203" pitchFamily="34" charset="0"/>
+                <a:cs typeface="Shonar Bangla" panose="020B0502040204020203" pitchFamily="34" charset="0"/>
+              </a:rPr>
+              <a:t>typedef</a:t>
+            </a:r>
+            <a:r>
+              <a:rPr lang="en-US" altLang="zh-CN" sz="2000" dirty="0" smtClean="0">
+                <a:solidFill>
+                  <a:srgbClr val="FF0000"/>
+                </a:solidFill>
+                <a:latin typeface="Shonar Bangla" panose="020B0502040204020203" pitchFamily="34" charset="0"/>
+                <a:cs typeface="Shonar Bangla" panose="020B0502040204020203" pitchFamily="34" charset="0"/>
+              </a:rPr>
+              <a:t> </a:t>
+            </a:r>
+            <a:r>
+              <a:rPr lang="en-US" altLang="zh-CN" sz="2000" dirty="0" err="1">
+                <a:solidFill>
+                  <a:srgbClr val="FF0000"/>
+                </a:solidFill>
+                <a:latin typeface="Shonar Bangla" panose="020B0502040204020203" pitchFamily="34" charset="0"/>
+                <a:cs typeface="Shonar Bangla" panose="020B0502040204020203" pitchFamily="34" charset="0"/>
+              </a:rPr>
+              <a:t>typename</a:t>
+            </a:r>
+            <a:r>
+              <a:rPr lang="en-US" altLang="zh-CN" sz="2000" dirty="0">
+                <a:solidFill>
+                  <a:srgbClr val="FF0000"/>
+                </a:solidFill>
+                <a:latin typeface="Shonar Bangla" panose="020B0502040204020203" pitchFamily="34" charset="0"/>
+                <a:cs typeface="Shonar Bangla" panose="020B0502040204020203" pitchFamily="34" charset="0"/>
+              </a:rPr>
+              <a:t> </a:t>
+            </a:r>
+            <a:r>
+              <a:rPr lang="en-US" altLang="zh-CN" sz="2000" dirty="0" err="1">
+                <a:solidFill>
+                  <a:srgbClr val="FF0000"/>
+                </a:solidFill>
+                <a:latin typeface="Shonar Bangla" panose="020B0502040204020203" pitchFamily="34" charset="0"/>
+                <a:cs typeface="Shonar Bangla" panose="020B0502040204020203" pitchFamily="34" charset="0"/>
+              </a:rPr>
+              <a:t>function_traits</a:t>
+            </a:r>
+            <a:r>
+              <a:rPr lang="en-US" altLang="zh-CN" sz="2000" dirty="0">
+                <a:solidFill>
+                  <a:srgbClr val="FF0000"/>
+                </a:solidFill>
+                <a:latin typeface="Shonar Bangla" panose="020B0502040204020203" pitchFamily="34" charset="0"/>
+                <a:cs typeface="Shonar Bangla" panose="020B0502040204020203" pitchFamily="34" charset="0"/>
+              </a:rPr>
+              <a:t>&lt;Function&gt;::template </a:t>
+            </a:r>
+            <a:r>
+              <a:rPr lang="en-US" altLang="zh-CN" sz="2000" dirty="0" err="1">
+                <a:solidFill>
+                  <a:srgbClr val="FF0000"/>
+                </a:solidFill>
+                <a:latin typeface="Shonar Bangla" panose="020B0502040204020203" pitchFamily="34" charset="0"/>
+                <a:cs typeface="Shonar Bangla" panose="020B0502040204020203" pitchFamily="34" charset="0"/>
+              </a:rPr>
+              <a:t>args</a:t>
+            </a:r>
+            <a:r>
+              <a:rPr lang="en-US" altLang="zh-CN" sz="2000" dirty="0">
+                <a:solidFill>
+                  <a:srgbClr val="FF0000"/>
+                </a:solidFill>
+                <a:latin typeface="Shonar Bangla" panose="020B0502040204020203" pitchFamily="34" charset="0"/>
+                <a:cs typeface="Shonar Bangla" panose="020B0502040204020203" pitchFamily="34" charset="0"/>
+              </a:rPr>
+              <a:t>&lt;N&gt;::type </a:t>
+            </a:r>
+            <a:r>
+              <a:rPr lang="en-US" altLang="zh-CN" sz="2000" dirty="0" err="1">
+                <a:solidFill>
+                  <a:srgbClr val="FF0000"/>
+                </a:solidFill>
+                <a:latin typeface="Shonar Bangla" panose="020B0502040204020203" pitchFamily="34" charset="0"/>
+                <a:cs typeface="Shonar Bangla" panose="020B0502040204020203" pitchFamily="34" charset="0"/>
+              </a:rPr>
+              <a:t>arg_type</a:t>
+            </a:r>
+            <a:r>
+              <a:rPr lang="en-US" altLang="zh-CN" sz="2000" dirty="0">
+                <a:solidFill>
+                  <a:srgbClr val="FF0000"/>
+                </a:solidFill>
+                <a:latin typeface="Shonar Bangla" panose="020B0502040204020203" pitchFamily="34" charset="0"/>
+                <a:cs typeface="Shonar Bangla" panose="020B0502040204020203" pitchFamily="34" charset="0"/>
+              </a:rPr>
+              <a:t>;</a:t>
+            </a:r>
+          </a:p>
+          <a:p>
+            <a:r>
+              <a:rPr lang="en-US" altLang="zh-CN" sz="2000" dirty="0" smtClean="0">
+                <a:latin typeface="Shonar Bangla" panose="020B0502040204020203" pitchFamily="34" charset="0"/>
+                <a:cs typeface="Shonar Bangla" panose="020B0502040204020203" pitchFamily="34" charset="0"/>
+              </a:rPr>
+              <a:t>        router</a:t>
+            </a:r>
+            <a:r>
+              <a:rPr lang="en-US" altLang="zh-CN" sz="2000" dirty="0">
+                <a:latin typeface="Shonar Bangla" panose="020B0502040204020203" pitchFamily="34" charset="0"/>
+                <a:cs typeface="Shonar Bangla" panose="020B0502040204020203" pitchFamily="34" charset="0"/>
+              </a:rPr>
+              <a:t>::invoker&lt;Function, N + 1, M&gt;::</a:t>
+            </a:r>
+            <a:r>
+              <a:rPr lang="en-US" altLang="zh-CN" sz="2000" b="1" dirty="0">
+                <a:latin typeface="Shonar Bangla" panose="020B0502040204020203" pitchFamily="34" charset="0"/>
+                <a:cs typeface="Shonar Bangla" panose="020B0502040204020203" pitchFamily="34" charset="0"/>
+              </a:rPr>
+              <a:t>apply</a:t>
+            </a:r>
+            <a:r>
+              <a:rPr lang="en-US" altLang="zh-CN" sz="2000" dirty="0">
+                <a:latin typeface="Shonar Bangla" panose="020B0502040204020203" pitchFamily="34" charset="0"/>
+                <a:cs typeface="Shonar Bangla" panose="020B0502040204020203" pitchFamily="34" charset="0"/>
+              </a:rPr>
+              <a:t>(</a:t>
+            </a:r>
+            <a:r>
+              <a:rPr lang="en-US" altLang="zh-CN" sz="2000" dirty="0" err="1">
+                <a:latin typeface="Shonar Bangla" panose="020B0502040204020203" pitchFamily="34" charset="0"/>
+                <a:cs typeface="Shonar Bangla" panose="020B0502040204020203" pitchFamily="34" charset="0"/>
+              </a:rPr>
+              <a:t>func</a:t>
+            </a:r>
+            <a:r>
+              <a:rPr lang="en-US" altLang="zh-CN" sz="2000" dirty="0">
+                <a:latin typeface="Shonar Bangla" panose="020B0502040204020203" pitchFamily="34" charset="0"/>
+                <a:cs typeface="Shonar Bangla" panose="020B0502040204020203" pitchFamily="34" charset="0"/>
+              </a:rPr>
+              <a:t>, parser,</a:t>
+            </a:r>
+          </a:p>
+          <a:p>
+            <a:r>
+              <a:rPr lang="en-US" altLang="zh-CN" sz="2000" dirty="0" smtClean="0">
+                <a:latin typeface="Shonar Bangla" panose="020B0502040204020203" pitchFamily="34" charset="0"/>
+                <a:cs typeface="Shonar Bangla" panose="020B0502040204020203" pitchFamily="34" charset="0"/>
+              </a:rPr>
+              <a:t>            </a:t>
+            </a:r>
+            <a:r>
+              <a:rPr lang="en-US" altLang="zh-CN" sz="2000" dirty="0" err="1" smtClean="0">
+                <a:solidFill>
+                  <a:srgbClr val="FF0000"/>
+                </a:solidFill>
+                <a:latin typeface="Shonar Bangla" panose="020B0502040204020203" pitchFamily="34" charset="0"/>
+                <a:cs typeface="Shonar Bangla" panose="020B0502040204020203" pitchFamily="34" charset="0"/>
+              </a:rPr>
+              <a:t>std</a:t>
+            </a:r>
+            <a:r>
+              <a:rPr lang="en-US" altLang="zh-CN" sz="2000" dirty="0">
+                <a:solidFill>
+                  <a:srgbClr val="FF0000"/>
+                </a:solidFill>
+                <a:latin typeface="Shonar Bangla" panose="020B0502040204020203" pitchFamily="34" charset="0"/>
+                <a:cs typeface="Shonar Bangla" panose="020B0502040204020203" pitchFamily="34" charset="0"/>
+              </a:rPr>
+              <a:t>::</a:t>
+            </a:r>
+            <a:r>
+              <a:rPr lang="en-US" altLang="zh-CN" sz="2000" dirty="0" err="1">
+                <a:solidFill>
+                  <a:srgbClr val="FF0000"/>
+                </a:solidFill>
+                <a:latin typeface="Shonar Bangla" panose="020B0502040204020203" pitchFamily="34" charset="0"/>
+                <a:cs typeface="Shonar Bangla" panose="020B0502040204020203" pitchFamily="34" charset="0"/>
+              </a:rPr>
+              <a:t>tuple_cat</a:t>
+            </a:r>
+            <a:r>
+              <a:rPr lang="en-US" altLang="zh-CN" sz="2000" dirty="0">
+                <a:solidFill>
+                  <a:srgbClr val="FF0000"/>
+                </a:solidFill>
+                <a:latin typeface="Shonar Bangla" panose="020B0502040204020203" pitchFamily="34" charset="0"/>
+                <a:cs typeface="Shonar Bangla" panose="020B0502040204020203" pitchFamily="34" charset="0"/>
+              </a:rPr>
+              <a:t>(</a:t>
+            </a:r>
+            <a:r>
+              <a:rPr lang="en-US" altLang="zh-CN" sz="2000" dirty="0" err="1">
+                <a:solidFill>
+                  <a:srgbClr val="FF0000"/>
+                </a:solidFill>
+                <a:latin typeface="Shonar Bangla" panose="020B0502040204020203" pitchFamily="34" charset="0"/>
+                <a:cs typeface="Shonar Bangla" panose="020B0502040204020203" pitchFamily="34" charset="0"/>
+              </a:rPr>
+              <a:t>args</a:t>
+            </a:r>
+            <a:r>
+              <a:rPr lang="en-US" altLang="zh-CN" sz="2000" dirty="0">
+                <a:solidFill>
+                  <a:srgbClr val="FF0000"/>
+                </a:solidFill>
+                <a:latin typeface="Shonar Bangla" panose="020B0502040204020203" pitchFamily="34" charset="0"/>
+                <a:cs typeface="Shonar Bangla" panose="020B0502040204020203" pitchFamily="34" charset="0"/>
+              </a:rPr>
+              <a:t>, </a:t>
+            </a:r>
+            <a:r>
+              <a:rPr lang="en-US" altLang="zh-CN" sz="2000" dirty="0" err="1">
+                <a:solidFill>
+                  <a:srgbClr val="FF0000"/>
+                </a:solidFill>
+                <a:latin typeface="Shonar Bangla" panose="020B0502040204020203" pitchFamily="34" charset="0"/>
+                <a:cs typeface="Shonar Bangla" panose="020B0502040204020203" pitchFamily="34" charset="0"/>
+              </a:rPr>
+              <a:t>std</a:t>
+            </a:r>
+            <a:r>
+              <a:rPr lang="en-US" altLang="zh-CN" sz="2000" dirty="0">
+                <a:solidFill>
+                  <a:srgbClr val="FF0000"/>
+                </a:solidFill>
+                <a:latin typeface="Shonar Bangla" panose="020B0502040204020203" pitchFamily="34" charset="0"/>
+                <a:cs typeface="Shonar Bangla" panose="020B0502040204020203" pitchFamily="34" charset="0"/>
+              </a:rPr>
+              <a:t>::</a:t>
+            </a:r>
+            <a:r>
+              <a:rPr lang="en-US" altLang="zh-CN" sz="2000" dirty="0" err="1">
+                <a:solidFill>
+                  <a:srgbClr val="FF0000"/>
+                </a:solidFill>
+                <a:latin typeface="Shonar Bangla" panose="020B0502040204020203" pitchFamily="34" charset="0"/>
+                <a:cs typeface="Shonar Bangla" panose="020B0502040204020203" pitchFamily="34" charset="0"/>
+              </a:rPr>
+              <a:t>make_tuple</a:t>
+            </a:r>
+            <a:r>
+              <a:rPr lang="en-US" altLang="zh-CN" sz="2000" dirty="0">
+                <a:solidFill>
+                  <a:srgbClr val="FF0000"/>
+                </a:solidFill>
+                <a:latin typeface="Shonar Bangla" panose="020B0502040204020203" pitchFamily="34" charset="0"/>
+                <a:cs typeface="Shonar Bangla" panose="020B0502040204020203" pitchFamily="34" charset="0"/>
+              </a:rPr>
+              <a:t>(</a:t>
+            </a:r>
+            <a:r>
+              <a:rPr lang="en-US" altLang="zh-CN" sz="2000" dirty="0" err="1">
+                <a:solidFill>
+                  <a:srgbClr val="FF0000"/>
+                </a:solidFill>
+                <a:latin typeface="Shonar Bangla" panose="020B0502040204020203" pitchFamily="34" charset="0"/>
+                <a:cs typeface="Shonar Bangla" panose="020B0502040204020203" pitchFamily="34" charset="0"/>
+              </a:rPr>
+              <a:t>parser.get</a:t>
+            </a:r>
+            <a:r>
+              <a:rPr lang="en-US" altLang="zh-CN" sz="2000" dirty="0">
+                <a:solidFill>
+                  <a:srgbClr val="FF0000"/>
+                </a:solidFill>
+                <a:latin typeface="Shonar Bangla" panose="020B0502040204020203" pitchFamily="34" charset="0"/>
+                <a:cs typeface="Shonar Bangla" panose="020B0502040204020203" pitchFamily="34" charset="0"/>
+              </a:rPr>
+              <a:t>&lt;</a:t>
+            </a:r>
+            <a:r>
+              <a:rPr lang="en-US" altLang="zh-CN" sz="2000" dirty="0" err="1">
+                <a:solidFill>
+                  <a:srgbClr val="FF0000"/>
+                </a:solidFill>
+                <a:latin typeface="Shonar Bangla" panose="020B0502040204020203" pitchFamily="34" charset="0"/>
+                <a:cs typeface="Shonar Bangla" panose="020B0502040204020203" pitchFamily="34" charset="0"/>
+              </a:rPr>
+              <a:t>arg_type</a:t>
+            </a:r>
+            <a:r>
+              <a:rPr lang="en-US" altLang="zh-CN" sz="2000" dirty="0">
+                <a:solidFill>
+                  <a:srgbClr val="FF0000"/>
+                </a:solidFill>
+                <a:latin typeface="Shonar Bangla" panose="020B0502040204020203" pitchFamily="34" charset="0"/>
+                <a:cs typeface="Shonar Bangla" panose="020B0502040204020203" pitchFamily="34" charset="0"/>
+              </a:rPr>
+              <a:t>&gt;())</a:t>
+            </a:r>
+            <a:r>
+              <a:rPr lang="en-US" altLang="zh-CN" sz="2000" dirty="0">
+                <a:latin typeface="Shonar Bangla" panose="020B0502040204020203" pitchFamily="34" charset="0"/>
+                <a:cs typeface="Shonar Bangla" panose="020B0502040204020203" pitchFamily="34" charset="0"/>
+              </a:rPr>
+              <a:t>));</a:t>
+            </a:r>
+          </a:p>
+          <a:p>
+            <a:r>
+              <a:rPr lang="en-US" altLang="zh-CN" sz="2000" dirty="0" smtClean="0">
+                <a:latin typeface="Shonar Bangla" panose="020B0502040204020203" pitchFamily="34" charset="0"/>
+                <a:cs typeface="Shonar Bangla" panose="020B0502040204020203" pitchFamily="34" charset="0"/>
+              </a:rPr>
+              <a:t>    }</a:t>
+            </a:r>
+            <a:endParaRPr lang="en-US" altLang="zh-CN" sz="2000" dirty="0">
+              <a:latin typeface="Shonar Bangla" panose="020B0502040204020203" pitchFamily="34" charset="0"/>
+              <a:cs typeface="Shonar Bangla" panose="020B0502040204020203" pitchFamily="34" charset="0"/>
+            </a:endParaRPr>
+          </a:p>
+          <a:p>
+            <a:r>
+              <a:rPr lang="en-US" altLang="zh-CN" sz="2000" dirty="0">
+                <a:latin typeface="Shonar Bangla" panose="020B0502040204020203" pitchFamily="34" charset="0"/>
+                <a:cs typeface="Shonar Bangla" panose="020B0502040204020203" pitchFamily="34" charset="0"/>
+              </a:rPr>
+              <a:t>};</a:t>
+            </a:r>
+          </a:p>
+          <a:p>
+            <a:endParaRPr lang="zh-CN" altLang="en-US" dirty="0"/>
+          </a:p>
+        </p:txBody>
+      </p:sp>
+      <p:sp>
+        <p:nvSpPr>
+          <p:cNvPr id="4" name="文本框 3"/>
+          <p:cNvSpPr txBox="1"/>
+          <p:nvPr/>
+        </p:nvSpPr>
+        <p:spPr>
+          <a:xfrm>
+            <a:off x="1400810" y="4256405"/>
+            <a:ext cx="6341745" cy="2022475"/>
+          </a:xfrm>
+          <a:prstGeom prst="rect">
+            <a:avLst/>
+          </a:prstGeom>
+          <a:noFill/>
+        </p:spPr>
+        <p:txBody>
+          <a:bodyPr wrap="square" rtlCol="0" anchor="t">
+            <a:spAutoFit/>
+          </a:bodyPr>
+          <a:lstStyle/>
+          <a:p>
+            <a:r>
+              <a:rPr lang="en-US" altLang="zh-CN" dirty="0">
+                <a:latin typeface="Shonar Bangla" panose="020B0502040204020203" pitchFamily="34" charset="0"/>
+                <a:cs typeface="Shonar Bangla" panose="020B0502040204020203" pitchFamily="34" charset="0"/>
+                <a:sym typeface="+mn-ea"/>
+              </a:rPr>
+              <a:t>template&lt;</a:t>
+            </a:r>
+            <a:r>
+              <a:rPr lang="en-US" altLang="zh-CN" dirty="0" err="1">
+                <a:latin typeface="Shonar Bangla" panose="020B0502040204020203" pitchFamily="34" charset="0"/>
+                <a:cs typeface="Shonar Bangla" panose="020B0502040204020203" pitchFamily="34" charset="0"/>
+                <a:sym typeface="+mn-ea"/>
+              </a:rPr>
+              <a:t>typename</a:t>
+            </a:r>
+            <a:r>
+              <a:rPr lang="en-US" altLang="zh-CN" dirty="0">
+                <a:latin typeface="Shonar Bangla" panose="020B0502040204020203" pitchFamily="34" charset="0"/>
+                <a:cs typeface="Shonar Bangla" panose="020B0502040204020203" pitchFamily="34" charset="0"/>
+                <a:sym typeface="+mn-ea"/>
+              </a:rPr>
+              <a:t> Function, </a:t>
+            </a:r>
+            <a:r>
+              <a:rPr lang="en-US" altLang="zh-CN" dirty="0" err="1">
+                <a:latin typeface="Shonar Bangla" panose="020B0502040204020203" pitchFamily="34" charset="0"/>
+                <a:cs typeface="Shonar Bangla" panose="020B0502040204020203" pitchFamily="34" charset="0"/>
+                <a:sym typeface="+mn-ea"/>
+              </a:rPr>
+              <a:t>size_t</a:t>
+            </a:r>
+            <a:r>
+              <a:rPr lang="en-US" altLang="zh-CN" dirty="0">
+                <a:latin typeface="Shonar Bangla" panose="020B0502040204020203" pitchFamily="34" charset="0"/>
+                <a:cs typeface="Shonar Bangla" panose="020B0502040204020203" pitchFamily="34" charset="0"/>
+                <a:sym typeface="+mn-ea"/>
+              </a:rPr>
+              <a:t> M&gt;</a:t>
+            </a:r>
+            <a:endParaRPr lang="en-US" altLang="zh-CN" dirty="0">
+              <a:latin typeface="Shonar Bangla" panose="020B0502040204020203" pitchFamily="34" charset="0"/>
+              <a:cs typeface="Shonar Bangla" panose="020B0502040204020203" pitchFamily="34" charset="0"/>
+            </a:endParaRPr>
+          </a:p>
+          <a:p>
+            <a:r>
+              <a:rPr lang="en-US" altLang="zh-CN" dirty="0" err="1">
+                <a:latin typeface="Shonar Bangla" panose="020B0502040204020203" pitchFamily="34" charset="0"/>
+                <a:cs typeface="Shonar Bangla" panose="020B0502040204020203" pitchFamily="34" charset="0"/>
+                <a:sym typeface="+mn-ea"/>
+              </a:rPr>
+              <a:t>struct</a:t>
+            </a:r>
+            <a:r>
+              <a:rPr lang="en-US" altLang="zh-CN" dirty="0">
+                <a:latin typeface="Shonar Bangla" panose="020B0502040204020203" pitchFamily="34" charset="0"/>
+                <a:cs typeface="Shonar Bangla" panose="020B0502040204020203" pitchFamily="34" charset="0"/>
+                <a:sym typeface="+mn-ea"/>
+              </a:rPr>
+              <a:t> invoker&lt;Function, M, M&gt;{</a:t>
+            </a:r>
+            <a:endParaRPr lang="en-US" altLang="zh-CN" dirty="0">
+              <a:latin typeface="Shonar Bangla" panose="020B0502040204020203" pitchFamily="34" charset="0"/>
+              <a:cs typeface="Shonar Bangla" panose="020B0502040204020203" pitchFamily="34" charset="0"/>
+            </a:endParaRPr>
+          </a:p>
+          <a:p>
+            <a:r>
+              <a:rPr lang="en-US" altLang="zh-CN" dirty="0">
+                <a:latin typeface="Shonar Bangla" panose="020B0502040204020203" pitchFamily="34" charset="0"/>
+                <a:cs typeface="Shonar Bangla" panose="020B0502040204020203" pitchFamily="34" charset="0"/>
+                <a:sym typeface="+mn-ea"/>
+              </a:rPr>
+              <a:t>    template&lt;</a:t>
+            </a:r>
+            <a:r>
+              <a:rPr lang="en-US" altLang="zh-CN" dirty="0" err="1">
+                <a:latin typeface="Shonar Bangla" panose="020B0502040204020203" pitchFamily="34" charset="0"/>
+                <a:cs typeface="Shonar Bangla" panose="020B0502040204020203" pitchFamily="34" charset="0"/>
+                <a:sym typeface="+mn-ea"/>
+              </a:rPr>
+              <a:t>typename</a:t>
+            </a:r>
+            <a:r>
+              <a:rPr lang="en-US" altLang="zh-CN" dirty="0">
+                <a:latin typeface="Shonar Bangla" panose="020B0502040204020203" pitchFamily="34" charset="0"/>
+                <a:cs typeface="Shonar Bangla" panose="020B0502040204020203" pitchFamily="34" charset="0"/>
+                <a:sym typeface="+mn-ea"/>
+              </a:rPr>
+              <a:t> </a:t>
+            </a:r>
+            <a:r>
+              <a:rPr lang="en-US" altLang="zh-CN" dirty="0" err="1">
+                <a:latin typeface="Shonar Bangla" panose="020B0502040204020203" pitchFamily="34" charset="0"/>
+                <a:cs typeface="Shonar Bangla" panose="020B0502040204020203" pitchFamily="34" charset="0"/>
+                <a:sym typeface="+mn-ea"/>
+              </a:rPr>
+              <a:t>Args</a:t>
+            </a:r>
+            <a:r>
+              <a:rPr lang="en-US" altLang="zh-CN" dirty="0">
+                <a:latin typeface="Shonar Bangla" panose="020B0502040204020203" pitchFamily="34" charset="0"/>
+                <a:cs typeface="Shonar Bangla" panose="020B0502040204020203" pitchFamily="34" charset="0"/>
+                <a:sym typeface="+mn-ea"/>
+              </a:rPr>
+              <a:t>&gt;</a:t>
+            </a:r>
+            <a:endParaRPr lang="en-US" altLang="zh-CN" dirty="0">
+              <a:latin typeface="Shonar Bangla" panose="020B0502040204020203" pitchFamily="34" charset="0"/>
+              <a:cs typeface="Shonar Bangla" panose="020B0502040204020203" pitchFamily="34" charset="0"/>
+            </a:endParaRPr>
+          </a:p>
+          <a:p>
+            <a:r>
+              <a:rPr lang="en-US" altLang="zh-CN" dirty="0">
+                <a:latin typeface="Shonar Bangla" panose="020B0502040204020203" pitchFamily="34" charset="0"/>
+                <a:cs typeface="Shonar Bangla" panose="020B0502040204020203" pitchFamily="34" charset="0"/>
+                <a:sym typeface="+mn-ea"/>
+              </a:rPr>
+              <a:t>    static void apply(</a:t>
+            </a:r>
+            <a:r>
+              <a:rPr lang="en-US" altLang="zh-CN" dirty="0" err="1">
+                <a:latin typeface="Shonar Bangla" panose="020B0502040204020203" pitchFamily="34" charset="0"/>
+                <a:cs typeface="Shonar Bangla" panose="020B0502040204020203" pitchFamily="34" charset="0"/>
+                <a:sym typeface="+mn-ea"/>
+              </a:rPr>
+              <a:t>const</a:t>
+            </a:r>
+            <a:r>
+              <a:rPr lang="en-US" altLang="zh-CN" dirty="0">
+                <a:latin typeface="Shonar Bangla" panose="020B0502040204020203" pitchFamily="34" charset="0"/>
+                <a:cs typeface="Shonar Bangla" panose="020B0502040204020203" pitchFamily="34" charset="0"/>
+                <a:sym typeface="+mn-ea"/>
+              </a:rPr>
+              <a:t> Function&amp; </a:t>
+            </a:r>
+            <a:r>
+              <a:rPr lang="en-US" altLang="zh-CN" dirty="0" err="1">
+                <a:latin typeface="Shonar Bangla" panose="020B0502040204020203" pitchFamily="34" charset="0"/>
+                <a:cs typeface="Shonar Bangla" panose="020B0502040204020203" pitchFamily="34" charset="0"/>
+                <a:sym typeface="+mn-ea"/>
+              </a:rPr>
+              <a:t>func</a:t>
+            </a:r>
+            <a:r>
+              <a:rPr lang="en-US" altLang="zh-CN" dirty="0">
+                <a:latin typeface="Shonar Bangla" panose="020B0502040204020203" pitchFamily="34" charset="0"/>
+                <a:cs typeface="Shonar Bangla" panose="020B0502040204020203" pitchFamily="34" charset="0"/>
+                <a:sym typeface="+mn-ea"/>
+              </a:rPr>
+              <a:t>, </a:t>
+            </a:r>
+            <a:r>
+              <a:rPr lang="en-US" altLang="zh-CN" dirty="0" err="1">
+                <a:latin typeface="Shonar Bangla" panose="020B0502040204020203" pitchFamily="34" charset="0"/>
+                <a:cs typeface="Shonar Bangla" panose="020B0502040204020203" pitchFamily="34" charset="0"/>
+                <a:sym typeface="+mn-ea"/>
+              </a:rPr>
+              <a:t>token_parser</a:t>
+            </a:r>
+            <a:r>
+              <a:rPr lang="en-US" altLang="zh-CN" dirty="0">
+                <a:latin typeface="Shonar Bangla" panose="020B0502040204020203" pitchFamily="34" charset="0"/>
+                <a:cs typeface="Shonar Bangla" panose="020B0502040204020203" pitchFamily="34" charset="0"/>
+                <a:sym typeface="+mn-ea"/>
+              </a:rPr>
+              <a:t> &amp;, </a:t>
+            </a:r>
+            <a:r>
+              <a:rPr lang="en-US" altLang="zh-CN" dirty="0" err="1">
+                <a:latin typeface="Shonar Bangla" panose="020B0502040204020203" pitchFamily="34" charset="0"/>
+                <a:cs typeface="Shonar Bangla" panose="020B0502040204020203" pitchFamily="34" charset="0"/>
+                <a:sym typeface="+mn-ea"/>
+              </a:rPr>
+              <a:t>Args</a:t>
+            </a:r>
+            <a:r>
+              <a:rPr lang="en-US" altLang="zh-CN" dirty="0">
+                <a:latin typeface="Shonar Bangla" panose="020B0502040204020203" pitchFamily="34" charset="0"/>
+                <a:cs typeface="Shonar Bangla" panose="020B0502040204020203" pitchFamily="34" charset="0"/>
+                <a:sym typeface="+mn-ea"/>
+              </a:rPr>
+              <a:t> </a:t>
+            </a:r>
+            <a:r>
+              <a:rPr lang="en-US" altLang="zh-CN" dirty="0" err="1">
+                <a:latin typeface="Shonar Bangla" panose="020B0502040204020203" pitchFamily="34" charset="0"/>
+                <a:cs typeface="Shonar Bangla" panose="020B0502040204020203" pitchFamily="34" charset="0"/>
+                <a:sym typeface="+mn-ea"/>
+              </a:rPr>
+              <a:t>const</a:t>
+            </a:r>
+            <a:r>
+              <a:rPr lang="en-US" altLang="zh-CN" dirty="0">
+                <a:latin typeface="Shonar Bangla" panose="020B0502040204020203" pitchFamily="34" charset="0"/>
+                <a:cs typeface="Shonar Bangla" panose="020B0502040204020203" pitchFamily="34" charset="0"/>
+                <a:sym typeface="+mn-ea"/>
+              </a:rPr>
+              <a:t> &amp; tuple){</a:t>
+            </a:r>
+            <a:endParaRPr lang="en-US" altLang="zh-CN" dirty="0">
+              <a:latin typeface="Shonar Bangla" panose="020B0502040204020203" pitchFamily="34" charset="0"/>
+              <a:cs typeface="Shonar Bangla" panose="020B0502040204020203" pitchFamily="34" charset="0"/>
+            </a:endParaRPr>
+          </a:p>
+          <a:p>
+            <a:r>
+              <a:rPr lang="en-US" altLang="zh-CN" dirty="0">
+                <a:latin typeface="Shonar Bangla" panose="020B0502040204020203" pitchFamily="34" charset="0"/>
+                <a:cs typeface="Shonar Bangla" panose="020B0502040204020203" pitchFamily="34" charset="0"/>
+                <a:sym typeface="+mn-ea"/>
+              </a:rPr>
+              <a:t>        </a:t>
+            </a:r>
+            <a:r>
+              <a:rPr lang="en-US" altLang="zh-CN" dirty="0" err="1">
+                <a:latin typeface="Shonar Bangla" panose="020B0502040204020203" pitchFamily="34" charset="0"/>
+                <a:cs typeface="Shonar Bangla" panose="020B0502040204020203" pitchFamily="34" charset="0"/>
+                <a:sym typeface="+mn-ea"/>
+              </a:rPr>
+              <a:t>std</a:t>
+            </a:r>
+            <a:r>
+              <a:rPr lang="en-US" altLang="zh-CN" dirty="0">
+                <a:latin typeface="Shonar Bangla" panose="020B0502040204020203" pitchFamily="34" charset="0"/>
+                <a:cs typeface="Shonar Bangla" panose="020B0502040204020203" pitchFamily="34" charset="0"/>
+                <a:sym typeface="+mn-ea"/>
+              </a:rPr>
+              <a:t>::apply(</a:t>
+            </a:r>
+            <a:r>
+              <a:rPr lang="en-US" altLang="zh-CN" dirty="0" err="1">
+                <a:latin typeface="Shonar Bangla" panose="020B0502040204020203" pitchFamily="34" charset="0"/>
+                <a:cs typeface="Shonar Bangla" panose="020B0502040204020203" pitchFamily="34" charset="0"/>
+                <a:sym typeface="+mn-ea"/>
+              </a:rPr>
+              <a:t>func</a:t>
+            </a:r>
+            <a:r>
+              <a:rPr lang="en-US" altLang="zh-CN" dirty="0">
+                <a:latin typeface="Shonar Bangla" panose="020B0502040204020203" pitchFamily="34" charset="0"/>
+                <a:cs typeface="Shonar Bangla" panose="020B0502040204020203" pitchFamily="34" charset="0"/>
+                <a:sym typeface="+mn-ea"/>
+              </a:rPr>
+              <a:t>, tuple);</a:t>
+            </a:r>
+            <a:endParaRPr lang="en-US" altLang="zh-CN" dirty="0">
+              <a:latin typeface="Shonar Bangla" panose="020B0502040204020203" pitchFamily="34" charset="0"/>
+              <a:cs typeface="Shonar Bangla" panose="020B0502040204020203" pitchFamily="34" charset="0"/>
+            </a:endParaRPr>
+          </a:p>
+          <a:p>
+            <a:r>
+              <a:rPr lang="en-US" altLang="zh-CN" dirty="0">
+                <a:latin typeface="Shonar Bangla" panose="020B0502040204020203" pitchFamily="34" charset="0"/>
+                <a:cs typeface="Shonar Bangla" panose="020B0502040204020203" pitchFamily="34" charset="0"/>
+                <a:sym typeface="+mn-ea"/>
+              </a:rPr>
+              <a:t>    }</a:t>
+            </a:r>
+            <a:endParaRPr lang="en-US" altLang="zh-CN" dirty="0">
+              <a:latin typeface="Shonar Bangla" panose="020B0502040204020203" pitchFamily="34" charset="0"/>
+              <a:cs typeface="Shonar Bangla" panose="020B0502040204020203" pitchFamily="34" charset="0"/>
+            </a:endParaRPr>
+          </a:p>
+          <a:p>
+            <a:r>
+              <a:rPr lang="en-US" altLang="zh-CN" dirty="0">
+                <a:latin typeface="Shonar Bangla" panose="020B0502040204020203" pitchFamily="34" charset="0"/>
+                <a:cs typeface="Shonar Bangla" panose="020B0502040204020203" pitchFamily="34" charset="0"/>
+                <a:sym typeface="+mn-ea"/>
+              </a:rPr>
+              <a:t>};</a:t>
+            </a:r>
+            <a:endParaRPr lang="zh-CN" altLang="en-US" dirty="0"/>
+          </a:p>
+        </p:txBody>
+      </p:sp>
+      <p:sp>
+        <p:nvSpPr>
+          <p:cNvPr id="5" name="矩形 2"/>
+          <p:cNvSpPr>
+            <a:spLocks noChangeArrowheads="1"/>
+          </p:cNvSpPr>
+          <p:nvPr/>
+        </p:nvSpPr>
+        <p:spPr bwMode="auto">
+          <a:xfrm>
+            <a:off x="1400810" y="4256405"/>
+            <a:ext cx="6342380" cy="1949450"/>
+          </a:xfrm>
+          <a:prstGeom prst="rect">
+            <a:avLst/>
+          </a:prstGeom>
+          <a:noFill/>
+          <a:ln w="25400">
+            <a:solidFill>
+              <a:srgbClr val="3366FF"/>
+            </a:solidFill>
+            <a:miter lim="800000"/>
+          </a:ln>
+          <a:extLst>
+            <a:ext uri="{909E8E84-426E-40DD-AFC4-6F175D3DCCD1}">
+              <a14:hiddenFill xmlns:a14="http://schemas.microsoft.com/office/drawing/2010/main">
+                <a:solidFill>
+                  <a:srgbClr val="FFFFFF"/>
+                </a:solidFill>
+              </a14:hiddenFill>
+            </a:ext>
+          </a:extLst>
+        </p:spPr>
+        <p:txBody>
+          <a:bodyPr anchor="ctr"/>
+          <a:lstStyle/>
+          <a:p>
+            <a:pPr algn="ctr" eaLnBrk="0" hangingPunct="0"/>
+            <a:endParaRPr lang="zh-CN" altLang="en-US">
+              <a:solidFill>
+                <a:srgbClr val="FF0000"/>
+              </a:solidFill>
+              <a:latin typeface="Calibri" panose="020F0502020204030204" charset="0"/>
+            </a:endParaRPr>
+          </a:p>
+        </p:txBody>
+      </p:sp>
+      <p:sp>
+        <p:nvSpPr>
+          <p:cNvPr id="6" name="矩形 5"/>
+          <p:cNvSpPr/>
+          <p:nvPr/>
+        </p:nvSpPr>
+        <p:spPr>
+          <a:xfrm>
+            <a:off x="1400175" y="6264536"/>
+            <a:ext cx="6051176" cy="369332"/>
+          </a:xfrm>
+          <a:prstGeom prst="rect">
+            <a:avLst/>
+          </a:prstGeom>
+        </p:spPr>
+        <p:txBody>
+          <a:bodyPr wrap="square">
+            <a:spAutoFit/>
+          </a:bodyPr>
+          <a:lstStyle/>
+          <a:p>
+            <a:r>
+              <a:rPr lang="zh-CN" altLang="en-US" dirty="0"/>
+              <a:t>https://github.com/qicosmos/cosmos/blob/master/router.hpp</a:t>
+            </a:r>
+          </a:p>
+        </p:txBody>
+      </p:sp>
+    </p:spTree>
+  </p:cSld>
+  <p:clrMapOvr>
+    <a:masterClrMapping/>
+  </p:clrMapOvr>
+  <p:timing>
+    <p:tnLst>
+      <p:par>
+        <p:cTn id="1" dur="indefinite" restart="never" nodeType="tmRoot">
+          <p:childTnLst>
+            <p:seq concurrent="1" nextAc="seek">
+              <p:cTn id="2" dur="indefinite" nodeType="mainSeq">
+                <p:childTnLst>
+                  <p:par>
+                    <p:cTn id="3" fill="hold">
+                      <p:stCondLst>
+                        <p:cond delay="indefinite"/>
+                      </p:stCondLst>
+                      <p:childTnLst>
+                        <p:par>
+                          <p:cTn id="4" fill="hold">
+                            <p:stCondLst>
+                              <p:cond delay="0"/>
+                            </p:stCondLst>
+                            <p:childTnLst>
+                              <p:par>
+                                <p:cTn id="5" presetID="2" presetClass="entr" presetSubtype="4" fill="hold" grpId="0" nodeType="clickEffect">
+                                  <p:stCondLst>
+                                    <p:cond delay="0"/>
+                                  </p:stCondLst>
+                                  <p:childTnLst>
+                                    <p:set>
+                                      <p:cBhvr>
+                                        <p:cTn id="6" dur="1" fill="hold">
+                                          <p:stCondLst>
+                                            <p:cond delay="0"/>
+                                          </p:stCondLst>
+                                        </p:cTn>
+                                        <p:tgtEl>
+                                          <p:spTgt spid="5"/>
+                                        </p:tgtEl>
+                                        <p:attrNameLst>
+                                          <p:attrName>style.visibility</p:attrName>
+                                        </p:attrNameLst>
+                                      </p:cBhvr>
+                                      <p:to>
+                                        <p:strVal val="visible"/>
+                                      </p:to>
+                                    </p:set>
+                                    <p:anim calcmode="lin" valueType="num">
+                                      <p:cBhvr additive="base">
+                                        <p:cTn id="7" dur="500" fill="hold"/>
+                                        <p:tgtEl>
+                                          <p:spTgt spid="5"/>
+                                        </p:tgtEl>
+                                        <p:attrNameLst>
+                                          <p:attrName>ppt_x</p:attrName>
+                                        </p:attrNameLst>
+                                      </p:cBhvr>
+                                      <p:tavLst>
+                                        <p:tav tm="0">
+                                          <p:val>
+                                            <p:strVal val="#ppt_x"/>
+                                          </p:val>
+                                        </p:tav>
+                                        <p:tav tm="100000">
+                                          <p:val>
+                                            <p:strVal val="#ppt_x"/>
+                                          </p:val>
+                                        </p:tav>
+                                      </p:tavLst>
+                                    </p:anim>
+                                    <p:anim calcmode="lin" valueType="num">
+                                      <p:cBhvr additive="base">
+                                        <p:cTn id="8" dur="500" fill="hold"/>
+                                        <p:tgtEl>
+                                          <p:spTgt spid="5"/>
+                                        </p:tgtEl>
+                                        <p:attrNameLst>
+                                          <p:attrName>ppt_y</p:attrName>
+                                        </p:attrNameLst>
+                                      </p:cBhvr>
+                                      <p:tavLst>
+                                        <p:tav tm="0">
+                                          <p:val>
+                                            <p:strVal val="1+#ppt_h/2"/>
+                                          </p:val>
+                                        </p:tav>
+                                        <p:tav tm="100000">
+                                          <p:val>
+                                            <p:strVal val="#ppt_y"/>
+                                          </p:val>
+                                        </p:tav>
+                                      </p:tavLst>
+                                    </p:anim>
+                                  </p:childTnLst>
+                                </p:cTn>
+                              </p:par>
+                              <p:par>
+                                <p:cTn id="9" presetID="2" presetClass="entr" presetSubtype="4" fill="hold" grpId="0" nodeType="withEffect">
+                                  <p:stCondLst>
+                                    <p:cond delay="0"/>
+                                  </p:stCondLst>
+                                  <p:childTnLst>
+                                    <p:set>
+                                      <p:cBhvr>
+                                        <p:cTn id="10" dur="1" fill="hold">
+                                          <p:stCondLst>
+                                            <p:cond delay="0"/>
+                                          </p:stCondLst>
+                                        </p:cTn>
+                                        <p:tgtEl>
+                                          <p:spTgt spid="4"/>
+                                        </p:tgtEl>
+                                        <p:attrNameLst>
+                                          <p:attrName>style.visibility</p:attrName>
+                                        </p:attrNameLst>
+                                      </p:cBhvr>
+                                      <p:to>
+                                        <p:strVal val="visible"/>
+                                      </p:to>
+                                    </p:set>
+                                    <p:anim calcmode="lin" valueType="num">
+                                      <p:cBhvr additive="base">
+                                        <p:cTn id="11" dur="500" fill="hold"/>
+                                        <p:tgtEl>
+                                          <p:spTgt spid="4"/>
+                                        </p:tgtEl>
+                                        <p:attrNameLst>
+                                          <p:attrName>ppt_x</p:attrName>
+                                        </p:attrNameLst>
+                                      </p:cBhvr>
+                                      <p:tavLst>
+                                        <p:tav tm="0">
+                                          <p:val>
+                                            <p:strVal val="#ppt_x"/>
+                                          </p:val>
+                                        </p:tav>
+                                        <p:tav tm="100000">
+                                          <p:val>
+                                            <p:strVal val="#ppt_x"/>
+                                          </p:val>
+                                        </p:tav>
+                                      </p:tavLst>
+                                    </p:anim>
+                                    <p:anim calcmode="lin" valueType="num">
+                                      <p:cBhvr additive="base">
+                                        <p:cTn id="12" dur="500" fill="hold"/>
+                                        <p:tgtEl>
+                                          <p:spTgt spid="4"/>
+                                        </p:tgtEl>
+                                        <p:attrNameLst>
+                                          <p:attrName>ppt_y</p:attrName>
+                                        </p:attrNameLst>
+                                      </p:cBhvr>
+                                      <p:tavLst>
+                                        <p:tav tm="0">
+                                          <p:val>
+                                            <p:strVal val="1+#ppt_h/2"/>
+                                          </p:val>
+                                        </p:tav>
+                                        <p:tav tm="100000">
+                                          <p:val>
+                                            <p:strVal val="#ppt_y"/>
+                                          </p:val>
+                                        </p:tav>
+                                      </p:tavLst>
+                                    </p:anim>
+                                  </p:childTnLst>
+                                </p:cTn>
+                              </p:par>
+                            </p:childTnLst>
+                          </p:cTn>
+                        </p:par>
+                      </p:childTnLst>
+                    </p:cTn>
+                  </p:par>
+                  <p:par>
+                    <p:cTn id="13" fill="hold">
+                      <p:stCondLst>
+                        <p:cond delay="indefinite"/>
+                      </p:stCondLst>
+                      <p:childTnLst>
+                        <p:par>
+                          <p:cTn id="14" fill="hold">
+                            <p:stCondLst>
+                              <p:cond delay="0"/>
+                            </p:stCondLst>
+                            <p:childTnLst>
+                              <p:par>
+                                <p:cTn id="15" presetID="2" presetClass="entr" presetSubtype="4" fill="hold" grpId="0" nodeType="clickEffect">
+                                  <p:stCondLst>
+                                    <p:cond delay="0"/>
+                                  </p:stCondLst>
+                                  <p:childTnLst>
+                                    <p:set>
+                                      <p:cBhvr>
+                                        <p:cTn id="16" dur="1" fill="hold">
+                                          <p:stCondLst>
+                                            <p:cond delay="0"/>
+                                          </p:stCondLst>
+                                        </p:cTn>
+                                        <p:tgtEl>
+                                          <p:spTgt spid="6"/>
+                                        </p:tgtEl>
+                                        <p:attrNameLst>
+                                          <p:attrName>style.visibility</p:attrName>
+                                        </p:attrNameLst>
+                                      </p:cBhvr>
+                                      <p:to>
+                                        <p:strVal val="visible"/>
+                                      </p:to>
+                                    </p:set>
+                                    <p:anim calcmode="lin" valueType="num">
+                                      <p:cBhvr additive="base">
+                                        <p:cTn id="17" dur="500" fill="hold"/>
+                                        <p:tgtEl>
+                                          <p:spTgt spid="6"/>
+                                        </p:tgtEl>
+                                        <p:attrNameLst>
+                                          <p:attrName>ppt_x</p:attrName>
+                                        </p:attrNameLst>
+                                      </p:cBhvr>
+                                      <p:tavLst>
+                                        <p:tav tm="0">
+                                          <p:val>
+                                            <p:strVal val="#ppt_x"/>
+                                          </p:val>
+                                        </p:tav>
+                                        <p:tav tm="100000">
+                                          <p:val>
+                                            <p:strVal val="#ppt_x"/>
+                                          </p:val>
+                                        </p:tav>
+                                      </p:tavLst>
+                                    </p:anim>
+                                    <p:anim calcmode="lin" valueType="num">
+                                      <p:cBhvr additive="base">
+                                        <p:cTn id="18" dur="500" fill="hold"/>
+                                        <p:tgtEl>
+                                          <p:spTgt spid="6"/>
+                                        </p:tgtEl>
+                                        <p:attrNameLst>
+                                          <p:attrName>ppt_y</p:attrName>
+                                        </p:attrNameLst>
+                                      </p:cBhvr>
+                                      <p:tavLst>
+                                        <p:tav tm="0">
+                                          <p:val>
+                                            <p:strVal val="1+#ppt_h/2"/>
+                                          </p:val>
+                                        </p:tav>
+                                        <p:tav tm="100000">
+                                          <p:val>
+                                            <p:strVal val="#ppt_y"/>
+                                          </p:val>
+                                        </p:tav>
+                                      </p:tavLst>
+                                    </p:anim>
+                                  </p:childTnLst>
+                                </p:cTn>
+                              </p:par>
+                            </p:childTnLst>
+                          </p:cTn>
+                        </p:par>
+                      </p:childTnLst>
+                    </p:cTn>
+                  </p:par>
+                </p:childTnLst>
+              </p:cTn>
+              <p:prevCondLst>
+                <p:cond evt="onPrev" delay="0">
+                  <p:tgtEl>
+                    <p:sldTgt/>
+                  </p:tgtEl>
+                </p:cond>
+              </p:prevCondLst>
+              <p:nextCondLst>
+                <p:cond evt="onNext" delay="0">
+                  <p:tgtEl>
+                    <p:sldTgt/>
+                  </p:tgtEl>
+                </p:cond>
+              </p:nextCondLst>
+            </p:seq>
+          </p:childTnLst>
+        </p:cTn>
+      </p:par>
+    </p:tnLst>
+    <p:bldLst>
+      <p:bldP spid="4" grpId="0"/>
+      <p:bldP spid="5" grpId="0" animBg="1"/>
+      <p:bldP spid="6" grpId="0"/>
     </p:bldLst>
   </p:timing>
 </p:sld>
@@ -18162,1343 +18723,6 @@
           <a:p>
             <a:r>
               <a:rPr lang="en-US" altLang="zh-CN" dirty="0"/>
-              <a:t>How to </a:t>
-            </a:r>
-            <a:r>
-              <a:rPr lang="en-US" altLang="zh-CN" dirty="0" smtClean="0"/>
-              <a:t>route to </a:t>
-            </a:r>
-            <a:r>
-              <a:rPr lang="en-US" altLang="zh-CN" dirty="0"/>
-              <a:t>the correct handler</a:t>
-            </a:r>
-            <a:endParaRPr lang="zh-CN" altLang="en-US" dirty="0"/>
-          </a:p>
-        </p:txBody>
-      </p:sp>
-      <p:sp>
-        <p:nvSpPr>
-          <p:cNvPr id="3" name="文本占位符 2"/>
-          <p:cNvSpPr>
-            <a:spLocks noGrp="1"/>
-          </p:cNvSpPr>
-          <p:nvPr>
-            <p:ph type="body" sz="half" idx="2"/>
-          </p:nvPr>
-        </p:nvSpPr>
-        <p:spPr/>
-        <p:txBody>
-          <a:bodyPr/>
-          <a:lstStyle/>
-          <a:p>
-            <a:r>
-              <a:rPr lang="en-US" altLang="zh-CN" sz="2000" dirty="0" smtClean="0">
-                <a:latin typeface="Shonar Bangla" panose="020B0502040204020203" pitchFamily="34" charset="0"/>
-                <a:cs typeface="Shonar Bangla" panose="020B0502040204020203" pitchFamily="34" charset="0"/>
-              </a:rPr>
-              <a:t>template&lt;</a:t>
-            </a:r>
-            <a:r>
-              <a:rPr lang="en-US" altLang="zh-CN" sz="2000" dirty="0" err="1" smtClean="0">
-                <a:latin typeface="Shonar Bangla" panose="020B0502040204020203" pitchFamily="34" charset="0"/>
-                <a:cs typeface="Shonar Bangla" panose="020B0502040204020203" pitchFamily="34" charset="0"/>
-              </a:rPr>
-              <a:t>typename</a:t>
-            </a:r>
-            <a:r>
-              <a:rPr lang="en-US" altLang="zh-CN" sz="2000" dirty="0" smtClean="0">
-                <a:latin typeface="Shonar Bangla" panose="020B0502040204020203" pitchFamily="34" charset="0"/>
-                <a:cs typeface="Shonar Bangla" panose="020B0502040204020203" pitchFamily="34" charset="0"/>
-              </a:rPr>
-              <a:t> </a:t>
-            </a:r>
-            <a:r>
-              <a:rPr lang="en-US" altLang="zh-CN" sz="2000" dirty="0">
-                <a:latin typeface="Shonar Bangla" panose="020B0502040204020203" pitchFamily="34" charset="0"/>
-                <a:cs typeface="Shonar Bangla" panose="020B0502040204020203" pitchFamily="34" charset="0"/>
-              </a:rPr>
-              <a:t>Function, </a:t>
-            </a:r>
-            <a:r>
-              <a:rPr lang="en-US" altLang="zh-CN" sz="2000" dirty="0" err="1">
-                <a:latin typeface="Shonar Bangla" panose="020B0502040204020203" pitchFamily="34" charset="0"/>
-                <a:cs typeface="Shonar Bangla" panose="020B0502040204020203" pitchFamily="34" charset="0"/>
-              </a:rPr>
-              <a:t>size_t</a:t>
-            </a:r>
-            <a:r>
-              <a:rPr lang="en-US" altLang="zh-CN" sz="2000" dirty="0">
-                <a:latin typeface="Shonar Bangla" panose="020B0502040204020203" pitchFamily="34" charset="0"/>
-                <a:cs typeface="Shonar Bangla" panose="020B0502040204020203" pitchFamily="34" charset="0"/>
-              </a:rPr>
-              <a:t> N = 0, </a:t>
-            </a:r>
-            <a:r>
-              <a:rPr lang="en-US" altLang="zh-CN" sz="2000" dirty="0" err="1">
-                <a:latin typeface="Shonar Bangla" panose="020B0502040204020203" pitchFamily="34" charset="0"/>
-                <a:cs typeface="Shonar Bangla" panose="020B0502040204020203" pitchFamily="34" charset="0"/>
-              </a:rPr>
-              <a:t>size_t</a:t>
-            </a:r>
-            <a:r>
-              <a:rPr lang="en-US" altLang="zh-CN" sz="2000" dirty="0">
-                <a:latin typeface="Shonar Bangla" panose="020B0502040204020203" pitchFamily="34" charset="0"/>
-                <a:cs typeface="Shonar Bangla" panose="020B0502040204020203" pitchFamily="34" charset="0"/>
-              </a:rPr>
-              <a:t> M </a:t>
-            </a:r>
-            <a:r>
-              <a:rPr lang="en-US" altLang="zh-CN" sz="2000" dirty="0" smtClean="0">
-                <a:latin typeface="Shonar Bangla" panose="020B0502040204020203" pitchFamily="34" charset="0"/>
-                <a:cs typeface="Shonar Bangla" panose="020B0502040204020203" pitchFamily="34" charset="0"/>
-              </a:rPr>
-              <a:t>= </a:t>
-            </a:r>
-            <a:r>
-              <a:rPr lang="en-US" altLang="zh-CN" sz="2000" dirty="0" err="1" smtClean="0">
-                <a:latin typeface="Shonar Bangla" panose="020B0502040204020203" pitchFamily="34" charset="0"/>
-                <a:cs typeface="Shonar Bangla" panose="020B0502040204020203" pitchFamily="34" charset="0"/>
-              </a:rPr>
-              <a:t>function_traits</a:t>
-            </a:r>
-            <a:r>
-              <a:rPr lang="en-US" altLang="zh-CN" sz="2000" dirty="0" smtClean="0">
-                <a:latin typeface="Shonar Bangla" panose="020B0502040204020203" pitchFamily="34" charset="0"/>
-                <a:cs typeface="Shonar Bangla" panose="020B0502040204020203" pitchFamily="34" charset="0"/>
-              </a:rPr>
-              <a:t>&lt;Function</a:t>
-            </a:r>
-            <a:r>
-              <a:rPr lang="en-US" altLang="zh-CN" sz="2000" dirty="0">
-                <a:latin typeface="Shonar Bangla" panose="020B0502040204020203" pitchFamily="34" charset="0"/>
-                <a:cs typeface="Shonar Bangla" panose="020B0502040204020203" pitchFamily="34" charset="0"/>
-              </a:rPr>
-              <a:t>&gt;::arity&gt;</a:t>
-            </a:r>
-          </a:p>
-          <a:p>
-            <a:r>
-              <a:rPr lang="en-US" altLang="zh-CN" sz="2000" dirty="0" err="1">
-                <a:latin typeface="Shonar Bangla" panose="020B0502040204020203" pitchFamily="34" charset="0"/>
-                <a:cs typeface="Shonar Bangla" panose="020B0502040204020203" pitchFamily="34" charset="0"/>
-              </a:rPr>
-              <a:t>struct</a:t>
-            </a:r>
-            <a:r>
-              <a:rPr lang="en-US" altLang="zh-CN" sz="2000" dirty="0">
-                <a:latin typeface="Shonar Bangla" panose="020B0502040204020203" pitchFamily="34" charset="0"/>
-                <a:cs typeface="Shonar Bangla" panose="020B0502040204020203" pitchFamily="34" charset="0"/>
-              </a:rPr>
-              <a:t> </a:t>
-            </a:r>
-            <a:r>
-              <a:rPr lang="en-US" altLang="zh-CN" sz="2000" dirty="0" smtClean="0">
-                <a:latin typeface="Shonar Bangla" panose="020B0502040204020203" pitchFamily="34" charset="0"/>
-                <a:cs typeface="Shonar Bangla" panose="020B0502040204020203" pitchFamily="34" charset="0"/>
-              </a:rPr>
-              <a:t>invoker{</a:t>
-            </a:r>
-            <a:endParaRPr lang="en-US" altLang="zh-CN" sz="2000" dirty="0">
-              <a:latin typeface="Shonar Bangla" panose="020B0502040204020203" pitchFamily="34" charset="0"/>
-              <a:cs typeface="Shonar Bangla" panose="020B0502040204020203" pitchFamily="34" charset="0"/>
-            </a:endParaRPr>
-          </a:p>
-          <a:p>
-            <a:r>
-              <a:rPr lang="en-US" altLang="zh-CN" sz="2000" dirty="0" smtClean="0">
-                <a:latin typeface="Shonar Bangla" panose="020B0502040204020203" pitchFamily="34" charset="0"/>
-                <a:cs typeface="Shonar Bangla" panose="020B0502040204020203" pitchFamily="34" charset="0"/>
-              </a:rPr>
-              <a:t>    template&lt;</a:t>
-            </a:r>
-            <a:r>
-              <a:rPr lang="en-US" altLang="zh-CN" sz="2000" dirty="0" err="1" smtClean="0">
-                <a:latin typeface="Shonar Bangla" panose="020B0502040204020203" pitchFamily="34" charset="0"/>
-                <a:cs typeface="Shonar Bangla" panose="020B0502040204020203" pitchFamily="34" charset="0"/>
-              </a:rPr>
-              <a:t>typename</a:t>
-            </a:r>
-            <a:r>
-              <a:rPr lang="en-US" altLang="zh-CN" sz="2000" dirty="0" smtClean="0">
-                <a:latin typeface="Shonar Bangla" panose="020B0502040204020203" pitchFamily="34" charset="0"/>
-                <a:cs typeface="Shonar Bangla" panose="020B0502040204020203" pitchFamily="34" charset="0"/>
-              </a:rPr>
-              <a:t> </a:t>
-            </a:r>
-            <a:r>
-              <a:rPr lang="en-US" altLang="zh-CN" sz="2000" dirty="0" err="1">
-                <a:latin typeface="Shonar Bangla" panose="020B0502040204020203" pitchFamily="34" charset="0"/>
-                <a:cs typeface="Shonar Bangla" panose="020B0502040204020203" pitchFamily="34" charset="0"/>
-              </a:rPr>
-              <a:t>Args</a:t>
-            </a:r>
-            <a:r>
-              <a:rPr lang="en-US" altLang="zh-CN" sz="2000" dirty="0">
-                <a:latin typeface="Shonar Bangla" panose="020B0502040204020203" pitchFamily="34" charset="0"/>
-                <a:cs typeface="Shonar Bangla" panose="020B0502040204020203" pitchFamily="34" charset="0"/>
-              </a:rPr>
-              <a:t>&gt;</a:t>
-            </a:r>
-          </a:p>
-          <a:p>
-            <a:r>
-              <a:rPr lang="en-US" altLang="zh-CN" sz="2000" dirty="0" smtClean="0">
-                <a:latin typeface="Shonar Bangla" panose="020B0502040204020203" pitchFamily="34" charset="0"/>
-                <a:cs typeface="Shonar Bangla" panose="020B0502040204020203" pitchFamily="34" charset="0"/>
-              </a:rPr>
-              <a:t>    static void </a:t>
-            </a:r>
-            <a:r>
-              <a:rPr lang="en-US" altLang="zh-CN" sz="2000" dirty="0">
-                <a:latin typeface="Shonar Bangla" panose="020B0502040204020203" pitchFamily="34" charset="0"/>
-                <a:cs typeface="Shonar Bangla" panose="020B0502040204020203" pitchFamily="34" charset="0"/>
-              </a:rPr>
-              <a:t>apply(</a:t>
-            </a:r>
-            <a:r>
-              <a:rPr lang="en-US" altLang="zh-CN" sz="2000" dirty="0" err="1">
-                <a:latin typeface="Shonar Bangla" panose="020B0502040204020203" pitchFamily="34" charset="0"/>
-                <a:cs typeface="Shonar Bangla" panose="020B0502040204020203" pitchFamily="34" charset="0"/>
-              </a:rPr>
-              <a:t>const</a:t>
-            </a:r>
-            <a:r>
-              <a:rPr lang="en-US" altLang="zh-CN" sz="2000" dirty="0">
-                <a:latin typeface="Shonar Bangla" panose="020B0502040204020203" pitchFamily="34" charset="0"/>
-                <a:cs typeface="Shonar Bangla" panose="020B0502040204020203" pitchFamily="34" charset="0"/>
-              </a:rPr>
-              <a:t> Function&amp; </a:t>
-            </a:r>
-            <a:r>
-              <a:rPr lang="en-US" altLang="zh-CN" sz="2000" dirty="0" err="1">
-                <a:latin typeface="Shonar Bangla" panose="020B0502040204020203" pitchFamily="34" charset="0"/>
-                <a:cs typeface="Shonar Bangla" panose="020B0502040204020203" pitchFamily="34" charset="0"/>
-              </a:rPr>
-              <a:t>func</a:t>
-            </a:r>
-            <a:r>
-              <a:rPr lang="en-US" altLang="zh-CN" sz="2000" dirty="0">
-                <a:latin typeface="Shonar Bangla" panose="020B0502040204020203" pitchFamily="34" charset="0"/>
-                <a:cs typeface="Shonar Bangla" panose="020B0502040204020203" pitchFamily="34" charset="0"/>
-              </a:rPr>
-              <a:t>, </a:t>
-            </a:r>
-            <a:r>
-              <a:rPr lang="en-US" altLang="zh-CN" sz="2000" dirty="0" err="1">
-                <a:latin typeface="Shonar Bangla" panose="020B0502040204020203" pitchFamily="34" charset="0"/>
-                <a:cs typeface="Shonar Bangla" panose="020B0502040204020203" pitchFamily="34" charset="0"/>
-              </a:rPr>
-              <a:t>token_parser</a:t>
-            </a:r>
-            <a:r>
-              <a:rPr lang="en-US" altLang="zh-CN" sz="2000" dirty="0">
-                <a:latin typeface="Shonar Bangla" panose="020B0502040204020203" pitchFamily="34" charset="0"/>
-                <a:cs typeface="Shonar Bangla" panose="020B0502040204020203" pitchFamily="34" charset="0"/>
-              </a:rPr>
-              <a:t> </a:t>
-            </a:r>
-            <a:r>
-              <a:rPr lang="en-US" altLang="zh-CN" sz="2000" dirty="0" smtClean="0">
-                <a:latin typeface="Shonar Bangla" panose="020B0502040204020203" pitchFamily="34" charset="0"/>
-                <a:cs typeface="Shonar Bangla" panose="020B0502040204020203" pitchFamily="34" charset="0"/>
-              </a:rPr>
-              <a:t>parser</a:t>
-            </a:r>
-            <a:r>
-              <a:rPr lang="en-US" altLang="zh-CN" sz="2000" dirty="0">
-                <a:latin typeface="Shonar Bangla" panose="020B0502040204020203" pitchFamily="34" charset="0"/>
-                <a:cs typeface="Shonar Bangla" panose="020B0502040204020203" pitchFamily="34" charset="0"/>
-              </a:rPr>
-              <a:t>, </a:t>
-            </a:r>
-            <a:r>
-              <a:rPr lang="en-US" altLang="zh-CN" sz="2000" dirty="0" err="1">
-                <a:latin typeface="Shonar Bangla" panose="020B0502040204020203" pitchFamily="34" charset="0"/>
-                <a:cs typeface="Shonar Bangla" panose="020B0502040204020203" pitchFamily="34" charset="0"/>
-              </a:rPr>
-              <a:t>Args</a:t>
-            </a:r>
-            <a:r>
-              <a:rPr lang="en-US" altLang="zh-CN" sz="2000" dirty="0">
-                <a:latin typeface="Shonar Bangla" panose="020B0502040204020203" pitchFamily="34" charset="0"/>
-                <a:cs typeface="Shonar Bangla" panose="020B0502040204020203" pitchFamily="34" charset="0"/>
-              </a:rPr>
-              <a:t> </a:t>
-            </a:r>
-            <a:r>
-              <a:rPr lang="en-US" altLang="zh-CN" sz="2000" dirty="0" err="1">
-                <a:latin typeface="Shonar Bangla" panose="020B0502040204020203" pitchFamily="34" charset="0"/>
-                <a:cs typeface="Shonar Bangla" panose="020B0502040204020203" pitchFamily="34" charset="0"/>
-              </a:rPr>
-              <a:t>const</a:t>
-            </a:r>
-            <a:r>
-              <a:rPr lang="en-US" altLang="zh-CN" sz="2000" dirty="0">
-                <a:latin typeface="Shonar Bangla" panose="020B0502040204020203" pitchFamily="34" charset="0"/>
-                <a:cs typeface="Shonar Bangla" panose="020B0502040204020203" pitchFamily="34" charset="0"/>
-              </a:rPr>
-              <a:t> &amp; </a:t>
-            </a:r>
-            <a:r>
-              <a:rPr lang="en-US" altLang="zh-CN" sz="2000" dirty="0" err="1">
-                <a:latin typeface="Shonar Bangla" panose="020B0502040204020203" pitchFamily="34" charset="0"/>
-                <a:cs typeface="Shonar Bangla" panose="020B0502040204020203" pitchFamily="34" charset="0"/>
-              </a:rPr>
-              <a:t>args</a:t>
-            </a:r>
-            <a:r>
-              <a:rPr lang="en-US" altLang="zh-CN" sz="2000" dirty="0" smtClean="0">
-                <a:latin typeface="Shonar Bangla" panose="020B0502040204020203" pitchFamily="34" charset="0"/>
-                <a:cs typeface="Shonar Bangla" panose="020B0502040204020203" pitchFamily="34" charset="0"/>
-              </a:rPr>
-              <a:t>){</a:t>
-            </a:r>
-          </a:p>
-          <a:p>
-            <a:r>
-              <a:rPr lang="en-US" altLang="zh-CN" sz="2000" dirty="0" smtClean="0">
-                <a:latin typeface="Shonar Bangla" panose="020B0502040204020203" pitchFamily="34" charset="0"/>
-                <a:cs typeface="Shonar Bangla" panose="020B0502040204020203" pitchFamily="34" charset="0"/>
-              </a:rPr>
-              <a:t>        </a:t>
-            </a:r>
-            <a:r>
-              <a:rPr lang="en-US" altLang="zh-CN" sz="2000" dirty="0" err="1" smtClean="0">
-                <a:solidFill>
-                  <a:srgbClr val="FF0000"/>
-                </a:solidFill>
-                <a:latin typeface="Shonar Bangla" panose="020B0502040204020203" pitchFamily="34" charset="0"/>
-                <a:cs typeface="Shonar Bangla" panose="020B0502040204020203" pitchFamily="34" charset="0"/>
-              </a:rPr>
-              <a:t>typedef</a:t>
-            </a:r>
-            <a:r>
-              <a:rPr lang="en-US" altLang="zh-CN" sz="2000" dirty="0" smtClean="0">
-                <a:solidFill>
-                  <a:srgbClr val="FF0000"/>
-                </a:solidFill>
-                <a:latin typeface="Shonar Bangla" panose="020B0502040204020203" pitchFamily="34" charset="0"/>
-                <a:cs typeface="Shonar Bangla" panose="020B0502040204020203" pitchFamily="34" charset="0"/>
-              </a:rPr>
-              <a:t> </a:t>
-            </a:r>
-            <a:r>
-              <a:rPr lang="en-US" altLang="zh-CN" sz="2000" dirty="0" err="1">
-                <a:solidFill>
-                  <a:srgbClr val="FF0000"/>
-                </a:solidFill>
-                <a:latin typeface="Shonar Bangla" panose="020B0502040204020203" pitchFamily="34" charset="0"/>
-                <a:cs typeface="Shonar Bangla" panose="020B0502040204020203" pitchFamily="34" charset="0"/>
-              </a:rPr>
-              <a:t>typename</a:t>
-            </a:r>
-            <a:r>
-              <a:rPr lang="en-US" altLang="zh-CN" sz="2000" dirty="0">
-                <a:solidFill>
-                  <a:srgbClr val="FF0000"/>
-                </a:solidFill>
-                <a:latin typeface="Shonar Bangla" panose="020B0502040204020203" pitchFamily="34" charset="0"/>
-                <a:cs typeface="Shonar Bangla" panose="020B0502040204020203" pitchFamily="34" charset="0"/>
-              </a:rPr>
-              <a:t> </a:t>
-            </a:r>
-            <a:r>
-              <a:rPr lang="en-US" altLang="zh-CN" sz="2000" dirty="0" err="1">
-                <a:solidFill>
-                  <a:srgbClr val="FF0000"/>
-                </a:solidFill>
-                <a:latin typeface="Shonar Bangla" panose="020B0502040204020203" pitchFamily="34" charset="0"/>
-                <a:cs typeface="Shonar Bangla" panose="020B0502040204020203" pitchFamily="34" charset="0"/>
-              </a:rPr>
-              <a:t>function_traits</a:t>
-            </a:r>
-            <a:r>
-              <a:rPr lang="en-US" altLang="zh-CN" sz="2000" dirty="0">
-                <a:solidFill>
-                  <a:srgbClr val="FF0000"/>
-                </a:solidFill>
-                <a:latin typeface="Shonar Bangla" panose="020B0502040204020203" pitchFamily="34" charset="0"/>
-                <a:cs typeface="Shonar Bangla" panose="020B0502040204020203" pitchFamily="34" charset="0"/>
-              </a:rPr>
-              <a:t>&lt;Function&gt;::template </a:t>
-            </a:r>
-            <a:r>
-              <a:rPr lang="en-US" altLang="zh-CN" sz="2000" dirty="0" err="1">
-                <a:solidFill>
-                  <a:srgbClr val="FF0000"/>
-                </a:solidFill>
-                <a:latin typeface="Shonar Bangla" panose="020B0502040204020203" pitchFamily="34" charset="0"/>
-                <a:cs typeface="Shonar Bangla" panose="020B0502040204020203" pitchFamily="34" charset="0"/>
-              </a:rPr>
-              <a:t>args</a:t>
-            </a:r>
-            <a:r>
-              <a:rPr lang="en-US" altLang="zh-CN" sz="2000" dirty="0">
-                <a:solidFill>
-                  <a:srgbClr val="FF0000"/>
-                </a:solidFill>
-                <a:latin typeface="Shonar Bangla" panose="020B0502040204020203" pitchFamily="34" charset="0"/>
-                <a:cs typeface="Shonar Bangla" panose="020B0502040204020203" pitchFamily="34" charset="0"/>
-              </a:rPr>
-              <a:t>&lt;N&gt;::type </a:t>
-            </a:r>
-            <a:r>
-              <a:rPr lang="en-US" altLang="zh-CN" sz="2000" dirty="0" err="1">
-                <a:solidFill>
-                  <a:srgbClr val="FF0000"/>
-                </a:solidFill>
-                <a:latin typeface="Shonar Bangla" panose="020B0502040204020203" pitchFamily="34" charset="0"/>
-                <a:cs typeface="Shonar Bangla" panose="020B0502040204020203" pitchFamily="34" charset="0"/>
-              </a:rPr>
-              <a:t>arg_type</a:t>
-            </a:r>
-            <a:r>
-              <a:rPr lang="en-US" altLang="zh-CN" sz="2000" dirty="0">
-                <a:solidFill>
-                  <a:srgbClr val="FF0000"/>
-                </a:solidFill>
-                <a:latin typeface="Shonar Bangla" panose="020B0502040204020203" pitchFamily="34" charset="0"/>
-                <a:cs typeface="Shonar Bangla" panose="020B0502040204020203" pitchFamily="34" charset="0"/>
-              </a:rPr>
-              <a:t>;</a:t>
-            </a:r>
-          </a:p>
-          <a:p>
-            <a:r>
-              <a:rPr lang="en-US" altLang="zh-CN" sz="2000" dirty="0" smtClean="0">
-                <a:latin typeface="Shonar Bangla" panose="020B0502040204020203" pitchFamily="34" charset="0"/>
-                <a:cs typeface="Shonar Bangla" panose="020B0502040204020203" pitchFamily="34" charset="0"/>
-              </a:rPr>
-              <a:t>        router</a:t>
-            </a:r>
-            <a:r>
-              <a:rPr lang="en-US" altLang="zh-CN" sz="2000" dirty="0">
-                <a:latin typeface="Shonar Bangla" panose="020B0502040204020203" pitchFamily="34" charset="0"/>
-                <a:cs typeface="Shonar Bangla" panose="020B0502040204020203" pitchFamily="34" charset="0"/>
-              </a:rPr>
-              <a:t>::invoker&lt;Function, N + 1, M&gt;::</a:t>
-            </a:r>
-            <a:r>
-              <a:rPr lang="en-US" altLang="zh-CN" sz="2000" b="1" dirty="0">
-                <a:latin typeface="Shonar Bangla" panose="020B0502040204020203" pitchFamily="34" charset="0"/>
-                <a:cs typeface="Shonar Bangla" panose="020B0502040204020203" pitchFamily="34" charset="0"/>
-              </a:rPr>
-              <a:t>apply</a:t>
-            </a:r>
-            <a:r>
-              <a:rPr lang="en-US" altLang="zh-CN" sz="2000" dirty="0">
-                <a:latin typeface="Shonar Bangla" panose="020B0502040204020203" pitchFamily="34" charset="0"/>
-                <a:cs typeface="Shonar Bangla" panose="020B0502040204020203" pitchFamily="34" charset="0"/>
-              </a:rPr>
-              <a:t>(</a:t>
-            </a:r>
-            <a:r>
-              <a:rPr lang="en-US" altLang="zh-CN" sz="2000" dirty="0" err="1">
-                <a:latin typeface="Shonar Bangla" panose="020B0502040204020203" pitchFamily="34" charset="0"/>
-                <a:cs typeface="Shonar Bangla" panose="020B0502040204020203" pitchFamily="34" charset="0"/>
-              </a:rPr>
-              <a:t>func</a:t>
-            </a:r>
-            <a:r>
-              <a:rPr lang="en-US" altLang="zh-CN" sz="2000" dirty="0">
-                <a:latin typeface="Shonar Bangla" panose="020B0502040204020203" pitchFamily="34" charset="0"/>
-                <a:cs typeface="Shonar Bangla" panose="020B0502040204020203" pitchFamily="34" charset="0"/>
-              </a:rPr>
-              <a:t>, parser,</a:t>
-            </a:r>
-          </a:p>
-          <a:p>
-            <a:r>
-              <a:rPr lang="en-US" altLang="zh-CN" sz="2000" dirty="0" smtClean="0">
-                <a:latin typeface="Shonar Bangla" panose="020B0502040204020203" pitchFamily="34" charset="0"/>
-                <a:cs typeface="Shonar Bangla" panose="020B0502040204020203" pitchFamily="34" charset="0"/>
-              </a:rPr>
-              <a:t>            </a:t>
-            </a:r>
-            <a:r>
-              <a:rPr lang="en-US" altLang="zh-CN" sz="2000" dirty="0" err="1" smtClean="0">
-                <a:solidFill>
-                  <a:srgbClr val="FF0000"/>
-                </a:solidFill>
-                <a:latin typeface="Shonar Bangla" panose="020B0502040204020203" pitchFamily="34" charset="0"/>
-                <a:cs typeface="Shonar Bangla" panose="020B0502040204020203" pitchFamily="34" charset="0"/>
-              </a:rPr>
-              <a:t>std</a:t>
-            </a:r>
-            <a:r>
-              <a:rPr lang="en-US" altLang="zh-CN" sz="2000" dirty="0">
-                <a:solidFill>
-                  <a:srgbClr val="FF0000"/>
-                </a:solidFill>
-                <a:latin typeface="Shonar Bangla" panose="020B0502040204020203" pitchFamily="34" charset="0"/>
-                <a:cs typeface="Shonar Bangla" panose="020B0502040204020203" pitchFamily="34" charset="0"/>
-              </a:rPr>
-              <a:t>::</a:t>
-            </a:r>
-            <a:r>
-              <a:rPr lang="en-US" altLang="zh-CN" sz="2000" dirty="0" err="1">
-                <a:solidFill>
-                  <a:srgbClr val="FF0000"/>
-                </a:solidFill>
-                <a:latin typeface="Shonar Bangla" panose="020B0502040204020203" pitchFamily="34" charset="0"/>
-                <a:cs typeface="Shonar Bangla" panose="020B0502040204020203" pitchFamily="34" charset="0"/>
-              </a:rPr>
-              <a:t>tuple_cat</a:t>
-            </a:r>
-            <a:r>
-              <a:rPr lang="en-US" altLang="zh-CN" sz="2000" dirty="0">
-                <a:solidFill>
-                  <a:srgbClr val="FF0000"/>
-                </a:solidFill>
-                <a:latin typeface="Shonar Bangla" panose="020B0502040204020203" pitchFamily="34" charset="0"/>
-                <a:cs typeface="Shonar Bangla" panose="020B0502040204020203" pitchFamily="34" charset="0"/>
-              </a:rPr>
-              <a:t>(</a:t>
-            </a:r>
-            <a:r>
-              <a:rPr lang="en-US" altLang="zh-CN" sz="2000" dirty="0" err="1">
-                <a:solidFill>
-                  <a:srgbClr val="FF0000"/>
-                </a:solidFill>
-                <a:latin typeface="Shonar Bangla" panose="020B0502040204020203" pitchFamily="34" charset="0"/>
-                <a:cs typeface="Shonar Bangla" panose="020B0502040204020203" pitchFamily="34" charset="0"/>
-              </a:rPr>
-              <a:t>args</a:t>
-            </a:r>
-            <a:r>
-              <a:rPr lang="en-US" altLang="zh-CN" sz="2000" dirty="0">
-                <a:solidFill>
-                  <a:srgbClr val="FF0000"/>
-                </a:solidFill>
-                <a:latin typeface="Shonar Bangla" panose="020B0502040204020203" pitchFamily="34" charset="0"/>
-                <a:cs typeface="Shonar Bangla" panose="020B0502040204020203" pitchFamily="34" charset="0"/>
-              </a:rPr>
-              <a:t>, </a:t>
-            </a:r>
-            <a:r>
-              <a:rPr lang="en-US" altLang="zh-CN" sz="2000" dirty="0" err="1">
-                <a:solidFill>
-                  <a:srgbClr val="FF0000"/>
-                </a:solidFill>
-                <a:latin typeface="Shonar Bangla" panose="020B0502040204020203" pitchFamily="34" charset="0"/>
-                <a:cs typeface="Shonar Bangla" panose="020B0502040204020203" pitchFamily="34" charset="0"/>
-              </a:rPr>
-              <a:t>std</a:t>
-            </a:r>
-            <a:r>
-              <a:rPr lang="en-US" altLang="zh-CN" sz="2000" dirty="0">
-                <a:solidFill>
-                  <a:srgbClr val="FF0000"/>
-                </a:solidFill>
-                <a:latin typeface="Shonar Bangla" panose="020B0502040204020203" pitchFamily="34" charset="0"/>
-                <a:cs typeface="Shonar Bangla" panose="020B0502040204020203" pitchFamily="34" charset="0"/>
-              </a:rPr>
-              <a:t>::</a:t>
-            </a:r>
-            <a:r>
-              <a:rPr lang="en-US" altLang="zh-CN" sz="2000" dirty="0" err="1">
-                <a:solidFill>
-                  <a:srgbClr val="FF0000"/>
-                </a:solidFill>
-                <a:latin typeface="Shonar Bangla" panose="020B0502040204020203" pitchFamily="34" charset="0"/>
-                <a:cs typeface="Shonar Bangla" panose="020B0502040204020203" pitchFamily="34" charset="0"/>
-              </a:rPr>
-              <a:t>make_tuple</a:t>
-            </a:r>
-            <a:r>
-              <a:rPr lang="en-US" altLang="zh-CN" sz="2000" dirty="0">
-                <a:solidFill>
-                  <a:srgbClr val="FF0000"/>
-                </a:solidFill>
-                <a:latin typeface="Shonar Bangla" panose="020B0502040204020203" pitchFamily="34" charset="0"/>
-                <a:cs typeface="Shonar Bangla" panose="020B0502040204020203" pitchFamily="34" charset="0"/>
-              </a:rPr>
-              <a:t>(</a:t>
-            </a:r>
-            <a:r>
-              <a:rPr lang="en-US" altLang="zh-CN" sz="2000" dirty="0" err="1">
-                <a:solidFill>
-                  <a:srgbClr val="FF0000"/>
-                </a:solidFill>
-                <a:latin typeface="Shonar Bangla" panose="020B0502040204020203" pitchFamily="34" charset="0"/>
-                <a:cs typeface="Shonar Bangla" panose="020B0502040204020203" pitchFamily="34" charset="0"/>
-              </a:rPr>
-              <a:t>parser.get</a:t>
-            </a:r>
-            <a:r>
-              <a:rPr lang="en-US" altLang="zh-CN" sz="2000" dirty="0">
-                <a:solidFill>
-                  <a:srgbClr val="FF0000"/>
-                </a:solidFill>
-                <a:latin typeface="Shonar Bangla" panose="020B0502040204020203" pitchFamily="34" charset="0"/>
-                <a:cs typeface="Shonar Bangla" panose="020B0502040204020203" pitchFamily="34" charset="0"/>
-              </a:rPr>
-              <a:t>&lt;</a:t>
-            </a:r>
-            <a:r>
-              <a:rPr lang="en-US" altLang="zh-CN" sz="2000" dirty="0" err="1">
-                <a:solidFill>
-                  <a:srgbClr val="FF0000"/>
-                </a:solidFill>
-                <a:latin typeface="Shonar Bangla" panose="020B0502040204020203" pitchFamily="34" charset="0"/>
-                <a:cs typeface="Shonar Bangla" panose="020B0502040204020203" pitchFamily="34" charset="0"/>
-              </a:rPr>
-              <a:t>arg_type</a:t>
-            </a:r>
-            <a:r>
-              <a:rPr lang="en-US" altLang="zh-CN" sz="2000" dirty="0">
-                <a:solidFill>
-                  <a:srgbClr val="FF0000"/>
-                </a:solidFill>
-                <a:latin typeface="Shonar Bangla" panose="020B0502040204020203" pitchFamily="34" charset="0"/>
-                <a:cs typeface="Shonar Bangla" panose="020B0502040204020203" pitchFamily="34" charset="0"/>
-              </a:rPr>
-              <a:t>&gt;())</a:t>
-            </a:r>
-            <a:r>
-              <a:rPr lang="en-US" altLang="zh-CN" sz="2000" dirty="0">
-                <a:latin typeface="Shonar Bangla" panose="020B0502040204020203" pitchFamily="34" charset="0"/>
-                <a:cs typeface="Shonar Bangla" panose="020B0502040204020203" pitchFamily="34" charset="0"/>
-              </a:rPr>
-              <a:t>));</a:t>
-            </a:r>
-          </a:p>
-          <a:p>
-            <a:r>
-              <a:rPr lang="en-US" altLang="zh-CN" sz="2000" dirty="0" smtClean="0">
-                <a:latin typeface="Shonar Bangla" panose="020B0502040204020203" pitchFamily="34" charset="0"/>
-                <a:cs typeface="Shonar Bangla" panose="020B0502040204020203" pitchFamily="34" charset="0"/>
-              </a:rPr>
-              <a:t>    }</a:t>
-            </a:r>
-            <a:endParaRPr lang="en-US" altLang="zh-CN" sz="2000" dirty="0">
-              <a:latin typeface="Shonar Bangla" panose="020B0502040204020203" pitchFamily="34" charset="0"/>
-              <a:cs typeface="Shonar Bangla" panose="020B0502040204020203" pitchFamily="34" charset="0"/>
-            </a:endParaRPr>
-          </a:p>
-          <a:p>
-            <a:r>
-              <a:rPr lang="en-US" altLang="zh-CN" sz="2000" dirty="0">
-                <a:latin typeface="Shonar Bangla" panose="020B0502040204020203" pitchFamily="34" charset="0"/>
-                <a:cs typeface="Shonar Bangla" panose="020B0502040204020203" pitchFamily="34" charset="0"/>
-              </a:rPr>
-              <a:t>};</a:t>
-            </a:r>
-          </a:p>
-          <a:p>
-            <a:endParaRPr lang="zh-CN" altLang="en-US" dirty="0"/>
-          </a:p>
-        </p:txBody>
-      </p:sp>
-      <p:sp>
-        <p:nvSpPr>
-          <p:cNvPr id="4" name="文本框 3"/>
-          <p:cNvSpPr txBox="1"/>
-          <p:nvPr/>
-        </p:nvSpPr>
-        <p:spPr>
-          <a:xfrm>
-            <a:off x="1400810" y="4256405"/>
-            <a:ext cx="6341745" cy="2022475"/>
-          </a:xfrm>
-          <a:prstGeom prst="rect">
-            <a:avLst/>
-          </a:prstGeom>
-          <a:noFill/>
-        </p:spPr>
-        <p:txBody>
-          <a:bodyPr wrap="square" rtlCol="0" anchor="t">
-            <a:spAutoFit/>
-          </a:bodyPr>
-          <a:lstStyle/>
-          <a:p>
-            <a:r>
-              <a:rPr lang="en-US" altLang="zh-CN" dirty="0">
-                <a:latin typeface="Shonar Bangla" panose="020B0502040204020203" pitchFamily="34" charset="0"/>
-                <a:cs typeface="Shonar Bangla" panose="020B0502040204020203" pitchFamily="34" charset="0"/>
-                <a:sym typeface="+mn-ea"/>
-              </a:rPr>
-              <a:t>template&lt;</a:t>
-            </a:r>
-            <a:r>
-              <a:rPr lang="en-US" altLang="zh-CN" dirty="0" err="1">
-                <a:latin typeface="Shonar Bangla" panose="020B0502040204020203" pitchFamily="34" charset="0"/>
-                <a:cs typeface="Shonar Bangla" panose="020B0502040204020203" pitchFamily="34" charset="0"/>
-                <a:sym typeface="+mn-ea"/>
-              </a:rPr>
-              <a:t>typename</a:t>
-            </a:r>
-            <a:r>
-              <a:rPr lang="en-US" altLang="zh-CN" dirty="0">
-                <a:latin typeface="Shonar Bangla" panose="020B0502040204020203" pitchFamily="34" charset="0"/>
-                <a:cs typeface="Shonar Bangla" panose="020B0502040204020203" pitchFamily="34" charset="0"/>
-                <a:sym typeface="+mn-ea"/>
-              </a:rPr>
-              <a:t> Function, </a:t>
-            </a:r>
-            <a:r>
-              <a:rPr lang="en-US" altLang="zh-CN" dirty="0" err="1">
-                <a:latin typeface="Shonar Bangla" panose="020B0502040204020203" pitchFamily="34" charset="0"/>
-                <a:cs typeface="Shonar Bangla" panose="020B0502040204020203" pitchFamily="34" charset="0"/>
-                <a:sym typeface="+mn-ea"/>
-              </a:rPr>
-              <a:t>size_t</a:t>
-            </a:r>
-            <a:r>
-              <a:rPr lang="en-US" altLang="zh-CN" dirty="0">
-                <a:latin typeface="Shonar Bangla" panose="020B0502040204020203" pitchFamily="34" charset="0"/>
-                <a:cs typeface="Shonar Bangla" panose="020B0502040204020203" pitchFamily="34" charset="0"/>
-                <a:sym typeface="+mn-ea"/>
-              </a:rPr>
-              <a:t> M&gt;</a:t>
-            </a:r>
-            <a:endParaRPr lang="en-US" altLang="zh-CN" dirty="0">
-              <a:latin typeface="Shonar Bangla" panose="020B0502040204020203" pitchFamily="34" charset="0"/>
-              <a:cs typeface="Shonar Bangla" panose="020B0502040204020203" pitchFamily="34" charset="0"/>
-            </a:endParaRPr>
-          </a:p>
-          <a:p>
-            <a:r>
-              <a:rPr lang="en-US" altLang="zh-CN" dirty="0" err="1">
-                <a:latin typeface="Shonar Bangla" panose="020B0502040204020203" pitchFamily="34" charset="0"/>
-                <a:cs typeface="Shonar Bangla" panose="020B0502040204020203" pitchFamily="34" charset="0"/>
-                <a:sym typeface="+mn-ea"/>
-              </a:rPr>
-              <a:t>struct</a:t>
-            </a:r>
-            <a:r>
-              <a:rPr lang="en-US" altLang="zh-CN" dirty="0">
-                <a:latin typeface="Shonar Bangla" panose="020B0502040204020203" pitchFamily="34" charset="0"/>
-                <a:cs typeface="Shonar Bangla" panose="020B0502040204020203" pitchFamily="34" charset="0"/>
-                <a:sym typeface="+mn-ea"/>
-              </a:rPr>
-              <a:t> invoker&lt;Function, M, M&gt;{</a:t>
-            </a:r>
-            <a:endParaRPr lang="en-US" altLang="zh-CN" dirty="0">
-              <a:latin typeface="Shonar Bangla" panose="020B0502040204020203" pitchFamily="34" charset="0"/>
-              <a:cs typeface="Shonar Bangla" panose="020B0502040204020203" pitchFamily="34" charset="0"/>
-            </a:endParaRPr>
-          </a:p>
-          <a:p>
-            <a:r>
-              <a:rPr lang="en-US" altLang="zh-CN" dirty="0">
-                <a:latin typeface="Shonar Bangla" panose="020B0502040204020203" pitchFamily="34" charset="0"/>
-                <a:cs typeface="Shonar Bangla" panose="020B0502040204020203" pitchFamily="34" charset="0"/>
-                <a:sym typeface="+mn-ea"/>
-              </a:rPr>
-              <a:t>    template&lt;</a:t>
-            </a:r>
-            <a:r>
-              <a:rPr lang="en-US" altLang="zh-CN" dirty="0" err="1">
-                <a:latin typeface="Shonar Bangla" panose="020B0502040204020203" pitchFamily="34" charset="0"/>
-                <a:cs typeface="Shonar Bangla" panose="020B0502040204020203" pitchFamily="34" charset="0"/>
-                <a:sym typeface="+mn-ea"/>
-              </a:rPr>
-              <a:t>typename</a:t>
-            </a:r>
-            <a:r>
-              <a:rPr lang="en-US" altLang="zh-CN" dirty="0">
-                <a:latin typeface="Shonar Bangla" panose="020B0502040204020203" pitchFamily="34" charset="0"/>
-                <a:cs typeface="Shonar Bangla" panose="020B0502040204020203" pitchFamily="34" charset="0"/>
-                <a:sym typeface="+mn-ea"/>
-              </a:rPr>
-              <a:t> </a:t>
-            </a:r>
-            <a:r>
-              <a:rPr lang="en-US" altLang="zh-CN" dirty="0" err="1">
-                <a:latin typeface="Shonar Bangla" panose="020B0502040204020203" pitchFamily="34" charset="0"/>
-                <a:cs typeface="Shonar Bangla" panose="020B0502040204020203" pitchFamily="34" charset="0"/>
-                <a:sym typeface="+mn-ea"/>
-              </a:rPr>
-              <a:t>Args</a:t>
-            </a:r>
-            <a:r>
-              <a:rPr lang="en-US" altLang="zh-CN" dirty="0">
-                <a:latin typeface="Shonar Bangla" panose="020B0502040204020203" pitchFamily="34" charset="0"/>
-                <a:cs typeface="Shonar Bangla" panose="020B0502040204020203" pitchFamily="34" charset="0"/>
-                <a:sym typeface="+mn-ea"/>
-              </a:rPr>
-              <a:t>&gt;</a:t>
-            </a:r>
-            <a:endParaRPr lang="en-US" altLang="zh-CN" dirty="0">
-              <a:latin typeface="Shonar Bangla" panose="020B0502040204020203" pitchFamily="34" charset="0"/>
-              <a:cs typeface="Shonar Bangla" panose="020B0502040204020203" pitchFamily="34" charset="0"/>
-            </a:endParaRPr>
-          </a:p>
-          <a:p>
-            <a:r>
-              <a:rPr lang="en-US" altLang="zh-CN" dirty="0">
-                <a:latin typeface="Shonar Bangla" panose="020B0502040204020203" pitchFamily="34" charset="0"/>
-                <a:cs typeface="Shonar Bangla" panose="020B0502040204020203" pitchFamily="34" charset="0"/>
-                <a:sym typeface="+mn-ea"/>
-              </a:rPr>
-              <a:t>    static void apply(</a:t>
-            </a:r>
-            <a:r>
-              <a:rPr lang="en-US" altLang="zh-CN" dirty="0" err="1">
-                <a:latin typeface="Shonar Bangla" panose="020B0502040204020203" pitchFamily="34" charset="0"/>
-                <a:cs typeface="Shonar Bangla" panose="020B0502040204020203" pitchFamily="34" charset="0"/>
-                <a:sym typeface="+mn-ea"/>
-              </a:rPr>
-              <a:t>const</a:t>
-            </a:r>
-            <a:r>
-              <a:rPr lang="en-US" altLang="zh-CN" dirty="0">
-                <a:latin typeface="Shonar Bangla" panose="020B0502040204020203" pitchFamily="34" charset="0"/>
-                <a:cs typeface="Shonar Bangla" panose="020B0502040204020203" pitchFamily="34" charset="0"/>
-                <a:sym typeface="+mn-ea"/>
-              </a:rPr>
-              <a:t> Function&amp; </a:t>
-            </a:r>
-            <a:r>
-              <a:rPr lang="en-US" altLang="zh-CN" dirty="0" err="1">
-                <a:latin typeface="Shonar Bangla" panose="020B0502040204020203" pitchFamily="34" charset="0"/>
-                <a:cs typeface="Shonar Bangla" panose="020B0502040204020203" pitchFamily="34" charset="0"/>
-                <a:sym typeface="+mn-ea"/>
-              </a:rPr>
-              <a:t>func</a:t>
-            </a:r>
-            <a:r>
-              <a:rPr lang="en-US" altLang="zh-CN" dirty="0">
-                <a:latin typeface="Shonar Bangla" panose="020B0502040204020203" pitchFamily="34" charset="0"/>
-                <a:cs typeface="Shonar Bangla" panose="020B0502040204020203" pitchFamily="34" charset="0"/>
-                <a:sym typeface="+mn-ea"/>
-              </a:rPr>
-              <a:t>, </a:t>
-            </a:r>
-            <a:r>
-              <a:rPr lang="en-US" altLang="zh-CN" dirty="0" err="1">
-                <a:latin typeface="Shonar Bangla" panose="020B0502040204020203" pitchFamily="34" charset="0"/>
-                <a:cs typeface="Shonar Bangla" panose="020B0502040204020203" pitchFamily="34" charset="0"/>
-                <a:sym typeface="+mn-ea"/>
-              </a:rPr>
-              <a:t>token_parser</a:t>
-            </a:r>
-            <a:r>
-              <a:rPr lang="en-US" altLang="zh-CN" dirty="0">
-                <a:latin typeface="Shonar Bangla" panose="020B0502040204020203" pitchFamily="34" charset="0"/>
-                <a:cs typeface="Shonar Bangla" panose="020B0502040204020203" pitchFamily="34" charset="0"/>
-                <a:sym typeface="+mn-ea"/>
-              </a:rPr>
-              <a:t> &amp;, </a:t>
-            </a:r>
-            <a:r>
-              <a:rPr lang="en-US" altLang="zh-CN" dirty="0" err="1">
-                <a:latin typeface="Shonar Bangla" panose="020B0502040204020203" pitchFamily="34" charset="0"/>
-                <a:cs typeface="Shonar Bangla" panose="020B0502040204020203" pitchFamily="34" charset="0"/>
-                <a:sym typeface="+mn-ea"/>
-              </a:rPr>
-              <a:t>Args</a:t>
-            </a:r>
-            <a:r>
-              <a:rPr lang="en-US" altLang="zh-CN" dirty="0">
-                <a:latin typeface="Shonar Bangla" panose="020B0502040204020203" pitchFamily="34" charset="0"/>
-                <a:cs typeface="Shonar Bangla" panose="020B0502040204020203" pitchFamily="34" charset="0"/>
-                <a:sym typeface="+mn-ea"/>
-              </a:rPr>
-              <a:t> </a:t>
-            </a:r>
-            <a:r>
-              <a:rPr lang="en-US" altLang="zh-CN" dirty="0" err="1">
-                <a:latin typeface="Shonar Bangla" panose="020B0502040204020203" pitchFamily="34" charset="0"/>
-                <a:cs typeface="Shonar Bangla" panose="020B0502040204020203" pitchFamily="34" charset="0"/>
-                <a:sym typeface="+mn-ea"/>
-              </a:rPr>
-              <a:t>const</a:t>
-            </a:r>
-            <a:r>
-              <a:rPr lang="en-US" altLang="zh-CN" dirty="0">
-                <a:latin typeface="Shonar Bangla" panose="020B0502040204020203" pitchFamily="34" charset="0"/>
-                <a:cs typeface="Shonar Bangla" panose="020B0502040204020203" pitchFamily="34" charset="0"/>
-                <a:sym typeface="+mn-ea"/>
-              </a:rPr>
-              <a:t> &amp; tuple){</a:t>
-            </a:r>
-            <a:endParaRPr lang="en-US" altLang="zh-CN" dirty="0">
-              <a:latin typeface="Shonar Bangla" panose="020B0502040204020203" pitchFamily="34" charset="0"/>
-              <a:cs typeface="Shonar Bangla" panose="020B0502040204020203" pitchFamily="34" charset="0"/>
-            </a:endParaRPr>
-          </a:p>
-          <a:p>
-            <a:r>
-              <a:rPr lang="en-US" altLang="zh-CN" dirty="0">
-                <a:latin typeface="Shonar Bangla" panose="020B0502040204020203" pitchFamily="34" charset="0"/>
-                <a:cs typeface="Shonar Bangla" panose="020B0502040204020203" pitchFamily="34" charset="0"/>
-                <a:sym typeface="+mn-ea"/>
-              </a:rPr>
-              <a:t>        </a:t>
-            </a:r>
-            <a:r>
-              <a:rPr lang="en-US" altLang="zh-CN" dirty="0" err="1">
-                <a:latin typeface="Shonar Bangla" panose="020B0502040204020203" pitchFamily="34" charset="0"/>
-                <a:cs typeface="Shonar Bangla" panose="020B0502040204020203" pitchFamily="34" charset="0"/>
-                <a:sym typeface="+mn-ea"/>
-              </a:rPr>
-              <a:t>std</a:t>
-            </a:r>
-            <a:r>
-              <a:rPr lang="en-US" altLang="zh-CN" dirty="0">
-                <a:latin typeface="Shonar Bangla" panose="020B0502040204020203" pitchFamily="34" charset="0"/>
-                <a:cs typeface="Shonar Bangla" panose="020B0502040204020203" pitchFamily="34" charset="0"/>
-                <a:sym typeface="+mn-ea"/>
-              </a:rPr>
-              <a:t>::apply(</a:t>
-            </a:r>
-            <a:r>
-              <a:rPr lang="en-US" altLang="zh-CN" dirty="0" err="1">
-                <a:latin typeface="Shonar Bangla" panose="020B0502040204020203" pitchFamily="34" charset="0"/>
-                <a:cs typeface="Shonar Bangla" panose="020B0502040204020203" pitchFamily="34" charset="0"/>
-                <a:sym typeface="+mn-ea"/>
-              </a:rPr>
-              <a:t>func</a:t>
-            </a:r>
-            <a:r>
-              <a:rPr lang="en-US" altLang="zh-CN" dirty="0">
-                <a:latin typeface="Shonar Bangla" panose="020B0502040204020203" pitchFamily="34" charset="0"/>
-                <a:cs typeface="Shonar Bangla" panose="020B0502040204020203" pitchFamily="34" charset="0"/>
-                <a:sym typeface="+mn-ea"/>
-              </a:rPr>
-              <a:t>, tuple);</a:t>
-            </a:r>
-            <a:endParaRPr lang="en-US" altLang="zh-CN" dirty="0">
-              <a:latin typeface="Shonar Bangla" panose="020B0502040204020203" pitchFamily="34" charset="0"/>
-              <a:cs typeface="Shonar Bangla" panose="020B0502040204020203" pitchFamily="34" charset="0"/>
-            </a:endParaRPr>
-          </a:p>
-          <a:p>
-            <a:r>
-              <a:rPr lang="en-US" altLang="zh-CN" dirty="0">
-                <a:latin typeface="Shonar Bangla" panose="020B0502040204020203" pitchFamily="34" charset="0"/>
-                <a:cs typeface="Shonar Bangla" panose="020B0502040204020203" pitchFamily="34" charset="0"/>
-                <a:sym typeface="+mn-ea"/>
-              </a:rPr>
-              <a:t>    }</a:t>
-            </a:r>
-            <a:endParaRPr lang="en-US" altLang="zh-CN" dirty="0">
-              <a:latin typeface="Shonar Bangla" panose="020B0502040204020203" pitchFamily="34" charset="0"/>
-              <a:cs typeface="Shonar Bangla" panose="020B0502040204020203" pitchFamily="34" charset="0"/>
-            </a:endParaRPr>
-          </a:p>
-          <a:p>
-            <a:r>
-              <a:rPr lang="en-US" altLang="zh-CN" dirty="0">
-                <a:latin typeface="Shonar Bangla" panose="020B0502040204020203" pitchFamily="34" charset="0"/>
-                <a:cs typeface="Shonar Bangla" panose="020B0502040204020203" pitchFamily="34" charset="0"/>
-                <a:sym typeface="+mn-ea"/>
-              </a:rPr>
-              <a:t>};</a:t>
-            </a:r>
-            <a:endParaRPr lang="zh-CN" altLang="en-US" dirty="0"/>
-          </a:p>
-        </p:txBody>
-      </p:sp>
-      <p:sp>
-        <p:nvSpPr>
-          <p:cNvPr id="5" name="矩形 2"/>
-          <p:cNvSpPr>
-            <a:spLocks noChangeArrowheads="1"/>
-          </p:cNvSpPr>
-          <p:nvPr/>
-        </p:nvSpPr>
-        <p:spPr bwMode="auto">
-          <a:xfrm>
-            <a:off x="1400810" y="4256405"/>
-            <a:ext cx="6342380" cy="1949450"/>
-          </a:xfrm>
-          <a:prstGeom prst="rect">
-            <a:avLst/>
-          </a:prstGeom>
-          <a:noFill/>
-          <a:ln w="25400">
-            <a:solidFill>
-              <a:srgbClr val="3366FF"/>
-            </a:solidFill>
-            <a:miter lim="800000"/>
-          </a:ln>
-          <a:extLst>
-            <a:ext uri="{909E8E84-426E-40DD-AFC4-6F175D3DCCD1}">
-              <a14:hiddenFill xmlns:a14="http://schemas.microsoft.com/office/drawing/2010/main">
-                <a:solidFill>
-                  <a:srgbClr val="FFFFFF"/>
-                </a:solidFill>
-              </a14:hiddenFill>
-            </a:ext>
-          </a:extLst>
-        </p:spPr>
-        <p:txBody>
-          <a:bodyPr anchor="ctr"/>
-          <a:lstStyle/>
-          <a:p>
-            <a:pPr algn="ctr" eaLnBrk="0" hangingPunct="0"/>
-            <a:endParaRPr lang="zh-CN" altLang="en-US">
-              <a:solidFill>
-                <a:srgbClr val="FF0000"/>
-              </a:solidFill>
-              <a:latin typeface="Calibri" panose="020F0502020204030204" charset="0"/>
-            </a:endParaRPr>
-          </a:p>
-        </p:txBody>
-      </p:sp>
-      <p:sp>
-        <p:nvSpPr>
-          <p:cNvPr id="6" name="矩形 5"/>
-          <p:cNvSpPr/>
-          <p:nvPr/>
-        </p:nvSpPr>
-        <p:spPr>
-          <a:xfrm>
-            <a:off x="1400175" y="6264536"/>
-            <a:ext cx="6051176" cy="369332"/>
-          </a:xfrm>
-          <a:prstGeom prst="rect">
-            <a:avLst/>
-          </a:prstGeom>
-        </p:spPr>
-        <p:txBody>
-          <a:bodyPr wrap="square">
-            <a:spAutoFit/>
-          </a:bodyPr>
-          <a:lstStyle/>
-          <a:p>
-            <a:r>
-              <a:rPr lang="zh-CN" altLang="en-US" dirty="0"/>
-              <a:t>https://github.com/qicosmos/cosmos/blob/master/router.hpp</a:t>
-            </a:r>
-          </a:p>
-        </p:txBody>
-      </p:sp>
-    </p:spTree>
-  </p:cSld>
-  <p:clrMapOvr>
-    <a:masterClrMapping/>
-  </p:clrMapOvr>
-  <p:timing>
-    <p:tnLst>
-      <p:par>
-        <p:cTn id="1" dur="indefinite" restart="never" nodeType="tmRoot">
-          <p:childTnLst>
-            <p:seq concurrent="1" nextAc="seek">
-              <p:cTn id="2" dur="indefinite" nodeType="mainSeq">
-                <p:childTnLst>
-                  <p:par>
-                    <p:cTn id="3" fill="hold">
-                      <p:stCondLst>
-                        <p:cond delay="indefinite"/>
-                      </p:stCondLst>
-                      <p:childTnLst>
-                        <p:par>
-                          <p:cTn id="4" fill="hold">
-                            <p:stCondLst>
-                              <p:cond delay="0"/>
-                            </p:stCondLst>
-                            <p:childTnLst>
-                              <p:par>
-                                <p:cTn id="5" presetID="2" presetClass="entr" presetSubtype="4" fill="hold" grpId="0" nodeType="clickEffect">
-                                  <p:stCondLst>
-                                    <p:cond delay="0"/>
-                                  </p:stCondLst>
-                                  <p:childTnLst>
-                                    <p:set>
-                                      <p:cBhvr>
-                                        <p:cTn id="6" dur="1" fill="hold">
-                                          <p:stCondLst>
-                                            <p:cond delay="0"/>
-                                          </p:stCondLst>
-                                        </p:cTn>
-                                        <p:tgtEl>
-                                          <p:spTgt spid="5"/>
-                                        </p:tgtEl>
-                                        <p:attrNameLst>
-                                          <p:attrName>style.visibility</p:attrName>
-                                        </p:attrNameLst>
-                                      </p:cBhvr>
-                                      <p:to>
-                                        <p:strVal val="visible"/>
-                                      </p:to>
-                                    </p:set>
-                                    <p:anim calcmode="lin" valueType="num">
-                                      <p:cBhvr additive="base">
-                                        <p:cTn id="7" dur="500" fill="hold"/>
-                                        <p:tgtEl>
-                                          <p:spTgt spid="5"/>
-                                        </p:tgtEl>
-                                        <p:attrNameLst>
-                                          <p:attrName>ppt_x</p:attrName>
-                                        </p:attrNameLst>
-                                      </p:cBhvr>
-                                      <p:tavLst>
-                                        <p:tav tm="0">
-                                          <p:val>
-                                            <p:strVal val="#ppt_x"/>
-                                          </p:val>
-                                        </p:tav>
-                                        <p:tav tm="100000">
-                                          <p:val>
-                                            <p:strVal val="#ppt_x"/>
-                                          </p:val>
-                                        </p:tav>
-                                      </p:tavLst>
-                                    </p:anim>
-                                    <p:anim calcmode="lin" valueType="num">
-                                      <p:cBhvr additive="base">
-                                        <p:cTn id="8" dur="500" fill="hold"/>
-                                        <p:tgtEl>
-                                          <p:spTgt spid="5"/>
-                                        </p:tgtEl>
-                                        <p:attrNameLst>
-                                          <p:attrName>ppt_y</p:attrName>
-                                        </p:attrNameLst>
-                                      </p:cBhvr>
-                                      <p:tavLst>
-                                        <p:tav tm="0">
-                                          <p:val>
-                                            <p:strVal val="1+#ppt_h/2"/>
-                                          </p:val>
-                                        </p:tav>
-                                        <p:tav tm="100000">
-                                          <p:val>
-                                            <p:strVal val="#ppt_y"/>
-                                          </p:val>
-                                        </p:tav>
-                                      </p:tavLst>
-                                    </p:anim>
-                                  </p:childTnLst>
-                                </p:cTn>
-                              </p:par>
-                              <p:par>
-                                <p:cTn id="9" presetID="2" presetClass="entr" presetSubtype="4" fill="hold" grpId="0" nodeType="withEffect">
-                                  <p:stCondLst>
-                                    <p:cond delay="0"/>
-                                  </p:stCondLst>
-                                  <p:childTnLst>
-                                    <p:set>
-                                      <p:cBhvr>
-                                        <p:cTn id="10" dur="1" fill="hold">
-                                          <p:stCondLst>
-                                            <p:cond delay="0"/>
-                                          </p:stCondLst>
-                                        </p:cTn>
-                                        <p:tgtEl>
-                                          <p:spTgt spid="4"/>
-                                        </p:tgtEl>
-                                        <p:attrNameLst>
-                                          <p:attrName>style.visibility</p:attrName>
-                                        </p:attrNameLst>
-                                      </p:cBhvr>
-                                      <p:to>
-                                        <p:strVal val="visible"/>
-                                      </p:to>
-                                    </p:set>
-                                    <p:anim calcmode="lin" valueType="num">
-                                      <p:cBhvr additive="base">
-                                        <p:cTn id="11" dur="500" fill="hold"/>
-                                        <p:tgtEl>
-                                          <p:spTgt spid="4"/>
-                                        </p:tgtEl>
-                                        <p:attrNameLst>
-                                          <p:attrName>ppt_x</p:attrName>
-                                        </p:attrNameLst>
-                                      </p:cBhvr>
-                                      <p:tavLst>
-                                        <p:tav tm="0">
-                                          <p:val>
-                                            <p:strVal val="#ppt_x"/>
-                                          </p:val>
-                                        </p:tav>
-                                        <p:tav tm="100000">
-                                          <p:val>
-                                            <p:strVal val="#ppt_x"/>
-                                          </p:val>
-                                        </p:tav>
-                                      </p:tavLst>
-                                    </p:anim>
-                                    <p:anim calcmode="lin" valueType="num">
-                                      <p:cBhvr additive="base">
-                                        <p:cTn id="12" dur="500" fill="hold"/>
-                                        <p:tgtEl>
-                                          <p:spTgt spid="4"/>
-                                        </p:tgtEl>
-                                        <p:attrNameLst>
-                                          <p:attrName>ppt_y</p:attrName>
-                                        </p:attrNameLst>
-                                      </p:cBhvr>
-                                      <p:tavLst>
-                                        <p:tav tm="0">
-                                          <p:val>
-                                            <p:strVal val="1+#ppt_h/2"/>
-                                          </p:val>
-                                        </p:tav>
-                                        <p:tav tm="100000">
-                                          <p:val>
-                                            <p:strVal val="#ppt_y"/>
-                                          </p:val>
-                                        </p:tav>
-                                      </p:tavLst>
-                                    </p:anim>
-                                  </p:childTnLst>
-                                </p:cTn>
-                              </p:par>
-                            </p:childTnLst>
-                          </p:cTn>
-                        </p:par>
-                      </p:childTnLst>
-                    </p:cTn>
-                  </p:par>
-                  <p:par>
-                    <p:cTn id="13" fill="hold">
-                      <p:stCondLst>
-                        <p:cond delay="indefinite"/>
-                      </p:stCondLst>
-                      <p:childTnLst>
-                        <p:par>
-                          <p:cTn id="14" fill="hold">
-                            <p:stCondLst>
-                              <p:cond delay="0"/>
-                            </p:stCondLst>
-                            <p:childTnLst>
-                              <p:par>
-                                <p:cTn id="15" presetID="2" presetClass="entr" presetSubtype="4" fill="hold" grpId="0" nodeType="clickEffect">
-                                  <p:stCondLst>
-                                    <p:cond delay="0"/>
-                                  </p:stCondLst>
-                                  <p:childTnLst>
-                                    <p:set>
-                                      <p:cBhvr>
-                                        <p:cTn id="16" dur="1" fill="hold">
-                                          <p:stCondLst>
-                                            <p:cond delay="0"/>
-                                          </p:stCondLst>
-                                        </p:cTn>
-                                        <p:tgtEl>
-                                          <p:spTgt spid="6"/>
-                                        </p:tgtEl>
-                                        <p:attrNameLst>
-                                          <p:attrName>style.visibility</p:attrName>
-                                        </p:attrNameLst>
-                                      </p:cBhvr>
-                                      <p:to>
-                                        <p:strVal val="visible"/>
-                                      </p:to>
-                                    </p:set>
-                                    <p:anim calcmode="lin" valueType="num">
-                                      <p:cBhvr additive="base">
-                                        <p:cTn id="17" dur="500" fill="hold"/>
-                                        <p:tgtEl>
-                                          <p:spTgt spid="6"/>
-                                        </p:tgtEl>
-                                        <p:attrNameLst>
-                                          <p:attrName>ppt_x</p:attrName>
-                                        </p:attrNameLst>
-                                      </p:cBhvr>
-                                      <p:tavLst>
-                                        <p:tav tm="0">
-                                          <p:val>
-                                            <p:strVal val="#ppt_x"/>
-                                          </p:val>
-                                        </p:tav>
-                                        <p:tav tm="100000">
-                                          <p:val>
-                                            <p:strVal val="#ppt_x"/>
-                                          </p:val>
-                                        </p:tav>
-                                      </p:tavLst>
-                                    </p:anim>
-                                    <p:anim calcmode="lin" valueType="num">
-                                      <p:cBhvr additive="base">
-                                        <p:cTn id="18" dur="500" fill="hold"/>
-                                        <p:tgtEl>
-                                          <p:spTgt spid="6"/>
-                                        </p:tgtEl>
-                                        <p:attrNameLst>
-                                          <p:attrName>ppt_y</p:attrName>
-                                        </p:attrNameLst>
-                                      </p:cBhvr>
-                                      <p:tavLst>
-                                        <p:tav tm="0">
-                                          <p:val>
-                                            <p:strVal val="1+#ppt_h/2"/>
-                                          </p:val>
-                                        </p:tav>
-                                        <p:tav tm="100000">
-                                          <p:val>
-                                            <p:strVal val="#ppt_y"/>
-                                          </p:val>
-                                        </p:tav>
-                                      </p:tavLst>
-                                    </p:anim>
-                                  </p:childTnLst>
-                                </p:cTn>
-                              </p:par>
-                            </p:childTnLst>
-                          </p:cTn>
-                        </p:par>
-                      </p:childTnLst>
-                    </p:cTn>
-                  </p:par>
-                </p:childTnLst>
-              </p:cTn>
-              <p:prevCondLst>
-                <p:cond evt="onPrev" delay="0">
-                  <p:tgtEl>
-                    <p:sldTgt/>
-                  </p:tgtEl>
-                </p:cond>
-              </p:prevCondLst>
-              <p:nextCondLst>
-                <p:cond evt="onNext" delay="0">
-                  <p:tgtEl>
-                    <p:sldTgt/>
-                  </p:tgtEl>
-                </p:cond>
-              </p:nextCondLst>
-            </p:seq>
-          </p:childTnLst>
-        </p:cTn>
-      </p:par>
-    </p:tnLst>
-    <p:bldLst>
-      <p:bldP spid="4" grpId="0"/>
-      <p:bldP spid="5" grpId="0" animBg="1"/>
-      <p:bldP spid="6" grpId="0"/>
-    </p:bldLst>
-  </p:timing>
-</p:sld>
-</file>
-
-<file path=ppt/slides/slide31.xml><?xml version="1.0" encoding="utf-8"?>
-<p:sld xmlns:a="http://schemas.openxmlformats.org/drawingml/2006/main" xmlns:r="http://schemas.openxmlformats.org/officeDocument/2006/relationships" xmlns:p="http://schemas.openxmlformats.org/presentationml/2006/main">
-  <p:cSld>
-    <p:spTree>
-      <p:nvGrpSpPr>
-        <p:cNvPr id="1" name=""/>
-        <p:cNvGrpSpPr/>
-        <p:nvPr/>
-      </p:nvGrpSpPr>
-      <p:grpSpPr>
-        <a:xfrm>
-          <a:off x="0" y="0"/>
-          <a:ext cx="0" cy="0"/>
-          <a:chOff x="0" y="0"/>
-          <a:chExt cx="0" cy="0"/>
-        </a:xfrm>
-      </p:grpSpPr>
-      <p:sp>
-        <p:nvSpPr>
-          <p:cNvPr id="2" name="标题 1"/>
-          <p:cNvSpPr>
-            <a:spLocks noGrp="1"/>
-          </p:cNvSpPr>
-          <p:nvPr>
-            <p:ph type="title"/>
-          </p:nvPr>
-        </p:nvSpPr>
-        <p:spPr/>
-        <p:txBody>
-          <a:bodyPr/>
-          <a:lstStyle/>
-          <a:p>
-            <a:r>
-              <a:rPr lang="en-US" altLang="zh-CN" dirty="0"/>
               <a:t>How to route to the correct handler</a:t>
             </a:r>
             <a:endParaRPr lang="zh-CN" altLang="en-US" dirty="0"/>
@@ -19767,7 +18991,7 @@
 </p:sld>
 </file>
 
-<file path=ppt/slides/slide32.xml><?xml version="1.0" encoding="utf-8"?>
+<file path=ppt/slides/slide31.xml><?xml version="1.0" encoding="utf-8"?>
 <p:sld xmlns:a="http://schemas.openxmlformats.org/drawingml/2006/main" xmlns:r="http://schemas.openxmlformats.org/officeDocument/2006/relationships" xmlns:p="http://schemas.openxmlformats.org/presentationml/2006/main">
   <p:cSld>
     <p:spTree>
@@ -19897,7 +19121,7 @@
 </p:sld>
 </file>
 
-<file path=ppt/slides/slide33.xml><?xml version="1.0" encoding="utf-8"?>
+<file path=ppt/slides/slide32.xml><?xml version="1.0" encoding="utf-8"?>
 <p:sld xmlns:a="http://schemas.openxmlformats.org/drawingml/2006/main" xmlns:r="http://schemas.openxmlformats.org/officeDocument/2006/relationships" xmlns:p="http://schemas.openxmlformats.org/presentationml/2006/main">
   <p:cSld>
     <p:spTree>
@@ -20001,7 +19225,7 @@
 </p:sld>
 </file>
 
-<file path=ppt/slides/slide34.xml><?xml version="1.0" encoding="utf-8"?>
+<file path=ppt/slides/slide33.xml><?xml version="1.0" encoding="utf-8"?>
 <p:sld xmlns:a="http://schemas.openxmlformats.org/drawingml/2006/main" xmlns:r="http://schemas.openxmlformats.org/officeDocument/2006/relationships" xmlns:p="http://schemas.openxmlformats.org/presentationml/2006/main">
   <p:cSld>
     <p:spTree>
@@ -20171,7 +19395,7 @@
 </p:sld>
 </file>
 
-<file path=ppt/slides/slide35.xml><?xml version="1.0" encoding="utf-8"?>
+<file path=ppt/slides/slide34.xml><?xml version="1.0" encoding="utf-8"?>
 <p:sld xmlns:a="http://schemas.openxmlformats.org/drawingml/2006/main" xmlns:r="http://schemas.openxmlformats.org/officeDocument/2006/relationships" xmlns:p="http://schemas.openxmlformats.org/presentationml/2006/main">
   <p:cSld>
     <p:spTree>
@@ -20538,7 +19762,7 @@
 </p:sld>
 </file>
 
-<file path=ppt/slides/slide36.xml><?xml version="1.0" encoding="utf-8"?>
+<file path=ppt/slides/slide35.xml><?xml version="1.0" encoding="utf-8"?>
 <p:sld xmlns:a="http://schemas.openxmlformats.org/drawingml/2006/main" xmlns:r="http://schemas.openxmlformats.org/officeDocument/2006/relationships" xmlns:p="http://schemas.openxmlformats.org/presentationml/2006/main">
   <p:cSld>
     <p:spTree>
@@ -20671,7 +19895,7 @@
 </p:sld>
 </file>
 
-<file path=ppt/slides/slide37.xml><?xml version="1.0" encoding="utf-8"?>
+<file path=ppt/slides/slide36.xml><?xml version="1.0" encoding="utf-8"?>
 <p:sld xmlns:a="http://schemas.openxmlformats.org/drawingml/2006/main" xmlns:r="http://schemas.openxmlformats.org/officeDocument/2006/relationships" xmlns:p="http://schemas.openxmlformats.org/presentationml/2006/main">
   <p:cSld>
     <p:spTree>
@@ -21720,7 +20944,7 @@
 </p:sld>
 </file>
 
-<file path=ppt/slides/slide38.xml><?xml version="1.0" encoding="utf-8"?>
+<file path=ppt/slides/slide37.xml><?xml version="1.0" encoding="utf-8"?>
 <p:sld xmlns:a="http://schemas.openxmlformats.org/drawingml/2006/main" xmlns:r="http://schemas.openxmlformats.org/officeDocument/2006/relationships" xmlns:p="http://schemas.openxmlformats.org/presentationml/2006/main">
   <p:cSld>
     <p:spTree>
@@ -22149,6 +21373,418 @@
 </p:sld>
 </file>
 
+<file path=ppt/slides/slide38.xml><?xml version="1.0" encoding="utf-8"?>
+<p:sld xmlns:a="http://schemas.openxmlformats.org/drawingml/2006/main" xmlns:r="http://schemas.openxmlformats.org/officeDocument/2006/relationships" xmlns:p="http://schemas.openxmlformats.org/presentationml/2006/main">
+  <p:cSld>
+    <p:spTree>
+      <p:nvGrpSpPr>
+        <p:cNvPr id="1" name=""/>
+        <p:cNvGrpSpPr/>
+        <p:nvPr/>
+      </p:nvGrpSpPr>
+      <p:grpSpPr>
+        <a:xfrm>
+          <a:off x="0" y="0"/>
+          <a:ext cx="0" cy="0"/>
+          <a:chOff x="0" y="0"/>
+          <a:chExt cx="0" cy="0"/>
+        </a:xfrm>
+      </p:grpSpPr>
+      <p:sp>
+        <p:nvSpPr>
+          <p:cNvPr id="2" name="标题 1"/>
+          <p:cNvSpPr>
+            <a:spLocks noGrp="1"/>
+          </p:cNvSpPr>
+          <p:nvPr>
+            <p:ph type="title"/>
+          </p:nvPr>
+        </p:nvSpPr>
+        <p:spPr/>
+        <p:txBody>
+          <a:bodyPr/>
+          <a:lstStyle/>
+          <a:p>
+            <a:r>
+              <a:rPr lang="en-US" altLang="zh-CN" dirty="0"/>
+              <a:t>How to simplify the </a:t>
+            </a:r>
+            <a:r>
+              <a:rPr altLang="zh-CN" dirty="0" smtClean="0"/>
+              <a:t>RPC call</a:t>
+            </a:r>
+            <a:endParaRPr lang="zh-CN" altLang="en-US" dirty="0"/>
+          </a:p>
+        </p:txBody>
+      </p:sp>
+      <p:sp>
+        <p:nvSpPr>
+          <p:cNvPr id="3" name="文本占位符 2"/>
+          <p:cNvSpPr>
+            <a:spLocks noGrp="1"/>
+          </p:cNvSpPr>
+          <p:nvPr>
+            <p:ph type="body" sz="half" idx="2"/>
+          </p:nvPr>
+        </p:nvSpPr>
+        <p:spPr/>
+        <p:txBody>
+          <a:bodyPr/>
+          <a:lstStyle/>
+          <a:p>
+            <a:r>
+              <a:rPr lang="en-US" altLang="zh-CN" dirty="0"/>
+              <a:t>template &lt;</a:t>
+            </a:r>
+            <a:r>
+              <a:rPr lang="en-US" altLang="zh-CN" dirty="0" err="1"/>
+              <a:t>typename</a:t>
+            </a:r>
+            <a:r>
+              <a:rPr lang="en-US" altLang="zh-CN" dirty="0"/>
+              <a:t> F, </a:t>
+            </a:r>
+            <a:r>
+              <a:rPr lang="en-US" altLang="zh-CN" dirty="0" err="1"/>
+              <a:t>typename</a:t>
+            </a:r>
+            <a:r>
+              <a:rPr lang="en-US" altLang="zh-CN" dirty="0"/>
+              <a:t> Arg0, </a:t>
+            </a:r>
+            <a:r>
+              <a:rPr lang="en-US" altLang="zh-CN" dirty="0" err="1"/>
+              <a:t>typename</a:t>
+            </a:r>
+            <a:r>
+              <a:rPr lang="en-US" altLang="zh-CN" dirty="0"/>
+              <a:t> ... </a:t>
+            </a:r>
+            <a:r>
+              <a:rPr lang="en-US" altLang="zh-CN" dirty="0" err="1"/>
+              <a:t>Args</a:t>
+            </a:r>
+            <a:r>
+              <a:rPr lang="en-US" altLang="zh-CN" dirty="0"/>
+              <a:t>&gt;</a:t>
+            </a:r>
+          </a:p>
+          <a:p>
+            <a:r>
+              <a:rPr lang="en-US" altLang="zh-CN" dirty="0"/>
+              <a:t>auto </a:t>
+            </a:r>
+            <a:r>
+              <a:rPr lang="en-US" altLang="zh-CN" dirty="0" err="1" smtClean="0"/>
+              <a:t>bind_impl</a:t>
+            </a:r>
+            <a:r>
+              <a:rPr lang="en-US" altLang="zh-CN" dirty="0" smtClean="0"/>
+              <a:t>(F</a:t>
+            </a:r>
+            <a:r>
+              <a:rPr lang="en-US" altLang="zh-CN" dirty="0"/>
+              <a:t>&amp;&amp; f, Arg0&amp;&amp; arg0, </a:t>
+            </a:r>
+            <a:r>
+              <a:rPr lang="en-US" altLang="zh-CN" dirty="0" err="1"/>
+              <a:t>Args</a:t>
+            </a:r>
+            <a:r>
+              <a:rPr lang="en-US" altLang="zh-CN" dirty="0"/>
+              <a:t>&amp;&amp; ... </a:t>
+            </a:r>
+            <a:r>
+              <a:rPr lang="en-US" altLang="zh-CN" dirty="0" err="1"/>
+              <a:t>args</a:t>
+            </a:r>
+            <a:r>
+              <a:rPr lang="en-US" altLang="zh-CN" dirty="0"/>
+              <a:t>)</a:t>
+            </a:r>
+          </a:p>
+          <a:p>
+            <a:r>
+              <a:rPr lang="en-US" altLang="zh-CN" dirty="0"/>
+              <a:t>-&gt; </a:t>
+            </a:r>
+            <a:r>
+              <a:rPr lang="en-US" altLang="zh-CN" dirty="0" err="1"/>
+              <a:t>typename</a:t>
+            </a:r>
+            <a:r>
+              <a:rPr lang="en-US" altLang="zh-CN" dirty="0"/>
+              <a:t> </a:t>
+            </a:r>
+            <a:r>
+              <a:rPr lang="en-US" altLang="zh-CN" dirty="0" err="1"/>
+              <a:t>bind_to_function</a:t>
+            </a:r>
+            <a:r>
+              <a:rPr lang="en-US" altLang="zh-CN" dirty="0"/>
+              <a:t>&lt;F, Arg0, </a:t>
+            </a:r>
+            <a:r>
+              <a:rPr lang="en-US" altLang="zh-CN" dirty="0" err="1"/>
+              <a:t>Args</a:t>
+            </a:r>
+            <a:r>
+              <a:rPr lang="en-US" altLang="zh-CN" dirty="0"/>
+              <a:t>...&gt;::type</a:t>
+            </a:r>
+          </a:p>
+          <a:p>
+            <a:r>
+              <a:rPr lang="en-US" altLang="zh-CN" dirty="0"/>
+              <a:t>{</a:t>
+            </a:r>
+          </a:p>
+          <a:p>
+            <a:r>
+              <a:rPr lang="en-US" altLang="zh-CN" dirty="0" smtClean="0"/>
+              <a:t>    return </a:t>
+            </a:r>
+            <a:r>
+              <a:rPr lang="en-US" altLang="zh-CN" dirty="0" err="1"/>
+              <a:t>std</a:t>
+            </a:r>
+            <a:r>
+              <a:rPr lang="en-US" altLang="zh-CN" dirty="0"/>
+              <a:t>::bind(</a:t>
+            </a:r>
+            <a:r>
+              <a:rPr lang="en-US" altLang="zh-CN" dirty="0" err="1"/>
+              <a:t>std</a:t>
+            </a:r>
+            <a:r>
+              <a:rPr lang="en-US" altLang="zh-CN" dirty="0"/>
+              <a:t>::forward&lt;F&gt;(f), </a:t>
+            </a:r>
+            <a:r>
+              <a:rPr lang="en-US" altLang="zh-CN" dirty="0" err="1"/>
+              <a:t>std</a:t>
+            </a:r>
+            <a:r>
+              <a:rPr lang="en-US" altLang="zh-CN" dirty="0"/>
+              <a:t>::forward&lt;Arg0&gt;(arg0), </a:t>
+            </a:r>
+            <a:r>
+              <a:rPr lang="en-US" altLang="zh-CN" dirty="0" smtClean="0"/>
+              <a:t>      </a:t>
+            </a:r>
+            <a:r>
+              <a:rPr lang="en-US" altLang="zh-CN" dirty="0" err="1" smtClean="0"/>
+              <a:t>std</a:t>
+            </a:r>
+            <a:r>
+              <a:rPr lang="en-US" altLang="zh-CN" dirty="0"/>
+              <a:t>::forward&lt;</a:t>
+            </a:r>
+            <a:r>
+              <a:rPr lang="en-US" altLang="zh-CN" dirty="0" err="1"/>
+              <a:t>Args</a:t>
+            </a:r>
+            <a:r>
+              <a:rPr lang="en-US" altLang="zh-CN" dirty="0"/>
+              <a:t>&gt;(</a:t>
+            </a:r>
+            <a:r>
+              <a:rPr lang="en-US" altLang="zh-CN" dirty="0" err="1"/>
+              <a:t>args</a:t>
+            </a:r>
+            <a:r>
+              <a:rPr lang="en-US" altLang="zh-CN" dirty="0"/>
+              <a:t>)...);</a:t>
+            </a:r>
+          </a:p>
+          <a:p>
+            <a:r>
+              <a:rPr lang="en-US" altLang="zh-CN" dirty="0"/>
+              <a:t>}</a:t>
+            </a:r>
+          </a:p>
+          <a:p>
+            <a:endParaRPr lang="zh-CN" altLang="en-US" dirty="0"/>
+          </a:p>
+          <a:p>
+            <a:r>
+              <a:rPr lang="en-US" altLang="zh-CN" dirty="0"/>
+              <a:t>template &lt;</a:t>
+            </a:r>
+            <a:r>
+              <a:rPr lang="en-US" altLang="zh-CN" dirty="0" err="1"/>
+              <a:t>typename</a:t>
+            </a:r>
+            <a:r>
+              <a:rPr lang="en-US" altLang="zh-CN" dirty="0"/>
+              <a:t> F&gt;</a:t>
+            </a:r>
+          </a:p>
+          <a:p>
+            <a:r>
+              <a:rPr lang="en-US" altLang="zh-CN" dirty="0"/>
+              <a:t>auto </a:t>
+            </a:r>
+            <a:r>
+              <a:rPr lang="en-US" altLang="zh-CN" dirty="0" err="1" smtClean="0"/>
+              <a:t>bind_impl</a:t>
+            </a:r>
+            <a:r>
+              <a:rPr lang="en-US" altLang="zh-CN" dirty="0" smtClean="0"/>
+              <a:t>(F</a:t>
+            </a:r>
+            <a:r>
+              <a:rPr lang="en-US" altLang="zh-CN" dirty="0"/>
+              <a:t>&amp;&amp; f</a:t>
+            </a:r>
+            <a:r>
+              <a:rPr lang="en-US" altLang="zh-CN" dirty="0" smtClean="0"/>
+              <a:t>) -&gt; </a:t>
+            </a:r>
+            <a:r>
+              <a:rPr lang="en-US" altLang="zh-CN" dirty="0" err="1"/>
+              <a:t>typename</a:t>
+            </a:r>
+            <a:r>
+              <a:rPr lang="en-US" altLang="zh-CN" dirty="0"/>
+              <a:t> </a:t>
+            </a:r>
+            <a:r>
+              <a:rPr lang="en-US" altLang="zh-CN" dirty="0" err="1"/>
+              <a:t>function_traits</a:t>
+            </a:r>
+            <a:r>
+              <a:rPr lang="en-US" altLang="zh-CN" dirty="0"/>
+              <a:t>&lt;F&gt;::</a:t>
+            </a:r>
+            <a:r>
+              <a:rPr lang="en-US" altLang="zh-CN" dirty="0" err="1"/>
+              <a:t>stl_function_type</a:t>
+            </a:r>
+            <a:endParaRPr lang="en-US" altLang="zh-CN" dirty="0"/>
+          </a:p>
+          <a:p>
+            <a:r>
+              <a:rPr lang="en-US" altLang="zh-CN" dirty="0"/>
+              <a:t>{</a:t>
+            </a:r>
+          </a:p>
+          <a:p>
+            <a:r>
+              <a:rPr lang="en-US" altLang="zh-CN" dirty="0" smtClean="0"/>
+              <a:t>    return </a:t>
+            </a:r>
+            <a:r>
+              <a:rPr lang="en-US" altLang="zh-CN" b="1" dirty="0"/>
+              <a:t>[</a:t>
+            </a:r>
+            <a:r>
+              <a:rPr lang="en-US" altLang="zh-CN" b="1" dirty="0" err="1"/>
+              <a:t>func</a:t>
+            </a:r>
+            <a:r>
+              <a:rPr lang="en-US" altLang="zh-CN" b="1" dirty="0"/>
+              <a:t> = </a:t>
+            </a:r>
+            <a:r>
+              <a:rPr lang="en-US" altLang="zh-CN" b="1" dirty="0" err="1"/>
+              <a:t>std</a:t>
+            </a:r>
+            <a:r>
+              <a:rPr lang="en-US" altLang="zh-CN" b="1" dirty="0"/>
+              <a:t>::forward&lt;F&gt;(f)](auto&amp;&amp; ... </a:t>
+            </a:r>
+            <a:r>
+              <a:rPr lang="en-US" altLang="zh-CN" b="1" dirty="0" err="1"/>
+              <a:t>args</a:t>
+            </a:r>
+            <a:r>
+              <a:rPr lang="en-US" altLang="zh-CN" b="1" dirty="0" smtClean="0"/>
+              <a:t>)</a:t>
+            </a:r>
+            <a:r>
+              <a:rPr lang="en-US" altLang="zh-CN" dirty="0" smtClean="0"/>
+              <a:t>{ </a:t>
+            </a:r>
+          </a:p>
+          <a:p>
+            <a:r>
+              <a:rPr lang="en-US" altLang="zh-CN" dirty="0" smtClean="0"/>
+              <a:t>        return </a:t>
+            </a:r>
+            <a:r>
+              <a:rPr lang="en-US" altLang="zh-CN" dirty="0" err="1"/>
+              <a:t>func</a:t>
+            </a:r>
+            <a:r>
+              <a:rPr lang="en-US" altLang="zh-CN" dirty="0"/>
+              <a:t>(</a:t>
+            </a:r>
+            <a:r>
+              <a:rPr lang="en-US" altLang="zh-CN" dirty="0" err="1"/>
+              <a:t>std</a:t>
+            </a:r>
+            <a:r>
+              <a:rPr lang="en-US" altLang="zh-CN" dirty="0"/>
+              <a:t>::forward&lt;</a:t>
+            </a:r>
+            <a:r>
+              <a:rPr lang="en-US" altLang="zh-CN" dirty="0" err="1"/>
+              <a:t>decltype</a:t>
+            </a:r>
+            <a:r>
+              <a:rPr lang="en-US" altLang="zh-CN" dirty="0"/>
+              <a:t>(</a:t>
+            </a:r>
+            <a:r>
+              <a:rPr lang="en-US" altLang="zh-CN" dirty="0" err="1"/>
+              <a:t>args</a:t>
+            </a:r>
+            <a:r>
+              <a:rPr lang="en-US" altLang="zh-CN" dirty="0"/>
+              <a:t>)&gt;(</a:t>
+            </a:r>
+            <a:r>
+              <a:rPr lang="en-US" altLang="zh-CN" dirty="0" err="1"/>
+              <a:t>args</a:t>
+            </a:r>
+            <a:r>
+              <a:rPr lang="en-US" altLang="zh-CN" dirty="0"/>
+              <a:t>)...); </a:t>
+            </a:r>
+            <a:endParaRPr lang="en-US" altLang="zh-CN" dirty="0" smtClean="0"/>
+          </a:p>
+          <a:p>
+            <a:r>
+              <a:rPr lang="en-US" altLang="zh-CN" dirty="0" smtClean="0"/>
+              <a:t>    };</a:t>
+            </a:r>
+            <a:endParaRPr lang="en-US" altLang="zh-CN" dirty="0"/>
+          </a:p>
+          <a:p>
+            <a:r>
+              <a:rPr lang="en-US" altLang="zh-CN" dirty="0"/>
+              <a:t>}</a:t>
+            </a:r>
+            <a:endParaRPr lang="zh-CN" altLang="en-US" dirty="0"/>
+          </a:p>
+        </p:txBody>
+      </p:sp>
+    </p:spTree>
+  </p:cSld>
+  <p:clrMapOvr>
+    <a:masterClrMapping/>
+  </p:clrMapOvr>
+  <p:timing>
+    <p:tnLst>
+      <p:par>
+        <p:cTn id="1" dur="indefinite" restart="never" nodeType="tmRoot"/>
+      </p:par>
+    </p:tnLst>
+  </p:timing>
+</p:sld>
+</file>
+
 <file path=ppt/slides/slide39.xml><?xml version="1.0" encoding="utf-8"?>
 <p:sld xmlns:a="http://schemas.openxmlformats.org/drawingml/2006/main" xmlns:r="http://schemas.openxmlformats.org/officeDocument/2006/relationships" xmlns:p="http://schemas.openxmlformats.org/presentationml/2006/main">
   <p:cSld>
@@ -22181,15 +21817,7 @@
           <a:bodyPr/>
           <a:lstStyle/>
           <a:p>
-            <a:r>
-              <a:rPr lang="en-US" altLang="zh-CN" dirty="0"/>
-              <a:t>How to simplify the </a:t>
-            </a:r>
-            <a:r>
-              <a:rPr altLang="zh-CN" dirty="0" smtClean="0"/>
-              <a:t>RPC call</a:t>
-            </a:r>
-            <a:endParaRPr lang="zh-CN" altLang="en-US" dirty="0"/>
+            <a:endParaRPr lang="zh-CN" altLang="en-US"/>
           </a:p>
         </p:txBody>
       </p:sp>
@@ -22208,341 +21836,68 @@
           <a:bodyPr/>
           <a:lstStyle/>
           <a:p>
-            <a:r>
-              <a:rPr lang="en-US" altLang="zh-CN" dirty="0"/>
-              <a:t>template &lt;</a:t>
-            </a:r>
-            <a:r>
-              <a:rPr lang="en-US" altLang="zh-CN" dirty="0" err="1"/>
-              <a:t>typename</a:t>
-            </a:r>
-            <a:r>
-              <a:rPr lang="en-US" altLang="zh-CN" dirty="0"/>
-              <a:t> F, </a:t>
-            </a:r>
-            <a:r>
-              <a:rPr lang="en-US" altLang="zh-CN" dirty="0" err="1"/>
-              <a:t>typename</a:t>
-            </a:r>
-            <a:r>
-              <a:rPr lang="en-US" altLang="zh-CN" dirty="0"/>
-              <a:t> Arg0, </a:t>
-            </a:r>
-            <a:r>
-              <a:rPr lang="en-US" altLang="zh-CN" dirty="0" err="1"/>
-              <a:t>typename</a:t>
-            </a:r>
-            <a:r>
-              <a:rPr lang="en-US" altLang="zh-CN" dirty="0"/>
-              <a:t> ... </a:t>
-            </a:r>
-            <a:r>
-              <a:rPr lang="en-US" altLang="zh-CN" dirty="0" err="1"/>
-              <a:t>Args</a:t>
-            </a:r>
-            <a:r>
-              <a:rPr lang="en-US" altLang="zh-CN" dirty="0"/>
-              <a:t>&gt;</a:t>
-            </a:r>
-          </a:p>
-          <a:p>
-            <a:r>
-              <a:rPr lang="en-US" altLang="zh-CN" dirty="0"/>
-              <a:t>auto </a:t>
-            </a:r>
-            <a:r>
-              <a:rPr lang="en-US" altLang="zh-CN" dirty="0" err="1" smtClean="0"/>
-              <a:t>bind_impl</a:t>
-            </a:r>
-            <a:r>
-              <a:rPr lang="en-US" altLang="zh-CN" dirty="0" smtClean="0"/>
-              <a:t>(F</a:t>
-            </a:r>
-            <a:r>
-              <a:rPr lang="en-US" altLang="zh-CN" dirty="0"/>
-              <a:t>&amp;&amp; f, Arg0&amp;&amp; arg0, </a:t>
-            </a:r>
-            <a:r>
-              <a:rPr lang="en-US" altLang="zh-CN" dirty="0" err="1"/>
-              <a:t>Args</a:t>
-            </a:r>
-            <a:r>
-              <a:rPr lang="en-US" altLang="zh-CN" dirty="0"/>
-              <a:t>&amp;&amp; ... </a:t>
-            </a:r>
-            <a:r>
-              <a:rPr lang="en-US" altLang="zh-CN" dirty="0" err="1"/>
-              <a:t>args</a:t>
-            </a:r>
-            <a:r>
-              <a:rPr lang="en-US" altLang="zh-CN" dirty="0"/>
-              <a:t>)</a:t>
-            </a:r>
-          </a:p>
-          <a:p>
-            <a:r>
-              <a:rPr lang="en-US" altLang="zh-CN" dirty="0"/>
-              <a:t>-&gt; </a:t>
-            </a:r>
-            <a:r>
-              <a:rPr lang="en-US" altLang="zh-CN" dirty="0" err="1"/>
-              <a:t>typename</a:t>
-            </a:r>
-            <a:r>
-              <a:rPr lang="en-US" altLang="zh-CN" dirty="0"/>
-              <a:t> </a:t>
-            </a:r>
-            <a:r>
-              <a:rPr lang="en-US" altLang="zh-CN" dirty="0" err="1"/>
-              <a:t>bind_to_function</a:t>
-            </a:r>
-            <a:r>
-              <a:rPr lang="en-US" altLang="zh-CN" dirty="0"/>
-              <a:t>&lt;F, Arg0, </a:t>
-            </a:r>
-            <a:r>
-              <a:rPr lang="en-US" altLang="zh-CN" dirty="0" err="1"/>
-              <a:t>Args</a:t>
-            </a:r>
-            <a:r>
-              <a:rPr lang="en-US" altLang="zh-CN" dirty="0"/>
-              <a:t>...&gt;::type</a:t>
-            </a:r>
-          </a:p>
-          <a:p>
-            <a:r>
-              <a:rPr lang="en-US" altLang="zh-CN" dirty="0"/>
-              <a:t>{</a:t>
-            </a:r>
-          </a:p>
-          <a:p>
-            <a:r>
-              <a:rPr lang="en-US" altLang="zh-CN" dirty="0" smtClean="0"/>
-              <a:t>    return </a:t>
-            </a:r>
-            <a:r>
-              <a:rPr lang="en-US" altLang="zh-CN" dirty="0" err="1"/>
-              <a:t>std</a:t>
-            </a:r>
-            <a:r>
-              <a:rPr lang="en-US" altLang="zh-CN" dirty="0"/>
-              <a:t>::bind(</a:t>
-            </a:r>
-            <a:r>
-              <a:rPr lang="en-US" altLang="zh-CN" dirty="0" err="1"/>
-              <a:t>std</a:t>
-            </a:r>
-            <a:r>
-              <a:rPr lang="en-US" altLang="zh-CN" dirty="0"/>
-              <a:t>::forward&lt;F&gt;(f), </a:t>
-            </a:r>
-            <a:r>
-              <a:rPr lang="en-US" altLang="zh-CN" dirty="0" err="1"/>
-              <a:t>std</a:t>
-            </a:r>
-            <a:r>
-              <a:rPr lang="en-US" altLang="zh-CN" dirty="0"/>
-              <a:t>::forward&lt;Arg0&gt;(arg0), </a:t>
-            </a:r>
-            <a:r>
-              <a:rPr lang="en-US" altLang="zh-CN" dirty="0" smtClean="0"/>
-              <a:t>      </a:t>
-            </a:r>
-            <a:r>
-              <a:rPr lang="en-US" altLang="zh-CN" dirty="0" err="1" smtClean="0"/>
-              <a:t>std</a:t>
-            </a:r>
-            <a:r>
-              <a:rPr lang="en-US" altLang="zh-CN" dirty="0"/>
-              <a:t>::forward&lt;</a:t>
-            </a:r>
-            <a:r>
-              <a:rPr lang="en-US" altLang="zh-CN" dirty="0" err="1"/>
-              <a:t>Args</a:t>
-            </a:r>
-            <a:r>
-              <a:rPr lang="en-US" altLang="zh-CN" dirty="0"/>
-              <a:t>&gt;(</a:t>
-            </a:r>
-            <a:r>
-              <a:rPr lang="en-US" altLang="zh-CN" dirty="0" err="1"/>
-              <a:t>args</a:t>
-            </a:r>
-            <a:r>
-              <a:rPr lang="en-US" altLang="zh-CN" dirty="0"/>
-              <a:t>)...);</a:t>
-            </a:r>
-          </a:p>
-          <a:p>
-            <a:r>
-              <a:rPr lang="en-US" altLang="zh-CN" dirty="0"/>
-              <a:t>}</a:t>
-            </a:r>
-          </a:p>
-          <a:p>
-            <a:endParaRPr lang="zh-CN" altLang="en-US" dirty="0"/>
-          </a:p>
-          <a:p>
-            <a:r>
-              <a:rPr lang="en-US" altLang="zh-CN" dirty="0"/>
-              <a:t>template &lt;</a:t>
-            </a:r>
-            <a:r>
-              <a:rPr lang="en-US" altLang="zh-CN" dirty="0" err="1"/>
-              <a:t>typename</a:t>
-            </a:r>
-            <a:r>
-              <a:rPr lang="en-US" altLang="zh-CN" dirty="0"/>
-              <a:t> F&gt;</a:t>
-            </a:r>
-          </a:p>
-          <a:p>
-            <a:r>
-              <a:rPr lang="en-US" altLang="zh-CN" dirty="0"/>
-              <a:t>auto </a:t>
-            </a:r>
-            <a:r>
-              <a:rPr lang="en-US" altLang="zh-CN" dirty="0" err="1" smtClean="0"/>
-              <a:t>bind_impl</a:t>
-            </a:r>
-            <a:r>
-              <a:rPr lang="en-US" altLang="zh-CN" dirty="0" smtClean="0"/>
-              <a:t>(F</a:t>
-            </a:r>
-            <a:r>
-              <a:rPr lang="en-US" altLang="zh-CN" dirty="0"/>
-              <a:t>&amp;&amp; f</a:t>
-            </a:r>
-            <a:r>
-              <a:rPr lang="en-US" altLang="zh-CN" dirty="0" smtClean="0"/>
-              <a:t>) -&gt; </a:t>
-            </a:r>
-            <a:r>
-              <a:rPr lang="en-US" altLang="zh-CN" dirty="0" err="1"/>
-              <a:t>typename</a:t>
-            </a:r>
-            <a:r>
-              <a:rPr lang="en-US" altLang="zh-CN" dirty="0"/>
-              <a:t> </a:t>
-            </a:r>
-            <a:r>
-              <a:rPr lang="en-US" altLang="zh-CN" dirty="0" err="1"/>
-              <a:t>function_traits</a:t>
-            </a:r>
-            <a:r>
-              <a:rPr lang="en-US" altLang="zh-CN" dirty="0"/>
-              <a:t>&lt;F&gt;::</a:t>
-            </a:r>
-            <a:r>
-              <a:rPr lang="en-US" altLang="zh-CN" dirty="0" err="1"/>
-              <a:t>stl_function_type</a:t>
-            </a:r>
-            <a:endParaRPr lang="en-US" altLang="zh-CN" dirty="0"/>
-          </a:p>
-          <a:p>
-            <a:r>
-              <a:rPr lang="en-US" altLang="zh-CN" dirty="0"/>
-              <a:t>{</a:t>
-            </a:r>
-          </a:p>
-          <a:p>
-            <a:r>
-              <a:rPr lang="en-US" altLang="zh-CN" dirty="0" smtClean="0"/>
-              <a:t>    return </a:t>
-            </a:r>
-            <a:r>
-              <a:rPr lang="en-US" altLang="zh-CN" b="1" dirty="0"/>
-              <a:t>[</a:t>
-            </a:r>
-            <a:r>
-              <a:rPr lang="en-US" altLang="zh-CN" b="1" dirty="0" err="1"/>
-              <a:t>func</a:t>
-            </a:r>
-            <a:r>
-              <a:rPr lang="en-US" altLang="zh-CN" b="1" dirty="0"/>
-              <a:t> = </a:t>
-            </a:r>
-            <a:r>
-              <a:rPr lang="en-US" altLang="zh-CN" b="1" dirty="0" err="1"/>
-              <a:t>std</a:t>
-            </a:r>
-            <a:r>
-              <a:rPr lang="en-US" altLang="zh-CN" b="1" dirty="0"/>
-              <a:t>::forward&lt;F&gt;(f)](auto&amp;&amp; ... </a:t>
-            </a:r>
-            <a:r>
-              <a:rPr lang="en-US" altLang="zh-CN" b="1" dirty="0" err="1"/>
-              <a:t>args</a:t>
-            </a:r>
-            <a:r>
-              <a:rPr lang="en-US" altLang="zh-CN" b="1" dirty="0" smtClean="0"/>
-              <a:t>)</a:t>
-            </a:r>
-            <a:r>
-              <a:rPr lang="en-US" altLang="zh-CN" dirty="0" smtClean="0"/>
-              <a:t>{ </a:t>
-            </a:r>
-          </a:p>
-          <a:p>
-            <a:r>
-              <a:rPr lang="en-US" altLang="zh-CN" dirty="0" smtClean="0"/>
-              <a:t>        return </a:t>
-            </a:r>
-            <a:r>
-              <a:rPr lang="en-US" altLang="zh-CN" dirty="0" err="1"/>
-              <a:t>func</a:t>
-            </a:r>
-            <a:r>
-              <a:rPr lang="en-US" altLang="zh-CN" dirty="0"/>
-              <a:t>(</a:t>
-            </a:r>
-            <a:r>
-              <a:rPr lang="en-US" altLang="zh-CN" dirty="0" err="1"/>
-              <a:t>std</a:t>
-            </a:r>
-            <a:r>
-              <a:rPr lang="en-US" altLang="zh-CN" dirty="0"/>
-              <a:t>::forward&lt;</a:t>
-            </a:r>
-            <a:r>
-              <a:rPr lang="en-US" altLang="zh-CN" dirty="0" err="1"/>
-              <a:t>decltype</a:t>
-            </a:r>
-            <a:r>
-              <a:rPr lang="en-US" altLang="zh-CN" dirty="0"/>
-              <a:t>(</a:t>
-            </a:r>
-            <a:r>
-              <a:rPr lang="en-US" altLang="zh-CN" dirty="0" err="1"/>
-              <a:t>args</a:t>
-            </a:r>
-            <a:r>
-              <a:rPr lang="en-US" altLang="zh-CN" dirty="0"/>
-              <a:t>)&gt;(</a:t>
-            </a:r>
-            <a:r>
-              <a:rPr lang="en-US" altLang="zh-CN" dirty="0" err="1"/>
-              <a:t>args</a:t>
-            </a:r>
-            <a:r>
-              <a:rPr lang="en-US" altLang="zh-CN" dirty="0"/>
-              <a:t>)...); </a:t>
-            </a:r>
-            <a:endParaRPr lang="en-US" altLang="zh-CN" dirty="0" smtClean="0"/>
-          </a:p>
-          <a:p>
-            <a:r>
-              <a:rPr lang="en-US" altLang="zh-CN" dirty="0" smtClean="0"/>
-              <a:t>    };</a:t>
-            </a:r>
-            <a:endParaRPr lang="en-US" altLang="zh-CN" dirty="0"/>
-          </a:p>
-          <a:p>
-            <a:r>
-              <a:rPr lang="en-US" altLang="zh-CN" dirty="0"/>
-              <a:t>}</a:t>
-            </a:r>
-            <a:endParaRPr lang="zh-CN" altLang="en-US" dirty="0"/>
+            <a:endParaRPr lang="zh-CN" altLang="en-US"/>
+          </a:p>
+        </p:txBody>
+      </p:sp>
+      <p:sp>
+        <p:nvSpPr>
+          <p:cNvPr id="4" name="文本框 3"/>
+          <p:cNvSpPr txBox="1"/>
+          <p:nvPr/>
+        </p:nvSpPr>
+        <p:spPr>
+          <a:xfrm>
+            <a:off x="2183130" y="2627630"/>
+            <a:ext cx="4675505" cy="521970"/>
+          </a:xfrm>
+          <a:prstGeom prst="rect">
+            <a:avLst/>
+          </a:prstGeom>
+          <a:noFill/>
+        </p:spPr>
+        <p:txBody>
+          <a:bodyPr wrap="none" rtlCol="0" anchor="t">
+            <a:spAutoFit/>
+          </a:bodyPr>
+          <a:lstStyle/>
+          <a:p>
+            <a:r>
+              <a:rPr lang="en-US" altLang="zh-CN" sz="2800" dirty="0">
+                <a:solidFill>
+                  <a:schemeClr val="accent5"/>
+                </a:solidFill>
+                <a:sym typeface="+mn-ea"/>
+              </a:rPr>
+              <a:t>What </a:t>
+            </a:r>
+            <a:r>
+              <a:rPr lang="en-US" altLang="zh-CN" sz="2800" dirty="0" smtClean="0">
+                <a:solidFill>
+                  <a:schemeClr val="accent5"/>
+                </a:solidFill>
+                <a:sym typeface="+mn-ea"/>
+              </a:rPr>
+              <a:t>can we do </a:t>
+            </a:r>
+            <a:r>
+              <a:rPr lang="en-US" altLang="zh-CN" sz="2800" dirty="0">
+                <a:solidFill>
+                  <a:schemeClr val="accent5"/>
+                </a:solidFill>
+                <a:sym typeface="+mn-ea"/>
+              </a:rPr>
+              <a:t>with </a:t>
+            </a:r>
+            <a:r>
+              <a:rPr lang="en-US" altLang="zh-CN" sz="2800" dirty="0" smtClean="0">
+                <a:solidFill>
+                  <a:schemeClr val="accent5"/>
+                </a:solidFill>
+                <a:sym typeface="+mn-ea"/>
+              </a:rPr>
+              <a:t>rest_rpc?</a:t>
+            </a:r>
           </a:p>
         </p:txBody>
       </p:sp>
@@ -22683,7 +22038,7 @@
       </p:grpSpPr>
       <p:sp>
         <p:nvSpPr>
-          <p:cNvPr id="2" name="标题 1"/>
+          <p:cNvPr id="2" name="Title 1"/>
           <p:cNvSpPr>
             <a:spLocks noGrp="1"/>
           </p:cNvSpPr>
@@ -22691,18 +22046,37 @@
             <p:ph type="title"/>
           </p:nvPr>
         </p:nvSpPr>
-        <p:spPr/>
+        <p:spPr>
+          <a:xfrm>
+            <a:off x="501794" y="260039"/>
+            <a:ext cx="6718156" cy="476885"/>
+          </a:xfrm>
+        </p:spPr>
         <p:txBody>
           <a:bodyPr/>
           <a:lstStyle/>
           <a:p>
-            <a:endParaRPr lang="zh-CN" altLang="en-US"/>
-          </a:p>
-        </p:txBody>
-      </p:sp>
-      <p:sp>
-        <p:nvSpPr>
-          <p:cNvPr id="3" name="文本占位符 2"/>
+            <a:r>
+              <a:rPr altLang="zh-CN" smtClean="0">
+                <a:sym typeface="+mn-ea"/>
+              </a:rPr>
+              <a:t>what can </a:t>
+            </a:r>
+            <a:r>
+              <a:rPr lang="en-US" altLang="zh-CN" dirty="0" err="1" smtClean="0"/>
+              <a:t>rest_rpc</a:t>
+            </a:r>
+            <a:r>
+              <a:rPr lang="en-US" altLang="zh-CN" dirty="0" smtClean="0"/>
+              <a:t> be used to do </a:t>
+            </a:r>
+            <a:endParaRPr lang="zh-CN" altLang="en-US" dirty="0"/>
+          </a:p>
+        </p:txBody>
+      </p:sp>
+      <p:sp>
+        <p:nvSpPr>
+          <p:cNvPr id="3" name="Text Placeholder 2"/>
           <p:cNvSpPr>
             <a:spLocks noGrp="1"/>
           </p:cNvSpPr>
@@ -22715,68 +22089,80 @@
           <a:bodyPr/>
           <a:lstStyle/>
           <a:p>
-            <a:endParaRPr lang="zh-CN" altLang="en-US"/>
-          </a:p>
-        </p:txBody>
-      </p:sp>
-      <p:sp>
-        <p:nvSpPr>
-          <p:cNvPr id="4" name="文本框 3"/>
-          <p:cNvSpPr txBox="1"/>
-          <p:nvPr/>
-        </p:nvSpPr>
-        <p:spPr>
-          <a:xfrm>
-            <a:off x="2183130" y="2627630"/>
-            <a:ext cx="4675505" cy="521970"/>
-          </a:xfrm>
-          <a:prstGeom prst="rect">
-            <a:avLst/>
-          </a:prstGeom>
-          <a:noFill/>
-        </p:spPr>
-        <p:txBody>
-          <a:bodyPr wrap="none" rtlCol="0" anchor="t">
-            <a:spAutoFit/>
-          </a:bodyPr>
-          <a:lstStyle/>
-          <a:p>
-            <a:r>
-              <a:rPr lang="en-US" altLang="zh-CN" sz="2800" dirty="0">
-                <a:solidFill>
-                  <a:schemeClr val="accent5"/>
-                </a:solidFill>
-                <a:sym typeface="+mn-ea"/>
-              </a:rPr>
-              <a:t>What </a:t>
-            </a:r>
-            <a:r>
-              <a:rPr lang="en-US" altLang="zh-CN" sz="2800" dirty="0" smtClean="0">
-                <a:solidFill>
-                  <a:schemeClr val="accent5"/>
-                </a:solidFill>
-                <a:sym typeface="+mn-ea"/>
-              </a:rPr>
-              <a:t>can we do </a:t>
-            </a:r>
-            <a:r>
-              <a:rPr lang="en-US" altLang="zh-CN" sz="2800" dirty="0">
-                <a:solidFill>
-                  <a:schemeClr val="accent5"/>
-                </a:solidFill>
-                <a:sym typeface="+mn-ea"/>
-              </a:rPr>
-              <a:t>with </a:t>
-            </a:r>
-            <a:r>
-              <a:rPr lang="en-US" altLang="zh-CN" sz="2800" dirty="0" smtClean="0">
-                <a:solidFill>
-                  <a:schemeClr val="accent5"/>
-                </a:solidFill>
-                <a:sym typeface="+mn-ea"/>
-              </a:rPr>
-              <a:t>rest_rpc?</a:t>
-            </a:r>
+            <a:r>
+              <a:rPr lang="en-US" altLang="zh-CN" b="1" dirty="0" err="1"/>
+              <a:t>Interprocess</a:t>
+            </a:r>
+            <a:r>
+              <a:rPr lang="en-US" altLang="zh-CN" b="1" dirty="0"/>
+              <a:t> </a:t>
+            </a:r>
+            <a:r>
+              <a:rPr lang="en-US" altLang="zh-CN" b="1" dirty="0" smtClean="0"/>
+              <a:t>communication</a:t>
+            </a:r>
+          </a:p>
+          <a:p>
+            <a:endParaRPr lang="en-US" altLang="zh-CN" b="1" dirty="0" smtClean="0"/>
+          </a:p>
+          <a:p>
+            <a:r>
+              <a:rPr lang="en-US" altLang="zh-CN" b="1" dirty="0" smtClean="0"/>
+              <a:t>Distribute system</a:t>
+            </a:r>
+          </a:p>
+          <a:p>
+            <a:pPr marL="285750" indent="-285750">
+              <a:buFont typeface="Arial" panose="020B0604020202020204" pitchFamily="34" charset="0"/>
+              <a:buChar char="•"/>
+            </a:pPr>
+            <a:r>
+              <a:rPr lang="en-US" altLang="zh-CN" dirty="0" smtClean="0"/>
+              <a:t>HA(binary star, raft)</a:t>
+            </a:r>
+          </a:p>
+          <a:p>
+            <a:pPr marL="285750" indent="-285750">
+              <a:buFont typeface="Arial" panose="020B0604020202020204" pitchFamily="34" charset="0"/>
+              <a:buChar char="•"/>
+            </a:pPr>
+            <a:r>
+              <a:rPr lang="en-US" altLang="zh-CN" dirty="0" smtClean="0"/>
+              <a:t>Service discovery</a:t>
+            </a:r>
+          </a:p>
+          <a:p>
+            <a:pPr marL="285750" indent="-285750">
+              <a:buFont typeface="Arial" panose="020B0604020202020204" pitchFamily="34" charset="0"/>
+              <a:buChar char="•"/>
+            </a:pPr>
+            <a:r>
+              <a:rPr lang="en-US" altLang="zh-CN" dirty="0" smtClean="0"/>
+              <a:t>Message queue</a:t>
+            </a:r>
+          </a:p>
+          <a:p>
+            <a:pPr marL="285750" indent="-285750">
+              <a:buFont typeface="Arial" panose="020B0604020202020204" pitchFamily="34" charset="0"/>
+              <a:buChar char="•"/>
+            </a:pPr>
+            <a:r>
+              <a:rPr lang="en-US" altLang="zh-CN" dirty="0" smtClean="0"/>
+              <a:t>Distribute compute</a:t>
+            </a:r>
+          </a:p>
+          <a:p>
+            <a:pPr marL="285750" indent="-285750">
+              <a:buFont typeface="Arial" panose="020B0604020202020204" pitchFamily="34" charset="0"/>
+              <a:buChar char="•"/>
+            </a:pPr>
+            <a:r>
+              <a:rPr lang="en-US" altLang="zh-CN" dirty="0" smtClean="0"/>
+              <a:t>Distribute storage</a:t>
+            </a:r>
+          </a:p>
+          <a:p>
+            <a:endParaRPr lang="zh-CN" altLang="en-US" b="1" dirty="0"/>
           </a:p>
         </p:txBody>
       </p:sp>
@@ -22796,168 +22182,6 @@
 </file>
 
 <file path=ppt/slides/slide41.xml><?xml version="1.0" encoding="utf-8"?>
-<p:sld xmlns:a="http://schemas.openxmlformats.org/drawingml/2006/main" xmlns:r="http://schemas.openxmlformats.org/officeDocument/2006/relationships" xmlns:p="http://schemas.openxmlformats.org/presentationml/2006/main">
-  <p:cSld>
-    <p:spTree>
-      <p:nvGrpSpPr>
-        <p:cNvPr id="1" name=""/>
-        <p:cNvGrpSpPr/>
-        <p:nvPr/>
-      </p:nvGrpSpPr>
-      <p:grpSpPr>
-        <a:xfrm>
-          <a:off x="0" y="0"/>
-          <a:ext cx="0" cy="0"/>
-          <a:chOff x="0" y="0"/>
-          <a:chExt cx="0" cy="0"/>
-        </a:xfrm>
-      </p:grpSpPr>
-      <p:sp>
-        <p:nvSpPr>
-          <p:cNvPr id="2" name="Title 1"/>
-          <p:cNvSpPr>
-            <a:spLocks noGrp="1"/>
-          </p:cNvSpPr>
-          <p:nvPr>
-            <p:ph type="title"/>
-          </p:nvPr>
-        </p:nvSpPr>
-        <p:spPr>
-          <a:xfrm>
-            <a:off x="501794" y="260039"/>
-            <a:ext cx="6718156" cy="476885"/>
-          </a:xfrm>
-        </p:spPr>
-        <p:txBody>
-          <a:bodyPr/>
-          <a:lstStyle/>
-          <a:p>
-            <a:r>
-              <a:rPr altLang="zh-CN" smtClean="0">
-                <a:sym typeface="+mn-ea"/>
-              </a:rPr>
-              <a:t>what can </a:t>
-            </a:r>
-            <a:r>
-              <a:rPr lang="en-US" altLang="zh-CN" dirty="0" err="1" smtClean="0"/>
-              <a:t>rest_rpc</a:t>
-            </a:r>
-            <a:r>
-              <a:rPr lang="en-US" altLang="zh-CN" dirty="0" smtClean="0"/>
-              <a:t> be used to do </a:t>
-            </a:r>
-            <a:endParaRPr lang="zh-CN" altLang="en-US" dirty="0"/>
-          </a:p>
-        </p:txBody>
-      </p:sp>
-      <p:sp>
-        <p:nvSpPr>
-          <p:cNvPr id="3" name="Text Placeholder 2"/>
-          <p:cNvSpPr>
-            <a:spLocks noGrp="1"/>
-          </p:cNvSpPr>
-          <p:nvPr>
-            <p:ph type="body" sz="half" idx="2"/>
-          </p:nvPr>
-        </p:nvSpPr>
-        <p:spPr/>
-        <p:txBody>
-          <a:bodyPr/>
-          <a:lstStyle/>
-          <a:p>
-            <a:r>
-              <a:rPr lang="en-US" altLang="zh-CN" b="1" dirty="0" err="1"/>
-              <a:t>Interprocess</a:t>
-            </a:r>
-            <a:r>
-              <a:rPr lang="en-US" altLang="zh-CN" b="1" dirty="0"/>
-              <a:t> </a:t>
-            </a:r>
-            <a:r>
-              <a:rPr lang="en-US" altLang="zh-CN" b="1" dirty="0" smtClean="0"/>
-              <a:t>communication</a:t>
-            </a:r>
-          </a:p>
-          <a:p>
-            <a:endParaRPr lang="en-US" altLang="zh-CN" b="1" dirty="0" smtClean="0"/>
-          </a:p>
-          <a:p>
-            <a:r>
-              <a:rPr lang="en-US" altLang="zh-CN" b="1" dirty="0" smtClean="0"/>
-              <a:t>Distribute system</a:t>
-            </a:r>
-          </a:p>
-          <a:p>
-            <a:pPr marL="285750" indent="-285750">
-              <a:buFont typeface="Arial" panose="020B0604020202020204" pitchFamily="34" charset="0"/>
-              <a:buChar char="•"/>
-            </a:pPr>
-            <a:r>
-              <a:rPr lang="en-US" altLang="zh-CN" dirty="0" smtClean="0"/>
-              <a:t>HA(binary star, raft)</a:t>
-            </a:r>
-          </a:p>
-          <a:p>
-            <a:pPr marL="285750" indent="-285750">
-              <a:buFont typeface="Arial" panose="020B0604020202020204" pitchFamily="34" charset="0"/>
-              <a:buChar char="•"/>
-            </a:pPr>
-            <a:r>
-              <a:rPr lang="en-US" altLang="zh-CN" dirty="0" smtClean="0"/>
-              <a:t>Service discovery</a:t>
-            </a:r>
-          </a:p>
-          <a:p>
-            <a:pPr marL="285750" indent="-285750">
-              <a:buFont typeface="Arial" panose="020B0604020202020204" pitchFamily="34" charset="0"/>
-              <a:buChar char="•"/>
-            </a:pPr>
-            <a:r>
-              <a:rPr lang="en-US" altLang="zh-CN" dirty="0" smtClean="0"/>
-              <a:t>Message queue</a:t>
-            </a:r>
-          </a:p>
-          <a:p>
-            <a:pPr marL="285750" indent="-285750">
-              <a:buFont typeface="Arial" panose="020B0604020202020204" pitchFamily="34" charset="0"/>
-              <a:buChar char="•"/>
-            </a:pPr>
-            <a:r>
-              <a:rPr lang="en-US" altLang="zh-CN" dirty="0" smtClean="0"/>
-              <a:t>Distribute compute</a:t>
-            </a:r>
-          </a:p>
-          <a:p>
-            <a:pPr marL="285750" indent="-285750">
-              <a:buFont typeface="Arial" panose="020B0604020202020204" pitchFamily="34" charset="0"/>
-              <a:buChar char="•"/>
-            </a:pPr>
-            <a:r>
-              <a:rPr lang="en-US" altLang="zh-CN" dirty="0" smtClean="0"/>
-              <a:t>Distribute storage</a:t>
-            </a:r>
-          </a:p>
-          <a:p>
-            <a:endParaRPr lang="zh-CN" altLang="en-US" b="1" dirty="0"/>
-          </a:p>
-        </p:txBody>
-      </p:sp>
-    </p:spTree>
-  </p:cSld>
-  <p:clrMapOvr>
-    <a:masterClrMapping/>
-  </p:clrMapOvr>
-  <p:timing>
-    <p:tnLst>
-      <p:par>
-        <p:cTn id="1" dur="indefinite" restart="never" nodeType="tmRoot"/>
-      </p:par>
-    </p:tnLst>
-  </p:timing>
-</p:sld>
-</file>
-
-<file path=ppt/slides/slide42.xml><?xml version="1.0" encoding="utf-8"?>
 <p:sld xmlns:a="http://schemas.openxmlformats.org/drawingml/2006/main" xmlns:r="http://schemas.openxmlformats.org/officeDocument/2006/relationships" xmlns:p="http://schemas.openxmlformats.org/presentationml/2006/main">
   <p:cSld>
     <p:spTree>
@@ -23061,7 +22285,7 @@
 </p:sld>
 </file>
 
-<file path=ppt/slides/slide43.xml><?xml version="1.0" encoding="utf-8"?>
+<file path=ppt/slides/slide42.xml><?xml version="1.0" encoding="utf-8"?>
 <p:sld xmlns:a="http://schemas.openxmlformats.org/drawingml/2006/main" xmlns:r="http://schemas.openxmlformats.org/officeDocument/2006/relationships" xmlns:p="http://schemas.openxmlformats.org/presentationml/2006/main">
   <p:cSld>
     <p:spTree>
@@ -23533,7 +22757,7 @@
 </p:sld>
 </file>
 
-<file path=ppt/slides/slide44.xml><?xml version="1.0" encoding="utf-8"?>
+<file path=ppt/slides/slide43.xml><?xml version="1.0" encoding="utf-8"?>
 <p:sld xmlns:a="http://schemas.openxmlformats.org/drawingml/2006/main" xmlns:r="http://schemas.openxmlformats.org/officeDocument/2006/relationships" xmlns:p="http://schemas.openxmlformats.org/presentationml/2006/main">
   <p:cSld>
     <p:spTree>
@@ -24321,7 +23545,7 @@
 </p:sld>
 </file>
 
-<file path=ppt/slides/slide45.xml><?xml version="1.0" encoding="utf-8"?>
+<file path=ppt/slides/slide44.xml><?xml version="1.0" encoding="utf-8"?>
 <p:sld xmlns:a="http://schemas.openxmlformats.org/drawingml/2006/main" xmlns:r="http://schemas.openxmlformats.org/officeDocument/2006/relationships" xmlns:p="http://schemas.openxmlformats.org/presentationml/2006/main">
   <p:cSld>
     <p:spTree>
@@ -24465,7 +23689,7 @@
 </p:sld>
 </file>
 
-<file path=ppt/slides/slide46.xml><?xml version="1.0" encoding="utf-8"?>
+<file path=ppt/slides/slide45.xml><?xml version="1.0" encoding="utf-8"?>
 <p:sld xmlns:a="http://schemas.openxmlformats.org/drawingml/2006/main" xmlns:r="http://schemas.openxmlformats.org/officeDocument/2006/relationships" xmlns:p="http://schemas.openxmlformats.org/presentationml/2006/main">
   <p:cSld>
     <p:spTree>

--- a/An easy to use RPC framework implemented by c++11 and c++14 - shorter.pptx
+++ b/An easy to use RPC framework implemented by c++11 and c++14 - shorter.pptx
@@ -13135,7 +13135,7 @@
                             </p:stCondLst>
                             <p:childTnLst>
                               <p:par>
-                                <p:cTn id="5" presetID="2" presetClass="entr" presetSubtype="4" fill="hold" grpId="0" nodeType="clickEffect">
+                                <p:cTn id="5" presetID="2" presetClass="entr" presetSubtype="4" fill="hold" nodeType="clickEffect">
                                   <p:stCondLst>
                                     <p:cond delay="0"/>
                                   </p:stCondLst>
@@ -13148,7 +13148,11 @@
                                           </p:stCondLst>
                                         </p:cTn>
                                         <p:tgtEl>
-                                          <p:spTgt spid="4"/>
+                                          <p:spTgt spid="3">
+                                            <p:txEl>
+                                              <p:pRg st="5" end="5"/>
+                                            </p:txEl>
+                                          </p:spTgt>
                                         </p:tgtEl>
                                         <p:attrNameLst>
                                           <p:attrName>style.visibility</p:attrName>
@@ -13162,7 +13166,11 @@
                                       <p:cBhvr additive="base">
                                         <p:cTn id="7" dur="500" fill="hold"/>
                                         <p:tgtEl>
-                                          <p:spTgt spid="4"/>
+                                          <p:spTgt spid="3">
+                                            <p:txEl>
+                                              <p:pRg st="5" end="5"/>
+                                            </p:txEl>
+                                          </p:spTgt>
                                         </p:tgtEl>
                                         <p:attrNameLst>
                                           <p:attrName>ppt_x</p:attrName>
@@ -13185,7 +13193,11 @@
                                       <p:cBhvr additive="base">
                                         <p:cTn id="8" dur="500" fill="hold"/>
                                         <p:tgtEl>
-                                          <p:spTgt spid="4"/>
+                                          <p:spTgt spid="3">
+                                            <p:txEl>
+                                              <p:pRg st="5" end="5"/>
+                                            </p:txEl>
+                                          </p:spTgt>
                                         </p:tgtEl>
                                         <p:attrNameLst>
                                           <p:attrName>ppt_y</p:attrName>
@@ -13226,7 +13238,7 @@
                             </p:stCondLst>
                             <p:childTnLst>
                               <p:par>
-                                <p:cTn id="11" presetID="2" presetClass="entr" presetSubtype="4" fill="hold" nodeType="clickEffect">
+                                <p:cTn id="11" presetID="22" presetClass="entr" presetSubtype="8" fill="hold" grpId="0" nodeType="clickEffect">
                                   <p:stCondLst>
                                     <p:cond delay="0"/>
                                   </p:stCondLst>
@@ -13239,11 +13251,60 @@
                                           </p:stCondLst>
                                         </p:cTn>
                                         <p:tgtEl>
-                                          <p:spTgt spid="3">
-                                            <p:txEl>
-                                              <p:pRg st="5" end="5"/>
-                                            </p:txEl>
-                                          </p:spTgt>
+                                          <p:spTgt spid="7"/>
+                                        </p:tgtEl>
+                                        <p:attrNameLst>
+                                          <p:attrName>style.visibility</p:attrName>
+                                        </p:attrNameLst>
+                                      </p:cBhvr>
+                                      <p:to>
+                                        <p:strVal val="visible"/>
+                                      </p:to>
+                                    </p:set>
+                                    <p:animEffect transition="in" filter="wipe(left)">
+                                      <p:cBhvr>
+                                        <p:cTn id="13" dur="500"/>
+                                        <p:tgtEl>
+                                          <p:spTgt spid="7"/>
+                                        </p:tgtEl>
+                                      </p:cBhvr>
+                                    </p:animEffect>
+                                  </p:childTnLst>
+                                </p:cTn>
+                              </p:par>
+                            </p:childTnLst>
+                          </p:cTn>
+                        </p:par>
+                      </p:childTnLst>
+                    </p:cTn>
+                  </p:par>
+                  <p:par>
+                    <p:cTn id="14" fill="hold">
+                      <p:stCondLst>
+                        <p:cond delay="indefinite"/>
+                      </p:stCondLst>
+                      <p:childTnLst>
+                        <p:par>
+                          <p:cTn id="15" fill="hold">
+                            <p:stCondLst>
+                              <p:cond delay="0"/>
+                            </p:stCondLst>
+                            <p:childTnLst>
+                              <p:par>
+                                <p:cTn id="16" presetID="2" presetClass="entr" presetSubtype="4" fill="hold" grpId="0" nodeType="clickEffect">
+                                  <p:stCondLst>
+                                    <p:cond delay="0"/>
+                                  </p:stCondLst>
+                                  <p:childTnLst>
+                                    <p:set>
+                                      <p:cBhvr>
+                                        <p:cTn id="17" dur="1" fill="hold">
+                                          <p:stCondLst>
+                                            <p:cond delay="0"/>
+                                          </p:stCondLst>
+                                        </p:cTn>
+                                        <p:tgtEl>
+                                          <p:spTgt spid="4"/>
                                         </p:tgtEl>
                                         <p:attrNameLst>
                                           <p:attrName>style.visibility</p:attrName>
@@ -13255,13 +13316,9 @@
                                     </p:set>
                                     <p:anim calcmode="lin" valueType="num">
                                       <p:cBhvr additive="base">
-                                        <p:cTn id="13" dur="500" fill="hold"/>
+                                        <p:cTn id="18" dur="500" fill="hold"/>
                                         <p:tgtEl>
-                                          <p:spTgt spid="3">
-                                            <p:txEl>
-                                              <p:pRg st="5" end="5"/>
-                                            </p:txEl>
-                                          </p:spTgt>
+                                          <p:spTgt spid="4"/>
                                         </p:tgtEl>
                                         <p:attrNameLst>
                                           <p:attrName>ppt_x</p:attrName>
@@ -13282,13 +13339,9 @@
                                     </p:anim>
                                     <p:anim calcmode="lin" valueType="num">
                                       <p:cBhvr additive="base">
-                                        <p:cTn id="14" dur="500" fill="hold"/>
+                                        <p:cTn id="19" dur="500" fill="hold"/>
                                         <p:tgtEl>
-                                          <p:spTgt spid="3">
-                                            <p:txEl>
-                                              <p:pRg st="5" end="5"/>
-                                            </p:txEl>
-                                          </p:spTgt>
+                                          <p:spTgt spid="4"/>
                                         </p:tgtEl>
                                         <p:attrNameLst>
                                           <p:attrName>ppt_y</p:attrName>
@@ -13307,59 +13360,6 @@
                                         </p:tav>
                                       </p:tavLst>
                                     </p:anim>
-                                  </p:childTnLst>
-                                </p:cTn>
-                              </p:par>
-                            </p:childTnLst>
-                          </p:cTn>
-                        </p:par>
-                      </p:childTnLst>
-                    </p:cTn>
-                  </p:par>
-                  <p:par>
-                    <p:cTn id="15" fill="hold">
-                      <p:stCondLst>
-                        <p:cond delay="indefinite"/>
-                      </p:stCondLst>
-                      <p:childTnLst>
-                        <p:par>
-                          <p:cTn id="16" fill="hold">
-                            <p:stCondLst>
-                              <p:cond delay="0"/>
-                            </p:stCondLst>
-                            <p:childTnLst>
-                              <p:par>
-                                <p:cTn id="17" presetID="22" presetClass="entr" presetSubtype="8" fill="hold" grpId="0" nodeType="clickEffect">
-                                  <p:stCondLst>
-                                    <p:cond delay="0"/>
-                                  </p:stCondLst>
-                                  <p:childTnLst>
-                                    <p:set>
-                                      <p:cBhvr>
-                                        <p:cTn id="18" dur="1" fill="hold">
-                                          <p:stCondLst>
-                                            <p:cond delay="0"/>
-                                          </p:stCondLst>
-                                        </p:cTn>
-                                        <p:tgtEl>
-                                          <p:spTgt spid="7"/>
-                                        </p:tgtEl>
-                                        <p:attrNameLst>
-                                          <p:attrName>style.visibility</p:attrName>
-                                        </p:attrNameLst>
-                                      </p:cBhvr>
-                                      <p:to>
-                                        <p:strVal val="visible"/>
-                                      </p:to>
-                                    </p:set>
-                                    <p:animEffect transition="in" filter="wipe(left)">
-                                      <p:cBhvr>
-                                        <p:cTn id="19" dur="500"/>
-                                        <p:tgtEl>
-                                          <p:spTgt spid="7"/>
-                                        </p:tgtEl>
-                                      </p:cBhvr>
-                                    </p:animEffect>
                                   </p:childTnLst>
                                 </p:cTn>
                               </p:par>
@@ -14903,7 +14903,15 @@
             </a:pPr>
             <a:r>
               <a:rPr lang="en-US" altLang="zh-CN" sz="2000" dirty="0" smtClean="0"/>
-              <a:t>Transform string parameters into </a:t>
+              <a:t>Transform the </a:t>
+            </a:r>
+            <a:r>
+              <a:rPr lang="en-US" altLang="zh-CN" sz="2000" dirty="0" smtClean="0"/>
+              <a:t>string </a:t>
+            </a:r>
+            <a:r>
+              <a:rPr lang="en-US" altLang="zh-CN" sz="2000" dirty="0" smtClean="0"/>
+              <a:t>into </a:t>
             </a:r>
             <a:r>
               <a:rPr lang="zh-CN" altLang="en-US" sz="2000" dirty="0" smtClean="0"/>
@@ -14911,12 +14919,13 @@
             </a:r>
             <a:r>
               <a:rPr lang="en-US" altLang="zh-CN" sz="2000" dirty="0" smtClean="0"/>
-              <a:t>argument</a:t>
+              <a:t>arguments</a:t>
             </a:r>
             <a:r>
               <a:rPr lang="zh-CN" altLang="en-US" sz="2000" dirty="0" smtClean="0"/>
               <a:t>；</a:t>
             </a:r>
+            <a:endParaRPr lang="zh-CN" altLang="en-US" sz="2000" dirty="0" smtClean="0"/>
           </a:p>
           <a:p>
             <a:pPr marL="1905" lvl="1" indent="455930" algn="l">

--- a/An easy to use RPC framework implemented by c++11 and c++14 - shorter.pptx
+++ b/An easy to use RPC framework implemented by c++11 and c++14 - shorter.pptx
@@ -5,10 +5,10 @@
     <p:sldMasterId id="2147483648" r:id="rId1"/>
   </p:sldMasterIdLst>
   <p:notesMasterIdLst>
-    <p:notesMasterId r:id="rId47"/>
+    <p:notesMasterId r:id="rId46"/>
   </p:notesMasterIdLst>
   <p:handoutMasterIdLst>
-    <p:handoutMasterId r:id="rId48"/>
+    <p:handoutMasterId r:id="rId47"/>
   </p:handoutMasterIdLst>
   <p:sldIdLst>
     <p:sldId id="256" r:id="rId2"/>
@@ -40,22 +40,21 @@
     <p:sldId id="332" r:id="rId28"/>
     <p:sldId id="330" r:id="rId29"/>
     <p:sldId id="331" r:id="rId30"/>
-    <p:sldId id="358" r:id="rId31"/>
-    <p:sldId id="347" r:id="rId32"/>
-    <p:sldId id="346" r:id="rId33"/>
-    <p:sldId id="307" r:id="rId34"/>
-    <p:sldId id="415" r:id="rId35"/>
-    <p:sldId id="348" r:id="rId36"/>
-    <p:sldId id="308" r:id="rId37"/>
-    <p:sldId id="299" r:id="rId38"/>
-    <p:sldId id="333" r:id="rId39"/>
-    <p:sldId id="411" r:id="rId40"/>
-    <p:sldId id="301" r:id="rId41"/>
-    <p:sldId id="349" r:id="rId42"/>
-    <p:sldId id="341" r:id="rId43"/>
-    <p:sldId id="304" r:id="rId44"/>
-    <p:sldId id="263" r:id="rId45"/>
-    <p:sldId id="264" r:id="rId46"/>
+    <p:sldId id="347" r:id="rId31"/>
+    <p:sldId id="346" r:id="rId32"/>
+    <p:sldId id="307" r:id="rId33"/>
+    <p:sldId id="415" r:id="rId34"/>
+    <p:sldId id="348" r:id="rId35"/>
+    <p:sldId id="308" r:id="rId36"/>
+    <p:sldId id="299" r:id="rId37"/>
+    <p:sldId id="333" r:id="rId38"/>
+    <p:sldId id="411" r:id="rId39"/>
+    <p:sldId id="301" r:id="rId40"/>
+    <p:sldId id="349" r:id="rId41"/>
+    <p:sldId id="341" r:id="rId42"/>
+    <p:sldId id="304" r:id="rId43"/>
+    <p:sldId id="263" r:id="rId44"/>
+    <p:sldId id="264" r:id="rId45"/>
   </p:sldIdLst>
   <p:sldSz cx="9144000" cy="6858000" type="screen4x3"/>
   <p:notesSz cx="6858000" cy="9144000"/>
@@ -256,7 +255,7 @@
             <a:fld id="{0F9B84EA-7D68-4D60-9CB1-D50884785D1C}" type="datetimeFigureOut">
               <a:rPr lang="zh-CN" altLang="en-US" smtClean="0"/>
               <a:pPr/>
-              <a:t>2017-05-10</a:t>
+              <a:t>2017-05-12</a:t>
             </a:fld>
             <a:endParaRPr lang="zh-CN" altLang="en-US"/>
           </a:p>
@@ -423,7 +422,7 @@
             <a:fld id="{D3663233-B32B-4AC3-A591-4171AB65348A}" type="datetimeFigureOut">
               <a:rPr lang="zh-CN" altLang="en-US" smtClean="0"/>
               <a:pPr/>
-              <a:t>2017-05-10</a:t>
+              <a:t>2017-05-12</a:t>
             </a:fld>
             <a:endParaRPr lang="zh-CN" altLang="en-US"/>
           </a:p>
@@ -1794,7 +1793,7 @@
             <a:fld id="{D907BE37-B124-4F9F-8F7E-44B90AC375A6}" type="slidenum">
               <a:rPr lang="zh-CN" altLang="en-US" smtClean="0"/>
               <a:pPr/>
-              <a:t>33</a:t>
+              <a:t>32</a:t>
             </a:fld>
             <a:endParaRPr lang="zh-CN" altLang="en-US"/>
           </a:p>
@@ -1940,7 +1939,7 @@
             <a:fld id="{D907BE37-B124-4F9F-8F7E-44B90AC375A6}" type="slidenum">
               <a:rPr lang="zh-CN" altLang="en-US" smtClean="0"/>
               <a:pPr/>
-              <a:t>36</a:t>
+              <a:t>35</a:t>
             </a:fld>
             <a:endParaRPr lang="zh-CN" altLang="en-US"/>
           </a:p>
@@ -2025,7 +2024,7 @@
             <a:fld id="{D907BE37-B124-4F9F-8F7E-44B90AC375A6}" type="slidenum">
               <a:rPr lang="zh-CN" altLang="en-US" smtClean="0"/>
               <a:pPr/>
-              <a:t>37</a:t>
+              <a:t>36</a:t>
             </a:fld>
             <a:endParaRPr lang="zh-CN" altLang="en-US"/>
           </a:p>
@@ -2110,7 +2109,7 @@
             <a:fld id="{D907BE37-B124-4F9F-8F7E-44B90AC375A6}" type="slidenum">
               <a:rPr lang="zh-CN" altLang="en-US" smtClean="0"/>
               <a:pPr/>
-              <a:t>38</a:t>
+              <a:t>37</a:t>
             </a:fld>
             <a:endParaRPr lang="zh-CN" altLang="en-US"/>
           </a:p>
@@ -2195,7 +2194,7 @@
             <a:fld id="{D907BE37-B124-4F9F-8F7E-44B90AC375A6}" type="slidenum">
               <a:rPr lang="zh-CN" altLang="en-US" smtClean="0"/>
               <a:pPr/>
-              <a:t>42</a:t>
+              <a:t>41</a:t>
             </a:fld>
             <a:endParaRPr lang="zh-CN" altLang="en-US"/>
           </a:p>
@@ -2280,7 +2279,7 @@
             <a:fld id="{D907BE37-B124-4F9F-8F7E-44B90AC375A6}" type="slidenum">
               <a:rPr lang="zh-CN" altLang="en-US" smtClean="0"/>
               <a:pPr/>
-              <a:t>43</a:t>
+              <a:t>42</a:t>
             </a:fld>
             <a:endParaRPr lang="zh-CN" altLang="en-US"/>
           </a:p>
@@ -3066,7 +3065,7 @@
             <a:fld id="{12397CA8-2D6B-474E-AD0A-8CF9975324D0}" type="datetimeFigureOut">
               <a:rPr lang="zh-CN" altLang="en-US" smtClean="0"/>
               <a:pPr/>
-              <a:t>2017-05-10</a:t>
+              <a:t>2017-05-12</a:t>
             </a:fld>
             <a:endParaRPr lang="zh-CN" altLang="en-US"/>
           </a:p>
@@ -3356,7 +3355,7 @@
             <a:fld id="{12397CA8-2D6B-474E-AD0A-8CF9975324D0}" type="datetimeFigureOut">
               <a:rPr lang="zh-CN" altLang="en-US" smtClean="0"/>
               <a:pPr/>
-              <a:t>2017-05-10</a:t>
+              <a:t>2017-05-12</a:t>
             </a:fld>
             <a:endParaRPr lang="zh-CN" altLang="en-US"/>
           </a:p>
@@ -3540,7 +3539,7 @@
             <a:fld id="{12397CA8-2D6B-474E-AD0A-8CF9975324D0}" type="datetimeFigureOut">
               <a:rPr lang="zh-CN" altLang="en-US" smtClean="0"/>
               <a:pPr/>
-              <a:t>2017-05-10</a:t>
+              <a:t>2017-05-12</a:t>
             </a:fld>
             <a:endParaRPr lang="zh-CN" altLang="en-US"/>
           </a:p>
@@ -3993,7 +3992,7 @@
             <a:fld id="{12397CA8-2D6B-474E-AD0A-8CF9975324D0}" type="datetimeFigureOut">
               <a:rPr lang="zh-CN" altLang="en-US" smtClean="0"/>
               <a:pPr/>
-              <a:t>2017-05-10</a:t>
+              <a:t>2017-05-12</a:t>
             </a:fld>
             <a:endParaRPr lang="zh-CN" altLang="en-US"/>
           </a:p>
@@ -4229,7 +4228,7 @@
             <a:fld id="{12397CA8-2D6B-474E-AD0A-8CF9975324D0}" type="datetimeFigureOut">
               <a:rPr lang="zh-CN" altLang="en-US" smtClean="0"/>
               <a:pPr/>
-              <a:t>2017-05-10</a:t>
+              <a:t>2017-05-12</a:t>
             </a:fld>
             <a:endParaRPr lang="zh-CN" altLang="en-US"/>
           </a:p>
@@ -4600,7 +4599,7 @@
             <a:fld id="{12397CA8-2D6B-474E-AD0A-8CF9975324D0}" type="datetimeFigureOut">
               <a:rPr lang="zh-CN" altLang="en-US" smtClean="0"/>
               <a:pPr/>
-              <a:t>2017-05-10</a:t>
+              <a:t>2017-05-12</a:t>
             </a:fld>
             <a:endParaRPr lang="zh-CN" altLang="en-US"/>
           </a:p>
@@ -4715,7 +4714,7 @@
             <a:fld id="{12397CA8-2D6B-474E-AD0A-8CF9975324D0}" type="datetimeFigureOut">
               <a:rPr lang="zh-CN" altLang="en-US" smtClean="0"/>
               <a:pPr/>
-              <a:t>2017-05-10</a:t>
+              <a:t>2017-05-12</a:t>
             </a:fld>
             <a:endParaRPr lang="zh-CN" altLang="en-US"/>
           </a:p>
@@ -4807,7 +4806,7 @@
             <a:fld id="{12397CA8-2D6B-474E-AD0A-8CF9975324D0}" type="datetimeFigureOut">
               <a:rPr lang="zh-CN" altLang="en-US" smtClean="0"/>
               <a:pPr/>
-              <a:t>2017-05-10</a:t>
+              <a:t>2017-05-12</a:t>
             </a:fld>
             <a:endParaRPr lang="zh-CN" altLang="en-US"/>
           </a:p>
@@ -5081,7 +5080,7 @@
             <a:fld id="{12397CA8-2D6B-474E-AD0A-8CF9975324D0}" type="datetimeFigureOut">
               <a:rPr lang="zh-CN" altLang="en-US" smtClean="0"/>
               <a:pPr/>
-              <a:t>2017-05-10</a:t>
+              <a:t>2017-05-12</a:t>
             </a:fld>
             <a:endParaRPr lang="zh-CN" altLang="en-US"/>
           </a:p>
@@ -5335,7 +5334,7 @@
             <a:fld id="{12397CA8-2D6B-474E-AD0A-8CF9975324D0}" type="datetimeFigureOut">
               <a:rPr lang="zh-CN" altLang="en-US" smtClean="0"/>
               <a:pPr/>
-              <a:t>2017-05-10</a:t>
+              <a:t>2017-05-12</a:t>
             </a:fld>
             <a:endParaRPr lang="zh-CN" altLang="en-US"/>
           </a:p>
@@ -5552,7 +5551,7 @@
             <a:fld id="{12397CA8-2D6B-474E-AD0A-8CF9975324D0}" type="datetimeFigureOut">
               <a:rPr lang="zh-CN" altLang="en-US" smtClean="0"/>
               <a:pPr/>
-              <a:t>2017-05-10</a:t>
+              <a:t>2017-05-12</a:t>
             </a:fld>
             <a:endParaRPr lang="zh-CN" altLang="en-US"/>
           </a:p>
@@ -14903,15 +14902,7 @@
             </a:pPr>
             <a:r>
               <a:rPr lang="en-US" altLang="zh-CN" sz="2000" dirty="0" smtClean="0"/>
-              <a:t>Transform the </a:t>
-            </a:r>
-            <a:r>
-              <a:rPr lang="en-US" altLang="zh-CN" sz="2000" dirty="0" smtClean="0"/>
-              <a:t>string </a:t>
-            </a:r>
-            <a:r>
-              <a:rPr lang="en-US" altLang="zh-CN" sz="2000" dirty="0" smtClean="0"/>
-              <a:t>into </a:t>
+              <a:t>Transform the string into </a:t>
             </a:r>
             <a:r>
               <a:rPr lang="zh-CN" altLang="en-US" sz="2000" dirty="0" smtClean="0"/>
@@ -14925,7 +14916,6 @@
               <a:rPr lang="zh-CN" altLang="en-US" sz="2000" dirty="0" smtClean="0"/>
               <a:t>；</a:t>
             </a:r>
-            <a:endParaRPr lang="zh-CN" altLang="en-US" sz="2000" dirty="0" smtClean="0"/>
           </a:p>
           <a:p>
             <a:pPr marL="1905" lvl="1" indent="455930" algn="l">
@@ -18730,308 +18720,6 @@
           <a:bodyPr/>
           <a:lstStyle/>
           <a:p>
-            <a:r>
-              <a:rPr lang="en-US" altLang="zh-CN" dirty="0"/>
-              <a:t>How to route to the correct handler</a:t>
-            </a:r>
-            <a:endParaRPr lang="zh-CN" altLang="en-US" dirty="0"/>
-          </a:p>
-        </p:txBody>
-      </p:sp>
-      <p:sp>
-        <p:nvSpPr>
-          <p:cNvPr id="3" name="文本占位符 2"/>
-          <p:cNvSpPr>
-            <a:spLocks noGrp="1"/>
-          </p:cNvSpPr>
-          <p:nvPr>
-            <p:ph type="body" sz="half" idx="2"/>
-          </p:nvPr>
-        </p:nvSpPr>
-        <p:spPr/>
-        <p:txBody>
-          <a:bodyPr/>
-          <a:lstStyle/>
-          <a:p>
-            <a:r>
-              <a:rPr lang="en-US" altLang="zh-CN" sz="2000" dirty="0">
-                <a:latin typeface="Shonar Bangla" panose="020B0502040204020203" pitchFamily="34" charset="0"/>
-                <a:cs typeface="Shonar Bangla" panose="020B0502040204020203" pitchFamily="34" charset="0"/>
-              </a:rPr>
-              <a:t>template&lt;</a:t>
-            </a:r>
-            <a:r>
-              <a:rPr lang="en-US" altLang="zh-CN" sz="2000" dirty="0" err="1">
-                <a:latin typeface="Shonar Bangla" panose="020B0502040204020203" pitchFamily="34" charset="0"/>
-                <a:cs typeface="Shonar Bangla" panose="020B0502040204020203" pitchFamily="34" charset="0"/>
-              </a:rPr>
-              <a:t>typename</a:t>
-            </a:r>
-            <a:r>
-              <a:rPr lang="en-US" altLang="zh-CN" sz="2000" dirty="0">
-                <a:latin typeface="Shonar Bangla" panose="020B0502040204020203" pitchFamily="34" charset="0"/>
-                <a:cs typeface="Shonar Bangla" panose="020B0502040204020203" pitchFamily="34" charset="0"/>
-              </a:rPr>
-              <a:t> Function, </a:t>
-            </a:r>
-            <a:r>
-              <a:rPr lang="en-US" altLang="zh-CN" sz="2000" dirty="0" err="1">
-                <a:latin typeface="Shonar Bangla" panose="020B0502040204020203" pitchFamily="34" charset="0"/>
-                <a:cs typeface="Shonar Bangla" panose="020B0502040204020203" pitchFamily="34" charset="0"/>
-              </a:rPr>
-              <a:t>size_t</a:t>
-            </a:r>
-            <a:r>
-              <a:rPr lang="en-US" altLang="zh-CN" sz="2000" dirty="0">
-                <a:latin typeface="Shonar Bangla" panose="020B0502040204020203" pitchFamily="34" charset="0"/>
-                <a:cs typeface="Shonar Bangla" panose="020B0502040204020203" pitchFamily="34" charset="0"/>
-              </a:rPr>
-              <a:t> M&gt;</a:t>
-            </a:r>
-          </a:p>
-          <a:p>
-            <a:r>
-              <a:rPr lang="en-US" altLang="zh-CN" sz="2000" dirty="0" err="1">
-                <a:latin typeface="Shonar Bangla" panose="020B0502040204020203" pitchFamily="34" charset="0"/>
-                <a:cs typeface="Shonar Bangla" panose="020B0502040204020203" pitchFamily="34" charset="0"/>
-              </a:rPr>
-              <a:t>struct</a:t>
-            </a:r>
-            <a:r>
-              <a:rPr lang="en-US" altLang="zh-CN" sz="2000" dirty="0">
-                <a:latin typeface="Shonar Bangla" panose="020B0502040204020203" pitchFamily="34" charset="0"/>
-                <a:cs typeface="Shonar Bangla" panose="020B0502040204020203" pitchFamily="34" charset="0"/>
-              </a:rPr>
-              <a:t> invoker&lt;Function, M, M&gt;{</a:t>
-            </a:r>
-          </a:p>
-          <a:p>
-            <a:r>
-              <a:rPr lang="en-US" altLang="zh-CN" sz="2000" dirty="0">
-                <a:latin typeface="Shonar Bangla" panose="020B0502040204020203" pitchFamily="34" charset="0"/>
-                <a:cs typeface="Shonar Bangla" panose="020B0502040204020203" pitchFamily="34" charset="0"/>
-              </a:rPr>
-              <a:t>    template&lt;</a:t>
-            </a:r>
-            <a:r>
-              <a:rPr lang="en-US" altLang="zh-CN" sz="2000" dirty="0" err="1">
-                <a:latin typeface="Shonar Bangla" panose="020B0502040204020203" pitchFamily="34" charset="0"/>
-                <a:cs typeface="Shonar Bangla" panose="020B0502040204020203" pitchFamily="34" charset="0"/>
-              </a:rPr>
-              <a:t>typename</a:t>
-            </a:r>
-            <a:r>
-              <a:rPr lang="en-US" altLang="zh-CN" sz="2000" dirty="0">
-                <a:latin typeface="Shonar Bangla" panose="020B0502040204020203" pitchFamily="34" charset="0"/>
-                <a:cs typeface="Shonar Bangla" panose="020B0502040204020203" pitchFamily="34" charset="0"/>
-              </a:rPr>
-              <a:t> </a:t>
-            </a:r>
-            <a:r>
-              <a:rPr lang="en-US" altLang="zh-CN" sz="2000" dirty="0" err="1">
-                <a:latin typeface="Shonar Bangla" panose="020B0502040204020203" pitchFamily="34" charset="0"/>
-                <a:cs typeface="Shonar Bangla" panose="020B0502040204020203" pitchFamily="34" charset="0"/>
-              </a:rPr>
-              <a:t>Args</a:t>
-            </a:r>
-            <a:r>
-              <a:rPr lang="en-US" altLang="zh-CN" sz="2000" dirty="0">
-                <a:latin typeface="Shonar Bangla" panose="020B0502040204020203" pitchFamily="34" charset="0"/>
-                <a:cs typeface="Shonar Bangla" panose="020B0502040204020203" pitchFamily="34" charset="0"/>
-              </a:rPr>
-              <a:t>&gt;</a:t>
-            </a:r>
-          </a:p>
-          <a:p>
-            <a:r>
-              <a:rPr lang="en-US" altLang="zh-CN" sz="2000" dirty="0">
-                <a:latin typeface="Shonar Bangla" panose="020B0502040204020203" pitchFamily="34" charset="0"/>
-                <a:cs typeface="Shonar Bangla" panose="020B0502040204020203" pitchFamily="34" charset="0"/>
-              </a:rPr>
-              <a:t>    static void apply(</a:t>
-            </a:r>
-            <a:r>
-              <a:rPr lang="en-US" altLang="zh-CN" sz="2000" dirty="0" err="1">
-                <a:latin typeface="Shonar Bangla" panose="020B0502040204020203" pitchFamily="34" charset="0"/>
-                <a:cs typeface="Shonar Bangla" panose="020B0502040204020203" pitchFamily="34" charset="0"/>
-              </a:rPr>
-              <a:t>const</a:t>
-            </a:r>
-            <a:r>
-              <a:rPr lang="en-US" altLang="zh-CN" sz="2000" dirty="0">
-                <a:latin typeface="Shonar Bangla" panose="020B0502040204020203" pitchFamily="34" charset="0"/>
-                <a:cs typeface="Shonar Bangla" panose="020B0502040204020203" pitchFamily="34" charset="0"/>
-              </a:rPr>
-              <a:t> Function&amp; </a:t>
-            </a:r>
-            <a:r>
-              <a:rPr lang="en-US" altLang="zh-CN" sz="2000" dirty="0" err="1">
-                <a:latin typeface="Shonar Bangla" panose="020B0502040204020203" pitchFamily="34" charset="0"/>
-                <a:cs typeface="Shonar Bangla" panose="020B0502040204020203" pitchFamily="34" charset="0"/>
-              </a:rPr>
-              <a:t>func</a:t>
-            </a:r>
-            <a:r>
-              <a:rPr lang="en-US" altLang="zh-CN" sz="2000" dirty="0">
-                <a:latin typeface="Shonar Bangla" panose="020B0502040204020203" pitchFamily="34" charset="0"/>
-                <a:cs typeface="Shonar Bangla" panose="020B0502040204020203" pitchFamily="34" charset="0"/>
-              </a:rPr>
-              <a:t>, </a:t>
-            </a:r>
-            <a:r>
-              <a:rPr lang="en-US" altLang="zh-CN" sz="2000" dirty="0" err="1">
-                <a:latin typeface="Shonar Bangla" panose="020B0502040204020203" pitchFamily="34" charset="0"/>
-                <a:cs typeface="Shonar Bangla" panose="020B0502040204020203" pitchFamily="34" charset="0"/>
-              </a:rPr>
-              <a:t>token_parser</a:t>
-            </a:r>
-            <a:r>
-              <a:rPr lang="en-US" altLang="zh-CN" sz="2000" dirty="0">
-                <a:latin typeface="Shonar Bangla" panose="020B0502040204020203" pitchFamily="34" charset="0"/>
-                <a:cs typeface="Shonar Bangla" panose="020B0502040204020203" pitchFamily="34" charset="0"/>
-              </a:rPr>
-              <a:t> &amp;, </a:t>
-            </a:r>
-            <a:r>
-              <a:rPr lang="en-US" altLang="zh-CN" sz="2000" dirty="0" err="1">
-                <a:latin typeface="Shonar Bangla" panose="020B0502040204020203" pitchFamily="34" charset="0"/>
-                <a:cs typeface="Shonar Bangla" panose="020B0502040204020203" pitchFamily="34" charset="0"/>
-              </a:rPr>
-              <a:t>Args</a:t>
-            </a:r>
-            <a:r>
-              <a:rPr lang="en-US" altLang="zh-CN" sz="2000" dirty="0">
-                <a:latin typeface="Shonar Bangla" panose="020B0502040204020203" pitchFamily="34" charset="0"/>
-                <a:cs typeface="Shonar Bangla" panose="020B0502040204020203" pitchFamily="34" charset="0"/>
-              </a:rPr>
-              <a:t> </a:t>
-            </a:r>
-            <a:r>
-              <a:rPr lang="en-US" altLang="zh-CN" sz="2000" dirty="0" err="1">
-                <a:latin typeface="Shonar Bangla" panose="020B0502040204020203" pitchFamily="34" charset="0"/>
-                <a:cs typeface="Shonar Bangla" panose="020B0502040204020203" pitchFamily="34" charset="0"/>
-              </a:rPr>
-              <a:t>const</a:t>
-            </a:r>
-            <a:r>
-              <a:rPr lang="en-US" altLang="zh-CN" sz="2000" dirty="0">
-                <a:latin typeface="Shonar Bangla" panose="020B0502040204020203" pitchFamily="34" charset="0"/>
-                <a:cs typeface="Shonar Bangla" panose="020B0502040204020203" pitchFamily="34" charset="0"/>
-              </a:rPr>
-              <a:t> &amp; tuple){</a:t>
-            </a:r>
-          </a:p>
-          <a:p>
-            <a:r>
-              <a:rPr lang="en-US" altLang="zh-CN" sz="2000" dirty="0">
-                <a:latin typeface="Shonar Bangla" panose="020B0502040204020203" pitchFamily="34" charset="0"/>
-                <a:cs typeface="Shonar Bangla" panose="020B0502040204020203" pitchFamily="34" charset="0"/>
-              </a:rPr>
-              <a:t>        </a:t>
-            </a:r>
-            <a:r>
-              <a:rPr lang="en-US" altLang="zh-CN" sz="2000" dirty="0" err="1">
-                <a:latin typeface="Shonar Bangla" panose="020B0502040204020203" pitchFamily="34" charset="0"/>
-                <a:cs typeface="Shonar Bangla" panose="020B0502040204020203" pitchFamily="34" charset="0"/>
-              </a:rPr>
-              <a:t>std</a:t>
-            </a:r>
-            <a:r>
-              <a:rPr lang="en-US" altLang="zh-CN" sz="2000" dirty="0">
-                <a:latin typeface="Shonar Bangla" panose="020B0502040204020203" pitchFamily="34" charset="0"/>
-                <a:cs typeface="Shonar Bangla" panose="020B0502040204020203" pitchFamily="34" charset="0"/>
-              </a:rPr>
-              <a:t>::apply(</a:t>
-            </a:r>
-            <a:r>
-              <a:rPr lang="en-US" altLang="zh-CN" sz="2000" dirty="0" err="1">
-                <a:latin typeface="Shonar Bangla" panose="020B0502040204020203" pitchFamily="34" charset="0"/>
-                <a:cs typeface="Shonar Bangla" panose="020B0502040204020203" pitchFamily="34" charset="0"/>
-              </a:rPr>
-              <a:t>func</a:t>
-            </a:r>
-            <a:r>
-              <a:rPr lang="en-US" altLang="zh-CN" sz="2000" dirty="0">
-                <a:latin typeface="Shonar Bangla" panose="020B0502040204020203" pitchFamily="34" charset="0"/>
-                <a:cs typeface="Shonar Bangla" panose="020B0502040204020203" pitchFamily="34" charset="0"/>
-              </a:rPr>
-              <a:t>, tuple);</a:t>
-            </a:r>
-          </a:p>
-          <a:p>
-            <a:r>
-              <a:rPr lang="en-US" altLang="zh-CN" sz="2000" dirty="0">
-                <a:latin typeface="Shonar Bangla" panose="020B0502040204020203" pitchFamily="34" charset="0"/>
-                <a:cs typeface="Shonar Bangla" panose="020B0502040204020203" pitchFamily="34" charset="0"/>
-              </a:rPr>
-              <a:t>    }</a:t>
-            </a:r>
-          </a:p>
-          <a:p>
-            <a:r>
-              <a:rPr lang="en-US" altLang="zh-CN" sz="2000" dirty="0">
-                <a:latin typeface="Shonar Bangla" panose="020B0502040204020203" pitchFamily="34" charset="0"/>
-                <a:cs typeface="Shonar Bangla" panose="020B0502040204020203" pitchFamily="34" charset="0"/>
-              </a:rPr>
-              <a:t>};</a:t>
-            </a:r>
-            <a:endParaRPr lang="zh-CN" altLang="en-US" sz="2000" dirty="0">
-              <a:latin typeface="Shonar Bangla" panose="020B0502040204020203" pitchFamily="34" charset="0"/>
-              <a:cs typeface="Shonar Bangla" panose="020B0502040204020203" pitchFamily="34" charset="0"/>
-            </a:endParaRPr>
-          </a:p>
-          <a:p>
-            <a:endParaRPr lang="zh-CN" altLang="en-US" dirty="0"/>
-          </a:p>
-        </p:txBody>
-      </p:sp>
-    </p:spTree>
-  </p:cSld>
-  <p:clrMapOvr>
-    <a:masterClrMapping/>
-  </p:clrMapOvr>
-  <p:timing>
-    <p:tnLst>
-      <p:par>
-        <p:cTn id="1" dur="indefinite" restart="never" nodeType="tmRoot"/>
-      </p:par>
-    </p:tnLst>
-  </p:timing>
-</p:sld>
-</file>
-
-<file path=ppt/slides/slide31.xml><?xml version="1.0" encoding="utf-8"?>
-<p:sld xmlns:a="http://schemas.openxmlformats.org/drawingml/2006/main" xmlns:r="http://schemas.openxmlformats.org/officeDocument/2006/relationships" xmlns:p="http://schemas.openxmlformats.org/presentationml/2006/main">
-  <p:cSld>
-    <p:spTree>
-      <p:nvGrpSpPr>
-        <p:cNvPr id="1" name=""/>
-        <p:cNvGrpSpPr/>
-        <p:nvPr/>
-      </p:nvGrpSpPr>
-      <p:grpSpPr>
-        <a:xfrm>
-          <a:off x="0" y="0"/>
-          <a:ext cx="0" cy="0"/>
-          <a:chOff x="0" y="0"/>
-          <a:chExt cx="0" cy="0"/>
-        </a:xfrm>
-      </p:grpSpPr>
-      <p:sp>
-        <p:nvSpPr>
-          <p:cNvPr id="2" name="标题 1"/>
-          <p:cNvSpPr>
-            <a:spLocks noGrp="1"/>
-          </p:cNvSpPr>
-          <p:nvPr>
-            <p:ph type="title"/>
-          </p:nvPr>
-        </p:nvSpPr>
-        <p:spPr/>
-        <p:txBody>
-          <a:bodyPr/>
-          <a:lstStyle/>
-          <a:p>
             <a:endParaRPr lang="zh-CN" altLang="en-US" dirty="0"/>
           </a:p>
         </p:txBody>
@@ -19130,7 +18818,7 @@
 </p:sld>
 </file>
 
-<file path=ppt/slides/slide32.xml><?xml version="1.0" encoding="utf-8"?>
+<file path=ppt/slides/slide31.xml><?xml version="1.0" encoding="utf-8"?>
 <p:sld xmlns:a="http://schemas.openxmlformats.org/drawingml/2006/main" xmlns:r="http://schemas.openxmlformats.org/officeDocument/2006/relationships" xmlns:p="http://schemas.openxmlformats.org/presentationml/2006/main">
   <p:cSld>
     <p:spTree>
@@ -19234,7 +18922,7 @@
 </p:sld>
 </file>
 
-<file path=ppt/slides/slide33.xml><?xml version="1.0" encoding="utf-8"?>
+<file path=ppt/slides/slide32.xml><?xml version="1.0" encoding="utf-8"?>
 <p:sld xmlns:a="http://schemas.openxmlformats.org/drawingml/2006/main" xmlns:r="http://schemas.openxmlformats.org/officeDocument/2006/relationships" xmlns:p="http://schemas.openxmlformats.org/presentationml/2006/main">
   <p:cSld>
     <p:spTree>
@@ -19404,7 +19092,7 @@
 </p:sld>
 </file>
 
-<file path=ppt/slides/slide34.xml><?xml version="1.0" encoding="utf-8"?>
+<file path=ppt/slides/slide33.xml><?xml version="1.0" encoding="utf-8"?>
 <p:sld xmlns:a="http://schemas.openxmlformats.org/drawingml/2006/main" xmlns:r="http://schemas.openxmlformats.org/officeDocument/2006/relationships" xmlns:p="http://schemas.openxmlformats.org/presentationml/2006/main">
   <p:cSld>
     <p:spTree>
@@ -19771,7 +19459,7 @@
 </p:sld>
 </file>
 
-<file path=ppt/slides/slide35.xml><?xml version="1.0" encoding="utf-8"?>
+<file path=ppt/slides/slide34.xml><?xml version="1.0" encoding="utf-8"?>
 <p:sld xmlns:a="http://schemas.openxmlformats.org/drawingml/2006/main" xmlns:r="http://schemas.openxmlformats.org/officeDocument/2006/relationships" xmlns:p="http://schemas.openxmlformats.org/presentationml/2006/main">
   <p:cSld>
     <p:spTree>
@@ -19904,7 +19592,7 @@
 </p:sld>
 </file>
 
-<file path=ppt/slides/slide36.xml><?xml version="1.0" encoding="utf-8"?>
+<file path=ppt/slides/slide35.xml><?xml version="1.0" encoding="utf-8"?>
 <p:sld xmlns:a="http://schemas.openxmlformats.org/drawingml/2006/main" xmlns:r="http://schemas.openxmlformats.org/officeDocument/2006/relationships" xmlns:p="http://schemas.openxmlformats.org/presentationml/2006/main">
   <p:cSld>
     <p:spTree>
@@ -20953,7 +20641,7 @@
 </p:sld>
 </file>
 
-<file path=ppt/slides/slide37.xml><?xml version="1.0" encoding="utf-8"?>
+<file path=ppt/slides/slide36.xml><?xml version="1.0" encoding="utf-8"?>
 <p:sld xmlns:a="http://schemas.openxmlformats.org/drawingml/2006/main" xmlns:r="http://schemas.openxmlformats.org/officeDocument/2006/relationships" xmlns:p="http://schemas.openxmlformats.org/presentationml/2006/main">
   <p:cSld>
     <p:spTree>
@@ -21382,6 +21070,418 @@
 </p:sld>
 </file>
 
+<file path=ppt/slides/slide37.xml><?xml version="1.0" encoding="utf-8"?>
+<p:sld xmlns:a="http://schemas.openxmlformats.org/drawingml/2006/main" xmlns:r="http://schemas.openxmlformats.org/officeDocument/2006/relationships" xmlns:p="http://schemas.openxmlformats.org/presentationml/2006/main">
+  <p:cSld>
+    <p:spTree>
+      <p:nvGrpSpPr>
+        <p:cNvPr id="1" name=""/>
+        <p:cNvGrpSpPr/>
+        <p:nvPr/>
+      </p:nvGrpSpPr>
+      <p:grpSpPr>
+        <a:xfrm>
+          <a:off x="0" y="0"/>
+          <a:ext cx="0" cy="0"/>
+          <a:chOff x="0" y="0"/>
+          <a:chExt cx="0" cy="0"/>
+        </a:xfrm>
+      </p:grpSpPr>
+      <p:sp>
+        <p:nvSpPr>
+          <p:cNvPr id="2" name="标题 1"/>
+          <p:cNvSpPr>
+            <a:spLocks noGrp="1"/>
+          </p:cNvSpPr>
+          <p:nvPr>
+            <p:ph type="title"/>
+          </p:nvPr>
+        </p:nvSpPr>
+        <p:spPr/>
+        <p:txBody>
+          <a:bodyPr/>
+          <a:lstStyle/>
+          <a:p>
+            <a:r>
+              <a:rPr lang="en-US" altLang="zh-CN" dirty="0"/>
+              <a:t>How to simplify the </a:t>
+            </a:r>
+            <a:r>
+              <a:rPr altLang="zh-CN" dirty="0" smtClean="0"/>
+              <a:t>RPC call</a:t>
+            </a:r>
+            <a:endParaRPr lang="zh-CN" altLang="en-US" dirty="0"/>
+          </a:p>
+        </p:txBody>
+      </p:sp>
+      <p:sp>
+        <p:nvSpPr>
+          <p:cNvPr id="3" name="文本占位符 2"/>
+          <p:cNvSpPr>
+            <a:spLocks noGrp="1"/>
+          </p:cNvSpPr>
+          <p:nvPr>
+            <p:ph type="body" sz="half" idx="2"/>
+          </p:nvPr>
+        </p:nvSpPr>
+        <p:spPr/>
+        <p:txBody>
+          <a:bodyPr/>
+          <a:lstStyle/>
+          <a:p>
+            <a:r>
+              <a:rPr lang="en-US" altLang="zh-CN" dirty="0"/>
+              <a:t>template &lt;</a:t>
+            </a:r>
+            <a:r>
+              <a:rPr lang="en-US" altLang="zh-CN" dirty="0" err="1"/>
+              <a:t>typename</a:t>
+            </a:r>
+            <a:r>
+              <a:rPr lang="en-US" altLang="zh-CN" dirty="0"/>
+              <a:t> F, </a:t>
+            </a:r>
+            <a:r>
+              <a:rPr lang="en-US" altLang="zh-CN" dirty="0" err="1"/>
+              <a:t>typename</a:t>
+            </a:r>
+            <a:r>
+              <a:rPr lang="en-US" altLang="zh-CN" dirty="0"/>
+              <a:t> Arg0, </a:t>
+            </a:r>
+            <a:r>
+              <a:rPr lang="en-US" altLang="zh-CN" dirty="0" err="1"/>
+              <a:t>typename</a:t>
+            </a:r>
+            <a:r>
+              <a:rPr lang="en-US" altLang="zh-CN" dirty="0"/>
+              <a:t> ... </a:t>
+            </a:r>
+            <a:r>
+              <a:rPr lang="en-US" altLang="zh-CN" dirty="0" err="1"/>
+              <a:t>Args</a:t>
+            </a:r>
+            <a:r>
+              <a:rPr lang="en-US" altLang="zh-CN" dirty="0"/>
+              <a:t>&gt;</a:t>
+            </a:r>
+          </a:p>
+          <a:p>
+            <a:r>
+              <a:rPr lang="en-US" altLang="zh-CN" dirty="0"/>
+              <a:t>auto </a:t>
+            </a:r>
+            <a:r>
+              <a:rPr lang="en-US" altLang="zh-CN" dirty="0" err="1" smtClean="0"/>
+              <a:t>bind_impl</a:t>
+            </a:r>
+            <a:r>
+              <a:rPr lang="en-US" altLang="zh-CN" dirty="0" smtClean="0"/>
+              <a:t>(F</a:t>
+            </a:r>
+            <a:r>
+              <a:rPr lang="en-US" altLang="zh-CN" dirty="0"/>
+              <a:t>&amp;&amp; f, Arg0&amp;&amp; arg0, </a:t>
+            </a:r>
+            <a:r>
+              <a:rPr lang="en-US" altLang="zh-CN" dirty="0" err="1"/>
+              <a:t>Args</a:t>
+            </a:r>
+            <a:r>
+              <a:rPr lang="en-US" altLang="zh-CN" dirty="0"/>
+              <a:t>&amp;&amp; ... </a:t>
+            </a:r>
+            <a:r>
+              <a:rPr lang="en-US" altLang="zh-CN" dirty="0" err="1"/>
+              <a:t>args</a:t>
+            </a:r>
+            <a:r>
+              <a:rPr lang="en-US" altLang="zh-CN" dirty="0"/>
+              <a:t>)</a:t>
+            </a:r>
+          </a:p>
+          <a:p>
+            <a:r>
+              <a:rPr lang="en-US" altLang="zh-CN" dirty="0"/>
+              <a:t>-&gt; </a:t>
+            </a:r>
+            <a:r>
+              <a:rPr lang="en-US" altLang="zh-CN" dirty="0" err="1"/>
+              <a:t>typename</a:t>
+            </a:r>
+            <a:r>
+              <a:rPr lang="en-US" altLang="zh-CN" dirty="0"/>
+              <a:t> </a:t>
+            </a:r>
+            <a:r>
+              <a:rPr lang="en-US" altLang="zh-CN" dirty="0" err="1"/>
+              <a:t>bind_to_function</a:t>
+            </a:r>
+            <a:r>
+              <a:rPr lang="en-US" altLang="zh-CN" dirty="0"/>
+              <a:t>&lt;F, Arg0, </a:t>
+            </a:r>
+            <a:r>
+              <a:rPr lang="en-US" altLang="zh-CN" dirty="0" err="1"/>
+              <a:t>Args</a:t>
+            </a:r>
+            <a:r>
+              <a:rPr lang="en-US" altLang="zh-CN" dirty="0"/>
+              <a:t>...&gt;::type</a:t>
+            </a:r>
+          </a:p>
+          <a:p>
+            <a:r>
+              <a:rPr lang="en-US" altLang="zh-CN" dirty="0"/>
+              <a:t>{</a:t>
+            </a:r>
+          </a:p>
+          <a:p>
+            <a:r>
+              <a:rPr lang="en-US" altLang="zh-CN" dirty="0" smtClean="0"/>
+              <a:t>    return </a:t>
+            </a:r>
+            <a:r>
+              <a:rPr lang="en-US" altLang="zh-CN" dirty="0" err="1"/>
+              <a:t>std</a:t>
+            </a:r>
+            <a:r>
+              <a:rPr lang="en-US" altLang="zh-CN" dirty="0"/>
+              <a:t>::bind(</a:t>
+            </a:r>
+            <a:r>
+              <a:rPr lang="en-US" altLang="zh-CN" dirty="0" err="1"/>
+              <a:t>std</a:t>
+            </a:r>
+            <a:r>
+              <a:rPr lang="en-US" altLang="zh-CN" dirty="0"/>
+              <a:t>::forward&lt;F&gt;(f), </a:t>
+            </a:r>
+            <a:r>
+              <a:rPr lang="en-US" altLang="zh-CN" dirty="0" err="1"/>
+              <a:t>std</a:t>
+            </a:r>
+            <a:r>
+              <a:rPr lang="en-US" altLang="zh-CN" dirty="0"/>
+              <a:t>::forward&lt;Arg0&gt;(arg0), </a:t>
+            </a:r>
+            <a:r>
+              <a:rPr lang="en-US" altLang="zh-CN" dirty="0" smtClean="0"/>
+              <a:t>      </a:t>
+            </a:r>
+            <a:r>
+              <a:rPr lang="en-US" altLang="zh-CN" dirty="0" err="1" smtClean="0"/>
+              <a:t>std</a:t>
+            </a:r>
+            <a:r>
+              <a:rPr lang="en-US" altLang="zh-CN" dirty="0"/>
+              <a:t>::forward&lt;</a:t>
+            </a:r>
+            <a:r>
+              <a:rPr lang="en-US" altLang="zh-CN" dirty="0" err="1"/>
+              <a:t>Args</a:t>
+            </a:r>
+            <a:r>
+              <a:rPr lang="en-US" altLang="zh-CN" dirty="0"/>
+              <a:t>&gt;(</a:t>
+            </a:r>
+            <a:r>
+              <a:rPr lang="en-US" altLang="zh-CN" dirty="0" err="1"/>
+              <a:t>args</a:t>
+            </a:r>
+            <a:r>
+              <a:rPr lang="en-US" altLang="zh-CN" dirty="0"/>
+              <a:t>)...);</a:t>
+            </a:r>
+          </a:p>
+          <a:p>
+            <a:r>
+              <a:rPr lang="en-US" altLang="zh-CN" dirty="0"/>
+              <a:t>}</a:t>
+            </a:r>
+          </a:p>
+          <a:p>
+            <a:endParaRPr lang="zh-CN" altLang="en-US" dirty="0"/>
+          </a:p>
+          <a:p>
+            <a:r>
+              <a:rPr lang="en-US" altLang="zh-CN" dirty="0"/>
+              <a:t>template &lt;</a:t>
+            </a:r>
+            <a:r>
+              <a:rPr lang="en-US" altLang="zh-CN" dirty="0" err="1"/>
+              <a:t>typename</a:t>
+            </a:r>
+            <a:r>
+              <a:rPr lang="en-US" altLang="zh-CN" dirty="0"/>
+              <a:t> F&gt;</a:t>
+            </a:r>
+          </a:p>
+          <a:p>
+            <a:r>
+              <a:rPr lang="en-US" altLang="zh-CN" dirty="0"/>
+              <a:t>auto </a:t>
+            </a:r>
+            <a:r>
+              <a:rPr lang="en-US" altLang="zh-CN" dirty="0" err="1" smtClean="0"/>
+              <a:t>bind_impl</a:t>
+            </a:r>
+            <a:r>
+              <a:rPr lang="en-US" altLang="zh-CN" dirty="0" smtClean="0"/>
+              <a:t>(F</a:t>
+            </a:r>
+            <a:r>
+              <a:rPr lang="en-US" altLang="zh-CN" dirty="0"/>
+              <a:t>&amp;&amp; f</a:t>
+            </a:r>
+            <a:r>
+              <a:rPr lang="en-US" altLang="zh-CN" dirty="0" smtClean="0"/>
+              <a:t>) -&gt; </a:t>
+            </a:r>
+            <a:r>
+              <a:rPr lang="en-US" altLang="zh-CN" dirty="0" err="1"/>
+              <a:t>typename</a:t>
+            </a:r>
+            <a:r>
+              <a:rPr lang="en-US" altLang="zh-CN" dirty="0"/>
+              <a:t> </a:t>
+            </a:r>
+            <a:r>
+              <a:rPr lang="en-US" altLang="zh-CN" dirty="0" err="1"/>
+              <a:t>function_traits</a:t>
+            </a:r>
+            <a:r>
+              <a:rPr lang="en-US" altLang="zh-CN" dirty="0"/>
+              <a:t>&lt;F&gt;::</a:t>
+            </a:r>
+            <a:r>
+              <a:rPr lang="en-US" altLang="zh-CN" dirty="0" err="1"/>
+              <a:t>stl_function_type</a:t>
+            </a:r>
+            <a:endParaRPr lang="en-US" altLang="zh-CN" dirty="0"/>
+          </a:p>
+          <a:p>
+            <a:r>
+              <a:rPr lang="en-US" altLang="zh-CN" dirty="0"/>
+              <a:t>{</a:t>
+            </a:r>
+          </a:p>
+          <a:p>
+            <a:r>
+              <a:rPr lang="en-US" altLang="zh-CN" dirty="0" smtClean="0"/>
+              <a:t>    return </a:t>
+            </a:r>
+            <a:r>
+              <a:rPr lang="en-US" altLang="zh-CN" b="1" dirty="0"/>
+              <a:t>[</a:t>
+            </a:r>
+            <a:r>
+              <a:rPr lang="en-US" altLang="zh-CN" b="1" dirty="0" err="1"/>
+              <a:t>func</a:t>
+            </a:r>
+            <a:r>
+              <a:rPr lang="en-US" altLang="zh-CN" b="1" dirty="0"/>
+              <a:t> = </a:t>
+            </a:r>
+            <a:r>
+              <a:rPr lang="en-US" altLang="zh-CN" b="1" dirty="0" err="1"/>
+              <a:t>std</a:t>
+            </a:r>
+            <a:r>
+              <a:rPr lang="en-US" altLang="zh-CN" b="1" dirty="0"/>
+              <a:t>::forward&lt;F&gt;(f)](auto&amp;&amp; ... </a:t>
+            </a:r>
+            <a:r>
+              <a:rPr lang="en-US" altLang="zh-CN" b="1" dirty="0" err="1"/>
+              <a:t>args</a:t>
+            </a:r>
+            <a:r>
+              <a:rPr lang="en-US" altLang="zh-CN" b="1" dirty="0" smtClean="0"/>
+              <a:t>)</a:t>
+            </a:r>
+            <a:r>
+              <a:rPr lang="en-US" altLang="zh-CN" dirty="0" smtClean="0"/>
+              <a:t>{ </a:t>
+            </a:r>
+          </a:p>
+          <a:p>
+            <a:r>
+              <a:rPr lang="en-US" altLang="zh-CN" dirty="0" smtClean="0"/>
+              <a:t>        return </a:t>
+            </a:r>
+            <a:r>
+              <a:rPr lang="en-US" altLang="zh-CN" dirty="0" err="1"/>
+              <a:t>func</a:t>
+            </a:r>
+            <a:r>
+              <a:rPr lang="en-US" altLang="zh-CN" dirty="0"/>
+              <a:t>(</a:t>
+            </a:r>
+            <a:r>
+              <a:rPr lang="en-US" altLang="zh-CN" dirty="0" err="1"/>
+              <a:t>std</a:t>
+            </a:r>
+            <a:r>
+              <a:rPr lang="en-US" altLang="zh-CN" dirty="0"/>
+              <a:t>::forward&lt;</a:t>
+            </a:r>
+            <a:r>
+              <a:rPr lang="en-US" altLang="zh-CN" dirty="0" err="1"/>
+              <a:t>decltype</a:t>
+            </a:r>
+            <a:r>
+              <a:rPr lang="en-US" altLang="zh-CN" dirty="0"/>
+              <a:t>(</a:t>
+            </a:r>
+            <a:r>
+              <a:rPr lang="en-US" altLang="zh-CN" dirty="0" err="1"/>
+              <a:t>args</a:t>
+            </a:r>
+            <a:r>
+              <a:rPr lang="en-US" altLang="zh-CN" dirty="0"/>
+              <a:t>)&gt;(</a:t>
+            </a:r>
+            <a:r>
+              <a:rPr lang="en-US" altLang="zh-CN" dirty="0" err="1"/>
+              <a:t>args</a:t>
+            </a:r>
+            <a:r>
+              <a:rPr lang="en-US" altLang="zh-CN" dirty="0"/>
+              <a:t>)...); </a:t>
+            </a:r>
+            <a:endParaRPr lang="en-US" altLang="zh-CN" dirty="0" smtClean="0"/>
+          </a:p>
+          <a:p>
+            <a:r>
+              <a:rPr lang="en-US" altLang="zh-CN" dirty="0" smtClean="0"/>
+              <a:t>    };</a:t>
+            </a:r>
+            <a:endParaRPr lang="en-US" altLang="zh-CN" dirty="0"/>
+          </a:p>
+          <a:p>
+            <a:r>
+              <a:rPr lang="en-US" altLang="zh-CN" dirty="0"/>
+              <a:t>}</a:t>
+            </a:r>
+            <a:endParaRPr lang="zh-CN" altLang="en-US" dirty="0"/>
+          </a:p>
+        </p:txBody>
+      </p:sp>
+    </p:spTree>
+  </p:cSld>
+  <p:clrMapOvr>
+    <a:masterClrMapping/>
+  </p:clrMapOvr>
+  <p:timing>
+    <p:tnLst>
+      <p:par>
+        <p:cTn id="1" dur="indefinite" restart="never" nodeType="tmRoot"/>
+      </p:par>
+    </p:tnLst>
+  </p:timing>
+</p:sld>
+</file>
+
 <file path=ppt/slides/slide38.xml><?xml version="1.0" encoding="utf-8"?>
 <p:sld xmlns:a="http://schemas.openxmlformats.org/drawingml/2006/main" xmlns:r="http://schemas.openxmlformats.org/officeDocument/2006/relationships" xmlns:p="http://schemas.openxmlformats.org/presentationml/2006/main">
   <p:cSld>
@@ -21414,15 +21514,7 @@
           <a:bodyPr/>
           <a:lstStyle/>
           <a:p>
-            <a:r>
-              <a:rPr lang="en-US" altLang="zh-CN" dirty="0"/>
-              <a:t>How to simplify the </a:t>
-            </a:r>
-            <a:r>
-              <a:rPr altLang="zh-CN" dirty="0" smtClean="0"/>
-              <a:t>RPC call</a:t>
-            </a:r>
-            <a:endParaRPr lang="zh-CN" altLang="en-US" dirty="0"/>
+            <a:endParaRPr lang="zh-CN" altLang="en-US"/>
           </a:p>
         </p:txBody>
       </p:sp>
@@ -21441,341 +21533,68 @@
           <a:bodyPr/>
           <a:lstStyle/>
           <a:p>
-            <a:r>
-              <a:rPr lang="en-US" altLang="zh-CN" dirty="0"/>
-              <a:t>template &lt;</a:t>
-            </a:r>
-            <a:r>
-              <a:rPr lang="en-US" altLang="zh-CN" dirty="0" err="1"/>
-              <a:t>typename</a:t>
-            </a:r>
-            <a:r>
-              <a:rPr lang="en-US" altLang="zh-CN" dirty="0"/>
-              <a:t> F, </a:t>
-            </a:r>
-            <a:r>
-              <a:rPr lang="en-US" altLang="zh-CN" dirty="0" err="1"/>
-              <a:t>typename</a:t>
-            </a:r>
-            <a:r>
-              <a:rPr lang="en-US" altLang="zh-CN" dirty="0"/>
-              <a:t> Arg0, </a:t>
-            </a:r>
-            <a:r>
-              <a:rPr lang="en-US" altLang="zh-CN" dirty="0" err="1"/>
-              <a:t>typename</a:t>
-            </a:r>
-            <a:r>
-              <a:rPr lang="en-US" altLang="zh-CN" dirty="0"/>
-              <a:t> ... </a:t>
-            </a:r>
-            <a:r>
-              <a:rPr lang="en-US" altLang="zh-CN" dirty="0" err="1"/>
-              <a:t>Args</a:t>
-            </a:r>
-            <a:r>
-              <a:rPr lang="en-US" altLang="zh-CN" dirty="0"/>
-              <a:t>&gt;</a:t>
-            </a:r>
-          </a:p>
-          <a:p>
-            <a:r>
-              <a:rPr lang="en-US" altLang="zh-CN" dirty="0"/>
-              <a:t>auto </a:t>
-            </a:r>
-            <a:r>
-              <a:rPr lang="en-US" altLang="zh-CN" dirty="0" err="1" smtClean="0"/>
-              <a:t>bind_impl</a:t>
-            </a:r>
-            <a:r>
-              <a:rPr lang="en-US" altLang="zh-CN" dirty="0" smtClean="0"/>
-              <a:t>(F</a:t>
-            </a:r>
-            <a:r>
-              <a:rPr lang="en-US" altLang="zh-CN" dirty="0"/>
-              <a:t>&amp;&amp; f, Arg0&amp;&amp; arg0, </a:t>
-            </a:r>
-            <a:r>
-              <a:rPr lang="en-US" altLang="zh-CN" dirty="0" err="1"/>
-              <a:t>Args</a:t>
-            </a:r>
-            <a:r>
-              <a:rPr lang="en-US" altLang="zh-CN" dirty="0"/>
-              <a:t>&amp;&amp; ... </a:t>
-            </a:r>
-            <a:r>
-              <a:rPr lang="en-US" altLang="zh-CN" dirty="0" err="1"/>
-              <a:t>args</a:t>
-            </a:r>
-            <a:r>
-              <a:rPr lang="en-US" altLang="zh-CN" dirty="0"/>
-              <a:t>)</a:t>
-            </a:r>
-          </a:p>
-          <a:p>
-            <a:r>
-              <a:rPr lang="en-US" altLang="zh-CN" dirty="0"/>
-              <a:t>-&gt; </a:t>
-            </a:r>
-            <a:r>
-              <a:rPr lang="en-US" altLang="zh-CN" dirty="0" err="1"/>
-              <a:t>typename</a:t>
-            </a:r>
-            <a:r>
-              <a:rPr lang="en-US" altLang="zh-CN" dirty="0"/>
-              <a:t> </a:t>
-            </a:r>
-            <a:r>
-              <a:rPr lang="en-US" altLang="zh-CN" dirty="0" err="1"/>
-              <a:t>bind_to_function</a:t>
-            </a:r>
-            <a:r>
-              <a:rPr lang="en-US" altLang="zh-CN" dirty="0"/>
-              <a:t>&lt;F, Arg0, </a:t>
-            </a:r>
-            <a:r>
-              <a:rPr lang="en-US" altLang="zh-CN" dirty="0" err="1"/>
-              <a:t>Args</a:t>
-            </a:r>
-            <a:r>
-              <a:rPr lang="en-US" altLang="zh-CN" dirty="0"/>
-              <a:t>...&gt;::type</a:t>
-            </a:r>
-          </a:p>
-          <a:p>
-            <a:r>
-              <a:rPr lang="en-US" altLang="zh-CN" dirty="0"/>
-              <a:t>{</a:t>
-            </a:r>
-          </a:p>
-          <a:p>
-            <a:r>
-              <a:rPr lang="en-US" altLang="zh-CN" dirty="0" smtClean="0"/>
-              <a:t>    return </a:t>
-            </a:r>
-            <a:r>
-              <a:rPr lang="en-US" altLang="zh-CN" dirty="0" err="1"/>
-              <a:t>std</a:t>
-            </a:r>
-            <a:r>
-              <a:rPr lang="en-US" altLang="zh-CN" dirty="0"/>
-              <a:t>::bind(</a:t>
-            </a:r>
-            <a:r>
-              <a:rPr lang="en-US" altLang="zh-CN" dirty="0" err="1"/>
-              <a:t>std</a:t>
-            </a:r>
-            <a:r>
-              <a:rPr lang="en-US" altLang="zh-CN" dirty="0"/>
-              <a:t>::forward&lt;F&gt;(f), </a:t>
-            </a:r>
-            <a:r>
-              <a:rPr lang="en-US" altLang="zh-CN" dirty="0" err="1"/>
-              <a:t>std</a:t>
-            </a:r>
-            <a:r>
-              <a:rPr lang="en-US" altLang="zh-CN" dirty="0"/>
-              <a:t>::forward&lt;Arg0&gt;(arg0), </a:t>
-            </a:r>
-            <a:r>
-              <a:rPr lang="en-US" altLang="zh-CN" dirty="0" smtClean="0"/>
-              <a:t>      </a:t>
-            </a:r>
-            <a:r>
-              <a:rPr lang="en-US" altLang="zh-CN" dirty="0" err="1" smtClean="0"/>
-              <a:t>std</a:t>
-            </a:r>
-            <a:r>
-              <a:rPr lang="en-US" altLang="zh-CN" dirty="0"/>
-              <a:t>::forward&lt;</a:t>
-            </a:r>
-            <a:r>
-              <a:rPr lang="en-US" altLang="zh-CN" dirty="0" err="1"/>
-              <a:t>Args</a:t>
-            </a:r>
-            <a:r>
-              <a:rPr lang="en-US" altLang="zh-CN" dirty="0"/>
-              <a:t>&gt;(</a:t>
-            </a:r>
-            <a:r>
-              <a:rPr lang="en-US" altLang="zh-CN" dirty="0" err="1"/>
-              <a:t>args</a:t>
-            </a:r>
-            <a:r>
-              <a:rPr lang="en-US" altLang="zh-CN" dirty="0"/>
-              <a:t>)...);</a:t>
-            </a:r>
-          </a:p>
-          <a:p>
-            <a:r>
-              <a:rPr lang="en-US" altLang="zh-CN" dirty="0"/>
-              <a:t>}</a:t>
-            </a:r>
-          </a:p>
-          <a:p>
-            <a:endParaRPr lang="zh-CN" altLang="en-US" dirty="0"/>
-          </a:p>
-          <a:p>
-            <a:r>
-              <a:rPr lang="en-US" altLang="zh-CN" dirty="0"/>
-              <a:t>template &lt;</a:t>
-            </a:r>
-            <a:r>
-              <a:rPr lang="en-US" altLang="zh-CN" dirty="0" err="1"/>
-              <a:t>typename</a:t>
-            </a:r>
-            <a:r>
-              <a:rPr lang="en-US" altLang="zh-CN" dirty="0"/>
-              <a:t> F&gt;</a:t>
-            </a:r>
-          </a:p>
-          <a:p>
-            <a:r>
-              <a:rPr lang="en-US" altLang="zh-CN" dirty="0"/>
-              <a:t>auto </a:t>
-            </a:r>
-            <a:r>
-              <a:rPr lang="en-US" altLang="zh-CN" dirty="0" err="1" smtClean="0"/>
-              <a:t>bind_impl</a:t>
-            </a:r>
-            <a:r>
-              <a:rPr lang="en-US" altLang="zh-CN" dirty="0" smtClean="0"/>
-              <a:t>(F</a:t>
-            </a:r>
-            <a:r>
-              <a:rPr lang="en-US" altLang="zh-CN" dirty="0"/>
-              <a:t>&amp;&amp; f</a:t>
-            </a:r>
-            <a:r>
-              <a:rPr lang="en-US" altLang="zh-CN" dirty="0" smtClean="0"/>
-              <a:t>) -&gt; </a:t>
-            </a:r>
-            <a:r>
-              <a:rPr lang="en-US" altLang="zh-CN" dirty="0" err="1"/>
-              <a:t>typename</a:t>
-            </a:r>
-            <a:r>
-              <a:rPr lang="en-US" altLang="zh-CN" dirty="0"/>
-              <a:t> </a:t>
-            </a:r>
-            <a:r>
-              <a:rPr lang="en-US" altLang="zh-CN" dirty="0" err="1"/>
-              <a:t>function_traits</a:t>
-            </a:r>
-            <a:r>
-              <a:rPr lang="en-US" altLang="zh-CN" dirty="0"/>
-              <a:t>&lt;F&gt;::</a:t>
-            </a:r>
-            <a:r>
-              <a:rPr lang="en-US" altLang="zh-CN" dirty="0" err="1"/>
-              <a:t>stl_function_type</a:t>
-            </a:r>
-            <a:endParaRPr lang="en-US" altLang="zh-CN" dirty="0"/>
-          </a:p>
-          <a:p>
-            <a:r>
-              <a:rPr lang="en-US" altLang="zh-CN" dirty="0"/>
-              <a:t>{</a:t>
-            </a:r>
-          </a:p>
-          <a:p>
-            <a:r>
-              <a:rPr lang="en-US" altLang="zh-CN" dirty="0" smtClean="0"/>
-              <a:t>    return </a:t>
-            </a:r>
-            <a:r>
-              <a:rPr lang="en-US" altLang="zh-CN" b="1" dirty="0"/>
-              <a:t>[</a:t>
-            </a:r>
-            <a:r>
-              <a:rPr lang="en-US" altLang="zh-CN" b="1" dirty="0" err="1"/>
-              <a:t>func</a:t>
-            </a:r>
-            <a:r>
-              <a:rPr lang="en-US" altLang="zh-CN" b="1" dirty="0"/>
-              <a:t> = </a:t>
-            </a:r>
-            <a:r>
-              <a:rPr lang="en-US" altLang="zh-CN" b="1" dirty="0" err="1"/>
-              <a:t>std</a:t>
-            </a:r>
-            <a:r>
-              <a:rPr lang="en-US" altLang="zh-CN" b="1" dirty="0"/>
-              <a:t>::forward&lt;F&gt;(f)](auto&amp;&amp; ... </a:t>
-            </a:r>
-            <a:r>
-              <a:rPr lang="en-US" altLang="zh-CN" b="1" dirty="0" err="1"/>
-              <a:t>args</a:t>
-            </a:r>
-            <a:r>
-              <a:rPr lang="en-US" altLang="zh-CN" b="1" dirty="0" smtClean="0"/>
-              <a:t>)</a:t>
-            </a:r>
-            <a:r>
-              <a:rPr lang="en-US" altLang="zh-CN" dirty="0" smtClean="0"/>
-              <a:t>{ </a:t>
-            </a:r>
-          </a:p>
-          <a:p>
-            <a:r>
-              <a:rPr lang="en-US" altLang="zh-CN" dirty="0" smtClean="0"/>
-              <a:t>        return </a:t>
-            </a:r>
-            <a:r>
-              <a:rPr lang="en-US" altLang="zh-CN" dirty="0" err="1"/>
-              <a:t>func</a:t>
-            </a:r>
-            <a:r>
-              <a:rPr lang="en-US" altLang="zh-CN" dirty="0"/>
-              <a:t>(</a:t>
-            </a:r>
-            <a:r>
-              <a:rPr lang="en-US" altLang="zh-CN" dirty="0" err="1"/>
-              <a:t>std</a:t>
-            </a:r>
-            <a:r>
-              <a:rPr lang="en-US" altLang="zh-CN" dirty="0"/>
-              <a:t>::forward&lt;</a:t>
-            </a:r>
-            <a:r>
-              <a:rPr lang="en-US" altLang="zh-CN" dirty="0" err="1"/>
-              <a:t>decltype</a:t>
-            </a:r>
-            <a:r>
-              <a:rPr lang="en-US" altLang="zh-CN" dirty="0"/>
-              <a:t>(</a:t>
-            </a:r>
-            <a:r>
-              <a:rPr lang="en-US" altLang="zh-CN" dirty="0" err="1"/>
-              <a:t>args</a:t>
-            </a:r>
-            <a:r>
-              <a:rPr lang="en-US" altLang="zh-CN" dirty="0"/>
-              <a:t>)&gt;(</a:t>
-            </a:r>
-            <a:r>
-              <a:rPr lang="en-US" altLang="zh-CN" dirty="0" err="1"/>
-              <a:t>args</a:t>
-            </a:r>
-            <a:r>
-              <a:rPr lang="en-US" altLang="zh-CN" dirty="0"/>
-              <a:t>)...); </a:t>
-            </a:r>
-            <a:endParaRPr lang="en-US" altLang="zh-CN" dirty="0" smtClean="0"/>
-          </a:p>
-          <a:p>
-            <a:r>
-              <a:rPr lang="en-US" altLang="zh-CN" dirty="0" smtClean="0"/>
-              <a:t>    };</a:t>
-            </a:r>
-            <a:endParaRPr lang="en-US" altLang="zh-CN" dirty="0"/>
-          </a:p>
-          <a:p>
-            <a:r>
-              <a:rPr lang="en-US" altLang="zh-CN" dirty="0"/>
-              <a:t>}</a:t>
-            </a:r>
-            <a:endParaRPr lang="zh-CN" altLang="en-US" dirty="0"/>
+            <a:endParaRPr lang="zh-CN" altLang="en-US"/>
+          </a:p>
+        </p:txBody>
+      </p:sp>
+      <p:sp>
+        <p:nvSpPr>
+          <p:cNvPr id="4" name="文本框 3"/>
+          <p:cNvSpPr txBox="1"/>
+          <p:nvPr/>
+        </p:nvSpPr>
+        <p:spPr>
+          <a:xfrm>
+            <a:off x="2183130" y="2627630"/>
+            <a:ext cx="4675505" cy="521970"/>
+          </a:xfrm>
+          <a:prstGeom prst="rect">
+            <a:avLst/>
+          </a:prstGeom>
+          <a:noFill/>
+        </p:spPr>
+        <p:txBody>
+          <a:bodyPr wrap="none" rtlCol="0" anchor="t">
+            <a:spAutoFit/>
+          </a:bodyPr>
+          <a:lstStyle/>
+          <a:p>
+            <a:r>
+              <a:rPr lang="en-US" altLang="zh-CN" sz="2800" dirty="0">
+                <a:solidFill>
+                  <a:schemeClr val="accent5"/>
+                </a:solidFill>
+                <a:sym typeface="+mn-ea"/>
+              </a:rPr>
+              <a:t>What </a:t>
+            </a:r>
+            <a:r>
+              <a:rPr lang="en-US" altLang="zh-CN" sz="2800" dirty="0" smtClean="0">
+                <a:solidFill>
+                  <a:schemeClr val="accent5"/>
+                </a:solidFill>
+                <a:sym typeface="+mn-ea"/>
+              </a:rPr>
+              <a:t>can we do </a:t>
+            </a:r>
+            <a:r>
+              <a:rPr lang="en-US" altLang="zh-CN" sz="2800" dirty="0">
+                <a:solidFill>
+                  <a:schemeClr val="accent5"/>
+                </a:solidFill>
+                <a:sym typeface="+mn-ea"/>
+              </a:rPr>
+              <a:t>with </a:t>
+            </a:r>
+            <a:r>
+              <a:rPr lang="en-US" altLang="zh-CN" sz="2800" dirty="0" smtClean="0">
+                <a:solidFill>
+                  <a:schemeClr val="accent5"/>
+                </a:solidFill>
+                <a:sym typeface="+mn-ea"/>
+              </a:rPr>
+              <a:t>rest_rpc?</a:t>
+            </a:r>
           </a:p>
         </p:txBody>
       </p:sp>
@@ -21813,7 +21632,7 @@
       </p:grpSpPr>
       <p:sp>
         <p:nvSpPr>
-          <p:cNvPr id="2" name="标题 1"/>
+          <p:cNvPr id="2" name="Title 1"/>
           <p:cNvSpPr>
             <a:spLocks noGrp="1"/>
           </p:cNvSpPr>
@@ -21821,18 +21640,37 @@
             <p:ph type="title"/>
           </p:nvPr>
         </p:nvSpPr>
-        <p:spPr/>
+        <p:spPr>
+          <a:xfrm>
+            <a:off x="501794" y="260039"/>
+            <a:ext cx="6718156" cy="476885"/>
+          </a:xfrm>
+        </p:spPr>
         <p:txBody>
           <a:bodyPr/>
           <a:lstStyle/>
           <a:p>
-            <a:endParaRPr lang="zh-CN" altLang="en-US"/>
-          </a:p>
-        </p:txBody>
-      </p:sp>
-      <p:sp>
-        <p:nvSpPr>
-          <p:cNvPr id="3" name="文本占位符 2"/>
+            <a:r>
+              <a:rPr altLang="zh-CN" smtClean="0">
+                <a:sym typeface="+mn-ea"/>
+              </a:rPr>
+              <a:t>what can </a:t>
+            </a:r>
+            <a:r>
+              <a:rPr lang="en-US" altLang="zh-CN" dirty="0" err="1" smtClean="0"/>
+              <a:t>rest_rpc</a:t>
+            </a:r>
+            <a:r>
+              <a:rPr lang="en-US" altLang="zh-CN" dirty="0" smtClean="0"/>
+              <a:t> be used to do </a:t>
+            </a:r>
+            <a:endParaRPr lang="zh-CN" altLang="en-US" dirty="0"/>
+          </a:p>
+        </p:txBody>
+      </p:sp>
+      <p:sp>
+        <p:nvSpPr>
+          <p:cNvPr id="3" name="Text Placeholder 2"/>
           <p:cNvSpPr>
             <a:spLocks noGrp="1"/>
           </p:cNvSpPr>
@@ -21845,68 +21683,80 @@
           <a:bodyPr/>
           <a:lstStyle/>
           <a:p>
-            <a:endParaRPr lang="zh-CN" altLang="en-US"/>
-          </a:p>
-        </p:txBody>
-      </p:sp>
-      <p:sp>
-        <p:nvSpPr>
-          <p:cNvPr id="4" name="文本框 3"/>
-          <p:cNvSpPr txBox="1"/>
-          <p:nvPr/>
-        </p:nvSpPr>
-        <p:spPr>
-          <a:xfrm>
-            <a:off x="2183130" y="2627630"/>
-            <a:ext cx="4675505" cy="521970"/>
-          </a:xfrm>
-          <a:prstGeom prst="rect">
-            <a:avLst/>
-          </a:prstGeom>
-          <a:noFill/>
-        </p:spPr>
-        <p:txBody>
-          <a:bodyPr wrap="none" rtlCol="0" anchor="t">
-            <a:spAutoFit/>
-          </a:bodyPr>
-          <a:lstStyle/>
-          <a:p>
-            <a:r>
-              <a:rPr lang="en-US" altLang="zh-CN" sz="2800" dirty="0">
-                <a:solidFill>
-                  <a:schemeClr val="accent5"/>
-                </a:solidFill>
-                <a:sym typeface="+mn-ea"/>
-              </a:rPr>
-              <a:t>What </a:t>
-            </a:r>
-            <a:r>
-              <a:rPr lang="en-US" altLang="zh-CN" sz="2800" dirty="0" smtClean="0">
-                <a:solidFill>
-                  <a:schemeClr val="accent5"/>
-                </a:solidFill>
-                <a:sym typeface="+mn-ea"/>
-              </a:rPr>
-              <a:t>can we do </a:t>
-            </a:r>
-            <a:r>
-              <a:rPr lang="en-US" altLang="zh-CN" sz="2800" dirty="0">
-                <a:solidFill>
-                  <a:schemeClr val="accent5"/>
-                </a:solidFill>
-                <a:sym typeface="+mn-ea"/>
-              </a:rPr>
-              <a:t>with </a:t>
-            </a:r>
-            <a:r>
-              <a:rPr lang="en-US" altLang="zh-CN" sz="2800" dirty="0" smtClean="0">
-                <a:solidFill>
-                  <a:schemeClr val="accent5"/>
-                </a:solidFill>
-                <a:sym typeface="+mn-ea"/>
-              </a:rPr>
-              <a:t>rest_rpc?</a:t>
-            </a:r>
+            <a:r>
+              <a:rPr lang="en-US" altLang="zh-CN" b="1" dirty="0" err="1"/>
+              <a:t>Interprocess</a:t>
+            </a:r>
+            <a:r>
+              <a:rPr lang="en-US" altLang="zh-CN" b="1" dirty="0"/>
+              <a:t> </a:t>
+            </a:r>
+            <a:r>
+              <a:rPr lang="en-US" altLang="zh-CN" b="1" dirty="0" smtClean="0"/>
+              <a:t>communication</a:t>
+            </a:r>
+          </a:p>
+          <a:p>
+            <a:endParaRPr lang="en-US" altLang="zh-CN" b="1" dirty="0" smtClean="0"/>
+          </a:p>
+          <a:p>
+            <a:r>
+              <a:rPr lang="en-US" altLang="zh-CN" b="1" dirty="0" smtClean="0"/>
+              <a:t>Distribute system</a:t>
+            </a:r>
+          </a:p>
+          <a:p>
+            <a:pPr marL="285750" indent="-285750">
+              <a:buFont typeface="Arial" panose="020B0604020202020204" pitchFamily="34" charset="0"/>
+              <a:buChar char="•"/>
+            </a:pPr>
+            <a:r>
+              <a:rPr lang="en-US" altLang="zh-CN" dirty="0" smtClean="0"/>
+              <a:t>HA(binary star, raft)</a:t>
+            </a:r>
+          </a:p>
+          <a:p>
+            <a:pPr marL="285750" indent="-285750">
+              <a:buFont typeface="Arial" panose="020B0604020202020204" pitchFamily="34" charset="0"/>
+              <a:buChar char="•"/>
+            </a:pPr>
+            <a:r>
+              <a:rPr lang="en-US" altLang="zh-CN" dirty="0" smtClean="0"/>
+              <a:t>Service discovery</a:t>
+            </a:r>
+          </a:p>
+          <a:p>
+            <a:pPr marL="285750" indent="-285750">
+              <a:buFont typeface="Arial" panose="020B0604020202020204" pitchFamily="34" charset="0"/>
+              <a:buChar char="•"/>
+            </a:pPr>
+            <a:r>
+              <a:rPr lang="en-US" altLang="zh-CN" dirty="0" smtClean="0"/>
+              <a:t>Message queue</a:t>
+            </a:r>
+          </a:p>
+          <a:p>
+            <a:pPr marL="285750" indent="-285750">
+              <a:buFont typeface="Arial" panose="020B0604020202020204" pitchFamily="34" charset="0"/>
+              <a:buChar char="•"/>
+            </a:pPr>
+            <a:r>
+              <a:rPr lang="en-US" altLang="zh-CN" dirty="0" smtClean="0"/>
+              <a:t>Distribute compute</a:t>
+            </a:r>
+          </a:p>
+          <a:p>
+            <a:pPr marL="285750" indent="-285750">
+              <a:buFont typeface="Arial" panose="020B0604020202020204" pitchFamily="34" charset="0"/>
+              <a:buChar char="•"/>
+            </a:pPr>
+            <a:r>
+              <a:rPr lang="en-US" altLang="zh-CN" dirty="0" smtClean="0"/>
+              <a:t>Distribute storage</a:t>
+            </a:r>
+          </a:p>
+          <a:p>
+            <a:endParaRPr lang="zh-CN" altLang="en-US" b="1" dirty="0"/>
           </a:p>
         </p:txBody>
       </p:sp>
@@ -22047,168 +21897,6 @@
       </p:grpSpPr>
       <p:sp>
         <p:nvSpPr>
-          <p:cNvPr id="2" name="Title 1"/>
-          <p:cNvSpPr>
-            <a:spLocks noGrp="1"/>
-          </p:cNvSpPr>
-          <p:nvPr>
-            <p:ph type="title"/>
-          </p:nvPr>
-        </p:nvSpPr>
-        <p:spPr>
-          <a:xfrm>
-            <a:off x="501794" y="260039"/>
-            <a:ext cx="6718156" cy="476885"/>
-          </a:xfrm>
-        </p:spPr>
-        <p:txBody>
-          <a:bodyPr/>
-          <a:lstStyle/>
-          <a:p>
-            <a:r>
-              <a:rPr altLang="zh-CN" smtClean="0">
-                <a:sym typeface="+mn-ea"/>
-              </a:rPr>
-              <a:t>what can </a:t>
-            </a:r>
-            <a:r>
-              <a:rPr lang="en-US" altLang="zh-CN" dirty="0" err="1" smtClean="0"/>
-              <a:t>rest_rpc</a:t>
-            </a:r>
-            <a:r>
-              <a:rPr lang="en-US" altLang="zh-CN" dirty="0" smtClean="0"/>
-              <a:t> be used to do </a:t>
-            </a:r>
-            <a:endParaRPr lang="zh-CN" altLang="en-US" dirty="0"/>
-          </a:p>
-        </p:txBody>
-      </p:sp>
-      <p:sp>
-        <p:nvSpPr>
-          <p:cNvPr id="3" name="Text Placeholder 2"/>
-          <p:cNvSpPr>
-            <a:spLocks noGrp="1"/>
-          </p:cNvSpPr>
-          <p:nvPr>
-            <p:ph type="body" sz="half" idx="2"/>
-          </p:nvPr>
-        </p:nvSpPr>
-        <p:spPr/>
-        <p:txBody>
-          <a:bodyPr/>
-          <a:lstStyle/>
-          <a:p>
-            <a:r>
-              <a:rPr lang="en-US" altLang="zh-CN" b="1" dirty="0" err="1"/>
-              <a:t>Interprocess</a:t>
-            </a:r>
-            <a:r>
-              <a:rPr lang="en-US" altLang="zh-CN" b="1" dirty="0"/>
-              <a:t> </a:t>
-            </a:r>
-            <a:r>
-              <a:rPr lang="en-US" altLang="zh-CN" b="1" dirty="0" smtClean="0"/>
-              <a:t>communication</a:t>
-            </a:r>
-          </a:p>
-          <a:p>
-            <a:endParaRPr lang="en-US" altLang="zh-CN" b="1" dirty="0" smtClean="0"/>
-          </a:p>
-          <a:p>
-            <a:r>
-              <a:rPr lang="en-US" altLang="zh-CN" b="1" dirty="0" smtClean="0"/>
-              <a:t>Distribute system</a:t>
-            </a:r>
-          </a:p>
-          <a:p>
-            <a:pPr marL="285750" indent="-285750">
-              <a:buFont typeface="Arial" panose="020B0604020202020204" pitchFamily="34" charset="0"/>
-              <a:buChar char="•"/>
-            </a:pPr>
-            <a:r>
-              <a:rPr lang="en-US" altLang="zh-CN" dirty="0" smtClean="0"/>
-              <a:t>HA(binary star, raft)</a:t>
-            </a:r>
-          </a:p>
-          <a:p>
-            <a:pPr marL="285750" indent="-285750">
-              <a:buFont typeface="Arial" panose="020B0604020202020204" pitchFamily="34" charset="0"/>
-              <a:buChar char="•"/>
-            </a:pPr>
-            <a:r>
-              <a:rPr lang="en-US" altLang="zh-CN" dirty="0" smtClean="0"/>
-              <a:t>Service discovery</a:t>
-            </a:r>
-          </a:p>
-          <a:p>
-            <a:pPr marL="285750" indent="-285750">
-              <a:buFont typeface="Arial" panose="020B0604020202020204" pitchFamily="34" charset="0"/>
-              <a:buChar char="•"/>
-            </a:pPr>
-            <a:r>
-              <a:rPr lang="en-US" altLang="zh-CN" dirty="0" smtClean="0"/>
-              <a:t>Message queue</a:t>
-            </a:r>
-          </a:p>
-          <a:p>
-            <a:pPr marL="285750" indent="-285750">
-              <a:buFont typeface="Arial" panose="020B0604020202020204" pitchFamily="34" charset="0"/>
-              <a:buChar char="•"/>
-            </a:pPr>
-            <a:r>
-              <a:rPr lang="en-US" altLang="zh-CN" dirty="0" smtClean="0"/>
-              <a:t>Distribute compute</a:t>
-            </a:r>
-          </a:p>
-          <a:p>
-            <a:pPr marL="285750" indent="-285750">
-              <a:buFont typeface="Arial" panose="020B0604020202020204" pitchFamily="34" charset="0"/>
-              <a:buChar char="•"/>
-            </a:pPr>
-            <a:r>
-              <a:rPr lang="en-US" altLang="zh-CN" dirty="0" smtClean="0"/>
-              <a:t>Distribute storage</a:t>
-            </a:r>
-          </a:p>
-          <a:p>
-            <a:endParaRPr lang="zh-CN" altLang="en-US" b="1" dirty="0"/>
-          </a:p>
-        </p:txBody>
-      </p:sp>
-    </p:spTree>
-  </p:cSld>
-  <p:clrMapOvr>
-    <a:masterClrMapping/>
-  </p:clrMapOvr>
-  <p:timing>
-    <p:tnLst>
-      <p:par>
-        <p:cTn id="1" dur="indefinite" restart="never" nodeType="tmRoot"/>
-      </p:par>
-    </p:tnLst>
-  </p:timing>
-</p:sld>
-</file>
-
-<file path=ppt/slides/slide41.xml><?xml version="1.0" encoding="utf-8"?>
-<p:sld xmlns:a="http://schemas.openxmlformats.org/drawingml/2006/main" xmlns:r="http://schemas.openxmlformats.org/officeDocument/2006/relationships" xmlns:p="http://schemas.openxmlformats.org/presentationml/2006/main">
-  <p:cSld>
-    <p:spTree>
-      <p:nvGrpSpPr>
-        <p:cNvPr id="1" name=""/>
-        <p:cNvGrpSpPr/>
-        <p:nvPr/>
-      </p:nvGrpSpPr>
-      <p:grpSpPr>
-        <a:xfrm>
-          <a:off x="0" y="0"/>
-          <a:ext cx="0" cy="0"/>
-          <a:chOff x="0" y="0"/>
-          <a:chExt cx="0" cy="0"/>
-        </a:xfrm>
-      </p:grpSpPr>
-      <p:sp>
-        <p:nvSpPr>
           <p:cNvPr id="2" name="标题 1"/>
           <p:cNvSpPr>
             <a:spLocks noGrp="1"/>
@@ -22294,7 +21982,7 @@
 </p:sld>
 </file>
 
-<file path=ppt/slides/slide42.xml><?xml version="1.0" encoding="utf-8"?>
+<file path=ppt/slides/slide41.xml><?xml version="1.0" encoding="utf-8"?>
 <p:sld xmlns:a="http://schemas.openxmlformats.org/drawingml/2006/main" xmlns:r="http://schemas.openxmlformats.org/officeDocument/2006/relationships" xmlns:p="http://schemas.openxmlformats.org/presentationml/2006/main">
   <p:cSld>
     <p:spTree>
@@ -22766,7 +22454,7 @@
 </p:sld>
 </file>
 
-<file path=ppt/slides/slide43.xml><?xml version="1.0" encoding="utf-8"?>
+<file path=ppt/slides/slide42.xml><?xml version="1.0" encoding="utf-8"?>
 <p:sld xmlns:a="http://schemas.openxmlformats.org/drawingml/2006/main" xmlns:r="http://schemas.openxmlformats.org/officeDocument/2006/relationships" xmlns:p="http://schemas.openxmlformats.org/presentationml/2006/main">
   <p:cSld>
     <p:spTree>
@@ -23554,7 +23242,7 @@
 </p:sld>
 </file>
 
-<file path=ppt/slides/slide44.xml><?xml version="1.0" encoding="utf-8"?>
+<file path=ppt/slides/slide43.xml><?xml version="1.0" encoding="utf-8"?>
 <p:sld xmlns:a="http://schemas.openxmlformats.org/drawingml/2006/main" xmlns:r="http://schemas.openxmlformats.org/officeDocument/2006/relationships" xmlns:p="http://schemas.openxmlformats.org/presentationml/2006/main">
   <p:cSld>
     <p:spTree>
@@ -23698,7 +23386,7 @@
 </p:sld>
 </file>
 
-<file path=ppt/slides/slide45.xml><?xml version="1.0" encoding="utf-8"?>
+<file path=ppt/slides/slide44.xml><?xml version="1.0" encoding="utf-8"?>
 <p:sld xmlns:a="http://schemas.openxmlformats.org/drawingml/2006/main" xmlns:r="http://schemas.openxmlformats.org/officeDocument/2006/relationships" xmlns:p="http://schemas.openxmlformats.org/presentationml/2006/main">
   <p:cSld>
     <p:spTree>
